--- a/Slides/Common Slides for CS 5010.pptx
+++ b/Slides/Common Slides for CS 5010.pptx
@@ -5,7 +5,7 @@
     <p:sldMasterId id="2147483648" r:id="rId1"/>
   </p:sldMasterIdLst>
   <p:notesMasterIdLst>
-    <p:notesMasterId r:id="rId32"/>
+    <p:notesMasterId r:id="rId33"/>
   </p:notesMasterIdLst>
   <p:sldIdLst>
     <p:sldId id="285" r:id="rId2"/>
@@ -16,33 +16,34 @@
     <p:sldId id="291" r:id="rId7"/>
     <p:sldId id="292" r:id="rId8"/>
     <p:sldId id="300" r:id="rId9"/>
-    <p:sldId id="261" r:id="rId10"/>
-    <p:sldId id="264" r:id="rId11"/>
-    <p:sldId id="297" r:id="rId12"/>
-    <p:sldId id="265" r:id="rId13"/>
-    <p:sldId id="301" r:id="rId14"/>
-    <p:sldId id="289" r:id="rId15"/>
-    <p:sldId id="266" r:id="rId16"/>
-    <p:sldId id="267" r:id="rId17"/>
-    <p:sldId id="268" r:id="rId18"/>
-    <p:sldId id="269" r:id="rId19"/>
-    <p:sldId id="279" r:id="rId20"/>
-    <p:sldId id="280" r:id="rId21"/>
-    <p:sldId id="281" r:id="rId22"/>
-    <p:sldId id="299" r:id="rId23"/>
-    <p:sldId id="284" r:id="rId24"/>
-    <p:sldId id="277" r:id="rId25"/>
-    <p:sldId id="273" r:id="rId26"/>
-    <p:sldId id="274" r:id="rId27"/>
-    <p:sldId id="276" r:id="rId28"/>
-    <p:sldId id="278" r:id="rId29"/>
-    <p:sldId id="282" r:id="rId30"/>
-    <p:sldId id="283" r:id="rId31"/>
+    <p:sldId id="302" r:id="rId10"/>
+    <p:sldId id="261" r:id="rId11"/>
+    <p:sldId id="264" r:id="rId12"/>
+    <p:sldId id="297" r:id="rId13"/>
+    <p:sldId id="265" r:id="rId14"/>
+    <p:sldId id="301" r:id="rId15"/>
+    <p:sldId id="289" r:id="rId16"/>
+    <p:sldId id="266" r:id="rId17"/>
+    <p:sldId id="267" r:id="rId18"/>
+    <p:sldId id="268" r:id="rId19"/>
+    <p:sldId id="269" r:id="rId20"/>
+    <p:sldId id="279" r:id="rId21"/>
+    <p:sldId id="280" r:id="rId22"/>
+    <p:sldId id="281" r:id="rId23"/>
+    <p:sldId id="299" r:id="rId24"/>
+    <p:sldId id="284" r:id="rId25"/>
+    <p:sldId id="277" r:id="rId26"/>
+    <p:sldId id="273" r:id="rId27"/>
+    <p:sldId id="274" r:id="rId28"/>
+    <p:sldId id="276" r:id="rId29"/>
+    <p:sldId id="278" r:id="rId30"/>
+    <p:sldId id="282" r:id="rId31"/>
+    <p:sldId id="283" r:id="rId32"/>
   </p:sldIdLst>
   <p:sldSz cx="9144000" cy="6858000" type="screen4x3"/>
   <p:notesSz cx="6858000" cy="9144000"/>
   <p:custDataLst>
-    <p:tags r:id="rId33"/>
+    <p:tags r:id="rId34"/>
   </p:custDataLst>
   <p:defaultTextStyle>
     <a:defPPr>
@@ -158,6 +159,4639 @@
 </p:presentation>
 </file>
 
+<file path=ppt/diagrams/colors1.xml><?xml version="1.0" encoding="utf-8"?>
+<dgm:colorsDef xmlns:dgm="http://schemas.openxmlformats.org/drawingml/2006/diagram" xmlns:a="http://schemas.openxmlformats.org/drawingml/2006/main" uniqueId="urn:microsoft.com/office/officeart/2005/8/colors/accent1_2">
+  <dgm:title val=""/>
+  <dgm:desc val=""/>
+  <dgm:catLst>
+    <dgm:cat type="accent1" pri="11200"/>
+  </dgm:catLst>
+  <dgm:styleLbl name="node0">
+    <dgm:fillClrLst meth="repeat">
+      <a:schemeClr val="accent1"/>
+    </dgm:fillClrLst>
+    <dgm:linClrLst meth="repeat">
+      <a:schemeClr val="lt1"/>
+    </dgm:linClrLst>
+    <dgm:effectClrLst/>
+    <dgm:txLinClrLst/>
+    <dgm:txFillClrLst/>
+    <dgm:txEffectClrLst/>
+  </dgm:styleLbl>
+  <dgm:styleLbl name="alignNode1">
+    <dgm:fillClrLst meth="repeat">
+      <a:schemeClr val="accent1"/>
+    </dgm:fillClrLst>
+    <dgm:linClrLst meth="repeat">
+      <a:schemeClr val="accent1"/>
+    </dgm:linClrLst>
+    <dgm:effectClrLst/>
+    <dgm:txLinClrLst/>
+    <dgm:txFillClrLst/>
+    <dgm:txEffectClrLst/>
+  </dgm:styleLbl>
+  <dgm:styleLbl name="node1">
+    <dgm:fillClrLst meth="repeat">
+      <a:schemeClr val="accent1"/>
+    </dgm:fillClrLst>
+    <dgm:linClrLst meth="repeat">
+      <a:schemeClr val="lt1"/>
+    </dgm:linClrLst>
+    <dgm:effectClrLst/>
+    <dgm:txLinClrLst/>
+    <dgm:txFillClrLst/>
+    <dgm:txEffectClrLst/>
+  </dgm:styleLbl>
+  <dgm:styleLbl name="lnNode1">
+    <dgm:fillClrLst meth="repeat">
+      <a:schemeClr val="accent1"/>
+    </dgm:fillClrLst>
+    <dgm:linClrLst meth="repeat">
+      <a:schemeClr val="lt1"/>
+    </dgm:linClrLst>
+    <dgm:effectClrLst/>
+    <dgm:txLinClrLst/>
+    <dgm:txFillClrLst/>
+    <dgm:txEffectClrLst/>
+  </dgm:styleLbl>
+  <dgm:styleLbl name="vennNode1">
+    <dgm:fillClrLst meth="repeat">
+      <a:schemeClr val="accent1">
+        <a:alpha val="50000"/>
+      </a:schemeClr>
+    </dgm:fillClrLst>
+    <dgm:linClrLst meth="repeat">
+      <a:schemeClr val="lt1"/>
+    </dgm:linClrLst>
+    <dgm:effectClrLst/>
+    <dgm:txLinClrLst/>
+    <dgm:txFillClrLst/>
+    <dgm:txEffectClrLst/>
+  </dgm:styleLbl>
+  <dgm:styleLbl name="node2">
+    <dgm:fillClrLst meth="repeat">
+      <a:schemeClr val="accent1"/>
+    </dgm:fillClrLst>
+    <dgm:linClrLst meth="repeat">
+      <a:schemeClr val="lt1"/>
+    </dgm:linClrLst>
+    <dgm:effectClrLst/>
+    <dgm:txLinClrLst/>
+    <dgm:txFillClrLst/>
+    <dgm:txEffectClrLst/>
+  </dgm:styleLbl>
+  <dgm:styleLbl name="node3">
+    <dgm:fillClrLst meth="repeat">
+      <a:schemeClr val="accent1"/>
+    </dgm:fillClrLst>
+    <dgm:linClrLst meth="repeat">
+      <a:schemeClr val="lt1"/>
+    </dgm:linClrLst>
+    <dgm:effectClrLst/>
+    <dgm:txLinClrLst/>
+    <dgm:txFillClrLst/>
+    <dgm:txEffectClrLst/>
+  </dgm:styleLbl>
+  <dgm:styleLbl name="node4">
+    <dgm:fillClrLst meth="repeat">
+      <a:schemeClr val="accent1"/>
+    </dgm:fillClrLst>
+    <dgm:linClrLst meth="repeat">
+      <a:schemeClr val="lt1"/>
+    </dgm:linClrLst>
+    <dgm:effectClrLst/>
+    <dgm:txLinClrLst/>
+    <dgm:txFillClrLst/>
+    <dgm:txEffectClrLst/>
+  </dgm:styleLbl>
+  <dgm:styleLbl name="fgImgPlace1">
+    <dgm:fillClrLst meth="repeat">
+      <a:schemeClr val="accent1">
+        <a:tint val="50000"/>
+      </a:schemeClr>
+    </dgm:fillClrLst>
+    <dgm:linClrLst meth="repeat">
+      <a:schemeClr val="lt1"/>
+    </dgm:linClrLst>
+    <dgm:effectClrLst/>
+    <dgm:txLinClrLst/>
+    <dgm:txFillClrLst meth="repeat">
+      <a:schemeClr val="lt1"/>
+    </dgm:txFillClrLst>
+    <dgm:txEffectClrLst/>
+  </dgm:styleLbl>
+  <dgm:styleLbl name="alignImgPlace1">
+    <dgm:fillClrLst meth="repeat">
+      <a:schemeClr val="accent1">
+        <a:tint val="50000"/>
+      </a:schemeClr>
+    </dgm:fillClrLst>
+    <dgm:linClrLst meth="repeat">
+      <a:schemeClr val="lt1"/>
+    </dgm:linClrLst>
+    <dgm:effectClrLst/>
+    <dgm:txLinClrLst/>
+    <dgm:txFillClrLst meth="repeat">
+      <a:schemeClr val="lt1"/>
+    </dgm:txFillClrLst>
+    <dgm:txEffectClrLst/>
+  </dgm:styleLbl>
+  <dgm:styleLbl name="bgImgPlace1">
+    <dgm:fillClrLst meth="repeat">
+      <a:schemeClr val="accent1">
+        <a:tint val="50000"/>
+      </a:schemeClr>
+    </dgm:fillClrLst>
+    <dgm:linClrLst meth="repeat">
+      <a:schemeClr val="lt1"/>
+    </dgm:linClrLst>
+    <dgm:effectClrLst/>
+    <dgm:txLinClrLst/>
+    <dgm:txFillClrLst meth="repeat">
+      <a:schemeClr val="lt1"/>
+    </dgm:txFillClrLst>
+    <dgm:txEffectClrLst/>
+  </dgm:styleLbl>
+  <dgm:styleLbl name="sibTrans2D1">
+    <dgm:fillClrLst meth="repeat">
+      <a:schemeClr val="accent1">
+        <a:tint val="60000"/>
+      </a:schemeClr>
+    </dgm:fillClrLst>
+    <dgm:linClrLst meth="repeat">
+      <a:schemeClr val="accent1">
+        <a:tint val="60000"/>
+      </a:schemeClr>
+    </dgm:linClrLst>
+    <dgm:effectClrLst/>
+    <dgm:txLinClrLst/>
+    <dgm:txFillClrLst/>
+    <dgm:txEffectClrLst/>
+  </dgm:styleLbl>
+  <dgm:styleLbl name="fgSibTrans2D1">
+    <dgm:fillClrLst meth="repeat">
+      <a:schemeClr val="accent1">
+        <a:tint val="60000"/>
+      </a:schemeClr>
+    </dgm:fillClrLst>
+    <dgm:linClrLst meth="repeat">
+      <a:schemeClr val="accent1">
+        <a:tint val="60000"/>
+      </a:schemeClr>
+    </dgm:linClrLst>
+    <dgm:effectClrLst/>
+    <dgm:txLinClrLst/>
+    <dgm:txFillClrLst/>
+    <dgm:txEffectClrLst/>
+  </dgm:styleLbl>
+  <dgm:styleLbl name="bgSibTrans2D1">
+    <dgm:fillClrLst meth="repeat">
+      <a:schemeClr val="accent1">
+        <a:tint val="60000"/>
+      </a:schemeClr>
+    </dgm:fillClrLst>
+    <dgm:linClrLst meth="repeat">
+      <a:schemeClr val="accent1">
+        <a:tint val="60000"/>
+      </a:schemeClr>
+    </dgm:linClrLst>
+    <dgm:effectClrLst/>
+    <dgm:txLinClrLst/>
+    <dgm:txFillClrLst/>
+    <dgm:txEffectClrLst/>
+  </dgm:styleLbl>
+  <dgm:styleLbl name="sibTrans1D1">
+    <dgm:fillClrLst meth="repeat">
+      <a:schemeClr val="accent1"/>
+    </dgm:fillClrLst>
+    <dgm:linClrLst meth="repeat">
+      <a:schemeClr val="accent1"/>
+    </dgm:linClrLst>
+    <dgm:effectClrLst/>
+    <dgm:txLinClrLst/>
+    <dgm:txFillClrLst meth="repeat">
+      <a:schemeClr val="tx1"/>
+    </dgm:txFillClrLst>
+    <dgm:txEffectClrLst/>
+  </dgm:styleLbl>
+  <dgm:styleLbl name="callout">
+    <dgm:fillClrLst meth="repeat">
+      <a:schemeClr val="accent1"/>
+    </dgm:fillClrLst>
+    <dgm:linClrLst meth="repeat">
+      <a:schemeClr val="accent1">
+        <a:tint val="50000"/>
+      </a:schemeClr>
+    </dgm:linClrLst>
+    <dgm:effectClrLst/>
+    <dgm:txLinClrLst/>
+    <dgm:txFillClrLst meth="repeat">
+      <a:schemeClr val="tx1"/>
+    </dgm:txFillClrLst>
+    <dgm:txEffectClrLst/>
+  </dgm:styleLbl>
+  <dgm:styleLbl name="asst0">
+    <dgm:fillClrLst meth="repeat">
+      <a:schemeClr val="accent1"/>
+    </dgm:fillClrLst>
+    <dgm:linClrLst meth="repeat">
+      <a:schemeClr val="lt1"/>
+    </dgm:linClrLst>
+    <dgm:effectClrLst/>
+    <dgm:txLinClrLst/>
+    <dgm:txFillClrLst/>
+    <dgm:txEffectClrLst/>
+  </dgm:styleLbl>
+  <dgm:styleLbl name="asst1">
+    <dgm:fillClrLst meth="repeat">
+      <a:schemeClr val="accent1"/>
+    </dgm:fillClrLst>
+    <dgm:linClrLst meth="repeat">
+      <a:schemeClr val="lt1"/>
+    </dgm:linClrLst>
+    <dgm:effectClrLst/>
+    <dgm:txLinClrLst/>
+    <dgm:txFillClrLst/>
+    <dgm:txEffectClrLst/>
+  </dgm:styleLbl>
+  <dgm:styleLbl name="asst2">
+    <dgm:fillClrLst meth="repeat">
+      <a:schemeClr val="accent1"/>
+    </dgm:fillClrLst>
+    <dgm:linClrLst meth="repeat">
+      <a:schemeClr val="lt1"/>
+    </dgm:linClrLst>
+    <dgm:effectClrLst/>
+    <dgm:txLinClrLst/>
+    <dgm:txFillClrLst/>
+    <dgm:txEffectClrLst/>
+  </dgm:styleLbl>
+  <dgm:styleLbl name="asst3">
+    <dgm:fillClrLst meth="repeat">
+      <a:schemeClr val="accent1"/>
+    </dgm:fillClrLst>
+    <dgm:linClrLst meth="repeat">
+      <a:schemeClr val="lt1"/>
+    </dgm:linClrLst>
+    <dgm:effectClrLst/>
+    <dgm:txLinClrLst/>
+    <dgm:txFillClrLst/>
+    <dgm:txEffectClrLst/>
+  </dgm:styleLbl>
+  <dgm:styleLbl name="asst4">
+    <dgm:fillClrLst meth="repeat">
+      <a:schemeClr val="accent1"/>
+    </dgm:fillClrLst>
+    <dgm:linClrLst meth="repeat">
+      <a:schemeClr val="lt1"/>
+    </dgm:linClrLst>
+    <dgm:effectClrLst/>
+    <dgm:txLinClrLst/>
+    <dgm:txFillClrLst/>
+    <dgm:txEffectClrLst/>
+  </dgm:styleLbl>
+  <dgm:styleLbl name="parChTrans2D1">
+    <dgm:fillClrLst meth="repeat">
+      <a:schemeClr val="accent1">
+        <a:tint val="60000"/>
+      </a:schemeClr>
+    </dgm:fillClrLst>
+    <dgm:linClrLst meth="repeat">
+      <a:schemeClr val="accent1">
+        <a:tint val="60000"/>
+      </a:schemeClr>
+    </dgm:linClrLst>
+    <dgm:effectClrLst/>
+    <dgm:txLinClrLst/>
+    <dgm:txFillClrLst meth="repeat">
+      <a:schemeClr val="lt1"/>
+    </dgm:txFillClrLst>
+    <dgm:txEffectClrLst/>
+  </dgm:styleLbl>
+  <dgm:styleLbl name="parChTrans2D2">
+    <dgm:fillClrLst meth="repeat">
+      <a:schemeClr val="accent1"/>
+    </dgm:fillClrLst>
+    <dgm:linClrLst meth="repeat">
+      <a:schemeClr val="accent1"/>
+    </dgm:linClrLst>
+    <dgm:effectClrLst/>
+    <dgm:txLinClrLst/>
+    <dgm:txFillClrLst meth="repeat">
+      <a:schemeClr val="lt1"/>
+    </dgm:txFillClrLst>
+    <dgm:txEffectClrLst/>
+  </dgm:styleLbl>
+  <dgm:styleLbl name="parChTrans2D3">
+    <dgm:fillClrLst meth="repeat">
+      <a:schemeClr val="accent1"/>
+    </dgm:fillClrLst>
+    <dgm:linClrLst meth="repeat">
+      <a:schemeClr val="accent1"/>
+    </dgm:linClrLst>
+    <dgm:effectClrLst/>
+    <dgm:txLinClrLst/>
+    <dgm:txFillClrLst meth="repeat">
+      <a:schemeClr val="lt1"/>
+    </dgm:txFillClrLst>
+    <dgm:txEffectClrLst/>
+  </dgm:styleLbl>
+  <dgm:styleLbl name="parChTrans2D4">
+    <dgm:fillClrLst meth="repeat">
+      <a:schemeClr val="accent1"/>
+    </dgm:fillClrLst>
+    <dgm:linClrLst meth="repeat">
+      <a:schemeClr val="accent1"/>
+    </dgm:linClrLst>
+    <dgm:effectClrLst/>
+    <dgm:txLinClrLst/>
+    <dgm:txFillClrLst meth="repeat">
+      <a:schemeClr val="lt1"/>
+    </dgm:txFillClrLst>
+    <dgm:txEffectClrLst/>
+  </dgm:styleLbl>
+  <dgm:styleLbl name="parChTrans1D1">
+    <dgm:fillClrLst meth="repeat">
+      <a:schemeClr val="accent1"/>
+    </dgm:fillClrLst>
+    <dgm:linClrLst meth="repeat">
+      <a:schemeClr val="accent1">
+        <a:shade val="60000"/>
+      </a:schemeClr>
+    </dgm:linClrLst>
+    <dgm:effectClrLst/>
+    <dgm:txLinClrLst/>
+    <dgm:txFillClrLst meth="repeat">
+      <a:schemeClr val="tx1"/>
+    </dgm:txFillClrLst>
+    <dgm:txEffectClrLst/>
+  </dgm:styleLbl>
+  <dgm:styleLbl name="parChTrans1D2">
+    <dgm:fillClrLst meth="repeat">
+      <a:schemeClr val="accent1"/>
+    </dgm:fillClrLst>
+    <dgm:linClrLst meth="repeat">
+      <a:schemeClr val="accent1">
+        <a:shade val="60000"/>
+      </a:schemeClr>
+    </dgm:linClrLst>
+    <dgm:effectClrLst/>
+    <dgm:txLinClrLst/>
+    <dgm:txFillClrLst meth="repeat">
+      <a:schemeClr val="tx1"/>
+    </dgm:txFillClrLst>
+    <dgm:txEffectClrLst/>
+  </dgm:styleLbl>
+  <dgm:styleLbl name="parChTrans1D3">
+    <dgm:fillClrLst meth="repeat">
+      <a:schemeClr val="accent1"/>
+    </dgm:fillClrLst>
+    <dgm:linClrLst meth="repeat">
+      <a:schemeClr val="accent1">
+        <a:shade val="80000"/>
+      </a:schemeClr>
+    </dgm:linClrLst>
+    <dgm:effectClrLst/>
+    <dgm:txLinClrLst/>
+    <dgm:txFillClrLst meth="repeat">
+      <a:schemeClr val="tx1"/>
+    </dgm:txFillClrLst>
+    <dgm:txEffectClrLst/>
+  </dgm:styleLbl>
+  <dgm:styleLbl name="parChTrans1D4">
+    <dgm:fillClrLst meth="repeat">
+      <a:schemeClr val="accent1"/>
+    </dgm:fillClrLst>
+    <dgm:linClrLst meth="repeat">
+      <a:schemeClr val="accent1">
+        <a:shade val="80000"/>
+      </a:schemeClr>
+    </dgm:linClrLst>
+    <dgm:effectClrLst/>
+    <dgm:txLinClrLst/>
+    <dgm:txFillClrLst meth="repeat">
+      <a:schemeClr val="tx1"/>
+    </dgm:txFillClrLst>
+    <dgm:txEffectClrLst/>
+  </dgm:styleLbl>
+  <dgm:styleLbl name="fgAcc1">
+    <dgm:fillClrLst meth="repeat">
+      <a:schemeClr val="lt1">
+        <a:alpha val="90000"/>
+      </a:schemeClr>
+    </dgm:fillClrLst>
+    <dgm:linClrLst meth="repeat">
+      <a:schemeClr val="accent1"/>
+    </dgm:linClrLst>
+    <dgm:effectClrLst/>
+    <dgm:txLinClrLst/>
+    <dgm:txFillClrLst meth="repeat">
+      <a:schemeClr val="dk1"/>
+    </dgm:txFillClrLst>
+    <dgm:txEffectClrLst/>
+  </dgm:styleLbl>
+  <dgm:styleLbl name="conFgAcc1">
+    <dgm:fillClrLst meth="repeat">
+      <a:schemeClr val="lt1">
+        <a:alpha val="90000"/>
+      </a:schemeClr>
+    </dgm:fillClrLst>
+    <dgm:linClrLst meth="repeat">
+      <a:schemeClr val="accent1"/>
+    </dgm:linClrLst>
+    <dgm:effectClrLst/>
+    <dgm:txLinClrLst/>
+    <dgm:txFillClrLst meth="repeat">
+      <a:schemeClr val="dk1"/>
+    </dgm:txFillClrLst>
+    <dgm:txEffectClrLst/>
+  </dgm:styleLbl>
+  <dgm:styleLbl name="alignAcc1">
+    <dgm:fillClrLst meth="repeat">
+      <a:schemeClr val="lt1">
+        <a:alpha val="90000"/>
+      </a:schemeClr>
+    </dgm:fillClrLst>
+    <dgm:linClrLst meth="repeat">
+      <a:schemeClr val="accent1"/>
+    </dgm:linClrLst>
+    <dgm:effectClrLst/>
+    <dgm:txLinClrLst/>
+    <dgm:txFillClrLst meth="repeat">
+      <a:schemeClr val="dk1"/>
+    </dgm:txFillClrLst>
+    <dgm:txEffectClrLst/>
+  </dgm:styleLbl>
+  <dgm:styleLbl name="trAlignAcc1">
+    <dgm:fillClrLst meth="repeat">
+      <a:schemeClr val="lt1">
+        <a:alpha val="40000"/>
+      </a:schemeClr>
+    </dgm:fillClrLst>
+    <dgm:linClrLst meth="repeat">
+      <a:schemeClr val="accent1"/>
+    </dgm:linClrLst>
+    <dgm:effectClrLst/>
+    <dgm:txLinClrLst/>
+    <dgm:txFillClrLst meth="repeat">
+      <a:schemeClr val="dk1"/>
+    </dgm:txFillClrLst>
+    <dgm:txEffectClrLst/>
+  </dgm:styleLbl>
+  <dgm:styleLbl name="bgAcc1">
+    <dgm:fillClrLst meth="repeat">
+      <a:schemeClr val="lt1">
+        <a:alpha val="90000"/>
+      </a:schemeClr>
+    </dgm:fillClrLst>
+    <dgm:linClrLst meth="repeat">
+      <a:schemeClr val="accent1"/>
+    </dgm:linClrLst>
+    <dgm:effectClrLst/>
+    <dgm:txLinClrLst/>
+    <dgm:txFillClrLst meth="repeat">
+      <a:schemeClr val="dk1"/>
+    </dgm:txFillClrLst>
+    <dgm:txEffectClrLst/>
+  </dgm:styleLbl>
+  <dgm:styleLbl name="solidFgAcc1">
+    <dgm:fillClrLst meth="repeat">
+      <a:schemeClr val="lt1"/>
+    </dgm:fillClrLst>
+    <dgm:linClrLst meth="repeat">
+      <a:schemeClr val="accent1"/>
+    </dgm:linClrLst>
+    <dgm:effectClrLst/>
+    <dgm:txLinClrLst/>
+    <dgm:txFillClrLst meth="repeat">
+      <a:schemeClr val="dk1"/>
+    </dgm:txFillClrLst>
+    <dgm:txEffectClrLst/>
+  </dgm:styleLbl>
+  <dgm:styleLbl name="solidAlignAcc1">
+    <dgm:fillClrLst meth="repeat">
+      <a:schemeClr val="lt1"/>
+    </dgm:fillClrLst>
+    <dgm:linClrLst meth="repeat">
+      <a:schemeClr val="accent1"/>
+    </dgm:linClrLst>
+    <dgm:effectClrLst/>
+    <dgm:txLinClrLst/>
+    <dgm:txFillClrLst meth="repeat">
+      <a:schemeClr val="dk1"/>
+    </dgm:txFillClrLst>
+    <dgm:txEffectClrLst/>
+  </dgm:styleLbl>
+  <dgm:styleLbl name="solidBgAcc1">
+    <dgm:fillClrLst meth="repeat">
+      <a:schemeClr val="lt1"/>
+    </dgm:fillClrLst>
+    <dgm:linClrLst meth="repeat">
+      <a:schemeClr val="accent1"/>
+    </dgm:linClrLst>
+    <dgm:effectClrLst/>
+    <dgm:txLinClrLst/>
+    <dgm:txFillClrLst meth="repeat">
+      <a:schemeClr val="dk1"/>
+    </dgm:txFillClrLst>
+    <dgm:txEffectClrLst/>
+  </dgm:styleLbl>
+  <dgm:styleLbl name="fgAccFollowNode1">
+    <dgm:fillClrLst meth="repeat">
+      <a:schemeClr val="accent1">
+        <a:alpha val="90000"/>
+        <a:tint val="40000"/>
+      </a:schemeClr>
+    </dgm:fillClrLst>
+    <dgm:linClrLst meth="repeat">
+      <a:schemeClr val="accent1">
+        <a:alpha val="90000"/>
+        <a:tint val="40000"/>
+      </a:schemeClr>
+    </dgm:linClrLst>
+    <dgm:effectClrLst/>
+    <dgm:txLinClrLst/>
+    <dgm:txFillClrLst meth="repeat">
+      <a:schemeClr val="dk1"/>
+    </dgm:txFillClrLst>
+    <dgm:txEffectClrLst/>
+  </dgm:styleLbl>
+  <dgm:styleLbl name="alignAccFollowNode1">
+    <dgm:fillClrLst meth="repeat">
+      <a:schemeClr val="accent1">
+        <a:alpha val="90000"/>
+        <a:tint val="40000"/>
+      </a:schemeClr>
+    </dgm:fillClrLst>
+    <dgm:linClrLst meth="repeat">
+      <a:schemeClr val="accent1">
+        <a:alpha val="90000"/>
+        <a:tint val="40000"/>
+      </a:schemeClr>
+    </dgm:linClrLst>
+    <dgm:effectClrLst/>
+    <dgm:txLinClrLst/>
+    <dgm:txFillClrLst meth="repeat">
+      <a:schemeClr val="dk1"/>
+    </dgm:txFillClrLst>
+    <dgm:txEffectClrLst/>
+  </dgm:styleLbl>
+  <dgm:styleLbl name="bgAccFollowNode1">
+    <dgm:fillClrLst meth="repeat">
+      <a:schemeClr val="accent1">
+        <a:alpha val="90000"/>
+        <a:tint val="40000"/>
+      </a:schemeClr>
+    </dgm:fillClrLst>
+    <dgm:linClrLst meth="repeat">
+      <a:schemeClr val="accent1">
+        <a:alpha val="90000"/>
+        <a:tint val="40000"/>
+      </a:schemeClr>
+    </dgm:linClrLst>
+    <dgm:effectClrLst/>
+    <dgm:txLinClrLst/>
+    <dgm:txFillClrLst meth="repeat">
+      <a:schemeClr val="dk1"/>
+    </dgm:txFillClrLst>
+    <dgm:txEffectClrLst/>
+  </dgm:styleLbl>
+  <dgm:styleLbl name="fgAcc0">
+    <dgm:fillClrLst meth="repeat">
+      <a:schemeClr val="lt1">
+        <a:alpha val="90000"/>
+      </a:schemeClr>
+    </dgm:fillClrLst>
+    <dgm:linClrLst meth="repeat">
+      <a:schemeClr val="accent1"/>
+    </dgm:linClrLst>
+    <dgm:effectClrLst/>
+    <dgm:txLinClrLst/>
+    <dgm:txFillClrLst meth="repeat">
+      <a:schemeClr val="dk1"/>
+    </dgm:txFillClrLst>
+    <dgm:txEffectClrLst/>
+  </dgm:styleLbl>
+  <dgm:styleLbl name="fgAcc2">
+    <dgm:fillClrLst meth="repeat">
+      <a:schemeClr val="lt1">
+        <a:alpha val="90000"/>
+      </a:schemeClr>
+    </dgm:fillClrLst>
+    <dgm:linClrLst meth="repeat">
+      <a:schemeClr val="accent1"/>
+    </dgm:linClrLst>
+    <dgm:effectClrLst/>
+    <dgm:txLinClrLst/>
+    <dgm:txFillClrLst meth="repeat">
+      <a:schemeClr val="dk1"/>
+    </dgm:txFillClrLst>
+    <dgm:txEffectClrLst/>
+  </dgm:styleLbl>
+  <dgm:styleLbl name="fgAcc3">
+    <dgm:fillClrLst meth="repeat">
+      <a:schemeClr val="lt1">
+        <a:alpha val="90000"/>
+      </a:schemeClr>
+    </dgm:fillClrLst>
+    <dgm:linClrLst meth="repeat">
+      <a:schemeClr val="accent1"/>
+    </dgm:linClrLst>
+    <dgm:effectClrLst/>
+    <dgm:txLinClrLst/>
+    <dgm:txFillClrLst meth="repeat">
+      <a:schemeClr val="dk1"/>
+    </dgm:txFillClrLst>
+    <dgm:txEffectClrLst/>
+  </dgm:styleLbl>
+  <dgm:styleLbl name="fgAcc4">
+    <dgm:fillClrLst meth="repeat">
+      <a:schemeClr val="lt1">
+        <a:alpha val="90000"/>
+      </a:schemeClr>
+    </dgm:fillClrLst>
+    <dgm:linClrLst meth="repeat">
+      <a:schemeClr val="accent1"/>
+    </dgm:linClrLst>
+    <dgm:effectClrLst/>
+    <dgm:txLinClrLst/>
+    <dgm:txFillClrLst meth="repeat">
+      <a:schemeClr val="dk1"/>
+    </dgm:txFillClrLst>
+    <dgm:txEffectClrLst/>
+  </dgm:styleLbl>
+  <dgm:styleLbl name="bgShp">
+    <dgm:fillClrLst meth="repeat">
+      <a:schemeClr val="accent1">
+        <a:tint val="40000"/>
+      </a:schemeClr>
+    </dgm:fillClrLst>
+    <dgm:linClrLst meth="repeat">
+      <a:schemeClr val="accent1"/>
+    </dgm:linClrLst>
+    <dgm:effectClrLst/>
+    <dgm:txLinClrLst/>
+    <dgm:txFillClrLst meth="repeat">
+      <a:schemeClr val="dk1"/>
+    </dgm:txFillClrLst>
+    <dgm:txEffectClrLst/>
+  </dgm:styleLbl>
+  <dgm:styleLbl name="dkBgShp">
+    <dgm:fillClrLst meth="repeat">
+      <a:schemeClr val="accent1">
+        <a:shade val="80000"/>
+      </a:schemeClr>
+    </dgm:fillClrLst>
+    <dgm:linClrLst meth="repeat">
+      <a:schemeClr val="accent1"/>
+    </dgm:linClrLst>
+    <dgm:effectClrLst/>
+    <dgm:txLinClrLst/>
+    <dgm:txFillClrLst meth="repeat">
+      <a:schemeClr val="lt1"/>
+    </dgm:txFillClrLst>
+    <dgm:txEffectClrLst/>
+  </dgm:styleLbl>
+  <dgm:styleLbl name="trBgShp">
+    <dgm:fillClrLst meth="repeat">
+      <a:schemeClr val="accent1">
+        <a:tint val="50000"/>
+        <a:alpha val="40000"/>
+      </a:schemeClr>
+    </dgm:fillClrLst>
+    <dgm:linClrLst meth="repeat">
+      <a:schemeClr val="accent1"/>
+    </dgm:linClrLst>
+    <dgm:effectClrLst/>
+    <dgm:txLinClrLst/>
+    <dgm:txFillClrLst meth="repeat">
+      <a:schemeClr val="lt1"/>
+    </dgm:txFillClrLst>
+    <dgm:txEffectClrLst/>
+  </dgm:styleLbl>
+  <dgm:styleLbl name="fgShp">
+    <dgm:fillClrLst meth="repeat">
+      <a:schemeClr val="accent1">
+        <a:tint val="60000"/>
+      </a:schemeClr>
+    </dgm:fillClrLst>
+    <dgm:linClrLst meth="repeat">
+      <a:schemeClr val="lt1"/>
+    </dgm:linClrLst>
+    <dgm:effectClrLst/>
+    <dgm:txLinClrLst/>
+    <dgm:txFillClrLst meth="repeat">
+      <a:schemeClr val="dk1"/>
+    </dgm:txFillClrLst>
+    <dgm:txEffectClrLst/>
+  </dgm:styleLbl>
+  <dgm:styleLbl name="revTx">
+    <dgm:fillClrLst meth="repeat">
+      <a:schemeClr val="lt1">
+        <a:alpha val="0"/>
+      </a:schemeClr>
+    </dgm:fillClrLst>
+    <dgm:linClrLst meth="repeat">
+      <a:schemeClr val="dk1">
+        <a:alpha val="0"/>
+      </a:schemeClr>
+    </dgm:linClrLst>
+    <dgm:effectClrLst/>
+    <dgm:txLinClrLst/>
+    <dgm:txFillClrLst meth="repeat">
+      <a:schemeClr val="tx1"/>
+    </dgm:txFillClrLst>
+    <dgm:txEffectClrLst/>
+  </dgm:styleLbl>
+</dgm:colorsDef>
+</file>
+
+<file path=ppt/diagrams/data1.xml><?xml version="1.0" encoding="utf-8"?>
+<dgm:dataModel xmlns:dgm="http://schemas.openxmlformats.org/drawingml/2006/diagram" xmlns:a="http://schemas.openxmlformats.org/drawingml/2006/main">
+  <dgm:ptLst>
+    <dgm:pt modelId="{D4ADF4FB-6626-4BAA-8170-1AB86830E7EB}" type="doc">
+      <dgm:prSet loTypeId="urn:microsoft.com/office/officeart/2005/8/layout/hierarchy3" loCatId="hierarchy" qsTypeId="urn:microsoft.com/office/officeart/2005/8/quickstyle/simple1" qsCatId="simple" csTypeId="urn:microsoft.com/office/officeart/2005/8/colors/accent1_2" csCatId="accent1" phldr="1"/>
+      <dgm:spPr/>
+      <dgm:t>
+        <a:bodyPr/>
+        <a:lstStyle/>
+        <a:p>
+          <a:endParaRPr lang="en-US"/>
+        </a:p>
+      </dgm:t>
+    </dgm:pt>
+    <dgm:pt modelId="{ED0B78BF-E006-4732-B48C-2ADC9E2EF39A}">
+      <dgm:prSet phldrT="[Text]"/>
+      <dgm:spPr/>
+      <dgm:t>
+        <a:bodyPr/>
+        <a:lstStyle/>
+        <a:p>
+          <a:r>
+            <a:rPr lang="en-US" dirty="0"/>
+            <a:t>Tools and Techniques</a:t>
+          </a:r>
+        </a:p>
+      </dgm:t>
+    </dgm:pt>
+    <dgm:pt modelId="{28816F29-4038-473E-B49B-94074EA0A51E}" type="parTrans" cxnId="{A1A3BCB4-83BF-4A79-B53F-5F8A606BDE54}">
+      <dgm:prSet/>
+      <dgm:spPr/>
+      <dgm:t>
+        <a:bodyPr/>
+        <a:lstStyle/>
+        <a:p>
+          <a:endParaRPr lang="en-US"/>
+        </a:p>
+      </dgm:t>
+    </dgm:pt>
+    <dgm:pt modelId="{23CFA8B8-2A05-4928-AEB3-72448E3A79E3}" type="sibTrans" cxnId="{A1A3BCB4-83BF-4A79-B53F-5F8A606BDE54}">
+      <dgm:prSet/>
+      <dgm:spPr/>
+      <dgm:t>
+        <a:bodyPr/>
+        <a:lstStyle/>
+        <a:p>
+          <a:endParaRPr lang="en-US"/>
+        </a:p>
+      </dgm:t>
+    </dgm:pt>
+    <dgm:pt modelId="{5D17C516-2319-40FE-8748-E184C6D71444}">
+      <dgm:prSet phldrT="[Text]"/>
+      <dgm:spPr/>
+      <dgm:t>
+        <a:bodyPr/>
+        <a:lstStyle/>
+        <a:p>
+          <a:r>
+            <a:rPr lang="en-US" dirty="0"/>
+            <a:t>Object-Oriented Programming</a:t>
+          </a:r>
+        </a:p>
+      </dgm:t>
+    </dgm:pt>
+    <dgm:pt modelId="{EA441DC7-A30D-47EC-A5C8-C50834D06E30}" type="parTrans" cxnId="{F9A2BA9E-B30D-4948-A3E9-A634F6BE47FD}">
+      <dgm:prSet/>
+      <dgm:spPr/>
+      <dgm:t>
+        <a:bodyPr/>
+        <a:lstStyle/>
+        <a:p>
+          <a:endParaRPr lang="en-US"/>
+        </a:p>
+      </dgm:t>
+    </dgm:pt>
+    <dgm:pt modelId="{636B54D7-340F-4600-82E5-F2E670443C91}" type="sibTrans" cxnId="{F9A2BA9E-B30D-4948-A3E9-A634F6BE47FD}">
+      <dgm:prSet/>
+      <dgm:spPr/>
+      <dgm:t>
+        <a:bodyPr/>
+        <a:lstStyle/>
+        <a:p>
+          <a:endParaRPr lang="en-US"/>
+        </a:p>
+      </dgm:t>
+    </dgm:pt>
+    <dgm:pt modelId="{DDB8B436-9528-434E-BD0F-6EB4D2ACB929}">
+      <dgm:prSet phldrT="[Text]"/>
+      <dgm:spPr/>
+      <dgm:t>
+        <a:bodyPr/>
+        <a:lstStyle/>
+        <a:p>
+          <a:r>
+            <a:rPr lang="en-US" dirty="0"/>
+            <a:t>Designing Data</a:t>
+          </a:r>
+        </a:p>
+      </dgm:t>
+    </dgm:pt>
+    <dgm:pt modelId="{9E647244-45B2-496C-B687-01576FEABEC4}" type="parTrans" cxnId="{05392EDD-3032-43C3-BA79-A1347D6D727C}">
+      <dgm:prSet/>
+      <dgm:spPr/>
+      <dgm:t>
+        <a:bodyPr/>
+        <a:lstStyle/>
+        <a:p>
+          <a:endParaRPr lang="en-US"/>
+        </a:p>
+      </dgm:t>
+    </dgm:pt>
+    <dgm:pt modelId="{EE60868F-7BA4-434D-84FC-89FFDDF05FC3}" type="sibTrans" cxnId="{05392EDD-3032-43C3-BA79-A1347D6D727C}">
+      <dgm:prSet/>
+      <dgm:spPr/>
+      <dgm:t>
+        <a:bodyPr/>
+        <a:lstStyle/>
+        <a:p>
+          <a:endParaRPr lang="en-US"/>
+        </a:p>
+      </dgm:t>
+    </dgm:pt>
+    <dgm:pt modelId="{F221EA58-7488-4550-B7A5-965344CA7EAE}">
+      <dgm:prSet phldrT="[Text]"/>
+      <dgm:spPr/>
+      <dgm:t>
+        <a:bodyPr/>
+        <a:lstStyle/>
+        <a:p>
+          <a:r>
+            <a:rPr lang="en-US" dirty="0"/>
+            <a:t>Designing Functions</a:t>
+          </a:r>
+        </a:p>
+      </dgm:t>
+    </dgm:pt>
+    <dgm:pt modelId="{03056A9D-BCBF-4181-B8D6-7E4ECCBD4D9E}" type="parTrans" cxnId="{F8F3D917-317B-4A80-B606-277A7F6170C2}">
+      <dgm:prSet/>
+      <dgm:spPr/>
+      <dgm:t>
+        <a:bodyPr/>
+        <a:lstStyle/>
+        <a:p>
+          <a:endParaRPr lang="en-US"/>
+        </a:p>
+      </dgm:t>
+    </dgm:pt>
+    <dgm:pt modelId="{50012D0E-39A9-4FB4-832D-C4D74BE598A6}" type="sibTrans" cxnId="{F8F3D917-317B-4A80-B606-277A7F6170C2}">
+      <dgm:prSet/>
+      <dgm:spPr/>
+      <dgm:t>
+        <a:bodyPr/>
+        <a:lstStyle/>
+        <a:p>
+          <a:endParaRPr lang="en-US"/>
+        </a:p>
+      </dgm:t>
+    </dgm:pt>
+    <dgm:pt modelId="{B1CEE35E-20B6-4A0B-B1E8-D4F40E3162E1}">
+      <dgm:prSet phldrT="[Text]"/>
+      <dgm:spPr/>
+      <dgm:t>
+        <a:bodyPr/>
+        <a:lstStyle/>
+        <a:p>
+          <a:r>
+            <a:rPr lang="en-US" dirty="0"/>
+            <a:t>Designing Systems</a:t>
+          </a:r>
+        </a:p>
+      </dgm:t>
+    </dgm:pt>
+    <dgm:pt modelId="{08AACE21-5FAD-4460-B120-67387C8F0F32}" type="parTrans" cxnId="{47968857-87E3-481A-908A-A468E51372C1}">
+      <dgm:prSet/>
+      <dgm:spPr/>
+      <dgm:t>
+        <a:bodyPr/>
+        <a:lstStyle/>
+        <a:p>
+          <a:endParaRPr lang="en-US"/>
+        </a:p>
+      </dgm:t>
+    </dgm:pt>
+    <dgm:pt modelId="{4A08DEA0-C75B-4713-B280-420C60C372D9}" type="sibTrans" cxnId="{47968857-87E3-481A-908A-A468E51372C1}">
+      <dgm:prSet/>
+      <dgm:spPr/>
+      <dgm:t>
+        <a:bodyPr/>
+        <a:lstStyle/>
+        <a:p>
+          <a:endParaRPr lang="en-US"/>
+        </a:p>
+      </dgm:t>
+    </dgm:pt>
+    <dgm:pt modelId="{1CBBDDB5-026A-42BF-8805-ACAC57AA5DC3}">
+      <dgm:prSet phldrT="[Text]"/>
+      <dgm:spPr/>
+      <dgm:t>
+        <a:bodyPr/>
+        <a:lstStyle/>
+        <a:p>
+          <a:r>
+            <a:rPr lang="en-US" dirty="0"/>
+            <a:t>Computing with Lists</a:t>
+          </a:r>
+        </a:p>
+      </dgm:t>
+    </dgm:pt>
+    <dgm:pt modelId="{1EC30C20-D36E-4265-85EE-C210CE02F892}" type="parTrans" cxnId="{9662958D-3400-409A-ADC7-BEB605777B1F}">
+      <dgm:prSet/>
+      <dgm:spPr/>
+      <dgm:t>
+        <a:bodyPr/>
+        <a:lstStyle/>
+        <a:p>
+          <a:endParaRPr lang="en-US"/>
+        </a:p>
+      </dgm:t>
+    </dgm:pt>
+    <dgm:pt modelId="{D37EB34B-12D7-42C6-A433-F33F271349CA}" type="sibTrans" cxnId="{9662958D-3400-409A-ADC7-BEB605777B1F}">
+      <dgm:prSet/>
+      <dgm:spPr/>
+      <dgm:t>
+        <a:bodyPr/>
+        <a:lstStyle/>
+        <a:p>
+          <a:endParaRPr lang="en-US"/>
+        </a:p>
+      </dgm:t>
+    </dgm:pt>
+    <dgm:pt modelId="{A7945ECA-2D01-4C03-9AED-9E3EEAAF0F2C}">
+      <dgm:prSet phldrT="[Text]"/>
+      <dgm:spPr/>
+      <dgm:t>
+        <a:bodyPr/>
+        <a:lstStyle/>
+        <a:p>
+          <a:r>
+            <a:rPr lang="en-US" dirty="0"/>
+            <a:t>Computing with Trees and Graphs</a:t>
+          </a:r>
+        </a:p>
+      </dgm:t>
+    </dgm:pt>
+    <dgm:pt modelId="{D39C6496-6307-4FC4-9D55-DB6DA94D051F}" type="parTrans" cxnId="{372E1130-8A4A-4006-A020-34030B0410C9}">
+      <dgm:prSet/>
+      <dgm:spPr/>
+      <dgm:t>
+        <a:bodyPr/>
+        <a:lstStyle/>
+        <a:p>
+          <a:endParaRPr lang="en-US"/>
+        </a:p>
+      </dgm:t>
+    </dgm:pt>
+    <dgm:pt modelId="{4FF7D82F-ECB8-4560-8324-4D22393C300C}" type="sibTrans" cxnId="{372E1130-8A4A-4006-A020-34030B0410C9}">
+      <dgm:prSet/>
+      <dgm:spPr/>
+      <dgm:t>
+        <a:bodyPr/>
+        <a:lstStyle/>
+        <a:p>
+          <a:endParaRPr lang="en-US"/>
+        </a:p>
+      </dgm:t>
+    </dgm:pt>
+    <dgm:pt modelId="{B0B0FACC-C24A-4552-82AB-C8FE8246DEF8}">
+      <dgm:prSet phldrT="[Text]"/>
+      <dgm:spPr/>
+      <dgm:t>
+        <a:bodyPr/>
+        <a:lstStyle/>
+        <a:p>
+          <a:r>
+            <a:rPr lang="en-US" dirty="0"/>
+            <a:t>Designing with Invariants</a:t>
+          </a:r>
+        </a:p>
+      </dgm:t>
+    </dgm:pt>
+    <dgm:pt modelId="{FD74BA91-6D78-44B3-BF01-4D49723F4718}" type="parTrans" cxnId="{FCD83CF7-A1CD-455F-A466-CFFA01A2A6C9}">
+      <dgm:prSet/>
+      <dgm:spPr/>
+      <dgm:t>
+        <a:bodyPr/>
+        <a:lstStyle/>
+        <a:p>
+          <a:endParaRPr lang="en-US"/>
+        </a:p>
+      </dgm:t>
+    </dgm:pt>
+    <dgm:pt modelId="{E6264341-6F1C-4A60-9081-A5335333D714}" type="sibTrans" cxnId="{FCD83CF7-A1CD-455F-A466-CFFA01A2A6C9}">
+      <dgm:prSet/>
+      <dgm:spPr/>
+      <dgm:t>
+        <a:bodyPr/>
+        <a:lstStyle/>
+        <a:p>
+          <a:endParaRPr lang="en-US"/>
+        </a:p>
+      </dgm:t>
+    </dgm:pt>
+    <dgm:pt modelId="{3C02419B-DA6A-4FDB-972F-4F8DC3AD08E3}">
+      <dgm:prSet phldrT="[Text]"/>
+      <dgm:spPr/>
+      <dgm:t>
+        <a:bodyPr/>
+        <a:lstStyle/>
+        <a:p>
+          <a:r>
+            <a:rPr lang="en-US" dirty="0"/>
+            <a:t>Thinking about Efficiency</a:t>
+          </a:r>
+        </a:p>
+      </dgm:t>
+    </dgm:pt>
+    <dgm:pt modelId="{FA010E1E-46BF-40DE-B386-14C19C329E38}" type="parTrans" cxnId="{B2581BA3-7711-4B4F-895A-5C4A1A23D07A}">
+      <dgm:prSet/>
+      <dgm:spPr/>
+      <dgm:t>
+        <a:bodyPr/>
+        <a:lstStyle/>
+        <a:p>
+          <a:endParaRPr lang="en-US"/>
+        </a:p>
+      </dgm:t>
+    </dgm:pt>
+    <dgm:pt modelId="{ABE6B4B2-8044-42FC-8EBA-A2B2927B372D}" type="sibTrans" cxnId="{B2581BA3-7711-4B4F-895A-5C4A1A23D07A}">
+      <dgm:prSet/>
+      <dgm:spPr/>
+      <dgm:t>
+        <a:bodyPr/>
+        <a:lstStyle/>
+        <a:p>
+          <a:endParaRPr lang="en-US"/>
+        </a:p>
+      </dgm:t>
+    </dgm:pt>
+    <dgm:pt modelId="{C217CF6C-69F6-4F1F-BFEF-F03F51825445}">
+      <dgm:prSet phldrT="[Text]"/>
+      <dgm:spPr/>
+      <dgm:t>
+        <a:bodyPr/>
+        <a:lstStyle/>
+        <a:p>
+          <a:r>
+            <a:rPr lang="en-US" dirty="0"/>
+            <a:t>Interfaces and Classes</a:t>
+          </a:r>
+        </a:p>
+      </dgm:t>
+    </dgm:pt>
+    <dgm:pt modelId="{109F41A6-1D40-4F81-903A-8B0CB1E442DB}" type="parTrans" cxnId="{B7B8BE25-1D3D-41C1-B2BB-252CA3FFFABF}">
+      <dgm:prSet/>
+      <dgm:spPr/>
+      <dgm:t>
+        <a:bodyPr/>
+        <a:lstStyle/>
+        <a:p>
+          <a:endParaRPr lang="en-US"/>
+        </a:p>
+      </dgm:t>
+    </dgm:pt>
+    <dgm:pt modelId="{727D2815-3763-49AC-8FA5-B78975C6E255}" type="sibTrans" cxnId="{B7B8BE25-1D3D-41C1-B2BB-252CA3FFFABF}">
+      <dgm:prSet/>
+      <dgm:spPr/>
+      <dgm:t>
+        <a:bodyPr/>
+        <a:lstStyle/>
+        <a:p>
+          <a:endParaRPr lang="en-US"/>
+        </a:p>
+      </dgm:t>
+    </dgm:pt>
+    <dgm:pt modelId="{D6553791-8532-4952-AC46-957A80E6F455}">
+      <dgm:prSet phldrT="[Text]"/>
+      <dgm:spPr/>
+      <dgm:t>
+        <a:bodyPr/>
+        <a:lstStyle/>
+        <a:p>
+          <a:r>
+            <a:rPr lang="en-US" dirty="0"/>
+            <a:t>Inheritance</a:t>
+          </a:r>
+        </a:p>
+      </dgm:t>
+    </dgm:pt>
+    <dgm:pt modelId="{4B64BF35-F3DD-46FA-A74B-C8F1391BB234}" type="parTrans" cxnId="{E630B7D1-EF42-4E29-A586-EDEEAFD22353}">
+      <dgm:prSet/>
+      <dgm:spPr/>
+      <dgm:t>
+        <a:bodyPr/>
+        <a:lstStyle/>
+        <a:p>
+          <a:endParaRPr lang="en-US"/>
+        </a:p>
+      </dgm:t>
+    </dgm:pt>
+    <dgm:pt modelId="{C19A1F15-CCAA-4226-B7DD-F2CD4049A9B3}" type="sibTrans" cxnId="{E630B7D1-EF42-4E29-A586-EDEEAFD22353}">
+      <dgm:prSet/>
+      <dgm:spPr/>
+      <dgm:t>
+        <a:bodyPr/>
+        <a:lstStyle/>
+        <a:p>
+          <a:endParaRPr lang="en-US"/>
+        </a:p>
+      </dgm:t>
+    </dgm:pt>
+    <dgm:pt modelId="{23FBFCAF-D268-4C4D-8359-092F33A19BD5}">
+      <dgm:prSet phldrT="[Text]"/>
+      <dgm:spPr/>
+      <dgm:t>
+        <a:bodyPr/>
+        <a:lstStyle/>
+        <a:p>
+          <a:r>
+            <a:rPr lang="en-US" dirty="0"/>
+            <a:t>Objects with Mutable State</a:t>
+          </a:r>
+        </a:p>
+      </dgm:t>
+    </dgm:pt>
+    <dgm:pt modelId="{E8807DF0-38BE-4236-AFC9-03DFA18007AA}" type="parTrans" cxnId="{C679C12F-0D37-4771-853C-9B6A72F3F8AB}">
+      <dgm:prSet/>
+      <dgm:spPr/>
+      <dgm:t>
+        <a:bodyPr/>
+        <a:lstStyle/>
+        <a:p>
+          <a:endParaRPr lang="en-US"/>
+        </a:p>
+      </dgm:t>
+    </dgm:pt>
+    <dgm:pt modelId="{49424D88-7251-4F7F-9D61-B03F29AB2536}" type="sibTrans" cxnId="{C679C12F-0D37-4771-853C-9B6A72F3F8AB}">
+      <dgm:prSet/>
+      <dgm:spPr/>
+      <dgm:t>
+        <a:bodyPr/>
+        <a:lstStyle/>
+        <a:p>
+          <a:endParaRPr lang="en-US"/>
+        </a:p>
+      </dgm:t>
+    </dgm:pt>
+    <dgm:pt modelId="{BE7D634C-5542-4AE8-B044-37802A6A19BF}">
+      <dgm:prSet phldrT="[Text]"/>
+      <dgm:spPr/>
+      <dgm:t>
+        <a:bodyPr/>
+        <a:lstStyle/>
+        <a:p>
+          <a:r>
+            <a:rPr lang="en-US" dirty="0"/>
+            <a:t>Efficiency, Part 2</a:t>
+          </a:r>
+        </a:p>
+      </dgm:t>
+    </dgm:pt>
+    <dgm:pt modelId="{E61F56D0-9360-46BF-8251-561CA9F726E8}" type="parTrans" cxnId="{B7404AC6-1631-4D80-950E-A28F1FE44D7F}">
+      <dgm:prSet/>
+      <dgm:spPr/>
+      <dgm:t>
+        <a:bodyPr/>
+        <a:lstStyle/>
+        <a:p>
+          <a:endParaRPr lang="en-US"/>
+        </a:p>
+      </dgm:t>
+    </dgm:pt>
+    <dgm:pt modelId="{F057A6F2-F3CD-40BE-A001-82BB25F47711}" type="sibTrans" cxnId="{B7404AC6-1631-4D80-950E-A28F1FE44D7F}">
+      <dgm:prSet/>
+      <dgm:spPr/>
+      <dgm:t>
+        <a:bodyPr/>
+        <a:lstStyle/>
+        <a:p>
+          <a:endParaRPr lang="en-US"/>
+        </a:p>
+      </dgm:t>
+    </dgm:pt>
+    <dgm:pt modelId="{9AAB3432-E203-4861-9A1F-5A18DE81A0E0}">
+      <dgm:prSet phldrT="[Text]"/>
+      <dgm:spPr/>
+      <dgm:t>
+        <a:bodyPr/>
+        <a:lstStyle/>
+        <a:p>
+          <a:r>
+            <a:rPr lang="en-US" dirty="0"/>
+            <a:t>Basic Principles</a:t>
+          </a:r>
+        </a:p>
+      </dgm:t>
+    </dgm:pt>
+    <dgm:pt modelId="{6A4E30F2-4DB5-4E70-B35C-3B1843570C40}" type="sibTrans" cxnId="{F5F6D4BB-2DFC-4FC1-ABCD-FF03786BFFE0}">
+      <dgm:prSet/>
+      <dgm:spPr/>
+      <dgm:t>
+        <a:bodyPr/>
+        <a:lstStyle/>
+        <a:p>
+          <a:endParaRPr lang="en-US"/>
+        </a:p>
+      </dgm:t>
+    </dgm:pt>
+    <dgm:pt modelId="{A67FC2F0-CFC7-4D0E-AB12-FC8B412EC38C}" type="parTrans" cxnId="{F5F6D4BB-2DFC-4FC1-ABCD-FF03786BFFE0}">
+      <dgm:prSet/>
+      <dgm:spPr/>
+      <dgm:t>
+        <a:bodyPr/>
+        <a:lstStyle/>
+        <a:p>
+          <a:endParaRPr lang="en-US"/>
+        </a:p>
+      </dgm:t>
+    </dgm:pt>
+    <dgm:pt modelId="{5EAC0F1C-8135-499C-A050-8951C4D4D68B}" type="pres">
+      <dgm:prSet presAssocID="{D4ADF4FB-6626-4BAA-8170-1AB86830E7EB}" presName="diagram" presStyleCnt="0">
+        <dgm:presLayoutVars>
+          <dgm:chPref val="1"/>
+          <dgm:dir/>
+          <dgm:animOne val="branch"/>
+          <dgm:animLvl val="lvl"/>
+          <dgm:resizeHandles/>
+        </dgm:presLayoutVars>
+      </dgm:prSet>
+      <dgm:spPr/>
+    </dgm:pt>
+    <dgm:pt modelId="{E9A360F5-905C-4B1F-87BD-8099DBD7826B}" type="pres">
+      <dgm:prSet presAssocID="{9AAB3432-E203-4861-9A1F-5A18DE81A0E0}" presName="root" presStyleCnt="0"/>
+      <dgm:spPr/>
+    </dgm:pt>
+    <dgm:pt modelId="{770F0FD6-A664-4D0A-A016-FBEA3DBC5EF2}" type="pres">
+      <dgm:prSet presAssocID="{9AAB3432-E203-4861-9A1F-5A18DE81A0E0}" presName="rootComposite" presStyleCnt="0"/>
+      <dgm:spPr/>
+    </dgm:pt>
+    <dgm:pt modelId="{D42C5353-2F91-4910-9E62-259C884C47C8}" type="pres">
+      <dgm:prSet presAssocID="{9AAB3432-E203-4861-9A1F-5A18DE81A0E0}" presName="rootText" presStyleLbl="node1" presStyleIdx="0" presStyleCnt="3"/>
+      <dgm:spPr/>
+    </dgm:pt>
+    <dgm:pt modelId="{D5FEF17D-A657-4E90-83A6-FFBD9375BEE2}" type="pres">
+      <dgm:prSet presAssocID="{9AAB3432-E203-4861-9A1F-5A18DE81A0E0}" presName="rootConnector" presStyleLbl="node1" presStyleIdx="0" presStyleCnt="3"/>
+      <dgm:spPr/>
+    </dgm:pt>
+    <dgm:pt modelId="{ED254901-973D-4D91-AABF-EBA39BDAC603}" type="pres">
+      <dgm:prSet presAssocID="{9AAB3432-E203-4861-9A1F-5A18DE81A0E0}" presName="childShape" presStyleCnt="0"/>
+      <dgm:spPr/>
+    </dgm:pt>
+    <dgm:pt modelId="{360B229B-0F55-45E5-A55A-DDDBDBD1C921}" type="pres">
+      <dgm:prSet presAssocID="{9E647244-45B2-496C-B687-01576FEABEC4}" presName="Name13" presStyleLbl="parChTrans1D2" presStyleIdx="0" presStyleCnt="11"/>
+      <dgm:spPr/>
+    </dgm:pt>
+    <dgm:pt modelId="{7E3D7089-292B-46E8-B4F0-ADC3733C52BD}" type="pres">
+      <dgm:prSet presAssocID="{DDB8B436-9528-434E-BD0F-6EB4D2ACB929}" presName="childText" presStyleLbl="bgAcc1" presStyleIdx="0" presStyleCnt="11">
+        <dgm:presLayoutVars>
+          <dgm:bulletEnabled val="1"/>
+        </dgm:presLayoutVars>
+      </dgm:prSet>
+      <dgm:spPr/>
+    </dgm:pt>
+    <dgm:pt modelId="{BC1B1EA4-129C-44F6-935B-BA646A7A2AA3}" type="pres">
+      <dgm:prSet presAssocID="{03056A9D-BCBF-4181-B8D6-7E4ECCBD4D9E}" presName="Name13" presStyleLbl="parChTrans1D2" presStyleIdx="1" presStyleCnt="11"/>
+      <dgm:spPr/>
+    </dgm:pt>
+    <dgm:pt modelId="{CF0B1CD2-0FC3-49A4-A520-B01A6C3CCB95}" type="pres">
+      <dgm:prSet presAssocID="{F221EA58-7488-4550-B7A5-965344CA7EAE}" presName="childText" presStyleLbl="bgAcc1" presStyleIdx="1" presStyleCnt="11">
+        <dgm:presLayoutVars>
+          <dgm:bulletEnabled val="1"/>
+        </dgm:presLayoutVars>
+      </dgm:prSet>
+      <dgm:spPr/>
+    </dgm:pt>
+    <dgm:pt modelId="{F5AE7053-0C33-481C-8BFB-D2DAFB4C4294}" type="pres">
+      <dgm:prSet presAssocID="{08AACE21-5FAD-4460-B120-67387C8F0F32}" presName="Name13" presStyleLbl="parChTrans1D2" presStyleIdx="2" presStyleCnt="11"/>
+      <dgm:spPr/>
+    </dgm:pt>
+    <dgm:pt modelId="{C5878689-67F2-4E3D-8C9B-392F50C32024}" type="pres">
+      <dgm:prSet presAssocID="{B1CEE35E-20B6-4A0B-B1E8-D4F40E3162E1}" presName="childText" presStyleLbl="bgAcc1" presStyleIdx="2" presStyleCnt="11">
+        <dgm:presLayoutVars>
+          <dgm:bulletEnabled val="1"/>
+        </dgm:presLayoutVars>
+      </dgm:prSet>
+      <dgm:spPr/>
+    </dgm:pt>
+    <dgm:pt modelId="{78204B86-F48E-424E-B9F0-F61E8700D86E}" type="pres">
+      <dgm:prSet presAssocID="{ED0B78BF-E006-4732-B48C-2ADC9E2EF39A}" presName="root" presStyleCnt="0"/>
+      <dgm:spPr/>
+    </dgm:pt>
+    <dgm:pt modelId="{612CABF1-DDE5-41D1-9036-25B4BE7589BE}" type="pres">
+      <dgm:prSet presAssocID="{ED0B78BF-E006-4732-B48C-2ADC9E2EF39A}" presName="rootComposite" presStyleCnt="0"/>
+      <dgm:spPr/>
+    </dgm:pt>
+    <dgm:pt modelId="{F1C18E15-3E91-476D-8B13-25AD56BC4B13}" type="pres">
+      <dgm:prSet presAssocID="{ED0B78BF-E006-4732-B48C-2ADC9E2EF39A}" presName="rootText" presStyleLbl="node1" presStyleIdx="1" presStyleCnt="3"/>
+      <dgm:spPr/>
+    </dgm:pt>
+    <dgm:pt modelId="{8FA2ECE2-9D66-4FD1-89DE-3231691A8283}" type="pres">
+      <dgm:prSet presAssocID="{ED0B78BF-E006-4732-B48C-2ADC9E2EF39A}" presName="rootConnector" presStyleLbl="node1" presStyleIdx="1" presStyleCnt="3"/>
+      <dgm:spPr/>
+    </dgm:pt>
+    <dgm:pt modelId="{5E7F2D45-2508-495B-A708-02E0FD5F2314}" type="pres">
+      <dgm:prSet presAssocID="{ED0B78BF-E006-4732-B48C-2ADC9E2EF39A}" presName="childShape" presStyleCnt="0"/>
+      <dgm:spPr/>
+    </dgm:pt>
+    <dgm:pt modelId="{2564A6E5-875B-4BC6-B983-AA12C064A019}" type="pres">
+      <dgm:prSet presAssocID="{1EC30C20-D36E-4265-85EE-C210CE02F892}" presName="Name13" presStyleLbl="parChTrans1D2" presStyleIdx="3" presStyleCnt="11"/>
+      <dgm:spPr/>
+    </dgm:pt>
+    <dgm:pt modelId="{3B0CF9DF-CC55-47FF-BECE-903E70F9D2DE}" type="pres">
+      <dgm:prSet presAssocID="{1CBBDDB5-026A-42BF-8805-ACAC57AA5DC3}" presName="childText" presStyleLbl="bgAcc1" presStyleIdx="3" presStyleCnt="11">
+        <dgm:presLayoutVars>
+          <dgm:bulletEnabled val="1"/>
+        </dgm:presLayoutVars>
+      </dgm:prSet>
+      <dgm:spPr/>
+    </dgm:pt>
+    <dgm:pt modelId="{7DFA9A08-1F84-4CF2-9E63-7F6E7C219F76}" type="pres">
+      <dgm:prSet presAssocID="{D39C6496-6307-4FC4-9D55-DB6DA94D051F}" presName="Name13" presStyleLbl="parChTrans1D2" presStyleIdx="4" presStyleCnt="11"/>
+      <dgm:spPr/>
+    </dgm:pt>
+    <dgm:pt modelId="{9C3E65C4-9266-43CB-B08F-79811ABF047A}" type="pres">
+      <dgm:prSet presAssocID="{A7945ECA-2D01-4C03-9AED-9E3EEAAF0F2C}" presName="childText" presStyleLbl="bgAcc1" presStyleIdx="4" presStyleCnt="11">
+        <dgm:presLayoutVars>
+          <dgm:bulletEnabled val="1"/>
+        </dgm:presLayoutVars>
+      </dgm:prSet>
+      <dgm:spPr/>
+    </dgm:pt>
+    <dgm:pt modelId="{16CFAB30-3E6A-44D7-A45D-E3066E142053}" type="pres">
+      <dgm:prSet presAssocID="{FD74BA91-6D78-44B3-BF01-4D49723F4718}" presName="Name13" presStyleLbl="parChTrans1D2" presStyleIdx="5" presStyleCnt="11"/>
+      <dgm:spPr/>
+    </dgm:pt>
+    <dgm:pt modelId="{5F9726AA-E8AD-4C5C-A0CA-2350C4F8CAFA}" type="pres">
+      <dgm:prSet presAssocID="{B0B0FACC-C24A-4552-82AB-C8FE8246DEF8}" presName="childText" presStyleLbl="bgAcc1" presStyleIdx="5" presStyleCnt="11">
+        <dgm:presLayoutVars>
+          <dgm:bulletEnabled val="1"/>
+        </dgm:presLayoutVars>
+      </dgm:prSet>
+      <dgm:spPr/>
+    </dgm:pt>
+    <dgm:pt modelId="{0ECF28DA-9925-4B5B-97B1-BDA459502114}" type="pres">
+      <dgm:prSet presAssocID="{FA010E1E-46BF-40DE-B386-14C19C329E38}" presName="Name13" presStyleLbl="parChTrans1D2" presStyleIdx="6" presStyleCnt="11"/>
+      <dgm:spPr/>
+    </dgm:pt>
+    <dgm:pt modelId="{5A2BB121-DDEE-46A8-AC09-18496F773E62}" type="pres">
+      <dgm:prSet presAssocID="{3C02419B-DA6A-4FDB-972F-4F8DC3AD08E3}" presName="childText" presStyleLbl="bgAcc1" presStyleIdx="6" presStyleCnt="11">
+        <dgm:presLayoutVars>
+          <dgm:bulletEnabled val="1"/>
+        </dgm:presLayoutVars>
+      </dgm:prSet>
+      <dgm:spPr/>
+    </dgm:pt>
+    <dgm:pt modelId="{59FB6EFF-035B-4901-8C84-3BDEA8130465}" type="pres">
+      <dgm:prSet presAssocID="{5D17C516-2319-40FE-8748-E184C6D71444}" presName="root" presStyleCnt="0"/>
+      <dgm:spPr/>
+    </dgm:pt>
+    <dgm:pt modelId="{DFAAFD62-220C-47EA-B1FF-1D698C1D9D0C}" type="pres">
+      <dgm:prSet presAssocID="{5D17C516-2319-40FE-8748-E184C6D71444}" presName="rootComposite" presStyleCnt="0"/>
+      <dgm:spPr/>
+    </dgm:pt>
+    <dgm:pt modelId="{3DB7ADFA-DCAB-4034-9F43-B860EBE864E8}" type="pres">
+      <dgm:prSet presAssocID="{5D17C516-2319-40FE-8748-E184C6D71444}" presName="rootText" presStyleLbl="node1" presStyleIdx="2" presStyleCnt="3"/>
+      <dgm:spPr/>
+    </dgm:pt>
+    <dgm:pt modelId="{A1EB1FFF-29EC-48BF-990F-29DA82114C59}" type="pres">
+      <dgm:prSet presAssocID="{5D17C516-2319-40FE-8748-E184C6D71444}" presName="rootConnector" presStyleLbl="node1" presStyleIdx="2" presStyleCnt="3"/>
+      <dgm:spPr/>
+    </dgm:pt>
+    <dgm:pt modelId="{C961EBF4-10A8-458E-973D-7ED2EFFC972F}" type="pres">
+      <dgm:prSet presAssocID="{5D17C516-2319-40FE-8748-E184C6D71444}" presName="childShape" presStyleCnt="0"/>
+      <dgm:spPr/>
+    </dgm:pt>
+    <dgm:pt modelId="{278D3975-9588-4A95-85BD-D062BB0AE1A4}" type="pres">
+      <dgm:prSet presAssocID="{109F41A6-1D40-4F81-903A-8B0CB1E442DB}" presName="Name13" presStyleLbl="parChTrans1D2" presStyleIdx="7" presStyleCnt="11"/>
+      <dgm:spPr/>
+    </dgm:pt>
+    <dgm:pt modelId="{EDB6085A-8F2B-4B84-887D-9DD4BEC6E4E1}" type="pres">
+      <dgm:prSet presAssocID="{C217CF6C-69F6-4F1F-BFEF-F03F51825445}" presName="childText" presStyleLbl="bgAcc1" presStyleIdx="7" presStyleCnt="11">
+        <dgm:presLayoutVars>
+          <dgm:bulletEnabled val="1"/>
+        </dgm:presLayoutVars>
+      </dgm:prSet>
+      <dgm:spPr/>
+    </dgm:pt>
+    <dgm:pt modelId="{FF100697-267A-4BC5-8DA9-B1F7321DFE84}" type="pres">
+      <dgm:prSet presAssocID="{4B64BF35-F3DD-46FA-A74B-C8F1391BB234}" presName="Name13" presStyleLbl="parChTrans1D2" presStyleIdx="8" presStyleCnt="11"/>
+      <dgm:spPr/>
+    </dgm:pt>
+    <dgm:pt modelId="{291D5A65-BA4D-4BF4-8D0F-050F9D81FBB6}" type="pres">
+      <dgm:prSet presAssocID="{D6553791-8532-4952-AC46-957A80E6F455}" presName="childText" presStyleLbl="bgAcc1" presStyleIdx="8" presStyleCnt="11">
+        <dgm:presLayoutVars>
+          <dgm:bulletEnabled val="1"/>
+        </dgm:presLayoutVars>
+      </dgm:prSet>
+      <dgm:spPr/>
+    </dgm:pt>
+    <dgm:pt modelId="{6B27DFF3-3021-4E99-BF73-829A6255425D}" type="pres">
+      <dgm:prSet presAssocID="{E8807DF0-38BE-4236-AFC9-03DFA18007AA}" presName="Name13" presStyleLbl="parChTrans1D2" presStyleIdx="9" presStyleCnt="11"/>
+      <dgm:spPr/>
+    </dgm:pt>
+    <dgm:pt modelId="{88C17E61-7A2A-46D7-AC95-5E562286A33E}" type="pres">
+      <dgm:prSet presAssocID="{23FBFCAF-D268-4C4D-8359-092F33A19BD5}" presName="childText" presStyleLbl="bgAcc1" presStyleIdx="9" presStyleCnt="11">
+        <dgm:presLayoutVars>
+          <dgm:bulletEnabled val="1"/>
+        </dgm:presLayoutVars>
+      </dgm:prSet>
+      <dgm:spPr/>
+    </dgm:pt>
+    <dgm:pt modelId="{E8A2D34D-9B35-4804-BD08-DC4453907292}" type="pres">
+      <dgm:prSet presAssocID="{E61F56D0-9360-46BF-8251-561CA9F726E8}" presName="Name13" presStyleLbl="parChTrans1D2" presStyleIdx="10" presStyleCnt="11"/>
+      <dgm:spPr/>
+    </dgm:pt>
+    <dgm:pt modelId="{1B267FF2-7D4F-4C45-AA7C-4EA638A9F1C5}" type="pres">
+      <dgm:prSet presAssocID="{BE7D634C-5542-4AE8-B044-37802A6A19BF}" presName="childText" presStyleLbl="bgAcc1" presStyleIdx="10" presStyleCnt="11">
+        <dgm:presLayoutVars>
+          <dgm:bulletEnabled val="1"/>
+        </dgm:presLayoutVars>
+      </dgm:prSet>
+      <dgm:spPr/>
+    </dgm:pt>
+  </dgm:ptLst>
+  <dgm:cxnLst>
+    <dgm:cxn modelId="{F8F3D917-317B-4A80-B606-277A7F6170C2}" srcId="{9AAB3432-E203-4861-9A1F-5A18DE81A0E0}" destId="{F221EA58-7488-4550-B7A5-965344CA7EAE}" srcOrd="1" destOrd="0" parTransId="{03056A9D-BCBF-4181-B8D6-7E4ECCBD4D9E}" sibTransId="{50012D0E-39A9-4FB4-832D-C4D74BE598A6}"/>
+    <dgm:cxn modelId="{B7B8BE25-1D3D-41C1-B2BB-252CA3FFFABF}" srcId="{5D17C516-2319-40FE-8748-E184C6D71444}" destId="{C217CF6C-69F6-4F1F-BFEF-F03F51825445}" srcOrd="0" destOrd="0" parTransId="{109F41A6-1D40-4F81-903A-8B0CB1E442DB}" sibTransId="{727D2815-3763-49AC-8FA5-B78975C6E255}"/>
+    <dgm:cxn modelId="{918F4E28-6C57-4EFF-80BA-F57AC436CDC9}" type="presOf" srcId="{08AACE21-5FAD-4460-B120-67387C8F0F32}" destId="{F5AE7053-0C33-481C-8BFB-D2DAFB4C4294}" srcOrd="0" destOrd="0" presId="urn:microsoft.com/office/officeart/2005/8/layout/hierarchy3"/>
+    <dgm:cxn modelId="{C679C12F-0D37-4771-853C-9B6A72F3F8AB}" srcId="{5D17C516-2319-40FE-8748-E184C6D71444}" destId="{23FBFCAF-D268-4C4D-8359-092F33A19BD5}" srcOrd="2" destOrd="0" parTransId="{E8807DF0-38BE-4236-AFC9-03DFA18007AA}" sibTransId="{49424D88-7251-4F7F-9D61-B03F29AB2536}"/>
+    <dgm:cxn modelId="{372E1130-8A4A-4006-A020-34030B0410C9}" srcId="{ED0B78BF-E006-4732-B48C-2ADC9E2EF39A}" destId="{A7945ECA-2D01-4C03-9AED-9E3EEAAF0F2C}" srcOrd="1" destOrd="0" parTransId="{D39C6496-6307-4FC4-9D55-DB6DA94D051F}" sibTransId="{4FF7D82F-ECB8-4560-8324-4D22393C300C}"/>
+    <dgm:cxn modelId="{7156E032-39F7-4DCF-A095-E4906170ABD1}" type="presOf" srcId="{C217CF6C-69F6-4F1F-BFEF-F03F51825445}" destId="{EDB6085A-8F2B-4B84-887D-9DD4BEC6E4E1}" srcOrd="0" destOrd="0" presId="urn:microsoft.com/office/officeart/2005/8/layout/hierarchy3"/>
+    <dgm:cxn modelId="{77C2803F-5DCB-40EC-8837-BEA44757C328}" type="presOf" srcId="{B1CEE35E-20B6-4A0B-B1E8-D4F40E3162E1}" destId="{C5878689-67F2-4E3D-8C9B-392F50C32024}" srcOrd="0" destOrd="0" presId="urn:microsoft.com/office/officeart/2005/8/layout/hierarchy3"/>
+    <dgm:cxn modelId="{3C31933F-6B34-49D4-B2D3-FA6BA454BF0B}" type="presOf" srcId="{3C02419B-DA6A-4FDB-972F-4F8DC3AD08E3}" destId="{5A2BB121-DDEE-46A8-AC09-18496F773E62}" srcOrd="0" destOrd="0" presId="urn:microsoft.com/office/officeart/2005/8/layout/hierarchy3"/>
+    <dgm:cxn modelId="{C906736A-EECE-4919-9DAA-28FE9DCB5675}" type="presOf" srcId="{5D17C516-2319-40FE-8748-E184C6D71444}" destId="{3DB7ADFA-DCAB-4034-9F43-B860EBE864E8}" srcOrd="0" destOrd="0" presId="urn:microsoft.com/office/officeart/2005/8/layout/hierarchy3"/>
+    <dgm:cxn modelId="{0DEC854C-4194-43A5-8929-DF87D63D4D63}" type="presOf" srcId="{E61F56D0-9360-46BF-8251-561CA9F726E8}" destId="{E8A2D34D-9B35-4804-BD08-DC4453907292}" srcOrd="0" destOrd="0" presId="urn:microsoft.com/office/officeart/2005/8/layout/hierarchy3"/>
+    <dgm:cxn modelId="{658D4F50-D710-4AB9-8265-F6A1451ABDAD}" type="presOf" srcId="{E8807DF0-38BE-4236-AFC9-03DFA18007AA}" destId="{6B27DFF3-3021-4E99-BF73-829A6255425D}" srcOrd="0" destOrd="0" presId="urn:microsoft.com/office/officeart/2005/8/layout/hierarchy3"/>
+    <dgm:cxn modelId="{1A587271-F11A-4E3E-97F5-0C80881E7856}" type="presOf" srcId="{4B64BF35-F3DD-46FA-A74B-C8F1391BB234}" destId="{FF100697-267A-4BC5-8DA9-B1F7321DFE84}" srcOrd="0" destOrd="0" presId="urn:microsoft.com/office/officeart/2005/8/layout/hierarchy3"/>
+    <dgm:cxn modelId="{C6045752-28A9-4F08-8DE2-ADC62AB18265}" type="presOf" srcId="{109F41A6-1D40-4F81-903A-8B0CB1E442DB}" destId="{278D3975-9588-4A95-85BD-D062BB0AE1A4}" srcOrd="0" destOrd="0" presId="urn:microsoft.com/office/officeart/2005/8/layout/hierarchy3"/>
+    <dgm:cxn modelId="{A598A554-6FB3-42AA-BB2F-C4DBF408EC24}" type="presOf" srcId="{A7945ECA-2D01-4C03-9AED-9E3EEAAF0F2C}" destId="{9C3E65C4-9266-43CB-B08F-79811ABF047A}" srcOrd="0" destOrd="0" presId="urn:microsoft.com/office/officeart/2005/8/layout/hierarchy3"/>
+    <dgm:cxn modelId="{47968857-87E3-481A-908A-A468E51372C1}" srcId="{9AAB3432-E203-4861-9A1F-5A18DE81A0E0}" destId="{B1CEE35E-20B6-4A0B-B1E8-D4F40E3162E1}" srcOrd="2" destOrd="0" parTransId="{08AACE21-5FAD-4460-B120-67387C8F0F32}" sibTransId="{4A08DEA0-C75B-4713-B280-420C60C372D9}"/>
+    <dgm:cxn modelId="{A3550B88-A4A2-4C55-8EEF-D8696D63FDCA}" type="presOf" srcId="{23FBFCAF-D268-4C4D-8359-092F33A19BD5}" destId="{88C17E61-7A2A-46D7-AC95-5E562286A33E}" srcOrd="0" destOrd="0" presId="urn:microsoft.com/office/officeart/2005/8/layout/hierarchy3"/>
+    <dgm:cxn modelId="{22964D88-0DC4-4B3C-A8CE-48EA0783D709}" type="presOf" srcId="{9AAB3432-E203-4861-9A1F-5A18DE81A0E0}" destId="{D5FEF17D-A657-4E90-83A6-FFBD9375BEE2}" srcOrd="1" destOrd="0" presId="urn:microsoft.com/office/officeart/2005/8/layout/hierarchy3"/>
+    <dgm:cxn modelId="{9662958D-3400-409A-ADC7-BEB605777B1F}" srcId="{ED0B78BF-E006-4732-B48C-2ADC9E2EF39A}" destId="{1CBBDDB5-026A-42BF-8805-ACAC57AA5DC3}" srcOrd="0" destOrd="0" parTransId="{1EC30C20-D36E-4265-85EE-C210CE02F892}" sibTransId="{D37EB34B-12D7-42C6-A433-F33F271349CA}"/>
+    <dgm:cxn modelId="{94F0CB90-DE88-47E8-9D0B-FD6D9A03A22C}" type="presOf" srcId="{1EC30C20-D36E-4265-85EE-C210CE02F892}" destId="{2564A6E5-875B-4BC6-B983-AA12C064A019}" srcOrd="0" destOrd="0" presId="urn:microsoft.com/office/officeart/2005/8/layout/hierarchy3"/>
+    <dgm:cxn modelId="{D1FEA694-B081-4B51-851E-3914507C3230}" type="presOf" srcId="{FD74BA91-6D78-44B3-BF01-4D49723F4718}" destId="{16CFAB30-3E6A-44D7-A45D-E3066E142053}" srcOrd="0" destOrd="0" presId="urn:microsoft.com/office/officeart/2005/8/layout/hierarchy3"/>
+    <dgm:cxn modelId="{FAC6949B-B633-43AF-9BCB-483138B18D3F}" type="presOf" srcId="{FA010E1E-46BF-40DE-B386-14C19C329E38}" destId="{0ECF28DA-9925-4B5B-97B1-BDA459502114}" srcOrd="0" destOrd="0" presId="urn:microsoft.com/office/officeart/2005/8/layout/hierarchy3"/>
+    <dgm:cxn modelId="{8B495D9D-5B75-4B97-8FE7-54F24CED5860}" type="presOf" srcId="{1CBBDDB5-026A-42BF-8805-ACAC57AA5DC3}" destId="{3B0CF9DF-CC55-47FF-BECE-903E70F9D2DE}" srcOrd="0" destOrd="0" presId="urn:microsoft.com/office/officeart/2005/8/layout/hierarchy3"/>
+    <dgm:cxn modelId="{F9A2BA9E-B30D-4948-A3E9-A634F6BE47FD}" srcId="{D4ADF4FB-6626-4BAA-8170-1AB86830E7EB}" destId="{5D17C516-2319-40FE-8748-E184C6D71444}" srcOrd="2" destOrd="0" parTransId="{EA441DC7-A30D-47EC-A5C8-C50834D06E30}" sibTransId="{636B54D7-340F-4600-82E5-F2E670443C91}"/>
+    <dgm:cxn modelId="{B2581BA3-7711-4B4F-895A-5C4A1A23D07A}" srcId="{ED0B78BF-E006-4732-B48C-2ADC9E2EF39A}" destId="{3C02419B-DA6A-4FDB-972F-4F8DC3AD08E3}" srcOrd="3" destOrd="0" parTransId="{FA010E1E-46BF-40DE-B386-14C19C329E38}" sibTransId="{ABE6B4B2-8044-42FC-8EBA-A2B2927B372D}"/>
+    <dgm:cxn modelId="{17D275A3-9BBB-4EF7-8582-F13F0E98BB5D}" type="presOf" srcId="{ED0B78BF-E006-4732-B48C-2ADC9E2EF39A}" destId="{F1C18E15-3E91-476D-8B13-25AD56BC4B13}" srcOrd="0" destOrd="0" presId="urn:microsoft.com/office/officeart/2005/8/layout/hierarchy3"/>
+    <dgm:cxn modelId="{29461AA4-85D3-4C91-9D68-226BD6D7500F}" type="presOf" srcId="{DDB8B436-9528-434E-BD0F-6EB4D2ACB929}" destId="{7E3D7089-292B-46E8-B4F0-ADC3733C52BD}" srcOrd="0" destOrd="0" presId="urn:microsoft.com/office/officeart/2005/8/layout/hierarchy3"/>
+    <dgm:cxn modelId="{6F0A8CA4-3728-4E60-8471-7CAB7A834900}" type="presOf" srcId="{F221EA58-7488-4550-B7A5-965344CA7EAE}" destId="{CF0B1CD2-0FC3-49A4-A520-B01A6C3CCB95}" srcOrd="0" destOrd="0" presId="urn:microsoft.com/office/officeart/2005/8/layout/hierarchy3"/>
+    <dgm:cxn modelId="{57CCC0A4-E34E-4C62-A9CF-DD81EEE3866B}" type="presOf" srcId="{ED0B78BF-E006-4732-B48C-2ADC9E2EF39A}" destId="{8FA2ECE2-9D66-4FD1-89DE-3231691A8283}" srcOrd="1" destOrd="0" presId="urn:microsoft.com/office/officeart/2005/8/layout/hierarchy3"/>
+    <dgm:cxn modelId="{B9BF7AAF-65F6-4C3F-A447-D4308C54C183}" type="presOf" srcId="{03056A9D-BCBF-4181-B8D6-7E4ECCBD4D9E}" destId="{BC1B1EA4-129C-44F6-935B-BA646A7A2AA3}" srcOrd="0" destOrd="0" presId="urn:microsoft.com/office/officeart/2005/8/layout/hierarchy3"/>
+    <dgm:cxn modelId="{9A9D42B1-F32F-4577-8983-B9A3F16912EF}" type="presOf" srcId="{5D17C516-2319-40FE-8748-E184C6D71444}" destId="{A1EB1FFF-29EC-48BF-990F-29DA82114C59}" srcOrd="1" destOrd="0" presId="urn:microsoft.com/office/officeart/2005/8/layout/hierarchy3"/>
+    <dgm:cxn modelId="{89C78CB1-6741-4CF3-94C6-75218CA722F2}" type="presOf" srcId="{9E647244-45B2-496C-B687-01576FEABEC4}" destId="{360B229B-0F55-45E5-A55A-DDDBDBD1C921}" srcOrd="0" destOrd="0" presId="urn:microsoft.com/office/officeart/2005/8/layout/hierarchy3"/>
+    <dgm:cxn modelId="{A1A3BCB4-83BF-4A79-B53F-5F8A606BDE54}" srcId="{D4ADF4FB-6626-4BAA-8170-1AB86830E7EB}" destId="{ED0B78BF-E006-4732-B48C-2ADC9E2EF39A}" srcOrd="1" destOrd="0" parTransId="{28816F29-4038-473E-B49B-94074EA0A51E}" sibTransId="{23CFA8B8-2A05-4928-AEB3-72448E3A79E3}"/>
+    <dgm:cxn modelId="{05A31FBA-4386-4C52-B511-34CACCBA2A2F}" type="presOf" srcId="{D6553791-8532-4952-AC46-957A80E6F455}" destId="{291D5A65-BA4D-4BF4-8D0F-050F9D81FBB6}" srcOrd="0" destOrd="0" presId="urn:microsoft.com/office/officeart/2005/8/layout/hierarchy3"/>
+    <dgm:cxn modelId="{D3B30ABB-789A-496A-BE80-A66E542511F0}" type="presOf" srcId="{B0B0FACC-C24A-4552-82AB-C8FE8246DEF8}" destId="{5F9726AA-E8AD-4C5C-A0CA-2350C4F8CAFA}" srcOrd="0" destOrd="0" presId="urn:microsoft.com/office/officeart/2005/8/layout/hierarchy3"/>
+    <dgm:cxn modelId="{F5F6D4BB-2DFC-4FC1-ABCD-FF03786BFFE0}" srcId="{D4ADF4FB-6626-4BAA-8170-1AB86830E7EB}" destId="{9AAB3432-E203-4861-9A1F-5A18DE81A0E0}" srcOrd="0" destOrd="0" parTransId="{A67FC2F0-CFC7-4D0E-AB12-FC8B412EC38C}" sibTransId="{6A4E30F2-4DB5-4E70-B35C-3B1843570C40}"/>
+    <dgm:cxn modelId="{F089AEBC-BE1B-4B2B-AE04-A2DE441E9900}" type="presOf" srcId="{BE7D634C-5542-4AE8-B044-37802A6A19BF}" destId="{1B267FF2-7D4F-4C45-AA7C-4EA638A9F1C5}" srcOrd="0" destOrd="0" presId="urn:microsoft.com/office/officeart/2005/8/layout/hierarchy3"/>
+    <dgm:cxn modelId="{B7404AC6-1631-4D80-950E-A28F1FE44D7F}" srcId="{5D17C516-2319-40FE-8748-E184C6D71444}" destId="{BE7D634C-5542-4AE8-B044-37802A6A19BF}" srcOrd="3" destOrd="0" parTransId="{E61F56D0-9360-46BF-8251-561CA9F726E8}" sibTransId="{F057A6F2-F3CD-40BE-A001-82BB25F47711}"/>
+    <dgm:cxn modelId="{CF5086CE-64BD-4DFC-A4A2-5A3B8EB678D2}" type="presOf" srcId="{D39C6496-6307-4FC4-9D55-DB6DA94D051F}" destId="{7DFA9A08-1F84-4CF2-9E63-7F6E7C219F76}" srcOrd="0" destOrd="0" presId="urn:microsoft.com/office/officeart/2005/8/layout/hierarchy3"/>
+    <dgm:cxn modelId="{E630B7D1-EF42-4E29-A586-EDEEAFD22353}" srcId="{5D17C516-2319-40FE-8748-E184C6D71444}" destId="{D6553791-8532-4952-AC46-957A80E6F455}" srcOrd="1" destOrd="0" parTransId="{4B64BF35-F3DD-46FA-A74B-C8F1391BB234}" sibTransId="{C19A1F15-CCAA-4226-B7DD-F2CD4049A9B3}"/>
+    <dgm:cxn modelId="{B80BDAD5-1DB9-4ED8-AD7A-F59F92E4D26B}" type="presOf" srcId="{D4ADF4FB-6626-4BAA-8170-1AB86830E7EB}" destId="{5EAC0F1C-8135-499C-A050-8951C4D4D68B}" srcOrd="0" destOrd="0" presId="urn:microsoft.com/office/officeart/2005/8/layout/hierarchy3"/>
+    <dgm:cxn modelId="{05392EDD-3032-43C3-BA79-A1347D6D727C}" srcId="{9AAB3432-E203-4861-9A1F-5A18DE81A0E0}" destId="{DDB8B436-9528-434E-BD0F-6EB4D2ACB929}" srcOrd="0" destOrd="0" parTransId="{9E647244-45B2-496C-B687-01576FEABEC4}" sibTransId="{EE60868F-7BA4-434D-84FC-89FFDDF05FC3}"/>
+    <dgm:cxn modelId="{13013BF6-3A96-443E-9540-BE81022B503E}" type="presOf" srcId="{9AAB3432-E203-4861-9A1F-5A18DE81A0E0}" destId="{D42C5353-2F91-4910-9E62-259C884C47C8}" srcOrd="0" destOrd="0" presId="urn:microsoft.com/office/officeart/2005/8/layout/hierarchy3"/>
+    <dgm:cxn modelId="{FCD83CF7-A1CD-455F-A466-CFFA01A2A6C9}" srcId="{ED0B78BF-E006-4732-B48C-2ADC9E2EF39A}" destId="{B0B0FACC-C24A-4552-82AB-C8FE8246DEF8}" srcOrd="2" destOrd="0" parTransId="{FD74BA91-6D78-44B3-BF01-4D49723F4718}" sibTransId="{E6264341-6F1C-4A60-9081-A5335333D714}"/>
+    <dgm:cxn modelId="{D1AD12C1-70FD-4640-8165-4E8A414F3C3C}" type="presParOf" srcId="{5EAC0F1C-8135-499C-A050-8951C4D4D68B}" destId="{E9A360F5-905C-4B1F-87BD-8099DBD7826B}" srcOrd="0" destOrd="0" presId="urn:microsoft.com/office/officeart/2005/8/layout/hierarchy3"/>
+    <dgm:cxn modelId="{EA767C94-0C36-4B1E-B0CE-249521D515D9}" type="presParOf" srcId="{E9A360F5-905C-4B1F-87BD-8099DBD7826B}" destId="{770F0FD6-A664-4D0A-A016-FBEA3DBC5EF2}" srcOrd="0" destOrd="0" presId="urn:microsoft.com/office/officeart/2005/8/layout/hierarchy3"/>
+    <dgm:cxn modelId="{99E9EA2F-D216-4B5B-BB7F-3561383CB3E9}" type="presParOf" srcId="{770F0FD6-A664-4D0A-A016-FBEA3DBC5EF2}" destId="{D42C5353-2F91-4910-9E62-259C884C47C8}" srcOrd="0" destOrd="0" presId="urn:microsoft.com/office/officeart/2005/8/layout/hierarchy3"/>
+    <dgm:cxn modelId="{68651435-D41E-41DA-A714-AA24CA135D34}" type="presParOf" srcId="{770F0FD6-A664-4D0A-A016-FBEA3DBC5EF2}" destId="{D5FEF17D-A657-4E90-83A6-FFBD9375BEE2}" srcOrd="1" destOrd="0" presId="urn:microsoft.com/office/officeart/2005/8/layout/hierarchy3"/>
+    <dgm:cxn modelId="{4F96940D-AB8F-483B-8E33-09350038BE5F}" type="presParOf" srcId="{E9A360F5-905C-4B1F-87BD-8099DBD7826B}" destId="{ED254901-973D-4D91-AABF-EBA39BDAC603}" srcOrd="1" destOrd="0" presId="urn:microsoft.com/office/officeart/2005/8/layout/hierarchy3"/>
+    <dgm:cxn modelId="{EFCBF1C7-F098-4081-A971-DBD264293E1B}" type="presParOf" srcId="{ED254901-973D-4D91-AABF-EBA39BDAC603}" destId="{360B229B-0F55-45E5-A55A-DDDBDBD1C921}" srcOrd="0" destOrd="0" presId="urn:microsoft.com/office/officeart/2005/8/layout/hierarchy3"/>
+    <dgm:cxn modelId="{11514D88-7BDE-4B06-BABF-48FD2C185D66}" type="presParOf" srcId="{ED254901-973D-4D91-AABF-EBA39BDAC603}" destId="{7E3D7089-292B-46E8-B4F0-ADC3733C52BD}" srcOrd="1" destOrd="0" presId="urn:microsoft.com/office/officeart/2005/8/layout/hierarchy3"/>
+    <dgm:cxn modelId="{7065C4CB-4AB6-45D8-B5BA-CD814B7462FF}" type="presParOf" srcId="{ED254901-973D-4D91-AABF-EBA39BDAC603}" destId="{BC1B1EA4-129C-44F6-935B-BA646A7A2AA3}" srcOrd="2" destOrd="0" presId="urn:microsoft.com/office/officeart/2005/8/layout/hierarchy3"/>
+    <dgm:cxn modelId="{C3F9E7A4-75B1-4B7E-A1E5-4987D8B78D37}" type="presParOf" srcId="{ED254901-973D-4D91-AABF-EBA39BDAC603}" destId="{CF0B1CD2-0FC3-49A4-A520-B01A6C3CCB95}" srcOrd="3" destOrd="0" presId="urn:microsoft.com/office/officeart/2005/8/layout/hierarchy3"/>
+    <dgm:cxn modelId="{FB9B22F7-2413-495F-B229-6C18B49466FC}" type="presParOf" srcId="{ED254901-973D-4D91-AABF-EBA39BDAC603}" destId="{F5AE7053-0C33-481C-8BFB-D2DAFB4C4294}" srcOrd="4" destOrd="0" presId="urn:microsoft.com/office/officeart/2005/8/layout/hierarchy3"/>
+    <dgm:cxn modelId="{C16A5564-59F3-412A-B4EB-B65B63053508}" type="presParOf" srcId="{ED254901-973D-4D91-AABF-EBA39BDAC603}" destId="{C5878689-67F2-4E3D-8C9B-392F50C32024}" srcOrd="5" destOrd="0" presId="urn:microsoft.com/office/officeart/2005/8/layout/hierarchy3"/>
+    <dgm:cxn modelId="{09181F9B-E167-4B75-B6B6-F9E14D694D89}" type="presParOf" srcId="{5EAC0F1C-8135-499C-A050-8951C4D4D68B}" destId="{78204B86-F48E-424E-B9F0-F61E8700D86E}" srcOrd="1" destOrd="0" presId="urn:microsoft.com/office/officeart/2005/8/layout/hierarchy3"/>
+    <dgm:cxn modelId="{DBC2B5BC-DFDC-474C-A838-26BB04DE679E}" type="presParOf" srcId="{78204B86-F48E-424E-B9F0-F61E8700D86E}" destId="{612CABF1-DDE5-41D1-9036-25B4BE7589BE}" srcOrd="0" destOrd="0" presId="urn:microsoft.com/office/officeart/2005/8/layout/hierarchy3"/>
+    <dgm:cxn modelId="{28B003FA-10B3-4B59-9252-9741DA196AD4}" type="presParOf" srcId="{612CABF1-DDE5-41D1-9036-25B4BE7589BE}" destId="{F1C18E15-3E91-476D-8B13-25AD56BC4B13}" srcOrd="0" destOrd="0" presId="urn:microsoft.com/office/officeart/2005/8/layout/hierarchy3"/>
+    <dgm:cxn modelId="{3CDADAA2-FDA6-4600-957E-40993F510D7B}" type="presParOf" srcId="{612CABF1-DDE5-41D1-9036-25B4BE7589BE}" destId="{8FA2ECE2-9D66-4FD1-89DE-3231691A8283}" srcOrd="1" destOrd="0" presId="urn:microsoft.com/office/officeart/2005/8/layout/hierarchy3"/>
+    <dgm:cxn modelId="{D333763B-8A35-4756-B2BA-39040A45CB48}" type="presParOf" srcId="{78204B86-F48E-424E-B9F0-F61E8700D86E}" destId="{5E7F2D45-2508-495B-A708-02E0FD5F2314}" srcOrd="1" destOrd="0" presId="urn:microsoft.com/office/officeart/2005/8/layout/hierarchy3"/>
+    <dgm:cxn modelId="{259421E8-95D2-4D14-8B2B-86B19D729340}" type="presParOf" srcId="{5E7F2D45-2508-495B-A708-02E0FD5F2314}" destId="{2564A6E5-875B-4BC6-B983-AA12C064A019}" srcOrd="0" destOrd="0" presId="urn:microsoft.com/office/officeart/2005/8/layout/hierarchy3"/>
+    <dgm:cxn modelId="{8BDD8554-2C29-4FFE-BD1A-F208CC31C2A1}" type="presParOf" srcId="{5E7F2D45-2508-495B-A708-02E0FD5F2314}" destId="{3B0CF9DF-CC55-47FF-BECE-903E70F9D2DE}" srcOrd="1" destOrd="0" presId="urn:microsoft.com/office/officeart/2005/8/layout/hierarchy3"/>
+    <dgm:cxn modelId="{875A6F76-A845-47E2-9FD3-19114F777D75}" type="presParOf" srcId="{5E7F2D45-2508-495B-A708-02E0FD5F2314}" destId="{7DFA9A08-1F84-4CF2-9E63-7F6E7C219F76}" srcOrd="2" destOrd="0" presId="urn:microsoft.com/office/officeart/2005/8/layout/hierarchy3"/>
+    <dgm:cxn modelId="{D1011F87-5E28-4D3F-8118-4BA6A4FEA06E}" type="presParOf" srcId="{5E7F2D45-2508-495B-A708-02E0FD5F2314}" destId="{9C3E65C4-9266-43CB-B08F-79811ABF047A}" srcOrd="3" destOrd="0" presId="urn:microsoft.com/office/officeart/2005/8/layout/hierarchy3"/>
+    <dgm:cxn modelId="{B64B3C35-7E92-47FF-A43C-7E75EABB7DE0}" type="presParOf" srcId="{5E7F2D45-2508-495B-A708-02E0FD5F2314}" destId="{16CFAB30-3E6A-44D7-A45D-E3066E142053}" srcOrd="4" destOrd="0" presId="urn:microsoft.com/office/officeart/2005/8/layout/hierarchy3"/>
+    <dgm:cxn modelId="{86D49351-D3C9-48A1-88EA-44A93353F587}" type="presParOf" srcId="{5E7F2D45-2508-495B-A708-02E0FD5F2314}" destId="{5F9726AA-E8AD-4C5C-A0CA-2350C4F8CAFA}" srcOrd="5" destOrd="0" presId="urn:microsoft.com/office/officeart/2005/8/layout/hierarchy3"/>
+    <dgm:cxn modelId="{91C1DB7D-DADE-48E1-9C3F-D33F6FC84386}" type="presParOf" srcId="{5E7F2D45-2508-495B-A708-02E0FD5F2314}" destId="{0ECF28DA-9925-4B5B-97B1-BDA459502114}" srcOrd="6" destOrd="0" presId="urn:microsoft.com/office/officeart/2005/8/layout/hierarchy3"/>
+    <dgm:cxn modelId="{7A09BA7C-9EDC-496E-8A6D-4B0744B8C88D}" type="presParOf" srcId="{5E7F2D45-2508-495B-A708-02E0FD5F2314}" destId="{5A2BB121-DDEE-46A8-AC09-18496F773E62}" srcOrd="7" destOrd="0" presId="urn:microsoft.com/office/officeart/2005/8/layout/hierarchy3"/>
+    <dgm:cxn modelId="{F5B8C0DF-97A3-423B-9A5D-53FC91FEE07D}" type="presParOf" srcId="{5EAC0F1C-8135-499C-A050-8951C4D4D68B}" destId="{59FB6EFF-035B-4901-8C84-3BDEA8130465}" srcOrd="2" destOrd="0" presId="urn:microsoft.com/office/officeart/2005/8/layout/hierarchy3"/>
+    <dgm:cxn modelId="{2C3BEA50-80F2-41C7-A82B-5C3E16FC0BD9}" type="presParOf" srcId="{59FB6EFF-035B-4901-8C84-3BDEA8130465}" destId="{DFAAFD62-220C-47EA-B1FF-1D698C1D9D0C}" srcOrd="0" destOrd="0" presId="urn:microsoft.com/office/officeart/2005/8/layout/hierarchy3"/>
+    <dgm:cxn modelId="{5783CD70-7213-4FC1-AF68-237D5BC3062A}" type="presParOf" srcId="{DFAAFD62-220C-47EA-B1FF-1D698C1D9D0C}" destId="{3DB7ADFA-DCAB-4034-9F43-B860EBE864E8}" srcOrd="0" destOrd="0" presId="urn:microsoft.com/office/officeart/2005/8/layout/hierarchy3"/>
+    <dgm:cxn modelId="{B7E1F160-A178-462E-868C-EC6564C42610}" type="presParOf" srcId="{DFAAFD62-220C-47EA-B1FF-1D698C1D9D0C}" destId="{A1EB1FFF-29EC-48BF-990F-29DA82114C59}" srcOrd="1" destOrd="0" presId="urn:microsoft.com/office/officeart/2005/8/layout/hierarchy3"/>
+    <dgm:cxn modelId="{9FF94B33-0113-4A76-8701-4BFCEEDBDE89}" type="presParOf" srcId="{59FB6EFF-035B-4901-8C84-3BDEA8130465}" destId="{C961EBF4-10A8-458E-973D-7ED2EFFC972F}" srcOrd="1" destOrd="0" presId="urn:microsoft.com/office/officeart/2005/8/layout/hierarchy3"/>
+    <dgm:cxn modelId="{E16B69EF-6960-4FF6-974E-0243612C50A9}" type="presParOf" srcId="{C961EBF4-10A8-458E-973D-7ED2EFFC972F}" destId="{278D3975-9588-4A95-85BD-D062BB0AE1A4}" srcOrd="0" destOrd="0" presId="urn:microsoft.com/office/officeart/2005/8/layout/hierarchy3"/>
+    <dgm:cxn modelId="{EDC0758A-BCB5-4E73-BE7E-8D1A992568A9}" type="presParOf" srcId="{C961EBF4-10A8-458E-973D-7ED2EFFC972F}" destId="{EDB6085A-8F2B-4B84-887D-9DD4BEC6E4E1}" srcOrd="1" destOrd="0" presId="urn:microsoft.com/office/officeart/2005/8/layout/hierarchy3"/>
+    <dgm:cxn modelId="{B9702EBF-28A6-4C56-BB02-8A38776C1F90}" type="presParOf" srcId="{C961EBF4-10A8-458E-973D-7ED2EFFC972F}" destId="{FF100697-267A-4BC5-8DA9-B1F7321DFE84}" srcOrd="2" destOrd="0" presId="urn:microsoft.com/office/officeart/2005/8/layout/hierarchy3"/>
+    <dgm:cxn modelId="{46AAE45F-BF7E-4CDB-A15F-802EEF0A52A0}" type="presParOf" srcId="{C961EBF4-10A8-458E-973D-7ED2EFFC972F}" destId="{291D5A65-BA4D-4BF4-8D0F-050F9D81FBB6}" srcOrd="3" destOrd="0" presId="urn:microsoft.com/office/officeart/2005/8/layout/hierarchy3"/>
+    <dgm:cxn modelId="{0137D627-1B4F-47DB-ADA7-B3A9FCF6DA00}" type="presParOf" srcId="{C961EBF4-10A8-458E-973D-7ED2EFFC972F}" destId="{6B27DFF3-3021-4E99-BF73-829A6255425D}" srcOrd="4" destOrd="0" presId="urn:microsoft.com/office/officeart/2005/8/layout/hierarchy3"/>
+    <dgm:cxn modelId="{2DDA2A2E-7EBF-42D3-8E45-3269864CBAA4}" type="presParOf" srcId="{C961EBF4-10A8-458E-973D-7ED2EFFC972F}" destId="{88C17E61-7A2A-46D7-AC95-5E562286A33E}" srcOrd="5" destOrd="0" presId="urn:microsoft.com/office/officeart/2005/8/layout/hierarchy3"/>
+    <dgm:cxn modelId="{7CD2E438-91AB-49C8-BEFA-398ACCFFD7BD}" type="presParOf" srcId="{C961EBF4-10A8-458E-973D-7ED2EFFC972F}" destId="{E8A2D34D-9B35-4804-BD08-DC4453907292}" srcOrd="6" destOrd="0" presId="urn:microsoft.com/office/officeart/2005/8/layout/hierarchy3"/>
+    <dgm:cxn modelId="{1534A217-6ECD-4474-80F2-71CA6833E5EF}" type="presParOf" srcId="{C961EBF4-10A8-458E-973D-7ED2EFFC972F}" destId="{1B267FF2-7D4F-4C45-AA7C-4EA638A9F1C5}" srcOrd="7" destOrd="0" presId="urn:microsoft.com/office/officeart/2005/8/layout/hierarchy3"/>
+  </dgm:cxnLst>
+  <dgm:bg/>
+  <dgm:whole/>
+  <dgm:extLst>
+    <a:ext uri="http://schemas.microsoft.com/office/drawing/2008/diagram">
+      <dsp:dataModelExt xmlns:dsp="http://schemas.microsoft.com/office/drawing/2008/diagram" relId="rId6" minVer="http://schemas.openxmlformats.org/drawingml/2006/diagram"/>
+    </a:ext>
+  </dgm:extLst>
+</dgm:dataModel>
+</file>
+
+<file path=ppt/diagrams/drawing1.xml><?xml version="1.0" encoding="utf-8"?>
+<dsp:drawing xmlns:dgm="http://schemas.openxmlformats.org/drawingml/2006/diagram" xmlns:dsp="http://schemas.microsoft.com/office/drawing/2008/diagram" xmlns:a="http://schemas.openxmlformats.org/drawingml/2006/main">
+  <dsp:spTree>
+    <dsp:nvGrpSpPr>
+      <dsp:cNvPr id="0" name=""/>
+      <dsp:cNvGrpSpPr/>
+    </dsp:nvGrpSpPr>
+    <dsp:grpSpPr/>
+    <dsp:sp modelId="{D42C5353-2F91-4910-9E62-259C884C47C8}">
+      <dsp:nvSpPr>
+        <dsp:cNvPr id="0" name=""/>
+        <dsp:cNvSpPr/>
+      </dsp:nvSpPr>
+      <dsp:spPr>
+        <a:xfrm>
+          <a:off x="529456" y="248"/>
+          <a:ext cx="1439167" cy="719583"/>
+        </a:xfrm>
+        <a:prstGeom prst="roundRect">
+          <a:avLst>
+            <a:gd name="adj" fmla="val 10000"/>
+          </a:avLst>
+        </a:prstGeom>
+        <a:solidFill>
+          <a:schemeClr val="accent1">
+            <a:hueOff val="0"/>
+            <a:satOff val="0"/>
+            <a:lumOff val="0"/>
+            <a:alphaOff val="0"/>
+          </a:schemeClr>
+        </a:solidFill>
+        <a:ln w="25400" cap="flat" cmpd="sng" algn="ctr">
+          <a:solidFill>
+            <a:schemeClr val="lt1">
+              <a:hueOff val="0"/>
+              <a:satOff val="0"/>
+              <a:lumOff val="0"/>
+              <a:alphaOff val="0"/>
+            </a:schemeClr>
+          </a:solidFill>
+          <a:prstDash val="solid"/>
+        </a:ln>
+        <a:effectLst/>
+      </dsp:spPr>
+      <dsp:style>
+        <a:lnRef idx="2">
+          <a:scrgbClr r="0" g="0" b="0"/>
+        </a:lnRef>
+        <a:fillRef idx="1">
+          <a:scrgbClr r="0" g="0" b="0"/>
+        </a:fillRef>
+        <a:effectRef idx="0">
+          <a:scrgbClr r="0" g="0" b="0"/>
+        </a:effectRef>
+        <a:fontRef idx="minor">
+          <a:schemeClr val="lt1"/>
+        </a:fontRef>
+      </dsp:style>
+      <dsp:txBody>
+        <a:bodyPr spcFirstLastPara="0" vert="horz" wrap="square" lIns="28575" tIns="19050" rIns="28575" bIns="19050" numCol="1" spcCol="1270" anchor="ctr" anchorCtr="0">
+          <a:noAutofit/>
+        </a:bodyPr>
+        <a:lstStyle/>
+        <a:p>
+          <a:pPr marL="0" lvl="0" indent="0" algn="ctr" defTabSz="666750">
+            <a:lnSpc>
+              <a:spcPct val="90000"/>
+            </a:lnSpc>
+            <a:spcBef>
+              <a:spcPct val="0"/>
+            </a:spcBef>
+            <a:spcAft>
+              <a:spcPct val="35000"/>
+            </a:spcAft>
+            <a:buNone/>
+          </a:pPr>
+          <a:r>
+            <a:rPr lang="en-US" sz="1500" kern="1200" dirty="0"/>
+            <a:t>Basic Principles</a:t>
+          </a:r>
+        </a:p>
+      </dsp:txBody>
+      <dsp:txXfrm>
+        <a:off x="550532" y="21324"/>
+        <a:ext cx="1397015" cy="677431"/>
+      </dsp:txXfrm>
+    </dsp:sp>
+    <dsp:sp modelId="{360B229B-0F55-45E5-A55A-DDDBDBD1C921}">
+      <dsp:nvSpPr>
+        <dsp:cNvPr id="0" name=""/>
+        <dsp:cNvSpPr/>
+      </dsp:nvSpPr>
+      <dsp:spPr>
+        <a:xfrm>
+          <a:off x="673372" y="719832"/>
+          <a:ext cx="143916" cy="539687"/>
+        </a:xfrm>
+        <a:custGeom>
+          <a:avLst/>
+          <a:gdLst/>
+          <a:ahLst/>
+          <a:cxnLst/>
+          <a:rect l="0" t="0" r="0" b="0"/>
+          <a:pathLst>
+            <a:path>
+              <a:moveTo>
+                <a:pt x="0" y="0"/>
+              </a:moveTo>
+              <a:lnTo>
+                <a:pt x="0" y="539687"/>
+              </a:lnTo>
+              <a:lnTo>
+                <a:pt x="143916" y="539687"/>
+              </a:lnTo>
+            </a:path>
+          </a:pathLst>
+        </a:custGeom>
+        <a:noFill/>
+        <a:ln w="25400" cap="flat" cmpd="sng" algn="ctr">
+          <a:solidFill>
+            <a:schemeClr val="accent1">
+              <a:shade val="60000"/>
+              <a:hueOff val="0"/>
+              <a:satOff val="0"/>
+              <a:lumOff val="0"/>
+              <a:alphaOff val="0"/>
+            </a:schemeClr>
+          </a:solidFill>
+          <a:prstDash val="solid"/>
+        </a:ln>
+        <a:effectLst/>
+      </dsp:spPr>
+      <dsp:style>
+        <a:lnRef idx="2">
+          <a:scrgbClr r="0" g="0" b="0"/>
+        </a:lnRef>
+        <a:fillRef idx="0">
+          <a:scrgbClr r="0" g="0" b="0"/>
+        </a:fillRef>
+        <a:effectRef idx="0">
+          <a:scrgbClr r="0" g="0" b="0"/>
+        </a:effectRef>
+        <a:fontRef idx="minor"/>
+      </dsp:style>
+    </dsp:sp>
+    <dsp:sp modelId="{7E3D7089-292B-46E8-B4F0-ADC3733C52BD}">
+      <dsp:nvSpPr>
+        <dsp:cNvPr id="0" name=""/>
+        <dsp:cNvSpPr/>
+      </dsp:nvSpPr>
+      <dsp:spPr>
+        <a:xfrm>
+          <a:off x="817289" y="899728"/>
+          <a:ext cx="1151334" cy="719583"/>
+        </a:xfrm>
+        <a:prstGeom prst="roundRect">
+          <a:avLst>
+            <a:gd name="adj" fmla="val 10000"/>
+          </a:avLst>
+        </a:prstGeom>
+        <a:solidFill>
+          <a:schemeClr val="lt1">
+            <a:alpha val="90000"/>
+            <a:hueOff val="0"/>
+            <a:satOff val="0"/>
+            <a:lumOff val="0"/>
+            <a:alphaOff val="0"/>
+          </a:schemeClr>
+        </a:solidFill>
+        <a:ln w="25400" cap="flat" cmpd="sng" algn="ctr">
+          <a:solidFill>
+            <a:schemeClr val="accent1">
+              <a:hueOff val="0"/>
+              <a:satOff val="0"/>
+              <a:lumOff val="0"/>
+              <a:alphaOff val="0"/>
+            </a:schemeClr>
+          </a:solidFill>
+          <a:prstDash val="solid"/>
+        </a:ln>
+        <a:effectLst/>
+      </dsp:spPr>
+      <dsp:style>
+        <a:lnRef idx="2">
+          <a:scrgbClr r="0" g="0" b="0"/>
+        </a:lnRef>
+        <a:fillRef idx="1">
+          <a:scrgbClr r="0" g="0" b="0"/>
+        </a:fillRef>
+        <a:effectRef idx="0">
+          <a:scrgbClr r="0" g="0" b="0"/>
+        </a:effectRef>
+        <a:fontRef idx="minor"/>
+      </dsp:style>
+      <dsp:txBody>
+        <a:bodyPr spcFirstLastPara="0" vert="horz" wrap="square" lIns="28575" tIns="19050" rIns="28575" bIns="19050" numCol="1" spcCol="1270" anchor="ctr" anchorCtr="0">
+          <a:noAutofit/>
+        </a:bodyPr>
+        <a:lstStyle/>
+        <a:p>
+          <a:pPr marL="0" lvl="0" indent="0" algn="ctr" defTabSz="666750">
+            <a:lnSpc>
+              <a:spcPct val="90000"/>
+            </a:lnSpc>
+            <a:spcBef>
+              <a:spcPct val="0"/>
+            </a:spcBef>
+            <a:spcAft>
+              <a:spcPct val="35000"/>
+            </a:spcAft>
+            <a:buNone/>
+          </a:pPr>
+          <a:r>
+            <a:rPr lang="en-US" sz="1500" kern="1200" dirty="0"/>
+            <a:t>Designing Data</a:t>
+          </a:r>
+        </a:p>
+      </dsp:txBody>
+      <dsp:txXfrm>
+        <a:off x="838365" y="920804"/>
+        <a:ext cx="1109182" cy="677431"/>
+      </dsp:txXfrm>
+    </dsp:sp>
+    <dsp:sp modelId="{BC1B1EA4-129C-44F6-935B-BA646A7A2AA3}">
+      <dsp:nvSpPr>
+        <dsp:cNvPr id="0" name=""/>
+        <dsp:cNvSpPr/>
+      </dsp:nvSpPr>
+      <dsp:spPr>
+        <a:xfrm>
+          <a:off x="673372" y="719832"/>
+          <a:ext cx="143916" cy="1439167"/>
+        </a:xfrm>
+        <a:custGeom>
+          <a:avLst/>
+          <a:gdLst/>
+          <a:ahLst/>
+          <a:cxnLst/>
+          <a:rect l="0" t="0" r="0" b="0"/>
+          <a:pathLst>
+            <a:path>
+              <a:moveTo>
+                <a:pt x="0" y="0"/>
+              </a:moveTo>
+              <a:lnTo>
+                <a:pt x="0" y="1439167"/>
+              </a:lnTo>
+              <a:lnTo>
+                <a:pt x="143916" y="1439167"/>
+              </a:lnTo>
+            </a:path>
+          </a:pathLst>
+        </a:custGeom>
+        <a:noFill/>
+        <a:ln w="25400" cap="flat" cmpd="sng" algn="ctr">
+          <a:solidFill>
+            <a:schemeClr val="accent1">
+              <a:shade val="60000"/>
+              <a:hueOff val="0"/>
+              <a:satOff val="0"/>
+              <a:lumOff val="0"/>
+              <a:alphaOff val="0"/>
+            </a:schemeClr>
+          </a:solidFill>
+          <a:prstDash val="solid"/>
+        </a:ln>
+        <a:effectLst/>
+      </dsp:spPr>
+      <dsp:style>
+        <a:lnRef idx="2">
+          <a:scrgbClr r="0" g="0" b="0"/>
+        </a:lnRef>
+        <a:fillRef idx="0">
+          <a:scrgbClr r="0" g="0" b="0"/>
+        </a:fillRef>
+        <a:effectRef idx="0">
+          <a:scrgbClr r="0" g="0" b="0"/>
+        </a:effectRef>
+        <a:fontRef idx="minor"/>
+      </dsp:style>
+    </dsp:sp>
+    <dsp:sp modelId="{CF0B1CD2-0FC3-49A4-A520-B01A6C3CCB95}">
+      <dsp:nvSpPr>
+        <dsp:cNvPr id="0" name=""/>
+        <dsp:cNvSpPr/>
+      </dsp:nvSpPr>
+      <dsp:spPr>
+        <a:xfrm>
+          <a:off x="817289" y="1799208"/>
+          <a:ext cx="1151334" cy="719583"/>
+        </a:xfrm>
+        <a:prstGeom prst="roundRect">
+          <a:avLst>
+            <a:gd name="adj" fmla="val 10000"/>
+          </a:avLst>
+        </a:prstGeom>
+        <a:solidFill>
+          <a:schemeClr val="lt1">
+            <a:alpha val="90000"/>
+            <a:hueOff val="0"/>
+            <a:satOff val="0"/>
+            <a:lumOff val="0"/>
+            <a:alphaOff val="0"/>
+          </a:schemeClr>
+        </a:solidFill>
+        <a:ln w="25400" cap="flat" cmpd="sng" algn="ctr">
+          <a:solidFill>
+            <a:schemeClr val="accent1">
+              <a:hueOff val="0"/>
+              <a:satOff val="0"/>
+              <a:lumOff val="0"/>
+              <a:alphaOff val="0"/>
+            </a:schemeClr>
+          </a:solidFill>
+          <a:prstDash val="solid"/>
+        </a:ln>
+        <a:effectLst/>
+      </dsp:spPr>
+      <dsp:style>
+        <a:lnRef idx="2">
+          <a:scrgbClr r="0" g="0" b="0"/>
+        </a:lnRef>
+        <a:fillRef idx="1">
+          <a:scrgbClr r="0" g="0" b="0"/>
+        </a:fillRef>
+        <a:effectRef idx="0">
+          <a:scrgbClr r="0" g="0" b="0"/>
+        </a:effectRef>
+        <a:fontRef idx="minor"/>
+      </dsp:style>
+      <dsp:txBody>
+        <a:bodyPr spcFirstLastPara="0" vert="horz" wrap="square" lIns="28575" tIns="19050" rIns="28575" bIns="19050" numCol="1" spcCol="1270" anchor="ctr" anchorCtr="0">
+          <a:noAutofit/>
+        </a:bodyPr>
+        <a:lstStyle/>
+        <a:p>
+          <a:pPr marL="0" lvl="0" indent="0" algn="ctr" defTabSz="666750">
+            <a:lnSpc>
+              <a:spcPct val="90000"/>
+            </a:lnSpc>
+            <a:spcBef>
+              <a:spcPct val="0"/>
+            </a:spcBef>
+            <a:spcAft>
+              <a:spcPct val="35000"/>
+            </a:spcAft>
+            <a:buNone/>
+          </a:pPr>
+          <a:r>
+            <a:rPr lang="en-US" sz="1500" kern="1200" dirty="0"/>
+            <a:t>Designing Functions</a:t>
+          </a:r>
+        </a:p>
+      </dsp:txBody>
+      <dsp:txXfrm>
+        <a:off x="838365" y="1820284"/>
+        <a:ext cx="1109182" cy="677431"/>
+      </dsp:txXfrm>
+    </dsp:sp>
+    <dsp:sp modelId="{F5AE7053-0C33-481C-8BFB-D2DAFB4C4294}">
+      <dsp:nvSpPr>
+        <dsp:cNvPr id="0" name=""/>
+        <dsp:cNvSpPr/>
+      </dsp:nvSpPr>
+      <dsp:spPr>
+        <a:xfrm>
+          <a:off x="673372" y="719832"/>
+          <a:ext cx="143916" cy="2338647"/>
+        </a:xfrm>
+        <a:custGeom>
+          <a:avLst/>
+          <a:gdLst/>
+          <a:ahLst/>
+          <a:cxnLst/>
+          <a:rect l="0" t="0" r="0" b="0"/>
+          <a:pathLst>
+            <a:path>
+              <a:moveTo>
+                <a:pt x="0" y="0"/>
+              </a:moveTo>
+              <a:lnTo>
+                <a:pt x="0" y="2338647"/>
+              </a:lnTo>
+              <a:lnTo>
+                <a:pt x="143916" y="2338647"/>
+              </a:lnTo>
+            </a:path>
+          </a:pathLst>
+        </a:custGeom>
+        <a:noFill/>
+        <a:ln w="25400" cap="flat" cmpd="sng" algn="ctr">
+          <a:solidFill>
+            <a:schemeClr val="accent1">
+              <a:shade val="60000"/>
+              <a:hueOff val="0"/>
+              <a:satOff val="0"/>
+              <a:lumOff val="0"/>
+              <a:alphaOff val="0"/>
+            </a:schemeClr>
+          </a:solidFill>
+          <a:prstDash val="solid"/>
+        </a:ln>
+        <a:effectLst/>
+      </dsp:spPr>
+      <dsp:style>
+        <a:lnRef idx="2">
+          <a:scrgbClr r="0" g="0" b="0"/>
+        </a:lnRef>
+        <a:fillRef idx="0">
+          <a:scrgbClr r="0" g="0" b="0"/>
+        </a:fillRef>
+        <a:effectRef idx="0">
+          <a:scrgbClr r="0" g="0" b="0"/>
+        </a:effectRef>
+        <a:fontRef idx="minor"/>
+      </dsp:style>
+    </dsp:sp>
+    <dsp:sp modelId="{C5878689-67F2-4E3D-8C9B-392F50C32024}">
+      <dsp:nvSpPr>
+        <dsp:cNvPr id="0" name=""/>
+        <dsp:cNvSpPr/>
+      </dsp:nvSpPr>
+      <dsp:spPr>
+        <a:xfrm>
+          <a:off x="817289" y="2698687"/>
+          <a:ext cx="1151334" cy="719583"/>
+        </a:xfrm>
+        <a:prstGeom prst="roundRect">
+          <a:avLst>
+            <a:gd name="adj" fmla="val 10000"/>
+          </a:avLst>
+        </a:prstGeom>
+        <a:solidFill>
+          <a:schemeClr val="lt1">
+            <a:alpha val="90000"/>
+            <a:hueOff val="0"/>
+            <a:satOff val="0"/>
+            <a:lumOff val="0"/>
+            <a:alphaOff val="0"/>
+          </a:schemeClr>
+        </a:solidFill>
+        <a:ln w="25400" cap="flat" cmpd="sng" algn="ctr">
+          <a:solidFill>
+            <a:schemeClr val="accent1">
+              <a:hueOff val="0"/>
+              <a:satOff val="0"/>
+              <a:lumOff val="0"/>
+              <a:alphaOff val="0"/>
+            </a:schemeClr>
+          </a:solidFill>
+          <a:prstDash val="solid"/>
+        </a:ln>
+        <a:effectLst/>
+      </dsp:spPr>
+      <dsp:style>
+        <a:lnRef idx="2">
+          <a:scrgbClr r="0" g="0" b="0"/>
+        </a:lnRef>
+        <a:fillRef idx="1">
+          <a:scrgbClr r="0" g="0" b="0"/>
+        </a:fillRef>
+        <a:effectRef idx="0">
+          <a:scrgbClr r="0" g="0" b="0"/>
+        </a:effectRef>
+        <a:fontRef idx="minor"/>
+      </dsp:style>
+      <dsp:txBody>
+        <a:bodyPr spcFirstLastPara="0" vert="horz" wrap="square" lIns="28575" tIns="19050" rIns="28575" bIns="19050" numCol="1" spcCol="1270" anchor="ctr" anchorCtr="0">
+          <a:noAutofit/>
+        </a:bodyPr>
+        <a:lstStyle/>
+        <a:p>
+          <a:pPr marL="0" lvl="0" indent="0" algn="ctr" defTabSz="666750">
+            <a:lnSpc>
+              <a:spcPct val="90000"/>
+            </a:lnSpc>
+            <a:spcBef>
+              <a:spcPct val="0"/>
+            </a:spcBef>
+            <a:spcAft>
+              <a:spcPct val="35000"/>
+            </a:spcAft>
+            <a:buNone/>
+          </a:pPr>
+          <a:r>
+            <a:rPr lang="en-US" sz="1500" kern="1200" dirty="0"/>
+            <a:t>Designing Systems</a:t>
+          </a:r>
+        </a:p>
+      </dsp:txBody>
+      <dsp:txXfrm>
+        <a:off x="838365" y="2719763"/>
+        <a:ext cx="1109182" cy="677431"/>
+      </dsp:txXfrm>
+    </dsp:sp>
+    <dsp:sp modelId="{F1C18E15-3E91-476D-8B13-25AD56BC4B13}">
+      <dsp:nvSpPr>
+        <dsp:cNvPr id="0" name=""/>
+        <dsp:cNvSpPr/>
+      </dsp:nvSpPr>
+      <dsp:spPr>
+        <a:xfrm>
+          <a:off x="2328416" y="248"/>
+          <a:ext cx="1439167" cy="719583"/>
+        </a:xfrm>
+        <a:prstGeom prst="roundRect">
+          <a:avLst>
+            <a:gd name="adj" fmla="val 10000"/>
+          </a:avLst>
+        </a:prstGeom>
+        <a:solidFill>
+          <a:schemeClr val="accent1">
+            <a:hueOff val="0"/>
+            <a:satOff val="0"/>
+            <a:lumOff val="0"/>
+            <a:alphaOff val="0"/>
+          </a:schemeClr>
+        </a:solidFill>
+        <a:ln w="25400" cap="flat" cmpd="sng" algn="ctr">
+          <a:solidFill>
+            <a:schemeClr val="lt1">
+              <a:hueOff val="0"/>
+              <a:satOff val="0"/>
+              <a:lumOff val="0"/>
+              <a:alphaOff val="0"/>
+            </a:schemeClr>
+          </a:solidFill>
+          <a:prstDash val="solid"/>
+        </a:ln>
+        <a:effectLst/>
+      </dsp:spPr>
+      <dsp:style>
+        <a:lnRef idx="2">
+          <a:scrgbClr r="0" g="0" b="0"/>
+        </a:lnRef>
+        <a:fillRef idx="1">
+          <a:scrgbClr r="0" g="0" b="0"/>
+        </a:fillRef>
+        <a:effectRef idx="0">
+          <a:scrgbClr r="0" g="0" b="0"/>
+        </a:effectRef>
+        <a:fontRef idx="minor">
+          <a:schemeClr val="lt1"/>
+        </a:fontRef>
+      </dsp:style>
+      <dsp:txBody>
+        <a:bodyPr spcFirstLastPara="0" vert="horz" wrap="square" lIns="28575" tIns="19050" rIns="28575" bIns="19050" numCol="1" spcCol="1270" anchor="ctr" anchorCtr="0">
+          <a:noAutofit/>
+        </a:bodyPr>
+        <a:lstStyle/>
+        <a:p>
+          <a:pPr marL="0" lvl="0" indent="0" algn="ctr" defTabSz="666750">
+            <a:lnSpc>
+              <a:spcPct val="90000"/>
+            </a:lnSpc>
+            <a:spcBef>
+              <a:spcPct val="0"/>
+            </a:spcBef>
+            <a:spcAft>
+              <a:spcPct val="35000"/>
+            </a:spcAft>
+            <a:buNone/>
+          </a:pPr>
+          <a:r>
+            <a:rPr lang="en-US" sz="1500" kern="1200" dirty="0"/>
+            <a:t>Tools and Techniques</a:t>
+          </a:r>
+        </a:p>
+      </dsp:txBody>
+      <dsp:txXfrm>
+        <a:off x="2349492" y="21324"/>
+        <a:ext cx="1397015" cy="677431"/>
+      </dsp:txXfrm>
+    </dsp:sp>
+    <dsp:sp modelId="{2564A6E5-875B-4BC6-B983-AA12C064A019}">
+      <dsp:nvSpPr>
+        <dsp:cNvPr id="0" name=""/>
+        <dsp:cNvSpPr/>
+      </dsp:nvSpPr>
+      <dsp:spPr>
+        <a:xfrm>
+          <a:off x="2472332" y="719832"/>
+          <a:ext cx="143916" cy="539687"/>
+        </a:xfrm>
+        <a:custGeom>
+          <a:avLst/>
+          <a:gdLst/>
+          <a:ahLst/>
+          <a:cxnLst/>
+          <a:rect l="0" t="0" r="0" b="0"/>
+          <a:pathLst>
+            <a:path>
+              <a:moveTo>
+                <a:pt x="0" y="0"/>
+              </a:moveTo>
+              <a:lnTo>
+                <a:pt x="0" y="539687"/>
+              </a:lnTo>
+              <a:lnTo>
+                <a:pt x="143916" y="539687"/>
+              </a:lnTo>
+            </a:path>
+          </a:pathLst>
+        </a:custGeom>
+        <a:noFill/>
+        <a:ln w="25400" cap="flat" cmpd="sng" algn="ctr">
+          <a:solidFill>
+            <a:schemeClr val="accent1">
+              <a:shade val="60000"/>
+              <a:hueOff val="0"/>
+              <a:satOff val="0"/>
+              <a:lumOff val="0"/>
+              <a:alphaOff val="0"/>
+            </a:schemeClr>
+          </a:solidFill>
+          <a:prstDash val="solid"/>
+        </a:ln>
+        <a:effectLst/>
+      </dsp:spPr>
+      <dsp:style>
+        <a:lnRef idx="2">
+          <a:scrgbClr r="0" g="0" b="0"/>
+        </a:lnRef>
+        <a:fillRef idx="0">
+          <a:scrgbClr r="0" g="0" b="0"/>
+        </a:fillRef>
+        <a:effectRef idx="0">
+          <a:scrgbClr r="0" g="0" b="0"/>
+        </a:effectRef>
+        <a:fontRef idx="minor"/>
+      </dsp:style>
+    </dsp:sp>
+    <dsp:sp modelId="{3B0CF9DF-CC55-47FF-BECE-903E70F9D2DE}">
+      <dsp:nvSpPr>
+        <dsp:cNvPr id="0" name=""/>
+        <dsp:cNvSpPr/>
+      </dsp:nvSpPr>
+      <dsp:spPr>
+        <a:xfrm>
+          <a:off x="2616249" y="899728"/>
+          <a:ext cx="1151334" cy="719583"/>
+        </a:xfrm>
+        <a:prstGeom prst="roundRect">
+          <a:avLst>
+            <a:gd name="adj" fmla="val 10000"/>
+          </a:avLst>
+        </a:prstGeom>
+        <a:solidFill>
+          <a:schemeClr val="lt1">
+            <a:alpha val="90000"/>
+            <a:hueOff val="0"/>
+            <a:satOff val="0"/>
+            <a:lumOff val="0"/>
+            <a:alphaOff val="0"/>
+          </a:schemeClr>
+        </a:solidFill>
+        <a:ln w="25400" cap="flat" cmpd="sng" algn="ctr">
+          <a:solidFill>
+            <a:schemeClr val="accent1">
+              <a:hueOff val="0"/>
+              <a:satOff val="0"/>
+              <a:lumOff val="0"/>
+              <a:alphaOff val="0"/>
+            </a:schemeClr>
+          </a:solidFill>
+          <a:prstDash val="solid"/>
+        </a:ln>
+        <a:effectLst/>
+      </dsp:spPr>
+      <dsp:style>
+        <a:lnRef idx="2">
+          <a:scrgbClr r="0" g="0" b="0"/>
+        </a:lnRef>
+        <a:fillRef idx="1">
+          <a:scrgbClr r="0" g="0" b="0"/>
+        </a:fillRef>
+        <a:effectRef idx="0">
+          <a:scrgbClr r="0" g="0" b="0"/>
+        </a:effectRef>
+        <a:fontRef idx="minor"/>
+      </dsp:style>
+      <dsp:txBody>
+        <a:bodyPr spcFirstLastPara="0" vert="horz" wrap="square" lIns="28575" tIns="19050" rIns="28575" bIns="19050" numCol="1" spcCol="1270" anchor="ctr" anchorCtr="0">
+          <a:noAutofit/>
+        </a:bodyPr>
+        <a:lstStyle/>
+        <a:p>
+          <a:pPr marL="0" lvl="0" indent="0" algn="ctr" defTabSz="666750">
+            <a:lnSpc>
+              <a:spcPct val="90000"/>
+            </a:lnSpc>
+            <a:spcBef>
+              <a:spcPct val="0"/>
+            </a:spcBef>
+            <a:spcAft>
+              <a:spcPct val="35000"/>
+            </a:spcAft>
+            <a:buNone/>
+          </a:pPr>
+          <a:r>
+            <a:rPr lang="en-US" sz="1500" kern="1200" dirty="0"/>
+            <a:t>Computing with Lists</a:t>
+          </a:r>
+        </a:p>
+      </dsp:txBody>
+      <dsp:txXfrm>
+        <a:off x="2637325" y="920804"/>
+        <a:ext cx="1109182" cy="677431"/>
+      </dsp:txXfrm>
+    </dsp:sp>
+    <dsp:sp modelId="{7DFA9A08-1F84-4CF2-9E63-7F6E7C219F76}">
+      <dsp:nvSpPr>
+        <dsp:cNvPr id="0" name=""/>
+        <dsp:cNvSpPr/>
+      </dsp:nvSpPr>
+      <dsp:spPr>
+        <a:xfrm>
+          <a:off x="2472332" y="719832"/>
+          <a:ext cx="143916" cy="1439167"/>
+        </a:xfrm>
+        <a:custGeom>
+          <a:avLst/>
+          <a:gdLst/>
+          <a:ahLst/>
+          <a:cxnLst/>
+          <a:rect l="0" t="0" r="0" b="0"/>
+          <a:pathLst>
+            <a:path>
+              <a:moveTo>
+                <a:pt x="0" y="0"/>
+              </a:moveTo>
+              <a:lnTo>
+                <a:pt x="0" y="1439167"/>
+              </a:lnTo>
+              <a:lnTo>
+                <a:pt x="143916" y="1439167"/>
+              </a:lnTo>
+            </a:path>
+          </a:pathLst>
+        </a:custGeom>
+        <a:noFill/>
+        <a:ln w="25400" cap="flat" cmpd="sng" algn="ctr">
+          <a:solidFill>
+            <a:schemeClr val="accent1">
+              <a:shade val="60000"/>
+              <a:hueOff val="0"/>
+              <a:satOff val="0"/>
+              <a:lumOff val="0"/>
+              <a:alphaOff val="0"/>
+            </a:schemeClr>
+          </a:solidFill>
+          <a:prstDash val="solid"/>
+        </a:ln>
+        <a:effectLst/>
+      </dsp:spPr>
+      <dsp:style>
+        <a:lnRef idx="2">
+          <a:scrgbClr r="0" g="0" b="0"/>
+        </a:lnRef>
+        <a:fillRef idx="0">
+          <a:scrgbClr r="0" g="0" b="0"/>
+        </a:fillRef>
+        <a:effectRef idx="0">
+          <a:scrgbClr r="0" g="0" b="0"/>
+        </a:effectRef>
+        <a:fontRef idx="minor"/>
+      </dsp:style>
+    </dsp:sp>
+    <dsp:sp modelId="{9C3E65C4-9266-43CB-B08F-79811ABF047A}">
+      <dsp:nvSpPr>
+        <dsp:cNvPr id="0" name=""/>
+        <dsp:cNvSpPr/>
+      </dsp:nvSpPr>
+      <dsp:spPr>
+        <a:xfrm>
+          <a:off x="2616249" y="1799208"/>
+          <a:ext cx="1151334" cy="719583"/>
+        </a:xfrm>
+        <a:prstGeom prst="roundRect">
+          <a:avLst>
+            <a:gd name="adj" fmla="val 10000"/>
+          </a:avLst>
+        </a:prstGeom>
+        <a:solidFill>
+          <a:schemeClr val="lt1">
+            <a:alpha val="90000"/>
+            <a:hueOff val="0"/>
+            <a:satOff val="0"/>
+            <a:lumOff val="0"/>
+            <a:alphaOff val="0"/>
+          </a:schemeClr>
+        </a:solidFill>
+        <a:ln w="25400" cap="flat" cmpd="sng" algn="ctr">
+          <a:solidFill>
+            <a:schemeClr val="accent1">
+              <a:hueOff val="0"/>
+              <a:satOff val="0"/>
+              <a:lumOff val="0"/>
+              <a:alphaOff val="0"/>
+            </a:schemeClr>
+          </a:solidFill>
+          <a:prstDash val="solid"/>
+        </a:ln>
+        <a:effectLst/>
+      </dsp:spPr>
+      <dsp:style>
+        <a:lnRef idx="2">
+          <a:scrgbClr r="0" g="0" b="0"/>
+        </a:lnRef>
+        <a:fillRef idx="1">
+          <a:scrgbClr r="0" g="0" b="0"/>
+        </a:fillRef>
+        <a:effectRef idx="0">
+          <a:scrgbClr r="0" g="0" b="0"/>
+        </a:effectRef>
+        <a:fontRef idx="minor"/>
+      </dsp:style>
+      <dsp:txBody>
+        <a:bodyPr spcFirstLastPara="0" vert="horz" wrap="square" lIns="28575" tIns="19050" rIns="28575" bIns="19050" numCol="1" spcCol="1270" anchor="ctr" anchorCtr="0">
+          <a:noAutofit/>
+        </a:bodyPr>
+        <a:lstStyle/>
+        <a:p>
+          <a:pPr marL="0" lvl="0" indent="0" algn="ctr" defTabSz="666750">
+            <a:lnSpc>
+              <a:spcPct val="90000"/>
+            </a:lnSpc>
+            <a:spcBef>
+              <a:spcPct val="0"/>
+            </a:spcBef>
+            <a:spcAft>
+              <a:spcPct val="35000"/>
+            </a:spcAft>
+            <a:buNone/>
+          </a:pPr>
+          <a:r>
+            <a:rPr lang="en-US" sz="1500" kern="1200" dirty="0"/>
+            <a:t>Computing with Trees and Graphs</a:t>
+          </a:r>
+        </a:p>
+      </dsp:txBody>
+      <dsp:txXfrm>
+        <a:off x="2637325" y="1820284"/>
+        <a:ext cx="1109182" cy="677431"/>
+      </dsp:txXfrm>
+    </dsp:sp>
+    <dsp:sp modelId="{16CFAB30-3E6A-44D7-A45D-E3066E142053}">
+      <dsp:nvSpPr>
+        <dsp:cNvPr id="0" name=""/>
+        <dsp:cNvSpPr/>
+      </dsp:nvSpPr>
+      <dsp:spPr>
+        <a:xfrm>
+          <a:off x="2472332" y="719832"/>
+          <a:ext cx="143916" cy="2338647"/>
+        </a:xfrm>
+        <a:custGeom>
+          <a:avLst/>
+          <a:gdLst/>
+          <a:ahLst/>
+          <a:cxnLst/>
+          <a:rect l="0" t="0" r="0" b="0"/>
+          <a:pathLst>
+            <a:path>
+              <a:moveTo>
+                <a:pt x="0" y="0"/>
+              </a:moveTo>
+              <a:lnTo>
+                <a:pt x="0" y="2338647"/>
+              </a:lnTo>
+              <a:lnTo>
+                <a:pt x="143916" y="2338647"/>
+              </a:lnTo>
+            </a:path>
+          </a:pathLst>
+        </a:custGeom>
+        <a:noFill/>
+        <a:ln w="25400" cap="flat" cmpd="sng" algn="ctr">
+          <a:solidFill>
+            <a:schemeClr val="accent1">
+              <a:shade val="60000"/>
+              <a:hueOff val="0"/>
+              <a:satOff val="0"/>
+              <a:lumOff val="0"/>
+              <a:alphaOff val="0"/>
+            </a:schemeClr>
+          </a:solidFill>
+          <a:prstDash val="solid"/>
+        </a:ln>
+        <a:effectLst/>
+      </dsp:spPr>
+      <dsp:style>
+        <a:lnRef idx="2">
+          <a:scrgbClr r="0" g="0" b="0"/>
+        </a:lnRef>
+        <a:fillRef idx="0">
+          <a:scrgbClr r="0" g="0" b="0"/>
+        </a:fillRef>
+        <a:effectRef idx="0">
+          <a:scrgbClr r="0" g="0" b="0"/>
+        </a:effectRef>
+        <a:fontRef idx="minor"/>
+      </dsp:style>
+    </dsp:sp>
+    <dsp:sp modelId="{5F9726AA-E8AD-4C5C-A0CA-2350C4F8CAFA}">
+      <dsp:nvSpPr>
+        <dsp:cNvPr id="0" name=""/>
+        <dsp:cNvSpPr/>
+      </dsp:nvSpPr>
+      <dsp:spPr>
+        <a:xfrm>
+          <a:off x="2616249" y="2698687"/>
+          <a:ext cx="1151334" cy="719583"/>
+        </a:xfrm>
+        <a:prstGeom prst="roundRect">
+          <a:avLst>
+            <a:gd name="adj" fmla="val 10000"/>
+          </a:avLst>
+        </a:prstGeom>
+        <a:solidFill>
+          <a:schemeClr val="lt1">
+            <a:alpha val="90000"/>
+            <a:hueOff val="0"/>
+            <a:satOff val="0"/>
+            <a:lumOff val="0"/>
+            <a:alphaOff val="0"/>
+          </a:schemeClr>
+        </a:solidFill>
+        <a:ln w="25400" cap="flat" cmpd="sng" algn="ctr">
+          <a:solidFill>
+            <a:schemeClr val="accent1">
+              <a:hueOff val="0"/>
+              <a:satOff val="0"/>
+              <a:lumOff val="0"/>
+              <a:alphaOff val="0"/>
+            </a:schemeClr>
+          </a:solidFill>
+          <a:prstDash val="solid"/>
+        </a:ln>
+        <a:effectLst/>
+      </dsp:spPr>
+      <dsp:style>
+        <a:lnRef idx="2">
+          <a:scrgbClr r="0" g="0" b="0"/>
+        </a:lnRef>
+        <a:fillRef idx="1">
+          <a:scrgbClr r="0" g="0" b="0"/>
+        </a:fillRef>
+        <a:effectRef idx="0">
+          <a:scrgbClr r="0" g="0" b="0"/>
+        </a:effectRef>
+        <a:fontRef idx="minor"/>
+      </dsp:style>
+      <dsp:txBody>
+        <a:bodyPr spcFirstLastPara="0" vert="horz" wrap="square" lIns="28575" tIns="19050" rIns="28575" bIns="19050" numCol="1" spcCol="1270" anchor="ctr" anchorCtr="0">
+          <a:noAutofit/>
+        </a:bodyPr>
+        <a:lstStyle/>
+        <a:p>
+          <a:pPr marL="0" lvl="0" indent="0" algn="ctr" defTabSz="666750">
+            <a:lnSpc>
+              <a:spcPct val="90000"/>
+            </a:lnSpc>
+            <a:spcBef>
+              <a:spcPct val="0"/>
+            </a:spcBef>
+            <a:spcAft>
+              <a:spcPct val="35000"/>
+            </a:spcAft>
+            <a:buNone/>
+          </a:pPr>
+          <a:r>
+            <a:rPr lang="en-US" sz="1500" kern="1200" dirty="0"/>
+            <a:t>Designing with Invariants</a:t>
+          </a:r>
+        </a:p>
+      </dsp:txBody>
+      <dsp:txXfrm>
+        <a:off x="2637325" y="2719763"/>
+        <a:ext cx="1109182" cy="677431"/>
+      </dsp:txXfrm>
+    </dsp:sp>
+    <dsp:sp modelId="{0ECF28DA-9925-4B5B-97B1-BDA459502114}">
+      <dsp:nvSpPr>
+        <dsp:cNvPr id="0" name=""/>
+        <dsp:cNvSpPr/>
+      </dsp:nvSpPr>
+      <dsp:spPr>
+        <a:xfrm>
+          <a:off x="2472332" y="719832"/>
+          <a:ext cx="143916" cy="3238127"/>
+        </a:xfrm>
+        <a:custGeom>
+          <a:avLst/>
+          <a:gdLst/>
+          <a:ahLst/>
+          <a:cxnLst/>
+          <a:rect l="0" t="0" r="0" b="0"/>
+          <a:pathLst>
+            <a:path>
+              <a:moveTo>
+                <a:pt x="0" y="0"/>
+              </a:moveTo>
+              <a:lnTo>
+                <a:pt x="0" y="3238127"/>
+              </a:lnTo>
+              <a:lnTo>
+                <a:pt x="143916" y="3238127"/>
+              </a:lnTo>
+            </a:path>
+          </a:pathLst>
+        </a:custGeom>
+        <a:noFill/>
+        <a:ln w="25400" cap="flat" cmpd="sng" algn="ctr">
+          <a:solidFill>
+            <a:schemeClr val="accent1">
+              <a:shade val="60000"/>
+              <a:hueOff val="0"/>
+              <a:satOff val="0"/>
+              <a:lumOff val="0"/>
+              <a:alphaOff val="0"/>
+            </a:schemeClr>
+          </a:solidFill>
+          <a:prstDash val="solid"/>
+        </a:ln>
+        <a:effectLst/>
+      </dsp:spPr>
+      <dsp:style>
+        <a:lnRef idx="2">
+          <a:scrgbClr r="0" g="0" b="0"/>
+        </a:lnRef>
+        <a:fillRef idx="0">
+          <a:scrgbClr r="0" g="0" b="0"/>
+        </a:fillRef>
+        <a:effectRef idx="0">
+          <a:scrgbClr r="0" g="0" b="0"/>
+        </a:effectRef>
+        <a:fontRef idx="minor"/>
+      </dsp:style>
+    </dsp:sp>
+    <dsp:sp modelId="{5A2BB121-DDEE-46A8-AC09-18496F773E62}">
+      <dsp:nvSpPr>
+        <dsp:cNvPr id="0" name=""/>
+        <dsp:cNvSpPr/>
+      </dsp:nvSpPr>
+      <dsp:spPr>
+        <a:xfrm>
+          <a:off x="2616249" y="3598167"/>
+          <a:ext cx="1151334" cy="719583"/>
+        </a:xfrm>
+        <a:prstGeom prst="roundRect">
+          <a:avLst>
+            <a:gd name="adj" fmla="val 10000"/>
+          </a:avLst>
+        </a:prstGeom>
+        <a:solidFill>
+          <a:schemeClr val="lt1">
+            <a:alpha val="90000"/>
+            <a:hueOff val="0"/>
+            <a:satOff val="0"/>
+            <a:lumOff val="0"/>
+            <a:alphaOff val="0"/>
+          </a:schemeClr>
+        </a:solidFill>
+        <a:ln w="25400" cap="flat" cmpd="sng" algn="ctr">
+          <a:solidFill>
+            <a:schemeClr val="accent1">
+              <a:hueOff val="0"/>
+              <a:satOff val="0"/>
+              <a:lumOff val="0"/>
+              <a:alphaOff val="0"/>
+            </a:schemeClr>
+          </a:solidFill>
+          <a:prstDash val="solid"/>
+        </a:ln>
+        <a:effectLst/>
+      </dsp:spPr>
+      <dsp:style>
+        <a:lnRef idx="2">
+          <a:scrgbClr r="0" g="0" b="0"/>
+        </a:lnRef>
+        <a:fillRef idx="1">
+          <a:scrgbClr r="0" g="0" b="0"/>
+        </a:fillRef>
+        <a:effectRef idx="0">
+          <a:scrgbClr r="0" g="0" b="0"/>
+        </a:effectRef>
+        <a:fontRef idx="minor"/>
+      </dsp:style>
+      <dsp:txBody>
+        <a:bodyPr spcFirstLastPara="0" vert="horz" wrap="square" lIns="28575" tIns="19050" rIns="28575" bIns="19050" numCol="1" spcCol="1270" anchor="ctr" anchorCtr="0">
+          <a:noAutofit/>
+        </a:bodyPr>
+        <a:lstStyle/>
+        <a:p>
+          <a:pPr marL="0" lvl="0" indent="0" algn="ctr" defTabSz="666750">
+            <a:lnSpc>
+              <a:spcPct val="90000"/>
+            </a:lnSpc>
+            <a:spcBef>
+              <a:spcPct val="0"/>
+            </a:spcBef>
+            <a:spcAft>
+              <a:spcPct val="35000"/>
+            </a:spcAft>
+            <a:buNone/>
+          </a:pPr>
+          <a:r>
+            <a:rPr lang="en-US" sz="1500" kern="1200" dirty="0"/>
+            <a:t>Thinking about Efficiency</a:t>
+          </a:r>
+        </a:p>
+      </dsp:txBody>
+      <dsp:txXfrm>
+        <a:off x="2637325" y="3619243"/>
+        <a:ext cx="1109182" cy="677431"/>
+      </dsp:txXfrm>
+    </dsp:sp>
+    <dsp:sp modelId="{3DB7ADFA-DCAB-4034-9F43-B860EBE864E8}">
+      <dsp:nvSpPr>
+        <dsp:cNvPr id="0" name=""/>
+        <dsp:cNvSpPr/>
+      </dsp:nvSpPr>
+      <dsp:spPr>
+        <a:xfrm>
+          <a:off x="4127375" y="248"/>
+          <a:ext cx="1439167" cy="719583"/>
+        </a:xfrm>
+        <a:prstGeom prst="roundRect">
+          <a:avLst>
+            <a:gd name="adj" fmla="val 10000"/>
+          </a:avLst>
+        </a:prstGeom>
+        <a:solidFill>
+          <a:schemeClr val="accent1">
+            <a:hueOff val="0"/>
+            <a:satOff val="0"/>
+            <a:lumOff val="0"/>
+            <a:alphaOff val="0"/>
+          </a:schemeClr>
+        </a:solidFill>
+        <a:ln w="25400" cap="flat" cmpd="sng" algn="ctr">
+          <a:solidFill>
+            <a:schemeClr val="lt1">
+              <a:hueOff val="0"/>
+              <a:satOff val="0"/>
+              <a:lumOff val="0"/>
+              <a:alphaOff val="0"/>
+            </a:schemeClr>
+          </a:solidFill>
+          <a:prstDash val="solid"/>
+        </a:ln>
+        <a:effectLst/>
+      </dsp:spPr>
+      <dsp:style>
+        <a:lnRef idx="2">
+          <a:scrgbClr r="0" g="0" b="0"/>
+        </a:lnRef>
+        <a:fillRef idx="1">
+          <a:scrgbClr r="0" g="0" b="0"/>
+        </a:fillRef>
+        <a:effectRef idx="0">
+          <a:scrgbClr r="0" g="0" b="0"/>
+        </a:effectRef>
+        <a:fontRef idx="minor">
+          <a:schemeClr val="lt1"/>
+        </a:fontRef>
+      </dsp:style>
+      <dsp:txBody>
+        <a:bodyPr spcFirstLastPara="0" vert="horz" wrap="square" lIns="28575" tIns="19050" rIns="28575" bIns="19050" numCol="1" spcCol="1270" anchor="ctr" anchorCtr="0">
+          <a:noAutofit/>
+        </a:bodyPr>
+        <a:lstStyle/>
+        <a:p>
+          <a:pPr marL="0" lvl="0" indent="0" algn="ctr" defTabSz="666750">
+            <a:lnSpc>
+              <a:spcPct val="90000"/>
+            </a:lnSpc>
+            <a:spcBef>
+              <a:spcPct val="0"/>
+            </a:spcBef>
+            <a:spcAft>
+              <a:spcPct val="35000"/>
+            </a:spcAft>
+            <a:buNone/>
+          </a:pPr>
+          <a:r>
+            <a:rPr lang="en-US" sz="1500" kern="1200" dirty="0"/>
+            <a:t>Object-Oriented Programming</a:t>
+          </a:r>
+        </a:p>
+      </dsp:txBody>
+      <dsp:txXfrm>
+        <a:off x="4148451" y="21324"/>
+        <a:ext cx="1397015" cy="677431"/>
+      </dsp:txXfrm>
+    </dsp:sp>
+    <dsp:sp modelId="{278D3975-9588-4A95-85BD-D062BB0AE1A4}">
+      <dsp:nvSpPr>
+        <dsp:cNvPr id="0" name=""/>
+        <dsp:cNvSpPr/>
+      </dsp:nvSpPr>
+      <dsp:spPr>
+        <a:xfrm>
+          <a:off x="4271292" y="719832"/>
+          <a:ext cx="143916" cy="539687"/>
+        </a:xfrm>
+        <a:custGeom>
+          <a:avLst/>
+          <a:gdLst/>
+          <a:ahLst/>
+          <a:cxnLst/>
+          <a:rect l="0" t="0" r="0" b="0"/>
+          <a:pathLst>
+            <a:path>
+              <a:moveTo>
+                <a:pt x="0" y="0"/>
+              </a:moveTo>
+              <a:lnTo>
+                <a:pt x="0" y="539687"/>
+              </a:lnTo>
+              <a:lnTo>
+                <a:pt x="143916" y="539687"/>
+              </a:lnTo>
+            </a:path>
+          </a:pathLst>
+        </a:custGeom>
+        <a:noFill/>
+        <a:ln w="25400" cap="flat" cmpd="sng" algn="ctr">
+          <a:solidFill>
+            <a:schemeClr val="accent1">
+              <a:shade val="60000"/>
+              <a:hueOff val="0"/>
+              <a:satOff val="0"/>
+              <a:lumOff val="0"/>
+              <a:alphaOff val="0"/>
+            </a:schemeClr>
+          </a:solidFill>
+          <a:prstDash val="solid"/>
+        </a:ln>
+        <a:effectLst/>
+      </dsp:spPr>
+      <dsp:style>
+        <a:lnRef idx="2">
+          <a:scrgbClr r="0" g="0" b="0"/>
+        </a:lnRef>
+        <a:fillRef idx="0">
+          <a:scrgbClr r="0" g="0" b="0"/>
+        </a:fillRef>
+        <a:effectRef idx="0">
+          <a:scrgbClr r="0" g="0" b="0"/>
+        </a:effectRef>
+        <a:fontRef idx="minor"/>
+      </dsp:style>
+    </dsp:sp>
+    <dsp:sp modelId="{EDB6085A-8F2B-4B84-887D-9DD4BEC6E4E1}">
+      <dsp:nvSpPr>
+        <dsp:cNvPr id="0" name=""/>
+        <dsp:cNvSpPr/>
+      </dsp:nvSpPr>
+      <dsp:spPr>
+        <a:xfrm>
+          <a:off x="4415209" y="899728"/>
+          <a:ext cx="1151334" cy="719583"/>
+        </a:xfrm>
+        <a:prstGeom prst="roundRect">
+          <a:avLst>
+            <a:gd name="adj" fmla="val 10000"/>
+          </a:avLst>
+        </a:prstGeom>
+        <a:solidFill>
+          <a:schemeClr val="lt1">
+            <a:alpha val="90000"/>
+            <a:hueOff val="0"/>
+            <a:satOff val="0"/>
+            <a:lumOff val="0"/>
+            <a:alphaOff val="0"/>
+          </a:schemeClr>
+        </a:solidFill>
+        <a:ln w="25400" cap="flat" cmpd="sng" algn="ctr">
+          <a:solidFill>
+            <a:schemeClr val="accent1">
+              <a:hueOff val="0"/>
+              <a:satOff val="0"/>
+              <a:lumOff val="0"/>
+              <a:alphaOff val="0"/>
+            </a:schemeClr>
+          </a:solidFill>
+          <a:prstDash val="solid"/>
+        </a:ln>
+        <a:effectLst/>
+      </dsp:spPr>
+      <dsp:style>
+        <a:lnRef idx="2">
+          <a:scrgbClr r="0" g="0" b="0"/>
+        </a:lnRef>
+        <a:fillRef idx="1">
+          <a:scrgbClr r="0" g="0" b="0"/>
+        </a:fillRef>
+        <a:effectRef idx="0">
+          <a:scrgbClr r="0" g="0" b="0"/>
+        </a:effectRef>
+        <a:fontRef idx="minor"/>
+      </dsp:style>
+      <dsp:txBody>
+        <a:bodyPr spcFirstLastPara="0" vert="horz" wrap="square" lIns="28575" tIns="19050" rIns="28575" bIns="19050" numCol="1" spcCol="1270" anchor="ctr" anchorCtr="0">
+          <a:noAutofit/>
+        </a:bodyPr>
+        <a:lstStyle/>
+        <a:p>
+          <a:pPr marL="0" lvl="0" indent="0" algn="ctr" defTabSz="666750">
+            <a:lnSpc>
+              <a:spcPct val="90000"/>
+            </a:lnSpc>
+            <a:spcBef>
+              <a:spcPct val="0"/>
+            </a:spcBef>
+            <a:spcAft>
+              <a:spcPct val="35000"/>
+            </a:spcAft>
+            <a:buNone/>
+          </a:pPr>
+          <a:r>
+            <a:rPr lang="en-US" sz="1500" kern="1200" dirty="0"/>
+            <a:t>Interfaces and Classes</a:t>
+          </a:r>
+        </a:p>
+      </dsp:txBody>
+      <dsp:txXfrm>
+        <a:off x="4436285" y="920804"/>
+        <a:ext cx="1109182" cy="677431"/>
+      </dsp:txXfrm>
+    </dsp:sp>
+    <dsp:sp modelId="{FF100697-267A-4BC5-8DA9-B1F7321DFE84}">
+      <dsp:nvSpPr>
+        <dsp:cNvPr id="0" name=""/>
+        <dsp:cNvSpPr/>
+      </dsp:nvSpPr>
+      <dsp:spPr>
+        <a:xfrm>
+          <a:off x="4271292" y="719832"/>
+          <a:ext cx="143916" cy="1439167"/>
+        </a:xfrm>
+        <a:custGeom>
+          <a:avLst/>
+          <a:gdLst/>
+          <a:ahLst/>
+          <a:cxnLst/>
+          <a:rect l="0" t="0" r="0" b="0"/>
+          <a:pathLst>
+            <a:path>
+              <a:moveTo>
+                <a:pt x="0" y="0"/>
+              </a:moveTo>
+              <a:lnTo>
+                <a:pt x="0" y="1439167"/>
+              </a:lnTo>
+              <a:lnTo>
+                <a:pt x="143916" y="1439167"/>
+              </a:lnTo>
+            </a:path>
+          </a:pathLst>
+        </a:custGeom>
+        <a:noFill/>
+        <a:ln w="25400" cap="flat" cmpd="sng" algn="ctr">
+          <a:solidFill>
+            <a:schemeClr val="accent1">
+              <a:shade val="60000"/>
+              <a:hueOff val="0"/>
+              <a:satOff val="0"/>
+              <a:lumOff val="0"/>
+              <a:alphaOff val="0"/>
+            </a:schemeClr>
+          </a:solidFill>
+          <a:prstDash val="solid"/>
+        </a:ln>
+        <a:effectLst/>
+      </dsp:spPr>
+      <dsp:style>
+        <a:lnRef idx="2">
+          <a:scrgbClr r="0" g="0" b="0"/>
+        </a:lnRef>
+        <a:fillRef idx="0">
+          <a:scrgbClr r="0" g="0" b="0"/>
+        </a:fillRef>
+        <a:effectRef idx="0">
+          <a:scrgbClr r="0" g="0" b="0"/>
+        </a:effectRef>
+        <a:fontRef idx="minor"/>
+      </dsp:style>
+    </dsp:sp>
+    <dsp:sp modelId="{291D5A65-BA4D-4BF4-8D0F-050F9D81FBB6}">
+      <dsp:nvSpPr>
+        <dsp:cNvPr id="0" name=""/>
+        <dsp:cNvSpPr/>
+      </dsp:nvSpPr>
+      <dsp:spPr>
+        <a:xfrm>
+          <a:off x="4415209" y="1799208"/>
+          <a:ext cx="1151334" cy="719583"/>
+        </a:xfrm>
+        <a:prstGeom prst="roundRect">
+          <a:avLst>
+            <a:gd name="adj" fmla="val 10000"/>
+          </a:avLst>
+        </a:prstGeom>
+        <a:solidFill>
+          <a:schemeClr val="lt1">
+            <a:alpha val="90000"/>
+            <a:hueOff val="0"/>
+            <a:satOff val="0"/>
+            <a:lumOff val="0"/>
+            <a:alphaOff val="0"/>
+          </a:schemeClr>
+        </a:solidFill>
+        <a:ln w="25400" cap="flat" cmpd="sng" algn="ctr">
+          <a:solidFill>
+            <a:schemeClr val="accent1">
+              <a:hueOff val="0"/>
+              <a:satOff val="0"/>
+              <a:lumOff val="0"/>
+              <a:alphaOff val="0"/>
+            </a:schemeClr>
+          </a:solidFill>
+          <a:prstDash val="solid"/>
+        </a:ln>
+        <a:effectLst/>
+      </dsp:spPr>
+      <dsp:style>
+        <a:lnRef idx="2">
+          <a:scrgbClr r="0" g="0" b="0"/>
+        </a:lnRef>
+        <a:fillRef idx="1">
+          <a:scrgbClr r="0" g="0" b="0"/>
+        </a:fillRef>
+        <a:effectRef idx="0">
+          <a:scrgbClr r="0" g="0" b="0"/>
+        </a:effectRef>
+        <a:fontRef idx="minor"/>
+      </dsp:style>
+      <dsp:txBody>
+        <a:bodyPr spcFirstLastPara="0" vert="horz" wrap="square" lIns="28575" tIns="19050" rIns="28575" bIns="19050" numCol="1" spcCol="1270" anchor="ctr" anchorCtr="0">
+          <a:noAutofit/>
+        </a:bodyPr>
+        <a:lstStyle/>
+        <a:p>
+          <a:pPr marL="0" lvl="0" indent="0" algn="ctr" defTabSz="666750">
+            <a:lnSpc>
+              <a:spcPct val="90000"/>
+            </a:lnSpc>
+            <a:spcBef>
+              <a:spcPct val="0"/>
+            </a:spcBef>
+            <a:spcAft>
+              <a:spcPct val="35000"/>
+            </a:spcAft>
+            <a:buNone/>
+          </a:pPr>
+          <a:r>
+            <a:rPr lang="en-US" sz="1500" kern="1200" dirty="0"/>
+            <a:t>Inheritance</a:t>
+          </a:r>
+        </a:p>
+      </dsp:txBody>
+      <dsp:txXfrm>
+        <a:off x="4436285" y="1820284"/>
+        <a:ext cx="1109182" cy="677431"/>
+      </dsp:txXfrm>
+    </dsp:sp>
+    <dsp:sp modelId="{6B27DFF3-3021-4E99-BF73-829A6255425D}">
+      <dsp:nvSpPr>
+        <dsp:cNvPr id="0" name=""/>
+        <dsp:cNvSpPr/>
+      </dsp:nvSpPr>
+      <dsp:spPr>
+        <a:xfrm>
+          <a:off x="4271292" y="719832"/>
+          <a:ext cx="143916" cy="2338647"/>
+        </a:xfrm>
+        <a:custGeom>
+          <a:avLst/>
+          <a:gdLst/>
+          <a:ahLst/>
+          <a:cxnLst/>
+          <a:rect l="0" t="0" r="0" b="0"/>
+          <a:pathLst>
+            <a:path>
+              <a:moveTo>
+                <a:pt x="0" y="0"/>
+              </a:moveTo>
+              <a:lnTo>
+                <a:pt x="0" y="2338647"/>
+              </a:lnTo>
+              <a:lnTo>
+                <a:pt x="143916" y="2338647"/>
+              </a:lnTo>
+            </a:path>
+          </a:pathLst>
+        </a:custGeom>
+        <a:noFill/>
+        <a:ln w="25400" cap="flat" cmpd="sng" algn="ctr">
+          <a:solidFill>
+            <a:schemeClr val="accent1">
+              <a:shade val="60000"/>
+              <a:hueOff val="0"/>
+              <a:satOff val="0"/>
+              <a:lumOff val="0"/>
+              <a:alphaOff val="0"/>
+            </a:schemeClr>
+          </a:solidFill>
+          <a:prstDash val="solid"/>
+        </a:ln>
+        <a:effectLst/>
+      </dsp:spPr>
+      <dsp:style>
+        <a:lnRef idx="2">
+          <a:scrgbClr r="0" g="0" b="0"/>
+        </a:lnRef>
+        <a:fillRef idx="0">
+          <a:scrgbClr r="0" g="0" b="0"/>
+        </a:fillRef>
+        <a:effectRef idx="0">
+          <a:scrgbClr r="0" g="0" b="0"/>
+        </a:effectRef>
+        <a:fontRef idx="minor"/>
+      </dsp:style>
+    </dsp:sp>
+    <dsp:sp modelId="{88C17E61-7A2A-46D7-AC95-5E562286A33E}">
+      <dsp:nvSpPr>
+        <dsp:cNvPr id="0" name=""/>
+        <dsp:cNvSpPr/>
+      </dsp:nvSpPr>
+      <dsp:spPr>
+        <a:xfrm>
+          <a:off x="4415209" y="2698687"/>
+          <a:ext cx="1151334" cy="719583"/>
+        </a:xfrm>
+        <a:prstGeom prst="roundRect">
+          <a:avLst>
+            <a:gd name="adj" fmla="val 10000"/>
+          </a:avLst>
+        </a:prstGeom>
+        <a:solidFill>
+          <a:schemeClr val="lt1">
+            <a:alpha val="90000"/>
+            <a:hueOff val="0"/>
+            <a:satOff val="0"/>
+            <a:lumOff val="0"/>
+            <a:alphaOff val="0"/>
+          </a:schemeClr>
+        </a:solidFill>
+        <a:ln w="25400" cap="flat" cmpd="sng" algn="ctr">
+          <a:solidFill>
+            <a:schemeClr val="accent1">
+              <a:hueOff val="0"/>
+              <a:satOff val="0"/>
+              <a:lumOff val="0"/>
+              <a:alphaOff val="0"/>
+            </a:schemeClr>
+          </a:solidFill>
+          <a:prstDash val="solid"/>
+        </a:ln>
+        <a:effectLst/>
+      </dsp:spPr>
+      <dsp:style>
+        <a:lnRef idx="2">
+          <a:scrgbClr r="0" g="0" b="0"/>
+        </a:lnRef>
+        <a:fillRef idx="1">
+          <a:scrgbClr r="0" g="0" b="0"/>
+        </a:fillRef>
+        <a:effectRef idx="0">
+          <a:scrgbClr r="0" g="0" b="0"/>
+        </a:effectRef>
+        <a:fontRef idx="minor"/>
+      </dsp:style>
+      <dsp:txBody>
+        <a:bodyPr spcFirstLastPara="0" vert="horz" wrap="square" lIns="28575" tIns="19050" rIns="28575" bIns="19050" numCol="1" spcCol="1270" anchor="ctr" anchorCtr="0">
+          <a:noAutofit/>
+        </a:bodyPr>
+        <a:lstStyle/>
+        <a:p>
+          <a:pPr marL="0" lvl="0" indent="0" algn="ctr" defTabSz="666750">
+            <a:lnSpc>
+              <a:spcPct val="90000"/>
+            </a:lnSpc>
+            <a:spcBef>
+              <a:spcPct val="0"/>
+            </a:spcBef>
+            <a:spcAft>
+              <a:spcPct val="35000"/>
+            </a:spcAft>
+            <a:buNone/>
+          </a:pPr>
+          <a:r>
+            <a:rPr lang="en-US" sz="1500" kern="1200" dirty="0"/>
+            <a:t>Objects with Mutable State</a:t>
+          </a:r>
+        </a:p>
+      </dsp:txBody>
+      <dsp:txXfrm>
+        <a:off x="4436285" y="2719763"/>
+        <a:ext cx="1109182" cy="677431"/>
+      </dsp:txXfrm>
+    </dsp:sp>
+    <dsp:sp modelId="{E8A2D34D-9B35-4804-BD08-DC4453907292}">
+      <dsp:nvSpPr>
+        <dsp:cNvPr id="0" name=""/>
+        <dsp:cNvSpPr/>
+      </dsp:nvSpPr>
+      <dsp:spPr>
+        <a:xfrm>
+          <a:off x="4271292" y="719832"/>
+          <a:ext cx="143916" cy="3238127"/>
+        </a:xfrm>
+        <a:custGeom>
+          <a:avLst/>
+          <a:gdLst/>
+          <a:ahLst/>
+          <a:cxnLst/>
+          <a:rect l="0" t="0" r="0" b="0"/>
+          <a:pathLst>
+            <a:path>
+              <a:moveTo>
+                <a:pt x="0" y="0"/>
+              </a:moveTo>
+              <a:lnTo>
+                <a:pt x="0" y="3238127"/>
+              </a:lnTo>
+              <a:lnTo>
+                <a:pt x="143916" y="3238127"/>
+              </a:lnTo>
+            </a:path>
+          </a:pathLst>
+        </a:custGeom>
+        <a:noFill/>
+        <a:ln w="25400" cap="flat" cmpd="sng" algn="ctr">
+          <a:solidFill>
+            <a:schemeClr val="accent1">
+              <a:shade val="60000"/>
+              <a:hueOff val="0"/>
+              <a:satOff val="0"/>
+              <a:lumOff val="0"/>
+              <a:alphaOff val="0"/>
+            </a:schemeClr>
+          </a:solidFill>
+          <a:prstDash val="solid"/>
+        </a:ln>
+        <a:effectLst/>
+      </dsp:spPr>
+      <dsp:style>
+        <a:lnRef idx="2">
+          <a:scrgbClr r="0" g="0" b="0"/>
+        </a:lnRef>
+        <a:fillRef idx="0">
+          <a:scrgbClr r="0" g="0" b="0"/>
+        </a:fillRef>
+        <a:effectRef idx="0">
+          <a:scrgbClr r="0" g="0" b="0"/>
+        </a:effectRef>
+        <a:fontRef idx="minor"/>
+      </dsp:style>
+    </dsp:sp>
+    <dsp:sp modelId="{1B267FF2-7D4F-4C45-AA7C-4EA638A9F1C5}">
+      <dsp:nvSpPr>
+        <dsp:cNvPr id="0" name=""/>
+        <dsp:cNvSpPr/>
+      </dsp:nvSpPr>
+      <dsp:spPr>
+        <a:xfrm>
+          <a:off x="4415209" y="3598167"/>
+          <a:ext cx="1151334" cy="719583"/>
+        </a:xfrm>
+        <a:prstGeom prst="roundRect">
+          <a:avLst>
+            <a:gd name="adj" fmla="val 10000"/>
+          </a:avLst>
+        </a:prstGeom>
+        <a:solidFill>
+          <a:schemeClr val="lt1">
+            <a:alpha val="90000"/>
+            <a:hueOff val="0"/>
+            <a:satOff val="0"/>
+            <a:lumOff val="0"/>
+            <a:alphaOff val="0"/>
+          </a:schemeClr>
+        </a:solidFill>
+        <a:ln w="25400" cap="flat" cmpd="sng" algn="ctr">
+          <a:solidFill>
+            <a:schemeClr val="accent1">
+              <a:hueOff val="0"/>
+              <a:satOff val="0"/>
+              <a:lumOff val="0"/>
+              <a:alphaOff val="0"/>
+            </a:schemeClr>
+          </a:solidFill>
+          <a:prstDash val="solid"/>
+        </a:ln>
+        <a:effectLst/>
+      </dsp:spPr>
+      <dsp:style>
+        <a:lnRef idx="2">
+          <a:scrgbClr r="0" g="0" b="0"/>
+        </a:lnRef>
+        <a:fillRef idx="1">
+          <a:scrgbClr r="0" g="0" b="0"/>
+        </a:fillRef>
+        <a:effectRef idx="0">
+          <a:scrgbClr r="0" g="0" b="0"/>
+        </a:effectRef>
+        <a:fontRef idx="minor"/>
+      </dsp:style>
+      <dsp:txBody>
+        <a:bodyPr spcFirstLastPara="0" vert="horz" wrap="square" lIns="28575" tIns="19050" rIns="28575" bIns="19050" numCol="1" spcCol="1270" anchor="ctr" anchorCtr="0">
+          <a:noAutofit/>
+        </a:bodyPr>
+        <a:lstStyle/>
+        <a:p>
+          <a:pPr marL="0" lvl="0" indent="0" algn="ctr" defTabSz="666750">
+            <a:lnSpc>
+              <a:spcPct val="90000"/>
+            </a:lnSpc>
+            <a:spcBef>
+              <a:spcPct val="0"/>
+            </a:spcBef>
+            <a:spcAft>
+              <a:spcPct val="35000"/>
+            </a:spcAft>
+            <a:buNone/>
+          </a:pPr>
+          <a:r>
+            <a:rPr lang="en-US" sz="1500" kern="1200" dirty="0"/>
+            <a:t>Efficiency, Part 2</a:t>
+          </a:r>
+        </a:p>
+      </dsp:txBody>
+      <dsp:txXfrm>
+        <a:off x="4436285" y="3619243"/>
+        <a:ext cx="1109182" cy="677431"/>
+      </dsp:txXfrm>
+    </dsp:sp>
+  </dsp:spTree>
+</dsp:drawing>
+</file>
+
+<file path=ppt/diagrams/layout1.xml><?xml version="1.0" encoding="utf-8"?>
+<dgm:layoutDef xmlns:dgm="http://schemas.openxmlformats.org/drawingml/2006/diagram" xmlns:a="http://schemas.openxmlformats.org/drawingml/2006/main" uniqueId="urn:microsoft.com/office/officeart/2005/8/layout/hierarchy3">
+  <dgm:title val=""/>
+  <dgm:desc val=""/>
+  <dgm:catLst>
+    <dgm:cat type="hierarchy" pri="7000"/>
+    <dgm:cat type="list" pri="23000"/>
+    <dgm:cat type="relationship" pri="15000"/>
+    <dgm:cat type="convert" pri="7000"/>
+  </dgm:catLst>
+  <dgm:sampData>
+    <dgm:dataModel>
+      <dgm:ptLst>
+        <dgm:pt modelId="0" type="doc"/>
+        <dgm:pt modelId="1">
+          <dgm:prSet phldr="1"/>
+        </dgm:pt>
+        <dgm:pt modelId="11">
+          <dgm:prSet phldr="1"/>
+        </dgm:pt>
+        <dgm:pt modelId="12">
+          <dgm:prSet phldr="1"/>
+        </dgm:pt>
+        <dgm:pt modelId="2">
+          <dgm:prSet phldr="1"/>
+        </dgm:pt>
+        <dgm:pt modelId="21">
+          <dgm:prSet phldr="1"/>
+        </dgm:pt>
+        <dgm:pt modelId="22">
+          <dgm:prSet phldr="1"/>
+        </dgm:pt>
+      </dgm:ptLst>
+      <dgm:cxnLst>
+        <dgm:cxn modelId="4" srcId="0" destId="1" srcOrd="0" destOrd="0"/>
+        <dgm:cxn modelId="5" srcId="1" destId="11" srcOrd="0" destOrd="0"/>
+        <dgm:cxn modelId="6" srcId="1" destId="12" srcOrd="1" destOrd="0"/>
+        <dgm:cxn modelId="7" srcId="0" destId="2" srcOrd="1" destOrd="0"/>
+        <dgm:cxn modelId="8" srcId="2" destId="21" srcOrd="0" destOrd="0"/>
+        <dgm:cxn modelId="9" srcId="2" destId="22" srcOrd="1" destOrd="0"/>
+      </dgm:cxnLst>
+      <dgm:bg/>
+      <dgm:whole/>
+    </dgm:dataModel>
+  </dgm:sampData>
+  <dgm:styleData>
+    <dgm:dataModel>
+      <dgm:ptLst>
+        <dgm:pt modelId="0" type="doc"/>
+        <dgm:pt modelId="1"/>
+        <dgm:pt modelId="11"/>
+        <dgm:pt modelId="2"/>
+        <dgm:pt modelId="21"/>
+      </dgm:ptLst>
+      <dgm:cxnLst>
+        <dgm:cxn modelId="4" srcId="0" destId="1" srcOrd="0" destOrd="0"/>
+        <dgm:cxn modelId="5" srcId="0" destId="2" srcOrd="1" destOrd="0"/>
+        <dgm:cxn modelId="13" srcId="1" destId="11" srcOrd="0" destOrd="0"/>
+        <dgm:cxn modelId="23" srcId="2" destId="21" srcOrd="0" destOrd="0"/>
+      </dgm:cxnLst>
+      <dgm:bg/>
+      <dgm:whole/>
+    </dgm:dataModel>
+  </dgm:styleData>
+  <dgm:clrData>
+    <dgm:dataModel>
+      <dgm:ptLst>
+        <dgm:pt modelId="0" type="doc"/>
+        <dgm:pt modelId="1"/>
+        <dgm:pt modelId="11"/>
+        <dgm:pt modelId="2"/>
+        <dgm:pt modelId="21"/>
+        <dgm:pt modelId="3"/>
+        <dgm:pt modelId="31"/>
+        <dgm:pt modelId="4"/>
+        <dgm:pt modelId="41"/>
+      </dgm:ptLst>
+      <dgm:cxnLst>
+        <dgm:cxn modelId="5" srcId="0" destId="1" srcOrd="0" destOrd="0"/>
+        <dgm:cxn modelId="6" srcId="0" destId="2" srcOrd="1" destOrd="0"/>
+        <dgm:cxn modelId="7" srcId="0" destId="3" srcOrd="2" destOrd="0"/>
+        <dgm:cxn modelId="8" srcId="0" destId="4" srcOrd="3" destOrd="0"/>
+        <dgm:cxn modelId="13" srcId="1" destId="11" srcOrd="0" destOrd="0"/>
+        <dgm:cxn modelId="23" srcId="2" destId="21" srcOrd="0" destOrd="0"/>
+        <dgm:cxn modelId="33" srcId="3" destId="31" srcOrd="0" destOrd="0"/>
+        <dgm:cxn modelId="43" srcId="4" destId="41" srcOrd="0" destOrd="0"/>
+      </dgm:cxnLst>
+      <dgm:bg/>
+      <dgm:whole/>
+    </dgm:dataModel>
+  </dgm:clrData>
+  <dgm:layoutNode name="diagram">
+    <dgm:varLst>
+      <dgm:chPref val="1"/>
+      <dgm:dir/>
+      <dgm:animOne val="branch"/>
+      <dgm:animLvl val="lvl"/>
+      <dgm:resizeHandles/>
+    </dgm:varLst>
+    <dgm:choose name="Name0">
+      <dgm:if name="Name1" func="var" arg="dir" op="equ" val="norm">
+        <dgm:alg type="hierChild">
+          <dgm:param type="linDir" val="fromL"/>
+        </dgm:alg>
+      </dgm:if>
+      <dgm:else name="Name2">
+        <dgm:alg type="hierChild">
+          <dgm:param type="linDir" val="fromR"/>
+        </dgm:alg>
+      </dgm:else>
+    </dgm:choose>
+    <dgm:shape xmlns:r="http://schemas.openxmlformats.org/officeDocument/2006/relationships" r:blip="">
+      <dgm:adjLst/>
+    </dgm:shape>
+    <dgm:presOf/>
+    <dgm:constrLst>
+      <dgm:constr type="primFontSz" for="des" forName="rootText" op="equ" val="65"/>
+      <dgm:constr type="primFontSz" for="des" forName="childText" op="equ" val="65"/>
+      <dgm:constr type="w" for="des" forName="rootComposite" refType="w"/>
+      <dgm:constr type="h" for="des" forName="rootComposite" refType="w" fact="0.5"/>
+      <dgm:constr type="w" for="des" forName="childText" refType="w" refFor="des" refForName="rootComposite" fact="0.8"/>
+      <dgm:constr type="h" for="des" forName="childText" refType="h" refFor="des" refForName="rootComposite"/>
+      <dgm:constr type="sibSp" refType="w" refFor="des" refForName="rootComposite" fact="0.25"/>
+      <dgm:constr type="sibSp" for="des" forName="childShape" refType="h" refFor="des" refForName="childText" fact="0.25"/>
+      <dgm:constr type="sp" for="des" forName="root" refType="h" refFor="des" refForName="childText" fact="0.25"/>
+    </dgm:constrLst>
+    <dgm:ruleLst/>
+    <dgm:forEach name="Name3" axis="ch">
+      <dgm:forEach name="Name4" axis="self" ptType="node" cnt="1">
+        <dgm:layoutNode name="root">
+          <dgm:choose name="Name5">
+            <dgm:if name="Name6" func="var" arg="dir" op="equ" val="norm">
+              <dgm:alg type="hierRoot">
+                <dgm:param type="hierAlign" val="tL"/>
+              </dgm:alg>
+            </dgm:if>
+            <dgm:else name="Name7">
+              <dgm:alg type="hierRoot">
+                <dgm:param type="hierAlign" val="tR"/>
+              </dgm:alg>
+            </dgm:else>
+          </dgm:choose>
+          <dgm:shape xmlns:r="http://schemas.openxmlformats.org/officeDocument/2006/relationships" r:blip="">
+            <dgm:adjLst/>
+          </dgm:shape>
+          <dgm:presOf/>
+          <dgm:constrLst>
+            <dgm:constr type="alignOff" val="0.2"/>
+          </dgm:constrLst>
+          <dgm:ruleLst/>
+          <dgm:layoutNode name="rootComposite">
+            <dgm:alg type="composite"/>
+            <dgm:shape xmlns:r="http://schemas.openxmlformats.org/officeDocument/2006/relationships" r:blip="">
+              <dgm:adjLst/>
+            </dgm:shape>
+            <dgm:presOf axis="self" ptType="node" cnt="1"/>
+            <dgm:choose name="Name8">
+              <dgm:if name="Name9" func="var" arg="dir" op="equ" val="norm">
+                <dgm:constrLst>
+                  <dgm:constr type="l" for="ch" forName="rootText"/>
+                  <dgm:constr type="t" for="ch" forName="rootText"/>
+                  <dgm:constr type="w" for="ch" forName="rootText" refType="w"/>
+                  <dgm:constr type="h" for="ch" forName="rootText" refType="h"/>
+                  <dgm:constr type="l" for="ch" forName="rootConnector"/>
+                  <dgm:constr type="t" for="ch" forName="rootConnector"/>
+                  <dgm:constr type="w" for="ch" forName="rootConnector" refType="w" refFor="ch" refForName="rootText" fact="0.2"/>
+                  <dgm:constr type="h" for="ch" forName="rootConnector" refType="h" refFor="ch" refForName="rootText"/>
+                </dgm:constrLst>
+              </dgm:if>
+              <dgm:else name="Name10">
+                <dgm:constrLst>
+                  <dgm:constr type="l" for="ch" forName="rootText"/>
+                  <dgm:constr type="t" for="ch" forName="rootText"/>
+                  <dgm:constr type="w" for="ch" forName="rootText" refType="w"/>
+                  <dgm:constr type="h" for="ch" forName="rootText" refType="h"/>
+                  <dgm:constr type="r" for="ch" forName="rootConnector" refType="w"/>
+                  <dgm:constr type="t" for="ch" forName="rootConnector"/>
+                  <dgm:constr type="w" for="ch" forName="rootConnector" refType="w" refFor="ch" refForName="rootText" fact="0.2"/>
+                  <dgm:constr type="h" for="ch" forName="rootConnector" refType="h" refFor="ch" refForName="rootText"/>
+                </dgm:constrLst>
+              </dgm:else>
+            </dgm:choose>
+            <dgm:ruleLst/>
+            <dgm:layoutNode name="rootText" styleLbl="node1">
+              <dgm:alg type="tx"/>
+              <dgm:shape xmlns:r="http://schemas.openxmlformats.org/officeDocument/2006/relationships" type="roundRect" r:blip="">
+                <dgm:adjLst>
+                  <dgm:adj idx="1" val="0.1"/>
+                </dgm:adjLst>
+              </dgm:shape>
+              <dgm:presOf axis="self" ptType="node" cnt="1"/>
+              <dgm:constrLst>
+                <dgm:constr type="tMarg" refType="primFontSz" fact="0.1"/>
+                <dgm:constr type="bMarg" refType="primFontSz" fact="0.1"/>
+                <dgm:constr type="lMarg" refType="primFontSz" fact="0.15"/>
+                <dgm:constr type="rMarg" refType="primFontSz" fact="0.15"/>
+              </dgm:constrLst>
+              <dgm:ruleLst>
+                <dgm:rule type="primFontSz" val="5" fact="NaN" max="NaN"/>
+              </dgm:ruleLst>
+            </dgm:layoutNode>
+            <dgm:layoutNode name="rootConnector" moveWith="rootText">
+              <dgm:alg type="sp"/>
+              <dgm:shape xmlns:r="http://schemas.openxmlformats.org/officeDocument/2006/relationships" type="roundRect" r:blip="" hideGeom="1">
+                <dgm:adjLst>
+                  <dgm:adj idx="1" val="0.1"/>
+                </dgm:adjLst>
+              </dgm:shape>
+              <dgm:presOf axis="self" ptType="node" cnt="1"/>
+              <dgm:constrLst/>
+              <dgm:ruleLst/>
+            </dgm:layoutNode>
+          </dgm:layoutNode>
+          <dgm:layoutNode name="childShape">
+            <dgm:alg type="hierChild">
+              <dgm:param type="chAlign" val="l"/>
+              <dgm:param type="linDir" val="fromT"/>
+            </dgm:alg>
+            <dgm:shape xmlns:r="http://schemas.openxmlformats.org/officeDocument/2006/relationships" r:blip="">
+              <dgm:adjLst/>
+            </dgm:shape>
+            <dgm:presOf/>
+            <dgm:constrLst/>
+            <dgm:ruleLst/>
+            <dgm:forEach name="Name11" axis="ch">
+              <dgm:forEach name="Name12" axis="self" ptType="parTrans" cnt="1">
+                <dgm:layoutNode name="Name13">
+                  <dgm:choose name="Name14">
+                    <dgm:if name="Name15" func="var" arg="dir" op="equ" val="norm">
+                      <dgm:alg type="conn">
+                        <dgm:param type="dim" val="1D"/>
+                        <dgm:param type="endSty" val="noArr"/>
+                        <dgm:param type="connRout" val="bend"/>
+                        <dgm:param type="srcNode" val="rootConnector"/>
+                        <dgm:param type="begPts" val="bCtr"/>
+                        <dgm:param type="endPts" val="midL"/>
+                      </dgm:alg>
+                    </dgm:if>
+                    <dgm:else name="Name16">
+                      <dgm:alg type="conn">
+                        <dgm:param type="dim" val="1D"/>
+                        <dgm:param type="endSty" val="noArr"/>
+                        <dgm:param type="connRout" val="bend"/>
+                        <dgm:param type="srcNode" val="rootConnector"/>
+                        <dgm:param type="begPts" val="bCtr"/>
+                        <dgm:param type="endPts" val="midR"/>
+                      </dgm:alg>
+                    </dgm:else>
+                  </dgm:choose>
+                  <dgm:shape xmlns:r="http://schemas.openxmlformats.org/officeDocument/2006/relationships" type="conn" r:blip="">
+                    <dgm:adjLst/>
+                  </dgm:shape>
+                  <dgm:presOf axis="self"/>
+                  <dgm:constrLst>
+                    <dgm:constr type="begPad"/>
+                    <dgm:constr type="endPad"/>
+                  </dgm:constrLst>
+                  <dgm:ruleLst/>
+                </dgm:layoutNode>
+              </dgm:forEach>
+              <dgm:forEach name="Name17" axis="self" ptType="node">
+                <dgm:layoutNode name="childText" styleLbl="bgAcc1">
+                  <dgm:varLst>
+                    <dgm:bulletEnabled val="1"/>
+                  </dgm:varLst>
+                  <dgm:alg type="tx"/>
+                  <dgm:shape xmlns:r="http://schemas.openxmlformats.org/officeDocument/2006/relationships" type="roundRect" r:blip="">
+                    <dgm:adjLst>
+                      <dgm:adj idx="1" val="0.1"/>
+                    </dgm:adjLst>
+                  </dgm:shape>
+                  <dgm:presOf axis="self desOrSelf" ptType="node node" st="1 1" cnt="1 0"/>
+                  <dgm:constrLst>
+                    <dgm:constr type="tMarg" refType="primFontSz" fact="0.1"/>
+                    <dgm:constr type="bMarg" refType="primFontSz" fact="0.1"/>
+                    <dgm:constr type="lMarg" refType="primFontSz" fact="0.15"/>
+                    <dgm:constr type="rMarg" refType="primFontSz" fact="0.15"/>
+                  </dgm:constrLst>
+                  <dgm:ruleLst>
+                    <dgm:rule type="primFontSz" val="5" fact="NaN" max="NaN"/>
+                  </dgm:ruleLst>
+                </dgm:layoutNode>
+              </dgm:forEach>
+            </dgm:forEach>
+          </dgm:layoutNode>
+        </dgm:layoutNode>
+      </dgm:forEach>
+    </dgm:forEach>
+  </dgm:layoutNode>
+</dgm:layoutDef>
+</file>
+
+<file path=ppt/diagrams/quickStyle1.xml><?xml version="1.0" encoding="utf-8"?>
+<dgm:styleDef xmlns:dgm="http://schemas.openxmlformats.org/drawingml/2006/diagram" xmlns:a="http://schemas.openxmlformats.org/drawingml/2006/main" uniqueId="urn:microsoft.com/office/officeart/2005/8/quickstyle/simple1">
+  <dgm:title val=""/>
+  <dgm:desc val=""/>
+  <dgm:catLst>
+    <dgm:cat type="simple" pri="10100"/>
+  </dgm:catLst>
+  <dgm:scene3d>
+    <a:camera prst="orthographicFront"/>
+    <a:lightRig rig="threePt" dir="t"/>
+  </dgm:scene3d>
+  <dgm:styleLbl name="node0">
+    <dgm:scene3d>
+      <a:camera prst="orthographicFront"/>
+      <a:lightRig rig="threePt" dir="t"/>
+    </dgm:scene3d>
+    <dgm:sp3d/>
+    <dgm:txPr/>
+    <dgm:style>
+      <a:lnRef idx="2">
+        <a:scrgbClr r="0" g="0" b="0"/>
+      </a:lnRef>
+      <a:fillRef idx="1">
+        <a:scrgbClr r="0" g="0" b="0"/>
+      </a:fillRef>
+      <a:effectRef idx="0">
+        <a:scrgbClr r="0" g="0" b="0"/>
+      </a:effectRef>
+      <a:fontRef idx="minor">
+        <a:schemeClr val="lt1"/>
+      </a:fontRef>
+    </dgm:style>
+  </dgm:styleLbl>
+  <dgm:styleLbl name="lnNode1">
+    <dgm:scene3d>
+      <a:camera prst="orthographicFront"/>
+      <a:lightRig rig="threePt" dir="t"/>
+    </dgm:scene3d>
+    <dgm:sp3d/>
+    <dgm:txPr/>
+    <dgm:style>
+      <a:lnRef idx="2">
+        <a:scrgbClr r="0" g="0" b="0"/>
+      </a:lnRef>
+      <a:fillRef idx="1">
+        <a:scrgbClr r="0" g="0" b="0"/>
+      </a:fillRef>
+      <a:effectRef idx="0">
+        <a:scrgbClr r="0" g="0" b="0"/>
+      </a:effectRef>
+      <a:fontRef idx="minor">
+        <a:schemeClr val="lt1"/>
+      </a:fontRef>
+    </dgm:style>
+  </dgm:styleLbl>
+  <dgm:styleLbl name="vennNode1">
+    <dgm:scene3d>
+      <a:camera prst="orthographicFront"/>
+      <a:lightRig rig="threePt" dir="t"/>
+    </dgm:scene3d>
+    <dgm:sp3d/>
+    <dgm:txPr/>
+    <dgm:style>
+      <a:lnRef idx="2">
+        <a:scrgbClr r="0" g="0" b="0"/>
+      </a:lnRef>
+      <a:fillRef idx="1">
+        <a:scrgbClr r="0" g="0" b="0"/>
+      </a:fillRef>
+      <a:effectRef idx="0">
+        <a:scrgbClr r="0" g="0" b="0"/>
+      </a:effectRef>
+      <a:fontRef idx="minor">
+        <a:schemeClr val="tx1"/>
+      </a:fontRef>
+    </dgm:style>
+  </dgm:styleLbl>
+  <dgm:styleLbl name="alignNode1">
+    <dgm:scene3d>
+      <a:camera prst="orthographicFront"/>
+      <a:lightRig rig="threePt" dir="t"/>
+    </dgm:scene3d>
+    <dgm:sp3d/>
+    <dgm:txPr/>
+    <dgm:style>
+      <a:lnRef idx="2">
+        <a:scrgbClr r="0" g="0" b="0"/>
+      </a:lnRef>
+      <a:fillRef idx="1">
+        <a:scrgbClr r="0" g="0" b="0"/>
+      </a:fillRef>
+      <a:effectRef idx="0">
+        <a:scrgbClr r="0" g="0" b="0"/>
+      </a:effectRef>
+      <a:fontRef idx="minor">
+        <a:schemeClr val="lt1"/>
+      </a:fontRef>
+    </dgm:style>
+  </dgm:styleLbl>
+  <dgm:styleLbl name="node1">
+    <dgm:scene3d>
+      <a:camera prst="orthographicFront"/>
+      <a:lightRig rig="threePt" dir="t"/>
+    </dgm:scene3d>
+    <dgm:sp3d/>
+    <dgm:txPr/>
+    <dgm:style>
+      <a:lnRef idx="2">
+        <a:scrgbClr r="0" g="0" b="0"/>
+      </a:lnRef>
+      <a:fillRef idx="1">
+        <a:scrgbClr r="0" g="0" b="0"/>
+      </a:fillRef>
+      <a:effectRef idx="0">
+        <a:scrgbClr r="0" g="0" b="0"/>
+      </a:effectRef>
+      <a:fontRef idx="minor">
+        <a:schemeClr val="lt1"/>
+      </a:fontRef>
+    </dgm:style>
+  </dgm:styleLbl>
+  <dgm:styleLbl name="node2">
+    <dgm:scene3d>
+      <a:camera prst="orthographicFront"/>
+      <a:lightRig rig="threePt" dir="t"/>
+    </dgm:scene3d>
+    <dgm:sp3d/>
+    <dgm:txPr/>
+    <dgm:style>
+      <a:lnRef idx="2">
+        <a:scrgbClr r="0" g="0" b="0"/>
+      </a:lnRef>
+      <a:fillRef idx="1">
+        <a:scrgbClr r="0" g="0" b="0"/>
+      </a:fillRef>
+      <a:effectRef idx="0">
+        <a:scrgbClr r="0" g="0" b="0"/>
+      </a:effectRef>
+      <a:fontRef idx="minor">
+        <a:schemeClr val="lt1"/>
+      </a:fontRef>
+    </dgm:style>
+  </dgm:styleLbl>
+  <dgm:styleLbl name="node3">
+    <dgm:scene3d>
+      <a:camera prst="orthographicFront"/>
+      <a:lightRig rig="threePt" dir="t"/>
+    </dgm:scene3d>
+    <dgm:sp3d/>
+    <dgm:txPr/>
+    <dgm:style>
+      <a:lnRef idx="2">
+        <a:scrgbClr r="0" g="0" b="0"/>
+      </a:lnRef>
+      <a:fillRef idx="1">
+        <a:scrgbClr r="0" g="0" b="0"/>
+      </a:fillRef>
+      <a:effectRef idx="0">
+        <a:scrgbClr r="0" g="0" b="0"/>
+      </a:effectRef>
+      <a:fontRef idx="minor">
+        <a:schemeClr val="lt1"/>
+      </a:fontRef>
+    </dgm:style>
+  </dgm:styleLbl>
+  <dgm:styleLbl name="node4">
+    <dgm:scene3d>
+      <a:camera prst="orthographicFront"/>
+      <a:lightRig rig="threePt" dir="t"/>
+    </dgm:scene3d>
+    <dgm:sp3d/>
+    <dgm:txPr/>
+    <dgm:style>
+      <a:lnRef idx="2">
+        <a:scrgbClr r="0" g="0" b="0"/>
+      </a:lnRef>
+      <a:fillRef idx="1">
+        <a:scrgbClr r="0" g="0" b="0"/>
+      </a:fillRef>
+      <a:effectRef idx="0">
+        <a:scrgbClr r="0" g="0" b="0"/>
+      </a:effectRef>
+      <a:fontRef idx="minor">
+        <a:schemeClr val="lt1"/>
+      </a:fontRef>
+    </dgm:style>
+  </dgm:styleLbl>
+  <dgm:styleLbl name="fgImgPlace1">
+    <dgm:scene3d>
+      <a:camera prst="orthographicFront"/>
+      <a:lightRig rig="threePt" dir="t"/>
+    </dgm:scene3d>
+    <dgm:sp3d/>
+    <dgm:txPr/>
+    <dgm:style>
+      <a:lnRef idx="2">
+        <a:scrgbClr r="0" g="0" b="0"/>
+      </a:lnRef>
+      <a:fillRef idx="1">
+        <a:scrgbClr r="0" g="0" b="0"/>
+      </a:fillRef>
+      <a:effectRef idx="0">
+        <a:scrgbClr r="0" g="0" b="0"/>
+      </a:effectRef>
+      <a:fontRef idx="minor"/>
+    </dgm:style>
+  </dgm:styleLbl>
+  <dgm:styleLbl name="alignImgPlace1">
+    <dgm:scene3d>
+      <a:camera prst="orthographicFront"/>
+      <a:lightRig rig="threePt" dir="t"/>
+    </dgm:scene3d>
+    <dgm:sp3d/>
+    <dgm:txPr/>
+    <dgm:style>
+      <a:lnRef idx="2">
+        <a:scrgbClr r="0" g="0" b="0"/>
+      </a:lnRef>
+      <a:fillRef idx="1">
+        <a:scrgbClr r="0" g="0" b="0"/>
+      </a:fillRef>
+      <a:effectRef idx="0">
+        <a:scrgbClr r="0" g="0" b="0"/>
+      </a:effectRef>
+      <a:fontRef idx="minor"/>
+    </dgm:style>
+  </dgm:styleLbl>
+  <dgm:styleLbl name="bgImgPlace1">
+    <dgm:scene3d>
+      <a:camera prst="orthographicFront"/>
+      <a:lightRig rig="threePt" dir="t"/>
+    </dgm:scene3d>
+    <dgm:sp3d/>
+    <dgm:txPr/>
+    <dgm:style>
+      <a:lnRef idx="2">
+        <a:scrgbClr r="0" g="0" b="0"/>
+      </a:lnRef>
+      <a:fillRef idx="1">
+        <a:scrgbClr r="0" g="0" b="0"/>
+      </a:fillRef>
+      <a:effectRef idx="0">
+        <a:scrgbClr r="0" g="0" b="0"/>
+      </a:effectRef>
+      <a:fontRef idx="minor"/>
+    </dgm:style>
+  </dgm:styleLbl>
+  <dgm:styleLbl name="sibTrans2D1">
+    <dgm:scene3d>
+      <a:camera prst="orthographicFront"/>
+      <a:lightRig rig="threePt" dir="t"/>
+    </dgm:scene3d>
+    <dgm:sp3d/>
+    <dgm:txPr/>
+    <dgm:style>
+      <a:lnRef idx="0">
+        <a:scrgbClr r="0" g="0" b="0"/>
+      </a:lnRef>
+      <a:fillRef idx="1">
+        <a:scrgbClr r="0" g="0" b="0"/>
+      </a:fillRef>
+      <a:effectRef idx="0">
+        <a:scrgbClr r="0" g="0" b="0"/>
+      </a:effectRef>
+      <a:fontRef idx="minor">
+        <a:schemeClr val="lt1"/>
+      </a:fontRef>
+    </dgm:style>
+  </dgm:styleLbl>
+  <dgm:styleLbl name="fgSibTrans2D1">
+    <dgm:scene3d>
+      <a:camera prst="orthographicFront"/>
+      <a:lightRig rig="threePt" dir="t"/>
+    </dgm:scene3d>
+    <dgm:sp3d/>
+    <dgm:txPr/>
+    <dgm:style>
+      <a:lnRef idx="0">
+        <a:scrgbClr r="0" g="0" b="0"/>
+      </a:lnRef>
+      <a:fillRef idx="1">
+        <a:scrgbClr r="0" g="0" b="0"/>
+      </a:fillRef>
+      <a:effectRef idx="0">
+        <a:scrgbClr r="0" g="0" b="0"/>
+      </a:effectRef>
+      <a:fontRef idx="minor">
+        <a:schemeClr val="lt1"/>
+      </a:fontRef>
+    </dgm:style>
+  </dgm:styleLbl>
+  <dgm:styleLbl name="bgSibTrans2D1">
+    <dgm:scene3d>
+      <a:camera prst="orthographicFront"/>
+      <a:lightRig rig="threePt" dir="t"/>
+    </dgm:scene3d>
+    <dgm:sp3d/>
+    <dgm:txPr/>
+    <dgm:style>
+      <a:lnRef idx="0">
+        <a:scrgbClr r="0" g="0" b="0"/>
+      </a:lnRef>
+      <a:fillRef idx="1">
+        <a:scrgbClr r="0" g="0" b="0"/>
+      </a:fillRef>
+      <a:effectRef idx="0">
+        <a:scrgbClr r="0" g="0" b="0"/>
+      </a:effectRef>
+      <a:fontRef idx="minor">
+        <a:schemeClr val="lt1"/>
+      </a:fontRef>
+    </dgm:style>
+  </dgm:styleLbl>
+  <dgm:styleLbl name="sibTrans1D1">
+    <dgm:scene3d>
+      <a:camera prst="orthographicFront"/>
+      <a:lightRig rig="threePt" dir="t"/>
+    </dgm:scene3d>
+    <dgm:sp3d/>
+    <dgm:txPr/>
+    <dgm:style>
+      <a:lnRef idx="1">
+        <a:scrgbClr r="0" g="0" b="0"/>
+      </a:lnRef>
+      <a:fillRef idx="0">
+        <a:scrgbClr r="0" g="0" b="0"/>
+      </a:fillRef>
+      <a:effectRef idx="0">
+        <a:scrgbClr r="0" g="0" b="0"/>
+      </a:effectRef>
+      <a:fontRef idx="minor"/>
+    </dgm:style>
+  </dgm:styleLbl>
+  <dgm:styleLbl name="callout">
+    <dgm:scene3d>
+      <a:camera prst="orthographicFront"/>
+      <a:lightRig rig="threePt" dir="t"/>
+    </dgm:scene3d>
+    <dgm:sp3d/>
+    <dgm:txPr/>
+    <dgm:style>
+      <a:lnRef idx="2">
+        <a:scrgbClr r="0" g="0" b="0"/>
+      </a:lnRef>
+      <a:fillRef idx="1">
+        <a:scrgbClr r="0" g="0" b="0"/>
+      </a:fillRef>
+      <a:effectRef idx="0">
+        <a:scrgbClr r="0" g="0" b="0"/>
+      </a:effectRef>
+      <a:fontRef idx="minor"/>
+    </dgm:style>
+  </dgm:styleLbl>
+  <dgm:styleLbl name="asst0">
+    <dgm:scene3d>
+      <a:camera prst="orthographicFront"/>
+      <a:lightRig rig="threePt" dir="t"/>
+    </dgm:scene3d>
+    <dgm:sp3d/>
+    <dgm:txPr/>
+    <dgm:style>
+      <a:lnRef idx="2">
+        <a:scrgbClr r="0" g="0" b="0"/>
+      </a:lnRef>
+      <a:fillRef idx="1">
+        <a:scrgbClr r="0" g="0" b="0"/>
+      </a:fillRef>
+      <a:effectRef idx="0">
+        <a:scrgbClr r="0" g="0" b="0"/>
+      </a:effectRef>
+      <a:fontRef idx="minor">
+        <a:schemeClr val="lt1"/>
+      </a:fontRef>
+    </dgm:style>
+  </dgm:styleLbl>
+  <dgm:styleLbl name="asst1">
+    <dgm:scene3d>
+      <a:camera prst="orthographicFront"/>
+      <a:lightRig rig="threePt" dir="t"/>
+    </dgm:scene3d>
+    <dgm:sp3d/>
+    <dgm:txPr/>
+    <dgm:style>
+      <a:lnRef idx="2">
+        <a:scrgbClr r="0" g="0" b="0"/>
+      </a:lnRef>
+      <a:fillRef idx="1">
+        <a:scrgbClr r="0" g="0" b="0"/>
+      </a:fillRef>
+      <a:effectRef idx="0">
+        <a:scrgbClr r="0" g="0" b="0"/>
+      </a:effectRef>
+      <a:fontRef idx="minor">
+        <a:schemeClr val="lt1"/>
+      </a:fontRef>
+    </dgm:style>
+  </dgm:styleLbl>
+  <dgm:styleLbl name="asst2">
+    <dgm:scene3d>
+      <a:camera prst="orthographicFront"/>
+      <a:lightRig rig="threePt" dir="t"/>
+    </dgm:scene3d>
+    <dgm:sp3d/>
+    <dgm:txPr/>
+    <dgm:style>
+      <a:lnRef idx="2">
+        <a:scrgbClr r="0" g="0" b="0"/>
+      </a:lnRef>
+      <a:fillRef idx="1">
+        <a:scrgbClr r="0" g="0" b="0"/>
+      </a:fillRef>
+      <a:effectRef idx="0">
+        <a:scrgbClr r="0" g="0" b="0"/>
+      </a:effectRef>
+      <a:fontRef idx="minor">
+        <a:schemeClr val="lt1"/>
+      </a:fontRef>
+    </dgm:style>
+  </dgm:styleLbl>
+  <dgm:styleLbl name="asst3">
+    <dgm:scene3d>
+      <a:camera prst="orthographicFront"/>
+      <a:lightRig rig="threePt" dir="t"/>
+    </dgm:scene3d>
+    <dgm:sp3d/>
+    <dgm:txPr/>
+    <dgm:style>
+      <a:lnRef idx="2">
+        <a:scrgbClr r="0" g="0" b="0"/>
+      </a:lnRef>
+      <a:fillRef idx="1">
+        <a:scrgbClr r="0" g="0" b="0"/>
+      </a:fillRef>
+      <a:effectRef idx="0">
+        <a:scrgbClr r="0" g="0" b="0"/>
+      </a:effectRef>
+      <a:fontRef idx="minor">
+        <a:schemeClr val="lt1"/>
+      </a:fontRef>
+    </dgm:style>
+  </dgm:styleLbl>
+  <dgm:styleLbl name="asst4">
+    <dgm:scene3d>
+      <a:camera prst="orthographicFront"/>
+      <a:lightRig rig="threePt" dir="t"/>
+    </dgm:scene3d>
+    <dgm:sp3d/>
+    <dgm:txPr/>
+    <dgm:style>
+      <a:lnRef idx="2">
+        <a:scrgbClr r="0" g="0" b="0"/>
+      </a:lnRef>
+      <a:fillRef idx="1">
+        <a:scrgbClr r="0" g="0" b="0"/>
+      </a:fillRef>
+      <a:effectRef idx="0">
+        <a:scrgbClr r="0" g="0" b="0"/>
+      </a:effectRef>
+      <a:fontRef idx="minor">
+        <a:schemeClr val="lt1"/>
+      </a:fontRef>
+    </dgm:style>
+  </dgm:styleLbl>
+  <dgm:styleLbl name="parChTrans2D1">
+    <dgm:scene3d>
+      <a:camera prst="orthographicFront"/>
+      <a:lightRig rig="threePt" dir="t"/>
+    </dgm:scene3d>
+    <dgm:sp3d/>
+    <dgm:txPr/>
+    <dgm:style>
+      <a:lnRef idx="2">
+        <a:scrgbClr r="0" g="0" b="0"/>
+      </a:lnRef>
+      <a:fillRef idx="1">
+        <a:scrgbClr r="0" g="0" b="0"/>
+      </a:fillRef>
+      <a:effectRef idx="0">
+        <a:scrgbClr r="0" g="0" b="0"/>
+      </a:effectRef>
+      <a:fontRef idx="minor">
+        <a:schemeClr val="lt1"/>
+      </a:fontRef>
+    </dgm:style>
+  </dgm:styleLbl>
+  <dgm:styleLbl name="parChTrans2D2">
+    <dgm:scene3d>
+      <a:camera prst="orthographicFront"/>
+      <a:lightRig rig="threePt" dir="t"/>
+    </dgm:scene3d>
+    <dgm:sp3d/>
+    <dgm:txPr/>
+    <dgm:style>
+      <a:lnRef idx="2">
+        <a:scrgbClr r="0" g="0" b="0"/>
+      </a:lnRef>
+      <a:fillRef idx="1">
+        <a:scrgbClr r="0" g="0" b="0"/>
+      </a:fillRef>
+      <a:effectRef idx="0">
+        <a:scrgbClr r="0" g="0" b="0"/>
+      </a:effectRef>
+      <a:fontRef idx="minor">
+        <a:schemeClr val="lt1"/>
+      </a:fontRef>
+    </dgm:style>
+  </dgm:styleLbl>
+  <dgm:styleLbl name="parChTrans2D3">
+    <dgm:scene3d>
+      <a:camera prst="orthographicFront"/>
+      <a:lightRig rig="threePt" dir="t"/>
+    </dgm:scene3d>
+    <dgm:sp3d/>
+    <dgm:txPr/>
+    <dgm:style>
+      <a:lnRef idx="2">
+        <a:scrgbClr r="0" g="0" b="0"/>
+      </a:lnRef>
+      <a:fillRef idx="1">
+        <a:scrgbClr r="0" g="0" b="0"/>
+      </a:fillRef>
+      <a:effectRef idx="0">
+        <a:scrgbClr r="0" g="0" b="0"/>
+      </a:effectRef>
+      <a:fontRef idx="minor">
+        <a:schemeClr val="lt1"/>
+      </a:fontRef>
+    </dgm:style>
+  </dgm:styleLbl>
+  <dgm:styleLbl name="parChTrans2D4">
+    <dgm:scene3d>
+      <a:camera prst="orthographicFront"/>
+      <a:lightRig rig="threePt" dir="t"/>
+    </dgm:scene3d>
+    <dgm:sp3d/>
+    <dgm:txPr/>
+    <dgm:style>
+      <a:lnRef idx="2">
+        <a:scrgbClr r="0" g="0" b="0"/>
+      </a:lnRef>
+      <a:fillRef idx="1">
+        <a:scrgbClr r="0" g="0" b="0"/>
+      </a:fillRef>
+      <a:effectRef idx="0">
+        <a:scrgbClr r="0" g="0" b="0"/>
+      </a:effectRef>
+      <a:fontRef idx="minor">
+        <a:schemeClr val="lt1"/>
+      </a:fontRef>
+    </dgm:style>
+  </dgm:styleLbl>
+  <dgm:styleLbl name="parChTrans1D1">
+    <dgm:scene3d>
+      <a:camera prst="orthographicFront"/>
+      <a:lightRig rig="threePt" dir="t"/>
+    </dgm:scene3d>
+    <dgm:sp3d/>
+    <dgm:txPr/>
+    <dgm:style>
+      <a:lnRef idx="2">
+        <a:scrgbClr r="0" g="0" b="0"/>
+      </a:lnRef>
+      <a:fillRef idx="0">
+        <a:scrgbClr r="0" g="0" b="0"/>
+      </a:fillRef>
+      <a:effectRef idx="0">
+        <a:scrgbClr r="0" g="0" b="0"/>
+      </a:effectRef>
+      <a:fontRef idx="minor"/>
+    </dgm:style>
+  </dgm:styleLbl>
+  <dgm:styleLbl name="parChTrans1D2">
+    <dgm:scene3d>
+      <a:camera prst="orthographicFront"/>
+      <a:lightRig rig="threePt" dir="t"/>
+    </dgm:scene3d>
+    <dgm:sp3d/>
+    <dgm:txPr/>
+    <dgm:style>
+      <a:lnRef idx="2">
+        <a:scrgbClr r="0" g="0" b="0"/>
+      </a:lnRef>
+      <a:fillRef idx="0">
+        <a:scrgbClr r="0" g="0" b="0"/>
+      </a:fillRef>
+      <a:effectRef idx="0">
+        <a:scrgbClr r="0" g="0" b="0"/>
+      </a:effectRef>
+      <a:fontRef idx="minor"/>
+    </dgm:style>
+  </dgm:styleLbl>
+  <dgm:styleLbl name="parChTrans1D3">
+    <dgm:scene3d>
+      <a:camera prst="orthographicFront"/>
+      <a:lightRig rig="threePt" dir="t"/>
+    </dgm:scene3d>
+    <dgm:sp3d/>
+    <dgm:txPr/>
+    <dgm:style>
+      <a:lnRef idx="2">
+        <a:scrgbClr r="0" g="0" b="0"/>
+      </a:lnRef>
+      <a:fillRef idx="0">
+        <a:scrgbClr r="0" g="0" b="0"/>
+      </a:fillRef>
+      <a:effectRef idx="0">
+        <a:scrgbClr r="0" g="0" b="0"/>
+      </a:effectRef>
+      <a:fontRef idx="minor"/>
+    </dgm:style>
+  </dgm:styleLbl>
+  <dgm:styleLbl name="parChTrans1D4">
+    <dgm:scene3d>
+      <a:camera prst="orthographicFront"/>
+      <a:lightRig rig="threePt" dir="t"/>
+    </dgm:scene3d>
+    <dgm:sp3d/>
+    <dgm:txPr/>
+    <dgm:style>
+      <a:lnRef idx="2">
+        <a:scrgbClr r="0" g="0" b="0"/>
+      </a:lnRef>
+      <a:fillRef idx="0">
+        <a:scrgbClr r="0" g="0" b="0"/>
+      </a:fillRef>
+      <a:effectRef idx="0">
+        <a:scrgbClr r="0" g="0" b="0"/>
+      </a:effectRef>
+      <a:fontRef idx="minor"/>
+    </dgm:style>
+  </dgm:styleLbl>
+  <dgm:styleLbl name="fgAcc1">
+    <dgm:scene3d>
+      <a:camera prst="orthographicFront"/>
+      <a:lightRig rig="threePt" dir="t"/>
+    </dgm:scene3d>
+    <dgm:sp3d/>
+    <dgm:txPr/>
+    <dgm:style>
+      <a:lnRef idx="2">
+        <a:scrgbClr r="0" g="0" b="0"/>
+      </a:lnRef>
+      <a:fillRef idx="1">
+        <a:scrgbClr r="0" g="0" b="0"/>
+      </a:fillRef>
+      <a:effectRef idx="0">
+        <a:scrgbClr r="0" g="0" b="0"/>
+      </a:effectRef>
+      <a:fontRef idx="minor"/>
+    </dgm:style>
+  </dgm:styleLbl>
+  <dgm:styleLbl name="conFgAcc1">
+    <dgm:scene3d>
+      <a:camera prst="orthographicFront"/>
+      <a:lightRig rig="threePt" dir="t"/>
+    </dgm:scene3d>
+    <dgm:sp3d/>
+    <dgm:txPr/>
+    <dgm:style>
+      <a:lnRef idx="2">
+        <a:scrgbClr r="0" g="0" b="0"/>
+      </a:lnRef>
+      <a:fillRef idx="1">
+        <a:scrgbClr r="0" g="0" b="0"/>
+      </a:fillRef>
+      <a:effectRef idx="0">
+        <a:scrgbClr r="0" g="0" b="0"/>
+      </a:effectRef>
+      <a:fontRef idx="minor"/>
+    </dgm:style>
+  </dgm:styleLbl>
+  <dgm:styleLbl name="alignAcc1">
+    <dgm:scene3d>
+      <a:camera prst="orthographicFront"/>
+      <a:lightRig rig="threePt" dir="t"/>
+    </dgm:scene3d>
+    <dgm:sp3d/>
+    <dgm:txPr/>
+    <dgm:style>
+      <a:lnRef idx="2">
+        <a:scrgbClr r="0" g="0" b="0"/>
+      </a:lnRef>
+      <a:fillRef idx="1">
+        <a:scrgbClr r="0" g="0" b="0"/>
+      </a:fillRef>
+      <a:effectRef idx="0">
+        <a:scrgbClr r="0" g="0" b="0"/>
+      </a:effectRef>
+      <a:fontRef idx="minor"/>
+    </dgm:style>
+  </dgm:styleLbl>
+  <dgm:styleLbl name="trAlignAcc1">
+    <dgm:scene3d>
+      <a:camera prst="orthographicFront"/>
+      <a:lightRig rig="threePt" dir="t"/>
+    </dgm:scene3d>
+    <dgm:sp3d/>
+    <dgm:txPr/>
+    <dgm:style>
+      <a:lnRef idx="1">
+        <a:scrgbClr r="0" g="0" b="0"/>
+      </a:lnRef>
+      <a:fillRef idx="1">
+        <a:scrgbClr r="0" g="0" b="0"/>
+      </a:fillRef>
+      <a:effectRef idx="0">
+        <a:scrgbClr r="0" g="0" b="0"/>
+      </a:effectRef>
+      <a:fontRef idx="minor"/>
+    </dgm:style>
+  </dgm:styleLbl>
+  <dgm:styleLbl name="bgAcc1">
+    <dgm:scene3d>
+      <a:camera prst="orthographicFront"/>
+      <a:lightRig rig="threePt" dir="t"/>
+    </dgm:scene3d>
+    <dgm:sp3d/>
+    <dgm:txPr/>
+    <dgm:style>
+      <a:lnRef idx="2">
+        <a:scrgbClr r="0" g="0" b="0"/>
+      </a:lnRef>
+      <a:fillRef idx="1">
+        <a:scrgbClr r="0" g="0" b="0"/>
+      </a:fillRef>
+      <a:effectRef idx="0">
+        <a:scrgbClr r="0" g="0" b="0"/>
+      </a:effectRef>
+      <a:fontRef idx="minor"/>
+    </dgm:style>
+  </dgm:styleLbl>
+  <dgm:styleLbl name="solidFgAcc1">
+    <dgm:scene3d>
+      <a:camera prst="orthographicFront"/>
+      <a:lightRig rig="threePt" dir="t"/>
+    </dgm:scene3d>
+    <dgm:sp3d/>
+    <dgm:txPr/>
+    <dgm:style>
+      <a:lnRef idx="2">
+        <a:scrgbClr r="0" g="0" b="0"/>
+      </a:lnRef>
+      <a:fillRef idx="1">
+        <a:scrgbClr r="0" g="0" b="0"/>
+      </a:fillRef>
+      <a:effectRef idx="0">
+        <a:scrgbClr r="0" g="0" b="0"/>
+      </a:effectRef>
+      <a:fontRef idx="minor"/>
+    </dgm:style>
+  </dgm:styleLbl>
+  <dgm:styleLbl name="solidAlignAcc1">
+    <dgm:scene3d>
+      <a:camera prst="orthographicFront"/>
+      <a:lightRig rig="threePt" dir="t"/>
+    </dgm:scene3d>
+    <dgm:sp3d/>
+    <dgm:txPr/>
+    <dgm:style>
+      <a:lnRef idx="2">
+        <a:scrgbClr r="0" g="0" b="0"/>
+      </a:lnRef>
+      <a:fillRef idx="1">
+        <a:scrgbClr r="0" g="0" b="0"/>
+      </a:fillRef>
+      <a:effectRef idx="0">
+        <a:scrgbClr r="0" g="0" b="0"/>
+      </a:effectRef>
+      <a:fontRef idx="minor"/>
+    </dgm:style>
+  </dgm:styleLbl>
+  <dgm:styleLbl name="solidBgAcc1">
+    <dgm:scene3d>
+      <a:camera prst="orthographicFront"/>
+      <a:lightRig rig="threePt" dir="t"/>
+    </dgm:scene3d>
+    <dgm:sp3d/>
+    <dgm:txPr/>
+    <dgm:style>
+      <a:lnRef idx="2">
+        <a:scrgbClr r="0" g="0" b="0"/>
+      </a:lnRef>
+      <a:fillRef idx="1">
+        <a:scrgbClr r="0" g="0" b="0"/>
+      </a:fillRef>
+      <a:effectRef idx="0">
+        <a:scrgbClr r="0" g="0" b="0"/>
+      </a:effectRef>
+      <a:fontRef idx="minor"/>
+    </dgm:style>
+  </dgm:styleLbl>
+  <dgm:styleLbl name="fgAccFollowNode1">
+    <dgm:scene3d>
+      <a:camera prst="orthographicFront"/>
+      <a:lightRig rig="threePt" dir="t"/>
+    </dgm:scene3d>
+    <dgm:sp3d/>
+    <dgm:txPr/>
+    <dgm:style>
+      <a:lnRef idx="2">
+        <a:scrgbClr r="0" g="0" b="0"/>
+      </a:lnRef>
+      <a:fillRef idx="1">
+        <a:scrgbClr r="0" g="0" b="0"/>
+      </a:fillRef>
+      <a:effectRef idx="0">
+        <a:scrgbClr r="0" g="0" b="0"/>
+      </a:effectRef>
+      <a:fontRef idx="minor"/>
+    </dgm:style>
+  </dgm:styleLbl>
+  <dgm:styleLbl name="alignAccFollowNode1">
+    <dgm:scene3d>
+      <a:camera prst="orthographicFront"/>
+      <a:lightRig rig="threePt" dir="t"/>
+    </dgm:scene3d>
+    <dgm:sp3d/>
+    <dgm:txPr/>
+    <dgm:style>
+      <a:lnRef idx="2">
+        <a:scrgbClr r="0" g="0" b="0"/>
+      </a:lnRef>
+      <a:fillRef idx="1">
+        <a:scrgbClr r="0" g="0" b="0"/>
+      </a:fillRef>
+      <a:effectRef idx="0">
+        <a:scrgbClr r="0" g="0" b="0"/>
+      </a:effectRef>
+      <a:fontRef idx="minor"/>
+    </dgm:style>
+  </dgm:styleLbl>
+  <dgm:styleLbl name="bgAccFollowNode1">
+    <dgm:scene3d>
+      <a:camera prst="orthographicFront"/>
+      <a:lightRig rig="threePt" dir="t"/>
+    </dgm:scene3d>
+    <dgm:sp3d/>
+    <dgm:txPr/>
+    <dgm:style>
+      <a:lnRef idx="2">
+        <a:scrgbClr r="0" g="0" b="0"/>
+      </a:lnRef>
+      <a:fillRef idx="1">
+        <a:scrgbClr r="0" g="0" b="0"/>
+      </a:fillRef>
+      <a:effectRef idx="0">
+        <a:scrgbClr r="0" g="0" b="0"/>
+      </a:effectRef>
+      <a:fontRef idx="minor"/>
+    </dgm:style>
+  </dgm:styleLbl>
+  <dgm:styleLbl name="fgAcc0">
+    <dgm:scene3d>
+      <a:camera prst="orthographicFront"/>
+      <a:lightRig rig="threePt" dir="t"/>
+    </dgm:scene3d>
+    <dgm:sp3d/>
+    <dgm:txPr/>
+    <dgm:style>
+      <a:lnRef idx="2">
+        <a:scrgbClr r="0" g="0" b="0"/>
+      </a:lnRef>
+      <a:fillRef idx="1">
+        <a:scrgbClr r="0" g="0" b="0"/>
+      </a:fillRef>
+      <a:effectRef idx="0">
+        <a:scrgbClr r="0" g="0" b="0"/>
+      </a:effectRef>
+      <a:fontRef idx="minor"/>
+    </dgm:style>
+  </dgm:styleLbl>
+  <dgm:styleLbl name="fgAcc2">
+    <dgm:scene3d>
+      <a:camera prst="orthographicFront"/>
+      <a:lightRig rig="threePt" dir="t"/>
+    </dgm:scene3d>
+    <dgm:sp3d/>
+    <dgm:txPr/>
+    <dgm:style>
+      <a:lnRef idx="2">
+        <a:scrgbClr r="0" g="0" b="0"/>
+      </a:lnRef>
+      <a:fillRef idx="1">
+        <a:scrgbClr r="0" g="0" b="0"/>
+      </a:fillRef>
+      <a:effectRef idx="0">
+        <a:scrgbClr r="0" g="0" b="0"/>
+      </a:effectRef>
+      <a:fontRef idx="minor"/>
+    </dgm:style>
+  </dgm:styleLbl>
+  <dgm:styleLbl name="fgAcc3">
+    <dgm:scene3d>
+      <a:camera prst="orthographicFront"/>
+      <a:lightRig rig="threePt" dir="t"/>
+    </dgm:scene3d>
+    <dgm:sp3d/>
+    <dgm:txPr/>
+    <dgm:style>
+      <a:lnRef idx="2">
+        <a:scrgbClr r="0" g="0" b="0"/>
+      </a:lnRef>
+      <a:fillRef idx="1">
+        <a:scrgbClr r="0" g="0" b="0"/>
+      </a:fillRef>
+      <a:effectRef idx="0">
+        <a:scrgbClr r="0" g="0" b="0"/>
+      </a:effectRef>
+      <a:fontRef idx="minor"/>
+    </dgm:style>
+  </dgm:styleLbl>
+  <dgm:styleLbl name="fgAcc4">
+    <dgm:scene3d>
+      <a:camera prst="orthographicFront"/>
+      <a:lightRig rig="threePt" dir="t"/>
+    </dgm:scene3d>
+    <dgm:sp3d/>
+    <dgm:txPr/>
+    <dgm:style>
+      <a:lnRef idx="2">
+        <a:scrgbClr r="0" g="0" b="0"/>
+      </a:lnRef>
+      <a:fillRef idx="1">
+        <a:scrgbClr r="0" g="0" b="0"/>
+      </a:fillRef>
+      <a:effectRef idx="0">
+        <a:scrgbClr r="0" g="0" b="0"/>
+      </a:effectRef>
+      <a:fontRef idx="minor"/>
+    </dgm:style>
+  </dgm:styleLbl>
+  <dgm:styleLbl name="bgShp">
+    <dgm:scene3d>
+      <a:camera prst="orthographicFront"/>
+      <a:lightRig rig="threePt" dir="t"/>
+    </dgm:scene3d>
+    <dgm:sp3d/>
+    <dgm:txPr/>
+    <dgm:style>
+      <a:lnRef idx="0">
+        <a:scrgbClr r="0" g="0" b="0"/>
+      </a:lnRef>
+      <a:fillRef idx="1">
+        <a:scrgbClr r="0" g="0" b="0"/>
+      </a:fillRef>
+      <a:effectRef idx="0">
+        <a:scrgbClr r="0" g="0" b="0"/>
+      </a:effectRef>
+      <a:fontRef idx="minor"/>
+    </dgm:style>
+  </dgm:styleLbl>
+  <dgm:styleLbl name="dkBgShp">
+    <dgm:scene3d>
+      <a:camera prst="orthographicFront"/>
+      <a:lightRig rig="threePt" dir="t"/>
+    </dgm:scene3d>
+    <dgm:sp3d/>
+    <dgm:txPr/>
+    <dgm:style>
+      <a:lnRef idx="0">
+        <a:scrgbClr r="0" g="0" b="0"/>
+      </a:lnRef>
+      <a:fillRef idx="1">
+        <a:scrgbClr r="0" g="0" b="0"/>
+      </a:fillRef>
+      <a:effectRef idx="0">
+        <a:scrgbClr r="0" g="0" b="0"/>
+      </a:effectRef>
+      <a:fontRef idx="minor"/>
+    </dgm:style>
+  </dgm:styleLbl>
+  <dgm:styleLbl name="trBgShp">
+    <dgm:scene3d>
+      <a:camera prst="orthographicFront"/>
+      <a:lightRig rig="threePt" dir="t"/>
+    </dgm:scene3d>
+    <dgm:sp3d/>
+    <dgm:txPr/>
+    <dgm:style>
+      <a:lnRef idx="0">
+        <a:scrgbClr r="0" g="0" b="0"/>
+      </a:lnRef>
+      <a:fillRef idx="1">
+        <a:scrgbClr r="0" g="0" b="0"/>
+      </a:fillRef>
+      <a:effectRef idx="0">
+        <a:scrgbClr r="0" g="0" b="0"/>
+      </a:effectRef>
+      <a:fontRef idx="minor"/>
+    </dgm:style>
+  </dgm:styleLbl>
+  <dgm:styleLbl name="fgShp">
+    <dgm:scene3d>
+      <a:camera prst="orthographicFront"/>
+      <a:lightRig rig="threePt" dir="t"/>
+    </dgm:scene3d>
+    <dgm:sp3d/>
+    <dgm:txPr/>
+    <dgm:style>
+      <a:lnRef idx="2">
+        <a:scrgbClr r="0" g="0" b="0"/>
+      </a:lnRef>
+      <a:fillRef idx="1">
+        <a:scrgbClr r="0" g="0" b="0"/>
+      </a:fillRef>
+      <a:effectRef idx="0">
+        <a:scrgbClr r="0" g="0" b="0"/>
+      </a:effectRef>
+      <a:fontRef idx="minor"/>
+    </dgm:style>
+  </dgm:styleLbl>
+  <dgm:styleLbl name="revTx">
+    <dgm:scene3d>
+      <a:camera prst="orthographicFront"/>
+      <a:lightRig rig="threePt" dir="t"/>
+    </dgm:scene3d>
+    <dgm:sp3d/>
+    <dgm:txPr/>
+    <dgm:style>
+      <a:lnRef idx="0">
+        <a:scrgbClr r="0" g="0" b="0"/>
+      </a:lnRef>
+      <a:fillRef idx="0">
+        <a:scrgbClr r="0" g="0" b="0"/>
+      </a:fillRef>
+      <a:effectRef idx="0">
+        <a:scrgbClr r="0" g="0" b="0"/>
+      </a:effectRef>
+      <a:fontRef idx="minor"/>
+    </dgm:style>
+  </dgm:styleLbl>
+</dgm:styleDef>
+</file>
+
 <file path=ppt/notesMasters/notesMaster1.xml><?xml version="1.0" encoding="utf-8"?>
 <p:notesMaster xmlns:a="http://schemas.openxmlformats.org/drawingml/2006/main" xmlns:r="http://schemas.openxmlformats.org/officeDocument/2006/relationships" xmlns:p="http://schemas.openxmlformats.org/presentationml/2006/main">
   <p:cSld>
@@ -240,7 +4874,7 @@
           <a:p>
             <a:fld id="{03B24962-D7B5-4FEA-ABE9-8C89DFE85AA1}" type="datetimeFigureOut">
               <a:rPr lang="en-US" smtClean="0"/>
-              <a:t>7/24/2016</a:t>
+              <a:t>7/21/2017</a:t>
             </a:fld>
             <a:endParaRPr lang="en-US"/>
           </a:p>
@@ -660,7 +5294,7 @@
             <a:fld id="{6048B3DE-E9CD-4720-84B6-E24D30E64DE7}" type="slidenum">
               <a:rPr lang="en-US" smtClean="0"/>
               <a:pPr/>
-              <a:t>21</a:t>
+              <a:t>22</a:t>
             </a:fld>
             <a:endParaRPr lang="en-US"/>
           </a:p>
@@ -748,7 +5382,7 @@
             <a:fld id="{6048B3DE-E9CD-4720-84B6-E24D30E64DE7}" type="slidenum">
               <a:rPr lang="en-US" smtClean="0"/>
               <a:pPr/>
-              <a:t>22</a:t>
+              <a:t>23</a:t>
             </a:fld>
             <a:endParaRPr lang="en-US"/>
           </a:p>
@@ -836,7 +5470,7 @@
             <a:fld id="{6048B3DE-E9CD-4720-84B6-E24D30E64DE7}" type="slidenum">
               <a:rPr lang="en-US" smtClean="0"/>
               <a:pPr/>
-              <a:t>23</a:t>
+              <a:t>24</a:t>
             </a:fld>
             <a:endParaRPr lang="en-US"/>
           </a:p>
@@ -921,7 +5555,7 @@
             <a:fld id="{35B728A6-6F57-4E84-A2C2-C78EE294E18B}" type="slidenum">
               <a:rPr lang="en-US" smtClean="0"/>
               <a:pPr/>
-              <a:t>25</a:t>
+              <a:t>26</a:t>
             </a:fld>
             <a:endParaRPr lang="en-US"/>
           </a:p>
@@ -1014,7 +5648,7 @@
             <a:fld id="{35B728A6-6F57-4E84-A2C2-C78EE294E18B}" type="slidenum">
               <a:rPr lang="en-US" smtClean="0"/>
               <a:pPr/>
-              <a:t>28</a:t>
+              <a:t>29</a:t>
             </a:fld>
             <a:endParaRPr lang="en-US"/>
           </a:p>
@@ -1099,7 +5733,7 @@
             <a:fld id="{6048B3DE-E9CD-4720-84B6-E24D30E64DE7}" type="slidenum">
               <a:rPr lang="en-US" smtClean="0"/>
               <a:pPr/>
-              <a:t>12</a:t>
+              <a:t>13</a:t>
             </a:fld>
             <a:endParaRPr lang="en-US"/>
           </a:p>
@@ -1184,7 +5818,7 @@
             <a:fld id="{6048B3DE-E9CD-4720-84B6-E24D30E64DE7}" type="slidenum">
               <a:rPr lang="en-US" smtClean="0"/>
               <a:pPr/>
-              <a:t>13</a:t>
+              <a:t>14</a:t>
             </a:fld>
             <a:endParaRPr lang="en-US"/>
           </a:p>
@@ -1268,7 +5902,7 @@
           <a:p>
             <a:fld id="{7244E18F-170A-479A-8042-7CA03643CD9B}" type="slidenum">
               <a:rPr lang="en-US" smtClean="0"/>
-              <a:t>14</a:t>
+              <a:t>15</a:t>
             </a:fld>
             <a:endParaRPr lang="en-US"/>
           </a:p>
@@ -1356,7 +5990,7 @@
             <a:fld id="{6048B3DE-E9CD-4720-84B6-E24D30E64DE7}" type="slidenum">
               <a:rPr lang="en-US" smtClean="0"/>
               <a:pPr/>
-              <a:t>16</a:t>
+              <a:t>17</a:t>
             </a:fld>
             <a:endParaRPr lang="en-US"/>
           </a:p>
@@ -1444,7 +6078,7 @@
             <a:fld id="{6048B3DE-E9CD-4720-84B6-E24D30E64DE7}" type="slidenum">
               <a:rPr lang="en-US" smtClean="0"/>
               <a:pPr/>
-              <a:t>17</a:t>
+              <a:t>18</a:t>
             </a:fld>
             <a:endParaRPr lang="en-US"/>
           </a:p>
@@ -1532,7 +6166,7 @@
             <a:fld id="{6048B3DE-E9CD-4720-84B6-E24D30E64DE7}" type="slidenum">
               <a:rPr lang="en-US" smtClean="0"/>
               <a:pPr/>
-              <a:t>18</a:t>
+              <a:t>19</a:t>
             </a:fld>
             <a:endParaRPr lang="en-US"/>
           </a:p>
@@ -1620,7 +6254,7 @@
             <a:fld id="{6048B3DE-E9CD-4720-84B6-E24D30E64DE7}" type="slidenum">
               <a:rPr lang="en-US" smtClean="0"/>
               <a:pPr/>
-              <a:t>19</a:t>
+              <a:t>20</a:t>
             </a:fld>
             <a:endParaRPr lang="en-US"/>
           </a:p>
@@ -1708,7 +6342,7 @@
             <a:fld id="{6048B3DE-E9CD-4720-84B6-E24D30E64DE7}" type="slidenum">
               <a:rPr lang="en-US" smtClean="0"/>
               <a:pPr/>
-              <a:t>20</a:t>
+              <a:t>21</a:t>
             </a:fld>
             <a:endParaRPr lang="en-US"/>
           </a:p>
@@ -1906,7 +6540,7 @@
           <a:p>
             <a:fld id="{2F1F79F5-7BEC-496A-AFC7-876E38F64D71}" type="datetime1">
               <a:rPr lang="en-US" smtClean="0"/>
-              <a:t>7/24/2016</a:t>
+              <a:t>7/21/2017</a:t>
             </a:fld>
             <a:endParaRPr lang="en-US"/>
           </a:p>
@@ -2023,7 +6657,7 @@
           <a:p>
             <a:fld id="{2F7B77F5-1464-4F6B-92A8-64FC8A508293}" type="datetime1">
               <a:rPr lang="en-US" smtClean="0"/>
-              <a:t>7/24/2016</a:t>
+              <a:t>7/21/2017</a:t>
             </a:fld>
             <a:endParaRPr lang="en-US"/>
           </a:p>
@@ -2118,7 +6752,7 @@
           <a:p>
             <a:fld id="{0A05703A-7669-4FEA-9056-25299B4D29D4}" type="datetime1">
               <a:rPr lang="en-US" smtClean="0"/>
-              <a:t>7/24/2016</a:t>
+              <a:t>7/21/2017</a:t>
             </a:fld>
             <a:endParaRPr lang="en-US"/>
           </a:p>
@@ -2393,7 +7027,7 @@
           <a:p>
             <a:fld id="{6E5077B5-BB57-49DB-88CA-226A139E5C01}" type="datetime1">
               <a:rPr lang="en-US" smtClean="0"/>
-              <a:t>7/24/2016</a:t>
+              <a:t>7/21/2017</a:t>
             </a:fld>
             <a:endParaRPr lang="en-US"/>
           </a:p>
@@ -2645,7 +7279,7 @@
           <a:p>
             <a:fld id="{C48D9447-CBD6-49A1-89FD-8512A8CF8999}" type="datetime1">
               <a:rPr lang="en-US" smtClean="0"/>
-              <a:t>7/24/2016</a:t>
+              <a:t>7/21/2017</a:t>
             </a:fld>
             <a:endParaRPr lang="en-US"/>
           </a:p>
@@ -2813,7 +7447,7 @@
           <a:p>
             <a:fld id="{A3639A2A-823D-48B7-9ACE-7FAF42870BA9}" type="datetime1">
               <a:rPr lang="en-US" smtClean="0"/>
-              <a:t>7/24/2016</a:t>
+              <a:t>7/21/2017</a:t>
             </a:fld>
             <a:endParaRPr lang="en-US"/>
           </a:p>
@@ -2991,7 +7625,7 @@
           <a:p>
             <a:fld id="{ED1B6996-82E9-463C-972C-7B56056E426C}" type="datetime1">
               <a:rPr lang="en-US" smtClean="0"/>
-              <a:t>7/24/2016</a:t>
+              <a:t>7/21/2017</a:t>
             </a:fld>
             <a:endParaRPr lang="en-US"/>
           </a:p>
@@ -3165,7 +7799,7 @@
           <a:p>
             <a:fld id="{E22ED4DA-448D-4BB1-B935-CC112220207B}" type="datetime1">
               <a:rPr lang="en-US" smtClean="0"/>
-              <a:t>7/24/2016</a:t>
+              <a:t>7/21/2017</a:t>
             </a:fld>
             <a:endParaRPr lang="en-US"/>
           </a:p>
@@ -3338,7 +7972,7 @@
           <a:p>
             <a:fld id="{E22ED4DA-448D-4BB1-B935-CC112220207B}" type="datetime1">
               <a:rPr lang="en-US" smtClean="0"/>
-              <a:t>7/24/2016</a:t>
+              <a:t>7/21/2017</a:t>
             </a:fld>
             <a:endParaRPr lang="en-US"/>
           </a:p>
@@ -3601,7 +8235,7 @@
           <a:p>
             <a:fld id="{FF5D65A6-AB94-4435-B0B7-3743215FA46C}" type="datetime1">
               <a:rPr lang="en-US" smtClean="0"/>
-              <a:t>7/24/2016</a:t>
+              <a:t>7/21/2017</a:t>
             </a:fld>
             <a:endParaRPr lang="en-US"/>
           </a:p>
@@ -3777,7 +8411,7 @@
           <a:p>
             <a:fld id="{FF5D65A6-AB94-4435-B0B7-3743215FA46C}" type="datetime1">
               <a:rPr lang="en-US" smtClean="0"/>
-              <a:t>7/24/2016</a:t>
+              <a:t>7/21/2017</a:t>
             </a:fld>
             <a:endParaRPr lang="en-US"/>
           </a:p>
@@ -4071,7 +8705,7 @@
           <a:p>
             <a:fld id="{7C193DC4-6EF0-48C9-B29C-616106A645E1}" type="datetime1">
               <a:rPr lang="en-US" smtClean="0"/>
-              <a:t>7/24/2016</a:t>
+              <a:t>7/21/2017</a:t>
             </a:fld>
             <a:endParaRPr lang="en-US"/>
           </a:p>
@@ -4356,7 +8990,7 @@
           <a:p>
             <a:fld id="{5D1846AD-9252-4647-9435-4C2AC365653A}" type="datetime1">
               <a:rPr lang="en-US" smtClean="0"/>
-              <a:t>7/24/2016</a:t>
+              <a:t>7/21/2017</a:t>
             </a:fld>
             <a:endParaRPr lang="en-US"/>
           </a:p>
@@ -4655,7 +9289,7 @@
           <a:p>
             <a:fld id="{5D1846AD-9252-4647-9435-4C2AC365653A}" type="datetime1">
               <a:rPr lang="en-US" smtClean="0"/>
-              <a:t>7/24/2016</a:t>
+              <a:t>7/21/2017</a:t>
             </a:fld>
             <a:endParaRPr lang="en-US"/>
           </a:p>
@@ -5074,7 +9708,7 @@
           <a:p>
             <a:fld id="{CE56DC10-3561-4063-A6AF-C1CC7A41040A}" type="datetime1">
               <a:rPr lang="en-US" smtClean="0"/>
-              <a:t>7/24/2016</a:t>
+              <a:t>7/21/2017</a:t>
             </a:fld>
             <a:endParaRPr lang="en-US"/>
           </a:p>
@@ -5297,7 +9931,7 @@
           <a:p>
             <a:fld id="{02B3F677-983B-48DB-ADFD-63FE6CBC7FB2}" type="datetime1">
               <a:rPr lang="en-US" smtClean="0"/>
-              <a:t>7/24/2016</a:t>
+              <a:t>7/21/2017</a:t>
             </a:fld>
             <a:endParaRPr lang="en-US"/>
           </a:p>
@@ -5806,7 +10440,7 @@
             <a:p>
               <a:r>
                 <a:rPr lang="en-US" sz="1000" dirty="0"/>
-                <a:t>© Mitchell Wand, 2012-2015</a:t>
+                <a:t>© Mitchell Wand, 2012-2017</a:t>
               </a:r>
             </a:p>
             <a:p>
@@ -5917,26 +10551,269 @@
         </p:nvSpPr>
         <p:spPr>
           <a:xfrm>
-            <a:off x="457200" y="2857500"/>
+            <a:off x="457200" y="225401"/>
             <a:ext cx="8229600" cy="1143000"/>
           </a:xfrm>
         </p:spPr>
         <p:txBody>
-          <a:bodyPr>
+          <a:bodyPr/>
+          <a:lstStyle/>
+          <a:p>
+            <a:r>
+              <a:rPr lang="en-US" dirty="0"/>
+              <a:t>Default Boxes</a:t>
+            </a:r>
+          </a:p>
+        </p:txBody>
+      </p:sp>
+      <p:sp>
+        <p:nvSpPr>
+          <p:cNvPr id="3" name="Content Placeholder 2"/>
+          <p:cNvSpPr>
+            <a:spLocks noGrp="1"/>
+          </p:cNvSpPr>
+          <p:nvPr>
+            <p:ph idx="1"/>
+          </p:nvPr>
+        </p:nvSpPr>
+        <p:spPr/>
+        <p:txBody>
+          <a:bodyPr/>
+          <a:lstStyle/>
+          <a:p>
+            <a:endParaRPr lang="en-US" dirty="0"/>
+          </a:p>
+        </p:txBody>
+      </p:sp>
+      <p:sp>
+        <p:nvSpPr>
+          <p:cNvPr id="4" name="Rectangle 3"/>
+          <p:cNvSpPr/>
+          <p:nvPr/>
+        </p:nvSpPr>
+        <p:spPr>
+          <a:xfrm>
+            <a:off x="4097655" y="3626604"/>
+            <a:ext cx="4149090" cy="916880"/>
+          </a:xfrm>
+          <a:prstGeom prst="rect">
+            <a:avLst/>
+          </a:prstGeom>
+          <a:solidFill>
+            <a:schemeClr val="accent3">
+              <a:lumMod val="40000"/>
+              <a:lumOff val="60000"/>
+            </a:schemeClr>
+          </a:solidFill>
+          <a:ln/>
+        </p:spPr>
+        <p:style>
+          <a:lnRef idx="2">
+            <a:schemeClr val="accent1"/>
+          </a:lnRef>
+          <a:fillRef idx="1">
+            <a:schemeClr val="lt1"/>
+          </a:fillRef>
+          <a:effectRef idx="0">
+            <a:schemeClr val="accent1"/>
+          </a:effectRef>
+          <a:fontRef idx="minor">
+            <a:schemeClr val="dk1"/>
+          </a:fontRef>
+        </p:style>
+        <p:txBody>
+          <a:bodyPr rot="0" spcFirstLastPara="0" vertOverflow="overflow" horzOverflow="overflow" vert="horz" wrap="square" lIns="91440" tIns="45720" rIns="91440" bIns="45720" numCol="1" spcCol="0" rtlCol="0" fromWordArt="0" anchor="ctr" anchorCtr="0" forceAA="0" compatLnSpc="1">
+            <a:prstTxWarp prst="textNoShape">
+              <a:avLst/>
+            </a:prstTxWarp>
             <a:noAutofit/>
           </a:bodyPr>
           <a:lstStyle/>
           <a:p>
+            <a:pPr>
+              <a:defRPr/>
+            </a:pPr>
             <a:r>
-              <a:rPr lang="en-US" sz="7200" dirty="0"/>
-              <a:t>The Recipes</a:t>
+              <a:rPr lang="en-US" dirty="0">
+                <a:solidFill>
+                  <a:schemeClr val="tx1"/>
+                </a:solidFill>
+              </a:rPr>
+              <a:t>This is the default information box.</a:t>
             </a:r>
           </a:p>
         </p:txBody>
       </p:sp>
       <p:sp>
         <p:nvSpPr>
-          <p:cNvPr id="3" name="Slide Number Placeholder 2"/>
+          <p:cNvPr id="6" name="Parallelogram 5"/>
+          <p:cNvSpPr/>
+          <p:nvPr/>
+        </p:nvSpPr>
+        <p:spPr>
+          <a:xfrm>
+            <a:off x="609600" y="4038600"/>
+            <a:ext cx="3048000" cy="1447800"/>
+          </a:xfrm>
+          <a:prstGeom prst="parallelogram">
+            <a:avLst/>
+          </a:prstGeom>
+          <a:solidFill>
+            <a:srgbClr val="FFFF00"/>
+          </a:solidFill>
+          <a:ln/>
+        </p:spPr>
+        <p:style>
+          <a:lnRef idx="2">
+            <a:schemeClr val="accent1"/>
+          </a:lnRef>
+          <a:fillRef idx="1">
+            <a:schemeClr val="lt1"/>
+          </a:fillRef>
+          <a:effectRef idx="0">
+            <a:schemeClr val="accent1"/>
+          </a:effectRef>
+          <a:fontRef idx="minor">
+            <a:schemeClr val="dk1"/>
+          </a:fontRef>
+        </p:style>
+        <p:txBody>
+          <a:bodyPr rot="0" spcFirstLastPara="0" vertOverflow="overflow" horzOverflow="overflow" vert="horz" wrap="square" lIns="91440" tIns="45720" rIns="91440" bIns="45720" numCol="1" spcCol="0" rtlCol="0" fromWordArt="0" anchor="ctr" anchorCtr="0" forceAA="0" compatLnSpc="1">
+            <a:prstTxWarp prst="textNoShape">
+              <a:avLst/>
+            </a:prstTxWarp>
+            <a:noAutofit/>
+          </a:bodyPr>
+          <a:lstStyle/>
+          <a:p>
+            <a:pPr algn="ctr"/>
+            <a:r>
+              <a:rPr lang="en-US" dirty="0">
+                <a:solidFill>
+                  <a:schemeClr val="tx1"/>
+                </a:solidFill>
+              </a:rPr>
+              <a:t>This is the default "TODO"/meta</a:t>
+            </a:r>
+          </a:p>
+          <a:p>
+            <a:pPr algn="ctr"/>
+            <a:r>
+              <a:rPr lang="en-US" dirty="0">
+                <a:solidFill>
+                  <a:schemeClr val="tx1"/>
+                </a:solidFill>
+              </a:rPr>
+              <a:t>box</a:t>
+            </a:r>
+          </a:p>
+        </p:txBody>
+      </p:sp>
+      <p:sp>
+        <p:nvSpPr>
+          <p:cNvPr id="7" name="Rounded Rectangle 6"/>
+          <p:cNvSpPr/>
+          <p:nvPr/>
+        </p:nvSpPr>
+        <p:spPr>
+          <a:xfrm>
+            <a:off x="6612255" y="1896137"/>
+            <a:ext cx="1828800" cy="506845"/>
+          </a:xfrm>
+          <a:prstGeom prst="roundRect">
+            <a:avLst>
+              <a:gd name="adj" fmla="val 4685"/>
+            </a:avLst>
+          </a:prstGeom>
+          <a:noFill/>
+          <a:ln w="57150">
+            <a:solidFill>
+              <a:srgbClr val="AC0000"/>
+            </a:solidFill>
+          </a:ln>
+        </p:spPr>
+        <p:style>
+          <a:lnRef idx="2">
+            <a:schemeClr val="accent1">
+              <a:shade val="50000"/>
+            </a:schemeClr>
+          </a:lnRef>
+          <a:fillRef idx="1">
+            <a:schemeClr val="accent1"/>
+          </a:fillRef>
+          <a:effectRef idx="0">
+            <a:schemeClr val="accent1"/>
+          </a:effectRef>
+          <a:fontRef idx="minor">
+            <a:schemeClr val="lt1"/>
+          </a:fontRef>
+        </p:style>
+        <p:txBody>
+          <a:bodyPr rtlCol="0" anchor="ctr"/>
+          <a:lstStyle/>
+          <a:p>
+            <a:pPr algn="ctr"/>
+            <a:endParaRPr lang="en-US"/>
+          </a:p>
+        </p:txBody>
+      </p:sp>
+      <p:sp>
+        <p:nvSpPr>
+          <p:cNvPr id="8" name="Rectangle 7"/>
+          <p:cNvSpPr/>
+          <p:nvPr/>
+        </p:nvSpPr>
+        <p:spPr>
+          <a:xfrm>
+            <a:off x="4082907" y="5486400"/>
+            <a:ext cx="4149090" cy="970113"/>
+          </a:xfrm>
+          <a:prstGeom prst="rect">
+            <a:avLst/>
+          </a:prstGeom>
+          <a:noFill/>
+          <a:ln/>
+        </p:spPr>
+        <p:style>
+          <a:lnRef idx="2">
+            <a:schemeClr val="accent1"/>
+          </a:lnRef>
+          <a:fillRef idx="1">
+            <a:schemeClr val="lt1"/>
+          </a:fillRef>
+          <a:effectRef idx="0">
+            <a:schemeClr val="accent1"/>
+          </a:effectRef>
+          <a:fontRef idx="minor">
+            <a:schemeClr val="dk1"/>
+          </a:fontRef>
+        </p:style>
+        <p:txBody>
+          <a:bodyPr rot="0" spcFirstLastPara="0" vertOverflow="overflow" horzOverflow="overflow" vert="horz" wrap="square" lIns="91440" tIns="45720" rIns="91440" bIns="45720" numCol="1" spcCol="0" rtlCol="0" fromWordArt="0" anchor="ctr" anchorCtr="0" forceAA="0" compatLnSpc="1">
+            <a:prstTxWarp prst="textNoShape">
+              <a:avLst/>
+            </a:prstTxWarp>
+            <a:noAutofit/>
+          </a:bodyPr>
+          <a:lstStyle/>
+          <a:p>
+            <a:pPr>
+              <a:defRPr/>
+            </a:pPr>
+            <a:r>
+              <a:rPr lang="en-US" dirty="0">
+                <a:solidFill>
+                  <a:schemeClr val="tx1"/>
+                </a:solidFill>
+              </a:rPr>
+              <a:t>This is another information box.</a:t>
+            </a:r>
+          </a:p>
+        </p:txBody>
+      </p:sp>
+      <p:sp>
+        <p:nvSpPr>
+          <p:cNvPr id="5" name="Slide Number Placeholder 4"/>
           <p:cNvSpPr>
             <a:spLocks noGrp="1"/>
           </p:cNvSpPr>
@@ -5960,7 +10837,7 @@
     </p:spTree>
     <p:extLst>
       <p:ext uri="{BB962C8B-B14F-4D97-AF65-F5344CB8AC3E}">
-        <p14:creationId xmlns:p14="http://schemas.microsoft.com/office/powerpoint/2010/main" val="1975930912"/>
+        <p14:creationId xmlns:p14="http://schemas.microsoft.com/office/powerpoint/2010/main" val="1169906283"/>
       </p:ext>
     </p:extLst>
   </p:cSld>
@@ -5997,6 +10874,88 @@
             <p:ph type="title"/>
           </p:nvPr>
         </p:nvSpPr>
+        <p:spPr>
+          <a:xfrm>
+            <a:off x="457200" y="2857500"/>
+            <a:ext cx="8229600" cy="1143000"/>
+          </a:xfrm>
+        </p:spPr>
+        <p:txBody>
+          <a:bodyPr>
+            <a:noAutofit/>
+          </a:bodyPr>
+          <a:lstStyle/>
+          <a:p>
+            <a:r>
+              <a:rPr lang="en-US" sz="7200" dirty="0"/>
+              <a:t>The Recipes</a:t>
+            </a:r>
+          </a:p>
+        </p:txBody>
+      </p:sp>
+      <p:sp>
+        <p:nvSpPr>
+          <p:cNvPr id="3" name="Slide Number Placeholder 2"/>
+          <p:cNvSpPr>
+            <a:spLocks noGrp="1"/>
+          </p:cNvSpPr>
+          <p:nvPr>
+            <p:ph type="sldNum" sz="quarter" idx="12"/>
+          </p:nvPr>
+        </p:nvSpPr>
+        <p:spPr/>
+        <p:txBody>
+          <a:bodyPr/>
+          <a:lstStyle/>
+          <a:p>
+            <a:fld id="{2AF3B5EA-18B6-4040-9F78-6052AF49C681}" type="slidenum">
+              <a:rPr lang="en-US" smtClean="0"/>
+              <a:t>11</a:t>
+            </a:fld>
+            <a:endParaRPr lang="en-US"/>
+          </a:p>
+        </p:txBody>
+      </p:sp>
+    </p:spTree>
+    <p:extLst>
+      <p:ext uri="{BB962C8B-B14F-4D97-AF65-F5344CB8AC3E}">
+        <p14:creationId xmlns:p14="http://schemas.microsoft.com/office/powerpoint/2010/main" val="1975930912"/>
+      </p:ext>
+    </p:extLst>
+  </p:cSld>
+  <p:clrMapOvr>
+    <a:masterClrMapping/>
+  </p:clrMapOvr>
+</p:sld>
+</file>
+
+<file path=ppt/slides/slide12.xml><?xml version="1.0" encoding="utf-8"?>
+<p:sld xmlns:a="http://schemas.openxmlformats.org/drawingml/2006/main" xmlns:r="http://schemas.openxmlformats.org/officeDocument/2006/relationships" xmlns:p="http://schemas.openxmlformats.org/presentationml/2006/main">
+  <p:cSld>
+    <p:spTree>
+      <p:nvGrpSpPr>
+        <p:cNvPr id="1" name=""/>
+        <p:cNvGrpSpPr/>
+        <p:nvPr/>
+      </p:nvGrpSpPr>
+      <p:grpSpPr>
+        <a:xfrm>
+          <a:off x="0" y="0"/>
+          <a:ext cx="0" cy="0"/>
+          <a:chOff x="0" y="0"/>
+          <a:chExt cx="0" cy="0"/>
+        </a:xfrm>
+      </p:grpSpPr>
+      <p:sp>
+        <p:nvSpPr>
+          <p:cNvPr id="2" name="Title 1"/>
+          <p:cNvSpPr>
+            <a:spLocks noGrp="1"/>
+          </p:cNvSpPr>
+          <p:nvPr>
+            <p:ph type="title"/>
+          </p:nvPr>
+        </p:nvSpPr>
         <p:spPr/>
         <p:txBody>
           <a:bodyPr/>
@@ -6116,7 +11075,7 @@
                 </a:solidFill>
               </a:rPr>
               <a:pPr/>
-              <a:t>11</a:t>
+              <a:t>12</a:t>
             </a:fld>
             <a:endParaRPr lang="en-US" dirty="0">
               <a:solidFill>
@@ -6141,7 +11100,7 @@
 </p:sld>
 </file>
 
-<file path=ppt/slides/slide12.xml><?xml version="1.0" encoding="utf-8"?>
+<file path=ppt/slides/slide13.xml><?xml version="1.0" encoding="utf-8"?>
 <p:sld xmlns:a="http://schemas.openxmlformats.org/drawingml/2006/main" xmlns:r="http://schemas.openxmlformats.org/officeDocument/2006/relationships" xmlns:p="http://schemas.openxmlformats.org/presentationml/2006/main">
   <p:cSld>
     <p:spTree>
@@ -6352,7 +11311,7 @@
           <a:p>
             <a:fld id="{2AF3B5EA-18B6-4040-9F78-6052AF49C681}" type="slidenum">
               <a:rPr lang="en-US" smtClean="0"/>
-              <a:t>12</a:t>
+              <a:t>13</a:t>
             </a:fld>
             <a:endParaRPr lang="en-US"/>
           </a:p>
@@ -6371,7 +11330,7 @@
 </p:sld>
 </file>
 
-<file path=ppt/slides/slide13.xml><?xml version="1.0" encoding="utf-8"?>
+<file path=ppt/slides/slide14.xml><?xml version="1.0" encoding="utf-8"?>
 <p:sld xmlns:a="http://schemas.openxmlformats.org/drawingml/2006/main" xmlns:r="http://schemas.openxmlformats.org/officeDocument/2006/relationships" xmlns:p="http://schemas.openxmlformats.org/presentationml/2006/main">
   <p:cSld>
     <p:spTree>
@@ -6615,7 +11574,7 @@
           <a:p>
             <a:fld id="{2AF3B5EA-18B6-4040-9F78-6052AF49C681}" type="slidenum">
               <a:rPr lang="en-US" smtClean="0"/>
-              <a:t>13</a:t>
+              <a:t>14</a:t>
             </a:fld>
             <a:endParaRPr lang="en-US"/>
           </a:p>
@@ -6634,7 +11593,7 @@
 </p:sld>
 </file>
 
-<file path=ppt/slides/slide14.xml><?xml version="1.0" encoding="utf-8"?>
+<file path=ppt/slides/slide15.xml><?xml version="1.0" encoding="utf-8"?>
 <p:sld xmlns:a="http://schemas.openxmlformats.org/drawingml/2006/main" xmlns:r="http://schemas.openxmlformats.org/officeDocument/2006/relationships" xmlns:p="http://schemas.openxmlformats.org/presentationml/2006/main">
   <p:cSld>
     <p:spTree>
@@ -7493,7 +12452,7 @@
 </p:sld>
 </file>
 
-<file path=ppt/slides/slide15.xml><?xml version="1.0" encoding="utf-8"?>
+<file path=ppt/slides/slide16.xml><?xml version="1.0" encoding="utf-8"?>
 <p:sld xmlns:a="http://schemas.openxmlformats.org/drawingml/2006/main" xmlns:r="http://schemas.openxmlformats.org/officeDocument/2006/relationships" xmlns:p="http://schemas.openxmlformats.org/presentationml/2006/main">
   <p:cSld>
     <p:spTree>
@@ -7757,7 +12716,7 @@
           <a:p>
             <a:fld id="{2AF3B5EA-18B6-4040-9F78-6052AF49C681}" type="slidenum">
               <a:rPr lang="en-US" smtClean="0"/>
-              <a:t>15</a:t>
+              <a:t>16</a:t>
             </a:fld>
             <a:endParaRPr lang="en-US"/>
           </a:p>
@@ -7776,7 +12735,7 @@
 </p:sld>
 </file>
 
-<file path=ppt/slides/slide16.xml><?xml version="1.0" encoding="utf-8"?>
+<file path=ppt/slides/slide17.xml><?xml version="1.0" encoding="utf-8"?>
 <p:sld xmlns:a="http://schemas.openxmlformats.org/drawingml/2006/main" xmlns:r="http://schemas.openxmlformats.org/officeDocument/2006/relationships" xmlns:p="http://schemas.openxmlformats.org/presentationml/2006/main">
   <p:cSld>
     <p:spTree>
@@ -8078,7 +13037,7 @@
           <a:p>
             <a:fld id="{2AF3B5EA-18B6-4040-9F78-6052AF49C681}" type="slidenum">
               <a:rPr lang="en-US" smtClean="0"/>
-              <a:t>16</a:t>
+              <a:t>17</a:t>
             </a:fld>
             <a:endParaRPr lang="en-US"/>
           </a:p>
@@ -8208,7 +13167,7 @@
 </p:sld>
 </file>
 
-<file path=ppt/slides/slide17.xml><?xml version="1.0" encoding="utf-8"?>
+<file path=ppt/slides/slide18.xml><?xml version="1.0" encoding="utf-8"?>
 <p:sld xmlns:a="http://schemas.openxmlformats.org/drawingml/2006/main" xmlns:r="http://schemas.openxmlformats.org/officeDocument/2006/relationships" xmlns:p="http://schemas.openxmlformats.org/presentationml/2006/main">
   <p:cSld>
     <p:spTree>
@@ -8520,7 +13479,7 @@
           <a:p>
             <a:fld id="{2AF3B5EA-18B6-4040-9F78-6052AF49C681}" type="slidenum">
               <a:rPr lang="en-US" smtClean="0"/>
-              <a:t>17</a:t>
+              <a:t>18</a:t>
             </a:fld>
             <a:endParaRPr lang="en-US"/>
           </a:p>
@@ -8539,7 +13498,7 @@
 </p:sld>
 </file>
 
-<file path=ppt/slides/slide18.xml><?xml version="1.0" encoding="utf-8"?>
+<file path=ppt/slides/slide19.xml><?xml version="1.0" encoding="utf-8"?>
 <p:sld xmlns:a="http://schemas.openxmlformats.org/drawingml/2006/main" xmlns:r="http://schemas.openxmlformats.org/officeDocument/2006/relationships" xmlns:p="http://schemas.openxmlformats.org/presentationml/2006/main">
   <p:cSld>
     <p:spTree>
@@ -8804,7 +13763,7 @@
           <a:p>
             <a:fld id="{2AF3B5EA-18B6-4040-9F78-6052AF49C681}" type="slidenum">
               <a:rPr lang="en-US" smtClean="0"/>
-              <a:t>18</a:t>
+              <a:t>19</a:t>
             </a:fld>
             <a:endParaRPr lang="en-US"/>
           </a:p>
@@ -8823,7 +13782,98 @@
 </p:sld>
 </file>
 
-<file path=ppt/slides/slide19.xml><?xml version="1.0" encoding="utf-8"?>
+<file path=ppt/slides/slide2.xml><?xml version="1.0" encoding="utf-8"?>
+<p:sld xmlns:a="http://schemas.openxmlformats.org/drawingml/2006/main" xmlns:r="http://schemas.openxmlformats.org/officeDocument/2006/relationships" xmlns:p="http://schemas.openxmlformats.org/presentationml/2006/main">
+  <p:cSld>
+    <p:spTree>
+      <p:nvGrpSpPr>
+        <p:cNvPr id="1" name=""/>
+        <p:cNvGrpSpPr/>
+        <p:nvPr/>
+      </p:nvGrpSpPr>
+      <p:grpSpPr>
+        <a:xfrm>
+          <a:off x="0" y="0"/>
+          <a:ext cx="0" cy="0"/>
+          <a:chOff x="0" y="0"/>
+          <a:chExt cx="0" cy="0"/>
+        </a:xfrm>
+      </p:grpSpPr>
+      <p:sp>
+        <p:nvSpPr>
+          <p:cNvPr id="9" name="Title 8"/>
+          <p:cNvSpPr>
+            <a:spLocks noGrp="1"/>
+          </p:cNvSpPr>
+          <p:nvPr>
+            <p:ph type="title"/>
+          </p:nvPr>
+        </p:nvSpPr>
+        <p:spPr/>
+        <p:txBody>
+          <a:bodyPr/>
+          <a:lstStyle/>
+          <a:p>
+            <a:endParaRPr lang="en-US"/>
+          </a:p>
+        </p:txBody>
+      </p:sp>
+      <p:sp>
+        <p:nvSpPr>
+          <p:cNvPr id="10" name="Content Placeholder 9"/>
+          <p:cNvSpPr>
+            <a:spLocks noGrp="1"/>
+          </p:cNvSpPr>
+          <p:nvPr>
+            <p:ph idx="1"/>
+          </p:nvPr>
+        </p:nvSpPr>
+        <p:spPr/>
+        <p:txBody>
+          <a:bodyPr/>
+          <a:lstStyle/>
+          <a:p>
+            <a:endParaRPr lang="en-US" dirty="0"/>
+          </a:p>
+        </p:txBody>
+      </p:sp>
+      <p:sp>
+        <p:nvSpPr>
+          <p:cNvPr id="4" name="Slide Number Placeholder 3"/>
+          <p:cNvSpPr>
+            <a:spLocks noGrp="1"/>
+          </p:cNvSpPr>
+          <p:nvPr>
+            <p:ph type="sldNum" sz="quarter" idx="12"/>
+          </p:nvPr>
+        </p:nvSpPr>
+        <p:spPr/>
+        <p:txBody>
+          <a:bodyPr/>
+          <a:lstStyle/>
+          <a:p>
+            <a:fld id="{2AF3B5EA-18B6-4040-9F78-6052AF49C681}" type="slidenum">
+              <a:rPr lang="en-US" smtClean="0"/>
+              <a:t>2</a:t>
+            </a:fld>
+            <a:endParaRPr lang="en-US"/>
+          </a:p>
+        </p:txBody>
+      </p:sp>
+    </p:spTree>
+    <p:extLst>
+      <p:ext uri="{BB962C8B-B14F-4D97-AF65-F5344CB8AC3E}">
+        <p14:creationId xmlns:p14="http://schemas.microsoft.com/office/powerpoint/2010/main" val="3614611356"/>
+      </p:ext>
+    </p:extLst>
+  </p:cSld>
+  <p:clrMapOvr>
+    <a:masterClrMapping/>
+  </p:clrMapOvr>
+</p:sld>
+</file>
+
+<file path=ppt/slides/slide20.xml><?xml version="1.0" encoding="utf-8"?>
 <p:sld xmlns:a="http://schemas.openxmlformats.org/drawingml/2006/main" xmlns:r="http://schemas.openxmlformats.org/officeDocument/2006/relationships" xmlns:p="http://schemas.openxmlformats.org/presentationml/2006/main">
   <p:cSld>
     <p:spTree>
@@ -9262,7 +14312,7 @@
           <a:p>
             <a:fld id="{2AF3B5EA-18B6-4040-9F78-6052AF49C681}" type="slidenum">
               <a:rPr lang="en-US" smtClean="0"/>
-              <a:t>19</a:t>
+              <a:t>20</a:t>
             </a:fld>
             <a:endParaRPr lang="en-US"/>
           </a:p>
@@ -9281,98 +14331,7 @@
 </p:sld>
 </file>
 
-<file path=ppt/slides/slide2.xml><?xml version="1.0" encoding="utf-8"?>
-<p:sld xmlns:a="http://schemas.openxmlformats.org/drawingml/2006/main" xmlns:r="http://schemas.openxmlformats.org/officeDocument/2006/relationships" xmlns:p="http://schemas.openxmlformats.org/presentationml/2006/main">
-  <p:cSld>
-    <p:spTree>
-      <p:nvGrpSpPr>
-        <p:cNvPr id="1" name=""/>
-        <p:cNvGrpSpPr/>
-        <p:nvPr/>
-      </p:nvGrpSpPr>
-      <p:grpSpPr>
-        <a:xfrm>
-          <a:off x="0" y="0"/>
-          <a:ext cx="0" cy="0"/>
-          <a:chOff x="0" y="0"/>
-          <a:chExt cx="0" cy="0"/>
-        </a:xfrm>
-      </p:grpSpPr>
-      <p:sp>
-        <p:nvSpPr>
-          <p:cNvPr id="9" name="Title 8"/>
-          <p:cNvSpPr>
-            <a:spLocks noGrp="1"/>
-          </p:cNvSpPr>
-          <p:nvPr>
-            <p:ph type="title"/>
-          </p:nvPr>
-        </p:nvSpPr>
-        <p:spPr/>
-        <p:txBody>
-          <a:bodyPr/>
-          <a:lstStyle/>
-          <a:p>
-            <a:endParaRPr lang="en-US"/>
-          </a:p>
-        </p:txBody>
-      </p:sp>
-      <p:sp>
-        <p:nvSpPr>
-          <p:cNvPr id="10" name="Content Placeholder 9"/>
-          <p:cNvSpPr>
-            <a:spLocks noGrp="1"/>
-          </p:cNvSpPr>
-          <p:nvPr>
-            <p:ph idx="1"/>
-          </p:nvPr>
-        </p:nvSpPr>
-        <p:spPr/>
-        <p:txBody>
-          <a:bodyPr/>
-          <a:lstStyle/>
-          <a:p>
-            <a:endParaRPr lang="en-US" dirty="0"/>
-          </a:p>
-        </p:txBody>
-      </p:sp>
-      <p:sp>
-        <p:nvSpPr>
-          <p:cNvPr id="4" name="Slide Number Placeholder 3"/>
-          <p:cNvSpPr>
-            <a:spLocks noGrp="1"/>
-          </p:cNvSpPr>
-          <p:nvPr>
-            <p:ph type="sldNum" sz="quarter" idx="12"/>
-          </p:nvPr>
-        </p:nvSpPr>
-        <p:spPr/>
-        <p:txBody>
-          <a:bodyPr/>
-          <a:lstStyle/>
-          <a:p>
-            <a:fld id="{2AF3B5EA-18B6-4040-9F78-6052AF49C681}" type="slidenum">
-              <a:rPr lang="en-US" smtClean="0"/>
-              <a:t>2</a:t>
-            </a:fld>
-            <a:endParaRPr lang="en-US"/>
-          </a:p>
-        </p:txBody>
-      </p:sp>
-    </p:spTree>
-    <p:extLst>
-      <p:ext uri="{BB962C8B-B14F-4D97-AF65-F5344CB8AC3E}">
-        <p14:creationId xmlns:p14="http://schemas.microsoft.com/office/powerpoint/2010/main" val="3614611356"/>
-      </p:ext>
-    </p:extLst>
-  </p:cSld>
-  <p:clrMapOvr>
-    <a:masterClrMapping/>
-  </p:clrMapOvr>
-</p:sld>
-</file>
-
-<file path=ppt/slides/slide20.xml><?xml version="1.0" encoding="utf-8"?>
+<file path=ppt/slides/slide21.xml><?xml version="1.0" encoding="utf-8"?>
 <p:sld xmlns:a="http://schemas.openxmlformats.org/drawingml/2006/main" xmlns:r="http://schemas.openxmlformats.org/officeDocument/2006/relationships" xmlns:p="http://schemas.openxmlformats.org/presentationml/2006/main">
   <p:cSld>
     <p:spTree>
@@ -9979,7 +14938,7 @@
           <a:p>
             <a:fld id="{2AF3B5EA-18B6-4040-9F78-6052AF49C681}" type="slidenum">
               <a:rPr lang="en-US" smtClean="0"/>
-              <a:t>20</a:t>
+              <a:t>21</a:t>
             </a:fld>
             <a:endParaRPr lang="en-US"/>
           </a:p>
@@ -9998,7 +14957,7 @@
 </p:sld>
 </file>
 
-<file path=ppt/slides/slide21.xml><?xml version="1.0" encoding="utf-8"?>
+<file path=ppt/slides/slide22.xml><?xml version="1.0" encoding="utf-8"?>
 <p:sld xmlns:a="http://schemas.openxmlformats.org/drawingml/2006/main" xmlns:r="http://schemas.openxmlformats.org/officeDocument/2006/relationships" xmlns:p="http://schemas.openxmlformats.org/presentationml/2006/main">
   <p:cSld>
     <p:spTree>
@@ -10219,7 +15178,7 @@
           <a:p>
             <a:fld id="{2AF3B5EA-18B6-4040-9F78-6052AF49C681}" type="slidenum">
               <a:rPr lang="en-US" smtClean="0"/>
-              <a:t>21</a:t>
+              <a:t>22</a:t>
             </a:fld>
             <a:endParaRPr lang="en-US"/>
           </a:p>
@@ -10238,7 +15197,7 @@
 </p:sld>
 </file>
 
-<file path=ppt/slides/slide22.xml><?xml version="1.0" encoding="utf-8"?>
+<file path=ppt/slides/slide23.xml><?xml version="1.0" encoding="utf-8"?>
 <p:sld xmlns:a="http://schemas.openxmlformats.org/drawingml/2006/main" xmlns:r="http://schemas.openxmlformats.org/officeDocument/2006/relationships" xmlns:p="http://schemas.openxmlformats.org/presentationml/2006/main">
   <p:cSld>
     <p:spTree>
@@ -10572,7 +15531,7 @@
           <a:p>
             <a:fld id="{2AF3B5EA-18B6-4040-9F78-6052AF49C681}" type="slidenum">
               <a:rPr lang="en-US" smtClean="0"/>
-              <a:t>22</a:t>
+              <a:t>23</a:t>
             </a:fld>
             <a:endParaRPr lang="en-US"/>
           </a:p>
@@ -10591,7 +15550,7 @@
 </p:sld>
 </file>
 
-<file path=ppt/slides/slide23.xml><?xml version="1.0" encoding="utf-8"?>
+<file path=ppt/slides/slide24.xml><?xml version="1.0" encoding="utf-8"?>
 <p:sld xmlns:a="http://schemas.openxmlformats.org/drawingml/2006/main" xmlns:r="http://schemas.openxmlformats.org/officeDocument/2006/relationships" xmlns:p="http://schemas.openxmlformats.org/presentationml/2006/main">
   <p:cSld>
     <p:spTree>
@@ -10831,7 +15790,7 @@
           <a:p>
             <a:fld id="{2AF3B5EA-18B6-4040-9F78-6052AF49C681}" type="slidenum">
               <a:rPr lang="en-US" smtClean="0"/>
-              <a:t>23</a:t>
+              <a:t>24</a:t>
             </a:fld>
             <a:endParaRPr lang="en-US"/>
           </a:p>
@@ -10850,7 +15809,7 @@
 </p:sld>
 </file>
 
-<file path=ppt/slides/slide24.xml><?xml version="1.0" encoding="utf-8"?>
+<file path=ppt/slides/slide25.xml><?xml version="1.0" encoding="utf-8"?>
 <p:sld xmlns:a="http://schemas.openxmlformats.org/drawingml/2006/main" xmlns:r="http://schemas.openxmlformats.org/officeDocument/2006/relationships" xmlns:p="http://schemas.openxmlformats.org/presentationml/2006/main">
   <p:cSld>
     <p:spTree>
@@ -11202,7 +16161,7 @@
           <a:p>
             <a:fld id="{2AF3B5EA-18B6-4040-9F78-6052AF49C681}" type="slidenum">
               <a:rPr lang="en-US" smtClean="0"/>
-              <a:t>24</a:t>
+              <a:t>25</a:t>
             </a:fld>
             <a:endParaRPr lang="en-US"/>
           </a:p>
@@ -11221,7 +16180,7 @@
 </p:sld>
 </file>
 
-<file path=ppt/slides/slide25.xml><?xml version="1.0" encoding="utf-8"?>
+<file path=ppt/slides/slide26.xml><?xml version="1.0" encoding="utf-8"?>
 <p:sld xmlns:a="http://schemas.openxmlformats.org/drawingml/2006/main" xmlns:r="http://schemas.openxmlformats.org/officeDocument/2006/relationships" xmlns:p="http://schemas.openxmlformats.org/presentationml/2006/main">
   <p:cSld>
     <p:spTree>
@@ -11550,7 +16509,7 @@
           <a:p>
             <a:fld id="{2AF3B5EA-18B6-4040-9F78-6052AF49C681}" type="slidenum">
               <a:rPr lang="en-US" smtClean="0"/>
-              <a:t>25</a:t>
+              <a:t>26</a:t>
             </a:fld>
             <a:endParaRPr lang="en-US"/>
           </a:p>
@@ -11569,7 +16528,7 @@
 </p:sld>
 </file>
 
-<file path=ppt/slides/slide26.xml><?xml version="1.0" encoding="utf-8"?>
+<file path=ppt/slides/slide27.xml><?xml version="1.0" encoding="utf-8"?>
 <p:sld xmlns:a="http://schemas.openxmlformats.org/drawingml/2006/main" xmlns:r="http://schemas.openxmlformats.org/officeDocument/2006/relationships" xmlns:p="http://schemas.openxmlformats.org/presentationml/2006/main">
   <p:cSld>
     <p:spTree>
@@ -11867,7 +16826,7 @@
           <a:p>
             <a:fld id="{2AF3B5EA-18B6-4040-9F78-6052AF49C681}" type="slidenum">
               <a:rPr lang="en-US" smtClean="0"/>
-              <a:t>26</a:t>
+              <a:t>27</a:t>
             </a:fld>
             <a:endParaRPr lang="en-US"/>
           </a:p>
@@ -11886,7 +16845,7 @@
 </p:sld>
 </file>
 
-<file path=ppt/slides/slide27.xml><?xml version="1.0" encoding="utf-8"?>
+<file path=ppt/slides/slide28.xml><?xml version="1.0" encoding="utf-8"?>
 <p:sld xmlns:a="http://schemas.openxmlformats.org/drawingml/2006/main" xmlns:r="http://schemas.openxmlformats.org/officeDocument/2006/relationships" xmlns:p="http://schemas.openxmlformats.org/presentationml/2006/main">
   <p:cSld>
     <p:spTree>
@@ -12144,7 +17103,7 @@
           <a:p>
             <a:fld id="{2AF3B5EA-18B6-4040-9F78-6052AF49C681}" type="slidenum">
               <a:rPr lang="en-US" smtClean="0"/>
-              <a:t>27</a:t>
+              <a:t>28</a:t>
             </a:fld>
             <a:endParaRPr lang="en-US"/>
           </a:p>
@@ -12163,7 +17122,7 @@
 </p:sld>
 </file>
 
-<file path=ppt/slides/slide28.xml><?xml version="1.0" encoding="utf-8"?>
+<file path=ppt/slides/slide29.xml><?xml version="1.0" encoding="utf-8"?>
 <p:sld xmlns:a="http://schemas.openxmlformats.org/drawingml/2006/main" xmlns:r="http://schemas.openxmlformats.org/officeDocument/2006/relationships" xmlns:p="http://schemas.openxmlformats.org/presentationml/2006/main">
   <p:cSld>
     <p:spTree>
@@ -12396,7 +17355,7 @@
           <a:p>
             <a:fld id="{2AF3B5EA-18B6-4040-9F78-6052AF49C681}" type="slidenum">
               <a:rPr lang="en-US" smtClean="0"/>
-              <a:t>28</a:t>
+              <a:t>29</a:t>
             </a:fld>
             <a:endParaRPr lang="en-US"/>
           </a:p>
@@ -12406,236 +17365,6 @@
     <p:extLst>
       <p:ext uri="{BB962C8B-B14F-4D97-AF65-F5344CB8AC3E}">
         <p14:creationId xmlns:p14="http://schemas.microsoft.com/office/powerpoint/2010/main" val="1269136783"/>
-      </p:ext>
-    </p:extLst>
-  </p:cSld>
-  <p:clrMapOvr>
-    <a:masterClrMapping/>
-  </p:clrMapOvr>
-</p:sld>
-</file>
-
-<file path=ppt/slides/slide29.xml><?xml version="1.0" encoding="utf-8"?>
-<p:sld xmlns:a="http://schemas.openxmlformats.org/drawingml/2006/main" xmlns:r="http://schemas.openxmlformats.org/officeDocument/2006/relationships" xmlns:p="http://schemas.openxmlformats.org/presentationml/2006/main">
-  <p:cSld>
-    <p:spTree>
-      <p:nvGrpSpPr>
-        <p:cNvPr id="1" name=""/>
-        <p:cNvGrpSpPr/>
-        <p:nvPr/>
-      </p:nvGrpSpPr>
-      <p:grpSpPr>
-        <a:xfrm>
-          <a:off x="0" y="0"/>
-          <a:ext cx="0" cy="0"/>
-          <a:chOff x="0" y="0"/>
-          <a:chExt cx="0" cy="0"/>
-        </a:xfrm>
-      </p:grpSpPr>
-      <p:sp>
-        <p:nvSpPr>
-          <p:cNvPr id="2" name="Title 1"/>
-          <p:cNvSpPr>
-            <a:spLocks noGrp="1"/>
-          </p:cNvSpPr>
-          <p:nvPr>
-            <p:ph type="title"/>
-          </p:nvPr>
-        </p:nvSpPr>
-        <p:spPr/>
-        <p:txBody>
-          <a:bodyPr/>
-          <a:lstStyle/>
-          <a:p>
-            <a:r>
-              <a:rPr lang="en-US" dirty="0"/>
-              <a:t>Uses of Examples</a:t>
-            </a:r>
-          </a:p>
-        </p:txBody>
-      </p:sp>
-      <p:graphicFrame>
-        <p:nvGraphicFramePr>
-          <p:cNvPr id="4" name="Content Placeholder 3"/>
-          <p:cNvGraphicFramePr>
-            <a:graphicFrameLocks noGrp="1"/>
-          </p:cNvGraphicFramePr>
-          <p:nvPr>
-            <p:ph idx="1"/>
-            <p:extLst>
-              <p:ext uri="{D42A27DB-BD31-4B8C-83A1-F6EECF244321}">
-                <p14:modId xmlns:p14="http://schemas.microsoft.com/office/powerpoint/2010/main" val="4283516127"/>
-              </p:ext>
-            </p:extLst>
-          </p:nvPr>
-        </p:nvGraphicFramePr>
-        <p:xfrm>
-          <a:off x="457200" y="1600200"/>
-          <a:ext cx="8229600" cy="3383280"/>
-        </p:xfrm>
-        <a:graphic>
-          <a:graphicData uri="http://schemas.openxmlformats.org/drawingml/2006/table">
-            <a:tbl>
-              <a:tblPr firstRow="1" bandRow="1">
-                <a:tableStyleId>{5C22544A-7EE6-4342-B048-85BDC9FD1C3A}</a:tableStyleId>
-              </a:tblPr>
-              <a:tblGrid>
-                <a:gridCol w="8229600">
-                  <a:extLst>
-                    <a:ext uri="{9D8B030D-6E8A-4147-A177-3AD203B41FA5}">
-                      <a16:colId xmlns:a16="http://schemas.microsoft.com/office/drawing/2014/main" val="20000"/>
-                    </a:ext>
-                  </a:extLst>
-                </a:gridCol>
-              </a:tblGrid>
-              <a:tr h="370840">
-                <a:tc>
-                  <a:txBody>
-                    <a:bodyPr/>
-                    <a:lstStyle/>
-                    <a:p>
-                      <a:pPr algn="ctr"/>
-                      <a:r>
-                        <a:rPr lang="en-US" sz="3200" dirty="0"/>
-                        <a:t>Uses of Examples</a:t>
-                      </a:r>
-                    </a:p>
-                  </a:txBody>
-                  <a:tcPr/>
-                </a:tc>
-                <a:extLst>
-                  <a:ext uri="{0D108BD9-81ED-4DB2-BD59-A6C34878D82A}">
-                    <a16:rowId xmlns:a16="http://schemas.microsoft.com/office/drawing/2014/main" val="10000"/>
-                  </a:ext>
-                </a:extLst>
-              </a:tr>
-              <a:tr h="370840">
-                <a:tc>
-                  <a:txBody>
-                    <a:bodyPr/>
-                    <a:lstStyle/>
-                    <a:p>
-                      <a:pPr marL="0" indent="0">
-                        <a:buNone/>
-                      </a:pPr>
-                      <a:r>
-                        <a:rPr lang="en-US" sz="3200" dirty="0"/>
-                        <a:t>1. Clarify purpose statement for</a:t>
-                      </a:r>
-                      <a:r>
-                        <a:rPr lang="en-US" sz="3200" baseline="0" dirty="0"/>
-                        <a:t> YOU</a:t>
-                      </a:r>
-                    </a:p>
-                  </a:txBody>
-                  <a:tcPr/>
-                </a:tc>
-                <a:extLst>
-                  <a:ext uri="{0D108BD9-81ED-4DB2-BD59-A6C34878D82A}">
-                    <a16:rowId xmlns:a16="http://schemas.microsoft.com/office/drawing/2014/main" val="10001"/>
-                  </a:ext>
-                </a:extLst>
-              </a:tr>
-              <a:tr h="370840">
-                <a:tc>
-                  <a:txBody>
-                    <a:bodyPr/>
-                    <a:lstStyle/>
-                    <a:p>
-                      <a:r>
-                        <a:rPr lang="en-US" sz="3200" dirty="0"/>
-                        <a:t>2. Clarify purpose statement</a:t>
-                      </a:r>
-                      <a:r>
-                        <a:rPr lang="en-US" sz="3200" baseline="0" dirty="0"/>
-                        <a:t> for the reader</a:t>
-                      </a:r>
-                      <a:endParaRPr lang="en-US" sz="3200" dirty="0"/>
-                    </a:p>
-                  </a:txBody>
-                  <a:tcPr/>
-                </a:tc>
-                <a:extLst>
-                  <a:ext uri="{0D108BD9-81ED-4DB2-BD59-A6C34878D82A}">
-                    <a16:rowId xmlns:a16="http://schemas.microsoft.com/office/drawing/2014/main" val="10002"/>
-                  </a:ext>
-                </a:extLst>
-              </a:tr>
-              <a:tr h="370840">
-                <a:tc>
-                  <a:txBody>
-                    <a:bodyPr/>
-                    <a:lstStyle/>
-                    <a:p>
-                      <a:r>
-                        <a:rPr lang="en-US" sz="3200" dirty="0"/>
-                        <a:t>3. Document calling sequence, etc., for the user</a:t>
-                      </a:r>
-                      <a:r>
-                        <a:rPr lang="en-US" sz="3200" baseline="0" dirty="0"/>
-                        <a:t> (the person who will be calling this function)</a:t>
-                      </a:r>
-                    </a:p>
-                  </a:txBody>
-                  <a:tcPr/>
-                </a:tc>
-                <a:extLst>
-                  <a:ext uri="{0D108BD9-81ED-4DB2-BD59-A6C34878D82A}">
-                    <a16:rowId xmlns:a16="http://schemas.microsoft.com/office/drawing/2014/main" val="10003"/>
-                  </a:ext>
-                </a:extLst>
-              </a:tr>
-              <a:tr h="370840">
-                <a:tc>
-                  <a:txBody>
-                    <a:bodyPr/>
-                    <a:lstStyle/>
-                    <a:p>
-                      <a:r>
-                        <a:rPr lang="en-US" sz="3200" dirty="0"/>
-                        <a:t>4. Serve as basis for acceptance tests</a:t>
-                      </a:r>
-                    </a:p>
-                  </a:txBody>
-                  <a:tcPr/>
-                </a:tc>
-                <a:extLst>
-                  <a:ext uri="{0D108BD9-81ED-4DB2-BD59-A6C34878D82A}">
-                    <a16:rowId xmlns:a16="http://schemas.microsoft.com/office/drawing/2014/main" val="10004"/>
-                  </a:ext>
-                </a:extLst>
-              </a:tr>
-            </a:tbl>
-          </a:graphicData>
-        </a:graphic>
-      </p:graphicFrame>
-      <p:sp>
-        <p:nvSpPr>
-          <p:cNvPr id="3" name="Slide Number Placeholder 2"/>
-          <p:cNvSpPr>
-            <a:spLocks noGrp="1"/>
-          </p:cNvSpPr>
-          <p:nvPr>
-            <p:ph type="sldNum" sz="quarter" idx="12"/>
-          </p:nvPr>
-        </p:nvSpPr>
-        <p:spPr/>
-        <p:txBody>
-          <a:bodyPr/>
-          <a:lstStyle/>
-          <a:p>
-            <a:fld id="{2AF3B5EA-18B6-4040-9F78-6052AF49C681}" type="slidenum">
-              <a:rPr lang="en-US" smtClean="0"/>
-              <a:t>29</a:t>
-            </a:fld>
-            <a:endParaRPr lang="en-US"/>
-          </a:p>
-        </p:txBody>
-      </p:sp>
-    </p:spTree>
-    <p:extLst>
-      <p:ext uri="{BB962C8B-B14F-4D97-AF65-F5344CB8AC3E}">
-        <p14:creationId xmlns:p14="http://schemas.microsoft.com/office/powerpoint/2010/main" val="3511145810"/>
       </p:ext>
     </p:extLst>
   </p:cSld>
@@ -12773,6 +17502,236 @@
           <a:p>
             <a:r>
               <a:rPr lang="en-US" dirty="0"/>
+              <a:t>Uses of Examples</a:t>
+            </a:r>
+          </a:p>
+        </p:txBody>
+      </p:sp>
+      <p:graphicFrame>
+        <p:nvGraphicFramePr>
+          <p:cNvPr id="4" name="Content Placeholder 3"/>
+          <p:cNvGraphicFramePr>
+            <a:graphicFrameLocks noGrp="1"/>
+          </p:cNvGraphicFramePr>
+          <p:nvPr>
+            <p:ph idx="1"/>
+            <p:extLst>
+              <p:ext uri="{D42A27DB-BD31-4B8C-83A1-F6EECF244321}">
+                <p14:modId xmlns:p14="http://schemas.microsoft.com/office/powerpoint/2010/main" val="4283516127"/>
+              </p:ext>
+            </p:extLst>
+          </p:nvPr>
+        </p:nvGraphicFramePr>
+        <p:xfrm>
+          <a:off x="457200" y="1600200"/>
+          <a:ext cx="8229600" cy="3383280"/>
+        </p:xfrm>
+        <a:graphic>
+          <a:graphicData uri="http://schemas.openxmlformats.org/drawingml/2006/table">
+            <a:tbl>
+              <a:tblPr firstRow="1" bandRow="1">
+                <a:tableStyleId>{5C22544A-7EE6-4342-B048-85BDC9FD1C3A}</a:tableStyleId>
+              </a:tblPr>
+              <a:tblGrid>
+                <a:gridCol w="8229600">
+                  <a:extLst>
+                    <a:ext uri="{9D8B030D-6E8A-4147-A177-3AD203B41FA5}">
+                      <a16:colId xmlns:a16="http://schemas.microsoft.com/office/drawing/2014/main" val="20000"/>
+                    </a:ext>
+                  </a:extLst>
+                </a:gridCol>
+              </a:tblGrid>
+              <a:tr h="370840">
+                <a:tc>
+                  <a:txBody>
+                    <a:bodyPr/>
+                    <a:lstStyle/>
+                    <a:p>
+                      <a:pPr algn="ctr"/>
+                      <a:r>
+                        <a:rPr lang="en-US" sz="3200" dirty="0"/>
+                        <a:t>Uses of Examples</a:t>
+                      </a:r>
+                    </a:p>
+                  </a:txBody>
+                  <a:tcPr/>
+                </a:tc>
+                <a:extLst>
+                  <a:ext uri="{0D108BD9-81ED-4DB2-BD59-A6C34878D82A}">
+                    <a16:rowId xmlns:a16="http://schemas.microsoft.com/office/drawing/2014/main" val="10000"/>
+                  </a:ext>
+                </a:extLst>
+              </a:tr>
+              <a:tr h="370840">
+                <a:tc>
+                  <a:txBody>
+                    <a:bodyPr/>
+                    <a:lstStyle/>
+                    <a:p>
+                      <a:pPr marL="0" indent="0">
+                        <a:buNone/>
+                      </a:pPr>
+                      <a:r>
+                        <a:rPr lang="en-US" sz="3200" dirty="0"/>
+                        <a:t>1. Clarify purpose statement for</a:t>
+                      </a:r>
+                      <a:r>
+                        <a:rPr lang="en-US" sz="3200" baseline="0" dirty="0"/>
+                        <a:t> YOU</a:t>
+                      </a:r>
+                    </a:p>
+                  </a:txBody>
+                  <a:tcPr/>
+                </a:tc>
+                <a:extLst>
+                  <a:ext uri="{0D108BD9-81ED-4DB2-BD59-A6C34878D82A}">
+                    <a16:rowId xmlns:a16="http://schemas.microsoft.com/office/drawing/2014/main" val="10001"/>
+                  </a:ext>
+                </a:extLst>
+              </a:tr>
+              <a:tr h="370840">
+                <a:tc>
+                  <a:txBody>
+                    <a:bodyPr/>
+                    <a:lstStyle/>
+                    <a:p>
+                      <a:r>
+                        <a:rPr lang="en-US" sz="3200" dirty="0"/>
+                        <a:t>2. Clarify purpose statement</a:t>
+                      </a:r>
+                      <a:r>
+                        <a:rPr lang="en-US" sz="3200" baseline="0" dirty="0"/>
+                        <a:t> for the reader</a:t>
+                      </a:r>
+                      <a:endParaRPr lang="en-US" sz="3200" dirty="0"/>
+                    </a:p>
+                  </a:txBody>
+                  <a:tcPr/>
+                </a:tc>
+                <a:extLst>
+                  <a:ext uri="{0D108BD9-81ED-4DB2-BD59-A6C34878D82A}">
+                    <a16:rowId xmlns:a16="http://schemas.microsoft.com/office/drawing/2014/main" val="10002"/>
+                  </a:ext>
+                </a:extLst>
+              </a:tr>
+              <a:tr h="370840">
+                <a:tc>
+                  <a:txBody>
+                    <a:bodyPr/>
+                    <a:lstStyle/>
+                    <a:p>
+                      <a:r>
+                        <a:rPr lang="en-US" sz="3200" dirty="0"/>
+                        <a:t>3. Document calling sequence, etc., for the user</a:t>
+                      </a:r>
+                      <a:r>
+                        <a:rPr lang="en-US" sz="3200" baseline="0" dirty="0"/>
+                        <a:t> (the person who will be calling this function)</a:t>
+                      </a:r>
+                    </a:p>
+                  </a:txBody>
+                  <a:tcPr/>
+                </a:tc>
+                <a:extLst>
+                  <a:ext uri="{0D108BD9-81ED-4DB2-BD59-A6C34878D82A}">
+                    <a16:rowId xmlns:a16="http://schemas.microsoft.com/office/drawing/2014/main" val="10003"/>
+                  </a:ext>
+                </a:extLst>
+              </a:tr>
+              <a:tr h="370840">
+                <a:tc>
+                  <a:txBody>
+                    <a:bodyPr/>
+                    <a:lstStyle/>
+                    <a:p>
+                      <a:r>
+                        <a:rPr lang="en-US" sz="3200" dirty="0"/>
+                        <a:t>4. Serve as basis for acceptance tests</a:t>
+                      </a:r>
+                    </a:p>
+                  </a:txBody>
+                  <a:tcPr/>
+                </a:tc>
+                <a:extLst>
+                  <a:ext uri="{0D108BD9-81ED-4DB2-BD59-A6C34878D82A}">
+                    <a16:rowId xmlns:a16="http://schemas.microsoft.com/office/drawing/2014/main" val="10004"/>
+                  </a:ext>
+                </a:extLst>
+              </a:tr>
+            </a:tbl>
+          </a:graphicData>
+        </a:graphic>
+      </p:graphicFrame>
+      <p:sp>
+        <p:nvSpPr>
+          <p:cNvPr id="3" name="Slide Number Placeholder 2"/>
+          <p:cNvSpPr>
+            <a:spLocks noGrp="1"/>
+          </p:cNvSpPr>
+          <p:nvPr>
+            <p:ph type="sldNum" sz="quarter" idx="12"/>
+          </p:nvPr>
+        </p:nvSpPr>
+        <p:spPr/>
+        <p:txBody>
+          <a:bodyPr/>
+          <a:lstStyle/>
+          <a:p>
+            <a:fld id="{2AF3B5EA-18B6-4040-9F78-6052AF49C681}" type="slidenum">
+              <a:rPr lang="en-US" smtClean="0"/>
+              <a:t>30</a:t>
+            </a:fld>
+            <a:endParaRPr lang="en-US"/>
+          </a:p>
+        </p:txBody>
+      </p:sp>
+    </p:spTree>
+    <p:extLst>
+      <p:ext uri="{BB962C8B-B14F-4D97-AF65-F5344CB8AC3E}">
+        <p14:creationId xmlns:p14="http://schemas.microsoft.com/office/powerpoint/2010/main" val="3511145810"/>
+      </p:ext>
+    </p:extLst>
+  </p:cSld>
+  <p:clrMapOvr>
+    <a:masterClrMapping/>
+  </p:clrMapOvr>
+</p:sld>
+</file>
+
+<file path=ppt/slides/slide31.xml><?xml version="1.0" encoding="utf-8"?>
+<p:sld xmlns:a="http://schemas.openxmlformats.org/drawingml/2006/main" xmlns:r="http://schemas.openxmlformats.org/officeDocument/2006/relationships" xmlns:p="http://schemas.openxmlformats.org/presentationml/2006/main">
+  <p:cSld>
+    <p:spTree>
+      <p:nvGrpSpPr>
+        <p:cNvPr id="1" name=""/>
+        <p:cNvGrpSpPr/>
+        <p:nvPr/>
+      </p:nvGrpSpPr>
+      <p:grpSpPr>
+        <a:xfrm>
+          <a:off x="0" y="0"/>
+          <a:ext cx="0" cy="0"/>
+          <a:chOff x="0" y="0"/>
+          <a:chExt cx="0" cy="0"/>
+        </a:xfrm>
+      </p:grpSpPr>
+      <p:sp>
+        <p:nvSpPr>
+          <p:cNvPr id="2" name="Title 1"/>
+          <p:cNvSpPr>
+            <a:spLocks noGrp="1"/>
+          </p:cNvSpPr>
+          <p:nvPr>
+            <p:ph type="title"/>
+          </p:nvPr>
+        </p:nvSpPr>
+        <p:spPr/>
+        <p:txBody>
+          <a:bodyPr/>
+          <a:lstStyle/>
+          <a:p>
+            <a:r>
+              <a:rPr lang="en-US" dirty="0"/>
               <a:t>The Program Review Recipe</a:t>
             </a:r>
           </a:p>
@@ -12972,7 +17931,7 @@
           <a:p>
             <a:fld id="{2AF3B5EA-18B6-4040-9F78-6052AF49C681}" type="slidenum">
               <a:rPr lang="en-US" smtClean="0"/>
-              <a:t>30</a:t>
+              <a:t>31</a:t>
             </a:fld>
             <a:endParaRPr lang="en-US"/>
           </a:p>
@@ -15051,6 +20010,59 @@
           </a:fontRef>
         </p:style>
       </p:cxnSp>
+      <p:sp>
+        <p:nvSpPr>
+          <p:cNvPr id="45" name="Cross 44"/>
+          <p:cNvSpPr/>
+          <p:nvPr/>
+        </p:nvSpPr>
+        <p:spPr>
+          <a:xfrm rot="2835110">
+            <a:off x="4419600" y="586263"/>
+            <a:ext cx="2438400" cy="2438400"/>
+          </a:xfrm>
+          <a:prstGeom prst="plus">
+            <a:avLst>
+              <a:gd name="adj" fmla="val 38835"/>
+            </a:avLst>
+          </a:prstGeom>
+          <a:solidFill>
+            <a:srgbClr val="FFFF00"/>
+          </a:solidFill>
+          <a:ln/>
+        </p:spPr>
+        <p:style>
+          <a:lnRef idx="2">
+            <a:schemeClr val="accent1"/>
+          </a:lnRef>
+          <a:fillRef idx="1">
+            <a:schemeClr val="lt1"/>
+          </a:fillRef>
+          <a:effectRef idx="0">
+            <a:schemeClr val="accent1"/>
+          </a:effectRef>
+          <a:fontRef idx="minor">
+            <a:schemeClr val="dk1"/>
+          </a:fontRef>
+        </p:style>
+        <p:txBody>
+          <a:bodyPr rot="0" spcFirstLastPara="0" vertOverflow="overflow" horzOverflow="overflow" vert="horz" wrap="square" lIns="91440" tIns="45720" rIns="91440" bIns="45720" numCol="1" spcCol="0" rtlCol="0" fromWordArt="0" anchor="ctr" anchorCtr="0" forceAA="0" compatLnSpc="1">
+            <a:prstTxWarp prst="textNoShape">
+              <a:avLst/>
+            </a:prstTxWarp>
+            <a:noAutofit/>
+          </a:bodyPr>
+          <a:lstStyle/>
+          <a:p>
+            <a:pPr algn="ctr"/>
+            <a:endParaRPr lang="en-US" dirty="0">
+              <a:solidFill>
+                <a:schemeClr val="tx1"/>
+              </a:solidFill>
+            </a:endParaRPr>
+          </a:p>
+        </p:txBody>
+      </p:sp>
     </p:spTree>
     <p:extLst>
       <p:ext uri="{BB962C8B-B14F-4D97-AF65-F5344CB8AC3E}">
@@ -15091,271 +20103,21 @@
             <p:ph type="title"/>
           </p:nvPr>
         </p:nvSpPr>
-        <p:spPr>
-          <a:xfrm>
-            <a:off x="457200" y="225401"/>
-            <a:ext cx="8229600" cy="1143000"/>
-          </a:xfrm>
-        </p:spPr>
-        <p:txBody>
-          <a:bodyPr/>
-          <a:lstStyle/>
-          <a:p>
-            <a:r>
-              <a:rPr lang="en-US" dirty="0"/>
-              <a:t>Default Boxes</a:t>
-            </a:r>
-          </a:p>
-        </p:txBody>
-      </p:sp>
-      <p:sp>
-        <p:nvSpPr>
-          <p:cNvPr id="3" name="Content Placeholder 2"/>
-          <p:cNvSpPr>
-            <a:spLocks noGrp="1"/>
-          </p:cNvSpPr>
-          <p:nvPr>
-            <p:ph idx="1"/>
-          </p:nvPr>
-        </p:nvSpPr>
         <p:spPr/>
         <p:txBody>
           <a:bodyPr/>
           <a:lstStyle/>
           <a:p>
-            <a:endParaRPr lang="en-US" dirty="0"/>
+            <a:r>
+              <a:rPr lang="en-US" dirty="0"/>
+              <a:t>Course Map</a:t>
+            </a:r>
           </a:p>
         </p:txBody>
       </p:sp>
       <p:sp>
         <p:nvSpPr>
-          <p:cNvPr id="4" name="Rectangle 3"/>
-          <p:cNvSpPr/>
-          <p:nvPr/>
-        </p:nvSpPr>
-        <p:spPr>
-          <a:xfrm>
-            <a:off x="4097655" y="3626604"/>
-            <a:ext cx="4149090" cy="916880"/>
-          </a:xfrm>
-          <a:prstGeom prst="rect">
-            <a:avLst/>
-          </a:prstGeom>
-          <a:solidFill>
-            <a:schemeClr val="accent3">
-              <a:lumMod val="40000"/>
-              <a:lumOff val="60000"/>
-            </a:schemeClr>
-          </a:solidFill>
-          <a:ln/>
-        </p:spPr>
-        <p:style>
-          <a:lnRef idx="2">
-            <a:schemeClr val="accent1"/>
-          </a:lnRef>
-          <a:fillRef idx="1">
-            <a:schemeClr val="lt1"/>
-          </a:fillRef>
-          <a:effectRef idx="0">
-            <a:schemeClr val="accent1"/>
-          </a:effectRef>
-          <a:fontRef idx="minor">
-            <a:schemeClr val="dk1"/>
-          </a:fontRef>
-        </p:style>
-        <p:txBody>
-          <a:bodyPr rot="0" spcFirstLastPara="0" vertOverflow="overflow" horzOverflow="overflow" vert="horz" wrap="square" lIns="91440" tIns="45720" rIns="91440" bIns="45720" numCol="1" spcCol="0" rtlCol="0" fromWordArt="0" anchor="ctr" anchorCtr="0" forceAA="0" compatLnSpc="1">
-            <a:prstTxWarp prst="textNoShape">
-              <a:avLst/>
-            </a:prstTxWarp>
-            <a:noAutofit/>
-          </a:bodyPr>
-          <a:lstStyle/>
-          <a:p>
-            <a:pPr>
-              <a:defRPr/>
-            </a:pPr>
-            <a:r>
-              <a:rPr lang="en-US" dirty="0">
-                <a:solidFill>
-                  <a:schemeClr val="tx1"/>
-                </a:solidFill>
-              </a:rPr>
-              <a:t>This is the default information box.</a:t>
-            </a:r>
-          </a:p>
-        </p:txBody>
-      </p:sp>
-      <p:sp>
-        <p:nvSpPr>
-          <p:cNvPr id="6" name="Parallelogram 5"/>
-          <p:cNvSpPr/>
-          <p:nvPr/>
-        </p:nvSpPr>
-        <p:spPr>
-          <a:xfrm>
-            <a:off x="609600" y="4038600"/>
-            <a:ext cx="3048000" cy="1447800"/>
-          </a:xfrm>
-          <a:prstGeom prst="parallelogram">
-            <a:avLst/>
-          </a:prstGeom>
-          <a:solidFill>
-            <a:srgbClr val="FFFF00"/>
-          </a:solidFill>
-          <a:ln/>
-        </p:spPr>
-        <p:style>
-          <a:lnRef idx="2">
-            <a:schemeClr val="accent1"/>
-          </a:lnRef>
-          <a:fillRef idx="1">
-            <a:schemeClr val="lt1"/>
-          </a:fillRef>
-          <a:effectRef idx="0">
-            <a:schemeClr val="accent1"/>
-          </a:effectRef>
-          <a:fontRef idx="minor">
-            <a:schemeClr val="dk1"/>
-          </a:fontRef>
-        </p:style>
-        <p:txBody>
-          <a:bodyPr rot="0" spcFirstLastPara="0" vertOverflow="overflow" horzOverflow="overflow" vert="horz" wrap="square" lIns="91440" tIns="45720" rIns="91440" bIns="45720" numCol="1" spcCol="0" rtlCol="0" fromWordArt="0" anchor="ctr" anchorCtr="0" forceAA="0" compatLnSpc="1">
-            <a:prstTxWarp prst="textNoShape">
-              <a:avLst/>
-            </a:prstTxWarp>
-            <a:noAutofit/>
-          </a:bodyPr>
-          <a:lstStyle/>
-          <a:p>
-            <a:pPr algn="ctr"/>
-            <a:r>
-              <a:rPr lang="en-US" dirty="0">
-                <a:solidFill>
-                  <a:schemeClr val="tx1"/>
-                </a:solidFill>
-              </a:rPr>
-              <a:t>This is the default "TODO"/meta</a:t>
-            </a:r>
-          </a:p>
-          <a:p>
-            <a:pPr algn="ctr"/>
-            <a:r>
-              <a:rPr lang="en-US" dirty="0">
-                <a:solidFill>
-                  <a:schemeClr val="tx1"/>
-                </a:solidFill>
-              </a:rPr>
-              <a:t>box</a:t>
-            </a:r>
-          </a:p>
-        </p:txBody>
-      </p:sp>
-      <p:sp>
-        <p:nvSpPr>
-          <p:cNvPr id="7" name="Rounded Rectangle 6"/>
-          <p:cNvSpPr/>
-          <p:nvPr/>
-        </p:nvSpPr>
-        <p:spPr>
-          <a:xfrm>
-            <a:off x="6612255" y="1896137"/>
-            <a:ext cx="1828800" cy="506845"/>
-          </a:xfrm>
-          <a:prstGeom prst="roundRect">
-            <a:avLst>
-              <a:gd name="adj" fmla="val 4685"/>
-            </a:avLst>
-          </a:prstGeom>
-          <a:noFill/>
-          <a:ln w="57150">
-            <a:solidFill>
-              <a:srgbClr val="AC0000"/>
-            </a:solidFill>
-          </a:ln>
-        </p:spPr>
-        <p:style>
-          <a:lnRef idx="2">
-            <a:schemeClr val="accent1">
-              <a:shade val="50000"/>
-            </a:schemeClr>
-          </a:lnRef>
-          <a:fillRef idx="1">
-            <a:schemeClr val="accent1"/>
-          </a:fillRef>
-          <a:effectRef idx="0">
-            <a:schemeClr val="accent1"/>
-          </a:effectRef>
-          <a:fontRef idx="minor">
-            <a:schemeClr val="lt1"/>
-          </a:fontRef>
-        </p:style>
-        <p:txBody>
-          <a:bodyPr rtlCol="0" anchor="ctr"/>
-          <a:lstStyle/>
-          <a:p>
-            <a:pPr algn="ctr"/>
-            <a:endParaRPr lang="en-US"/>
-          </a:p>
-        </p:txBody>
-      </p:sp>
-      <p:sp>
-        <p:nvSpPr>
-          <p:cNvPr id="8" name="Rectangle 7"/>
-          <p:cNvSpPr/>
-          <p:nvPr/>
-        </p:nvSpPr>
-        <p:spPr>
-          <a:xfrm>
-            <a:off x="4082907" y="5486400"/>
-            <a:ext cx="4149090" cy="970113"/>
-          </a:xfrm>
-          <a:prstGeom prst="rect">
-            <a:avLst/>
-          </a:prstGeom>
-          <a:noFill/>
-          <a:ln/>
-        </p:spPr>
-        <p:style>
-          <a:lnRef idx="2">
-            <a:schemeClr val="accent1"/>
-          </a:lnRef>
-          <a:fillRef idx="1">
-            <a:schemeClr val="lt1"/>
-          </a:fillRef>
-          <a:effectRef idx="0">
-            <a:schemeClr val="accent1"/>
-          </a:effectRef>
-          <a:fontRef idx="minor">
-            <a:schemeClr val="dk1"/>
-          </a:fontRef>
-        </p:style>
-        <p:txBody>
-          <a:bodyPr rot="0" spcFirstLastPara="0" vertOverflow="overflow" horzOverflow="overflow" vert="horz" wrap="square" lIns="91440" tIns="45720" rIns="91440" bIns="45720" numCol="1" spcCol="0" rtlCol="0" fromWordArt="0" anchor="ctr" anchorCtr="0" forceAA="0" compatLnSpc="1">
-            <a:prstTxWarp prst="textNoShape">
-              <a:avLst/>
-            </a:prstTxWarp>
-            <a:noAutofit/>
-          </a:bodyPr>
-          <a:lstStyle/>
-          <a:p>
-            <a:pPr>
-              <a:defRPr/>
-            </a:pPr>
-            <a:r>
-              <a:rPr lang="en-US" dirty="0">
-                <a:solidFill>
-                  <a:schemeClr val="tx1"/>
-                </a:solidFill>
-              </a:rPr>
-              <a:t>This is another information box.</a:t>
-            </a:r>
-          </a:p>
-        </p:txBody>
-      </p:sp>
-      <p:sp>
-        <p:nvSpPr>
-          <p:cNvPr id="5" name="Slide Number Placeholder 4"/>
+          <p:cNvPr id="3" name="Slide Number Placeholder 2"/>
           <p:cNvSpPr>
             <a:spLocks noGrp="1"/>
           </p:cNvSpPr>
@@ -15376,10 +20138,32 @@
           </a:p>
         </p:txBody>
       </p:sp>
+      <p:graphicFrame>
+        <p:nvGraphicFramePr>
+          <p:cNvPr id="4" name="Diagram 3"/>
+          <p:cNvGraphicFramePr/>
+          <p:nvPr>
+            <p:extLst>
+              <p:ext uri="{D42A27DB-BD31-4B8C-83A1-F6EECF244321}">
+                <p14:modId xmlns:p14="http://schemas.microsoft.com/office/powerpoint/2010/main" val="1783415886"/>
+              </p:ext>
+            </p:extLst>
+          </p:nvPr>
+        </p:nvGraphicFramePr>
+        <p:xfrm>
+          <a:off x="1524000" y="1727994"/>
+          <a:ext cx="6096000" cy="4318000"/>
+        </p:xfrm>
+        <a:graphic>
+          <a:graphicData uri="http://schemas.openxmlformats.org/drawingml/2006/diagram">
+            <dgm:relIds xmlns:dgm="http://schemas.openxmlformats.org/drawingml/2006/diagram" xmlns:r="http://schemas.openxmlformats.org/officeDocument/2006/relationships" r:dm="rId2" r:lo="rId3" r:qs="rId4" r:cs="rId5"/>
+          </a:graphicData>
+        </a:graphic>
+      </p:graphicFrame>
     </p:spTree>
     <p:extLst>
       <p:ext uri="{BB962C8B-B14F-4D97-AF65-F5344CB8AC3E}">
-        <p14:creationId xmlns:p14="http://schemas.microsoft.com/office/powerpoint/2010/main" val="1169906283"/>
+        <p14:creationId xmlns:p14="http://schemas.microsoft.com/office/powerpoint/2010/main" val="1773485918"/>
       </p:ext>
     </p:extLst>
   </p:cSld>

--- a/Slides/Common Slides for CS 5010.pptx
+++ b/Slides/Common Slides for CS 5010.pptx
@@ -4874,7 +4874,7 @@
           <a:p>
             <a:fld id="{03B24962-D7B5-4FEA-ABE9-8C89DFE85AA1}" type="datetimeFigureOut">
               <a:rPr lang="en-US" smtClean="0"/>
-              <a:t>7/21/2017</a:t>
+              <a:t>7/24/2017</a:t>
             </a:fld>
             <a:endParaRPr lang="en-US"/>
           </a:p>
@@ -6540,7 +6540,7 @@
           <a:p>
             <a:fld id="{2F1F79F5-7BEC-496A-AFC7-876E38F64D71}" type="datetime1">
               <a:rPr lang="en-US" smtClean="0"/>
-              <a:t>7/21/2017</a:t>
+              <a:t>7/24/2017</a:t>
             </a:fld>
             <a:endParaRPr lang="en-US"/>
           </a:p>
@@ -6657,7 +6657,7 @@
           <a:p>
             <a:fld id="{2F7B77F5-1464-4F6B-92A8-64FC8A508293}" type="datetime1">
               <a:rPr lang="en-US" smtClean="0"/>
-              <a:t>7/21/2017</a:t>
+              <a:t>7/24/2017</a:t>
             </a:fld>
             <a:endParaRPr lang="en-US"/>
           </a:p>
@@ -6752,7 +6752,7 @@
           <a:p>
             <a:fld id="{0A05703A-7669-4FEA-9056-25299B4D29D4}" type="datetime1">
               <a:rPr lang="en-US" smtClean="0"/>
-              <a:t>7/21/2017</a:t>
+              <a:t>7/24/2017</a:t>
             </a:fld>
             <a:endParaRPr lang="en-US"/>
           </a:p>
@@ -7027,7 +7027,7 @@
           <a:p>
             <a:fld id="{6E5077B5-BB57-49DB-88CA-226A139E5C01}" type="datetime1">
               <a:rPr lang="en-US" smtClean="0"/>
-              <a:t>7/21/2017</a:t>
+              <a:t>7/24/2017</a:t>
             </a:fld>
             <a:endParaRPr lang="en-US"/>
           </a:p>
@@ -7279,7 +7279,7 @@
           <a:p>
             <a:fld id="{C48D9447-CBD6-49A1-89FD-8512A8CF8999}" type="datetime1">
               <a:rPr lang="en-US" smtClean="0"/>
-              <a:t>7/21/2017</a:t>
+              <a:t>7/24/2017</a:t>
             </a:fld>
             <a:endParaRPr lang="en-US"/>
           </a:p>
@@ -7447,7 +7447,7 @@
           <a:p>
             <a:fld id="{A3639A2A-823D-48B7-9ACE-7FAF42870BA9}" type="datetime1">
               <a:rPr lang="en-US" smtClean="0"/>
-              <a:t>7/21/2017</a:t>
+              <a:t>7/24/2017</a:t>
             </a:fld>
             <a:endParaRPr lang="en-US"/>
           </a:p>
@@ -7625,7 +7625,7 @@
           <a:p>
             <a:fld id="{ED1B6996-82E9-463C-972C-7B56056E426C}" type="datetime1">
               <a:rPr lang="en-US" smtClean="0"/>
-              <a:t>7/21/2017</a:t>
+              <a:t>7/24/2017</a:t>
             </a:fld>
             <a:endParaRPr lang="en-US"/>
           </a:p>
@@ -7799,7 +7799,7 @@
           <a:p>
             <a:fld id="{E22ED4DA-448D-4BB1-B935-CC112220207B}" type="datetime1">
               <a:rPr lang="en-US" smtClean="0"/>
-              <a:t>7/21/2017</a:t>
+              <a:t>7/24/2017</a:t>
             </a:fld>
             <a:endParaRPr lang="en-US"/>
           </a:p>
@@ -7972,7 +7972,7 @@
           <a:p>
             <a:fld id="{E22ED4DA-448D-4BB1-B935-CC112220207B}" type="datetime1">
               <a:rPr lang="en-US" smtClean="0"/>
-              <a:t>7/21/2017</a:t>
+              <a:t>7/24/2017</a:t>
             </a:fld>
             <a:endParaRPr lang="en-US"/>
           </a:p>
@@ -8235,7 +8235,7 @@
           <a:p>
             <a:fld id="{FF5D65A6-AB94-4435-B0B7-3743215FA46C}" type="datetime1">
               <a:rPr lang="en-US" smtClean="0"/>
-              <a:t>7/21/2017</a:t>
+              <a:t>7/24/2017</a:t>
             </a:fld>
             <a:endParaRPr lang="en-US"/>
           </a:p>
@@ -8411,7 +8411,7 @@
           <a:p>
             <a:fld id="{FF5D65A6-AB94-4435-B0B7-3743215FA46C}" type="datetime1">
               <a:rPr lang="en-US" smtClean="0"/>
-              <a:t>7/21/2017</a:t>
+              <a:t>7/24/2017</a:t>
             </a:fld>
             <a:endParaRPr lang="en-US"/>
           </a:p>
@@ -8705,7 +8705,7 @@
           <a:p>
             <a:fld id="{7C193DC4-6EF0-48C9-B29C-616106A645E1}" type="datetime1">
               <a:rPr lang="en-US" smtClean="0"/>
-              <a:t>7/21/2017</a:t>
+              <a:t>7/24/2017</a:t>
             </a:fld>
             <a:endParaRPr lang="en-US"/>
           </a:p>
@@ -8990,7 +8990,7 @@
           <a:p>
             <a:fld id="{5D1846AD-9252-4647-9435-4C2AC365653A}" type="datetime1">
               <a:rPr lang="en-US" smtClean="0"/>
-              <a:t>7/21/2017</a:t>
+              <a:t>7/24/2017</a:t>
             </a:fld>
             <a:endParaRPr lang="en-US"/>
           </a:p>
@@ -9289,7 +9289,7 @@
           <a:p>
             <a:fld id="{5D1846AD-9252-4647-9435-4C2AC365653A}" type="datetime1">
               <a:rPr lang="en-US" smtClean="0"/>
-              <a:t>7/21/2017</a:t>
+              <a:t>7/24/2017</a:t>
             </a:fld>
             <a:endParaRPr lang="en-US"/>
           </a:p>
@@ -9708,7 +9708,7 @@
           <a:p>
             <a:fld id="{CE56DC10-3561-4063-A6AF-C1CC7A41040A}" type="datetime1">
               <a:rPr lang="en-US" smtClean="0"/>
-              <a:t>7/21/2017</a:t>
+              <a:t>7/24/2017</a:t>
             </a:fld>
             <a:endParaRPr lang="en-US"/>
           </a:p>
@@ -9931,7 +9931,7 @@
           <a:p>
             <a:fld id="{02B3F677-983B-48DB-ADFD-63FE6CBC7FB2}" type="datetime1">
               <a:rPr lang="en-US" smtClean="0"/>
-              <a:t>7/21/2017</a:t>
+              <a:t>7/24/2017</a:t>
             </a:fld>
             <a:endParaRPr lang="en-US"/>
           </a:p>

--- a/Slides/Common Slides for CS 5010.pptx
+++ b/Slides/Common Slides for CS 5010.pptx
@@ -5,7 +5,7 @@
     <p:sldMasterId id="2147483648" r:id="rId1"/>
   </p:sldMasterIdLst>
   <p:notesMasterIdLst>
-    <p:notesMasterId r:id="rId33"/>
+    <p:notesMasterId r:id="rId34"/>
   </p:notesMasterIdLst>
   <p:sldIdLst>
     <p:sldId id="285" r:id="rId2"/>
@@ -17,33 +17,34 @@
     <p:sldId id="292" r:id="rId8"/>
     <p:sldId id="300" r:id="rId9"/>
     <p:sldId id="302" r:id="rId10"/>
-    <p:sldId id="261" r:id="rId11"/>
-    <p:sldId id="264" r:id="rId12"/>
-    <p:sldId id="297" r:id="rId13"/>
-    <p:sldId id="265" r:id="rId14"/>
-    <p:sldId id="301" r:id="rId15"/>
-    <p:sldId id="289" r:id="rId16"/>
-    <p:sldId id="266" r:id="rId17"/>
-    <p:sldId id="267" r:id="rId18"/>
-    <p:sldId id="268" r:id="rId19"/>
-    <p:sldId id="269" r:id="rId20"/>
-    <p:sldId id="279" r:id="rId21"/>
-    <p:sldId id="280" r:id="rId22"/>
-    <p:sldId id="281" r:id="rId23"/>
-    <p:sldId id="299" r:id="rId24"/>
-    <p:sldId id="284" r:id="rId25"/>
-    <p:sldId id="277" r:id="rId26"/>
-    <p:sldId id="273" r:id="rId27"/>
-    <p:sldId id="274" r:id="rId28"/>
-    <p:sldId id="276" r:id="rId29"/>
-    <p:sldId id="278" r:id="rId30"/>
-    <p:sldId id="282" r:id="rId31"/>
-    <p:sldId id="283" r:id="rId32"/>
+    <p:sldId id="303" r:id="rId11"/>
+    <p:sldId id="261" r:id="rId12"/>
+    <p:sldId id="264" r:id="rId13"/>
+    <p:sldId id="297" r:id="rId14"/>
+    <p:sldId id="265" r:id="rId15"/>
+    <p:sldId id="301" r:id="rId16"/>
+    <p:sldId id="289" r:id="rId17"/>
+    <p:sldId id="266" r:id="rId18"/>
+    <p:sldId id="267" r:id="rId19"/>
+    <p:sldId id="268" r:id="rId20"/>
+    <p:sldId id="269" r:id="rId21"/>
+    <p:sldId id="279" r:id="rId22"/>
+    <p:sldId id="280" r:id="rId23"/>
+    <p:sldId id="281" r:id="rId24"/>
+    <p:sldId id="299" r:id="rId25"/>
+    <p:sldId id="284" r:id="rId26"/>
+    <p:sldId id="277" r:id="rId27"/>
+    <p:sldId id="273" r:id="rId28"/>
+    <p:sldId id="274" r:id="rId29"/>
+    <p:sldId id="276" r:id="rId30"/>
+    <p:sldId id="278" r:id="rId31"/>
+    <p:sldId id="282" r:id="rId32"/>
+    <p:sldId id="283" r:id="rId33"/>
   </p:sldIdLst>
   <p:sldSz cx="9144000" cy="6858000" type="screen4x3"/>
   <p:notesSz cx="6858000" cy="9144000"/>
   <p:custDataLst>
-    <p:tags r:id="rId34"/>
+    <p:tags r:id="rId35"/>
   </p:custDataLst>
   <p:defaultTextStyle>
     <a:defPPr>
@@ -160,6 +161,753 @@
 </file>
 
 <file path=ppt/diagrams/colors1.xml><?xml version="1.0" encoding="utf-8"?>
+<dgm:colorsDef xmlns:dgm="http://schemas.openxmlformats.org/drawingml/2006/diagram" xmlns:a="http://schemas.openxmlformats.org/drawingml/2006/main" uniqueId="urn:microsoft.com/office/officeart/2005/8/colors/accent1_2">
+  <dgm:title val=""/>
+  <dgm:desc val=""/>
+  <dgm:catLst>
+    <dgm:cat type="accent1" pri="11200"/>
+  </dgm:catLst>
+  <dgm:styleLbl name="node0">
+    <dgm:fillClrLst meth="repeat">
+      <a:schemeClr val="accent1"/>
+    </dgm:fillClrLst>
+    <dgm:linClrLst meth="repeat">
+      <a:schemeClr val="lt1"/>
+    </dgm:linClrLst>
+    <dgm:effectClrLst/>
+    <dgm:txLinClrLst/>
+    <dgm:txFillClrLst/>
+    <dgm:txEffectClrLst/>
+  </dgm:styleLbl>
+  <dgm:styleLbl name="alignNode1">
+    <dgm:fillClrLst meth="repeat">
+      <a:schemeClr val="accent1"/>
+    </dgm:fillClrLst>
+    <dgm:linClrLst meth="repeat">
+      <a:schemeClr val="accent1"/>
+    </dgm:linClrLst>
+    <dgm:effectClrLst/>
+    <dgm:txLinClrLst/>
+    <dgm:txFillClrLst/>
+    <dgm:txEffectClrLst/>
+  </dgm:styleLbl>
+  <dgm:styleLbl name="node1">
+    <dgm:fillClrLst meth="repeat">
+      <a:schemeClr val="accent1"/>
+    </dgm:fillClrLst>
+    <dgm:linClrLst meth="repeat">
+      <a:schemeClr val="lt1"/>
+    </dgm:linClrLst>
+    <dgm:effectClrLst/>
+    <dgm:txLinClrLst/>
+    <dgm:txFillClrLst/>
+    <dgm:txEffectClrLst/>
+  </dgm:styleLbl>
+  <dgm:styleLbl name="lnNode1">
+    <dgm:fillClrLst meth="repeat">
+      <a:schemeClr val="accent1"/>
+    </dgm:fillClrLst>
+    <dgm:linClrLst meth="repeat">
+      <a:schemeClr val="lt1"/>
+    </dgm:linClrLst>
+    <dgm:effectClrLst/>
+    <dgm:txLinClrLst/>
+    <dgm:txFillClrLst/>
+    <dgm:txEffectClrLst/>
+  </dgm:styleLbl>
+  <dgm:styleLbl name="vennNode1">
+    <dgm:fillClrLst meth="repeat">
+      <a:schemeClr val="accent1">
+        <a:alpha val="50000"/>
+      </a:schemeClr>
+    </dgm:fillClrLst>
+    <dgm:linClrLst meth="repeat">
+      <a:schemeClr val="lt1"/>
+    </dgm:linClrLst>
+    <dgm:effectClrLst/>
+    <dgm:txLinClrLst/>
+    <dgm:txFillClrLst/>
+    <dgm:txEffectClrLst/>
+  </dgm:styleLbl>
+  <dgm:styleLbl name="node2">
+    <dgm:fillClrLst meth="repeat">
+      <a:schemeClr val="accent1"/>
+    </dgm:fillClrLst>
+    <dgm:linClrLst meth="repeat">
+      <a:schemeClr val="lt1"/>
+    </dgm:linClrLst>
+    <dgm:effectClrLst/>
+    <dgm:txLinClrLst/>
+    <dgm:txFillClrLst/>
+    <dgm:txEffectClrLst/>
+  </dgm:styleLbl>
+  <dgm:styleLbl name="node3">
+    <dgm:fillClrLst meth="repeat">
+      <a:schemeClr val="accent1"/>
+    </dgm:fillClrLst>
+    <dgm:linClrLst meth="repeat">
+      <a:schemeClr val="lt1"/>
+    </dgm:linClrLst>
+    <dgm:effectClrLst/>
+    <dgm:txLinClrLst/>
+    <dgm:txFillClrLst/>
+    <dgm:txEffectClrLst/>
+  </dgm:styleLbl>
+  <dgm:styleLbl name="node4">
+    <dgm:fillClrLst meth="repeat">
+      <a:schemeClr val="accent1"/>
+    </dgm:fillClrLst>
+    <dgm:linClrLst meth="repeat">
+      <a:schemeClr val="lt1"/>
+    </dgm:linClrLst>
+    <dgm:effectClrLst/>
+    <dgm:txLinClrLst/>
+    <dgm:txFillClrLst/>
+    <dgm:txEffectClrLst/>
+  </dgm:styleLbl>
+  <dgm:styleLbl name="fgImgPlace1">
+    <dgm:fillClrLst meth="repeat">
+      <a:schemeClr val="accent1">
+        <a:tint val="50000"/>
+      </a:schemeClr>
+    </dgm:fillClrLst>
+    <dgm:linClrLst meth="repeat">
+      <a:schemeClr val="lt1"/>
+    </dgm:linClrLst>
+    <dgm:effectClrLst/>
+    <dgm:txLinClrLst/>
+    <dgm:txFillClrLst meth="repeat">
+      <a:schemeClr val="lt1"/>
+    </dgm:txFillClrLst>
+    <dgm:txEffectClrLst/>
+  </dgm:styleLbl>
+  <dgm:styleLbl name="alignImgPlace1">
+    <dgm:fillClrLst meth="repeat">
+      <a:schemeClr val="accent1">
+        <a:tint val="50000"/>
+      </a:schemeClr>
+    </dgm:fillClrLst>
+    <dgm:linClrLst meth="repeat">
+      <a:schemeClr val="lt1"/>
+    </dgm:linClrLst>
+    <dgm:effectClrLst/>
+    <dgm:txLinClrLst/>
+    <dgm:txFillClrLst meth="repeat">
+      <a:schemeClr val="lt1"/>
+    </dgm:txFillClrLst>
+    <dgm:txEffectClrLst/>
+  </dgm:styleLbl>
+  <dgm:styleLbl name="bgImgPlace1">
+    <dgm:fillClrLst meth="repeat">
+      <a:schemeClr val="accent1">
+        <a:tint val="50000"/>
+      </a:schemeClr>
+    </dgm:fillClrLst>
+    <dgm:linClrLst meth="repeat">
+      <a:schemeClr val="lt1"/>
+    </dgm:linClrLst>
+    <dgm:effectClrLst/>
+    <dgm:txLinClrLst/>
+    <dgm:txFillClrLst meth="repeat">
+      <a:schemeClr val="lt1"/>
+    </dgm:txFillClrLst>
+    <dgm:txEffectClrLst/>
+  </dgm:styleLbl>
+  <dgm:styleLbl name="sibTrans2D1">
+    <dgm:fillClrLst meth="repeat">
+      <a:schemeClr val="accent1">
+        <a:tint val="60000"/>
+      </a:schemeClr>
+    </dgm:fillClrLst>
+    <dgm:linClrLst meth="repeat">
+      <a:schemeClr val="accent1">
+        <a:tint val="60000"/>
+      </a:schemeClr>
+    </dgm:linClrLst>
+    <dgm:effectClrLst/>
+    <dgm:txLinClrLst/>
+    <dgm:txFillClrLst/>
+    <dgm:txEffectClrLst/>
+  </dgm:styleLbl>
+  <dgm:styleLbl name="fgSibTrans2D1">
+    <dgm:fillClrLst meth="repeat">
+      <a:schemeClr val="accent1">
+        <a:tint val="60000"/>
+      </a:schemeClr>
+    </dgm:fillClrLst>
+    <dgm:linClrLst meth="repeat">
+      <a:schemeClr val="accent1">
+        <a:tint val="60000"/>
+      </a:schemeClr>
+    </dgm:linClrLst>
+    <dgm:effectClrLst/>
+    <dgm:txLinClrLst/>
+    <dgm:txFillClrLst/>
+    <dgm:txEffectClrLst/>
+  </dgm:styleLbl>
+  <dgm:styleLbl name="bgSibTrans2D1">
+    <dgm:fillClrLst meth="repeat">
+      <a:schemeClr val="accent1">
+        <a:tint val="60000"/>
+      </a:schemeClr>
+    </dgm:fillClrLst>
+    <dgm:linClrLst meth="repeat">
+      <a:schemeClr val="accent1">
+        <a:tint val="60000"/>
+      </a:schemeClr>
+    </dgm:linClrLst>
+    <dgm:effectClrLst/>
+    <dgm:txLinClrLst/>
+    <dgm:txFillClrLst/>
+    <dgm:txEffectClrLst/>
+  </dgm:styleLbl>
+  <dgm:styleLbl name="sibTrans1D1">
+    <dgm:fillClrLst meth="repeat">
+      <a:schemeClr val="accent1"/>
+    </dgm:fillClrLst>
+    <dgm:linClrLst meth="repeat">
+      <a:schemeClr val="accent1"/>
+    </dgm:linClrLst>
+    <dgm:effectClrLst/>
+    <dgm:txLinClrLst/>
+    <dgm:txFillClrLst meth="repeat">
+      <a:schemeClr val="tx1"/>
+    </dgm:txFillClrLst>
+    <dgm:txEffectClrLst/>
+  </dgm:styleLbl>
+  <dgm:styleLbl name="callout">
+    <dgm:fillClrLst meth="repeat">
+      <a:schemeClr val="accent1"/>
+    </dgm:fillClrLst>
+    <dgm:linClrLst meth="repeat">
+      <a:schemeClr val="accent1">
+        <a:tint val="50000"/>
+      </a:schemeClr>
+    </dgm:linClrLst>
+    <dgm:effectClrLst/>
+    <dgm:txLinClrLst/>
+    <dgm:txFillClrLst meth="repeat">
+      <a:schemeClr val="tx1"/>
+    </dgm:txFillClrLst>
+    <dgm:txEffectClrLst/>
+  </dgm:styleLbl>
+  <dgm:styleLbl name="asst0">
+    <dgm:fillClrLst meth="repeat">
+      <a:schemeClr val="accent1"/>
+    </dgm:fillClrLst>
+    <dgm:linClrLst meth="repeat">
+      <a:schemeClr val="lt1"/>
+    </dgm:linClrLst>
+    <dgm:effectClrLst/>
+    <dgm:txLinClrLst/>
+    <dgm:txFillClrLst/>
+    <dgm:txEffectClrLst/>
+  </dgm:styleLbl>
+  <dgm:styleLbl name="asst1">
+    <dgm:fillClrLst meth="repeat">
+      <a:schemeClr val="accent1"/>
+    </dgm:fillClrLst>
+    <dgm:linClrLst meth="repeat">
+      <a:schemeClr val="lt1"/>
+    </dgm:linClrLst>
+    <dgm:effectClrLst/>
+    <dgm:txLinClrLst/>
+    <dgm:txFillClrLst/>
+    <dgm:txEffectClrLst/>
+  </dgm:styleLbl>
+  <dgm:styleLbl name="asst2">
+    <dgm:fillClrLst meth="repeat">
+      <a:schemeClr val="accent1"/>
+    </dgm:fillClrLst>
+    <dgm:linClrLst meth="repeat">
+      <a:schemeClr val="lt1"/>
+    </dgm:linClrLst>
+    <dgm:effectClrLst/>
+    <dgm:txLinClrLst/>
+    <dgm:txFillClrLst/>
+    <dgm:txEffectClrLst/>
+  </dgm:styleLbl>
+  <dgm:styleLbl name="asst3">
+    <dgm:fillClrLst meth="repeat">
+      <a:schemeClr val="accent1"/>
+    </dgm:fillClrLst>
+    <dgm:linClrLst meth="repeat">
+      <a:schemeClr val="lt1"/>
+    </dgm:linClrLst>
+    <dgm:effectClrLst/>
+    <dgm:txLinClrLst/>
+    <dgm:txFillClrLst/>
+    <dgm:txEffectClrLst/>
+  </dgm:styleLbl>
+  <dgm:styleLbl name="asst4">
+    <dgm:fillClrLst meth="repeat">
+      <a:schemeClr val="accent1"/>
+    </dgm:fillClrLst>
+    <dgm:linClrLst meth="repeat">
+      <a:schemeClr val="lt1"/>
+    </dgm:linClrLst>
+    <dgm:effectClrLst/>
+    <dgm:txLinClrLst/>
+    <dgm:txFillClrLst/>
+    <dgm:txEffectClrLst/>
+  </dgm:styleLbl>
+  <dgm:styleLbl name="parChTrans2D1">
+    <dgm:fillClrLst meth="repeat">
+      <a:schemeClr val="accent1">
+        <a:tint val="60000"/>
+      </a:schemeClr>
+    </dgm:fillClrLst>
+    <dgm:linClrLst meth="repeat">
+      <a:schemeClr val="accent1">
+        <a:tint val="60000"/>
+      </a:schemeClr>
+    </dgm:linClrLst>
+    <dgm:effectClrLst/>
+    <dgm:txLinClrLst/>
+    <dgm:txFillClrLst meth="repeat">
+      <a:schemeClr val="lt1"/>
+    </dgm:txFillClrLst>
+    <dgm:txEffectClrLst/>
+  </dgm:styleLbl>
+  <dgm:styleLbl name="parChTrans2D2">
+    <dgm:fillClrLst meth="repeat">
+      <a:schemeClr val="accent1"/>
+    </dgm:fillClrLst>
+    <dgm:linClrLst meth="repeat">
+      <a:schemeClr val="accent1"/>
+    </dgm:linClrLst>
+    <dgm:effectClrLst/>
+    <dgm:txLinClrLst/>
+    <dgm:txFillClrLst meth="repeat">
+      <a:schemeClr val="lt1"/>
+    </dgm:txFillClrLst>
+    <dgm:txEffectClrLst/>
+  </dgm:styleLbl>
+  <dgm:styleLbl name="parChTrans2D3">
+    <dgm:fillClrLst meth="repeat">
+      <a:schemeClr val="accent1"/>
+    </dgm:fillClrLst>
+    <dgm:linClrLst meth="repeat">
+      <a:schemeClr val="accent1"/>
+    </dgm:linClrLst>
+    <dgm:effectClrLst/>
+    <dgm:txLinClrLst/>
+    <dgm:txFillClrLst meth="repeat">
+      <a:schemeClr val="lt1"/>
+    </dgm:txFillClrLst>
+    <dgm:txEffectClrLst/>
+  </dgm:styleLbl>
+  <dgm:styleLbl name="parChTrans2D4">
+    <dgm:fillClrLst meth="repeat">
+      <a:schemeClr val="accent1"/>
+    </dgm:fillClrLst>
+    <dgm:linClrLst meth="repeat">
+      <a:schemeClr val="accent1"/>
+    </dgm:linClrLst>
+    <dgm:effectClrLst/>
+    <dgm:txLinClrLst/>
+    <dgm:txFillClrLst meth="repeat">
+      <a:schemeClr val="lt1"/>
+    </dgm:txFillClrLst>
+    <dgm:txEffectClrLst/>
+  </dgm:styleLbl>
+  <dgm:styleLbl name="parChTrans1D1">
+    <dgm:fillClrLst meth="repeat">
+      <a:schemeClr val="accent1"/>
+    </dgm:fillClrLst>
+    <dgm:linClrLst meth="repeat">
+      <a:schemeClr val="accent1">
+        <a:shade val="60000"/>
+      </a:schemeClr>
+    </dgm:linClrLst>
+    <dgm:effectClrLst/>
+    <dgm:txLinClrLst/>
+    <dgm:txFillClrLst meth="repeat">
+      <a:schemeClr val="tx1"/>
+    </dgm:txFillClrLst>
+    <dgm:txEffectClrLst/>
+  </dgm:styleLbl>
+  <dgm:styleLbl name="parChTrans1D2">
+    <dgm:fillClrLst meth="repeat">
+      <a:schemeClr val="accent1"/>
+    </dgm:fillClrLst>
+    <dgm:linClrLst meth="repeat">
+      <a:schemeClr val="accent1">
+        <a:shade val="60000"/>
+      </a:schemeClr>
+    </dgm:linClrLst>
+    <dgm:effectClrLst/>
+    <dgm:txLinClrLst/>
+    <dgm:txFillClrLst meth="repeat">
+      <a:schemeClr val="tx1"/>
+    </dgm:txFillClrLst>
+    <dgm:txEffectClrLst/>
+  </dgm:styleLbl>
+  <dgm:styleLbl name="parChTrans1D3">
+    <dgm:fillClrLst meth="repeat">
+      <a:schemeClr val="accent1"/>
+    </dgm:fillClrLst>
+    <dgm:linClrLst meth="repeat">
+      <a:schemeClr val="accent1">
+        <a:shade val="80000"/>
+      </a:schemeClr>
+    </dgm:linClrLst>
+    <dgm:effectClrLst/>
+    <dgm:txLinClrLst/>
+    <dgm:txFillClrLst meth="repeat">
+      <a:schemeClr val="tx1"/>
+    </dgm:txFillClrLst>
+    <dgm:txEffectClrLst/>
+  </dgm:styleLbl>
+  <dgm:styleLbl name="parChTrans1D4">
+    <dgm:fillClrLst meth="repeat">
+      <a:schemeClr val="accent1"/>
+    </dgm:fillClrLst>
+    <dgm:linClrLst meth="repeat">
+      <a:schemeClr val="accent1">
+        <a:shade val="80000"/>
+      </a:schemeClr>
+    </dgm:linClrLst>
+    <dgm:effectClrLst/>
+    <dgm:txLinClrLst/>
+    <dgm:txFillClrLst meth="repeat">
+      <a:schemeClr val="tx1"/>
+    </dgm:txFillClrLst>
+    <dgm:txEffectClrLst/>
+  </dgm:styleLbl>
+  <dgm:styleLbl name="fgAcc1">
+    <dgm:fillClrLst meth="repeat">
+      <a:schemeClr val="lt1">
+        <a:alpha val="90000"/>
+      </a:schemeClr>
+    </dgm:fillClrLst>
+    <dgm:linClrLst meth="repeat">
+      <a:schemeClr val="accent1"/>
+    </dgm:linClrLst>
+    <dgm:effectClrLst/>
+    <dgm:txLinClrLst/>
+    <dgm:txFillClrLst meth="repeat">
+      <a:schemeClr val="dk1"/>
+    </dgm:txFillClrLst>
+    <dgm:txEffectClrLst/>
+  </dgm:styleLbl>
+  <dgm:styleLbl name="conFgAcc1">
+    <dgm:fillClrLst meth="repeat">
+      <a:schemeClr val="lt1">
+        <a:alpha val="90000"/>
+      </a:schemeClr>
+    </dgm:fillClrLst>
+    <dgm:linClrLst meth="repeat">
+      <a:schemeClr val="accent1"/>
+    </dgm:linClrLst>
+    <dgm:effectClrLst/>
+    <dgm:txLinClrLst/>
+    <dgm:txFillClrLst meth="repeat">
+      <a:schemeClr val="dk1"/>
+    </dgm:txFillClrLst>
+    <dgm:txEffectClrLst/>
+  </dgm:styleLbl>
+  <dgm:styleLbl name="alignAcc1">
+    <dgm:fillClrLst meth="repeat">
+      <a:schemeClr val="lt1">
+        <a:alpha val="90000"/>
+      </a:schemeClr>
+    </dgm:fillClrLst>
+    <dgm:linClrLst meth="repeat">
+      <a:schemeClr val="accent1"/>
+    </dgm:linClrLst>
+    <dgm:effectClrLst/>
+    <dgm:txLinClrLst/>
+    <dgm:txFillClrLst meth="repeat">
+      <a:schemeClr val="dk1"/>
+    </dgm:txFillClrLst>
+    <dgm:txEffectClrLst/>
+  </dgm:styleLbl>
+  <dgm:styleLbl name="trAlignAcc1">
+    <dgm:fillClrLst meth="repeat">
+      <a:schemeClr val="lt1">
+        <a:alpha val="40000"/>
+      </a:schemeClr>
+    </dgm:fillClrLst>
+    <dgm:linClrLst meth="repeat">
+      <a:schemeClr val="accent1"/>
+    </dgm:linClrLst>
+    <dgm:effectClrLst/>
+    <dgm:txLinClrLst/>
+    <dgm:txFillClrLst meth="repeat">
+      <a:schemeClr val="dk1"/>
+    </dgm:txFillClrLst>
+    <dgm:txEffectClrLst/>
+  </dgm:styleLbl>
+  <dgm:styleLbl name="bgAcc1">
+    <dgm:fillClrLst meth="repeat">
+      <a:schemeClr val="lt1">
+        <a:alpha val="90000"/>
+      </a:schemeClr>
+    </dgm:fillClrLst>
+    <dgm:linClrLst meth="repeat">
+      <a:schemeClr val="accent1"/>
+    </dgm:linClrLst>
+    <dgm:effectClrLst/>
+    <dgm:txLinClrLst/>
+    <dgm:txFillClrLst meth="repeat">
+      <a:schemeClr val="dk1"/>
+    </dgm:txFillClrLst>
+    <dgm:txEffectClrLst/>
+  </dgm:styleLbl>
+  <dgm:styleLbl name="solidFgAcc1">
+    <dgm:fillClrLst meth="repeat">
+      <a:schemeClr val="lt1"/>
+    </dgm:fillClrLst>
+    <dgm:linClrLst meth="repeat">
+      <a:schemeClr val="accent1"/>
+    </dgm:linClrLst>
+    <dgm:effectClrLst/>
+    <dgm:txLinClrLst/>
+    <dgm:txFillClrLst meth="repeat">
+      <a:schemeClr val="dk1"/>
+    </dgm:txFillClrLst>
+    <dgm:txEffectClrLst/>
+  </dgm:styleLbl>
+  <dgm:styleLbl name="solidAlignAcc1">
+    <dgm:fillClrLst meth="repeat">
+      <a:schemeClr val="lt1"/>
+    </dgm:fillClrLst>
+    <dgm:linClrLst meth="repeat">
+      <a:schemeClr val="accent1"/>
+    </dgm:linClrLst>
+    <dgm:effectClrLst/>
+    <dgm:txLinClrLst/>
+    <dgm:txFillClrLst meth="repeat">
+      <a:schemeClr val="dk1"/>
+    </dgm:txFillClrLst>
+    <dgm:txEffectClrLst/>
+  </dgm:styleLbl>
+  <dgm:styleLbl name="solidBgAcc1">
+    <dgm:fillClrLst meth="repeat">
+      <a:schemeClr val="lt1"/>
+    </dgm:fillClrLst>
+    <dgm:linClrLst meth="repeat">
+      <a:schemeClr val="accent1"/>
+    </dgm:linClrLst>
+    <dgm:effectClrLst/>
+    <dgm:txLinClrLst/>
+    <dgm:txFillClrLst meth="repeat">
+      <a:schemeClr val="dk1"/>
+    </dgm:txFillClrLst>
+    <dgm:txEffectClrLst/>
+  </dgm:styleLbl>
+  <dgm:styleLbl name="fgAccFollowNode1">
+    <dgm:fillClrLst meth="repeat">
+      <a:schemeClr val="accent1">
+        <a:alpha val="90000"/>
+        <a:tint val="40000"/>
+      </a:schemeClr>
+    </dgm:fillClrLst>
+    <dgm:linClrLst meth="repeat">
+      <a:schemeClr val="accent1">
+        <a:alpha val="90000"/>
+        <a:tint val="40000"/>
+      </a:schemeClr>
+    </dgm:linClrLst>
+    <dgm:effectClrLst/>
+    <dgm:txLinClrLst/>
+    <dgm:txFillClrLst meth="repeat">
+      <a:schemeClr val="dk1"/>
+    </dgm:txFillClrLst>
+    <dgm:txEffectClrLst/>
+  </dgm:styleLbl>
+  <dgm:styleLbl name="alignAccFollowNode1">
+    <dgm:fillClrLst meth="repeat">
+      <a:schemeClr val="accent1">
+        <a:alpha val="90000"/>
+        <a:tint val="40000"/>
+      </a:schemeClr>
+    </dgm:fillClrLst>
+    <dgm:linClrLst meth="repeat">
+      <a:schemeClr val="accent1">
+        <a:alpha val="90000"/>
+        <a:tint val="40000"/>
+      </a:schemeClr>
+    </dgm:linClrLst>
+    <dgm:effectClrLst/>
+    <dgm:txLinClrLst/>
+    <dgm:txFillClrLst meth="repeat">
+      <a:schemeClr val="dk1"/>
+    </dgm:txFillClrLst>
+    <dgm:txEffectClrLst/>
+  </dgm:styleLbl>
+  <dgm:styleLbl name="bgAccFollowNode1">
+    <dgm:fillClrLst meth="repeat">
+      <a:schemeClr val="accent1">
+        <a:alpha val="90000"/>
+        <a:tint val="40000"/>
+      </a:schemeClr>
+    </dgm:fillClrLst>
+    <dgm:linClrLst meth="repeat">
+      <a:schemeClr val="accent1">
+        <a:alpha val="90000"/>
+        <a:tint val="40000"/>
+      </a:schemeClr>
+    </dgm:linClrLst>
+    <dgm:effectClrLst/>
+    <dgm:txLinClrLst/>
+    <dgm:txFillClrLst meth="repeat">
+      <a:schemeClr val="dk1"/>
+    </dgm:txFillClrLst>
+    <dgm:txEffectClrLst/>
+  </dgm:styleLbl>
+  <dgm:styleLbl name="fgAcc0">
+    <dgm:fillClrLst meth="repeat">
+      <a:schemeClr val="lt1">
+        <a:alpha val="90000"/>
+      </a:schemeClr>
+    </dgm:fillClrLst>
+    <dgm:linClrLst meth="repeat">
+      <a:schemeClr val="accent1"/>
+    </dgm:linClrLst>
+    <dgm:effectClrLst/>
+    <dgm:txLinClrLst/>
+    <dgm:txFillClrLst meth="repeat">
+      <a:schemeClr val="dk1"/>
+    </dgm:txFillClrLst>
+    <dgm:txEffectClrLst/>
+  </dgm:styleLbl>
+  <dgm:styleLbl name="fgAcc2">
+    <dgm:fillClrLst meth="repeat">
+      <a:schemeClr val="lt1">
+        <a:alpha val="90000"/>
+      </a:schemeClr>
+    </dgm:fillClrLst>
+    <dgm:linClrLst meth="repeat">
+      <a:schemeClr val="accent1"/>
+    </dgm:linClrLst>
+    <dgm:effectClrLst/>
+    <dgm:txLinClrLst/>
+    <dgm:txFillClrLst meth="repeat">
+      <a:schemeClr val="dk1"/>
+    </dgm:txFillClrLst>
+    <dgm:txEffectClrLst/>
+  </dgm:styleLbl>
+  <dgm:styleLbl name="fgAcc3">
+    <dgm:fillClrLst meth="repeat">
+      <a:schemeClr val="lt1">
+        <a:alpha val="90000"/>
+      </a:schemeClr>
+    </dgm:fillClrLst>
+    <dgm:linClrLst meth="repeat">
+      <a:schemeClr val="accent1"/>
+    </dgm:linClrLst>
+    <dgm:effectClrLst/>
+    <dgm:txLinClrLst/>
+    <dgm:txFillClrLst meth="repeat">
+      <a:schemeClr val="dk1"/>
+    </dgm:txFillClrLst>
+    <dgm:txEffectClrLst/>
+  </dgm:styleLbl>
+  <dgm:styleLbl name="fgAcc4">
+    <dgm:fillClrLst meth="repeat">
+      <a:schemeClr val="lt1">
+        <a:alpha val="90000"/>
+      </a:schemeClr>
+    </dgm:fillClrLst>
+    <dgm:linClrLst meth="repeat">
+      <a:schemeClr val="accent1"/>
+    </dgm:linClrLst>
+    <dgm:effectClrLst/>
+    <dgm:txLinClrLst/>
+    <dgm:txFillClrLst meth="repeat">
+      <a:schemeClr val="dk1"/>
+    </dgm:txFillClrLst>
+    <dgm:txEffectClrLst/>
+  </dgm:styleLbl>
+  <dgm:styleLbl name="bgShp">
+    <dgm:fillClrLst meth="repeat">
+      <a:schemeClr val="accent1">
+        <a:tint val="40000"/>
+      </a:schemeClr>
+    </dgm:fillClrLst>
+    <dgm:linClrLst meth="repeat">
+      <a:schemeClr val="accent1"/>
+    </dgm:linClrLst>
+    <dgm:effectClrLst/>
+    <dgm:txLinClrLst/>
+    <dgm:txFillClrLst meth="repeat">
+      <a:schemeClr val="dk1"/>
+    </dgm:txFillClrLst>
+    <dgm:txEffectClrLst/>
+  </dgm:styleLbl>
+  <dgm:styleLbl name="dkBgShp">
+    <dgm:fillClrLst meth="repeat">
+      <a:schemeClr val="accent1">
+        <a:shade val="80000"/>
+      </a:schemeClr>
+    </dgm:fillClrLst>
+    <dgm:linClrLst meth="repeat">
+      <a:schemeClr val="accent1"/>
+    </dgm:linClrLst>
+    <dgm:effectClrLst/>
+    <dgm:txLinClrLst/>
+    <dgm:txFillClrLst meth="repeat">
+      <a:schemeClr val="lt1"/>
+    </dgm:txFillClrLst>
+    <dgm:txEffectClrLst/>
+  </dgm:styleLbl>
+  <dgm:styleLbl name="trBgShp">
+    <dgm:fillClrLst meth="repeat">
+      <a:schemeClr val="accent1">
+        <a:tint val="50000"/>
+        <a:alpha val="40000"/>
+      </a:schemeClr>
+    </dgm:fillClrLst>
+    <dgm:linClrLst meth="repeat">
+      <a:schemeClr val="accent1"/>
+    </dgm:linClrLst>
+    <dgm:effectClrLst/>
+    <dgm:txLinClrLst/>
+    <dgm:txFillClrLst meth="repeat">
+      <a:schemeClr val="lt1"/>
+    </dgm:txFillClrLst>
+    <dgm:txEffectClrLst/>
+  </dgm:styleLbl>
+  <dgm:styleLbl name="fgShp">
+    <dgm:fillClrLst meth="repeat">
+      <a:schemeClr val="accent1">
+        <a:tint val="60000"/>
+      </a:schemeClr>
+    </dgm:fillClrLst>
+    <dgm:linClrLst meth="repeat">
+      <a:schemeClr val="lt1"/>
+    </dgm:linClrLst>
+    <dgm:effectClrLst/>
+    <dgm:txLinClrLst/>
+    <dgm:txFillClrLst meth="repeat">
+      <a:schemeClr val="dk1"/>
+    </dgm:txFillClrLst>
+    <dgm:txEffectClrLst/>
+  </dgm:styleLbl>
+  <dgm:styleLbl name="revTx">
+    <dgm:fillClrLst meth="repeat">
+      <a:schemeClr val="lt1">
+        <a:alpha val="0"/>
+      </a:schemeClr>
+    </dgm:fillClrLst>
+    <dgm:linClrLst meth="repeat">
+      <a:schemeClr val="dk1">
+        <a:alpha val="0"/>
+      </a:schemeClr>
+    </dgm:linClrLst>
+    <dgm:effectClrLst/>
+    <dgm:txLinClrLst/>
+    <dgm:txFillClrLst meth="repeat">
+      <a:schemeClr val="tx1"/>
+    </dgm:txFillClrLst>
+    <dgm:txEffectClrLst/>
+  </dgm:styleLbl>
+</dgm:colorsDef>
+</file>
+
+<file path=ppt/diagrams/colors2.xml><?xml version="1.0" encoding="utf-8"?>
 <dgm:colorsDef xmlns:dgm="http://schemas.openxmlformats.org/drawingml/2006/diagram" xmlns:a="http://schemas.openxmlformats.org/drawingml/2006/main" uniqueId="urn:microsoft.com/office/officeart/2005/8/colors/accent1_2">
   <dgm:title val=""/>
   <dgm:desc val=""/>
@@ -1697,6 +2445,874 @@
     <dgm:cxn modelId="{86D49351-D3C9-48A1-88EA-44A93353F587}" type="presParOf" srcId="{5E7F2D45-2508-495B-A708-02E0FD5F2314}" destId="{5F9726AA-E8AD-4C5C-A0CA-2350C4F8CAFA}" srcOrd="5" destOrd="0" presId="urn:microsoft.com/office/officeart/2005/8/layout/hierarchy3"/>
     <dgm:cxn modelId="{91C1DB7D-DADE-48E1-9C3F-D33F6FC84386}" type="presParOf" srcId="{5E7F2D45-2508-495B-A708-02E0FD5F2314}" destId="{0ECF28DA-9925-4B5B-97B1-BDA459502114}" srcOrd="6" destOrd="0" presId="urn:microsoft.com/office/officeart/2005/8/layout/hierarchy3"/>
     <dgm:cxn modelId="{7A09BA7C-9EDC-496E-8A6D-4B0744B8C88D}" type="presParOf" srcId="{5E7F2D45-2508-495B-A708-02E0FD5F2314}" destId="{5A2BB121-DDEE-46A8-AC09-18496F773E62}" srcOrd="7" destOrd="0" presId="urn:microsoft.com/office/officeart/2005/8/layout/hierarchy3"/>
+    <dgm:cxn modelId="{F5B8C0DF-97A3-423B-9A5D-53FC91FEE07D}" type="presParOf" srcId="{5EAC0F1C-8135-499C-A050-8951C4D4D68B}" destId="{59FB6EFF-035B-4901-8C84-3BDEA8130465}" srcOrd="2" destOrd="0" presId="urn:microsoft.com/office/officeart/2005/8/layout/hierarchy3"/>
+    <dgm:cxn modelId="{2C3BEA50-80F2-41C7-A82B-5C3E16FC0BD9}" type="presParOf" srcId="{59FB6EFF-035B-4901-8C84-3BDEA8130465}" destId="{DFAAFD62-220C-47EA-B1FF-1D698C1D9D0C}" srcOrd="0" destOrd="0" presId="urn:microsoft.com/office/officeart/2005/8/layout/hierarchy3"/>
+    <dgm:cxn modelId="{5783CD70-7213-4FC1-AF68-237D5BC3062A}" type="presParOf" srcId="{DFAAFD62-220C-47EA-B1FF-1D698C1D9D0C}" destId="{3DB7ADFA-DCAB-4034-9F43-B860EBE864E8}" srcOrd="0" destOrd="0" presId="urn:microsoft.com/office/officeart/2005/8/layout/hierarchy3"/>
+    <dgm:cxn modelId="{B7E1F160-A178-462E-868C-EC6564C42610}" type="presParOf" srcId="{DFAAFD62-220C-47EA-B1FF-1D698C1D9D0C}" destId="{A1EB1FFF-29EC-48BF-990F-29DA82114C59}" srcOrd="1" destOrd="0" presId="urn:microsoft.com/office/officeart/2005/8/layout/hierarchy3"/>
+    <dgm:cxn modelId="{9FF94B33-0113-4A76-8701-4BFCEEDBDE89}" type="presParOf" srcId="{59FB6EFF-035B-4901-8C84-3BDEA8130465}" destId="{C961EBF4-10A8-458E-973D-7ED2EFFC972F}" srcOrd="1" destOrd="0" presId="urn:microsoft.com/office/officeart/2005/8/layout/hierarchy3"/>
+    <dgm:cxn modelId="{E16B69EF-6960-4FF6-974E-0243612C50A9}" type="presParOf" srcId="{C961EBF4-10A8-458E-973D-7ED2EFFC972F}" destId="{278D3975-9588-4A95-85BD-D062BB0AE1A4}" srcOrd="0" destOrd="0" presId="urn:microsoft.com/office/officeart/2005/8/layout/hierarchy3"/>
+    <dgm:cxn modelId="{EDC0758A-BCB5-4E73-BE7E-8D1A992568A9}" type="presParOf" srcId="{C961EBF4-10A8-458E-973D-7ED2EFFC972F}" destId="{EDB6085A-8F2B-4B84-887D-9DD4BEC6E4E1}" srcOrd="1" destOrd="0" presId="urn:microsoft.com/office/officeart/2005/8/layout/hierarchy3"/>
+    <dgm:cxn modelId="{B9702EBF-28A6-4C56-BB02-8A38776C1F90}" type="presParOf" srcId="{C961EBF4-10A8-458E-973D-7ED2EFFC972F}" destId="{FF100697-267A-4BC5-8DA9-B1F7321DFE84}" srcOrd="2" destOrd="0" presId="urn:microsoft.com/office/officeart/2005/8/layout/hierarchy3"/>
+    <dgm:cxn modelId="{46AAE45F-BF7E-4CDB-A15F-802EEF0A52A0}" type="presParOf" srcId="{C961EBF4-10A8-458E-973D-7ED2EFFC972F}" destId="{291D5A65-BA4D-4BF4-8D0F-050F9D81FBB6}" srcOrd="3" destOrd="0" presId="urn:microsoft.com/office/officeart/2005/8/layout/hierarchy3"/>
+    <dgm:cxn modelId="{0137D627-1B4F-47DB-ADA7-B3A9FCF6DA00}" type="presParOf" srcId="{C961EBF4-10A8-458E-973D-7ED2EFFC972F}" destId="{6B27DFF3-3021-4E99-BF73-829A6255425D}" srcOrd="4" destOrd="0" presId="urn:microsoft.com/office/officeart/2005/8/layout/hierarchy3"/>
+    <dgm:cxn modelId="{2DDA2A2E-7EBF-42D3-8E45-3269864CBAA4}" type="presParOf" srcId="{C961EBF4-10A8-458E-973D-7ED2EFFC972F}" destId="{88C17E61-7A2A-46D7-AC95-5E562286A33E}" srcOrd="5" destOrd="0" presId="urn:microsoft.com/office/officeart/2005/8/layout/hierarchy3"/>
+    <dgm:cxn modelId="{7CD2E438-91AB-49C8-BEFA-398ACCFFD7BD}" type="presParOf" srcId="{C961EBF4-10A8-458E-973D-7ED2EFFC972F}" destId="{E8A2D34D-9B35-4804-BD08-DC4453907292}" srcOrd="6" destOrd="0" presId="urn:microsoft.com/office/officeart/2005/8/layout/hierarchy3"/>
+    <dgm:cxn modelId="{1534A217-6ECD-4474-80F2-71CA6833E5EF}" type="presParOf" srcId="{C961EBF4-10A8-458E-973D-7ED2EFFC972F}" destId="{1B267FF2-7D4F-4C45-AA7C-4EA638A9F1C5}" srcOrd="7" destOrd="0" presId="urn:microsoft.com/office/officeart/2005/8/layout/hierarchy3"/>
+  </dgm:cxnLst>
+  <dgm:bg/>
+  <dgm:whole/>
+  <dgm:extLst>
+    <a:ext uri="http://schemas.microsoft.com/office/drawing/2008/diagram">
+      <dsp:dataModelExt xmlns:dsp="http://schemas.microsoft.com/office/drawing/2008/diagram" relId="rId6" minVer="http://schemas.openxmlformats.org/drawingml/2006/diagram"/>
+    </a:ext>
+  </dgm:extLst>
+</dgm:dataModel>
+</file>
+
+<file path=ppt/diagrams/data2.xml><?xml version="1.0" encoding="utf-8"?>
+<dgm:dataModel xmlns:dgm="http://schemas.openxmlformats.org/drawingml/2006/diagram" xmlns:a="http://schemas.openxmlformats.org/drawingml/2006/main">
+  <dgm:ptLst>
+    <dgm:pt modelId="{D4ADF4FB-6626-4BAA-8170-1AB86830E7EB}" type="doc">
+      <dgm:prSet loTypeId="urn:microsoft.com/office/officeart/2005/8/layout/hierarchy3" loCatId="hierarchy" qsTypeId="urn:microsoft.com/office/officeart/2005/8/quickstyle/simple1" qsCatId="simple" csTypeId="urn:microsoft.com/office/officeart/2005/8/colors/accent1_2" csCatId="accent1" phldr="1"/>
+      <dgm:spPr/>
+      <dgm:t>
+        <a:bodyPr/>
+        <a:lstStyle/>
+        <a:p>
+          <a:endParaRPr lang="en-US"/>
+        </a:p>
+      </dgm:t>
+    </dgm:pt>
+    <dgm:pt modelId="{ED0B78BF-E006-4732-B48C-2ADC9E2EF39A}">
+      <dgm:prSet phldrT="[Text]"/>
+      <dgm:spPr/>
+      <dgm:t>
+        <a:bodyPr/>
+        <a:lstStyle/>
+        <a:p>
+          <a:r>
+            <a:rPr lang="en-US" dirty="0"/>
+            <a:t>Tools and Techniques</a:t>
+          </a:r>
+        </a:p>
+      </dgm:t>
+    </dgm:pt>
+    <dgm:pt modelId="{28816F29-4038-473E-B49B-94074EA0A51E}" type="parTrans" cxnId="{A1A3BCB4-83BF-4A79-B53F-5F8A606BDE54}">
+      <dgm:prSet/>
+      <dgm:spPr/>
+      <dgm:t>
+        <a:bodyPr/>
+        <a:lstStyle/>
+        <a:p>
+          <a:endParaRPr lang="en-US"/>
+        </a:p>
+      </dgm:t>
+    </dgm:pt>
+    <dgm:pt modelId="{23CFA8B8-2A05-4928-AEB3-72448E3A79E3}" type="sibTrans" cxnId="{A1A3BCB4-83BF-4A79-B53F-5F8A606BDE54}">
+      <dgm:prSet/>
+      <dgm:spPr/>
+      <dgm:t>
+        <a:bodyPr/>
+        <a:lstStyle/>
+        <a:p>
+          <a:endParaRPr lang="en-US"/>
+        </a:p>
+      </dgm:t>
+    </dgm:pt>
+    <dgm:pt modelId="{5D17C516-2319-40FE-8748-E184C6D71444}">
+      <dgm:prSet phldrT="[Text]"/>
+      <dgm:spPr/>
+      <dgm:t>
+        <a:bodyPr/>
+        <a:lstStyle/>
+        <a:p>
+          <a:r>
+            <a:rPr lang="en-US" dirty="0"/>
+            <a:t>Object-Oriented Programming</a:t>
+          </a:r>
+        </a:p>
+      </dgm:t>
+    </dgm:pt>
+    <dgm:pt modelId="{EA441DC7-A30D-47EC-A5C8-C50834D06E30}" type="parTrans" cxnId="{F9A2BA9E-B30D-4948-A3E9-A634F6BE47FD}">
+      <dgm:prSet/>
+      <dgm:spPr/>
+      <dgm:t>
+        <a:bodyPr/>
+        <a:lstStyle/>
+        <a:p>
+          <a:endParaRPr lang="en-US"/>
+        </a:p>
+      </dgm:t>
+    </dgm:pt>
+    <dgm:pt modelId="{636B54D7-340F-4600-82E5-F2E670443C91}" type="sibTrans" cxnId="{F9A2BA9E-B30D-4948-A3E9-A634F6BE47FD}">
+      <dgm:prSet/>
+      <dgm:spPr/>
+      <dgm:t>
+        <a:bodyPr/>
+        <a:lstStyle/>
+        <a:p>
+          <a:endParaRPr lang="en-US"/>
+        </a:p>
+      </dgm:t>
+    </dgm:pt>
+    <dgm:pt modelId="{DDB8B436-9528-434E-BD0F-6EB4D2ACB929}">
+      <dgm:prSet phldrT="[Text]"/>
+      <dgm:spPr/>
+      <dgm:t>
+        <a:bodyPr/>
+        <a:lstStyle/>
+        <a:p>
+          <a:r>
+            <a:rPr lang="en-US" dirty="0"/>
+            <a:t>Designing Data</a:t>
+          </a:r>
+        </a:p>
+      </dgm:t>
+    </dgm:pt>
+    <dgm:pt modelId="{9E647244-45B2-496C-B687-01576FEABEC4}" type="parTrans" cxnId="{05392EDD-3032-43C3-BA79-A1347D6D727C}">
+      <dgm:prSet/>
+      <dgm:spPr/>
+      <dgm:t>
+        <a:bodyPr/>
+        <a:lstStyle/>
+        <a:p>
+          <a:endParaRPr lang="en-US"/>
+        </a:p>
+      </dgm:t>
+    </dgm:pt>
+    <dgm:pt modelId="{EE60868F-7BA4-434D-84FC-89FFDDF05FC3}" type="sibTrans" cxnId="{05392EDD-3032-43C3-BA79-A1347D6D727C}">
+      <dgm:prSet/>
+      <dgm:spPr/>
+      <dgm:t>
+        <a:bodyPr/>
+        <a:lstStyle/>
+        <a:p>
+          <a:endParaRPr lang="en-US"/>
+        </a:p>
+      </dgm:t>
+    </dgm:pt>
+    <dgm:pt modelId="{F221EA58-7488-4550-B7A5-965344CA7EAE}">
+      <dgm:prSet phldrT="[Text]"/>
+      <dgm:spPr/>
+      <dgm:t>
+        <a:bodyPr/>
+        <a:lstStyle/>
+        <a:p>
+          <a:r>
+            <a:rPr lang="en-US" dirty="0"/>
+            <a:t>Designing Functions</a:t>
+          </a:r>
+        </a:p>
+      </dgm:t>
+    </dgm:pt>
+    <dgm:pt modelId="{03056A9D-BCBF-4181-B8D6-7E4ECCBD4D9E}" type="parTrans" cxnId="{F8F3D917-317B-4A80-B606-277A7F6170C2}">
+      <dgm:prSet/>
+      <dgm:spPr/>
+      <dgm:t>
+        <a:bodyPr/>
+        <a:lstStyle/>
+        <a:p>
+          <a:endParaRPr lang="en-US"/>
+        </a:p>
+      </dgm:t>
+    </dgm:pt>
+    <dgm:pt modelId="{50012D0E-39A9-4FB4-832D-C4D74BE598A6}" type="sibTrans" cxnId="{F8F3D917-317B-4A80-B606-277A7F6170C2}">
+      <dgm:prSet/>
+      <dgm:spPr/>
+      <dgm:t>
+        <a:bodyPr/>
+        <a:lstStyle/>
+        <a:p>
+          <a:endParaRPr lang="en-US"/>
+        </a:p>
+      </dgm:t>
+    </dgm:pt>
+    <dgm:pt modelId="{B1CEE35E-20B6-4A0B-B1E8-D4F40E3162E1}">
+      <dgm:prSet phldrT="[Text]"/>
+      <dgm:spPr/>
+      <dgm:t>
+        <a:bodyPr/>
+        <a:lstStyle/>
+        <a:p>
+          <a:r>
+            <a:rPr lang="en-US" dirty="0"/>
+            <a:t>Designing Systems</a:t>
+          </a:r>
+        </a:p>
+      </dgm:t>
+    </dgm:pt>
+    <dgm:pt modelId="{08AACE21-5FAD-4460-B120-67387C8F0F32}" type="parTrans" cxnId="{47968857-87E3-481A-908A-A468E51372C1}">
+      <dgm:prSet/>
+      <dgm:spPr/>
+      <dgm:t>
+        <a:bodyPr/>
+        <a:lstStyle/>
+        <a:p>
+          <a:endParaRPr lang="en-US"/>
+        </a:p>
+      </dgm:t>
+    </dgm:pt>
+    <dgm:pt modelId="{4A08DEA0-C75B-4713-B280-420C60C372D9}" type="sibTrans" cxnId="{47968857-87E3-481A-908A-A468E51372C1}">
+      <dgm:prSet/>
+      <dgm:spPr/>
+      <dgm:t>
+        <a:bodyPr/>
+        <a:lstStyle/>
+        <a:p>
+          <a:endParaRPr lang="en-US"/>
+        </a:p>
+      </dgm:t>
+    </dgm:pt>
+    <dgm:pt modelId="{1CBBDDB5-026A-42BF-8805-ACAC57AA5DC3}">
+      <dgm:prSet phldrT="[Text]"/>
+      <dgm:spPr/>
+      <dgm:t>
+        <a:bodyPr/>
+        <a:lstStyle/>
+        <a:p>
+          <a:r>
+            <a:rPr lang="en-US" dirty="0"/>
+            <a:t>Computing with Lists</a:t>
+          </a:r>
+        </a:p>
+      </dgm:t>
+    </dgm:pt>
+    <dgm:pt modelId="{1EC30C20-D36E-4265-85EE-C210CE02F892}" type="parTrans" cxnId="{9662958D-3400-409A-ADC7-BEB605777B1F}">
+      <dgm:prSet/>
+      <dgm:spPr/>
+      <dgm:t>
+        <a:bodyPr/>
+        <a:lstStyle/>
+        <a:p>
+          <a:endParaRPr lang="en-US"/>
+        </a:p>
+      </dgm:t>
+    </dgm:pt>
+    <dgm:pt modelId="{D37EB34B-12D7-42C6-A433-F33F271349CA}" type="sibTrans" cxnId="{9662958D-3400-409A-ADC7-BEB605777B1F}">
+      <dgm:prSet/>
+      <dgm:spPr/>
+      <dgm:t>
+        <a:bodyPr/>
+        <a:lstStyle/>
+        <a:p>
+          <a:endParaRPr lang="en-US"/>
+        </a:p>
+      </dgm:t>
+    </dgm:pt>
+    <dgm:pt modelId="{A7945ECA-2D01-4C03-9AED-9E3EEAAF0F2C}">
+      <dgm:prSet phldrT="[Text]"/>
+      <dgm:spPr/>
+      <dgm:t>
+        <a:bodyPr/>
+        <a:lstStyle/>
+        <a:p>
+          <a:r>
+            <a:rPr lang="en-US" dirty="0"/>
+            <a:t>Computing with Trees and Graphs</a:t>
+          </a:r>
+        </a:p>
+      </dgm:t>
+    </dgm:pt>
+    <dgm:pt modelId="{D39C6496-6307-4FC4-9D55-DB6DA94D051F}" type="parTrans" cxnId="{372E1130-8A4A-4006-A020-34030B0410C9}">
+      <dgm:prSet/>
+      <dgm:spPr/>
+      <dgm:t>
+        <a:bodyPr/>
+        <a:lstStyle/>
+        <a:p>
+          <a:endParaRPr lang="en-US"/>
+        </a:p>
+      </dgm:t>
+    </dgm:pt>
+    <dgm:pt modelId="{4FF7D82F-ECB8-4560-8324-4D22393C300C}" type="sibTrans" cxnId="{372E1130-8A4A-4006-A020-34030B0410C9}">
+      <dgm:prSet/>
+      <dgm:spPr/>
+      <dgm:t>
+        <a:bodyPr/>
+        <a:lstStyle/>
+        <a:p>
+          <a:endParaRPr lang="en-US"/>
+        </a:p>
+      </dgm:t>
+    </dgm:pt>
+    <dgm:pt modelId="{B0B0FACC-C24A-4552-82AB-C8FE8246DEF8}">
+      <dgm:prSet phldrT="[Text]"/>
+      <dgm:spPr/>
+      <dgm:t>
+        <a:bodyPr/>
+        <a:lstStyle/>
+        <a:p>
+          <a:r>
+            <a:rPr lang="en-US" dirty="0"/>
+            <a:t>Designing with Invariants</a:t>
+          </a:r>
+        </a:p>
+      </dgm:t>
+    </dgm:pt>
+    <dgm:pt modelId="{FD74BA91-6D78-44B3-BF01-4D49723F4718}" type="parTrans" cxnId="{FCD83CF7-A1CD-455F-A466-CFFA01A2A6C9}">
+      <dgm:prSet/>
+      <dgm:spPr/>
+      <dgm:t>
+        <a:bodyPr/>
+        <a:lstStyle/>
+        <a:p>
+          <a:endParaRPr lang="en-US"/>
+        </a:p>
+      </dgm:t>
+    </dgm:pt>
+    <dgm:pt modelId="{E6264341-6F1C-4A60-9081-A5335333D714}" type="sibTrans" cxnId="{FCD83CF7-A1CD-455F-A466-CFFA01A2A6C9}">
+      <dgm:prSet/>
+      <dgm:spPr/>
+      <dgm:t>
+        <a:bodyPr/>
+        <a:lstStyle/>
+        <a:p>
+          <a:endParaRPr lang="en-US"/>
+        </a:p>
+      </dgm:t>
+    </dgm:pt>
+    <dgm:pt modelId="{3C02419B-DA6A-4FDB-972F-4F8DC3AD08E3}">
+      <dgm:prSet phldrT="[Text]"/>
+      <dgm:spPr/>
+      <dgm:t>
+        <a:bodyPr/>
+        <a:lstStyle/>
+        <a:p>
+          <a:r>
+            <a:rPr lang="en-US" dirty="0"/>
+            <a:t>Thinking about Efficiency</a:t>
+          </a:r>
+        </a:p>
+      </dgm:t>
+    </dgm:pt>
+    <dgm:pt modelId="{FA010E1E-46BF-40DE-B386-14C19C329E38}" type="parTrans" cxnId="{B2581BA3-7711-4B4F-895A-5C4A1A23D07A}">
+      <dgm:prSet/>
+      <dgm:spPr/>
+      <dgm:t>
+        <a:bodyPr/>
+        <a:lstStyle/>
+        <a:p>
+          <a:endParaRPr lang="en-US"/>
+        </a:p>
+      </dgm:t>
+    </dgm:pt>
+    <dgm:pt modelId="{ABE6B4B2-8044-42FC-8EBA-A2B2927B372D}" type="sibTrans" cxnId="{B2581BA3-7711-4B4F-895A-5C4A1A23D07A}">
+      <dgm:prSet/>
+      <dgm:spPr/>
+      <dgm:t>
+        <a:bodyPr/>
+        <a:lstStyle/>
+        <a:p>
+          <a:endParaRPr lang="en-US"/>
+        </a:p>
+      </dgm:t>
+    </dgm:pt>
+    <dgm:pt modelId="{C217CF6C-69F6-4F1F-BFEF-F03F51825445}">
+      <dgm:prSet phldrT="[Text]"/>
+      <dgm:spPr/>
+      <dgm:t>
+        <a:bodyPr/>
+        <a:lstStyle/>
+        <a:p>
+          <a:r>
+            <a:rPr lang="en-US" dirty="0"/>
+            <a:t>Interfaces and Classes</a:t>
+          </a:r>
+        </a:p>
+      </dgm:t>
+    </dgm:pt>
+    <dgm:pt modelId="{109F41A6-1D40-4F81-903A-8B0CB1E442DB}" type="parTrans" cxnId="{B7B8BE25-1D3D-41C1-B2BB-252CA3FFFABF}">
+      <dgm:prSet/>
+      <dgm:spPr/>
+      <dgm:t>
+        <a:bodyPr/>
+        <a:lstStyle/>
+        <a:p>
+          <a:endParaRPr lang="en-US"/>
+        </a:p>
+      </dgm:t>
+    </dgm:pt>
+    <dgm:pt modelId="{727D2815-3763-49AC-8FA5-B78975C6E255}" type="sibTrans" cxnId="{B7B8BE25-1D3D-41C1-B2BB-252CA3FFFABF}">
+      <dgm:prSet/>
+      <dgm:spPr/>
+      <dgm:t>
+        <a:bodyPr/>
+        <a:lstStyle/>
+        <a:p>
+          <a:endParaRPr lang="en-US"/>
+        </a:p>
+      </dgm:t>
+    </dgm:pt>
+    <dgm:pt modelId="{D6553791-8532-4952-AC46-957A80E6F455}">
+      <dgm:prSet phldrT="[Text]"/>
+      <dgm:spPr/>
+      <dgm:t>
+        <a:bodyPr/>
+        <a:lstStyle/>
+        <a:p>
+          <a:r>
+            <a:rPr lang="en-US" dirty="0"/>
+            <a:t>Inheritance</a:t>
+          </a:r>
+        </a:p>
+      </dgm:t>
+    </dgm:pt>
+    <dgm:pt modelId="{4B64BF35-F3DD-46FA-A74B-C8F1391BB234}" type="parTrans" cxnId="{E630B7D1-EF42-4E29-A586-EDEEAFD22353}">
+      <dgm:prSet/>
+      <dgm:spPr/>
+      <dgm:t>
+        <a:bodyPr/>
+        <a:lstStyle/>
+        <a:p>
+          <a:endParaRPr lang="en-US"/>
+        </a:p>
+      </dgm:t>
+    </dgm:pt>
+    <dgm:pt modelId="{C19A1F15-CCAA-4226-B7DD-F2CD4049A9B3}" type="sibTrans" cxnId="{E630B7D1-EF42-4E29-A586-EDEEAFD22353}">
+      <dgm:prSet/>
+      <dgm:spPr/>
+      <dgm:t>
+        <a:bodyPr/>
+        <a:lstStyle/>
+        <a:p>
+          <a:endParaRPr lang="en-US"/>
+        </a:p>
+      </dgm:t>
+    </dgm:pt>
+    <dgm:pt modelId="{23FBFCAF-D268-4C4D-8359-092F33A19BD5}">
+      <dgm:prSet phldrT="[Text]"/>
+      <dgm:spPr/>
+      <dgm:t>
+        <a:bodyPr/>
+        <a:lstStyle/>
+        <a:p>
+          <a:r>
+            <a:rPr lang="en-US" dirty="0"/>
+            <a:t>Objects with Mutable State</a:t>
+          </a:r>
+        </a:p>
+      </dgm:t>
+    </dgm:pt>
+    <dgm:pt modelId="{E8807DF0-38BE-4236-AFC9-03DFA18007AA}" type="parTrans" cxnId="{C679C12F-0D37-4771-853C-9B6A72F3F8AB}">
+      <dgm:prSet/>
+      <dgm:spPr/>
+      <dgm:t>
+        <a:bodyPr/>
+        <a:lstStyle/>
+        <a:p>
+          <a:endParaRPr lang="en-US"/>
+        </a:p>
+      </dgm:t>
+    </dgm:pt>
+    <dgm:pt modelId="{49424D88-7251-4F7F-9D61-B03F29AB2536}" type="sibTrans" cxnId="{C679C12F-0D37-4771-853C-9B6A72F3F8AB}">
+      <dgm:prSet/>
+      <dgm:spPr/>
+      <dgm:t>
+        <a:bodyPr/>
+        <a:lstStyle/>
+        <a:p>
+          <a:endParaRPr lang="en-US"/>
+        </a:p>
+      </dgm:t>
+    </dgm:pt>
+    <dgm:pt modelId="{BE7D634C-5542-4AE8-B044-37802A6A19BF}">
+      <dgm:prSet phldrT="[Text]"/>
+      <dgm:spPr/>
+      <dgm:t>
+        <a:bodyPr/>
+        <a:lstStyle/>
+        <a:p>
+          <a:r>
+            <a:rPr lang="en-US" dirty="0"/>
+            <a:t>Efficiency, Part 2</a:t>
+          </a:r>
+        </a:p>
+      </dgm:t>
+    </dgm:pt>
+    <dgm:pt modelId="{E61F56D0-9360-46BF-8251-561CA9F726E8}" type="parTrans" cxnId="{B7404AC6-1631-4D80-950E-A28F1FE44D7F}">
+      <dgm:prSet/>
+      <dgm:spPr/>
+      <dgm:t>
+        <a:bodyPr/>
+        <a:lstStyle/>
+        <a:p>
+          <a:endParaRPr lang="en-US"/>
+        </a:p>
+      </dgm:t>
+    </dgm:pt>
+    <dgm:pt modelId="{F057A6F2-F3CD-40BE-A001-82BB25F47711}" type="sibTrans" cxnId="{B7404AC6-1631-4D80-950E-A28F1FE44D7F}">
+      <dgm:prSet/>
+      <dgm:spPr/>
+      <dgm:t>
+        <a:bodyPr/>
+        <a:lstStyle/>
+        <a:p>
+          <a:endParaRPr lang="en-US"/>
+        </a:p>
+      </dgm:t>
+    </dgm:pt>
+    <dgm:pt modelId="{9AAB3432-E203-4861-9A1F-5A18DE81A0E0}">
+      <dgm:prSet phldrT="[Text]"/>
+      <dgm:spPr/>
+      <dgm:t>
+        <a:bodyPr/>
+        <a:lstStyle/>
+        <a:p>
+          <a:r>
+            <a:rPr lang="en-US" dirty="0"/>
+            <a:t>Basic Principles</a:t>
+          </a:r>
+        </a:p>
+      </dgm:t>
+    </dgm:pt>
+    <dgm:pt modelId="{6A4E30F2-4DB5-4E70-B35C-3B1843570C40}" type="sibTrans" cxnId="{F5F6D4BB-2DFC-4FC1-ABCD-FF03786BFFE0}">
+      <dgm:prSet/>
+      <dgm:spPr/>
+      <dgm:t>
+        <a:bodyPr/>
+        <a:lstStyle/>
+        <a:p>
+          <a:endParaRPr lang="en-US"/>
+        </a:p>
+      </dgm:t>
+    </dgm:pt>
+    <dgm:pt modelId="{A67FC2F0-CFC7-4D0E-AB12-FC8B412EC38C}" type="parTrans" cxnId="{F5F6D4BB-2DFC-4FC1-ABCD-FF03786BFFE0}">
+      <dgm:prSet/>
+      <dgm:spPr/>
+      <dgm:t>
+        <a:bodyPr/>
+        <a:lstStyle/>
+        <a:p>
+          <a:endParaRPr lang="en-US"/>
+        </a:p>
+      </dgm:t>
+    </dgm:pt>
+    <dgm:pt modelId="{21C8EE31-AEBF-47B2-ADDE-34FDFA6BF6DC}">
+      <dgm:prSet phldrT="[Text]"/>
+      <dgm:spPr/>
+      <dgm:t>
+        <a:bodyPr/>
+        <a:lstStyle/>
+        <a:p>
+          <a:r>
+            <a:rPr lang="en-US" dirty="0"/>
+            <a:t>Computing with Higher-Order Functions</a:t>
+          </a:r>
+        </a:p>
+      </dgm:t>
+    </dgm:pt>
+    <dgm:pt modelId="{08DF2FDD-3A60-4E03-8D9E-10C265EC9121}" type="parTrans" cxnId="{62C2F0F4-284D-4D02-8F32-BB76663AFA1F}">
+      <dgm:prSet/>
+      <dgm:spPr/>
+      <dgm:t>
+        <a:bodyPr/>
+        <a:lstStyle/>
+        <a:p>
+          <a:endParaRPr lang="en-US"/>
+        </a:p>
+      </dgm:t>
+    </dgm:pt>
+    <dgm:pt modelId="{FFC06923-B3D1-4430-8195-28C90DC2D93A}" type="sibTrans" cxnId="{62C2F0F4-284D-4D02-8F32-BB76663AFA1F}">
+      <dgm:prSet/>
+      <dgm:spPr/>
+      <dgm:t>
+        <a:bodyPr/>
+        <a:lstStyle/>
+        <a:p>
+          <a:endParaRPr lang="en-US"/>
+        </a:p>
+      </dgm:t>
+    </dgm:pt>
+    <dgm:pt modelId="{5EAC0F1C-8135-499C-A050-8951C4D4D68B}" type="pres">
+      <dgm:prSet presAssocID="{D4ADF4FB-6626-4BAA-8170-1AB86830E7EB}" presName="diagram" presStyleCnt="0">
+        <dgm:presLayoutVars>
+          <dgm:chPref val="1"/>
+          <dgm:dir/>
+          <dgm:animOne val="branch"/>
+          <dgm:animLvl val="lvl"/>
+          <dgm:resizeHandles/>
+        </dgm:presLayoutVars>
+      </dgm:prSet>
+      <dgm:spPr/>
+    </dgm:pt>
+    <dgm:pt modelId="{E9A360F5-905C-4B1F-87BD-8099DBD7826B}" type="pres">
+      <dgm:prSet presAssocID="{9AAB3432-E203-4861-9A1F-5A18DE81A0E0}" presName="root" presStyleCnt="0"/>
+      <dgm:spPr/>
+    </dgm:pt>
+    <dgm:pt modelId="{770F0FD6-A664-4D0A-A016-FBEA3DBC5EF2}" type="pres">
+      <dgm:prSet presAssocID="{9AAB3432-E203-4861-9A1F-5A18DE81A0E0}" presName="rootComposite" presStyleCnt="0"/>
+      <dgm:spPr/>
+    </dgm:pt>
+    <dgm:pt modelId="{D42C5353-2F91-4910-9E62-259C884C47C8}" type="pres">
+      <dgm:prSet presAssocID="{9AAB3432-E203-4861-9A1F-5A18DE81A0E0}" presName="rootText" presStyleLbl="node1" presStyleIdx="0" presStyleCnt="3"/>
+      <dgm:spPr/>
+    </dgm:pt>
+    <dgm:pt modelId="{D5FEF17D-A657-4E90-83A6-FFBD9375BEE2}" type="pres">
+      <dgm:prSet presAssocID="{9AAB3432-E203-4861-9A1F-5A18DE81A0E0}" presName="rootConnector" presStyleLbl="node1" presStyleIdx="0" presStyleCnt="3"/>
+      <dgm:spPr/>
+    </dgm:pt>
+    <dgm:pt modelId="{ED254901-973D-4D91-AABF-EBA39BDAC603}" type="pres">
+      <dgm:prSet presAssocID="{9AAB3432-E203-4861-9A1F-5A18DE81A0E0}" presName="childShape" presStyleCnt="0"/>
+      <dgm:spPr/>
+    </dgm:pt>
+    <dgm:pt modelId="{360B229B-0F55-45E5-A55A-DDDBDBD1C921}" type="pres">
+      <dgm:prSet presAssocID="{9E647244-45B2-496C-B687-01576FEABEC4}" presName="Name13" presStyleLbl="parChTrans1D2" presStyleIdx="0" presStyleCnt="12"/>
+      <dgm:spPr/>
+    </dgm:pt>
+    <dgm:pt modelId="{7E3D7089-292B-46E8-B4F0-ADC3733C52BD}" type="pres">
+      <dgm:prSet presAssocID="{DDB8B436-9528-434E-BD0F-6EB4D2ACB929}" presName="childText" presStyleLbl="bgAcc1" presStyleIdx="0" presStyleCnt="12">
+        <dgm:presLayoutVars>
+          <dgm:bulletEnabled val="1"/>
+        </dgm:presLayoutVars>
+      </dgm:prSet>
+      <dgm:spPr/>
+    </dgm:pt>
+    <dgm:pt modelId="{BC1B1EA4-129C-44F6-935B-BA646A7A2AA3}" type="pres">
+      <dgm:prSet presAssocID="{03056A9D-BCBF-4181-B8D6-7E4ECCBD4D9E}" presName="Name13" presStyleLbl="parChTrans1D2" presStyleIdx="1" presStyleCnt="12"/>
+      <dgm:spPr/>
+    </dgm:pt>
+    <dgm:pt modelId="{CF0B1CD2-0FC3-49A4-A520-B01A6C3CCB95}" type="pres">
+      <dgm:prSet presAssocID="{F221EA58-7488-4550-B7A5-965344CA7EAE}" presName="childText" presStyleLbl="bgAcc1" presStyleIdx="1" presStyleCnt="12">
+        <dgm:presLayoutVars>
+          <dgm:bulletEnabled val="1"/>
+        </dgm:presLayoutVars>
+      </dgm:prSet>
+      <dgm:spPr/>
+    </dgm:pt>
+    <dgm:pt modelId="{F5AE7053-0C33-481C-8BFB-D2DAFB4C4294}" type="pres">
+      <dgm:prSet presAssocID="{08AACE21-5FAD-4460-B120-67387C8F0F32}" presName="Name13" presStyleLbl="parChTrans1D2" presStyleIdx="2" presStyleCnt="12"/>
+      <dgm:spPr/>
+    </dgm:pt>
+    <dgm:pt modelId="{C5878689-67F2-4E3D-8C9B-392F50C32024}" type="pres">
+      <dgm:prSet presAssocID="{B1CEE35E-20B6-4A0B-B1E8-D4F40E3162E1}" presName="childText" presStyleLbl="bgAcc1" presStyleIdx="2" presStyleCnt="12">
+        <dgm:presLayoutVars>
+          <dgm:bulletEnabled val="1"/>
+        </dgm:presLayoutVars>
+      </dgm:prSet>
+      <dgm:spPr/>
+    </dgm:pt>
+    <dgm:pt modelId="{78204B86-F48E-424E-B9F0-F61E8700D86E}" type="pres">
+      <dgm:prSet presAssocID="{ED0B78BF-E006-4732-B48C-2ADC9E2EF39A}" presName="root" presStyleCnt="0"/>
+      <dgm:spPr/>
+    </dgm:pt>
+    <dgm:pt modelId="{612CABF1-DDE5-41D1-9036-25B4BE7589BE}" type="pres">
+      <dgm:prSet presAssocID="{ED0B78BF-E006-4732-B48C-2ADC9E2EF39A}" presName="rootComposite" presStyleCnt="0"/>
+      <dgm:spPr/>
+    </dgm:pt>
+    <dgm:pt modelId="{F1C18E15-3E91-476D-8B13-25AD56BC4B13}" type="pres">
+      <dgm:prSet presAssocID="{ED0B78BF-E006-4732-B48C-2ADC9E2EF39A}" presName="rootText" presStyleLbl="node1" presStyleIdx="1" presStyleCnt="3"/>
+      <dgm:spPr/>
+    </dgm:pt>
+    <dgm:pt modelId="{8FA2ECE2-9D66-4FD1-89DE-3231691A8283}" type="pres">
+      <dgm:prSet presAssocID="{ED0B78BF-E006-4732-B48C-2ADC9E2EF39A}" presName="rootConnector" presStyleLbl="node1" presStyleIdx="1" presStyleCnt="3"/>
+      <dgm:spPr/>
+    </dgm:pt>
+    <dgm:pt modelId="{5E7F2D45-2508-495B-A708-02E0FD5F2314}" type="pres">
+      <dgm:prSet presAssocID="{ED0B78BF-E006-4732-B48C-2ADC9E2EF39A}" presName="childShape" presStyleCnt="0"/>
+      <dgm:spPr/>
+    </dgm:pt>
+    <dgm:pt modelId="{2564A6E5-875B-4BC6-B983-AA12C064A019}" type="pres">
+      <dgm:prSet presAssocID="{1EC30C20-D36E-4265-85EE-C210CE02F892}" presName="Name13" presStyleLbl="parChTrans1D2" presStyleIdx="3" presStyleCnt="12"/>
+      <dgm:spPr/>
+    </dgm:pt>
+    <dgm:pt modelId="{3B0CF9DF-CC55-47FF-BECE-903E70F9D2DE}" type="pres">
+      <dgm:prSet presAssocID="{1CBBDDB5-026A-42BF-8805-ACAC57AA5DC3}" presName="childText" presStyleLbl="bgAcc1" presStyleIdx="3" presStyleCnt="12">
+        <dgm:presLayoutVars>
+          <dgm:bulletEnabled val="1"/>
+        </dgm:presLayoutVars>
+      </dgm:prSet>
+      <dgm:spPr/>
+    </dgm:pt>
+    <dgm:pt modelId="{7DFA9A08-1F84-4CF2-9E63-7F6E7C219F76}" type="pres">
+      <dgm:prSet presAssocID="{D39C6496-6307-4FC4-9D55-DB6DA94D051F}" presName="Name13" presStyleLbl="parChTrans1D2" presStyleIdx="4" presStyleCnt="12"/>
+      <dgm:spPr/>
+    </dgm:pt>
+    <dgm:pt modelId="{9C3E65C4-9266-43CB-B08F-79811ABF047A}" type="pres">
+      <dgm:prSet presAssocID="{A7945ECA-2D01-4C03-9AED-9E3EEAAF0F2C}" presName="childText" presStyleLbl="bgAcc1" presStyleIdx="4" presStyleCnt="12">
+        <dgm:presLayoutVars>
+          <dgm:bulletEnabled val="1"/>
+        </dgm:presLayoutVars>
+      </dgm:prSet>
+      <dgm:spPr/>
+    </dgm:pt>
+    <dgm:pt modelId="{35FE4D4C-3CA0-4CCA-8F9D-1668C574961B}" type="pres">
+      <dgm:prSet presAssocID="{08DF2FDD-3A60-4E03-8D9E-10C265EC9121}" presName="Name13" presStyleLbl="parChTrans1D2" presStyleIdx="5" presStyleCnt="12"/>
+      <dgm:spPr/>
+    </dgm:pt>
+    <dgm:pt modelId="{375B2884-C079-4ABC-AF46-CC7B31EF2123}" type="pres">
+      <dgm:prSet presAssocID="{21C8EE31-AEBF-47B2-ADDE-34FDFA6BF6DC}" presName="childText" presStyleLbl="bgAcc1" presStyleIdx="5" presStyleCnt="12">
+        <dgm:presLayoutVars>
+          <dgm:bulletEnabled val="1"/>
+        </dgm:presLayoutVars>
+      </dgm:prSet>
+      <dgm:spPr/>
+    </dgm:pt>
+    <dgm:pt modelId="{16CFAB30-3E6A-44D7-A45D-E3066E142053}" type="pres">
+      <dgm:prSet presAssocID="{FD74BA91-6D78-44B3-BF01-4D49723F4718}" presName="Name13" presStyleLbl="parChTrans1D2" presStyleIdx="6" presStyleCnt="12"/>
+      <dgm:spPr/>
+    </dgm:pt>
+    <dgm:pt modelId="{5F9726AA-E8AD-4C5C-A0CA-2350C4F8CAFA}" type="pres">
+      <dgm:prSet presAssocID="{B0B0FACC-C24A-4552-82AB-C8FE8246DEF8}" presName="childText" presStyleLbl="bgAcc1" presStyleIdx="6" presStyleCnt="12">
+        <dgm:presLayoutVars>
+          <dgm:bulletEnabled val="1"/>
+        </dgm:presLayoutVars>
+      </dgm:prSet>
+      <dgm:spPr/>
+    </dgm:pt>
+    <dgm:pt modelId="{0ECF28DA-9925-4B5B-97B1-BDA459502114}" type="pres">
+      <dgm:prSet presAssocID="{FA010E1E-46BF-40DE-B386-14C19C329E38}" presName="Name13" presStyleLbl="parChTrans1D2" presStyleIdx="7" presStyleCnt="12"/>
+      <dgm:spPr/>
+    </dgm:pt>
+    <dgm:pt modelId="{5A2BB121-DDEE-46A8-AC09-18496F773E62}" type="pres">
+      <dgm:prSet presAssocID="{3C02419B-DA6A-4FDB-972F-4F8DC3AD08E3}" presName="childText" presStyleLbl="bgAcc1" presStyleIdx="7" presStyleCnt="12" custScaleY="115691">
+        <dgm:presLayoutVars>
+          <dgm:bulletEnabled val="1"/>
+        </dgm:presLayoutVars>
+      </dgm:prSet>
+      <dgm:spPr/>
+    </dgm:pt>
+    <dgm:pt modelId="{59FB6EFF-035B-4901-8C84-3BDEA8130465}" type="pres">
+      <dgm:prSet presAssocID="{5D17C516-2319-40FE-8748-E184C6D71444}" presName="root" presStyleCnt="0"/>
+      <dgm:spPr/>
+    </dgm:pt>
+    <dgm:pt modelId="{DFAAFD62-220C-47EA-B1FF-1D698C1D9D0C}" type="pres">
+      <dgm:prSet presAssocID="{5D17C516-2319-40FE-8748-E184C6D71444}" presName="rootComposite" presStyleCnt="0"/>
+      <dgm:spPr/>
+    </dgm:pt>
+    <dgm:pt modelId="{3DB7ADFA-DCAB-4034-9F43-B860EBE864E8}" type="pres">
+      <dgm:prSet presAssocID="{5D17C516-2319-40FE-8748-E184C6D71444}" presName="rootText" presStyleLbl="node1" presStyleIdx="2" presStyleCnt="3"/>
+      <dgm:spPr/>
+    </dgm:pt>
+    <dgm:pt modelId="{A1EB1FFF-29EC-48BF-990F-29DA82114C59}" type="pres">
+      <dgm:prSet presAssocID="{5D17C516-2319-40FE-8748-E184C6D71444}" presName="rootConnector" presStyleLbl="node1" presStyleIdx="2" presStyleCnt="3"/>
+      <dgm:spPr/>
+    </dgm:pt>
+    <dgm:pt modelId="{C961EBF4-10A8-458E-973D-7ED2EFFC972F}" type="pres">
+      <dgm:prSet presAssocID="{5D17C516-2319-40FE-8748-E184C6D71444}" presName="childShape" presStyleCnt="0"/>
+      <dgm:spPr/>
+    </dgm:pt>
+    <dgm:pt modelId="{278D3975-9588-4A95-85BD-D062BB0AE1A4}" type="pres">
+      <dgm:prSet presAssocID="{109F41A6-1D40-4F81-903A-8B0CB1E442DB}" presName="Name13" presStyleLbl="parChTrans1D2" presStyleIdx="8" presStyleCnt="12"/>
+      <dgm:spPr/>
+    </dgm:pt>
+    <dgm:pt modelId="{EDB6085A-8F2B-4B84-887D-9DD4BEC6E4E1}" type="pres">
+      <dgm:prSet presAssocID="{C217CF6C-69F6-4F1F-BFEF-F03F51825445}" presName="childText" presStyleLbl="bgAcc1" presStyleIdx="8" presStyleCnt="12">
+        <dgm:presLayoutVars>
+          <dgm:bulletEnabled val="1"/>
+        </dgm:presLayoutVars>
+      </dgm:prSet>
+      <dgm:spPr/>
+    </dgm:pt>
+    <dgm:pt modelId="{FF100697-267A-4BC5-8DA9-B1F7321DFE84}" type="pres">
+      <dgm:prSet presAssocID="{4B64BF35-F3DD-46FA-A74B-C8F1391BB234}" presName="Name13" presStyleLbl="parChTrans1D2" presStyleIdx="9" presStyleCnt="12"/>
+      <dgm:spPr/>
+    </dgm:pt>
+    <dgm:pt modelId="{291D5A65-BA4D-4BF4-8D0F-050F9D81FBB6}" type="pres">
+      <dgm:prSet presAssocID="{D6553791-8532-4952-AC46-957A80E6F455}" presName="childText" presStyleLbl="bgAcc1" presStyleIdx="9" presStyleCnt="12">
+        <dgm:presLayoutVars>
+          <dgm:bulletEnabled val="1"/>
+        </dgm:presLayoutVars>
+      </dgm:prSet>
+      <dgm:spPr/>
+    </dgm:pt>
+    <dgm:pt modelId="{6B27DFF3-3021-4E99-BF73-829A6255425D}" type="pres">
+      <dgm:prSet presAssocID="{E8807DF0-38BE-4236-AFC9-03DFA18007AA}" presName="Name13" presStyleLbl="parChTrans1D2" presStyleIdx="10" presStyleCnt="12"/>
+      <dgm:spPr/>
+    </dgm:pt>
+    <dgm:pt modelId="{88C17E61-7A2A-46D7-AC95-5E562286A33E}" type="pres">
+      <dgm:prSet presAssocID="{23FBFCAF-D268-4C4D-8359-092F33A19BD5}" presName="childText" presStyleLbl="bgAcc1" presStyleIdx="10" presStyleCnt="12">
+        <dgm:presLayoutVars>
+          <dgm:bulletEnabled val="1"/>
+        </dgm:presLayoutVars>
+      </dgm:prSet>
+      <dgm:spPr/>
+    </dgm:pt>
+    <dgm:pt modelId="{E8A2D34D-9B35-4804-BD08-DC4453907292}" type="pres">
+      <dgm:prSet presAssocID="{E61F56D0-9360-46BF-8251-561CA9F726E8}" presName="Name13" presStyleLbl="parChTrans1D2" presStyleIdx="11" presStyleCnt="12"/>
+      <dgm:spPr/>
+    </dgm:pt>
+    <dgm:pt modelId="{1B267FF2-7D4F-4C45-AA7C-4EA638A9F1C5}" type="pres">
+      <dgm:prSet presAssocID="{BE7D634C-5542-4AE8-B044-37802A6A19BF}" presName="childText" presStyleLbl="bgAcc1" presStyleIdx="11" presStyleCnt="12">
+        <dgm:presLayoutVars>
+          <dgm:bulletEnabled val="1"/>
+        </dgm:presLayoutVars>
+      </dgm:prSet>
+      <dgm:spPr/>
+    </dgm:pt>
+  </dgm:ptLst>
+  <dgm:cxnLst>
+    <dgm:cxn modelId="{F8F3D917-317B-4A80-B606-277A7F6170C2}" srcId="{9AAB3432-E203-4861-9A1F-5A18DE81A0E0}" destId="{F221EA58-7488-4550-B7A5-965344CA7EAE}" srcOrd="1" destOrd="0" parTransId="{03056A9D-BCBF-4181-B8D6-7E4ECCBD4D9E}" sibTransId="{50012D0E-39A9-4FB4-832D-C4D74BE598A6}"/>
+    <dgm:cxn modelId="{B7B8BE25-1D3D-41C1-B2BB-252CA3FFFABF}" srcId="{5D17C516-2319-40FE-8748-E184C6D71444}" destId="{C217CF6C-69F6-4F1F-BFEF-F03F51825445}" srcOrd="0" destOrd="0" parTransId="{109F41A6-1D40-4F81-903A-8B0CB1E442DB}" sibTransId="{727D2815-3763-49AC-8FA5-B78975C6E255}"/>
+    <dgm:cxn modelId="{918F4E28-6C57-4EFF-80BA-F57AC436CDC9}" type="presOf" srcId="{08AACE21-5FAD-4460-B120-67387C8F0F32}" destId="{F5AE7053-0C33-481C-8BFB-D2DAFB4C4294}" srcOrd="0" destOrd="0" presId="urn:microsoft.com/office/officeart/2005/8/layout/hierarchy3"/>
+    <dgm:cxn modelId="{052CFA2E-CA41-4AC1-AB22-4D2537CA2312}" type="presOf" srcId="{21C8EE31-AEBF-47B2-ADDE-34FDFA6BF6DC}" destId="{375B2884-C079-4ABC-AF46-CC7B31EF2123}" srcOrd="0" destOrd="0" presId="urn:microsoft.com/office/officeart/2005/8/layout/hierarchy3"/>
+    <dgm:cxn modelId="{C679C12F-0D37-4771-853C-9B6A72F3F8AB}" srcId="{5D17C516-2319-40FE-8748-E184C6D71444}" destId="{23FBFCAF-D268-4C4D-8359-092F33A19BD5}" srcOrd="2" destOrd="0" parTransId="{E8807DF0-38BE-4236-AFC9-03DFA18007AA}" sibTransId="{49424D88-7251-4F7F-9D61-B03F29AB2536}"/>
+    <dgm:cxn modelId="{372E1130-8A4A-4006-A020-34030B0410C9}" srcId="{ED0B78BF-E006-4732-B48C-2ADC9E2EF39A}" destId="{A7945ECA-2D01-4C03-9AED-9E3EEAAF0F2C}" srcOrd="1" destOrd="0" parTransId="{D39C6496-6307-4FC4-9D55-DB6DA94D051F}" sibTransId="{4FF7D82F-ECB8-4560-8324-4D22393C300C}"/>
+    <dgm:cxn modelId="{7156E032-39F7-4DCF-A095-E4906170ABD1}" type="presOf" srcId="{C217CF6C-69F6-4F1F-BFEF-F03F51825445}" destId="{EDB6085A-8F2B-4B84-887D-9DD4BEC6E4E1}" srcOrd="0" destOrd="0" presId="urn:microsoft.com/office/officeart/2005/8/layout/hierarchy3"/>
+    <dgm:cxn modelId="{77C2803F-5DCB-40EC-8837-BEA44757C328}" type="presOf" srcId="{B1CEE35E-20B6-4A0B-B1E8-D4F40E3162E1}" destId="{C5878689-67F2-4E3D-8C9B-392F50C32024}" srcOrd="0" destOrd="0" presId="urn:microsoft.com/office/officeart/2005/8/layout/hierarchy3"/>
+    <dgm:cxn modelId="{3C31933F-6B34-49D4-B2D3-FA6BA454BF0B}" type="presOf" srcId="{3C02419B-DA6A-4FDB-972F-4F8DC3AD08E3}" destId="{5A2BB121-DDEE-46A8-AC09-18496F773E62}" srcOrd="0" destOrd="0" presId="urn:microsoft.com/office/officeart/2005/8/layout/hierarchy3"/>
+    <dgm:cxn modelId="{91710C5C-CFE2-4A9F-AAD2-9CA95718FBE0}" type="presOf" srcId="{08DF2FDD-3A60-4E03-8D9E-10C265EC9121}" destId="{35FE4D4C-3CA0-4CCA-8F9D-1668C574961B}" srcOrd="0" destOrd="0" presId="urn:microsoft.com/office/officeart/2005/8/layout/hierarchy3"/>
+    <dgm:cxn modelId="{C906736A-EECE-4919-9DAA-28FE9DCB5675}" type="presOf" srcId="{5D17C516-2319-40FE-8748-E184C6D71444}" destId="{3DB7ADFA-DCAB-4034-9F43-B860EBE864E8}" srcOrd="0" destOrd="0" presId="urn:microsoft.com/office/officeart/2005/8/layout/hierarchy3"/>
+    <dgm:cxn modelId="{0DEC854C-4194-43A5-8929-DF87D63D4D63}" type="presOf" srcId="{E61F56D0-9360-46BF-8251-561CA9F726E8}" destId="{E8A2D34D-9B35-4804-BD08-DC4453907292}" srcOrd="0" destOrd="0" presId="urn:microsoft.com/office/officeart/2005/8/layout/hierarchy3"/>
+    <dgm:cxn modelId="{658D4F50-D710-4AB9-8265-F6A1451ABDAD}" type="presOf" srcId="{E8807DF0-38BE-4236-AFC9-03DFA18007AA}" destId="{6B27DFF3-3021-4E99-BF73-829A6255425D}" srcOrd="0" destOrd="0" presId="urn:microsoft.com/office/officeart/2005/8/layout/hierarchy3"/>
+    <dgm:cxn modelId="{1A587271-F11A-4E3E-97F5-0C80881E7856}" type="presOf" srcId="{4B64BF35-F3DD-46FA-A74B-C8F1391BB234}" destId="{FF100697-267A-4BC5-8DA9-B1F7321DFE84}" srcOrd="0" destOrd="0" presId="urn:microsoft.com/office/officeart/2005/8/layout/hierarchy3"/>
+    <dgm:cxn modelId="{C6045752-28A9-4F08-8DE2-ADC62AB18265}" type="presOf" srcId="{109F41A6-1D40-4F81-903A-8B0CB1E442DB}" destId="{278D3975-9588-4A95-85BD-D062BB0AE1A4}" srcOrd="0" destOrd="0" presId="urn:microsoft.com/office/officeart/2005/8/layout/hierarchy3"/>
+    <dgm:cxn modelId="{A598A554-6FB3-42AA-BB2F-C4DBF408EC24}" type="presOf" srcId="{A7945ECA-2D01-4C03-9AED-9E3EEAAF0F2C}" destId="{9C3E65C4-9266-43CB-B08F-79811ABF047A}" srcOrd="0" destOrd="0" presId="urn:microsoft.com/office/officeart/2005/8/layout/hierarchy3"/>
+    <dgm:cxn modelId="{47968857-87E3-481A-908A-A468E51372C1}" srcId="{9AAB3432-E203-4861-9A1F-5A18DE81A0E0}" destId="{B1CEE35E-20B6-4A0B-B1E8-D4F40E3162E1}" srcOrd="2" destOrd="0" parTransId="{08AACE21-5FAD-4460-B120-67387C8F0F32}" sibTransId="{4A08DEA0-C75B-4713-B280-420C60C372D9}"/>
+    <dgm:cxn modelId="{A3550B88-A4A2-4C55-8EEF-D8696D63FDCA}" type="presOf" srcId="{23FBFCAF-D268-4C4D-8359-092F33A19BD5}" destId="{88C17E61-7A2A-46D7-AC95-5E562286A33E}" srcOrd="0" destOrd="0" presId="urn:microsoft.com/office/officeart/2005/8/layout/hierarchy3"/>
+    <dgm:cxn modelId="{22964D88-0DC4-4B3C-A8CE-48EA0783D709}" type="presOf" srcId="{9AAB3432-E203-4861-9A1F-5A18DE81A0E0}" destId="{D5FEF17D-A657-4E90-83A6-FFBD9375BEE2}" srcOrd="1" destOrd="0" presId="urn:microsoft.com/office/officeart/2005/8/layout/hierarchy3"/>
+    <dgm:cxn modelId="{9662958D-3400-409A-ADC7-BEB605777B1F}" srcId="{ED0B78BF-E006-4732-B48C-2ADC9E2EF39A}" destId="{1CBBDDB5-026A-42BF-8805-ACAC57AA5DC3}" srcOrd="0" destOrd="0" parTransId="{1EC30C20-D36E-4265-85EE-C210CE02F892}" sibTransId="{D37EB34B-12D7-42C6-A433-F33F271349CA}"/>
+    <dgm:cxn modelId="{94F0CB90-DE88-47E8-9D0B-FD6D9A03A22C}" type="presOf" srcId="{1EC30C20-D36E-4265-85EE-C210CE02F892}" destId="{2564A6E5-875B-4BC6-B983-AA12C064A019}" srcOrd="0" destOrd="0" presId="urn:microsoft.com/office/officeart/2005/8/layout/hierarchy3"/>
+    <dgm:cxn modelId="{D1FEA694-B081-4B51-851E-3914507C3230}" type="presOf" srcId="{FD74BA91-6D78-44B3-BF01-4D49723F4718}" destId="{16CFAB30-3E6A-44D7-A45D-E3066E142053}" srcOrd="0" destOrd="0" presId="urn:microsoft.com/office/officeart/2005/8/layout/hierarchy3"/>
+    <dgm:cxn modelId="{FAC6949B-B633-43AF-9BCB-483138B18D3F}" type="presOf" srcId="{FA010E1E-46BF-40DE-B386-14C19C329E38}" destId="{0ECF28DA-9925-4B5B-97B1-BDA459502114}" srcOrd="0" destOrd="0" presId="urn:microsoft.com/office/officeart/2005/8/layout/hierarchy3"/>
+    <dgm:cxn modelId="{8B495D9D-5B75-4B97-8FE7-54F24CED5860}" type="presOf" srcId="{1CBBDDB5-026A-42BF-8805-ACAC57AA5DC3}" destId="{3B0CF9DF-CC55-47FF-BECE-903E70F9D2DE}" srcOrd="0" destOrd="0" presId="urn:microsoft.com/office/officeart/2005/8/layout/hierarchy3"/>
+    <dgm:cxn modelId="{F9A2BA9E-B30D-4948-A3E9-A634F6BE47FD}" srcId="{D4ADF4FB-6626-4BAA-8170-1AB86830E7EB}" destId="{5D17C516-2319-40FE-8748-E184C6D71444}" srcOrd="2" destOrd="0" parTransId="{EA441DC7-A30D-47EC-A5C8-C50834D06E30}" sibTransId="{636B54D7-340F-4600-82E5-F2E670443C91}"/>
+    <dgm:cxn modelId="{B2581BA3-7711-4B4F-895A-5C4A1A23D07A}" srcId="{ED0B78BF-E006-4732-B48C-2ADC9E2EF39A}" destId="{3C02419B-DA6A-4FDB-972F-4F8DC3AD08E3}" srcOrd="4" destOrd="0" parTransId="{FA010E1E-46BF-40DE-B386-14C19C329E38}" sibTransId="{ABE6B4B2-8044-42FC-8EBA-A2B2927B372D}"/>
+    <dgm:cxn modelId="{17D275A3-9BBB-4EF7-8582-F13F0E98BB5D}" type="presOf" srcId="{ED0B78BF-E006-4732-B48C-2ADC9E2EF39A}" destId="{F1C18E15-3E91-476D-8B13-25AD56BC4B13}" srcOrd="0" destOrd="0" presId="urn:microsoft.com/office/officeart/2005/8/layout/hierarchy3"/>
+    <dgm:cxn modelId="{29461AA4-85D3-4C91-9D68-226BD6D7500F}" type="presOf" srcId="{DDB8B436-9528-434E-BD0F-6EB4D2ACB929}" destId="{7E3D7089-292B-46E8-B4F0-ADC3733C52BD}" srcOrd="0" destOrd="0" presId="urn:microsoft.com/office/officeart/2005/8/layout/hierarchy3"/>
+    <dgm:cxn modelId="{6F0A8CA4-3728-4E60-8471-7CAB7A834900}" type="presOf" srcId="{F221EA58-7488-4550-B7A5-965344CA7EAE}" destId="{CF0B1CD2-0FC3-49A4-A520-B01A6C3CCB95}" srcOrd="0" destOrd="0" presId="urn:microsoft.com/office/officeart/2005/8/layout/hierarchy3"/>
+    <dgm:cxn modelId="{57CCC0A4-E34E-4C62-A9CF-DD81EEE3866B}" type="presOf" srcId="{ED0B78BF-E006-4732-B48C-2ADC9E2EF39A}" destId="{8FA2ECE2-9D66-4FD1-89DE-3231691A8283}" srcOrd="1" destOrd="0" presId="urn:microsoft.com/office/officeart/2005/8/layout/hierarchy3"/>
+    <dgm:cxn modelId="{B9BF7AAF-65F6-4C3F-A447-D4308C54C183}" type="presOf" srcId="{03056A9D-BCBF-4181-B8D6-7E4ECCBD4D9E}" destId="{BC1B1EA4-129C-44F6-935B-BA646A7A2AA3}" srcOrd="0" destOrd="0" presId="urn:microsoft.com/office/officeart/2005/8/layout/hierarchy3"/>
+    <dgm:cxn modelId="{9A9D42B1-F32F-4577-8983-B9A3F16912EF}" type="presOf" srcId="{5D17C516-2319-40FE-8748-E184C6D71444}" destId="{A1EB1FFF-29EC-48BF-990F-29DA82114C59}" srcOrd="1" destOrd="0" presId="urn:microsoft.com/office/officeart/2005/8/layout/hierarchy3"/>
+    <dgm:cxn modelId="{89C78CB1-6741-4CF3-94C6-75218CA722F2}" type="presOf" srcId="{9E647244-45B2-496C-B687-01576FEABEC4}" destId="{360B229B-0F55-45E5-A55A-DDDBDBD1C921}" srcOrd="0" destOrd="0" presId="urn:microsoft.com/office/officeart/2005/8/layout/hierarchy3"/>
+    <dgm:cxn modelId="{A1A3BCB4-83BF-4A79-B53F-5F8A606BDE54}" srcId="{D4ADF4FB-6626-4BAA-8170-1AB86830E7EB}" destId="{ED0B78BF-E006-4732-B48C-2ADC9E2EF39A}" srcOrd="1" destOrd="0" parTransId="{28816F29-4038-473E-B49B-94074EA0A51E}" sibTransId="{23CFA8B8-2A05-4928-AEB3-72448E3A79E3}"/>
+    <dgm:cxn modelId="{05A31FBA-4386-4C52-B511-34CACCBA2A2F}" type="presOf" srcId="{D6553791-8532-4952-AC46-957A80E6F455}" destId="{291D5A65-BA4D-4BF4-8D0F-050F9D81FBB6}" srcOrd="0" destOrd="0" presId="urn:microsoft.com/office/officeart/2005/8/layout/hierarchy3"/>
+    <dgm:cxn modelId="{D3B30ABB-789A-496A-BE80-A66E542511F0}" type="presOf" srcId="{B0B0FACC-C24A-4552-82AB-C8FE8246DEF8}" destId="{5F9726AA-E8AD-4C5C-A0CA-2350C4F8CAFA}" srcOrd="0" destOrd="0" presId="urn:microsoft.com/office/officeart/2005/8/layout/hierarchy3"/>
+    <dgm:cxn modelId="{F5F6D4BB-2DFC-4FC1-ABCD-FF03786BFFE0}" srcId="{D4ADF4FB-6626-4BAA-8170-1AB86830E7EB}" destId="{9AAB3432-E203-4861-9A1F-5A18DE81A0E0}" srcOrd="0" destOrd="0" parTransId="{A67FC2F0-CFC7-4D0E-AB12-FC8B412EC38C}" sibTransId="{6A4E30F2-4DB5-4E70-B35C-3B1843570C40}"/>
+    <dgm:cxn modelId="{F089AEBC-BE1B-4B2B-AE04-A2DE441E9900}" type="presOf" srcId="{BE7D634C-5542-4AE8-B044-37802A6A19BF}" destId="{1B267FF2-7D4F-4C45-AA7C-4EA638A9F1C5}" srcOrd="0" destOrd="0" presId="urn:microsoft.com/office/officeart/2005/8/layout/hierarchy3"/>
+    <dgm:cxn modelId="{B7404AC6-1631-4D80-950E-A28F1FE44D7F}" srcId="{5D17C516-2319-40FE-8748-E184C6D71444}" destId="{BE7D634C-5542-4AE8-B044-37802A6A19BF}" srcOrd="3" destOrd="0" parTransId="{E61F56D0-9360-46BF-8251-561CA9F726E8}" sibTransId="{F057A6F2-F3CD-40BE-A001-82BB25F47711}"/>
+    <dgm:cxn modelId="{CF5086CE-64BD-4DFC-A4A2-5A3B8EB678D2}" type="presOf" srcId="{D39C6496-6307-4FC4-9D55-DB6DA94D051F}" destId="{7DFA9A08-1F84-4CF2-9E63-7F6E7C219F76}" srcOrd="0" destOrd="0" presId="urn:microsoft.com/office/officeart/2005/8/layout/hierarchy3"/>
+    <dgm:cxn modelId="{E630B7D1-EF42-4E29-A586-EDEEAFD22353}" srcId="{5D17C516-2319-40FE-8748-E184C6D71444}" destId="{D6553791-8532-4952-AC46-957A80E6F455}" srcOrd="1" destOrd="0" parTransId="{4B64BF35-F3DD-46FA-A74B-C8F1391BB234}" sibTransId="{C19A1F15-CCAA-4226-B7DD-F2CD4049A9B3}"/>
+    <dgm:cxn modelId="{B80BDAD5-1DB9-4ED8-AD7A-F59F92E4D26B}" type="presOf" srcId="{D4ADF4FB-6626-4BAA-8170-1AB86830E7EB}" destId="{5EAC0F1C-8135-499C-A050-8951C4D4D68B}" srcOrd="0" destOrd="0" presId="urn:microsoft.com/office/officeart/2005/8/layout/hierarchy3"/>
+    <dgm:cxn modelId="{05392EDD-3032-43C3-BA79-A1347D6D727C}" srcId="{9AAB3432-E203-4861-9A1F-5A18DE81A0E0}" destId="{DDB8B436-9528-434E-BD0F-6EB4D2ACB929}" srcOrd="0" destOrd="0" parTransId="{9E647244-45B2-496C-B687-01576FEABEC4}" sibTransId="{EE60868F-7BA4-434D-84FC-89FFDDF05FC3}"/>
+    <dgm:cxn modelId="{62C2F0F4-284D-4D02-8F32-BB76663AFA1F}" srcId="{ED0B78BF-E006-4732-B48C-2ADC9E2EF39A}" destId="{21C8EE31-AEBF-47B2-ADDE-34FDFA6BF6DC}" srcOrd="2" destOrd="0" parTransId="{08DF2FDD-3A60-4E03-8D9E-10C265EC9121}" sibTransId="{FFC06923-B3D1-4430-8195-28C90DC2D93A}"/>
+    <dgm:cxn modelId="{13013BF6-3A96-443E-9540-BE81022B503E}" type="presOf" srcId="{9AAB3432-E203-4861-9A1F-5A18DE81A0E0}" destId="{D42C5353-2F91-4910-9E62-259C884C47C8}" srcOrd="0" destOrd="0" presId="urn:microsoft.com/office/officeart/2005/8/layout/hierarchy3"/>
+    <dgm:cxn modelId="{FCD83CF7-A1CD-455F-A466-CFFA01A2A6C9}" srcId="{ED0B78BF-E006-4732-B48C-2ADC9E2EF39A}" destId="{B0B0FACC-C24A-4552-82AB-C8FE8246DEF8}" srcOrd="3" destOrd="0" parTransId="{FD74BA91-6D78-44B3-BF01-4D49723F4718}" sibTransId="{E6264341-6F1C-4A60-9081-A5335333D714}"/>
+    <dgm:cxn modelId="{D1AD12C1-70FD-4640-8165-4E8A414F3C3C}" type="presParOf" srcId="{5EAC0F1C-8135-499C-A050-8951C4D4D68B}" destId="{E9A360F5-905C-4B1F-87BD-8099DBD7826B}" srcOrd="0" destOrd="0" presId="urn:microsoft.com/office/officeart/2005/8/layout/hierarchy3"/>
+    <dgm:cxn modelId="{EA767C94-0C36-4B1E-B0CE-249521D515D9}" type="presParOf" srcId="{E9A360F5-905C-4B1F-87BD-8099DBD7826B}" destId="{770F0FD6-A664-4D0A-A016-FBEA3DBC5EF2}" srcOrd="0" destOrd="0" presId="urn:microsoft.com/office/officeart/2005/8/layout/hierarchy3"/>
+    <dgm:cxn modelId="{99E9EA2F-D216-4B5B-BB7F-3561383CB3E9}" type="presParOf" srcId="{770F0FD6-A664-4D0A-A016-FBEA3DBC5EF2}" destId="{D42C5353-2F91-4910-9E62-259C884C47C8}" srcOrd="0" destOrd="0" presId="urn:microsoft.com/office/officeart/2005/8/layout/hierarchy3"/>
+    <dgm:cxn modelId="{68651435-D41E-41DA-A714-AA24CA135D34}" type="presParOf" srcId="{770F0FD6-A664-4D0A-A016-FBEA3DBC5EF2}" destId="{D5FEF17D-A657-4E90-83A6-FFBD9375BEE2}" srcOrd="1" destOrd="0" presId="urn:microsoft.com/office/officeart/2005/8/layout/hierarchy3"/>
+    <dgm:cxn modelId="{4F96940D-AB8F-483B-8E33-09350038BE5F}" type="presParOf" srcId="{E9A360F5-905C-4B1F-87BD-8099DBD7826B}" destId="{ED254901-973D-4D91-AABF-EBA39BDAC603}" srcOrd="1" destOrd="0" presId="urn:microsoft.com/office/officeart/2005/8/layout/hierarchy3"/>
+    <dgm:cxn modelId="{EFCBF1C7-F098-4081-A971-DBD264293E1B}" type="presParOf" srcId="{ED254901-973D-4D91-AABF-EBA39BDAC603}" destId="{360B229B-0F55-45E5-A55A-DDDBDBD1C921}" srcOrd="0" destOrd="0" presId="urn:microsoft.com/office/officeart/2005/8/layout/hierarchy3"/>
+    <dgm:cxn modelId="{11514D88-7BDE-4B06-BABF-48FD2C185D66}" type="presParOf" srcId="{ED254901-973D-4D91-AABF-EBA39BDAC603}" destId="{7E3D7089-292B-46E8-B4F0-ADC3733C52BD}" srcOrd="1" destOrd="0" presId="urn:microsoft.com/office/officeart/2005/8/layout/hierarchy3"/>
+    <dgm:cxn modelId="{7065C4CB-4AB6-45D8-B5BA-CD814B7462FF}" type="presParOf" srcId="{ED254901-973D-4D91-AABF-EBA39BDAC603}" destId="{BC1B1EA4-129C-44F6-935B-BA646A7A2AA3}" srcOrd="2" destOrd="0" presId="urn:microsoft.com/office/officeart/2005/8/layout/hierarchy3"/>
+    <dgm:cxn modelId="{C3F9E7A4-75B1-4B7E-A1E5-4987D8B78D37}" type="presParOf" srcId="{ED254901-973D-4D91-AABF-EBA39BDAC603}" destId="{CF0B1CD2-0FC3-49A4-A520-B01A6C3CCB95}" srcOrd="3" destOrd="0" presId="urn:microsoft.com/office/officeart/2005/8/layout/hierarchy3"/>
+    <dgm:cxn modelId="{FB9B22F7-2413-495F-B229-6C18B49466FC}" type="presParOf" srcId="{ED254901-973D-4D91-AABF-EBA39BDAC603}" destId="{F5AE7053-0C33-481C-8BFB-D2DAFB4C4294}" srcOrd="4" destOrd="0" presId="urn:microsoft.com/office/officeart/2005/8/layout/hierarchy3"/>
+    <dgm:cxn modelId="{C16A5564-59F3-412A-B4EB-B65B63053508}" type="presParOf" srcId="{ED254901-973D-4D91-AABF-EBA39BDAC603}" destId="{C5878689-67F2-4E3D-8C9B-392F50C32024}" srcOrd="5" destOrd="0" presId="urn:microsoft.com/office/officeart/2005/8/layout/hierarchy3"/>
+    <dgm:cxn modelId="{09181F9B-E167-4B75-B6B6-F9E14D694D89}" type="presParOf" srcId="{5EAC0F1C-8135-499C-A050-8951C4D4D68B}" destId="{78204B86-F48E-424E-B9F0-F61E8700D86E}" srcOrd="1" destOrd="0" presId="urn:microsoft.com/office/officeart/2005/8/layout/hierarchy3"/>
+    <dgm:cxn modelId="{DBC2B5BC-DFDC-474C-A838-26BB04DE679E}" type="presParOf" srcId="{78204B86-F48E-424E-B9F0-F61E8700D86E}" destId="{612CABF1-DDE5-41D1-9036-25B4BE7589BE}" srcOrd="0" destOrd="0" presId="urn:microsoft.com/office/officeart/2005/8/layout/hierarchy3"/>
+    <dgm:cxn modelId="{28B003FA-10B3-4B59-9252-9741DA196AD4}" type="presParOf" srcId="{612CABF1-DDE5-41D1-9036-25B4BE7589BE}" destId="{F1C18E15-3E91-476D-8B13-25AD56BC4B13}" srcOrd="0" destOrd="0" presId="urn:microsoft.com/office/officeart/2005/8/layout/hierarchy3"/>
+    <dgm:cxn modelId="{3CDADAA2-FDA6-4600-957E-40993F510D7B}" type="presParOf" srcId="{612CABF1-DDE5-41D1-9036-25B4BE7589BE}" destId="{8FA2ECE2-9D66-4FD1-89DE-3231691A8283}" srcOrd="1" destOrd="0" presId="urn:microsoft.com/office/officeart/2005/8/layout/hierarchy3"/>
+    <dgm:cxn modelId="{D333763B-8A35-4756-B2BA-39040A45CB48}" type="presParOf" srcId="{78204B86-F48E-424E-B9F0-F61E8700D86E}" destId="{5E7F2D45-2508-495B-A708-02E0FD5F2314}" srcOrd="1" destOrd="0" presId="urn:microsoft.com/office/officeart/2005/8/layout/hierarchy3"/>
+    <dgm:cxn modelId="{259421E8-95D2-4D14-8B2B-86B19D729340}" type="presParOf" srcId="{5E7F2D45-2508-495B-A708-02E0FD5F2314}" destId="{2564A6E5-875B-4BC6-B983-AA12C064A019}" srcOrd="0" destOrd="0" presId="urn:microsoft.com/office/officeart/2005/8/layout/hierarchy3"/>
+    <dgm:cxn modelId="{8BDD8554-2C29-4FFE-BD1A-F208CC31C2A1}" type="presParOf" srcId="{5E7F2D45-2508-495B-A708-02E0FD5F2314}" destId="{3B0CF9DF-CC55-47FF-BECE-903E70F9D2DE}" srcOrd="1" destOrd="0" presId="urn:microsoft.com/office/officeart/2005/8/layout/hierarchy3"/>
+    <dgm:cxn modelId="{875A6F76-A845-47E2-9FD3-19114F777D75}" type="presParOf" srcId="{5E7F2D45-2508-495B-A708-02E0FD5F2314}" destId="{7DFA9A08-1F84-4CF2-9E63-7F6E7C219F76}" srcOrd="2" destOrd="0" presId="urn:microsoft.com/office/officeart/2005/8/layout/hierarchy3"/>
+    <dgm:cxn modelId="{D1011F87-5E28-4D3F-8118-4BA6A4FEA06E}" type="presParOf" srcId="{5E7F2D45-2508-495B-A708-02E0FD5F2314}" destId="{9C3E65C4-9266-43CB-B08F-79811ABF047A}" srcOrd="3" destOrd="0" presId="urn:microsoft.com/office/officeart/2005/8/layout/hierarchy3"/>
+    <dgm:cxn modelId="{1C9EC978-49C4-44B1-B7F0-A80918C3CC4C}" type="presParOf" srcId="{5E7F2D45-2508-495B-A708-02E0FD5F2314}" destId="{35FE4D4C-3CA0-4CCA-8F9D-1668C574961B}" srcOrd="4" destOrd="0" presId="urn:microsoft.com/office/officeart/2005/8/layout/hierarchy3"/>
+    <dgm:cxn modelId="{B79D566C-42D9-42A8-9C46-AA22B87D15A7}" type="presParOf" srcId="{5E7F2D45-2508-495B-A708-02E0FD5F2314}" destId="{375B2884-C079-4ABC-AF46-CC7B31EF2123}" srcOrd="5" destOrd="0" presId="urn:microsoft.com/office/officeart/2005/8/layout/hierarchy3"/>
+    <dgm:cxn modelId="{B64B3C35-7E92-47FF-A43C-7E75EABB7DE0}" type="presParOf" srcId="{5E7F2D45-2508-495B-A708-02E0FD5F2314}" destId="{16CFAB30-3E6A-44D7-A45D-E3066E142053}" srcOrd="6" destOrd="0" presId="urn:microsoft.com/office/officeart/2005/8/layout/hierarchy3"/>
+    <dgm:cxn modelId="{86D49351-D3C9-48A1-88EA-44A93353F587}" type="presParOf" srcId="{5E7F2D45-2508-495B-A708-02E0FD5F2314}" destId="{5F9726AA-E8AD-4C5C-A0CA-2350C4F8CAFA}" srcOrd="7" destOrd="0" presId="urn:microsoft.com/office/officeart/2005/8/layout/hierarchy3"/>
+    <dgm:cxn modelId="{91C1DB7D-DADE-48E1-9C3F-D33F6FC84386}" type="presParOf" srcId="{5E7F2D45-2508-495B-A708-02E0FD5F2314}" destId="{0ECF28DA-9925-4B5B-97B1-BDA459502114}" srcOrd="8" destOrd="0" presId="urn:microsoft.com/office/officeart/2005/8/layout/hierarchy3"/>
+    <dgm:cxn modelId="{7A09BA7C-9EDC-496E-8A6D-4B0744B8C88D}" type="presParOf" srcId="{5E7F2D45-2508-495B-A708-02E0FD5F2314}" destId="{5A2BB121-DDEE-46A8-AC09-18496F773E62}" srcOrd="9" destOrd="0" presId="urn:microsoft.com/office/officeart/2005/8/layout/hierarchy3"/>
     <dgm:cxn modelId="{F5B8C0DF-97A3-423B-9A5D-53FC91FEE07D}" type="presParOf" srcId="{5EAC0F1C-8135-499C-A050-8951C4D4D68B}" destId="{59FB6EFF-035B-4901-8C84-3BDEA8130465}" srcOrd="2" destOrd="0" presId="urn:microsoft.com/office/officeart/2005/8/layout/hierarchy3"/>
     <dgm:cxn modelId="{2C3BEA50-80F2-41C7-A82B-5C3E16FC0BD9}" type="presParOf" srcId="{59FB6EFF-035B-4901-8C84-3BDEA8130465}" destId="{DFAAFD62-220C-47EA-B1FF-1D698C1D9D0C}" srcOrd="0" destOrd="0" presId="urn:microsoft.com/office/officeart/2005/8/layout/hierarchy3"/>
     <dgm:cxn modelId="{5783CD70-7213-4FC1-AF68-237D5BC3062A}" type="presParOf" srcId="{DFAAFD62-220C-47EA-B1FF-1D698C1D9D0C}" destId="{3DB7ADFA-DCAB-4034-9F43-B860EBE864E8}" srcOrd="0" destOrd="0" presId="urn:microsoft.com/office/officeart/2005/8/layout/hierarchy3"/>
@@ -3466,7 +5082,2180 @@
 </dsp:drawing>
 </file>
 
+<file path=ppt/diagrams/drawing2.xml><?xml version="1.0" encoding="utf-8"?>
+<dsp:drawing xmlns:dgm="http://schemas.openxmlformats.org/drawingml/2006/diagram" xmlns:dsp="http://schemas.microsoft.com/office/drawing/2008/diagram" xmlns:a="http://schemas.openxmlformats.org/drawingml/2006/main">
+  <dsp:spTree>
+    <dsp:nvGrpSpPr>
+      <dsp:cNvPr id="0" name=""/>
+      <dsp:cNvGrpSpPr/>
+    </dsp:nvGrpSpPr>
+    <dsp:grpSpPr/>
+    <dsp:sp modelId="{D42C5353-2F91-4910-9E62-259C884C47C8}">
+      <dsp:nvSpPr>
+        <dsp:cNvPr id="0" name=""/>
+        <dsp:cNvSpPr/>
+      </dsp:nvSpPr>
+      <dsp:spPr>
+        <a:xfrm>
+          <a:off x="912316" y="372"/>
+          <a:ext cx="1220390" cy="610195"/>
+        </a:xfrm>
+        <a:prstGeom prst="roundRect">
+          <a:avLst>
+            <a:gd name="adj" fmla="val 10000"/>
+          </a:avLst>
+        </a:prstGeom>
+        <a:solidFill>
+          <a:schemeClr val="accent1">
+            <a:hueOff val="0"/>
+            <a:satOff val="0"/>
+            <a:lumOff val="0"/>
+            <a:alphaOff val="0"/>
+          </a:schemeClr>
+        </a:solidFill>
+        <a:ln w="25400" cap="flat" cmpd="sng" algn="ctr">
+          <a:solidFill>
+            <a:schemeClr val="lt1">
+              <a:hueOff val="0"/>
+              <a:satOff val="0"/>
+              <a:lumOff val="0"/>
+              <a:alphaOff val="0"/>
+            </a:schemeClr>
+          </a:solidFill>
+          <a:prstDash val="solid"/>
+        </a:ln>
+        <a:effectLst/>
+      </dsp:spPr>
+      <dsp:style>
+        <a:lnRef idx="2">
+          <a:scrgbClr r="0" g="0" b="0"/>
+        </a:lnRef>
+        <a:fillRef idx="1">
+          <a:scrgbClr r="0" g="0" b="0"/>
+        </a:fillRef>
+        <a:effectRef idx="0">
+          <a:scrgbClr r="0" g="0" b="0"/>
+        </a:effectRef>
+        <a:fontRef idx="minor">
+          <a:schemeClr val="lt1"/>
+        </a:fontRef>
+      </dsp:style>
+      <dsp:txBody>
+        <a:bodyPr spcFirstLastPara="0" vert="horz" wrap="square" lIns="24765" tIns="16510" rIns="24765" bIns="16510" numCol="1" spcCol="1270" anchor="ctr" anchorCtr="0">
+          <a:noAutofit/>
+        </a:bodyPr>
+        <a:lstStyle/>
+        <a:p>
+          <a:pPr marL="0" lvl="0" indent="0" algn="ctr" defTabSz="577850">
+            <a:lnSpc>
+              <a:spcPct val="90000"/>
+            </a:lnSpc>
+            <a:spcBef>
+              <a:spcPct val="0"/>
+            </a:spcBef>
+            <a:spcAft>
+              <a:spcPct val="35000"/>
+            </a:spcAft>
+            <a:buNone/>
+          </a:pPr>
+          <a:r>
+            <a:rPr lang="en-US" sz="1300" kern="1200" dirty="0"/>
+            <a:t>Basic Principles</a:t>
+          </a:r>
+        </a:p>
+      </dsp:txBody>
+      <dsp:txXfrm>
+        <a:off x="930188" y="18244"/>
+        <a:ext cx="1184646" cy="574451"/>
+      </dsp:txXfrm>
+    </dsp:sp>
+    <dsp:sp modelId="{360B229B-0F55-45E5-A55A-DDDBDBD1C921}">
+      <dsp:nvSpPr>
+        <dsp:cNvPr id="0" name=""/>
+        <dsp:cNvSpPr/>
+      </dsp:nvSpPr>
+      <dsp:spPr>
+        <a:xfrm>
+          <a:off x="1034355" y="610567"/>
+          <a:ext cx="122039" cy="457646"/>
+        </a:xfrm>
+        <a:custGeom>
+          <a:avLst/>
+          <a:gdLst/>
+          <a:ahLst/>
+          <a:cxnLst/>
+          <a:rect l="0" t="0" r="0" b="0"/>
+          <a:pathLst>
+            <a:path>
+              <a:moveTo>
+                <a:pt x="0" y="0"/>
+              </a:moveTo>
+              <a:lnTo>
+                <a:pt x="0" y="457646"/>
+              </a:lnTo>
+              <a:lnTo>
+                <a:pt x="122039" y="457646"/>
+              </a:lnTo>
+            </a:path>
+          </a:pathLst>
+        </a:custGeom>
+        <a:noFill/>
+        <a:ln w="25400" cap="flat" cmpd="sng" algn="ctr">
+          <a:solidFill>
+            <a:schemeClr val="accent1">
+              <a:shade val="60000"/>
+              <a:hueOff val="0"/>
+              <a:satOff val="0"/>
+              <a:lumOff val="0"/>
+              <a:alphaOff val="0"/>
+            </a:schemeClr>
+          </a:solidFill>
+          <a:prstDash val="solid"/>
+        </a:ln>
+        <a:effectLst/>
+      </dsp:spPr>
+      <dsp:style>
+        <a:lnRef idx="2">
+          <a:scrgbClr r="0" g="0" b="0"/>
+        </a:lnRef>
+        <a:fillRef idx="0">
+          <a:scrgbClr r="0" g="0" b="0"/>
+        </a:fillRef>
+        <a:effectRef idx="0">
+          <a:scrgbClr r="0" g="0" b="0"/>
+        </a:effectRef>
+        <a:fontRef idx="minor"/>
+      </dsp:style>
+    </dsp:sp>
+    <dsp:sp modelId="{7E3D7089-292B-46E8-B4F0-ADC3733C52BD}">
+      <dsp:nvSpPr>
+        <dsp:cNvPr id="0" name=""/>
+        <dsp:cNvSpPr/>
+      </dsp:nvSpPr>
+      <dsp:spPr>
+        <a:xfrm>
+          <a:off x="1156394" y="763116"/>
+          <a:ext cx="976312" cy="610195"/>
+        </a:xfrm>
+        <a:prstGeom prst="roundRect">
+          <a:avLst>
+            <a:gd name="adj" fmla="val 10000"/>
+          </a:avLst>
+        </a:prstGeom>
+        <a:solidFill>
+          <a:schemeClr val="lt1">
+            <a:alpha val="90000"/>
+            <a:hueOff val="0"/>
+            <a:satOff val="0"/>
+            <a:lumOff val="0"/>
+            <a:alphaOff val="0"/>
+          </a:schemeClr>
+        </a:solidFill>
+        <a:ln w="25400" cap="flat" cmpd="sng" algn="ctr">
+          <a:solidFill>
+            <a:schemeClr val="accent1">
+              <a:hueOff val="0"/>
+              <a:satOff val="0"/>
+              <a:lumOff val="0"/>
+              <a:alphaOff val="0"/>
+            </a:schemeClr>
+          </a:solidFill>
+          <a:prstDash val="solid"/>
+        </a:ln>
+        <a:effectLst/>
+      </dsp:spPr>
+      <dsp:style>
+        <a:lnRef idx="2">
+          <a:scrgbClr r="0" g="0" b="0"/>
+        </a:lnRef>
+        <a:fillRef idx="1">
+          <a:scrgbClr r="0" g="0" b="0"/>
+        </a:fillRef>
+        <a:effectRef idx="0">
+          <a:scrgbClr r="0" g="0" b="0"/>
+        </a:effectRef>
+        <a:fontRef idx="minor"/>
+      </dsp:style>
+      <dsp:txBody>
+        <a:bodyPr spcFirstLastPara="0" vert="horz" wrap="square" lIns="19050" tIns="12700" rIns="19050" bIns="12700" numCol="1" spcCol="1270" anchor="ctr" anchorCtr="0">
+          <a:noAutofit/>
+        </a:bodyPr>
+        <a:lstStyle/>
+        <a:p>
+          <a:pPr marL="0" lvl="0" indent="0" algn="ctr" defTabSz="444500">
+            <a:lnSpc>
+              <a:spcPct val="90000"/>
+            </a:lnSpc>
+            <a:spcBef>
+              <a:spcPct val="0"/>
+            </a:spcBef>
+            <a:spcAft>
+              <a:spcPct val="35000"/>
+            </a:spcAft>
+            <a:buNone/>
+          </a:pPr>
+          <a:r>
+            <a:rPr lang="en-US" sz="1000" kern="1200" dirty="0"/>
+            <a:t>Designing Data</a:t>
+          </a:r>
+        </a:p>
+      </dsp:txBody>
+      <dsp:txXfrm>
+        <a:off x="1174266" y="780988"/>
+        <a:ext cx="940568" cy="574451"/>
+      </dsp:txXfrm>
+    </dsp:sp>
+    <dsp:sp modelId="{BC1B1EA4-129C-44F6-935B-BA646A7A2AA3}">
+      <dsp:nvSpPr>
+        <dsp:cNvPr id="0" name=""/>
+        <dsp:cNvSpPr/>
+      </dsp:nvSpPr>
+      <dsp:spPr>
+        <a:xfrm>
+          <a:off x="1034355" y="610567"/>
+          <a:ext cx="122039" cy="1220390"/>
+        </a:xfrm>
+        <a:custGeom>
+          <a:avLst/>
+          <a:gdLst/>
+          <a:ahLst/>
+          <a:cxnLst/>
+          <a:rect l="0" t="0" r="0" b="0"/>
+          <a:pathLst>
+            <a:path>
+              <a:moveTo>
+                <a:pt x="0" y="0"/>
+              </a:moveTo>
+              <a:lnTo>
+                <a:pt x="0" y="1220390"/>
+              </a:lnTo>
+              <a:lnTo>
+                <a:pt x="122039" y="1220390"/>
+              </a:lnTo>
+            </a:path>
+          </a:pathLst>
+        </a:custGeom>
+        <a:noFill/>
+        <a:ln w="25400" cap="flat" cmpd="sng" algn="ctr">
+          <a:solidFill>
+            <a:schemeClr val="accent1">
+              <a:shade val="60000"/>
+              <a:hueOff val="0"/>
+              <a:satOff val="0"/>
+              <a:lumOff val="0"/>
+              <a:alphaOff val="0"/>
+            </a:schemeClr>
+          </a:solidFill>
+          <a:prstDash val="solid"/>
+        </a:ln>
+        <a:effectLst/>
+      </dsp:spPr>
+      <dsp:style>
+        <a:lnRef idx="2">
+          <a:scrgbClr r="0" g="0" b="0"/>
+        </a:lnRef>
+        <a:fillRef idx="0">
+          <a:scrgbClr r="0" g="0" b="0"/>
+        </a:fillRef>
+        <a:effectRef idx="0">
+          <a:scrgbClr r="0" g="0" b="0"/>
+        </a:effectRef>
+        <a:fontRef idx="minor"/>
+      </dsp:style>
+    </dsp:sp>
+    <dsp:sp modelId="{CF0B1CD2-0FC3-49A4-A520-B01A6C3CCB95}">
+      <dsp:nvSpPr>
+        <dsp:cNvPr id="0" name=""/>
+        <dsp:cNvSpPr/>
+      </dsp:nvSpPr>
+      <dsp:spPr>
+        <a:xfrm>
+          <a:off x="1156394" y="1525860"/>
+          <a:ext cx="976312" cy="610195"/>
+        </a:xfrm>
+        <a:prstGeom prst="roundRect">
+          <a:avLst>
+            <a:gd name="adj" fmla="val 10000"/>
+          </a:avLst>
+        </a:prstGeom>
+        <a:solidFill>
+          <a:schemeClr val="lt1">
+            <a:alpha val="90000"/>
+            <a:hueOff val="0"/>
+            <a:satOff val="0"/>
+            <a:lumOff val="0"/>
+            <a:alphaOff val="0"/>
+          </a:schemeClr>
+        </a:solidFill>
+        <a:ln w="25400" cap="flat" cmpd="sng" algn="ctr">
+          <a:solidFill>
+            <a:schemeClr val="accent1">
+              <a:hueOff val="0"/>
+              <a:satOff val="0"/>
+              <a:lumOff val="0"/>
+              <a:alphaOff val="0"/>
+            </a:schemeClr>
+          </a:solidFill>
+          <a:prstDash val="solid"/>
+        </a:ln>
+        <a:effectLst/>
+      </dsp:spPr>
+      <dsp:style>
+        <a:lnRef idx="2">
+          <a:scrgbClr r="0" g="0" b="0"/>
+        </a:lnRef>
+        <a:fillRef idx="1">
+          <a:scrgbClr r="0" g="0" b="0"/>
+        </a:fillRef>
+        <a:effectRef idx="0">
+          <a:scrgbClr r="0" g="0" b="0"/>
+        </a:effectRef>
+        <a:fontRef idx="minor"/>
+      </dsp:style>
+      <dsp:txBody>
+        <a:bodyPr spcFirstLastPara="0" vert="horz" wrap="square" lIns="19050" tIns="12700" rIns="19050" bIns="12700" numCol="1" spcCol="1270" anchor="ctr" anchorCtr="0">
+          <a:noAutofit/>
+        </a:bodyPr>
+        <a:lstStyle/>
+        <a:p>
+          <a:pPr marL="0" lvl="0" indent="0" algn="ctr" defTabSz="444500">
+            <a:lnSpc>
+              <a:spcPct val="90000"/>
+            </a:lnSpc>
+            <a:spcBef>
+              <a:spcPct val="0"/>
+            </a:spcBef>
+            <a:spcAft>
+              <a:spcPct val="35000"/>
+            </a:spcAft>
+            <a:buNone/>
+          </a:pPr>
+          <a:r>
+            <a:rPr lang="en-US" sz="1000" kern="1200" dirty="0"/>
+            <a:t>Designing Functions</a:t>
+          </a:r>
+        </a:p>
+      </dsp:txBody>
+      <dsp:txXfrm>
+        <a:off x="1174266" y="1543732"/>
+        <a:ext cx="940568" cy="574451"/>
+      </dsp:txXfrm>
+    </dsp:sp>
+    <dsp:sp modelId="{F5AE7053-0C33-481C-8BFB-D2DAFB4C4294}">
+      <dsp:nvSpPr>
+        <dsp:cNvPr id="0" name=""/>
+        <dsp:cNvSpPr/>
+      </dsp:nvSpPr>
+      <dsp:spPr>
+        <a:xfrm>
+          <a:off x="1034355" y="610567"/>
+          <a:ext cx="122039" cy="1983134"/>
+        </a:xfrm>
+        <a:custGeom>
+          <a:avLst/>
+          <a:gdLst/>
+          <a:ahLst/>
+          <a:cxnLst/>
+          <a:rect l="0" t="0" r="0" b="0"/>
+          <a:pathLst>
+            <a:path>
+              <a:moveTo>
+                <a:pt x="0" y="0"/>
+              </a:moveTo>
+              <a:lnTo>
+                <a:pt x="0" y="1983134"/>
+              </a:lnTo>
+              <a:lnTo>
+                <a:pt x="122039" y="1983134"/>
+              </a:lnTo>
+            </a:path>
+          </a:pathLst>
+        </a:custGeom>
+        <a:noFill/>
+        <a:ln w="25400" cap="flat" cmpd="sng" algn="ctr">
+          <a:solidFill>
+            <a:schemeClr val="accent1">
+              <a:shade val="60000"/>
+              <a:hueOff val="0"/>
+              <a:satOff val="0"/>
+              <a:lumOff val="0"/>
+              <a:alphaOff val="0"/>
+            </a:schemeClr>
+          </a:solidFill>
+          <a:prstDash val="solid"/>
+        </a:ln>
+        <a:effectLst/>
+      </dsp:spPr>
+      <dsp:style>
+        <a:lnRef idx="2">
+          <a:scrgbClr r="0" g="0" b="0"/>
+        </a:lnRef>
+        <a:fillRef idx="0">
+          <a:scrgbClr r="0" g="0" b="0"/>
+        </a:fillRef>
+        <a:effectRef idx="0">
+          <a:scrgbClr r="0" g="0" b="0"/>
+        </a:effectRef>
+        <a:fontRef idx="minor"/>
+      </dsp:style>
+    </dsp:sp>
+    <dsp:sp modelId="{C5878689-67F2-4E3D-8C9B-392F50C32024}">
+      <dsp:nvSpPr>
+        <dsp:cNvPr id="0" name=""/>
+        <dsp:cNvSpPr/>
+      </dsp:nvSpPr>
+      <dsp:spPr>
+        <a:xfrm>
+          <a:off x="1156394" y="2288604"/>
+          <a:ext cx="976312" cy="610195"/>
+        </a:xfrm>
+        <a:prstGeom prst="roundRect">
+          <a:avLst>
+            <a:gd name="adj" fmla="val 10000"/>
+          </a:avLst>
+        </a:prstGeom>
+        <a:solidFill>
+          <a:schemeClr val="lt1">
+            <a:alpha val="90000"/>
+            <a:hueOff val="0"/>
+            <a:satOff val="0"/>
+            <a:lumOff val="0"/>
+            <a:alphaOff val="0"/>
+          </a:schemeClr>
+        </a:solidFill>
+        <a:ln w="25400" cap="flat" cmpd="sng" algn="ctr">
+          <a:solidFill>
+            <a:schemeClr val="accent1">
+              <a:hueOff val="0"/>
+              <a:satOff val="0"/>
+              <a:lumOff val="0"/>
+              <a:alphaOff val="0"/>
+            </a:schemeClr>
+          </a:solidFill>
+          <a:prstDash val="solid"/>
+        </a:ln>
+        <a:effectLst/>
+      </dsp:spPr>
+      <dsp:style>
+        <a:lnRef idx="2">
+          <a:scrgbClr r="0" g="0" b="0"/>
+        </a:lnRef>
+        <a:fillRef idx="1">
+          <a:scrgbClr r="0" g="0" b="0"/>
+        </a:fillRef>
+        <a:effectRef idx="0">
+          <a:scrgbClr r="0" g="0" b="0"/>
+        </a:effectRef>
+        <a:fontRef idx="minor"/>
+      </dsp:style>
+      <dsp:txBody>
+        <a:bodyPr spcFirstLastPara="0" vert="horz" wrap="square" lIns="19050" tIns="12700" rIns="19050" bIns="12700" numCol="1" spcCol="1270" anchor="ctr" anchorCtr="0">
+          <a:noAutofit/>
+        </a:bodyPr>
+        <a:lstStyle/>
+        <a:p>
+          <a:pPr marL="0" lvl="0" indent="0" algn="ctr" defTabSz="444500">
+            <a:lnSpc>
+              <a:spcPct val="90000"/>
+            </a:lnSpc>
+            <a:spcBef>
+              <a:spcPct val="0"/>
+            </a:spcBef>
+            <a:spcAft>
+              <a:spcPct val="35000"/>
+            </a:spcAft>
+            <a:buNone/>
+          </a:pPr>
+          <a:r>
+            <a:rPr lang="en-US" sz="1000" kern="1200" dirty="0"/>
+            <a:t>Designing Systems</a:t>
+          </a:r>
+        </a:p>
+      </dsp:txBody>
+      <dsp:txXfrm>
+        <a:off x="1174266" y="2306476"/>
+        <a:ext cx="940568" cy="574451"/>
+      </dsp:txXfrm>
+    </dsp:sp>
+    <dsp:sp modelId="{F1C18E15-3E91-476D-8B13-25AD56BC4B13}">
+      <dsp:nvSpPr>
+        <dsp:cNvPr id="0" name=""/>
+        <dsp:cNvSpPr/>
+      </dsp:nvSpPr>
+      <dsp:spPr>
+        <a:xfrm>
+          <a:off x="2437804" y="372"/>
+          <a:ext cx="1220390" cy="610195"/>
+        </a:xfrm>
+        <a:prstGeom prst="roundRect">
+          <a:avLst>
+            <a:gd name="adj" fmla="val 10000"/>
+          </a:avLst>
+        </a:prstGeom>
+        <a:solidFill>
+          <a:schemeClr val="accent1">
+            <a:hueOff val="0"/>
+            <a:satOff val="0"/>
+            <a:lumOff val="0"/>
+            <a:alphaOff val="0"/>
+          </a:schemeClr>
+        </a:solidFill>
+        <a:ln w="25400" cap="flat" cmpd="sng" algn="ctr">
+          <a:solidFill>
+            <a:schemeClr val="lt1">
+              <a:hueOff val="0"/>
+              <a:satOff val="0"/>
+              <a:lumOff val="0"/>
+              <a:alphaOff val="0"/>
+            </a:schemeClr>
+          </a:solidFill>
+          <a:prstDash val="solid"/>
+        </a:ln>
+        <a:effectLst/>
+      </dsp:spPr>
+      <dsp:style>
+        <a:lnRef idx="2">
+          <a:scrgbClr r="0" g="0" b="0"/>
+        </a:lnRef>
+        <a:fillRef idx="1">
+          <a:scrgbClr r="0" g="0" b="0"/>
+        </a:fillRef>
+        <a:effectRef idx="0">
+          <a:scrgbClr r="0" g="0" b="0"/>
+        </a:effectRef>
+        <a:fontRef idx="minor">
+          <a:schemeClr val="lt1"/>
+        </a:fontRef>
+      </dsp:style>
+      <dsp:txBody>
+        <a:bodyPr spcFirstLastPara="0" vert="horz" wrap="square" lIns="24765" tIns="16510" rIns="24765" bIns="16510" numCol="1" spcCol="1270" anchor="ctr" anchorCtr="0">
+          <a:noAutofit/>
+        </a:bodyPr>
+        <a:lstStyle/>
+        <a:p>
+          <a:pPr marL="0" lvl="0" indent="0" algn="ctr" defTabSz="577850">
+            <a:lnSpc>
+              <a:spcPct val="90000"/>
+            </a:lnSpc>
+            <a:spcBef>
+              <a:spcPct val="0"/>
+            </a:spcBef>
+            <a:spcAft>
+              <a:spcPct val="35000"/>
+            </a:spcAft>
+            <a:buNone/>
+          </a:pPr>
+          <a:r>
+            <a:rPr lang="en-US" sz="1300" kern="1200" dirty="0"/>
+            <a:t>Tools and Techniques</a:t>
+          </a:r>
+        </a:p>
+      </dsp:txBody>
+      <dsp:txXfrm>
+        <a:off x="2455676" y="18244"/>
+        <a:ext cx="1184646" cy="574451"/>
+      </dsp:txXfrm>
+    </dsp:sp>
+    <dsp:sp modelId="{2564A6E5-875B-4BC6-B983-AA12C064A019}">
+      <dsp:nvSpPr>
+        <dsp:cNvPr id="0" name=""/>
+        <dsp:cNvSpPr/>
+      </dsp:nvSpPr>
+      <dsp:spPr>
+        <a:xfrm>
+          <a:off x="2559843" y="610567"/>
+          <a:ext cx="122039" cy="457646"/>
+        </a:xfrm>
+        <a:custGeom>
+          <a:avLst/>
+          <a:gdLst/>
+          <a:ahLst/>
+          <a:cxnLst/>
+          <a:rect l="0" t="0" r="0" b="0"/>
+          <a:pathLst>
+            <a:path>
+              <a:moveTo>
+                <a:pt x="0" y="0"/>
+              </a:moveTo>
+              <a:lnTo>
+                <a:pt x="0" y="457646"/>
+              </a:lnTo>
+              <a:lnTo>
+                <a:pt x="122039" y="457646"/>
+              </a:lnTo>
+            </a:path>
+          </a:pathLst>
+        </a:custGeom>
+        <a:noFill/>
+        <a:ln w="25400" cap="flat" cmpd="sng" algn="ctr">
+          <a:solidFill>
+            <a:schemeClr val="accent1">
+              <a:shade val="60000"/>
+              <a:hueOff val="0"/>
+              <a:satOff val="0"/>
+              <a:lumOff val="0"/>
+              <a:alphaOff val="0"/>
+            </a:schemeClr>
+          </a:solidFill>
+          <a:prstDash val="solid"/>
+        </a:ln>
+        <a:effectLst/>
+      </dsp:spPr>
+      <dsp:style>
+        <a:lnRef idx="2">
+          <a:scrgbClr r="0" g="0" b="0"/>
+        </a:lnRef>
+        <a:fillRef idx="0">
+          <a:scrgbClr r="0" g="0" b="0"/>
+        </a:fillRef>
+        <a:effectRef idx="0">
+          <a:scrgbClr r="0" g="0" b="0"/>
+        </a:effectRef>
+        <a:fontRef idx="minor"/>
+      </dsp:style>
+    </dsp:sp>
+    <dsp:sp modelId="{3B0CF9DF-CC55-47FF-BECE-903E70F9D2DE}">
+      <dsp:nvSpPr>
+        <dsp:cNvPr id="0" name=""/>
+        <dsp:cNvSpPr/>
+      </dsp:nvSpPr>
+      <dsp:spPr>
+        <a:xfrm>
+          <a:off x="2681882" y="763116"/>
+          <a:ext cx="976312" cy="610195"/>
+        </a:xfrm>
+        <a:prstGeom prst="roundRect">
+          <a:avLst>
+            <a:gd name="adj" fmla="val 10000"/>
+          </a:avLst>
+        </a:prstGeom>
+        <a:solidFill>
+          <a:schemeClr val="lt1">
+            <a:alpha val="90000"/>
+            <a:hueOff val="0"/>
+            <a:satOff val="0"/>
+            <a:lumOff val="0"/>
+            <a:alphaOff val="0"/>
+          </a:schemeClr>
+        </a:solidFill>
+        <a:ln w="25400" cap="flat" cmpd="sng" algn="ctr">
+          <a:solidFill>
+            <a:schemeClr val="accent1">
+              <a:hueOff val="0"/>
+              <a:satOff val="0"/>
+              <a:lumOff val="0"/>
+              <a:alphaOff val="0"/>
+            </a:schemeClr>
+          </a:solidFill>
+          <a:prstDash val="solid"/>
+        </a:ln>
+        <a:effectLst/>
+      </dsp:spPr>
+      <dsp:style>
+        <a:lnRef idx="2">
+          <a:scrgbClr r="0" g="0" b="0"/>
+        </a:lnRef>
+        <a:fillRef idx="1">
+          <a:scrgbClr r="0" g="0" b="0"/>
+        </a:fillRef>
+        <a:effectRef idx="0">
+          <a:scrgbClr r="0" g="0" b="0"/>
+        </a:effectRef>
+        <a:fontRef idx="minor"/>
+      </dsp:style>
+      <dsp:txBody>
+        <a:bodyPr spcFirstLastPara="0" vert="horz" wrap="square" lIns="19050" tIns="12700" rIns="19050" bIns="12700" numCol="1" spcCol="1270" anchor="ctr" anchorCtr="0">
+          <a:noAutofit/>
+        </a:bodyPr>
+        <a:lstStyle/>
+        <a:p>
+          <a:pPr marL="0" lvl="0" indent="0" algn="ctr" defTabSz="444500">
+            <a:lnSpc>
+              <a:spcPct val="90000"/>
+            </a:lnSpc>
+            <a:spcBef>
+              <a:spcPct val="0"/>
+            </a:spcBef>
+            <a:spcAft>
+              <a:spcPct val="35000"/>
+            </a:spcAft>
+            <a:buNone/>
+          </a:pPr>
+          <a:r>
+            <a:rPr lang="en-US" sz="1000" kern="1200" dirty="0"/>
+            <a:t>Computing with Lists</a:t>
+          </a:r>
+        </a:p>
+      </dsp:txBody>
+      <dsp:txXfrm>
+        <a:off x="2699754" y="780988"/>
+        <a:ext cx="940568" cy="574451"/>
+      </dsp:txXfrm>
+    </dsp:sp>
+    <dsp:sp modelId="{7DFA9A08-1F84-4CF2-9E63-7F6E7C219F76}">
+      <dsp:nvSpPr>
+        <dsp:cNvPr id="0" name=""/>
+        <dsp:cNvSpPr/>
+      </dsp:nvSpPr>
+      <dsp:spPr>
+        <a:xfrm>
+          <a:off x="2559843" y="610567"/>
+          <a:ext cx="122039" cy="1220390"/>
+        </a:xfrm>
+        <a:custGeom>
+          <a:avLst/>
+          <a:gdLst/>
+          <a:ahLst/>
+          <a:cxnLst/>
+          <a:rect l="0" t="0" r="0" b="0"/>
+          <a:pathLst>
+            <a:path>
+              <a:moveTo>
+                <a:pt x="0" y="0"/>
+              </a:moveTo>
+              <a:lnTo>
+                <a:pt x="0" y="1220390"/>
+              </a:lnTo>
+              <a:lnTo>
+                <a:pt x="122039" y="1220390"/>
+              </a:lnTo>
+            </a:path>
+          </a:pathLst>
+        </a:custGeom>
+        <a:noFill/>
+        <a:ln w="25400" cap="flat" cmpd="sng" algn="ctr">
+          <a:solidFill>
+            <a:schemeClr val="accent1">
+              <a:shade val="60000"/>
+              <a:hueOff val="0"/>
+              <a:satOff val="0"/>
+              <a:lumOff val="0"/>
+              <a:alphaOff val="0"/>
+            </a:schemeClr>
+          </a:solidFill>
+          <a:prstDash val="solid"/>
+        </a:ln>
+        <a:effectLst/>
+      </dsp:spPr>
+      <dsp:style>
+        <a:lnRef idx="2">
+          <a:scrgbClr r="0" g="0" b="0"/>
+        </a:lnRef>
+        <a:fillRef idx="0">
+          <a:scrgbClr r="0" g="0" b="0"/>
+        </a:fillRef>
+        <a:effectRef idx="0">
+          <a:scrgbClr r="0" g="0" b="0"/>
+        </a:effectRef>
+        <a:fontRef idx="minor"/>
+      </dsp:style>
+    </dsp:sp>
+    <dsp:sp modelId="{9C3E65C4-9266-43CB-B08F-79811ABF047A}">
+      <dsp:nvSpPr>
+        <dsp:cNvPr id="0" name=""/>
+        <dsp:cNvSpPr/>
+      </dsp:nvSpPr>
+      <dsp:spPr>
+        <a:xfrm>
+          <a:off x="2681882" y="1525860"/>
+          <a:ext cx="976312" cy="610195"/>
+        </a:xfrm>
+        <a:prstGeom prst="roundRect">
+          <a:avLst>
+            <a:gd name="adj" fmla="val 10000"/>
+          </a:avLst>
+        </a:prstGeom>
+        <a:solidFill>
+          <a:schemeClr val="lt1">
+            <a:alpha val="90000"/>
+            <a:hueOff val="0"/>
+            <a:satOff val="0"/>
+            <a:lumOff val="0"/>
+            <a:alphaOff val="0"/>
+          </a:schemeClr>
+        </a:solidFill>
+        <a:ln w="25400" cap="flat" cmpd="sng" algn="ctr">
+          <a:solidFill>
+            <a:schemeClr val="accent1">
+              <a:hueOff val="0"/>
+              <a:satOff val="0"/>
+              <a:lumOff val="0"/>
+              <a:alphaOff val="0"/>
+            </a:schemeClr>
+          </a:solidFill>
+          <a:prstDash val="solid"/>
+        </a:ln>
+        <a:effectLst/>
+      </dsp:spPr>
+      <dsp:style>
+        <a:lnRef idx="2">
+          <a:scrgbClr r="0" g="0" b="0"/>
+        </a:lnRef>
+        <a:fillRef idx="1">
+          <a:scrgbClr r="0" g="0" b="0"/>
+        </a:fillRef>
+        <a:effectRef idx="0">
+          <a:scrgbClr r="0" g="0" b="0"/>
+        </a:effectRef>
+        <a:fontRef idx="minor"/>
+      </dsp:style>
+      <dsp:txBody>
+        <a:bodyPr spcFirstLastPara="0" vert="horz" wrap="square" lIns="19050" tIns="12700" rIns="19050" bIns="12700" numCol="1" spcCol="1270" anchor="ctr" anchorCtr="0">
+          <a:noAutofit/>
+        </a:bodyPr>
+        <a:lstStyle/>
+        <a:p>
+          <a:pPr marL="0" lvl="0" indent="0" algn="ctr" defTabSz="444500">
+            <a:lnSpc>
+              <a:spcPct val="90000"/>
+            </a:lnSpc>
+            <a:spcBef>
+              <a:spcPct val="0"/>
+            </a:spcBef>
+            <a:spcAft>
+              <a:spcPct val="35000"/>
+            </a:spcAft>
+            <a:buNone/>
+          </a:pPr>
+          <a:r>
+            <a:rPr lang="en-US" sz="1000" kern="1200" dirty="0"/>
+            <a:t>Computing with Trees and Graphs</a:t>
+          </a:r>
+        </a:p>
+      </dsp:txBody>
+      <dsp:txXfrm>
+        <a:off x="2699754" y="1543732"/>
+        <a:ext cx="940568" cy="574451"/>
+      </dsp:txXfrm>
+    </dsp:sp>
+    <dsp:sp modelId="{35FE4D4C-3CA0-4CCA-8F9D-1668C574961B}">
+      <dsp:nvSpPr>
+        <dsp:cNvPr id="0" name=""/>
+        <dsp:cNvSpPr/>
+      </dsp:nvSpPr>
+      <dsp:spPr>
+        <a:xfrm>
+          <a:off x="2559843" y="610567"/>
+          <a:ext cx="122039" cy="1983134"/>
+        </a:xfrm>
+        <a:custGeom>
+          <a:avLst/>
+          <a:gdLst/>
+          <a:ahLst/>
+          <a:cxnLst/>
+          <a:rect l="0" t="0" r="0" b="0"/>
+          <a:pathLst>
+            <a:path>
+              <a:moveTo>
+                <a:pt x="0" y="0"/>
+              </a:moveTo>
+              <a:lnTo>
+                <a:pt x="0" y="1983134"/>
+              </a:lnTo>
+              <a:lnTo>
+                <a:pt x="122039" y="1983134"/>
+              </a:lnTo>
+            </a:path>
+          </a:pathLst>
+        </a:custGeom>
+        <a:noFill/>
+        <a:ln w="25400" cap="flat" cmpd="sng" algn="ctr">
+          <a:solidFill>
+            <a:schemeClr val="accent1">
+              <a:shade val="60000"/>
+              <a:hueOff val="0"/>
+              <a:satOff val="0"/>
+              <a:lumOff val="0"/>
+              <a:alphaOff val="0"/>
+            </a:schemeClr>
+          </a:solidFill>
+          <a:prstDash val="solid"/>
+        </a:ln>
+        <a:effectLst/>
+      </dsp:spPr>
+      <dsp:style>
+        <a:lnRef idx="2">
+          <a:scrgbClr r="0" g="0" b="0"/>
+        </a:lnRef>
+        <a:fillRef idx="0">
+          <a:scrgbClr r="0" g="0" b="0"/>
+        </a:fillRef>
+        <a:effectRef idx="0">
+          <a:scrgbClr r="0" g="0" b="0"/>
+        </a:effectRef>
+        <a:fontRef idx="minor"/>
+      </dsp:style>
+    </dsp:sp>
+    <dsp:sp modelId="{375B2884-C079-4ABC-AF46-CC7B31EF2123}">
+      <dsp:nvSpPr>
+        <dsp:cNvPr id="0" name=""/>
+        <dsp:cNvSpPr/>
+      </dsp:nvSpPr>
+      <dsp:spPr>
+        <a:xfrm>
+          <a:off x="2681882" y="2288604"/>
+          <a:ext cx="976312" cy="610195"/>
+        </a:xfrm>
+        <a:prstGeom prst="roundRect">
+          <a:avLst>
+            <a:gd name="adj" fmla="val 10000"/>
+          </a:avLst>
+        </a:prstGeom>
+        <a:solidFill>
+          <a:schemeClr val="lt1">
+            <a:alpha val="90000"/>
+            <a:hueOff val="0"/>
+            <a:satOff val="0"/>
+            <a:lumOff val="0"/>
+            <a:alphaOff val="0"/>
+          </a:schemeClr>
+        </a:solidFill>
+        <a:ln w="25400" cap="flat" cmpd="sng" algn="ctr">
+          <a:solidFill>
+            <a:schemeClr val="accent1">
+              <a:hueOff val="0"/>
+              <a:satOff val="0"/>
+              <a:lumOff val="0"/>
+              <a:alphaOff val="0"/>
+            </a:schemeClr>
+          </a:solidFill>
+          <a:prstDash val="solid"/>
+        </a:ln>
+        <a:effectLst/>
+      </dsp:spPr>
+      <dsp:style>
+        <a:lnRef idx="2">
+          <a:scrgbClr r="0" g="0" b="0"/>
+        </a:lnRef>
+        <a:fillRef idx="1">
+          <a:scrgbClr r="0" g="0" b="0"/>
+        </a:fillRef>
+        <a:effectRef idx="0">
+          <a:scrgbClr r="0" g="0" b="0"/>
+        </a:effectRef>
+        <a:fontRef idx="minor"/>
+      </dsp:style>
+      <dsp:txBody>
+        <a:bodyPr spcFirstLastPara="0" vert="horz" wrap="square" lIns="19050" tIns="12700" rIns="19050" bIns="12700" numCol="1" spcCol="1270" anchor="ctr" anchorCtr="0">
+          <a:noAutofit/>
+        </a:bodyPr>
+        <a:lstStyle/>
+        <a:p>
+          <a:pPr marL="0" lvl="0" indent="0" algn="ctr" defTabSz="444500">
+            <a:lnSpc>
+              <a:spcPct val="90000"/>
+            </a:lnSpc>
+            <a:spcBef>
+              <a:spcPct val="0"/>
+            </a:spcBef>
+            <a:spcAft>
+              <a:spcPct val="35000"/>
+            </a:spcAft>
+            <a:buNone/>
+          </a:pPr>
+          <a:r>
+            <a:rPr lang="en-US" sz="1000" kern="1200" dirty="0"/>
+            <a:t>Computing with Higher-Order Functions</a:t>
+          </a:r>
+        </a:p>
+      </dsp:txBody>
+      <dsp:txXfrm>
+        <a:off x="2699754" y="2306476"/>
+        <a:ext cx="940568" cy="574451"/>
+      </dsp:txXfrm>
+    </dsp:sp>
+    <dsp:sp modelId="{16CFAB30-3E6A-44D7-A45D-E3066E142053}">
+      <dsp:nvSpPr>
+        <dsp:cNvPr id="0" name=""/>
+        <dsp:cNvSpPr/>
+      </dsp:nvSpPr>
+      <dsp:spPr>
+        <a:xfrm>
+          <a:off x="2559843" y="610567"/>
+          <a:ext cx="122039" cy="2745878"/>
+        </a:xfrm>
+        <a:custGeom>
+          <a:avLst/>
+          <a:gdLst/>
+          <a:ahLst/>
+          <a:cxnLst/>
+          <a:rect l="0" t="0" r="0" b="0"/>
+          <a:pathLst>
+            <a:path>
+              <a:moveTo>
+                <a:pt x="0" y="0"/>
+              </a:moveTo>
+              <a:lnTo>
+                <a:pt x="0" y="2745878"/>
+              </a:lnTo>
+              <a:lnTo>
+                <a:pt x="122039" y="2745878"/>
+              </a:lnTo>
+            </a:path>
+          </a:pathLst>
+        </a:custGeom>
+        <a:noFill/>
+        <a:ln w="25400" cap="flat" cmpd="sng" algn="ctr">
+          <a:solidFill>
+            <a:schemeClr val="accent1">
+              <a:shade val="60000"/>
+              <a:hueOff val="0"/>
+              <a:satOff val="0"/>
+              <a:lumOff val="0"/>
+              <a:alphaOff val="0"/>
+            </a:schemeClr>
+          </a:solidFill>
+          <a:prstDash val="solid"/>
+        </a:ln>
+        <a:effectLst/>
+      </dsp:spPr>
+      <dsp:style>
+        <a:lnRef idx="2">
+          <a:scrgbClr r="0" g="0" b="0"/>
+        </a:lnRef>
+        <a:fillRef idx="0">
+          <a:scrgbClr r="0" g="0" b="0"/>
+        </a:fillRef>
+        <a:effectRef idx="0">
+          <a:scrgbClr r="0" g="0" b="0"/>
+        </a:effectRef>
+        <a:fontRef idx="minor"/>
+      </dsp:style>
+    </dsp:sp>
+    <dsp:sp modelId="{5F9726AA-E8AD-4C5C-A0CA-2350C4F8CAFA}">
+      <dsp:nvSpPr>
+        <dsp:cNvPr id="0" name=""/>
+        <dsp:cNvSpPr/>
+      </dsp:nvSpPr>
+      <dsp:spPr>
+        <a:xfrm>
+          <a:off x="2681882" y="3051348"/>
+          <a:ext cx="976312" cy="610195"/>
+        </a:xfrm>
+        <a:prstGeom prst="roundRect">
+          <a:avLst>
+            <a:gd name="adj" fmla="val 10000"/>
+          </a:avLst>
+        </a:prstGeom>
+        <a:solidFill>
+          <a:schemeClr val="lt1">
+            <a:alpha val="90000"/>
+            <a:hueOff val="0"/>
+            <a:satOff val="0"/>
+            <a:lumOff val="0"/>
+            <a:alphaOff val="0"/>
+          </a:schemeClr>
+        </a:solidFill>
+        <a:ln w="25400" cap="flat" cmpd="sng" algn="ctr">
+          <a:solidFill>
+            <a:schemeClr val="accent1">
+              <a:hueOff val="0"/>
+              <a:satOff val="0"/>
+              <a:lumOff val="0"/>
+              <a:alphaOff val="0"/>
+            </a:schemeClr>
+          </a:solidFill>
+          <a:prstDash val="solid"/>
+        </a:ln>
+        <a:effectLst/>
+      </dsp:spPr>
+      <dsp:style>
+        <a:lnRef idx="2">
+          <a:scrgbClr r="0" g="0" b="0"/>
+        </a:lnRef>
+        <a:fillRef idx="1">
+          <a:scrgbClr r="0" g="0" b="0"/>
+        </a:fillRef>
+        <a:effectRef idx="0">
+          <a:scrgbClr r="0" g="0" b="0"/>
+        </a:effectRef>
+        <a:fontRef idx="minor"/>
+      </dsp:style>
+      <dsp:txBody>
+        <a:bodyPr spcFirstLastPara="0" vert="horz" wrap="square" lIns="19050" tIns="12700" rIns="19050" bIns="12700" numCol="1" spcCol="1270" anchor="ctr" anchorCtr="0">
+          <a:noAutofit/>
+        </a:bodyPr>
+        <a:lstStyle/>
+        <a:p>
+          <a:pPr marL="0" lvl="0" indent="0" algn="ctr" defTabSz="444500">
+            <a:lnSpc>
+              <a:spcPct val="90000"/>
+            </a:lnSpc>
+            <a:spcBef>
+              <a:spcPct val="0"/>
+            </a:spcBef>
+            <a:spcAft>
+              <a:spcPct val="35000"/>
+            </a:spcAft>
+            <a:buNone/>
+          </a:pPr>
+          <a:r>
+            <a:rPr lang="en-US" sz="1000" kern="1200" dirty="0"/>
+            <a:t>Designing with Invariants</a:t>
+          </a:r>
+        </a:p>
+      </dsp:txBody>
+      <dsp:txXfrm>
+        <a:off x="2699754" y="3069220"/>
+        <a:ext cx="940568" cy="574451"/>
+      </dsp:txXfrm>
+    </dsp:sp>
+    <dsp:sp modelId="{0ECF28DA-9925-4B5B-97B1-BDA459502114}">
+      <dsp:nvSpPr>
+        <dsp:cNvPr id="0" name=""/>
+        <dsp:cNvSpPr/>
+      </dsp:nvSpPr>
+      <dsp:spPr>
+        <a:xfrm>
+          <a:off x="2559843" y="610567"/>
+          <a:ext cx="122039" cy="3556495"/>
+        </a:xfrm>
+        <a:custGeom>
+          <a:avLst/>
+          <a:gdLst/>
+          <a:ahLst/>
+          <a:cxnLst/>
+          <a:rect l="0" t="0" r="0" b="0"/>
+          <a:pathLst>
+            <a:path>
+              <a:moveTo>
+                <a:pt x="0" y="0"/>
+              </a:moveTo>
+              <a:lnTo>
+                <a:pt x="0" y="3556495"/>
+              </a:lnTo>
+              <a:lnTo>
+                <a:pt x="122039" y="3556495"/>
+              </a:lnTo>
+            </a:path>
+          </a:pathLst>
+        </a:custGeom>
+        <a:noFill/>
+        <a:ln w="25400" cap="flat" cmpd="sng" algn="ctr">
+          <a:solidFill>
+            <a:schemeClr val="accent1">
+              <a:shade val="60000"/>
+              <a:hueOff val="0"/>
+              <a:satOff val="0"/>
+              <a:lumOff val="0"/>
+              <a:alphaOff val="0"/>
+            </a:schemeClr>
+          </a:solidFill>
+          <a:prstDash val="solid"/>
+        </a:ln>
+        <a:effectLst/>
+      </dsp:spPr>
+      <dsp:style>
+        <a:lnRef idx="2">
+          <a:scrgbClr r="0" g="0" b="0"/>
+        </a:lnRef>
+        <a:fillRef idx="0">
+          <a:scrgbClr r="0" g="0" b="0"/>
+        </a:fillRef>
+        <a:effectRef idx="0">
+          <a:scrgbClr r="0" g="0" b="0"/>
+        </a:effectRef>
+        <a:fontRef idx="minor"/>
+      </dsp:style>
+    </dsp:sp>
+    <dsp:sp modelId="{5A2BB121-DDEE-46A8-AC09-18496F773E62}">
+      <dsp:nvSpPr>
+        <dsp:cNvPr id="0" name=""/>
+        <dsp:cNvSpPr/>
+      </dsp:nvSpPr>
+      <dsp:spPr>
+        <a:xfrm>
+          <a:off x="2681882" y="3814092"/>
+          <a:ext cx="976312" cy="705941"/>
+        </a:xfrm>
+        <a:prstGeom prst="roundRect">
+          <a:avLst>
+            <a:gd name="adj" fmla="val 10000"/>
+          </a:avLst>
+        </a:prstGeom>
+        <a:solidFill>
+          <a:schemeClr val="lt1">
+            <a:alpha val="90000"/>
+            <a:hueOff val="0"/>
+            <a:satOff val="0"/>
+            <a:lumOff val="0"/>
+            <a:alphaOff val="0"/>
+          </a:schemeClr>
+        </a:solidFill>
+        <a:ln w="25400" cap="flat" cmpd="sng" algn="ctr">
+          <a:solidFill>
+            <a:schemeClr val="accent1">
+              <a:hueOff val="0"/>
+              <a:satOff val="0"/>
+              <a:lumOff val="0"/>
+              <a:alphaOff val="0"/>
+            </a:schemeClr>
+          </a:solidFill>
+          <a:prstDash val="solid"/>
+        </a:ln>
+        <a:effectLst/>
+      </dsp:spPr>
+      <dsp:style>
+        <a:lnRef idx="2">
+          <a:scrgbClr r="0" g="0" b="0"/>
+        </a:lnRef>
+        <a:fillRef idx="1">
+          <a:scrgbClr r="0" g="0" b="0"/>
+        </a:fillRef>
+        <a:effectRef idx="0">
+          <a:scrgbClr r="0" g="0" b="0"/>
+        </a:effectRef>
+        <a:fontRef idx="minor"/>
+      </dsp:style>
+      <dsp:txBody>
+        <a:bodyPr spcFirstLastPara="0" vert="horz" wrap="square" lIns="19050" tIns="12700" rIns="19050" bIns="12700" numCol="1" spcCol="1270" anchor="ctr" anchorCtr="0">
+          <a:noAutofit/>
+        </a:bodyPr>
+        <a:lstStyle/>
+        <a:p>
+          <a:pPr marL="0" lvl="0" indent="0" algn="ctr" defTabSz="444500">
+            <a:lnSpc>
+              <a:spcPct val="90000"/>
+            </a:lnSpc>
+            <a:spcBef>
+              <a:spcPct val="0"/>
+            </a:spcBef>
+            <a:spcAft>
+              <a:spcPct val="35000"/>
+            </a:spcAft>
+            <a:buNone/>
+          </a:pPr>
+          <a:r>
+            <a:rPr lang="en-US" sz="1000" kern="1200" dirty="0"/>
+            <a:t>Thinking about Efficiency</a:t>
+          </a:r>
+        </a:p>
+      </dsp:txBody>
+      <dsp:txXfrm>
+        <a:off x="2702558" y="3834768"/>
+        <a:ext cx="934960" cy="664589"/>
+      </dsp:txXfrm>
+    </dsp:sp>
+    <dsp:sp modelId="{3DB7ADFA-DCAB-4034-9F43-B860EBE864E8}">
+      <dsp:nvSpPr>
+        <dsp:cNvPr id="0" name=""/>
+        <dsp:cNvSpPr/>
+      </dsp:nvSpPr>
+      <dsp:spPr>
+        <a:xfrm>
+          <a:off x="3963292" y="372"/>
+          <a:ext cx="1220390" cy="610195"/>
+        </a:xfrm>
+        <a:prstGeom prst="roundRect">
+          <a:avLst>
+            <a:gd name="adj" fmla="val 10000"/>
+          </a:avLst>
+        </a:prstGeom>
+        <a:solidFill>
+          <a:schemeClr val="accent1">
+            <a:hueOff val="0"/>
+            <a:satOff val="0"/>
+            <a:lumOff val="0"/>
+            <a:alphaOff val="0"/>
+          </a:schemeClr>
+        </a:solidFill>
+        <a:ln w="25400" cap="flat" cmpd="sng" algn="ctr">
+          <a:solidFill>
+            <a:schemeClr val="lt1">
+              <a:hueOff val="0"/>
+              <a:satOff val="0"/>
+              <a:lumOff val="0"/>
+              <a:alphaOff val="0"/>
+            </a:schemeClr>
+          </a:solidFill>
+          <a:prstDash val="solid"/>
+        </a:ln>
+        <a:effectLst/>
+      </dsp:spPr>
+      <dsp:style>
+        <a:lnRef idx="2">
+          <a:scrgbClr r="0" g="0" b="0"/>
+        </a:lnRef>
+        <a:fillRef idx="1">
+          <a:scrgbClr r="0" g="0" b="0"/>
+        </a:fillRef>
+        <a:effectRef idx="0">
+          <a:scrgbClr r="0" g="0" b="0"/>
+        </a:effectRef>
+        <a:fontRef idx="minor">
+          <a:schemeClr val="lt1"/>
+        </a:fontRef>
+      </dsp:style>
+      <dsp:txBody>
+        <a:bodyPr spcFirstLastPara="0" vert="horz" wrap="square" lIns="24765" tIns="16510" rIns="24765" bIns="16510" numCol="1" spcCol="1270" anchor="ctr" anchorCtr="0">
+          <a:noAutofit/>
+        </a:bodyPr>
+        <a:lstStyle/>
+        <a:p>
+          <a:pPr marL="0" lvl="0" indent="0" algn="ctr" defTabSz="577850">
+            <a:lnSpc>
+              <a:spcPct val="90000"/>
+            </a:lnSpc>
+            <a:spcBef>
+              <a:spcPct val="0"/>
+            </a:spcBef>
+            <a:spcAft>
+              <a:spcPct val="35000"/>
+            </a:spcAft>
+            <a:buNone/>
+          </a:pPr>
+          <a:r>
+            <a:rPr lang="en-US" sz="1300" kern="1200" dirty="0"/>
+            <a:t>Object-Oriented Programming</a:t>
+          </a:r>
+        </a:p>
+      </dsp:txBody>
+      <dsp:txXfrm>
+        <a:off x="3981164" y="18244"/>
+        <a:ext cx="1184646" cy="574451"/>
+      </dsp:txXfrm>
+    </dsp:sp>
+    <dsp:sp modelId="{278D3975-9588-4A95-85BD-D062BB0AE1A4}">
+      <dsp:nvSpPr>
+        <dsp:cNvPr id="0" name=""/>
+        <dsp:cNvSpPr/>
+      </dsp:nvSpPr>
+      <dsp:spPr>
+        <a:xfrm>
+          <a:off x="4085332" y="610567"/>
+          <a:ext cx="122039" cy="457646"/>
+        </a:xfrm>
+        <a:custGeom>
+          <a:avLst/>
+          <a:gdLst/>
+          <a:ahLst/>
+          <a:cxnLst/>
+          <a:rect l="0" t="0" r="0" b="0"/>
+          <a:pathLst>
+            <a:path>
+              <a:moveTo>
+                <a:pt x="0" y="0"/>
+              </a:moveTo>
+              <a:lnTo>
+                <a:pt x="0" y="457646"/>
+              </a:lnTo>
+              <a:lnTo>
+                <a:pt x="122039" y="457646"/>
+              </a:lnTo>
+            </a:path>
+          </a:pathLst>
+        </a:custGeom>
+        <a:noFill/>
+        <a:ln w="25400" cap="flat" cmpd="sng" algn="ctr">
+          <a:solidFill>
+            <a:schemeClr val="accent1">
+              <a:shade val="60000"/>
+              <a:hueOff val="0"/>
+              <a:satOff val="0"/>
+              <a:lumOff val="0"/>
+              <a:alphaOff val="0"/>
+            </a:schemeClr>
+          </a:solidFill>
+          <a:prstDash val="solid"/>
+        </a:ln>
+        <a:effectLst/>
+      </dsp:spPr>
+      <dsp:style>
+        <a:lnRef idx="2">
+          <a:scrgbClr r="0" g="0" b="0"/>
+        </a:lnRef>
+        <a:fillRef idx="0">
+          <a:scrgbClr r="0" g="0" b="0"/>
+        </a:fillRef>
+        <a:effectRef idx="0">
+          <a:scrgbClr r="0" g="0" b="0"/>
+        </a:effectRef>
+        <a:fontRef idx="minor"/>
+      </dsp:style>
+    </dsp:sp>
+    <dsp:sp modelId="{EDB6085A-8F2B-4B84-887D-9DD4BEC6E4E1}">
+      <dsp:nvSpPr>
+        <dsp:cNvPr id="0" name=""/>
+        <dsp:cNvSpPr/>
+      </dsp:nvSpPr>
+      <dsp:spPr>
+        <a:xfrm>
+          <a:off x="4207371" y="763116"/>
+          <a:ext cx="976312" cy="610195"/>
+        </a:xfrm>
+        <a:prstGeom prst="roundRect">
+          <a:avLst>
+            <a:gd name="adj" fmla="val 10000"/>
+          </a:avLst>
+        </a:prstGeom>
+        <a:solidFill>
+          <a:schemeClr val="lt1">
+            <a:alpha val="90000"/>
+            <a:hueOff val="0"/>
+            <a:satOff val="0"/>
+            <a:lumOff val="0"/>
+            <a:alphaOff val="0"/>
+          </a:schemeClr>
+        </a:solidFill>
+        <a:ln w="25400" cap="flat" cmpd="sng" algn="ctr">
+          <a:solidFill>
+            <a:schemeClr val="accent1">
+              <a:hueOff val="0"/>
+              <a:satOff val="0"/>
+              <a:lumOff val="0"/>
+              <a:alphaOff val="0"/>
+            </a:schemeClr>
+          </a:solidFill>
+          <a:prstDash val="solid"/>
+        </a:ln>
+        <a:effectLst/>
+      </dsp:spPr>
+      <dsp:style>
+        <a:lnRef idx="2">
+          <a:scrgbClr r="0" g="0" b="0"/>
+        </a:lnRef>
+        <a:fillRef idx="1">
+          <a:scrgbClr r="0" g="0" b="0"/>
+        </a:fillRef>
+        <a:effectRef idx="0">
+          <a:scrgbClr r="0" g="0" b="0"/>
+        </a:effectRef>
+        <a:fontRef idx="minor"/>
+      </dsp:style>
+      <dsp:txBody>
+        <a:bodyPr spcFirstLastPara="0" vert="horz" wrap="square" lIns="19050" tIns="12700" rIns="19050" bIns="12700" numCol="1" spcCol="1270" anchor="ctr" anchorCtr="0">
+          <a:noAutofit/>
+        </a:bodyPr>
+        <a:lstStyle/>
+        <a:p>
+          <a:pPr marL="0" lvl="0" indent="0" algn="ctr" defTabSz="444500">
+            <a:lnSpc>
+              <a:spcPct val="90000"/>
+            </a:lnSpc>
+            <a:spcBef>
+              <a:spcPct val="0"/>
+            </a:spcBef>
+            <a:spcAft>
+              <a:spcPct val="35000"/>
+            </a:spcAft>
+            <a:buNone/>
+          </a:pPr>
+          <a:r>
+            <a:rPr lang="en-US" sz="1000" kern="1200" dirty="0"/>
+            <a:t>Interfaces and Classes</a:t>
+          </a:r>
+        </a:p>
+      </dsp:txBody>
+      <dsp:txXfrm>
+        <a:off x="4225243" y="780988"/>
+        <a:ext cx="940568" cy="574451"/>
+      </dsp:txXfrm>
+    </dsp:sp>
+    <dsp:sp modelId="{FF100697-267A-4BC5-8DA9-B1F7321DFE84}">
+      <dsp:nvSpPr>
+        <dsp:cNvPr id="0" name=""/>
+        <dsp:cNvSpPr/>
+      </dsp:nvSpPr>
+      <dsp:spPr>
+        <a:xfrm>
+          <a:off x="4085332" y="610567"/>
+          <a:ext cx="122039" cy="1220390"/>
+        </a:xfrm>
+        <a:custGeom>
+          <a:avLst/>
+          <a:gdLst/>
+          <a:ahLst/>
+          <a:cxnLst/>
+          <a:rect l="0" t="0" r="0" b="0"/>
+          <a:pathLst>
+            <a:path>
+              <a:moveTo>
+                <a:pt x="0" y="0"/>
+              </a:moveTo>
+              <a:lnTo>
+                <a:pt x="0" y="1220390"/>
+              </a:lnTo>
+              <a:lnTo>
+                <a:pt x="122039" y="1220390"/>
+              </a:lnTo>
+            </a:path>
+          </a:pathLst>
+        </a:custGeom>
+        <a:noFill/>
+        <a:ln w="25400" cap="flat" cmpd="sng" algn="ctr">
+          <a:solidFill>
+            <a:schemeClr val="accent1">
+              <a:shade val="60000"/>
+              <a:hueOff val="0"/>
+              <a:satOff val="0"/>
+              <a:lumOff val="0"/>
+              <a:alphaOff val="0"/>
+            </a:schemeClr>
+          </a:solidFill>
+          <a:prstDash val="solid"/>
+        </a:ln>
+        <a:effectLst/>
+      </dsp:spPr>
+      <dsp:style>
+        <a:lnRef idx="2">
+          <a:scrgbClr r="0" g="0" b="0"/>
+        </a:lnRef>
+        <a:fillRef idx="0">
+          <a:scrgbClr r="0" g="0" b="0"/>
+        </a:fillRef>
+        <a:effectRef idx="0">
+          <a:scrgbClr r="0" g="0" b="0"/>
+        </a:effectRef>
+        <a:fontRef idx="minor"/>
+      </dsp:style>
+    </dsp:sp>
+    <dsp:sp modelId="{291D5A65-BA4D-4BF4-8D0F-050F9D81FBB6}">
+      <dsp:nvSpPr>
+        <dsp:cNvPr id="0" name=""/>
+        <dsp:cNvSpPr/>
+      </dsp:nvSpPr>
+      <dsp:spPr>
+        <a:xfrm>
+          <a:off x="4207371" y="1525860"/>
+          <a:ext cx="976312" cy="610195"/>
+        </a:xfrm>
+        <a:prstGeom prst="roundRect">
+          <a:avLst>
+            <a:gd name="adj" fmla="val 10000"/>
+          </a:avLst>
+        </a:prstGeom>
+        <a:solidFill>
+          <a:schemeClr val="lt1">
+            <a:alpha val="90000"/>
+            <a:hueOff val="0"/>
+            <a:satOff val="0"/>
+            <a:lumOff val="0"/>
+            <a:alphaOff val="0"/>
+          </a:schemeClr>
+        </a:solidFill>
+        <a:ln w="25400" cap="flat" cmpd="sng" algn="ctr">
+          <a:solidFill>
+            <a:schemeClr val="accent1">
+              <a:hueOff val="0"/>
+              <a:satOff val="0"/>
+              <a:lumOff val="0"/>
+              <a:alphaOff val="0"/>
+            </a:schemeClr>
+          </a:solidFill>
+          <a:prstDash val="solid"/>
+        </a:ln>
+        <a:effectLst/>
+      </dsp:spPr>
+      <dsp:style>
+        <a:lnRef idx="2">
+          <a:scrgbClr r="0" g="0" b="0"/>
+        </a:lnRef>
+        <a:fillRef idx="1">
+          <a:scrgbClr r="0" g="0" b="0"/>
+        </a:fillRef>
+        <a:effectRef idx="0">
+          <a:scrgbClr r="0" g="0" b="0"/>
+        </a:effectRef>
+        <a:fontRef idx="minor"/>
+      </dsp:style>
+      <dsp:txBody>
+        <a:bodyPr spcFirstLastPara="0" vert="horz" wrap="square" lIns="19050" tIns="12700" rIns="19050" bIns="12700" numCol="1" spcCol="1270" anchor="ctr" anchorCtr="0">
+          <a:noAutofit/>
+        </a:bodyPr>
+        <a:lstStyle/>
+        <a:p>
+          <a:pPr marL="0" lvl="0" indent="0" algn="ctr" defTabSz="444500">
+            <a:lnSpc>
+              <a:spcPct val="90000"/>
+            </a:lnSpc>
+            <a:spcBef>
+              <a:spcPct val="0"/>
+            </a:spcBef>
+            <a:spcAft>
+              <a:spcPct val="35000"/>
+            </a:spcAft>
+            <a:buNone/>
+          </a:pPr>
+          <a:r>
+            <a:rPr lang="en-US" sz="1000" kern="1200" dirty="0"/>
+            <a:t>Inheritance</a:t>
+          </a:r>
+        </a:p>
+      </dsp:txBody>
+      <dsp:txXfrm>
+        <a:off x="4225243" y="1543732"/>
+        <a:ext cx="940568" cy="574451"/>
+      </dsp:txXfrm>
+    </dsp:sp>
+    <dsp:sp modelId="{6B27DFF3-3021-4E99-BF73-829A6255425D}">
+      <dsp:nvSpPr>
+        <dsp:cNvPr id="0" name=""/>
+        <dsp:cNvSpPr/>
+      </dsp:nvSpPr>
+      <dsp:spPr>
+        <a:xfrm>
+          <a:off x="4085332" y="610567"/>
+          <a:ext cx="122039" cy="1983134"/>
+        </a:xfrm>
+        <a:custGeom>
+          <a:avLst/>
+          <a:gdLst/>
+          <a:ahLst/>
+          <a:cxnLst/>
+          <a:rect l="0" t="0" r="0" b="0"/>
+          <a:pathLst>
+            <a:path>
+              <a:moveTo>
+                <a:pt x="0" y="0"/>
+              </a:moveTo>
+              <a:lnTo>
+                <a:pt x="0" y="1983134"/>
+              </a:lnTo>
+              <a:lnTo>
+                <a:pt x="122039" y="1983134"/>
+              </a:lnTo>
+            </a:path>
+          </a:pathLst>
+        </a:custGeom>
+        <a:noFill/>
+        <a:ln w="25400" cap="flat" cmpd="sng" algn="ctr">
+          <a:solidFill>
+            <a:schemeClr val="accent1">
+              <a:shade val="60000"/>
+              <a:hueOff val="0"/>
+              <a:satOff val="0"/>
+              <a:lumOff val="0"/>
+              <a:alphaOff val="0"/>
+            </a:schemeClr>
+          </a:solidFill>
+          <a:prstDash val="solid"/>
+        </a:ln>
+        <a:effectLst/>
+      </dsp:spPr>
+      <dsp:style>
+        <a:lnRef idx="2">
+          <a:scrgbClr r="0" g="0" b="0"/>
+        </a:lnRef>
+        <a:fillRef idx="0">
+          <a:scrgbClr r="0" g="0" b="0"/>
+        </a:fillRef>
+        <a:effectRef idx="0">
+          <a:scrgbClr r="0" g="0" b="0"/>
+        </a:effectRef>
+        <a:fontRef idx="minor"/>
+      </dsp:style>
+    </dsp:sp>
+    <dsp:sp modelId="{88C17E61-7A2A-46D7-AC95-5E562286A33E}">
+      <dsp:nvSpPr>
+        <dsp:cNvPr id="0" name=""/>
+        <dsp:cNvSpPr/>
+      </dsp:nvSpPr>
+      <dsp:spPr>
+        <a:xfrm>
+          <a:off x="4207371" y="2288604"/>
+          <a:ext cx="976312" cy="610195"/>
+        </a:xfrm>
+        <a:prstGeom prst="roundRect">
+          <a:avLst>
+            <a:gd name="adj" fmla="val 10000"/>
+          </a:avLst>
+        </a:prstGeom>
+        <a:solidFill>
+          <a:schemeClr val="lt1">
+            <a:alpha val="90000"/>
+            <a:hueOff val="0"/>
+            <a:satOff val="0"/>
+            <a:lumOff val="0"/>
+            <a:alphaOff val="0"/>
+          </a:schemeClr>
+        </a:solidFill>
+        <a:ln w="25400" cap="flat" cmpd="sng" algn="ctr">
+          <a:solidFill>
+            <a:schemeClr val="accent1">
+              <a:hueOff val="0"/>
+              <a:satOff val="0"/>
+              <a:lumOff val="0"/>
+              <a:alphaOff val="0"/>
+            </a:schemeClr>
+          </a:solidFill>
+          <a:prstDash val="solid"/>
+        </a:ln>
+        <a:effectLst/>
+      </dsp:spPr>
+      <dsp:style>
+        <a:lnRef idx="2">
+          <a:scrgbClr r="0" g="0" b="0"/>
+        </a:lnRef>
+        <a:fillRef idx="1">
+          <a:scrgbClr r="0" g="0" b="0"/>
+        </a:fillRef>
+        <a:effectRef idx="0">
+          <a:scrgbClr r="0" g="0" b="0"/>
+        </a:effectRef>
+        <a:fontRef idx="minor"/>
+      </dsp:style>
+      <dsp:txBody>
+        <a:bodyPr spcFirstLastPara="0" vert="horz" wrap="square" lIns="19050" tIns="12700" rIns="19050" bIns="12700" numCol="1" spcCol="1270" anchor="ctr" anchorCtr="0">
+          <a:noAutofit/>
+        </a:bodyPr>
+        <a:lstStyle/>
+        <a:p>
+          <a:pPr marL="0" lvl="0" indent="0" algn="ctr" defTabSz="444500">
+            <a:lnSpc>
+              <a:spcPct val="90000"/>
+            </a:lnSpc>
+            <a:spcBef>
+              <a:spcPct val="0"/>
+            </a:spcBef>
+            <a:spcAft>
+              <a:spcPct val="35000"/>
+            </a:spcAft>
+            <a:buNone/>
+          </a:pPr>
+          <a:r>
+            <a:rPr lang="en-US" sz="1000" kern="1200" dirty="0"/>
+            <a:t>Objects with Mutable State</a:t>
+          </a:r>
+        </a:p>
+      </dsp:txBody>
+      <dsp:txXfrm>
+        <a:off x="4225243" y="2306476"/>
+        <a:ext cx="940568" cy="574451"/>
+      </dsp:txXfrm>
+    </dsp:sp>
+    <dsp:sp modelId="{E8A2D34D-9B35-4804-BD08-DC4453907292}">
+      <dsp:nvSpPr>
+        <dsp:cNvPr id="0" name=""/>
+        <dsp:cNvSpPr/>
+      </dsp:nvSpPr>
+      <dsp:spPr>
+        <a:xfrm>
+          <a:off x="4085332" y="610567"/>
+          <a:ext cx="122039" cy="2745878"/>
+        </a:xfrm>
+        <a:custGeom>
+          <a:avLst/>
+          <a:gdLst/>
+          <a:ahLst/>
+          <a:cxnLst/>
+          <a:rect l="0" t="0" r="0" b="0"/>
+          <a:pathLst>
+            <a:path>
+              <a:moveTo>
+                <a:pt x="0" y="0"/>
+              </a:moveTo>
+              <a:lnTo>
+                <a:pt x="0" y="2745878"/>
+              </a:lnTo>
+              <a:lnTo>
+                <a:pt x="122039" y="2745878"/>
+              </a:lnTo>
+            </a:path>
+          </a:pathLst>
+        </a:custGeom>
+        <a:noFill/>
+        <a:ln w="25400" cap="flat" cmpd="sng" algn="ctr">
+          <a:solidFill>
+            <a:schemeClr val="accent1">
+              <a:shade val="60000"/>
+              <a:hueOff val="0"/>
+              <a:satOff val="0"/>
+              <a:lumOff val="0"/>
+              <a:alphaOff val="0"/>
+            </a:schemeClr>
+          </a:solidFill>
+          <a:prstDash val="solid"/>
+        </a:ln>
+        <a:effectLst/>
+      </dsp:spPr>
+      <dsp:style>
+        <a:lnRef idx="2">
+          <a:scrgbClr r="0" g="0" b="0"/>
+        </a:lnRef>
+        <a:fillRef idx="0">
+          <a:scrgbClr r="0" g="0" b="0"/>
+        </a:fillRef>
+        <a:effectRef idx="0">
+          <a:scrgbClr r="0" g="0" b="0"/>
+        </a:effectRef>
+        <a:fontRef idx="minor"/>
+      </dsp:style>
+    </dsp:sp>
+    <dsp:sp modelId="{1B267FF2-7D4F-4C45-AA7C-4EA638A9F1C5}">
+      <dsp:nvSpPr>
+        <dsp:cNvPr id="0" name=""/>
+        <dsp:cNvSpPr/>
+      </dsp:nvSpPr>
+      <dsp:spPr>
+        <a:xfrm>
+          <a:off x="4207371" y="3051348"/>
+          <a:ext cx="976312" cy="610195"/>
+        </a:xfrm>
+        <a:prstGeom prst="roundRect">
+          <a:avLst>
+            <a:gd name="adj" fmla="val 10000"/>
+          </a:avLst>
+        </a:prstGeom>
+        <a:solidFill>
+          <a:schemeClr val="lt1">
+            <a:alpha val="90000"/>
+            <a:hueOff val="0"/>
+            <a:satOff val="0"/>
+            <a:lumOff val="0"/>
+            <a:alphaOff val="0"/>
+          </a:schemeClr>
+        </a:solidFill>
+        <a:ln w="25400" cap="flat" cmpd="sng" algn="ctr">
+          <a:solidFill>
+            <a:schemeClr val="accent1">
+              <a:hueOff val="0"/>
+              <a:satOff val="0"/>
+              <a:lumOff val="0"/>
+              <a:alphaOff val="0"/>
+            </a:schemeClr>
+          </a:solidFill>
+          <a:prstDash val="solid"/>
+        </a:ln>
+        <a:effectLst/>
+      </dsp:spPr>
+      <dsp:style>
+        <a:lnRef idx="2">
+          <a:scrgbClr r="0" g="0" b="0"/>
+        </a:lnRef>
+        <a:fillRef idx="1">
+          <a:scrgbClr r="0" g="0" b="0"/>
+        </a:fillRef>
+        <a:effectRef idx="0">
+          <a:scrgbClr r="0" g="0" b="0"/>
+        </a:effectRef>
+        <a:fontRef idx="minor"/>
+      </dsp:style>
+      <dsp:txBody>
+        <a:bodyPr spcFirstLastPara="0" vert="horz" wrap="square" lIns="19050" tIns="12700" rIns="19050" bIns="12700" numCol="1" spcCol="1270" anchor="ctr" anchorCtr="0">
+          <a:noAutofit/>
+        </a:bodyPr>
+        <a:lstStyle/>
+        <a:p>
+          <a:pPr marL="0" lvl="0" indent="0" algn="ctr" defTabSz="444500">
+            <a:lnSpc>
+              <a:spcPct val="90000"/>
+            </a:lnSpc>
+            <a:spcBef>
+              <a:spcPct val="0"/>
+            </a:spcBef>
+            <a:spcAft>
+              <a:spcPct val="35000"/>
+            </a:spcAft>
+            <a:buNone/>
+          </a:pPr>
+          <a:r>
+            <a:rPr lang="en-US" sz="1000" kern="1200" dirty="0"/>
+            <a:t>Efficiency, Part 2</a:t>
+          </a:r>
+        </a:p>
+      </dsp:txBody>
+      <dsp:txXfrm>
+        <a:off x="4225243" y="3069220"/>
+        <a:ext cx="940568" cy="574451"/>
+      </dsp:txXfrm>
+    </dsp:sp>
+  </dsp:spTree>
+</dsp:drawing>
+</file>
+
 <file path=ppt/diagrams/layout1.xml><?xml version="1.0" encoding="utf-8"?>
+<dgm:layoutDef xmlns:dgm="http://schemas.openxmlformats.org/drawingml/2006/diagram" xmlns:a="http://schemas.openxmlformats.org/drawingml/2006/main" uniqueId="urn:microsoft.com/office/officeart/2005/8/layout/hierarchy3">
+  <dgm:title val=""/>
+  <dgm:desc val=""/>
+  <dgm:catLst>
+    <dgm:cat type="hierarchy" pri="7000"/>
+    <dgm:cat type="list" pri="23000"/>
+    <dgm:cat type="relationship" pri="15000"/>
+    <dgm:cat type="convert" pri="7000"/>
+  </dgm:catLst>
+  <dgm:sampData>
+    <dgm:dataModel>
+      <dgm:ptLst>
+        <dgm:pt modelId="0" type="doc"/>
+        <dgm:pt modelId="1">
+          <dgm:prSet phldr="1"/>
+        </dgm:pt>
+        <dgm:pt modelId="11">
+          <dgm:prSet phldr="1"/>
+        </dgm:pt>
+        <dgm:pt modelId="12">
+          <dgm:prSet phldr="1"/>
+        </dgm:pt>
+        <dgm:pt modelId="2">
+          <dgm:prSet phldr="1"/>
+        </dgm:pt>
+        <dgm:pt modelId="21">
+          <dgm:prSet phldr="1"/>
+        </dgm:pt>
+        <dgm:pt modelId="22">
+          <dgm:prSet phldr="1"/>
+        </dgm:pt>
+      </dgm:ptLst>
+      <dgm:cxnLst>
+        <dgm:cxn modelId="4" srcId="0" destId="1" srcOrd="0" destOrd="0"/>
+        <dgm:cxn modelId="5" srcId="1" destId="11" srcOrd="0" destOrd="0"/>
+        <dgm:cxn modelId="6" srcId="1" destId="12" srcOrd="1" destOrd="0"/>
+        <dgm:cxn modelId="7" srcId="0" destId="2" srcOrd="1" destOrd="0"/>
+        <dgm:cxn modelId="8" srcId="2" destId="21" srcOrd="0" destOrd="0"/>
+        <dgm:cxn modelId="9" srcId="2" destId="22" srcOrd="1" destOrd="0"/>
+      </dgm:cxnLst>
+      <dgm:bg/>
+      <dgm:whole/>
+    </dgm:dataModel>
+  </dgm:sampData>
+  <dgm:styleData>
+    <dgm:dataModel>
+      <dgm:ptLst>
+        <dgm:pt modelId="0" type="doc"/>
+        <dgm:pt modelId="1"/>
+        <dgm:pt modelId="11"/>
+        <dgm:pt modelId="2"/>
+        <dgm:pt modelId="21"/>
+      </dgm:ptLst>
+      <dgm:cxnLst>
+        <dgm:cxn modelId="4" srcId="0" destId="1" srcOrd="0" destOrd="0"/>
+        <dgm:cxn modelId="5" srcId="0" destId="2" srcOrd="1" destOrd="0"/>
+        <dgm:cxn modelId="13" srcId="1" destId="11" srcOrd="0" destOrd="0"/>
+        <dgm:cxn modelId="23" srcId="2" destId="21" srcOrd="0" destOrd="0"/>
+      </dgm:cxnLst>
+      <dgm:bg/>
+      <dgm:whole/>
+    </dgm:dataModel>
+  </dgm:styleData>
+  <dgm:clrData>
+    <dgm:dataModel>
+      <dgm:ptLst>
+        <dgm:pt modelId="0" type="doc"/>
+        <dgm:pt modelId="1"/>
+        <dgm:pt modelId="11"/>
+        <dgm:pt modelId="2"/>
+        <dgm:pt modelId="21"/>
+        <dgm:pt modelId="3"/>
+        <dgm:pt modelId="31"/>
+        <dgm:pt modelId="4"/>
+        <dgm:pt modelId="41"/>
+      </dgm:ptLst>
+      <dgm:cxnLst>
+        <dgm:cxn modelId="5" srcId="0" destId="1" srcOrd="0" destOrd="0"/>
+        <dgm:cxn modelId="6" srcId="0" destId="2" srcOrd="1" destOrd="0"/>
+        <dgm:cxn modelId="7" srcId="0" destId="3" srcOrd="2" destOrd="0"/>
+        <dgm:cxn modelId="8" srcId="0" destId="4" srcOrd="3" destOrd="0"/>
+        <dgm:cxn modelId="13" srcId="1" destId="11" srcOrd="0" destOrd="0"/>
+        <dgm:cxn modelId="23" srcId="2" destId="21" srcOrd="0" destOrd="0"/>
+        <dgm:cxn modelId="33" srcId="3" destId="31" srcOrd="0" destOrd="0"/>
+        <dgm:cxn modelId="43" srcId="4" destId="41" srcOrd="0" destOrd="0"/>
+      </dgm:cxnLst>
+      <dgm:bg/>
+      <dgm:whole/>
+    </dgm:dataModel>
+  </dgm:clrData>
+  <dgm:layoutNode name="diagram">
+    <dgm:varLst>
+      <dgm:chPref val="1"/>
+      <dgm:dir/>
+      <dgm:animOne val="branch"/>
+      <dgm:animLvl val="lvl"/>
+      <dgm:resizeHandles/>
+    </dgm:varLst>
+    <dgm:choose name="Name0">
+      <dgm:if name="Name1" func="var" arg="dir" op="equ" val="norm">
+        <dgm:alg type="hierChild">
+          <dgm:param type="linDir" val="fromL"/>
+        </dgm:alg>
+      </dgm:if>
+      <dgm:else name="Name2">
+        <dgm:alg type="hierChild">
+          <dgm:param type="linDir" val="fromR"/>
+        </dgm:alg>
+      </dgm:else>
+    </dgm:choose>
+    <dgm:shape xmlns:r="http://schemas.openxmlformats.org/officeDocument/2006/relationships" r:blip="">
+      <dgm:adjLst/>
+    </dgm:shape>
+    <dgm:presOf/>
+    <dgm:constrLst>
+      <dgm:constr type="primFontSz" for="des" forName="rootText" op="equ" val="65"/>
+      <dgm:constr type="primFontSz" for="des" forName="childText" op="equ" val="65"/>
+      <dgm:constr type="w" for="des" forName="rootComposite" refType="w"/>
+      <dgm:constr type="h" for="des" forName="rootComposite" refType="w" fact="0.5"/>
+      <dgm:constr type="w" for="des" forName="childText" refType="w" refFor="des" refForName="rootComposite" fact="0.8"/>
+      <dgm:constr type="h" for="des" forName="childText" refType="h" refFor="des" refForName="rootComposite"/>
+      <dgm:constr type="sibSp" refType="w" refFor="des" refForName="rootComposite" fact="0.25"/>
+      <dgm:constr type="sibSp" for="des" forName="childShape" refType="h" refFor="des" refForName="childText" fact="0.25"/>
+      <dgm:constr type="sp" for="des" forName="root" refType="h" refFor="des" refForName="childText" fact="0.25"/>
+    </dgm:constrLst>
+    <dgm:ruleLst/>
+    <dgm:forEach name="Name3" axis="ch">
+      <dgm:forEach name="Name4" axis="self" ptType="node" cnt="1">
+        <dgm:layoutNode name="root">
+          <dgm:choose name="Name5">
+            <dgm:if name="Name6" func="var" arg="dir" op="equ" val="norm">
+              <dgm:alg type="hierRoot">
+                <dgm:param type="hierAlign" val="tL"/>
+              </dgm:alg>
+            </dgm:if>
+            <dgm:else name="Name7">
+              <dgm:alg type="hierRoot">
+                <dgm:param type="hierAlign" val="tR"/>
+              </dgm:alg>
+            </dgm:else>
+          </dgm:choose>
+          <dgm:shape xmlns:r="http://schemas.openxmlformats.org/officeDocument/2006/relationships" r:blip="">
+            <dgm:adjLst/>
+          </dgm:shape>
+          <dgm:presOf/>
+          <dgm:constrLst>
+            <dgm:constr type="alignOff" val="0.2"/>
+          </dgm:constrLst>
+          <dgm:ruleLst/>
+          <dgm:layoutNode name="rootComposite">
+            <dgm:alg type="composite"/>
+            <dgm:shape xmlns:r="http://schemas.openxmlformats.org/officeDocument/2006/relationships" r:blip="">
+              <dgm:adjLst/>
+            </dgm:shape>
+            <dgm:presOf axis="self" ptType="node" cnt="1"/>
+            <dgm:choose name="Name8">
+              <dgm:if name="Name9" func="var" arg="dir" op="equ" val="norm">
+                <dgm:constrLst>
+                  <dgm:constr type="l" for="ch" forName="rootText"/>
+                  <dgm:constr type="t" for="ch" forName="rootText"/>
+                  <dgm:constr type="w" for="ch" forName="rootText" refType="w"/>
+                  <dgm:constr type="h" for="ch" forName="rootText" refType="h"/>
+                  <dgm:constr type="l" for="ch" forName="rootConnector"/>
+                  <dgm:constr type="t" for="ch" forName="rootConnector"/>
+                  <dgm:constr type="w" for="ch" forName="rootConnector" refType="w" refFor="ch" refForName="rootText" fact="0.2"/>
+                  <dgm:constr type="h" for="ch" forName="rootConnector" refType="h" refFor="ch" refForName="rootText"/>
+                </dgm:constrLst>
+              </dgm:if>
+              <dgm:else name="Name10">
+                <dgm:constrLst>
+                  <dgm:constr type="l" for="ch" forName="rootText"/>
+                  <dgm:constr type="t" for="ch" forName="rootText"/>
+                  <dgm:constr type="w" for="ch" forName="rootText" refType="w"/>
+                  <dgm:constr type="h" for="ch" forName="rootText" refType="h"/>
+                  <dgm:constr type="r" for="ch" forName="rootConnector" refType="w"/>
+                  <dgm:constr type="t" for="ch" forName="rootConnector"/>
+                  <dgm:constr type="w" for="ch" forName="rootConnector" refType="w" refFor="ch" refForName="rootText" fact="0.2"/>
+                  <dgm:constr type="h" for="ch" forName="rootConnector" refType="h" refFor="ch" refForName="rootText"/>
+                </dgm:constrLst>
+              </dgm:else>
+            </dgm:choose>
+            <dgm:ruleLst/>
+            <dgm:layoutNode name="rootText" styleLbl="node1">
+              <dgm:alg type="tx"/>
+              <dgm:shape xmlns:r="http://schemas.openxmlformats.org/officeDocument/2006/relationships" type="roundRect" r:blip="">
+                <dgm:adjLst>
+                  <dgm:adj idx="1" val="0.1"/>
+                </dgm:adjLst>
+              </dgm:shape>
+              <dgm:presOf axis="self" ptType="node" cnt="1"/>
+              <dgm:constrLst>
+                <dgm:constr type="tMarg" refType="primFontSz" fact="0.1"/>
+                <dgm:constr type="bMarg" refType="primFontSz" fact="0.1"/>
+                <dgm:constr type="lMarg" refType="primFontSz" fact="0.15"/>
+                <dgm:constr type="rMarg" refType="primFontSz" fact="0.15"/>
+              </dgm:constrLst>
+              <dgm:ruleLst>
+                <dgm:rule type="primFontSz" val="5" fact="NaN" max="NaN"/>
+              </dgm:ruleLst>
+            </dgm:layoutNode>
+            <dgm:layoutNode name="rootConnector" moveWith="rootText">
+              <dgm:alg type="sp"/>
+              <dgm:shape xmlns:r="http://schemas.openxmlformats.org/officeDocument/2006/relationships" type="roundRect" r:blip="" hideGeom="1">
+                <dgm:adjLst>
+                  <dgm:adj idx="1" val="0.1"/>
+                </dgm:adjLst>
+              </dgm:shape>
+              <dgm:presOf axis="self" ptType="node" cnt="1"/>
+              <dgm:constrLst/>
+              <dgm:ruleLst/>
+            </dgm:layoutNode>
+          </dgm:layoutNode>
+          <dgm:layoutNode name="childShape">
+            <dgm:alg type="hierChild">
+              <dgm:param type="chAlign" val="l"/>
+              <dgm:param type="linDir" val="fromT"/>
+            </dgm:alg>
+            <dgm:shape xmlns:r="http://schemas.openxmlformats.org/officeDocument/2006/relationships" r:blip="">
+              <dgm:adjLst/>
+            </dgm:shape>
+            <dgm:presOf/>
+            <dgm:constrLst/>
+            <dgm:ruleLst/>
+            <dgm:forEach name="Name11" axis="ch">
+              <dgm:forEach name="Name12" axis="self" ptType="parTrans" cnt="1">
+                <dgm:layoutNode name="Name13">
+                  <dgm:choose name="Name14">
+                    <dgm:if name="Name15" func="var" arg="dir" op="equ" val="norm">
+                      <dgm:alg type="conn">
+                        <dgm:param type="dim" val="1D"/>
+                        <dgm:param type="endSty" val="noArr"/>
+                        <dgm:param type="connRout" val="bend"/>
+                        <dgm:param type="srcNode" val="rootConnector"/>
+                        <dgm:param type="begPts" val="bCtr"/>
+                        <dgm:param type="endPts" val="midL"/>
+                      </dgm:alg>
+                    </dgm:if>
+                    <dgm:else name="Name16">
+                      <dgm:alg type="conn">
+                        <dgm:param type="dim" val="1D"/>
+                        <dgm:param type="endSty" val="noArr"/>
+                        <dgm:param type="connRout" val="bend"/>
+                        <dgm:param type="srcNode" val="rootConnector"/>
+                        <dgm:param type="begPts" val="bCtr"/>
+                        <dgm:param type="endPts" val="midR"/>
+                      </dgm:alg>
+                    </dgm:else>
+                  </dgm:choose>
+                  <dgm:shape xmlns:r="http://schemas.openxmlformats.org/officeDocument/2006/relationships" type="conn" r:blip="">
+                    <dgm:adjLst/>
+                  </dgm:shape>
+                  <dgm:presOf axis="self"/>
+                  <dgm:constrLst>
+                    <dgm:constr type="begPad"/>
+                    <dgm:constr type="endPad"/>
+                  </dgm:constrLst>
+                  <dgm:ruleLst/>
+                </dgm:layoutNode>
+              </dgm:forEach>
+              <dgm:forEach name="Name17" axis="self" ptType="node">
+                <dgm:layoutNode name="childText" styleLbl="bgAcc1">
+                  <dgm:varLst>
+                    <dgm:bulletEnabled val="1"/>
+                  </dgm:varLst>
+                  <dgm:alg type="tx"/>
+                  <dgm:shape xmlns:r="http://schemas.openxmlformats.org/officeDocument/2006/relationships" type="roundRect" r:blip="">
+                    <dgm:adjLst>
+                      <dgm:adj idx="1" val="0.1"/>
+                    </dgm:adjLst>
+                  </dgm:shape>
+                  <dgm:presOf axis="self desOrSelf" ptType="node node" st="1 1" cnt="1 0"/>
+                  <dgm:constrLst>
+                    <dgm:constr type="tMarg" refType="primFontSz" fact="0.1"/>
+                    <dgm:constr type="bMarg" refType="primFontSz" fact="0.1"/>
+                    <dgm:constr type="lMarg" refType="primFontSz" fact="0.15"/>
+                    <dgm:constr type="rMarg" refType="primFontSz" fact="0.15"/>
+                  </dgm:constrLst>
+                  <dgm:ruleLst>
+                    <dgm:rule type="primFontSz" val="5" fact="NaN" max="NaN"/>
+                  </dgm:ruleLst>
+                </dgm:layoutNode>
+              </dgm:forEach>
+            </dgm:forEach>
+          </dgm:layoutNode>
+        </dgm:layoutNode>
+      </dgm:forEach>
+    </dgm:forEach>
+  </dgm:layoutNode>
+</dgm:layoutDef>
+</file>
+
+<file path=ppt/diagrams/layout2.xml><?xml version="1.0" encoding="utf-8"?>
 <dgm:layoutDef xmlns:dgm="http://schemas.openxmlformats.org/drawingml/2006/diagram" xmlns:a="http://schemas.openxmlformats.org/drawingml/2006/main" uniqueId="urn:microsoft.com/office/officeart/2005/8/layout/hierarchy3">
   <dgm:title val=""/>
   <dgm:desc val=""/>
@@ -4792,6 +8581,1040 @@
 </dgm:styleDef>
 </file>
 
+<file path=ppt/diagrams/quickStyle2.xml><?xml version="1.0" encoding="utf-8"?>
+<dgm:styleDef xmlns:dgm="http://schemas.openxmlformats.org/drawingml/2006/diagram" xmlns:a="http://schemas.openxmlformats.org/drawingml/2006/main" uniqueId="urn:microsoft.com/office/officeart/2005/8/quickstyle/simple1">
+  <dgm:title val=""/>
+  <dgm:desc val=""/>
+  <dgm:catLst>
+    <dgm:cat type="simple" pri="10100"/>
+  </dgm:catLst>
+  <dgm:scene3d>
+    <a:camera prst="orthographicFront"/>
+    <a:lightRig rig="threePt" dir="t"/>
+  </dgm:scene3d>
+  <dgm:styleLbl name="node0">
+    <dgm:scene3d>
+      <a:camera prst="orthographicFront"/>
+      <a:lightRig rig="threePt" dir="t"/>
+    </dgm:scene3d>
+    <dgm:sp3d/>
+    <dgm:txPr/>
+    <dgm:style>
+      <a:lnRef idx="2">
+        <a:scrgbClr r="0" g="0" b="0"/>
+      </a:lnRef>
+      <a:fillRef idx="1">
+        <a:scrgbClr r="0" g="0" b="0"/>
+      </a:fillRef>
+      <a:effectRef idx="0">
+        <a:scrgbClr r="0" g="0" b="0"/>
+      </a:effectRef>
+      <a:fontRef idx="minor">
+        <a:schemeClr val="lt1"/>
+      </a:fontRef>
+    </dgm:style>
+  </dgm:styleLbl>
+  <dgm:styleLbl name="lnNode1">
+    <dgm:scene3d>
+      <a:camera prst="orthographicFront"/>
+      <a:lightRig rig="threePt" dir="t"/>
+    </dgm:scene3d>
+    <dgm:sp3d/>
+    <dgm:txPr/>
+    <dgm:style>
+      <a:lnRef idx="2">
+        <a:scrgbClr r="0" g="0" b="0"/>
+      </a:lnRef>
+      <a:fillRef idx="1">
+        <a:scrgbClr r="0" g="0" b="0"/>
+      </a:fillRef>
+      <a:effectRef idx="0">
+        <a:scrgbClr r="0" g="0" b="0"/>
+      </a:effectRef>
+      <a:fontRef idx="minor">
+        <a:schemeClr val="lt1"/>
+      </a:fontRef>
+    </dgm:style>
+  </dgm:styleLbl>
+  <dgm:styleLbl name="vennNode1">
+    <dgm:scene3d>
+      <a:camera prst="orthographicFront"/>
+      <a:lightRig rig="threePt" dir="t"/>
+    </dgm:scene3d>
+    <dgm:sp3d/>
+    <dgm:txPr/>
+    <dgm:style>
+      <a:lnRef idx="2">
+        <a:scrgbClr r="0" g="0" b="0"/>
+      </a:lnRef>
+      <a:fillRef idx="1">
+        <a:scrgbClr r="0" g="0" b="0"/>
+      </a:fillRef>
+      <a:effectRef idx="0">
+        <a:scrgbClr r="0" g="0" b="0"/>
+      </a:effectRef>
+      <a:fontRef idx="minor">
+        <a:schemeClr val="tx1"/>
+      </a:fontRef>
+    </dgm:style>
+  </dgm:styleLbl>
+  <dgm:styleLbl name="alignNode1">
+    <dgm:scene3d>
+      <a:camera prst="orthographicFront"/>
+      <a:lightRig rig="threePt" dir="t"/>
+    </dgm:scene3d>
+    <dgm:sp3d/>
+    <dgm:txPr/>
+    <dgm:style>
+      <a:lnRef idx="2">
+        <a:scrgbClr r="0" g="0" b="0"/>
+      </a:lnRef>
+      <a:fillRef idx="1">
+        <a:scrgbClr r="0" g="0" b="0"/>
+      </a:fillRef>
+      <a:effectRef idx="0">
+        <a:scrgbClr r="0" g="0" b="0"/>
+      </a:effectRef>
+      <a:fontRef idx="minor">
+        <a:schemeClr val="lt1"/>
+      </a:fontRef>
+    </dgm:style>
+  </dgm:styleLbl>
+  <dgm:styleLbl name="node1">
+    <dgm:scene3d>
+      <a:camera prst="orthographicFront"/>
+      <a:lightRig rig="threePt" dir="t"/>
+    </dgm:scene3d>
+    <dgm:sp3d/>
+    <dgm:txPr/>
+    <dgm:style>
+      <a:lnRef idx="2">
+        <a:scrgbClr r="0" g="0" b="0"/>
+      </a:lnRef>
+      <a:fillRef idx="1">
+        <a:scrgbClr r="0" g="0" b="0"/>
+      </a:fillRef>
+      <a:effectRef idx="0">
+        <a:scrgbClr r="0" g="0" b="0"/>
+      </a:effectRef>
+      <a:fontRef idx="minor">
+        <a:schemeClr val="lt1"/>
+      </a:fontRef>
+    </dgm:style>
+  </dgm:styleLbl>
+  <dgm:styleLbl name="node2">
+    <dgm:scene3d>
+      <a:camera prst="orthographicFront"/>
+      <a:lightRig rig="threePt" dir="t"/>
+    </dgm:scene3d>
+    <dgm:sp3d/>
+    <dgm:txPr/>
+    <dgm:style>
+      <a:lnRef idx="2">
+        <a:scrgbClr r="0" g="0" b="0"/>
+      </a:lnRef>
+      <a:fillRef idx="1">
+        <a:scrgbClr r="0" g="0" b="0"/>
+      </a:fillRef>
+      <a:effectRef idx="0">
+        <a:scrgbClr r="0" g="0" b="0"/>
+      </a:effectRef>
+      <a:fontRef idx="minor">
+        <a:schemeClr val="lt1"/>
+      </a:fontRef>
+    </dgm:style>
+  </dgm:styleLbl>
+  <dgm:styleLbl name="node3">
+    <dgm:scene3d>
+      <a:camera prst="orthographicFront"/>
+      <a:lightRig rig="threePt" dir="t"/>
+    </dgm:scene3d>
+    <dgm:sp3d/>
+    <dgm:txPr/>
+    <dgm:style>
+      <a:lnRef idx="2">
+        <a:scrgbClr r="0" g="0" b="0"/>
+      </a:lnRef>
+      <a:fillRef idx="1">
+        <a:scrgbClr r="0" g="0" b="0"/>
+      </a:fillRef>
+      <a:effectRef idx="0">
+        <a:scrgbClr r="0" g="0" b="0"/>
+      </a:effectRef>
+      <a:fontRef idx="minor">
+        <a:schemeClr val="lt1"/>
+      </a:fontRef>
+    </dgm:style>
+  </dgm:styleLbl>
+  <dgm:styleLbl name="node4">
+    <dgm:scene3d>
+      <a:camera prst="orthographicFront"/>
+      <a:lightRig rig="threePt" dir="t"/>
+    </dgm:scene3d>
+    <dgm:sp3d/>
+    <dgm:txPr/>
+    <dgm:style>
+      <a:lnRef idx="2">
+        <a:scrgbClr r="0" g="0" b="0"/>
+      </a:lnRef>
+      <a:fillRef idx="1">
+        <a:scrgbClr r="0" g="0" b="0"/>
+      </a:fillRef>
+      <a:effectRef idx="0">
+        <a:scrgbClr r="0" g="0" b="0"/>
+      </a:effectRef>
+      <a:fontRef idx="minor">
+        <a:schemeClr val="lt1"/>
+      </a:fontRef>
+    </dgm:style>
+  </dgm:styleLbl>
+  <dgm:styleLbl name="fgImgPlace1">
+    <dgm:scene3d>
+      <a:camera prst="orthographicFront"/>
+      <a:lightRig rig="threePt" dir="t"/>
+    </dgm:scene3d>
+    <dgm:sp3d/>
+    <dgm:txPr/>
+    <dgm:style>
+      <a:lnRef idx="2">
+        <a:scrgbClr r="0" g="0" b="0"/>
+      </a:lnRef>
+      <a:fillRef idx="1">
+        <a:scrgbClr r="0" g="0" b="0"/>
+      </a:fillRef>
+      <a:effectRef idx="0">
+        <a:scrgbClr r="0" g="0" b="0"/>
+      </a:effectRef>
+      <a:fontRef idx="minor"/>
+    </dgm:style>
+  </dgm:styleLbl>
+  <dgm:styleLbl name="alignImgPlace1">
+    <dgm:scene3d>
+      <a:camera prst="orthographicFront"/>
+      <a:lightRig rig="threePt" dir="t"/>
+    </dgm:scene3d>
+    <dgm:sp3d/>
+    <dgm:txPr/>
+    <dgm:style>
+      <a:lnRef idx="2">
+        <a:scrgbClr r="0" g="0" b="0"/>
+      </a:lnRef>
+      <a:fillRef idx="1">
+        <a:scrgbClr r="0" g="0" b="0"/>
+      </a:fillRef>
+      <a:effectRef idx="0">
+        <a:scrgbClr r="0" g="0" b="0"/>
+      </a:effectRef>
+      <a:fontRef idx="minor"/>
+    </dgm:style>
+  </dgm:styleLbl>
+  <dgm:styleLbl name="bgImgPlace1">
+    <dgm:scene3d>
+      <a:camera prst="orthographicFront"/>
+      <a:lightRig rig="threePt" dir="t"/>
+    </dgm:scene3d>
+    <dgm:sp3d/>
+    <dgm:txPr/>
+    <dgm:style>
+      <a:lnRef idx="2">
+        <a:scrgbClr r="0" g="0" b="0"/>
+      </a:lnRef>
+      <a:fillRef idx="1">
+        <a:scrgbClr r="0" g="0" b="0"/>
+      </a:fillRef>
+      <a:effectRef idx="0">
+        <a:scrgbClr r="0" g="0" b="0"/>
+      </a:effectRef>
+      <a:fontRef idx="minor"/>
+    </dgm:style>
+  </dgm:styleLbl>
+  <dgm:styleLbl name="sibTrans2D1">
+    <dgm:scene3d>
+      <a:camera prst="orthographicFront"/>
+      <a:lightRig rig="threePt" dir="t"/>
+    </dgm:scene3d>
+    <dgm:sp3d/>
+    <dgm:txPr/>
+    <dgm:style>
+      <a:lnRef idx="0">
+        <a:scrgbClr r="0" g="0" b="0"/>
+      </a:lnRef>
+      <a:fillRef idx="1">
+        <a:scrgbClr r="0" g="0" b="0"/>
+      </a:fillRef>
+      <a:effectRef idx="0">
+        <a:scrgbClr r="0" g="0" b="0"/>
+      </a:effectRef>
+      <a:fontRef idx="minor">
+        <a:schemeClr val="lt1"/>
+      </a:fontRef>
+    </dgm:style>
+  </dgm:styleLbl>
+  <dgm:styleLbl name="fgSibTrans2D1">
+    <dgm:scene3d>
+      <a:camera prst="orthographicFront"/>
+      <a:lightRig rig="threePt" dir="t"/>
+    </dgm:scene3d>
+    <dgm:sp3d/>
+    <dgm:txPr/>
+    <dgm:style>
+      <a:lnRef idx="0">
+        <a:scrgbClr r="0" g="0" b="0"/>
+      </a:lnRef>
+      <a:fillRef idx="1">
+        <a:scrgbClr r="0" g="0" b="0"/>
+      </a:fillRef>
+      <a:effectRef idx="0">
+        <a:scrgbClr r="0" g="0" b="0"/>
+      </a:effectRef>
+      <a:fontRef idx="minor">
+        <a:schemeClr val="lt1"/>
+      </a:fontRef>
+    </dgm:style>
+  </dgm:styleLbl>
+  <dgm:styleLbl name="bgSibTrans2D1">
+    <dgm:scene3d>
+      <a:camera prst="orthographicFront"/>
+      <a:lightRig rig="threePt" dir="t"/>
+    </dgm:scene3d>
+    <dgm:sp3d/>
+    <dgm:txPr/>
+    <dgm:style>
+      <a:lnRef idx="0">
+        <a:scrgbClr r="0" g="0" b="0"/>
+      </a:lnRef>
+      <a:fillRef idx="1">
+        <a:scrgbClr r="0" g="0" b="0"/>
+      </a:fillRef>
+      <a:effectRef idx="0">
+        <a:scrgbClr r="0" g="0" b="0"/>
+      </a:effectRef>
+      <a:fontRef idx="minor">
+        <a:schemeClr val="lt1"/>
+      </a:fontRef>
+    </dgm:style>
+  </dgm:styleLbl>
+  <dgm:styleLbl name="sibTrans1D1">
+    <dgm:scene3d>
+      <a:camera prst="orthographicFront"/>
+      <a:lightRig rig="threePt" dir="t"/>
+    </dgm:scene3d>
+    <dgm:sp3d/>
+    <dgm:txPr/>
+    <dgm:style>
+      <a:lnRef idx="1">
+        <a:scrgbClr r="0" g="0" b="0"/>
+      </a:lnRef>
+      <a:fillRef idx="0">
+        <a:scrgbClr r="0" g="0" b="0"/>
+      </a:fillRef>
+      <a:effectRef idx="0">
+        <a:scrgbClr r="0" g="0" b="0"/>
+      </a:effectRef>
+      <a:fontRef idx="minor"/>
+    </dgm:style>
+  </dgm:styleLbl>
+  <dgm:styleLbl name="callout">
+    <dgm:scene3d>
+      <a:camera prst="orthographicFront"/>
+      <a:lightRig rig="threePt" dir="t"/>
+    </dgm:scene3d>
+    <dgm:sp3d/>
+    <dgm:txPr/>
+    <dgm:style>
+      <a:lnRef idx="2">
+        <a:scrgbClr r="0" g="0" b="0"/>
+      </a:lnRef>
+      <a:fillRef idx="1">
+        <a:scrgbClr r="0" g="0" b="0"/>
+      </a:fillRef>
+      <a:effectRef idx="0">
+        <a:scrgbClr r="0" g="0" b="0"/>
+      </a:effectRef>
+      <a:fontRef idx="minor"/>
+    </dgm:style>
+  </dgm:styleLbl>
+  <dgm:styleLbl name="asst0">
+    <dgm:scene3d>
+      <a:camera prst="orthographicFront"/>
+      <a:lightRig rig="threePt" dir="t"/>
+    </dgm:scene3d>
+    <dgm:sp3d/>
+    <dgm:txPr/>
+    <dgm:style>
+      <a:lnRef idx="2">
+        <a:scrgbClr r="0" g="0" b="0"/>
+      </a:lnRef>
+      <a:fillRef idx="1">
+        <a:scrgbClr r="0" g="0" b="0"/>
+      </a:fillRef>
+      <a:effectRef idx="0">
+        <a:scrgbClr r="0" g="0" b="0"/>
+      </a:effectRef>
+      <a:fontRef idx="minor">
+        <a:schemeClr val="lt1"/>
+      </a:fontRef>
+    </dgm:style>
+  </dgm:styleLbl>
+  <dgm:styleLbl name="asst1">
+    <dgm:scene3d>
+      <a:camera prst="orthographicFront"/>
+      <a:lightRig rig="threePt" dir="t"/>
+    </dgm:scene3d>
+    <dgm:sp3d/>
+    <dgm:txPr/>
+    <dgm:style>
+      <a:lnRef idx="2">
+        <a:scrgbClr r="0" g="0" b="0"/>
+      </a:lnRef>
+      <a:fillRef idx="1">
+        <a:scrgbClr r="0" g="0" b="0"/>
+      </a:fillRef>
+      <a:effectRef idx="0">
+        <a:scrgbClr r="0" g="0" b="0"/>
+      </a:effectRef>
+      <a:fontRef idx="minor">
+        <a:schemeClr val="lt1"/>
+      </a:fontRef>
+    </dgm:style>
+  </dgm:styleLbl>
+  <dgm:styleLbl name="asst2">
+    <dgm:scene3d>
+      <a:camera prst="orthographicFront"/>
+      <a:lightRig rig="threePt" dir="t"/>
+    </dgm:scene3d>
+    <dgm:sp3d/>
+    <dgm:txPr/>
+    <dgm:style>
+      <a:lnRef idx="2">
+        <a:scrgbClr r="0" g="0" b="0"/>
+      </a:lnRef>
+      <a:fillRef idx="1">
+        <a:scrgbClr r="0" g="0" b="0"/>
+      </a:fillRef>
+      <a:effectRef idx="0">
+        <a:scrgbClr r="0" g="0" b="0"/>
+      </a:effectRef>
+      <a:fontRef idx="minor">
+        <a:schemeClr val="lt1"/>
+      </a:fontRef>
+    </dgm:style>
+  </dgm:styleLbl>
+  <dgm:styleLbl name="asst3">
+    <dgm:scene3d>
+      <a:camera prst="orthographicFront"/>
+      <a:lightRig rig="threePt" dir="t"/>
+    </dgm:scene3d>
+    <dgm:sp3d/>
+    <dgm:txPr/>
+    <dgm:style>
+      <a:lnRef idx="2">
+        <a:scrgbClr r="0" g="0" b="0"/>
+      </a:lnRef>
+      <a:fillRef idx="1">
+        <a:scrgbClr r="0" g="0" b="0"/>
+      </a:fillRef>
+      <a:effectRef idx="0">
+        <a:scrgbClr r="0" g="0" b="0"/>
+      </a:effectRef>
+      <a:fontRef idx="minor">
+        <a:schemeClr val="lt1"/>
+      </a:fontRef>
+    </dgm:style>
+  </dgm:styleLbl>
+  <dgm:styleLbl name="asst4">
+    <dgm:scene3d>
+      <a:camera prst="orthographicFront"/>
+      <a:lightRig rig="threePt" dir="t"/>
+    </dgm:scene3d>
+    <dgm:sp3d/>
+    <dgm:txPr/>
+    <dgm:style>
+      <a:lnRef idx="2">
+        <a:scrgbClr r="0" g="0" b="0"/>
+      </a:lnRef>
+      <a:fillRef idx="1">
+        <a:scrgbClr r="0" g="0" b="0"/>
+      </a:fillRef>
+      <a:effectRef idx="0">
+        <a:scrgbClr r="0" g="0" b="0"/>
+      </a:effectRef>
+      <a:fontRef idx="minor">
+        <a:schemeClr val="lt1"/>
+      </a:fontRef>
+    </dgm:style>
+  </dgm:styleLbl>
+  <dgm:styleLbl name="parChTrans2D1">
+    <dgm:scene3d>
+      <a:camera prst="orthographicFront"/>
+      <a:lightRig rig="threePt" dir="t"/>
+    </dgm:scene3d>
+    <dgm:sp3d/>
+    <dgm:txPr/>
+    <dgm:style>
+      <a:lnRef idx="2">
+        <a:scrgbClr r="0" g="0" b="0"/>
+      </a:lnRef>
+      <a:fillRef idx="1">
+        <a:scrgbClr r="0" g="0" b="0"/>
+      </a:fillRef>
+      <a:effectRef idx="0">
+        <a:scrgbClr r="0" g="0" b="0"/>
+      </a:effectRef>
+      <a:fontRef idx="minor">
+        <a:schemeClr val="lt1"/>
+      </a:fontRef>
+    </dgm:style>
+  </dgm:styleLbl>
+  <dgm:styleLbl name="parChTrans2D2">
+    <dgm:scene3d>
+      <a:camera prst="orthographicFront"/>
+      <a:lightRig rig="threePt" dir="t"/>
+    </dgm:scene3d>
+    <dgm:sp3d/>
+    <dgm:txPr/>
+    <dgm:style>
+      <a:lnRef idx="2">
+        <a:scrgbClr r="0" g="0" b="0"/>
+      </a:lnRef>
+      <a:fillRef idx="1">
+        <a:scrgbClr r="0" g="0" b="0"/>
+      </a:fillRef>
+      <a:effectRef idx="0">
+        <a:scrgbClr r="0" g="0" b="0"/>
+      </a:effectRef>
+      <a:fontRef idx="minor">
+        <a:schemeClr val="lt1"/>
+      </a:fontRef>
+    </dgm:style>
+  </dgm:styleLbl>
+  <dgm:styleLbl name="parChTrans2D3">
+    <dgm:scene3d>
+      <a:camera prst="orthographicFront"/>
+      <a:lightRig rig="threePt" dir="t"/>
+    </dgm:scene3d>
+    <dgm:sp3d/>
+    <dgm:txPr/>
+    <dgm:style>
+      <a:lnRef idx="2">
+        <a:scrgbClr r="0" g="0" b="0"/>
+      </a:lnRef>
+      <a:fillRef idx="1">
+        <a:scrgbClr r="0" g="0" b="0"/>
+      </a:fillRef>
+      <a:effectRef idx="0">
+        <a:scrgbClr r="0" g="0" b="0"/>
+      </a:effectRef>
+      <a:fontRef idx="minor">
+        <a:schemeClr val="lt1"/>
+      </a:fontRef>
+    </dgm:style>
+  </dgm:styleLbl>
+  <dgm:styleLbl name="parChTrans2D4">
+    <dgm:scene3d>
+      <a:camera prst="orthographicFront"/>
+      <a:lightRig rig="threePt" dir="t"/>
+    </dgm:scene3d>
+    <dgm:sp3d/>
+    <dgm:txPr/>
+    <dgm:style>
+      <a:lnRef idx="2">
+        <a:scrgbClr r="0" g="0" b="0"/>
+      </a:lnRef>
+      <a:fillRef idx="1">
+        <a:scrgbClr r="0" g="0" b="0"/>
+      </a:fillRef>
+      <a:effectRef idx="0">
+        <a:scrgbClr r="0" g="0" b="0"/>
+      </a:effectRef>
+      <a:fontRef idx="minor">
+        <a:schemeClr val="lt1"/>
+      </a:fontRef>
+    </dgm:style>
+  </dgm:styleLbl>
+  <dgm:styleLbl name="parChTrans1D1">
+    <dgm:scene3d>
+      <a:camera prst="orthographicFront"/>
+      <a:lightRig rig="threePt" dir="t"/>
+    </dgm:scene3d>
+    <dgm:sp3d/>
+    <dgm:txPr/>
+    <dgm:style>
+      <a:lnRef idx="2">
+        <a:scrgbClr r="0" g="0" b="0"/>
+      </a:lnRef>
+      <a:fillRef idx="0">
+        <a:scrgbClr r="0" g="0" b="0"/>
+      </a:fillRef>
+      <a:effectRef idx="0">
+        <a:scrgbClr r="0" g="0" b="0"/>
+      </a:effectRef>
+      <a:fontRef idx="minor"/>
+    </dgm:style>
+  </dgm:styleLbl>
+  <dgm:styleLbl name="parChTrans1D2">
+    <dgm:scene3d>
+      <a:camera prst="orthographicFront"/>
+      <a:lightRig rig="threePt" dir="t"/>
+    </dgm:scene3d>
+    <dgm:sp3d/>
+    <dgm:txPr/>
+    <dgm:style>
+      <a:lnRef idx="2">
+        <a:scrgbClr r="0" g="0" b="0"/>
+      </a:lnRef>
+      <a:fillRef idx="0">
+        <a:scrgbClr r="0" g="0" b="0"/>
+      </a:fillRef>
+      <a:effectRef idx="0">
+        <a:scrgbClr r="0" g="0" b="0"/>
+      </a:effectRef>
+      <a:fontRef idx="minor"/>
+    </dgm:style>
+  </dgm:styleLbl>
+  <dgm:styleLbl name="parChTrans1D3">
+    <dgm:scene3d>
+      <a:camera prst="orthographicFront"/>
+      <a:lightRig rig="threePt" dir="t"/>
+    </dgm:scene3d>
+    <dgm:sp3d/>
+    <dgm:txPr/>
+    <dgm:style>
+      <a:lnRef idx="2">
+        <a:scrgbClr r="0" g="0" b="0"/>
+      </a:lnRef>
+      <a:fillRef idx="0">
+        <a:scrgbClr r="0" g="0" b="0"/>
+      </a:fillRef>
+      <a:effectRef idx="0">
+        <a:scrgbClr r="0" g="0" b="0"/>
+      </a:effectRef>
+      <a:fontRef idx="minor"/>
+    </dgm:style>
+  </dgm:styleLbl>
+  <dgm:styleLbl name="parChTrans1D4">
+    <dgm:scene3d>
+      <a:camera prst="orthographicFront"/>
+      <a:lightRig rig="threePt" dir="t"/>
+    </dgm:scene3d>
+    <dgm:sp3d/>
+    <dgm:txPr/>
+    <dgm:style>
+      <a:lnRef idx="2">
+        <a:scrgbClr r="0" g="0" b="0"/>
+      </a:lnRef>
+      <a:fillRef idx="0">
+        <a:scrgbClr r="0" g="0" b="0"/>
+      </a:fillRef>
+      <a:effectRef idx="0">
+        <a:scrgbClr r="0" g="0" b="0"/>
+      </a:effectRef>
+      <a:fontRef idx="minor"/>
+    </dgm:style>
+  </dgm:styleLbl>
+  <dgm:styleLbl name="fgAcc1">
+    <dgm:scene3d>
+      <a:camera prst="orthographicFront"/>
+      <a:lightRig rig="threePt" dir="t"/>
+    </dgm:scene3d>
+    <dgm:sp3d/>
+    <dgm:txPr/>
+    <dgm:style>
+      <a:lnRef idx="2">
+        <a:scrgbClr r="0" g="0" b="0"/>
+      </a:lnRef>
+      <a:fillRef idx="1">
+        <a:scrgbClr r="0" g="0" b="0"/>
+      </a:fillRef>
+      <a:effectRef idx="0">
+        <a:scrgbClr r="0" g="0" b="0"/>
+      </a:effectRef>
+      <a:fontRef idx="minor"/>
+    </dgm:style>
+  </dgm:styleLbl>
+  <dgm:styleLbl name="conFgAcc1">
+    <dgm:scene3d>
+      <a:camera prst="orthographicFront"/>
+      <a:lightRig rig="threePt" dir="t"/>
+    </dgm:scene3d>
+    <dgm:sp3d/>
+    <dgm:txPr/>
+    <dgm:style>
+      <a:lnRef idx="2">
+        <a:scrgbClr r="0" g="0" b="0"/>
+      </a:lnRef>
+      <a:fillRef idx="1">
+        <a:scrgbClr r="0" g="0" b="0"/>
+      </a:fillRef>
+      <a:effectRef idx="0">
+        <a:scrgbClr r="0" g="0" b="0"/>
+      </a:effectRef>
+      <a:fontRef idx="minor"/>
+    </dgm:style>
+  </dgm:styleLbl>
+  <dgm:styleLbl name="alignAcc1">
+    <dgm:scene3d>
+      <a:camera prst="orthographicFront"/>
+      <a:lightRig rig="threePt" dir="t"/>
+    </dgm:scene3d>
+    <dgm:sp3d/>
+    <dgm:txPr/>
+    <dgm:style>
+      <a:lnRef idx="2">
+        <a:scrgbClr r="0" g="0" b="0"/>
+      </a:lnRef>
+      <a:fillRef idx="1">
+        <a:scrgbClr r="0" g="0" b="0"/>
+      </a:fillRef>
+      <a:effectRef idx="0">
+        <a:scrgbClr r="0" g="0" b="0"/>
+      </a:effectRef>
+      <a:fontRef idx="minor"/>
+    </dgm:style>
+  </dgm:styleLbl>
+  <dgm:styleLbl name="trAlignAcc1">
+    <dgm:scene3d>
+      <a:camera prst="orthographicFront"/>
+      <a:lightRig rig="threePt" dir="t"/>
+    </dgm:scene3d>
+    <dgm:sp3d/>
+    <dgm:txPr/>
+    <dgm:style>
+      <a:lnRef idx="1">
+        <a:scrgbClr r="0" g="0" b="0"/>
+      </a:lnRef>
+      <a:fillRef idx="1">
+        <a:scrgbClr r="0" g="0" b="0"/>
+      </a:fillRef>
+      <a:effectRef idx="0">
+        <a:scrgbClr r="0" g="0" b="0"/>
+      </a:effectRef>
+      <a:fontRef idx="minor"/>
+    </dgm:style>
+  </dgm:styleLbl>
+  <dgm:styleLbl name="bgAcc1">
+    <dgm:scene3d>
+      <a:camera prst="orthographicFront"/>
+      <a:lightRig rig="threePt" dir="t"/>
+    </dgm:scene3d>
+    <dgm:sp3d/>
+    <dgm:txPr/>
+    <dgm:style>
+      <a:lnRef idx="2">
+        <a:scrgbClr r="0" g="0" b="0"/>
+      </a:lnRef>
+      <a:fillRef idx="1">
+        <a:scrgbClr r="0" g="0" b="0"/>
+      </a:fillRef>
+      <a:effectRef idx="0">
+        <a:scrgbClr r="0" g="0" b="0"/>
+      </a:effectRef>
+      <a:fontRef idx="minor"/>
+    </dgm:style>
+  </dgm:styleLbl>
+  <dgm:styleLbl name="solidFgAcc1">
+    <dgm:scene3d>
+      <a:camera prst="orthographicFront"/>
+      <a:lightRig rig="threePt" dir="t"/>
+    </dgm:scene3d>
+    <dgm:sp3d/>
+    <dgm:txPr/>
+    <dgm:style>
+      <a:lnRef idx="2">
+        <a:scrgbClr r="0" g="0" b="0"/>
+      </a:lnRef>
+      <a:fillRef idx="1">
+        <a:scrgbClr r="0" g="0" b="0"/>
+      </a:fillRef>
+      <a:effectRef idx="0">
+        <a:scrgbClr r="0" g="0" b="0"/>
+      </a:effectRef>
+      <a:fontRef idx="minor"/>
+    </dgm:style>
+  </dgm:styleLbl>
+  <dgm:styleLbl name="solidAlignAcc1">
+    <dgm:scene3d>
+      <a:camera prst="orthographicFront"/>
+      <a:lightRig rig="threePt" dir="t"/>
+    </dgm:scene3d>
+    <dgm:sp3d/>
+    <dgm:txPr/>
+    <dgm:style>
+      <a:lnRef idx="2">
+        <a:scrgbClr r="0" g="0" b="0"/>
+      </a:lnRef>
+      <a:fillRef idx="1">
+        <a:scrgbClr r="0" g="0" b="0"/>
+      </a:fillRef>
+      <a:effectRef idx="0">
+        <a:scrgbClr r="0" g="0" b="0"/>
+      </a:effectRef>
+      <a:fontRef idx="minor"/>
+    </dgm:style>
+  </dgm:styleLbl>
+  <dgm:styleLbl name="solidBgAcc1">
+    <dgm:scene3d>
+      <a:camera prst="orthographicFront"/>
+      <a:lightRig rig="threePt" dir="t"/>
+    </dgm:scene3d>
+    <dgm:sp3d/>
+    <dgm:txPr/>
+    <dgm:style>
+      <a:lnRef idx="2">
+        <a:scrgbClr r="0" g="0" b="0"/>
+      </a:lnRef>
+      <a:fillRef idx="1">
+        <a:scrgbClr r="0" g="0" b="0"/>
+      </a:fillRef>
+      <a:effectRef idx="0">
+        <a:scrgbClr r="0" g="0" b="0"/>
+      </a:effectRef>
+      <a:fontRef idx="minor"/>
+    </dgm:style>
+  </dgm:styleLbl>
+  <dgm:styleLbl name="fgAccFollowNode1">
+    <dgm:scene3d>
+      <a:camera prst="orthographicFront"/>
+      <a:lightRig rig="threePt" dir="t"/>
+    </dgm:scene3d>
+    <dgm:sp3d/>
+    <dgm:txPr/>
+    <dgm:style>
+      <a:lnRef idx="2">
+        <a:scrgbClr r="0" g="0" b="0"/>
+      </a:lnRef>
+      <a:fillRef idx="1">
+        <a:scrgbClr r="0" g="0" b="0"/>
+      </a:fillRef>
+      <a:effectRef idx="0">
+        <a:scrgbClr r="0" g="0" b="0"/>
+      </a:effectRef>
+      <a:fontRef idx="minor"/>
+    </dgm:style>
+  </dgm:styleLbl>
+  <dgm:styleLbl name="alignAccFollowNode1">
+    <dgm:scene3d>
+      <a:camera prst="orthographicFront"/>
+      <a:lightRig rig="threePt" dir="t"/>
+    </dgm:scene3d>
+    <dgm:sp3d/>
+    <dgm:txPr/>
+    <dgm:style>
+      <a:lnRef idx="2">
+        <a:scrgbClr r="0" g="0" b="0"/>
+      </a:lnRef>
+      <a:fillRef idx="1">
+        <a:scrgbClr r="0" g="0" b="0"/>
+      </a:fillRef>
+      <a:effectRef idx="0">
+        <a:scrgbClr r="0" g="0" b="0"/>
+      </a:effectRef>
+      <a:fontRef idx="minor"/>
+    </dgm:style>
+  </dgm:styleLbl>
+  <dgm:styleLbl name="bgAccFollowNode1">
+    <dgm:scene3d>
+      <a:camera prst="orthographicFront"/>
+      <a:lightRig rig="threePt" dir="t"/>
+    </dgm:scene3d>
+    <dgm:sp3d/>
+    <dgm:txPr/>
+    <dgm:style>
+      <a:lnRef idx="2">
+        <a:scrgbClr r="0" g="0" b="0"/>
+      </a:lnRef>
+      <a:fillRef idx="1">
+        <a:scrgbClr r="0" g="0" b="0"/>
+      </a:fillRef>
+      <a:effectRef idx="0">
+        <a:scrgbClr r="0" g="0" b="0"/>
+      </a:effectRef>
+      <a:fontRef idx="minor"/>
+    </dgm:style>
+  </dgm:styleLbl>
+  <dgm:styleLbl name="fgAcc0">
+    <dgm:scene3d>
+      <a:camera prst="orthographicFront"/>
+      <a:lightRig rig="threePt" dir="t"/>
+    </dgm:scene3d>
+    <dgm:sp3d/>
+    <dgm:txPr/>
+    <dgm:style>
+      <a:lnRef idx="2">
+        <a:scrgbClr r="0" g="0" b="0"/>
+      </a:lnRef>
+      <a:fillRef idx="1">
+        <a:scrgbClr r="0" g="0" b="0"/>
+      </a:fillRef>
+      <a:effectRef idx="0">
+        <a:scrgbClr r="0" g="0" b="0"/>
+      </a:effectRef>
+      <a:fontRef idx="minor"/>
+    </dgm:style>
+  </dgm:styleLbl>
+  <dgm:styleLbl name="fgAcc2">
+    <dgm:scene3d>
+      <a:camera prst="orthographicFront"/>
+      <a:lightRig rig="threePt" dir="t"/>
+    </dgm:scene3d>
+    <dgm:sp3d/>
+    <dgm:txPr/>
+    <dgm:style>
+      <a:lnRef idx="2">
+        <a:scrgbClr r="0" g="0" b="0"/>
+      </a:lnRef>
+      <a:fillRef idx="1">
+        <a:scrgbClr r="0" g="0" b="0"/>
+      </a:fillRef>
+      <a:effectRef idx="0">
+        <a:scrgbClr r="0" g="0" b="0"/>
+      </a:effectRef>
+      <a:fontRef idx="minor"/>
+    </dgm:style>
+  </dgm:styleLbl>
+  <dgm:styleLbl name="fgAcc3">
+    <dgm:scene3d>
+      <a:camera prst="orthographicFront"/>
+      <a:lightRig rig="threePt" dir="t"/>
+    </dgm:scene3d>
+    <dgm:sp3d/>
+    <dgm:txPr/>
+    <dgm:style>
+      <a:lnRef idx="2">
+        <a:scrgbClr r="0" g="0" b="0"/>
+      </a:lnRef>
+      <a:fillRef idx="1">
+        <a:scrgbClr r="0" g="0" b="0"/>
+      </a:fillRef>
+      <a:effectRef idx="0">
+        <a:scrgbClr r="0" g="0" b="0"/>
+      </a:effectRef>
+      <a:fontRef idx="minor"/>
+    </dgm:style>
+  </dgm:styleLbl>
+  <dgm:styleLbl name="fgAcc4">
+    <dgm:scene3d>
+      <a:camera prst="orthographicFront"/>
+      <a:lightRig rig="threePt" dir="t"/>
+    </dgm:scene3d>
+    <dgm:sp3d/>
+    <dgm:txPr/>
+    <dgm:style>
+      <a:lnRef idx="2">
+        <a:scrgbClr r="0" g="0" b="0"/>
+      </a:lnRef>
+      <a:fillRef idx="1">
+        <a:scrgbClr r="0" g="0" b="0"/>
+      </a:fillRef>
+      <a:effectRef idx="0">
+        <a:scrgbClr r="0" g="0" b="0"/>
+      </a:effectRef>
+      <a:fontRef idx="minor"/>
+    </dgm:style>
+  </dgm:styleLbl>
+  <dgm:styleLbl name="bgShp">
+    <dgm:scene3d>
+      <a:camera prst="orthographicFront"/>
+      <a:lightRig rig="threePt" dir="t"/>
+    </dgm:scene3d>
+    <dgm:sp3d/>
+    <dgm:txPr/>
+    <dgm:style>
+      <a:lnRef idx="0">
+        <a:scrgbClr r="0" g="0" b="0"/>
+      </a:lnRef>
+      <a:fillRef idx="1">
+        <a:scrgbClr r="0" g="0" b="0"/>
+      </a:fillRef>
+      <a:effectRef idx="0">
+        <a:scrgbClr r="0" g="0" b="0"/>
+      </a:effectRef>
+      <a:fontRef idx="minor"/>
+    </dgm:style>
+  </dgm:styleLbl>
+  <dgm:styleLbl name="dkBgShp">
+    <dgm:scene3d>
+      <a:camera prst="orthographicFront"/>
+      <a:lightRig rig="threePt" dir="t"/>
+    </dgm:scene3d>
+    <dgm:sp3d/>
+    <dgm:txPr/>
+    <dgm:style>
+      <a:lnRef idx="0">
+        <a:scrgbClr r="0" g="0" b="0"/>
+      </a:lnRef>
+      <a:fillRef idx="1">
+        <a:scrgbClr r="0" g="0" b="0"/>
+      </a:fillRef>
+      <a:effectRef idx="0">
+        <a:scrgbClr r="0" g="0" b="0"/>
+      </a:effectRef>
+      <a:fontRef idx="minor"/>
+    </dgm:style>
+  </dgm:styleLbl>
+  <dgm:styleLbl name="trBgShp">
+    <dgm:scene3d>
+      <a:camera prst="orthographicFront"/>
+      <a:lightRig rig="threePt" dir="t"/>
+    </dgm:scene3d>
+    <dgm:sp3d/>
+    <dgm:txPr/>
+    <dgm:style>
+      <a:lnRef idx="0">
+        <a:scrgbClr r="0" g="0" b="0"/>
+      </a:lnRef>
+      <a:fillRef idx="1">
+        <a:scrgbClr r="0" g="0" b="0"/>
+      </a:fillRef>
+      <a:effectRef idx="0">
+        <a:scrgbClr r="0" g="0" b="0"/>
+      </a:effectRef>
+      <a:fontRef idx="minor"/>
+    </dgm:style>
+  </dgm:styleLbl>
+  <dgm:styleLbl name="fgShp">
+    <dgm:scene3d>
+      <a:camera prst="orthographicFront"/>
+      <a:lightRig rig="threePt" dir="t"/>
+    </dgm:scene3d>
+    <dgm:sp3d/>
+    <dgm:txPr/>
+    <dgm:style>
+      <a:lnRef idx="2">
+        <a:scrgbClr r="0" g="0" b="0"/>
+      </a:lnRef>
+      <a:fillRef idx="1">
+        <a:scrgbClr r="0" g="0" b="0"/>
+      </a:fillRef>
+      <a:effectRef idx="0">
+        <a:scrgbClr r="0" g="0" b="0"/>
+      </a:effectRef>
+      <a:fontRef idx="minor"/>
+    </dgm:style>
+  </dgm:styleLbl>
+  <dgm:styleLbl name="revTx">
+    <dgm:scene3d>
+      <a:camera prst="orthographicFront"/>
+      <a:lightRig rig="threePt" dir="t"/>
+    </dgm:scene3d>
+    <dgm:sp3d/>
+    <dgm:txPr/>
+    <dgm:style>
+      <a:lnRef idx="0">
+        <a:scrgbClr r="0" g="0" b="0"/>
+      </a:lnRef>
+      <a:fillRef idx="0">
+        <a:scrgbClr r="0" g="0" b="0"/>
+      </a:fillRef>
+      <a:effectRef idx="0">
+        <a:scrgbClr r="0" g="0" b="0"/>
+      </a:effectRef>
+      <a:fontRef idx="minor"/>
+    </dgm:style>
+  </dgm:styleLbl>
+</dgm:styleDef>
+</file>
+
 <file path=ppt/notesMasters/notesMaster1.xml><?xml version="1.0" encoding="utf-8"?>
 <p:notesMaster xmlns:a="http://schemas.openxmlformats.org/drawingml/2006/main" xmlns:r="http://schemas.openxmlformats.org/officeDocument/2006/relationships" xmlns:p="http://schemas.openxmlformats.org/presentationml/2006/main">
   <p:cSld>
@@ -4874,7 +9697,7 @@
           <a:p>
             <a:fld id="{03B24962-D7B5-4FEA-ABE9-8C89DFE85AA1}" type="datetimeFigureOut">
               <a:rPr lang="en-US" smtClean="0"/>
-              <a:t>7/24/2017</a:t>
+              <a:t>8/13/2017</a:t>
             </a:fld>
             <a:endParaRPr lang="en-US"/>
           </a:p>
@@ -5294,7 +10117,7 @@
             <a:fld id="{6048B3DE-E9CD-4720-84B6-E24D30E64DE7}" type="slidenum">
               <a:rPr lang="en-US" smtClean="0"/>
               <a:pPr/>
-              <a:t>22</a:t>
+              <a:t>23</a:t>
             </a:fld>
             <a:endParaRPr lang="en-US"/>
           </a:p>
@@ -5382,7 +10205,7 @@
             <a:fld id="{6048B3DE-E9CD-4720-84B6-E24D30E64DE7}" type="slidenum">
               <a:rPr lang="en-US" smtClean="0"/>
               <a:pPr/>
-              <a:t>23</a:t>
+              <a:t>24</a:t>
             </a:fld>
             <a:endParaRPr lang="en-US"/>
           </a:p>
@@ -5470,7 +10293,7 @@
             <a:fld id="{6048B3DE-E9CD-4720-84B6-E24D30E64DE7}" type="slidenum">
               <a:rPr lang="en-US" smtClean="0"/>
               <a:pPr/>
-              <a:t>24</a:t>
+              <a:t>25</a:t>
             </a:fld>
             <a:endParaRPr lang="en-US"/>
           </a:p>
@@ -5555,7 +10378,7 @@
             <a:fld id="{35B728A6-6F57-4E84-A2C2-C78EE294E18B}" type="slidenum">
               <a:rPr lang="en-US" smtClean="0"/>
               <a:pPr/>
-              <a:t>26</a:t>
+              <a:t>27</a:t>
             </a:fld>
             <a:endParaRPr lang="en-US"/>
           </a:p>
@@ -5648,7 +10471,7 @@
             <a:fld id="{35B728A6-6F57-4E84-A2C2-C78EE294E18B}" type="slidenum">
               <a:rPr lang="en-US" smtClean="0"/>
               <a:pPr/>
-              <a:t>29</a:t>
+              <a:t>30</a:t>
             </a:fld>
             <a:endParaRPr lang="en-US"/>
           </a:p>
@@ -5733,7 +10556,7 @@
             <a:fld id="{6048B3DE-E9CD-4720-84B6-E24D30E64DE7}" type="slidenum">
               <a:rPr lang="en-US" smtClean="0"/>
               <a:pPr/>
-              <a:t>13</a:t>
+              <a:t>14</a:t>
             </a:fld>
             <a:endParaRPr lang="en-US"/>
           </a:p>
@@ -5818,7 +10641,7 @@
             <a:fld id="{6048B3DE-E9CD-4720-84B6-E24D30E64DE7}" type="slidenum">
               <a:rPr lang="en-US" smtClean="0"/>
               <a:pPr/>
-              <a:t>14</a:t>
+              <a:t>15</a:t>
             </a:fld>
             <a:endParaRPr lang="en-US"/>
           </a:p>
@@ -5902,7 +10725,7 @@
           <a:p>
             <a:fld id="{7244E18F-170A-479A-8042-7CA03643CD9B}" type="slidenum">
               <a:rPr lang="en-US" smtClean="0"/>
-              <a:t>15</a:t>
+              <a:t>16</a:t>
             </a:fld>
             <a:endParaRPr lang="en-US"/>
           </a:p>
@@ -5990,7 +10813,7 @@
             <a:fld id="{6048B3DE-E9CD-4720-84B6-E24D30E64DE7}" type="slidenum">
               <a:rPr lang="en-US" smtClean="0"/>
               <a:pPr/>
-              <a:t>17</a:t>
+              <a:t>18</a:t>
             </a:fld>
             <a:endParaRPr lang="en-US"/>
           </a:p>
@@ -6078,7 +10901,7 @@
             <a:fld id="{6048B3DE-E9CD-4720-84B6-E24D30E64DE7}" type="slidenum">
               <a:rPr lang="en-US" smtClean="0"/>
               <a:pPr/>
-              <a:t>18</a:t>
+              <a:t>19</a:t>
             </a:fld>
             <a:endParaRPr lang="en-US"/>
           </a:p>
@@ -6166,7 +10989,7 @@
             <a:fld id="{6048B3DE-E9CD-4720-84B6-E24D30E64DE7}" type="slidenum">
               <a:rPr lang="en-US" smtClean="0"/>
               <a:pPr/>
-              <a:t>19</a:t>
+              <a:t>20</a:t>
             </a:fld>
             <a:endParaRPr lang="en-US"/>
           </a:p>
@@ -6254,7 +11077,7 @@
             <a:fld id="{6048B3DE-E9CD-4720-84B6-E24D30E64DE7}" type="slidenum">
               <a:rPr lang="en-US" smtClean="0"/>
               <a:pPr/>
-              <a:t>20</a:t>
+              <a:t>21</a:t>
             </a:fld>
             <a:endParaRPr lang="en-US"/>
           </a:p>
@@ -6342,7 +11165,7 @@
             <a:fld id="{6048B3DE-E9CD-4720-84B6-E24D30E64DE7}" type="slidenum">
               <a:rPr lang="en-US" smtClean="0"/>
               <a:pPr/>
-              <a:t>21</a:t>
+              <a:t>22</a:t>
             </a:fld>
             <a:endParaRPr lang="en-US"/>
           </a:p>
@@ -6540,7 +11363,7 @@
           <a:p>
             <a:fld id="{2F1F79F5-7BEC-496A-AFC7-876E38F64D71}" type="datetime1">
               <a:rPr lang="en-US" smtClean="0"/>
-              <a:t>7/24/2017</a:t>
+              <a:t>8/13/2017</a:t>
             </a:fld>
             <a:endParaRPr lang="en-US"/>
           </a:p>
@@ -6657,7 +11480,7 @@
           <a:p>
             <a:fld id="{2F7B77F5-1464-4F6B-92A8-64FC8A508293}" type="datetime1">
               <a:rPr lang="en-US" smtClean="0"/>
-              <a:t>7/24/2017</a:t>
+              <a:t>8/13/2017</a:t>
             </a:fld>
             <a:endParaRPr lang="en-US"/>
           </a:p>
@@ -6752,7 +11575,7 @@
           <a:p>
             <a:fld id="{0A05703A-7669-4FEA-9056-25299B4D29D4}" type="datetime1">
               <a:rPr lang="en-US" smtClean="0"/>
-              <a:t>7/24/2017</a:t>
+              <a:t>8/13/2017</a:t>
             </a:fld>
             <a:endParaRPr lang="en-US"/>
           </a:p>
@@ -7027,7 +11850,7 @@
           <a:p>
             <a:fld id="{6E5077B5-BB57-49DB-88CA-226A139E5C01}" type="datetime1">
               <a:rPr lang="en-US" smtClean="0"/>
-              <a:t>7/24/2017</a:t>
+              <a:t>8/13/2017</a:t>
             </a:fld>
             <a:endParaRPr lang="en-US"/>
           </a:p>
@@ -7279,7 +12102,7 @@
           <a:p>
             <a:fld id="{C48D9447-CBD6-49A1-89FD-8512A8CF8999}" type="datetime1">
               <a:rPr lang="en-US" smtClean="0"/>
-              <a:t>7/24/2017</a:t>
+              <a:t>8/13/2017</a:t>
             </a:fld>
             <a:endParaRPr lang="en-US"/>
           </a:p>
@@ -7447,7 +12270,7 @@
           <a:p>
             <a:fld id="{A3639A2A-823D-48B7-9ACE-7FAF42870BA9}" type="datetime1">
               <a:rPr lang="en-US" smtClean="0"/>
-              <a:t>7/24/2017</a:t>
+              <a:t>8/13/2017</a:t>
             </a:fld>
             <a:endParaRPr lang="en-US"/>
           </a:p>
@@ -7625,7 +12448,7 @@
           <a:p>
             <a:fld id="{ED1B6996-82E9-463C-972C-7B56056E426C}" type="datetime1">
               <a:rPr lang="en-US" smtClean="0"/>
-              <a:t>7/24/2017</a:t>
+              <a:t>8/13/2017</a:t>
             </a:fld>
             <a:endParaRPr lang="en-US"/>
           </a:p>
@@ -7799,7 +12622,7 @@
           <a:p>
             <a:fld id="{E22ED4DA-448D-4BB1-B935-CC112220207B}" type="datetime1">
               <a:rPr lang="en-US" smtClean="0"/>
-              <a:t>7/24/2017</a:t>
+              <a:t>8/13/2017</a:t>
             </a:fld>
             <a:endParaRPr lang="en-US"/>
           </a:p>
@@ -7972,7 +12795,7 @@
           <a:p>
             <a:fld id="{E22ED4DA-448D-4BB1-B935-CC112220207B}" type="datetime1">
               <a:rPr lang="en-US" smtClean="0"/>
-              <a:t>7/24/2017</a:t>
+              <a:t>8/13/2017</a:t>
             </a:fld>
             <a:endParaRPr lang="en-US"/>
           </a:p>
@@ -8235,7 +13058,7 @@
           <a:p>
             <a:fld id="{FF5D65A6-AB94-4435-B0B7-3743215FA46C}" type="datetime1">
               <a:rPr lang="en-US" smtClean="0"/>
-              <a:t>7/24/2017</a:t>
+              <a:t>8/13/2017</a:t>
             </a:fld>
             <a:endParaRPr lang="en-US"/>
           </a:p>
@@ -8411,7 +13234,7 @@
           <a:p>
             <a:fld id="{FF5D65A6-AB94-4435-B0B7-3743215FA46C}" type="datetime1">
               <a:rPr lang="en-US" smtClean="0"/>
-              <a:t>7/24/2017</a:t>
+              <a:t>8/13/2017</a:t>
             </a:fld>
             <a:endParaRPr lang="en-US"/>
           </a:p>
@@ -8705,7 +13528,7 @@
           <a:p>
             <a:fld id="{7C193DC4-6EF0-48C9-B29C-616106A645E1}" type="datetime1">
               <a:rPr lang="en-US" smtClean="0"/>
-              <a:t>7/24/2017</a:t>
+              <a:t>8/13/2017</a:t>
             </a:fld>
             <a:endParaRPr lang="en-US"/>
           </a:p>
@@ -8990,7 +13813,7 @@
           <a:p>
             <a:fld id="{5D1846AD-9252-4647-9435-4C2AC365653A}" type="datetime1">
               <a:rPr lang="en-US" smtClean="0"/>
-              <a:t>7/24/2017</a:t>
+              <a:t>8/13/2017</a:t>
             </a:fld>
             <a:endParaRPr lang="en-US"/>
           </a:p>
@@ -9289,7 +14112,7 @@
           <a:p>
             <a:fld id="{5D1846AD-9252-4647-9435-4C2AC365653A}" type="datetime1">
               <a:rPr lang="en-US" smtClean="0"/>
-              <a:t>7/24/2017</a:t>
+              <a:t>8/13/2017</a:t>
             </a:fld>
             <a:endParaRPr lang="en-US"/>
           </a:p>
@@ -9708,7 +14531,7 @@
           <a:p>
             <a:fld id="{CE56DC10-3561-4063-A6AF-C1CC7A41040A}" type="datetime1">
               <a:rPr lang="en-US" smtClean="0"/>
-              <a:t>7/24/2017</a:t>
+              <a:t>8/13/2017</a:t>
             </a:fld>
             <a:endParaRPr lang="en-US"/>
           </a:p>
@@ -9931,7 +14754,7 @@
           <a:p>
             <a:fld id="{02B3F677-983B-48DB-ADFD-63FE6CBC7FB2}" type="datetime1">
               <a:rPr lang="en-US" smtClean="0"/>
-              <a:t>7/24/2017</a:t>
+              <a:t>8/13/2017</a:t>
             </a:fld>
             <a:endParaRPr lang="en-US"/>
           </a:p>
@@ -10549,6 +15372,103 @@
             <p:ph type="title"/>
           </p:nvPr>
         </p:nvSpPr>
+        <p:spPr/>
+        <p:txBody>
+          <a:bodyPr/>
+          <a:lstStyle/>
+          <a:p>
+            <a:r>
+              <a:rPr lang="en-US" dirty="0"/>
+              <a:t>Course Map</a:t>
+            </a:r>
+          </a:p>
+        </p:txBody>
+      </p:sp>
+      <p:sp>
+        <p:nvSpPr>
+          <p:cNvPr id="3" name="Slide Number Placeholder 2"/>
+          <p:cNvSpPr>
+            <a:spLocks noGrp="1"/>
+          </p:cNvSpPr>
+          <p:nvPr>
+            <p:ph type="sldNum" sz="quarter" idx="12"/>
+          </p:nvPr>
+        </p:nvSpPr>
+        <p:spPr/>
+        <p:txBody>
+          <a:bodyPr/>
+          <a:lstStyle/>
+          <a:p>
+            <a:fld id="{2AF3B5EA-18B6-4040-9F78-6052AF49C681}" type="slidenum">
+              <a:rPr lang="en-US" smtClean="0"/>
+              <a:t>10</a:t>
+            </a:fld>
+            <a:endParaRPr lang="en-US"/>
+          </a:p>
+        </p:txBody>
+      </p:sp>
+      <p:graphicFrame>
+        <p:nvGraphicFramePr>
+          <p:cNvPr id="4" name="Diagram 3"/>
+          <p:cNvGraphicFramePr/>
+          <p:nvPr>
+            <p:extLst>
+              <p:ext uri="{D42A27DB-BD31-4B8C-83A1-F6EECF244321}">
+                <p14:modId xmlns:p14="http://schemas.microsoft.com/office/powerpoint/2010/main" val="3450229771"/>
+              </p:ext>
+            </p:extLst>
+          </p:nvPr>
+        </p:nvGraphicFramePr>
+        <p:xfrm>
+          <a:off x="1524000" y="1727994"/>
+          <a:ext cx="6096000" cy="4520406"/>
+        </p:xfrm>
+        <a:graphic>
+          <a:graphicData uri="http://schemas.openxmlformats.org/drawingml/2006/diagram">
+            <dgm:relIds xmlns:dgm="http://schemas.openxmlformats.org/drawingml/2006/diagram" xmlns:r="http://schemas.openxmlformats.org/officeDocument/2006/relationships" r:dm="rId2" r:lo="rId3" r:qs="rId4" r:cs="rId5"/>
+          </a:graphicData>
+        </a:graphic>
+      </p:graphicFrame>
+    </p:spTree>
+    <p:extLst>
+      <p:ext uri="{BB962C8B-B14F-4D97-AF65-F5344CB8AC3E}">
+        <p14:creationId xmlns:p14="http://schemas.microsoft.com/office/powerpoint/2010/main" val="3375243708"/>
+      </p:ext>
+    </p:extLst>
+  </p:cSld>
+  <p:clrMapOvr>
+    <a:masterClrMapping/>
+  </p:clrMapOvr>
+</p:sld>
+</file>
+
+<file path=ppt/slides/slide11.xml><?xml version="1.0" encoding="utf-8"?>
+<p:sld xmlns:a="http://schemas.openxmlformats.org/drawingml/2006/main" xmlns:r="http://schemas.openxmlformats.org/officeDocument/2006/relationships" xmlns:p="http://schemas.openxmlformats.org/presentationml/2006/main">
+  <p:cSld>
+    <p:spTree>
+      <p:nvGrpSpPr>
+        <p:cNvPr id="1" name=""/>
+        <p:cNvGrpSpPr/>
+        <p:nvPr/>
+      </p:nvGrpSpPr>
+      <p:grpSpPr>
+        <a:xfrm>
+          <a:off x="0" y="0"/>
+          <a:ext cx="0" cy="0"/>
+          <a:chOff x="0" y="0"/>
+          <a:chExt cx="0" cy="0"/>
+        </a:xfrm>
+      </p:grpSpPr>
+      <p:sp>
+        <p:nvSpPr>
+          <p:cNvPr id="2" name="Title 1"/>
+          <p:cNvSpPr>
+            <a:spLocks noGrp="1"/>
+          </p:cNvSpPr>
+          <p:nvPr>
+            <p:ph type="title"/>
+          </p:nvPr>
+        </p:nvSpPr>
         <p:spPr>
           <a:xfrm>
             <a:off x="457200" y="225401"/>
@@ -10828,7 +15748,7 @@
           <a:p>
             <a:fld id="{2AF3B5EA-18B6-4040-9F78-6052AF49C681}" type="slidenum">
               <a:rPr lang="en-US" smtClean="0"/>
-              <a:t>10</a:t>
+              <a:t>11</a:t>
             </a:fld>
             <a:endParaRPr lang="en-US"/>
           </a:p>
@@ -10847,7 +15767,7 @@
 </p:sld>
 </file>
 
-<file path=ppt/slides/slide11.xml><?xml version="1.0" encoding="utf-8"?>
+<file path=ppt/slides/slide12.xml><?xml version="1.0" encoding="utf-8"?>
 <p:sld xmlns:a="http://schemas.openxmlformats.org/drawingml/2006/main" xmlns:r="http://schemas.openxmlformats.org/officeDocument/2006/relationships" xmlns:p="http://schemas.openxmlformats.org/presentationml/2006/main">
   <p:cSld>
     <p:spTree>
@@ -10910,7 +15830,7 @@
           <a:p>
             <a:fld id="{2AF3B5EA-18B6-4040-9F78-6052AF49C681}" type="slidenum">
               <a:rPr lang="en-US" smtClean="0"/>
-              <a:t>11</a:t>
+              <a:t>12</a:t>
             </a:fld>
             <a:endParaRPr lang="en-US"/>
           </a:p>
@@ -10929,7 +15849,7 @@
 </p:sld>
 </file>
 
-<file path=ppt/slides/slide12.xml><?xml version="1.0" encoding="utf-8"?>
+<file path=ppt/slides/slide13.xml><?xml version="1.0" encoding="utf-8"?>
 <p:sld xmlns:a="http://schemas.openxmlformats.org/drawingml/2006/main" xmlns:r="http://schemas.openxmlformats.org/officeDocument/2006/relationships" xmlns:p="http://schemas.openxmlformats.org/presentationml/2006/main">
   <p:cSld>
     <p:spTree>
@@ -11075,7 +15995,7 @@
                 </a:solidFill>
               </a:rPr>
               <a:pPr/>
-              <a:t>12</a:t>
+              <a:t>13</a:t>
             </a:fld>
             <a:endParaRPr lang="en-US" dirty="0">
               <a:solidFill>
@@ -11100,7 +16020,7 @@
 </p:sld>
 </file>
 
-<file path=ppt/slides/slide13.xml><?xml version="1.0" encoding="utf-8"?>
+<file path=ppt/slides/slide14.xml><?xml version="1.0" encoding="utf-8"?>
 <p:sld xmlns:a="http://schemas.openxmlformats.org/drawingml/2006/main" xmlns:r="http://schemas.openxmlformats.org/officeDocument/2006/relationships" xmlns:p="http://schemas.openxmlformats.org/presentationml/2006/main">
   <p:cSld>
     <p:spTree>
@@ -11311,7 +16231,7 @@
           <a:p>
             <a:fld id="{2AF3B5EA-18B6-4040-9F78-6052AF49C681}" type="slidenum">
               <a:rPr lang="en-US" smtClean="0"/>
-              <a:t>13</a:t>
+              <a:t>14</a:t>
             </a:fld>
             <a:endParaRPr lang="en-US"/>
           </a:p>
@@ -11330,7 +16250,7 @@
 </p:sld>
 </file>
 
-<file path=ppt/slides/slide14.xml><?xml version="1.0" encoding="utf-8"?>
+<file path=ppt/slides/slide15.xml><?xml version="1.0" encoding="utf-8"?>
 <p:sld xmlns:a="http://schemas.openxmlformats.org/drawingml/2006/main" xmlns:r="http://schemas.openxmlformats.org/officeDocument/2006/relationships" xmlns:p="http://schemas.openxmlformats.org/presentationml/2006/main">
   <p:cSld>
     <p:spTree>
@@ -11574,7 +16494,7 @@
           <a:p>
             <a:fld id="{2AF3B5EA-18B6-4040-9F78-6052AF49C681}" type="slidenum">
               <a:rPr lang="en-US" smtClean="0"/>
-              <a:t>14</a:t>
+              <a:t>15</a:t>
             </a:fld>
             <a:endParaRPr lang="en-US"/>
           </a:p>
@@ -11593,7 +16513,7 @@
 </p:sld>
 </file>
 
-<file path=ppt/slides/slide15.xml><?xml version="1.0" encoding="utf-8"?>
+<file path=ppt/slides/slide16.xml><?xml version="1.0" encoding="utf-8"?>
 <p:sld xmlns:a="http://schemas.openxmlformats.org/drawingml/2006/main" xmlns:r="http://schemas.openxmlformats.org/officeDocument/2006/relationships" xmlns:p="http://schemas.openxmlformats.org/presentationml/2006/main">
   <p:cSld>
     <p:spTree>
@@ -12452,7 +17372,7 @@
 </p:sld>
 </file>
 
-<file path=ppt/slides/slide16.xml><?xml version="1.0" encoding="utf-8"?>
+<file path=ppt/slides/slide17.xml><?xml version="1.0" encoding="utf-8"?>
 <p:sld xmlns:a="http://schemas.openxmlformats.org/drawingml/2006/main" xmlns:r="http://schemas.openxmlformats.org/officeDocument/2006/relationships" xmlns:p="http://schemas.openxmlformats.org/presentationml/2006/main">
   <p:cSld>
     <p:spTree>
@@ -12716,7 +17636,7 @@
           <a:p>
             <a:fld id="{2AF3B5EA-18B6-4040-9F78-6052AF49C681}" type="slidenum">
               <a:rPr lang="en-US" smtClean="0"/>
-              <a:t>16</a:t>
+              <a:t>17</a:t>
             </a:fld>
             <a:endParaRPr lang="en-US"/>
           </a:p>
@@ -12735,7 +17655,7 @@
 </p:sld>
 </file>
 
-<file path=ppt/slides/slide17.xml><?xml version="1.0" encoding="utf-8"?>
+<file path=ppt/slides/slide18.xml><?xml version="1.0" encoding="utf-8"?>
 <p:sld xmlns:a="http://schemas.openxmlformats.org/drawingml/2006/main" xmlns:r="http://schemas.openxmlformats.org/officeDocument/2006/relationships" xmlns:p="http://schemas.openxmlformats.org/presentationml/2006/main">
   <p:cSld>
     <p:spTree>
@@ -13037,7 +17957,7 @@
           <a:p>
             <a:fld id="{2AF3B5EA-18B6-4040-9F78-6052AF49C681}" type="slidenum">
               <a:rPr lang="en-US" smtClean="0"/>
-              <a:t>17</a:t>
+              <a:t>18</a:t>
             </a:fld>
             <a:endParaRPr lang="en-US"/>
           </a:p>
@@ -13167,7 +18087,7 @@
 </p:sld>
 </file>
 
-<file path=ppt/slides/slide18.xml><?xml version="1.0" encoding="utf-8"?>
+<file path=ppt/slides/slide19.xml><?xml version="1.0" encoding="utf-8"?>
 <p:sld xmlns:a="http://schemas.openxmlformats.org/drawingml/2006/main" xmlns:r="http://schemas.openxmlformats.org/officeDocument/2006/relationships" xmlns:p="http://schemas.openxmlformats.org/presentationml/2006/main">
   <p:cSld>
     <p:spTree>
@@ -13479,7 +18399,7 @@
           <a:p>
             <a:fld id="{2AF3B5EA-18B6-4040-9F78-6052AF49C681}" type="slidenum">
               <a:rPr lang="en-US" smtClean="0"/>
-              <a:t>18</a:t>
+              <a:t>19</a:t>
             </a:fld>
             <a:endParaRPr lang="en-US"/>
           </a:p>
@@ -13498,7 +18418,98 @@
 </p:sld>
 </file>
 
-<file path=ppt/slides/slide19.xml><?xml version="1.0" encoding="utf-8"?>
+<file path=ppt/slides/slide2.xml><?xml version="1.0" encoding="utf-8"?>
+<p:sld xmlns:a="http://schemas.openxmlformats.org/drawingml/2006/main" xmlns:r="http://schemas.openxmlformats.org/officeDocument/2006/relationships" xmlns:p="http://schemas.openxmlformats.org/presentationml/2006/main">
+  <p:cSld>
+    <p:spTree>
+      <p:nvGrpSpPr>
+        <p:cNvPr id="1" name=""/>
+        <p:cNvGrpSpPr/>
+        <p:nvPr/>
+      </p:nvGrpSpPr>
+      <p:grpSpPr>
+        <a:xfrm>
+          <a:off x="0" y="0"/>
+          <a:ext cx="0" cy="0"/>
+          <a:chOff x="0" y="0"/>
+          <a:chExt cx="0" cy="0"/>
+        </a:xfrm>
+      </p:grpSpPr>
+      <p:sp>
+        <p:nvSpPr>
+          <p:cNvPr id="9" name="Title 8"/>
+          <p:cNvSpPr>
+            <a:spLocks noGrp="1"/>
+          </p:cNvSpPr>
+          <p:nvPr>
+            <p:ph type="title"/>
+          </p:nvPr>
+        </p:nvSpPr>
+        <p:spPr/>
+        <p:txBody>
+          <a:bodyPr/>
+          <a:lstStyle/>
+          <a:p>
+            <a:endParaRPr lang="en-US"/>
+          </a:p>
+        </p:txBody>
+      </p:sp>
+      <p:sp>
+        <p:nvSpPr>
+          <p:cNvPr id="10" name="Content Placeholder 9"/>
+          <p:cNvSpPr>
+            <a:spLocks noGrp="1"/>
+          </p:cNvSpPr>
+          <p:nvPr>
+            <p:ph idx="1"/>
+          </p:nvPr>
+        </p:nvSpPr>
+        <p:spPr/>
+        <p:txBody>
+          <a:bodyPr/>
+          <a:lstStyle/>
+          <a:p>
+            <a:endParaRPr lang="en-US" dirty="0"/>
+          </a:p>
+        </p:txBody>
+      </p:sp>
+      <p:sp>
+        <p:nvSpPr>
+          <p:cNvPr id="4" name="Slide Number Placeholder 3"/>
+          <p:cNvSpPr>
+            <a:spLocks noGrp="1"/>
+          </p:cNvSpPr>
+          <p:nvPr>
+            <p:ph type="sldNum" sz="quarter" idx="12"/>
+          </p:nvPr>
+        </p:nvSpPr>
+        <p:spPr/>
+        <p:txBody>
+          <a:bodyPr/>
+          <a:lstStyle/>
+          <a:p>
+            <a:fld id="{2AF3B5EA-18B6-4040-9F78-6052AF49C681}" type="slidenum">
+              <a:rPr lang="en-US" smtClean="0"/>
+              <a:t>2</a:t>
+            </a:fld>
+            <a:endParaRPr lang="en-US"/>
+          </a:p>
+        </p:txBody>
+      </p:sp>
+    </p:spTree>
+    <p:extLst>
+      <p:ext uri="{BB962C8B-B14F-4D97-AF65-F5344CB8AC3E}">
+        <p14:creationId xmlns:p14="http://schemas.microsoft.com/office/powerpoint/2010/main" val="3614611356"/>
+      </p:ext>
+    </p:extLst>
+  </p:cSld>
+  <p:clrMapOvr>
+    <a:masterClrMapping/>
+  </p:clrMapOvr>
+</p:sld>
+</file>
+
+<file path=ppt/slides/slide20.xml><?xml version="1.0" encoding="utf-8"?>
 <p:sld xmlns:a="http://schemas.openxmlformats.org/drawingml/2006/main" xmlns:r="http://schemas.openxmlformats.org/officeDocument/2006/relationships" xmlns:p="http://schemas.openxmlformats.org/presentationml/2006/main">
   <p:cSld>
     <p:spTree>
@@ -13763,7 +18774,7 @@
           <a:p>
             <a:fld id="{2AF3B5EA-18B6-4040-9F78-6052AF49C681}" type="slidenum">
               <a:rPr lang="en-US" smtClean="0"/>
-              <a:t>19</a:t>
+              <a:t>20</a:t>
             </a:fld>
             <a:endParaRPr lang="en-US"/>
           </a:p>
@@ -13782,98 +18793,7 @@
 </p:sld>
 </file>
 
-<file path=ppt/slides/slide2.xml><?xml version="1.0" encoding="utf-8"?>
-<p:sld xmlns:a="http://schemas.openxmlformats.org/drawingml/2006/main" xmlns:r="http://schemas.openxmlformats.org/officeDocument/2006/relationships" xmlns:p="http://schemas.openxmlformats.org/presentationml/2006/main">
-  <p:cSld>
-    <p:spTree>
-      <p:nvGrpSpPr>
-        <p:cNvPr id="1" name=""/>
-        <p:cNvGrpSpPr/>
-        <p:nvPr/>
-      </p:nvGrpSpPr>
-      <p:grpSpPr>
-        <a:xfrm>
-          <a:off x="0" y="0"/>
-          <a:ext cx="0" cy="0"/>
-          <a:chOff x="0" y="0"/>
-          <a:chExt cx="0" cy="0"/>
-        </a:xfrm>
-      </p:grpSpPr>
-      <p:sp>
-        <p:nvSpPr>
-          <p:cNvPr id="9" name="Title 8"/>
-          <p:cNvSpPr>
-            <a:spLocks noGrp="1"/>
-          </p:cNvSpPr>
-          <p:nvPr>
-            <p:ph type="title"/>
-          </p:nvPr>
-        </p:nvSpPr>
-        <p:spPr/>
-        <p:txBody>
-          <a:bodyPr/>
-          <a:lstStyle/>
-          <a:p>
-            <a:endParaRPr lang="en-US"/>
-          </a:p>
-        </p:txBody>
-      </p:sp>
-      <p:sp>
-        <p:nvSpPr>
-          <p:cNvPr id="10" name="Content Placeholder 9"/>
-          <p:cNvSpPr>
-            <a:spLocks noGrp="1"/>
-          </p:cNvSpPr>
-          <p:nvPr>
-            <p:ph idx="1"/>
-          </p:nvPr>
-        </p:nvSpPr>
-        <p:spPr/>
-        <p:txBody>
-          <a:bodyPr/>
-          <a:lstStyle/>
-          <a:p>
-            <a:endParaRPr lang="en-US" dirty="0"/>
-          </a:p>
-        </p:txBody>
-      </p:sp>
-      <p:sp>
-        <p:nvSpPr>
-          <p:cNvPr id="4" name="Slide Number Placeholder 3"/>
-          <p:cNvSpPr>
-            <a:spLocks noGrp="1"/>
-          </p:cNvSpPr>
-          <p:nvPr>
-            <p:ph type="sldNum" sz="quarter" idx="12"/>
-          </p:nvPr>
-        </p:nvSpPr>
-        <p:spPr/>
-        <p:txBody>
-          <a:bodyPr/>
-          <a:lstStyle/>
-          <a:p>
-            <a:fld id="{2AF3B5EA-18B6-4040-9F78-6052AF49C681}" type="slidenum">
-              <a:rPr lang="en-US" smtClean="0"/>
-              <a:t>2</a:t>
-            </a:fld>
-            <a:endParaRPr lang="en-US"/>
-          </a:p>
-        </p:txBody>
-      </p:sp>
-    </p:spTree>
-    <p:extLst>
-      <p:ext uri="{BB962C8B-B14F-4D97-AF65-F5344CB8AC3E}">
-        <p14:creationId xmlns:p14="http://schemas.microsoft.com/office/powerpoint/2010/main" val="3614611356"/>
-      </p:ext>
-    </p:extLst>
-  </p:cSld>
-  <p:clrMapOvr>
-    <a:masterClrMapping/>
-  </p:clrMapOvr>
-</p:sld>
-</file>
-
-<file path=ppt/slides/slide20.xml><?xml version="1.0" encoding="utf-8"?>
+<file path=ppt/slides/slide21.xml><?xml version="1.0" encoding="utf-8"?>
 <p:sld xmlns:a="http://schemas.openxmlformats.org/drawingml/2006/main" xmlns:r="http://schemas.openxmlformats.org/officeDocument/2006/relationships" xmlns:p="http://schemas.openxmlformats.org/presentationml/2006/main">
   <p:cSld>
     <p:spTree>
@@ -14312,7 +19232,7 @@
           <a:p>
             <a:fld id="{2AF3B5EA-18B6-4040-9F78-6052AF49C681}" type="slidenum">
               <a:rPr lang="en-US" smtClean="0"/>
-              <a:t>20</a:t>
+              <a:t>21</a:t>
             </a:fld>
             <a:endParaRPr lang="en-US"/>
           </a:p>
@@ -14331,7 +19251,7 @@
 </p:sld>
 </file>
 
-<file path=ppt/slides/slide21.xml><?xml version="1.0" encoding="utf-8"?>
+<file path=ppt/slides/slide22.xml><?xml version="1.0" encoding="utf-8"?>
 <p:sld xmlns:a="http://schemas.openxmlformats.org/drawingml/2006/main" xmlns:r="http://schemas.openxmlformats.org/officeDocument/2006/relationships" xmlns:p="http://schemas.openxmlformats.org/presentationml/2006/main">
   <p:cSld>
     <p:spTree>
@@ -14938,7 +19858,7 @@
           <a:p>
             <a:fld id="{2AF3B5EA-18B6-4040-9F78-6052AF49C681}" type="slidenum">
               <a:rPr lang="en-US" smtClean="0"/>
-              <a:t>21</a:t>
+              <a:t>22</a:t>
             </a:fld>
             <a:endParaRPr lang="en-US"/>
           </a:p>
@@ -14957,7 +19877,7 @@
 </p:sld>
 </file>
 
-<file path=ppt/slides/slide22.xml><?xml version="1.0" encoding="utf-8"?>
+<file path=ppt/slides/slide23.xml><?xml version="1.0" encoding="utf-8"?>
 <p:sld xmlns:a="http://schemas.openxmlformats.org/drawingml/2006/main" xmlns:r="http://schemas.openxmlformats.org/officeDocument/2006/relationships" xmlns:p="http://schemas.openxmlformats.org/presentationml/2006/main">
   <p:cSld>
     <p:spTree>
@@ -15178,7 +20098,7 @@
           <a:p>
             <a:fld id="{2AF3B5EA-18B6-4040-9F78-6052AF49C681}" type="slidenum">
               <a:rPr lang="en-US" smtClean="0"/>
-              <a:t>22</a:t>
+              <a:t>23</a:t>
             </a:fld>
             <a:endParaRPr lang="en-US"/>
           </a:p>
@@ -15197,7 +20117,7 @@
 </p:sld>
 </file>
 
-<file path=ppt/slides/slide23.xml><?xml version="1.0" encoding="utf-8"?>
+<file path=ppt/slides/slide24.xml><?xml version="1.0" encoding="utf-8"?>
 <p:sld xmlns:a="http://schemas.openxmlformats.org/drawingml/2006/main" xmlns:r="http://schemas.openxmlformats.org/officeDocument/2006/relationships" xmlns:p="http://schemas.openxmlformats.org/presentationml/2006/main">
   <p:cSld>
     <p:spTree>
@@ -15531,7 +20451,7 @@
           <a:p>
             <a:fld id="{2AF3B5EA-18B6-4040-9F78-6052AF49C681}" type="slidenum">
               <a:rPr lang="en-US" smtClean="0"/>
-              <a:t>23</a:t>
+              <a:t>24</a:t>
             </a:fld>
             <a:endParaRPr lang="en-US"/>
           </a:p>
@@ -15550,7 +20470,7 @@
 </p:sld>
 </file>
 
-<file path=ppt/slides/slide24.xml><?xml version="1.0" encoding="utf-8"?>
+<file path=ppt/slides/slide25.xml><?xml version="1.0" encoding="utf-8"?>
 <p:sld xmlns:a="http://schemas.openxmlformats.org/drawingml/2006/main" xmlns:r="http://schemas.openxmlformats.org/officeDocument/2006/relationships" xmlns:p="http://schemas.openxmlformats.org/presentationml/2006/main">
   <p:cSld>
     <p:spTree>
@@ -15790,7 +20710,7 @@
           <a:p>
             <a:fld id="{2AF3B5EA-18B6-4040-9F78-6052AF49C681}" type="slidenum">
               <a:rPr lang="en-US" smtClean="0"/>
-              <a:t>24</a:t>
+              <a:t>25</a:t>
             </a:fld>
             <a:endParaRPr lang="en-US"/>
           </a:p>
@@ -15809,7 +20729,7 @@
 </p:sld>
 </file>
 
-<file path=ppt/slides/slide25.xml><?xml version="1.0" encoding="utf-8"?>
+<file path=ppt/slides/slide26.xml><?xml version="1.0" encoding="utf-8"?>
 <p:sld xmlns:a="http://schemas.openxmlformats.org/drawingml/2006/main" xmlns:r="http://schemas.openxmlformats.org/officeDocument/2006/relationships" xmlns:p="http://schemas.openxmlformats.org/presentationml/2006/main">
   <p:cSld>
     <p:spTree>
@@ -16161,7 +21081,7 @@
           <a:p>
             <a:fld id="{2AF3B5EA-18B6-4040-9F78-6052AF49C681}" type="slidenum">
               <a:rPr lang="en-US" smtClean="0"/>
-              <a:t>25</a:t>
+              <a:t>26</a:t>
             </a:fld>
             <a:endParaRPr lang="en-US"/>
           </a:p>
@@ -16180,7 +21100,7 @@
 </p:sld>
 </file>
 
-<file path=ppt/slides/slide26.xml><?xml version="1.0" encoding="utf-8"?>
+<file path=ppt/slides/slide27.xml><?xml version="1.0" encoding="utf-8"?>
 <p:sld xmlns:a="http://schemas.openxmlformats.org/drawingml/2006/main" xmlns:r="http://schemas.openxmlformats.org/officeDocument/2006/relationships" xmlns:p="http://schemas.openxmlformats.org/presentationml/2006/main">
   <p:cSld>
     <p:spTree>
@@ -16509,7 +21429,7 @@
           <a:p>
             <a:fld id="{2AF3B5EA-18B6-4040-9F78-6052AF49C681}" type="slidenum">
               <a:rPr lang="en-US" smtClean="0"/>
-              <a:t>26</a:t>
+              <a:t>27</a:t>
             </a:fld>
             <a:endParaRPr lang="en-US"/>
           </a:p>
@@ -16528,7 +21448,7 @@
 </p:sld>
 </file>
 
-<file path=ppt/slides/slide27.xml><?xml version="1.0" encoding="utf-8"?>
+<file path=ppt/slides/slide28.xml><?xml version="1.0" encoding="utf-8"?>
 <p:sld xmlns:a="http://schemas.openxmlformats.org/drawingml/2006/main" xmlns:r="http://schemas.openxmlformats.org/officeDocument/2006/relationships" xmlns:p="http://schemas.openxmlformats.org/presentationml/2006/main">
   <p:cSld>
     <p:spTree>
@@ -16826,7 +21746,7 @@
           <a:p>
             <a:fld id="{2AF3B5EA-18B6-4040-9F78-6052AF49C681}" type="slidenum">
               <a:rPr lang="en-US" smtClean="0"/>
-              <a:t>27</a:t>
+              <a:t>28</a:t>
             </a:fld>
             <a:endParaRPr lang="en-US"/>
           </a:p>
@@ -16836,283 +21756,6 @@
     <p:extLst>
       <p:ext uri="{BB962C8B-B14F-4D97-AF65-F5344CB8AC3E}">
         <p14:creationId xmlns:p14="http://schemas.microsoft.com/office/powerpoint/2010/main" val="787565434"/>
-      </p:ext>
-    </p:extLst>
-  </p:cSld>
-  <p:clrMapOvr>
-    <a:masterClrMapping/>
-  </p:clrMapOvr>
-</p:sld>
-</file>
-
-<file path=ppt/slides/slide28.xml><?xml version="1.0" encoding="utf-8"?>
-<p:sld xmlns:a="http://schemas.openxmlformats.org/drawingml/2006/main" xmlns:r="http://schemas.openxmlformats.org/officeDocument/2006/relationships" xmlns:p="http://schemas.openxmlformats.org/presentationml/2006/main">
-  <p:cSld>
-    <p:spTree>
-      <p:nvGrpSpPr>
-        <p:cNvPr id="1" name=""/>
-        <p:cNvGrpSpPr/>
-        <p:nvPr/>
-      </p:nvGrpSpPr>
-      <p:grpSpPr>
-        <a:xfrm>
-          <a:off x="0" y="0"/>
-          <a:ext cx="0" cy="0"/>
-          <a:chOff x="0" y="0"/>
-          <a:chExt cx="0" cy="0"/>
-        </a:xfrm>
-      </p:grpSpPr>
-      <p:sp>
-        <p:nvSpPr>
-          <p:cNvPr id="2" name="Title 1"/>
-          <p:cNvSpPr>
-            <a:spLocks noGrp="1"/>
-          </p:cNvSpPr>
-          <p:nvPr>
-            <p:ph type="title"/>
-          </p:nvPr>
-        </p:nvSpPr>
-        <p:spPr/>
-        <p:txBody>
-          <a:bodyPr/>
-          <a:lstStyle/>
-          <a:p>
-            <a:r>
-              <a:rPr lang="en-US" dirty="0"/>
-              <a:t>The Iterative Design Recipe</a:t>
-            </a:r>
-          </a:p>
-        </p:txBody>
-      </p:sp>
-      <p:graphicFrame>
-        <p:nvGraphicFramePr>
-          <p:cNvPr id="4" name="Content Placeholder 3"/>
-          <p:cNvGraphicFramePr>
-            <a:graphicFrameLocks noGrp="1"/>
-          </p:cNvGraphicFramePr>
-          <p:nvPr>
-            <p:ph idx="1"/>
-            <p:extLst/>
-          </p:nvPr>
-        </p:nvGraphicFramePr>
-        <p:xfrm>
-          <a:off x="457200" y="1600200"/>
-          <a:ext cx="8229600" cy="5029200"/>
-        </p:xfrm>
-        <a:graphic>
-          <a:graphicData uri="http://schemas.openxmlformats.org/drawingml/2006/table">
-            <a:tbl>
-              <a:tblPr firstRow="1" bandRow="1">
-                <a:tableStyleId>{5C22544A-7EE6-4342-B048-85BDC9FD1C3A}</a:tableStyleId>
-              </a:tblPr>
-              <a:tblGrid>
-                <a:gridCol w="8229600">
-                  <a:extLst>
-                    <a:ext uri="{9D8B030D-6E8A-4147-A177-3AD203B41FA5}">
-                      <a16:colId xmlns:a16="http://schemas.microsoft.com/office/drawing/2014/main" val="20000"/>
-                    </a:ext>
-                  </a:extLst>
-                </a:gridCol>
-              </a:tblGrid>
-              <a:tr h="370840">
-                <a:tc>
-                  <a:txBody>
-                    <a:bodyPr/>
-                    <a:lstStyle/>
-                    <a:p>
-                      <a:r>
-                        <a:rPr lang="en-US" sz="3200" dirty="0"/>
-                        <a:t>Adding a New Feature to an Existing Program</a:t>
-                      </a:r>
-                    </a:p>
-                  </a:txBody>
-                  <a:tcPr/>
-                </a:tc>
-                <a:extLst>
-                  <a:ext uri="{0D108BD9-81ED-4DB2-BD59-A6C34878D82A}">
-                    <a16:rowId xmlns:a16="http://schemas.microsoft.com/office/drawing/2014/main" val="10000"/>
-                  </a:ext>
-                </a:extLst>
-              </a:tr>
-              <a:tr h="370840">
-                <a:tc>
-                  <a:txBody>
-                    <a:bodyPr/>
-                    <a:lstStyle/>
-                    <a:p>
-                      <a:pPr marL="0" indent="0">
-                        <a:buNone/>
-                      </a:pPr>
-                      <a:r>
-                        <a:rPr lang="en-US" sz="3200" dirty="0"/>
-                        <a:t>1. Perform</a:t>
-                      </a:r>
-                      <a:r>
-                        <a:rPr lang="en-US" sz="3200" baseline="0" dirty="0"/>
-                        <a:t> information analysis for new feature</a:t>
-                      </a:r>
-                    </a:p>
-                  </a:txBody>
-                  <a:tcPr/>
-                </a:tc>
-                <a:extLst>
-                  <a:ext uri="{0D108BD9-81ED-4DB2-BD59-A6C34878D82A}">
-                    <a16:rowId xmlns:a16="http://schemas.microsoft.com/office/drawing/2014/main" val="10001"/>
-                  </a:ext>
-                </a:extLst>
-              </a:tr>
-              <a:tr h="370840">
-                <a:tc>
-                  <a:txBody>
-                    <a:bodyPr/>
-                    <a:lstStyle/>
-                    <a:p>
-                      <a:r>
-                        <a:rPr lang="en-US" sz="3200" dirty="0"/>
-                        <a:t>2. Modify data definitions</a:t>
-                      </a:r>
-                      <a:r>
-                        <a:rPr lang="en-US" sz="3200" baseline="0" dirty="0"/>
-                        <a:t> as needed</a:t>
-                      </a:r>
-                      <a:endParaRPr lang="en-US" sz="3200" dirty="0"/>
-                    </a:p>
-                  </a:txBody>
-                  <a:tcPr/>
-                </a:tc>
-                <a:extLst>
-                  <a:ext uri="{0D108BD9-81ED-4DB2-BD59-A6C34878D82A}">
-                    <a16:rowId xmlns:a16="http://schemas.microsoft.com/office/drawing/2014/main" val="10002"/>
-                  </a:ext>
-                </a:extLst>
-              </a:tr>
-              <a:tr h="370840">
-                <a:tc>
-                  <a:txBody>
-                    <a:bodyPr/>
-                    <a:lstStyle/>
-                    <a:p>
-                      <a:r>
-                        <a:rPr lang="en-US" sz="3200" dirty="0"/>
-                        <a:t>3. Update existing functions to work with</a:t>
-                      </a:r>
-                      <a:r>
-                        <a:rPr lang="en-US" sz="3200" baseline="0" dirty="0"/>
-                        <a:t> new data definitions</a:t>
-                      </a:r>
-                    </a:p>
-                  </a:txBody>
-                  <a:tcPr/>
-                </a:tc>
-                <a:extLst>
-                  <a:ext uri="{0D108BD9-81ED-4DB2-BD59-A6C34878D82A}">
-                    <a16:rowId xmlns:a16="http://schemas.microsoft.com/office/drawing/2014/main" val="10003"/>
-                  </a:ext>
-                </a:extLst>
-              </a:tr>
-              <a:tr h="370840">
-                <a:tc>
-                  <a:txBody>
-                    <a:bodyPr/>
-                    <a:lstStyle/>
-                    <a:p>
-                      <a:r>
-                        <a:rPr lang="en-US" sz="3200" dirty="0"/>
-                        <a:t>4. Write </a:t>
-                      </a:r>
-                      <a:r>
-                        <a:rPr lang="en-US" sz="3200" dirty="0" err="1"/>
-                        <a:t>wishlist</a:t>
-                      </a:r>
-                      <a:r>
-                        <a:rPr lang="en-US" sz="3200" dirty="0"/>
-                        <a:t> of functions for new feature</a:t>
-                      </a:r>
-                    </a:p>
-                  </a:txBody>
-                  <a:tcPr/>
-                </a:tc>
-                <a:extLst>
-                  <a:ext uri="{0D108BD9-81ED-4DB2-BD59-A6C34878D82A}">
-                    <a16:rowId xmlns:a16="http://schemas.microsoft.com/office/drawing/2014/main" val="10004"/>
-                  </a:ext>
-                </a:extLst>
-              </a:tr>
-              <a:tr h="370840">
-                <a:tc>
-                  <a:txBody>
-                    <a:bodyPr/>
-                    <a:lstStyle/>
-                    <a:p>
-                      <a:r>
-                        <a:rPr lang="en-US" sz="3200" dirty="0"/>
-                        <a:t>5. Design new functions following the Design</a:t>
-                      </a:r>
-                      <a:r>
-                        <a:rPr lang="en-US" sz="3200" baseline="0" dirty="0"/>
-                        <a:t> Recipe</a:t>
-                      </a:r>
-                    </a:p>
-                  </a:txBody>
-                  <a:tcPr/>
-                </a:tc>
-                <a:extLst>
-                  <a:ext uri="{0D108BD9-81ED-4DB2-BD59-A6C34878D82A}">
-                    <a16:rowId xmlns:a16="http://schemas.microsoft.com/office/drawing/2014/main" val="10005"/>
-                  </a:ext>
-                </a:extLst>
-              </a:tr>
-              <a:tr h="370840">
-                <a:tc>
-                  <a:txBody>
-                    <a:bodyPr/>
-                    <a:lstStyle/>
-                    <a:p>
-                      <a:r>
-                        <a:rPr lang="en-US" sz="3200" baseline="0" dirty="0"/>
-                        <a:t>6. Repeat for the next new feature</a:t>
-                      </a:r>
-                    </a:p>
-                  </a:txBody>
-                  <a:tcPr/>
-                </a:tc>
-                <a:extLst>
-                  <a:ext uri="{0D108BD9-81ED-4DB2-BD59-A6C34878D82A}">
-                    <a16:rowId xmlns:a16="http://schemas.microsoft.com/office/drawing/2014/main" val="10006"/>
-                  </a:ext>
-                </a:extLst>
-              </a:tr>
-            </a:tbl>
-          </a:graphicData>
-        </a:graphic>
-      </p:graphicFrame>
-      <p:sp>
-        <p:nvSpPr>
-          <p:cNvPr id="3" name="Slide Number Placeholder 2"/>
-          <p:cNvSpPr>
-            <a:spLocks noGrp="1"/>
-          </p:cNvSpPr>
-          <p:nvPr>
-            <p:ph type="sldNum" sz="quarter" idx="12"/>
-          </p:nvPr>
-        </p:nvSpPr>
-        <p:spPr/>
-        <p:txBody>
-          <a:bodyPr/>
-          <a:lstStyle/>
-          <a:p>
-            <a:fld id="{2AF3B5EA-18B6-4040-9F78-6052AF49C681}" type="slidenum">
-              <a:rPr lang="en-US" smtClean="0"/>
-              <a:t>28</a:t>
-            </a:fld>
-            <a:endParaRPr lang="en-US"/>
-          </a:p>
-        </p:txBody>
-      </p:sp>
-    </p:spTree>
-    <p:extLst>
-      <p:ext uri="{BB962C8B-B14F-4D97-AF65-F5344CB8AC3E}">
-        <p14:creationId xmlns:p14="http://schemas.microsoft.com/office/powerpoint/2010/main" val="1638683311"/>
       </p:ext>
     </p:extLst>
   </p:cSld>
@@ -17156,7 +21799,7 @@
           <a:p>
             <a:r>
               <a:rPr lang="en-US" dirty="0"/>
-              <a:t>The Recursion Recipe</a:t>
+              <a:t>The Iterative Design Recipe</a:t>
             </a:r>
           </a:p>
         </p:txBody>
@@ -17169,11 +21812,12 @@
           </p:cNvGraphicFramePr>
           <p:nvPr>
             <p:ph idx="1"/>
+            <p:extLst/>
           </p:nvPr>
         </p:nvGraphicFramePr>
         <p:xfrm>
           <a:off x="457200" y="1600200"/>
-          <a:ext cx="8229600" cy="3779520"/>
+          <a:ext cx="8229600" cy="5029200"/>
         </p:xfrm>
         <a:graphic>
           <a:graphicData uri="http://schemas.openxmlformats.org/drawingml/2006/table">
@@ -17196,16 +21840,10 @@
                     <a:bodyPr/>
                     <a:lstStyle/>
                     <a:p>
-                      <a:pPr algn="ctr"/>
                       <a:r>
                         <a:rPr lang="en-US" sz="3200" dirty="0"/>
-                        <a:t>Recursion</a:t>
-                      </a:r>
-                      <a:r>
-                        <a:rPr lang="en-US" sz="3200" baseline="0" dirty="0"/>
-                        <a:t> and Self-Reference</a:t>
-                      </a:r>
-                      <a:endParaRPr lang="en-US" sz="3200" dirty="0"/>
+                        <a:t>Adding a New Feature to an Existing Program</a:t>
+                      </a:r>
                     </a:p>
                   </a:txBody>
                   <a:tcPr/>
@@ -17222,50 +21860,16 @@
                     <a:bodyPr/>
                     <a:lstStyle/>
                     <a:p>
-                      <a:pPr marL="0" marR="0" indent="0" algn="l" defTabSz="914400" rtl="0" eaLnBrk="1" fontAlgn="auto" latinLnBrk="0" hangingPunct="1">
-                        <a:lnSpc>
-                          <a:spcPct val="100000"/>
-                        </a:lnSpc>
-                        <a:spcBef>
-                          <a:spcPts val="0"/>
-                        </a:spcBef>
-                        <a:spcAft>
-                          <a:spcPts val="0"/>
-                        </a:spcAft>
-                        <a:buClrTx/>
-                        <a:buSzTx/>
-                        <a:buFontTx/>
+                      <a:pPr marL="0" indent="0">
                         <a:buNone/>
-                        <a:tabLst/>
-                        <a:defRPr/>
                       </a:pPr>
                       <a:r>
                         <a:rPr lang="en-US" sz="3200" dirty="0"/>
-                        <a:t>Represent arbitrary-sized information using a </a:t>
-                      </a:r>
-                      <a:r>
-                        <a:rPr lang="en-US" sz="3200" i="1" dirty="0">
-                          <a:solidFill>
-                            <a:srgbClr val="FF0000"/>
-                          </a:solidFill>
-                        </a:rPr>
-                        <a:t>self-referential</a:t>
-                      </a:r>
-                      <a:r>
-                        <a:rPr lang="en-US" sz="3200" dirty="0"/>
-                        <a:t> (or </a:t>
-                      </a:r>
-                      <a:r>
-                        <a:rPr lang="en-US" sz="3200" i="1" dirty="0">
-                          <a:solidFill>
-                            <a:srgbClr val="FF0000"/>
-                          </a:solidFill>
-                        </a:rPr>
-                        <a:t>recursive</a:t>
-                      </a:r>
-                      <a:r>
-                        <a:rPr lang="en-US" sz="3200" dirty="0"/>
-                        <a:t>) data definition.</a:t>
+                        <a:t>1. Perform</a:t>
+                      </a:r>
+                      <a:r>
+                        <a:rPr lang="en-US" sz="3200" baseline="0" dirty="0"/>
+                        <a:t> information analysis for new feature</a:t>
                       </a:r>
                     </a:p>
                   </a:txBody>
@@ -17285,8 +21889,13 @@
                     <a:p>
                       <a:r>
                         <a:rPr lang="en-US" sz="3200" dirty="0"/>
-                        <a:t>Self-reference in the data definition leads to self-reference in the template</a:t>
-                      </a:r>
+                        <a:t>2. Modify data definitions</a:t>
+                      </a:r>
+                      <a:r>
+                        <a:rPr lang="en-US" sz="3200" baseline="0" dirty="0"/>
+                        <a:t> as needed</a:t>
+                      </a:r>
+                      <a:endParaRPr lang="en-US" sz="3200" dirty="0"/>
                     </a:p>
                   </a:txBody>
                   <a:tcPr/>
@@ -17303,26 +21912,13 @@
                     <a:bodyPr/>
                     <a:lstStyle/>
                     <a:p>
-                      <a:pPr marL="0" marR="0" indent="0" algn="l" defTabSz="914400" rtl="0" eaLnBrk="1" fontAlgn="auto" latinLnBrk="0" hangingPunct="1">
-                        <a:lnSpc>
-                          <a:spcPct val="100000"/>
-                        </a:lnSpc>
-                        <a:spcBef>
-                          <a:spcPts val="0"/>
-                        </a:spcBef>
-                        <a:spcAft>
-                          <a:spcPts val="0"/>
-                        </a:spcAft>
-                        <a:buClrTx/>
-                        <a:buSzTx/>
-                        <a:buFontTx/>
-                        <a:buNone/>
-                        <a:tabLst/>
-                        <a:defRPr/>
-                      </a:pPr>
                       <a:r>
                         <a:rPr lang="en-US" sz="3200" dirty="0"/>
-                        <a:t>Self-reference in the template leads to self-reference in the code.</a:t>
+                        <a:t>3. Update existing functions to work with</a:t>
+                      </a:r>
+                      <a:r>
+                        <a:rPr lang="en-US" sz="3200" baseline="0" dirty="0"/>
+                        <a:t> new data definitions</a:t>
                       </a:r>
                     </a:p>
                   </a:txBody>
@@ -17331,6 +21927,78 @@
                 <a:extLst>
                   <a:ext uri="{0D108BD9-81ED-4DB2-BD59-A6C34878D82A}">
                     <a16:rowId xmlns:a16="http://schemas.microsoft.com/office/drawing/2014/main" val="10003"/>
+                  </a:ext>
+                </a:extLst>
+              </a:tr>
+              <a:tr h="370840">
+                <a:tc>
+                  <a:txBody>
+                    <a:bodyPr/>
+                    <a:lstStyle/>
+                    <a:p>
+                      <a:r>
+                        <a:rPr lang="en-US" sz="3200" dirty="0"/>
+                        <a:t>4. Write </a:t>
+                      </a:r>
+                      <a:r>
+                        <a:rPr lang="en-US" sz="3200" dirty="0" err="1"/>
+                        <a:t>wishlist</a:t>
+                      </a:r>
+                      <a:r>
+                        <a:rPr lang="en-US" sz="3200" dirty="0"/>
+                        <a:t> of functions for new feature</a:t>
+                      </a:r>
+                    </a:p>
+                  </a:txBody>
+                  <a:tcPr/>
+                </a:tc>
+                <a:extLst>
+                  <a:ext uri="{0D108BD9-81ED-4DB2-BD59-A6C34878D82A}">
+                    <a16:rowId xmlns:a16="http://schemas.microsoft.com/office/drawing/2014/main" val="10004"/>
+                  </a:ext>
+                </a:extLst>
+              </a:tr>
+              <a:tr h="370840">
+                <a:tc>
+                  <a:txBody>
+                    <a:bodyPr/>
+                    <a:lstStyle/>
+                    <a:p>
+                      <a:r>
+                        <a:rPr lang="en-US" sz="3200" dirty="0"/>
+                        <a:t>5. Design new functions following the Design</a:t>
+                      </a:r>
+                      <a:r>
+                        <a:rPr lang="en-US" sz="3200" baseline="0" dirty="0"/>
+                        <a:t> Recipe</a:t>
+                      </a:r>
+                    </a:p>
+                  </a:txBody>
+                  <a:tcPr/>
+                </a:tc>
+                <a:extLst>
+                  <a:ext uri="{0D108BD9-81ED-4DB2-BD59-A6C34878D82A}">
+                    <a16:rowId xmlns:a16="http://schemas.microsoft.com/office/drawing/2014/main" val="10005"/>
+                  </a:ext>
+                </a:extLst>
+              </a:tr>
+              <a:tr h="370840">
+                <a:tc>
+                  <a:txBody>
+                    <a:bodyPr/>
+                    <a:lstStyle/>
+                    <a:p>
+                      <a:r>
+                        <a:rPr lang="en-US" sz="3200" baseline="0" dirty="0"/>
+                        <a:t>6. Repeat for the next new feature</a:t>
+                      </a:r>
+                    </a:p>
+                  </a:txBody>
+                  <a:tcPr/>
+                </a:tc>
+                <a:extLst>
+                  <a:ext uri="{0D108BD9-81ED-4DB2-BD59-A6C34878D82A}">
+                    <a16:rowId xmlns:a16="http://schemas.microsoft.com/office/drawing/2014/main" val="10006"/>
                   </a:ext>
                 </a:extLst>
               </a:tr>
@@ -17364,7 +22032,7 @@
     </p:spTree>
     <p:extLst>
       <p:ext uri="{BB962C8B-B14F-4D97-AF65-F5344CB8AC3E}">
-        <p14:creationId xmlns:p14="http://schemas.microsoft.com/office/powerpoint/2010/main" val="1269136783"/>
+        <p14:creationId xmlns:p14="http://schemas.microsoft.com/office/powerpoint/2010/main" val="1638683311"/>
       </p:ext>
     </p:extLst>
   </p:cSld>
@@ -17502,6 +22170,258 @@
           <a:p>
             <a:r>
               <a:rPr lang="en-US" dirty="0"/>
+              <a:t>The Recursion Recipe</a:t>
+            </a:r>
+          </a:p>
+        </p:txBody>
+      </p:sp>
+      <p:graphicFrame>
+        <p:nvGraphicFramePr>
+          <p:cNvPr id="4" name="Content Placeholder 3"/>
+          <p:cNvGraphicFramePr>
+            <a:graphicFrameLocks noGrp="1"/>
+          </p:cNvGraphicFramePr>
+          <p:nvPr>
+            <p:ph idx="1"/>
+          </p:nvPr>
+        </p:nvGraphicFramePr>
+        <p:xfrm>
+          <a:off x="457200" y="1600200"/>
+          <a:ext cx="8229600" cy="3779520"/>
+        </p:xfrm>
+        <a:graphic>
+          <a:graphicData uri="http://schemas.openxmlformats.org/drawingml/2006/table">
+            <a:tbl>
+              <a:tblPr firstRow="1" bandRow="1">
+                <a:tableStyleId>{5C22544A-7EE6-4342-B048-85BDC9FD1C3A}</a:tableStyleId>
+              </a:tblPr>
+              <a:tblGrid>
+                <a:gridCol w="8229600">
+                  <a:extLst>
+                    <a:ext uri="{9D8B030D-6E8A-4147-A177-3AD203B41FA5}">
+                      <a16:colId xmlns:a16="http://schemas.microsoft.com/office/drawing/2014/main" val="20000"/>
+                    </a:ext>
+                  </a:extLst>
+                </a:gridCol>
+              </a:tblGrid>
+              <a:tr h="370840">
+                <a:tc>
+                  <a:txBody>
+                    <a:bodyPr/>
+                    <a:lstStyle/>
+                    <a:p>
+                      <a:pPr algn="ctr"/>
+                      <a:r>
+                        <a:rPr lang="en-US" sz="3200" dirty="0"/>
+                        <a:t>Recursion</a:t>
+                      </a:r>
+                      <a:r>
+                        <a:rPr lang="en-US" sz="3200" baseline="0" dirty="0"/>
+                        <a:t> and Self-Reference</a:t>
+                      </a:r>
+                      <a:endParaRPr lang="en-US" sz="3200" dirty="0"/>
+                    </a:p>
+                  </a:txBody>
+                  <a:tcPr/>
+                </a:tc>
+                <a:extLst>
+                  <a:ext uri="{0D108BD9-81ED-4DB2-BD59-A6C34878D82A}">
+                    <a16:rowId xmlns:a16="http://schemas.microsoft.com/office/drawing/2014/main" val="10000"/>
+                  </a:ext>
+                </a:extLst>
+              </a:tr>
+              <a:tr h="370840">
+                <a:tc>
+                  <a:txBody>
+                    <a:bodyPr/>
+                    <a:lstStyle/>
+                    <a:p>
+                      <a:pPr marL="0" marR="0" indent="0" algn="l" defTabSz="914400" rtl="0" eaLnBrk="1" fontAlgn="auto" latinLnBrk="0" hangingPunct="1">
+                        <a:lnSpc>
+                          <a:spcPct val="100000"/>
+                        </a:lnSpc>
+                        <a:spcBef>
+                          <a:spcPts val="0"/>
+                        </a:spcBef>
+                        <a:spcAft>
+                          <a:spcPts val="0"/>
+                        </a:spcAft>
+                        <a:buClrTx/>
+                        <a:buSzTx/>
+                        <a:buFontTx/>
+                        <a:buNone/>
+                        <a:tabLst/>
+                        <a:defRPr/>
+                      </a:pPr>
+                      <a:r>
+                        <a:rPr lang="en-US" sz="3200" dirty="0"/>
+                        <a:t>Represent arbitrary-sized information using a </a:t>
+                      </a:r>
+                      <a:r>
+                        <a:rPr lang="en-US" sz="3200" i="1" dirty="0">
+                          <a:solidFill>
+                            <a:srgbClr val="FF0000"/>
+                          </a:solidFill>
+                        </a:rPr>
+                        <a:t>self-referential</a:t>
+                      </a:r>
+                      <a:r>
+                        <a:rPr lang="en-US" sz="3200" dirty="0"/>
+                        <a:t> (or </a:t>
+                      </a:r>
+                      <a:r>
+                        <a:rPr lang="en-US" sz="3200" i="1" dirty="0">
+                          <a:solidFill>
+                            <a:srgbClr val="FF0000"/>
+                          </a:solidFill>
+                        </a:rPr>
+                        <a:t>recursive</a:t>
+                      </a:r>
+                      <a:r>
+                        <a:rPr lang="en-US" sz="3200" dirty="0"/>
+                        <a:t>) data definition.</a:t>
+                      </a:r>
+                    </a:p>
+                  </a:txBody>
+                  <a:tcPr/>
+                </a:tc>
+                <a:extLst>
+                  <a:ext uri="{0D108BD9-81ED-4DB2-BD59-A6C34878D82A}">
+                    <a16:rowId xmlns:a16="http://schemas.microsoft.com/office/drawing/2014/main" val="10001"/>
+                  </a:ext>
+                </a:extLst>
+              </a:tr>
+              <a:tr h="370840">
+                <a:tc>
+                  <a:txBody>
+                    <a:bodyPr/>
+                    <a:lstStyle/>
+                    <a:p>
+                      <a:r>
+                        <a:rPr lang="en-US" sz="3200" dirty="0"/>
+                        <a:t>Self-reference in the data definition leads to self-reference in the template</a:t>
+                      </a:r>
+                    </a:p>
+                  </a:txBody>
+                  <a:tcPr/>
+                </a:tc>
+                <a:extLst>
+                  <a:ext uri="{0D108BD9-81ED-4DB2-BD59-A6C34878D82A}">
+                    <a16:rowId xmlns:a16="http://schemas.microsoft.com/office/drawing/2014/main" val="10002"/>
+                  </a:ext>
+                </a:extLst>
+              </a:tr>
+              <a:tr h="370840">
+                <a:tc>
+                  <a:txBody>
+                    <a:bodyPr/>
+                    <a:lstStyle/>
+                    <a:p>
+                      <a:pPr marL="0" marR="0" indent="0" algn="l" defTabSz="914400" rtl="0" eaLnBrk="1" fontAlgn="auto" latinLnBrk="0" hangingPunct="1">
+                        <a:lnSpc>
+                          <a:spcPct val="100000"/>
+                        </a:lnSpc>
+                        <a:spcBef>
+                          <a:spcPts val="0"/>
+                        </a:spcBef>
+                        <a:spcAft>
+                          <a:spcPts val="0"/>
+                        </a:spcAft>
+                        <a:buClrTx/>
+                        <a:buSzTx/>
+                        <a:buFontTx/>
+                        <a:buNone/>
+                        <a:tabLst/>
+                        <a:defRPr/>
+                      </a:pPr>
+                      <a:r>
+                        <a:rPr lang="en-US" sz="3200" dirty="0"/>
+                        <a:t>Self-reference in the template leads to self-reference in the code.</a:t>
+                      </a:r>
+                    </a:p>
+                  </a:txBody>
+                  <a:tcPr/>
+                </a:tc>
+                <a:extLst>
+                  <a:ext uri="{0D108BD9-81ED-4DB2-BD59-A6C34878D82A}">
+                    <a16:rowId xmlns:a16="http://schemas.microsoft.com/office/drawing/2014/main" val="10003"/>
+                  </a:ext>
+                </a:extLst>
+              </a:tr>
+            </a:tbl>
+          </a:graphicData>
+        </a:graphic>
+      </p:graphicFrame>
+      <p:sp>
+        <p:nvSpPr>
+          <p:cNvPr id="3" name="Slide Number Placeholder 2"/>
+          <p:cNvSpPr>
+            <a:spLocks noGrp="1"/>
+          </p:cNvSpPr>
+          <p:nvPr>
+            <p:ph type="sldNum" sz="quarter" idx="12"/>
+          </p:nvPr>
+        </p:nvSpPr>
+        <p:spPr/>
+        <p:txBody>
+          <a:bodyPr/>
+          <a:lstStyle/>
+          <a:p>
+            <a:fld id="{2AF3B5EA-18B6-4040-9F78-6052AF49C681}" type="slidenum">
+              <a:rPr lang="en-US" smtClean="0"/>
+              <a:t>30</a:t>
+            </a:fld>
+            <a:endParaRPr lang="en-US"/>
+          </a:p>
+        </p:txBody>
+      </p:sp>
+    </p:spTree>
+    <p:extLst>
+      <p:ext uri="{BB962C8B-B14F-4D97-AF65-F5344CB8AC3E}">
+        <p14:creationId xmlns:p14="http://schemas.microsoft.com/office/powerpoint/2010/main" val="1269136783"/>
+      </p:ext>
+    </p:extLst>
+  </p:cSld>
+  <p:clrMapOvr>
+    <a:masterClrMapping/>
+  </p:clrMapOvr>
+</p:sld>
+</file>
+
+<file path=ppt/slides/slide31.xml><?xml version="1.0" encoding="utf-8"?>
+<p:sld xmlns:a="http://schemas.openxmlformats.org/drawingml/2006/main" xmlns:r="http://schemas.openxmlformats.org/officeDocument/2006/relationships" xmlns:p="http://schemas.openxmlformats.org/presentationml/2006/main">
+  <p:cSld>
+    <p:spTree>
+      <p:nvGrpSpPr>
+        <p:cNvPr id="1" name=""/>
+        <p:cNvGrpSpPr/>
+        <p:nvPr/>
+      </p:nvGrpSpPr>
+      <p:grpSpPr>
+        <a:xfrm>
+          <a:off x="0" y="0"/>
+          <a:ext cx="0" cy="0"/>
+          <a:chOff x="0" y="0"/>
+          <a:chExt cx="0" cy="0"/>
+        </a:xfrm>
+      </p:grpSpPr>
+      <p:sp>
+        <p:nvSpPr>
+          <p:cNvPr id="2" name="Title 1"/>
+          <p:cNvSpPr>
+            <a:spLocks noGrp="1"/>
+          </p:cNvSpPr>
+          <p:nvPr>
+            <p:ph type="title"/>
+          </p:nvPr>
+        </p:nvSpPr>
+        <p:spPr/>
+        <p:txBody>
+          <a:bodyPr/>
+          <a:lstStyle/>
+          <a:p>
+            <a:r>
+              <a:rPr lang="en-US" dirty="0"/>
               <a:t>Uses of Examples</a:t>
             </a:r>
           </a:p>
@@ -17679,7 +22599,7 @@
           <a:p>
             <a:fld id="{2AF3B5EA-18B6-4040-9F78-6052AF49C681}" type="slidenum">
               <a:rPr lang="en-US" smtClean="0"/>
-              <a:t>30</a:t>
+              <a:t>31</a:t>
             </a:fld>
             <a:endParaRPr lang="en-US"/>
           </a:p>
@@ -17698,7 +22618,7 @@
 </p:sld>
 </file>
 
-<file path=ppt/slides/slide31.xml><?xml version="1.0" encoding="utf-8"?>
+<file path=ppt/slides/slide32.xml><?xml version="1.0" encoding="utf-8"?>
 <p:sld xmlns:a="http://schemas.openxmlformats.org/drawingml/2006/main" xmlns:r="http://schemas.openxmlformats.org/officeDocument/2006/relationships" xmlns:p="http://schemas.openxmlformats.org/presentationml/2006/main">
   <p:cSld>
     <p:spTree>
@@ -17931,7 +22851,7 @@
           <a:p>
             <a:fld id="{2AF3B5EA-18B6-4040-9F78-6052AF49C681}" type="slidenum">
               <a:rPr lang="en-US" smtClean="0"/>
-              <a:t>31</a:t>
+              <a:t>32</a:t>
             </a:fld>
             <a:endParaRPr lang="en-US"/>
           </a:p>
@@ -20160,6 +25080,59 @@
           </a:graphicData>
         </a:graphic>
       </p:graphicFrame>
+      <p:sp>
+        <p:nvSpPr>
+          <p:cNvPr id="5" name="Cross 4"/>
+          <p:cNvSpPr/>
+          <p:nvPr/>
+        </p:nvSpPr>
+        <p:spPr>
+          <a:xfrm rot="2835110">
+            <a:off x="4419600" y="586263"/>
+            <a:ext cx="2438400" cy="2438400"/>
+          </a:xfrm>
+          <a:prstGeom prst="plus">
+            <a:avLst>
+              <a:gd name="adj" fmla="val 38835"/>
+            </a:avLst>
+          </a:prstGeom>
+          <a:solidFill>
+            <a:srgbClr val="FFFF00"/>
+          </a:solidFill>
+          <a:ln/>
+        </p:spPr>
+        <p:style>
+          <a:lnRef idx="2">
+            <a:schemeClr val="accent1"/>
+          </a:lnRef>
+          <a:fillRef idx="1">
+            <a:schemeClr val="lt1"/>
+          </a:fillRef>
+          <a:effectRef idx="0">
+            <a:schemeClr val="accent1"/>
+          </a:effectRef>
+          <a:fontRef idx="minor">
+            <a:schemeClr val="dk1"/>
+          </a:fontRef>
+        </p:style>
+        <p:txBody>
+          <a:bodyPr rot="0" spcFirstLastPara="0" vertOverflow="overflow" horzOverflow="overflow" vert="horz" wrap="square" lIns="91440" tIns="45720" rIns="91440" bIns="45720" numCol="1" spcCol="0" rtlCol="0" fromWordArt="0" anchor="ctr" anchorCtr="0" forceAA="0" compatLnSpc="1">
+            <a:prstTxWarp prst="textNoShape">
+              <a:avLst/>
+            </a:prstTxWarp>
+            <a:noAutofit/>
+          </a:bodyPr>
+          <a:lstStyle/>
+          <a:p>
+            <a:pPr algn="ctr"/>
+            <a:endParaRPr lang="en-US" dirty="0">
+              <a:solidFill>
+                <a:schemeClr val="tx1"/>
+              </a:solidFill>
+            </a:endParaRPr>
+          </a:p>
+        </p:txBody>
+      </p:sp>
     </p:spTree>
     <p:extLst>
       <p:ext uri="{BB962C8B-B14F-4D97-AF65-F5344CB8AC3E}">

--- a/Slides/Common Slides for CS 5010.pptx
+++ b/Slides/Common Slides for CS 5010.pptx
@@ -5,7 +5,7 @@
     <p:sldMasterId id="2147483648" r:id="rId1"/>
   </p:sldMasterIdLst>
   <p:notesMasterIdLst>
-    <p:notesMasterId r:id="rId34"/>
+    <p:notesMasterId r:id="rId35"/>
   </p:notesMasterIdLst>
   <p:sldIdLst>
     <p:sldId id="285" r:id="rId2"/>
@@ -18,33 +18,34 @@
     <p:sldId id="300" r:id="rId9"/>
     <p:sldId id="302" r:id="rId10"/>
     <p:sldId id="303" r:id="rId11"/>
-    <p:sldId id="261" r:id="rId12"/>
-    <p:sldId id="264" r:id="rId13"/>
-    <p:sldId id="297" r:id="rId14"/>
-    <p:sldId id="265" r:id="rId15"/>
-    <p:sldId id="301" r:id="rId16"/>
-    <p:sldId id="289" r:id="rId17"/>
-    <p:sldId id="266" r:id="rId18"/>
-    <p:sldId id="267" r:id="rId19"/>
-    <p:sldId id="268" r:id="rId20"/>
-    <p:sldId id="269" r:id="rId21"/>
-    <p:sldId id="279" r:id="rId22"/>
-    <p:sldId id="280" r:id="rId23"/>
-    <p:sldId id="281" r:id="rId24"/>
-    <p:sldId id="299" r:id="rId25"/>
-    <p:sldId id="284" r:id="rId26"/>
-    <p:sldId id="277" r:id="rId27"/>
-    <p:sldId id="273" r:id="rId28"/>
-    <p:sldId id="274" r:id="rId29"/>
-    <p:sldId id="276" r:id="rId30"/>
-    <p:sldId id="278" r:id="rId31"/>
-    <p:sldId id="282" r:id="rId32"/>
-    <p:sldId id="283" r:id="rId33"/>
+    <p:sldId id="304" r:id="rId12"/>
+    <p:sldId id="261" r:id="rId13"/>
+    <p:sldId id="264" r:id="rId14"/>
+    <p:sldId id="297" r:id="rId15"/>
+    <p:sldId id="265" r:id="rId16"/>
+    <p:sldId id="301" r:id="rId17"/>
+    <p:sldId id="289" r:id="rId18"/>
+    <p:sldId id="266" r:id="rId19"/>
+    <p:sldId id="267" r:id="rId20"/>
+    <p:sldId id="268" r:id="rId21"/>
+    <p:sldId id="269" r:id="rId22"/>
+    <p:sldId id="279" r:id="rId23"/>
+    <p:sldId id="280" r:id="rId24"/>
+    <p:sldId id="281" r:id="rId25"/>
+    <p:sldId id="299" r:id="rId26"/>
+    <p:sldId id="284" r:id="rId27"/>
+    <p:sldId id="277" r:id="rId28"/>
+    <p:sldId id="273" r:id="rId29"/>
+    <p:sldId id="274" r:id="rId30"/>
+    <p:sldId id="276" r:id="rId31"/>
+    <p:sldId id="278" r:id="rId32"/>
+    <p:sldId id="282" r:id="rId33"/>
+    <p:sldId id="283" r:id="rId34"/>
   </p:sldIdLst>
   <p:sldSz cx="9144000" cy="6858000" type="screen4x3"/>
   <p:notesSz cx="6858000" cy="9144000"/>
   <p:custDataLst>
-    <p:tags r:id="rId35"/>
+    <p:tags r:id="rId36"/>
   </p:custDataLst>
   <p:defaultTextStyle>
     <a:defPPr>
@@ -158,6 +159,10 @@
     </p:ext>
   </p:extLst>
 </p:presentation>
+</file>
+
+<file path=ppt/revisionInfo.xml><?xml version="1.0" encoding="utf-8"?>
+<p1510:revInfo xmlns:a="http://schemas.openxmlformats.org/drawingml/2006/main" xmlns:r="http://schemas.openxmlformats.org/officeDocument/2006/relationships" xmlns:p1510="http://schemas.microsoft.com/office/powerpoint/2015/10/main"/>
 </file>
 
 <file path=ppt/diagrams/colors1.xml><?xml version="1.0" encoding="utf-8"?>
@@ -908,6 +913,753 @@
 </file>
 
 <file path=ppt/diagrams/colors2.xml><?xml version="1.0" encoding="utf-8"?>
+<dgm:colorsDef xmlns:dgm="http://schemas.openxmlformats.org/drawingml/2006/diagram" xmlns:a="http://schemas.openxmlformats.org/drawingml/2006/main" uniqueId="urn:microsoft.com/office/officeart/2005/8/colors/accent1_2">
+  <dgm:title val=""/>
+  <dgm:desc val=""/>
+  <dgm:catLst>
+    <dgm:cat type="accent1" pri="11200"/>
+  </dgm:catLst>
+  <dgm:styleLbl name="node0">
+    <dgm:fillClrLst meth="repeat">
+      <a:schemeClr val="accent1"/>
+    </dgm:fillClrLst>
+    <dgm:linClrLst meth="repeat">
+      <a:schemeClr val="lt1"/>
+    </dgm:linClrLst>
+    <dgm:effectClrLst/>
+    <dgm:txLinClrLst/>
+    <dgm:txFillClrLst/>
+    <dgm:txEffectClrLst/>
+  </dgm:styleLbl>
+  <dgm:styleLbl name="alignNode1">
+    <dgm:fillClrLst meth="repeat">
+      <a:schemeClr val="accent1"/>
+    </dgm:fillClrLst>
+    <dgm:linClrLst meth="repeat">
+      <a:schemeClr val="accent1"/>
+    </dgm:linClrLst>
+    <dgm:effectClrLst/>
+    <dgm:txLinClrLst/>
+    <dgm:txFillClrLst/>
+    <dgm:txEffectClrLst/>
+  </dgm:styleLbl>
+  <dgm:styleLbl name="node1">
+    <dgm:fillClrLst meth="repeat">
+      <a:schemeClr val="accent1"/>
+    </dgm:fillClrLst>
+    <dgm:linClrLst meth="repeat">
+      <a:schemeClr val="lt1"/>
+    </dgm:linClrLst>
+    <dgm:effectClrLst/>
+    <dgm:txLinClrLst/>
+    <dgm:txFillClrLst/>
+    <dgm:txEffectClrLst/>
+  </dgm:styleLbl>
+  <dgm:styleLbl name="lnNode1">
+    <dgm:fillClrLst meth="repeat">
+      <a:schemeClr val="accent1"/>
+    </dgm:fillClrLst>
+    <dgm:linClrLst meth="repeat">
+      <a:schemeClr val="lt1"/>
+    </dgm:linClrLst>
+    <dgm:effectClrLst/>
+    <dgm:txLinClrLst/>
+    <dgm:txFillClrLst/>
+    <dgm:txEffectClrLst/>
+  </dgm:styleLbl>
+  <dgm:styleLbl name="vennNode1">
+    <dgm:fillClrLst meth="repeat">
+      <a:schemeClr val="accent1">
+        <a:alpha val="50000"/>
+      </a:schemeClr>
+    </dgm:fillClrLst>
+    <dgm:linClrLst meth="repeat">
+      <a:schemeClr val="lt1"/>
+    </dgm:linClrLst>
+    <dgm:effectClrLst/>
+    <dgm:txLinClrLst/>
+    <dgm:txFillClrLst/>
+    <dgm:txEffectClrLst/>
+  </dgm:styleLbl>
+  <dgm:styleLbl name="node2">
+    <dgm:fillClrLst meth="repeat">
+      <a:schemeClr val="accent1"/>
+    </dgm:fillClrLst>
+    <dgm:linClrLst meth="repeat">
+      <a:schemeClr val="lt1"/>
+    </dgm:linClrLst>
+    <dgm:effectClrLst/>
+    <dgm:txLinClrLst/>
+    <dgm:txFillClrLst/>
+    <dgm:txEffectClrLst/>
+  </dgm:styleLbl>
+  <dgm:styleLbl name="node3">
+    <dgm:fillClrLst meth="repeat">
+      <a:schemeClr val="accent1"/>
+    </dgm:fillClrLst>
+    <dgm:linClrLst meth="repeat">
+      <a:schemeClr val="lt1"/>
+    </dgm:linClrLst>
+    <dgm:effectClrLst/>
+    <dgm:txLinClrLst/>
+    <dgm:txFillClrLst/>
+    <dgm:txEffectClrLst/>
+  </dgm:styleLbl>
+  <dgm:styleLbl name="node4">
+    <dgm:fillClrLst meth="repeat">
+      <a:schemeClr val="accent1"/>
+    </dgm:fillClrLst>
+    <dgm:linClrLst meth="repeat">
+      <a:schemeClr val="lt1"/>
+    </dgm:linClrLst>
+    <dgm:effectClrLst/>
+    <dgm:txLinClrLst/>
+    <dgm:txFillClrLst/>
+    <dgm:txEffectClrLst/>
+  </dgm:styleLbl>
+  <dgm:styleLbl name="fgImgPlace1">
+    <dgm:fillClrLst meth="repeat">
+      <a:schemeClr val="accent1">
+        <a:tint val="50000"/>
+      </a:schemeClr>
+    </dgm:fillClrLst>
+    <dgm:linClrLst meth="repeat">
+      <a:schemeClr val="lt1"/>
+    </dgm:linClrLst>
+    <dgm:effectClrLst/>
+    <dgm:txLinClrLst/>
+    <dgm:txFillClrLst meth="repeat">
+      <a:schemeClr val="lt1"/>
+    </dgm:txFillClrLst>
+    <dgm:txEffectClrLst/>
+  </dgm:styleLbl>
+  <dgm:styleLbl name="alignImgPlace1">
+    <dgm:fillClrLst meth="repeat">
+      <a:schemeClr val="accent1">
+        <a:tint val="50000"/>
+      </a:schemeClr>
+    </dgm:fillClrLst>
+    <dgm:linClrLst meth="repeat">
+      <a:schemeClr val="lt1"/>
+    </dgm:linClrLst>
+    <dgm:effectClrLst/>
+    <dgm:txLinClrLst/>
+    <dgm:txFillClrLst meth="repeat">
+      <a:schemeClr val="lt1"/>
+    </dgm:txFillClrLst>
+    <dgm:txEffectClrLst/>
+  </dgm:styleLbl>
+  <dgm:styleLbl name="bgImgPlace1">
+    <dgm:fillClrLst meth="repeat">
+      <a:schemeClr val="accent1">
+        <a:tint val="50000"/>
+      </a:schemeClr>
+    </dgm:fillClrLst>
+    <dgm:linClrLst meth="repeat">
+      <a:schemeClr val="lt1"/>
+    </dgm:linClrLst>
+    <dgm:effectClrLst/>
+    <dgm:txLinClrLst/>
+    <dgm:txFillClrLst meth="repeat">
+      <a:schemeClr val="lt1"/>
+    </dgm:txFillClrLst>
+    <dgm:txEffectClrLst/>
+  </dgm:styleLbl>
+  <dgm:styleLbl name="sibTrans2D1">
+    <dgm:fillClrLst meth="repeat">
+      <a:schemeClr val="accent1">
+        <a:tint val="60000"/>
+      </a:schemeClr>
+    </dgm:fillClrLst>
+    <dgm:linClrLst meth="repeat">
+      <a:schemeClr val="accent1">
+        <a:tint val="60000"/>
+      </a:schemeClr>
+    </dgm:linClrLst>
+    <dgm:effectClrLst/>
+    <dgm:txLinClrLst/>
+    <dgm:txFillClrLst/>
+    <dgm:txEffectClrLst/>
+  </dgm:styleLbl>
+  <dgm:styleLbl name="fgSibTrans2D1">
+    <dgm:fillClrLst meth="repeat">
+      <a:schemeClr val="accent1">
+        <a:tint val="60000"/>
+      </a:schemeClr>
+    </dgm:fillClrLst>
+    <dgm:linClrLst meth="repeat">
+      <a:schemeClr val="accent1">
+        <a:tint val="60000"/>
+      </a:schemeClr>
+    </dgm:linClrLst>
+    <dgm:effectClrLst/>
+    <dgm:txLinClrLst/>
+    <dgm:txFillClrLst/>
+    <dgm:txEffectClrLst/>
+  </dgm:styleLbl>
+  <dgm:styleLbl name="bgSibTrans2D1">
+    <dgm:fillClrLst meth="repeat">
+      <a:schemeClr val="accent1">
+        <a:tint val="60000"/>
+      </a:schemeClr>
+    </dgm:fillClrLst>
+    <dgm:linClrLst meth="repeat">
+      <a:schemeClr val="accent1">
+        <a:tint val="60000"/>
+      </a:schemeClr>
+    </dgm:linClrLst>
+    <dgm:effectClrLst/>
+    <dgm:txLinClrLst/>
+    <dgm:txFillClrLst/>
+    <dgm:txEffectClrLst/>
+  </dgm:styleLbl>
+  <dgm:styleLbl name="sibTrans1D1">
+    <dgm:fillClrLst meth="repeat">
+      <a:schemeClr val="accent1"/>
+    </dgm:fillClrLst>
+    <dgm:linClrLst meth="repeat">
+      <a:schemeClr val="accent1"/>
+    </dgm:linClrLst>
+    <dgm:effectClrLst/>
+    <dgm:txLinClrLst/>
+    <dgm:txFillClrLst meth="repeat">
+      <a:schemeClr val="tx1"/>
+    </dgm:txFillClrLst>
+    <dgm:txEffectClrLst/>
+  </dgm:styleLbl>
+  <dgm:styleLbl name="callout">
+    <dgm:fillClrLst meth="repeat">
+      <a:schemeClr val="accent1"/>
+    </dgm:fillClrLst>
+    <dgm:linClrLst meth="repeat">
+      <a:schemeClr val="accent1">
+        <a:tint val="50000"/>
+      </a:schemeClr>
+    </dgm:linClrLst>
+    <dgm:effectClrLst/>
+    <dgm:txLinClrLst/>
+    <dgm:txFillClrLst meth="repeat">
+      <a:schemeClr val="tx1"/>
+    </dgm:txFillClrLst>
+    <dgm:txEffectClrLst/>
+  </dgm:styleLbl>
+  <dgm:styleLbl name="asst0">
+    <dgm:fillClrLst meth="repeat">
+      <a:schemeClr val="accent1"/>
+    </dgm:fillClrLst>
+    <dgm:linClrLst meth="repeat">
+      <a:schemeClr val="lt1"/>
+    </dgm:linClrLst>
+    <dgm:effectClrLst/>
+    <dgm:txLinClrLst/>
+    <dgm:txFillClrLst/>
+    <dgm:txEffectClrLst/>
+  </dgm:styleLbl>
+  <dgm:styleLbl name="asst1">
+    <dgm:fillClrLst meth="repeat">
+      <a:schemeClr val="accent1"/>
+    </dgm:fillClrLst>
+    <dgm:linClrLst meth="repeat">
+      <a:schemeClr val="lt1"/>
+    </dgm:linClrLst>
+    <dgm:effectClrLst/>
+    <dgm:txLinClrLst/>
+    <dgm:txFillClrLst/>
+    <dgm:txEffectClrLst/>
+  </dgm:styleLbl>
+  <dgm:styleLbl name="asst2">
+    <dgm:fillClrLst meth="repeat">
+      <a:schemeClr val="accent1"/>
+    </dgm:fillClrLst>
+    <dgm:linClrLst meth="repeat">
+      <a:schemeClr val="lt1"/>
+    </dgm:linClrLst>
+    <dgm:effectClrLst/>
+    <dgm:txLinClrLst/>
+    <dgm:txFillClrLst/>
+    <dgm:txEffectClrLst/>
+  </dgm:styleLbl>
+  <dgm:styleLbl name="asst3">
+    <dgm:fillClrLst meth="repeat">
+      <a:schemeClr val="accent1"/>
+    </dgm:fillClrLst>
+    <dgm:linClrLst meth="repeat">
+      <a:schemeClr val="lt1"/>
+    </dgm:linClrLst>
+    <dgm:effectClrLst/>
+    <dgm:txLinClrLst/>
+    <dgm:txFillClrLst/>
+    <dgm:txEffectClrLst/>
+  </dgm:styleLbl>
+  <dgm:styleLbl name="asst4">
+    <dgm:fillClrLst meth="repeat">
+      <a:schemeClr val="accent1"/>
+    </dgm:fillClrLst>
+    <dgm:linClrLst meth="repeat">
+      <a:schemeClr val="lt1"/>
+    </dgm:linClrLst>
+    <dgm:effectClrLst/>
+    <dgm:txLinClrLst/>
+    <dgm:txFillClrLst/>
+    <dgm:txEffectClrLst/>
+  </dgm:styleLbl>
+  <dgm:styleLbl name="parChTrans2D1">
+    <dgm:fillClrLst meth="repeat">
+      <a:schemeClr val="accent1">
+        <a:tint val="60000"/>
+      </a:schemeClr>
+    </dgm:fillClrLst>
+    <dgm:linClrLst meth="repeat">
+      <a:schemeClr val="accent1">
+        <a:tint val="60000"/>
+      </a:schemeClr>
+    </dgm:linClrLst>
+    <dgm:effectClrLst/>
+    <dgm:txLinClrLst/>
+    <dgm:txFillClrLst meth="repeat">
+      <a:schemeClr val="lt1"/>
+    </dgm:txFillClrLst>
+    <dgm:txEffectClrLst/>
+  </dgm:styleLbl>
+  <dgm:styleLbl name="parChTrans2D2">
+    <dgm:fillClrLst meth="repeat">
+      <a:schemeClr val="accent1"/>
+    </dgm:fillClrLst>
+    <dgm:linClrLst meth="repeat">
+      <a:schemeClr val="accent1"/>
+    </dgm:linClrLst>
+    <dgm:effectClrLst/>
+    <dgm:txLinClrLst/>
+    <dgm:txFillClrLst meth="repeat">
+      <a:schemeClr val="lt1"/>
+    </dgm:txFillClrLst>
+    <dgm:txEffectClrLst/>
+  </dgm:styleLbl>
+  <dgm:styleLbl name="parChTrans2D3">
+    <dgm:fillClrLst meth="repeat">
+      <a:schemeClr val="accent1"/>
+    </dgm:fillClrLst>
+    <dgm:linClrLst meth="repeat">
+      <a:schemeClr val="accent1"/>
+    </dgm:linClrLst>
+    <dgm:effectClrLst/>
+    <dgm:txLinClrLst/>
+    <dgm:txFillClrLst meth="repeat">
+      <a:schemeClr val="lt1"/>
+    </dgm:txFillClrLst>
+    <dgm:txEffectClrLst/>
+  </dgm:styleLbl>
+  <dgm:styleLbl name="parChTrans2D4">
+    <dgm:fillClrLst meth="repeat">
+      <a:schemeClr val="accent1"/>
+    </dgm:fillClrLst>
+    <dgm:linClrLst meth="repeat">
+      <a:schemeClr val="accent1"/>
+    </dgm:linClrLst>
+    <dgm:effectClrLst/>
+    <dgm:txLinClrLst/>
+    <dgm:txFillClrLst meth="repeat">
+      <a:schemeClr val="lt1"/>
+    </dgm:txFillClrLst>
+    <dgm:txEffectClrLst/>
+  </dgm:styleLbl>
+  <dgm:styleLbl name="parChTrans1D1">
+    <dgm:fillClrLst meth="repeat">
+      <a:schemeClr val="accent1"/>
+    </dgm:fillClrLst>
+    <dgm:linClrLst meth="repeat">
+      <a:schemeClr val="accent1">
+        <a:shade val="60000"/>
+      </a:schemeClr>
+    </dgm:linClrLst>
+    <dgm:effectClrLst/>
+    <dgm:txLinClrLst/>
+    <dgm:txFillClrLst meth="repeat">
+      <a:schemeClr val="tx1"/>
+    </dgm:txFillClrLst>
+    <dgm:txEffectClrLst/>
+  </dgm:styleLbl>
+  <dgm:styleLbl name="parChTrans1D2">
+    <dgm:fillClrLst meth="repeat">
+      <a:schemeClr val="accent1"/>
+    </dgm:fillClrLst>
+    <dgm:linClrLst meth="repeat">
+      <a:schemeClr val="accent1">
+        <a:shade val="60000"/>
+      </a:schemeClr>
+    </dgm:linClrLst>
+    <dgm:effectClrLst/>
+    <dgm:txLinClrLst/>
+    <dgm:txFillClrLst meth="repeat">
+      <a:schemeClr val="tx1"/>
+    </dgm:txFillClrLst>
+    <dgm:txEffectClrLst/>
+  </dgm:styleLbl>
+  <dgm:styleLbl name="parChTrans1D3">
+    <dgm:fillClrLst meth="repeat">
+      <a:schemeClr val="accent1"/>
+    </dgm:fillClrLst>
+    <dgm:linClrLst meth="repeat">
+      <a:schemeClr val="accent1">
+        <a:shade val="80000"/>
+      </a:schemeClr>
+    </dgm:linClrLst>
+    <dgm:effectClrLst/>
+    <dgm:txLinClrLst/>
+    <dgm:txFillClrLst meth="repeat">
+      <a:schemeClr val="tx1"/>
+    </dgm:txFillClrLst>
+    <dgm:txEffectClrLst/>
+  </dgm:styleLbl>
+  <dgm:styleLbl name="parChTrans1D4">
+    <dgm:fillClrLst meth="repeat">
+      <a:schemeClr val="accent1"/>
+    </dgm:fillClrLst>
+    <dgm:linClrLst meth="repeat">
+      <a:schemeClr val="accent1">
+        <a:shade val="80000"/>
+      </a:schemeClr>
+    </dgm:linClrLst>
+    <dgm:effectClrLst/>
+    <dgm:txLinClrLst/>
+    <dgm:txFillClrLst meth="repeat">
+      <a:schemeClr val="tx1"/>
+    </dgm:txFillClrLst>
+    <dgm:txEffectClrLst/>
+  </dgm:styleLbl>
+  <dgm:styleLbl name="fgAcc1">
+    <dgm:fillClrLst meth="repeat">
+      <a:schemeClr val="lt1">
+        <a:alpha val="90000"/>
+      </a:schemeClr>
+    </dgm:fillClrLst>
+    <dgm:linClrLst meth="repeat">
+      <a:schemeClr val="accent1"/>
+    </dgm:linClrLst>
+    <dgm:effectClrLst/>
+    <dgm:txLinClrLst/>
+    <dgm:txFillClrLst meth="repeat">
+      <a:schemeClr val="dk1"/>
+    </dgm:txFillClrLst>
+    <dgm:txEffectClrLst/>
+  </dgm:styleLbl>
+  <dgm:styleLbl name="conFgAcc1">
+    <dgm:fillClrLst meth="repeat">
+      <a:schemeClr val="lt1">
+        <a:alpha val="90000"/>
+      </a:schemeClr>
+    </dgm:fillClrLst>
+    <dgm:linClrLst meth="repeat">
+      <a:schemeClr val="accent1"/>
+    </dgm:linClrLst>
+    <dgm:effectClrLst/>
+    <dgm:txLinClrLst/>
+    <dgm:txFillClrLst meth="repeat">
+      <a:schemeClr val="dk1"/>
+    </dgm:txFillClrLst>
+    <dgm:txEffectClrLst/>
+  </dgm:styleLbl>
+  <dgm:styleLbl name="alignAcc1">
+    <dgm:fillClrLst meth="repeat">
+      <a:schemeClr val="lt1">
+        <a:alpha val="90000"/>
+      </a:schemeClr>
+    </dgm:fillClrLst>
+    <dgm:linClrLst meth="repeat">
+      <a:schemeClr val="accent1"/>
+    </dgm:linClrLst>
+    <dgm:effectClrLst/>
+    <dgm:txLinClrLst/>
+    <dgm:txFillClrLst meth="repeat">
+      <a:schemeClr val="dk1"/>
+    </dgm:txFillClrLst>
+    <dgm:txEffectClrLst/>
+  </dgm:styleLbl>
+  <dgm:styleLbl name="trAlignAcc1">
+    <dgm:fillClrLst meth="repeat">
+      <a:schemeClr val="lt1">
+        <a:alpha val="40000"/>
+      </a:schemeClr>
+    </dgm:fillClrLst>
+    <dgm:linClrLst meth="repeat">
+      <a:schemeClr val="accent1"/>
+    </dgm:linClrLst>
+    <dgm:effectClrLst/>
+    <dgm:txLinClrLst/>
+    <dgm:txFillClrLst meth="repeat">
+      <a:schemeClr val="dk1"/>
+    </dgm:txFillClrLst>
+    <dgm:txEffectClrLst/>
+  </dgm:styleLbl>
+  <dgm:styleLbl name="bgAcc1">
+    <dgm:fillClrLst meth="repeat">
+      <a:schemeClr val="lt1">
+        <a:alpha val="90000"/>
+      </a:schemeClr>
+    </dgm:fillClrLst>
+    <dgm:linClrLst meth="repeat">
+      <a:schemeClr val="accent1"/>
+    </dgm:linClrLst>
+    <dgm:effectClrLst/>
+    <dgm:txLinClrLst/>
+    <dgm:txFillClrLst meth="repeat">
+      <a:schemeClr val="dk1"/>
+    </dgm:txFillClrLst>
+    <dgm:txEffectClrLst/>
+  </dgm:styleLbl>
+  <dgm:styleLbl name="solidFgAcc1">
+    <dgm:fillClrLst meth="repeat">
+      <a:schemeClr val="lt1"/>
+    </dgm:fillClrLst>
+    <dgm:linClrLst meth="repeat">
+      <a:schemeClr val="accent1"/>
+    </dgm:linClrLst>
+    <dgm:effectClrLst/>
+    <dgm:txLinClrLst/>
+    <dgm:txFillClrLst meth="repeat">
+      <a:schemeClr val="dk1"/>
+    </dgm:txFillClrLst>
+    <dgm:txEffectClrLst/>
+  </dgm:styleLbl>
+  <dgm:styleLbl name="solidAlignAcc1">
+    <dgm:fillClrLst meth="repeat">
+      <a:schemeClr val="lt1"/>
+    </dgm:fillClrLst>
+    <dgm:linClrLst meth="repeat">
+      <a:schemeClr val="accent1"/>
+    </dgm:linClrLst>
+    <dgm:effectClrLst/>
+    <dgm:txLinClrLst/>
+    <dgm:txFillClrLst meth="repeat">
+      <a:schemeClr val="dk1"/>
+    </dgm:txFillClrLst>
+    <dgm:txEffectClrLst/>
+  </dgm:styleLbl>
+  <dgm:styleLbl name="solidBgAcc1">
+    <dgm:fillClrLst meth="repeat">
+      <a:schemeClr val="lt1"/>
+    </dgm:fillClrLst>
+    <dgm:linClrLst meth="repeat">
+      <a:schemeClr val="accent1"/>
+    </dgm:linClrLst>
+    <dgm:effectClrLst/>
+    <dgm:txLinClrLst/>
+    <dgm:txFillClrLst meth="repeat">
+      <a:schemeClr val="dk1"/>
+    </dgm:txFillClrLst>
+    <dgm:txEffectClrLst/>
+  </dgm:styleLbl>
+  <dgm:styleLbl name="fgAccFollowNode1">
+    <dgm:fillClrLst meth="repeat">
+      <a:schemeClr val="accent1">
+        <a:alpha val="90000"/>
+        <a:tint val="40000"/>
+      </a:schemeClr>
+    </dgm:fillClrLst>
+    <dgm:linClrLst meth="repeat">
+      <a:schemeClr val="accent1">
+        <a:alpha val="90000"/>
+        <a:tint val="40000"/>
+      </a:schemeClr>
+    </dgm:linClrLst>
+    <dgm:effectClrLst/>
+    <dgm:txLinClrLst/>
+    <dgm:txFillClrLst meth="repeat">
+      <a:schemeClr val="dk1"/>
+    </dgm:txFillClrLst>
+    <dgm:txEffectClrLst/>
+  </dgm:styleLbl>
+  <dgm:styleLbl name="alignAccFollowNode1">
+    <dgm:fillClrLst meth="repeat">
+      <a:schemeClr val="accent1">
+        <a:alpha val="90000"/>
+        <a:tint val="40000"/>
+      </a:schemeClr>
+    </dgm:fillClrLst>
+    <dgm:linClrLst meth="repeat">
+      <a:schemeClr val="accent1">
+        <a:alpha val="90000"/>
+        <a:tint val="40000"/>
+      </a:schemeClr>
+    </dgm:linClrLst>
+    <dgm:effectClrLst/>
+    <dgm:txLinClrLst/>
+    <dgm:txFillClrLst meth="repeat">
+      <a:schemeClr val="dk1"/>
+    </dgm:txFillClrLst>
+    <dgm:txEffectClrLst/>
+  </dgm:styleLbl>
+  <dgm:styleLbl name="bgAccFollowNode1">
+    <dgm:fillClrLst meth="repeat">
+      <a:schemeClr val="accent1">
+        <a:alpha val="90000"/>
+        <a:tint val="40000"/>
+      </a:schemeClr>
+    </dgm:fillClrLst>
+    <dgm:linClrLst meth="repeat">
+      <a:schemeClr val="accent1">
+        <a:alpha val="90000"/>
+        <a:tint val="40000"/>
+      </a:schemeClr>
+    </dgm:linClrLst>
+    <dgm:effectClrLst/>
+    <dgm:txLinClrLst/>
+    <dgm:txFillClrLst meth="repeat">
+      <a:schemeClr val="dk1"/>
+    </dgm:txFillClrLst>
+    <dgm:txEffectClrLst/>
+  </dgm:styleLbl>
+  <dgm:styleLbl name="fgAcc0">
+    <dgm:fillClrLst meth="repeat">
+      <a:schemeClr val="lt1">
+        <a:alpha val="90000"/>
+      </a:schemeClr>
+    </dgm:fillClrLst>
+    <dgm:linClrLst meth="repeat">
+      <a:schemeClr val="accent1"/>
+    </dgm:linClrLst>
+    <dgm:effectClrLst/>
+    <dgm:txLinClrLst/>
+    <dgm:txFillClrLst meth="repeat">
+      <a:schemeClr val="dk1"/>
+    </dgm:txFillClrLst>
+    <dgm:txEffectClrLst/>
+  </dgm:styleLbl>
+  <dgm:styleLbl name="fgAcc2">
+    <dgm:fillClrLst meth="repeat">
+      <a:schemeClr val="lt1">
+        <a:alpha val="90000"/>
+      </a:schemeClr>
+    </dgm:fillClrLst>
+    <dgm:linClrLst meth="repeat">
+      <a:schemeClr val="accent1"/>
+    </dgm:linClrLst>
+    <dgm:effectClrLst/>
+    <dgm:txLinClrLst/>
+    <dgm:txFillClrLst meth="repeat">
+      <a:schemeClr val="dk1"/>
+    </dgm:txFillClrLst>
+    <dgm:txEffectClrLst/>
+  </dgm:styleLbl>
+  <dgm:styleLbl name="fgAcc3">
+    <dgm:fillClrLst meth="repeat">
+      <a:schemeClr val="lt1">
+        <a:alpha val="90000"/>
+      </a:schemeClr>
+    </dgm:fillClrLst>
+    <dgm:linClrLst meth="repeat">
+      <a:schemeClr val="accent1"/>
+    </dgm:linClrLst>
+    <dgm:effectClrLst/>
+    <dgm:txLinClrLst/>
+    <dgm:txFillClrLst meth="repeat">
+      <a:schemeClr val="dk1"/>
+    </dgm:txFillClrLst>
+    <dgm:txEffectClrLst/>
+  </dgm:styleLbl>
+  <dgm:styleLbl name="fgAcc4">
+    <dgm:fillClrLst meth="repeat">
+      <a:schemeClr val="lt1">
+        <a:alpha val="90000"/>
+      </a:schemeClr>
+    </dgm:fillClrLst>
+    <dgm:linClrLst meth="repeat">
+      <a:schemeClr val="accent1"/>
+    </dgm:linClrLst>
+    <dgm:effectClrLst/>
+    <dgm:txLinClrLst/>
+    <dgm:txFillClrLst meth="repeat">
+      <a:schemeClr val="dk1"/>
+    </dgm:txFillClrLst>
+    <dgm:txEffectClrLst/>
+  </dgm:styleLbl>
+  <dgm:styleLbl name="bgShp">
+    <dgm:fillClrLst meth="repeat">
+      <a:schemeClr val="accent1">
+        <a:tint val="40000"/>
+      </a:schemeClr>
+    </dgm:fillClrLst>
+    <dgm:linClrLst meth="repeat">
+      <a:schemeClr val="accent1"/>
+    </dgm:linClrLst>
+    <dgm:effectClrLst/>
+    <dgm:txLinClrLst/>
+    <dgm:txFillClrLst meth="repeat">
+      <a:schemeClr val="dk1"/>
+    </dgm:txFillClrLst>
+    <dgm:txEffectClrLst/>
+  </dgm:styleLbl>
+  <dgm:styleLbl name="dkBgShp">
+    <dgm:fillClrLst meth="repeat">
+      <a:schemeClr val="accent1">
+        <a:shade val="80000"/>
+      </a:schemeClr>
+    </dgm:fillClrLst>
+    <dgm:linClrLst meth="repeat">
+      <a:schemeClr val="accent1"/>
+    </dgm:linClrLst>
+    <dgm:effectClrLst/>
+    <dgm:txLinClrLst/>
+    <dgm:txFillClrLst meth="repeat">
+      <a:schemeClr val="lt1"/>
+    </dgm:txFillClrLst>
+    <dgm:txEffectClrLst/>
+  </dgm:styleLbl>
+  <dgm:styleLbl name="trBgShp">
+    <dgm:fillClrLst meth="repeat">
+      <a:schemeClr val="accent1">
+        <a:tint val="50000"/>
+        <a:alpha val="40000"/>
+      </a:schemeClr>
+    </dgm:fillClrLst>
+    <dgm:linClrLst meth="repeat">
+      <a:schemeClr val="accent1"/>
+    </dgm:linClrLst>
+    <dgm:effectClrLst/>
+    <dgm:txLinClrLst/>
+    <dgm:txFillClrLst meth="repeat">
+      <a:schemeClr val="lt1"/>
+    </dgm:txFillClrLst>
+    <dgm:txEffectClrLst/>
+  </dgm:styleLbl>
+  <dgm:styleLbl name="fgShp">
+    <dgm:fillClrLst meth="repeat">
+      <a:schemeClr val="accent1">
+        <a:tint val="60000"/>
+      </a:schemeClr>
+    </dgm:fillClrLst>
+    <dgm:linClrLst meth="repeat">
+      <a:schemeClr val="lt1"/>
+    </dgm:linClrLst>
+    <dgm:effectClrLst/>
+    <dgm:txLinClrLst/>
+    <dgm:txFillClrLst meth="repeat">
+      <a:schemeClr val="dk1"/>
+    </dgm:txFillClrLst>
+    <dgm:txEffectClrLst/>
+  </dgm:styleLbl>
+  <dgm:styleLbl name="revTx">
+    <dgm:fillClrLst meth="repeat">
+      <a:schemeClr val="lt1">
+        <a:alpha val="0"/>
+      </a:schemeClr>
+    </dgm:fillClrLst>
+    <dgm:linClrLst meth="repeat">
+      <a:schemeClr val="dk1">
+        <a:alpha val="0"/>
+      </a:schemeClr>
+    </dgm:linClrLst>
+    <dgm:effectClrLst/>
+    <dgm:txLinClrLst/>
+    <dgm:txFillClrLst meth="repeat">
+      <a:schemeClr val="tx1"/>
+    </dgm:txFillClrLst>
+    <dgm:txEffectClrLst/>
+  </dgm:styleLbl>
+</dgm:colorsDef>
+</file>
+
+<file path=ppt/diagrams/colors3.xml><?xml version="1.0" encoding="utf-8"?>
 <dgm:colorsDef xmlns:dgm="http://schemas.openxmlformats.org/drawingml/2006/diagram" xmlns:a="http://schemas.openxmlformats.org/drawingml/2006/main" uniqueId="urn:microsoft.com/office/officeart/2005/8/colors/accent1_2">
   <dgm:title val=""/>
   <dgm:desc val=""/>
@@ -3202,6 +3954,1221 @@
         </dgm:presLayoutVars>
       </dgm:prSet>
       <dgm:spPr/>
+    </dgm:pt>
+    <dgm:pt modelId="{FF100697-267A-4BC5-8DA9-B1F7321DFE84}" type="pres">
+      <dgm:prSet presAssocID="{4B64BF35-F3DD-46FA-A74B-C8F1391BB234}" presName="Name13" presStyleLbl="parChTrans1D2" presStyleIdx="9" presStyleCnt="12"/>
+      <dgm:spPr/>
+    </dgm:pt>
+    <dgm:pt modelId="{291D5A65-BA4D-4BF4-8D0F-050F9D81FBB6}" type="pres">
+      <dgm:prSet presAssocID="{D6553791-8532-4952-AC46-957A80E6F455}" presName="childText" presStyleLbl="bgAcc1" presStyleIdx="9" presStyleCnt="12">
+        <dgm:presLayoutVars>
+          <dgm:bulletEnabled val="1"/>
+        </dgm:presLayoutVars>
+      </dgm:prSet>
+      <dgm:spPr/>
+    </dgm:pt>
+    <dgm:pt modelId="{6B27DFF3-3021-4E99-BF73-829A6255425D}" type="pres">
+      <dgm:prSet presAssocID="{E8807DF0-38BE-4236-AFC9-03DFA18007AA}" presName="Name13" presStyleLbl="parChTrans1D2" presStyleIdx="10" presStyleCnt="12"/>
+      <dgm:spPr/>
+    </dgm:pt>
+    <dgm:pt modelId="{88C17E61-7A2A-46D7-AC95-5E562286A33E}" type="pres">
+      <dgm:prSet presAssocID="{23FBFCAF-D268-4C4D-8359-092F33A19BD5}" presName="childText" presStyleLbl="bgAcc1" presStyleIdx="10" presStyleCnt="12">
+        <dgm:presLayoutVars>
+          <dgm:bulletEnabled val="1"/>
+        </dgm:presLayoutVars>
+      </dgm:prSet>
+      <dgm:spPr/>
+    </dgm:pt>
+    <dgm:pt modelId="{E8A2D34D-9B35-4804-BD08-DC4453907292}" type="pres">
+      <dgm:prSet presAssocID="{E61F56D0-9360-46BF-8251-561CA9F726E8}" presName="Name13" presStyleLbl="parChTrans1D2" presStyleIdx="11" presStyleCnt="12"/>
+      <dgm:spPr/>
+    </dgm:pt>
+    <dgm:pt modelId="{1B267FF2-7D4F-4C45-AA7C-4EA638A9F1C5}" type="pres">
+      <dgm:prSet presAssocID="{BE7D634C-5542-4AE8-B044-37802A6A19BF}" presName="childText" presStyleLbl="bgAcc1" presStyleIdx="11" presStyleCnt="12">
+        <dgm:presLayoutVars>
+          <dgm:bulletEnabled val="1"/>
+        </dgm:presLayoutVars>
+      </dgm:prSet>
+      <dgm:spPr/>
+    </dgm:pt>
+  </dgm:ptLst>
+  <dgm:cxnLst>
+    <dgm:cxn modelId="{F8F3D917-317B-4A80-B606-277A7F6170C2}" srcId="{9AAB3432-E203-4861-9A1F-5A18DE81A0E0}" destId="{F221EA58-7488-4550-B7A5-965344CA7EAE}" srcOrd="1" destOrd="0" parTransId="{03056A9D-BCBF-4181-B8D6-7E4ECCBD4D9E}" sibTransId="{50012D0E-39A9-4FB4-832D-C4D74BE598A6}"/>
+    <dgm:cxn modelId="{B7B8BE25-1D3D-41C1-B2BB-252CA3FFFABF}" srcId="{5D17C516-2319-40FE-8748-E184C6D71444}" destId="{C217CF6C-69F6-4F1F-BFEF-F03F51825445}" srcOrd="0" destOrd="0" parTransId="{109F41A6-1D40-4F81-903A-8B0CB1E442DB}" sibTransId="{727D2815-3763-49AC-8FA5-B78975C6E255}"/>
+    <dgm:cxn modelId="{918F4E28-6C57-4EFF-80BA-F57AC436CDC9}" type="presOf" srcId="{08AACE21-5FAD-4460-B120-67387C8F0F32}" destId="{F5AE7053-0C33-481C-8BFB-D2DAFB4C4294}" srcOrd="0" destOrd="0" presId="urn:microsoft.com/office/officeart/2005/8/layout/hierarchy3"/>
+    <dgm:cxn modelId="{052CFA2E-CA41-4AC1-AB22-4D2537CA2312}" type="presOf" srcId="{21C8EE31-AEBF-47B2-ADDE-34FDFA6BF6DC}" destId="{375B2884-C079-4ABC-AF46-CC7B31EF2123}" srcOrd="0" destOrd="0" presId="urn:microsoft.com/office/officeart/2005/8/layout/hierarchy3"/>
+    <dgm:cxn modelId="{C679C12F-0D37-4771-853C-9B6A72F3F8AB}" srcId="{5D17C516-2319-40FE-8748-E184C6D71444}" destId="{23FBFCAF-D268-4C4D-8359-092F33A19BD5}" srcOrd="2" destOrd="0" parTransId="{E8807DF0-38BE-4236-AFC9-03DFA18007AA}" sibTransId="{49424D88-7251-4F7F-9D61-B03F29AB2536}"/>
+    <dgm:cxn modelId="{372E1130-8A4A-4006-A020-34030B0410C9}" srcId="{ED0B78BF-E006-4732-B48C-2ADC9E2EF39A}" destId="{A7945ECA-2D01-4C03-9AED-9E3EEAAF0F2C}" srcOrd="1" destOrd="0" parTransId="{D39C6496-6307-4FC4-9D55-DB6DA94D051F}" sibTransId="{4FF7D82F-ECB8-4560-8324-4D22393C300C}"/>
+    <dgm:cxn modelId="{7156E032-39F7-4DCF-A095-E4906170ABD1}" type="presOf" srcId="{C217CF6C-69F6-4F1F-BFEF-F03F51825445}" destId="{EDB6085A-8F2B-4B84-887D-9DD4BEC6E4E1}" srcOrd="0" destOrd="0" presId="urn:microsoft.com/office/officeart/2005/8/layout/hierarchy3"/>
+    <dgm:cxn modelId="{77C2803F-5DCB-40EC-8837-BEA44757C328}" type="presOf" srcId="{B1CEE35E-20B6-4A0B-B1E8-D4F40E3162E1}" destId="{C5878689-67F2-4E3D-8C9B-392F50C32024}" srcOrd="0" destOrd="0" presId="urn:microsoft.com/office/officeart/2005/8/layout/hierarchy3"/>
+    <dgm:cxn modelId="{3C31933F-6B34-49D4-B2D3-FA6BA454BF0B}" type="presOf" srcId="{3C02419B-DA6A-4FDB-972F-4F8DC3AD08E3}" destId="{5A2BB121-DDEE-46A8-AC09-18496F773E62}" srcOrd="0" destOrd="0" presId="urn:microsoft.com/office/officeart/2005/8/layout/hierarchy3"/>
+    <dgm:cxn modelId="{91710C5C-CFE2-4A9F-AAD2-9CA95718FBE0}" type="presOf" srcId="{08DF2FDD-3A60-4E03-8D9E-10C265EC9121}" destId="{35FE4D4C-3CA0-4CCA-8F9D-1668C574961B}" srcOrd="0" destOrd="0" presId="urn:microsoft.com/office/officeart/2005/8/layout/hierarchy3"/>
+    <dgm:cxn modelId="{C906736A-EECE-4919-9DAA-28FE9DCB5675}" type="presOf" srcId="{5D17C516-2319-40FE-8748-E184C6D71444}" destId="{3DB7ADFA-DCAB-4034-9F43-B860EBE864E8}" srcOrd="0" destOrd="0" presId="urn:microsoft.com/office/officeart/2005/8/layout/hierarchy3"/>
+    <dgm:cxn modelId="{0DEC854C-4194-43A5-8929-DF87D63D4D63}" type="presOf" srcId="{E61F56D0-9360-46BF-8251-561CA9F726E8}" destId="{E8A2D34D-9B35-4804-BD08-DC4453907292}" srcOrd="0" destOrd="0" presId="urn:microsoft.com/office/officeart/2005/8/layout/hierarchy3"/>
+    <dgm:cxn modelId="{658D4F50-D710-4AB9-8265-F6A1451ABDAD}" type="presOf" srcId="{E8807DF0-38BE-4236-AFC9-03DFA18007AA}" destId="{6B27DFF3-3021-4E99-BF73-829A6255425D}" srcOrd="0" destOrd="0" presId="urn:microsoft.com/office/officeart/2005/8/layout/hierarchy3"/>
+    <dgm:cxn modelId="{1A587271-F11A-4E3E-97F5-0C80881E7856}" type="presOf" srcId="{4B64BF35-F3DD-46FA-A74B-C8F1391BB234}" destId="{FF100697-267A-4BC5-8DA9-B1F7321DFE84}" srcOrd="0" destOrd="0" presId="urn:microsoft.com/office/officeart/2005/8/layout/hierarchy3"/>
+    <dgm:cxn modelId="{C6045752-28A9-4F08-8DE2-ADC62AB18265}" type="presOf" srcId="{109F41A6-1D40-4F81-903A-8B0CB1E442DB}" destId="{278D3975-9588-4A95-85BD-D062BB0AE1A4}" srcOrd="0" destOrd="0" presId="urn:microsoft.com/office/officeart/2005/8/layout/hierarchy3"/>
+    <dgm:cxn modelId="{A598A554-6FB3-42AA-BB2F-C4DBF408EC24}" type="presOf" srcId="{A7945ECA-2D01-4C03-9AED-9E3EEAAF0F2C}" destId="{9C3E65C4-9266-43CB-B08F-79811ABF047A}" srcOrd="0" destOrd="0" presId="urn:microsoft.com/office/officeart/2005/8/layout/hierarchy3"/>
+    <dgm:cxn modelId="{47968857-87E3-481A-908A-A468E51372C1}" srcId="{9AAB3432-E203-4861-9A1F-5A18DE81A0E0}" destId="{B1CEE35E-20B6-4A0B-B1E8-D4F40E3162E1}" srcOrd="2" destOrd="0" parTransId="{08AACE21-5FAD-4460-B120-67387C8F0F32}" sibTransId="{4A08DEA0-C75B-4713-B280-420C60C372D9}"/>
+    <dgm:cxn modelId="{A3550B88-A4A2-4C55-8EEF-D8696D63FDCA}" type="presOf" srcId="{23FBFCAF-D268-4C4D-8359-092F33A19BD5}" destId="{88C17E61-7A2A-46D7-AC95-5E562286A33E}" srcOrd="0" destOrd="0" presId="urn:microsoft.com/office/officeart/2005/8/layout/hierarchy3"/>
+    <dgm:cxn modelId="{22964D88-0DC4-4B3C-A8CE-48EA0783D709}" type="presOf" srcId="{9AAB3432-E203-4861-9A1F-5A18DE81A0E0}" destId="{D5FEF17D-A657-4E90-83A6-FFBD9375BEE2}" srcOrd="1" destOrd="0" presId="urn:microsoft.com/office/officeart/2005/8/layout/hierarchy3"/>
+    <dgm:cxn modelId="{9662958D-3400-409A-ADC7-BEB605777B1F}" srcId="{ED0B78BF-E006-4732-B48C-2ADC9E2EF39A}" destId="{1CBBDDB5-026A-42BF-8805-ACAC57AA5DC3}" srcOrd="0" destOrd="0" parTransId="{1EC30C20-D36E-4265-85EE-C210CE02F892}" sibTransId="{D37EB34B-12D7-42C6-A433-F33F271349CA}"/>
+    <dgm:cxn modelId="{94F0CB90-DE88-47E8-9D0B-FD6D9A03A22C}" type="presOf" srcId="{1EC30C20-D36E-4265-85EE-C210CE02F892}" destId="{2564A6E5-875B-4BC6-B983-AA12C064A019}" srcOrd="0" destOrd="0" presId="urn:microsoft.com/office/officeart/2005/8/layout/hierarchy3"/>
+    <dgm:cxn modelId="{D1FEA694-B081-4B51-851E-3914507C3230}" type="presOf" srcId="{FD74BA91-6D78-44B3-BF01-4D49723F4718}" destId="{16CFAB30-3E6A-44D7-A45D-E3066E142053}" srcOrd="0" destOrd="0" presId="urn:microsoft.com/office/officeart/2005/8/layout/hierarchy3"/>
+    <dgm:cxn modelId="{FAC6949B-B633-43AF-9BCB-483138B18D3F}" type="presOf" srcId="{FA010E1E-46BF-40DE-B386-14C19C329E38}" destId="{0ECF28DA-9925-4B5B-97B1-BDA459502114}" srcOrd="0" destOrd="0" presId="urn:microsoft.com/office/officeart/2005/8/layout/hierarchy3"/>
+    <dgm:cxn modelId="{8B495D9D-5B75-4B97-8FE7-54F24CED5860}" type="presOf" srcId="{1CBBDDB5-026A-42BF-8805-ACAC57AA5DC3}" destId="{3B0CF9DF-CC55-47FF-BECE-903E70F9D2DE}" srcOrd="0" destOrd="0" presId="urn:microsoft.com/office/officeart/2005/8/layout/hierarchy3"/>
+    <dgm:cxn modelId="{F9A2BA9E-B30D-4948-A3E9-A634F6BE47FD}" srcId="{D4ADF4FB-6626-4BAA-8170-1AB86830E7EB}" destId="{5D17C516-2319-40FE-8748-E184C6D71444}" srcOrd="2" destOrd="0" parTransId="{EA441DC7-A30D-47EC-A5C8-C50834D06E30}" sibTransId="{636B54D7-340F-4600-82E5-F2E670443C91}"/>
+    <dgm:cxn modelId="{B2581BA3-7711-4B4F-895A-5C4A1A23D07A}" srcId="{ED0B78BF-E006-4732-B48C-2ADC9E2EF39A}" destId="{3C02419B-DA6A-4FDB-972F-4F8DC3AD08E3}" srcOrd="4" destOrd="0" parTransId="{FA010E1E-46BF-40DE-B386-14C19C329E38}" sibTransId="{ABE6B4B2-8044-42FC-8EBA-A2B2927B372D}"/>
+    <dgm:cxn modelId="{17D275A3-9BBB-4EF7-8582-F13F0E98BB5D}" type="presOf" srcId="{ED0B78BF-E006-4732-B48C-2ADC9E2EF39A}" destId="{F1C18E15-3E91-476D-8B13-25AD56BC4B13}" srcOrd="0" destOrd="0" presId="urn:microsoft.com/office/officeart/2005/8/layout/hierarchy3"/>
+    <dgm:cxn modelId="{29461AA4-85D3-4C91-9D68-226BD6D7500F}" type="presOf" srcId="{DDB8B436-9528-434E-BD0F-6EB4D2ACB929}" destId="{7E3D7089-292B-46E8-B4F0-ADC3733C52BD}" srcOrd="0" destOrd="0" presId="urn:microsoft.com/office/officeart/2005/8/layout/hierarchy3"/>
+    <dgm:cxn modelId="{6F0A8CA4-3728-4E60-8471-7CAB7A834900}" type="presOf" srcId="{F221EA58-7488-4550-B7A5-965344CA7EAE}" destId="{CF0B1CD2-0FC3-49A4-A520-B01A6C3CCB95}" srcOrd="0" destOrd="0" presId="urn:microsoft.com/office/officeart/2005/8/layout/hierarchy3"/>
+    <dgm:cxn modelId="{57CCC0A4-E34E-4C62-A9CF-DD81EEE3866B}" type="presOf" srcId="{ED0B78BF-E006-4732-B48C-2ADC9E2EF39A}" destId="{8FA2ECE2-9D66-4FD1-89DE-3231691A8283}" srcOrd="1" destOrd="0" presId="urn:microsoft.com/office/officeart/2005/8/layout/hierarchy3"/>
+    <dgm:cxn modelId="{B9BF7AAF-65F6-4C3F-A447-D4308C54C183}" type="presOf" srcId="{03056A9D-BCBF-4181-B8D6-7E4ECCBD4D9E}" destId="{BC1B1EA4-129C-44F6-935B-BA646A7A2AA3}" srcOrd="0" destOrd="0" presId="urn:microsoft.com/office/officeart/2005/8/layout/hierarchy3"/>
+    <dgm:cxn modelId="{9A9D42B1-F32F-4577-8983-B9A3F16912EF}" type="presOf" srcId="{5D17C516-2319-40FE-8748-E184C6D71444}" destId="{A1EB1FFF-29EC-48BF-990F-29DA82114C59}" srcOrd="1" destOrd="0" presId="urn:microsoft.com/office/officeart/2005/8/layout/hierarchy3"/>
+    <dgm:cxn modelId="{89C78CB1-6741-4CF3-94C6-75218CA722F2}" type="presOf" srcId="{9E647244-45B2-496C-B687-01576FEABEC4}" destId="{360B229B-0F55-45E5-A55A-DDDBDBD1C921}" srcOrd="0" destOrd="0" presId="urn:microsoft.com/office/officeart/2005/8/layout/hierarchy3"/>
+    <dgm:cxn modelId="{A1A3BCB4-83BF-4A79-B53F-5F8A606BDE54}" srcId="{D4ADF4FB-6626-4BAA-8170-1AB86830E7EB}" destId="{ED0B78BF-E006-4732-B48C-2ADC9E2EF39A}" srcOrd="1" destOrd="0" parTransId="{28816F29-4038-473E-B49B-94074EA0A51E}" sibTransId="{23CFA8B8-2A05-4928-AEB3-72448E3A79E3}"/>
+    <dgm:cxn modelId="{05A31FBA-4386-4C52-B511-34CACCBA2A2F}" type="presOf" srcId="{D6553791-8532-4952-AC46-957A80E6F455}" destId="{291D5A65-BA4D-4BF4-8D0F-050F9D81FBB6}" srcOrd="0" destOrd="0" presId="urn:microsoft.com/office/officeart/2005/8/layout/hierarchy3"/>
+    <dgm:cxn modelId="{D3B30ABB-789A-496A-BE80-A66E542511F0}" type="presOf" srcId="{B0B0FACC-C24A-4552-82AB-C8FE8246DEF8}" destId="{5F9726AA-E8AD-4C5C-A0CA-2350C4F8CAFA}" srcOrd="0" destOrd="0" presId="urn:microsoft.com/office/officeart/2005/8/layout/hierarchy3"/>
+    <dgm:cxn modelId="{F5F6D4BB-2DFC-4FC1-ABCD-FF03786BFFE0}" srcId="{D4ADF4FB-6626-4BAA-8170-1AB86830E7EB}" destId="{9AAB3432-E203-4861-9A1F-5A18DE81A0E0}" srcOrd="0" destOrd="0" parTransId="{A67FC2F0-CFC7-4D0E-AB12-FC8B412EC38C}" sibTransId="{6A4E30F2-4DB5-4E70-B35C-3B1843570C40}"/>
+    <dgm:cxn modelId="{F089AEBC-BE1B-4B2B-AE04-A2DE441E9900}" type="presOf" srcId="{BE7D634C-5542-4AE8-B044-37802A6A19BF}" destId="{1B267FF2-7D4F-4C45-AA7C-4EA638A9F1C5}" srcOrd="0" destOrd="0" presId="urn:microsoft.com/office/officeart/2005/8/layout/hierarchy3"/>
+    <dgm:cxn modelId="{B7404AC6-1631-4D80-950E-A28F1FE44D7F}" srcId="{5D17C516-2319-40FE-8748-E184C6D71444}" destId="{BE7D634C-5542-4AE8-B044-37802A6A19BF}" srcOrd="3" destOrd="0" parTransId="{E61F56D0-9360-46BF-8251-561CA9F726E8}" sibTransId="{F057A6F2-F3CD-40BE-A001-82BB25F47711}"/>
+    <dgm:cxn modelId="{CF5086CE-64BD-4DFC-A4A2-5A3B8EB678D2}" type="presOf" srcId="{D39C6496-6307-4FC4-9D55-DB6DA94D051F}" destId="{7DFA9A08-1F84-4CF2-9E63-7F6E7C219F76}" srcOrd="0" destOrd="0" presId="urn:microsoft.com/office/officeart/2005/8/layout/hierarchy3"/>
+    <dgm:cxn modelId="{E630B7D1-EF42-4E29-A586-EDEEAFD22353}" srcId="{5D17C516-2319-40FE-8748-E184C6D71444}" destId="{D6553791-8532-4952-AC46-957A80E6F455}" srcOrd="1" destOrd="0" parTransId="{4B64BF35-F3DD-46FA-A74B-C8F1391BB234}" sibTransId="{C19A1F15-CCAA-4226-B7DD-F2CD4049A9B3}"/>
+    <dgm:cxn modelId="{B80BDAD5-1DB9-4ED8-AD7A-F59F92E4D26B}" type="presOf" srcId="{D4ADF4FB-6626-4BAA-8170-1AB86830E7EB}" destId="{5EAC0F1C-8135-499C-A050-8951C4D4D68B}" srcOrd="0" destOrd="0" presId="urn:microsoft.com/office/officeart/2005/8/layout/hierarchy3"/>
+    <dgm:cxn modelId="{05392EDD-3032-43C3-BA79-A1347D6D727C}" srcId="{9AAB3432-E203-4861-9A1F-5A18DE81A0E0}" destId="{DDB8B436-9528-434E-BD0F-6EB4D2ACB929}" srcOrd="0" destOrd="0" parTransId="{9E647244-45B2-496C-B687-01576FEABEC4}" sibTransId="{EE60868F-7BA4-434D-84FC-89FFDDF05FC3}"/>
+    <dgm:cxn modelId="{62C2F0F4-284D-4D02-8F32-BB76663AFA1F}" srcId="{ED0B78BF-E006-4732-B48C-2ADC9E2EF39A}" destId="{21C8EE31-AEBF-47B2-ADDE-34FDFA6BF6DC}" srcOrd="2" destOrd="0" parTransId="{08DF2FDD-3A60-4E03-8D9E-10C265EC9121}" sibTransId="{FFC06923-B3D1-4430-8195-28C90DC2D93A}"/>
+    <dgm:cxn modelId="{13013BF6-3A96-443E-9540-BE81022B503E}" type="presOf" srcId="{9AAB3432-E203-4861-9A1F-5A18DE81A0E0}" destId="{D42C5353-2F91-4910-9E62-259C884C47C8}" srcOrd="0" destOrd="0" presId="urn:microsoft.com/office/officeart/2005/8/layout/hierarchy3"/>
+    <dgm:cxn modelId="{FCD83CF7-A1CD-455F-A466-CFFA01A2A6C9}" srcId="{ED0B78BF-E006-4732-B48C-2ADC9E2EF39A}" destId="{B0B0FACC-C24A-4552-82AB-C8FE8246DEF8}" srcOrd="3" destOrd="0" parTransId="{FD74BA91-6D78-44B3-BF01-4D49723F4718}" sibTransId="{E6264341-6F1C-4A60-9081-A5335333D714}"/>
+    <dgm:cxn modelId="{D1AD12C1-70FD-4640-8165-4E8A414F3C3C}" type="presParOf" srcId="{5EAC0F1C-8135-499C-A050-8951C4D4D68B}" destId="{E9A360F5-905C-4B1F-87BD-8099DBD7826B}" srcOrd="0" destOrd="0" presId="urn:microsoft.com/office/officeart/2005/8/layout/hierarchy3"/>
+    <dgm:cxn modelId="{EA767C94-0C36-4B1E-B0CE-249521D515D9}" type="presParOf" srcId="{E9A360F5-905C-4B1F-87BD-8099DBD7826B}" destId="{770F0FD6-A664-4D0A-A016-FBEA3DBC5EF2}" srcOrd="0" destOrd="0" presId="urn:microsoft.com/office/officeart/2005/8/layout/hierarchy3"/>
+    <dgm:cxn modelId="{99E9EA2F-D216-4B5B-BB7F-3561383CB3E9}" type="presParOf" srcId="{770F0FD6-A664-4D0A-A016-FBEA3DBC5EF2}" destId="{D42C5353-2F91-4910-9E62-259C884C47C8}" srcOrd="0" destOrd="0" presId="urn:microsoft.com/office/officeart/2005/8/layout/hierarchy3"/>
+    <dgm:cxn modelId="{68651435-D41E-41DA-A714-AA24CA135D34}" type="presParOf" srcId="{770F0FD6-A664-4D0A-A016-FBEA3DBC5EF2}" destId="{D5FEF17D-A657-4E90-83A6-FFBD9375BEE2}" srcOrd="1" destOrd="0" presId="urn:microsoft.com/office/officeart/2005/8/layout/hierarchy3"/>
+    <dgm:cxn modelId="{4F96940D-AB8F-483B-8E33-09350038BE5F}" type="presParOf" srcId="{E9A360F5-905C-4B1F-87BD-8099DBD7826B}" destId="{ED254901-973D-4D91-AABF-EBA39BDAC603}" srcOrd="1" destOrd="0" presId="urn:microsoft.com/office/officeart/2005/8/layout/hierarchy3"/>
+    <dgm:cxn modelId="{EFCBF1C7-F098-4081-A971-DBD264293E1B}" type="presParOf" srcId="{ED254901-973D-4D91-AABF-EBA39BDAC603}" destId="{360B229B-0F55-45E5-A55A-DDDBDBD1C921}" srcOrd="0" destOrd="0" presId="urn:microsoft.com/office/officeart/2005/8/layout/hierarchy3"/>
+    <dgm:cxn modelId="{11514D88-7BDE-4B06-BABF-48FD2C185D66}" type="presParOf" srcId="{ED254901-973D-4D91-AABF-EBA39BDAC603}" destId="{7E3D7089-292B-46E8-B4F0-ADC3733C52BD}" srcOrd="1" destOrd="0" presId="urn:microsoft.com/office/officeart/2005/8/layout/hierarchy3"/>
+    <dgm:cxn modelId="{7065C4CB-4AB6-45D8-B5BA-CD814B7462FF}" type="presParOf" srcId="{ED254901-973D-4D91-AABF-EBA39BDAC603}" destId="{BC1B1EA4-129C-44F6-935B-BA646A7A2AA3}" srcOrd="2" destOrd="0" presId="urn:microsoft.com/office/officeart/2005/8/layout/hierarchy3"/>
+    <dgm:cxn modelId="{C3F9E7A4-75B1-4B7E-A1E5-4987D8B78D37}" type="presParOf" srcId="{ED254901-973D-4D91-AABF-EBA39BDAC603}" destId="{CF0B1CD2-0FC3-49A4-A520-B01A6C3CCB95}" srcOrd="3" destOrd="0" presId="urn:microsoft.com/office/officeart/2005/8/layout/hierarchy3"/>
+    <dgm:cxn modelId="{FB9B22F7-2413-495F-B229-6C18B49466FC}" type="presParOf" srcId="{ED254901-973D-4D91-AABF-EBA39BDAC603}" destId="{F5AE7053-0C33-481C-8BFB-D2DAFB4C4294}" srcOrd="4" destOrd="0" presId="urn:microsoft.com/office/officeart/2005/8/layout/hierarchy3"/>
+    <dgm:cxn modelId="{C16A5564-59F3-412A-B4EB-B65B63053508}" type="presParOf" srcId="{ED254901-973D-4D91-AABF-EBA39BDAC603}" destId="{C5878689-67F2-4E3D-8C9B-392F50C32024}" srcOrd="5" destOrd="0" presId="urn:microsoft.com/office/officeart/2005/8/layout/hierarchy3"/>
+    <dgm:cxn modelId="{09181F9B-E167-4B75-B6B6-F9E14D694D89}" type="presParOf" srcId="{5EAC0F1C-8135-499C-A050-8951C4D4D68B}" destId="{78204B86-F48E-424E-B9F0-F61E8700D86E}" srcOrd="1" destOrd="0" presId="urn:microsoft.com/office/officeart/2005/8/layout/hierarchy3"/>
+    <dgm:cxn modelId="{DBC2B5BC-DFDC-474C-A838-26BB04DE679E}" type="presParOf" srcId="{78204B86-F48E-424E-B9F0-F61E8700D86E}" destId="{612CABF1-DDE5-41D1-9036-25B4BE7589BE}" srcOrd="0" destOrd="0" presId="urn:microsoft.com/office/officeart/2005/8/layout/hierarchy3"/>
+    <dgm:cxn modelId="{28B003FA-10B3-4B59-9252-9741DA196AD4}" type="presParOf" srcId="{612CABF1-DDE5-41D1-9036-25B4BE7589BE}" destId="{F1C18E15-3E91-476D-8B13-25AD56BC4B13}" srcOrd="0" destOrd="0" presId="urn:microsoft.com/office/officeart/2005/8/layout/hierarchy3"/>
+    <dgm:cxn modelId="{3CDADAA2-FDA6-4600-957E-40993F510D7B}" type="presParOf" srcId="{612CABF1-DDE5-41D1-9036-25B4BE7589BE}" destId="{8FA2ECE2-9D66-4FD1-89DE-3231691A8283}" srcOrd="1" destOrd="0" presId="urn:microsoft.com/office/officeart/2005/8/layout/hierarchy3"/>
+    <dgm:cxn modelId="{D333763B-8A35-4756-B2BA-39040A45CB48}" type="presParOf" srcId="{78204B86-F48E-424E-B9F0-F61E8700D86E}" destId="{5E7F2D45-2508-495B-A708-02E0FD5F2314}" srcOrd="1" destOrd="0" presId="urn:microsoft.com/office/officeart/2005/8/layout/hierarchy3"/>
+    <dgm:cxn modelId="{259421E8-95D2-4D14-8B2B-86B19D729340}" type="presParOf" srcId="{5E7F2D45-2508-495B-A708-02E0FD5F2314}" destId="{2564A6E5-875B-4BC6-B983-AA12C064A019}" srcOrd="0" destOrd="0" presId="urn:microsoft.com/office/officeart/2005/8/layout/hierarchy3"/>
+    <dgm:cxn modelId="{8BDD8554-2C29-4FFE-BD1A-F208CC31C2A1}" type="presParOf" srcId="{5E7F2D45-2508-495B-A708-02E0FD5F2314}" destId="{3B0CF9DF-CC55-47FF-BECE-903E70F9D2DE}" srcOrd="1" destOrd="0" presId="urn:microsoft.com/office/officeart/2005/8/layout/hierarchy3"/>
+    <dgm:cxn modelId="{875A6F76-A845-47E2-9FD3-19114F777D75}" type="presParOf" srcId="{5E7F2D45-2508-495B-A708-02E0FD5F2314}" destId="{7DFA9A08-1F84-4CF2-9E63-7F6E7C219F76}" srcOrd="2" destOrd="0" presId="urn:microsoft.com/office/officeart/2005/8/layout/hierarchy3"/>
+    <dgm:cxn modelId="{D1011F87-5E28-4D3F-8118-4BA6A4FEA06E}" type="presParOf" srcId="{5E7F2D45-2508-495B-A708-02E0FD5F2314}" destId="{9C3E65C4-9266-43CB-B08F-79811ABF047A}" srcOrd="3" destOrd="0" presId="urn:microsoft.com/office/officeart/2005/8/layout/hierarchy3"/>
+    <dgm:cxn modelId="{1C9EC978-49C4-44B1-B7F0-A80918C3CC4C}" type="presParOf" srcId="{5E7F2D45-2508-495B-A708-02E0FD5F2314}" destId="{35FE4D4C-3CA0-4CCA-8F9D-1668C574961B}" srcOrd="4" destOrd="0" presId="urn:microsoft.com/office/officeart/2005/8/layout/hierarchy3"/>
+    <dgm:cxn modelId="{B79D566C-42D9-42A8-9C46-AA22B87D15A7}" type="presParOf" srcId="{5E7F2D45-2508-495B-A708-02E0FD5F2314}" destId="{375B2884-C079-4ABC-AF46-CC7B31EF2123}" srcOrd="5" destOrd="0" presId="urn:microsoft.com/office/officeart/2005/8/layout/hierarchy3"/>
+    <dgm:cxn modelId="{B64B3C35-7E92-47FF-A43C-7E75EABB7DE0}" type="presParOf" srcId="{5E7F2D45-2508-495B-A708-02E0FD5F2314}" destId="{16CFAB30-3E6A-44D7-A45D-E3066E142053}" srcOrd="6" destOrd="0" presId="urn:microsoft.com/office/officeart/2005/8/layout/hierarchy3"/>
+    <dgm:cxn modelId="{86D49351-D3C9-48A1-88EA-44A93353F587}" type="presParOf" srcId="{5E7F2D45-2508-495B-A708-02E0FD5F2314}" destId="{5F9726AA-E8AD-4C5C-A0CA-2350C4F8CAFA}" srcOrd="7" destOrd="0" presId="urn:microsoft.com/office/officeart/2005/8/layout/hierarchy3"/>
+    <dgm:cxn modelId="{91C1DB7D-DADE-48E1-9C3F-D33F6FC84386}" type="presParOf" srcId="{5E7F2D45-2508-495B-A708-02E0FD5F2314}" destId="{0ECF28DA-9925-4B5B-97B1-BDA459502114}" srcOrd="8" destOrd="0" presId="urn:microsoft.com/office/officeart/2005/8/layout/hierarchy3"/>
+    <dgm:cxn modelId="{7A09BA7C-9EDC-496E-8A6D-4B0744B8C88D}" type="presParOf" srcId="{5E7F2D45-2508-495B-A708-02E0FD5F2314}" destId="{5A2BB121-DDEE-46A8-AC09-18496F773E62}" srcOrd="9" destOrd="0" presId="urn:microsoft.com/office/officeart/2005/8/layout/hierarchy3"/>
+    <dgm:cxn modelId="{F5B8C0DF-97A3-423B-9A5D-53FC91FEE07D}" type="presParOf" srcId="{5EAC0F1C-8135-499C-A050-8951C4D4D68B}" destId="{59FB6EFF-035B-4901-8C84-3BDEA8130465}" srcOrd="2" destOrd="0" presId="urn:microsoft.com/office/officeart/2005/8/layout/hierarchy3"/>
+    <dgm:cxn modelId="{2C3BEA50-80F2-41C7-A82B-5C3E16FC0BD9}" type="presParOf" srcId="{59FB6EFF-035B-4901-8C84-3BDEA8130465}" destId="{DFAAFD62-220C-47EA-B1FF-1D698C1D9D0C}" srcOrd="0" destOrd="0" presId="urn:microsoft.com/office/officeart/2005/8/layout/hierarchy3"/>
+    <dgm:cxn modelId="{5783CD70-7213-4FC1-AF68-237D5BC3062A}" type="presParOf" srcId="{DFAAFD62-220C-47EA-B1FF-1D698C1D9D0C}" destId="{3DB7ADFA-DCAB-4034-9F43-B860EBE864E8}" srcOrd="0" destOrd="0" presId="urn:microsoft.com/office/officeart/2005/8/layout/hierarchy3"/>
+    <dgm:cxn modelId="{B7E1F160-A178-462E-868C-EC6564C42610}" type="presParOf" srcId="{DFAAFD62-220C-47EA-B1FF-1D698C1D9D0C}" destId="{A1EB1FFF-29EC-48BF-990F-29DA82114C59}" srcOrd="1" destOrd="0" presId="urn:microsoft.com/office/officeart/2005/8/layout/hierarchy3"/>
+    <dgm:cxn modelId="{9FF94B33-0113-4A76-8701-4BFCEEDBDE89}" type="presParOf" srcId="{59FB6EFF-035B-4901-8C84-3BDEA8130465}" destId="{C961EBF4-10A8-458E-973D-7ED2EFFC972F}" srcOrd="1" destOrd="0" presId="urn:microsoft.com/office/officeart/2005/8/layout/hierarchy3"/>
+    <dgm:cxn modelId="{E16B69EF-6960-4FF6-974E-0243612C50A9}" type="presParOf" srcId="{C961EBF4-10A8-458E-973D-7ED2EFFC972F}" destId="{278D3975-9588-4A95-85BD-D062BB0AE1A4}" srcOrd="0" destOrd="0" presId="urn:microsoft.com/office/officeart/2005/8/layout/hierarchy3"/>
+    <dgm:cxn modelId="{EDC0758A-BCB5-4E73-BE7E-8D1A992568A9}" type="presParOf" srcId="{C961EBF4-10A8-458E-973D-7ED2EFFC972F}" destId="{EDB6085A-8F2B-4B84-887D-9DD4BEC6E4E1}" srcOrd="1" destOrd="0" presId="urn:microsoft.com/office/officeart/2005/8/layout/hierarchy3"/>
+    <dgm:cxn modelId="{B9702EBF-28A6-4C56-BB02-8A38776C1F90}" type="presParOf" srcId="{C961EBF4-10A8-458E-973D-7ED2EFFC972F}" destId="{FF100697-267A-4BC5-8DA9-B1F7321DFE84}" srcOrd="2" destOrd="0" presId="urn:microsoft.com/office/officeart/2005/8/layout/hierarchy3"/>
+    <dgm:cxn modelId="{46AAE45F-BF7E-4CDB-A15F-802EEF0A52A0}" type="presParOf" srcId="{C961EBF4-10A8-458E-973D-7ED2EFFC972F}" destId="{291D5A65-BA4D-4BF4-8D0F-050F9D81FBB6}" srcOrd="3" destOrd="0" presId="urn:microsoft.com/office/officeart/2005/8/layout/hierarchy3"/>
+    <dgm:cxn modelId="{0137D627-1B4F-47DB-ADA7-B3A9FCF6DA00}" type="presParOf" srcId="{C961EBF4-10A8-458E-973D-7ED2EFFC972F}" destId="{6B27DFF3-3021-4E99-BF73-829A6255425D}" srcOrd="4" destOrd="0" presId="urn:microsoft.com/office/officeart/2005/8/layout/hierarchy3"/>
+    <dgm:cxn modelId="{2DDA2A2E-7EBF-42D3-8E45-3269864CBAA4}" type="presParOf" srcId="{C961EBF4-10A8-458E-973D-7ED2EFFC972F}" destId="{88C17E61-7A2A-46D7-AC95-5E562286A33E}" srcOrd="5" destOrd="0" presId="urn:microsoft.com/office/officeart/2005/8/layout/hierarchy3"/>
+    <dgm:cxn modelId="{7CD2E438-91AB-49C8-BEFA-398ACCFFD7BD}" type="presParOf" srcId="{C961EBF4-10A8-458E-973D-7ED2EFFC972F}" destId="{E8A2D34D-9B35-4804-BD08-DC4453907292}" srcOrd="6" destOrd="0" presId="urn:microsoft.com/office/officeart/2005/8/layout/hierarchy3"/>
+    <dgm:cxn modelId="{1534A217-6ECD-4474-80F2-71CA6833E5EF}" type="presParOf" srcId="{C961EBF4-10A8-458E-973D-7ED2EFFC972F}" destId="{1B267FF2-7D4F-4C45-AA7C-4EA638A9F1C5}" srcOrd="7" destOrd="0" presId="urn:microsoft.com/office/officeart/2005/8/layout/hierarchy3"/>
+  </dgm:cxnLst>
+  <dgm:bg/>
+  <dgm:whole/>
+  <dgm:extLst>
+    <a:ext uri="http://schemas.microsoft.com/office/drawing/2008/diagram">
+      <dsp:dataModelExt xmlns:dsp="http://schemas.microsoft.com/office/drawing/2008/diagram" relId="rId6" minVer="http://schemas.openxmlformats.org/drawingml/2006/diagram"/>
+    </a:ext>
+  </dgm:extLst>
+</dgm:dataModel>
+</file>
+
+<file path=ppt/diagrams/data3.xml><?xml version="1.0" encoding="utf-8"?>
+<dgm:dataModel xmlns:dgm="http://schemas.openxmlformats.org/drawingml/2006/diagram" xmlns:a="http://schemas.openxmlformats.org/drawingml/2006/main">
+  <dgm:ptLst>
+    <dgm:pt modelId="{D4ADF4FB-6626-4BAA-8170-1AB86830E7EB}" type="doc">
+      <dgm:prSet loTypeId="urn:microsoft.com/office/officeart/2005/8/layout/hierarchy3" loCatId="hierarchy" qsTypeId="urn:microsoft.com/office/officeart/2005/8/quickstyle/simple1" qsCatId="simple" csTypeId="urn:microsoft.com/office/officeart/2005/8/colors/accent1_2" csCatId="accent1" phldr="1"/>
+      <dgm:spPr/>
+      <dgm:t>
+        <a:bodyPr/>
+        <a:lstStyle/>
+        <a:p>
+          <a:endParaRPr lang="en-US"/>
+        </a:p>
+      </dgm:t>
+    </dgm:pt>
+    <dgm:pt modelId="{ED0B78BF-E006-4732-B48C-2ADC9E2EF39A}">
+      <dgm:prSet phldrT="[Text]"/>
+      <dgm:spPr/>
+      <dgm:t>
+        <a:bodyPr/>
+        <a:lstStyle/>
+        <a:p>
+          <a:r>
+            <a:rPr lang="en-US" dirty="0"/>
+            <a:t>Tools and Techniques</a:t>
+          </a:r>
+        </a:p>
+      </dgm:t>
+    </dgm:pt>
+    <dgm:pt modelId="{28816F29-4038-473E-B49B-94074EA0A51E}" type="parTrans" cxnId="{A1A3BCB4-83BF-4A79-B53F-5F8A606BDE54}">
+      <dgm:prSet/>
+      <dgm:spPr/>
+      <dgm:t>
+        <a:bodyPr/>
+        <a:lstStyle/>
+        <a:p>
+          <a:endParaRPr lang="en-US"/>
+        </a:p>
+      </dgm:t>
+    </dgm:pt>
+    <dgm:pt modelId="{23CFA8B8-2A05-4928-AEB3-72448E3A79E3}" type="sibTrans" cxnId="{A1A3BCB4-83BF-4A79-B53F-5F8A606BDE54}">
+      <dgm:prSet/>
+      <dgm:spPr/>
+      <dgm:t>
+        <a:bodyPr/>
+        <a:lstStyle/>
+        <a:p>
+          <a:endParaRPr lang="en-US"/>
+        </a:p>
+      </dgm:t>
+    </dgm:pt>
+    <dgm:pt modelId="{5D17C516-2319-40FE-8748-E184C6D71444}">
+      <dgm:prSet phldrT="[Text]"/>
+      <dgm:spPr/>
+      <dgm:t>
+        <a:bodyPr/>
+        <a:lstStyle/>
+        <a:p>
+          <a:r>
+            <a:rPr lang="en-US" dirty="0"/>
+            <a:t>Object-Oriented Programming</a:t>
+          </a:r>
+        </a:p>
+      </dgm:t>
+    </dgm:pt>
+    <dgm:pt modelId="{EA441DC7-A30D-47EC-A5C8-C50834D06E30}" type="parTrans" cxnId="{F9A2BA9E-B30D-4948-A3E9-A634F6BE47FD}">
+      <dgm:prSet/>
+      <dgm:spPr/>
+      <dgm:t>
+        <a:bodyPr/>
+        <a:lstStyle/>
+        <a:p>
+          <a:endParaRPr lang="en-US"/>
+        </a:p>
+      </dgm:t>
+    </dgm:pt>
+    <dgm:pt modelId="{636B54D7-340F-4600-82E5-F2E670443C91}" type="sibTrans" cxnId="{F9A2BA9E-B30D-4948-A3E9-A634F6BE47FD}">
+      <dgm:prSet/>
+      <dgm:spPr/>
+      <dgm:t>
+        <a:bodyPr/>
+        <a:lstStyle/>
+        <a:p>
+          <a:endParaRPr lang="en-US"/>
+        </a:p>
+      </dgm:t>
+    </dgm:pt>
+    <dgm:pt modelId="{DDB8B436-9528-434E-BD0F-6EB4D2ACB929}">
+      <dgm:prSet phldrT="[Text]"/>
+      <dgm:spPr/>
+      <dgm:t>
+        <a:bodyPr/>
+        <a:lstStyle/>
+        <a:p>
+          <a:r>
+            <a:rPr lang="en-US" dirty="0"/>
+            <a:t>Designing Data</a:t>
+          </a:r>
+        </a:p>
+      </dgm:t>
+    </dgm:pt>
+    <dgm:pt modelId="{9E647244-45B2-496C-B687-01576FEABEC4}" type="parTrans" cxnId="{05392EDD-3032-43C3-BA79-A1347D6D727C}">
+      <dgm:prSet/>
+      <dgm:spPr/>
+      <dgm:t>
+        <a:bodyPr/>
+        <a:lstStyle/>
+        <a:p>
+          <a:endParaRPr lang="en-US"/>
+        </a:p>
+      </dgm:t>
+    </dgm:pt>
+    <dgm:pt modelId="{EE60868F-7BA4-434D-84FC-89FFDDF05FC3}" type="sibTrans" cxnId="{05392EDD-3032-43C3-BA79-A1347D6D727C}">
+      <dgm:prSet/>
+      <dgm:spPr/>
+      <dgm:t>
+        <a:bodyPr/>
+        <a:lstStyle/>
+        <a:p>
+          <a:endParaRPr lang="en-US"/>
+        </a:p>
+      </dgm:t>
+    </dgm:pt>
+    <dgm:pt modelId="{F221EA58-7488-4550-B7A5-965344CA7EAE}">
+      <dgm:prSet phldrT="[Text]" custT="1"/>
+      <dgm:spPr>
+        <a:solidFill>
+          <a:prstClr val="white">
+            <a:alpha val="90000"/>
+            <a:hueOff val="0"/>
+            <a:satOff val="0"/>
+            <a:lumOff val="0"/>
+            <a:alphaOff val="0"/>
+          </a:prstClr>
+        </a:solidFill>
+        <a:ln w="25400" cap="flat" cmpd="sng" algn="ctr">
+          <a:solidFill>
+            <a:srgbClr val="4F81BD">
+              <a:hueOff val="0"/>
+              <a:satOff val="0"/>
+              <a:lumOff val="0"/>
+              <a:alphaOff val="0"/>
+            </a:srgbClr>
+          </a:solidFill>
+          <a:prstDash val="solid"/>
+        </a:ln>
+        <a:effectLst/>
+      </dgm:spPr>
+      <dgm:t>
+        <a:bodyPr spcFirstLastPara="0" vert="horz" wrap="square" lIns="19050" tIns="12700" rIns="19050" bIns="12700" numCol="1" spcCol="1270" anchor="ctr" anchorCtr="0"/>
+        <a:lstStyle/>
+        <a:p>
+          <a:pPr marL="0" lvl="0" indent="0" algn="ctr" defTabSz="444500">
+            <a:lnSpc>
+              <a:spcPct val="90000"/>
+            </a:lnSpc>
+            <a:spcBef>
+              <a:spcPct val="0"/>
+            </a:spcBef>
+            <a:spcAft>
+              <a:spcPct val="35000"/>
+            </a:spcAft>
+            <a:buNone/>
+          </a:pPr>
+          <a:r>
+            <a:rPr lang="en-US" sz="1000" kern="1200" dirty="0">
+              <a:solidFill>
+                <a:prstClr val="black">
+                  <a:hueOff val="0"/>
+                  <a:satOff val="0"/>
+                  <a:lumOff val="0"/>
+                  <a:alphaOff val="0"/>
+                </a:prstClr>
+              </a:solidFill>
+              <a:latin typeface="Calibri"/>
+              <a:ea typeface="+mn-ea"/>
+              <a:cs typeface="+mn-cs"/>
+            </a:rPr>
+            <a:t>Designing Functions</a:t>
+          </a:r>
+        </a:p>
+      </dgm:t>
+    </dgm:pt>
+    <dgm:pt modelId="{03056A9D-BCBF-4181-B8D6-7E4ECCBD4D9E}" type="parTrans" cxnId="{F8F3D917-317B-4A80-B606-277A7F6170C2}">
+      <dgm:prSet/>
+      <dgm:spPr/>
+      <dgm:t>
+        <a:bodyPr/>
+        <a:lstStyle/>
+        <a:p>
+          <a:endParaRPr lang="en-US"/>
+        </a:p>
+      </dgm:t>
+    </dgm:pt>
+    <dgm:pt modelId="{50012D0E-39A9-4FB4-832D-C4D74BE598A6}" type="sibTrans" cxnId="{F8F3D917-317B-4A80-B606-277A7F6170C2}">
+      <dgm:prSet/>
+      <dgm:spPr/>
+      <dgm:t>
+        <a:bodyPr/>
+        <a:lstStyle/>
+        <a:p>
+          <a:endParaRPr lang="en-US"/>
+        </a:p>
+      </dgm:t>
+    </dgm:pt>
+    <dgm:pt modelId="{B1CEE35E-20B6-4A0B-B1E8-D4F40E3162E1}">
+      <dgm:prSet phldrT="[Text]" custT="1"/>
+      <dgm:spPr>
+        <a:solidFill>
+          <a:prstClr val="white">
+            <a:alpha val="90000"/>
+            <a:hueOff val="0"/>
+            <a:satOff val="0"/>
+            <a:lumOff val="0"/>
+            <a:alphaOff val="0"/>
+          </a:prstClr>
+        </a:solidFill>
+        <a:ln w="25400" cap="flat" cmpd="sng" algn="ctr">
+          <a:solidFill>
+            <a:srgbClr val="4F81BD">
+              <a:hueOff val="0"/>
+              <a:satOff val="0"/>
+              <a:lumOff val="0"/>
+              <a:alphaOff val="0"/>
+            </a:srgbClr>
+          </a:solidFill>
+          <a:prstDash val="solid"/>
+        </a:ln>
+        <a:effectLst/>
+      </dgm:spPr>
+      <dgm:t>
+        <a:bodyPr spcFirstLastPara="0" vert="horz" wrap="square" lIns="19050" tIns="12700" rIns="19050" bIns="12700" numCol="1" spcCol="1270" anchor="ctr" anchorCtr="0"/>
+        <a:lstStyle/>
+        <a:p>
+          <a:r>
+            <a:rPr lang="en-US" sz="1000" kern="1200" dirty="0">
+              <a:solidFill>
+                <a:prstClr val="black">
+                  <a:hueOff val="0"/>
+                  <a:satOff val="0"/>
+                  <a:lumOff val="0"/>
+                  <a:alphaOff val="0"/>
+                </a:prstClr>
+              </a:solidFill>
+              <a:latin typeface="Calibri"/>
+              <a:ea typeface="+mn-ea"/>
+              <a:cs typeface="+mn-cs"/>
+            </a:rPr>
+            <a:t>Designing</a:t>
+          </a:r>
+          <a:r>
+            <a:rPr lang="en-US" sz="1000" kern="1200" dirty="0"/>
+            <a:t> Systems</a:t>
+          </a:r>
+        </a:p>
+      </dgm:t>
+    </dgm:pt>
+    <dgm:pt modelId="{08AACE21-5FAD-4460-B120-67387C8F0F32}" type="parTrans" cxnId="{47968857-87E3-481A-908A-A468E51372C1}">
+      <dgm:prSet/>
+      <dgm:spPr/>
+      <dgm:t>
+        <a:bodyPr/>
+        <a:lstStyle/>
+        <a:p>
+          <a:endParaRPr lang="en-US"/>
+        </a:p>
+      </dgm:t>
+    </dgm:pt>
+    <dgm:pt modelId="{4A08DEA0-C75B-4713-B280-420C60C372D9}" type="sibTrans" cxnId="{47968857-87E3-481A-908A-A468E51372C1}">
+      <dgm:prSet/>
+      <dgm:spPr/>
+      <dgm:t>
+        <a:bodyPr/>
+        <a:lstStyle/>
+        <a:p>
+          <a:endParaRPr lang="en-US"/>
+        </a:p>
+      </dgm:t>
+    </dgm:pt>
+    <dgm:pt modelId="{1CBBDDB5-026A-42BF-8805-ACAC57AA5DC3}">
+      <dgm:prSet phldrT="[Text]"/>
+      <dgm:spPr/>
+      <dgm:t>
+        <a:bodyPr/>
+        <a:lstStyle/>
+        <a:p>
+          <a:r>
+            <a:rPr lang="en-US" dirty="0"/>
+            <a:t>Computing with Lists</a:t>
+          </a:r>
+        </a:p>
+      </dgm:t>
+    </dgm:pt>
+    <dgm:pt modelId="{1EC30C20-D36E-4265-85EE-C210CE02F892}" type="parTrans" cxnId="{9662958D-3400-409A-ADC7-BEB605777B1F}">
+      <dgm:prSet/>
+      <dgm:spPr/>
+      <dgm:t>
+        <a:bodyPr/>
+        <a:lstStyle/>
+        <a:p>
+          <a:endParaRPr lang="en-US"/>
+        </a:p>
+      </dgm:t>
+    </dgm:pt>
+    <dgm:pt modelId="{D37EB34B-12D7-42C6-A433-F33F271349CA}" type="sibTrans" cxnId="{9662958D-3400-409A-ADC7-BEB605777B1F}">
+      <dgm:prSet/>
+      <dgm:spPr/>
+      <dgm:t>
+        <a:bodyPr/>
+        <a:lstStyle/>
+        <a:p>
+          <a:endParaRPr lang="en-US"/>
+        </a:p>
+      </dgm:t>
+    </dgm:pt>
+    <dgm:pt modelId="{A7945ECA-2D01-4C03-9AED-9E3EEAAF0F2C}">
+      <dgm:prSet phldrT="[Text]" custT="1"/>
+      <dgm:spPr>
+        <a:solidFill>
+          <a:prstClr val="white">
+            <a:alpha val="90000"/>
+            <a:hueOff val="0"/>
+            <a:satOff val="0"/>
+            <a:lumOff val="0"/>
+            <a:alphaOff val="0"/>
+          </a:prstClr>
+        </a:solidFill>
+        <a:ln w="25400" cap="flat" cmpd="sng" algn="ctr">
+          <a:solidFill>
+            <a:srgbClr val="4F81BD">
+              <a:hueOff val="0"/>
+              <a:satOff val="0"/>
+              <a:lumOff val="0"/>
+              <a:alphaOff val="0"/>
+            </a:srgbClr>
+          </a:solidFill>
+          <a:prstDash val="solid"/>
+        </a:ln>
+        <a:effectLst/>
+      </dgm:spPr>
+      <dgm:t>
+        <a:bodyPr spcFirstLastPara="0" vert="horz" wrap="square" lIns="22860" tIns="15240" rIns="22860" bIns="15240" numCol="1" spcCol="1270" anchor="ctr" anchorCtr="0"/>
+        <a:lstStyle/>
+        <a:p>
+          <a:pPr marL="0" lvl="0" indent="0" algn="ctr" defTabSz="533400">
+            <a:lnSpc>
+              <a:spcPct val="90000"/>
+            </a:lnSpc>
+            <a:spcBef>
+              <a:spcPct val="0"/>
+            </a:spcBef>
+            <a:spcAft>
+              <a:spcPct val="35000"/>
+            </a:spcAft>
+            <a:buNone/>
+          </a:pPr>
+          <a:r>
+            <a:rPr lang="en-US" sz="1200" kern="1200" dirty="0">
+              <a:solidFill>
+                <a:prstClr val="black">
+                  <a:hueOff val="0"/>
+                  <a:satOff val="0"/>
+                  <a:lumOff val="0"/>
+                  <a:alphaOff val="0"/>
+                </a:prstClr>
+              </a:solidFill>
+              <a:latin typeface="Calibri"/>
+              <a:ea typeface="+mn-ea"/>
+              <a:cs typeface="+mn-cs"/>
+            </a:rPr>
+            <a:t>Computing with Trees and Graphs</a:t>
+          </a:r>
+        </a:p>
+      </dgm:t>
+    </dgm:pt>
+    <dgm:pt modelId="{D39C6496-6307-4FC4-9D55-DB6DA94D051F}" type="parTrans" cxnId="{372E1130-8A4A-4006-A020-34030B0410C9}">
+      <dgm:prSet/>
+      <dgm:spPr/>
+      <dgm:t>
+        <a:bodyPr/>
+        <a:lstStyle/>
+        <a:p>
+          <a:endParaRPr lang="en-US"/>
+        </a:p>
+      </dgm:t>
+    </dgm:pt>
+    <dgm:pt modelId="{4FF7D82F-ECB8-4560-8324-4D22393C300C}" type="sibTrans" cxnId="{372E1130-8A4A-4006-A020-34030B0410C9}">
+      <dgm:prSet/>
+      <dgm:spPr/>
+      <dgm:t>
+        <a:bodyPr/>
+        <a:lstStyle/>
+        <a:p>
+          <a:endParaRPr lang="en-US"/>
+        </a:p>
+      </dgm:t>
+    </dgm:pt>
+    <dgm:pt modelId="{B0B0FACC-C24A-4552-82AB-C8FE8246DEF8}">
+      <dgm:prSet phldrT="[Text]" custT="1"/>
+      <dgm:spPr>
+        <a:solidFill>
+          <a:prstClr val="white">
+            <a:alpha val="90000"/>
+            <a:hueOff val="0"/>
+            <a:satOff val="0"/>
+            <a:lumOff val="0"/>
+            <a:alphaOff val="0"/>
+          </a:prstClr>
+        </a:solidFill>
+        <a:ln w="25400" cap="flat" cmpd="sng" algn="ctr">
+          <a:solidFill>
+            <a:srgbClr val="4F81BD">
+              <a:hueOff val="0"/>
+              <a:satOff val="0"/>
+              <a:lumOff val="0"/>
+              <a:alphaOff val="0"/>
+            </a:srgbClr>
+          </a:solidFill>
+          <a:prstDash val="solid"/>
+        </a:ln>
+        <a:effectLst/>
+      </dgm:spPr>
+      <dgm:t>
+        <a:bodyPr spcFirstLastPara="0" vert="horz" wrap="square" lIns="22860" tIns="15240" rIns="22860" bIns="15240" numCol="1" spcCol="1270" anchor="ctr" anchorCtr="0"/>
+        <a:lstStyle/>
+        <a:p>
+          <a:r>
+            <a:rPr lang="en-US" sz="1200" kern="1200" dirty="0">
+              <a:solidFill>
+                <a:prstClr val="black">
+                  <a:hueOff val="0"/>
+                  <a:satOff val="0"/>
+                  <a:lumOff val="0"/>
+                  <a:alphaOff val="0"/>
+                </a:prstClr>
+              </a:solidFill>
+              <a:latin typeface="Calibri"/>
+              <a:ea typeface="+mn-ea"/>
+              <a:cs typeface="+mn-cs"/>
+            </a:rPr>
+            <a:t>Designing</a:t>
+          </a:r>
+          <a:r>
+            <a:rPr lang="en-US" sz="1200" kern="1200" dirty="0"/>
+            <a:t> with Invariants</a:t>
+          </a:r>
+        </a:p>
+      </dgm:t>
+    </dgm:pt>
+    <dgm:pt modelId="{FD74BA91-6D78-44B3-BF01-4D49723F4718}" type="parTrans" cxnId="{FCD83CF7-A1CD-455F-A466-CFFA01A2A6C9}">
+      <dgm:prSet/>
+      <dgm:spPr/>
+      <dgm:t>
+        <a:bodyPr/>
+        <a:lstStyle/>
+        <a:p>
+          <a:endParaRPr lang="en-US"/>
+        </a:p>
+      </dgm:t>
+    </dgm:pt>
+    <dgm:pt modelId="{E6264341-6F1C-4A60-9081-A5335333D714}" type="sibTrans" cxnId="{FCD83CF7-A1CD-455F-A466-CFFA01A2A6C9}">
+      <dgm:prSet/>
+      <dgm:spPr/>
+      <dgm:t>
+        <a:bodyPr/>
+        <a:lstStyle/>
+        <a:p>
+          <a:endParaRPr lang="en-US"/>
+        </a:p>
+      </dgm:t>
+    </dgm:pt>
+    <dgm:pt modelId="{3C02419B-DA6A-4FDB-972F-4F8DC3AD08E3}">
+      <dgm:prSet phldrT="[Text]" custT="1"/>
+      <dgm:spPr>
+        <a:solidFill>
+          <a:prstClr val="white">
+            <a:alpha val="90000"/>
+            <a:hueOff val="0"/>
+            <a:satOff val="0"/>
+            <a:lumOff val="0"/>
+            <a:alphaOff val="0"/>
+          </a:prstClr>
+        </a:solidFill>
+        <a:ln w="25400" cap="flat" cmpd="sng" algn="ctr">
+          <a:solidFill>
+            <a:srgbClr val="4F81BD">
+              <a:hueOff val="0"/>
+              <a:satOff val="0"/>
+              <a:lumOff val="0"/>
+              <a:alphaOff val="0"/>
+            </a:srgbClr>
+          </a:solidFill>
+          <a:prstDash val="solid"/>
+        </a:ln>
+        <a:effectLst/>
+      </dgm:spPr>
+      <dgm:t>
+        <a:bodyPr spcFirstLastPara="0" vert="horz" wrap="square" lIns="22860" tIns="15240" rIns="22860" bIns="15240" numCol="1" spcCol="1270" anchor="ctr" anchorCtr="0"/>
+        <a:lstStyle/>
+        <a:p>
+          <a:r>
+            <a:rPr lang="en-US" sz="1200" kern="1200" dirty="0"/>
+            <a:t>Thinking </a:t>
+          </a:r>
+          <a:r>
+            <a:rPr lang="en-US" sz="1200" kern="1200" dirty="0">
+              <a:solidFill>
+                <a:prstClr val="black">
+                  <a:hueOff val="0"/>
+                  <a:satOff val="0"/>
+                  <a:lumOff val="0"/>
+                  <a:alphaOff val="0"/>
+                </a:prstClr>
+              </a:solidFill>
+              <a:latin typeface="Calibri"/>
+              <a:ea typeface="+mn-ea"/>
+              <a:cs typeface="+mn-cs"/>
+            </a:rPr>
+            <a:t>about</a:t>
+          </a:r>
+          <a:r>
+            <a:rPr lang="en-US" sz="1200" kern="1200" dirty="0"/>
+            <a:t> Efficiency</a:t>
+          </a:r>
+        </a:p>
+      </dgm:t>
+    </dgm:pt>
+    <dgm:pt modelId="{FA010E1E-46BF-40DE-B386-14C19C329E38}" type="parTrans" cxnId="{B2581BA3-7711-4B4F-895A-5C4A1A23D07A}">
+      <dgm:prSet/>
+      <dgm:spPr/>
+      <dgm:t>
+        <a:bodyPr/>
+        <a:lstStyle/>
+        <a:p>
+          <a:endParaRPr lang="en-US"/>
+        </a:p>
+      </dgm:t>
+    </dgm:pt>
+    <dgm:pt modelId="{ABE6B4B2-8044-42FC-8EBA-A2B2927B372D}" type="sibTrans" cxnId="{B2581BA3-7711-4B4F-895A-5C4A1A23D07A}">
+      <dgm:prSet/>
+      <dgm:spPr/>
+      <dgm:t>
+        <a:bodyPr/>
+        <a:lstStyle/>
+        <a:p>
+          <a:endParaRPr lang="en-US"/>
+        </a:p>
+      </dgm:t>
+    </dgm:pt>
+    <dgm:pt modelId="{C217CF6C-69F6-4F1F-BFEF-F03F51825445}">
+      <dgm:prSet phldrT="[Text]" custT="1"/>
+      <dgm:spPr>
+        <a:solidFill>
+          <a:srgbClr val="C0504D">
+            <a:lumMod val="60000"/>
+            <a:lumOff val="40000"/>
+            <a:alpha val="90000"/>
+          </a:srgbClr>
+        </a:solidFill>
+        <a:ln w="25400" cap="flat" cmpd="sng" algn="ctr">
+          <a:noFill/>
+          <a:prstDash val="solid"/>
+        </a:ln>
+        <a:effectLst/>
+      </dgm:spPr>
+      <dgm:t>
+        <a:bodyPr spcFirstLastPara="0" vert="horz" wrap="square" lIns="19050" tIns="12700" rIns="19050" bIns="12700" numCol="1" spcCol="1270" anchor="ctr" anchorCtr="0"/>
+        <a:lstStyle/>
+        <a:p>
+          <a:r>
+            <a:rPr lang="en-US" sz="1200" kern="1200" dirty="0">
+              <a:solidFill>
+                <a:prstClr val="black">
+                  <a:hueOff val="0"/>
+                  <a:satOff val="0"/>
+                  <a:lumOff val="0"/>
+                  <a:alphaOff val="0"/>
+                </a:prstClr>
+              </a:solidFill>
+              <a:latin typeface="Calibri"/>
+              <a:ea typeface="+mn-ea"/>
+              <a:cs typeface="+mn-cs"/>
+            </a:rPr>
+            <a:t>Interfaces</a:t>
+          </a:r>
+          <a:r>
+            <a:rPr lang="en-US" sz="1200" kern="1200" dirty="0"/>
+            <a:t> and Classes</a:t>
+          </a:r>
+        </a:p>
+      </dgm:t>
+    </dgm:pt>
+    <dgm:pt modelId="{109F41A6-1D40-4F81-903A-8B0CB1E442DB}" type="parTrans" cxnId="{B7B8BE25-1D3D-41C1-B2BB-252CA3FFFABF}">
+      <dgm:prSet/>
+      <dgm:spPr/>
+      <dgm:t>
+        <a:bodyPr/>
+        <a:lstStyle/>
+        <a:p>
+          <a:endParaRPr lang="en-US"/>
+        </a:p>
+      </dgm:t>
+    </dgm:pt>
+    <dgm:pt modelId="{727D2815-3763-49AC-8FA5-B78975C6E255}" type="sibTrans" cxnId="{B7B8BE25-1D3D-41C1-B2BB-252CA3FFFABF}">
+      <dgm:prSet/>
+      <dgm:spPr/>
+      <dgm:t>
+        <a:bodyPr/>
+        <a:lstStyle/>
+        <a:p>
+          <a:endParaRPr lang="en-US"/>
+        </a:p>
+      </dgm:t>
+    </dgm:pt>
+    <dgm:pt modelId="{D6553791-8532-4952-AC46-957A80E6F455}">
+      <dgm:prSet phldrT="[Text]"/>
+      <dgm:spPr/>
+      <dgm:t>
+        <a:bodyPr/>
+        <a:lstStyle/>
+        <a:p>
+          <a:r>
+            <a:rPr lang="en-US" dirty="0"/>
+            <a:t>Inheritance</a:t>
+          </a:r>
+        </a:p>
+      </dgm:t>
+    </dgm:pt>
+    <dgm:pt modelId="{4B64BF35-F3DD-46FA-A74B-C8F1391BB234}" type="parTrans" cxnId="{E630B7D1-EF42-4E29-A586-EDEEAFD22353}">
+      <dgm:prSet/>
+      <dgm:spPr/>
+      <dgm:t>
+        <a:bodyPr/>
+        <a:lstStyle/>
+        <a:p>
+          <a:endParaRPr lang="en-US"/>
+        </a:p>
+      </dgm:t>
+    </dgm:pt>
+    <dgm:pt modelId="{C19A1F15-CCAA-4226-B7DD-F2CD4049A9B3}" type="sibTrans" cxnId="{E630B7D1-EF42-4E29-A586-EDEEAFD22353}">
+      <dgm:prSet/>
+      <dgm:spPr/>
+      <dgm:t>
+        <a:bodyPr/>
+        <a:lstStyle/>
+        <a:p>
+          <a:endParaRPr lang="en-US"/>
+        </a:p>
+      </dgm:t>
+    </dgm:pt>
+    <dgm:pt modelId="{23FBFCAF-D268-4C4D-8359-092F33A19BD5}">
+      <dgm:prSet phldrT="[Text]"/>
+      <dgm:spPr/>
+      <dgm:t>
+        <a:bodyPr/>
+        <a:lstStyle/>
+        <a:p>
+          <a:r>
+            <a:rPr lang="en-US" dirty="0"/>
+            <a:t>Objects with Mutable State</a:t>
+          </a:r>
+        </a:p>
+      </dgm:t>
+    </dgm:pt>
+    <dgm:pt modelId="{E8807DF0-38BE-4236-AFC9-03DFA18007AA}" type="parTrans" cxnId="{C679C12F-0D37-4771-853C-9B6A72F3F8AB}">
+      <dgm:prSet/>
+      <dgm:spPr/>
+      <dgm:t>
+        <a:bodyPr/>
+        <a:lstStyle/>
+        <a:p>
+          <a:endParaRPr lang="en-US"/>
+        </a:p>
+      </dgm:t>
+    </dgm:pt>
+    <dgm:pt modelId="{49424D88-7251-4F7F-9D61-B03F29AB2536}" type="sibTrans" cxnId="{C679C12F-0D37-4771-853C-9B6A72F3F8AB}">
+      <dgm:prSet/>
+      <dgm:spPr/>
+      <dgm:t>
+        <a:bodyPr/>
+        <a:lstStyle/>
+        <a:p>
+          <a:endParaRPr lang="en-US"/>
+        </a:p>
+      </dgm:t>
+    </dgm:pt>
+    <dgm:pt modelId="{BE7D634C-5542-4AE8-B044-37802A6A19BF}">
+      <dgm:prSet phldrT="[Text]"/>
+      <dgm:spPr/>
+      <dgm:t>
+        <a:bodyPr/>
+        <a:lstStyle/>
+        <a:p>
+          <a:r>
+            <a:rPr lang="en-US" dirty="0"/>
+            <a:t>Efficiency, Part 2</a:t>
+          </a:r>
+        </a:p>
+      </dgm:t>
+    </dgm:pt>
+    <dgm:pt modelId="{E61F56D0-9360-46BF-8251-561CA9F726E8}" type="parTrans" cxnId="{B7404AC6-1631-4D80-950E-A28F1FE44D7F}">
+      <dgm:prSet/>
+      <dgm:spPr/>
+      <dgm:t>
+        <a:bodyPr/>
+        <a:lstStyle/>
+        <a:p>
+          <a:endParaRPr lang="en-US"/>
+        </a:p>
+      </dgm:t>
+    </dgm:pt>
+    <dgm:pt modelId="{F057A6F2-F3CD-40BE-A001-82BB25F47711}" type="sibTrans" cxnId="{B7404AC6-1631-4D80-950E-A28F1FE44D7F}">
+      <dgm:prSet/>
+      <dgm:spPr/>
+      <dgm:t>
+        <a:bodyPr/>
+        <a:lstStyle/>
+        <a:p>
+          <a:endParaRPr lang="en-US"/>
+        </a:p>
+      </dgm:t>
+    </dgm:pt>
+    <dgm:pt modelId="{9AAB3432-E203-4861-9A1F-5A18DE81A0E0}">
+      <dgm:prSet phldrT="[Text]"/>
+      <dgm:spPr/>
+      <dgm:t>
+        <a:bodyPr/>
+        <a:lstStyle/>
+        <a:p>
+          <a:r>
+            <a:rPr lang="en-US" dirty="0"/>
+            <a:t>Basic Principles</a:t>
+          </a:r>
+        </a:p>
+      </dgm:t>
+    </dgm:pt>
+    <dgm:pt modelId="{6A4E30F2-4DB5-4E70-B35C-3B1843570C40}" type="sibTrans" cxnId="{F5F6D4BB-2DFC-4FC1-ABCD-FF03786BFFE0}">
+      <dgm:prSet/>
+      <dgm:spPr/>
+      <dgm:t>
+        <a:bodyPr/>
+        <a:lstStyle/>
+        <a:p>
+          <a:endParaRPr lang="en-US"/>
+        </a:p>
+      </dgm:t>
+    </dgm:pt>
+    <dgm:pt modelId="{A67FC2F0-CFC7-4D0E-AB12-FC8B412EC38C}" type="parTrans" cxnId="{F5F6D4BB-2DFC-4FC1-ABCD-FF03786BFFE0}">
+      <dgm:prSet/>
+      <dgm:spPr/>
+      <dgm:t>
+        <a:bodyPr/>
+        <a:lstStyle/>
+        <a:p>
+          <a:endParaRPr lang="en-US"/>
+        </a:p>
+      </dgm:t>
+    </dgm:pt>
+    <dgm:pt modelId="{21C8EE31-AEBF-47B2-ADDE-34FDFA6BF6DC}">
+      <dgm:prSet phldrT="[Text]" custT="1"/>
+      <dgm:spPr>
+        <a:solidFill>
+          <a:prstClr val="white">
+            <a:alpha val="90000"/>
+            <a:hueOff val="0"/>
+            <a:satOff val="0"/>
+            <a:lumOff val="0"/>
+            <a:alphaOff val="0"/>
+          </a:prstClr>
+        </a:solidFill>
+        <a:ln w="25400" cap="flat" cmpd="sng" algn="ctr">
+          <a:solidFill>
+            <a:srgbClr val="4F81BD">
+              <a:hueOff val="0"/>
+              <a:satOff val="0"/>
+              <a:lumOff val="0"/>
+              <a:alphaOff val="0"/>
+            </a:srgbClr>
+          </a:solidFill>
+          <a:prstDash val="solid"/>
+        </a:ln>
+        <a:effectLst/>
+      </dgm:spPr>
+      <dgm:t>
+        <a:bodyPr spcFirstLastPara="0" vert="horz" wrap="square" lIns="22860" tIns="15240" rIns="22860" bIns="15240" numCol="1" spcCol="1270" anchor="ctr" anchorCtr="0"/>
+        <a:lstStyle/>
+        <a:p>
+          <a:r>
+            <a:rPr lang="en-US" sz="1200" kern="1200" dirty="0">
+              <a:solidFill>
+                <a:prstClr val="black">
+                  <a:hueOff val="0"/>
+                  <a:satOff val="0"/>
+                  <a:lumOff val="0"/>
+                  <a:alphaOff val="0"/>
+                </a:prstClr>
+              </a:solidFill>
+              <a:latin typeface="Calibri"/>
+              <a:ea typeface="+mn-ea"/>
+              <a:cs typeface="+mn-cs"/>
+            </a:rPr>
+            <a:t>Computing</a:t>
+          </a:r>
+          <a:r>
+            <a:rPr lang="en-US" sz="1000" kern="1200" dirty="0"/>
+            <a:t> with Higher-Order Functions</a:t>
+          </a:r>
+        </a:p>
+      </dgm:t>
+    </dgm:pt>
+    <dgm:pt modelId="{08DF2FDD-3A60-4E03-8D9E-10C265EC9121}" type="parTrans" cxnId="{62C2F0F4-284D-4D02-8F32-BB76663AFA1F}">
+      <dgm:prSet/>
+      <dgm:spPr/>
+      <dgm:t>
+        <a:bodyPr/>
+        <a:lstStyle/>
+        <a:p>
+          <a:endParaRPr lang="en-US"/>
+        </a:p>
+      </dgm:t>
+    </dgm:pt>
+    <dgm:pt modelId="{FFC06923-B3D1-4430-8195-28C90DC2D93A}" type="sibTrans" cxnId="{62C2F0F4-284D-4D02-8F32-BB76663AFA1F}">
+      <dgm:prSet/>
+      <dgm:spPr/>
+      <dgm:t>
+        <a:bodyPr/>
+        <a:lstStyle/>
+        <a:p>
+          <a:endParaRPr lang="en-US"/>
+        </a:p>
+      </dgm:t>
+    </dgm:pt>
+    <dgm:pt modelId="{5EAC0F1C-8135-499C-A050-8951C4D4D68B}" type="pres">
+      <dgm:prSet presAssocID="{D4ADF4FB-6626-4BAA-8170-1AB86830E7EB}" presName="diagram" presStyleCnt="0">
+        <dgm:presLayoutVars>
+          <dgm:chPref val="1"/>
+          <dgm:dir/>
+          <dgm:animOne val="branch"/>
+          <dgm:animLvl val="lvl"/>
+          <dgm:resizeHandles/>
+        </dgm:presLayoutVars>
+      </dgm:prSet>
+      <dgm:spPr/>
+    </dgm:pt>
+    <dgm:pt modelId="{E9A360F5-905C-4B1F-87BD-8099DBD7826B}" type="pres">
+      <dgm:prSet presAssocID="{9AAB3432-E203-4861-9A1F-5A18DE81A0E0}" presName="root" presStyleCnt="0"/>
+      <dgm:spPr/>
+    </dgm:pt>
+    <dgm:pt modelId="{770F0FD6-A664-4D0A-A016-FBEA3DBC5EF2}" type="pres">
+      <dgm:prSet presAssocID="{9AAB3432-E203-4861-9A1F-5A18DE81A0E0}" presName="rootComposite" presStyleCnt="0"/>
+      <dgm:spPr/>
+    </dgm:pt>
+    <dgm:pt modelId="{D42C5353-2F91-4910-9E62-259C884C47C8}" type="pres">
+      <dgm:prSet presAssocID="{9AAB3432-E203-4861-9A1F-5A18DE81A0E0}" presName="rootText" presStyleLbl="node1" presStyleIdx="0" presStyleCnt="3"/>
+      <dgm:spPr/>
+    </dgm:pt>
+    <dgm:pt modelId="{D5FEF17D-A657-4E90-83A6-FFBD9375BEE2}" type="pres">
+      <dgm:prSet presAssocID="{9AAB3432-E203-4861-9A1F-5A18DE81A0E0}" presName="rootConnector" presStyleLbl="node1" presStyleIdx="0" presStyleCnt="3"/>
+      <dgm:spPr/>
+    </dgm:pt>
+    <dgm:pt modelId="{ED254901-973D-4D91-AABF-EBA39BDAC603}" type="pres">
+      <dgm:prSet presAssocID="{9AAB3432-E203-4861-9A1F-5A18DE81A0E0}" presName="childShape" presStyleCnt="0"/>
+      <dgm:spPr/>
+    </dgm:pt>
+    <dgm:pt modelId="{360B229B-0F55-45E5-A55A-DDDBDBD1C921}" type="pres">
+      <dgm:prSet presAssocID="{9E647244-45B2-496C-B687-01576FEABEC4}" presName="Name13" presStyleLbl="parChTrans1D2" presStyleIdx="0" presStyleCnt="12"/>
+      <dgm:spPr/>
+    </dgm:pt>
+    <dgm:pt modelId="{7E3D7089-292B-46E8-B4F0-ADC3733C52BD}" type="pres">
+      <dgm:prSet presAssocID="{DDB8B436-9528-434E-BD0F-6EB4D2ACB929}" presName="childText" presStyleLbl="bgAcc1" presStyleIdx="0" presStyleCnt="12" custLinFactNeighborX="1979" custLinFactNeighborY="-4221">
+        <dgm:presLayoutVars>
+          <dgm:bulletEnabled val="1"/>
+        </dgm:presLayoutVars>
+      </dgm:prSet>
+      <dgm:spPr/>
+    </dgm:pt>
+    <dgm:pt modelId="{BC1B1EA4-129C-44F6-935B-BA646A7A2AA3}" type="pres">
+      <dgm:prSet presAssocID="{03056A9D-BCBF-4181-B8D6-7E4ECCBD4D9E}" presName="Name13" presStyleLbl="parChTrans1D2" presStyleIdx="1" presStyleCnt="12"/>
+      <dgm:spPr/>
+    </dgm:pt>
+    <dgm:pt modelId="{CF0B1CD2-0FC3-49A4-A520-B01A6C3CCB95}" type="pres">
+      <dgm:prSet presAssocID="{F221EA58-7488-4550-B7A5-965344CA7EAE}" presName="childText" presStyleLbl="bgAcc1" presStyleIdx="1" presStyleCnt="12">
+        <dgm:presLayoutVars>
+          <dgm:bulletEnabled val="1"/>
+        </dgm:presLayoutVars>
+      </dgm:prSet>
+      <dgm:spPr>
+        <a:xfrm>
+          <a:off x="1156394" y="1525860"/>
+          <a:ext cx="976312" cy="610195"/>
+        </a:xfrm>
+        <a:prstGeom prst="roundRect">
+          <a:avLst>
+            <a:gd name="adj" fmla="val 10000"/>
+          </a:avLst>
+        </a:prstGeom>
+      </dgm:spPr>
+    </dgm:pt>
+    <dgm:pt modelId="{F5AE7053-0C33-481C-8BFB-D2DAFB4C4294}" type="pres">
+      <dgm:prSet presAssocID="{08AACE21-5FAD-4460-B120-67387C8F0F32}" presName="Name13" presStyleLbl="parChTrans1D2" presStyleIdx="2" presStyleCnt="12"/>
+      <dgm:spPr/>
+    </dgm:pt>
+    <dgm:pt modelId="{C5878689-67F2-4E3D-8C9B-392F50C32024}" type="pres">
+      <dgm:prSet presAssocID="{B1CEE35E-20B6-4A0B-B1E8-D4F40E3162E1}" presName="childText" presStyleLbl="bgAcc1" presStyleIdx="2" presStyleCnt="12">
+        <dgm:presLayoutVars>
+          <dgm:bulletEnabled val="1"/>
+        </dgm:presLayoutVars>
+      </dgm:prSet>
+      <dgm:spPr>
+        <a:xfrm>
+          <a:off x="1156394" y="2288604"/>
+          <a:ext cx="976312" cy="610195"/>
+        </a:xfrm>
+        <a:prstGeom prst="roundRect">
+          <a:avLst>
+            <a:gd name="adj" fmla="val 10000"/>
+          </a:avLst>
+        </a:prstGeom>
+      </dgm:spPr>
+    </dgm:pt>
+    <dgm:pt modelId="{78204B86-F48E-424E-B9F0-F61E8700D86E}" type="pres">
+      <dgm:prSet presAssocID="{ED0B78BF-E006-4732-B48C-2ADC9E2EF39A}" presName="root" presStyleCnt="0"/>
+      <dgm:spPr/>
+    </dgm:pt>
+    <dgm:pt modelId="{612CABF1-DDE5-41D1-9036-25B4BE7589BE}" type="pres">
+      <dgm:prSet presAssocID="{ED0B78BF-E006-4732-B48C-2ADC9E2EF39A}" presName="rootComposite" presStyleCnt="0"/>
+      <dgm:spPr/>
+    </dgm:pt>
+    <dgm:pt modelId="{F1C18E15-3E91-476D-8B13-25AD56BC4B13}" type="pres">
+      <dgm:prSet presAssocID="{ED0B78BF-E006-4732-B48C-2ADC9E2EF39A}" presName="rootText" presStyleLbl="node1" presStyleIdx="1" presStyleCnt="3"/>
+      <dgm:spPr/>
+    </dgm:pt>
+    <dgm:pt modelId="{8FA2ECE2-9D66-4FD1-89DE-3231691A8283}" type="pres">
+      <dgm:prSet presAssocID="{ED0B78BF-E006-4732-B48C-2ADC9E2EF39A}" presName="rootConnector" presStyleLbl="node1" presStyleIdx="1" presStyleCnt="3"/>
+      <dgm:spPr/>
+    </dgm:pt>
+    <dgm:pt modelId="{5E7F2D45-2508-495B-A708-02E0FD5F2314}" type="pres">
+      <dgm:prSet presAssocID="{ED0B78BF-E006-4732-B48C-2ADC9E2EF39A}" presName="childShape" presStyleCnt="0"/>
+      <dgm:spPr/>
+    </dgm:pt>
+    <dgm:pt modelId="{2564A6E5-875B-4BC6-B983-AA12C064A019}" type="pres">
+      <dgm:prSet presAssocID="{1EC30C20-D36E-4265-85EE-C210CE02F892}" presName="Name13" presStyleLbl="parChTrans1D2" presStyleIdx="3" presStyleCnt="12"/>
+      <dgm:spPr/>
+    </dgm:pt>
+    <dgm:pt modelId="{3B0CF9DF-CC55-47FF-BECE-903E70F9D2DE}" type="pres">
+      <dgm:prSet presAssocID="{1CBBDDB5-026A-42BF-8805-ACAC57AA5DC3}" presName="childText" presStyleLbl="bgAcc1" presStyleIdx="3" presStyleCnt="12">
+        <dgm:presLayoutVars>
+          <dgm:bulletEnabled val="1"/>
+        </dgm:presLayoutVars>
+      </dgm:prSet>
+      <dgm:spPr/>
+    </dgm:pt>
+    <dgm:pt modelId="{7DFA9A08-1F84-4CF2-9E63-7F6E7C219F76}" type="pres">
+      <dgm:prSet presAssocID="{D39C6496-6307-4FC4-9D55-DB6DA94D051F}" presName="Name13" presStyleLbl="parChTrans1D2" presStyleIdx="4" presStyleCnt="12"/>
+      <dgm:spPr/>
+    </dgm:pt>
+    <dgm:pt modelId="{9C3E65C4-9266-43CB-B08F-79811ABF047A}" type="pres">
+      <dgm:prSet presAssocID="{A7945ECA-2D01-4C03-9AED-9E3EEAAF0F2C}" presName="childText" presStyleLbl="bgAcc1" presStyleIdx="4" presStyleCnt="12">
+        <dgm:presLayoutVars>
+          <dgm:bulletEnabled val="1"/>
+        </dgm:presLayoutVars>
+      </dgm:prSet>
+      <dgm:spPr>
+        <a:xfrm>
+          <a:off x="2681882" y="1525860"/>
+          <a:ext cx="976312" cy="610195"/>
+        </a:xfrm>
+        <a:prstGeom prst="roundRect">
+          <a:avLst>
+            <a:gd name="adj" fmla="val 10000"/>
+          </a:avLst>
+        </a:prstGeom>
+      </dgm:spPr>
+    </dgm:pt>
+    <dgm:pt modelId="{35FE4D4C-3CA0-4CCA-8F9D-1668C574961B}" type="pres">
+      <dgm:prSet presAssocID="{08DF2FDD-3A60-4E03-8D9E-10C265EC9121}" presName="Name13" presStyleLbl="parChTrans1D2" presStyleIdx="5" presStyleCnt="12"/>
+      <dgm:spPr/>
+    </dgm:pt>
+    <dgm:pt modelId="{375B2884-C079-4ABC-AF46-CC7B31EF2123}" type="pres">
+      <dgm:prSet presAssocID="{21C8EE31-AEBF-47B2-ADDE-34FDFA6BF6DC}" presName="childText" presStyleLbl="bgAcc1" presStyleIdx="5" presStyleCnt="12">
+        <dgm:presLayoutVars>
+          <dgm:bulletEnabled val="1"/>
+        </dgm:presLayoutVars>
+      </dgm:prSet>
+      <dgm:spPr>
+        <a:xfrm>
+          <a:off x="2681882" y="2288604"/>
+          <a:ext cx="976312" cy="610195"/>
+        </a:xfrm>
+        <a:prstGeom prst="roundRect">
+          <a:avLst>
+            <a:gd name="adj" fmla="val 10000"/>
+          </a:avLst>
+        </a:prstGeom>
+      </dgm:spPr>
+    </dgm:pt>
+    <dgm:pt modelId="{16CFAB30-3E6A-44D7-A45D-E3066E142053}" type="pres">
+      <dgm:prSet presAssocID="{FD74BA91-6D78-44B3-BF01-4D49723F4718}" presName="Name13" presStyleLbl="parChTrans1D2" presStyleIdx="6" presStyleCnt="12"/>
+      <dgm:spPr/>
+    </dgm:pt>
+    <dgm:pt modelId="{5F9726AA-E8AD-4C5C-A0CA-2350C4F8CAFA}" type="pres">
+      <dgm:prSet presAssocID="{B0B0FACC-C24A-4552-82AB-C8FE8246DEF8}" presName="childText" presStyleLbl="bgAcc1" presStyleIdx="6" presStyleCnt="12">
+        <dgm:presLayoutVars>
+          <dgm:bulletEnabled val="1"/>
+        </dgm:presLayoutVars>
+      </dgm:prSet>
+      <dgm:spPr>
+        <a:xfrm>
+          <a:off x="2681882" y="3051348"/>
+          <a:ext cx="976312" cy="610195"/>
+        </a:xfrm>
+        <a:prstGeom prst="roundRect">
+          <a:avLst>
+            <a:gd name="adj" fmla="val 10000"/>
+          </a:avLst>
+        </a:prstGeom>
+      </dgm:spPr>
+    </dgm:pt>
+    <dgm:pt modelId="{0ECF28DA-9925-4B5B-97B1-BDA459502114}" type="pres">
+      <dgm:prSet presAssocID="{FA010E1E-46BF-40DE-B386-14C19C329E38}" presName="Name13" presStyleLbl="parChTrans1D2" presStyleIdx="7" presStyleCnt="12"/>
+      <dgm:spPr/>
+    </dgm:pt>
+    <dgm:pt modelId="{5A2BB121-DDEE-46A8-AC09-18496F773E62}" type="pres">
+      <dgm:prSet presAssocID="{3C02419B-DA6A-4FDB-972F-4F8DC3AD08E3}" presName="childText" presStyleLbl="bgAcc1" presStyleIdx="7" presStyleCnt="12" custScaleY="115691">
+        <dgm:presLayoutVars>
+          <dgm:bulletEnabled val="1"/>
+        </dgm:presLayoutVars>
+      </dgm:prSet>
+      <dgm:spPr>
+        <a:xfrm>
+          <a:off x="2681882" y="3814092"/>
+          <a:ext cx="976312" cy="705941"/>
+        </a:xfrm>
+        <a:prstGeom prst="roundRect">
+          <a:avLst>
+            <a:gd name="adj" fmla="val 10000"/>
+          </a:avLst>
+        </a:prstGeom>
+      </dgm:spPr>
+    </dgm:pt>
+    <dgm:pt modelId="{59FB6EFF-035B-4901-8C84-3BDEA8130465}" type="pres">
+      <dgm:prSet presAssocID="{5D17C516-2319-40FE-8748-E184C6D71444}" presName="root" presStyleCnt="0"/>
+      <dgm:spPr/>
+    </dgm:pt>
+    <dgm:pt modelId="{DFAAFD62-220C-47EA-B1FF-1D698C1D9D0C}" type="pres">
+      <dgm:prSet presAssocID="{5D17C516-2319-40FE-8748-E184C6D71444}" presName="rootComposite" presStyleCnt="0"/>
+      <dgm:spPr/>
+    </dgm:pt>
+    <dgm:pt modelId="{3DB7ADFA-DCAB-4034-9F43-B860EBE864E8}" type="pres">
+      <dgm:prSet presAssocID="{5D17C516-2319-40FE-8748-E184C6D71444}" presName="rootText" presStyleLbl="node1" presStyleIdx="2" presStyleCnt="3"/>
+      <dgm:spPr/>
+    </dgm:pt>
+    <dgm:pt modelId="{A1EB1FFF-29EC-48BF-990F-29DA82114C59}" type="pres">
+      <dgm:prSet presAssocID="{5D17C516-2319-40FE-8748-E184C6D71444}" presName="rootConnector" presStyleLbl="node1" presStyleIdx="2" presStyleCnt="3"/>
+      <dgm:spPr/>
+    </dgm:pt>
+    <dgm:pt modelId="{C961EBF4-10A8-458E-973D-7ED2EFFC972F}" type="pres">
+      <dgm:prSet presAssocID="{5D17C516-2319-40FE-8748-E184C6D71444}" presName="childShape" presStyleCnt="0"/>
+      <dgm:spPr/>
+    </dgm:pt>
+    <dgm:pt modelId="{278D3975-9588-4A95-85BD-D062BB0AE1A4}" type="pres">
+      <dgm:prSet presAssocID="{109F41A6-1D40-4F81-903A-8B0CB1E442DB}" presName="Name13" presStyleLbl="parChTrans1D2" presStyleIdx="8" presStyleCnt="12"/>
+      <dgm:spPr/>
+    </dgm:pt>
+    <dgm:pt modelId="{EDB6085A-8F2B-4B84-887D-9DD4BEC6E4E1}" type="pres">
+      <dgm:prSet presAssocID="{C217CF6C-69F6-4F1F-BFEF-F03F51825445}" presName="childText" presStyleLbl="bgAcc1" presStyleIdx="8" presStyleCnt="12">
+        <dgm:presLayoutVars>
+          <dgm:bulletEnabled val="1"/>
+        </dgm:presLayoutVars>
+      </dgm:prSet>
+      <dgm:spPr>
+        <a:xfrm>
+          <a:off x="4207371" y="763116"/>
+          <a:ext cx="976312" cy="610195"/>
+        </a:xfrm>
+        <a:prstGeom prst="roundRect">
+          <a:avLst>
+            <a:gd name="adj" fmla="val 10000"/>
+          </a:avLst>
+        </a:prstGeom>
+      </dgm:spPr>
     </dgm:pt>
     <dgm:pt modelId="{FF100697-267A-4BC5-8DA9-B1F7321DFE84}" type="pres">
       <dgm:prSet presAssocID="{4B64BF35-F3DD-46FA-A74B-C8F1391BB234}" presName="Name13" presStyleLbl="parChTrans1D2" presStyleIdx="9" presStyleCnt="12"/>
@@ -6963,6 +8930,1986 @@
 </dsp:drawing>
 </file>
 
+<file path=ppt/diagrams/drawing3.xml><?xml version="1.0" encoding="utf-8"?>
+<dsp:drawing xmlns:dgm="http://schemas.openxmlformats.org/drawingml/2006/diagram" xmlns:dsp="http://schemas.microsoft.com/office/drawing/2008/diagram" xmlns:a="http://schemas.openxmlformats.org/drawingml/2006/main">
+  <dsp:spTree>
+    <dsp:nvGrpSpPr>
+      <dsp:cNvPr id="0" name=""/>
+      <dsp:cNvGrpSpPr/>
+    </dsp:nvGrpSpPr>
+    <dsp:grpSpPr/>
+    <dsp:sp modelId="{D42C5353-2F91-4910-9E62-259C884C47C8}">
+      <dsp:nvSpPr>
+        <dsp:cNvPr id="0" name=""/>
+        <dsp:cNvSpPr/>
+      </dsp:nvSpPr>
+      <dsp:spPr>
+        <a:xfrm>
+          <a:off x="912316" y="372"/>
+          <a:ext cx="1220390" cy="610195"/>
+        </a:xfrm>
+        <a:prstGeom prst="roundRect">
+          <a:avLst>
+            <a:gd name="adj" fmla="val 10000"/>
+          </a:avLst>
+        </a:prstGeom>
+        <a:solidFill>
+          <a:schemeClr val="accent1">
+            <a:hueOff val="0"/>
+            <a:satOff val="0"/>
+            <a:lumOff val="0"/>
+            <a:alphaOff val="0"/>
+          </a:schemeClr>
+        </a:solidFill>
+        <a:ln w="25400" cap="flat" cmpd="sng" algn="ctr">
+          <a:solidFill>
+            <a:schemeClr val="lt1">
+              <a:hueOff val="0"/>
+              <a:satOff val="0"/>
+              <a:lumOff val="0"/>
+              <a:alphaOff val="0"/>
+            </a:schemeClr>
+          </a:solidFill>
+          <a:prstDash val="solid"/>
+        </a:ln>
+        <a:effectLst/>
+      </dsp:spPr>
+      <dsp:style>
+        <a:lnRef idx="2">
+          <a:scrgbClr r="0" g="0" b="0"/>
+        </a:lnRef>
+        <a:fillRef idx="1">
+          <a:scrgbClr r="0" g="0" b="0"/>
+        </a:fillRef>
+        <a:effectRef idx="0">
+          <a:scrgbClr r="0" g="0" b="0"/>
+        </a:effectRef>
+        <a:fontRef idx="minor">
+          <a:schemeClr val="lt1"/>
+        </a:fontRef>
+      </dsp:style>
+      <dsp:txBody>
+        <a:bodyPr spcFirstLastPara="0" vert="horz" wrap="square" lIns="24765" tIns="16510" rIns="24765" bIns="16510" numCol="1" spcCol="1270" anchor="ctr" anchorCtr="0">
+          <a:noAutofit/>
+        </a:bodyPr>
+        <a:lstStyle/>
+        <a:p>
+          <a:pPr marL="0" lvl="0" indent="0" algn="ctr" defTabSz="577850">
+            <a:lnSpc>
+              <a:spcPct val="90000"/>
+            </a:lnSpc>
+            <a:spcBef>
+              <a:spcPct val="0"/>
+            </a:spcBef>
+            <a:spcAft>
+              <a:spcPct val="35000"/>
+            </a:spcAft>
+            <a:buNone/>
+          </a:pPr>
+          <a:r>
+            <a:rPr lang="en-US" sz="1300" kern="1200" dirty="0"/>
+            <a:t>Basic Principles</a:t>
+          </a:r>
+        </a:p>
+      </dsp:txBody>
+      <dsp:txXfrm>
+        <a:off x="930188" y="18244"/>
+        <a:ext cx="1184646" cy="574451"/>
+      </dsp:txXfrm>
+    </dsp:sp>
+    <dsp:sp modelId="{360B229B-0F55-45E5-A55A-DDDBDBD1C921}">
+      <dsp:nvSpPr>
+        <dsp:cNvPr id="0" name=""/>
+        <dsp:cNvSpPr/>
+      </dsp:nvSpPr>
+      <dsp:spPr>
+        <a:xfrm>
+          <a:off x="1034355" y="610567"/>
+          <a:ext cx="141360" cy="431890"/>
+        </a:xfrm>
+        <a:custGeom>
+          <a:avLst/>
+          <a:gdLst/>
+          <a:ahLst/>
+          <a:cxnLst/>
+          <a:rect l="0" t="0" r="0" b="0"/>
+          <a:pathLst>
+            <a:path>
+              <a:moveTo>
+                <a:pt x="0" y="0"/>
+              </a:moveTo>
+              <a:lnTo>
+                <a:pt x="0" y="431890"/>
+              </a:lnTo>
+              <a:lnTo>
+                <a:pt x="141360" y="431890"/>
+              </a:lnTo>
+            </a:path>
+          </a:pathLst>
+        </a:custGeom>
+        <a:noFill/>
+        <a:ln w="25400" cap="flat" cmpd="sng" algn="ctr">
+          <a:solidFill>
+            <a:schemeClr val="accent1">
+              <a:shade val="60000"/>
+              <a:hueOff val="0"/>
+              <a:satOff val="0"/>
+              <a:lumOff val="0"/>
+              <a:alphaOff val="0"/>
+            </a:schemeClr>
+          </a:solidFill>
+          <a:prstDash val="solid"/>
+        </a:ln>
+        <a:effectLst/>
+      </dsp:spPr>
+      <dsp:style>
+        <a:lnRef idx="2">
+          <a:scrgbClr r="0" g="0" b="0"/>
+        </a:lnRef>
+        <a:fillRef idx="0">
+          <a:scrgbClr r="0" g="0" b="0"/>
+        </a:fillRef>
+        <a:effectRef idx="0">
+          <a:scrgbClr r="0" g="0" b="0"/>
+        </a:effectRef>
+        <a:fontRef idx="minor"/>
+      </dsp:style>
+    </dsp:sp>
+    <dsp:sp modelId="{7E3D7089-292B-46E8-B4F0-ADC3733C52BD}">
+      <dsp:nvSpPr>
+        <dsp:cNvPr id="0" name=""/>
+        <dsp:cNvSpPr/>
+      </dsp:nvSpPr>
+      <dsp:spPr>
+        <a:xfrm>
+          <a:off x="1175715" y="737359"/>
+          <a:ext cx="976312" cy="610195"/>
+        </a:xfrm>
+        <a:prstGeom prst="roundRect">
+          <a:avLst>
+            <a:gd name="adj" fmla="val 10000"/>
+          </a:avLst>
+        </a:prstGeom>
+        <a:solidFill>
+          <a:schemeClr val="lt1">
+            <a:alpha val="90000"/>
+            <a:hueOff val="0"/>
+            <a:satOff val="0"/>
+            <a:lumOff val="0"/>
+            <a:alphaOff val="0"/>
+          </a:schemeClr>
+        </a:solidFill>
+        <a:ln w="25400" cap="flat" cmpd="sng" algn="ctr">
+          <a:solidFill>
+            <a:schemeClr val="accent1">
+              <a:hueOff val="0"/>
+              <a:satOff val="0"/>
+              <a:lumOff val="0"/>
+              <a:alphaOff val="0"/>
+            </a:schemeClr>
+          </a:solidFill>
+          <a:prstDash val="solid"/>
+        </a:ln>
+        <a:effectLst/>
+      </dsp:spPr>
+      <dsp:style>
+        <a:lnRef idx="2">
+          <a:scrgbClr r="0" g="0" b="0"/>
+        </a:lnRef>
+        <a:fillRef idx="1">
+          <a:scrgbClr r="0" g="0" b="0"/>
+        </a:fillRef>
+        <a:effectRef idx="0">
+          <a:scrgbClr r="0" g="0" b="0"/>
+        </a:effectRef>
+        <a:fontRef idx="minor"/>
+      </dsp:style>
+      <dsp:txBody>
+        <a:bodyPr spcFirstLastPara="0" vert="horz" wrap="square" lIns="22860" tIns="15240" rIns="22860" bIns="15240" numCol="1" spcCol="1270" anchor="ctr" anchorCtr="0">
+          <a:noAutofit/>
+        </a:bodyPr>
+        <a:lstStyle/>
+        <a:p>
+          <a:pPr marL="0" lvl="0" indent="0" algn="ctr" defTabSz="533400">
+            <a:lnSpc>
+              <a:spcPct val="90000"/>
+            </a:lnSpc>
+            <a:spcBef>
+              <a:spcPct val="0"/>
+            </a:spcBef>
+            <a:spcAft>
+              <a:spcPct val="35000"/>
+            </a:spcAft>
+            <a:buNone/>
+          </a:pPr>
+          <a:r>
+            <a:rPr lang="en-US" sz="1200" kern="1200" dirty="0"/>
+            <a:t>Designing Data</a:t>
+          </a:r>
+        </a:p>
+      </dsp:txBody>
+      <dsp:txXfrm>
+        <a:off x="1193587" y="755231"/>
+        <a:ext cx="940568" cy="574451"/>
+      </dsp:txXfrm>
+    </dsp:sp>
+    <dsp:sp modelId="{BC1B1EA4-129C-44F6-935B-BA646A7A2AA3}">
+      <dsp:nvSpPr>
+        <dsp:cNvPr id="0" name=""/>
+        <dsp:cNvSpPr/>
+      </dsp:nvSpPr>
+      <dsp:spPr>
+        <a:xfrm>
+          <a:off x="1034355" y="610567"/>
+          <a:ext cx="122039" cy="1220390"/>
+        </a:xfrm>
+        <a:custGeom>
+          <a:avLst/>
+          <a:gdLst/>
+          <a:ahLst/>
+          <a:cxnLst/>
+          <a:rect l="0" t="0" r="0" b="0"/>
+          <a:pathLst>
+            <a:path>
+              <a:moveTo>
+                <a:pt x="0" y="0"/>
+              </a:moveTo>
+              <a:lnTo>
+                <a:pt x="0" y="1220390"/>
+              </a:lnTo>
+              <a:lnTo>
+                <a:pt x="122039" y="1220390"/>
+              </a:lnTo>
+            </a:path>
+          </a:pathLst>
+        </a:custGeom>
+        <a:noFill/>
+        <a:ln w="25400" cap="flat" cmpd="sng" algn="ctr">
+          <a:solidFill>
+            <a:schemeClr val="accent1">
+              <a:shade val="60000"/>
+              <a:hueOff val="0"/>
+              <a:satOff val="0"/>
+              <a:lumOff val="0"/>
+              <a:alphaOff val="0"/>
+            </a:schemeClr>
+          </a:solidFill>
+          <a:prstDash val="solid"/>
+        </a:ln>
+        <a:effectLst/>
+      </dsp:spPr>
+      <dsp:style>
+        <a:lnRef idx="2">
+          <a:scrgbClr r="0" g="0" b="0"/>
+        </a:lnRef>
+        <a:fillRef idx="0">
+          <a:scrgbClr r="0" g="0" b="0"/>
+        </a:fillRef>
+        <a:effectRef idx="0">
+          <a:scrgbClr r="0" g="0" b="0"/>
+        </a:effectRef>
+        <a:fontRef idx="minor"/>
+      </dsp:style>
+    </dsp:sp>
+    <dsp:sp modelId="{CF0B1CD2-0FC3-49A4-A520-B01A6C3CCB95}">
+      <dsp:nvSpPr>
+        <dsp:cNvPr id="0" name=""/>
+        <dsp:cNvSpPr/>
+      </dsp:nvSpPr>
+      <dsp:spPr>
+        <a:xfrm>
+          <a:off x="1156394" y="1525860"/>
+          <a:ext cx="976312" cy="610195"/>
+        </a:xfrm>
+        <a:prstGeom prst="roundRect">
+          <a:avLst>
+            <a:gd name="adj" fmla="val 10000"/>
+          </a:avLst>
+        </a:prstGeom>
+        <a:solidFill>
+          <a:prstClr val="white">
+            <a:alpha val="90000"/>
+            <a:hueOff val="0"/>
+            <a:satOff val="0"/>
+            <a:lumOff val="0"/>
+            <a:alphaOff val="0"/>
+          </a:prstClr>
+        </a:solidFill>
+        <a:ln w="25400" cap="flat" cmpd="sng" algn="ctr">
+          <a:solidFill>
+            <a:srgbClr val="4F81BD">
+              <a:hueOff val="0"/>
+              <a:satOff val="0"/>
+              <a:lumOff val="0"/>
+              <a:alphaOff val="0"/>
+            </a:srgbClr>
+          </a:solidFill>
+          <a:prstDash val="solid"/>
+        </a:ln>
+        <a:effectLst/>
+      </dsp:spPr>
+      <dsp:style>
+        <a:lnRef idx="2">
+          <a:scrgbClr r="0" g="0" b="0"/>
+        </a:lnRef>
+        <a:fillRef idx="1">
+          <a:scrgbClr r="0" g="0" b="0"/>
+        </a:fillRef>
+        <a:effectRef idx="0">
+          <a:scrgbClr r="0" g="0" b="0"/>
+        </a:effectRef>
+        <a:fontRef idx="minor"/>
+      </dsp:style>
+      <dsp:txBody>
+        <a:bodyPr spcFirstLastPara="0" vert="horz" wrap="square" lIns="19050" tIns="12700" rIns="19050" bIns="12700" numCol="1" spcCol="1270" anchor="ctr" anchorCtr="0">
+          <a:noAutofit/>
+        </a:bodyPr>
+        <a:lstStyle/>
+        <a:p>
+          <a:pPr marL="0" lvl="0" indent="0" algn="ctr" defTabSz="444500">
+            <a:lnSpc>
+              <a:spcPct val="90000"/>
+            </a:lnSpc>
+            <a:spcBef>
+              <a:spcPct val="0"/>
+            </a:spcBef>
+            <a:spcAft>
+              <a:spcPct val="35000"/>
+            </a:spcAft>
+            <a:buNone/>
+          </a:pPr>
+          <a:r>
+            <a:rPr lang="en-US" sz="1000" kern="1200" dirty="0">
+              <a:solidFill>
+                <a:prstClr val="black">
+                  <a:hueOff val="0"/>
+                  <a:satOff val="0"/>
+                  <a:lumOff val="0"/>
+                  <a:alphaOff val="0"/>
+                </a:prstClr>
+              </a:solidFill>
+              <a:latin typeface="Calibri"/>
+              <a:ea typeface="+mn-ea"/>
+              <a:cs typeface="+mn-cs"/>
+            </a:rPr>
+            <a:t>Designing Functions</a:t>
+          </a:r>
+        </a:p>
+      </dsp:txBody>
+      <dsp:txXfrm>
+        <a:off x="1174266" y="1543732"/>
+        <a:ext cx="940568" cy="574451"/>
+      </dsp:txXfrm>
+    </dsp:sp>
+    <dsp:sp modelId="{F5AE7053-0C33-481C-8BFB-D2DAFB4C4294}">
+      <dsp:nvSpPr>
+        <dsp:cNvPr id="0" name=""/>
+        <dsp:cNvSpPr/>
+      </dsp:nvSpPr>
+      <dsp:spPr>
+        <a:xfrm>
+          <a:off x="1034355" y="610567"/>
+          <a:ext cx="122039" cy="1983134"/>
+        </a:xfrm>
+        <a:custGeom>
+          <a:avLst/>
+          <a:gdLst/>
+          <a:ahLst/>
+          <a:cxnLst/>
+          <a:rect l="0" t="0" r="0" b="0"/>
+          <a:pathLst>
+            <a:path>
+              <a:moveTo>
+                <a:pt x="0" y="0"/>
+              </a:moveTo>
+              <a:lnTo>
+                <a:pt x="0" y="1983134"/>
+              </a:lnTo>
+              <a:lnTo>
+                <a:pt x="122039" y="1983134"/>
+              </a:lnTo>
+            </a:path>
+          </a:pathLst>
+        </a:custGeom>
+        <a:noFill/>
+        <a:ln w="25400" cap="flat" cmpd="sng" algn="ctr">
+          <a:solidFill>
+            <a:schemeClr val="accent1">
+              <a:shade val="60000"/>
+              <a:hueOff val="0"/>
+              <a:satOff val="0"/>
+              <a:lumOff val="0"/>
+              <a:alphaOff val="0"/>
+            </a:schemeClr>
+          </a:solidFill>
+          <a:prstDash val="solid"/>
+        </a:ln>
+        <a:effectLst/>
+      </dsp:spPr>
+      <dsp:style>
+        <a:lnRef idx="2">
+          <a:scrgbClr r="0" g="0" b="0"/>
+        </a:lnRef>
+        <a:fillRef idx="0">
+          <a:scrgbClr r="0" g="0" b="0"/>
+        </a:fillRef>
+        <a:effectRef idx="0">
+          <a:scrgbClr r="0" g="0" b="0"/>
+        </a:effectRef>
+        <a:fontRef idx="minor"/>
+      </dsp:style>
+    </dsp:sp>
+    <dsp:sp modelId="{C5878689-67F2-4E3D-8C9B-392F50C32024}">
+      <dsp:nvSpPr>
+        <dsp:cNvPr id="0" name=""/>
+        <dsp:cNvSpPr/>
+      </dsp:nvSpPr>
+      <dsp:spPr>
+        <a:xfrm>
+          <a:off x="1156394" y="2288604"/>
+          <a:ext cx="976312" cy="610195"/>
+        </a:xfrm>
+        <a:prstGeom prst="roundRect">
+          <a:avLst>
+            <a:gd name="adj" fmla="val 10000"/>
+          </a:avLst>
+        </a:prstGeom>
+        <a:solidFill>
+          <a:prstClr val="white">
+            <a:alpha val="90000"/>
+            <a:hueOff val="0"/>
+            <a:satOff val="0"/>
+            <a:lumOff val="0"/>
+            <a:alphaOff val="0"/>
+          </a:prstClr>
+        </a:solidFill>
+        <a:ln w="25400" cap="flat" cmpd="sng" algn="ctr">
+          <a:solidFill>
+            <a:srgbClr val="4F81BD">
+              <a:hueOff val="0"/>
+              <a:satOff val="0"/>
+              <a:lumOff val="0"/>
+              <a:alphaOff val="0"/>
+            </a:srgbClr>
+          </a:solidFill>
+          <a:prstDash val="solid"/>
+        </a:ln>
+        <a:effectLst/>
+      </dsp:spPr>
+      <dsp:style>
+        <a:lnRef idx="2">
+          <a:scrgbClr r="0" g="0" b="0"/>
+        </a:lnRef>
+        <a:fillRef idx="1">
+          <a:scrgbClr r="0" g="0" b="0"/>
+        </a:fillRef>
+        <a:effectRef idx="0">
+          <a:scrgbClr r="0" g="0" b="0"/>
+        </a:effectRef>
+        <a:fontRef idx="minor"/>
+      </dsp:style>
+      <dsp:txBody>
+        <a:bodyPr spcFirstLastPara="0" vert="horz" wrap="square" lIns="19050" tIns="12700" rIns="19050" bIns="12700" numCol="1" spcCol="1270" anchor="ctr" anchorCtr="0">
+          <a:noAutofit/>
+        </a:bodyPr>
+        <a:lstStyle/>
+        <a:p>
+          <a:pPr marL="0" lvl="0" indent="0" algn="ctr" defTabSz="444500">
+            <a:lnSpc>
+              <a:spcPct val="90000"/>
+            </a:lnSpc>
+            <a:spcBef>
+              <a:spcPct val="0"/>
+            </a:spcBef>
+            <a:spcAft>
+              <a:spcPct val="35000"/>
+            </a:spcAft>
+            <a:buNone/>
+          </a:pPr>
+          <a:r>
+            <a:rPr lang="en-US" sz="1000" kern="1200" dirty="0">
+              <a:solidFill>
+                <a:prstClr val="black">
+                  <a:hueOff val="0"/>
+                  <a:satOff val="0"/>
+                  <a:lumOff val="0"/>
+                  <a:alphaOff val="0"/>
+                </a:prstClr>
+              </a:solidFill>
+              <a:latin typeface="Calibri"/>
+              <a:ea typeface="+mn-ea"/>
+              <a:cs typeface="+mn-cs"/>
+            </a:rPr>
+            <a:t>Designing</a:t>
+          </a:r>
+          <a:r>
+            <a:rPr lang="en-US" sz="1000" kern="1200" dirty="0"/>
+            <a:t> Systems</a:t>
+          </a:r>
+        </a:p>
+      </dsp:txBody>
+      <dsp:txXfrm>
+        <a:off x="1174266" y="2306476"/>
+        <a:ext cx="940568" cy="574451"/>
+      </dsp:txXfrm>
+    </dsp:sp>
+    <dsp:sp modelId="{F1C18E15-3E91-476D-8B13-25AD56BC4B13}">
+      <dsp:nvSpPr>
+        <dsp:cNvPr id="0" name=""/>
+        <dsp:cNvSpPr/>
+      </dsp:nvSpPr>
+      <dsp:spPr>
+        <a:xfrm>
+          <a:off x="2437804" y="372"/>
+          <a:ext cx="1220390" cy="610195"/>
+        </a:xfrm>
+        <a:prstGeom prst="roundRect">
+          <a:avLst>
+            <a:gd name="adj" fmla="val 10000"/>
+          </a:avLst>
+        </a:prstGeom>
+        <a:solidFill>
+          <a:schemeClr val="accent1">
+            <a:hueOff val="0"/>
+            <a:satOff val="0"/>
+            <a:lumOff val="0"/>
+            <a:alphaOff val="0"/>
+          </a:schemeClr>
+        </a:solidFill>
+        <a:ln w="25400" cap="flat" cmpd="sng" algn="ctr">
+          <a:solidFill>
+            <a:schemeClr val="lt1">
+              <a:hueOff val="0"/>
+              <a:satOff val="0"/>
+              <a:lumOff val="0"/>
+              <a:alphaOff val="0"/>
+            </a:schemeClr>
+          </a:solidFill>
+          <a:prstDash val="solid"/>
+        </a:ln>
+        <a:effectLst/>
+      </dsp:spPr>
+      <dsp:style>
+        <a:lnRef idx="2">
+          <a:scrgbClr r="0" g="0" b="0"/>
+        </a:lnRef>
+        <a:fillRef idx="1">
+          <a:scrgbClr r="0" g="0" b="0"/>
+        </a:fillRef>
+        <a:effectRef idx="0">
+          <a:scrgbClr r="0" g="0" b="0"/>
+        </a:effectRef>
+        <a:fontRef idx="minor">
+          <a:schemeClr val="lt1"/>
+        </a:fontRef>
+      </dsp:style>
+      <dsp:txBody>
+        <a:bodyPr spcFirstLastPara="0" vert="horz" wrap="square" lIns="24765" tIns="16510" rIns="24765" bIns="16510" numCol="1" spcCol="1270" anchor="ctr" anchorCtr="0">
+          <a:noAutofit/>
+        </a:bodyPr>
+        <a:lstStyle/>
+        <a:p>
+          <a:pPr marL="0" lvl="0" indent="0" algn="ctr" defTabSz="577850">
+            <a:lnSpc>
+              <a:spcPct val="90000"/>
+            </a:lnSpc>
+            <a:spcBef>
+              <a:spcPct val="0"/>
+            </a:spcBef>
+            <a:spcAft>
+              <a:spcPct val="35000"/>
+            </a:spcAft>
+            <a:buNone/>
+          </a:pPr>
+          <a:r>
+            <a:rPr lang="en-US" sz="1300" kern="1200" dirty="0"/>
+            <a:t>Tools and Techniques</a:t>
+          </a:r>
+        </a:p>
+      </dsp:txBody>
+      <dsp:txXfrm>
+        <a:off x="2455676" y="18244"/>
+        <a:ext cx="1184646" cy="574451"/>
+      </dsp:txXfrm>
+    </dsp:sp>
+    <dsp:sp modelId="{2564A6E5-875B-4BC6-B983-AA12C064A019}">
+      <dsp:nvSpPr>
+        <dsp:cNvPr id="0" name=""/>
+        <dsp:cNvSpPr/>
+      </dsp:nvSpPr>
+      <dsp:spPr>
+        <a:xfrm>
+          <a:off x="2559843" y="610567"/>
+          <a:ext cx="122039" cy="457646"/>
+        </a:xfrm>
+        <a:custGeom>
+          <a:avLst/>
+          <a:gdLst/>
+          <a:ahLst/>
+          <a:cxnLst/>
+          <a:rect l="0" t="0" r="0" b="0"/>
+          <a:pathLst>
+            <a:path>
+              <a:moveTo>
+                <a:pt x="0" y="0"/>
+              </a:moveTo>
+              <a:lnTo>
+                <a:pt x="0" y="457646"/>
+              </a:lnTo>
+              <a:lnTo>
+                <a:pt x="122039" y="457646"/>
+              </a:lnTo>
+            </a:path>
+          </a:pathLst>
+        </a:custGeom>
+        <a:noFill/>
+        <a:ln w="25400" cap="flat" cmpd="sng" algn="ctr">
+          <a:solidFill>
+            <a:schemeClr val="accent1">
+              <a:shade val="60000"/>
+              <a:hueOff val="0"/>
+              <a:satOff val="0"/>
+              <a:lumOff val="0"/>
+              <a:alphaOff val="0"/>
+            </a:schemeClr>
+          </a:solidFill>
+          <a:prstDash val="solid"/>
+        </a:ln>
+        <a:effectLst/>
+      </dsp:spPr>
+      <dsp:style>
+        <a:lnRef idx="2">
+          <a:scrgbClr r="0" g="0" b="0"/>
+        </a:lnRef>
+        <a:fillRef idx="0">
+          <a:scrgbClr r="0" g="0" b="0"/>
+        </a:fillRef>
+        <a:effectRef idx="0">
+          <a:scrgbClr r="0" g="0" b="0"/>
+        </a:effectRef>
+        <a:fontRef idx="minor"/>
+      </dsp:style>
+    </dsp:sp>
+    <dsp:sp modelId="{3B0CF9DF-CC55-47FF-BECE-903E70F9D2DE}">
+      <dsp:nvSpPr>
+        <dsp:cNvPr id="0" name=""/>
+        <dsp:cNvSpPr/>
+      </dsp:nvSpPr>
+      <dsp:spPr>
+        <a:xfrm>
+          <a:off x="2681882" y="763116"/>
+          <a:ext cx="976312" cy="610195"/>
+        </a:xfrm>
+        <a:prstGeom prst="roundRect">
+          <a:avLst>
+            <a:gd name="adj" fmla="val 10000"/>
+          </a:avLst>
+        </a:prstGeom>
+        <a:solidFill>
+          <a:schemeClr val="lt1">
+            <a:alpha val="90000"/>
+            <a:hueOff val="0"/>
+            <a:satOff val="0"/>
+            <a:lumOff val="0"/>
+            <a:alphaOff val="0"/>
+          </a:schemeClr>
+        </a:solidFill>
+        <a:ln w="25400" cap="flat" cmpd="sng" algn="ctr">
+          <a:solidFill>
+            <a:schemeClr val="accent1">
+              <a:hueOff val="0"/>
+              <a:satOff val="0"/>
+              <a:lumOff val="0"/>
+              <a:alphaOff val="0"/>
+            </a:schemeClr>
+          </a:solidFill>
+          <a:prstDash val="solid"/>
+        </a:ln>
+        <a:effectLst/>
+      </dsp:spPr>
+      <dsp:style>
+        <a:lnRef idx="2">
+          <a:scrgbClr r="0" g="0" b="0"/>
+        </a:lnRef>
+        <a:fillRef idx="1">
+          <a:scrgbClr r="0" g="0" b="0"/>
+        </a:fillRef>
+        <a:effectRef idx="0">
+          <a:scrgbClr r="0" g="0" b="0"/>
+        </a:effectRef>
+        <a:fontRef idx="minor"/>
+      </dsp:style>
+      <dsp:txBody>
+        <a:bodyPr spcFirstLastPara="0" vert="horz" wrap="square" lIns="22860" tIns="15240" rIns="22860" bIns="15240" numCol="1" spcCol="1270" anchor="ctr" anchorCtr="0">
+          <a:noAutofit/>
+        </a:bodyPr>
+        <a:lstStyle/>
+        <a:p>
+          <a:pPr marL="0" lvl="0" indent="0" algn="ctr" defTabSz="533400">
+            <a:lnSpc>
+              <a:spcPct val="90000"/>
+            </a:lnSpc>
+            <a:spcBef>
+              <a:spcPct val="0"/>
+            </a:spcBef>
+            <a:spcAft>
+              <a:spcPct val="35000"/>
+            </a:spcAft>
+            <a:buNone/>
+          </a:pPr>
+          <a:r>
+            <a:rPr lang="en-US" sz="1200" kern="1200" dirty="0"/>
+            <a:t>Computing with Lists</a:t>
+          </a:r>
+        </a:p>
+      </dsp:txBody>
+      <dsp:txXfrm>
+        <a:off x="2699754" y="780988"/>
+        <a:ext cx="940568" cy="574451"/>
+      </dsp:txXfrm>
+    </dsp:sp>
+    <dsp:sp modelId="{7DFA9A08-1F84-4CF2-9E63-7F6E7C219F76}">
+      <dsp:nvSpPr>
+        <dsp:cNvPr id="0" name=""/>
+        <dsp:cNvSpPr/>
+      </dsp:nvSpPr>
+      <dsp:spPr>
+        <a:xfrm>
+          <a:off x="2559843" y="610567"/>
+          <a:ext cx="122039" cy="1220390"/>
+        </a:xfrm>
+        <a:custGeom>
+          <a:avLst/>
+          <a:gdLst/>
+          <a:ahLst/>
+          <a:cxnLst/>
+          <a:rect l="0" t="0" r="0" b="0"/>
+          <a:pathLst>
+            <a:path>
+              <a:moveTo>
+                <a:pt x="0" y="0"/>
+              </a:moveTo>
+              <a:lnTo>
+                <a:pt x="0" y="1220390"/>
+              </a:lnTo>
+              <a:lnTo>
+                <a:pt x="122039" y="1220390"/>
+              </a:lnTo>
+            </a:path>
+          </a:pathLst>
+        </a:custGeom>
+        <a:noFill/>
+        <a:ln w="25400" cap="flat" cmpd="sng" algn="ctr">
+          <a:solidFill>
+            <a:schemeClr val="accent1">
+              <a:shade val="60000"/>
+              <a:hueOff val="0"/>
+              <a:satOff val="0"/>
+              <a:lumOff val="0"/>
+              <a:alphaOff val="0"/>
+            </a:schemeClr>
+          </a:solidFill>
+          <a:prstDash val="solid"/>
+        </a:ln>
+        <a:effectLst/>
+      </dsp:spPr>
+      <dsp:style>
+        <a:lnRef idx="2">
+          <a:scrgbClr r="0" g="0" b="0"/>
+        </a:lnRef>
+        <a:fillRef idx="0">
+          <a:scrgbClr r="0" g="0" b="0"/>
+        </a:fillRef>
+        <a:effectRef idx="0">
+          <a:scrgbClr r="0" g="0" b="0"/>
+        </a:effectRef>
+        <a:fontRef idx="minor"/>
+      </dsp:style>
+    </dsp:sp>
+    <dsp:sp modelId="{9C3E65C4-9266-43CB-B08F-79811ABF047A}">
+      <dsp:nvSpPr>
+        <dsp:cNvPr id="0" name=""/>
+        <dsp:cNvSpPr/>
+      </dsp:nvSpPr>
+      <dsp:spPr>
+        <a:xfrm>
+          <a:off x="2681882" y="1525860"/>
+          <a:ext cx="976312" cy="610195"/>
+        </a:xfrm>
+        <a:prstGeom prst="roundRect">
+          <a:avLst>
+            <a:gd name="adj" fmla="val 10000"/>
+          </a:avLst>
+        </a:prstGeom>
+        <a:solidFill>
+          <a:prstClr val="white">
+            <a:alpha val="90000"/>
+            <a:hueOff val="0"/>
+            <a:satOff val="0"/>
+            <a:lumOff val="0"/>
+            <a:alphaOff val="0"/>
+          </a:prstClr>
+        </a:solidFill>
+        <a:ln w="25400" cap="flat" cmpd="sng" algn="ctr">
+          <a:solidFill>
+            <a:srgbClr val="4F81BD">
+              <a:hueOff val="0"/>
+              <a:satOff val="0"/>
+              <a:lumOff val="0"/>
+              <a:alphaOff val="0"/>
+            </a:srgbClr>
+          </a:solidFill>
+          <a:prstDash val="solid"/>
+        </a:ln>
+        <a:effectLst/>
+      </dsp:spPr>
+      <dsp:style>
+        <a:lnRef idx="2">
+          <a:scrgbClr r="0" g="0" b="0"/>
+        </a:lnRef>
+        <a:fillRef idx="1">
+          <a:scrgbClr r="0" g="0" b="0"/>
+        </a:fillRef>
+        <a:effectRef idx="0">
+          <a:scrgbClr r="0" g="0" b="0"/>
+        </a:effectRef>
+        <a:fontRef idx="minor"/>
+      </dsp:style>
+      <dsp:txBody>
+        <a:bodyPr spcFirstLastPara="0" vert="horz" wrap="square" lIns="22860" tIns="15240" rIns="22860" bIns="15240" numCol="1" spcCol="1270" anchor="ctr" anchorCtr="0">
+          <a:noAutofit/>
+        </a:bodyPr>
+        <a:lstStyle/>
+        <a:p>
+          <a:pPr marL="0" lvl="0" indent="0" algn="ctr" defTabSz="533400">
+            <a:lnSpc>
+              <a:spcPct val="90000"/>
+            </a:lnSpc>
+            <a:spcBef>
+              <a:spcPct val="0"/>
+            </a:spcBef>
+            <a:spcAft>
+              <a:spcPct val="35000"/>
+            </a:spcAft>
+            <a:buNone/>
+          </a:pPr>
+          <a:r>
+            <a:rPr lang="en-US" sz="1200" kern="1200" dirty="0">
+              <a:solidFill>
+                <a:prstClr val="black">
+                  <a:hueOff val="0"/>
+                  <a:satOff val="0"/>
+                  <a:lumOff val="0"/>
+                  <a:alphaOff val="0"/>
+                </a:prstClr>
+              </a:solidFill>
+              <a:latin typeface="Calibri"/>
+              <a:ea typeface="+mn-ea"/>
+              <a:cs typeface="+mn-cs"/>
+            </a:rPr>
+            <a:t>Computing with Trees and Graphs</a:t>
+          </a:r>
+        </a:p>
+      </dsp:txBody>
+      <dsp:txXfrm>
+        <a:off x="2699754" y="1543732"/>
+        <a:ext cx="940568" cy="574451"/>
+      </dsp:txXfrm>
+    </dsp:sp>
+    <dsp:sp modelId="{35FE4D4C-3CA0-4CCA-8F9D-1668C574961B}">
+      <dsp:nvSpPr>
+        <dsp:cNvPr id="0" name=""/>
+        <dsp:cNvSpPr/>
+      </dsp:nvSpPr>
+      <dsp:spPr>
+        <a:xfrm>
+          <a:off x="2559843" y="610567"/>
+          <a:ext cx="122039" cy="1983134"/>
+        </a:xfrm>
+        <a:custGeom>
+          <a:avLst/>
+          <a:gdLst/>
+          <a:ahLst/>
+          <a:cxnLst/>
+          <a:rect l="0" t="0" r="0" b="0"/>
+          <a:pathLst>
+            <a:path>
+              <a:moveTo>
+                <a:pt x="0" y="0"/>
+              </a:moveTo>
+              <a:lnTo>
+                <a:pt x="0" y="1983134"/>
+              </a:lnTo>
+              <a:lnTo>
+                <a:pt x="122039" y="1983134"/>
+              </a:lnTo>
+            </a:path>
+          </a:pathLst>
+        </a:custGeom>
+        <a:noFill/>
+        <a:ln w="25400" cap="flat" cmpd="sng" algn="ctr">
+          <a:solidFill>
+            <a:schemeClr val="accent1">
+              <a:shade val="60000"/>
+              <a:hueOff val="0"/>
+              <a:satOff val="0"/>
+              <a:lumOff val="0"/>
+              <a:alphaOff val="0"/>
+            </a:schemeClr>
+          </a:solidFill>
+          <a:prstDash val="solid"/>
+        </a:ln>
+        <a:effectLst/>
+      </dsp:spPr>
+      <dsp:style>
+        <a:lnRef idx="2">
+          <a:scrgbClr r="0" g="0" b="0"/>
+        </a:lnRef>
+        <a:fillRef idx="0">
+          <a:scrgbClr r="0" g="0" b="0"/>
+        </a:fillRef>
+        <a:effectRef idx="0">
+          <a:scrgbClr r="0" g="0" b="0"/>
+        </a:effectRef>
+        <a:fontRef idx="minor"/>
+      </dsp:style>
+    </dsp:sp>
+    <dsp:sp modelId="{375B2884-C079-4ABC-AF46-CC7B31EF2123}">
+      <dsp:nvSpPr>
+        <dsp:cNvPr id="0" name=""/>
+        <dsp:cNvSpPr/>
+      </dsp:nvSpPr>
+      <dsp:spPr>
+        <a:xfrm>
+          <a:off x="2681882" y="2288604"/>
+          <a:ext cx="976312" cy="610195"/>
+        </a:xfrm>
+        <a:prstGeom prst="roundRect">
+          <a:avLst>
+            <a:gd name="adj" fmla="val 10000"/>
+          </a:avLst>
+        </a:prstGeom>
+        <a:solidFill>
+          <a:prstClr val="white">
+            <a:alpha val="90000"/>
+            <a:hueOff val="0"/>
+            <a:satOff val="0"/>
+            <a:lumOff val="0"/>
+            <a:alphaOff val="0"/>
+          </a:prstClr>
+        </a:solidFill>
+        <a:ln w="25400" cap="flat" cmpd="sng" algn="ctr">
+          <a:solidFill>
+            <a:srgbClr val="4F81BD">
+              <a:hueOff val="0"/>
+              <a:satOff val="0"/>
+              <a:lumOff val="0"/>
+              <a:alphaOff val="0"/>
+            </a:srgbClr>
+          </a:solidFill>
+          <a:prstDash val="solid"/>
+        </a:ln>
+        <a:effectLst/>
+      </dsp:spPr>
+      <dsp:style>
+        <a:lnRef idx="2">
+          <a:scrgbClr r="0" g="0" b="0"/>
+        </a:lnRef>
+        <a:fillRef idx="1">
+          <a:scrgbClr r="0" g="0" b="0"/>
+        </a:fillRef>
+        <a:effectRef idx="0">
+          <a:scrgbClr r="0" g="0" b="0"/>
+        </a:effectRef>
+        <a:fontRef idx="minor"/>
+      </dsp:style>
+      <dsp:txBody>
+        <a:bodyPr spcFirstLastPara="0" vert="horz" wrap="square" lIns="22860" tIns="15240" rIns="22860" bIns="15240" numCol="1" spcCol="1270" anchor="ctr" anchorCtr="0">
+          <a:noAutofit/>
+        </a:bodyPr>
+        <a:lstStyle/>
+        <a:p>
+          <a:pPr marL="0" lvl="0" indent="0" algn="ctr" defTabSz="533400">
+            <a:lnSpc>
+              <a:spcPct val="90000"/>
+            </a:lnSpc>
+            <a:spcBef>
+              <a:spcPct val="0"/>
+            </a:spcBef>
+            <a:spcAft>
+              <a:spcPct val="35000"/>
+            </a:spcAft>
+            <a:buNone/>
+          </a:pPr>
+          <a:r>
+            <a:rPr lang="en-US" sz="1200" kern="1200" dirty="0">
+              <a:solidFill>
+                <a:prstClr val="black">
+                  <a:hueOff val="0"/>
+                  <a:satOff val="0"/>
+                  <a:lumOff val="0"/>
+                  <a:alphaOff val="0"/>
+                </a:prstClr>
+              </a:solidFill>
+              <a:latin typeface="Calibri"/>
+              <a:ea typeface="+mn-ea"/>
+              <a:cs typeface="+mn-cs"/>
+            </a:rPr>
+            <a:t>Computing</a:t>
+          </a:r>
+          <a:r>
+            <a:rPr lang="en-US" sz="1000" kern="1200" dirty="0"/>
+            <a:t> with Higher-Order Functions</a:t>
+          </a:r>
+        </a:p>
+      </dsp:txBody>
+      <dsp:txXfrm>
+        <a:off x="2699754" y="2306476"/>
+        <a:ext cx="940568" cy="574451"/>
+      </dsp:txXfrm>
+    </dsp:sp>
+    <dsp:sp modelId="{16CFAB30-3E6A-44D7-A45D-E3066E142053}">
+      <dsp:nvSpPr>
+        <dsp:cNvPr id="0" name=""/>
+        <dsp:cNvSpPr/>
+      </dsp:nvSpPr>
+      <dsp:spPr>
+        <a:xfrm>
+          <a:off x="2559843" y="610567"/>
+          <a:ext cx="122039" cy="2745878"/>
+        </a:xfrm>
+        <a:custGeom>
+          <a:avLst/>
+          <a:gdLst/>
+          <a:ahLst/>
+          <a:cxnLst/>
+          <a:rect l="0" t="0" r="0" b="0"/>
+          <a:pathLst>
+            <a:path>
+              <a:moveTo>
+                <a:pt x="0" y="0"/>
+              </a:moveTo>
+              <a:lnTo>
+                <a:pt x="0" y="2745878"/>
+              </a:lnTo>
+              <a:lnTo>
+                <a:pt x="122039" y="2745878"/>
+              </a:lnTo>
+            </a:path>
+          </a:pathLst>
+        </a:custGeom>
+        <a:noFill/>
+        <a:ln w="25400" cap="flat" cmpd="sng" algn="ctr">
+          <a:solidFill>
+            <a:schemeClr val="accent1">
+              <a:shade val="60000"/>
+              <a:hueOff val="0"/>
+              <a:satOff val="0"/>
+              <a:lumOff val="0"/>
+              <a:alphaOff val="0"/>
+            </a:schemeClr>
+          </a:solidFill>
+          <a:prstDash val="solid"/>
+        </a:ln>
+        <a:effectLst/>
+      </dsp:spPr>
+      <dsp:style>
+        <a:lnRef idx="2">
+          <a:scrgbClr r="0" g="0" b="0"/>
+        </a:lnRef>
+        <a:fillRef idx="0">
+          <a:scrgbClr r="0" g="0" b="0"/>
+        </a:fillRef>
+        <a:effectRef idx="0">
+          <a:scrgbClr r="0" g="0" b="0"/>
+        </a:effectRef>
+        <a:fontRef idx="minor"/>
+      </dsp:style>
+    </dsp:sp>
+    <dsp:sp modelId="{5F9726AA-E8AD-4C5C-A0CA-2350C4F8CAFA}">
+      <dsp:nvSpPr>
+        <dsp:cNvPr id="0" name=""/>
+        <dsp:cNvSpPr/>
+      </dsp:nvSpPr>
+      <dsp:spPr>
+        <a:xfrm>
+          <a:off x="2681882" y="3051348"/>
+          <a:ext cx="976312" cy="610195"/>
+        </a:xfrm>
+        <a:prstGeom prst="roundRect">
+          <a:avLst>
+            <a:gd name="adj" fmla="val 10000"/>
+          </a:avLst>
+        </a:prstGeom>
+        <a:solidFill>
+          <a:prstClr val="white">
+            <a:alpha val="90000"/>
+            <a:hueOff val="0"/>
+            <a:satOff val="0"/>
+            <a:lumOff val="0"/>
+            <a:alphaOff val="0"/>
+          </a:prstClr>
+        </a:solidFill>
+        <a:ln w="25400" cap="flat" cmpd="sng" algn="ctr">
+          <a:solidFill>
+            <a:srgbClr val="4F81BD">
+              <a:hueOff val="0"/>
+              <a:satOff val="0"/>
+              <a:lumOff val="0"/>
+              <a:alphaOff val="0"/>
+            </a:srgbClr>
+          </a:solidFill>
+          <a:prstDash val="solid"/>
+        </a:ln>
+        <a:effectLst/>
+      </dsp:spPr>
+      <dsp:style>
+        <a:lnRef idx="2">
+          <a:scrgbClr r="0" g="0" b="0"/>
+        </a:lnRef>
+        <a:fillRef idx="1">
+          <a:scrgbClr r="0" g="0" b="0"/>
+        </a:fillRef>
+        <a:effectRef idx="0">
+          <a:scrgbClr r="0" g="0" b="0"/>
+        </a:effectRef>
+        <a:fontRef idx="minor"/>
+      </dsp:style>
+      <dsp:txBody>
+        <a:bodyPr spcFirstLastPara="0" vert="horz" wrap="square" lIns="22860" tIns="15240" rIns="22860" bIns="15240" numCol="1" spcCol="1270" anchor="ctr" anchorCtr="0">
+          <a:noAutofit/>
+        </a:bodyPr>
+        <a:lstStyle/>
+        <a:p>
+          <a:pPr marL="0" lvl="0" indent="0" algn="ctr" defTabSz="533400">
+            <a:lnSpc>
+              <a:spcPct val="90000"/>
+            </a:lnSpc>
+            <a:spcBef>
+              <a:spcPct val="0"/>
+            </a:spcBef>
+            <a:spcAft>
+              <a:spcPct val="35000"/>
+            </a:spcAft>
+            <a:buNone/>
+          </a:pPr>
+          <a:r>
+            <a:rPr lang="en-US" sz="1200" kern="1200" dirty="0">
+              <a:solidFill>
+                <a:prstClr val="black">
+                  <a:hueOff val="0"/>
+                  <a:satOff val="0"/>
+                  <a:lumOff val="0"/>
+                  <a:alphaOff val="0"/>
+                </a:prstClr>
+              </a:solidFill>
+              <a:latin typeface="Calibri"/>
+              <a:ea typeface="+mn-ea"/>
+              <a:cs typeface="+mn-cs"/>
+            </a:rPr>
+            <a:t>Designing</a:t>
+          </a:r>
+          <a:r>
+            <a:rPr lang="en-US" sz="1200" kern="1200" dirty="0"/>
+            <a:t> with Invariants</a:t>
+          </a:r>
+        </a:p>
+      </dsp:txBody>
+      <dsp:txXfrm>
+        <a:off x="2699754" y="3069220"/>
+        <a:ext cx="940568" cy="574451"/>
+      </dsp:txXfrm>
+    </dsp:sp>
+    <dsp:sp modelId="{0ECF28DA-9925-4B5B-97B1-BDA459502114}">
+      <dsp:nvSpPr>
+        <dsp:cNvPr id="0" name=""/>
+        <dsp:cNvSpPr/>
+      </dsp:nvSpPr>
+      <dsp:spPr>
+        <a:xfrm>
+          <a:off x="2559843" y="610567"/>
+          <a:ext cx="122039" cy="3556495"/>
+        </a:xfrm>
+        <a:custGeom>
+          <a:avLst/>
+          <a:gdLst/>
+          <a:ahLst/>
+          <a:cxnLst/>
+          <a:rect l="0" t="0" r="0" b="0"/>
+          <a:pathLst>
+            <a:path>
+              <a:moveTo>
+                <a:pt x="0" y="0"/>
+              </a:moveTo>
+              <a:lnTo>
+                <a:pt x="0" y="3556495"/>
+              </a:lnTo>
+              <a:lnTo>
+                <a:pt x="122039" y="3556495"/>
+              </a:lnTo>
+            </a:path>
+          </a:pathLst>
+        </a:custGeom>
+        <a:noFill/>
+        <a:ln w="25400" cap="flat" cmpd="sng" algn="ctr">
+          <a:solidFill>
+            <a:schemeClr val="accent1">
+              <a:shade val="60000"/>
+              <a:hueOff val="0"/>
+              <a:satOff val="0"/>
+              <a:lumOff val="0"/>
+              <a:alphaOff val="0"/>
+            </a:schemeClr>
+          </a:solidFill>
+          <a:prstDash val="solid"/>
+        </a:ln>
+        <a:effectLst/>
+      </dsp:spPr>
+      <dsp:style>
+        <a:lnRef idx="2">
+          <a:scrgbClr r="0" g="0" b="0"/>
+        </a:lnRef>
+        <a:fillRef idx="0">
+          <a:scrgbClr r="0" g="0" b="0"/>
+        </a:fillRef>
+        <a:effectRef idx="0">
+          <a:scrgbClr r="0" g="0" b="0"/>
+        </a:effectRef>
+        <a:fontRef idx="minor"/>
+      </dsp:style>
+    </dsp:sp>
+    <dsp:sp modelId="{5A2BB121-DDEE-46A8-AC09-18496F773E62}">
+      <dsp:nvSpPr>
+        <dsp:cNvPr id="0" name=""/>
+        <dsp:cNvSpPr/>
+      </dsp:nvSpPr>
+      <dsp:spPr>
+        <a:xfrm>
+          <a:off x="2681882" y="3814092"/>
+          <a:ext cx="976312" cy="705941"/>
+        </a:xfrm>
+        <a:prstGeom prst="roundRect">
+          <a:avLst>
+            <a:gd name="adj" fmla="val 10000"/>
+          </a:avLst>
+        </a:prstGeom>
+        <a:solidFill>
+          <a:prstClr val="white">
+            <a:alpha val="90000"/>
+            <a:hueOff val="0"/>
+            <a:satOff val="0"/>
+            <a:lumOff val="0"/>
+            <a:alphaOff val="0"/>
+          </a:prstClr>
+        </a:solidFill>
+        <a:ln w="25400" cap="flat" cmpd="sng" algn="ctr">
+          <a:solidFill>
+            <a:srgbClr val="4F81BD">
+              <a:hueOff val="0"/>
+              <a:satOff val="0"/>
+              <a:lumOff val="0"/>
+              <a:alphaOff val="0"/>
+            </a:srgbClr>
+          </a:solidFill>
+          <a:prstDash val="solid"/>
+        </a:ln>
+        <a:effectLst/>
+      </dsp:spPr>
+      <dsp:style>
+        <a:lnRef idx="2">
+          <a:scrgbClr r="0" g="0" b="0"/>
+        </a:lnRef>
+        <a:fillRef idx="1">
+          <a:scrgbClr r="0" g="0" b="0"/>
+        </a:fillRef>
+        <a:effectRef idx="0">
+          <a:scrgbClr r="0" g="0" b="0"/>
+        </a:effectRef>
+        <a:fontRef idx="minor"/>
+      </dsp:style>
+      <dsp:txBody>
+        <a:bodyPr spcFirstLastPara="0" vert="horz" wrap="square" lIns="22860" tIns="15240" rIns="22860" bIns="15240" numCol="1" spcCol="1270" anchor="ctr" anchorCtr="0">
+          <a:noAutofit/>
+        </a:bodyPr>
+        <a:lstStyle/>
+        <a:p>
+          <a:pPr marL="0" lvl="0" indent="0" algn="ctr" defTabSz="533400">
+            <a:lnSpc>
+              <a:spcPct val="90000"/>
+            </a:lnSpc>
+            <a:spcBef>
+              <a:spcPct val="0"/>
+            </a:spcBef>
+            <a:spcAft>
+              <a:spcPct val="35000"/>
+            </a:spcAft>
+            <a:buNone/>
+          </a:pPr>
+          <a:r>
+            <a:rPr lang="en-US" sz="1200" kern="1200" dirty="0"/>
+            <a:t>Thinking </a:t>
+          </a:r>
+          <a:r>
+            <a:rPr lang="en-US" sz="1200" kern="1200" dirty="0">
+              <a:solidFill>
+                <a:prstClr val="black">
+                  <a:hueOff val="0"/>
+                  <a:satOff val="0"/>
+                  <a:lumOff val="0"/>
+                  <a:alphaOff val="0"/>
+                </a:prstClr>
+              </a:solidFill>
+              <a:latin typeface="Calibri"/>
+              <a:ea typeface="+mn-ea"/>
+              <a:cs typeface="+mn-cs"/>
+            </a:rPr>
+            <a:t>about</a:t>
+          </a:r>
+          <a:r>
+            <a:rPr lang="en-US" sz="1200" kern="1200" dirty="0"/>
+            <a:t> Efficiency</a:t>
+          </a:r>
+        </a:p>
+      </dsp:txBody>
+      <dsp:txXfrm>
+        <a:off x="2702558" y="3834768"/>
+        <a:ext cx="934960" cy="664589"/>
+      </dsp:txXfrm>
+    </dsp:sp>
+    <dsp:sp modelId="{3DB7ADFA-DCAB-4034-9F43-B860EBE864E8}">
+      <dsp:nvSpPr>
+        <dsp:cNvPr id="0" name=""/>
+        <dsp:cNvSpPr/>
+      </dsp:nvSpPr>
+      <dsp:spPr>
+        <a:xfrm>
+          <a:off x="3963292" y="372"/>
+          <a:ext cx="1220390" cy="610195"/>
+        </a:xfrm>
+        <a:prstGeom prst="roundRect">
+          <a:avLst>
+            <a:gd name="adj" fmla="val 10000"/>
+          </a:avLst>
+        </a:prstGeom>
+        <a:solidFill>
+          <a:schemeClr val="accent1">
+            <a:hueOff val="0"/>
+            <a:satOff val="0"/>
+            <a:lumOff val="0"/>
+            <a:alphaOff val="0"/>
+          </a:schemeClr>
+        </a:solidFill>
+        <a:ln w="25400" cap="flat" cmpd="sng" algn="ctr">
+          <a:solidFill>
+            <a:schemeClr val="lt1">
+              <a:hueOff val="0"/>
+              <a:satOff val="0"/>
+              <a:lumOff val="0"/>
+              <a:alphaOff val="0"/>
+            </a:schemeClr>
+          </a:solidFill>
+          <a:prstDash val="solid"/>
+        </a:ln>
+        <a:effectLst/>
+      </dsp:spPr>
+      <dsp:style>
+        <a:lnRef idx="2">
+          <a:scrgbClr r="0" g="0" b="0"/>
+        </a:lnRef>
+        <a:fillRef idx="1">
+          <a:scrgbClr r="0" g="0" b="0"/>
+        </a:fillRef>
+        <a:effectRef idx="0">
+          <a:scrgbClr r="0" g="0" b="0"/>
+        </a:effectRef>
+        <a:fontRef idx="minor">
+          <a:schemeClr val="lt1"/>
+        </a:fontRef>
+      </dsp:style>
+      <dsp:txBody>
+        <a:bodyPr spcFirstLastPara="0" vert="horz" wrap="square" lIns="24765" tIns="16510" rIns="24765" bIns="16510" numCol="1" spcCol="1270" anchor="ctr" anchorCtr="0">
+          <a:noAutofit/>
+        </a:bodyPr>
+        <a:lstStyle/>
+        <a:p>
+          <a:pPr marL="0" lvl="0" indent="0" algn="ctr" defTabSz="577850">
+            <a:lnSpc>
+              <a:spcPct val="90000"/>
+            </a:lnSpc>
+            <a:spcBef>
+              <a:spcPct val="0"/>
+            </a:spcBef>
+            <a:spcAft>
+              <a:spcPct val="35000"/>
+            </a:spcAft>
+            <a:buNone/>
+          </a:pPr>
+          <a:r>
+            <a:rPr lang="en-US" sz="1300" kern="1200" dirty="0"/>
+            <a:t>Object-Oriented Programming</a:t>
+          </a:r>
+        </a:p>
+      </dsp:txBody>
+      <dsp:txXfrm>
+        <a:off x="3981164" y="18244"/>
+        <a:ext cx="1184646" cy="574451"/>
+      </dsp:txXfrm>
+    </dsp:sp>
+    <dsp:sp modelId="{278D3975-9588-4A95-85BD-D062BB0AE1A4}">
+      <dsp:nvSpPr>
+        <dsp:cNvPr id="0" name=""/>
+        <dsp:cNvSpPr/>
+      </dsp:nvSpPr>
+      <dsp:spPr>
+        <a:xfrm>
+          <a:off x="4085332" y="610567"/>
+          <a:ext cx="122039" cy="457646"/>
+        </a:xfrm>
+        <a:custGeom>
+          <a:avLst/>
+          <a:gdLst/>
+          <a:ahLst/>
+          <a:cxnLst/>
+          <a:rect l="0" t="0" r="0" b="0"/>
+          <a:pathLst>
+            <a:path>
+              <a:moveTo>
+                <a:pt x="0" y="0"/>
+              </a:moveTo>
+              <a:lnTo>
+                <a:pt x="0" y="457646"/>
+              </a:lnTo>
+              <a:lnTo>
+                <a:pt x="122039" y="457646"/>
+              </a:lnTo>
+            </a:path>
+          </a:pathLst>
+        </a:custGeom>
+        <a:noFill/>
+        <a:ln w="25400" cap="flat" cmpd="sng" algn="ctr">
+          <a:solidFill>
+            <a:schemeClr val="accent1">
+              <a:shade val="60000"/>
+              <a:hueOff val="0"/>
+              <a:satOff val="0"/>
+              <a:lumOff val="0"/>
+              <a:alphaOff val="0"/>
+            </a:schemeClr>
+          </a:solidFill>
+          <a:prstDash val="solid"/>
+        </a:ln>
+        <a:effectLst/>
+      </dsp:spPr>
+      <dsp:style>
+        <a:lnRef idx="2">
+          <a:scrgbClr r="0" g="0" b="0"/>
+        </a:lnRef>
+        <a:fillRef idx="0">
+          <a:scrgbClr r="0" g="0" b="0"/>
+        </a:fillRef>
+        <a:effectRef idx="0">
+          <a:scrgbClr r="0" g="0" b="0"/>
+        </a:effectRef>
+        <a:fontRef idx="minor"/>
+      </dsp:style>
+    </dsp:sp>
+    <dsp:sp modelId="{EDB6085A-8F2B-4B84-887D-9DD4BEC6E4E1}">
+      <dsp:nvSpPr>
+        <dsp:cNvPr id="0" name=""/>
+        <dsp:cNvSpPr/>
+      </dsp:nvSpPr>
+      <dsp:spPr>
+        <a:xfrm>
+          <a:off x="4207371" y="763116"/>
+          <a:ext cx="976312" cy="610195"/>
+        </a:xfrm>
+        <a:prstGeom prst="roundRect">
+          <a:avLst>
+            <a:gd name="adj" fmla="val 10000"/>
+          </a:avLst>
+        </a:prstGeom>
+        <a:solidFill>
+          <a:srgbClr val="C0504D">
+            <a:lumMod val="60000"/>
+            <a:lumOff val="40000"/>
+            <a:alpha val="90000"/>
+          </a:srgbClr>
+        </a:solidFill>
+        <a:ln w="25400" cap="flat" cmpd="sng" algn="ctr">
+          <a:noFill/>
+          <a:prstDash val="solid"/>
+        </a:ln>
+        <a:effectLst/>
+      </dsp:spPr>
+      <dsp:style>
+        <a:lnRef idx="2">
+          <a:scrgbClr r="0" g="0" b="0"/>
+        </a:lnRef>
+        <a:fillRef idx="1">
+          <a:scrgbClr r="0" g="0" b="0"/>
+        </a:fillRef>
+        <a:effectRef idx="0">
+          <a:scrgbClr r="0" g="0" b="0"/>
+        </a:effectRef>
+        <a:fontRef idx="minor"/>
+      </dsp:style>
+      <dsp:txBody>
+        <a:bodyPr spcFirstLastPara="0" vert="horz" wrap="square" lIns="19050" tIns="12700" rIns="19050" bIns="12700" numCol="1" spcCol="1270" anchor="ctr" anchorCtr="0">
+          <a:noAutofit/>
+        </a:bodyPr>
+        <a:lstStyle/>
+        <a:p>
+          <a:pPr marL="0" lvl="0" indent="0" algn="ctr" defTabSz="533400">
+            <a:lnSpc>
+              <a:spcPct val="90000"/>
+            </a:lnSpc>
+            <a:spcBef>
+              <a:spcPct val="0"/>
+            </a:spcBef>
+            <a:spcAft>
+              <a:spcPct val="35000"/>
+            </a:spcAft>
+            <a:buNone/>
+          </a:pPr>
+          <a:r>
+            <a:rPr lang="en-US" sz="1200" kern="1200" dirty="0">
+              <a:solidFill>
+                <a:prstClr val="black">
+                  <a:hueOff val="0"/>
+                  <a:satOff val="0"/>
+                  <a:lumOff val="0"/>
+                  <a:alphaOff val="0"/>
+                </a:prstClr>
+              </a:solidFill>
+              <a:latin typeface="Calibri"/>
+              <a:ea typeface="+mn-ea"/>
+              <a:cs typeface="+mn-cs"/>
+            </a:rPr>
+            <a:t>Interfaces</a:t>
+          </a:r>
+          <a:r>
+            <a:rPr lang="en-US" sz="1200" kern="1200" dirty="0"/>
+            <a:t> and Classes</a:t>
+          </a:r>
+        </a:p>
+      </dsp:txBody>
+      <dsp:txXfrm>
+        <a:off x="4225243" y="780988"/>
+        <a:ext cx="940568" cy="574451"/>
+      </dsp:txXfrm>
+    </dsp:sp>
+    <dsp:sp modelId="{FF100697-267A-4BC5-8DA9-B1F7321DFE84}">
+      <dsp:nvSpPr>
+        <dsp:cNvPr id="0" name=""/>
+        <dsp:cNvSpPr/>
+      </dsp:nvSpPr>
+      <dsp:spPr>
+        <a:xfrm>
+          <a:off x="4085332" y="610567"/>
+          <a:ext cx="122039" cy="1220390"/>
+        </a:xfrm>
+        <a:custGeom>
+          <a:avLst/>
+          <a:gdLst/>
+          <a:ahLst/>
+          <a:cxnLst/>
+          <a:rect l="0" t="0" r="0" b="0"/>
+          <a:pathLst>
+            <a:path>
+              <a:moveTo>
+                <a:pt x="0" y="0"/>
+              </a:moveTo>
+              <a:lnTo>
+                <a:pt x="0" y="1220390"/>
+              </a:lnTo>
+              <a:lnTo>
+                <a:pt x="122039" y="1220390"/>
+              </a:lnTo>
+            </a:path>
+          </a:pathLst>
+        </a:custGeom>
+        <a:noFill/>
+        <a:ln w="25400" cap="flat" cmpd="sng" algn="ctr">
+          <a:solidFill>
+            <a:schemeClr val="accent1">
+              <a:shade val="60000"/>
+              <a:hueOff val="0"/>
+              <a:satOff val="0"/>
+              <a:lumOff val="0"/>
+              <a:alphaOff val="0"/>
+            </a:schemeClr>
+          </a:solidFill>
+          <a:prstDash val="solid"/>
+        </a:ln>
+        <a:effectLst/>
+      </dsp:spPr>
+      <dsp:style>
+        <a:lnRef idx="2">
+          <a:scrgbClr r="0" g="0" b="0"/>
+        </a:lnRef>
+        <a:fillRef idx="0">
+          <a:scrgbClr r="0" g="0" b="0"/>
+        </a:fillRef>
+        <a:effectRef idx="0">
+          <a:scrgbClr r="0" g="0" b="0"/>
+        </a:effectRef>
+        <a:fontRef idx="minor"/>
+      </dsp:style>
+    </dsp:sp>
+    <dsp:sp modelId="{291D5A65-BA4D-4BF4-8D0F-050F9D81FBB6}">
+      <dsp:nvSpPr>
+        <dsp:cNvPr id="0" name=""/>
+        <dsp:cNvSpPr/>
+      </dsp:nvSpPr>
+      <dsp:spPr>
+        <a:xfrm>
+          <a:off x="4207371" y="1525860"/>
+          <a:ext cx="976312" cy="610195"/>
+        </a:xfrm>
+        <a:prstGeom prst="roundRect">
+          <a:avLst>
+            <a:gd name="adj" fmla="val 10000"/>
+          </a:avLst>
+        </a:prstGeom>
+        <a:solidFill>
+          <a:schemeClr val="lt1">
+            <a:alpha val="90000"/>
+            <a:hueOff val="0"/>
+            <a:satOff val="0"/>
+            <a:lumOff val="0"/>
+            <a:alphaOff val="0"/>
+          </a:schemeClr>
+        </a:solidFill>
+        <a:ln w="25400" cap="flat" cmpd="sng" algn="ctr">
+          <a:solidFill>
+            <a:schemeClr val="accent1">
+              <a:hueOff val="0"/>
+              <a:satOff val="0"/>
+              <a:lumOff val="0"/>
+              <a:alphaOff val="0"/>
+            </a:schemeClr>
+          </a:solidFill>
+          <a:prstDash val="solid"/>
+        </a:ln>
+        <a:effectLst/>
+      </dsp:spPr>
+      <dsp:style>
+        <a:lnRef idx="2">
+          <a:scrgbClr r="0" g="0" b="0"/>
+        </a:lnRef>
+        <a:fillRef idx="1">
+          <a:scrgbClr r="0" g="0" b="0"/>
+        </a:fillRef>
+        <a:effectRef idx="0">
+          <a:scrgbClr r="0" g="0" b="0"/>
+        </a:effectRef>
+        <a:fontRef idx="minor"/>
+      </dsp:style>
+      <dsp:txBody>
+        <a:bodyPr spcFirstLastPara="0" vert="horz" wrap="square" lIns="22860" tIns="15240" rIns="22860" bIns="15240" numCol="1" spcCol="1270" anchor="ctr" anchorCtr="0">
+          <a:noAutofit/>
+        </a:bodyPr>
+        <a:lstStyle/>
+        <a:p>
+          <a:pPr marL="0" lvl="0" indent="0" algn="ctr" defTabSz="533400">
+            <a:lnSpc>
+              <a:spcPct val="90000"/>
+            </a:lnSpc>
+            <a:spcBef>
+              <a:spcPct val="0"/>
+            </a:spcBef>
+            <a:spcAft>
+              <a:spcPct val="35000"/>
+            </a:spcAft>
+            <a:buNone/>
+          </a:pPr>
+          <a:r>
+            <a:rPr lang="en-US" sz="1200" kern="1200" dirty="0"/>
+            <a:t>Inheritance</a:t>
+          </a:r>
+        </a:p>
+      </dsp:txBody>
+      <dsp:txXfrm>
+        <a:off x="4225243" y="1543732"/>
+        <a:ext cx="940568" cy="574451"/>
+      </dsp:txXfrm>
+    </dsp:sp>
+    <dsp:sp modelId="{6B27DFF3-3021-4E99-BF73-829A6255425D}">
+      <dsp:nvSpPr>
+        <dsp:cNvPr id="0" name=""/>
+        <dsp:cNvSpPr/>
+      </dsp:nvSpPr>
+      <dsp:spPr>
+        <a:xfrm>
+          <a:off x="4085332" y="610567"/>
+          <a:ext cx="122039" cy="1983134"/>
+        </a:xfrm>
+        <a:custGeom>
+          <a:avLst/>
+          <a:gdLst/>
+          <a:ahLst/>
+          <a:cxnLst/>
+          <a:rect l="0" t="0" r="0" b="0"/>
+          <a:pathLst>
+            <a:path>
+              <a:moveTo>
+                <a:pt x="0" y="0"/>
+              </a:moveTo>
+              <a:lnTo>
+                <a:pt x="0" y="1983134"/>
+              </a:lnTo>
+              <a:lnTo>
+                <a:pt x="122039" y="1983134"/>
+              </a:lnTo>
+            </a:path>
+          </a:pathLst>
+        </a:custGeom>
+        <a:noFill/>
+        <a:ln w="25400" cap="flat" cmpd="sng" algn="ctr">
+          <a:solidFill>
+            <a:schemeClr val="accent1">
+              <a:shade val="60000"/>
+              <a:hueOff val="0"/>
+              <a:satOff val="0"/>
+              <a:lumOff val="0"/>
+              <a:alphaOff val="0"/>
+            </a:schemeClr>
+          </a:solidFill>
+          <a:prstDash val="solid"/>
+        </a:ln>
+        <a:effectLst/>
+      </dsp:spPr>
+      <dsp:style>
+        <a:lnRef idx="2">
+          <a:scrgbClr r="0" g="0" b="0"/>
+        </a:lnRef>
+        <a:fillRef idx="0">
+          <a:scrgbClr r="0" g="0" b="0"/>
+        </a:fillRef>
+        <a:effectRef idx="0">
+          <a:scrgbClr r="0" g="0" b="0"/>
+        </a:effectRef>
+        <a:fontRef idx="minor"/>
+      </dsp:style>
+    </dsp:sp>
+    <dsp:sp modelId="{88C17E61-7A2A-46D7-AC95-5E562286A33E}">
+      <dsp:nvSpPr>
+        <dsp:cNvPr id="0" name=""/>
+        <dsp:cNvSpPr/>
+      </dsp:nvSpPr>
+      <dsp:spPr>
+        <a:xfrm>
+          <a:off x="4207371" y="2288604"/>
+          <a:ext cx="976312" cy="610195"/>
+        </a:xfrm>
+        <a:prstGeom prst="roundRect">
+          <a:avLst>
+            <a:gd name="adj" fmla="val 10000"/>
+          </a:avLst>
+        </a:prstGeom>
+        <a:solidFill>
+          <a:schemeClr val="lt1">
+            <a:alpha val="90000"/>
+            <a:hueOff val="0"/>
+            <a:satOff val="0"/>
+            <a:lumOff val="0"/>
+            <a:alphaOff val="0"/>
+          </a:schemeClr>
+        </a:solidFill>
+        <a:ln w="25400" cap="flat" cmpd="sng" algn="ctr">
+          <a:solidFill>
+            <a:schemeClr val="accent1">
+              <a:hueOff val="0"/>
+              <a:satOff val="0"/>
+              <a:lumOff val="0"/>
+              <a:alphaOff val="0"/>
+            </a:schemeClr>
+          </a:solidFill>
+          <a:prstDash val="solid"/>
+        </a:ln>
+        <a:effectLst/>
+      </dsp:spPr>
+      <dsp:style>
+        <a:lnRef idx="2">
+          <a:scrgbClr r="0" g="0" b="0"/>
+        </a:lnRef>
+        <a:fillRef idx="1">
+          <a:scrgbClr r="0" g="0" b="0"/>
+        </a:fillRef>
+        <a:effectRef idx="0">
+          <a:scrgbClr r="0" g="0" b="0"/>
+        </a:effectRef>
+        <a:fontRef idx="minor"/>
+      </dsp:style>
+      <dsp:txBody>
+        <a:bodyPr spcFirstLastPara="0" vert="horz" wrap="square" lIns="22860" tIns="15240" rIns="22860" bIns="15240" numCol="1" spcCol="1270" anchor="ctr" anchorCtr="0">
+          <a:noAutofit/>
+        </a:bodyPr>
+        <a:lstStyle/>
+        <a:p>
+          <a:pPr marL="0" lvl="0" indent="0" algn="ctr" defTabSz="533400">
+            <a:lnSpc>
+              <a:spcPct val="90000"/>
+            </a:lnSpc>
+            <a:spcBef>
+              <a:spcPct val="0"/>
+            </a:spcBef>
+            <a:spcAft>
+              <a:spcPct val="35000"/>
+            </a:spcAft>
+            <a:buNone/>
+          </a:pPr>
+          <a:r>
+            <a:rPr lang="en-US" sz="1200" kern="1200" dirty="0"/>
+            <a:t>Objects with Mutable State</a:t>
+          </a:r>
+        </a:p>
+      </dsp:txBody>
+      <dsp:txXfrm>
+        <a:off x="4225243" y="2306476"/>
+        <a:ext cx="940568" cy="574451"/>
+      </dsp:txXfrm>
+    </dsp:sp>
+    <dsp:sp modelId="{E8A2D34D-9B35-4804-BD08-DC4453907292}">
+      <dsp:nvSpPr>
+        <dsp:cNvPr id="0" name=""/>
+        <dsp:cNvSpPr/>
+      </dsp:nvSpPr>
+      <dsp:spPr>
+        <a:xfrm>
+          <a:off x="4085332" y="610567"/>
+          <a:ext cx="122039" cy="2745878"/>
+        </a:xfrm>
+        <a:custGeom>
+          <a:avLst/>
+          <a:gdLst/>
+          <a:ahLst/>
+          <a:cxnLst/>
+          <a:rect l="0" t="0" r="0" b="0"/>
+          <a:pathLst>
+            <a:path>
+              <a:moveTo>
+                <a:pt x="0" y="0"/>
+              </a:moveTo>
+              <a:lnTo>
+                <a:pt x="0" y="2745878"/>
+              </a:lnTo>
+              <a:lnTo>
+                <a:pt x="122039" y="2745878"/>
+              </a:lnTo>
+            </a:path>
+          </a:pathLst>
+        </a:custGeom>
+        <a:noFill/>
+        <a:ln w="25400" cap="flat" cmpd="sng" algn="ctr">
+          <a:solidFill>
+            <a:schemeClr val="accent1">
+              <a:shade val="60000"/>
+              <a:hueOff val="0"/>
+              <a:satOff val="0"/>
+              <a:lumOff val="0"/>
+              <a:alphaOff val="0"/>
+            </a:schemeClr>
+          </a:solidFill>
+          <a:prstDash val="solid"/>
+        </a:ln>
+        <a:effectLst/>
+      </dsp:spPr>
+      <dsp:style>
+        <a:lnRef idx="2">
+          <a:scrgbClr r="0" g="0" b="0"/>
+        </a:lnRef>
+        <a:fillRef idx="0">
+          <a:scrgbClr r="0" g="0" b="0"/>
+        </a:fillRef>
+        <a:effectRef idx="0">
+          <a:scrgbClr r="0" g="0" b="0"/>
+        </a:effectRef>
+        <a:fontRef idx="minor"/>
+      </dsp:style>
+    </dsp:sp>
+    <dsp:sp modelId="{1B267FF2-7D4F-4C45-AA7C-4EA638A9F1C5}">
+      <dsp:nvSpPr>
+        <dsp:cNvPr id="0" name=""/>
+        <dsp:cNvSpPr/>
+      </dsp:nvSpPr>
+      <dsp:spPr>
+        <a:xfrm>
+          <a:off x="4207371" y="3051348"/>
+          <a:ext cx="976312" cy="610195"/>
+        </a:xfrm>
+        <a:prstGeom prst="roundRect">
+          <a:avLst>
+            <a:gd name="adj" fmla="val 10000"/>
+          </a:avLst>
+        </a:prstGeom>
+        <a:solidFill>
+          <a:schemeClr val="lt1">
+            <a:alpha val="90000"/>
+            <a:hueOff val="0"/>
+            <a:satOff val="0"/>
+            <a:lumOff val="0"/>
+            <a:alphaOff val="0"/>
+          </a:schemeClr>
+        </a:solidFill>
+        <a:ln w="25400" cap="flat" cmpd="sng" algn="ctr">
+          <a:solidFill>
+            <a:schemeClr val="accent1">
+              <a:hueOff val="0"/>
+              <a:satOff val="0"/>
+              <a:lumOff val="0"/>
+              <a:alphaOff val="0"/>
+            </a:schemeClr>
+          </a:solidFill>
+          <a:prstDash val="solid"/>
+        </a:ln>
+        <a:effectLst/>
+      </dsp:spPr>
+      <dsp:style>
+        <a:lnRef idx="2">
+          <a:scrgbClr r="0" g="0" b="0"/>
+        </a:lnRef>
+        <a:fillRef idx="1">
+          <a:scrgbClr r="0" g="0" b="0"/>
+        </a:fillRef>
+        <a:effectRef idx="0">
+          <a:scrgbClr r="0" g="0" b="0"/>
+        </a:effectRef>
+        <a:fontRef idx="minor"/>
+      </dsp:style>
+      <dsp:txBody>
+        <a:bodyPr spcFirstLastPara="0" vert="horz" wrap="square" lIns="22860" tIns="15240" rIns="22860" bIns="15240" numCol="1" spcCol="1270" anchor="ctr" anchorCtr="0">
+          <a:noAutofit/>
+        </a:bodyPr>
+        <a:lstStyle/>
+        <a:p>
+          <a:pPr marL="0" lvl="0" indent="0" algn="ctr" defTabSz="533400">
+            <a:lnSpc>
+              <a:spcPct val="90000"/>
+            </a:lnSpc>
+            <a:spcBef>
+              <a:spcPct val="0"/>
+            </a:spcBef>
+            <a:spcAft>
+              <a:spcPct val="35000"/>
+            </a:spcAft>
+            <a:buNone/>
+          </a:pPr>
+          <a:r>
+            <a:rPr lang="en-US" sz="1200" kern="1200" dirty="0"/>
+            <a:t>Efficiency, Part 2</a:t>
+          </a:r>
+        </a:p>
+      </dsp:txBody>
+      <dsp:txXfrm>
+        <a:off x="4225243" y="3069220"/>
+        <a:ext cx="940568" cy="574451"/>
+      </dsp:txXfrm>
+    </dsp:sp>
+  </dsp:spTree>
+</dsp:drawing>
+</file>
+
 <file path=ppt/diagrams/layout1.xml><?xml version="1.0" encoding="utf-8"?>
 <dgm:layoutDef xmlns:dgm="http://schemas.openxmlformats.org/drawingml/2006/diagram" xmlns:a="http://schemas.openxmlformats.org/drawingml/2006/main" uniqueId="urn:microsoft.com/office/officeart/2005/8/layout/hierarchy3">
   <dgm:title val=""/>
@@ -7547,6 +11494,298 @@
 </dgm:layoutDef>
 </file>
 
+<file path=ppt/diagrams/layout3.xml><?xml version="1.0" encoding="utf-8"?>
+<dgm:layoutDef xmlns:dgm="http://schemas.openxmlformats.org/drawingml/2006/diagram" xmlns:a="http://schemas.openxmlformats.org/drawingml/2006/main" uniqueId="urn:microsoft.com/office/officeart/2005/8/layout/hierarchy3">
+  <dgm:title val=""/>
+  <dgm:desc val=""/>
+  <dgm:catLst>
+    <dgm:cat type="hierarchy" pri="7000"/>
+    <dgm:cat type="list" pri="23000"/>
+    <dgm:cat type="relationship" pri="15000"/>
+    <dgm:cat type="convert" pri="7000"/>
+  </dgm:catLst>
+  <dgm:sampData>
+    <dgm:dataModel>
+      <dgm:ptLst>
+        <dgm:pt modelId="0" type="doc"/>
+        <dgm:pt modelId="1">
+          <dgm:prSet phldr="1"/>
+        </dgm:pt>
+        <dgm:pt modelId="11">
+          <dgm:prSet phldr="1"/>
+        </dgm:pt>
+        <dgm:pt modelId="12">
+          <dgm:prSet phldr="1"/>
+        </dgm:pt>
+        <dgm:pt modelId="2">
+          <dgm:prSet phldr="1"/>
+        </dgm:pt>
+        <dgm:pt modelId="21">
+          <dgm:prSet phldr="1"/>
+        </dgm:pt>
+        <dgm:pt modelId="22">
+          <dgm:prSet phldr="1"/>
+        </dgm:pt>
+      </dgm:ptLst>
+      <dgm:cxnLst>
+        <dgm:cxn modelId="4" srcId="0" destId="1" srcOrd="0" destOrd="0"/>
+        <dgm:cxn modelId="5" srcId="1" destId="11" srcOrd="0" destOrd="0"/>
+        <dgm:cxn modelId="6" srcId="1" destId="12" srcOrd="1" destOrd="0"/>
+        <dgm:cxn modelId="7" srcId="0" destId="2" srcOrd="1" destOrd="0"/>
+        <dgm:cxn modelId="8" srcId="2" destId="21" srcOrd="0" destOrd="0"/>
+        <dgm:cxn modelId="9" srcId="2" destId="22" srcOrd="1" destOrd="0"/>
+      </dgm:cxnLst>
+      <dgm:bg/>
+      <dgm:whole/>
+    </dgm:dataModel>
+  </dgm:sampData>
+  <dgm:styleData>
+    <dgm:dataModel>
+      <dgm:ptLst>
+        <dgm:pt modelId="0" type="doc"/>
+        <dgm:pt modelId="1"/>
+        <dgm:pt modelId="11"/>
+        <dgm:pt modelId="2"/>
+        <dgm:pt modelId="21"/>
+      </dgm:ptLst>
+      <dgm:cxnLst>
+        <dgm:cxn modelId="4" srcId="0" destId="1" srcOrd="0" destOrd="0"/>
+        <dgm:cxn modelId="5" srcId="0" destId="2" srcOrd="1" destOrd="0"/>
+        <dgm:cxn modelId="13" srcId="1" destId="11" srcOrd="0" destOrd="0"/>
+        <dgm:cxn modelId="23" srcId="2" destId="21" srcOrd="0" destOrd="0"/>
+      </dgm:cxnLst>
+      <dgm:bg/>
+      <dgm:whole/>
+    </dgm:dataModel>
+  </dgm:styleData>
+  <dgm:clrData>
+    <dgm:dataModel>
+      <dgm:ptLst>
+        <dgm:pt modelId="0" type="doc"/>
+        <dgm:pt modelId="1"/>
+        <dgm:pt modelId="11"/>
+        <dgm:pt modelId="2"/>
+        <dgm:pt modelId="21"/>
+        <dgm:pt modelId="3"/>
+        <dgm:pt modelId="31"/>
+        <dgm:pt modelId="4"/>
+        <dgm:pt modelId="41"/>
+      </dgm:ptLst>
+      <dgm:cxnLst>
+        <dgm:cxn modelId="5" srcId="0" destId="1" srcOrd="0" destOrd="0"/>
+        <dgm:cxn modelId="6" srcId="0" destId="2" srcOrd="1" destOrd="0"/>
+        <dgm:cxn modelId="7" srcId="0" destId="3" srcOrd="2" destOrd="0"/>
+        <dgm:cxn modelId="8" srcId="0" destId="4" srcOrd="3" destOrd="0"/>
+        <dgm:cxn modelId="13" srcId="1" destId="11" srcOrd="0" destOrd="0"/>
+        <dgm:cxn modelId="23" srcId="2" destId="21" srcOrd="0" destOrd="0"/>
+        <dgm:cxn modelId="33" srcId="3" destId="31" srcOrd="0" destOrd="0"/>
+        <dgm:cxn modelId="43" srcId="4" destId="41" srcOrd="0" destOrd="0"/>
+      </dgm:cxnLst>
+      <dgm:bg/>
+      <dgm:whole/>
+    </dgm:dataModel>
+  </dgm:clrData>
+  <dgm:layoutNode name="diagram">
+    <dgm:varLst>
+      <dgm:chPref val="1"/>
+      <dgm:dir/>
+      <dgm:animOne val="branch"/>
+      <dgm:animLvl val="lvl"/>
+      <dgm:resizeHandles/>
+    </dgm:varLst>
+    <dgm:choose name="Name0">
+      <dgm:if name="Name1" func="var" arg="dir" op="equ" val="norm">
+        <dgm:alg type="hierChild">
+          <dgm:param type="linDir" val="fromL"/>
+        </dgm:alg>
+      </dgm:if>
+      <dgm:else name="Name2">
+        <dgm:alg type="hierChild">
+          <dgm:param type="linDir" val="fromR"/>
+        </dgm:alg>
+      </dgm:else>
+    </dgm:choose>
+    <dgm:shape xmlns:r="http://schemas.openxmlformats.org/officeDocument/2006/relationships" r:blip="">
+      <dgm:adjLst/>
+    </dgm:shape>
+    <dgm:presOf/>
+    <dgm:constrLst>
+      <dgm:constr type="primFontSz" for="des" forName="rootText" op="equ" val="65"/>
+      <dgm:constr type="primFontSz" for="des" forName="childText" op="equ" val="65"/>
+      <dgm:constr type="w" for="des" forName="rootComposite" refType="w"/>
+      <dgm:constr type="h" for="des" forName="rootComposite" refType="w" fact="0.5"/>
+      <dgm:constr type="w" for="des" forName="childText" refType="w" refFor="des" refForName="rootComposite" fact="0.8"/>
+      <dgm:constr type="h" for="des" forName="childText" refType="h" refFor="des" refForName="rootComposite"/>
+      <dgm:constr type="sibSp" refType="w" refFor="des" refForName="rootComposite" fact="0.25"/>
+      <dgm:constr type="sibSp" for="des" forName="childShape" refType="h" refFor="des" refForName="childText" fact="0.25"/>
+      <dgm:constr type="sp" for="des" forName="root" refType="h" refFor="des" refForName="childText" fact="0.25"/>
+    </dgm:constrLst>
+    <dgm:ruleLst/>
+    <dgm:forEach name="Name3" axis="ch">
+      <dgm:forEach name="Name4" axis="self" ptType="node" cnt="1">
+        <dgm:layoutNode name="root">
+          <dgm:choose name="Name5">
+            <dgm:if name="Name6" func="var" arg="dir" op="equ" val="norm">
+              <dgm:alg type="hierRoot">
+                <dgm:param type="hierAlign" val="tL"/>
+              </dgm:alg>
+            </dgm:if>
+            <dgm:else name="Name7">
+              <dgm:alg type="hierRoot">
+                <dgm:param type="hierAlign" val="tR"/>
+              </dgm:alg>
+            </dgm:else>
+          </dgm:choose>
+          <dgm:shape xmlns:r="http://schemas.openxmlformats.org/officeDocument/2006/relationships" r:blip="">
+            <dgm:adjLst/>
+          </dgm:shape>
+          <dgm:presOf/>
+          <dgm:constrLst>
+            <dgm:constr type="alignOff" val="0.2"/>
+          </dgm:constrLst>
+          <dgm:ruleLst/>
+          <dgm:layoutNode name="rootComposite">
+            <dgm:alg type="composite"/>
+            <dgm:shape xmlns:r="http://schemas.openxmlformats.org/officeDocument/2006/relationships" r:blip="">
+              <dgm:adjLst/>
+            </dgm:shape>
+            <dgm:presOf axis="self" ptType="node" cnt="1"/>
+            <dgm:choose name="Name8">
+              <dgm:if name="Name9" func="var" arg="dir" op="equ" val="norm">
+                <dgm:constrLst>
+                  <dgm:constr type="l" for="ch" forName="rootText"/>
+                  <dgm:constr type="t" for="ch" forName="rootText"/>
+                  <dgm:constr type="w" for="ch" forName="rootText" refType="w"/>
+                  <dgm:constr type="h" for="ch" forName="rootText" refType="h"/>
+                  <dgm:constr type="l" for="ch" forName="rootConnector"/>
+                  <dgm:constr type="t" for="ch" forName="rootConnector"/>
+                  <dgm:constr type="w" for="ch" forName="rootConnector" refType="w" refFor="ch" refForName="rootText" fact="0.2"/>
+                  <dgm:constr type="h" for="ch" forName="rootConnector" refType="h" refFor="ch" refForName="rootText"/>
+                </dgm:constrLst>
+              </dgm:if>
+              <dgm:else name="Name10">
+                <dgm:constrLst>
+                  <dgm:constr type="l" for="ch" forName="rootText"/>
+                  <dgm:constr type="t" for="ch" forName="rootText"/>
+                  <dgm:constr type="w" for="ch" forName="rootText" refType="w"/>
+                  <dgm:constr type="h" for="ch" forName="rootText" refType="h"/>
+                  <dgm:constr type="r" for="ch" forName="rootConnector" refType="w"/>
+                  <dgm:constr type="t" for="ch" forName="rootConnector"/>
+                  <dgm:constr type="w" for="ch" forName="rootConnector" refType="w" refFor="ch" refForName="rootText" fact="0.2"/>
+                  <dgm:constr type="h" for="ch" forName="rootConnector" refType="h" refFor="ch" refForName="rootText"/>
+                </dgm:constrLst>
+              </dgm:else>
+            </dgm:choose>
+            <dgm:ruleLst/>
+            <dgm:layoutNode name="rootText" styleLbl="node1">
+              <dgm:alg type="tx"/>
+              <dgm:shape xmlns:r="http://schemas.openxmlformats.org/officeDocument/2006/relationships" type="roundRect" r:blip="">
+                <dgm:adjLst>
+                  <dgm:adj idx="1" val="0.1"/>
+                </dgm:adjLst>
+              </dgm:shape>
+              <dgm:presOf axis="self" ptType="node" cnt="1"/>
+              <dgm:constrLst>
+                <dgm:constr type="tMarg" refType="primFontSz" fact="0.1"/>
+                <dgm:constr type="bMarg" refType="primFontSz" fact="0.1"/>
+                <dgm:constr type="lMarg" refType="primFontSz" fact="0.15"/>
+                <dgm:constr type="rMarg" refType="primFontSz" fact="0.15"/>
+              </dgm:constrLst>
+              <dgm:ruleLst>
+                <dgm:rule type="primFontSz" val="5" fact="NaN" max="NaN"/>
+              </dgm:ruleLst>
+            </dgm:layoutNode>
+            <dgm:layoutNode name="rootConnector" moveWith="rootText">
+              <dgm:alg type="sp"/>
+              <dgm:shape xmlns:r="http://schemas.openxmlformats.org/officeDocument/2006/relationships" type="roundRect" r:blip="" hideGeom="1">
+                <dgm:adjLst>
+                  <dgm:adj idx="1" val="0.1"/>
+                </dgm:adjLst>
+              </dgm:shape>
+              <dgm:presOf axis="self" ptType="node" cnt="1"/>
+              <dgm:constrLst/>
+              <dgm:ruleLst/>
+            </dgm:layoutNode>
+          </dgm:layoutNode>
+          <dgm:layoutNode name="childShape">
+            <dgm:alg type="hierChild">
+              <dgm:param type="chAlign" val="l"/>
+              <dgm:param type="linDir" val="fromT"/>
+            </dgm:alg>
+            <dgm:shape xmlns:r="http://schemas.openxmlformats.org/officeDocument/2006/relationships" r:blip="">
+              <dgm:adjLst/>
+            </dgm:shape>
+            <dgm:presOf/>
+            <dgm:constrLst/>
+            <dgm:ruleLst/>
+            <dgm:forEach name="Name11" axis="ch">
+              <dgm:forEach name="Name12" axis="self" ptType="parTrans" cnt="1">
+                <dgm:layoutNode name="Name13">
+                  <dgm:choose name="Name14">
+                    <dgm:if name="Name15" func="var" arg="dir" op="equ" val="norm">
+                      <dgm:alg type="conn">
+                        <dgm:param type="dim" val="1D"/>
+                        <dgm:param type="endSty" val="noArr"/>
+                        <dgm:param type="connRout" val="bend"/>
+                        <dgm:param type="srcNode" val="rootConnector"/>
+                        <dgm:param type="begPts" val="bCtr"/>
+                        <dgm:param type="endPts" val="midL"/>
+                      </dgm:alg>
+                    </dgm:if>
+                    <dgm:else name="Name16">
+                      <dgm:alg type="conn">
+                        <dgm:param type="dim" val="1D"/>
+                        <dgm:param type="endSty" val="noArr"/>
+                        <dgm:param type="connRout" val="bend"/>
+                        <dgm:param type="srcNode" val="rootConnector"/>
+                        <dgm:param type="begPts" val="bCtr"/>
+                        <dgm:param type="endPts" val="midR"/>
+                      </dgm:alg>
+                    </dgm:else>
+                  </dgm:choose>
+                  <dgm:shape xmlns:r="http://schemas.openxmlformats.org/officeDocument/2006/relationships" type="conn" r:blip="">
+                    <dgm:adjLst/>
+                  </dgm:shape>
+                  <dgm:presOf axis="self"/>
+                  <dgm:constrLst>
+                    <dgm:constr type="begPad"/>
+                    <dgm:constr type="endPad"/>
+                  </dgm:constrLst>
+                  <dgm:ruleLst/>
+                </dgm:layoutNode>
+              </dgm:forEach>
+              <dgm:forEach name="Name17" axis="self" ptType="node">
+                <dgm:layoutNode name="childText" styleLbl="bgAcc1">
+                  <dgm:varLst>
+                    <dgm:bulletEnabled val="1"/>
+                  </dgm:varLst>
+                  <dgm:alg type="tx"/>
+                  <dgm:shape xmlns:r="http://schemas.openxmlformats.org/officeDocument/2006/relationships" type="roundRect" r:blip="">
+                    <dgm:adjLst>
+                      <dgm:adj idx="1" val="0.1"/>
+                    </dgm:adjLst>
+                  </dgm:shape>
+                  <dgm:presOf axis="self desOrSelf" ptType="node node" st="1 1" cnt="1 0"/>
+                  <dgm:constrLst>
+                    <dgm:constr type="tMarg" refType="primFontSz" fact="0.1"/>
+                    <dgm:constr type="bMarg" refType="primFontSz" fact="0.1"/>
+                    <dgm:constr type="lMarg" refType="primFontSz" fact="0.15"/>
+                    <dgm:constr type="rMarg" refType="primFontSz" fact="0.15"/>
+                  </dgm:constrLst>
+                  <dgm:ruleLst>
+                    <dgm:rule type="primFontSz" val="5" fact="NaN" max="NaN"/>
+                  </dgm:ruleLst>
+                </dgm:layoutNode>
+              </dgm:forEach>
+            </dgm:forEach>
+          </dgm:layoutNode>
+        </dgm:layoutNode>
+      </dgm:forEach>
+    </dgm:forEach>
+  </dgm:layoutNode>
+</dgm:layoutDef>
+</file>
+
 <file path=ppt/diagrams/quickStyle1.xml><?xml version="1.0" encoding="utf-8"?>
 <dgm:styleDef xmlns:dgm="http://schemas.openxmlformats.org/drawingml/2006/diagram" xmlns:a="http://schemas.openxmlformats.org/drawingml/2006/main" uniqueId="urn:microsoft.com/office/officeart/2005/8/quickstyle/simple1">
   <dgm:title val=""/>
@@ -8582,6 +12821,1040 @@
 </file>
 
 <file path=ppt/diagrams/quickStyle2.xml><?xml version="1.0" encoding="utf-8"?>
+<dgm:styleDef xmlns:dgm="http://schemas.openxmlformats.org/drawingml/2006/diagram" xmlns:a="http://schemas.openxmlformats.org/drawingml/2006/main" uniqueId="urn:microsoft.com/office/officeart/2005/8/quickstyle/simple1">
+  <dgm:title val=""/>
+  <dgm:desc val=""/>
+  <dgm:catLst>
+    <dgm:cat type="simple" pri="10100"/>
+  </dgm:catLst>
+  <dgm:scene3d>
+    <a:camera prst="orthographicFront"/>
+    <a:lightRig rig="threePt" dir="t"/>
+  </dgm:scene3d>
+  <dgm:styleLbl name="node0">
+    <dgm:scene3d>
+      <a:camera prst="orthographicFront"/>
+      <a:lightRig rig="threePt" dir="t"/>
+    </dgm:scene3d>
+    <dgm:sp3d/>
+    <dgm:txPr/>
+    <dgm:style>
+      <a:lnRef idx="2">
+        <a:scrgbClr r="0" g="0" b="0"/>
+      </a:lnRef>
+      <a:fillRef idx="1">
+        <a:scrgbClr r="0" g="0" b="0"/>
+      </a:fillRef>
+      <a:effectRef idx="0">
+        <a:scrgbClr r="0" g="0" b="0"/>
+      </a:effectRef>
+      <a:fontRef idx="minor">
+        <a:schemeClr val="lt1"/>
+      </a:fontRef>
+    </dgm:style>
+  </dgm:styleLbl>
+  <dgm:styleLbl name="lnNode1">
+    <dgm:scene3d>
+      <a:camera prst="orthographicFront"/>
+      <a:lightRig rig="threePt" dir="t"/>
+    </dgm:scene3d>
+    <dgm:sp3d/>
+    <dgm:txPr/>
+    <dgm:style>
+      <a:lnRef idx="2">
+        <a:scrgbClr r="0" g="0" b="0"/>
+      </a:lnRef>
+      <a:fillRef idx="1">
+        <a:scrgbClr r="0" g="0" b="0"/>
+      </a:fillRef>
+      <a:effectRef idx="0">
+        <a:scrgbClr r="0" g="0" b="0"/>
+      </a:effectRef>
+      <a:fontRef idx="minor">
+        <a:schemeClr val="lt1"/>
+      </a:fontRef>
+    </dgm:style>
+  </dgm:styleLbl>
+  <dgm:styleLbl name="vennNode1">
+    <dgm:scene3d>
+      <a:camera prst="orthographicFront"/>
+      <a:lightRig rig="threePt" dir="t"/>
+    </dgm:scene3d>
+    <dgm:sp3d/>
+    <dgm:txPr/>
+    <dgm:style>
+      <a:lnRef idx="2">
+        <a:scrgbClr r="0" g="0" b="0"/>
+      </a:lnRef>
+      <a:fillRef idx="1">
+        <a:scrgbClr r="0" g="0" b="0"/>
+      </a:fillRef>
+      <a:effectRef idx="0">
+        <a:scrgbClr r="0" g="0" b="0"/>
+      </a:effectRef>
+      <a:fontRef idx="minor">
+        <a:schemeClr val="tx1"/>
+      </a:fontRef>
+    </dgm:style>
+  </dgm:styleLbl>
+  <dgm:styleLbl name="alignNode1">
+    <dgm:scene3d>
+      <a:camera prst="orthographicFront"/>
+      <a:lightRig rig="threePt" dir="t"/>
+    </dgm:scene3d>
+    <dgm:sp3d/>
+    <dgm:txPr/>
+    <dgm:style>
+      <a:lnRef idx="2">
+        <a:scrgbClr r="0" g="0" b="0"/>
+      </a:lnRef>
+      <a:fillRef idx="1">
+        <a:scrgbClr r="0" g="0" b="0"/>
+      </a:fillRef>
+      <a:effectRef idx="0">
+        <a:scrgbClr r="0" g="0" b="0"/>
+      </a:effectRef>
+      <a:fontRef idx="minor">
+        <a:schemeClr val="lt1"/>
+      </a:fontRef>
+    </dgm:style>
+  </dgm:styleLbl>
+  <dgm:styleLbl name="node1">
+    <dgm:scene3d>
+      <a:camera prst="orthographicFront"/>
+      <a:lightRig rig="threePt" dir="t"/>
+    </dgm:scene3d>
+    <dgm:sp3d/>
+    <dgm:txPr/>
+    <dgm:style>
+      <a:lnRef idx="2">
+        <a:scrgbClr r="0" g="0" b="0"/>
+      </a:lnRef>
+      <a:fillRef idx="1">
+        <a:scrgbClr r="0" g="0" b="0"/>
+      </a:fillRef>
+      <a:effectRef idx="0">
+        <a:scrgbClr r="0" g="0" b="0"/>
+      </a:effectRef>
+      <a:fontRef idx="minor">
+        <a:schemeClr val="lt1"/>
+      </a:fontRef>
+    </dgm:style>
+  </dgm:styleLbl>
+  <dgm:styleLbl name="node2">
+    <dgm:scene3d>
+      <a:camera prst="orthographicFront"/>
+      <a:lightRig rig="threePt" dir="t"/>
+    </dgm:scene3d>
+    <dgm:sp3d/>
+    <dgm:txPr/>
+    <dgm:style>
+      <a:lnRef idx="2">
+        <a:scrgbClr r="0" g="0" b="0"/>
+      </a:lnRef>
+      <a:fillRef idx="1">
+        <a:scrgbClr r="0" g="0" b="0"/>
+      </a:fillRef>
+      <a:effectRef idx="0">
+        <a:scrgbClr r="0" g="0" b="0"/>
+      </a:effectRef>
+      <a:fontRef idx="minor">
+        <a:schemeClr val="lt1"/>
+      </a:fontRef>
+    </dgm:style>
+  </dgm:styleLbl>
+  <dgm:styleLbl name="node3">
+    <dgm:scene3d>
+      <a:camera prst="orthographicFront"/>
+      <a:lightRig rig="threePt" dir="t"/>
+    </dgm:scene3d>
+    <dgm:sp3d/>
+    <dgm:txPr/>
+    <dgm:style>
+      <a:lnRef idx="2">
+        <a:scrgbClr r="0" g="0" b="0"/>
+      </a:lnRef>
+      <a:fillRef idx="1">
+        <a:scrgbClr r="0" g="0" b="0"/>
+      </a:fillRef>
+      <a:effectRef idx="0">
+        <a:scrgbClr r="0" g="0" b="0"/>
+      </a:effectRef>
+      <a:fontRef idx="minor">
+        <a:schemeClr val="lt1"/>
+      </a:fontRef>
+    </dgm:style>
+  </dgm:styleLbl>
+  <dgm:styleLbl name="node4">
+    <dgm:scene3d>
+      <a:camera prst="orthographicFront"/>
+      <a:lightRig rig="threePt" dir="t"/>
+    </dgm:scene3d>
+    <dgm:sp3d/>
+    <dgm:txPr/>
+    <dgm:style>
+      <a:lnRef idx="2">
+        <a:scrgbClr r="0" g="0" b="0"/>
+      </a:lnRef>
+      <a:fillRef idx="1">
+        <a:scrgbClr r="0" g="0" b="0"/>
+      </a:fillRef>
+      <a:effectRef idx="0">
+        <a:scrgbClr r="0" g="0" b="0"/>
+      </a:effectRef>
+      <a:fontRef idx="minor">
+        <a:schemeClr val="lt1"/>
+      </a:fontRef>
+    </dgm:style>
+  </dgm:styleLbl>
+  <dgm:styleLbl name="fgImgPlace1">
+    <dgm:scene3d>
+      <a:camera prst="orthographicFront"/>
+      <a:lightRig rig="threePt" dir="t"/>
+    </dgm:scene3d>
+    <dgm:sp3d/>
+    <dgm:txPr/>
+    <dgm:style>
+      <a:lnRef idx="2">
+        <a:scrgbClr r="0" g="0" b="0"/>
+      </a:lnRef>
+      <a:fillRef idx="1">
+        <a:scrgbClr r="0" g="0" b="0"/>
+      </a:fillRef>
+      <a:effectRef idx="0">
+        <a:scrgbClr r="0" g="0" b="0"/>
+      </a:effectRef>
+      <a:fontRef idx="minor"/>
+    </dgm:style>
+  </dgm:styleLbl>
+  <dgm:styleLbl name="alignImgPlace1">
+    <dgm:scene3d>
+      <a:camera prst="orthographicFront"/>
+      <a:lightRig rig="threePt" dir="t"/>
+    </dgm:scene3d>
+    <dgm:sp3d/>
+    <dgm:txPr/>
+    <dgm:style>
+      <a:lnRef idx="2">
+        <a:scrgbClr r="0" g="0" b="0"/>
+      </a:lnRef>
+      <a:fillRef idx="1">
+        <a:scrgbClr r="0" g="0" b="0"/>
+      </a:fillRef>
+      <a:effectRef idx="0">
+        <a:scrgbClr r="0" g="0" b="0"/>
+      </a:effectRef>
+      <a:fontRef idx="minor"/>
+    </dgm:style>
+  </dgm:styleLbl>
+  <dgm:styleLbl name="bgImgPlace1">
+    <dgm:scene3d>
+      <a:camera prst="orthographicFront"/>
+      <a:lightRig rig="threePt" dir="t"/>
+    </dgm:scene3d>
+    <dgm:sp3d/>
+    <dgm:txPr/>
+    <dgm:style>
+      <a:lnRef idx="2">
+        <a:scrgbClr r="0" g="0" b="0"/>
+      </a:lnRef>
+      <a:fillRef idx="1">
+        <a:scrgbClr r="0" g="0" b="0"/>
+      </a:fillRef>
+      <a:effectRef idx="0">
+        <a:scrgbClr r="0" g="0" b="0"/>
+      </a:effectRef>
+      <a:fontRef idx="minor"/>
+    </dgm:style>
+  </dgm:styleLbl>
+  <dgm:styleLbl name="sibTrans2D1">
+    <dgm:scene3d>
+      <a:camera prst="orthographicFront"/>
+      <a:lightRig rig="threePt" dir="t"/>
+    </dgm:scene3d>
+    <dgm:sp3d/>
+    <dgm:txPr/>
+    <dgm:style>
+      <a:lnRef idx="0">
+        <a:scrgbClr r="0" g="0" b="0"/>
+      </a:lnRef>
+      <a:fillRef idx="1">
+        <a:scrgbClr r="0" g="0" b="0"/>
+      </a:fillRef>
+      <a:effectRef idx="0">
+        <a:scrgbClr r="0" g="0" b="0"/>
+      </a:effectRef>
+      <a:fontRef idx="minor">
+        <a:schemeClr val="lt1"/>
+      </a:fontRef>
+    </dgm:style>
+  </dgm:styleLbl>
+  <dgm:styleLbl name="fgSibTrans2D1">
+    <dgm:scene3d>
+      <a:camera prst="orthographicFront"/>
+      <a:lightRig rig="threePt" dir="t"/>
+    </dgm:scene3d>
+    <dgm:sp3d/>
+    <dgm:txPr/>
+    <dgm:style>
+      <a:lnRef idx="0">
+        <a:scrgbClr r="0" g="0" b="0"/>
+      </a:lnRef>
+      <a:fillRef idx="1">
+        <a:scrgbClr r="0" g="0" b="0"/>
+      </a:fillRef>
+      <a:effectRef idx="0">
+        <a:scrgbClr r="0" g="0" b="0"/>
+      </a:effectRef>
+      <a:fontRef idx="minor">
+        <a:schemeClr val="lt1"/>
+      </a:fontRef>
+    </dgm:style>
+  </dgm:styleLbl>
+  <dgm:styleLbl name="bgSibTrans2D1">
+    <dgm:scene3d>
+      <a:camera prst="orthographicFront"/>
+      <a:lightRig rig="threePt" dir="t"/>
+    </dgm:scene3d>
+    <dgm:sp3d/>
+    <dgm:txPr/>
+    <dgm:style>
+      <a:lnRef idx="0">
+        <a:scrgbClr r="0" g="0" b="0"/>
+      </a:lnRef>
+      <a:fillRef idx="1">
+        <a:scrgbClr r="0" g="0" b="0"/>
+      </a:fillRef>
+      <a:effectRef idx="0">
+        <a:scrgbClr r="0" g="0" b="0"/>
+      </a:effectRef>
+      <a:fontRef idx="minor">
+        <a:schemeClr val="lt1"/>
+      </a:fontRef>
+    </dgm:style>
+  </dgm:styleLbl>
+  <dgm:styleLbl name="sibTrans1D1">
+    <dgm:scene3d>
+      <a:camera prst="orthographicFront"/>
+      <a:lightRig rig="threePt" dir="t"/>
+    </dgm:scene3d>
+    <dgm:sp3d/>
+    <dgm:txPr/>
+    <dgm:style>
+      <a:lnRef idx="1">
+        <a:scrgbClr r="0" g="0" b="0"/>
+      </a:lnRef>
+      <a:fillRef idx="0">
+        <a:scrgbClr r="0" g="0" b="0"/>
+      </a:fillRef>
+      <a:effectRef idx="0">
+        <a:scrgbClr r="0" g="0" b="0"/>
+      </a:effectRef>
+      <a:fontRef idx="minor"/>
+    </dgm:style>
+  </dgm:styleLbl>
+  <dgm:styleLbl name="callout">
+    <dgm:scene3d>
+      <a:camera prst="orthographicFront"/>
+      <a:lightRig rig="threePt" dir="t"/>
+    </dgm:scene3d>
+    <dgm:sp3d/>
+    <dgm:txPr/>
+    <dgm:style>
+      <a:lnRef idx="2">
+        <a:scrgbClr r="0" g="0" b="0"/>
+      </a:lnRef>
+      <a:fillRef idx="1">
+        <a:scrgbClr r="0" g="0" b="0"/>
+      </a:fillRef>
+      <a:effectRef idx="0">
+        <a:scrgbClr r="0" g="0" b="0"/>
+      </a:effectRef>
+      <a:fontRef idx="minor"/>
+    </dgm:style>
+  </dgm:styleLbl>
+  <dgm:styleLbl name="asst0">
+    <dgm:scene3d>
+      <a:camera prst="orthographicFront"/>
+      <a:lightRig rig="threePt" dir="t"/>
+    </dgm:scene3d>
+    <dgm:sp3d/>
+    <dgm:txPr/>
+    <dgm:style>
+      <a:lnRef idx="2">
+        <a:scrgbClr r="0" g="0" b="0"/>
+      </a:lnRef>
+      <a:fillRef idx="1">
+        <a:scrgbClr r="0" g="0" b="0"/>
+      </a:fillRef>
+      <a:effectRef idx="0">
+        <a:scrgbClr r="0" g="0" b="0"/>
+      </a:effectRef>
+      <a:fontRef idx="minor">
+        <a:schemeClr val="lt1"/>
+      </a:fontRef>
+    </dgm:style>
+  </dgm:styleLbl>
+  <dgm:styleLbl name="asst1">
+    <dgm:scene3d>
+      <a:camera prst="orthographicFront"/>
+      <a:lightRig rig="threePt" dir="t"/>
+    </dgm:scene3d>
+    <dgm:sp3d/>
+    <dgm:txPr/>
+    <dgm:style>
+      <a:lnRef idx="2">
+        <a:scrgbClr r="0" g="0" b="0"/>
+      </a:lnRef>
+      <a:fillRef idx="1">
+        <a:scrgbClr r="0" g="0" b="0"/>
+      </a:fillRef>
+      <a:effectRef idx="0">
+        <a:scrgbClr r="0" g="0" b="0"/>
+      </a:effectRef>
+      <a:fontRef idx="minor">
+        <a:schemeClr val="lt1"/>
+      </a:fontRef>
+    </dgm:style>
+  </dgm:styleLbl>
+  <dgm:styleLbl name="asst2">
+    <dgm:scene3d>
+      <a:camera prst="orthographicFront"/>
+      <a:lightRig rig="threePt" dir="t"/>
+    </dgm:scene3d>
+    <dgm:sp3d/>
+    <dgm:txPr/>
+    <dgm:style>
+      <a:lnRef idx="2">
+        <a:scrgbClr r="0" g="0" b="0"/>
+      </a:lnRef>
+      <a:fillRef idx="1">
+        <a:scrgbClr r="0" g="0" b="0"/>
+      </a:fillRef>
+      <a:effectRef idx="0">
+        <a:scrgbClr r="0" g="0" b="0"/>
+      </a:effectRef>
+      <a:fontRef idx="minor">
+        <a:schemeClr val="lt1"/>
+      </a:fontRef>
+    </dgm:style>
+  </dgm:styleLbl>
+  <dgm:styleLbl name="asst3">
+    <dgm:scene3d>
+      <a:camera prst="orthographicFront"/>
+      <a:lightRig rig="threePt" dir="t"/>
+    </dgm:scene3d>
+    <dgm:sp3d/>
+    <dgm:txPr/>
+    <dgm:style>
+      <a:lnRef idx="2">
+        <a:scrgbClr r="0" g="0" b="0"/>
+      </a:lnRef>
+      <a:fillRef idx="1">
+        <a:scrgbClr r="0" g="0" b="0"/>
+      </a:fillRef>
+      <a:effectRef idx="0">
+        <a:scrgbClr r="0" g="0" b="0"/>
+      </a:effectRef>
+      <a:fontRef idx="minor">
+        <a:schemeClr val="lt1"/>
+      </a:fontRef>
+    </dgm:style>
+  </dgm:styleLbl>
+  <dgm:styleLbl name="asst4">
+    <dgm:scene3d>
+      <a:camera prst="orthographicFront"/>
+      <a:lightRig rig="threePt" dir="t"/>
+    </dgm:scene3d>
+    <dgm:sp3d/>
+    <dgm:txPr/>
+    <dgm:style>
+      <a:lnRef idx="2">
+        <a:scrgbClr r="0" g="0" b="0"/>
+      </a:lnRef>
+      <a:fillRef idx="1">
+        <a:scrgbClr r="0" g="0" b="0"/>
+      </a:fillRef>
+      <a:effectRef idx="0">
+        <a:scrgbClr r="0" g="0" b="0"/>
+      </a:effectRef>
+      <a:fontRef idx="minor">
+        <a:schemeClr val="lt1"/>
+      </a:fontRef>
+    </dgm:style>
+  </dgm:styleLbl>
+  <dgm:styleLbl name="parChTrans2D1">
+    <dgm:scene3d>
+      <a:camera prst="orthographicFront"/>
+      <a:lightRig rig="threePt" dir="t"/>
+    </dgm:scene3d>
+    <dgm:sp3d/>
+    <dgm:txPr/>
+    <dgm:style>
+      <a:lnRef idx="2">
+        <a:scrgbClr r="0" g="0" b="0"/>
+      </a:lnRef>
+      <a:fillRef idx="1">
+        <a:scrgbClr r="0" g="0" b="0"/>
+      </a:fillRef>
+      <a:effectRef idx="0">
+        <a:scrgbClr r="0" g="0" b="0"/>
+      </a:effectRef>
+      <a:fontRef idx="minor">
+        <a:schemeClr val="lt1"/>
+      </a:fontRef>
+    </dgm:style>
+  </dgm:styleLbl>
+  <dgm:styleLbl name="parChTrans2D2">
+    <dgm:scene3d>
+      <a:camera prst="orthographicFront"/>
+      <a:lightRig rig="threePt" dir="t"/>
+    </dgm:scene3d>
+    <dgm:sp3d/>
+    <dgm:txPr/>
+    <dgm:style>
+      <a:lnRef idx="2">
+        <a:scrgbClr r="0" g="0" b="0"/>
+      </a:lnRef>
+      <a:fillRef idx="1">
+        <a:scrgbClr r="0" g="0" b="0"/>
+      </a:fillRef>
+      <a:effectRef idx="0">
+        <a:scrgbClr r="0" g="0" b="0"/>
+      </a:effectRef>
+      <a:fontRef idx="minor">
+        <a:schemeClr val="lt1"/>
+      </a:fontRef>
+    </dgm:style>
+  </dgm:styleLbl>
+  <dgm:styleLbl name="parChTrans2D3">
+    <dgm:scene3d>
+      <a:camera prst="orthographicFront"/>
+      <a:lightRig rig="threePt" dir="t"/>
+    </dgm:scene3d>
+    <dgm:sp3d/>
+    <dgm:txPr/>
+    <dgm:style>
+      <a:lnRef idx="2">
+        <a:scrgbClr r="0" g="0" b="0"/>
+      </a:lnRef>
+      <a:fillRef idx="1">
+        <a:scrgbClr r="0" g="0" b="0"/>
+      </a:fillRef>
+      <a:effectRef idx="0">
+        <a:scrgbClr r="0" g="0" b="0"/>
+      </a:effectRef>
+      <a:fontRef idx="minor">
+        <a:schemeClr val="lt1"/>
+      </a:fontRef>
+    </dgm:style>
+  </dgm:styleLbl>
+  <dgm:styleLbl name="parChTrans2D4">
+    <dgm:scene3d>
+      <a:camera prst="orthographicFront"/>
+      <a:lightRig rig="threePt" dir="t"/>
+    </dgm:scene3d>
+    <dgm:sp3d/>
+    <dgm:txPr/>
+    <dgm:style>
+      <a:lnRef idx="2">
+        <a:scrgbClr r="0" g="0" b="0"/>
+      </a:lnRef>
+      <a:fillRef idx="1">
+        <a:scrgbClr r="0" g="0" b="0"/>
+      </a:fillRef>
+      <a:effectRef idx="0">
+        <a:scrgbClr r="0" g="0" b="0"/>
+      </a:effectRef>
+      <a:fontRef idx="minor">
+        <a:schemeClr val="lt1"/>
+      </a:fontRef>
+    </dgm:style>
+  </dgm:styleLbl>
+  <dgm:styleLbl name="parChTrans1D1">
+    <dgm:scene3d>
+      <a:camera prst="orthographicFront"/>
+      <a:lightRig rig="threePt" dir="t"/>
+    </dgm:scene3d>
+    <dgm:sp3d/>
+    <dgm:txPr/>
+    <dgm:style>
+      <a:lnRef idx="2">
+        <a:scrgbClr r="0" g="0" b="0"/>
+      </a:lnRef>
+      <a:fillRef idx="0">
+        <a:scrgbClr r="0" g="0" b="0"/>
+      </a:fillRef>
+      <a:effectRef idx="0">
+        <a:scrgbClr r="0" g="0" b="0"/>
+      </a:effectRef>
+      <a:fontRef idx="minor"/>
+    </dgm:style>
+  </dgm:styleLbl>
+  <dgm:styleLbl name="parChTrans1D2">
+    <dgm:scene3d>
+      <a:camera prst="orthographicFront"/>
+      <a:lightRig rig="threePt" dir="t"/>
+    </dgm:scene3d>
+    <dgm:sp3d/>
+    <dgm:txPr/>
+    <dgm:style>
+      <a:lnRef idx="2">
+        <a:scrgbClr r="0" g="0" b="0"/>
+      </a:lnRef>
+      <a:fillRef idx="0">
+        <a:scrgbClr r="0" g="0" b="0"/>
+      </a:fillRef>
+      <a:effectRef idx="0">
+        <a:scrgbClr r="0" g="0" b="0"/>
+      </a:effectRef>
+      <a:fontRef idx="minor"/>
+    </dgm:style>
+  </dgm:styleLbl>
+  <dgm:styleLbl name="parChTrans1D3">
+    <dgm:scene3d>
+      <a:camera prst="orthographicFront"/>
+      <a:lightRig rig="threePt" dir="t"/>
+    </dgm:scene3d>
+    <dgm:sp3d/>
+    <dgm:txPr/>
+    <dgm:style>
+      <a:lnRef idx="2">
+        <a:scrgbClr r="0" g="0" b="0"/>
+      </a:lnRef>
+      <a:fillRef idx="0">
+        <a:scrgbClr r="0" g="0" b="0"/>
+      </a:fillRef>
+      <a:effectRef idx="0">
+        <a:scrgbClr r="0" g="0" b="0"/>
+      </a:effectRef>
+      <a:fontRef idx="minor"/>
+    </dgm:style>
+  </dgm:styleLbl>
+  <dgm:styleLbl name="parChTrans1D4">
+    <dgm:scene3d>
+      <a:camera prst="orthographicFront"/>
+      <a:lightRig rig="threePt" dir="t"/>
+    </dgm:scene3d>
+    <dgm:sp3d/>
+    <dgm:txPr/>
+    <dgm:style>
+      <a:lnRef idx="2">
+        <a:scrgbClr r="0" g="0" b="0"/>
+      </a:lnRef>
+      <a:fillRef idx="0">
+        <a:scrgbClr r="0" g="0" b="0"/>
+      </a:fillRef>
+      <a:effectRef idx="0">
+        <a:scrgbClr r="0" g="0" b="0"/>
+      </a:effectRef>
+      <a:fontRef idx="minor"/>
+    </dgm:style>
+  </dgm:styleLbl>
+  <dgm:styleLbl name="fgAcc1">
+    <dgm:scene3d>
+      <a:camera prst="orthographicFront"/>
+      <a:lightRig rig="threePt" dir="t"/>
+    </dgm:scene3d>
+    <dgm:sp3d/>
+    <dgm:txPr/>
+    <dgm:style>
+      <a:lnRef idx="2">
+        <a:scrgbClr r="0" g="0" b="0"/>
+      </a:lnRef>
+      <a:fillRef idx="1">
+        <a:scrgbClr r="0" g="0" b="0"/>
+      </a:fillRef>
+      <a:effectRef idx="0">
+        <a:scrgbClr r="0" g="0" b="0"/>
+      </a:effectRef>
+      <a:fontRef idx="minor"/>
+    </dgm:style>
+  </dgm:styleLbl>
+  <dgm:styleLbl name="conFgAcc1">
+    <dgm:scene3d>
+      <a:camera prst="orthographicFront"/>
+      <a:lightRig rig="threePt" dir="t"/>
+    </dgm:scene3d>
+    <dgm:sp3d/>
+    <dgm:txPr/>
+    <dgm:style>
+      <a:lnRef idx="2">
+        <a:scrgbClr r="0" g="0" b="0"/>
+      </a:lnRef>
+      <a:fillRef idx="1">
+        <a:scrgbClr r="0" g="0" b="0"/>
+      </a:fillRef>
+      <a:effectRef idx="0">
+        <a:scrgbClr r="0" g="0" b="0"/>
+      </a:effectRef>
+      <a:fontRef idx="minor"/>
+    </dgm:style>
+  </dgm:styleLbl>
+  <dgm:styleLbl name="alignAcc1">
+    <dgm:scene3d>
+      <a:camera prst="orthographicFront"/>
+      <a:lightRig rig="threePt" dir="t"/>
+    </dgm:scene3d>
+    <dgm:sp3d/>
+    <dgm:txPr/>
+    <dgm:style>
+      <a:lnRef idx="2">
+        <a:scrgbClr r="0" g="0" b="0"/>
+      </a:lnRef>
+      <a:fillRef idx="1">
+        <a:scrgbClr r="0" g="0" b="0"/>
+      </a:fillRef>
+      <a:effectRef idx="0">
+        <a:scrgbClr r="0" g="0" b="0"/>
+      </a:effectRef>
+      <a:fontRef idx="minor"/>
+    </dgm:style>
+  </dgm:styleLbl>
+  <dgm:styleLbl name="trAlignAcc1">
+    <dgm:scene3d>
+      <a:camera prst="orthographicFront"/>
+      <a:lightRig rig="threePt" dir="t"/>
+    </dgm:scene3d>
+    <dgm:sp3d/>
+    <dgm:txPr/>
+    <dgm:style>
+      <a:lnRef idx="1">
+        <a:scrgbClr r="0" g="0" b="0"/>
+      </a:lnRef>
+      <a:fillRef idx="1">
+        <a:scrgbClr r="0" g="0" b="0"/>
+      </a:fillRef>
+      <a:effectRef idx="0">
+        <a:scrgbClr r="0" g="0" b="0"/>
+      </a:effectRef>
+      <a:fontRef idx="minor"/>
+    </dgm:style>
+  </dgm:styleLbl>
+  <dgm:styleLbl name="bgAcc1">
+    <dgm:scene3d>
+      <a:camera prst="orthographicFront"/>
+      <a:lightRig rig="threePt" dir="t"/>
+    </dgm:scene3d>
+    <dgm:sp3d/>
+    <dgm:txPr/>
+    <dgm:style>
+      <a:lnRef idx="2">
+        <a:scrgbClr r="0" g="0" b="0"/>
+      </a:lnRef>
+      <a:fillRef idx="1">
+        <a:scrgbClr r="0" g="0" b="0"/>
+      </a:fillRef>
+      <a:effectRef idx="0">
+        <a:scrgbClr r="0" g="0" b="0"/>
+      </a:effectRef>
+      <a:fontRef idx="minor"/>
+    </dgm:style>
+  </dgm:styleLbl>
+  <dgm:styleLbl name="solidFgAcc1">
+    <dgm:scene3d>
+      <a:camera prst="orthographicFront"/>
+      <a:lightRig rig="threePt" dir="t"/>
+    </dgm:scene3d>
+    <dgm:sp3d/>
+    <dgm:txPr/>
+    <dgm:style>
+      <a:lnRef idx="2">
+        <a:scrgbClr r="0" g="0" b="0"/>
+      </a:lnRef>
+      <a:fillRef idx="1">
+        <a:scrgbClr r="0" g="0" b="0"/>
+      </a:fillRef>
+      <a:effectRef idx="0">
+        <a:scrgbClr r="0" g="0" b="0"/>
+      </a:effectRef>
+      <a:fontRef idx="minor"/>
+    </dgm:style>
+  </dgm:styleLbl>
+  <dgm:styleLbl name="solidAlignAcc1">
+    <dgm:scene3d>
+      <a:camera prst="orthographicFront"/>
+      <a:lightRig rig="threePt" dir="t"/>
+    </dgm:scene3d>
+    <dgm:sp3d/>
+    <dgm:txPr/>
+    <dgm:style>
+      <a:lnRef idx="2">
+        <a:scrgbClr r="0" g="0" b="0"/>
+      </a:lnRef>
+      <a:fillRef idx="1">
+        <a:scrgbClr r="0" g="0" b="0"/>
+      </a:fillRef>
+      <a:effectRef idx="0">
+        <a:scrgbClr r="0" g="0" b="0"/>
+      </a:effectRef>
+      <a:fontRef idx="minor"/>
+    </dgm:style>
+  </dgm:styleLbl>
+  <dgm:styleLbl name="solidBgAcc1">
+    <dgm:scene3d>
+      <a:camera prst="orthographicFront"/>
+      <a:lightRig rig="threePt" dir="t"/>
+    </dgm:scene3d>
+    <dgm:sp3d/>
+    <dgm:txPr/>
+    <dgm:style>
+      <a:lnRef idx="2">
+        <a:scrgbClr r="0" g="0" b="0"/>
+      </a:lnRef>
+      <a:fillRef idx="1">
+        <a:scrgbClr r="0" g="0" b="0"/>
+      </a:fillRef>
+      <a:effectRef idx="0">
+        <a:scrgbClr r="0" g="0" b="0"/>
+      </a:effectRef>
+      <a:fontRef idx="minor"/>
+    </dgm:style>
+  </dgm:styleLbl>
+  <dgm:styleLbl name="fgAccFollowNode1">
+    <dgm:scene3d>
+      <a:camera prst="orthographicFront"/>
+      <a:lightRig rig="threePt" dir="t"/>
+    </dgm:scene3d>
+    <dgm:sp3d/>
+    <dgm:txPr/>
+    <dgm:style>
+      <a:lnRef idx="2">
+        <a:scrgbClr r="0" g="0" b="0"/>
+      </a:lnRef>
+      <a:fillRef idx="1">
+        <a:scrgbClr r="0" g="0" b="0"/>
+      </a:fillRef>
+      <a:effectRef idx="0">
+        <a:scrgbClr r="0" g="0" b="0"/>
+      </a:effectRef>
+      <a:fontRef idx="minor"/>
+    </dgm:style>
+  </dgm:styleLbl>
+  <dgm:styleLbl name="alignAccFollowNode1">
+    <dgm:scene3d>
+      <a:camera prst="orthographicFront"/>
+      <a:lightRig rig="threePt" dir="t"/>
+    </dgm:scene3d>
+    <dgm:sp3d/>
+    <dgm:txPr/>
+    <dgm:style>
+      <a:lnRef idx="2">
+        <a:scrgbClr r="0" g="0" b="0"/>
+      </a:lnRef>
+      <a:fillRef idx="1">
+        <a:scrgbClr r="0" g="0" b="0"/>
+      </a:fillRef>
+      <a:effectRef idx="0">
+        <a:scrgbClr r="0" g="0" b="0"/>
+      </a:effectRef>
+      <a:fontRef idx="minor"/>
+    </dgm:style>
+  </dgm:styleLbl>
+  <dgm:styleLbl name="bgAccFollowNode1">
+    <dgm:scene3d>
+      <a:camera prst="orthographicFront"/>
+      <a:lightRig rig="threePt" dir="t"/>
+    </dgm:scene3d>
+    <dgm:sp3d/>
+    <dgm:txPr/>
+    <dgm:style>
+      <a:lnRef idx="2">
+        <a:scrgbClr r="0" g="0" b="0"/>
+      </a:lnRef>
+      <a:fillRef idx="1">
+        <a:scrgbClr r="0" g="0" b="0"/>
+      </a:fillRef>
+      <a:effectRef idx="0">
+        <a:scrgbClr r="0" g="0" b="0"/>
+      </a:effectRef>
+      <a:fontRef idx="minor"/>
+    </dgm:style>
+  </dgm:styleLbl>
+  <dgm:styleLbl name="fgAcc0">
+    <dgm:scene3d>
+      <a:camera prst="orthographicFront"/>
+      <a:lightRig rig="threePt" dir="t"/>
+    </dgm:scene3d>
+    <dgm:sp3d/>
+    <dgm:txPr/>
+    <dgm:style>
+      <a:lnRef idx="2">
+        <a:scrgbClr r="0" g="0" b="0"/>
+      </a:lnRef>
+      <a:fillRef idx="1">
+        <a:scrgbClr r="0" g="0" b="0"/>
+      </a:fillRef>
+      <a:effectRef idx="0">
+        <a:scrgbClr r="0" g="0" b="0"/>
+      </a:effectRef>
+      <a:fontRef idx="minor"/>
+    </dgm:style>
+  </dgm:styleLbl>
+  <dgm:styleLbl name="fgAcc2">
+    <dgm:scene3d>
+      <a:camera prst="orthographicFront"/>
+      <a:lightRig rig="threePt" dir="t"/>
+    </dgm:scene3d>
+    <dgm:sp3d/>
+    <dgm:txPr/>
+    <dgm:style>
+      <a:lnRef idx="2">
+        <a:scrgbClr r="0" g="0" b="0"/>
+      </a:lnRef>
+      <a:fillRef idx="1">
+        <a:scrgbClr r="0" g="0" b="0"/>
+      </a:fillRef>
+      <a:effectRef idx="0">
+        <a:scrgbClr r="0" g="0" b="0"/>
+      </a:effectRef>
+      <a:fontRef idx="minor"/>
+    </dgm:style>
+  </dgm:styleLbl>
+  <dgm:styleLbl name="fgAcc3">
+    <dgm:scene3d>
+      <a:camera prst="orthographicFront"/>
+      <a:lightRig rig="threePt" dir="t"/>
+    </dgm:scene3d>
+    <dgm:sp3d/>
+    <dgm:txPr/>
+    <dgm:style>
+      <a:lnRef idx="2">
+        <a:scrgbClr r="0" g="0" b="0"/>
+      </a:lnRef>
+      <a:fillRef idx="1">
+        <a:scrgbClr r="0" g="0" b="0"/>
+      </a:fillRef>
+      <a:effectRef idx="0">
+        <a:scrgbClr r="0" g="0" b="0"/>
+      </a:effectRef>
+      <a:fontRef idx="minor"/>
+    </dgm:style>
+  </dgm:styleLbl>
+  <dgm:styleLbl name="fgAcc4">
+    <dgm:scene3d>
+      <a:camera prst="orthographicFront"/>
+      <a:lightRig rig="threePt" dir="t"/>
+    </dgm:scene3d>
+    <dgm:sp3d/>
+    <dgm:txPr/>
+    <dgm:style>
+      <a:lnRef idx="2">
+        <a:scrgbClr r="0" g="0" b="0"/>
+      </a:lnRef>
+      <a:fillRef idx="1">
+        <a:scrgbClr r="0" g="0" b="0"/>
+      </a:fillRef>
+      <a:effectRef idx="0">
+        <a:scrgbClr r="0" g="0" b="0"/>
+      </a:effectRef>
+      <a:fontRef idx="minor"/>
+    </dgm:style>
+  </dgm:styleLbl>
+  <dgm:styleLbl name="bgShp">
+    <dgm:scene3d>
+      <a:camera prst="orthographicFront"/>
+      <a:lightRig rig="threePt" dir="t"/>
+    </dgm:scene3d>
+    <dgm:sp3d/>
+    <dgm:txPr/>
+    <dgm:style>
+      <a:lnRef idx="0">
+        <a:scrgbClr r="0" g="0" b="0"/>
+      </a:lnRef>
+      <a:fillRef idx="1">
+        <a:scrgbClr r="0" g="0" b="0"/>
+      </a:fillRef>
+      <a:effectRef idx="0">
+        <a:scrgbClr r="0" g="0" b="0"/>
+      </a:effectRef>
+      <a:fontRef idx="minor"/>
+    </dgm:style>
+  </dgm:styleLbl>
+  <dgm:styleLbl name="dkBgShp">
+    <dgm:scene3d>
+      <a:camera prst="orthographicFront"/>
+      <a:lightRig rig="threePt" dir="t"/>
+    </dgm:scene3d>
+    <dgm:sp3d/>
+    <dgm:txPr/>
+    <dgm:style>
+      <a:lnRef idx="0">
+        <a:scrgbClr r="0" g="0" b="0"/>
+      </a:lnRef>
+      <a:fillRef idx="1">
+        <a:scrgbClr r="0" g="0" b="0"/>
+      </a:fillRef>
+      <a:effectRef idx="0">
+        <a:scrgbClr r="0" g="0" b="0"/>
+      </a:effectRef>
+      <a:fontRef idx="minor"/>
+    </dgm:style>
+  </dgm:styleLbl>
+  <dgm:styleLbl name="trBgShp">
+    <dgm:scene3d>
+      <a:camera prst="orthographicFront"/>
+      <a:lightRig rig="threePt" dir="t"/>
+    </dgm:scene3d>
+    <dgm:sp3d/>
+    <dgm:txPr/>
+    <dgm:style>
+      <a:lnRef idx="0">
+        <a:scrgbClr r="0" g="0" b="0"/>
+      </a:lnRef>
+      <a:fillRef idx="1">
+        <a:scrgbClr r="0" g="0" b="0"/>
+      </a:fillRef>
+      <a:effectRef idx="0">
+        <a:scrgbClr r="0" g="0" b="0"/>
+      </a:effectRef>
+      <a:fontRef idx="minor"/>
+    </dgm:style>
+  </dgm:styleLbl>
+  <dgm:styleLbl name="fgShp">
+    <dgm:scene3d>
+      <a:camera prst="orthographicFront"/>
+      <a:lightRig rig="threePt" dir="t"/>
+    </dgm:scene3d>
+    <dgm:sp3d/>
+    <dgm:txPr/>
+    <dgm:style>
+      <a:lnRef idx="2">
+        <a:scrgbClr r="0" g="0" b="0"/>
+      </a:lnRef>
+      <a:fillRef idx="1">
+        <a:scrgbClr r="0" g="0" b="0"/>
+      </a:fillRef>
+      <a:effectRef idx="0">
+        <a:scrgbClr r="0" g="0" b="0"/>
+      </a:effectRef>
+      <a:fontRef idx="minor"/>
+    </dgm:style>
+  </dgm:styleLbl>
+  <dgm:styleLbl name="revTx">
+    <dgm:scene3d>
+      <a:camera prst="orthographicFront"/>
+      <a:lightRig rig="threePt" dir="t"/>
+    </dgm:scene3d>
+    <dgm:sp3d/>
+    <dgm:txPr/>
+    <dgm:style>
+      <a:lnRef idx="0">
+        <a:scrgbClr r="0" g="0" b="0"/>
+      </a:lnRef>
+      <a:fillRef idx="0">
+        <a:scrgbClr r="0" g="0" b="0"/>
+      </a:fillRef>
+      <a:effectRef idx="0">
+        <a:scrgbClr r="0" g="0" b="0"/>
+      </a:effectRef>
+      <a:fontRef idx="minor"/>
+    </dgm:style>
+  </dgm:styleLbl>
+</dgm:styleDef>
+</file>
+
+<file path=ppt/diagrams/quickStyle3.xml><?xml version="1.0" encoding="utf-8"?>
 <dgm:styleDef xmlns:dgm="http://schemas.openxmlformats.org/drawingml/2006/diagram" xmlns:a="http://schemas.openxmlformats.org/drawingml/2006/main" uniqueId="urn:microsoft.com/office/officeart/2005/8/quickstyle/simple1">
   <dgm:title val=""/>
   <dgm:desc val=""/>
@@ -9697,7 +14970,7 @@
           <a:p>
             <a:fld id="{03B24962-D7B5-4FEA-ABE9-8C89DFE85AA1}" type="datetimeFigureOut">
               <a:rPr lang="en-US" smtClean="0"/>
-              <a:t>8/13/2017</a:t>
+              <a:t>10/31/2017</a:t>
             </a:fld>
             <a:endParaRPr lang="en-US"/>
           </a:p>
@@ -10117,7 +15390,7 @@
             <a:fld id="{6048B3DE-E9CD-4720-84B6-E24D30E64DE7}" type="slidenum">
               <a:rPr lang="en-US" smtClean="0"/>
               <a:pPr/>
-              <a:t>23</a:t>
+              <a:t>24</a:t>
             </a:fld>
             <a:endParaRPr lang="en-US"/>
           </a:p>
@@ -10205,7 +15478,7 @@
             <a:fld id="{6048B3DE-E9CD-4720-84B6-E24D30E64DE7}" type="slidenum">
               <a:rPr lang="en-US" smtClean="0"/>
               <a:pPr/>
-              <a:t>24</a:t>
+              <a:t>25</a:t>
             </a:fld>
             <a:endParaRPr lang="en-US"/>
           </a:p>
@@ -10293,7 +15566,7 @@
             <a:fld id="{6048B3DE-E9CD-4720-84B6-E24D30E64DE7}" type="slidenum">
               <a:rPr lang="en-US" smtClean="0"/>
               <a:pPr/>
-              <a:t>25</a:t>
+              <a:t>26</a:t>
             </a:fld>
             <a:endParaRPr lang="en-US"/>
           </a:p>
@@ -10378,7 +15651,7 @@
             <a:fld id="{35B728A6-6F57-4E84-A2C2-C78EE294E18B}" type="slidenum">
               <a:rPr lang="en-US" smtClean="0"/>
               <a:pPr/>
-              <a:t>27</a:t>
+              <a:t>28</a:t>
             </a:fld>
             <a:endParaRPr lang="en-US"/>
           </a:p>
@@ -10471,7 +15744,7 @@
             <a:fld id="{35B728A6-6F57-4E84-A2C2-C78EE294E18B}" type="slidenum">
               <a:rPr lang="en-US" smtClean="0"/>
               <a:pPr/>
-              <a:t>30</a:t>
+              <a:t>31</a:t>
             </a:fld>
             <a:endParaRPr lang="en-US"/>
           </a:p>
@@ -10556,7 +15829,7 @@
             <a:fld id="{6048B3DE-E9CD-4720-84B6-E24D30E64DE7}" type="slidenum">
               <a:rPr lang="en-US" smtClean="0"/>
               <a:pPr/>
-              <a:t>14</a:t>
+              <a:t>15</a:t>
             </a:fld>
             <a:endParaRPr lang="en-US"/>
           </a:p>
@@ -10641,7 +15914,7 @@
             <a:fld id="{6048B3DE-E9CD-4720-84B6-E24D30E64DE7}" type="slidenum">
               <a:rPr lang="en-US" smtClean="0"/>
               <a:pPr/>
-              <a:t>15</a:t>
+              <a:t>16</a:t>
             </a:fld>
             <a:endParaRPr lang="en-US"/>
           </a:p>
@@ -10725,7 +15998,7 @@
           <a:p>
             <a:fld id="{7244E18F-170A-479A-8042-7CA03643CD9B}" type="slidenum">
               <a:rPr lang="en-US" smtClean="0"/>
-              <a:t>16</a:t>
+              <a:t>17</a:t>
             </a:fld>
             <a:endParaRPr lang="en-US"/>
           </a:p>
@@ -10813,7 +16086,7 @@
             <a:fld id="{6048B3DE-E9CD-4720-84B6-E24D30E64DE7}" type="slidenum">
               <a:rPr lang="en-US" smtClean="0"/>
               <a:pPr/>
-              <a:t>18</a:t>
+              <a:t>19</a:t>
             </a:fld>
             <a:endParaRPr lang="en-US"/>
           </a:p>
@@ -10901,7 +16174,7 @@
             <a:fld id="{6048B3DE-E9CD-4720-84B6-E24D30E64DE7}" type="slidenum">
               <a:rPr lang="en-US" smtClean="0"/>
               <a:pPr/>
-              <a:t>19</a:t>
+              <a:t>20</a:t>
             </a:fld>
             <a:endParaRPr lang="en-US"/>
           </a:p>
@@ -10989,7 +16262,7 @@
             <a:fld id="{6048B3DE-E9CD-4720-84B6-E24D30E64DE7}" type="slidenum">
               <a:rPr lang="en-US" smtClean="0"/>
               <a:pPr/>
-              <a:t>20</a:t>
+              <a:t>21</a:t>
             </a:fld>
             <a:endParaRPr lang="en-US"/>
           </a:p>
@@ -11077,7 +16350,7 @@
             <a:fld id="{6048B3DE-E9CD-4720-84B6-E24D30E64DE7}" type="slidenum">
               <a:rPr lang="en-US" smtClean="0"/>
               <a:pPr/>
-              <a:t>21</a:t>
+              <a:t>22</a:t>
             </a:fld>
             <a:endParaRPr lang="en-US"/>
           </a:p>
@@ -11165,7 +16438,7 @@
             <a:fld id="{6048B3DE-E9CD-4720-84B6-E24D30E64DE7}" type="slidenum">
               <a:rPr lang="en-US" smtClean="0"/>
               <a:pPr/>
-              <a:t>22</a:t>
+              <a:t>23</a:t>
             </a:fld>
             <a:endParaRPr lang="en-US"/>
           </a:p>
@@ -11363,7 +16636,7 @@
           <a:p>
             <a:fld id="{2F1F79F5-7BEC-496A-AFC7-876E38F64D71}" type="datetime1">
               <a:rPr lang="en-US" smtClean="0"/>
-              <a:t>8/13/2017</a:t>
+              <a:t>10/31/2017</a:t>
             </a:fld>
             <a:endParaRPr lang="en-US"/>
           </a:p>
@@ -11480,7 +16753,7 @@
           <a:p>
             <a:fld id="{2F7B77F5-1464-4F6B-92A8-64FC8A508293}" type="datetime1">
               <a:rPr lang="en-US" smtClean="0"/>
-              <a:t>8/13/2017</a:t>
+              <a:t>10/31/2017</a:t>
             </a:fld>
             <a:endParaRPr lang="en-US"/>
           </a:p>
@@ -11575,7 +16848,7 @@
           <a:p>
             <a:fld id="{0A05703A-7669-4FEA-9056-25299B4D29D4}" type="datetime1">
               <a:rPr lang="en-US" smtClean="0"/>
-              <a:t>8/13/2017</a:t>
+              <a:t>10/31/2017</a:t>
             </a:fld>
             <a:endParaRPr lang="en-US"/>
           </a:p>
@@ -11850,7 +17123,7 @@
           <a:p>
             <a:fld id="{6E5077B5-BB57-49DB-88CA-226A139E5C01}" type="datetime1">
               <a:rPr lang="en-US" smtClean="0"/>
-              <a:t>8/13/2017</a:t>
+              <a:t>10/31/2017</a:t>
             </a:fld>
             <a:endParaRPr lang="en-US"/>
           </a:p>
@@ -12102,7 +17375,7 @@
           <a:p>
             <a:fld id="{C48D9447-CBD6-49A1-89FD-8512A8CF8999}" type="datetime1">
               <a:rPr lang="en-US" smtClean="0"/>
-              <a:t>8/13/2017</a:t>
+              <a:t>10/31/2017</a:t>
             </a:fld>
             <a:endParaRPr lang="en-US"/>
           </a:p>
@@ -12270,7 +17543,7 @@
           <a:p>
             <a:fld id="{A3639A2A-823D-48B7-9ACE-7FAF42870BA9}" type="datetime1">
               <a:rPr lang="en-US" smtClean="0"/>
-              <a:t>8/13/2017</a:t>
+              <a:t>10/31/2017</a:t>
             </a:fld>
             <a:endParaRPr lang="en-US"/>
           </a:p>
@@ -12448,7 +17721,7 @@
           <a:p>
             <a:fld id="{ED1B6996-82E9-463C-972C-7B56056E426C}" type="datetime1">
               <a:rPr lang="en-US" smtClean="0"/>
-              <a:t>8/13/2017</a:t>
+              <a:t>10/31/2017</a:t>
             </a:fld>
             <a:endParaRPr lang="en-US"/>
           </a:p>
@@ -12622,7 +17895,7 @@
           <a:p>
             <a:fld id="{E22ED4DA-448D-4BB1-B935-CC112220207B}" type="datetime1">
               <a:rPr lang="en-US" smtClean="0"/>
-              <a:t>8/13/2017</a:t>
+              <a:t>10/31/2017</a:t>
             </a:fld>
             <a:endParaRPr lang="en-US"/>
           </a:p>
@@ -12795,7 +18068,7 @@
           <a:p>
             <a:fld id="{E22ED4DA-448D-4BB1-B935-CC112220207B}" type="datetime1">
               <a:rPr lang="en-US" smtClean="0"/>
-              <a:t>8/13/2017</a:t>
+              <a:t>10/31/2017</a:t>
             </a:fld>
             <a:endParaRPr lang="en-US"/>
           </a:p>
@@ -13058,7 +18331,7 @@
           <a:p>
             <a:fld id="{FF5D65A6-AB94-4435-B0B7-3743215FA46C}" type="datetime1">
               <a:rPr lang="en-US" smtClean="0"/>
-              <a:t>8/13/2017</a:t>
+              <a:t>10/31/2017</a:t>
             </a:fld>
             <a:endParaRPr lang="en-US"/>
           </a:p>
@@ -13234,7 +18507,7 @@
           <a:p>
             <a:fld id="{FF5D65A6-AB94-4435-B0B7-3743215FA46C}" type="datetime1">
               <a:rPr lang="en-US" smtClean="0"/>
-              <a:t>8/13/2017</a:t>
+              <a:t>10/31/2017</a:t>
             </a:fld>
             <a:endParaRPr lang="en-US"/>
           </a:p>
@@ -13528,7 +18801,7 @@
           <a:p>
             <a:fld id="{7C193DC4-6EF0-48C9-B29C-616106A645E1}" type="datetime1">
               <a:rPr lang="en-US" smtClean="0"/>
-              <a:t>8/13/2017</a:t>
+              <a:t>10/31/2017</a:t>
             </a:fld>
             <a:endParaRPr lang="en-US"/>
           </a:p>
@@ -13813,7 +19086,7 @@
           <a:p>
             <a:fld id="{5D1846AD-9252-4647-9435-4C2AC365653A}" type="datetime1">
               <a:rPr lang="en-US" smtClean="0"/>
-              <a:t>8/13/2017</a:t>
+              <a:t>10/31/2017</a:t>
             </a:fld>
             <a:endParaRPr lang="en-US"/>
           </a:p>
@@ -14112,7 +19385,7 @@
           <a:p>
             <a:fld id="{5D1846AD-9252-4647-9435-4C2AC365653A}" type="datetime1">
               <a:rPr lang="en-US" smtClean="0"/>
-              <a:t>8/13/2017</a:t>
+              <a:t>10/31/2017</a:t>
             </a:fld>
             <a:endParaRPr lang="en-US"/>
           </a:p>
@@ -14531,7 +19804,7 @@
           <a:p>
             <a:fld id="{CE56DC10-3561-4063-A6AF-C1CC7A41040A}" type="datetime1">
               <a:rPr lang="en-US" smtClean="0"/>
-              <a:t>8/13/2017</a:t>
+              <a:t>10/31/2017</a:t>
             </a:fld>
             <a:endParaRPr lang="en-US"/>
           </a:p>
@@ -14754,7 +20027,7 @@
           <a:p>
             <a:fld id="{02B3F677-983B-48DB-ADFD-63FE6CBC7FB2}" type="datetime1">
               <a:rPr lang="en-US" smtClean="0"/>
-              <a:t>8/13/2017</a:t>
+              <a:t>10/31/2017</a:t>
             </a:fld>
             <a:endParaRPr lang="en-US"/>
           </a:p>
@@ -15469,6 +20742,99 @@
             <p:ph type="title"/>
           </p:nvPr>
         </p:nvSpPr>
+        <p:spPr/>
+        <p:txBody>
+          <a:bodyPr/>
+          <a:lstStyle/>
+          <a:p>
+            <a:r>
+              <a:rPr lang="en-US" dirty="0"/>
+              <a:t>Module 09</a:t>
+            </a:r>
+          </a:p>
+        </p:txBody>
+      </p:sp>
+      <p:sp>
+        <p:nvSpPr>
+          <p:cNvPr id="3" name="Slide Number Placeholder 2"/>
+          <p:cNvSpPr>
+            <a:spLocks noGrp="1"/>
+          </p:cNvSpPr>
+          <p:nvPr>
+            <p:ph type="sldNum" sz="quarter" idx="12"/>
+          </p:nvPr>
+        </p:nvSpPr>
+        <p:spPr/>
+        <p:txBody>
+          <a:bodyPr/>
+          <a:lstStyle/>
+          <a:p>
+            <a:endParaRPr lang="en-US" dirty="0"/>
+          </a:p>
+        </p:txBody>
+      </p:sp>
+      <p:graphicFrame>
+        <p:nvGraphicFramePr>
+          <p:cNvPr id="6" name="Diagram 5"/>
+          <p:cNvGraphicFramePr/>
+          <p:nvPr>
+            <p:extLst>
+              <p:ext uri="{D42A27DB-BD31-4B8C-83A1-F6EECF244321}">
+                <p14:modId xmlns:p14="http://schemas.microsoft.com/office/powerpoint/2010/main" val="1583250337"/>
+              </p:ext>
+            </p:extLst>
+          </p:nvPr>
+        </p:nvGraphicFramePr>
+        <p:xfrm>
+          <a:off x="1524000" y="1727994"/>
+          <a:ext cx="6096000" cy="4520406"/>
+        </p:xfrm>
+        <a:graphic>
+          <a:graphicData uri="http://schemas.openxmlformats.org/drawingml/2006/diagram">
+            <dgm:relIds xmlns:dgm="http://schemas.openxmlformats.org/drawingml/2006/diagram" xmlns:r="http://schemas.openxmlformats.org/officeDocument/2006/relationships" r:dm="rId2" r:lo="rId3" r:qs="rId4" r:cs="rId5"/>
+          </a:graphicData>
+        </a:graphic>
+      </p:graphicFrame>
+    </p:spTree>
+    <p:extLst>
+      <p:ext uri="{BB962C8B-B14F-4D97-AF65-F5344CB8AC3E}">
+        <p14:creationId xmlns:p14="http://schemas.microsoft.com/office/powerpoint/2010/main" val="1123379836"/>
+      </p:ext>
+    </p:extLst>
+  </p:cSld>
+  <p:clrMapOvr>
+    <a:masterClrMapping/>
+  </p:clrMapOvr>
+</p:sld>
+</file>
+
+<file path=ppt/slides/slide12.xml><?xml version="1.0" encoding="utf-8"?>
+<p:sld xmlns:a="http://schemas.openxmlformats.org/drawingml/2006/main" xmlns:r="http://schemas.openxmlformats.org/officeDocument/2006/relationships" xmlns:p="http://schemas.openxmlformats.org/presentationml/2006/main">
+  <p:cSld>
+    <p:spTree>
+      <p:nvGrpSpPr>
+        <p:cNvPr id="1" name=""/>
+        <p:cNvGrpSpPr/>
+        <p:nvPr/>
+      </p:nvGrpSpPr>
+      <p:grpSpPr>
+        <a:xfrm>
+          <a:off x="0" y="0"/>
+          <a:ext cx="0" cy="0"/>
+          <a:chOff x="0" y="0"/>
+          <a:chExt cx="0" cy="0"/>
+        </a:xfrm>
+      </p:grpSpPr>
+      <p:sp>
+        <p:nvSpPr>
+          <p:cNvPr id="2" name="Title 1"/>
+          <p:cNvSpPr>
+            <a:spLocks noGrp="1"/>
+          </p:cNvSpPr>
+          <p:nvPr>
+            <p:ph type="title"/>
+          </p:nvPr>
+        </p:nvSpPr>
         <p:spPr>
           <a:xfrm>
             <a:off x="457200" y="225401"/>
@@ -15748,7 +21114,7 @@
           <a:p>
             <a:fld id="{2AF3B5EA-18B6-4040-9F78-6052AF49C681}" type="slidenum">
               <a:rPr lang="en-US" smtClean="0"/>
-              <a:t>11</a:t>
+              <a:t>12</a:t>
             </a:fld>
             <a:endParaRPr lang="en-US"/>
           </a:p>
@@ -15767,7 +21133,7 @@
 </p:sld>
 </file>
 
-<file path=ppt/slides/slide12.xml><?xml version="1.0" encoding="utf-8"?>
+<file path=ppt/slides/slide13.xml><?xml version="1.0" encoding="utf-8"?>
 <p:sld xmlns:a="http://schemas.openxmlformats.org/drawingml/2006/main" xmlns:r="http://schemas.openxmlformats.org/officeDocument/2006/relationships" xmlns:p="http://schemas.openxmlformats.org/presentationml/2006/main">
   <p:cSld>
     <p:spTree>
@@ -15830,7 +21196,7 @@
           <a:p>
             <a:fld id="{2AF3B5EA-18B6-4040-9F78-6052AF49C681}" type="slidenum">
               <a:rPr lang="en-US" smtClean="0"/>
-              <a:t>12</a:t>
+              <a:t>13</a:t>
             </a:fld>
             <a:endParaRPr lang="en-US"/>
           </a:p>
@@ -15849,7 +21215,7 @@
 </p:sld>
 </file>
 
-<file path=ppt/slides/slide13.xml><?xml version="1.0" encoding="utf-8"?>
+<file path=ppt/slides/slide14.xml><?xml version="1.0" encoding="utf-8"?>
 <p:sld xmlns:a="http://schemas.openxmlformats.org/drawingml/2006/main" xmlns:r="http://schemas.openxmlformats.org/officeDocument/2006/relationships" xmlns:p="http://schemas.openxmlformats.org/presentationml/2006/main">
   <p:cSld>
     <p:spTree>
@@ -15995,7 +21361,7 @@
                 </a:solidFill>
               </a:rPr>
               <a:pPr/>
-              <a:t>13</a:t>
+              <a:t>14</a:t>
             </a:fld>
             <a:endParaRPr lang="en-US" dirty="0">
               <a:solidFill>
@@ -16020,7 +21386,7 @@
 </p:sld>
 </file>
 
-<file path=ppt/slides/slide14.xml><?xml version="1.0" encoding="utf-8"?>
+<file path=ppt/slides/slide15.xml><?xml version="1.0" encoding="utf-8"?>
 <p:sld xmlns:a="http://schemas.openxmlformats.org/drawingml/2006/main" xmlns:r="http://schemas.openxmlformats.org/officeDocument/2006/relationships" xmlns:p="http://schemas.openxmlformats.org/presentationml/2006/main">
   <p:cSld>
     <p:spTree>
@@ -16231,7 +21597,7 @@
           <a:p>
             <a:fld id="{2AF3B5EA-18B6-4040-9F78-6052AF49C681}" type="slidenum">
               <a:rPr lang="en-US" smtClean="0"/>
-              <a:t>14</a:t>
+              <a:t>15</a:t>
             </a:fld>
             <a:endParaRPr lang="en-US"/>
           </a:p>
@@ -16250,7 +21616,7 @@
 </p:sld>
 </file>
 
-<file path=ppt/slides/slide15.xml><?xml version="1.0" encoding="utf-8"?>
+<file path=ppt/slides/slide16.xml><?xml version="1.0" encoding="utf-8"?>
 <p:sld xmlns:a="http://schemas.openxmlformats.org/drawingml/2006/main" xmlns:r="http://schemas.openxmlformats.org/officeDocument/2006/relationships" xmlns:p="http://schemas.openxmlformats.org/presentationml/2006/main">
   <p:cSld>
     <p:spTree>
@@ -16494,7 +21860,7 @@
           <a:p>
             <a:fld id="{2AF3B5EA-18B6-4040-9F78-6052AF49C681}" type="slidenum">
               <a:rPr lang="en-US" smtClean="0"/>
-              <a:t>15</a:t>
+              <a:t>16</a:t>
             </a:fld>
             <a:endParaRPr lang="en-US"/>
           </a:p>
@@ -16513,7 +21879,7 @@
 </p:sld>
 </file>
 
-<file path=ppt/slides/slide16.xml><?xml version="1.0" encoding="utf-8"?>
+<file path=ppt/slides/slide17.xml><?xml version="1.0" encoding="utf-8"?>
 <p:sld xmlns:a="http://schemas.openxmlformats.org/drawingml/2006/main" xmlns:r="http://schemas.openxmlformats.org/officeDocument/2006/relationships" xmlns:p="http://schemas.openxmlformats.org/presentationml/2006/main">
   <p:cSld>
     <p:spTree>
@@ -17372,7 +22738,7 @@
 </p:sld>
 </file>
 
-<file path=ppt/slides/slide17.xml><?xml version="1.0" encoding="utf-8"?>
+<file path=ppt/slides/slide18.xml><?xml version="1.0" encoding="utf-8"?>
 <p:sld xmlns:a="http://schemas.openxmlformats.org/drawingml/2006/main" xmlns:r="http://schemas.openxmlformats.org/officeDocument/2006/relationships" xmlns:p="http://schemas.openxmlformats.org/presentationml/2006/main">
   <p:cSld>
     <p:spTree>
@@ -17636,7 +23002,7 @@
           <a:p>
             <a:fld id="{2AF3B5EA-18B6-4040-9F78-6052AF49C681}" type="slidenum">
               <a:rPr lang="en-US" smtClean="0"/>
-              <a:t>17</a:t>
+              <a:t>18</a:t>
             </a:fld>
             <a:endParaRPr lang="en-US"/>
           </a:p>
@@ -17655,7 +23021,7 @@
 </p:sld>
 </file>
 
-<file path=ppt/slides/slide18.xml><?xml version="1.0" encoding="utf-8"?>
+<file path=ppt/slides/slide19.xml><?xml version="1.0" encoding="utf-8"?>
 <p:sld xmlns:a="http://schemas.openxmlformats.org/drawingml/2006/main" xmlns:r="http://schemas.openxmlformats.org/officeDocument/2006/relationships" xmlns:p="http://schemas.openxmlformats.org/presentationml/2006/main">
   <p:cSld>
     <p:spTree>
@@ -17957,7 +23323,7 @@
           <a:p>
             <a:fld id="{2AF3B5EA-18B6-4040-9F78-6052AF49C681}" type="slidenum">
               <a:rPr lang="en-US" smtClean="0"/>
-              <a:t>18</a:t>
+              <a:t>19</a:t>
             </a:fld>
             <a:endParaRPr lang="en-US"/>
           </a:p>
@@ -18087,7 +23453,98 @@
 </p:sld>
 </file>
 
-<file path=ppt/slides/slide19.xml><?xml version="1.0" encoding="utf-8"?>
+<file path=ppt/slides/slide2.xml><?xml version="1.0" encoding="utf-8"?>
+<p:sld xmlns:a="http://schemas.openxmlformats.org/drawingml/2006/main" xmlns:r="http://schemas.openxmlformats.org/officeDocument/2006/relationships" xmlns:p="http://schemas.openxmlformats.org/presentationml/2006/main">
+  <p:cSld>
+    <p:spTree>
+      <p:nvGrpSpPr>
+        <p:cNvPr id="1" name=""/>
+        <p:cNvGrpSpPr/>
+        <p:nvPr/>
+      </p:nvGrpSpPr>
+      <p:grpSpPr>
+        <a:xfrm>
+          <a:off x="0" y="0"/>
+          <a:ext cx="0" cy="0"/>
+          <a:chOff x="0" y="0"/>
+          <a:chExt cx="0" cy="0"/>
+        </a:xfrm>
+      </p:grpSpPr>
+      <p:sp>
+        <p:nvSpPr>
+          <p:cNvPr id="9" name="Title 8"/>
+          <p:cNvSpPr>
+            <a:spLocks noGrp="1"/>
+          </p:cNvSpPr>
+          <p:nvPr>
+            <p:ph type="title"/>
+          </p:nvPr>
+        </p:nvSpPr>
+        <p:spPr/>
+        <p:txBody>
+          <a:bodyPr/>
+          <a:lstStyle/>
+          <a:p>
+            <a:endParaRPr lang="en-US"/>
+          </a:p>
+        </p:txBody>
+      </p:sp>
+      <p:sp>
+        <p:nvSpPr>
+          <p:cNvPr id="10" name="Content Placeholder 9"/>
+          <p:cNvSpPr>
+            <a:spLocks noGrp="1"/>
+          </p:cNvSpPr>
+          <p:nvPr>
+            <p:ph idx="1"/>
+          </p:nvPr>
+        </p:nvSpPr>
+        <p:spPr/>
+        <p:txBody>
+          <a:bodyPr/>
+          <a:lstStyle/>
+          <a:p>
+            <a:endParaRPr lang="en-US" dirty="0"/>
+          </a:p>
+        </p:txBody>
+      </p:sp>
+      <p:sp>
+        <p:nvSpPr>
+          <p:cNvPr id="4" name="Slide Number Placeholder 3"/>
+          <p:cNvSpPr>
+            <a:spLocks noGrp="1"/>
+          </p:cNvSpPr>
+          <p:nvPr>
+            <p:ph type="sldNum" sz="quarter" idx="12"/>
+          </p:nvPr>
+        </p:nvSpPr>
+        <p:spPr/>
+        <p:txBody>
+          <a:bodyPr/>
+          <a:lstStyle/>
+          <a:p>
+            <a:fld id="{2AF3B5EA-18B6-4040-9F78-6052AF49C681}" type="slidenum">
+              <a:rPr lang="en-US" smtClean="0"/>
+              <a:t>2</a:t>
+            </a:fld>
+            <a:endParaRPr lang="en-US"/>
+          </a:p>
+        </p:txBody>
+      </p:sp>
+    </p:spTree>
+    <p:extLst>
+      <p:ext uri="{BB962C8B-B14F-4D97-AF65-F5344CB8AC3E}">
+        <p14:creationId xmlns:p14="http://schemas.microsoft.com/office/powerpoint/2010/main" val="3614611356"/>
+      </p:ext>
+    </p:extLst>
+  </p:cSld>
+  <p:clrMapOvr>
+    <a:masterClrMapping/>
+  </p:clrMapOvr>
+</p:sld>
+</file>
+
+<file path=ppt/slides/slide20.xml><?xml version="1.0" encoding="utf-8"?>
 <p:sld xmlns:a="http://schemas.openxmlformats.org/drawingml/2006/main" xmlns:r="http://schemas.openxmlformats.org/officeDocument/2006/relationships" xmlns:p="http://schemas.openxmlformats.org/presentationml/2006/main">
   <p:cSld>
     <p:spTree>
@@ -18399,7 +23856,7 @@
           <a:p>
             <a:fld id="{2AF3B5EA-18B6-4040-9F78-6052AF49C681}" type="slidenum">
               <a:rPr lang="en-US" smtClean="0"/>
-              <a:t>19</a:t>
+              <a:t>20</a:t>
             </a:fld>
             <a:endParaRPr lang="en-US"/>
           </a:p>
@@ -18418,98 +23875,7 @@
 </p:sld>
 </file>
 
-<file path=ppt/slides/slide2.xml><?xml version="1.0" encoding="utf-8"?>
-<p:sld xmlns:a="http://schemas.openxmlformats.org/drawingml/2006/main" xmlns:r="http://schemas.openxmlformats.org/officeDocument/2006/relationships" xmlns:p="http://schemas.openxmlformats.org/presentationml/2006/main">
-  <p:cSld>
-    <p:spTree>
-      <p:nvGrpSpPr>
-        <p:cNvPr id="1" name=""/>
-        <p:cNvGrpSpPr/>
-        <p:nvPr/>
-      </p:nvGrpSpPr>
-      <p:grpSpPr>
-        <a:xfrm>
-          <a:off x="0" y="0"/>
-          <a:ext cx="0" cy="0"/>
-          <a:chOff x="0" y="0"/>
-          <a:chExt cx="0" cy="0"/>
-        </a:xfrm>
-      </p:grpSpPr>
-      <p:sp>
-        <p:nvSpPr>
-          <p:cNvPr id="9" name="Title 8"/>
-          <p:cNvSpPr>
-            <a:spLocks noGrp="1"/>
-          </p:cNvSpPr>
-          <p:nvPr>
-            <p:ph type="title"/>
-          </p:nvPr>
-        </p:nvSpPr>
-        <p:spPr/>
-        <p:txBody>
-          <a:bodyPr/>
-          <a:lstStyle/>
-          <a:p>
-            <a:endParaRPr lang="en-US"/>
-          </a:p>
-        </p:txBody>
-      </p:sp>
-      <p:sp>
-        <p:nvSpPr>
-          <p:cNvPr id="10" name="Content Placeholder 9"/>
-          <p:cNvSpPr>
-            <a:spLocks noGrp="1"/>
-          </p:cNvSpPr>
-          <p:nvPr>
-            <p:ph idx="1"/>
-          </p:nvPr>
-        </p:nvSpPr>
-        <p:spPr/>
-        <p:txBody>
-          <a:bodyPr/>
-          <a:lstStyle/>
-          <a:p>
-            <a:endParaRPr lang="en-US" dirty="0"/>
-          </a:p>
-        </p:txBody>
-      </p:sp>
-      <p:sp>
-        <p:nvSpPr>
-          <p:cNvPr id="4" name="Slide Number Placeholder 3"/>
-          <p:cNvSpPr>
-            <a:spLocks noGrp="1"/>
-          </p:cNvSpPr>
-          <p:nvPr>
-            <p:ph type="sldNum" sz="quarter" idx="12"/>
-          </p:nvPr>
-        </p:nvSpPr>
-        <p:spPr/>
-        <p:txBody>
-          <a:bodyPr/>
-          <a:lstStyle/>
-          <a:p>
-            <a:fld id="{2AF3B5EA-18B6-4040-9F78-6052AF49C681}" type="slidenum">
-              <a:rPr lang="en-US" smtClean="0"/>
-              <a:t>2</a:t>
-            </a:fld>
-            <a:endParaRPr lang="en-US"/>
-          </a:p>
-        </p:txBody>
-      </p:sp>
-    </p:spTree>
-    <p:extLst>
-      <p:ext uri="{BB962C8B-B14F-4D97-AF65-F5344CB8AC3E}">
-        <p14:creationId xmlns:p14="http://schemas.microsoft.com/office/powerpoint/2010/main" val="3614611356"/>
-      </p:ext>
-    </p:extLst>
-  </p:cSld>
-  <p:clrMapOvr>
-    <a:masterClrMapping/>
-  </p:clrMapOvr>
-</p:sld>
-</file>
-
-<file path=ppt/slides/slide20.xml><?xml version="1.0" encoding="utf-8"?>
+<file path=ppt/slides/slide21.xml><?xml version="1.0" encoding="utf-8"?>
 <p:sld xmlns:a="http://schemas.openxmlformats.org/drawingml/2006/main" xmlns:r="http://schemas.openxmlformats.org/officeDocument/2006/relationships" xmlns:p="http://schemas.openxmlformats.org/presentationml/2006/main">
   <p:cSld>
     <p:spTree>
@@ -18774,7 +24140,7 @@
           <a:p>
             <a:fld id="{2AF3B5EA-18B6-4040-9F78-6052AF49C681}" type="slidenum">
               <a:rPr lang="en-US" smtClean="0"/>
-              <a:t>20</a:t>
+              <a:t>21</a:t>
             </a:fld>
             <a:endParaRPr lang="en-US"/>
           </a:p>
@@ -18793,7 +24159,7 @@
 </p:sld>
 </file>
 
-<file path=ppt/slides/slide21.xml><?xml version="1.0" encoding="utf-8"?>
+<file path=ppt/slides/slide22.xml><?xml version="1.0" encoding="utf-8"?>
 <p:sld xmlns:a="http://schemas.openxmlformats.org/drawingml/2006/main" xmlns:r="http://schemas.openxmlformats.org/officeDocument/2006/relationships" xmlns:p="http://schemas.openxmlformats.org/presentationml/2006/main">
   <p:cSld>
     <p:spTree>
@@ -19232,7 +24598,7 @@
           <a:p>
             <a:fld id="{2AF3B5EA-18B6-4040-9F78-6052AF49C681}" type="slidenum">
               <a:rPr lang="en-US" smtClean="0"/>
-              <a:t>21</a:t>
+              <a:t>22</a:t>
             </a:fld>
             <a:endParaRPr lang="en-US"/>
           </a:p>
@@ -19251,7 +24617,7 @@
 </p:sld>
 </file>
 
-<file path=ppt/slides/slide22.xml><?xml version="1.0" encoding="utf-8"?>
+<file path=ppt/slides/slide23.xml><?xml version="1.0" encoding="utf-8"?>
 <p:sld xmlns:a="http://schemas.openxmlformats.org/drawingml/2006/main" xmlns:r="http://schemas.openxmlformats.org/officeDocument/2006/relationships" xmlns:p="http://schemas.openxmlformats.org/presentationml/2006/main">
   <p:cSld>
     <p:spTree>
@@ -19858,7 +25224,7 @@
           <a:p>
             <a:fld id="{2AF3B5EA-18B6-4040-9F78-6052AF49C681}" type="slidenum">
               <a:rPr lang="en-US" smtClean="0"/>
-              <a:t>22</a:t>
+              <a:t>23</a:t>
             </a:fld>
             <a:endParaRPr lang="en-US"/>
           </a:p>
@@ -19877,7 +25243,7 @@
 </p:sld>
 </file>
 
-<file path=ppt/slides/slide23.xml><?xml version="1.0" encoding="utf-8"?>
+<file path=ppt/slides/slide24.xml><?xml version="1.0" encoding="utf-8"?>
 <p:sld xmlns:a="http://schemas.openxmlformats.org/drawingml/2006/main" xmlns:r="http://schemas.openxmlformats.org/officeDocument/2006/relationships" xmlns:p="http://schemas.openxmlformats.org/presentationml/2006/main">
   <p:cSld>
     <p:spTree>
@@ -20098,7 +25464,7 @@
           <a:p>
             <a:fld id="{2AF3B5EA-18B6-4040-9F78-6052AF49C681}" type="slidenum">
               <a:rPr lang="en-US" smtClean="0"/>
-              <a:t>23</a:t>
+              <a:t>24</a:t>
             </a:fld>
             <a:endParaRPr lang="en-US"/>
           </a:p>
@@ -20117,7 +25483,7 @@
 </p:sld>
 </file>
 
-<file path=ppt/slides/slide24.xml><?xml version="1.0" encoding="utf-8"?>
+<file path=ppt/slides/slide25.xml><?xml version="1.0" encoding="utf-8"?>
 <p:sld xmlns:a="http://schemas.openxmlformats.org/drawingml/2006/main" xmlns:r="http://schemas.openxmlformats.org/officeDocument/2006/relationships" xmlns:p="http://schemas.openxmlformats.org/presentationml/2006/main">
   <p:cSld>
     <p:spTree>
@@ -20451,7 +25817,7 @@
           <a:p>
             <a:fld id="{2AF3B5EA-18B6-4040-9F78-6052AF49C681}" type="slidenum">
               <a:rPr lang="en-US" smtClean="0"/>
-              <a:t>24</a:t>
+              <a:t>25</a:t>
             </a:fld>
             <a:endParaRPr lang="en-US"/>
           </a:p>
@@ -20470,7 +25836,7 @@
 </p:sld>
 </file>
 
-<file path=ppt/slides/slide25.xml><?xml version="1.0" encoding="utf-8"?>
+<file path=ppt/slides/slide26.xml><?xml version="1.0" encoding="utf-8"?>
 <p:sld xmlns:a="http://schemas.openxmlformats.org/drawingml/2006/main" xmlns:r="http://schemas.openxmlformats.org/officeDocument/2006/relationships" xmlns:p="http://schemas.openxmlformats.org/presentationml/2006/main">
   <p:cSld>
     <p:spTree>
@@ -20710,7 +26076,7 @@
           <a:p>
             <a:fld id="{2AF3B5EA-18B6-4040-9F78-6052AF49C681}" type="slidenum">
               <a:rPr lang="en-US" smtClean="0"/>
-              <a:t>25</a:t>
+              <a:t>26</a:t>
             </a:fld>
             <a:endParaRPr lang="en-US"/>
           </a:p>
@@ -20729,7 +26095,7 @@
 </p:sld>
 </file>
 
-<file path=ppt/slides/slide26.xml><?xml version="1.0" encoding="utf-8"?>
+<file path=ppt/slides/slide27.xml><?xml version="1.0" encoding="utf-8"?>
 <p:sld xmlns:a="http://schemas.openxmlformats.org/drawingml/2006/main" xmlns:r="http://schemas.openxmlformats.org/officeDocument/2006/relationships" xmlns:p="http://schemas.openxmlformats.org/presentationml/2006/main">
   <p:cSld>
     <p:spTree>
@@ -21081,7 +26447,7 @@
           <a:p>
             <a:fld id="{2AF3B5EA-18B6-4040-9F78-6052AF49C681}" type="slidenum">
               <a:rPr lang="en-US" smtClean="0"/>
-              <a:t>26</a:t>
+              <a:t>27</a:t>
             </a:fld>
             <a:endParaRPr lang="en-US"/>
           </a:p>
@@ -21100,7 +26466,7 @@
 </p:sld>
 </file>
 
-<file path=ppt/slides/slide27.xml><?xml version="1.0" encoding="utf-8"?>
+<file path=ppt/slides/slide28.xml><?xml version="1.0" encoding="utf-8"?>
 <p:sld xmlns:a="http://schemas.openxmlformats.org/drawingml/2006/main" xmlns:r="http://schemas.openxmlformats.org/officeDocument/2006/relationships" xmlns:p="http://schemas.openxmlformats.org/presentationml/2006/main">
   <p:cSld>
     <p:spTree>
@@ -21429,7 +26795,7 @@
           <a:p>
             <a:fld id="{2AF3B5EA-18B6-4040-9F78-6052AF49C681}" type="slidenum">
               <a:rPr lang="en-US" smtClean="0"/>
-              <a:t>27</a:t>
+              <a:t>28</a:t>
             </a:fld>
             <a:endParaRPr lang="en-US"/>
           </a:p>
@@ -21448,7 +26814,7 @@
 </p:sld>
 </file>
 
-<file path=ppt/slides/slide28.xml><?xml version="1.0" encoding="utf-8"?>
+<file path=ppt/slides/slide29.xml><?xml version="1.0" encoding="utf-8"?>
 <p:sld xmlns:a="http://schemas.openxmlformats.org/drawingml/2006/main" xmlns:r="http://schemas.openxmlformats.org/officeDocument/2006/relationships" xmlns:p="http://schemas.openxmlformats.org/presentationml/2006/main">
   <p:cSld>
     <p:spTree>
@@ -21746,7 +27112,7 @@
           <a:p>
             <a:fld id="{2AF3B5EA-18B6-4040-9F78-6052AF49C681}" type="slidenum">
               <a:rPr lang="en-US" smtClean="0"/>
-              <a:t>28</a:t>
+              <a:t>29</a:t>
             </a:fld>
             <a:endParaRPr lang="en-US"/>
           </a:p>
@@ -21765,7 +27131,101 @@
 </p:sld>
 </file>
 
-<file path=ppt/slides/slide29.xml><?xml version="1.0" encoding="utf-8"?>
+<file path=ppt/slides/slide3.xml><?xml version="1.0" encoding="utf-8"?>
+<p:sld xmlns:a="http://schemas.openxmlformats.org/drawingml/2006/main" xmlns:r="http://schemas.openxmlformats.org/officeDocument/2006/relationships" xmlns:p="http://schemas.openxmlformats.org/presentationml/2006/main">
+  <p:cSld>
+    <p:spTree>
+      <p:nvGrpSpPr>
+        <p:cNvPr id="1" name=""/>
+        <p:cNvGrpSpPr/>
+        <p:nvPr/>
+      </p:nvGrpSpPr>
+      <p:grpSpPr>
+        <a:xfrm>
+          <a:off x="0" y="0"/>
+          <a:ext cx="0" cy="0"/>
+          <a:chOff x="0" y="0"/>
+          <a:chExt cx="0" cy="0"/>
+        </a:xfrm>
+      </p:grpSpPr>
+      <p:sp>
+        <p:nvSpPr>
+          <p:cNvPr id="2" name="Title 1"/>
+          <p:cNvSpPr>
+            <a:spLocks noGrp="1"/>
+          </p:cNvSpPr>
+          <p:nvPr>
+            <p:ph type="title"/>
+          </p:nvPr>
+        </p:nvSpPr>
+        <p:spPr/>
+        <p:txBody>
+          <a:bodyPr/>
+          <a:lstStyle/>
+          <a:p>
+            <a:r>
+              <a:rPr lang="en-US" dirty="0"/>
+              <a:t>Introduction</a:t>
+            </a:r>
+          </a:p>
+        </p:txBody>
+      </p:sp>
+      <p:sp>
+        <p:nvSpPr>
+          <p:cNvPr id="3" name="Content Placeholder 2"/>
+          <p:cNvSpPr>
+            <a:spLocks noGrp="1"/>
+          </p:cNvSpPr>
+          <p:nvPr>
+            <p:ph idx="1"/>
+          </p:nvPr>
+        </p:nvSpPr>
+        <p:spPr/>
+        <p:txBody>
+          <a:bodyPr/>
+          <a:lstStyle/>
+          <a:p>
+            <a:endParaRPr lang="en-US"/>
+          </a:p>
+        </p:txBody>
+      </p:sp>
+      <p:sp>
+        <p:nvSpPr>
+          <p:cNvPr id="4" name="Slide Number Placeholder 3"/>
+          <p:cNvSpPr>
+            <a:spLocks noGrp="1"/>
+          </p:cNvSpPr>
+          <p:nvPr>
+            <p:ph type="sldNum" sz="quarter" idx="12"/>
+          </p:nvPr>
+        </p:nvSpPr>
+        <p:spPr/>
+        <p:txBody>
+          <a:bodyPr/>
+          <a:lstStyle/>
+          <a:p>
+            <a:fld id="{2AF3B5EA-18B6-4040-9F78-6052AF49C681}" type="slidenum">
+              <a:rPr lang="en-US" smtClean="0"/>
+              <a:t>3</a:t>
+            </a:fld>
+            <a:endParaRPr lang="en-US"/>
+          </a:p>
+        </p:txBody>
+      </p:sp>
+    </p:spTree>
+    <p:extLst>
+      <p:ext uri="{BB962C8B-B14F-4D97-AF65-F5344CB8AC3E}">
+        <p14:creationId xmlns:p14="http://schemas.microsoft.com/office/powerpoint/2010/main" val="102794437"/>
+      </p:ext>
+    </p:extLst>
+  </p:cSld>
+  <p:clrMapOvr>
+    <a:masterClrMapping/>
+  </p:clrMapOvr>
+</p:sld>
+</file>
+
+<file path=ppt/slides/slide30.xml><?xml version="1.0" encoding="utf-8"?>
 <p:sld xmlns:a="http://schemas.openxmlformats.org/drawingml/2006/main" xmlns:r="http://schemas.openxmlformats.org/officeDocument/2006/relationships" xmlns:p="http://schemas.openxmlformats.org/presentationml/2006/main">
   <p:cSld>
     <p:spTree>
@@ -22023,7 +27483,7 @@
           <a:p>
             <a:fld id="{2AF3B5EA-18B6-4040-9F78-6052AF49C681}" type="slidenum">
               <a:rPr lang="en-US" smtClean="0"/>
-              <a:t>29</a:t>
+              <a:t>30</a:t>
             </a:fld>
             <a:endParaRPr lang="en-US"/>
           </a:p>
@@ -22042,101 +27502,7 @@
 </p:sld>
 </file>
 
-<file path=ppt/slides/slide3.xml><?xml version="1.0" encoding="utf-8"?>
-<p:sld xmlns:a="http://schemas.openxmlformats.org/drawingml/2006/main" xmlns:r="http://schemas.openxmlformats.org/officeDocument/2006/relationships" xmlns:p="http://schemas.openxmlformats.org/presentationml/2006/main">
-  <p:cSld>
-    <p:spTree>
-      <p:nvGrpSpPr>
-        <p:cNvPr id="1" name=""/>
-        <p:cNvGrpSpPr/>
-        <p:nvPr/>
-      </p:nvGrpSpPr>
-      <p:grpSpPr>
-        <a:xfrm>
-          <a:off x="0" y="0"/>
-          <a:ext cx="0" cy="0"/>
-          <a:chOff x="0" y="0"/>
-          <a:chExt cx="0" cy="0"/>
-        </a:xfrm>
-      </p:grpSpPr>
-      <p:sp>
-        <p:nvSpPr>
-          <p:cNvPr id="2" name="Title 1"/>
-          <p:cNvSpPr>
-            <a:spLocks noGrp="1"/>
-          </p:cNvSpPr>
-          <p:nvPr>
-            <p:ph type="title"/>
-          </p:nvPr>
-        </p:nvSpPr>
-        <p:spPr/>
-        <p:txBody>
-          <a:bodyPr/>
-          <a:lstStyle/>
-          <a:p>
-            <a:r>
-              <a:rPr lang="en-US" dirty="0"/>
-              <a:t>Introduction</a:t>
-            </a:r>
-          </a:p>
-        </p:txBody>
-      </p:sp>
-      <p:sp>
-        <p:nvSpPr>
-          <p:cNvPr id="3" name="Content Placeholder 2"/>
-          <p:cNvSpPr>
-            <a:spLocks noGrp="1"/>
-          </p:cNvSpPr>
-          <p:nvPr>
-            <p:ph idx="1"/>
-          </p:nvPr>
-        </p:nvSpPr>
-        <p:spPr/>
-        <p:txBody>
-          <a:bodyPr/>
-          <a:lstStyle/>
-          <a:p>
-            <a:endParaRPr lang="en-US"/>
-          </a:p>
-        </p:txBody>
-      </p:sp>
-      <p:sp>
-        <p:nvSpPr>
-          <p:cNvPr id="4" name="Slide Number Placeholder 3"/>
-          <p:cNvSpPr>
-            <a:spLocks noGrp="1"/>
-          </p:cNvSpPr>
-          <p:nvPr>
-            <p:ph type="sldNum" sz="quarter" idx="12"/>
-          </p:nvPr>
-        </p:nvSpPr>
-        <p:spPr/>
-        <p:txBody>
-          <a:bodyPr/>
-          <a:lstStyle/>
-          <a:p>
-            <a:fld id="{2AF3B5EA-18B6-4040-9F78-6052AF49C681}" type="slidenum">
-              <a:rPr lang="en-US" smtClean="0"/>
-              <a:t>3</a:t>
-            </a:fld>
-            <a:endParaRPr lang="en-US"/>
-          </a:p>
-        </p:txBody>
-      </p:sp>
-    </p:spTree>
-    <p:extLst>
-      <p:ext uri="{BB962C8B-B14F-4D97-AF65-F5344CB8AC3E}">
-        <p14:creationId xmlns:p14="http://schemas.microsoft.com/office/powerpoint/2010/main" val="102794437"/>
-      </p:ext>
-    </p:extLst>
-  </p:cSld>
-  <p:clrMapOvr>
-    <a:masterClrMapping/>
-  </p:clrMapOvr>
-</p:sld>
-</file>
-
-<file path=ppt/slides/slide30.xml><?xml version="1.0" encoding="utf-8"?>
+<file path=ppt/slides/slide31.xml><?xml version="1.0" encoding="utf-8"?>
 <p:sld xmlns:a="http://schemas.openxmlformats.org/drawingml/2006/main" xmlns:r="http://schemas.openxmlformats.org/officeDocument/2006/relationships" xmlns:p="http://schemas.openxmlformats.org/presentationml/2006/main">
   <p:cSld>
     <p:spTree>
@@ -22369,7 +27735,7 @@
           <a:p>
             <a:fld id="{2AF3B5EA-18B6-4040-9F78-6052AF49C681}" type="slidenum">
               <a:rPr lang="en-US" smtClean="0"/>
-              <a:t>30</a:t>
+              <a:t>31</a:t>
             </a:fld>
             <a:endParaRPr lang="en-US"/>
           </a:p>
@@ -22388,7 +27754,7 @@
 </p:sld>
 </file>
 
-<file path=ppt/slides/slide31.xml><?xml version="1.0" encoding="utf-8"?>
+<file path=ppt/slides/slide32.xml><?xml version="1.0" encoding="utf-8"?>
 <p:sld xmlns:a="http://schemas.openxmlformats.org/drawingml/2006/main" xmlns:r="http://schemas.openxmlformats.org/officeDocument/2006/relationships" xmlns:p="http://schemas.openxmlformats.org/presentationml/2006/main">
   <p:cSld>
     <p:spTree>
@@ -22599,7 +27965,7 @@
           <a:p>
             <a:fld id="{2AF3B5EA-18B6-4040-9F78-6052AF49C681}" type="slidenum">
               <a:rPr lang="en-US" smtClean="0"/>
-              <a:t>31</a:t>
+              <a:t>32</a:t>
             </a:fld>
             <a:endParaRPr lang="en-US"/>
           </a:p>
@@ -22618,7 +27984,7 @@
 </p:sld>
 </file>
 
-<file path=ppt/slides/slide32.xml><?xml version="1.0" encoding="utf-8"?>
+<file path=ppt/slides/slide33.xml><?xml version="1.0" encoding="utf-8"?>
 <p:sld xmlns:a="http://schemas.openxmlformats.org/drawingml/2006/main" xmlns:r="http://schemas.openxmlformats.org/officeDocument/2006/relationships" xmlns:p="http://schemas.openxmlformats.org/presentationml/2006/main">
   <p:cSld>
     <p:spTree>
@@ -22851,7 +28217,7 @@
           <a:p>
             <a:fld id="{2AF3B5EA-18B6-4040-9F78-6052AF49C681}" type="slidenum">
               <a:rPr lang="en-US" smtClean="0"/>
-              <a:t>32</a:t>
+              <a:t>33</a:t>
             </a:fld>
             <a:endParaRPr lang="en-US"/>
           </a:p>

--- a/Slides/Common Slides for CS 5010.pptx
+++ b/Slides/Common Slides for CS 5010.pptx
@@ -5,7 +5,7 @@
     <p:sldMasterId id="2147483648" r:id="rId1"/>
   </p:sldMasterIdLst>
   <p:notesMasterIdLst>
-    <p:notesMasterId r:id="rId35"/>
+    <p:notesMasterId r:id="rId36"/>
   </p:notesMasterIdLst>
   <p:sldIdLst>
     <p:sldId id="285" r:id="rId2"/>
@@ -19,33 +19,34 @@
     <p:sldId id="302" r:id="rId10"/>
     <p:sldId id="303" r:id="rId11"/>
     <p:sldId id="304" r:id="rId12"/>
-    <p:sldId id="261" r:id="rId13"/>
-    <p:sldId id="264" r:id="rId14"/>
-    <p:sldId id="297" r:id="rId15"/>
-    <p:sldId id="265" r:id="rId16"/>
-    <p:sldId id="301" r:id="rId17"/>
-    <p:sldId id="289" r:id="rId18"/>
-    <p:sldId id="266" r:id="rId19"/>
-    <p:sldId id="267" r:id="rId20"/>
-    <p:sldId id="268" r:id="rId21"/>
-    <p:sldId id="269" r:id="rId22"/>
-    <p:sldId id="279" r:id="rId23"/>
-    <p:sldId id="280" r:id="rId24"/>
-    <p:sldId id="281" r:id="rId25"/>
-    <p:sldId id="299" r:id="rId26"/>
-    <p:sldId id="284" r:id="rId27"/>
-    <p:sldId id="277" r:id="rId28"/>
-    <p:sldId id="273" r:id="rId29"/>
-    <p:sldId id="274" r:id="rId30"/>
-    <p:sldId id="276" r:id="rId31"/>
-    <p:sldId id="278" r:id="rId32"/>
-    <p:sldId id="282" r:id="rId33"/>
-    <p:sldId id="283" r:id="rId34"/>
+    <p:sldId id="305" r:id="rId13"/>
+    <p:sldId id="261" r:id="rId14"/>
+    <p:sldId id="264" r:id="rId15"/>
+    <p:sldId id="297" r:id="rId16"/>
+    <p:sldId id="265" r:id="rId17"/>
+    <p:sldId id="301" r:id="rId18"/>
+    <p:sldId id="289" r:id="rId19"/>
+    <p:sldId id="266" r:id="rId20"/>
+    <p:sldId id="267" r:id="rId21"/>
+    <p:sldId id="268" r:id="rId22"/>
+    <p:sldId id="269" r:id="rId23"/>
+    <p:sldId id="279" r:id="rId24"/>
+    <p:sldId id="280" r:id="rId25"/>
+    <p:sldId id="281" r:id="rId26"/>
+    <p:sldId id="299" r:id="rId27"/>
+    <p:sldId id="284" r:id="rId28"/>
+    <p:sldId id="277" r:id="rId29"/>
+    <p:sldId id="273" r:id="rId30"/>
+    <p:sldId id="274" r:id="rId31"/>
+    <p:sldId id="276" r:id="rId32"/>
+    <p:sldId id="278" r:id="rId33"/>
+    <p:sldId id="282" r:id="rId34"/>
+    <p:sldId id="283" r:id="rId35"/>
   </p:sldIdLst>
   <p:sldSz cx="9144000" cy="6858000" type="screen4x3"/>
   <p:notesSz cx="6858000" cy="9144000"/>
   <p:custDataLst>
-    <p:tags r:id="rId36"/>
+    <p:tags r:id="rId37"/>
   </p:custDataLst>
   <p:defaultTextStyle>
     <a:defPPr>
@@ -1660,6 +1661,753 @@
 </file>
 
 <file path=ppt/diagrams/colors3.xml><?xml version="1.0" encoding="utf-8"?>
+<dgm:colorsDef xmlns:dgm="http://schemas.openxmlformats.org/drawingml/2006/diagram" xmlns:a="http://schemas.openxmlformats.org/drawingml/2006/main" uniqueId="urn:microsoft.com/office/officeart/2005/8/colors/accent1_2">
+  <dgm:title val=""/>
+  <dgm:desc val=""/>
+  <dgm:catLst>
+    <dgm:cat type="accent1" pri="11200"/>
+  </dgm:catLst>
+  <dgm:styleLbl name="node0">
+    <dgm:fillClrLst meth="repeat">
+      <a:schemeClr val="accent1"/>
+    </dgm:fillClrLst>
+    <dgm:linClrLst meth="repeat">
+      <a:schemeClr val="lt1"/>
+    </dgm:linClrLst>
+    <dgm:effectClrLst/>
+    <dgm:txLinClrLst/>
+    <dgm:txFillClrLst/>
+    <dgm:txEffectClrLst/>
+  </dgm:styleLbl>
+  <dgm:styleLbl name="alignNode1">
+    <dgm:fillClrLst meth="repeat">
+      <a:schemeClr val="accent1"/>
+    </dgm:fillClrLst>
+    <dgm:linClrLst meth="repeat">
+      <a:schemeClr val="accent1"/>
+    </dgm:linClrLst>
+    <dgm:effectClrLst/>
+    <dgm:txLinClrLst/>
+    <dgm:txFillClrLst/>
+    <dgm:txEffectClrLst/>
+  </dgm:styleLbl>
+  <dgm:styleLbl name="node1">
+    <dgm:fillClrLst meth="repeat">
+      <a:schemeClr val="accent1"/>
+    </dgm:fillClrLst>
+    <dgm:linClrLst meth="repeat">
+      <a:schemeClr val="lt1"/>
+    </dgm:linClrLst>
+    <dgm:effectClrLst/>
+    <dgm:txLinClrLst/>
+    <dgm:txFillClrLst/>
+    <dgm:txEffectClrLst/>
+  </dgm:styleLbl>
+  <dgm:styleLbl name="lnNode1">
+    <dgm:fillClrLst meth="repeat">
+      <a:schemeClr val="accent1"/>
+    </dgm:fillClrLst>
+    <dgm:linClrLst meth="repeat">
+      <a:schemeClr val="lt1"/>
+    </dgm:linClrLst>
+    <dgm:effectClrLst/>
+    <dgm:txLinClrLst/>
+    <dgm:txFillClrLst/>
+    <dgm:txEffectClrLst/>
+  </dgm:styleLbl>
+  <dgm:styleLbl name="vennNode1">
+    <dgm:fillClrLst meth="repeat">
+      <a:schemeClr val="accent1">
+        <a:alpha val="50000"/>
+      </a:schemeClr>
+    </dgm:fillClrLst>
+    <dgm:linClrLst meth="repeat">
+      <a:schemeClr val="lt1"/>
+    </dgm:linClrLst>
+    <dgm:effectClrLst/>
+    <dgm:txLinClrLst/>
+    <dgm:txFillClrLst/>
+    <dgm:txEffectClrLst/>
+  </dgm:styleLbl>
+  <dgm:styleLbl name="node2">
+    <dgm:fillClrLst meth="repeat">
+      <a:schemeClr val="accent1"/>
+    </dgm:fillClrLst>
+    <dgm:linClrLst meth="repeat">
+      <a:schemeClr val="lt1"/>
+    </dgm:linClrLst>
+    <dgm:effectClrLst/>
+    <dgm:txLinClrLst/>
+    <dgm:txFillClrLst/>
+    <dgm:txEffectClrLst/>
+  </dgm:styleLbl>
+  <dgm:styleLbl name="node3">
+    <dgm:fillClrLst meth="repeat">
+      <a:schemeClr val="accent1"/>
+    </dgm:fillClrLst>
+    <dgm:linClrLst meth="repeat">
+      <a:schemeClr val="lt1"/>
+    </dgm:linClrLst>
+    <dgm:effectClrLst/>
+    <dgm:txLinClrLst/>
+    <dgm:txFillClrLst/>
+    <dgm:txEffectClrLst/>
+  </dgm:styleLbl>
+  <dgm:styleLbl name="node4">
+    <dgm:fillClrLst meth="repeat">
+      <a:schemeClr val="accent1"/>
+    </dgm:fillClrLst>
+    <dgm:linClrLst meth="repeat">
+      <a:schemeClr val="lt1"/>
+    </dgm:linClrLst>
+    <dgm:effectClrLst/>
+    <dgm:txLinClrLst/>
+    <dgm:txFillClrLst/>
+    <dgm:txEffectClrLst/>
+  </dgm:styleLbl>
+  <dgm:styleLbl name="fgImgPlace1">
+    <dgm:fillClrLst meth="repeat">
+      <a:schemeClr val="accent1">
+        <a:tint val="50000"/>
+      </a:schemeClr>
+    </dgm:fillClrLst>
+    <dgm:linClrLst meth="repeat">
+      <a:schemeClr val="lt1"/>
+    </dgm:linClrLst>
+    <dgm:effectClrLst/>
+    <dgm:txLinClrLst/>
+    <dgm:txFillClrLst meth="repeat">
+      <a:schemeClr val="lt1"/>
+    </dgm:txFillClrLst>
+    <dgm:txEffectClrLst/>
+  </dgm:styleLbl>
+  <dgm:styleLbl name="alignImgPlace1">
+    <dgm:fillClrLst meth="repeat">
+      <a:schemeClr val="accent1">
+        <a:tint val="50000"/>
+      </a:schemeClr>
+    </dgm:fillClrLst>
+    <dgm:linClrLst meth="repeat">
+      <a:schemeClr val="lt1"/>
+    </dgm:linClrLst>
+    <dgm:effectClrLst/>
+    <dgm:txLinClrLst/>
+    <dgm:txFillClrLst meth="repeat">
+      <a:schemeClr val="lt1"/>
+    </dgm:txFillClrLst>
+    <dgm:txEffectClrLst/>
+  </dgm:styleLbl>
+  <dgm:styleLbl name="bgImgPlace1">
+    <dgm:fillClrLst meth="repeat">
+      <a:schemeClr val="accent1">
+        <a:tint val="50000"/>
+      </a:schemeClr>
+    </dgm:fillClrLst>
+    <dgm:linClrLst meth="repeat">
+      <a:schemeClr val="lt1"/>
+    </dgm:linClrLst>
+    <dgm:effectClrLst/>
+    <dgm:txLinClrLst/>
+    <dgm:txFillClrLst meth="repeat">
+      <a:schemeClr val="lt1"/>
+    </dgm:txFillClrLst>
+    <dgm:txEffectClrLst/>
+  </dgm:styleLbl>
+  <dgm:styleLbl name="sibTrans2D1">
+    <dgm:fillClrLst meth="repeat">
+      <a:schemeClr val="accent1">
+        <a:tint val="60000"/>
+      </a:schemeClr>
+    </dgm:fillClrLst>
+    <dgm:linClrLst meth="repeat">
+      <a:schemeClr val="accent1">
+        <a:tint val="60000"/>
+      </a:schemeClr>
+    </dgm:linClrLst>
+    <dgm:effectClrLst/>
+    <dgm:txLinClrLst/>
+    <dgm:txFillClrLst/>
+    <dgm:txEffectClrLst/>
+  </dgm:styleLbl>
+  <dgm:styleLbl name="fgSibTrans2D1">
+    <dgm:fillClrLst meth="repeat">
+      <a:schemeClr val="accent1">
+        <a:tint val="60000"/>
+      </a:schemeClr>
+    </dgm:fillClrLst>
+    <dgm:linClrLst meth="repeat">
+      <a:schemeClr val="accent1">
+        <a:tint val="60000"/>
+      </a:schemeClr>
+    </dgm:linClrLst>
+    <dgm:effectClrLst/>
+    <dgm:txLinClrLst/>
+    <dgm:txFillClrLst/>
+    <dgm:txEffectClrLst/>
+  </dgm:styleLbl>
+  <dgm:styleLbl name="bgSibTrans2D1">
+    <dgm:fillClrLst meth="repeat">
+      <a:schemeClr val="accent1">
+        <a:tint val="60000"/>
+      </a:schemeClr>
+    </dgm:fillClrLst>
+    <dgm:linClrLst meth="repeat">
+      <a:schemeClr val="accent1">
+        <a:tint val="60000"/>
+      </a:schemeClr>
+    </dgm:linClrLst>
+    <dgm:effectClrLst/>
+    <dgm:txLinClrLst/>
+    <dgm:txFillClrLst/>
+    <dgm:txEffectClrLst/>
+  </dgm:styleLbl>
+  <dgm:styleLbl name="sibTrans1D1">
+    <dgm:fillClrLst meth="repeat">
+      <a:schemeClr val="accent1"/>
+    </dgm:fillClrLst>
+    <dgm:linClrLst meth="repeat">
+      <a:schemeClr val="accent1"/>
+    </dgm:linClrLst>
+    <dgm:effectClrLst/>
+    <dgm:txLinClrLst/>
+    <dgm:txFillClrLst meth="repeat">
+      <a:schemeClr val="tx1"/>
+    </dgm:txFillClrLst>
+    <dgm:txEffectClrLst/>
+  </dgm:styleLbl>
+  <dgm:styleLbl name="callout">
+    <dgm:fillClrLst meth="repeat">
+      <a:schemeClr val="accent1"/>
+    </dgm:fillClrLst>
+    <dgm:linClrLst meth="repeat">
+      <a:schemeClr val="accent1">
+        <a:tint val="50000"/>
+      </a:schemeClr>
+    </dgm:linClrLst>
+    <dgm:effectClrLst/>
+    <dgm:txLinClrLst/>
+    <dgm:txFillClrLst meth="repeat">
+      <a:schemeClr val="tx1"/>
+    </dgm:txFillClrLst>
+    <dgm:txEffectClrLst/>
+  </dgm:styleLbl>
+  <dgm:styleLbl name="asst0">
+    <dgm:fillClrLst meth="repeat">
+      <a:schemeClr val="accent1"/>
+    </dgm:fillClrLst>
+    <dgm:linClrLst meth="repeat">
+      <a:schemeClr val="lt1"/>
+    </dgm:linClrLst>
+    <dgm:effectClrLst/>
+    <dgm:txLinClrLst/>
+    <dgm:txFillClrLst/>
+    <dgm:txEffectClrLst/>
+  </dgm:styleLbl>
+  <dgm:styleLbl name="asst1">
+    <dgm:fillClrLst meth="repeat">
+      <a:schemeClr val="accent1"/>
+    </dgm:fillClrLst>
+    <dgm:linClrLst meth="repeat">
+      <a:schemeClr val="lt1"/>
+    </dgm:linClrLst>
+    <dgm:effectClrLst/>
+    <dgm:txLinClrLst/>
+    <dgm:txFillClrLst/>
+    <dgm:txEffectClrLst/>
+  </dgm:styleLbl>
+  <dgm:styleLbl name="asst2">
+    <dgm:fillClrLst meth="repeat">
+      <a:schemeClr val="accent1"/>
+    </dgm:fillClrLst>
+    <dgm:linClrLst meth="repeat">
+      <a:schemeClr val="lt1"/>
+    </dgm:linClrLst>
+    <dgm:effectClrLst/>
+    <dgm:txLinClrLst/>
+    <dgm:txFillClrLst/>
+    <dgm:txEffectClrLst/>
+  </dgm:styleLbl>
+  <dgm:styleLbl name="asst3">
+    <dgm:fillClrLst meth="repeat">
+      <a:schemeClr val="accent1"/>
+    </dgm:fillClrLst>
+    <dgm:linClrLst meth="repeat">
+      <a:schemeClr val="lt1"/>
+    </dgm:linClrLst>
+    <dgm:effectClrLst/>
+    <dgm:txLinClrLst/>
+    <dgm:txFillClrLst/>
+    <dgm:txEffectClrLst/>
+  </dgm:styleLbl>
+  <dgm:styleLbl name="asst4">
+    <dgm:fillClrLst meth="repeat">
+      <a:schemeClr val="accent1"/>
+    </dgm:fillClrLst>
+    <dgm:linClrLst meth="repeat">
+      <a:schemeClr val="lt1"/>
+    </dgm:linClrLst>
+    <dgm:effectClrLst/>
+    <dgm:txLinClrLst/>
+    <dgm:txFillClrLst/>
+    <dgm:txEffectClrLst/>
+  </dgm:styleLbl>
+  <dgm:styleLbl name="parChTrans2D1">
+    <dgm:fillClrLst meth="repeat">
+      <a:schemeClr val="accent1">
+        <a:tint val="60000"/>
+      </a:schemeClr>
+    </dgm:fillClrLst>
+    <dgm:linClrLst meth="repeat">
+      <a:schemeClr val="accent1">
+        <a:tint val="60000"/>
+      </a:schemeClr>
+    </dgm:linClrLst>
+    <dgm:effectClrLst/>
+    <dgm:txLinClrLst/>
+    <dgm:txFillClrLst meth="repeat">
+      <a:schemeClr val="lt1"/>
+    </dgm:txFillClrLst>
+    <dgm:txEffectClrLst/>
+  </dgm:styleLbl>
+  <dgm:styleLbl name="parChTrans2D2">
+    <dgm:fillClrLst meth="repeat">
+      <a:schemeClr val="accent1"/>
+    </dgm:fillClrLst>
+    <dgm:linClrLst meth="repeat">
+      <a:schemeClr val="accent1"/>
+    </dgm:linClrLst>
+    <dgm:effectClrLst/>
+    <dgm:txLinClrLst/>
+    <dgm:txFillClrLst meth="repeat">
+      <a:schemeClr val="lt1"/>
+    </dgm:txFillClrLst>
+    <dgm:txEffectClrLst/>
+  </dgm:styleLbl>
+  <dgm:styleLbl name="parChTrans2D3">
+    <dgm:fillClrLst meth="repeat">
+      <a:schemeClr val="accent1"/>
+    </dgm:fillClrLst>
+    <dgm:linClrLst meth="repeat">
+      <a:schemeClr val="accent1"/>
+    </dgm:linClrLst>
+    <dgm:effectClrLst/>
+    <dgm:txLinClrLst/>
+    <dgm:txFillClrLst meth="repeat">
+      <a:schemeClr val="lt1"/>
+    </dgm:txFillClrLst>
+    <dgm:txEffectClrLst/>
+  </dgm:styleLbl>
+  <dgm:styleLbl name="parChTrans2D4">
+    <dgm:fillClrLst meth="repeat">
+      <a:schemeClr val="accent1"/>
+    </dgm:fillClrLst>
+    <dgm:linClrLst meth="repeat">
+      <a:schemeClr val="accent1"/>
+    </dgm:linClrLst>
+    <dgm:effectClrLst/>
+    <dgm:txLinClrLst/>
+    <dgm:txFillClrLst meth="repeat">
+      <a:schemeClr val="lt1"/>
+    </dgm:txFillClrLst>
+    <dgm:txEffectClrLst/>
+  </dgm:styleLbl>
+  <dgm:styleLbl name="parChTrans1D1">
+    <dgm:fillClrLst meth="repeat">
+      <a:schemeClr val="accent1"/>
+    </dgm:fillClrLst>
+    <dgm:linClrLst meth="repeat">
+      <a:schemeClr val="accent1">
+        <a:shade val="60000"/>
+      </a:schemeClr>
+    </dgm:linClrLst>
+    <dgm:effectClrLst/>
+    <dgm:txLinClrLst/>
+    <dgm:txFillClrLst meth="repeat">
+      <a:schemeClr val="tx1"/>
+    </dgm:txFillClrLst>
+    <dgm:txEffectClrLst/>
+  </dgm:styleLbl>
+  <dgm:styleLbl name="parChTrans1D2">
+    <dgm:fillClrLst meth="repeat">
+      <a:schemeClr val="accent1"/>
+    </dgm:fillClrLst>
+    <dgm:linClrLst meth="repeat">
+      <a:schemeClr val="accent1">
+        <a:shade val="60000"/>
+      </a:schemeClr>
+    </dgm:linClrLst>
+    <dgm:effectClrLst/>
+    <dgm:txLinClrLst/>
+    <dgm:txFillClrLst meth="repeat">
+      <a:schemeClr val="tx1"/>
+    </dgm:txFillClrLst>
+    <dgm:txEffectClrLst/>
+  </dgm:styleLbl>
+  <dgm:styleLbl name="parChTrans1D3">
+    <dgm:fillClrLst meth="repeat">
+      <a:schemeClr val="accent1"/>
+    </dgm:fillClrLst>
+    <dgm:linClrLst meth="repeat">
+      <a:schemeClr val="accent1">
+        <a:shade val="80000"/>
+      </a:schemeClr>
+    </dgm:linClrLst>
+    <dgm:effectClrLst/>
+    <dgm:txLinClrLst/>
+    <dgm:txFillClrLst meth="repeat">
+      <a:schemeClr val="tx1"/>
+    </dgm:txFillClrLst>
+    <dgm:txEffectClrLst/>
+  </dgm:styleLbl>
+  <dgm:styleLbl name="parChTrans1D4">
+    <dgm:fillClrLst meth="repeat">
+      <a:schemeClr val="accent1"/>
+    </dgm:fillClrLst>
+    <dgm:linClrLst meth="repeat">
+      <a:schemeClr val="accent1">
+        <a:shade val="80000"/>
+      </a:schemeClr>
+    </dgm:linClrLst>
+    <dgm:effectClrLst/>
+    <dgm:txLinClrLst/>
+    <dgm:txFillClrLst meth="repeat">
+      <a:schemeClr val="tx1"/>
+    </dgm:txFillClrLst>
+    <dgm:txEffectClrLst/>
+  </dgm:styleLbl>
+  <dgm:styleLbl name="fgAcc1">
+    <dgm:fillClrLst meth="repeat">
+      <a:schemeClr val="lt1">
+        <a:alpha val="90000"/>
+      </a:schemeClr>
+    </dgm:fillClrLst>
+    <dgm:linClrLst meth="repeat">
+      <a:schemeClr val="accent1"/>
+    </dgm:linClrLst>
+    <dgm:effectClrLst/>
+    <dgm:txLinClrLst/>
+    <dgm:txFillClrLst meth="repeat">
+      <a:schemeClr val="dk1"/>
+    </dgm:txFillClrLst>
+    <dgm:txEffectClrLst/>
+  </dgm:styleLbl>
+  <dgm:styleLbl name="conFgAcc1">
+    <dgm:fillClrLst meth="repeat">
+      <a:schemeClr val="lt1">
+        <a:alpha val="90000"/>
+      </a:schemeClr>
+    </dgm:fillClrLst>
+    <dgm:linClrLst meth="repeat">
+      <a:schemeClr val="accent1"/>
+    </dgm:linClrLst>
+    <dgm:effectClrLst/>
+    <dgm:txLinClrLst/>
+    <dgm:txFillClrLst meth="repeat">
+      <a:schemeClr val="dk1"/>
+    </dgm:txFillClrLst>
+    <dgm:txEffectClrLst/>
+  </dgm:styleLbl>
+  <dgm:styleLbl name="alignAcc1">
+    <dgm:fillClrLst meth="repeat">
+      <a:schemeClr val="lt1">
+        <a:alpha val="90000"/>
+      </a:schemeClr>
+    </dgm:fillClrLst>
+    <dgm:linClrLst meth="repeat">
+      <a:schemeClr val="accent1"/>
+    </dgm:linClrLst>
+    <dgm:effectClrLst/>
+    <dgm:txLinClrLst/>
+    <dgm:txFillClrLst meth="repeat">
+      <a:schemeClr val="dk1"/>
+    </dgm:txFillClrLst>
+    <dgm:txEffectClrLst/>
+  </dgm:styleLbl>
+  <dgm:styleLbl name="trAlignAcc1">
+    <dgm:fillClrLst meth="repeat">
+      <a:schemeClr val="lt1">
+        <a:alpha val="40000"/>
+      </a:schemeClr>
+    </dgm:fillClrLst>
+    <dgm:linClrLst meth="repeat">
+      <a:schemeClr val="accent1"/>
+    </dgm:linClrLst>
+    <dgm:effectClrLst/>
+    <dgm:txLinClrLst/>
+    <dgm:txFillClrLst meth="repeat">
+      <a:schemeClr val="dk1"/>
+    </dgm:txFillClrLst>
+    <dgm:txEffectClrLst/>
+  </dgm:styleLbl>
+  <dgm:styleLbl name="bgAcc1">
+    <dgm:fillClrLst meth="repeat">
+      <a:schemeClr val="lt1">
+        <a:alpha val="90000"/>
+      </a:schemeClr>
+    </dgm:fillClrLst>
+    <dgm:linClrLst meth="repeat">
+      <a:schemeClr val="accent1"/>
+    </dgm:linClrLst>
+    <dgm:effectClrLst/>
+    <dgm:txLinClrLst/>
+    <dgm:txFillClrLst meth="repeat">
+      <a:schemeClr val="dk1"/>
+    </dgm:txFillClrLst>
+    <dgm:txEffectClrLst/>
+  </dgm:styleLbl>
+  <dgm:styleLbl name="solidFgAcc1">
+    <dgm:fillClrLst meth="repeat">
+      <a:schemeClr val="lt1"/>
+    </dgm:fillClrLst>
+    <dgm:linClrLst meth="repeat">
+      <a:schemeClr val="accent1"/>
+    </dgm:linClrLst>
+    <dgm:effectClrLst/>
+    <dgm:txLinClrLst/>
+    <dgm:txFillClrLst meth="repeat">
+      <a:schemeClr val="dk1"/>
+    </dgm:txFillClrLst>
+    <dgm:txEffectClrLst/>
+  </dgm:styleLbl>
+  <dgm:styleLbl name="solidAlignAcc1">
+    <dgm:fillClrLst meth="repeat">
+      <a:schemeClr val="lt1"/>
+    </dgm:fillClrLst>
+    <dgm:linClrLst meth="repeat">
+      <a:schemeClr val="accent1"/>
+    </dgm:linClrLst>
+    <dgm:effectClrLst/>
+    <dgm:txLinClrLst/>
+    <dgm:txFillClrLst meth="repeat">
+      <a:schemeClr val="dk1"/>
+    </dgm:txFillClrLst>
+    <dgm:txEffectClrLst/>
+  </dgm:styleLbl>
+  <dgm:styleLbl name="solidBgAcc1">
+    <dgm:fillClrLst meth="repeat">
+      <a:schemeClr val="lt1"/>
+    </dgm:fillClrLst>
+    <dgm:linClrLst meth="repeat">
+      <a:schemeClr val="accent1"/>
+    </dgm:linClrLst>
+    <dgm:effectClrLst/>
+    <dgm:txLinClrLst/>
+    <dgm:txFillClrLst meth="repeat">
+      <a:schemeClr val="dk1"/>
+    </dgm:txFillClrLst>
+    <dgm:txEffectClrLst/>
+  </dgm:styleLbl>
+  <dgm:styleLbl name="fgAccFollowNode1">
+    <dgm:fillClrLst meth="repeat">
+      <a:schemeClr val="accent1">
+        <a:alpha val="90000"/>
+        <a:tint val="40000"/>
+      </a:schemeClr>
+    </dgm:fillClrLst>
+    <dgm:linClrLst meth="repeat">
+      <a:schemeClr val="accent1">
+        <a:alpha val="90000"/>
+        <a:tint val="40000"/>
+      </a:schemeClr>
+    </dgm:linClrLst>
+    <dgm:effectClrLst/>
+    <dgm:txLinClrLst/>
+    <dgm:txFillClrLst meth="repeat">
+      <a:schemeClr val="dk1"/>
+    </dgm:txFillClrLst>
+    <dgm:txEffectClrLst/>
+  </dgm:styleLbl>
+  <dgm:styleLbl name="alignAccFollowNode1">
+    <dgm:fillClrLst meth="repeat">
+      <a:schemeClr val="accent1">
+        <a:alpha val="90000"/>
+        <a:tint val="40000"/>
+      </a:schemeClr>
+    </dgm:fillClrLst>
+    <dgm:linClrLst meth="repeat">
+      <a:schemeClr val="accent1">
+        <a:alpha val="90000"/>
+        <a:tint val="40000"/>
+      </a:schemeClr>
+    </dgm:linClrLst>
+    <dgm:effectClrLst/>
+    <dgm:txLinClrLst/>
+    <dgm:txFillClrLst meth="repeat">
+      <a:schemeClr val="dk1"/>
+    </dgm:txFillClrLst>
+    <dgm:txEffectClrLst/>
+  </dgm:styleLbl>
+  <dgm:styleLbl name="bgAccFollowNode1">
+    <dgm:fillClrLst meth="repeat">
+      <a:schemeClr val="accent1">
+        <a:alpha val="90000"/>
+        <a:tint val="40000"/>
+      </a:schemeClr>
+    </dgm:fillClrLst>
+    <dgm:linClrLst meth="repeat">
+      <a:schemeClr val="accent1">
+        <a:alpha val="90000"/>
+        <a:tint val="40000"/>
+      </a:schemeClr>
+    </dgm:linClrLst>
+    <dgm:effectClrLst/>
+    <dgm:txLinClrLst/>
+    <dgm:txFillClrLst meth="repeat">
+      <a:schemeClr val="dk1"/>
+    </dgm:txFillClrLst>
+    <dgm:txEffectClrLst/>
+  </dgm:styleLbl>
+  <dgm:styleLbl name="fgAcc0">
+    <dgm:fillClrLst meth="repeat">
+      <a:schemeClr val="lt1">
+        <a:alpha val="90000"/>
+      </a:schemeClr>
+    </dgm:fillClrLst>
+    <dgm:linClrLst meth="repeat">
+      <a:schemeClr val="accent1"/>
+    </dgm:linClrLst>
+    <dgm:effectClrLst/>
+    <dgm:txLinClrLst/>
+    <dgm:txFillClrLst meth="repeat">
+      <a:schemeClr val="dk1"/>
+    </dgm:txFillClrLst>
+    <dgm:txEffectClrLst/>
+  </dgm:styleLbl>
+  <dgm:styleLbl name="fgAcc2">
+    <dgm:fillClrLst meth="repeat">
+      <a:schemeClr val="lt1">
+        <a:alpha val="90000"/>
+      </a:schemeClr>
+    </dgm:fillClrLst>
+    <dgm:linClrLst meth="repeat">
+      <a:schemeClr val="accent1"/>
+    </dgm:linClrLst>
+    <dgm:effectClrLst/>
+    <dgm:txLinClrLst/>
+    <dgm:txFillClrLst meth="repeat">
+      <a:schemeClr val="dk1"/>
+    </dgm:txFillClrLst>
+    <dgm:txEffectClrLst/>
+  </dgm:styleLbl>
+  <dgm:styleLbl name="fgAcc3">
+    <dgm:fillClrLst meth="repeat">
+      <a:schemeClr val="lt1">
+        <a:alpha val="90000"/>
+      </a:schemeClr>
+    </dgm:fillClrLst>
+    <dgm:linClrLst meth="repeat">
+      <a:schemeClr val="accent1"/>
+    </dgm:linClrLst>
+    <dgm:effectClrLst/>
+    <dgm:txLinClrLst/>
+    <dgm:txFillClrLst meth="repeat">
+      <a:schemeClr val="dk1"/>
+    </dgm:txFillClrLst>
+    <dgm:txEffectClrLst/>
+  </dgm:styleLbl>
+  <dgm:styleLbl name="fgAcc4">
+    <dgm:fillClrLst meth="repeat">
+      <a:schemeClr val="lt1">
+        <a:alpha val="90000"/>
+      </a:schemeClr>
+    </dgm:fillClrLst>
+    <dgm:linClrLst meth="repeat">
+      <a:schemeClr val="accent1"/>
+    </dgm:linClrLst>
+    <dgm:effectClrLst/>
+    <dgm:txLinClrLst/>
+    <dgm:txFillClrLst meth="repeat">
+      <a:schemeClr val="dk1"/>
+    </dgm:txFillClrLst>
+    <dgm:txEffectClrLst/>
+  </dgm:styleLbl>
+  <dgm:styleLbl name="bgShp">
+    <dgm:fillClrLst meth="repeat">
+      <a:schemeClr val="accent1">
+        <a:tint val="40000"/>
+      </a:schemeClr>
+    </dgm:fillClrLst>
+    <dgm:linClrLst meth="repeat">
+      <a:schemeClr val="accent1"/>
+    </dgm:linClrLst>
+    <dgm:effectClrLst/>
+    <dgm:txLinClrLst/>
+    <dgm:txFillClrLst meth="repeat">
+      <a:schemeClr val="dk1"/>
+    </dgm:txFillClrLst>
+    <dgm:txEffectClrLst/>
+  </dgm:styleLbl>
+  <dgm:styleLbl name="dkBgShp">
+    <dgm:fillClrLst meth="repeat">
+      <a:schemeClr val="accent1">
+        <a:shade val="80000"/>
+      </a:schemeClr>
+    </dgm:fillClrLst>
+    <dgm:linClrLst meth="repeat">
+      <a:schemeClr val="accent1"/>
+    </dgm:linClrLst>
+    <dgm:effectClrLst/>
+    <dgm:txLinClrLst/>
+    <dgm:txFillClrLst meth="repeat">
+      <a:schemeClr val="lt1"/>
+    </dgm:txFillClrLst>
+    <dgm:txEffectClrLst/>
+  </dgm:styleLbl>
+  <dgm:styleLbl name="trBgShp">
+    <dgm:fillClrLst meth="repeat">
+      <a:schemeClr val="accent1">
+        <a:tint val="50000"/>
+        <a:alpha val="40000"/>
+      </a:schemeClr>
+    </dgm:fillClrLst>
+    <dgm:linClrLst meth="repeat">
+      <a:schemeClr val="accent1"/>
+    </dgm:linClrLst>
+    <dgm:effectClrLst/>
+    <dgm:txLinClrLst/>
+    <dgm:txFillClrLst meth="repeat">
+      <a:schemeClr val="lt1"/>
+    </dgm:txFillClrLst>
+    <dgm:txEffectClrLst/>
+  </dgm:styleLbl>
+  <dgm:styleLbl name="fgShp">
+    <dgm:fillClrLst meth="repeat">
+      <a:schemeClr val="accent1">
+        <a:tint val="60000"/>
+      </a:schemeClr>
+    </dgm:fillClrLst>
+    <dgm:linClrLst meth="repeat">
+      <a:schemeClr val="lt1"/>
+    </dgm:linClrLst>
+    <dgm:effectClrLst/>
+    <dgm:txLinClrLst/>
+    <dgm:txFillClrLst meth="repeat">
+      <a:schemeClr val="dk1"/>
+    </dgm:txFillClrLst>
+    <dgm:txEffectClrLst/>
+  </dgm:styleLbl>
+  <dgm:styleLbl name="revTx">
+    <dgm:fillClrLst meth="repeat">
+      <a:schemeClr val="lt1">
+        <a:alpha val="0"/>
+      </a:schemeClr>
+    </dgm:fillClrLst>
+    <dgm:linClrLst meth="repeat">
+      <a:schemeClr val="dk1">
+        <a:alpha val="0"/>
+      </a:schemeClr>
+    </dgm:linClrLst>
+    <dgm:effectClrLst/>
+    <dgm:txLinClrLst/>
+    <dgm:txFillClrLst meth="repeat">
+      <a:schemeClr val="tx1"/>
+    </dgm:txFillClrLst>
+    <dgm:txEffectClrLst/>
+  </dgm:styleLbl>
+</dgm:colorsDef>
+</file>
+
+<file path=ppt/diagrams/colors4.xml><?xml version="1.0" encoding="utf-8"?>
 <dgm:colorsDef xmlns:dgm="http://schemas.openxmlformats.org/drawingml/2006/diagram" xmlns:a="http://schemas.openxmlformats.org/drawingml/2006/main" uniqueId="urn:microsoft.com/office/officeart/2005/8/colors/accent1_2">
   <dgm:title val=""/>
   <dgm:desc val=""/>
@@ -5293,6 +6041,1243 @@
     <dgm:cxn modelId="{2DDA2A2E-7EBF-42D3-8E45-3269864CBAA4}" type="presParOf" srcId="{C961EBF4-10A8-458E-973D-7ED2EFFC972F}" destId="{88C17E61-7A2A-46D7-AC95-5E562286A33E}" srcOrd="5" destOrd="0" presId="urn:microsoft.com/office/officeart/2005/8/layout/hierarchy3"/>
     <dgm:cxn modelId="{7CD2E438-91AB-49C8-BEFA-398ACCFFD7BD}" type="presParOf" srcId="{C961EBF4-10A8-458E-973D-7ED2EFFC972F}" destId="{E8A2D34D-9B35-4804-BD08-DC4453907292}" srcOrd="6" destOrd="0" presId="urn:microsoft.com/office/officeart/2005/8/layout/hierarchy3"/>
     <dgm:cxn modelId="{1534A217-6ECD-4474-80F2-71CA6833E5EF}" type="presParOf" srcId="{C961EBF4-10A8-458E-973D-7ED2EFFC972F}" destId="{1B267FF2-7D4F-4C45-AA7C-4EA638A9F1C5}" srcOrd="7" destOrd="0" presId="urn:microsoft.com/office/officeart/2005/8/layout/hierarchy3"/>
+  </dgm:cxnLst>
+  <dgm:bg/>
+  <dgm:whole/>
+  <dgm:extLst>
+    <a:ext uri="http://schemas.microsoft.com/office/drawing/2008/diagram">
+      <dsp:dataModelExt xmlns:dsp="http://schemas.microsoft.com/office/drawing/2008/diagram" relId="rId6" minVer="http://schemas.openxmlformats.org/drawingml/2006/diagram"/>
+    </a:ext>
+  </dgm:extLst>
+</dgm:dataModel>
+</file>
+
+<file path=ppt/diagrams/data4.xml><?xml version="1.0" encoding="utf-8"?>
+<dgm:dataModel xmlns:dgm="http://schemas.openxmlformats.org/drawingml/2006/diagram" xmlns:a="http://schemas.openxmlformats.org/drawingml/2006/main">
+  <dgm:ptLst>
+    <dgm:pt modelId="{D4ADF4FB-6626-4BAA-8170-1AB86830E7EB}" type="doc">
+      <dgm:prSet loTypeId="urn:microsoft.com/office/officeart/2005/8/layout/hierarchy3" loCatId="hierarchy" qsTypeId="urn:microsoft.com/office/officeart/2005/8/quickstyle/simple1" qsCatId="simple" csTypeId="urn:microsoft.com/office/officeart/2005/8/colors/accent1_2" csCatId="accent1" phldr="1"/>
+      <dgm:spPr/>
+      <dgm:t>
+        <a:bodyPr/>
+        <a:lstStyle/>
+        <a:p>
+          <a:endParaRPr lang="en-US"/>
+        </a:p>
+      </dgm:t>
+    </dgm:pt>
+    <dgm:pt modelId="{ED0B78BF-E006-4732-B48C-2ADC9E2EF39A}">
+      <dgm:prSet phldrT="[Text]"/>
+      <dgm:spPr/>
+      <dgm:t>
+        <a:bodyPr/>
+        <a:lstStyle/>
+        <a:p>
+          <a:r>
+            <a:rPr lang="en-US" dirty="0"/>
+            <a:t>Tools and Techniques</a:t>
+          </a:r>
+        </a:p>
+      </dgm:t>
+    </dgm:pt>
+    <dgm:pt modelId="{28816F29-4038-473E-B49B-94074EA0A51E}" type="parTrans" cxnId="{A1A3BCB4-83BF-4A79-B53F-5F8A606BDE54}">
+      <dgm:prSet/>
+      <dgm:spPr/>
+      <dgm:t>
+        <a:bodyPr/>
+        <a:lstStyle/>
+        <a:p>
+          <a:endParaRPr lang="en-US"/>
+        </a:p>
+      </dgm:t>
+    </dgm:pt>
+    <dgm:pt modelId="{23CFA8B8-2A05-4928-AEB3-72448E3A79E3}" type="sibTrans" cxnId="{A1A3BCB4-83BF-4A79-B53F-5F8A606BDE54}">
+      <dgm:prSet/>
+      <dgm:spPr/>
+      <dgm:t>
+        <a:bodyPr/>
+        <a:lstStyle/>
+        <a:p>
+          <a:endParaRPr lang="en-US"/>
+        </a:p>
+      </dgm:t>
+    </dgm:pt>
+    <dgm:pt modelId="{5D17C516-2319-40FE-8748-E184C6D71444}">
+      <dgm:prSet phldrT="[Text]"/>
+      <dgm:spPr/>
+      <dgm:t>
+        <a:bodyPr/>
+        <a:lstStyle/>
+        <a:p>
+          <a:r>
+            <a:rPr lang="en-US" dirty="0"/>
+            <a:t>Object-Oriented Programming</a:t>
+          </a:r>
+        </a:p>
+      </dgm:t>
+    </dgm:pt>
+    <dgm:pt modelId="{EA441DC7-A30D-47EC-A5C8-C50834D06E30}" type="parTrans" cxnId="{F9A2BA9E-B30D-4948-A3E9-A634F6BE47FD}">
+      <dgm:prSet/>
+      <dgm:spPr/>
+      <dgm:t>
+        <a:bodyPr/>
+        <a:lstStyle/>
+        <a:p>
+          <a:endParaRPr lang="en-US"/>
+        </a:p>
+      </dgm:t>
+    </dgm:pt>
+    <dgm:pt modelId="{636B54D7-340F-4600-82E5-F2E670443C91}" type="sibTrans" cxnId="{F9A2BA9E-B30D-4948-A3E9-A634F6BE47FD}">
+      <dgm:prSet/>
+      <dgm:spPr/>
+      <dgm:t>
+        <a:bodyPr/>
+        <a:lstStyle/>
+        <a:p>
+          <a:endParaRPr lang="en-US"/>
+        </a:p>
+      </dgm:t>
+    </dgm:pt>
+    <dgm:pt modelId="{DDB8B436-9528-434E-BD0F-6EB4D2ACB929}">
+      <dgm:prSet phldrT="[Text]"/>
+      <dgm:spPr/>
+      <dgm:t>
+        <a:bodyPr/>
+        <a:lstStyle/>
+        <a:p>
+          <a:r>
+            <a:rPr lang="en-US" dirty="0"/>
+            <a:t>Designing Data</a:t>
+          </a:r>
+        </a:p>
+      </dgm:t>
+    </dgm:pt>
+    <dgm:pt modelId="{9E647244-45B2-496C-B687-01576FEABEC4}" type="parTrans" cxnId="{05392EDD-3032-43C3-BA79-A1347D6D727C}">
+      <dgm:prSet/>
+      <dgm:spPr/>
+      <dgm:t>
+        <a:bodyPr/>
+        <a:lstStyle/>
+        <a:p>
+          <a:endParaRPr lang="en-US"/>
+        </a:p>
+      </dgm:t>
+    </dgm:pt>
+    <dgm:pt modelId="{EE60868F-7BA4-434D-84FC-89FFDDF05FC3}" type="sibTrans" cxnId="{05392EDD-3032-43C3-BA79-A1347D6D727C}">
+      <dgm:prSet/>
+      <dgm:spPr/>
+      <dgm:t>
+        <a:bodyPr/>
+        <a:lstStyle/>
+        <a:p>
+          <a:endParaRPr lang="en-US"/>
+        </a:p>
+      </dgm:t>
+    </dgm:pt>
+    <dgm:pt modelId="{F221EA58-7488-4550-B7A5-965344CA7EAE}">
+      <dgm:prSet phldrT="[Text]" custT="1"/>
+      <dgm:spPr>
+        <a:solidFill>
+          <a:prstClr val="white">
+            <a:alpha val="90000"/>
+            <a:hueOff val="0"/>
+            <a:satOff val="0"/>
+            <a:lumOff val="0"/>
+            <a:alphaOff val="0"/>
+          </a:prstClr>
+        </a:solidFill>
+        <a:ln w="25400" cap="flat" cmpd="sng" algn="ctr">
+          <a:solidFill>
+            <a:srgbClr val="4F81BD">
+              <a:hueOff val="0"/>
+              <a:satOff val="0"/>
+              <a:lumOff val="0"/>
+              <a:alphaOff val="0"/>
+            </a:srgbClr>
+          </a:solidFill>
+          <a:prstDash val="solid"/>
+        </a:ln>
+        <a:effectLst/>
+      </dgm:spPr>
+      <dgm:t>
+        <a:bodyPr spcFirstLastPara="0" vert="horz" wrap="square" lIns="19050" tIns="12700" rIns="19050" bIns="12700" numCol="1" spcCol="1270" anchor="ctr" anchorCtr="0"/>
+        <a:lstStyle/>
+        <a:p>
+          <a:pPr marL="0" lvl="0" indent="0" algn="ctr" defTabSz="444500">
+            <a:lnSpc>
+              <a:spcPct val="90000"/>
+            </a:lnSpc>
+            <a:spcBef>
+              <a:spcPct val="0"/>
+            </a:spcBef>
+            <a:spcAft>
+              <a:spcPct val="35000"/>
+            </a:spcAft>
+            <a:buNone/>
+          </a:pPr>
+          <a:r>
+            <a:rPr lang="en-US" sz="1000" kern="1200" dirty="0">
+              <a:solidFill>
+                <a:prstClr val="black">
+                  <a:hueOff val="0"/>
+                  <a:satOff val="0"/>
+                  <a:lumOff val="0"/>
+                  <a:alphaOff val="0"/>
+                </a:prstClr>
+              </a:solidFill>
+              <a:latin typeface="Calibri"/>
+              <a:ea typeface="+mn-ea"/>
+              <a:cs typeface="+mn-cs"/>
+            </a:rPr>
+            <a:t>Designing Functions</a:t>
+          </a:r>
+        </a:p>
+      </dgm:t>
+    </dgm:pt>
+    <dgm:pt modelId="{03056A9D-BCBF-4181-B8D6-7E4ECCBD4D9E}" type="parTrans" cxnId="{F8F3D917-317B-4A80-B606-277A7F6170C2}">
+      <dgm:prSet/>
+      <dgm:spPr/>
+      <dgm:t>
+        <a:bodyPr/>
+        <a:lstStyle/>
+        <a:p>
+          <a:endParaRPr lang="en-US"/>
+        </a:p>
+      </dgm:t>
+    </dgm:pt>
+    <dgm:pt modelId="{50012D0E-39A9-4FB4-832D-C4D74BE598A6}" type="sibTrans" cxnId="{F8F3D917-317B-4A80-B606-277A7F6170C2}">
+      <dgm:prSet/>
+      <dgm:spPr/>
+      <dgm:t>
+        <a:bodyPr/>
+        <a:lstStyle/>
+        <a:p>
+          <a:endParaRPr lang="en-US"/>
+        </a:p>
+      </dgm:t>
+    </dgm:pt>
+    <dgm:pt modelId="{B1CEE35E-20B6-4A0B-B1E8-D4F40E3162E1}">
+      <dgm:prSet phldrT="[Text]" custT="1"/>
+      <dgm:spPr>
+        <a:solidFill>
+          <a:prstClr val="white">
+            <a:alpha val="90000"/>
+            <a:hueOff val="0"/>
+            <a:satOff val="0"/>
+            <a:lumOff val="0"/>
+            <a:alphaOff val="0"/>
+          </a:prstClr>
+        </a:solidFill>
+        <a:ln w="25400" cap="flat" cmpd="sng" algn="ctr">
+          <a:solidFill>
+            <a:srgbClr val="4F81BD">
+              <a:hueOff val="0"/>
+              <a:satOff val="0"/>
+              <a:lumOff val="0"/>
+              <a:alphaOff val="0"/>
+            </a:srgbClr>
+          </a:solidFill>
+          <a:prstDash val="solid"/>
+        </a:ln>
+        <a:effectLst/>
+      </dgm:spPr>
+      <dgm:t>
+        <a:bodyPr spcFirstLastPara="0" vert="horz" wrap="square" lIns="19050" tIns="12700" rIns="19050" bIns="12700" numCol="1" spcCol="1270" anchor="ctr" anchorCtr="0"/>
+        <a:lstStyle/>
+        <a:p>
+          <a:r>
+            <a:rPr lang="en-US" sz="1000" kern="1200" dirty="0">
+              <a:solidFill>
+                <a:prstClr val="black">
+                  <a:hueOff val="0"/>
+                  <a:satOff val="0"/>
+                  <a:lumOff val="0"/>
+                  <a:alphaOff val="0"/>
+                </a:prstClr>
+              </a:solidFill>
+              <a:latin typeface="Calibri"/>
+              <a:ea typeface="+mn-ea"/>
+              <a:cs typeface="+mn-cs"/>
+            </a:rPr>
+            <a:t>Designing</a:t>
+          </a:r>
+          <a:r>
+            <a:rPr lang="en-US" sz="1000" kern="1200" dirty="0"/>
+            <a:t> Systems</a:t>
+          </a:r>
+        </a:p>
+      </dgm:t>
+    </dgm:pt>
+    <dgm:pt modelId="{08AACE21-5FAD-4460-B120-67387C8F0F32}" type="parTrans" cxnId="{47968857-87E3-481A-908A-A468E51372C1}">
+      <dgm:prSet/>
+      <dgm:spPr/>
+      <dgm:t>
+        <a:bodyPr/>
+        <a:lstStyle/>
+        <a:p>
+          <a:endParaRPr lang="en-US"/>
+        </a:p>
+      </dgm:t>
+    </dgm:pt>
+    <dgm:pt modelId="{4A08DEA0-C75B-4713-B280-420C60C372D9}" type="sibTrans" cxnId="{47968857-87E3-481A-908A-A468E51372C1}">
+      <dgm:prSet/>
+      <dgm:spPr/>
+      <dgm:t>
+        <a:bodyPr/>
+        <a:lstStyle/>
+        <a:p>
+          <a:endParaRPr lang="en-US"/>
+        </a:p>
+      </dgm:t>
+    </dgm:pt>
+    <dgm:pt modelId="{1CBBDDB5-026A-42BF-8805-ACAC57AA5DC3}">
+      <dgm:prSet phldrT="[Text]"/>
+      <dgm:spPr/>
+      <dgm:t>
+        <a:bodyPr/>
+        <a:lstStyle/>
+        <a:p>
+          <a:r>
+            <a:rPr lang="en-US" dirty="0"/>
+            <a:t>Computing with Lists</a:t>
+          </a:r>
+        </a:p>
+      </dgm:t>
+    </dgm:pt>
+    <dgm:pt modelId="{1EC30C20-D36E-4265-85EE-C210CE02F892}" type="parTrans" cxnId="{9662958D-3400-409A-ADC7-BEB605777B1F}">
+      <dgm:prSet/>
+      <dgm:spPr/>
+      <dgm:t>
+        <a:bodyPr/>
+        <a:lstStyle/>
+        <a:p>
+          <a:endParaRPr lang="en-US"/>
+        </a:p>
+      </dgm:t>
+    </dgm:pt>
+    <dgm:pt modelId="{D37EB34B-12D7-42C6-A433-F33F271349CA}" type="sibTrans" cxnId="{9662958D-3400-409A-ADC7-BEB605777B1F}">
+      <dgm:prSet/>
+      <dgm:spPr/>
+      <dgm:t>
+        <a:bodyPr/>
+        <a:lstStyle/>
+        <a:p>
+          <a:endParaRPr lang="en-US"/>
+        </a:p>
+      </dgm:t>
+    </dgm:pt>
+    <dgm:pt modelId="{A7945ECA-2D01-4C03-9AED-9E3EEAAF0F2C}">
+      <dgm:prSet phldrT="[Text]" custT="1"/>
+      <dgm:spPr>
+        <a:solidFill>
+          <a:prstClr val="white">
+            <a:alpha val="90000"/>
+            <a:hueOff val="0"/>
+            <a:satOff val="0"/>
+            <a:lumOff val="0"/>
+            <a:alphaOff val="0"/>
+          </a:prstClr>
+        </a:solidFill>
+        <a:ln w="25400" cap="flat" cmpd="sng" algn="ctr">
+          <a:solidFill>
+            <a:srgbClr val="4F81BD">
+              <a:hueOff val="0"/>
+              <a:satOff val="0"/>
+              <a:lumOff val="0"/>
+              <a:alphaOff val="0"/>
+            </a:srgbClr>
+          </a:solidFill>
+          <a:prstDash val="solid"/>
+        </a:ln>
+        <a:effectLst/>
+      </dgm:spPr>
+      <dgm:t>
+        <a:bodyPr spcFirstLastPara="0" vert="horz" wrap="square" lIns="22860" tIns="15240" rIns="22860" bIns="15240" numCol="1" spcCol="1270" anchor="ctr" anchorCtr="0"/>
+        <a:lstStyle/>
+        <a:p>
+          <a:pPr marL="0" lvl="0" indent="0" algn="ctr" defTabSz="533400">
+            <a:lnSpc>
+              <a:spcPct val="90000"/>
+            </a:lnSpc>
+            <a:spcBef>
+              <a:spcPct val="0"/>
+            </a:spcBef>
+            <a:spcAft>
+              <a:spcPct val="35000"/>
+            </a:spcAft>
+            <a:buNone/>
+          </a:pPr>
+          <a:r>
+            <a:rPr lang="en-US" sz="1200" kern="1200" dirty="0">
+              <a:solidFill>
+                <a:prstClr val="black">
+                  <a:hueOff val="0"/>
+                  <a:satOff val="0"/>
+                  <a:lumOff val="0"/>
+                  <a:alphaOff val="0"/>
+                </a:prstClr>
+              </a:solidFill>
+              <a:latin typeface="Calibri"/>
+              <a:ea typeface="+mn-ea"/>
+              <a:cs typeface="+mn-cs"/>
+            </a:rPr>
+            <a:t>Computing with Trees and Graphs</a:t>
+          </a:r>
+        </a:p>
+      </dgm:t>
+    </dgm:pt>
+    <dgm:pt modelId="{D39C6496-6307-4FC4-9D55-DB6DA94D051F}" type="parTrans" cxnId="{372E1130-8A4A-4006-A020-34030B0410C9}">
+      <dgm:prSet/>
+      <dgm:spPr/>
+      <dgm:t>
+        <a:bodyPr/>
+        <a:lstStyle/>
+        <a:p>
+          <a:endParaRPr lang="en-US"/>
+        </a:p>
+      </dgm:t>
+    </dgm:pt>
+    <dgm:pt modelId="{4FF7D82F-ECB8-4560-8324-4D22393C300C}" type="sibTrans" cxnId="{372E1130-8A4A-4006-A020-34030B0410C9}">
+      <dgm:prSet/>
+      <dgm:spPr/>
+      <dgm:t>
+        <a:bodyPr/>
+        <a:lstStyle/>
+        <a:p>
+          <a:endParaRPr lang="en-US"/>
+        </a:p>
+      </dgm:t>
+    </dgm:pt>
+    <dgm:pt modelId="{B0B0FACC-C24A-4552-82AB-C8FE8246DEF8}">
+      <dgm:prSet phldrT="[Text]" custT="1"/>
+      <dgm:spPr>
+        <a:solidFill>
+          <a:prstClr val="white">
+            <a:alpha val="90000"/>
+            <a:hueOff val="0"/>
+            <a:satOff val="0"/>
+            <a:lumOff val="0"/>
+            <a:alphaOff val="0"/>
+          </a:prstClr>
+        </a:solidFill>
+        <a:ln w="25400" cap="flat" cmpd="sng" algn="ctr">
+          <a:solidFill>
+            <a:srgbClr val="4F81BD">
+              <a:hueOff val="0"/>
+              <a:satOff val="0"/>
+              <a:lumOff val="0"/>
+              <a:alphaOff val="0"/>
+            </a:srgbClr>
+          </a:solidFill>
+          <a:prstDash val="solid"/>
+        </a:ln>
+        <a:effectLst/>
+      </dgm:spPr>
+      <dgm:t>
+        <a:bodyPr spcFirstLastPara="0" vert="horz" wrap="square" lIns="22860" tIns="15240" rIns="22860" bIns="15240" numCol="1" spcCol="1270" anchor="ctr" anchorCtr="0"/>
+        <a:lstStyle/>
+        <a:p>
+          <a:r>
+            <a:rPr lang="en-US" sz="1200" kern="1200" dirty="0">
+              <a:solidFill>
+                <a:prstClr val="black">
+                  <a:hueOff val="0"/>
+                  <a:satOff val="0"/>
+                  <a:lumOff val="0"/>
+                  <a:alphaOff val="0"/>
+                </a:prstClr>
+              </a:solidFill>
+              <a:latin typeface="Calibri"/>
+              <a:ea typeface="+mn-ea"/>
+              <a:cs typeface="+mn-cs"/>
+            </a:rPr>
+            <a:t>Designing</a:t>
+          </a:r>
+          <a:r>
+            <a:rPr lang="en-US" sz="1200" kern="1200" dirty="0"/>
+            <a:t> with Invariants</a:t>
+          </a:r>
+        </a:p>
+      </dgm:t>
+    </dgm:pt>
+    <dgm:pt modelId="{FD74BA91-6D78-44B3-BF01-4D49723F4718}" type="parTrans" cxnId="{FCD83CF7-A1CD-455F-A466-CFFA01A2A6C9}">
+      <dgm:prSet/>
+      <dgm:spPr/>
+      <dgm:t>
+        <a:bodyPr/>
+        <a:lstStyle/>
+        <a:p>
+          <a:endParaRPr lang="en-US"/>
+        </a:p>
+      </dgm:t>
+    </dgm:pt>
+    <dgm:pt modelId="{E6264341-6F1C-4A60-9081-A5335333D714}" type="sibTrans" cxnId="{FCD83CF7-A1CD-455F-A466-CFFA01A2A6C9}">
+      <dgm:prSet/>
+      <dgm:spPr/>
+      <dgm:t>
+        <a:bodyPr/>
+        <a:lstStyle/>
+        <a:p>
+          <a:endParaRPr lang="en-US"/>
+        </a:p>
+      </dgm:t>
+    </dgm:pt>
+    <dgm:pt modelId="{3C02419B-DA6A-4FDB-972F-4F8DC3AD08E3}">
+      <dgm:prSet phldrT="[Text]" custT="1"/>
+      <dgm:spPr>
+        <a:solidFill>
+          <a:prstClr val="white">
+            <a:alpha val="90000"/>
+            <a:hueOff val="0"/>
+            <a:satOff val="0"/>
+            <a:lumOff val="0"/>
+            <a:alphaOff val="0"/>
+          </a:prstClr>
+        </a:solidFill>
+        <a:ln w="25400" cap="flat" cmpd="sng" algn="ctr">
+          <a:solidFill>
+            <a:srgbClr val="4F81BD">
+              <a:hueOff val="0"/>
+              <a:satOff val="0"/>
+              <a:lumOff val="0"/>
+              <a:alphaOff val="0"/>
+            </a:srgbClr>
+          </a:solidFill>
+          <a:prstDash val="solid"/>
+        </a:ln>
+        <a:effectLst/>
+      </dgm:spPr>
+      <dgm:t>
+        <a:bodyPr spcFirstLastPara="0" vert="horz" wrap="square" lIns="22860" tIns="15240" rIns="22860" bIns="15240" numCol="1" spcCol="1270" anchor="ctr" anchorCtr="0"/>
+        <a:lstStyle/>
+        <a:p>
+          <a:r>
+            <a:rPr lang="en-US" sz="1200" kern="1200" dirty="0"/>
+            <a:t>Thinking </a:t>
+          </a:r>
+          <a:r>
+            <a:rPr lang="en-US" sz="1200" kern="1200" dirty="0">
+              <a:solidFill>
+                <a:prstClr val="black">
+                  <a:hueOff val="0"/>
+                  <a:satOff val="0"/>
+                  <a:lumOff val="0"/>
+                  <a:alphaOff val="0"/>
+                </a:prstClr>
+              </a:solidFill>
+              <a:latin typeface="Calibri"/>
+              <a:ea typeface="+mn-ea"/>
+              <a:cs typeface="+mn-cs"/>
+            </a:rPr>
+            <a:t>about</a:t>
+          </a:r>
+          <a:r>
+            <a:rPr lang="en-US" sz="1200" kern="1200" dirty="0"/>
+            <a:t> Efficiency</a:t>
+          </a:r>
+        </a:p>
+      </dgm:t>
+    </dgm:pt>
+    <dgm:pt modelId="{FA010E1E-46BF-40DE-B386-14C19C329E38}" type="parTrans" cxnId="{B2581BA3-7711-4B4F-895A-5C4A1A23D07A}">
+      <dgm:prSet/>
+      <dgm:spPr/>
+      <dgm:t>
+        <a:bodyPr/>
+        <a:lstStyle/>
+        <a:p>
+          <a:endParaRPr lang="en-US"/>
+        </a:p>
+      </dgm:t>
+    </dgm:pt>
+    <dgm:pt modelId="{ABE6B4B2-8044-42FC-8EBA-A2B2927B372D}" type="sibTrans" cxnId="{B2581BA3-7711-4B4F-895A-5C4A1A23D07A}">
+      <dgm:prSet/>
+      <dgm:spPr/>
+      <dgm:t>
+        <a:bodyPr/>
+        <a:lstStyle/>
+        <a:p>
+          <a:endParaRPr lang="en-US"/>
+        </a:p>
+      </dgm:t>
+    </dgm:pt>
+    <dgm:pt modelId="{C217CF6C-69F6-4F1F-BFEF-F03F51825445}">
+      <dgm:prSet phldrT="[Text]" custT="1"/>
+      <dgm:spPr>
+        <a:solidFill>
+          <a:prstClr val="white">
+            <a:alpha val="90000"/>
+            <a:hueOff val="0"/>
+            <a:satOff val="0"/>
+            <a:lumOff val="0"/>
+            <a:alphaOff val="0"/>
+          </a:prstClr>
+        </a:solidFill>
+        <a:ln w="25400" cap="flat" cmpd="sng" algn="ctr">
+          <a:solidFill>
+            <a:srgbClr val="4F81BD">
+              <a:hueOff val="0"/>
+              <a:satOff val="0"/>
+              <a:lumOff val="0"/>
+              <a:alphaOff val="0"/>
+            </a:srgbClr>
+          </a:solidFill>
+          <a:prstDash val="solid"/>
+        </a:ln>
+        <a:effectLst/>
+      </dgm:spPr>
+      <dgm:t>
+        <a:bodyPr spcFirstLastPara="0" vert="horz" wrap="square" lIns="22860" tIns="15240" rIns="22860" bIns="15240" numCol="1" spcCol="1270" anchor="ctr" anchorCtr="0"/>
+        <a:lstStyle/>
+        <a:p>
+          <a:r>
+            <a:rPr lang="en-US" sz="1200" kern="1200" dirty="0">
+              <a:solidFill>
+                <a:prstClr val="black">
+                  <a:hueOff val="0"/>
+                  <a:satOff val="0"/>
+                  <a:lumOff val="0"/>
+                  <a:alphaOff val="0"/>
+                </a:prstClr>
+              </a:solidFill>
+              <a:latin typeface="Calibri"/>
+              <a:ea typeface="+mn-ea"/>
+              <a:cs typeface="+mn-cs"/>
+            </a:rPr>
+            <a:t>Interfaces</a:t>
+          </a:r>
+          <a:r>
+            <a:rPr lang="en-US" sz="1200" kern="1200" dirty="0"/>
+            <a:t> and Classes</a:t>
+          </a:r>
+        </a:p>
+      </dgm:t>
+    </dgm:pt>
+    <dgm:pt modelId="{109F41A6-1D40-4F81-903A-8B0CB1E442DB}" type="parTrans" cxnId="{B7B8BE25-1D3D-41C1-B2BB-252CA3FFFABF}">
+      <dgm:prSet/>
+      <dgm:spPr/>
+      <dgm:t>
+        <a:bodyPr/>
+        <a:lstStyle/>
+        <a:p>
+          <a:endParaRPr lang="en-US"/>
+        </a:p>
+      </dgm:t>
+    </dgm:pt>
+    <dgm:pt modelId="{727D2815-3763-49AC-8FA5-B78975C6E255}" type="sibTrans" cxnId="{B7B8BE25-1D3D-41C1-B2BB-252CA3FFFABF}">
+      <dgm:prSet/>
+      <dgm:spPr/>
+      <dgm:t>
+        <a:bodyPr/>
+        <a:lstStyle/>
+        <a:p>
+          <a:endParaRPr lang="en-US"/>
+        </a:p>
+      </dgm:t>
+    </dgm:pt>
+    <dgm:pt modelId="{D6553791-8532-4952-AC46-957A80E6F455}">
+      <dgm:prSet phldrT="[Text]"/>
+      <dgm:spPr/>
+      <dgm:t>
+        <a:bodyPr/>
+        <a:lstStyle/>
+        <a:p>
+          <a:r>
+            <a:rPr lang="en-US" dirty="0"/>
+            <a:t>Inheritance</a:t>
+          </a:r>
+        </a:p>
+      </dgm:t>
+    </dgm:pt>
+    <dgm:pt modelId="{4B64BF35-F3DD-46FA-A74B-C8F1391BB234}" type="parTrans" cxnId="{E630B7D1-EF42-4E29-A586-EDEEAFD22353}">
+      <dgm:prSet/>
+      <dgm:spPr/>
+      <dgm:t>
+        <a:bodyPr/>
+        <a:lstStyle/>
+        <a:p>
+          <a:endParaRPr lang="en-US"/>
+        </a:p>
+      </dgm:t>
+    </dgm:pt>
+    <dgm:pt modelId="{C19A1F15-CCAA-4226-B7DD-F2CD4049A9B3}" type="sibTrans" cxnId="{E630B7D1-EF42-4E29-A586-EDEEAFD22353}">
+      <dgm:prSet/>
+      <dgm:spPr/>
+      <dgm:t>
+        <a:bodyPr/>
+        <a:lstStyle/>
+        <a:p>
+          <a:endParaRPr lang="en-US"/>
+        </a:p>
+      </dgm:t>
+    </dgm:pt>
+    <dgm:pt modelId="{23FBFCAF-D268-4C4D-8359-092F33A19BD5}">
+      <dgm:prSet phldrT="[Text]"/>
+      <dgm:spPr/>
+      <dgm:t>
+        <a:bodyPr/>
+        <a:lstStyle/>
+        <a:p>
+          <a:r>
+            <a:rPr lang="en-US" dirty="0"/>
+            <a:t>Bonus Material</a:t>
+          </a:r>
+        </a:p>
+      </dgm:t>
+    </dgm:pt>
+    <dgm:pt modelId="{E8807DF0-38BE-4236-AFC9-03DFA18007AA}" type="parTrans" cxnId="{C679C12F-0D37-4771-853C-9B6A72F3F8AB}">
+      <dgm:prSet/>
+      <dgm:spPr/>
+      <dgm:t>
+        <a:bodyPr/>
+        <a:lstStyle/>
+        <a:p>
+          <a:endParaRPr lang="en-US"/>
+        </a:p>
+      </dgm:t>
+    </dgm:pt>
+    <dgm:pt modelId="{49424D88-7251-4F7F-9D61-B03F29AB2536}" type="sibTrans" cxnId="{C679C12F-0D37-4771-853C-9B6A72F3F8AB}">
+      <dgm:prSet/>
+      <dgm:spPr/>
+      <dgm:t>
+        <a:bodyPr/>
+        <a:lstStyle/>
+        <a:p>
+          <a:endParaRPr lang="en-US"/>
+        </a:p>
+      </dgm:t>
+    </dgm:pt>
+    <dgm:pt modelId="{9AAB3432-E203-4861-9A1F-5A18DE81A0E0}">
+      <dgm:prSet phldrT="[Text]"/>
+      <dgm:spPr/>
+      <dgm:t>
+        <a:bodyPr/>
+        <a:lstStyle/>
+        <a:p>
+          <a:r>
+            <a:rPr lang="en-US" dirty="0"/>
+            <a:t>Basic Principles</a:t>
+          </a:r>
+        </a:p>
+      </dgm:t>
+    </dgm:pt>
+    <dgm:pt modelId="{6A4E30F2-4DB5-4E70-B35C-3B1843570C40}" type="sibTrans" cxnId="{F5F6D4BB-2DFC-4FC1-ABCD-FF03786BFFE0}">
+      <dgm:prSet/>
+      <dgm:spPr/>
+      <dgm:t>
+        <a:bodyPr/>
+        <a:lstStyle/>
+        <a:p>
+          <a:endParaRPr lang="en-US"/>
+        </a:p>
+      </dgm:t>
+    </dgm:pt>
+    <dgm:pt modelId="{A67FC2F0-CFC7-4D0E-AB12-FC8B412EC38C}" type="parTrans" cxnId="{F5F6D4BB-2DFC-4FC1-ABCD-FF03786BFFE0}">
+      <dgm:prSet/>
+      <dgm:spPr/>
+      <dgm:t>
+        <a:bodyPr/>
+        <a:lstStyle/>
+        <a:p>
+          <a:endParaRPr lang="en-US"/>
+        </a:p>
+      </dgm:t>
+    </dgm:pt>
+    <dgm:pt modelId="{21C8EE31-AEBF-47B2-ADDE-34FDFA6BF6DC}">
+      <dgm:prSet phldrT="[Text]" custT="1"/>
+      <dgm:spPr>
+        <a:solidFill>
+          <a:prstClr val="white">
+            <a:alpha val="90000"/>
+            <a:hueOff val="0"/>
+            <a:satOff val="0"/>
+            <a:lumOff val="0"/>
+            <a:alphaOff val="0"/>
+          </a:prstClr>
+        </a:solidFill>
+        <a:ln w="25400" cap="flat" cmpd="sng" algn="ctr">
+          <a:solidFill>
+            <a:srgbClr val="4F81BD">
+              <a:hueOff val="0"/>
+              <a:satOff val="0"/>
+              <a:lumOff val="0"/>
+              <a:alphaOff val="0"/>
+            </a:srgbClr>
+          </a:solidFill>
+          <a:prstDash val="solid"/>
+        </a:ln>
+        <a:effectLst/>
+      </dgm:spPr>
+      <dgm:t>
+        <a:bodyPr spcFirstLastPara="0" vert="horz" wrap="square" lIns="22860" tIns="15240" rIns="22860" bIns="15240" numCol="1" spcCol="1270" anchor="ctr" anchorCtr="0"/>
+        <a:lstStyle/>
+        <a:p>
+          <a:r>
+            <a:rPr lang="en-US" sz="1200" kern="1200" dirty="0">
+              <a:solidFill>
+                <a:prstClr val="black">
+                  <a:hueOff val="0"/>
+                  <a:satOff val="0"/>
+                  <a:lumOff val="0"/>
+                  <a:alphaOff val="0"/>
+                </a:prstClr>
+              </a:solidFill>
+              <a:latin typeface="Calibri"/>
+              <a:ea typeface="+mn-ea"/>
+              <a:cs typeface="+mn-cs"/>
+            </a:rPr>
+            <a:t>Computing</a:t>
+          </a:r>
+          <a:r>
+            <a:rPr lang="en-US" sz="1000" kern="1200" dirty="0"/>
+            <a:t> with Higher-Order Functions</a:t>
+          </a:r>
+        </a:p>
+      </dgm:t>
+    </dgm:pt>
+    <dgm:pt modelId="{08DF2FDD-3A60-4E03-8D9E-10C265EC9121}" type="parTrans" cxnId="{62C2F0F4-284D-4D02-8F32-BB76663AFA1F}">
+      <dgm:prSet/>
+      <dgm:spPr/>
+      <dgm:t>
+        <a:bodyPr/>
+        <a:lstStyle/>
+        <a:p>
+          <a:endParaRPr lang="en-US"/>
+        </a:p>
+      </dgm:t>
+    </dgm:pt>
+    <dgm:pt modelId="{FFC06923-B3D1-4430-8195-28C90DC2D93A}" type="sibTrans" cxnId="{62C2F0F4-284D-4D02-8F32-BB76663AFA1F}">
+      <dgm:prSet/>
+      <dgm:spPr/>
+      <dgm:t>
+        <a:bodyPr/>
+        <a:lstStyle/>
+        <a:p>
+          <a:endParaRPr lang="en-US"/>
+        </a:p>
+      </dgm:t>
+    </dgm:pt>
+    <dgm:pt modelId="{4AE15C73-ECD7-496F-83BE-B4EE8FC55318}">
+      <dgm:prSet phldrT="[Text]" custT="1"/>
+      <dgm:spPr>
+        <a:solidFill>
+          <a:srgbClr val="C0504D">
+            <a:lumMod val="60000"/>
+            <a:lumOff val="40000"/>
+            <a:alpha val="90000"/>
+          </a:srgbClr>
+        </a:solidFill>
+        <a:ln w="25400" cap="flat" cmpd="sng" algn="ctr">
+          <a:noFill/>
+          <a:prstDash val="solid"/>
+        </a:ln>
+        <a:effectLst/>
+      </dgm:spPr>
+      <dgm:t>
+        <a:bodyPr spcFirstLastPara="0" vert="horz" wrap="square" lIns="19050" tIns="12700" rIns="19050" bIns="12700" numCol="1" spcCol="1270" anchor="ctr" anchorCtr="0"/>
+        <a:lstStyle/>
+        <a:p>
+          <a:r>
+            <a:rPr lang="en-US" sz="1200" kern="1200" dirty="0"/>
+            <a:t>Implementing ADTs in Java</a:t>
+          </a:r>
+        </a:p>
+      </dgm:t>
+    </dgm:pt>
+    <dgm:pt modelId="{A91F764C-9950-4FF3-8710-2C57AEF81796}" type="parTrans" cxnId="{3DCA932B-DD59-4E44-8F2F-3D98BB8F8AC4}">
+      <dgm:prSet/>
+      <dgm:spPr/>
+      <dgm:t>
+        <a:bodyPr/>
+        <a:lstStyle/>
+        <a:p>
+          <a:endParaRPr lang="en-US"/>
+        </a:p>
+      </dgm:t>
+    </dgm:pt>
+    <dgm:pt modelId="{93DA2331-A667-4B3B-B63B-21162F6F4800}" type="sibTrans" cxnId="{3DCA932B-DD59-4E44-8F2F-3D98BB8F8AC4}">
+      <dgm:prSet/>
+      <dgm:spPr/>
+      <dgm:t>
+        <a:bodyPr/>
+        <a:lstStyle/>
+        <a:p>
+          <a:endParaRPr lang="en-US"/>
+        </a:p>
+      </dgm:t>
+    </dgm:pt>
+    <dgm:pt modelId="{5EAC0F1C-8135-499C-A050-8951C4D4D68B}" type="pres">
+      <dgm:prSet presAssocID="{D4ADF4FB-6626-4BAA-8170-1AB86830E7EB}" presName="diagram" presStyleCnt="0">
+        <dgm:presLayoutVars>
+          <dgm:chPref val="1"/>
+          <dgm:dir/>
+          <dgm:animOne val="branch"/>
+          <dgm:animLvl val="lvl"/>
+          <dgm:resizeHandles/>
+        </dgm:presLayoutVars>
+      </dgm:prSet>
+      <dgm:spPr/>
+    </dgm:pt>
+    <dgm:pt modelId="{E9A360F5-905C-4B1F-87BD-8099DBD7826B}" type="pres">
+      <dgm:prSet presAssocID="{9AAB3432-E203-4861-9A1F-5A18DE81A0E0}" presName="root" presStyleCnt="0"/>
+      <dgm:spPr/>
+    </dgm:pt>
+    <dgm:pt modelId="{770F0FD6-A664-4D0A-A016-FBEA3DBC5EF2}" type="pres">
+      <dgm:prSet presAssocID="{9AAB3432-E203-4861-9A1F-5A18DE81A0E0}" presName="rootComposite" presStyleCnt="0"/>
+      <dgm:spPr/>
+    </dgm:pt>
+    <dgm:pt modelId="{D42C5353-2F91-4910-9E62-259C884C47C8}" type="pres">
+      <dgm:prSet presAssocID="{9AAB3432-E203-4861-9A1F-5A18DE81A0E0}" presName="rootText" presStyleLbl="node1" presStyleIdx="0" presStyleCnt="3"/>
+      <dgm:spPr/>
+    </dgm:pt>
+    <dgm:pt modelId="{D5FEF17D-A657-4E90-83A6-FFBD9375BEE2}" type="pres">
+      <dgm:prSet presAssocID="{9AAB3432-E203-4861-9A1F-5A18DE81A0E0}" presName="rootConnector" presStyleLbl="node1" presStyleIdx="0" presStyleCnt="3"/>
+      <dgm:spPr/>
+    </dgm:pt>
+    <dgm:pt modelId="{ED254901-973D-4D91-AABF-EBA39BDAC603}" type="pres">
+      <dgm:prSet presAssocID="{9AAB3432-E203-4861-9A1F-5A18DE81A0E0}" presName="childShape" presStyleCnt="0"/>
+      <dgm:spPr/>
+    </dgm:pt>
+    <dgm:pt modelId="{360B229B-0F55-45E5-A55A-DDDBDBD1C921}" type="pres">
+      <dgm:prSet presAssocID="{9E647244-45B2-496C-B687-01576FEABEC4}" presName="Name13" presStyleLbl="parChTrans1D2" presStyleIdx="0" presStyleCnt="12"/>
+      <dgm:spPr/>
+    </dgm:pt>
+    <dgm:pt modelId="{7E3D7089-292B-46E8-B4F0-ADC3733C52BD}" type="pres">
+      <dgm:prSet presAssocID="{DDB8B436-9528-434E-BD0F-6EB4D2ACB929}" presName="childText" presStyleLbl="bgAcc1" presStyleIdx="0" presStyleCnt="12" custLinFactNeighborX="1979" custLinFactNeighborY="-4221">
+        <dgm:presLayoutVars>
+          <dgm:bulletEnabled val="1"/>
+        </dgm:presLayoutVars>
+      </dgm:prSet>
+      <dgm:spPr/>
+    </dgm:pt>
+    <dgm:pt modelId="{BC1B1EA4-129C-44F6-935B-BA646A7A2AA3}" type="pres">
+      <dgm:prSet presAssocID="{03056A9D-BCBF-4181-B8D6-7E4ECCBD4D9E}" presName="Name13" presStyleLbl="parChTrans1D2" presStyleIdx="1" presStyleCnt="12"/>
+      <dgm:spPr/>
+    </dgm:pt>
+    <dgm:pt modelId="{CF0B1CD2-0FC3-49A4-A520-B01A6C3CCB95}" type="pres">
+      <dgm:prSet presAssocID="{F221EA58-7488-4550-B7A5-965344CA7EAE}" presName="childText" presStyleLbl="bgAcc1" presStyleIdx="1" presStyleCnt="12">
+        <dgm:presLayoutVars>
+          <dgm:bulletEnabled val="1"/>
+        </dgm:presLayoutVars>
+      </dgm:prSet>
+      <dgm:spPr>
+        <a:xfrm>
+          <a:off x="1156394" y="1525860"/>
+          <a:ext cx="976312" cy="610195"/>
+        </a:xfrm>
+        <a:prstGeom prst="roundRect">
+          <a:avLst>
+            <a:gd name="adj" fmla="val 10000"/>
+          </a:avLst>
+        </a:prstGeom>
+      </dgm:spPr>
+    </dgm:pt>
+    <dgm:pt modelId="{F5AE7053-0C33-481C-8BFB-D2DAFB4C4294}" type="pres">
+      <dgm:prSet presAssocID="{08AACE21-5FAD-4460-B120-67387C8F0F32}" presName="Name13" presStyleLbl="parChTrans1D2" presStyleIdx="2" presStyleCnt="12"/>
+      <dgm:spPr/>
+    </dgm:pt>
+    <dgm:pt modelId="{C5878689-67F2-4E3D-8C9B-392F50C32024}" type="pres">
+      <dgm:prSet presAssocID="{B1CEE35E-20B6-4A0B-B1E8-D4F40E3162E1}" presName="childText" presStyleLbl="bgAcc1" presStyleIdx="2" presStyleCnt="12">
+        <dgm:presLayoutVars>
+          <dgm:bulletEnabled val="1"/>
+        </dgm:presLayoutVars>
+      </dgm:prSet>
+      <dgm:spPr>
+        <a:xfrm>
+          <a:off x="1156394" y="2288604"/>
+          <a:ext cx="976312" cy="610195"/>
+        </a:xfrm>
+        <a:prstGeom prst="roundRect">
+          <a:avLst>
+            <a:gd name="adj" fmla="val 10000"/>
+          </a:avLst>
+        </a:prstGeom>
+      </dgm:spPr>
+    </dgm:pt>
+    <dgm:pt modelId="{78204B86-F48E-424E-B9F0-F61E8700D86E}" type="pres">
+      <dgm:prSet presAssocID="{ED0B78BF-E006-4732-B48C-2ADC9E2EF39A}" presName="root" presStyleCnt="0"/>
+      <dgm:spPr/>
+    </dgm:pt>
+    <dgm:pt modelId="{612CABF1-DDE5-41D1-9036-25B4BE7589BE}" type="pres">
+      <dgm:prSet presAssocID="{ED0B78BF-E006-4732-B48C-2ADC9E2EF39A}" presName="rootComposite" presStyleCnt="0"/>
+      <dgm:spPr/>
+    </dgm:pt>
+    <dgm:pt modelId="{F1C18E15-3E91-476D-8B13-25AD56BC4B13}" type="pres">
+      <dgm:prSet presAssocID="{ED0B78BF-E006-4732-B48C-2ADC9E2EF39A}" presName="rootText" presStyleLbl="node1" presStyleIdx="1" presStyleCnt="3"/>
+      <dgm:spPr/>
+    </dgm:pt>
+    <dgm:pt modelId="{8FA2ECE2-9D66-4FD1-89DE-3231691A8283}" type="pres">
+      <dgm:prSet presAssocID="{ED0B78BF-E006-4732-B48C-2ADC9E2EF39A}" presName="rootConnector" presStyleLbl="node1" presStyleIdx="1" presStyleCnt="3"/>
+      <dgm:spPr/>
+    </dgm:pt>
+    <dgm:pt modelId="{5E7F2D45-2508-495B-A708-02E0FD5F2314}" type="pres">
+      <dgm:prSet presAssocID="{ED0B78BF-E006-4732-B48C-2ADC9E2EF39A}" presName="childShape" presStyleCnt="0"/>
+      <dgm:spPr/>
+    </dgm:pt>
+    <dgm:pt modelId="{2564A6E5-875B-4BC6-B983-AA12C064A019}" type="pres">
+      <dgm:prSet presAssocID="{1EC30C20-D36E-4265-85EE-C210CE02F892}" presName="Name13" presStyleLbl="parChTrans1D2" presStyleIdx="3" presStyleCnt="12"/>
+      <dgm:spPr/>
+    </dgm:pt>
+    <dgm:pt modelId="{3B0CF9DF-CC55-47FF-BECE-903E70F9D2DE}" type="pres">
+      <dgm:prSet presAssocID="{1CBBDDB5-026A-42BF-8805-ACAC57AA5DC3}" presName="childText" presStyleLbl="bgAcc1" presStyleIdx="3" presStyleCnt="12">
+        <dgm:presLayoutVars>
+          <dgm:bulletEnabled val="1"/>
+        </dgm:presLayoutVars>
+      </dgm:prSet>
+      <dgm:spPr/>
+    </dgm:pt>
+    <dgm:pt modelId="{7DFA9A08-1F84-4CF2-9E63-7F6E7C219F76}" type="pres">
+      <dgm:prSet presAssocID="{D39C6496-6307-4FC4-9D55-DB6DA94D051F}" presName="Name13" presStyleLbl="parChTrans1D2" presStyleIdx="4" presStyleCnt="12"/>
+      <dgm:spPr/>
+    </dgm:pt>
+    <dgm:pt modelId="{9C3E65C4-9266-43CB-B08F-79811ABF047A}" type="pres">
+      <dgm:prSet presAssocID="{A7945ECA-2D01-4C03-9AED-9E3EEAAF0F2C}" presName="childText" presStyleLbl="bgAcc1" presStyleIdx="4" presStyleCnt="12">
+        <dgm:presLayoutVars>
+          <dgm:bulletEnabled val="1"/>
+        </dgm:presLayoutVars>
+      </dgm:prSet>
+      <dgm:spPr>
+        <a:xfrm>
+          <a:off x="2681882" y="1525860"/>
+          <a:ext cx="976312" cy="610195"/>
+        </a:xfrm>
+        <a:prstGeom prst="roundRect">
+          <a:avLst>
+            <a:gd name="adj" fmla="val 10000"/>
+          </a:avLst>
+        </a:prstGeom>
+      </dgm:spPr>
+    </dgm:pt>
+    <dgm:pt modelId="{35FE4D4C-3CA0-4CCA-8F9D-1668C574961B}" type="pres">
+      <dgm:prSet presAssocID="{08DF2FDD-3A60-4E03-8D9E-10C265EC9121}" presName="Name13" presStyleLbl="parChTrans1D2" presStyleIdx="5" presStyleCnt="12"/>
+      <dgm:spPr/>
+    </dgm:pt>
+    <dgm:pt modelId="{375B2884-C079-4ABC-AF46-CC7B31EF2123}" type="pres">
+      <dgm:prSet presAssocID="{21C8EE31-AEBF-47B2-ADDE-34FDFA6BF6DC}" presName="childText" presStyleLbl="bgAcc1" presStyleIdx="5" presStyleCnt="12">
+        <dgm:presLayoutVars>
+          <dgm:bulletEnabled val="1"/>
+        </dgm:presLayoutVars>
+      </dgm:prSet>
+      <dgm:spPr>
+        <a:xfrm>
+          <a:off x="2681882" y="2288604"/>
+          <a:ext cx="976312" cy="610195"/>
+        </a:xfrm>
+        <a:prstGeom prst="roundRect">
+          <a:avLst>
+            <a:gd name="adj" fmla="val 10000"/>
+          </a:avLst>
+        </a:prstGeom>
+      </dgm:spPr>
+    </dgm:pt>
+    <dgm:pt modelId="{16CFAB30-3E6A-44D7-A45D-E3066E142053}" type="pres">
+      <dgm:prSet presAssocID="{FD74BA91-6D78-44B3-BF01-4D49723F4718}" presName="Name13" presStyleLbl="parChTrans1D2" presStyleIdx="6" presStyleCnt="12"/>
+      <dgm:spPr/>
+    </dgm:pt>
+    <dgm:pt modelId="{5F9726AA-E8AD-4C5C-A0CA-2350C4F8CAFA}" type="pres">
+      <dgm:prSet presAssocID="{B0B0FACC-C24A-4552-82AB-C8FE8246DEF8}" presName="childText" presStyleLbl="bgAcc1" presStyleIdx="6" presStyleCnt="12">
+        <dgm:presLayoutVars>
+          <dgm:bulletEnabled val="1"/>
+        </dgm:presLayoutVars>
+      </dgm:prSet>
+      <dgm:spPr>
+        <a:xfrm>
+          <a:off x="2681882" y="3051348"/>
+          <a:ext cx="976312" cy="610195"/>
+        </a:xfrm>
+        <a:prstGeom prst="roundRect">
+          <a:avLst>
+            <a:gd name="adj" fmla="val 10000"/>
+          </a:avLst>
+        </a:prstGeom>
+      </dgm:spPr>
+    </dgm:pt>
+    <dgm:pt modelId="{0ECF28DA-9925-4B5B-97B1-BDA459502114}" type="pres">
+      <dgm:prSet presAssocID="{FA010E1E-46BF-40DE-B386-14C19C329E38}" presName="Name13" presStyleLbl="parChTrans1D2" presStyleIdx="7" presStyleCnt="12"/>
+      <dgm:spPr/>
+    </dgm:pt>
+    <dgm:pt modelId="{5A2BB121-DDEE-46A8-AC09-18496F773E62}" type="pres">
+      <dgm:prSet presAssocID="{3C02419B-DA6A-4FDB-972F-4F8DC3AD08E3}" presName="childText" presStyleLbl="bgAcc1" presStyleIdx="7" presStyleCnt="12" custScaleY="115691">
+        <dgm:presLayoutVars>
+          <dgm:bulletEnabled val="1"/>
+        </dgm:presLayoutVars>
+      </dgm:prSet>
+      <dgm:spPr>
+        <a:xfrm>
+          <a:off x="2681882" y="3814092"/>
+          <a:ext cx="976312" cy="705941"/>
+        </a:xfrm>
+        <a:prstGeom prst="roundRect">
+          <a:avLst>
+            <a:gd name="adj" fmla="val 10000"/>
+          </a:avLst>
+        </a:prstGeom>
+      </dgm:spPr>
+    </dgm:pt>
+    <dgm:pt modelId="{59FB6EFF-035B-4901-8C84-3BDEA8130465}" type="pres">
+      <dgm:prSet presAssocID="{5D17C516-2319-40FE-8748-E184C6D71444}" presName="root" presStyleCnt="0"/>
+      <dgm:spPr/>
+    </dgm:pt>
+    <dgm:pt modelId="{DFAAFD62-220C-47EA-B1FF-1D698C1D9D0C}" type="pres">
+      <dgm:prSet presAssocID="{5D17C516-2319-40FE-8748-E184C6D71444}" presName="rootComposite" presStyleCnt="0"/>
+      <dgm:spPr/>
+    </dgm:pt>
+    <dgm:pt modelId="{3DB7ADFA-DCAB-4034-9F43-B860EBE864E8}" type="pres">
+      <dgm:prSet presAssocID="{5D17C516-2319-40FE-8748-E184C6D71444}" presName="rootText" presStyleLbl="node1" presStyleIdx="2" presStyleCnt="3"/>
+      <dgm:spPr/>
+    </dgm:pt>
+    <dgm:pt modelId="{A1EB1FFF-29EC-48BF-990F-29DA82114C59}" type="pres">
+      <dgm:prSet presAssocID="{5D17C516-2319-40FE-8748-E184C6D71444}" presName="rootConnector" presStyleLbl="node1" presStyleIdx="2" presStyleCnt="3"/>
+      <dgm:spPr/>
+    </dgm:pt>
+    <dgm:pt modelId="{C961EBF4-10A8-458E-973D-7ED2EFFC972F}" type="pres">
+      <dgm:prSet presAssocID="{5D17C516-2319-40FE-8748-E184C6D71444}" presName="childShape" presStyleCnt="0"/>
+      <dgm:spPr/>
+    </dgm:pt>
+    <dgm:pt modelId="{278D3975-9588-4A95-85BD-D062BB0AE1A4}" type="pres">
+      <dgm:prSet presAssocID="{109F41A6-1D40-4F81-903A-8B0CB1E442DB}" presName="Name13" presStyleLbl="parChTrans1D2" presStyleIdx="8" presStyleCnt="12"/>
+      <dgm:spPr/>
+    </dgm:pt>
+    <dgm:pt modelId="{EDB6085A-8F2B-4B84-887D-9DD4BEC6E4E1}" type="pres">
+      <dgm:prSet presAssocID="{C217CF6C-69F6-4F1F-BFEF-F03F51825445}" presName="childText" presStyleLbl="bgAcc1" presStyleIdx="8" presStyleCnt="12">
+        <dgm:presLayoutVars>
+          <dgm:bulletEnabled val="1"/>
+        </dgm:presLayoutVars>
+      </dgm:prSet>
+      <dgm:spPr>
+        <a:xfrm>
+          <a:off x="4207371" y="763116"/>
+          <a:ext cx="976312" cy="610195"/>
+        </a:xfrm>
+        <a:prstGeom prst="roundRect">
+          <a:avLst>
+            <a:gd name="adj" fmla="val 10000"/>
+          </a:avLst>
+        </a:prstGeom>
+      </dgm:spPr>
+    </dgm:pt>
+    <dgm:pt modelId="{9C05BE7E-FC1F-4CC6-8FAB-3504F91E9A3A}" type="pres">
+      <dgm:prSet presAssocID="{A91F764C-9950-4FF3-8710-2C57AEF81796}" presName="Name13" presStyleLbl="parChTrans1D2" presStyleIdx="9" presStyleCnt="12"/>
+      <dgm:spPr/>
+    </dgm:pt>
+    <dgm:pt modelId="{DA978C10-45FD-4D26-8760-9D8C9CF54865}" type="pres">
+      <dgm:prSet presAssocID="{4AE15C73-ECD7-496F-83BE-B4EE8FC55318}" presName="childText" presStyleLbl="bgAcc1" presStyleIdx="9" presStyleCnt="12">
+        <dgm:presLayoutVars>
+          <dgm:bulletEnabled val="1"/>
+        </dgm:presLayoutVars>
+      </dgm:prSet>
+      <dgm:spPr/>
+    </dgm:pt>
+    <dgm:pt modelId="{FF100697-267A-4BC5-8DA9-B1F7321DFE84}" type="pres">
+      <dgm:prSet presAssocID="{4B64BF35-F3DD-46FA-A74B-C8F1391BB234}" presName="Name13" presStyleLbl="parChTrans1D2" presStyleIdx="10" presStyleCnt="12"/>
+      <dgm:spPr/>
+    </dgm:pt>
+    <dgm:pt modelId="{291D5A65-BA4D-4BF4-8D0F-050F9D81FBB6}" type="pres">
+      <dgm:prSet presAssocID="{D6553791-8532-4952-AC46-957A80E6F455}" presName="childText" presStyleLbl="bgAcc1" presStyleIdx="10" presStyleCnt="12">
+        <dgm:presLayoutVars>
+          <dgm:bulletEnabled val="1"/>
+        </dgm:presLayoutVars>
+      </dgm:prSet>
+      <dgm:spPr/>
+    </dgm:pt>
+    <dgm:pt modelId="{6B27DFF3-3021-4E99-BF73-829A6255425D}" type="pres">
+      <dgm:prSet presAssocID="{E8807DF0-38BE-4236-AFC9-03DFA18007AA}" presName="Name13" presStyleLbl="parChTrans1D2" presStyleIdx="11" presStyleCnt="12"/>
+      <dgm:spPr/>
+    </dgm:pt>
+    <dgm:pt modelId="{88C17E61-7A2A-46D7-AC95-5E562286A33E}" type="pres">
+      <dgm:prSet presAssocID="{23FBFCAF-D268-4C4D-8359-092F33A19BD5}" presName="childText" presStyleLbl="bgAcc1" presStyleIdx="11" presStyleCnt="12">
+        <dgm:presLayoutVars>
+          <dgm:bulletEnabled val="1"/>
+        </dgm:presLayoutVars>
+      </dgm:prSet>
+      <dgm:spPr/>
+    </dgm:pt>
+  </dgm:ptLst>
+  <dgm:cxnLst>
+    <dgm:cxn modelId="{8187AE0B-B3A3-40AB-B6B3-9AB6FE520D3B}" type="presOf" srcId="{A91F764C-9950-4FF3-8710-2C57AEF81796}" destId="{9C05BE7E-FC1F-4CC6-8FAB-3504F91E9A3A}" srcOrd="0" destOrd="0" presId="urn:microsoft.com/office/officeart/2005/8/layout/hierarchy3"/>
+    <dgm:cxn modelId="{F8F3D917-317B-4A80-B606-277A7F6170C2}" srcId="{9AAB3432-E203-4861-9A1F-5A18DE81A0E0}" destId="{F221EA58-7488-4550-B7A5-965344CA7EAE}" srcOrd="1" destOrd="0" parTransId="{03056A9D-BCBF-4181-B8D6-7E4ECCBD4D9E}" sibTransId="{50012D0E-39A9-4FB4-832D-C4D74BE598A6}"/>
+    <dgm:cxn modelId="{B7B8BE25-1D3D-41C1-B2BB-252CA3FFFABF}" srcId="{5D17C516-2319-40FE-8748-E184C6D71444}" destId="{C217CF6C-69F6-4F1F-BFEF-F03F51825445}" srcOrd="0" destOrd="0" parTransId="{109F41A6-1D40-4F81-903A-8B0CB1E442DB}" sibTransId="{727D2815-3763-49AC-8FA5-B78975C6E255}"/>
+    <dgm:cxn modelId="{918F4E28-6C57-4EFF-80BA-F57AC436CDC9}" type="presOf" srcId="{08AACE21-5FAD-4460-B120-67387C8F0F32}" destId="{F5AE7053-0C33-481C-8BFB-D2DAFB4C4294}" srcOrd="0" destOrd="0" presId="urn:microsoft.com/office/officeart/2005/8/layout/hierarchy3"/>
+    <dgm:cxn modelId="{3DCA932B-DD59-4E44-8F2F-3D98BB8F8AC4}" srcId="{5D17C516-2319-40FE-8748-E184C6D71444}" destId="{4AE15C73-ECD7-496F-83BE-B4EE8FC55318}" srcOrd="1" destOrd="0" parTransId="{A91F764C-9950-4FF3-8710-2C57AEF81796}" sibTransId="{93DA2331-A667-4B3B-B63B-21162F6F4800}"/>
+    <dgm:cxn modelId="{052CFA2E-CA41-4AC1-AB22-4D2537CA2312}" type="presOf" srcId="{21C8EE31-AEBF-47B2-ADDE-34FDFA6BF6DC}" destId="{375B2884-C079-4ABC-AF46-CC7B31EF2123}" srcOrd="0" destOrd="0" presId="urn:microsoft.com/office/officeart/2005/8/layout/hierarchy3"/>
+    <dgm:cxn modelId="{C679C12F-0D37-4771-853C-9B6A72F3F8AB}" srcId="{5D17C516-2319-40FE-8748-E184C6D71444}" destId="{23FBFCAF-D268-4C4D-8359-092F33A19BD5}" srcOrd="3" destOrd="0" parTransId="{E8807DF0-38BE-4236-AFC9-03DFA18007AA}" sibTransId="{49424D88-7251-4F7F-9D61-B03F29AB2536}"/>
+    <dgm:cxn modelId="{372E1130-8A4A-4006-A020-34030B0410C9}" srcId="{ED0B78BF-E006-4732-B48C-2ADC9E2EF39A}" destId="{A7945ECA-2D01-4C03-9AED-9E3EEAAF0F2C}" srcOrd="1" destOrd="0" parTransId="{D39C6496-6307-4FC4-9D55-DB6DA94D051F}" sibTransId="{4FF7D82F-ECB8-4560-8324-4D22393C300C}"/>
+    <dgm:cxn modelId="{7156E032-39F7-4DCF-A095-E4906170ABD1}" type="presOf" srcId="{C217CF6C-69F6-4F1F-BFEF-F03F51825445}" destId="{EDB6085A-8F2B-4B84-887D-9DD4BEC6E4E1}" srcOrd="0" destOrd="0" presId="urn:microsoft.com/office/officeart/2005/8/layout/hierarchy3"/>
+    <dgm:cxn modelId="{77C2803F-5DCB-40EC-8837-BEA44757C328}" type="presOf" srcId="{B1CEE35E-20B6-4A0B-B1E8-D4F40E3162E1}" destId="{C5878689-67F2-4E3D-8C9B-392F50C32024}" srcOrd="0" destOrd="0" presId="urn:microsoft.com/office/officeart/2005/8/layout/hierarchy3"/>
+    <dgm:cxn modelId="{3C31933F-6B34-49D4-B2D3-FA6BA454BF0B}" type="presOf" srcId="{3C02419B-DA6A-4FDB-972F-4F8DC3AD08E3}" destId="{5A2BB121-DDEE-46A8-AC09-18496F773E62}" srcOrd="0" destOrd="0" presId="urn:microsoft.com/office/officeart/2005/8/layout/hierarchy3"/>
+    <dgm:cxn modelId="{91710C5C-CFE2-4A9F-AAD2-9CA95718FBE0}" type="presOf" srcId="{08DF2FDD-3A60-4E03-8D9E-10C265EC9121}" destId="{35FE4D4C-3CA0-4CCA-8F9D-1668C574961B}" srcOrd="0" destOrd="0" presId="urn:microsoft.com/office/officeart/2005/8/layout/hierarchy3"/>
+    <dgm:cxn modelId="{C906736A-EECE-4919-9DAA-28FE9DCB5675}" type="presOf" srcId="{5D17C516-2319-40FE-8748-E184C6D71444}" destId="{3DB7ADFA-DCAB-4034-9F43-B860EBE864E8}" srcOrd="0" destOrd="0" presId="urn:microsoft.com/office/officeart/2005/8/layout/hierarchy3"/>
+    <dgm:cxn modelId="{658D4F50-D710-4AB9-8265-F6A1451ABDAD}" type="presOf" srcId="{E8807DF0-38BE-4236-AFC9-03DFA18007AA}" destId="{6B27DFF3-3021-4E99-BF73-829A6255425D}" srcOrd="0" destOrd="0" presId="urn:microsoft.com/office/officeart/2005/8/layout/hierarchy3"/>
+    <dgm:cxn modelId="{1A587271-F11A-4E3E-97F5-0C80881E7856}" type="presOf" srcId="{4B64BF35-F3DD-46FA-A74B-C8F1391BB234}" destId="{FF100697-267A-4BC5-8DA9-B1F7321DFE84}" srcOrd="0" destOrd="0" presId="urn:microsoft.com/office/officeart/2005/8/layout/hierarchy3"/>
+    <dgm:cxn modelId="{C6045752-28A9-4F08-8DE2-ADC62AB18265}" type="presOf" srcId="{109F41A6-1D40-4F81-903A-8B0CB1E442DB}" destId="{278D3975-9588-4A95-85BD-D062BB0AE1A4}" srcOrd="0" destOrd="0" presId="urn:microsoft.com/office/officeart/2005/8/layout/hierarchy3"/>
+    <dgm:cxn modelId="{A598A554-6FB3-42AA-BB2F-C4DBF408EC24}" type="presOf" srcId="{A7945ECA-2D01-4C03-9AED-9E3EEAAF0F2C}" destId="{9C3E65C4-9266-43CB-B08F-79811ABF047A}" srcOrd="0" destOrd="0" presId="urn:microsoft.com/office/officeart/2005/8/layout/hierarchy3"/>
+    <dgm:cxn modelId="{47968857-87E3-481A-908A-A468E51372C1}" srcId="{9AAB3432-E203-4861-9A1F-5A18DE81A0E0}" destId="{B1CEE35E-20B6-4A0B-B1E8-D4F40E3162E1}" srcOrd="2" destOrd="0" parTransId="{08AACE21-5FAD-4460-B120-67387C8F0F32}" sibTransId="{4A08DEA0-C75B-4713-B280-420C60C372D9}"/>
+    <dgm:cxn modelId="{D13A0A81-2F90-4729-9692-4738A4C663A1}" type="presOf" srcId="{4AE15C73-ECD7-496F-83BE-B4EE8FC55318}" destId="{DA978C10-45FD-4D26-8760-9D8C9CF54865}" srcOrd="0" destOrd="0" presId="urn:microsoft.com/office/officeart/2005/8/layout/hierarchy3"/>
+    <dgm:cxn modelId="{A3550B88-A4A2-4C55-8EEF-D8696D63FDCA}" type="presOf" srcId="{23FBFCAF-D268-4C4D-8359-092F33A19BD5}" destId="{88C17E61-7A2A-46D7-AC95-5E562286A33E}" srcOrd="0" destOrd="0" presId="urn:microsoft.com/office/officeart/2005/8/layout/hierarchy3"/>
+    <dgm:cxn modelId="{22964D88-0DC4-4B3C-A8CE-48EA0783D709}" type="presOf" srcId="{9AAB3432-E203-4861-9A1F-5A18DE81A0E0}" destId="{D5FEF17D-A657-4E90-83A6-FFBD9375BEE2}" srcOrd="1" destOrd="0" presId="urn:microsoft.com/office/officeart/2005/8/layout/hierarchy3"/>
+    <dgm:cxn modelId="{9662958D-3400-409A-ADC7-BEB605777B1F}" srcId="{ED0B78BF-E006-4732-B48C-2ADC9E2EF39A}" destId="{1CBBDDB5-026A-42BF-8805-ACAC57AA5DC3}" srcOrd="0" destOrd="0" parTransId="{1EC30C20-D36E-4265-85EE-C210CE02F892}" sibTransId="{D37EB34B-12D7-42C6-A433-F33F271349CA}"/>
+    <dgm:cxn modelId="{94F0CB90-DE88-47E8-9D0B-FD6D9A03A22C}" type="presOf" srcId="{1EC30C20-D36E-4265-85EE-C210CE02F892}" destId="{2564A6E5-875B-4BC6-B983-AA12C064A019}" srcOrd="0" destOrd="0" presId="urn:microsoft.com/office/officeart/2005/8/layout/hierarchy3"/>
+    <dgm:cxn modelId="{D1FEA694-B081-4B51-851E-3914507C3230}" type="presOf" srcId="{FD74BA91-6D78-44B3-BF01-4D49723F4718}" destId="{16CFAB30-3E6A-44D7-A45D-E3066E142053}" srcOrd="0" destOrd="0" presId="urn:microsoft.com/office/officeart/2005/8/layout/hierarchy3"/>
+    <dgm:cxn modelId="{FAC6949B-B633-43AF-9BCB-483138B18D3F}" type="presOf" srcId="{FA010E1E-46BF-40DE-B386-14C19C329E38}" destId="{0ECF28DA-9925-4B5B-97B1-BDA459502114}" srcOrd="0" destOrd="0" presId="urn:microsoft.com/office/officeart/2005/8/layout/hierarchy3"/>
+    <dgm:cxn modelId="{8B495D9D-5B75-4B97-8FE7-54F24CED5860}" type="presOf" srcId="{1CBBDDB5-026A-42BF-8805-ACAC57AA5DC3}" destId="{3B0CF9DF-CC55-47FF-BECE-903E70F9D2DE}" srcOrd="0" destOrd="0" presId="urn:microsoft.com/office/officeart/2005/8/layout/hierarchy3"/>
+    <dgm:cxn modelId="{F9A2BA9E-B30D-4948-A3E9-A634F6BE47FD}" srcId="{D4ADF4FB-6626-4BAA-8170-1AB86830E7EB}" destId="{5D17C516-2319-40FE-8748-E184C6D71444}" srcOrd="2" destOrd="0" parTransId="{EA441DC7-A30D-47EC-A5C8-C50834D06E30}" sibTransId="{636B54D7-340F-4600-82E5-F2E670443C91}"/>
+    <dgm:cxn modelId="{B2581BA3-7711-4B4F-895A-5C4A1A23D07A}" srcId="{ED0B78BF-E006-4732-B48C-2ADC9E2EF39A}" destId="{3C02419B-DA6A-4FDB-972F-4F8DC3AD08E3}" srcOrd="4" destOrd="0" parTransId="{FA010E1E-46BF-40DE-B386-14C19C329E38}" sibTransId="{ABE6B4B2-8044-42FC-8EBA-A2B2927B372D}"/>
+    <dgm:cxn modelId="{17D275A3-9BBB-4EF7-8582-F13F0E98BB5D}" type="presOf" srcId="{ED0B78BF-E006-4732-B48C-2ADC9E2EF39A}" destId="{F1C18E15-3E91-476D-8B13-25AD56BC4B13}" srcOrd="0" destOrd="0" presId="urn:microsoft.com/office/officeart/2005/8/layout/hierarchy3"/>
+    <dgm:cxn modelId="{29461AA4-85D3-4C91-9D68-226BD6D7500F}" type="presOf" srcId="{DDB8B436-9528-434E-BD0F-6EB4D2ACB929}" destId="{7E3D7089-292B-46E8-B4F0-ADC3733C52BD}" srcOrd="0" destOrd="0" presId="urn:microsoft.com/office/officeart/2005/8/layout/hierarchy3"/>
+    <dgm:cxn modelId="{6F0A8CA4-3728-4E60-8471-7CAB7A834900}" type="presOf" srcId="{F221EA58-7488-4550-B7A5-965344CA7EAE}" destId="{CF0B1CD2-0FC3-49A4-A520-B01A6C3CCB95}" srcOrd="0" destOrd="0" presId="urn:microsoft.com/office/officeart/2005/8/layout/hierarchy3"/>
+    <dgm:cxn modelId="{57CCC0A4-E34E-4C62-A9CF-DD81EEE3866B}" type="presOf" srcId="{ED0B78BF-E006-4732-B48C-2ADC9E2EF39A}" destId="{8FA2ECE2-9D66-4FD1-89DE-3231691A8283}" srcOrd="1" destOrd="0" presId="urn:microsoft.com/office/officeart/2005/8/layout/hierarchy3"/>
+    <dgm:cxn modelId="{B9BF7AAF-65F6-4C3F-A447-D4308C54C183}" type="presOf" srcId="{03056A9D-BCBF-4181-B8D6-7E4ECCBD4D9E}" destId="{BC1B1EA4-129C-44F6-935B-BA646A7A2AA3}" srcOrd="0" destOrd="0" presId="urn:microsoft.com/office/officeart/2005/8/layout/hierarchy3"/>
+    <dgm:cxn modelId="{9A9D42B1-F32F-4577-8983-B9A3F16912EF}" type="presOf" srcId="{5D17C516-2319-40FE-8748-E184C6D71444}" destId="{A1EB1FFF-29EC-48BF-990F-29DA82114C59}" srcOrd="1" destOrd="0" presId="urn:microsoft.com/office/officeart/2005/8/layout/hierarchy3"/>
+    <dgm:cxn modelId="{89C78CB1-6741-4CF3-94C6-75218CA722F2}" type="presOf" srcId="{9E647244-45B2-496C-B687-01576FEABEC4}" destId="{360B229B-0F55-45E5-A55A-DDDBDBD1C921}" srcOrd="0" destOrd="0" presId="urn:microsoft.com/office/officeart/2005/8/layout/hierarchy3"/>
+    <dgm:cxn modelId="{A1A3BCB4-83BF-4A79-B53F-5F8A606BDE54}" srcId="{D4ADF4FB-6626-4BAA-8170-1AB86830E7EB}" destId="{ED0B78BF-E006-4732-B48C-2ADC9E2EF39A}" srcOrd="1" destOrd="0" parTransId="{28816F29-4038-473E-B49B-94074EA0A51E}" sibTransId="{23CFA8B8-2A05-4928-AEB3-72448E3A79E3}"/>
+    <dgm:cxn modelId="{05A31FBA-4386-4C52-B511-34CACCBA2A2F}" type="presOf" srcId="{D6553791-8532-4952-AC46-957A80E6F455}" destId="{291D5A65-BA4D-4BF4-8D0F-050F9D81FBB6}" srcOrd="0" destOrd="0" presId="urn:microsoft.com/office/officeart/2005/8/layout/hierarchy3"/>
+    <dgm:cxn modelId="{D3B30ABB-789A-496A-BE80-A66E542511F0}" type="presOf" srcId="{B0B0FACC-C24A-4552-82AB-C8FE8246DEF8}" destId="{5F9726AA-E8AD-4C5C-A0CA-2350C4F8CAFA}" srcOrd="0" destOrd="0" presId="urn:microsoft.com/office/officeart/2005/8/layout/hierarchy3"/>
+    <dgm:cxn modelId="{F5F6D4BB-2DFC-4FC1-ABCD-FF03786BFFE0}" srcId="{D4ADF4FB-6626-4BAA-8170-1AB86830E7EB}" destId="{9AAB3432-E203-4861-9A1F-5A18DE81A0E0}" srcOrd="0" destOrd="0" parTransId="{A67FC2F0-CFC7-4D0E-AB12-FC8B412EC38C}" sibTransId="{6A4E30F2-4DB5-4E70-B35C-3B1843570C40}"/>
+    <dgm:cxn modelId="{CF5086CE-64BD-4DFC-A4A2-5A3B8EB678D2}" type="presOf" srcId="{D39C6496-6307-4FC4-9D55-DB6DA94D051F}" destId="{7DFA9A08-1F84-4CF2-9E63-7F6E7C219F76}" srcOrd="0" destOrd="0" presId="urn:microsoft.com/office/officeart/2005/8/layout/hierarchy3"/>
+    <dgm:cxn modelId="{E630B7D1-EF42-4E29-A586-EDEEAFD22353}" srcId="{5D17C516-2319-40FE-8748-E184C6D71444}" destId="{D6553791-8532-4952-AC46-957A80E6F455}" srcOrd="2" destOrd="0" parTransId="{4B64BF35-F3DD-46FA-A74B-C8F1391BB234}" sibTransId="{C19A1F15-CCAA-4226-B7DD-F2CD4049A9B3}"/>
+    <dgm:cxn modelId="{B80BDAD5-1DB9-4ED8-AD7A-F59F92E4D26B}" type="presOf" srcId="{D4ADF4FB-6626-4BAA-8170-1AB86830E7EB}" destId="{5EAC0F1C-8135-499C-A050-8951C4D4D68B}" srcOrd="0" destOrd="0" presId="urn:microsoft.com/office/officeart/2005/8/layout/hierarchy3"/>
+    <dgm:cxn modelId="{05392EDD-3032-43C3-BA79-A1347D6D727C}" srcId="{9AAB3432-E203-4861-9A1F-5A18DE81A0E0}" destId="{DDB8B436-9528-434E-BD0F-6EB4D2ACB929}" srcOrd="0" destOrd="0" parTransId="{9E647244-45B2-496C-B687-01576FEABEC4}" sibTransId="{EE60868F-7BA4-434D-84FC-89FFDDF05FC3}"/>
+    <dgm:cxn modelId="{62C2F0F4-284D-4D02-8F32-BB76663AFA1F}" srcId="{ED0B78BF-E006-4732-B48C-2ADC9E2EF39A}" destId="{21C8EE31-AEBF-47B2-ADDE-34FDFA6BF6DC}" srcOrd="2" destOrd="0" parTransId="{08DF2FDD-3A60-4E03-8D9E-10C265EC9121}" sibTransId="{FFC06923-B3D1-4430-8195-28C90DC2D93A}"/>
+    <dgm:cxn modelId="{13013BF6-3A96-443E-9540-BE81022B503E}" type="presOf" srcId="{9AAB3432-E203-4861-9A1F-5A18DE81A0E0}" destId="{D42C5353-2F91-4910-9E62-259C884C47C8}" srcOrd="0" destOrd="0" presId="urn:microsoft.com/office/officeart/2005/8/layout/hierarchy3"/>
+    <dgm:cxn modelId="{FCD83CF7-A1CD-455F-A466-CFFA01A2A6C9}" srcId="{ED0B78BF-E006-4732-B48C-2ADC9E2EF39A}" destId="{B0B0FACC-C24A-4552-82AB-C8FE8246DEF8}" srcOrd="3" destOrd="0" parTransId="{FD74BA91-6D78-44B3-BF01-4D49723F4718}" sibTransId="{E6264341-6F1C-4A60-9081-A5335333D714}"/>
+    <dgm:cxn modelId="{D1AD12C1-70FD-4640-8165-4E8A414F3C3C}" type="presParOf" srcId="{5EAC0F1C-8135-499C-A050-8951C4D4D68B}" destId="{E9A360F5-905C-4B1F-87BD-8099DBD7826B}" srcOrd="0" destOrd="0" presId="urn:microsoft.com/office/officeart/2005/8/layout/hierarchy3"/>
+    <dgm:cxn modelId="{EA767C94-0C36-4B1E-B0CE-249521D515D9}" type="presParOf" srcId="{E9A360F5-905C-4B1F-87BD-8099DBD7826B}" destId="{770F0FD6-A664-4D0A-A016-FBEA3DBC5EF2}" srcOrd="0" destOrd="0" presId="urn:microsoft.com/office/officeart/2005/8/layout/hierarchy3"/>
+    <dgm:cxn modelId="{99E9EA2F-D216-4B5B-BB7F-3561383CB3E9}" type="presParOf" srcId="{770F0FD6-A664-4D0A-A016-FBEA3DBC5EF2}" destId="{D42C5353-2F91-4910-9E62-259C884C47C8}" srcOrd="0" destOrd="0" presId="urn:microsoft.com/office/officeart/2005/8/layout/hierarchy3"/>
+    <dgm:cxn modelId="{68651435-D41E-41DA-A714-AA24CA135D34}" type="presParOf" srcId="{770F0FD6-A664-4D0A-A016-FBEA3DBC5EF2}" destId="{D5FEF17D-A657-4E90-83A6-FFBD9375BEE2}" srcOrd="1" destOrd="0" presId="urn:microsoft.com/office/officeart/2005/8/layout/hierarchy3"/>
+    <dgm:cxn modelId="{4F96940D-AB8F-483B-8E33-09350038BE5F}" type="presParOf" srcId="{E9A360F5-905C-4B1F-87BD-8099DBD7826B}" destId="{ED254901-973D-4D91-AABF-EBA39BDAC603}" srcOrd="1" destOrd="0" presId="urn:microsoft.com/office/officeart/2005/8/layout/hierarchy3"/>
+    <dgm:cxn modelId="{EFCBF1C7-F098-4081-A971-DBD264293E1B}" type="presParOf" srcId="{ED254901-973D-4D91-AABF-EBA39BDAC603}" destId="{360B229B-0F55-45E5-A55A-DDDBDBD1C921}" srcOrd="0" destOrd="0" presId="urn:microsoft.com/office/officeart/2005/8/layout/hierarchy3"/>
+    <dgm:cxn modelId="{11514D88-7BDE-4B06-BABF-48FD2C185D66}" type="presParOf" srcId="{ED254901-973D-4D91-AABF-EBA39BDAC603}" destId="{7E3D7089-292B-46E8-B4F0-ADC3733C52BD}" srcOrd="1" destOrd="0" presId="urn:microsoft.com/office/officeart/2005/8/layout/hierarchy3"/>
+    <dgm:cxn modelId="{7065C4CB-4AB6-45D8-B5BA-CD814B7462FF}" type="presParOf" srcId="{ED254901-973D-4D91-AABF-EBA39BDAC603}" destId="{BC1B1EA4-129C-44F6-935B-BA646A7A2AA3}" srcOrd="2" destOrd="0" presId="urn:microsoft.com/office/officeart/2005/8/layout/hierarchy3"/>
+    <dgm:cxn modelId="{C3F9E7A4-75B1-4B7E-A1E5-4987D8B78D37}" type="presParOf" srcId="{ED254901-973D-4D91-AABF-EBA39BDAC603}" destId="{CF0B1CD2-0FC3-49A4-A520-B01A6C3CCB95}" srcOrd="3" destOrd="0" presId="urn:microsoft.com/office/officeart/2005/8/layout/hierarchy3"/>
+    <dgm:cxn modelId="{FB9B22F7-2413-495F-B229-6C18B49466FC}" type="presParOf" srcId="{ED254901-973D-4D91-AABF-EBA39BDAC603}" destId="{F5AE7053-0C33-481C-8BFB-D2DAFB4C4294}" srcOrd="4" destOrd="0" presId="urn:microsoft.com/office/officeart/2005/8/layout/hierarchy3"/>
+    <dgm:cxn modelId="{C16A5564-59F3-412A-B4EB-B65B63053508}" type="presParOf" srcId="{ED254901-973D-4D91-AABF-EBA39BDAC603}" destId="{C5878689-67F2-4E3D-8C9B-392F50C32024}" srcOrd="5" destOrd="0" presId="urn:microsoft.com/office/officeart/2005/8/layout/hierarchy3"/>
+    <dgm:cxn modelId="{09181F9B-E167-4B75-B6B6-F9E14D694D89}" type="presParOf" srcId="{5EAC0F1C-8135-499C-A050-8951C4D4D68B}" destId="{78204B86-F48E-424E-B9F0-F61E8700D86E}" srcOrd="1" destOrd="0" presId="urn:microsoft.com/office/officeart/2005/8/layout/hierarchy3"/>
+    <dgm:cxn modelId="{DBC2B5BC-DFDC-474C-A838-26BB04DE679E}" type="presParOf" srcId="{78204B86-F48E-424E-B9F0-F61E8700D86E}" destId="{612CABF1-DDE5-41D1-9036-25B4BE7589BE}" srcOrd="0" destOrd="0" presId="urn:microsoft.com/office/officeart/2005/8/layout/hierarchy3"/>
+    <dgm:cxn modelId="{28B003FA-10B3-4B59-9252-9741DA196AD4}" type="presParOf" srcId="{612CABF1-DDE5-41D1-9036-25B4BE7589BE}" destId="{F1C18E15-3E91-476D-8B13-25AD56BC4B13}" srcOrd="0" destOrd="0" presId="urn:microsoft.com/office/officeart/2005/8/layout/hierarchy3"/>
+    <dgm:cxn modelId="{3CDADAA2-FDA6-4600-957E-40993F510D7B}" type="presParOf" srcId="{612CABF1-DDE5-41D1-9036-25B4BE7589BE}" destId="{8FA2ECE2-9D66-4FD1-89DE-3231691A8283}" srcOrd="1" destOrd="0" presId="urn:microsoft.com/office/officeart/2005/8/layout/hierarchy3"/>
+    <dgm:cxn modelId="{D333763B-8A35-4756-B2BA-39040A45CB48}" type="presParOf" srcId="{78204B86-F48E-424E-B9F0-F61E8700D86E}" destId="{5E7F2D45-2508-495B-A708-02E0FD5F2314}" srcOrd="1" destOrd="0" presId="urn:microsoft.com/office/officeart/2005/8/layout/hierarchy3"/>
+    <dgm:cxn modelId="{259421E8-95D2-4D14-8B2B-86B19D729340}" type="presParOf" srcId="{5E7F2D45-2508-495B-A708-02E0FD5F2314}" destId="{2564A6E5-875B-4BC6-B983-AA12C064A019}" srcOrd="0" destOrd="0" presId="urn:microsoft.com/office/officeart/2005/8/layout/hierarchy3"/>
+    <dgm:cxn modelId="{8BDD8554-2C29-4FFE-BD1A-F208CC31C2A1}" type="presParOf" srcId="{5E7F2D45-2508-495B-A708-02E0FD5F2314}" destId="{3B0CF9DF-CC55-47FF-BECE-903E70F9D2DE}" srcOrd="1" destOrd="0" presId="urn:microsoft.com/office/officeart/2005/8/layout/hierarchy3"/>
+    <dgm:cxn modelId="{875A6F76-A845-47E2-9FD3-19114F777D75}" type="presParOf" srcId="{5E7F2D45-2508-495B-A708-02E0FD5F2314}" destId="{7DFA9A08-1F84-4CF2-9E63-7F6E7C219F76}" srcOrd="2" destOrd="0" presId="urn:microsoft.com/office/officeart/2005/8/layout/hierarchy3"/>
+    <dgm:cxn modelId="{D1011F87-5E28-4D3F-8118-4BA6A4FEA06E}" type="presParOf" srcId="{5E7F2D45-2508-495B-A708-02E0FD5F2314}" destId="{9C3E65C4-9266-43CB-B08F-79811ABF047A}" srcOrd="3" destOrd="0" presId="urn:microsoft.com/office/officeart/2005/8/layout/hierarchy3"/>
+    <dgm:cxn modelId="{1C9EC978-49C4-44B1-B7F0-A80918C3CC4C}" type="presParOf" srcId="{5E7F2D45-2508-495B-A708-02E0FD5F2314}" destId="{35FE4D4C-3CA0-4CCA-8F9D-1668C574961B}" srcOrd="4" destOrd="0" presId="urn:microsoft.com/office/officeart/2005/8/layout/hierarchy3"/>
+    <dgm:cxn modelId="{B79D566C-42D9-42A8-9C46-AA22B87D15A7}" type="presParOf" srcId="{5E7F2D45-2508-495B-A708-02E0FD5F2314}" destId="{375B2884-C079-4ABC-AF46-CC7B31EF2123}" srcOrd="5" destOrd="0" presId="urn:microsoft.com/office/officeart/2005/8/layout/hierarchy3"/>
+    <dgm:cxn modelId="{B64B3C35-7E92-47FF-A43C-7E75EABB7DE0}" type="presParOf" srcId="{5E7F2D45-2508-495B-A708-02E0FD5F2314}" destId="{16CFAB30-3E6A-44D7-A45D-E3066E142053}" srcOrd="6" destOrd="0" presId="urn:microsoft.com/office/officeart/2005/8/layout/hierarchy3"/>
+    <dgm:cxn modelId="{86D49351-D3C9-48A1-88EA-44A93353F587}" type="presParOf" srcId="{5E7F2D45-2508-495B-A708-02E0FD5F2314}" destId="{5F9726AA-E8AD-4C5C-A0CA-2350C4F8CAFA}" srcOrd="7" destOrd="0" presId="urn:microsoft.com/office/officeart/2005/8/layout/hierarchy3"/>
+    <dgm:cxn modelId="{91C1DB7D-DADE-48E1-9C3F-D33F6FC84386}" type="presParOf" srcId="{5E7F2D45-2508-495B-A708-02E0FD5F2314}" destId="{0ECF28DA-9925-4B5B-97B1-BDA459502114}" srcOrd="8" destOrd="0" presId="urn:microsoft.com/office/officeart/2005/8/layout/hierarchy3"/>
+    <dgm:cxn modelId="{7A09BA7C-9EDC-496E-8A6D-4B0744B8C88D}" type="presParOf" srcId="{5E7F2D45-2508-495B-A708-02E0FD5F2314}" destId="{5A2BB121-DDEE-46A8-AC09-18496F773E62}" srcOrd="9" destOrd="0" presId="urn:microsoft.com/office/officeart/2005/8/layout/hierarchy3"/>
+    <dgm:cxn modelId="{F5B8C0DF-97A3-423B-9A5D-53FC91FEE07D}" type="presParOf" srcId="{5EAC0F1C-8135-499C-A050-8951C4D4D68B}" destId="{59FB6EFF-035B-4901-8C84-3BDEA8130465}" srcOrd="2" destOrd="0" presId="urn:microsoft.com/office/officeart/2005/8/layout/hierarchy3"/>
+    <dgm:cxn modelId="{2C3BEA50-80F2-41C7-A82B-5C3E16FC0BD9}" type="presParOf" srcId="{59FB6EFF-035B-4901-8C84-3BDEA8130465}" destId="{DFAAFD62-220C-47EA-B1FF-1D698C1D9D0C}" srcOrd="0" destOrd="0" presId="urn:microsoft.com/office/officeart/2005/8/layout/hierarchy3"/>
+    <dgm:cxn modelId="{5783CD70-7213-4FC1-AF68-237D5BC3062A}" type="presParOf" srcId="{DFAAFD62-220C-47EA-B1FF-1D698C1D9D0C}" destId="{3DB7ADFA-DCAB-4034-9F43-B860EBE864E8}" srcOrd="0" destOrd="0" presId="urn:microsoft.com/office/officeart/2005/8/layout/hierarchy3"/>
+    <dgm:cxn modelId="{B7E1F160-A178-462E-868C-EC6564C42610}" type="presParOf" srcId="{DFAAFD62-220C-47EA-B1FF-1D698C1D9D0C}" destId="{A1EB1FFF-29EC-48BF-990F-29DA82114C59}" srcOrd="1" destOrd="0" presId="urn:microsoft.com/office/officeart/2005/8/layout/hierarchy3"/>
+    <dgm:cxn modelId="{9FF94B33-0113-4A76-8701-4BFCEEDBDE89}" type="presParOf" srcId="{59FB6EFF-035B-4901-8C84-3BDEA8130465}" destId="{C961EBF4-10A8-458E-973D-7ED2EFFC972F}" srcOrd="1" destOrd="0" presId="urn:microsoft.com/office/officeart/2005/8/layout/hierarchy3"/>
+    <dgm:cxn modelId="{E16B69EF-6960-4FF6-974E-0243612C50A9}" type="presParOf" srcId="{C961EBF4-10A8-458E-973D-7ED2EFFC972F}" destId="{278D3975-9588-4A95-85BD-D062BB0AE1A4}" srcOrd="0" destOrd="0" presId="urn:microsoft.com/office/officeart/2005/8/layout/hierarchy3"/>
+    <dgm:cxn modelId="{EDC0758A-BCB5-4E73-BE7E-8D1A992568A9}" type="presParOf" srcId="{C961EBF4-10A8-458E-973D-7ED2EFFC972F}" destId="{EDB6085A-8F2B-4B84-887D-9DD4BEC6E4E1}" srcOrd="1" destOrd="0" presId="urn:microsoft.com/office/officeart/2005/8/layout/hierarchy3"/>
+    <dgm:cxn modelId="{220FD8C8-D47B-4118-8047-93C173D37B70}" type="presParOf" srcId="{C961EBF4-10A8-458E-973D-7ED2EFFC972F}" destId="{9C05BE7E-FC1F-4CC6-8FAB-3504F91E9A3A}" srcOrd="2" destOrd="0" presId="urn:microsoft.com/office/officeart/2005/8/layout/hierarchy3"/>
+    <dgm:cxn modelId="{11CB2D16-7D7D-4653-978D-21E597700E85}" type="presParOf" srcId="{C961EBF4-10A8-458E-973D-7ED2EFFC972F}" destId="{DA978C10-45FD-4D26-8760-9D8C9CF54865}" srcOrd="3" destOrd="0" presId="urn:microsoft.com/office/officeart/2005/8/layout/hierarchy3"/>
+    <dgm:cxn modelId="{B9702EBF-28A6-4C56-BB02-8A38776C1F90}" type="presParOf" srcId="{C961EBF4-10A8-458E-973D-7ED2EFFC972F}" destId="{FF100697-267A-4BC5-8DA9-B1F7321DFE84}" srcOrd="4" destOrd="0" presId="urn:microsoft.com/office/officeart/2005/8/layout/hierarchy3"/>
+    <dgm:cxn modelId="{46AAE45F-BF7E-4CDB-A15F-802EEF0A52A0}" type="presParOf" srcId="{C961EBF4-10A8-458E-973D-7ED2EFFC972F}" destId="{291D5A65-BA4D-4BF4-8D0F-050F9D81FBB6}" srcOrd="5" destOrd="0" presId="urn:microsoft.com/office/officeart/2005/8/layout/hierarchy3"/>
+    <dgm:cxn modelId="{0137D627-1B4F-47DB-ADA7-B3A9FCF6DA00}" type="presParOf" srcId="{C961EBF4-10A8-458E-973D-7ED2EFFC972F}" destId="{6B27DFF3-3021-4E99-BF73-829A6255425D}" srcOrd="6" destOrd="0" presId="urn:microsoft.com/office/officeart/2005/8/layout/hierarchy3"/>
+    <dgm:cxn modelId="{2DDA2A2E-7EBF-42D3-8E45-3269864CBAA4}" type="presParOf" srcId="{C961EBF4-10A8-458E-973D-7ED2EFFC972F}" destId="{88C17E61-7A2A-46D7-AC95-5E562286A33E}" srcOrd="7" destOrd="0" presId="urn:microsoft.com/office/officeart/2005/8/layout/hierarchy3"/>
   </dgm:cxnLst>
   <dgm:bg/>
   <dgm:whole/>
@@ -10910,6 +12895,1986 @@
 </dsp:drawing>
 </file>
 
+<file path=ppt/diagrams/drawing4.xml><?xml version="1.0" encoding="utf-8"?>
+<dsp:drawing xmlns:dgm="http://schemas.openxmlformats.org/drawingml/2006/diagram" xmlns:dsp="http://schemas.microsoft.com/office/drawing/2008/diagram" xmlns:a="http://schemas.openxmlformats.org/drawingml/2006/main">
+  <dsp:spTree>
+    <dsp:nvGrpSpPr>
+      <dsp:cNvPr id="0" name=""/>
+      <dsp:cNvGrpSpPr/>
+    </dsp:nvGrpSpPr>
+    <dsp:grpSpPr/>
+    <dsp:sp modelId="{D42C5353-2F91-4910-9E62-259C884C47C8}">
+      <dsp:nvSpPr>
+        <dsp:cNvPr id="0" name=""/>
+        <dsp:cNvSpPr/>
+      </dsp:nvSpPr>
+      <dsp:spPr>
+        <a:xfrm>
+          <a:off x="912316" y="372"/>
+          <a:ext cx="1220390" cy="610195"/>
+        </a:xfrm>
+        <a:prstGeom prst="roundRect">
+          <a:avLst>
+            <a:gd name="adj" fmla="val 10000"/>
+          </a:avLst>
+        </a:prstGeom>
+        <a:solidFill>
+          <a:schemeClr val="accent1">
+            <a:hueOff val="0"/>
+            <a:satOff val="0"/>
+            <a:lumOff val="0"/>
+            <a:alphaOff val="0"/>
+          </a:schemeClr>
+        </a:solidFill>
+        <a:ln w="25400" cap="flat" cmpd="sng" algn="ctr">
+          <a:solidFill>
+            <a:schemeClr val="lt1">
+              <a:hueOff val="0"/>
+              <a:satOff val="0"/>
+              <a:lumOff val="0"/>
+              <a:alphaOff val="0"/>
+            </a:schemeClr>
+          </a:solidFill>
+          <a:prstDash val="solid"/>
+        </a:ln>
+        <a:effectLst/>
+      </dsp:spPr>
+      <dsp:style>
+        <a:lnRef idx="2">
+          <a:scrgbClr r="0" g="0" b="0"/>
+        </a:lnRef>
+        <a:fillRef idx="1">
+          <a:scrgbClr r="0" g="0" b="0"/>
+        </a:fillRef>
+        <a:effectRef idx="0">
+          <a:scrgbClr r="0" g="0" b="0"/>
+        </a:effectRef>
+        <a:fontRef idx="minor">
+          <a:schemeClr val="lt1"/>
+        </a:fontRef>
+      </dsp:style>
+      <dsp:txBody>
+        <a:bodyPr spcFirstLastPara="0" vert="horz" wrap="square" lIns="24765" tIns="16510" rIns="24765" bIns="16510" numCol="1" spcCol="1270" anchor="ctr" anchorCtr="0">
+          <a:noAutofit/>
+        </a:bodyPr>
+        <a:lstStyle/>
+        <a:p>
+          <a:pPr marL="0" lvl="0" indent="0" algn="ctr" defTabSz="577850">
+            <a:lnSpc>
+              <a:spcPct val="90000"/>
+            </a:lnSpc>
+            <a:spcBef>
+              <a:spcPct val="0"/>
+            </a:spcBef>
+            <a:spcAft>
+              <a:spcPct val="35000"/>
+            </a:spcAft>
+            <a:buNone/>
+          </a:pPr>
+          <a:r>
+            <a:rPr lang="en-US" sz="1300" kern="1200" dirty="0"/>
+            <a:t>Basic Principles</a:t>
+          </a:r>
+        </a:p>
+      </dsp:txBody>
+      <dsp:txXfrm>
+        <a:off x="930188" y="18244"/>
+        <a:ext cx="1184646" cy="574451"/>
+      </dsp:txXfrm>
+    </dsp:sp>
+    <dsp:sp modelId="{360B229B-0F55-45E5-A55A-DDDBDBD1C921}">
+      <dsp:nvSpPr>
+        <dsp:cNvPr id="0" name=""/>
+        <dsp:cNvSpPr/>
+      </dsp:nvSpPr>
+      <dsp:spPr>
+        <a:xfrm>
+          <a:off x="1034355" y="610567"/>
+          <a:ext cx="141360" cy="431890"/>
+        </a:xfrm>
+        <a:custGeom>
+          <a:avLst/>
+          <a:gdLst/>
+          <a:ahLst/>
+          <a:cxnLst/>
+          <a:rect l="0" t="0" r="0" b="0"/>
+          <a:pathLst>
+            <a:path>
+              <a:moveTo>
+                <a:pt x="0" y="0"/>
+              </a:moveTo>
+              <a:lnTo>
+                <a:pt x="0" y="431890"/>
+              </a:lnTo>
+              <a:lnTo>
+                <a:pt x="141360" y="431890"/>
+              </a:lnTo>
+            </a:path>
+          </a:pathLst>
+        </a:custGeom>
+        <a:noFill/>
+        <a:ln w="25400" cap="flat" cmpd="sng" algn="ctr">
+          <a:solidFill>
+            <a:schemeClr val="accent1">
+              <a:shade val="60000"/>
+              <a:hueOff val="0"/>
+              <a:satOff val="0"/>
+              <a:lumOff val="0"/>
+              <a:alphaOff val="0"/>
+            </a:schemeClr>
+          </a:solidFill>
+          <a:prstDash val="solid"/>
+        </a:ln>
+        <a:effectLst/>
+      </dsp:spPr>
+      <dsp:style>
+        <a:lnRef idx="2">
+          <a:scrgbClr r="0" g="0" b="0"/>
+        </a:lnRef>
+        <a:fillRef idx="0">
+          <a:scrgbClr r="0" g="0" b="0"/>
+        </a:fillRef>
+        <a:effectRef idx="0">
+          <a:scrgbClr r="0" g="0" b="0"/>
+        </a:effectRef>
+        <a:fontRef idx="minor"/>
+      </dsp:style>
+    </dsp:sp>
+    <dsp:sp modelId="{7E3D7089-292B-46E8-B4F0-ADC3733C52BD}">
+      <dsp:nvSpPr>
+        <dsp:cNvPr id="0" name=""/>
+        <dsp:cNvSpPr/>
+      </dsp:nvSpPr>
+      <dsp:spPr>
+        <a:xfrm>
+          <a:off x="1175715" y="737359"/>
+          <a:ext cx="976312" cy="610195"/>
+        </a:xfrm>
+        <a:prstGeom prst="roundRect">
+          <a:avLst>
+            <a:gd name="adj" fmla="val 10000"/>
+          </a:avLst>
+        </a:prstGeom>
+        <a:solidFill>
+          <a:schemeClr val="lt1">
+            <a:alpha val="90000"/>
+            <a:hueOff val="0"/>
+            <a:satOff val="0"/>
+            <a:lumOff val="0"/>
+            <a:alphaOff val="0"/>
+          </a:schemeClr>
+        </a:solidFill>
+        <a:ln w="25400" cap="flat" cmpd="sng" algn="ctr">
+          <a:solidFill>
+            <a:schemeClr val="accent1">
+              <a:hueOff val="0"/>
+              <a:satOff val="0"/>
+              <a:lumOff val="0"/>
+              <a:alphaOff val="0"/>
+            </a:schemeClr>
+          </a:solidFill>
+          <a:prstDash val="solid"/>
+        </a:ln>
+        <a:effectLst/>
+      </dsp:spPr>
+      <dsp:style>
+        <a:lnRef idx="2">
+          <a:scrgbClr r="0" g="0" b="0"/>
+        </a:lnRef>
+        <a:fillRef idx="1">
+          <a:scrgbClr r="0" g="0" b="0"/>
+        </a:fillRef>
+        <a:effectRef idx="0">
+          <a:scrgbClr r="0" g="0" b="0"/>
+        </a:effectRef>
+        <a:fontRef idx="minor"/>
+      </dsp:style>
+      <dsp:txBody>
+        <a:bodyPr spcFirstLastPara="0" vert="horz" wrap="square" lIns="28575" tIns="19050" rIns="28575" bIns="19050" numCol="1" spcCol="1270" anchor="ctr" anchorCtr="0">
+          <a:noAutofit/>
+        </a:bodyPr>
+        <a:lstStyle/>
+        <a:p>
+          <a:pPr marL="0" lvl="0" indent="0" algn="ctr" defTabSz="666750">
+            <a:lnSpc>
+              <a:spcPct val="90000"/>
+            </a:lnSpc>
+            <a:spcBef>
+              <a:spcPct val="0"/>
+            </a:spcBef>
+            <a:spcAft>
+              <a:spcPct val="35000"/>
+            </a:spcAft>
+            <a:buNone/>
+          </a:pPr>
+          <a:r>
+            <a:rPr lang="en-US" sz="1500" kern="1200" dirty="0"/>
+            <a:t>Designing Data</a:t>
+          </a:r>
+        </a:p>
+      </dsp:txBody>
+      <dsp:txXfrm>
+        <a:off x="1193587" y="755231"/>
+        <a:ext cx="940568" cy="574451"/>
+      </dsp:txXfrm>
+    </dsp:sp>
+    <dsp:sp modelId="{BC1B1EA4-129C-44F6-935B-BA646A7A2AA3}">
+      <dsp:nvSpPr>
+        <dsp:cNvPr id="0" name=""/>
+        <dsp:cNvSpPr/>
+      </dsp:nvSpPr>
+      <dsp:spPr>
+        <a:xfrm>
+          <a:off x="1034355" y="610567"/>
+          <a:ext cx="122039" cy="1220390"/>
+        </a:xfrm>
+        <a:custGeom>
+          <a:avLst/>
+          <a:gdLst/>
+          <a:ahLst/>
+          <a:cxnLst/>
+          <a:rect l="0" t="0" r="0" b="0"/>
+          <a:pathLst>
+            <a:path>
+              <a:moveTo>
+                <a:pt x="0" y="0"/>
+              </a:moveTo>
+              <a:lnTo>
+                <a:pt x="0" y="1220390"/>
+              </a:lnTo>
+              <a:lnTo>
+                <a:pt x="122039" y="1220390"/>
+              </a:lnTo>
+            </a:path>
+          </a:pathLst>
+        </a:custGeom>
+        <a:noFill/>
+        <a:ln w="25400" cap="flat" cmpd="sng" algn="ctr">
+          <a:solidFill>
+            <a:schemeClr val="accent1">
+              <a:shade val="60000"/>
+              <a:hueOff val="0"/>
+              <a:satOff val="0"/>
+              <a:lumOff val="0"/>
+              <a:alphaOff val="0"/>
+            </a:schemeClr>
+          </a:solidFill>
+          <a:prstDash val="solid"/>
+        </a:ln>
+        <a:effectLst/>
+      </dsp:spPr>
+      <dsp:style>
+        <a:lnRef idx="2">
+          <a:scrgbClr r="0" g="0" b="0"/>
+        </a:lnRef>
+        <a:fillRef idx="0">
+          <a:scrgbClr r="0" g="0" b="0"/>
+        </a:fillRef>
+        <a:effectRef idx="0">
+          <a:scrgbClr r="0" g="0" b="0"/>
+        </a:effectRef>
+        <a:fontRef idx="minor"/>
+      </dsp:style>
+    </dsp:sp>
+    <dsp:sp modelId="{CF0B1CD2-0FC3-49A4-A520-B01A6C3CCB95}">
+      <dsp:nvSpPr>
+        <dsp:cNvPr id="0" name=""/>
+        <dsp:cNvSpPr/>
+      </dsp:nvSpPr>
+      <dsp:spPr>
+        <a:xfrm>
+          <a:off x="1156394" y="1525860"/>
+          <a:ext cx="976312" cy="610195"/>
+        </a:xfrm>
+        <a:prstGeom prst="roundRect">
+          <a:avLst>
+            <a:gd name="adj" fmla="val 10000"/>
+          </a:avLst>
+        </a:prstGeom>
+        <a:solidFill>
+          <a:prstClr val="white">
+            <a:alpha val="90000"/>
+            <a:hueOff val="0"/>
+            <a:satOff val="0"/>
+            <a:lumOff val="0"/>
+            <a:alphaOff val="0"/>
+          </a:prstClr>
+        </a:solidFill>
+        <a:ln w="25400" cap="flat" cmpd="sng" algn="ctr">
+          <a:solidFill>
+            <a:srgbClr val="4F81BD">
+              <a:hueOff val="0"/>
+              <a:satOff val="0"/>
+              <a:lumOff val="0"/>
+              <a:alphaOff val="0"/>
+            </a:srgbClr>
+          </a:solidFill>
+          <a:prstDash val="solid"/>
+        </a:ln>
+        <a:effectLst/>
+      </dsp:spPr>
+      <dsp:style>
+        <a:lnRef idx="2">
+          <a:scrgbClr r="0" g="0" b="0"/>
+        </a:lnRef>
+        <a:fillRef idx="1">
+          <a:scrgbClr r="0" g="0" b="0"/>
+        </a:fillRef>
+        <a:effectRef idx="0">
+          <a:scrgbClr r="0" g="0" b="0"/>
+        </a:effectRef>
+        <a:fontRef idx="minor"/>
+      </dsp:style>
+      <dsp:txBody>
+        <a:bodyPr spcFirstLastPara="0" vert="horz" wrap="square" lIns="19050" tIns="12700" rIns="19050" bIns="12700" numCol="1" spcCol="1270" anchor="ctr" anchorCtr="0">
+          <a:noAutofit/>
+        </a:bodyPr>
+        <a:lstStyle/>
+        <a:p>
+          <a:pPr marL="0" lvl="0" indent="0" algn="ctr" defTabSz="444500">
+            <a:lnSpc>
+              <a:spcPct val="90000"/>
+            </a:lnSpc>
+            <a:spcBef>
+              <a:spcPct val="0"/>
+            </a:spcBef>
+            <a:spcAft>
+              <a:spcPct val="35000"/>
+            </a:spcAft>
+            <a:buNone/>
+          </a:pPr>
+          <a:r>
+            <a:rPr lang="en-US" sz="1000" kern="1200" dirty="0">
+              <a:solidFill>
+                <a:prstClr val="black">
+                  <a:hueOff val="0"/>
+                  <a:satOff val="0"/>
+                  <a:lumOff val="0"/>
+                  <a:alphaOff val="0"/>
+                </a:prstClr>
+              </a:solidFill>
+              <a:latin typeface="Calibri"/>
+              <a:ea typeface="+mn-ea"/>
+              <a:cs typeface="+mn-cs"/>
+            </a:rPr>
+            <a:t>Designing Functions</a:t>
+          </a:r>
+        </a:p>
+      </dsp:txBody>
+      <dsp:txXfrm>
+        <a:off x="1174266" y="1543732"/>
+        <a:ext cx="940568" cy="574451"/>
+      </dsp:txXfrm>
+    </dsp:sp>
+    <dsp:sp modelId="{F5AE7053-0C33-481C-8BFB-D2DAFB4C4294}">
+      <dsp:nvSpPr>
+        <dsp:cNvPr id="0" name=""/>
+        <dsp:cNvSpPr/>
+      </dsp:nvSpPr>
+      <dsp:spPr>
+        <a:xfrm>
+          <a:off x="1034355" y="610567"/>
+          <a:ext cx="122039" cy="1983134"/>
+        </a:xfrm>
+        <a:custGeom>
+          <a:avLst/>
+          <a:gdLst/>
+          <a:ahLst/>
+          <a:cxnLst/>
+          <a:rect l="0" t="0" r="0" b="0"/>
+          <a:pathLst>
+            <a:path>
+              <a:moveTo>
+                <a:pt x="0" y="0"/>
+              </a:moveTo>
+              <a:lnTo>
+                <a:pt x="0" y="1983134"/>
+              </a:lnTo>
+              <a:lnTo>
+                <a:pt x="122039" y="1983134"/>
+              </a:lnTo>
+            </a:path>
+          </a:pathLst>
+        </a:custGeom>
+        <a:noFill/>
+        <a:ln w="25400" cap="flat" cmpd="sng" algn="ctr">
+          <a:solidFill>
+            <a:schemeClr val="accent1">
+              <a:shade val="60000"/>
+              <a:hueOff val="0"/>
+              <a:satOff val="0"/>
+              <a:lumOff val="0"/>
+              <a:alphaOff val="0"/>
+            </a:schemeClr>
+          </a:solidFill>
+          <a:prstDash val="solid"/>
+        </a:ln>
+        <a:effectLst/>
+      </dsp:spPr>
+      <dsp:style>
+        <a:lnRef idx="2">
+          <a:scrgbClr r="0" g="0" b="0"/>
+        </a:lnRef>
+        <a:fillRef idx="0">
+          <a:scrgbClr r="0" g="0" b="0"/>
+        </a:fillRef>
+        <a:effectRef idx="0">
+          <a:scrgbClr r="0" g="0" b="0"/>
+        </a:effectRef>
+        <a:fontRef idx="minor"/>
+      </dsp:style>
+    </dsp:sp>
+    <dsp:sp modelId="{C5878689-67F2-4E3D-8C9B-392F50C32024}">
+      <dsp:nvSpPr>
+        <dsp:cNvPr id="0" name=""/>
+        <dsp:cNvSpPr/>
+      </dsp:nvSpPr>
+      <dsp:spPr>
+        <a:xfrm>
+          <a:off x="1156394" y="2288604"/>
+          <a:ext cx="976312" cy="610195"/>
+        </a:xfrm>
+        <a:prstGeom prst="roundRect">
+          <a:avLst>
+            <a:gd name="adj" fmla="val 10000"/>
+          </a:avLst>
+        </a:prstGeom>
+        <a:solidFill>
+          <a:prstClr val="white">
+            <a:alpha val="90000"/>
+            <a:hueOff val="0"/>
+            <a:satOff val="0"/>
+            <a:lumOff val="0"/>
+            <a:alphaOff val="0"/>
+          </a:prstClr>
+        </a:solidFill>
+        <a:ln w="25400" cap="flat" cmpd="sng" algn="ctr">
+          <a:solidFill>
+            <a:srgbClr val="4F81BD">
+              <a:hueOff val="0"/>
+              <a:satOff val="0"/>
+              <a:lumOff val="0"/>
+              <a:alphaOff val="0"/>
+            </a:srgbClr>
+          </a:solidFill>
+          <a:prstDash val="solid"/>
+        </a:ln>
+        <a:effectLst/>
+      </dsp:spPr>
+      <dsp:style>
+        <a:lnRef idx="2">
+          <a:scrgbClr r="0" g="0" b="0"/>
+        </a:lnRef>
+        <a:fillRef idx="1">
+          <a:scrgbClr r="0" g="0" b="0"/>
+        </a:fillRef>
+        <a:effectRef idx="0">
+          <a:scrgbClr r="0" g="0" b="0"/>
+        </a:effectRef>
+        <a:fontRef idx="minor"/>
+      </dsp:style>
+      <dsp:txBody>
+        <a:bodyPr spcFirstLastPara="0" vert="horz" wrap="square" lIns="19050" tIns="12700" rIns="19050" bIns="12700" numCol="1" spcCol="1270" anchor="ctr" anchorCtr="0">
+          <a:noAutofit/>
+        </a:bodyPr>
+        <a:lstStyle/>
+        <a:p>
+          <a:pPr marL="0" lvl="0" indent="0" algn="ctr" defTabSz="444500">
+            <a:lnSpc>
+              <a:spcPct val="90000"/>
+            </a:lnSpc>
+            <a:spcBef>
+              <a:spcPct val="0"/>
+            </a:spcBef>
+            <a:spcAft>
+              <a:spcPct val="35000"/>
+            </a:spcAft>
+            <a:buNone/>
+          </a:pPr>
+          <a:r>
+            <a:rPr lang="en-US" sz="1000" kern="1200" dirty="0">
+              <a:solidFill>
+                <a:prstClr val="black">
+                  <a:hueOff val="0"/>
+                  <a:satOff val="0"/>
+                  <a:lumOff val="0"/>
+                  <a:alphaOff val="0"/>
+                </a:prstClr>
+              </a:solidFill>
+              <a:latin typeface="Calibri"/>
+              <a:ea typeface="+mn-ea"/>
+              <a:cs typeface="+mn-cs"/>
+            </a:rPr>
+            <a:t>Designing</a:t>
+          </a:r>
+          <a:r>
+            <a:rPr lang="en-US" sz="1000" kern="1200" dirty="0"/>
+            <a:t> Systems</a:t>
+          </a:r>
+        </a:p>
+      </dsp:txBody>
+      <dsp:txXfrm>
+        <a:off x="1174266" y="2306476"/>
+        <a:ext cx="940568" cy="574451"/>
+      </dsp:txXfrm>
+    </dsp:sp>
+    <dsp:sp modelId="{F1C18E15-3E91-476D-8B13-25AD56BC4B13}">
+      <dsp:nvSpPr>
+        <dsp:cNvPr id="0" name=""/>
+        <dsp:cNvSpPr/>
+      </dsp:nvSpPr>
+      <dsp:spPr>
+        <a:xfrm>
+          <a:off x="2437804" y="372"/>
+          <a:ext cx="1220390" cy="610195"/>
+        </a:xfrm>
+        <a:prstGeom prst="roundRect">
+          <a:avLst>
+            <a:gd name="adj" fmla="val 10000"/>
+          </a:avLst>
+        </a:prstGeom>
+        <a:solidFill>
+          <a:schemeClr val="accent1">
+            <a:hueOff val="0"/>
+            <a:satOff val="0"/>
+            <a:lumOff val="0"/>
+            <a:alphaOff val="0"/>
+          </a:schemeClr>
+        </a:solidFill>
+        <a:ln w="25400" cap="flat" cmpd="sng" algn="ctr">
+          <a:solidFill>
+            <a:schemeClr val="lt1">
+              <a:hueOff val="0"/>
+              <a:satOff val="0"/>
+              <a:lumOff val="0"/>
+              <a:alphaOff val="0"/>
+            </a:schemeClr>
+          </a:solidFill>
+          <a:prstDash val="solid"/>
+        </a:ln>
+        <a:effectLst/>
+      </dsp:spPr>
+      <dsp:style>
+        <a:lnRef idx="2">
+          <a:scrgbClr r="0" g="0" b="0"/>
+        </a:lnRef>
+        <a:fillRef idx="1">
+          <a:scrgbClr r="0" g="0" b="0"/>
+        </a:fillRef>
+        <a:effectRef idx="0">
+          <a:scrgbClr r="0" g="0" b="0"/>
+        </a:effectRef>
+        <a:fontRef idx="minor">
+          <a:schemeClr val="lt1"/>
+        </a:fontRef>
+      </dsp:style>
+      <dsp:txBody>
+        <a:bodyPr spcFirstLastPara="0" vert="horz" wrap="square" lIns="24765" tIns="16510" rIns="24765" bIns="16510" numCol="1" spcCol="1270" anchor="ctr" anchorCtr="0">
+          <a:noAutofit/>
+        </a:bodyPr>
+        <a:lstStyle/>
+        <a:p>
+          <a:pPr marL="0" lvl="0" indent="0" algn="ctr" defTabSz="577850">
+            <a:lnSpc>
+              <a:spcPct val="90000"/>
+            </a:lnSpc>
+            <a:spcBef>
+              <a:spcPct val="0"/>
+            </a:spcBef>
+            <a:spcAft>
+              <a:spcPct val="35000"/>
+            </a:spcAft>
+            <a:buNone/>
+          </a:pPr>
+          <a:r>
+            <a:rPr lang="en-US" sz="1300" kern="1200" dirty="0"/>
+            <a:t>Tools and Techniques</a:t>
+          </a:r>
+        </a:p>
+      </dsp:txBody>
+      <dsp:txXfrm>
+        <a:off x="2455676" y="18244"/>
+        <a:ext cx="1184646" cy="574451"/>
+      </dsp:txXfrm>
+    </dsp:sp>
+    <dsp:sp modelId="{2564A6E5-875B-4BC6-B983-AA12C064A019}">
+      <dsp:nvSpPr>
+        <dsp:cNvPr id="0" name=""/>
+        <dsp:cNvSpPr/>
+      </dsp:nvSpPr>
+      <dsp:spPr>
+        <a:xfrm>
+          <a:off x="2559843" y="610567"/>
+          <a:ext cx="122039" cy="457646"/>
+        </a:xfrm>
+        <a:custGeom>
+          <a:avLst/>
+          <a:gdLst/>
+          <a:ahLst/>
+          <a:cxnLst/>
+          <a:rect l="0" t="0" r="0" b="0"/>
+          <a:pathLst>
+            <a:path>
+              <a:moveTo>
+                <a:pt x="0" y="0"/>
+              </a:moveTo>
+              <a:lnTo>
+                <a:pt x="0" y="457646"/>
+              </a:lnTo>
+              <a:lnTo>
+                <a:pt x="122039" y="457646"/>
+              </a:lnTo>
+            </a:path>
+          </a:pathLst>
+        </a:custGeom>
+        <a:noFill/>
+        <a:ln w="25400" cap="flat" cmpd="sng" algn="ctr">
+          <a:solidFill>
+            <a:schemeClr val="accent1">
+              <a:shade val="60000"/>
+              <a:hueOff val="0"/>
+              <a:satOff val="0"/>
+              <a:lumOff val="0"/>
+              <a:alphaOff val="0"/>
+            </a:schemeClr>
+          </a:solidFill>
+          <a:prstDash val="solid"/>
+        </a:ln>
+        <a:effectLst/>
+      </dsp:spPr>
+      <dsp:style>
+        <a:lnRef idx="2">
+          <a:scrgbClr r="0" g="0" b="0"/>
+        </a:lnRef>
+        <a:fillRef idx="0">
+          <a:scrgbClr r="0" g="0" b="0"/>
+        </a:fillRef>
+        <a:effectRef idx="0">
+          <a:scrgbClr r="0" g="0" b="0"/>
+        </a:effectRef>
+        <a:fontRef idx="minor"/>
+      </dsp:style>
+    </dsp:sp>
+    <dsp:sp modelId="{3B0CF9DF-CC55-47FF-BECE-903E70F9D2DE}">
+      <dsp:nvSpPr>
+        <dsp:cNvPr id="0" name=""/>
+        <dsp:cNvSpPr/>
+      </dsp:nvSpPr>
+      <dsp:spPr>
+        <a:xfrm>
+          <a:off x="2681882" y="763116"/>
+          <a:ext cx="976312" cy="610195"/>
+        </a:xfrm>
+        <a:prstGeom prst="roundRect">
+          <a:avLst>
+            <a:gd name="adj" fmla="val 10000"/>
+          </a:avLst>
+        </a:prstGeom>
+        <a:solidFill>
+          <a:schemeClr val="lt1">
+            <a:alpha val="90000"/>
+            <a:hueOff val="0"/>
+            <a:satOff val="0"/>
+            <a:lumOff val="0"/>
+            <a:alphaOff val="0"/>
+          </a:schemeClr>
+        </a:solidFill>
+        <a:ln w="25400" cap="flat" cmpd="sng" algn="ctr">
+          <a:solidFill>
+            <a:schemeClr val="accent1">
+              <a:hueOff val="0"/>
+              <a:satOff val="0"/>
+              <a:lumOff val="0"/>
+              <a:alphaOff val="0"/>
+            </a:schemeClr>
+          </a:solidFill>
+          <a:prstDash val="solid"/>
+        </a:ln>
+        <a:effectLst/>
+      </dsp:spPr>
+      <dsp:style>
+        <a:lnRef idx="2">
+          <a:scrgbClr r="0" g="0" b="0"/>
+        </a:lnRef>
+        <a:fillRef idx="1">
+          <a:scrgbClr r="0" g="0" b="0"/>
+        </a:fillRef>
+        <a:effectRef idx="0">
+          <a:scrgbClr r="0" g="0" b="0"/>
+        </a:effectRef>
+        <a:fontRef idx="minor"/>
+      </dsp:style>
+      <dsp:txBody>
+        <a:bodyPr spcFirstLastPara="0" vert="horz" wrap="square" lIns="28575" tIns="19050" rIns="28575" bIns="19050" numCol="1" spcCol="1270" anchor="ctr" anchorCtr="0">
+          <a:noAutofit/>
+        </a:bodyPr>
+        <a:lstStyle/>
+        <a:p>
+          <a:pPr marL="0" lvl="0" indent="0" algn="ctr" defTabSz="666750">
+            <a:lnSpc>
+              <a:spcPct val="90000"/>
+            </a:lnSpc>
+            <a:spcBef>
+              <a:spcPct val="0"/>
+            </a:spcBef>
+            <a:spcAft>
+              <a:spcPct val="35000"/>
+            </a:spcAft>
+            <a:buNone/>
+          </a:pPr>
+          <a:r>
+            <a:rPr lang="en-US" sz="1500" kern="1200" dirty="0"/>
+            <a:t>Computing with Lists</a:t>
+          </a:r>
+        </a:p>
+      </dsp:txBody>
+      <dsp:txXfrm>
+        <a:off x="2699754" y="780988"/>
+        <a:ext cx="940568" cy="574451"/>
+      </dsp:txXfrm>
+    </dsp:sp>
+    <dsp:sp modelId="{7DFA9A08-1F84-4CF2-9E63-7F6E7C219F76}">
+      <dsp:nvSpPr>
+        <dsp:cNvPr id="0" name=""/>
+        <dsp:cNvSpPr/>
+      </dsp:nvSpPr>
+      <dsp:spPr>
+        <a:xfrm>
+          <a:off x="2559843" y="610567"/>
+          <a:ext cx="122039" cy="1220390"/>
+        </a:xfrm>
+        <a:custGeom>
+          <a:avLst/>
+          <a:gdLst/>
+          <a:ahLst/>
+          <a:cxnLst/>
+          <a:rect l="0" t="0" r="0" b="0"/>
+          <a:pathLst>
+            <a:path>
+              <a:moveTo>
+                <a:pt x="0" y="0"/>
+              </a:moveTo>
+              <a:lnTo>
+                <a:pt x="0" y="1220390"/>
+              </a:lnTo>
+              <a:lnTo>
+                <a:pt x="122039" y="1220390"/>
+              </a:lnTo>
+            </a:path>
+          </a:pathLst>
+        </a:custGeom>
+        <a:noFill/>
+        <a:ln w="25400" cap="flat" cmpd="sng" algn="ctr">
+          <a:solidFill>
+            <a:schemeClr val="accent1">
+              <a:shade val="60000"/>
+              <a:hueOff val="0"/>
+              <a:satOff val="0"/>
+              <a:lumOff val="0"/>
+              <a:alphaOff val="0"/>
+            </a:schemeClr>
+          </a:solidFill>
+          <a:prstDash val="solid"/>
+        </a:ln>
+        <a:effectLst/>
+      </dsp:spPr>
+      <dsp:style>
+        <a:lnRef idx="2">
+          <a:scrgbClr r="0" g="0" b="0"/>
+        </a:lnRef>
+        <a:fillRef idx="0">
+          <a:scrgbClr r="0" g="0" b="0"/>
+        </a:fillRef>
+        <a:effectRef idx="0">
+          <a:scrgbClr r="0" g="0" b="0"/>
+        </a:effectRef>
+        <a:fontRef idx="minor"/>
+      </dsp:style>
+    </dsp:sp>
+    <dsp:sp modelId="{9C3E65C4-9266-43CB-B08F-79811ABF047A}">
+      <dsp:nvSpPr>
+        <dsp:cNvPr id="0" name=""/>
+        <dsp:cNvSpPr/>
+      </dsp:nvSpPr>
+      <dsp:spPr>
+        <a:xfrm>
+          <a:off x="2681882" y="1525860"/>
+          <a:ext cx="976312" cy="610195"/>
+        </a:xfrm>
+        <a:prstGeom prst="roundRect">
+          <a:avLst>
+            <a:gd name="adj" fmla="val 10000"/>
+          </a:avLst>
+        </a:prstGeom>
+        <a:solidFill>
+          <a:prstClr val="white">
+            <a:alpha val="90000"/>
+            <a:hueOff val="0"/>
+            <a:satOff val="0"/>
+            <a:lumOff val="0"/>
+            <a:alphaOff val="0"/>
+          </a:prstClr>
+        </a:solidFill>
+        <a:ln w="25400" cap="flat" cmpd="sng" algn="ctr">
+          <a:solidFill>
+            <a:srgbClr val="4F81BD">
+              <a:hueOff val="0"/>
+              <a:satOff val="0"/>
+              <a:lumOff val="0"/>
+              <a:alphaOff val="0"/>
+            </a:srgbClr>
+          </a:solidFill>
+          <a:prstDash val="solid"/>
+        </a:ln>
+        <a:effectLst/>
+      </dsp:spPr>
+      <dsp:style>
+        <a:lnRef idx="2">
+          <a:scrgbClr r="0" g="0" b="0"/>
+        </a:lnRef>
+        <a:fillRef idx="1">
+          <a:scrgbClr r="0" g="0" b="0"/>
+        </a:fillRef>
+        <a:effectRef idx="0">
+          <a:scrgbClr r="0" g="0" b="0"/>
+        </a:effectRef>
+        <a:fontRef idx="minor"/>
+      </dsp:style>
+      <dsp:txBody>
+        <a:bodyPr spcFirstLastPara="0" vert="horz" wrap="square" lIns="22860" tIns="15240" rIns="22860" bIns="15240" numCol="1" spcCol="1270" anchor="ctr" anchorCtr="0">
+          <a:noAutofit/>
+        </a:bodyPr>
+        <a:lstStyle/>
+        <a:p>
+          <a:pPr marL="0" lvl="0" indent="0" algn="ctr" defTabSz="533400">
+            <a:lnSpc>
+              <a:spcPct val="90000"/>
+            </a:lnSpc>
+            <a:spcBef>
+              <a:spcPct val="0"/>
+            </a:spcBef>
+            <a:spcAft>
+              <a:spcPct val="35000"/>
+            </a:spcAft>
+            <a:buNone/>
+          </a:pPr>
+          <a:r>
+            <a:rPr lang="en-US" sz="1200" kern="1200" dirty="0">
+              <a:solidFill>
+                <a:prstClr val="black">
+                  <a:hueOff val="0"/>
+                  <a:satOff val="0"/>
+                  <a:lumOff val="0"/>
+                  <a:alphaOff val="0"/>
+                </a:prstClr>
+              </a:solidFill>
+              <a:latin typeface="Calibri"/>
+              <a:ea typeface="+mn-ea"/>
+              <a:cs typeface="+mn-cs"/>
+            </a:rPr>
+            <a:t>Computing with Trees and Graphs</a:t>
+          </a:r>
+        </a:p>
+      </dsp:txBody>
+      <dsp:txXfrm>
+        <a:off x="2699754" y="1543732"/>
+        <a:ext cx="940568" cy="574451"/>
+      </dsp:txXfrm>
+    </dsp:sp>
+    <dsp:sp modelId="{35FE4D4C-3CA0-4CCA-8F9D-1668C574961B}">
+      <dsp:nvSpPr>
+        <dsp:cNvPr id="0" name=""/>
+        <dsp:cNvSpPr/>
+      </dsp:nvSpPr>
+      <dsp:spPr>
+        <a:xfrm>
+          <a:off x="2559843" y="610567"/>
+          <a:ext cx="122039" cy="1983134"/>
+        </a:xfrm>
+        <a:custGeom>
+          <a:avLst/>
+          <a:gdLst/>
+          <a:ahLst/>
+          <a:cxnLst/>
+          <a:rect l="0" t="0" r="0" b="0"/>
+          <a:pathLst>
+            <a:path>
+              <a:moveTo>
+                <a:pt x="0" y="0"/>
+              </a:moveTo>
+              <a:lnTo>
+                <a:pt x="0" y="1983134"/>
+              </a:lnTo>
+              <a:lnTo>
+                <a:pt x="122039" y="1983134"/>
+              </a:lnTo>
+            </a:path>
+          </a:pathLst>
+        </a:custGeom>
+        <a:noFill/>
+        <a:ln w="25400" cap="flat" cmpd="sng" algn="ctr">
+          <a:solidFill>
+            <a:schemeClr val="accent1">
+              <a:shade val="60000"/>
+              <a:hueOff val="0"/>
+              <a:satOff val="0"/>
+              <a:lumOff val="0"/>
+              <a:alphaOff val="0"/>
+            </a:schemeClr>
+          </a:solidFill>
+          <a:prstDash val="solid"/>
+        </a:ln>
+        <a:effectLst/>
+      </dsp:spPr>
+      <dsp:style>
+        <a:lnRef idx="2">
+          <a:scrgbClr r="0" g="0" b="0"/>
+        </a:lnRef>
+        <a:fillRef idx="0">
+          <a:scrgbClr r="0" g="0" b="0"/>
+        </a:fillRef>
+        <a:effectRef idx="0">
+          <a:scrgbClr r="0" g="0" b="0"/>
+        </a:effectRef>
+        <a:fontRef idx="minor"/>
+      </dsp:style>
+    </dsp:sp>
+    <dsp:sp modelId="{375B2884-C079-4ABC-AF46-CC7B31EF2123}">
+      <dsp:nvSpPr>
+        <dsp:cNvPr id="0" name=""/>
+        <dsp:cNvSpPr/>
+      </dsp:nvSpPr>
+      <dsp:spPr>
+        <a:xfrm>
+          <a:off x="2681882" y="2288604"/>
+          <a:ext cx="976312" cy="610195"/>
+        </a:xfrm>
+        <a:prstGeom prst="roundRect">
+          <a:avLst>
+            <a:gd name="adj" fmla="val 10000"/>
+          </a:avLst>
+        </a:prstGeom>
+        <a:solidFill>
+          <a:prstClr val="white">
+            <a:alpha val="90000"/>
+            <a:hueOff val="0"/>
+            <a:satOff val="0"/>
+            <a:lumOff val="0"/>
+            <a:alphaOff val="0"/>
+          </a:prstClr>
+        </a:solidFill>
+        <a:ln w="25400" cap="flat" cmpd="sng" algn="ctr">
+          <a:solidFill>
+            <a:srgbClr val="4F81BD">
+              <a:hueOff val="0"/>
+              <a:satOff val="0"/>
+              <a:lumOff val="0"/>
+              <a:alphaOff val="0"/>
+            </a:srgbClr>
+          </a:solidFill>
+          <a:prstDash val="solid"/>
+        </a:ln>
+        <a:effectLst/>
+      </dsp:spPr>
+      <dsp:style>
+        <a:lnRef idx="2">
+          <a:scrgbClr r="0" g="0" b="0"/>
+        </a:lnRef>
+        <a:fillRef idx="1">
+          <a:scrgbClr r="0" g="0" b="0"/>
+        </a:fillRef>
+        <a:effectRef idx="0">
+          <a:scrgbClr r="0" g="0" b="0"/>
+        </a:effectRef>
+        <a:fontRef idx="minor"/>
+      </dsp:style>
+      <dsp:txBody>
+        <a:bodyPr spcFirstLastPara="0" vert="horz" wrap="square" lIns="22860" tIns="15240" rIns="22860" bIns="15240" numCol="1" spcCol="1270" anchor="ctr" anchorCtr="0">
+          <a:noAutofit/>
+        </a:bodyPr>
+        <a:lstStyle/>
+        <a:p>
+          <a:pPr marL="0" lvl="0" indent="0" algn="ctr" defTabSz="533400">
+            <a:lnSpc>
+              <a:spcPct val="90000"/>
+            </a:lnSpc>
+            <a:spcBef>
+              <a:spcPct val="0"/>
+            </a:spcBef>
+            <a:spcAft>
+              <a:spcPct val="35000"/>
+            </a:spcAft>
+            <a:buNone/>
+          </a:pPr>
+          <a:r>
+            <a:rPr lang="en-US" sz="1200" kern="1200" dirty="0">
+              <a:solidFill>
+                <a:prstClr val="black">
+                  <a:hueOff val="0"/>
+                  <a:satOff val="0"/>
+                  <a:lumOff val="0"/>
+                  <a:alphaOff val="0"/>
+                </a:prstClr>
+              </a:solidFill>
+              <a:latin typeface="Calibri"/>
+              <a:ea typeface="+mn-ea"/>
+              <a:cs typeface="+mn-cs"/>
+            </a:rPr>
+            <a:t>Computing</a:t>
+          </a:r>
+          <a:r>
+            <a:rPr lang="en-US" sz="1000" kern="1200" dirty="0"/>
+            <a:t> with Higher-Order Functions</a:t>
+          </a:r>
+        </a:p>
+      </dsp:txBody>
+      <dsp:txXfrm>
+        <a:off x="2699754" y="2306476"/>
+        <a:ext cx="940568" cy="574451"/>
+      </dsp:txXfrm>
+    </dsp:sp>
+    <dsp:sp modelId="{16CFAB30-3E6A-44D7-A45D-E3066E142053}">
+      <dsp:nvSpPr>
+        <dsp:cNvPr id="0" name=""/>
+        <dsp:cNvSpPr/>
+      </dsp:nvSpPr>
+      <dsp:spPr>
+        <a:xfrm>
+          <a:off x="2559843" y="610567"/>
+          <a:ext cx="122039" cy="2745878"/>
+        </a:xfrm>
+        <a:custGeom>
+          <a:avLst/>
+          <a:gdLst/>
+          <a:ahLst/>
+          <a:cxnLst/>
+          <a:rect l="0" t="0" r="0" b="0"/>
+          <a:pathLst>
+            <a:path>
+              <a:moveTo>
+                <a:pt x="0" y="0"/>
+              </a:moveTo>
+              <a:lnTo>
+                <a:pt x="0" y="2745878"/>
+              </a:lnTo>
+              <a:lnTo>
+                <a:pt x="122039" y="2745878"/>
+              </a:lnTo>
+            </a:path>
+          </a:pathLst>
+        </a:custGeom>
+        <a:noFill/>
+        <a:ln w="25400" cap="flat" cmpd="sng" algn="ctr">
+          <a:solidFill>
+            <a:schemeClr val="accent1">
+              <a:shade val="60000"/>
+              <a:hueOff val="0"/>
+              <a:satOff val="0"/>
+              <a:lumOff val="0"/>
+              <a:alphaOff val="0"/>
+            </a:schemeClr>
+          </a:solidFill>
+          <a:prstDash val="solid"/>
+        </a:ln>
+        <a:effectLst/>
+      </dsp:spPr>
+      <dsp:style>
+        <a:lnRef idx="2">
+          <a:scrgbClr r="0" g="0" b="0"/>
+        </a:lnRef>
+        <a:fillRef idx="0">
+          <a:scrgbClr r="0" g="0" b="0"/>
+        </a:fillRef>
+        <a:effectRef idx="0">
+          <a:scrgbClr r="0" g="0" b="0"/>
+        </a:effectRef>
+        <a:fontRef idx="minor"/>
+      </dsp:style>
+    </dsp:sp>
+    <dsp:sp modelId="{5F9726AA-E8AD-4C5C-A0CA-2350C4F8CAFA}">
+      <dsp:nvSpPr>
+        <dsp:cNvPr id="0" name=""/>
+        <dsp:cNvSpPr/>
+      </dsp:nvSpPr>
+      <dsp:spPr>
+        <a:xfrm>
+          <a:off x="2681882" y="3051348"/>
+          <a:ext cx="976312" cy="610195"/>
+        </a:xfrm>
+        <a:prstGeom prst="roundRect">
+          <a:avLst>
+            <a:gd name="adj" fmla="val 10000"/>
+          </a:avLst>
+        </a:prstGeom>
+        <a:solidFill>
+          <a:prstClr val="white">
+            <a:alpha val="90000"/>
+            <a:hueOff val="0"/>
+            <a:satOff val="0"/>
+            <a:lumOff val="0"/>
+            <a:alphaOff val="0"/>
+          </a:prstClr>
+        </a:solidFill>
+        <a:ln w="25400" cap="flat" cmpd="sng" algn="ctr">
+          <a:solidFill>
+            <a:srgbClr val="4F81BD">
+              <a:hueOff val="0"/>
+              <a:satOff val="0"/>
+              <a:lumOff val="0"/>
+              <a:alphaOff val="0"/>
+            </a:srgbClr>
+          </a:solidFill>
+          <a:prstDash val="solid"/>
+        </a:ln>
+        <a:effectLst/>
+      </dsp:spPr>
+      <dsp:style>
+        <a:lnRef idx="2">
+          <a:scrgbClr r="0" g="0" b="0"/>
+        </a:lnRef>
+        <a:fillRef idx="1">
+          <a:scrgbClr r="0" g="0" b="0"/>
+        </a:fillRef>
+        <a:effectRef idx="0">
+          <a:scrgbClr r="0" g="0" b="0"/>
+        </a:effectRef>
+        <a:fontRef idx="minor"/>
+      </dsp:style>
+      <dsp:txBody>
+        <a:bodyPr spcFirstLastPara="0" vert="horz" wrap="square" lIns="22860" tIns="15240" rIns="22860" bIns="15240" numCol="1" spcCol="1270" anchor="ctr" anchorCtr="0">
+          <a:noAutofit/>
+        </a:bodyPr>
+        <a:lstStyle/>
+        <a:p>
+          <a:pPr marL="0" lvl="0" indent="0" algn="ctr" defTabSz="533400">
+            <a:lnSpc>
+              <a:spcPct val="90000"/>
+            </a:lnSpc>
+            <a:spcBef>
+              <a:spcPct val="0"/>
+            </a:spcBef>
+            <a:spcAft>
+              <a:spcPct val="35000"/>
+            </a:spcAft>
+            <a:buNone/>
+          </a:pPr>
+          <a:r>
+            <a:rPr lang="en-US" sz="1200" kern="1200" dirty="0">
+              <a:solidFill>
+                <a:prstClr val="black">
+                  <a:hueOff val="0"/>
+                  <a:satOff val="0"/>
+                  <a:lumOff val="0"/>
+                  <a:alphaOff val="0"/>
+                </a:prstClr>
+              </a:solidFill>
+              <a:latin typeface="Calibri"/>
+              <a:ea typeface="+mn-ea"/>
+              <a:cs typeface="+mn-cs"/>
+            </a:rPr>
+            <a:t>Designing</a:t>
+          </a:r>
+          <a:r>
+            <a:rPr lang="en-US" sz="1200" kern="1200" dirty="0"/>
+            <a:t> with Invariants</a:t>
+          </a:r>
+        </a:p>
+      </dsp:txBody>
+      <dsp:txXfrm>
+        <a:off x="2699754" y="3069220"/>
+        <a:ext cx="940568" cy="574451"/>
+      </dsp:txXfrm>
+    </dsp:sp>
+    <dsp:sp modelId="{0ECF28DA-9925-4B5B-97B1-BDA459502114}">
+      <dsp:nvSpPr>
+        <dsp:cNvPr id="0" name=""/>
+        <dsp:cNvSpPr/>
+      </dsp:nvSpPr>
+      <dsp:spPr>
+        <a:xfrm>
+          <a:off x="2559843" y="610567"/>
+          <a:ext cx="122039" cy="3556495"/>
+        </a:xfrm>
+        <a:custGeom>
+          <a:avLst/>
+          <a:gdLst/>
+          <a:ahLst/>
+          <a:cxnLst/>
+          <a:rect l="0" t="0" r="0" b="0"/>
+          <a:pathLst>
+            <a:path>
+              <a:moveTo>
+                <a:pt x="0" y="0"/>
+              </a:moveTo>
+              <a:lnTo>
+                <a:pt x="0" y="3556495"/>
+              </a:lnTo>
+              <a:lnTo>
+                <a:pt x="122039" y="3556495"/>
+              </a:lnTo>
+            </a:path>
+          </a:pathLst>
+        </a:custGeom>
+        <a:noFill/>
+        <a:ln w="25400" cap="flat" cmpd="sng" algn="ctr">
+          <a:solidFill>
+            <a:schemeClr val="accent1">
+              <a:shade val="60000"/>
+              <a:hueOff val="0"/>
+              <a:satOff val="0"/>
+              <a:lumOff val="0"/>
+              <a:alphaOff val="0"/>
+            </a:schemeClr>
+          </a:solidFill>
+          <a:prstDash val="solid"/>
+        </a:ln>
+        <a:effectLst/>
+      </dsp:spPr>
+      <dsp:style>
+        <a:lnRef idx="2">
+          <a:scrgbClr r="0" g="0" b="0"/>
+        </a:lnRef>
+        <a:fillRef idx="0">
+          <a:scrgbClr r="0" g="0" b="0"/>
+        </a:fillRef>
+        <a:effectRef idx="0">
+          <a:scrgbClr r="0" g="0" b="0"/>
+        </a:effectRef>
+        <a:fontRef idx="minor"/>
+      </dsp:style>
+    </dsp:sp>
+    <dsp:sp modelId="{5A2BB121-DDEE-46A8-AC09-18496F773E62}">
+      <dsp:nvSpPr>
+        <dsp:cNvPr id="0" name=""/>
+        <dsp:cNvSpPr/>
+      </dsp:nvSpPr>
+      <dsp:spPr>
+        <a:xfrm>
+          <a:off x="2681882" y="3814092"/>
+          <a:ext cx="976312" cy="705941"/>
+        </a:xfrm>
+        <a:prstGeom prst="roundRect">
+          <a:avLst>
+            <a:gd name="adj" fmla="val 10000"/>
+          </a:avLst>
+        </a:prstGeom>
+        <a:solidFill>
+          <a:prstClr val="white">
+            <a:alpha val="90000"/>
+            <a:hueOff val="0"/>
+            <a:satOff val="0"/>
+            <a:lumOff val="0"/>
+            <a:alphaOff val="0"/>
+          </a:prstClr>
+        </a:solidFill>
+        <a:ln w="25400" cap="flat" cmpd="sng" algn="ctr">
+          <a:solidFill>
+            <a:srgbClr val="4F81BD">
+              <a:hueOff val="0"/>
+              <a:satOff val="0"/>
+              <a:lumOff val="0"/>
+              <a:alphaOff val="0"/>
+            </a:srgbClr>
+          </a:solidFill>
+          <a:prstDash val="solid"/>
+        </a:ln>
+        <a:effectLst/>
+      </dsp:spPr>
+      <dsp:style>
+        <a:lnRef idx="2">
+          <a:scrgbClr r="0" g="0" b="0"/>
+        </a:lnRef>
+        <a:fillRef idx="1">
+          <a:scrgbClr r="0" g="0" b="0"/>
+        </a:fillRef>
+        <a:effectRef idx="0">
+          <a:scrgbClr r="0" g="0" b="0"/>
+        </a:effectRef>
+        <a:fontRef idx="minor"/>
+      </dsp:style>
+      <dsp:txBody>
+        <a:bodyPr spcFirstLastPara="0" vert="horz" wrap="square" lIns="22860" tIns="15240" rIns="22860" bIns="15240" numCol="1" spcCol="1270" anchor="ctr" anchorCtr="0">
+          <a:noAutofit/>
+        </a:bodyPr>
+        <a:lstStyle/>
+        <a:p>
+          <a:pPr marL="0" lvl="0" indent="0" algn="ctr" defTabSz="533400">
+            <a:lnSpc>
+              <a:spcPct val="90000"/>
+            </a:lnSpc>
+            <a:spcBef>
+              <a:spcPct val="0"/>
+            </a:spcBef>
+            <a:spcAft>
+              <a:spcPct val="35000"/>
+            </a:spcAft>
+            <a:buNone/>
+          </a:pPr>
+          <a:r>
+            <a:rPr lang="en-US" sz="1200" kern="1200" dirty="0"/>
+            <a:t>Thinking </a:t>
+          </a:r>
+          <a:r>
+            <a:rPr lang="en-US" sz="1200" kern="1200" dirty="0">
+              <a:solidFill>
+                <a:prstClr val="black">
+                  <a:hueOff val="0"/>
+                  <a:satOff val="0"/>
+                  <a:lumOff val="0"/>
+                  <a:alphaOff val="0"/>
+                </a:prstClr>
+              </a:solidFill>
+              <a:latin typeface="Calibri"/>
+              <a:ea typeface="+mn-ea"/>
+              <a:cs typeface="+mn-cs"/>
+            </a:rPr>
+            <a:t>about</a:t>
+          </a:r>
+          <a:r>
+            <a:rPr lang="en-US" sz="1200" kern="1200" dirty="0"/>
+            <a:t> Efficiency</a:t>
+          </a:r>
+        </a:p>
+      </dsp:txBody>
+      <dsp:txXfrm>
+        <a:off x="2702558" y="3834768"/>
+        <a:ext cx="934960" cy="664589"/>
+      </dsp:txXfrm>
+    </dsp:sp>
+    <dsp:sp modelId="{3DB7ADFA-DCAB-4034-9F43-B860EBE864E8}">
+      <dsp:nvSpPr>
+        <dsp:cNvPr id="0" name=""/>
+        <dsp:cNvSpPr/>
+      </dsp:nvSpPr>
+      <dsp:spPr>
+        <a:xfrm>
+          <a:off x="3963292" y="372"/>
+          <a:ext cx="1220390" cy="610195"/>
+        </a:xfrm>
+        <a:prstGeom prst="roundRect">
+          <a:avLst>
+            <a:gd name="adj" fmla="val 10000"/>
+          </a:avLst>
+        </a:prstGeom>
+        <a:solidFill>
+          <a:schemeClr val="accent1">
+            <a:hueOff val="0"/>
+            <a:satOff val="0"/>
+            <a:lumOff val="0"/>
+            <a:alphaOff val="0"/>
+          </a:schemeClr>
+        </a:solidFill>
+        <a:ln w="25400" cap="flat" cmpd="sng" algn="ctr">
+          <a:solidFill>
+            <a:schemeClr val="lt1">
+              <a:hueOff val="0"/>
+              <a:satOff val="0"/>
+              <a:lumOff val="0"/>
+              <a:alphaOff val="0"/>
+            </a:schemeClr>
+          </a:solidFill>
+          <a:prstDash val="solid"/>
+        </a:ln>
+        <a:effectLst/>
+      </dsp:spPr>
+      <dsp:style>
+        <a:lnRef idx="2">
+          <a:scrgbClr r="0" g="0" b="0"/>
+        </a:lnRef>
+        <a:fillRef idx="1">
+          <a:scrgbClr r="0" g="0" b="0"/>
+        </a:fillRef>
+        <a:effectRef idx="0">
+          <a:scrgbClr r="0" g="0" b="0"/>
+        </a:effectRef>
+        <a:fontRef idx="minor">
+          <a:schemeClr val="lt1"/>
+        </a:fontRef>
+      </dsp:style>
+      <dsp:txBody>
+        <a:bodyPr spcFirstLastPara="0" vert="horz" wrap="square" lIns="24765" tIns="16510" rIns="24765" bIns="16510" numCol="1" spcCol="1270" anchor="ctr" anchorCtr="0">
+          <a:noAutofit/>
+        </a:bodyPr>
+        <a:lstStyle/>
+        <a:p>
+          <a:pPr marL="0" lvl="0" indent="0" algn="ctr" defTabSz="577850">
+            <a:lnSpc>
+              <a:spcPct val="90000"/>
+            </a:lnSpc>
+            <a:spcBef>
+              <a:spcPct val="0"/>
+            </a:spcBef>
+            <a:spcAft>
+              <a:spcPct val="35000"/>
+            </a:spcAft>
+            <a:buNone/>
+          </a:pPr>
+          <a:r>
+            <a:rPr lang="en-US" sz="1300" kern="1200" dirty="0"/>
+            <a:t>Object-Oriented Programming</a:t>
+          </a:r>
+        </a:p>
+      </dsp:txBody>
+      <dsp:txXfrm>
+        <a:off x="3981164" y="18244"/>
+        <a:ext cx="1184646" cy="574451"/>
+      </dsp:txXfrm>
+    </dsp:sp>
+    <dsp:sp modelId="{278D3975-9588-4A95-85BD-D062BB0AE1A4}">
+      <dsp:nvSpPr>
+        <dsp:cNvPr id="0" name=""/>
+        <dsp:cNvSpPr/>
+      </dsp:nvSpPr>
+      <dsp:spPr>
+        <a:xfrm>
+          <a:off x="4085332" y="610567"/>
+          <a:ext cx="122039" cy="457646"/>
+        </a:xfrm>
+        <a:custGeom>
+          <a:avLst/>
+          <a:gdLst/>
+          <a:ahLst/>
+          <a:cxnLst/>
+          <a:rect l="0" t="0" r="0" b="0"/>
+          <a:pathLst>
+            <a:path>
+              <a:moveTo>
+                <a:pt x="0" y="0"/>
+              </a:moveTo>
+              <a:lnTo>
+                <a:pt x="0" y="457646"/>
+              </a:lnTo>
+              <a:lnTo>
+                <a:pt x="122039" y="457646"/>
+              </a:lnTo>
+            </a:path>
+          </a:pathLst>
+        </a:custGeom>
+        <a:noFill/>
+        <a:ln w="25400" cap="flat" cmpd="sng" algn="ctr">
+          <a:solidFill>
+            <a:schemeClr val="accent1">
+              <a:shade val="60000"/>
+              <a:hueOff val="0"/>
+              <a:satOff val="0"/>
+              <a:lumOff val="0"/>
+              <a:alphaOff val="0"/>
+            </a:schemeClr>
+          </a:solidFill>
+          <a:prstDash val="solid"/>
+        </a:ln>
+        <a:effectLst/>
+      </dsp:spPr>
+      <dsp:style>
+        <a:lnRef idx="2">
+          <a:scrgbClr r="0" g="0" b="0"/>
+        </a:lnRef>
+        <a:fillRef idx="0">
+          <a:scrgbClr r="0" g="0" b="0"/>
+        </a:fillRef>
+        <a:effectRef idx="0">
+          <a:scrgbClr r="0" g="0" b="0"/>
+        </a:effectRef>
+        <a:fontRef idx="minor"/>
+      </dsp:style>
+    </dsp:sp>
+    <dsp:sp modelId="{EDB6085A-8F2B-4B84-887D-9DD4BEC6E4E1}">
+      <dsp:nvSpPr>
+        <dsp:cNvPr id="0" name=""/>
+        <dsp:cNvSpPr/>
+      </dsp:nvSpPr>
+      <dsp:spPr>
+        <a:xfrm>
+          <a:off x="4207371" y="763116"/>
+          <a:ext cx="976312" cy="610195"/>
+        </a:xfrm>
+        <a:prstGeom prst="roundRect">
+          <a:avLst>
+            <a:gd name="adj" fmla="val 10000"/>
+          </a:avLst>
+        </a:prstGeom>
+        <a:solidFill>
+          <a:prstClr val="white">
+            <a:alpha val="90000"/>
+            <a:hueOff val="0"/>
+            <a:satOff val="0"/>
+            <a:lumOff val="0"/>
+            <a:alphaOff val="0"/>
+          </a:prstClr>
+        </a:solidFill>
+        <a:ln w="25400" cap="flat" cmpd="sng" algn="ctr">
+          <a:solidFill>
+            <a:srgbClr val="4F81BD">
+              <a:hueOff val="0"/>
+              <a:satOff val="0"/>
+              <a:lumOff val="0"/>
+              <a:alphaOff val="0"/>
+            </a:srgbClr>
+          </a:solidFill>
+          <a:prstDash val="solid"/>
+        </a:ln>
+        <a:effectLst/>
+      </dsp:spPr>
+      <dsp:style>
+        <a:lnRef idx="2">
+          <a:scrgbClr r="0" g="0" b="0"/>
+        </a:lnRef>
+        <a:fillRef idx="1">
+          <a:scrgbClr r="0" g="0" b="0"/>
+        </a:fillRef>
+        <a:effectRef idx="0">
+          <a:scrgbClr r="0" g="0" b="0"/>
+        </a:effectRef>
+        <a:fontRef idx="minor"/>
+      </dsp:style>
+      <dsp:txBody>
+        <a:bodyPr spcFirstLastPara="0" vert="horz" wrap="square" lIns="22860" tIns="15240" rIns="22860" bIns="15240" numCol="1" spcCol="1270" anchor="ctr" anchorCtr="0">
+          <a:noAutofit/>
+        </a:bodyPr>
+        <a:lstStyle/>
+        <a:p>
+          <a:pPr marL="0" lvl="0" indent="0" algn="ctr" defTabSz="533400">
+            <a:lnSpc>
+              <a:spcPct val="90000"/>
+            </a:lnSpc>
+            <a:spcBef>
+              <a:spcPct val="0"/>
+            </a:spcBef>
+            <a:spcAft>
+              <a:spcPct val="35000"/>
+            </a:spcAft>
+            <a:buNone/>
+          </a:pPr>
+          <a:r>
+            <a:rPr lang="en-US" sz="1200" kern="1200" dirty="0">
+              <a:solidFill>
+                <a:prstClr val="black">
+                  <a:hueOff val="0"/>
+                  <a:satOff val="0"/>
+                  <a:lumOff val="0"/>
+                  <a:alphaOff val="0"/>
+                </a:prstClr>
+              </a:solidFill>
+              <a:latin typeface="Calibri"/>
+              <a:ea typeface="+mn-ea"/>
+              <a:cs typeface="+mn-cs"/>
+            </a:rPr>
+            <a:t>Interfaces</a:t>
+          </a:r>
+          <a:r>
+            <a:rPr lang="en-US" sz="1200" kern="1200" dirty="0"/>
+            <a:t> and Classes</a:t>
+          </a:r>
+        </a:p>
+      </dsp:txBody>
+      <dsp:txXfrm>
+        <a:off x="4225243" y="780988"/>
+        <a:ext cx="940568" cy="574451"/>
+      </dsp:txXfrm>
+    </dsp:sp>
+    <dsp:sp modelId="{9C05BE7E-FC1F-4CC6-8FAB-3504F91E9A3A}">
+      <dsp:nvSpPr>
+        <dsp:cNvPr id="0" name=""/>
+        <dsp:cNvSpPr/>
+      </dsp:nvSpPr>
+      <dsp:spPr>
+        <a:xfrm>
+          <a:off x="4085332" y="610567"/>
+          <a:ext cx="122039" cy="1220390"/>
+        </a:xfrm>
+        <a:custGeom>
+          <a:avLst/>
+          <a:gdLst/>
+          <a:ahLst/>
+          <a:cxnLst/>
+          <a:rect l="0" t="0" r="0" b="0"/>
+          <a:pathLst>
+            <a:path>
+              <a:moveTo>
+                <a:pt x="0" y="0"/>
+              </a:moveTo>
+              <a:lnTo>
+                <a:pt x="0" y="1220390"/>
+              </a:lnTo>
+              <a:lnTo>
+                <a:pt x="122039" y="1220390"/>
+              </a:lnTo>
+            </a:path>
+          </a:pathLst>
+        </a:custGeom>
+        <a:noFill/>
+        <a:ln w="25400" cap="flat" cmpd="sng" algn="ctr">
+          <a:solidFill>
+            <a:schemeClr val="accent1">
+              <a:shade val="60000"/>
+              <a:hueOff val="0"/>
+              <a:satOff val="0"/>
+              <a:lumOff val="0"/>
+              <a:alphaOff val="0"/>
+            </a:schemeClr>
+          </a:solidFill>
+          <a:prstDash val="solid"/>
+        </a:ln>
+        <a:effectLst/>
+      </dsp:spPr>
+      <dsp:style>
+        <a:lnRef idx="2">
+          <a:scrgbClr r="0" g="0" b="0"/>
+        </a:lnRef>
+        <a:fillRef idx="0">
+          <a:scrgbClr r="0" g="0" b="0"/>
+        </a:fillRef>
+        <a:effectRef idx="0">
+          <a:scrgbClr r="0" g="0" b="0"/>
+        </a:effectRef>
+        <a:fontRef idx="minor"/>
+      </dsp:style>
+    </dsp:sp>
+    <dsp:sp modelId="{DA978C10-45FD-4D26-8760-9D8C9CF54865}">
+      <dsp:nvSpPr>
+        <dsp:cNvPr id="0" name=""/>
+        <dsp:cNvSpPr/>
+      </dsp:nvSpPr>
+      <dsp:spPr>
+        <a:xfrm>
+          <a:off x="4207371" y="1525860"/>
+          <a:ext cx="976312" cy="610195"/>
+        </a:xfrm>
+        <a:prstGeom prst="roundRect">
+          <a:avLst>
+            <a:gd name="adj" fmla="val 10000"/>
+          </a:avLst>
+        </a:prstGeom>
+        <a:solidFill>
+          <a:srgbClr val="C0504D">
+            <a:lumMod val="60000"/>
+            <a:lumOff val="40000"/>
+            <a:alpha val="90000"/>
+          </a:srgbClr>
+        </a:solidFill>
+        <a:ln w="25400" cap="flat" cmpd="sng" algn="ctr">
+          <a:noFill/>
+          <a:prstDash val="solid"/>
+        </a:ln>
+        <a:effectLst/>
+      </dsp:spPr>
+      <dsp:style>
+        <a:lnRef idx="2">
+          <a:scrgbClr r="0" g="0" b="0"/>
+        </a:lnRef>
+        <a:fillRef idx="1">
+          <a:scrgbClr r="0" g="0" b="0"/>
+        </a:fillRef>
+        <a:effectRef idx="0">
+          <a:scrgbClr r="0" g="0" b="0"/>
+        </a:effectRef>
+        <a:fontRef idx="minor"/>
+      </dsp:style>
+      <dsp:txBody>
+        <a:bodyPr spcFirstLastPara="0" vert="horz" wrap="square" lIns="19050" tIns="12700" rIns="19050" bIns="12700" numCol="1" spcCol="1270" anchor="ctr" anchorCtr="0">
+          <a:noAutofit/>
+        </a:bodyPr>
+        <a:lstStyle/>
+        <a:p>
+          <a:pPr marL="0" lvl="0" indent="0" algn="ctr" defTabSz="533400">
+            <a:lnSpc>
+              <a:spcPct val="90000"/>
+            </a:lnSpc>
+            <a:spcBef>
+              <a:spcPct val="0"/>
+            </a:spcBef>
+            <a:spcAft>
+              <a:spcPct val="35000"/>
+            </a:spcAft>
+            <a:buNone/>
+          </a:pPr>
+          <a:r>
+            <a:rPr lang="en-US" sz="1200" kern="1200" dirty="0"/>
+            <a:t>Implementing ADTs in Java</a:t>
+          </a:r>
+        </a:p>
+      </dsp:txBody>
+      <dsp:txXfrm>
+        <a:off x="4225243" y="1543732"/>
+        <a:ext cx="940568" cy="574451"/>
+      </dsp:txXfrm>
+    </dsp:sp>
+    <dsp:sp modelId="{FF100697-267A-4BC5-8DA9-B1F7321DFE84}">
+      <dsp:nvSpPr>
+        <dsp:cNvPr id="0" name=""/>
+        <dsp:cNvSpPr/>
+      </dsp:nvSpPr>
+      <dsp:spPr>
+        <a:xfrm>
+          <a:off x="4085332" y="610567"/>
+          <a:ext cx="122039" cy="1983134"/>
+        </a:xfrm>
+        <a:custGeom>
+          <a:avLst/>
+          <a:gdLst/>
+          <a:ahLst/>
+          <a:cxnLst/>
+          <a:rect l="0" t="0" r="0" b="0"/>
+          <a:pathLst>
+            <a:path>
+              <a:moveTo>
+                <a:pt x="0" y="0"/>
+              </a:moveTo>
+              <a:lnTo>
+                <a:pt x="0" y="1983134"/>
+              </a:lnTo>
+              <a:lnTo>
+                <a:pt x="122039" y="1983134"/>
+              </a:lnTo>
+            </a:path>
+          </a:pathLst>
+        </a:custGeom>
+        <a:noFill/>
+        <a:ln w="25400" cap="flat" cmpd="sng" algn="ctr">
+          <a:solidFill>
+            <a:schemeClr val="accent1">
+              <a:shade val="60000"/>
+              <a:hueOff val="0"/>
+              <a:satOff val="0"/>
+              <a:lumOff val="0"/>
+              <a:alphaOff val="0"/>
+            </a:schemeClr>
+          </a:solidFill>
+          <a:prstDash val="solid"/>
+        </a:ln>
+        <a:effectLst/>
+      </dsp:spPr>
+      <dsp:style>
+        <a:lnRef idx="2">
+          <a:scrgbClr r="0" g="0" b="0"/>
+        </a:lnRef>
+        <a:fillRef idx="0">
+          <a:scrgbClr r="0" g="0" b="0"/>
+        </a:fillRef>
+        <a:effectRef idx="0">
+          <a:scrgbClr r="0" g="0" b="0"/>
+        </a:effectRef>
+        <a:fontRef idx="minor"/>
+      </dsp:style>
+    </dsp:sp>
+    <dsp:sp modelId="{291D5A65-BA4D-4BF4-8D0F-050F9D81FBB6}">
+      <dsp:nvSpPr>
+        <dsp:cNvPr id="0" name=""/>
+        <dsp:cNvSpPr/>
+      </dsp:nvSpPr>
+      <dsp:spPr>
+        <a:xfrm>
+          <a:off x="4207371" y="2288604"/>
+          <a:ext cx="976312" cy="610195"/>
+        </a:xfrm>
+        <a:prstGeom prst="roundRect">
+          <a:avLst>
+            <a:gd name="adj" fmla="val 10000"/>
+          </a:avLst>
+        </a:prstGeom>
+        <a:solidFill>
+          <a:schemeClr val="lt1">
+            <a:alpha val="90000"/>
+            <a:hueOff val="0"/>
+            <a:satOff val="0"/>
+            <a:lumOff val="0"/>
+            <a:alphaOff val="0"/>
+          </a:schemeClr>
+        </a:solidFill>
+        <a:ln w="25400" cap="flat" cmpd="sng" algn="ctr">
+          <a:solidFill>
+            <a:schemeClr val="accent1">
+              <a:hueOff val="0"/>
+              <a:satOff val="0"/>
+              <a:lumOff val="0"/>
+              <a:alphaOff val="0"/>
+            </a:schemeClr>
+          </a:solidFill>
+          <a:prstDash val="solid"/>
+        </a:ln>
+        <a:effectLst/>
+      </dsp:spPr>
+      <dsp:style>
+        <a:lnRef idx="2">
+          <a:scrgbClr r="0" g="0" b="0"/>
+        </a:lnRef>
+        <a:fillRef idx="1">
+          <a:scrgbClr r="0" g="0" b="0"/>
+        </a:fillRef>
+        <a:effectRef idx="0">
+          <a:scrgbClr r="0" g="0" b="0"/>
+        </a:effectRef>
+        <a:fontRef idx="minor"/>
+      </dsp:style>
+      <dsp:txBody>
+        <a:bodyPr spcFirstLastPara="0" vert="horz" wrap="square" lIns="28575" tIns="19050" rIns="28575" bIns="19050" numCol="1" spcCol="1270" anchor="ctr" anchorCtr="0">
+          <a:noAutofit/>
+        </a:bodyPr>
+        <a:lstStyle/>
+        <a:p>
+          <a:pPr marL="0" lvl="0" indent="0" algn="ctr" defTabSz="666750">
+            <a:lnSpc>
+              <a:spcPct val="90000"/>
+            </a:lnSpc>
+            <a:spcBef>
+              <a:spcPct val="0"/>
+            </a:spcBef>
+            <a:spcAft>
+              <a:spcPct val="35000"/>
+            </a:spcAft>
+            <a:buNone/>
+          </a:pPr>
+          <a:r>
+            <a:rPr lang="en-US" sz="1500" kern="1200" dirty="0"/>
+            <a:t>Inheritance</a:t>
+          </a:r>
+        </a:p>
+      </dsp:txBody>
+      <dsp:txXfrm>
+        <a:off x="4225243" y="2306476"/>
+        <a:ext cx="940568" cy="574451"/>
+      </dsp:txXfrm>
+    </dsp:sp>
+    <dsp:sp modelId="{6B27DFF3-3021-4E99-BF73-829A6255425D}">
+      <dsp:nvSpPr>
+        <dsp:cNvPr id="0" name=""/>
+        <dsp:cNvSpPr/>
+      </dsp:nvSpPr>
+      <dsp:spPr>
+        <a:xfrm>
+          <a:off x="4085332" y="610567"/>
+          <a:ext cx="122039" cy="2745878"/>
+        </a:xfrm>
+        <a:custGeom>
+          <a:avLst/>
+          <a:gdLst/>
+          <a:ahLst/>
+          <a:cxnLst/>
+          <a:rect l="0" t="0" r="0" b="0"/>
+          <a:pathLst>
+            <a:path>
+              <a:moveTo>
+                <a:pt x="0" y="0"/>
+              </a:moveTo>
+              <a:lnTo>
+                <a:pt x="0" y="2745878"/>
+              </a:lnTo>
+              <a:lnTo>
+                <a:pt x="122039" y="2745878"/>
+              </a:lnTo>
+            </a:path>
+          </a:pathLst>
+        </a:custGeom>
+        <a:noFill/>
+        <a:ln w="25400" cap="flat" cmpd="sng" algn="ctr">
+          <a:solidFill>
+            <a:schemeClr val="accent1">
+              <a:shade val="60000"/>
+              <a:hueOff val="0"/>
+              <a:satOff val="0"/>
+              <a:lumOff val="0"/>
+              <a:alphaOff val="0"/>
+            </a:schemeClr>
+          </a:solidFill>
+          <a:prstDash val="solid"/>
+        </a:ln>
+        <a:effectLst/>
+      </dsp:spPr>
+      <dsp:style>
+        <a:lnRef idx="2">
+          <a:scrgbClr r="0" g="0" b="0"/>
+        </a:lnRef>
+        <a:fillRef idx="0">
+          <a:scrgbClr r="0" g="0" b="0"/>
+        </a:fillRef>
+        <a:effectRef idx="0">
+          <a:scrgbClr r="0" g="0" b="0"/>
+        </a:effectRef>
+        <a:fontRef idx="minor"/>
+      </dsp:style>
+    </dsp:sp>
+    <dsp:sp modelId="{88C17E61-7A2A-46D7-AC95-5E562286A33E}">
+      <dsp:nvSpPr>
+        <dsp:cNvPr id="0" name=""/>
+        <dsp:cNvSpPr/>
+      </dsp:nvSpPr>
+      <dsp:spPr>
+        <a:xfrm>
+          <a:off x="4207371" y="3051348"/>
+          <a:ext cx="976312" cy="610195"/>
+        </a:xfrm>
+        <a:prstGeom prst="roundRect">
+          <a:avLst>
+            <a:gd name="adj" fmla="val 10000"/>
+          </a:avLst>
+        </a:prstGeom>
+        <a:solidFill>
+          <a:schemeClr val="lt1">
+            <a:alpha val="90000"/>
+            <a:hueOff val="0"/>
+            <a:satOff val="0"/>
+            <a:lumOff val="0"/>
+            <a:alphaOff val="0"/>
+          </a:schemeClr>
+        </a:solidFill>
+        <a:ln w="25400" cap="flat" cmpd="sng" algn="ctr">
+          <a:solidFill>
+            <a:schemeClr val="accent1">
+              <a:hueOff val="0"/>
+              <a:satOff val="0"/>
+              <a:lumOff val="0"/>
+              <a:alphaOff val="0"/>
+            </a:schemeClr>
+          </a:solidFill>
+          <a:prstDash val="solid"/>
+        </a:ln>
+        <a:effectLst/>
+      </dsp:spPr>
+      <dsp:style>
+        <a:lnRef idx="2">
+          <a:scrgbClr r="0" g="0" b="0"/>
+        </a:lnRef>
+        <a:fillRef idx="1">
+          <a:scrgbClr r="0" g="0" b="0"/>
+        </a:fillRef>
+        <a:effectRef idx="0">
+          <a:scrgbClr r="0" g="0" b="0"/>
+        </a:effectRef>
+        <a:fontRef idx="minor"/>
+      </dsp:style>
+      <dsp:txBody>
+        <a:bodyPr spcFirstLastPara="0" vert="horz" wrap="square" lIns="28575" tIns="19050" rIns="28575" bIns="19050" numCol="1" spcCol="1270" anchor="ctr" anchorCtr="0">
+          <a:noAutofit/>
+        </a:bodyPr>
+        <a:lstStyle/>
+        <a:p>
+          <a:pPr marL="0" lvl="0" indent="0" algn="ctr" defTabSz="666750">
+            <a:lnSpc>
+              <a:spcPct val="90000"/>
+            </a:lnSpc>
+            <a:spcBef>
+              <a:spcPct val="0"/>
+            </a:spcBef>
+            <a:spcAft>
+              <a:spcPct val="35000"/>
+            </a:spcAft>
+            <a:buNone/>
+          </a:pPr>
+          <a:r>
+            <a:rPr lang="en-US" sz="1500" kern="1200" dirty="0"/>
+            <a:t>Bonus Material</a:t>
+          </a:r>
+        </a:p>
+      </dsp:txBody>
+      <dsp:txXfrm>
+        <a:off x="4225243" y="3069220"/>
+        <a:ext cx="940568" cy="574451"/>
+      </dsp:txXfrm>
+    </dsp:sp>
+  </dsp:spTree>
+</dsp:drawing>
+</file>
+
 <file path=ppt/diagrams/layout1.xml><?xml version="1.0" encoding="utf-8"?>
 <dgm:layoutDef xmlns:dgm="http://schemas.openxmlformats.org/drawingml/2006/diagram" xmlns:a="http://schemas.openxmlformats.org/drawingml/2006/main" uniqueId="urn:microsoft.com/office/officeart/2005/8/layout/hierarchy3">
   <dgm:title val=""/>
@@ -11786,6 +15751,298 @@
 </dgm:layoutDef>
 </file>
 
+<file path=ppt/diagrams/layout4.xml><?xml version="1.0" encoding="utf-8"?>
+<dgm:layoutDef xmlns:dgm="http://schemas.openxmlformats.org/drawingml/2006/diagram" xmlns:a="http://schemas.openxmlformats.org/drawingml/2006/main" uniqueId="urn:microsoft.com/office/officeart/2005/8/layout/hierarchy3">
+  <dgm:title val=""/>
+  <dgm:desc val=""/>
+  <dgm:catLst>
+    <dgm:cat type="hierarchy" pri="7000"/>
+    <dgm:cat type="list" pri="23000"/>
+    <dgm:cat type="relationship" pri="15000"/>
+    <dgm:cat type="convert" pri="7000"/>
+  </dgm:catLst>
+  <dgm:sampData>
+    <dgm:dataModel>
+      <dgm:ptLst>
+        <dgm:pt modelId="0" type="doc"/>
+        <dgm:pt modelId="1">
+          <dgm:prSet phldr="1"/>
+        </dgm:pt>
+        <dgm:pt modelId="11">
+          <dgm:prSet phldr="1"/>
+        </dgm:pt>
+        <dgm:pt modelId="12">
+          <dgm:prSet phldr="1"/>
+        </dgm:pt>
+        <dgm:pt modelId="2">
+          <dgm:prSet phldr="1"/>
+        </dgm:pt>
+        <dgm:pt modelId="21">
+          <dgm:prSet phldr="1"/>
+        </dgm:pt>
+        <dgm:pt modelId="22">
+          <dgm:prSet phldr="1"/>
+        </dgm:pt>
+      </dgm:ptLst>
+      <dgm:cxnLst>
+        <dgm:cxn modelId="4" srcId="0" destId="1" srcOrd="0" destOrd="0"/>
+        <dgm:cxn modelId="5" srcId="1" destId="11" srcOrd="0" destOrd="0"/>
+        <dgm:cxn modelId="6" srcId="1" destId="12" srcOrd="1" destOrd="0"/>
+        <dgm:cxn modelId="7" srcId="0" destId="2" srcOrd="1" destOrd="0"/>
+        <dgm:cxn modelId="8" srcId="2" destId="21" srcOrd="0" destOrd="0"/>
+        <dgm:cxn modelId="9" srcId="2" destId="22" srcOrd="1" destOrd="0"/>
+      </dgm:cxnLst>
+      <dgm:bg/>
+      <dgm:whole/>
+    </dgm:dataModel>
+  </dgm:sampData>
+  <dgm:styleData>
+    <dgm:dataModel>
+      <dgm:ptLst>
+        <dgm:pt modelId="0" type="doc"/>
+        <dgm:pt modelId="1"/>
+        <dgm:pt modelId="11"/>
+        <dgm:pt modelId="2"/>
+        <dgm:pt modelId="21"/>
+      </dgm:ptLst>
+      <dgm:cxnLst>
+        <dgm:cxn modelId="4" srcId="0" destId="1" srcOrd="0" destOrd="0"/>
+        <dgm:cxn modelId="5" srcId="0" destId="2" srcOrd="1" destOrd="0"/>
+        <dgm:cxn modelId="13" srcId="1" destId="11" srcOrd="0" destOrd="0"/>
+        <dgm:cxn modelId="23" srcId="2" destId="21" srcOrd="0" destOrd="0"/>
+      </dgm:cxnLst>
+      <dgm:bg/>
+      <dgm:whole/>
+    </dgm:dataModel>
+  </dgm:styleData>
+  <dgm:clrData>
+    <dgm:dataModel>
+      <dgm:ptLst>
+        <dgm:pt modelId="0" type="doc"/>
+        <dgm:pt modelId="1"/>
+        <dgm:pt modelId="11"/>
+        <dgm:pt modelId="2"/>
+        <dgm:pt modelId="21"/>
+        <dgm:pt modelId="3"/>
+        <dgm:pt modelId="31"/>
+        <dgm:pt modelId="4"/>
+        <dgm:pt modelId="41"/>
+      </dgm:ptLst>
+      <dgm:cxnLst>
+        <dgm:cxn modelId="5" srcId="0" destId="1" srcOrd="0" destOrd="0"/>
+        <dgm:cxn modelId="6" srcId="0" destId="2" srcOrd="1" destOrd="0"/>
+        <dgm:cxn modelId="7" srcId="0" destId="3" srcOrd="2" destOrd="0"/>
+        <dgm:cxn modelId="8" srcId="0" destId="4" srcOrd="3" destOrd="0"/>
+        <dgm:cxn modelId="13" srcId="1" destId="11" srcOrd="0" destOrd="0"/>
+        <dgm:cxn modelId="23" srcId="2" destId="21" srcOrd="0" destOrd="0"/>
+        <dgm:cxn modelId="33" srcId="3" destId="31" srcOrd="0" destOrd="0"/>
+        <dgm:cxn modelId="43" srcId="4" destId="41" srcOrd="0" destOrd="0"/>
+      </dgm:cxnLst>
+      <dgm:bg/>
+      <dgm:whole/>
+    </dgm:dataModel>
+  </dgm:clrData>
+  <dgm:layoutNode name="diagram">
+    <dgm:varLst>
+      <dgm:chPref val="1"/>
+      <dgm:dir/>
+      <dgm:animOne val="branch"/>
+      <dgm:animLvl val="lvl"/>
+      <dgm:resizeHandles/>
+    </dgm:varLst>
+    <dgm:choose name="Name0">
+      <dgm:if name="Name1" func="var" arg="dir" op="equ" val="norm">
+        <dgm:alg type="hierChild">
+          <dgm:param type="linDir" val="fromL"/>
+        </dgm:alg>
+      </dgm:if>
+      <dgm:else name="Name2">
+        <dgm:alg type="hierChild">
+          <dgm:param type="linDir" val="fromR"/>
+        </dgm:alg>
+      </dgm:else>
+    </dgm:choose>
+    <dgm:shape xmlns:r="http://schemas.openxmlformats.org/officeDocument/2006/relationships" r:blip="">
+      <dgm:adjLst/>
+    </dgm:shape>
+    <dgm:presOf/>
+    <dgm:constrLst>
+      <dgm:constr type="primFontSz" for="des" forName="rootText" op="equ" val="65"/>
+      <dgm:constr type="primFontSz" for="des" forName="childText" op="equ" val="65"/>
+      <dgm:constr type="w" for="des" forName="rootComposite" refType="w"/>
+      <dgm:constr type="h" for="des" forName="rootComposite" refType="w" fact="0.5"/>
+      <dgm:constr type="w" for="des" forName="childText" refType="w" refFor="des" refForName="rootComposite" fact="0.8"/>
+      <dgm:constr type="h" for="des" forName="childText" refType="h" refFor="des" refForName="rootComposite"/>
+      <dgm:constr type="sibSp" refType="w" refFor="des" refForName="rootComposite" fact="0.25"/>
+      <dgm:constr type="sibSp" for="des" forName="childShape" refType="h" refFor="des" refForName="childText" fact="0.25"/>
+      <dgm:constr type="sp" for="des" forName="root" refType="h" refFor="des" refForName="childText" fact="0.25"/>
+    </dgm:constrLst>
+    <dgm:ruleLst/>
+    <dgm:forEach name="Name3" axis="ch">
+      <dgm:forEach name="Name4" axis="self" ptType="node" cnt="1">
+        <dgm:layoutNode name="root">
+          <dgm:choose name="Name5">
+            <dgm:if name="Name6" func="var" arg="dir" op="equ" val="norm">
+              <dgm:alg type="hierRoot">
+                <dgm:param type="hierAlign" val="tL"/>
+              </dgm:alg>
+            </dgm:if>
+            <dgm:else name="Name7">
+              <dgm:alg type="hierRoot">
+                <dgm:param type="hierAlign" val="tR"/>
+              </dgm:alg>
+            </dgm:else>
+          </dgm:choose>
+          <dgm:shape xmlns:r="http://schemas.openxmlformats.org/officeDocument/2006/relationships" r:blip="">
+            <dgm:adjLst/>
+          </dgm:shape>
+          <dgm:presOf/>
+          <dgm:constrLst>
+            <dgm:constr type="alignOff" val="0.2"/>
+          </dgm:constrLst>
+          <dgm:ruleLst/>
+          <dgm:layoutNode name="rootComposite">
+            <dgm:alg type="composite"/>
+            <dgm:shape xmlns:r="http://schemas.openxmlformats.org/officeDocument/2006/relationships" r:blip="">
+              <dgm:adjLst/>
+            </dgm:shape>
+            <dgm:presOf axis="self" ptType="node" cnt="1"/>
+            <dgm:choose name="Name8">
+              <dgm:if name="Name9" func="var" arg="dir" op="equ" val="norm">
+                <dgm:constrLst>
+                  <dgm:constr type="l" for="ch" forName="rootText"/>
+                  <dgm:constr type="t" for="ch" forName="rootText"/>
+                  <dgm:constr type="w" for="ch" forName="rootText" refType="w"/>
+                  <dgm:constr type="h" for="ch" forName="rootText" refType="h"/>
+                  <dgm:constr type="l" for="ch" forName="rootConnector"/>
+                  <dgm:constr type="t" for="ch" forName="rootConnector"/>
+                  <dgm:constr type="w" for="ch" forName="rootConnector" refType="w" refFor="ch" refForName="rootText" fact="0.2"/>
+                  <dgm:constr type="h" for="ch" forName="rootConnector" refType="h" refFor="ch" refForName="rootText"/>
+                </dgm:constrLst>
+              </dgm:if>
+              <dgm:else name="Name10">
+                <dgm:constrLst>
+                  <dgm:constr type="l" for="ch" forName="rootText"/>
+                  <dgm:constr type="t" for="ch" forName="rootText"/>
+                  <dgm:constr type="w" for="ch" forName="rootText" refType="w"/>
+                  <dgm:constr type="h" for="ch" forName="rootText" refType="h"/>
+                  <dgm:constr type="r" for="ch" forName="rootConnector" refType="w"/>
+                  <dgm:constr type="t" for="ch" forName="rootConnector"/>
+                  <dgm:constr type="w" for="ch" forName="rootConnector" refType="w" refFor="ch" refForName="rootText" fact="0.2"/>
+                  <dgm:constr type="h" for="ch" forName="rootConnector" refType="h" refFor="ch" refForName="rootText"/>
+                </dgm:constrLst>
+              </dgm:else>
+            </dgm:choose>
+            <dgm:ruleLst/>
+            <dgm:layoutNode name="rootText" styleLbl="node1">
+              <dgm:alg type="tx"/>
+              <dgm:shape xmlns:r="http://schemas.openxmlformats.org/officeDocument/2006/relationships" type="roundRect" r:blip="">
+                <dgm:adjLst>
+                  <dgm:adj idx="1" val="0.1"/>
+                </dgm:adjLst>
+              </dgm:shape>
+              <dgm:presOf axis="self" ptType="node" cnt="1"/>
+              <dgm:constrLst>
+                <dgm:constr type="tMarg" refType="primFontSz" fact="0.1"/>
+                <dgm:constr type="bMarg" refType="primFontSz" fact="0.1"/>
+                <dgm:constr type="lMarg" refType="primFontSz" fact="0.15"/>
+                <dgm:constr type="rMarg" refType="primFontSz" fact="0.15"/>
+              </dgm:constrLst>
+              <dgm:ruleLst>
+                <dgm:rule type="primFontSz" val="5" fact="NaN" max="NaN"/>
+              </dgm:ruleLst>
+            </dgm:layoutNode>
+            <dgm:layoutNode name="rootConnector" moveWith="rootText">
+              <dgm:alg type="sp"/>
+              <dgm:shape xmlns:r="http://schemas.openxmlformats.org/officeDocument/2006/relationships" type="roundRect" r:blip="" hideGeom="1">
+                <dgm:adjLst>
+                  <dgm:adj idx="1" val="0.1"/>
+                </dgm:adjLst>
+              </dgm:shape>
+              <dgm:presOf axis="self" ptType="node" cnt="1"/>
+              <dgm:constrLst/>
+              <dgm:ruleLst/>
+            </dgm:layoutNode>
+          </dgm:layoutNode>
+          <dgm:layoutNode name="childShape">
+            <dgm:alg type="hierChild">
+              <dgm:param type="chAlign" val="l"/>
+              <dgm:param type="linDir" val="fromT"/>
+            </dgm:alg>
+            <dgm:shape xmlns:r="http://schemas.openxmlformats.org/officeDocument/2006/relationships" r:blip="">
+              <dgm:adjLst/>
+            </dgm:shape>
+            <dgm:presOf/>
+            <dgm:constrLst/>
+            <dgm:ruleLst/>
+            <dgm:forEach name="Name11" axis="ch">
+              <dgm:forEach name="Name12" axis="self" ptType="parTrans" cnt="1">
+                <dgm:layoutNode name="Name13">
+                  <dgm:choose name="Name14">
+                    <dgm:if name="Name15" func="var" arg="dir" op="equ" val="norm">
+                      <dgm:alg type="conn">
+                        <dgm:param type="dim" val="1D"/>
+                        <dgm:param type="endSty" val="noArr"/>
+                        <dgm:param type="connRout" val="bend"/>
+                        <dgm:param type="srcNode" val="rootConnector"/>
+                        <dgm:param type="begPts" val="bCtr"/>
+                        <dgm:param type="endPts" val="midL"/>
+                      </dgm:alg>
+                    </dgm:if>
+                    <dgm:else name="Name16">
+                      <dgm:alg type="conn">
+                        <dgm:param type="dim" val="1D"/>
+                        <dgm:param type="endSty" val="noArr"/>
+                        <dgm:param type="connRout" val="bend"/>
+                        <dgm:param type="srcNode" val="rootConnector"/>
+                        <dgm:param type="begPts" val="bCtr"/>
+                        <dgm:param type="endPts" val="midR"/>
+                      </dgm:alg>
+                    </dgm:else>
+                  </dgm:choose>
+                  <dgm:shape xmlns:r="http://schemas.openxmlformats.org/officeDocument/2006/relationships" type="conn" r:blip="">
+                    <dgm:adjLst/>
+                  </dgm:shape>
+                  <dgm:presOf axis="self"/>
+                  <dgm:constrLst>
+                    <dgm:constr type="begPad"/>
+                    <dgm:constr type="endPad"/>
+                  </dgm:constrLst>
+                  <dgm:ruleLst/>
+                </dgm:layoutNode>
+              </dgm:forEach>
+              <dgm:forEach name="Name17" axis="self" ptType="node">
+                <dgm:layoutNode name="childText" styleLbl="bgAcc1">
+                  <dgm:varLst>
+                    <dgm:bulletEnabled val="1"/>
+                  </dgm:varLst>
+                  <dgm:alg type="tx"/>
+                  <dgm:shape xmlns:r="http://schemas.openxmlformats.org/officeDocument/2006/relationships" type="roundRect" r:blip="">
+                    <dgm:adjLst>
+                      <dgm:adj idx="1" val="0.1"/>
+                    </dgm:adjLst>
+                  </dgm:shape>
+                  <dgm:presOf axis="self desOrSelf" ptType="node node" st="1 1" cnt="1 0"/>
+                  <dgm:constrLst>
+                    <dgm:constr type="tMarg" refType="primFontSz" fact="0.1"/>
+                    <dgm:constr type="bMarg" refType="primFontSz" fact="0.1"/>
+                    <dgm:constr type="lMarg" refType="primFontSz" fact="0.15"/>
+                    <dgm:constr type="rMarg" refType="primFontSz" fact="0.15"/>
+                  </dgm:constrLst>
+                  <dgm:ruleLst>
+                    <dgm:rule type="primFontSz" val="5" fact="NaN" max="NaN"/>
+                  </dgm:ruleLst>
+                </dgm:layoutNode>
+              </dgm:forEach>
+            </dgm:forEach>
+          </dgm:layoutNode>
+        </dgm:layoutNode>
+      </dgm:forEach>
+    </dgm:forEach>
+  </dgm:layoutNode>
+</dgm:layoutDef>
+</file>
+
 <file path=ppt/diagrams/quickStyle1.xml><?xml version="1.0" encoding="utf-8"?>
 <dgm:styleDef xmlns:dgm="http://schemas.openxmlformats.org/drawingml/2006/diagram" xmlns:a="http://schemas.openxmlformats.org/drawingml/2006/main" uniqueId="urn:microsoft.com/office/officeart/2005/8/quickstyle/simple1">
   <dgm:title val=""/>
@@ -13855,6 +18112,1040 @@
 </file>
 
 <file path=ppt/diagrams/quickStyle3.xml><?xml version="1.0" encoding="utf-8"?>
+<dgm:styleDef xmlns:dgm="http://schemas.openxmlformats.org/drawingml/2006/diagram" xmlns:a="http://schemas.openxmlformats.org/drawingml/2006/main" uniqueId="urn:microsoft.com/office/officeart/2005/8/quickstyle/simple1">
+  <dgm:title val=""/>
+  <dgm:desc val=""/>
+  <dgm:catLst>
+    <dgm:cat type="simple" pri="10100"/>
+  </dgm:catLst>
+  <dgm:scene3d>
+    <a:camera prst="orthographicFront"/>
+    <a:lightRig rig="threePt" dir="t"/>
+  </dgm:scene3d>
+  <dgm:styleLbl name="node0">
+    <dgm:scene3d>
+      <a:camera prst="orthographicFront"/>
+      <a:lightRig rig="threePt" dir="t"/>
+    </dgm:scene3d>
+    <dgm:sp3d/>
+    <dgm:txPr/>
+    <dgm:style>
+      <a:lnRef idx="2">
+        <a:scrgbClr r="0" g="0" b="0"/>
+      </a:lnRef>
+      <a:fillRef idx="1">
+        <a:scrgbClr r="0" g="0" b="0"/>
+      </a:fillRef>
+      <a:effectRef idx="0">
+        <a:scrgbClr r="0" g="0" b="0"/>
+      </a:effectRef>
+      <a:fontRef idx="minor">
+        <a:schemeClr val="lt1"/>
+      </a:fontRef>
+    </dgm:style>
+  </dgm:styleLbl>
+  <dgm:styleLbl name="lnNode1">
+    <dgm:scene3d>
+      <a:camera prst="orthographicFront"/>
+      <a:lightRig rig="threePt" dir="t"/>
+    </dgm:scene3d>
+    <dgm:sp3d/>
+    <dgm:txPr/>
+    <dgm:style>
+      <a:lnRef idx="2">
+        <a:scrgbClr r="0" g="0" b="0"/>
+      </a:lnRef>
+      <a:fillRef idx="1">
+        <a:scrgbClr r="0" g="0" b="0"/>
+      </a:fillRef>
+      <a:effectRef idx="0">
+        <a:scrgbClr r="0" g="0" b="0"/>
+      </a:effectRef>
+      <a:fontRef idx="minor">
+        <a:schemeClr val="lt1"/>
+      </a:fontRef>
+    </dgm:style>
+  </dgm:styleLbl>
+  <dgm:styleLbl name="vennNode1">
+    <dgm:scene3d>
+      <a:camera prst="orthographicFront"/>
+      <a:lightRig rig="threePt" dir="t"/>
+    </dgm:scene3d>
+    <dgm:sp3d/>
+    <dgm:txPr/>
+    <dgm:style>
+      <a:lnRef idx="2">
+        <a:scrgbClr r="0" g="0" b="0"/>
+      </a:lnRef>
+      <a:fillRef idx="1">
+        <a:scrgbClr r="0" g="0" b="0"/>
+      </a:fillRef>
+      <a:effectRef idx="0">
+        <a:scrgbClr r="0" g="0" b="0"/>
+      </a:effectRef>
+      <a:fontRef idx="minor">
+        <a:schemeClr val="tx1"/>
+      </a:fontRef>
+    </dgm:style>
+  </dgm:styleLbl>
+  <dgm:styleLbl name="alignNode1">
+    <dgm:scene3d>
+      <a:camera prst="orthographicFront"/>
+      <a:lightRig rig="threePt" dir="t"/>
+    </dgm:scene3d>
+    <dgm:sp3d/>
+    <dgm:txPr/>
+    <dgm:style>
+      <a:lnRef idx="2">
+        <a:scrgbClr r="0" g="0" b="0"/>
+      </a:lnRef>
+      <a:fillRef idx="1">
+        <a:scrgbClr r="0" g="0" b="0"/>
+      </a:fillRef>
+      <a:effectRef idx="0">
+        <a:scrgbClr r="0" g="0" b="0"/>
+      </a:effectRef>
+      <a:fontRef idx="minor">
+        <a:schemeClr val="lt1"/>
+      </a:fontRef>
+    </dgm:style>
+  </dgm:styleLbl>
+  <dgm:styleLbl name="node1">
+    <dgm:scene3d>
+      <a:camera prst="orthographicFront"/>
+      <a:lightRig rig="threePt" dir="t"/>
+    </dgm:scene3d>
+    <dgm:sp3d/>
+    <dgm:txPr/>
+    <dgm:style>
+      <a:lnRef idx="2">
+        <a:scrgbClr r="0" g="0" b="0"/>
+      </a:lnRef>
+      <a:fillRef idx="1">
+        <a:scrgbClr r="0" g="0" b="0"/>
+      </a:fillRef>
+      <a:effectRef idx="0">
+        <a:scrgbClr r="0" g="0" b="0"/>
+      </a:effectRef>
+      <a:fontRef idx="minor">
+        <a:schemeClr val="lt1"/>
+      </a:fontRef>
+    </dgm:style>
+  </dgm:styleLbl>
+  <dgm:styleLbl name="node2">
+    <dgm:scene3d>
+      <a:camera prst="orthographicFront"/>
+      <a:lightRig rig="threePt" dir="t"/>
+    </dgm:scene3d>
+    <dgm:sp3d/>
+    <dgm:txPr/>
+    <dgm:style>
+      <a:lnRef idx="2">
+        <a:scrgbClr r="0" g="0" b="0"/>
+      </a:lnRef>
+      <a:fillRef idx="1">
+        <a:scrgbClr r="0" g="0" b="0"/>
+      </a:fillRef>
+      <a:effectRef idx="0">
+        <a:scrgbClr r="0" g="0" b="0"/>
+      </a:effectRef>
+      <a:fontRef idx="minor">
+        <a:schemeClr val="lt1"/>
+      </a:fontRef>
+    </dgm:style>
+  </dgm:styleLbl>
+  <dgm:styleLbl name="node3">
+    <dgm:scene3d>
+      <a:camera prst="orthographicFront"/>
+      <a:lightRig rig="threePt" dir="t"/>
+    </dgm:scene3d>
+    <dgm:sp3d/>
+    <dgm:txPr/>
+    <dgm:style>
+      <a:lnRef idx="2">
+        <a:scrgbClr r="0" g="0" b="0"/>
+      </a:lnRef>
+      <a:fillRef idx="1">
+        <a:scrgbClr r="0" g="0" b="0"/>
+      </a:fillRef>
+      <a:effectRef idx="0">
+        <a:scrgbClr r="0" g="0" b="0"/>
+      </a:effectRef>
+      <a:fontRef idx="minor">
+        <a:schemeClr val="lt1"/>
+      </a:fontRef>
+    </dgm:style>
+  </dgm:styleLbl>
+  <dgm:styleLbl name="node4">
+    <dgm:scene3d>
+      <a:camera prst="orthographicFront"/>
+      <a:lightRig rig="threePt" dir="t"/>
+    </dgm:scene3d>
+    <dgm:sp3d/>
+    <dgm:txPr/>
+    <dgm:style>
+      <a:lnRef idx="2">
+        <a:scrgbClr r="0" g="0" b="0"/>
+      </a:lnRef>
+      <a:fillRef idx="1">
+        <a:scrgbClr r="0" g="0" b="0"/>
+      </a:fillRef>
+      <a:effectRef idx="0">
+        <a:scrgbClr r="0" g="0" b="0"/>
+      </a:effectRef>
+      <a:fontRef idx="minor">
+        <a:schemeClr val="lt1"/>
+      </a:fontRef>
+    </dgm:style>
+  </dgm:styleLbl>
+  <dgm:styleLbl name="fgImgPlace1">
+    <dgm:scene3d>
+      <a:camera prst="orthographicFront"/>
+      <a:lightRig rig="threePt" dir="t"/>
+    </dgm:scene3d>
+    <dgm:sp3d/>
+    <dgm:txPr/>
+    <dgm:style>
+      <a:lnRef idx="2">
+        <a:scrgbClr r="0" g="0" b="0"/>
+      </a:lnRef>
+      <a:fillRef idx="1">
+        <a:scrgbClr r="0" g="0" b="0"/>
+      </a:fillRef>
+      <a:effectRef idx="0">
+        <a:scrgbClr r="0" g="0" b="0"/>
+      </a:effectRef>
+      <a:fontRef idx="minor"/>
+    </dgm:style>
+  </dgm:styleLbl>
+  <dgm:styleLbl name="alignImgPlace1">
+    <dgm:scene3d>
+      <a:camera prst="orthographicFront"/>
+      <a:lightRig rig="threePt" dir="t"/>
+    </dgm:scene3d>
+    <dgm:sp3d/>
+    <dgm:txPr/>
+    <dgm:style>
+      <a:lnRef idx="2">
+        <a:scrgbClr r="0" g="0" b="0"/>
+      </a:lnRef>
+      <a:fillRef idx="1">
+        <a:scrgbClr r="0" g="0" b="0"/>
+      </a:fillRef>
+      <a:effectRef idx="0">
+        <a:scrgbClr r="0" g="0" b="0"/>
+      </a:effectRef>
+      <a:fontRef idx="minor"/>
+    </dgm:style>
+  </dgm:styleLbl>
+  <dgm:styleLbl name="bgImgPlace1">
+    <dgm:scene3d>
+      <a:camera prst="orthographicFront"/>
+      <a:lightRig rig="threePt" dir="t"/>
+    </dgm:scene3d>
+    <dgm:sp3d/>
+    <dgm:txPr/>
+    <dgm:style>
+      <a:lnRef idx="2">
+        <a:scrgbClr r="0" g="0" b="0"/>
+      </a:lnRef>
+      <a:fillRef idx="1">
+        <a:scrgbClr r="0" g="0" b="0"/>
+      </a:fillRef>
+      <a:effectRef idx="0">
+        <a:scrgbClr r="0" g="0" b="0"/>
+      </a:effectRef>
+      <a:fontRef idx="minor"/>
+    </dgm:style>
+  </dgm:styleLbl>
+  <dgm:styleLbl name="sibTrans2D1">
+    <dgm:scene3d>
+      <a:camera prst="orthographicFront"/>
+      <a:lightRig rig="threePt" dir="t"/>
+    </dgm:scene3d>
+    <dgm:sp3d/>
+    <dgm:txPr/>
+    <dgm:style>
+      <a:lnRef idx="0">
+        <a:scrgbClr r="0" g="0" b="0"/>
+      </a:lnRef>
+      <a:fillRef idx="1">
+        <a:scrgbClr r="0" g="0" b="0"/>
+      </a:fillRef>
+      <a:effectRef idx="0">
+        <a:scrgbClr r="0" g="0" b="0"/>
+      </a:effectRef>
+      <a:fontRef idx="minor">
+        <a:schemeClr val="lt1"/>
+      </a:fontRef>
+    </dgm:style>
+  </dgm:styleLbl>
+  <dgm:styleLbl name="fgSibTrans2D1">
+    <dgm:scene3d>
+      <a:camera prst="orthographicFront"/>
+      <a:lightRig rig="threePt" dir="t"/>
+    </dgm:scene3d>
+    <dgm:sp3d/>
+    <dgm:txPr/>
+    <dgm:style>
+      <a:lnRef idx="0">
+        <a:scrgbClr r="0" g="0" b="0"/>
+      </a:lnRef>
+      <a:fillRef idx="1">
+        <a:scrgbClr r="0" g="0" b="0"/>
+      </a:fillRef>
+      <a:effectRef idx="0">
+        <a:scrgbClr r="0" g="0" b="0"/>
+      </a:effectRef>
+      <a:fontRef idx="minor">
+        <a:schemeClr val="lt1"/>
+      </a:fontRef>
+    </dgm:style>
+  </dgm:styleLbl>
+  <dgm:styleLbl name="bgSibTrans2D1">
+    <dgm:scene3d>
+      <a:camera prst="orthographicFront"/>
+      <a:lightRig rig="threePt" dir="t"/>
+    </dgm:scene3d>
+    <dgm:sp3d/>
+    <dgm:txPr/>
+    <dgm:style>
+      <a:lnRef idx="0">
+        <a:scrgbClr r="0" g="0" b="0"/>
+      </a:lnRef>
+      <a:fillRef idx="1">
+        <a:scrgbClr r="0" g="0" b="0"/>
+      </a:fillRef>
+      <a:effectRef idx="0">
+        <a:scrgbClr r="0" g="0" b="0"/>
+      </a:effectRef>
+      <a:fontRef idx="minor">
+        <a:schemeClr val="lt1"/>
+      </a:fontRef>
+    </dgm:style>
+  </dgm:styleLbl>
+  <dgm:styleLbl name="sibTrans1D1">
+    <dgm:scene3d>
+      <a:camera prst="orthographicFront"/>
+      <a:lightRig rig="threePt" dir="t"/>
+    </dgm:scene3d>
+    <dgm:sp3d/>
+    <dgm:txPr/>
+    <dgm:style>
+      <a:lnRef idx="1">
+        <a:scrgbClr r="0" g="0" b="0"/>
+      </a:lnRef>
+      <a:fillRef idx="0">
+        <a:scrgbClr r="0" g="0" b="0"/>
+      </a:fillRef>
+      <a:effectRef idx="0">
+        <a:scrgbClr r="0" g="0" b="0"/>
+      </a:effectRef>
+      <a:fontRef idx="minor"/>
+    </dgm:style>
+  </dgm:styleLbl>
+  <dgm:styleLbl name="callout">
+    <dgm:scene3d>
+      <a:camera prst="orthographicFront"/>
+      <a:lightRig rig="threePt" dir="t"/>
+    </dgm:scene3d>
+    <dgm:sp3d/>
+    <dgm:txPr/>
+    <dgm:style>
+      <a:lnRef idx="2">
+        <a:scrgbClr r="0" g="0" b="0"/>
+      </a:lnRef>
+      <a:fillRef idx="1">
+        <a:scrgbClr r="0" g="0" b="0"/>
+      </a:fillRef>
+      <a:effectRef idx="0">
+        <a:scrgbClr r="0" g="0" b="0"/>
+      </a:effectRef>
+      <a:fontRef idx="minor"/>
+    </dgm:style>
+  </dgm:styleLbl>
+  <dgm:styleLbl name="asst0">
+    <dgm:scene3d>
+      <a:camera prst="orthographicFront"/>
+      <a:lightRig rig="threePt" dir="t"/>
+    </dgm:scene3d>
+    <dgm:sp3d/>
+    <dgm:txPr/>
+    <dgm:style>
+      <a:lnRef idx="2">
+        <a:scrgbClr r="0" g="0" b="0"/>
+      </a:lnRef>
+      <a:fillRef idx="1">
+        <a:scrgbClr r="0" g="0" b="0"/>
+      </a:fillRef>
+      <a:effectRef idx="0">
+        <a:scrgbClr r="0" g="0" b="0"/>
+      </a:effectRef>
+      <a:fontRef idx="minor">
+        <a:schemeClr val="lt1"/>
+      </a:fontRef>
+    </dgm:style>
+  </dgm:styleLbl>
+  <dgm:styleLbl name="asst1">
+    <dgm:scene3d>
+      <a:camera prst="orthographicFront"/>
+      <a:lightRig rig="threePt" dir="t"/>
+    </dgm:scene3d>
+    <dgm:sp3d/>
+    <dgm:txPr/>
+    <dgm:style>
+      <a:lnRef idx="2">
+        <a:scrgbClr r="0" g="0" b="0"/>
+      </a:lnRef>
+      <a:fillRef idx="1">
+        <a:scrgbClr r="0" g="0" b="0"/>
+      </a:fillRef>
+      <a:effectRef idx="0">
+        <a:scrgbClr r="0" g="0" b="0"/>
+      </a:effectRef>
+      <a:fontRef idx="minor">
+        <a:schemeClr val="lt1"/>
+      </a:fontRef>
+    </dgm:style>
+  </dgm:styleLbl>
+  <dgm:styleLbl name="asst2">
+    <dgm:scene3d>
+      <a:camera prst="orthographicFront"/>
+      <a:lightRig rig="threePt" dir="t"/>
+    </dgm:scene3d>
+    <dgm:sp3d/>
+    <dgm:txPr/>
+    <dgm:style>
+      <a:lnRef idx="2">
+        <a:scrgbClr r="0" g="0" b="0"/>
+      </a:lnRef>
+      <a:fillRef idx="1">
+        <a:scrgbClr r="0" g="0" b="0"/>
+      </a:fillRef>
+      <a:effectRef idx="0">
+        <a:scrgbClr r="0" g="0" b="0"/>
+      </a:effectRef>
+      <a:fontRef idx="minor">
+        <a:schemeClr val="lt1"/>
+      </a:fontRef>
+    </dgm:style>
+  </dgm:styleLbl>
+  <dgm:styleLbl name="asst3">
+    <dgm:scene3d>
+      <a:camera prst="orthographicFront"/>
+      <a:lightRig rig="threePt" dir="t"/>
+    </dgm:scene3d>
+    <dgm:sp3d/>
+    <dgm:txPr/>
+    <dgm:style>
+      <a:lnRef idx="2">
+        <a:scrgbClr r="0" g="0" b="0"/>
+      </a:lnRef>
+      <a:fillRef idx="1">
+        <a:scrgbClr r="0" g="0" b="0"/>
+      </a:fillRef>
+      <a:effectRef idx="0">
+        <a:scrgbClr r="0" g="0" b="0"/>
+      </a:effectRef>
+      <a:fontRef idx="minor">
+        <a:schemeClr val="lt1"/>
+      </a:fontRef>
+    </dgm:style>
+  </dgm:styleLbl>
+  <dgm:styleLbl name="asst4">
+    <dgm:scene3d>
+      <a:camera prst="orthographicFront"/>
+      <a:lightRig rig="threePt" dir="t"/>
+    </dgm:scene3d>
+    <dgm:sp3d/>
+    <dgm:txPr/>
+    <dgm:style>
+      <a:lnRef idx="2">
+        <a:scrgbClr r="0" g="0" b="0"/>
+      </a:lnRef>
+      <a:fillRef idx="1">
+        <a:scrgbClr r="0" g="0" b="0"/>
+      </a:fillRef>
+      <a:effectRef idx="0">
+        <a:scrgbClr r="0" g="0" b="0"/>
+      </a:effectRef>
+      <a:fontRef idx="minor">
+        <a:schemeClr val="lt1"/>
+      </a:fontRef>
+    </dgm:style>
+  </dgm:styleLbl>
+  <dgm:styleLbl name="parChTrans2D1">
+    <dgm:scene3d>
+      <a:camera prst="orthographicFront"/>
+      <a:lightRig rig="threePt" dir="t"/>
+    </dgm:scene3d>
+    <dgm:sp3d/>
+    <dgm:txPr/>
+    <dgm:style>
+      <a:lnRef idx="2">
+        <a:scrgbClr r="0" g="0" b="0"/>
+      </a:lnRef>
+      <a:fillRef idx="1">
+        <a:scrgbClr r="0" g="0" b="0"/>
+      </a:fillRef>
+      <a:effectRef idx="0">
+        <a:scrgbClr r="0" g="0" b="0"/>
+      </a:effectRef>
+      <a:fontRef idx="minor">
+        <a:schemeClr val="lt1"/>
+      </a:fontRef>
+    </dgm:style>
+  </dgm:styleLbl>
+  <dgm:styleLbl name="parChTrans2D2">
+    <dgm:scene3d>
+      <a:camera prst="orthographicFront"/>
+      <a:lightRig rig="threePt" dir="t"/>
+    </dgm:scene3d>
+    <dgm:sp3d/>
+    <dgm:txPr/>
+    <dgm:style>
+      <a:lnRef idx="2">
+        <a:scrgbClr r="0" g="0" b="0"/>
+      </a:lnRef>
+      <a:fillRef idx="1">
+        <a:scrgbClr r="0" g="0" b="0"/>
+      </a:fillRef>
+      <a:effectRef idx="0">
+        <a:scrgbClr r="0" g="0" b="0"/>
+      </a:effectRef>
+      <a:fontRef idx="minor">
+        <a:schemeClr val="lt1"/>
+      </a:fontRef>
+    </dgm:style>
+  </dgm:styleLbl>
+  <dgm:styleLbl name="parChTrans2D3">
+    <dgm:scene3d>
+      <a:camera prst="orthographicFront"/>
+      <a:lightRig rig="threePt" dir="t"/>
+    </dgm:scene3d>
+    <dgm:sp3d/>
+    <dgm:txPr/>
+    <dgm:style>
+      <a:lnRef idx="2">
+        <a:scrgbClr r="0" g="0" b="0"/>
+      </a:lnRef>
+      <a:fillRef idx="1">
+        <a:scrgbClr r="0" g="0" b="0"/>
+      </a:fillRef>
+      <a:effectRef idx="0">
+        <a:scrgbClr r="0" g="0" b="0"/>
+      </a:effectRef>
+      <a:fontRef idx="minor">
+        <a:schemeClr val="lt1"/>
+      </a:fontRef>
+    </dgm:style>
+  </dgm:styleLbl>
+  <dgm:styleLbl name="parChTrans2D4">
+    <dgm:scene3d>
+      <a:camera prst="orthographicFront"/>
+      <a:lightRig rig="threePt" dir="t"/>
+    </dgm:scene3d>
+    <dgm:sp3d/>
+    <dgm:txPr/>
+    <dgm:style>
+      <a:lnRef idx="2">
+        <a:scrgbClr r="0" g="0" b="0"/>
+      </a:lnRef>
+      <a:fillRef idx="1">
+        <a:scrgbClr r="0" g="0" b="0"/>
+      </a:fillRef>
+      <a:effectRef idx="0">
+        <a:scrgbClr r="0" g="0" b="0"/>
+      </a:effectRef>
+      <a:fontRef idx="minor">
+        <a:schemeClr val="lt1"/>
+      </a:fontRef>
+    </dgm:style>
+  </dgm:styleLbl>
+  <dgm:styleLbl name="parChTrans1D1">
+    <dgm:scene3d>
+      <a:camera prst="orthographicFront"/>
+      <a:lightRig rig="threePt" dir="t"/>
+    </dgm:scene3d>
+    <dgm:sp3d/>
+    <dgm:txPr/>
+    <dgm:style>
+      <a:lnRef idx="2">
+        <a:scrgbClr r="0" g="0" b="0"/>
+      </a:lnRef>
+      <a:fillRef idx="0">
+        <a:scrgbClr r="0" g="0" b="0"/>
+      </a:fillRef>
+      <a:effectRef idx="0">
+        <a:scrgbClr r="0" g="0" b="0"/>
+      </a:effectRef>
+      <a:fontRef idx="minor"/>
+    </dgm:style>
+  </dgm:styleLbl>
+  <dgm:styleLbl name="parChTrans1D2">
+    <dgm:scene3d>
+      <a:camera prst="orthographicFront"/>
+      <a:lightRig rig="threePt" dir="t"/>
+    </dgm:scene3d>
+    <dgm:sp3d/>
+    <dgm:txPr/>
+    <dgm:style>
+      <a:lnRef idx="2">
+        <a:scrgbClr r="0" g="0" b="0"/>
+      </a:lnRef>
+      <a:fillRef idx="0">
+        <a:scrgbClr r="0" g="0" b="0"/>
+      </a:fillRef>
+      <a:effectRef idx="0">
+        <a:scrgbClr r="0" g="0" b="0"/>
+      </a:effectRef>
+      <a:fontRef idx="minor"/>
+    </dgm:style>
+  </dgm:styleLbl>
+  <dgm:styleLbl name="parChTrans1D3">
+    <dgm:scene3d>
+      <a:camera prst="orthographicFront"/>
+      <a:lightRig rig="threePt" dir="t"/>
+    </dgm:scene3d>
+    <dgm:sp3d/>
+    <dgm:txPr/>
+    <dgm:style>
+      <a:lnRef idx="2">
+        <a:scrgbClr r="0" g="0" b="0"/>
+      </a:lnRef>
+      <a:fillRef idx="0">
+        <a:scrgbClr r="0" g="0" b="0"/>
+      </a:fillRef>
+      <a:effectRef idx="0">
+        <a:scrgbClr r="0" g="0" b="0"/>
+      </a:effectRef>
+      <a:fontRef idx="minor"/>
+    </dgm:style>
+  </dgm:styleLbl>
+  <dgm:styleLbl name="parChTrans1D4">
+    <dgm:scene3d>
+      <a:camera prst="orthographicFront"/>
+      <a:lightRig rig="threePt" dir="t"/>
+    </dgm:scene3d>
+    <dgm:sp3d/>
+    <dgm:txPr/>
+    <dgm:style>
+      <a:lnRef idx="2">
+        <a:scrgbClr r="0" g="0" b="0"/>
+      </a:lnRef>
+      <a:fillRef idx="0">
+        <a:scrgbClr r="0" g="0" b="0"/>
+      </a:fillRef>
+      <a:effectRef idx="0">
+        <a:scrgbClr r="0" g="0" b="0"/>
+      </a:effectRef>
+      <a:fontRef idx="minor"/>
+    </dgm:style>
+  </dgm:styleLbl>
+  <dgm:styleLbl name="fgAcc1">
+    <dgm:scene3d>
+      <a:camera prst="orthographicFront"/>
+      <a:lightRig rig="threePt" dir="t"/>
+    </dgm:scene3d>
+    <dgm:sp3d/>
+    <dgm:txPr/>
+    <dgm:style>
+      <a:lnRef idx="2">
+        <a:scrgbClr r="0" g="0" b="0"/>
+      </a:lnRef>
+      <a:fillRef idx="1">
+        <a:scrgbClr r="0" g="0" b="0"/>
+      </a:fillRef>
+      <a:effectRef idx="0">
+        <a:scrgbClr r="0" g="0" b="0"/>
+      </a:effectRef>
+      <a:fontRef idx="minor"/>
+    </dgm:style>
+  </dgm:styleLbl>
+  <dgm:styleLbl name="conFgAcc1">
+    <dgm:scene3d>
+      <a:camera prst="orthographicFront"/>
+      <a:lightRig rig="threePt" dir="t"/>
+    </dgm:scene3d>
+    <dgm:sp3d/>
+    <dgm:txPr/>
+    <dgm:style>
+      <a:lnRef idx="2">
+        <a:scrgbClr r="0" g="0" b="0"/>
+      </a:lnRef>
+      <a:fillRef idx="1">
+        <a:scrgbClr r="0" g="0" b="0"/>
+      </a:fillRef>
+      <a:effectRef idx="0">
+        <a:scrgbClr r="0" g="0" b="0"/>
+      </a:effectRef>
+      <a:fontRef idx="minor"/>
+    </dgm:style>
+  </dgm:styleLbl>
+  <dgm:styleLbl name="alignAcc1">
+    <dgm:scene3d>
+      <a:camera prst="orthographicFront"/>
+      <a:lightRig rig="threePt" dir="t"/>
+    </dgm:scene3d>
+    <dgm:sp3d/>
+    <dgm:txPr/>
+    <dgm:style>
+      <a:lnRef idx="2">
+        <a:scrgbClr r="0" g="0" b="0"/>
+      </a:lnRef>
+      <a:fillRef idx="1">
+        <a:scrgbClr r="0" g="0" b="0"/>
+      </a:fillRef>
+      <a:effectRef idx="0">
+        <a:scrgbClr r="0" g="0" b="0"/>
+      </a:effectRef>
+      <a:fontRef idx="minor"/>
+    </dgm:style>
+  </dgm:styleLbl>
+  <dgm:styleLbl name="trAlignAcc1">
+    <dgm:scene3d>
+      <a:camera prst="orthographicFront"/>
+      <a:lightRig rig="threePt" dir="t"/>
+    </dgm:scene3d>
+    <dgm:sp3d/>
+    <dgm:txPr/>
+    <dgm:style>
+      <a:lnRef idx="1">
+        <a:scrgbClr r="0" g="0" b="0"/>
+      </a:lnRef>
+      <a:fillRef idx="1">
+        <a:scrgbClr r="0" g="0" b="0"/>
+      </a:fillRef>
+      <a:effectRef idx="0">
+        <a:scrgbClr r="0" g="0" b="0"/>
+      </a:effectRef>
+      <a:fontRef idx="minor"/>
+    </dgm:style>
+  </dgm:styleLbl>
+  <dgm:styleLbl name="bgAcc1">
+    <dgm:scene3d>
+      <a:camera prst="orthographicFront"/>
+      <a:lightRig rig="threePt" dir="t"/>
+    </dgm:scene3d>
+    <dgm:sp3d/>
+    <dgm:txPr/>
+    <dgm:style>
+      <a:lnRef idx="2">
+        <a:scrgbClr r="0" g="0" b="0"/>
+      </a:lnRef>
+      <a:fillRef idx="1">
+        <a:scrgbClr r="0" g="0" b="0"/>
+      </a:fillRef>
+      <a:effectRef idx="0">
+        <a:scrgbClr r="0" g="0" b="0"/>
+      </a:effectRef>
+      <a:fontRef idx="minor"/>
+    </dgm:style>
+  </dgm:styleLbl>
+  <dgm:styleLbl name="solidFgAcc1">
+    <dgm:scene3d>
+      <a:camera prst="orthographicFront"/>
+      <a:lightRig rig="threePt" dir="t"/>
+    </dgm:scene3d>
+    <dgm:sp3d/>
+    <dgm:txPr/>
+    <dgm:style>
+      <a:lnRef idx="2">
+        <a:scrgbClr r="0" g="0" b="0"/>
+      </a:lnRef>
+      <a:fillRef idx="1">
+        <a:scrgbClr r="0" g="0" b="0"/>
+      </a:fillRef>
+      <a:effectRef idx="0">
+        <a:scrgbClr r="0" g="0" b="0"/>
+      </a:effectRef>
+      <a:fontRef idx="minor"/>
+    </dgm:style>
+  </dgm:styleLbl>
+  <dgm:styleLbl name="solidAlignAcc1">
+    <dgm:scene3d>
+      <a:camera prst="orthographicFront"/>
+      <a:lightRig rig="threePt" dir="t"/>
+    </dgm:scene3d>
+    <dgm:sp3d/>
+    <dgm:txPr/>
+    <dgm:style>
+      <a:lnRef idx="2">
+        <a:scrgbClr r="0" g="0" b="0"/>
+      </a:lnRef>
+      <a:fillRef idx="1">
+        <a:scrgbClr r="0" g="0" b="0"/>
+      </a:fillRef>
+      <a:effectRef idx="0">
+        <a:scrgbClr r="0" g="0" b="0"/>
+      </a:effectRef>
+      <a:fontRef idx="minor"/>
+    </dgm:style>
+  </dgm:styleLbl>
+  <dgm:styleLbl name="solidBgAcc1">
+    <dgm:scene3d>
+      <a:camera prst="orthographicFront"/>
+      <a:lightRig rig="threePt" dir="t"/>
+    </dgm:scene3d>
+    <dgm:sp3d/>
+    <dgm:txPr/>
+    <dgm:style>
+      <a:lnRef idx="2">
+        <a:scrgbClr r="0" g="0" b="0"/>
+      </a:lnRef>
+      <a:fillRef idx="1">
+        <a:scrgbClr r="0" g="0" b="0"/>
+      </a:fillRef>
+      <a:effectRef idx="0">
+        <a:scrgbClr r="0" g="0" b="0"/>
+      </a:effectRef>
+      <a:fontRef idx="minor"/>
+    </dgm:style>
+  </dgm:styleLbl>
+  <dgm:styleLbl name="fgAccFollowNode1">
+    <dgm:scene3d>
+      <a:camera prst="orthographicFront"/>
+      <a:lightRig rig="threePt" dir="t"/>
+    </dgm:scene3d>
+    <dgm:sp3d/>
+    <dgm:txPr/>
+    <dgm:style>
+      <a:lnRef idx="2">
+        <a:scrgbClr r="0" g="0" b="0"/>
+      </a:lnRef>
+      <a:fillRef idx="1">
+        <a:scrgbClr r="0" g="0" b="0"/>
+      </a:fillRef>
+      <a:effectRef idx="0">
+        <a:scrgbClr r="0" g="0" b="0"/>
+      </a:effectRef>
+      <a:fontRef idx="minor"/>
+    </dgm:style>
+  </dgm:styleLbl>
+  <dgm:styleLbl name="alignAccFollowNode1">
+    <dgm:scene3d>
+      <a:camera prst="orthographicFront"/>
+      <a:lightRig rig="threePt" dir="t"/>
+    </dgm:scene3d>
+    <dgm:sp3d/>
+    <dgm:txPr/>
+    <dgm:style>
+      <a:lnRef idx="2">
+        <a:scrgbClr r="0" g="0" b="0"/>
+      </a:lnRef>
+      <a:fillRef idx="1">
+        <a:scrgbClr r="0" g="0" b="0"/>
+      </a:fillRef>
+      <a:effectRef idx="0">
+        <a:scrgbClr r="0" g="0" b="0"/>
+      </a:effectRef>
+      <a:fontRef idx="minor"/>
+    </dgm:style>
+  </dgm:styleLbl>
+  <dgm:styleLbl name="bgAccFollowNode1">
+    <dgm:scene3d>
+      <a:camera prst="orthographicFront"/>
+      <a:lightRig rig="threePt" dir="t"/>
+    </dgm:scene3d>
+    <dgm:sp3d/>
+    <dgm:txPr/>
+    <dgm:style>
+      <a:lnRef idx="2">
+        <a:scrgbClr r="0" g="0" b="0"/>
+      </a:lnRef>
+      <a:fillRef idx="1">
+        <a:scrgbClr r="0" g="0" b="0"/>
+      </a:fillRef>
+      <a:effectRef idx="0">
+        <a:scrgbClr r="0" g="0" b="0"/>
+      </a:effectRef>
+      <a:fontRef idx="minor"/>
+    </dgm:style>
+  </dgm:styleLbl>
+  <dgm:styleLbl name="fgAcc0">
+    <dgm:scene3d>
+      <a:camera prst="orthographicFront"/>
+      <a:lightRig rig="threePt" dir="t"/>
+    </dgm:scene3d>
+    <dgm:sp3d/>
+    <dgm:txPr/>
+    <dgm:style>
+      <a:lnRef idx="2">
+        <a:scrgbClr r="0" g="0" b="0"/>
+      </a:lnRef>
+      <a:fillRef idx="1">
+        <a:scrgbClr r="0" g="0" b="0"/>
+      </a:fillRef>
+      <a:effectRef idx="0">
+        <a:scrgbClr r="0" g="0" b="0"/>
+      </a:effectRef>
+      <a:fontRef idx="minor"/>
+    </dgm:style>
+  </dgm:styleLbl>
+  <dgm:styleLbl name="fgAcc2">
+    <dgm:scene3d>
+      <a:camera prst="orthographicFront"/>
+      <a:lightRig rig="threePt" dir="t"/>
+    </dgm:scene3d>
+    <dgm:sp3d/>
+    <dgm:txPr/>
+    <dgm:style>
+      <a:lnRef idx="2">
+        <a:scrgbClr r="0" g="0" b="0"/>
+      </a:lnRef>
+      <a:fillRef idx="1">
+        <a:scrgbClr r="0" g="0" b="0"/>
+      </a:fillRef>
+      <a:effectRef idx="0">
+        <a:scrgbClr r="0" g="0" b="0"/>
+      </a:effectRef>
+      <a:fontRef idx="minor"/>
+    </dgm:style>
+  </dgm:styleLbl>
+  <dgm:styleLbl name="fgAcc3">
+    <dgm:scene3d>
+      <a:camera prst="orthographicFront"/>
+      <a:lightRig rig="threePt" dir="t"/>
+    </dgm:scene3d>
+    <dgm:sp3d/>
+    <dgm:txPr/>
+    <dgm:style>
+      <a:lnRef idx="2">
+        <a:scrgbClr r="0" g="0" b="0"/>
+      </a:lnRef>
+      <a:fillRef idx="1">
+        <a:scrgbClr r="0" g="0" b="0"/>
+      </a:fillRef>
+      <a:effectRef idx="0">
+        <a:scrgbClr r="0" g="0" b="0"/>
+      </a:effectRef>
+      <a:fontRef idx="minor"/>
+    </dgm:style>
+  </dgm:styleLbl>
+  <dgm:styleLbl name="fgAcc4">
+    <dgm:scene3d>
+      <a:camera prst="orthographicFront"/>
+      <a:lightRig rig="threePt" dir="t"/>
+    </dgm:scene3d>
+    <dgm:sp3d/>
+    <dgm:txPr/>
+    <dgm:style>
+      <a:lnRef idx="2">
+        <a:scrgbClr r="0" g="0" b="0"/>
+      </a:lnRef>
+      <a:fillRef idx="1">
+        <a:scrgbClr r="0" g="0" b="0"/>
+      </a:fillRef>
+      <a:effectRef idx="0">
+        <a:scrgbClr r="0" g="0" b="0"/>
+      </a:effectRef>
+      <a:fontRef idx="minor"/>
+    </dgm:style>
+  </dgm:styleLbl>
+  <dgm:styleLbl name="bgShp">
+    <dgm:scene3d>
+      <a:camera prst="orthographicFront"/>
+      <a:lightRig rig="threePt" dir="t"/>
+    </dgm:scene3d>
+    <dgm:sp3d/>
+    <dgm:txPr/>
+    <dgm:style>
+      <a:lnRef idx="0">
+        <a:scrgbClr r="0" g="0" b="0"/>
+      </a:lnRef>
+      <a:fillRef idx="1">
+        <a:scrgbClr r="0" g="0" b="0"/>
+      </a:fillRef>
+      <a:effectRef idx="0">
+        <a:scrgbClr r="0" g="0" b="0"/>
+      </a:effectRef>
+      <a:fontRef idx="minor"/>
+    </dgm:style>
+  </dgm:styleLbl>
+  <dgm:styleLbl name="dkBgShp">
+    <dgm:scene3d>
+      <a:camera prst="orthographicFront"/>
+      <a:lightRig rig="threePt" dir="t"/>
+    </dgm:scene3d>
+    <dgm:sp3d/>
+    <dgm:txPr/>
+    <dgm:style>
+      <a:lnRef idx="0">
+        <a:scrgbClr r="0" g="0" b="0"/>
+      </a:lnRef>
+      <a:fillRef idx="1">
+        <a:scrgbClr r="0" g="0" b="0"/>
+      </a:fillRef>
+      <a:effectRef idx="0">
+        <a:scrgbClr r="0" g="0" b="0"/>
+      </a:effectRef>
+      <a:fontRef idx="minor"/>
+    </dgm:style>
+  </dgm:styleLbl>
+  <dgm:styleLbl name="trBgShp">
+    <dgm:scene3d>
+      <a:camera prst="orthographicFront"/>
+      <a:lightRig rig="threePt" dir="t"/>
+    </dgm:scene3d>
+    <dgm:sp3d/>
+    <dgm:txPr/>
+    <dgm:style>
+      <a:lnRef idx="0">
+        <a:scrgbClr r="0" g="0" b="0"/>
+      </a:lnRef>
+      <a:fillRef idx="1">
+        <a:scrgbClr r="0" g="0" b="0"/>
+      </a:fillRef>
+      <a:effectRef idx="0">
+        <a:scrgbClr r="0" g="0" b="0"/>
+      </a:effectRef>
+      <a:fontRef idx="minor"/>
+    </dgm:style>
+  </dgm:styleLbl>
+  <dgm:styleLbl name="fgShp">
+    <dgm:scene3d>
+      <a:camera prst="orthographicFront"/>
+      <a:lightRig rig="threePt" dir="t"/>
+    </dgm:scene3d>
+    <dgm:sp3d/>
+    <dgm:txPr/>
+    <dgm:style>
+      <a:lnRef idx="2">
+        <a:scrgbClr r="0" g="0" b="0"/>
+      </a:lnRef>
+      <a:fillRef idx="1">
+        <a:scrgbClr r="0" g="0" b="0"/>
+      </a:fillRef>
+      <a:effectRef idx="0">
+        <a:scrgbClr r="0" g="0" b="0"/>
+      </a:effectRef>
+      <a:fontRef idx="minor"/>
+    </dgm:style>
+  </dgm:styleLbl>
+  <dgm:styleLbl name="revTx">
+    <dgm:scene3d>
+      <a:camera prst="orthographicFront"/>
+      <a:lightRig rig="threePt" dir="t"/>
+    </dgm:scene3d>
+    <dgm:sp3d/>
+    <dgm:txPr/>
+    <dgm:style>
+      <a:lnRef idx="0">
+        <a:scrgbClr r="0" g="0" b="0"/>
+      </a:lnRef>
+      <a:fillRef idx="0">
+        <a:scrgbClr r="0" g="0" b="0"/>
+      </a:fillRef>
+      <a:effectRef idx="0">
+        <a:scrgbClr r="0" g="0" b="0"/>
+      </a:effectRef>
+      <a:fontRef idx="minor"/>
+    </dgm:style>
+  </dgm:styleLbl>
+</dgm:styleDef>
+</file>
+
+<file path=ppt/diagrams/quickStyle4.xml><?xml version="1.0" encoding="utf-8"?>
 <dgm:styleDef xmlns:dgm="http://schemas.openxmlformats.org/drawingml/2006/diagram" xmlns:a="http://schemas.openxmlformats.org/drawingml/2006/main" uniqueId="urn:microsoft.com/office/officeart/2005/8/quickstyle/simple1">
   <dgm:title val=""/>
   <dgm:desc val=""/>
@@ -14970,7 +20261,7 @@
           <a:p>
             <a:fld id="{03B24962-D7B5-4FEA-ABE9-8C89DFE85AA1}" type="datetimeFigureOut">
               <a:rPr lang="en-US" smtClean="0"/>
-              <a:t>10/31/2017</a:t>
+              <a:t>11/8/2017</a:t>
             </a:fld>
             <a:endParaRPr lang="en-US"/>
           </a:p>
@@ -15390,7 +20681,7 @@
             <a:fld id="{6048B3DE-E9CD-4720-84B6-E24D30E64DE7}" type="slidenum">
               <a:rPr lang="en-US" smtClean="0"/>
               <a:pPr/>
-              <a:t>24</a:t>
+              <a:t>25</a:t>
             </a:fld>
             <a:endParaRPr lang="en-US"/>
           </a:p>
@@ -15478,7 +20769,7 @@
             <a:fld id="{6048B3DE-E9CD-4720-84B6-E24D30E64DE7}" type="slidenum">
               <a:rPr lang="en-US" smtClean="0"/>
               <a:pPr/>
-              <a:t>25</a:t>
+              <a:t>26</a:t>
             </a:fld>
             <a:endParaRPr lang="en-US"/>
           </a:p>
@@ -15566,7 +20857,7 @@
             <a:fld id="{6048B3DE-E9CD-4720-84B6-E24D30E64DE7}" type="slidenum">
               <a:rPr lang="en-US" smtClean="0"/>
               <a:pPr/>
-              <a:t>26</a:t>
+              <a:t>27</a:t>
             </a:fld>
             <a:endParaRPr lang="en-US"/>
           </a:p>
@@ -15651,7 +20942,7 @@
             <a:fld id="{35B728A6-6F57-4E84-A2C2-C78EE294E18B}" type="slidenum">
               <a:rPr lang="en-US" smtClean="0"/>
               <a:pPr/>
-              <a:t>28</a:t>
+              <a:t>29</a:t>
             </a:fld>
             <a:endParaRPr lang="en-US"/>
           </a:p>
@@ -15744,7 +21035,7 @@
             <a:fld id="{35B728A6-6F57-4E84-A2C2-C78EE294E18B}" type="slidenum">
               <a:rPr lang="en-US" smtClean="0"/>
               <a:pPr/>
-              <a:t>31</a:t>
+              <a:t>32</a:t>
             </a:fld>
             <a:endParaRPr lang="en-US"/>
           </a:p>
@@ -15829,7 +21120,7 @@
             <a:fld id="{6048B3DE-E9CD-4720-84B6-E24D30E64DE7}" type="slidenum">
               <a:rPr lang="en-US" smtClean="0"/>
               <a:pPr/>
-              <a:t>15</a:t>
+              <a:t>16</a:t>
             </a:fld>
             <a:endParaRPr lang="en-US"/>
           </a:p>
@@ -15914,7 +21205,7 @@
             <a:fld id="{6048B3DE-E9CD-4720-84B6-E24D30E64DE7}" type="slidenum">
               <a:rPr lang="en-US" smtClean="0"/>
               <a:pPr/>
-              <a:t>16</a:t>
+              <a:t>17</a:t>
             </a:fld>
             <a:endParaRPr lang="en-US"/>
           </a:p>
@@ -15998,7 +21289,7 @@
           <a:p>
             <a:fld id="{7244E18F-170A-479A-8042-7CA03643CD9B}" type="slidenum">
               <a:rPr lang="en-US" smtClean="0"/>
-              <a:t>17</a:t>
+              <a:t>18</a:t>
             </a:fld>
             <a:endParaRPr lang="en-US"/>
           </a:p>
@@ -16086,7 +21377,7 @@
             <a:fld id="{6048B3DE-E9CD-4720-84B6-E24D30E64DE7}" type="slidenum">
               <a:rPr lang="en-US" smtClean="0"/>
               <a:pPr/>
-              <a:t>19</a:t>
+              <a:t>20</a:t>
             </a:fld>
             <a:endParaRPr lang="en-US"/>
           </a:p>
@@ -16174,7 +21465,7 @@
             <a:fld id="{6048B3DE-E9CD-4720-84B6-E24D30E64DE7}" type="slidenum">
               <a:rPr lang="en-US" smtClean="0"/>
               <a:pPr/>
-              <a:t>20</a:t>
+              <a:t>21</a:t>
             </a:fld>
             <a:endParaRPr lang="en-US"/>
           </a:p>
@@ -16262,7 +21553,7 @@
             <a:fld id="{6048B3DE-E9CD-4720-84B6-E24D30E64DE7}" type="slidenum">
               <a:rPr lang="en-US" smtClean="0"/>
               <a:pPr/>
-              <a:t>21</a:t>
+              <a:t>22</a:t>
             </a:fld>
             <a:endParaRPr lang="en-US"/>
           </a:p>
@@ -16350,7 +21641,7 @@
             <a:fld id="{6048B3DE-E9CD-4720-84B6-E24D30E64DE7}" type="slidenum">
               <a:rPr lang="en-US" smtClean="0"/>
               <a:pPr/>
-              <a:t>22</a:t>
+              <a:t>23</a:t>
             </a:fld>
             <a:endParaRPr lang="en-US"/>
           </a:p>
@@ -16438,7 +21729,7 @@
             <a:fld id="{6048B3DE-E9CD-4720-84B6-E24D30E64DE7}" type="slidenum">
               <a:rPr lang="en-US" smtClean="0"/>
               <a:pPr/>
-              <a:t>23</a:t>
+              <a:t>24</a:t>
             </a:fld>
             <a:endParaRPr lang="en-US"/>
           </a:p>
@@ -16636,7 +21927,7 @@
           <a:p>
             <a:fld id="{2F1F79F5-7BEC-496A-AFC7-876E38F64D71}" type="datetime1">
               <a:rPr lang="en-US" smtClean="0"/>
-              <a:t>10/31/2017</a:t>
+              <a:t>11/8/2017</a:t>
             </a:fld>
             <a:endParaRPr lang="en-US"/>
           </a:p>
@@ -16753,7 +22044,7 @@
           <a:p>
             <a:fld id="{2F7B77F5-1464-4F6B-92A8-64FC8A508293}" type="datetime1">
               <a:rPr lang="en-US" smtClean="0"/>
-              <a:t>10/31/2017</a:t>
+              <a:t>11/8/2017</a:t>
             </a:fld>
             <a:endParaRPr lang="en-US"/>
           </a:p>
@@ -16848,7 +22139,7 @@
           <a:p>
             <a:fld id="{0A05703A-7669-4FEA-9056-25299B4D29D4}" type="datetime1">
               <a:rPr lang="en-US" smtClean="0"/>
-              <a:t>10/31/2017</a:t>
+              <a:t>11/8/2017</a:t>
             </a:fld>
             <a:endParaRPr lang="en-US"/>
           </a:p>
@@ -17123,7 +22414,7 @@
           <a:p>
             <a:fld id="{6E5077B5-BB57-49DB-88CA-226A139E5C01}" type="datetime1">
               <a:rPr lang="en-US" smtClean="0"/>
-              <a:t>10/31/2017</a:t>
+              <a:t>11/8/2017</a:t>
             </a:fld>
             <a:endParaRPr lang="en-US"/>
           </a:p>
@@ -17375,7 +22666,7 @@
           <a:p>
             <a:fld id="{C48D9447-CBD6-49A1-89FD-8512A8CF8999}" type="datetime1">
               <a:rPr lang="en-US" smtClean="0"/>
-              <a:t>10/31/2017</a:t>
+              <a:t>11/8/2017</a:t>
             </a:fld>
             <a:endParaRPr lang="en-US"/>
           </a:p>
@@ -17543,7 +22834,7 @@
           <a:p>
             <a:fld id="{A3639A2A-823D-48B7-9ACE-7FAF42870BA9}" type="datetime1">
               <a:rPr lang="en-US" smtClean="0"/>
-              <a:t>10/31/2017</a:t>
+              <a:t>11/8/2017</a:t>
             </a:fld>
             <a:endParaRPr lang="en-US"/>
           </a:p>
@@ -17721,7 +23012,7 @@
           <a:p>
             <a:fld id="{ED1B6996-82E9-463C-972C-7B56056E426C}" type="datetime1">
               <a:rPr lang="en-US" smtClean="0"/>
-              <a:t>10/31/2017</a:t>
+              <a:t>11/8/2017</a:t>
             </a:fld>
             <a:endParaRPr lang="en-US"/>
           </a:p>
@@ -17895,7 +23186,7 @@
           <a:p>
             <a:fld id="{E22ED4DA-448D-4BB1-B935-CC112220207B}" type="datetime1">
               <a:rPr lang="en-US" smtClean="0"/>
-              <a:t>10/31/2017</a:t>
+              <a:t>11/8/2017</a:t>
             </a:fld>
             <a:endParaRPr lang="en-US"/>
           </a:p>
@@ -18068,7 +23359,7 @@
           <a:p>
             <a:fld id="{E22ED4DA-448D-4BB1-B935-CC112220207B}" type="datetime1">
               <a:rPr lang="en-US" smtClean="0"/>
-              <a:t>10/31/2017</a:t>
+              <a:t>11/8/2017</a:t>
             </a:fld>
             <a:endParaRPr lang="en-US"/>
           </a:p>
@@ -18331,7 +23622,7 @@
           <a:p>
             <a:fld id="{FF5D65A6-AB94-4435-B0B7-3743215FA46C}" type="datetime1">
               <a:rPr lang="en-US" smtClean="0"/>
-              <a:t>10/31/2017</a:t>
+              <a:t>11/8/2017</a:t>
             </a:fld>
             <a:endParaRPr lang="en-US"/>
           </a:p>
@@ -18507,7 +23798,7 @@
           <a:p>
             <a:fld id="{FF5D65A6-AB94-4435-B0B7-3743215FA46C}" type="datetime1">
               <a:rPr lang="en-US" smtClean="0"/>
-              <a:t>10/31/2017</a:t>
+              <a:t>11/8/2017</a:t>
             </a:fld>
             <a:endParaRPr lang="en-US"/>
           </a:p>
@@ -18801,7 +24092,7 @@
           <a:p>
             <a:fld id="{7C193DC4-6EF0-48C9-B29C-616106A645E1}" type="datetime1">
               <a:rPr lang="en-US" smtClean="0"/>
-              <a:t>10/31/2017</a:t>
+              <a:t>11/8/2017</a:t>
             </a:fld>
             <a:endParaRPr lang="en-US"/>
           </a:p>
@@ -19086,7 +24377,7 @@
           <a:p>
             <a:fld id="{5D1846AD-9252-4647-9435-4C2AC365653A}" type="datetime1">
               <a:rPr lang="en-US" smtClean="0"/>
-              <a:t>10/31/2017</a:t>
+              <a:t>11/8/2017</a:t>
             </a:fld>
             <a:endParaRPr lang="en-US"/>
           </a:p>
@@ -19385,7 +24676,7 @@
           <a:p>
             <a:fld id="{5D1846AD-9252-4647-9435-4C2AC365653A}" type="datetime1">
               <a:rPr lang="en-US" smtClean="0"/>
-              <a:t>10/31/2017</a:t>
+              <a:t>11/8/2017</a:t>
             </a:fld>
             <a:endParaRPr lang="en-US"/>
           </a:p>
@@ -19804,7 +25095,7 @@
           <a:p>
             <a:fld id="{CE56DC10-3561-4063-A6AF-C1CC7A41040A}" type="datetime1">
               <a:rPr lang="en-US" smtClean="0"/>
-              <a:t>10/31/2017</a:t>
+              <a:t>11/8/2017</a:t>
             </a:fld>
             <a:endParaRPr lang="en-US"/>
           </a:p>
@@ -20027,7 +25318,7 @@
           <a:p>
             <a:fld id="{02B3F677-983B-48DB-ADFD-63FE6CBC7FB2}" type="datetime1">
               <a:rPr lang="en-US" smtClean="0"/>
-              <a:t>10/31/2017</a:t>
+              <a:t>11/8/2017</a:t>
             </a:fld>
             <a:endParaRPr lang="en-US"/>
           </a:p>
@@ -20835,6 +26126,99 @@
             <p:ph type="title"/>
           </p:nvPr>
         </p:nvSpPr>
+        <p:spPr/>
+        <p:txBody>
+          <a:bodyPr/>
+          <a:lstStyle/>
+          <a:p>
+            <a:r>
+              <a:rPr lang="en-US" dirty="0"/>
+              <a:t>Module 10</a:t>
+            </a:r>
+          </a:p>
+        </p:txBody>
+      </p:sp>
+      <p:sp>
+        <p:nvSpPr>
+          <p:cNvPr id="3" name="Slide Number Placeholder 2"/>
+          <p:cNvSpPr>
+            <a:spLocks noGrp="1"/>
+          </p:cNvSpPr>
+          <p:nvPr>
+            <p:ph type="sldNum" sz="quarter" idx="12"/>
+          </p:nvPr>
+        </p:nvSpPr>
+        <p:spPr/>
+        <p:txBody>
+          <a:bodyPr/>
+          <a:lstStyle/>
+          <a:p>
+            <a:endParaRPr lang="en-US" dirty="0"/>
+          </a:p>
+        </p:txBody>
+      </p:sp>
+      <p:graphicFrame>
+        <p:nvGraphicFramePr>
+          <p:cNvPr id="6" name="Diagram 5"/>
+          <p:cNvGraphicFramePr/>
+          <p:nvPr>
+            <p:extLst>
+              <p:ext uri="{D42A27DB-BD31-4B8C-83A1-F6EECF244321}">
+                <p14:modId xmlns:p14="http://schemas.microsoft.com/office/powerpoint/2010/main" val="469239961"/>
+              </p:ext>
+            </p:extLst>
+          </p:nvPr>
+        </p:nvGraphicFramePr>
+        <p:xfrm>
+          <a:off x="1524000" y="1727994"/>
+          <a:ext cx="6096000" cy="4520406"/>
+        </p:xfrm>
+        <a:graphic>
+          <a:graphicData uri="http://schemas.openxmlformats.org/drawingml/2006/diagram">
+            <dgm:relIds xmlns:dgm="http://schemas.openxmlformats.org/drawingml/2006/diagram" xmlns:r="http://schemas.openxmlformats.org/officeDocument/2006/relationships" r:dm="rId2" r:lo="rId3" r:qs="rId4" r:cs="rId5"/>
+          </a:graphicData>
+        </a:graphic>
+      </p:graphicFrame>
+    </p:spTree>
+    <p:extLst>
+      <p:ext uri="{BB962C8B-B14F-4D97-AF65-F5344CB8AC3E}">
+        <p14:creationId xmlns:p14="http://schemas.microsoft.com/office/powerpoint/2010/main" val="2916676404"/>
+      </p:ext>
+    </p:extLst>
+  </p:cSld>
+  <p:clrMapOvr>
+    <a:masterClrMapping/>
+  </p:clrMapOvr>
+</p:sld>
+</file>
+
+<file path=ppt/slides/slide13.xml><?xml version="1.0" encoding="utf-8"?>
+<p:sld xmlns:a="http://schemas.openxmlformats.org/drawingml/2006/main" xmlns:r="http://schemas.openxmlformats.org/officeDocument/2006/relationships" xmlns:p="http://schemas.openxmlformats.org/presentationml/2006/main">
+  <p:cSld>
+    <p:spTree>
+      <p:nvGrpSpPr>
+        <p:cNvPr id="1" name=""/>
+        <p:cNvGrpSpPr/>
+        <p:nvPr/>
+      </p:nvGrpSpPr>
+      <p:grpSpPr>
+        <a:xfrm>
+          <a:off x="0" y="0"/>
+          <a:ext cx="0" cy="0"/>
+          <a:chOff x="0" y="0"/>
+          <a:chExt cx="0" cy="0"/>
+        </a:xfrm>
+      </p:grpSpPr>
+      <p:sp>
+        <p:nvSpPr>
+          <p:cNvPr id="2" name="Title 1"/>
+          <p:cNvSpPr>
+            <a:spLocks noGrp="1"/>
+          </p:cNvSpPr>
+          <p:nvPr>
+            <p:ph type="title"/>
+          </p:nvPr>
+        </p:nvSpPr>
         <p:spPr>
           <a:xfrm>
             <a:off x="457200" y="225401"/>
@@ -21114,7 +26498,7 @@
           <a:p>
             <a:fld id="{2AF3B5EA-18B6-4040-9F78-6052AF49C681}" type="slidenum">
               <a:rPr lang="en-US" smtClean="0"/>
-              <a:t>12</a:t>
+              <a:t>13</a:t>
             </a:fld>
             <a:endParaRPr lang="en-US"/>
           </a:p>
@@ -21133,7 +26517,7 @@
 </p:sld>
 </file>
 
-<file path=ppt/slides/slide13.xml><?xml version="1.0" encoding="utf-8"?>
+<file path=ppt/slides/slide14.xml><?xml version="1.0" encoding="utf-8"?>
 <p:sld xmlns:a="http://schemas.openxmlformats.org/drawingml/2006/main" xmlns:r="http://schemas.openxmlformats.org/officeDocument/2006/relationships" xmlns:p="http://schemas.openxmlformats.org/presentationml/2006/main">
   <p:cSld>
     <p:spTree>
@@ -21196,7 +26580,7 @@
           <a:p>
             <a:fld id="{2AF3B5EA-18B6-4040-9F78-6052AF49C681}" type="slidenum">
               <a:rPr lang="en-US" smtClean="0"/>
-              <a:t>13</a:t>
+              <a:t>14</a:t>
             </a:fld>
             <a:endParaRPr lang="en-US"/>
           </a:p>
@@ -21215,7 +26599,7 @@
 </p:sld>
 </file>
 
-<file path=ppt/slides/slide14.xml><?xml version="1.0" encoding="utf-8"?>
+<file path=ppt/slides/slide15.xml><?xml version="1.0" encoding="utf-8"?>
 <p:sld xmlns:a="http://schemas.openxmlformats.org/drawingml/2006/main" xmlns:r="http://schemas.openxmlformats.org/officeDocument/2006/relationships" xmlns:p="http://schemas.openxmlformats.org/presentationml/2006/main">
   <p:cSld>
     <p:spTree>
@@ -21361,7 +26745,7 @@
                 </a:solidFill>
               </a:rPr>
               <a:pPr/>
-              <a:t>14</a:t>
+              <a:t>15</a:t>
             </a:fld>
             <a:endParaRPr lang="en-US" dirty="0">
               <a:solidFill>
@@ -21386,7 +26770,7 @@
 </p:sld>
 </file>
 
-<file path=ppt/slides/slide15.xml><?xml version="1.0" encoding="utf-8"?>
+<file path=ppt/slides/slide16.xml><?xml version="1.0" encoding="utf-8"?>
 <p:sld xmlns:a="http://schemas.openxmlformats.org/drawingml/2006/main" xmlns:r="http://schemas.openxmlformats.org/officeDocument/2006/relationships" xmlns:p="http://schemas.openxmlformats.org/presentationml/2006/main">
   <p:cSld>
     <p:spTree>
@@ -21597,7 +26981,7 @@
           <a:p>
             <a:fld id="{2AF3B5EA-18B6-4040-9F78-6052AF49C681}" type="slidenum">
               <a:rPr lang="en-US" smtClean="0"/>
-              <a:t>15</a:t>
+              <a:t>16</a:t>
             </a:fld>
             <a:endParaRPr lang="en-US"/>
           </a:p>
@@ -21616,7 +27000,7 @@
 </p:sld>
 </file>
 
-<file path=ppt/slides/slide16.xml><?xml version="1.0" encoding="utf-8"?>
+<file path=ppt/slides/slide17.xml><?xml version="1.0" encoding="utf-8"?>
 <p:sld xmlns:a="http://schemas.openxmlformats.org/drawingml/2006/main" xmlns:r="http://schemas.openxmlformats.org/officeDocument/2006/relationships" xmlns:p="http://schemas.openxmlformats.org/presentationml/2006/main">
   <p:cSld>
     <p:spTree>
@@ -21860,7 +27244,7 @@
           <a:p>
             <a:fld id="{2AF3B5EA-18B6-4040-9F78-6052AF49C681}" type="slidenum">
               <a:rPr lang="en-US" smtClean="0"/>
-              <a:t>16</a:t>
+              <a:t>17</a:t>
             </a:fld>
             <a:endParaRPr lang="en-US"/>
           </a:p>
@@ -21879,7 +27263,7 @@
 </p:sld>
 </file>
 
-<file path=ppt/slides/slide17.xml><?xml version="1.0" encoding="utf-8"?>
+<file path=ppt/slides/slide18.xml><?xml version="1.0" encoding="utf-8"?>
 <p:sld xmlns:a="http://schemas.openxmlformats.org/drawingml/2006/main" xmlns:r="http://schemas.openxmlformats.org/officeDocument/2006/relationships" xmlns:p="http://schemas.openxmlformats.org/presentationml/2006/main">
   <p:cSld>
     <p:spTree>
@@ -22738,7 +28122,7 @@
 </p:sld>
 </file>
 
-<file path=ppt/slides/slide18.xml><?xml version="1.0" encoding="utf-8"?>
+<file path=ppt/slides/slide19.xml><?xml version="1.0" encoding="utf-8"?>
 <p:sld xmlns:a="http://schemas.openxmlformats.org/drawingml/2006/main" xmlns:r="http://schemas.openxmlformats.org/officeDocument/2006/relationships" xmlns:p="http://schemas.openxmlformats.org/presentationml/2006/main">
   <p:cSld>
     <p:spTree>
@@ -23002,7 +28386,7 @@
           <a:p>
             <a:fld id="{2AF3B5EA-18B6-4040-9F78-6052AF49C681}" type="slidenum">
               <a:rPr lang="en-US" smtClean="0"/>
-              <a:t>18</a:t>
+              <a:t>19</a:t>
             </a:fld>
             <a:endParaRPr lang="en-US"/>
           </a:p>
@@ -23021,7 +28405,98 @@
 </p:sld>
 </file>
 
-<file path=ppt/slides/slide19.xml><?xml version="1.0" encoding="utf-8"?>
+<file path=ppt/slides/slide2.xml><?xml version="1.0" encoding="utf-8"?>
+<p:sld xmlns:a="http://schemas.openxmlformats.org/drawingml/2006/main" xmlns:r="http://schemas.openxmlformats.org/officeDocument/2006/relationships" xmlns:p="http://schemas.openxmlformats.org/presentationml/2006/main">
+  <p:cSld>
+    <p:spTree>
+      <p:nvGrpSpPr>
+        <p:cNvPr id="1" name=""/>
+        <p:cNvGrpSpPr/>
+        <p:nvPr/>
+      </p:nvGrpSpPr>
+      <p:grpSpPr>
+        <a:xfrm>
+          <a:off x="0" y="0"/>
+          <a:ext cx="0" cy="0"/>
+          <a:chOff x="0" y="0"/>
+          <a:chExt cx="0" cy="0"/>
+        </a:xfrm>
+      </p:grpSpPr>
+      <p:sp>
+        <p:nvSpPr>
+          <p:cNvPr id="9" name="Title 8"/>
+          <p:cNvSpPr>
+            <a:spLocks noGrp="1"/>
+          </p:cNvSpPr>
+          <p:nvPr>
+            <p:ph type="title"/>
+          </p:nvPr>
+        </p:nvSpPr>
+        <p:spPr/>
+        <p:txBody>
+          <a:bodyPr/>
+          <a:lstStyle/>
+          <a:p>
+            <a:endParaRPr lang="en-US"/>
+          </a:p>
+        </p:txBody>
+      </p:sp>
+      <p:sp>
+        <p:nvSpPr>
+          <p:cNvPr id="10" name="Content Placeholder 9"/>
+          <p:cNvSpPr>
+            <a:spLocks noGrp="1"/>
+          </p:cNvSpPr>
+          <p:nvPr>
+            <p:ph idx="1"/>
+          </p:nvPr>
+        </p:nvSpPr>
+        <p:spPr/>
+        <p:txBody>
+          <a:bodyPr/>
+          <a:lstStyle/>
+          <a:p>
+            <a:endParaRPr lang="en-US" dirty="0"/>
+          </a:p>
+        </p:txBody>
+      </p:sp>
+      <p:sp>
+        <p:nvSpPr>
+          <p:cNvPr id="4" name="Slide Number Placeholder 3"/>
+          <p:cNvSpPr>
+            <a:spLocks noGrp="1"/>
+          </p:cNvSpPr>
+          <p:nvPr>
+            <p:ph type="sldNum" sz="quarter" idx="12"/>
+          </p:nvPr>
+        </p:nvSpPr>
+        <p:spPr/>
+        <p:txBody>
+          <a:bodyPr/>
+          <a:lstStyle/>
+          <a:p>
+            <a:fld id="{2AF3B5EA-18B6-4040-9F78-6052AF49C681}" type="slidenum">
+              <a:rPr lang="en-US" smtClean="0"/>
+              <a:t>2</a:t>
+            </a:fld>
+            <a:endParaRPr lang="en-US"/>
+          </a:p>
+        </p:txBody>
+      </p:sp>
+    </p:spTree>
+    <p:extLst>
+      <p:ext uri="{BB962C8B-B14F-4D97-AF65-F5344CB8AC3E}">
+        <p14:creationId xmlns:p14="http://schemas.microsoft.com/office/powerpoint/2010/main" val="3614611356"/>
+      </p:ext>
+    </p:extLst>
+  </p:cSld>
+  <p:clrMapOvr>
+    <a:masterClrMapping/>
+  </p:clrMapOvr>
+</p:sld>
+</file>
+
+<file path=ppt/slides/slide20.xml><?xml version="1.0" encoding="utf-8"?>
 <p:sld xmlns:a="http://schemas.openxmlformats.org/drawingml/2006/main" xmlns:r="http://schemas.openxmlformats.org/officeDocument/2006/relationships" xmlns:p="http://schemas.openxmlformats.org/presentationml/2006/main">
   <p:cSld>
     <p:spTree>
@@ -23323,7 +28798,7 @@
           <a:p>
             <a:fld id="{2AF3B5EA-18B6-4040-9F78-6052AF49C681}" type="slidenum">
               <a:rPr lang="en-US" smtClean="0"/>
-              <a:t>19</a:t>
+              <a:t>20</a:t>
             </a:fld>
             <a:endParaRPr lang="en-US"/>
           </a:p>
@@ -23453,98 +28928,7 @@
 </p:sld>
 </file>
 
-<file path=ppt/slides/slide2.xml><?xml version="1.0" encoding="utf-8"?>
-<p:sld xmlns:a="http://schemas.openxmlformats.org/drawingml/2006/main" xmlns:r="http://schemas.openxmlformats.org/officeDocument/2006/relationships" xmlns:p="http://schemas.openxmlformats.org/presentationml/2006/main">
-  <p:cSld>
-    <p:spTree>
-      <p:nvGrpSpPr>
-        <p:cNvPr id="1" name=""/>
-        <p:cNvGrpSpPr/>
-        <p:nvPr/>
-      </p:nvGrpSpPr>
-      <p:grpSpPr>
-        <a:xfrm>
-          <a:off x="0" y="0"/>
-          <a:ext cx="0" cy="0"/>
-          <a:chOff x="0" y="0"/>
-          <a:chExt cx="0" cy="0"/>
-        </a:xfrm>
-      </p:grpSpPr>
-      <p:sp>
-        <p:nvSpPr>
-          <p:cNvPr id="9" name="Title 8"/>
-          <p:cNvSpPr>
-            <a:spLocks noGrp="1"/>
-          </p:cNvSpPr>
-          <p:nvPr>
-            <p:ph type="title"/>
-          </p:nvPr>
-        </p:nvSpPr>
-        <p:spPr/>
-        <p:txBody>
-          <a:bodyPr/>
-          <a:lstStyle/>
-          <a:p>
-            <a:endParaRPr lang="en-US"/>
-          </a:p>
-        </p:txBody>
-      </p:sp>
-      <p:sp>
-        <p:nvSpPr>
-          <p:cNvPr id="10" name="Content Placeholder 9"/>
-          <p:cNvSpPr>
-            <a:spLocks noGrp="1"/>
-          </p:cNvSpPr>
-          <p:nvPr>
-            <p:ph idx="1"/>
-          </p:nvPr>
-        </p:nvSpPr>
-        <p:spPr/>
-        <p:txBody>
-          <a:bodyPr/>
-          <a:lstStyle/>
-          <a:p>
-            <a:endParaRPr lang="en-US" dirty="0"/>
-          </a:p>
-        </p:txBody>
-      </p:sp>
-      <p:sp>
-        <p:nvSpPr>
-          <p:cNvPr id="4" name="Slide Number Placeholder 3"/>
-          <p:cNvSpPr>
-            <a:spLocks noGrp="1"/>
-          </p:cNvSpPr>
-          <p:nvPr>
-            <p:ph type="sldNum" sz="quarter" idx="12"/>
-          </p:nvPr>
-        </p:nvSpPr>
-        <p:spPr/>
-        <p:txBody>
-          <a:bodyPr/>
-          <a:lstStyle/>
-          <a:p>
-            <a:fld id="{2AF3B5EA-18B6-4040-9F78-6052AF49C681}" type="slidenum">
-              <a:rPr lang="en-US" smtClean="0"/>
-              <a:t>2</a:t>
-            </a:fld>
-            <a:endParaRPr lang="en-US"/>
-          </a:p>
-        </p:txBody>
-      </p:sp>
-    </p:spTree>
-    <p:extLst>
-      <p:ext uri="{BB962C8B-B14F-4D97-AF65-F5344CB8AC3E}">
-        <p14:creationId xmlns:p14="http://schemas.microsoft.com/office/powerpoint/2010/main" val="3614611356"/>
-      </p:ext>
-    </p:extLst>
-  </p:cSld>
-  <p:clrMapOvr>
-    <a:masterClrMapping/>
-  </p:clrMapOvr>
-</p:sld>
-</file>
-
-<file path=ppt/slides/slide20.xml><?xml version="1.0" encoding="utf-8"?>
+<file path=ppt/slides/slide21.xml><?xml version="1.0" encoding="utf-8"?>
 <p:sld xmlns:a="http://schemas.openxmlformats.org/drawingml/2006/main" xmlns:r="http://schemas.openxmlformats.org/officeDocument/2006/relationships" xmlns:p="http://schemas.openxmlformats.org/presentationml/2006/main">
   <p:cSld>
     <p:spTree>
@@ -23856,7 +29240,7 @@
           <a:p>
             <a:fld id="{2AF3B5EA-18B6-4040-9F78-6052AF49C681}" type="slidenum">
               <a:rPr lang="en-US" smtClean="0"/>
-              <a:t>20</a:t>
+              <a:t>21</a:t>
             </a:fld>
             <a:endParaRPr lang="en-US"/>
           </a:p>
@@ -23875,7 +29259,7 @@
 </p:sld>
 </file>
 
-<file path=ppt/slides/slide21.xml><?xml version="1.0" encoding="utf-8"?>
+<file path=ppt/slides/slide22.xml><?xml version="1.0" encoding="utf-8"?>
 <p:sld xmlns:a="http://schemas.openxmlformats.org/drawingml/2006/main" xmlns:r="http://schemas.openxmlformats.org/officeDocument/2006/relationships" xmlns:p="http://schemas.openxmlformats.org/presentationml/2006/main">
   <p:cSld>
     <p:spTree>
@@ -24140,7 +29524,7 @@
           <a:p>
             <a:fld id="{2AF3B5EA-18B6-4040-9F78-6052AF49C681}" type="slidenum">
               <a:rPr lang="en-US" smtClean="0"/>
-              <a:t>21</a:t>
+              <a:t>22</a:t>
             </a:fld>
             <a:endParaRPr lang="en-US"/>
           </a:p>
@@ -24159,7 +29543,7 @@
 </p:sld>
 </file>
 
-<file path=ppt/slides/slide22.xml><?xml version="1.0" encoding="utf-8"?>
+<file path=ppt/slides/slide23.xml><?xml version="1.0" encoding="utf-8"?>
 <p:sld xmlns:a="http://schemas.openxmlformats.org/drawingml/2006/main" xmlns:r="http://schemas.openxmlformats.org/officeDocument/2006/relationships" xmlns:p="http://schemas.openxmlformats.org/presentationml/2006/main">
   <p:cSld>
     <p:spTree>
@@ -24598,7 +29982,7 @@
           <a:p>
             <a:fld id="{2AF3B5EA-18B6-4040-9F78-6052AF49C681}" type="slidenum">
               <a:rPr lang="en-US" smtClean="0"/>
-              <a:t>22</a:t>
+              <a:t>23</a:t>
             </a:fld>
             <a:endParaRPr lang="en-US"/>
           </a:p>
@@ -24617,7 +30001,7 @@
 </p:sld>
 </file>
 
-<file path=ppt/slides/slide23.xml><?xml version="1.0" encoding="utf-8"?>
+<file path=ppt/slides/slide24.xml><?xml version="1.0" encoding="utf-8"?>
 <p:sld xmlns:a="http://schemas.openxmlformats.org/drawingml/2006/main" xmlns:r="http://schemas.openxmlformats.org/officeDocument/2006/relationships" xmlns:p="http://schemas.openxmlformats.org/presentationml/2006/main">
   <p:cSld>
     <p:spTree>
@@ -25224,7 +30608,7 @@
           <a:p>
             <a:fld id="{2AF3B5EA-18B6-4040-9F78-6052AF49C681}" type="slidenum">
               <a:rPr lang="en-US" smtClean="0"/>
-              <a:t>23</a:t>
+              <a:t>24</a:t>
             </a:fld>
             <a:endParaRPr lang="en-US"/>
           </a:p>
@@ -25243,7 +30627,7 @@
 </p:sld>
 </file>
 
-<file path=ppt/slides/slide24.xml><?xml version="1.0" encoding="utf-8"?>
+<file path=ppt/slides/slide25.xml><?xml version="1.0" encoding="utf-8"?>
 <p:sld xmlns:a="http://schemas.openxmlformats.org/drawingml/2006/main" xmlns:r="http://schemas.openxmlformats.org/officeDocument/2006/relationships" xmlns:p="http://schemas.openxmlformats.org/presentationml/2006/main">
   <p:cSld>
     <p:spTree>
@@ -25464,7 +30848,7 @@
           <a:p>
             <a:fld id="{2AF3B5EA-18B6-4040-9F78-6052AF49C681}" type="slidenum">
               <a:rPr lang="en-US" smtClean="0"/>
-              <a:t>24</a:t>
+              <a:t>25</a:t>
             </a:fld>
             <a:endParaRPr lang="en-US"/>
           </a:p>
@@ -25483,7 +30867,7 @@
 </p:sld>
 </file>
 
-<file path=ppt/slides/slide25.xml><?xml version="1.0" encoding="utf-8"?>
+<file path=ppt/slides/slide26.xml><?xml version="1.0" encoding="utf-8"?>
 <p:sld xmlns:a="http://schemas.openxmlformats.org/drawingml/2006/main" xmlns:r="http://schemas.openxmlformats.org/officeDocument/2006/relationships" xmlns:p="http://schemas.openxmlformats.org/presentationml/2006/main">
   <p:cSld>
     <p:spTree>
@@ -25817,7 +31201,7 @@
           <a:p>
             <a:fld id="{2AF3B5EA-18B6-4040-9F78-6052AF49C681}" type="slidenum">
               <a:rPr lang="en-US" smtClean="0"/>
-              <a:t>25</a:t>
+              <a:t>26</a:t>
             </a:fld>
             <a:endParaRPr lang="en-US"/>
           </a:p>
@@ -25836,7 +31220,7 @@
 </p:sld>
 </file>
 
-<file path=ppt/slides/slide26.xml><?xml version="1.0" encoding="utf-8"?>
+<file path=ppt/slides/slide27.xml><?xml version="1.0" encoding="utf-8"?>
 <p:sld xmlns:a="http://schemas.openxmlformats.org/drawingml/2006/main" xmlns:r="http://schemas.openxmlformats.org/officeDocument/2006/relationships" xmlns:p="http://schemas.openxmlformats.org/presentationml/2006/main">
   <p:cSld>
     <p:spTree>
@@ -26076,7 +31460,7 @@
           <a:p>
             <a:fld id="{2AF3B5EA-18B6-4040-9F78-6052AF49C681}" type="slidenum">
               <a:rPr lang="en-US" smtClean="0"/>
-              <a:t>26</a:t>
+              <a:t>27</a:t>
             </a:fld>
             <a:endParaRPr lang="en-US"/>
           </a:p>
@@ -26095,7 +31479,7 @@
 </p:sld>
 </file>
 
-<file path=ppt/slides/slide27.xml><?xml version="1.0" encoding="utf-8"?>
+<file path=ppt/slides/slide28.xml><?xml version="1.0" encoding="utf-8"?>
 <p:sld xmlns:a="http://schemas.openxmlformats.org/drawingml/2006/main" xmlns:r="http://schemas.openxmlformats.org/officeDocument/2006/relationships" xmlns:p="http://schemas.openxmlformats.org/presentationml/2006/main">
   <p:cSld>
     <p:spTree>
@@ -26447,7 +31831,7 @@
           <a:p>
             <a:fld id="{2AF3B5EA-18B6-4040-9F78-6052AF49C681}" type="slidenum">
               <a:rPr lang="en-US" smtClean="0"/>
-              <a:t>27</a:t>
+              <a:t>28</a:t>
             </a:fld>
             <a:endParaRPr lang="en-US"/>
           </a:p>
@@ -26466,7 +31850,7 @@
 </p:sld>
 </file>
 
-<file path=ppt/slides/slide28.xml><?xml version="1.0" encoding="utf-8"?>
+<file path=ppt/slides/slide29.xml><?xml version="1.0" encoding="utf-8"?>
 <p:sld xmlns:a="http://schemas.openxmlformats.org/drawingml/2006/main" xmlns:r="http://schemas.openxmlformats.org/officeDocument/2006/relationships" xmlns:p="http://schemas.openxmlformats.org/presentationml/2006/main">
   <p:cSld>
     <p:spTree>
@@ -26795,7 +32179,7 @@
           <a:p>
             <a:fld id="{2AF3B5EA-18B6-4040-9F78-6052AF49C681}" type="slidenum">
               <a:rPr lang="en-US" smtClean="0"/>
-              <a:t>28</a:t>
+              <a:t>29</a:t>
             </a:fld>
             <a:endParaRPr lang="en-US"/>
           </a:p>
@@ -26814,7 +32198,101 @@
 </p:sld>
 </file>
 
-<file path=ppt/slides/slide29.xml><?xml version="1.0" encoding="utf-8"?>
+<file path=ppt/slides/slide3.xml><?xml version="1.0" encoding="utf-8"?>
+<p:sld xmlns:a="http://schemas.openxmlformats.org/drawingml/2006/main" xmlns:r="http://schemas.openxmlformats.org/officeDocument/2006/relationships" xmlns:p="http://schemas.openxmlformats.org/presentationml/2006/main">
+  <p:cSld>
+    <p:spTree>
+      <p:nvGrpSpPr>
+        <p:cNvPr id="1" name=""/>
+        <p:cNvGrpSpPr/>
+        <p:nvPr/>
+      </p:nvGrpSpPr>
+      <p:grpSpPr>
+        <a:xfrm>
+          <a:off x="0" y="0"/>
+          <a:ext cx="0" cy="0"/>
+          <a:chOff x="0" y="0"/>
+          <a:chExt cx="0" cy="0"/>
+        </a:xfrm>
+      </p:grpSpPr>
+      <p:sp>
+        <p:nvSpPr>
+          <p:cNvPr id="2" name="Title 1"/>
+          <p:cNvSpPr>
+            <a:spLocks noGrp="1"/>
+          </p:cNvSpPr>
+          <p:nvPr>
+            <p:ph type="title"/>
+          </p:nvPr>
+        </p:nvSpPr>
+        <p:spPr/>
+        <p:txBody>
+          <a:bodyPr/>
+          <a:lstStyle/>
+          <a:p>
+            <a:r>
+              <a:rPr lang="en-US" dirty="0"/>
+              <a:t>Introduction</a:t>
+            </a:r>
+          </a:p>
+        </p:txBody>
+      </p:sp>
+      <p:sp>
+        <p:nvSpPr>
+          <p:cNvPr id="3" name="Content Placeholder 2"/>
+          <p:cNvSpPr>
+            <a:spLocks noGrp="1"/>
+          </p:cNvSpPr>
+          <p:nvPr>
+            <p:ph idx="1"/>
+          </p:nvPr>
+        </p:nvSpPr>
+        <p:spPr/>
+        <p:txBody>
+          <a:bodyPr/>
+          <a:lstStyle/>
+          <a:p>
+            <a:endParaRPr lang="en-US"/>
+          </a:p>
+        </p:txBody>
+      </p:sp>
+      <p:sp>
+        <p:nvSpPr>
+          <p:cNvPr id="4" name="Slide Number Placeholder 3"/>
+          <p:cNvSpPr>
+            <a:spLocks noGrp="1"/>
+          </p:cNvSpPr>
+          <p:nvPr>
+            <p:ph type="sldNum" sz="quarter" idx="12"/>
+          </p:nvPr>
+        </p:nvSpPr>
+        <p:spPr/>
+        <p:txBody>
+          <a:bodyPr/>
+          <a:lstStyle/>
+          <a:p>
+            <a:fld id="{2AF3B5EA-18B6-4040-9F78-6052AF49C681}" type="slidenum">
+              <a:rPr lang="en-US" smtClean="0"/>
+              <a:t>3</a:t>
+            </a:fld>
+            <a:endParaRPr lang="en-US"/>
+          </a:p>
+        </p:txBody>
+      </p:sp>
+    </p:spTree>
+    <p:extLst>
+      <p:ext uri="{BB962C8B-B14F-4D97-AF65-F5344CB8AC3E}">
+        <p14:creationId xmlns:p14="http://schemas.microsoft.com/office/powerpoint/2010/main" val="102794437"/>
+      </p:ext>
+    </p:extLst>
+  </p:cSld>
+  <p:clrMapOvr>
+    <a:masterClrMapping/>
+  </p:clrMapOvr>
+</p:sld>
+</file>
+
+<file path=ppt/slides/slide30.xml><?xml version="1.0" encoding="utf-8"?>
 <p:sld xmlns:a="http://schemas.openxmlformats.org/drawingml/2006/main" xmlns:r="http://schemas.openxmlformats.org/officeDocument/2006/relationships" xmlns:p="http://schemas.openxmlformats.org/presentationml/2006/main">
   <p:cSld>
     <p:spTree>
@@ -27112,7 +32590,7 @@
           <a:p>
             <a:fld id="{2AF3B5EA-18B6-4040-9F78-6052AF49C681}" type="slidenum">
               <a:rPr lang="en-US" smtClean="0"/>
-              <a:t>29</a:t>
+              <a:t>30</a:t>
             </a:fld>
             <a:endParaRPr lang="en-US"/>
           </a:p>
@@ -27131,101 +32609,7 @@
 </p:sld>
 </file>
 
-<file path=ppt/slides/slide3.xml><?xml version="1.0" encoding="utf-8"?>
-<p:sld xmlns:a="http://schemas.openxmlformats.org/drawingml/2006/main" xmlns:r="http://schemas.openxmlformats.org/officeDocument/2006/relationships" xmlns:p="http://schemas.openxmlformats.org/presentationml/2006/main">
-  <p:cSld>
-    <p:spTree>
-      <p:nvGrpSpPr>
-        <p:cNvPr id="1" name=""/>
-        <p:cNvGrpSpPr/>
-        <p:nvPr/>
-      </p:nvGrpSpPr>
-      <p:grpSpPr>
-        <a:xfrm>
-          <a:off x="0" y="0"/>
-          <a:ext cx="0" cy="0"/>
-          <a:chOff x="0" y="0"/>
-          <a:chExt cx="0" cy="0"/>
-        </a:xfrm>
-      </p:grpSpPr>
-      <p:sp>
-        <p:nvSpPr>
-          <p:cNvPr id="2" name="Title 1"/>
-          <p:cNvSpPr>
-            <a:spLocks noGrp="1"/>
-          </p:cNvSpPr>
-          <p:nvPr>
-            <p:ph type="title"/>
-          </p:nvPr>
-        </p:nvSpPr>
-        <p:spPr/>
-        <p:txBody>
-          <a:bodyPr/>
-          <a:lstStyle/>
-          <a:p>
-            <a:r>
-              <a:rPr lang="en-US" dirty="0"/>
-              <a:t>Introduction</a:t>
-            </a:r>
-          </a:p>
-        </p:txBody>
-      </p:sp>
-      <p:sp>
-        <p:nvSpPr>
-          <p:cNvPr id="3" name="Content Placeholder 2"/>
-          <p:cNvSpPr>
-            <a:spLocks noGrp="1"/>
-          </p:cNvSpPr>
-          <p:nvPr>
-            <p:ph idx="1"/>
-          </p:nvPr>
-        </p:nvSpPr>
-        <p:spPr/>
-        <p:txBody>
-          <a:bodyPr/>
-          <a:lstStyle/>
-          <a:p>
-            <a:endParaRPr lang="en-US"/>
-          </a:p>
-        </p:txBody>
-      </p:sp>
-      <p:sp>
-        <p:nvSpPr>
-          <p:cNvPr id="4" name="Slide Number Placeholder 3"/>
-          <p:cNvSpPr>
-            <a:spLocks noGrp="1"/>
-          </p:cNvSpPr>
-          <p:nvPr>
-            <p:ph type="sldNum" sz="quarter" idx="12"/>
-          </p:nvPr>
-        </p:nvSpPr>
-        <p:spPr/>
-        <p:txBody>
-          <a:bodyPr/>
-          <a:lstStyle/>
-          <a:p>
-            <a:fld id="{2AF3B5EA-18B6-4040-9F78-6052AF49C681}" type="slidenum">
-              <a:rPr lang="en-US" smtClean="0"/>
-              <a:t>3</a:t>
-            </a:fld>
-            <a:endParaRPr lang="en-US"/>
-          </a:p>
-        </p:txBody>
-      </p:sp>
-    </p:spTree>
-    <p:extLst>
-      <p:ext uri="{BB962C8B-B14F-4D97-AF65-F5344CB8AC3E}">
-        <p14:creationId xmlns:p14="http://schemas.microsoft.com/office/powerpoint/2010/main" val="102794437"/>
-      </p:ext>
-    </p:extLst>
-  </p:cSld>
-  <p:clrMapOvr>
-    <a:masterClrMapping/>
-  </p:clrMapOvr>
-</p:sld>
-</file>
-
-<file path=ppt/slides/slide30.xml><?xml version="1.0" encoding="utf-8"?>
+<file path=ppt/slides/slide31.xml><?xml version="1.0" encoding="utf-8"?>
 <p:sld xmlns:a="http://schemas.openxmlformats.org/drawingml/2006/main" xmlns:r="http://schemas.openxmlformats.org/officeDocument/2006/relationships" xmlns:p="http://schemas.openxmlformats.org/presentationml/2006/main">
   <p:cSld>
     <p:spTree>
@@ -27483,7 +32867,7 @@
           <a:p>
             <a:fld id="{2AF3B5EA-18B6-4040-9F78-6052AF49C681}" type="slidenum">
               <a:rPr lang="en-US" smtClean="0"/>
-              <a:t>30</a:t>
+              <a:t>31</a:t>
             </a:fld>
             <a:endParaRPr lang="en-US"/>
           </a:p>
@@ -27502,7 +32886,7 @@
 </p:sld>
 </file>
 
-<file path=ppt/slides/slide31.xml><?xml version="1.0" encoding="utf-8"?>
+<file path=ppt/slides/slide32.xml><?xml version="1.0" encoding="utf-8"?>
 <p:sld xmlns:a="http://schemas.openxmlformats.org/drawingml/2006/main" xmlns:r="http://schemas.openxmlformats.org/officeDocument/2006/relationships" xmlns:p="http://schemas.openxmlformats.org/presentationml/2006/main">
   <p:cSld>
     <p:spTree>
@@ -27735,7 +33119,7 @@
           <a:p>
             <a:fld id="{2AF3B5EA-18B6-4040-9F78-6052AF49C681}" type="slidenum">
               <a:rPr lang="en-US" smtClean="0"/>
-              <a:t>31</a:t>
+              <a:t>32</a:t>
             </a:fld>
             <a:endParaRPr lang="en-US"/>
           </a:p>
@@ -27754,7 +33138,7 @@
 </p:sld>
 </file>
 
-<file path=ppt/slides/slide32.xml><?xml version="1.0" encoding="utf-8"?>
+<file path=ppt/slides/slide33.xml><?xml version="1.0" encoding="utf-8"?>
 <p:sld xmlns:a="http://schemas.openxmlformats.org/drawingml/2006/main" xmlns:r="http://schemas.openxmlformats.org/officeDocument/2006/relationships" xmlns:p="http://schemas.openxmlformats.org/presentationml/2006/main">
   <p:cSld>
     <p:spTree>
@@ -27965,7 +33349,7 @@
           <a:p>
             <a:fld id="{2AF3B5EA-18B6-4040-9F78-6052AF49C681}" type="slidenum">
               <a:rPr lang="en-US" smtClean="0"/>
-              <a:t>32</a:t>
+              <a:t>33</a:t>
             </a:fld>
             <a:endParaRPr lang="en-US"/>
           </a:p>
@@ -27984,7 +33368,7 @@
 </p:sld>
 </file>
 
-<file path=ppt/slides/slide33.xml><?xml version="1.0" encoding="utf-8"?>
+<file path=ppt/slides/slide34.xml><?xml version="1.0" encoding="utf-8"?>
 <p:sld xmlns:a="http://schemas.openxmlformats.org/drawingml/2006/main" xmlns:r="http://schemas.openxmlformats.org/officeDocument/2006/relationships" xmlns:p="http://schemas.openxmlformats.org/presentationml/2006/main">
   <p:cSld>
     <p:spTree>
@@ -28217,7 +33601,7 @@
           <a:p>
             <a:fld id="{2AF3B5EA-18B6-4040-9F78-6052AF49C681}" type="slidenum">
               <a:rPr lang="en-US" smtClean="0"/>
-              <a:t>33</a:t>
+              <a:t>34</a:t>
             </a:fld>
             <a:endParaRPr lang="en-US"/>
           </a:p>

--- a/Slides/Common Slides for CS 5010.pptx
+++ b/Slides/Common Slides for CS 5010.pptx
@@ -5,7 +5,7 @@
     <p:sldMasterId id="2147483648" r:id="rId1"/>
   </p:sldMasterIdLst>
   <p:notesMasterIdLst>
-    <p:notesMasterId r:id="rId36"/>
+    <p:notesMasterId r:id="rId37"/>
   </p:notesMasterIdLst>
   <p:sldIdLst>
     <p:sldId id="285" r:id="rId2"/>
@@ -20,33 +20,34 @@
     <p:sldId id="303" r:id="rId11"/>
     <p:sldId id="304" r:id="rId12"/>
     <p:sldId id="305" r:id="rId13"/>
-    <p:sldId id="261" r:id="rId14"/>
-    <p:sldId id="264" r:id="rId15"/>
-    <p:sldId id="297" r:id="rId16"/>
-    <p:sldId id="265" r:id="rId17"/>
-    <p:sldId id="301" r:id="rId18"/>
-    <p:sldId id="289" r:id="rId19"/>
-    <p:sldId id="266" r:id="rId20"/>
-    <p:sldId id="267" r:id="rId21"/>
-    <p:sldId id="268" r:id="rId22"/>
-    <p:sldId id="269" r:id="rId23"/>
-    <p:sldId id="279" r:id="rId24"/>
-    <p:sldId id="280" r:id="rId25"/>
-    <p:sldId id="281" r:id="rId26"/>
-    <p:sldId id="299" r:id="rId27"/>
-    <p:sldId id="284" r:id="rId28"/>
-    <p:sldId id="277" r:id="rId29"/>
-    <p:sldId id="273" r:id="rId30"/>
-    <p:sldId id="274" r:id="rId31"/>
-    <p:sldId id="276" r:id="rId32"/>
-    <p:sldId id="278" r:id="rId33"/>
-    <p:sldId id="282" r:id="rId34"/>
-    <p:sldId id="283" r:id="rId35"/>
+    <p:sldId id="306" r:id="rId14"/>
+    <p:sldId id="261" r:id="rId15"/>
+    <p:sldId id="264" r:id="rId16"/>
+    <p:sldId id="297" r:id="rId17"/>
+    <p:sldId id="265" r:id="rId18"/>
+    <p:sldId id="301" r:id="rId19"/>
+    <p:sldId id="289" r:id="rId20"/>
+    <p:sldId id="266" r:id="rId21"/>
+    <p:sldId id="267" r:id="rId22"/>
+    <p:sldId id="268" r:id="rId23"/>
+    <p:sldId id="269" r:id="rId24"/>
+    <p:sldId id="279" r:id="rId25"/>
+    <p:sldId id="280" r:id="rId26"/>
+    <p:sldId id="281" r:id="rId27"/>
+    <p:sldId id="299" r:id="rId28"/>
+    <p:sldId id="284" r:id="rId29"/>
+    <p:sldId id="277" r:id="rId30"/>
+    <p:sldId id="273" r:id="rId31"/>
+    <p:sldId id="274" r:id="rId32"/>
+    <p:sldId id="276" r:id="rId33"/>
+    <p:sldId id="278" r:id="rId34"/>
+    <p:sldId id="282" r:id="rId35"/>
+    <p:sldId id="283" r:id="rId36"/>
   </p:sldIdLst>
   <p:sldSz cx="9144000" cy="6858000" type="screen4x3"/>
   <p:notesSz cx="6858000" cy="9144000"/>
   <p:custDataLst>
-    <p:tags r:id="rId37"/>
+    <p:tags r:id="rId38"/>
   </p:custDataLst>
   <p:defaultTextStyle>
     <a:defPPr>
@@ -3154,6 +3155,753 @@
 </dgm:colorsDef>
 </file>
 
+<file path=ppt/diagrams/colors5.xml><?xml version="1.0" encoding="utf-8"?>
+<dgm:colorsDef xmlns:dgm="http://schemas.openxmlformats.org/drawingml/2006/diagram" xmlns:a="http://schemas.openxmlformats.org/drawingml/2006/main" uniqueId="urn:microsoft.com/office/officeart/2005/8/colors/accent1_2">
+  <dgm:title val=""/>
+  <dgm:desc val=""/>
+  <dgm:catLst>
+    <dgm:cat type="accent1" pri="11200"/>
+  </dgm:catLst>
+  <dgm:styleLbl name="node0">
+    <dgm:fillClrLst meth="repeat">
+      <a:schemeClr val="accent1"/>
+    </dgm:fillClrLst>
+    <dgm:linClrLst meth="repeat">
+      <a:schemeClr val="lt1"/>
+    </dgm:linClrLst>
+    <dgm:effectClrLst/>
+    <dgm:txLinClrLst/>
+    <dgm:txFillClrLst/>
+    <dgm:txEffectClrLst/>
+  </dgm:styleLbl>
+  <dgm:styleLbl name="alignNode1">
+    <dgm:fillClrLst meth="repeat">
+      <a:schemeClr val="accent1"/>
+    </dgm:fillClrLst>
+    <dgm:linClrLst meth="repeat">
+      <a:schemeClr val="accent1"/>
+    </dgm:linClrLst>
+    <dgm:effectClrLst/>
+    <dgm:txLinClrLst/>
+    <dgm:txFillClrLst/>
+    <dgm:txEffectClrLst/>
+  </dgm:styleLbl>
+  <dgm:styleLbl name="node1">
+    <dgm:fillClrLst meth="repeat">
+      <a:schemeClr val="accent1"/>
+    </dgm:fillClrLst>
+    <dgm:linClrLst meth="repeat">
+      <a:schemeClr val="lt1"/>
+    </dgm:linClrLst>
+    <dgm:effectClrLst/>
+    <dgm:txLinClrLst/>
+    <dgm:txFillClrLst/>
+    <dgm:txEffectClrLst/>
+  </dgm:styleLbl>
+  <dgm:styleLbl name="lnNode1">
+    <dgm:fillClrLst meth="repeat">
+      <a:schemeClr val="accent1"/>
+    </dgm:fillClrLst>
+    <dgm:linClrLst meth="repeat">
+      <a:schemeClr val="lt1"/>
+    </dgm:linClrLst>
+    <dgm:effectClrLst/>
+    <dgm:txLinClrLst/>
+    <dgm:txFillClrLst/>
+    <dgm:txEffectClrLst/>
+  </dgm:styleLbl>
+  <dgm:styleLbl name="vennNode1">
+    <dgm:fillClrLst meth="repeat">
+      <a:schemeClr val="accent1">
+        <a:alpha val="50000"/>
+      </a:schemeClr>
+    </dgm:fillClrLst>
+    <dgm:linClrLst meth="repeat">
+      <a:schemeClr val="lt1"/>
+    </dgm:linClrLst>
+    <dgm:effectClrLst/>
+    <dgm:txLinClrLst/>
+    <dgm:txFillClrLst/>
+    <dgm:txEffectClrLst/>
+  </dgm:styleLbl>
+  <dgm:styleLbl name="node2">
+    <dgm:fillClrLst meth="repeat">
+      <a:schemeClr val="accent1"/>
+    </dgm:fillClrLst>
+    <dgm:linClrLst meth="repeat">
+      <a:schemeClr val="lt1"/>
+    </dgm:linClrLst>
+    <dgm:effectClrLst/>
+    <dgm:txLinClrLst/>
+    <dgm:txFillClrLst/>
+    <dgm:txEffectClrLst/>
+  </dgm:styleLbl>
+  <dgm:styleLbl name="node3">
+    <dgm:fillClrLst meth="repeat">
+      <a:schemeClr val="accent1"/>
+    </dgm:fillClrLst>
+    <dgm:linClrLst meth="repeat">
+      <a:schemeClr val="lt1"/>
+    </dgm:linClrLst>
+    <dgm:effectClrLst/>
+    <dgm:txLinClrLst/>
+    <dgm:txFillClrLst/>
+    <dgm:txEffectClrLst/>
+  </dgm:styleLbl>
+  <dgm:styleLbl name="node4">
+    <dgm:fillClrLst meth="repeat">
+      <a:schemeClr val="accent1"/>
+    </dgm:fillClrLst>
+    <dgm:linClrLst meth="repeat">
+      <a:schemeClr val="lt1"/>
+    </dgm:linClrLst>
+    <dgm:effectClrLst/>
+    <dgm:txLinClrLst/>
+    <dgm:txFillClrLst/>
+    <dgm:txEffectClrLst/>
+  </dgm:styleLbl>
+  <dgm:styleLbl name="fgImgPlace1">
+    <dgm:fillClrLst meth="repeat">
+      <a:schemeClr val="accent1">
+        <a:tint val="50000"/>
+      </a:schemeClr>
+    </dgm:fillClrLst>
+    <dgm:linClrLst meth="repeat">
+      <a:schemeClr val="lt1"/>
+    </dgm:linClrLst>
+    <dgm:effectClrLst/>
+    <dgm:txLinClrLst/>
+    <dgm:txFillClrLst meth="repeat">
+      <a:schemeClr val="lt1"/>
+    </dgm:txFillClrLst>
+    <dgm:txEffectClrLst/>
+  </dgm:styleLbl>
+  <dgm:styleLbl name="alignImgPlace1">
+    <dgm:fillClrLst meth="repeat">
+      <a:schemeClr val="accent1">
+        <a:tint val="50000"/>
+      </a:schemeClr>
+    </dgm:fillClrLst>
+    <dgm:linClrLst meth="repeat">
+      <a:schemeClr val="lt1"/>
+    </dgm:linClrLst>
+    <dgm:effectClrLst/>
+    <dgm:txLinClrLst/>
+    <dgm:txFillClrLst meth="repeat">
+      <a:schemeClr val="lt1"/>
+    </dgm:txFillClrLst>
+    <dgm:txEffectClrLst/>
+  </dgm:styleLbl>
+  <dgm:styleLbl name="bgImgPlace1">
+    <dgm:fillClrLst meth="repeat">
+      <a:schemeClr val="accent1">
+        <a:tint val="50000"/>
+      </a:schemeClr>
+    </dgm:fillClrLst>
+    <dgm:linClrLst meth="repeat">
+      <a:schemeClr val="lt1"/>
+    </dgm:linClrLst>
+    <dgm:effectClrLst/>
+    <dgm:txLinClrLst/>
+    <dgm:txFillClrLst meth="repeat">
+      <a:schemeClr val="lt1"/>
+    </dgm:txFillClrLst>
+    <dgm:txEffectClrLst/>
+  </dgm:styleLbl>
+  <dgm:styleLbl name="sibTrans2D1">
+    <dgm:fillClrLst meth="repeat">
+      <a:schemeClr val="accent1">
+        <a:tint val="60000"/>
+      </a:schemeClr>
+    </dgm:fillClrLst>
+    <dgm:linClrLst meth="repeat">
+      <a:schemeClr val="accent1">
+        <a:tint val="60000"/>
+      </a:schemeClr>
+    </dgm:linClrLst>
+    <dgm:effectClrLst/>
+    <dgm:txLinClrLst/>
+    <dgm:txFillClrLst/>
+    <dgm:txEffectClrLst/>
+  </dgm:styleLbl>
+  <dgm:styleLbl name="fgSibTrans2D1">
+    <dgm:fillClrLst meth="repeat">
+      <a:schemeClr val="accent1">
+        <a:tint val="60000"/>
+      </a:schemeClr>
+    </dgm:fillClrLst>
+    <dgm:linClrLst meth="repeat">
+      <a:schemeClr val="accent1">
+        <a:tint val="60000"/>
+      </a:schemeClr>
+    </dgm:linClrLst>
+    <dgm:effectClrLst/>
+    <dgm:txLinClrLst/>
+    <dgm:txFillClrLst/>
+    <dgm:txEffectClrLst/>
+  </dgm:styleLbl>
+  <dgm:styleLbl name="bgSibTrans2D1">
+    <dgm:fillClrLst meth="repeat">
+      <a:schemeClr val="accent1">
+        <a:tint val="60000"/>
+      </a:schemeClr>
+    </dgm:fillClrLst>
+    <dgm:linClrLst meth="repeat">
+      <a:schemeClr val="accent1">
+        <a:tint val="60000"/>
+      </a:schemeClr>
+    </dgm:linClrLst>
+    <dgm:effectClrLst/>
+    <dgm:txLinClrLst/>
+    <dgm:txFillClrLst/>
+    <dgm:txEffectClrLst/>
+  </dgm:styleLbl>
+  <dgm:styleLbl name="sibTrans1D1">
+    <dgm:fillClrLst meth="repeat">
+      <a:schemeClr val="accent1"/>
+    </dgm:fillClrLst>
+    <dgm:linClrLst meth="repeat">
+      <a:schemeClr val="accent1"/>
+    </dgm:linClrLst>
+    <dgm:effectClrLst/>
+    <dgm:txLinClrLst/>
+    <dgm:txFillClrLst meth="repeat">
+      <a:schemeClr val="tx1"/>
+    </dgm:txFillClrLst>
+    <dgm:txEffectClrLst/>
+  </dgm:styleLbl>
+  <dgm:styleLbl name="callout">
+    <dgm:fillClrLst meth="repeat">
+      <a:schemeClr val="accent1"/>
+    </dgm:fillClrLst>
+    <dgm:linClrLst meth="repeat">
+      <a:schemeClr val="accent1">
+        <a:tint val="50000"/>
+      </a:schemeClr>
+    </dgm:linClrLst>
+    <dgm:effectClrLst/>
+    <dgm:txLinClrLst/>
+    <dgm:txFillClrLst meth="repeat">
+      <a:schemeClr val="tx1"/>
+    </dgm:txFillClrLst>
+    <dgm:txEffectClrLst/>
+  </dgm:styleLbl>
+  <dgm:styleLbl name="asst0">
+    <dgm:fillClrLst meth="repeat">
+      <a:schemeClr val="accent1"/>
+    </dgm:fillClrLst>
+    <dgm:linClrLst meth="repeat">
+      <a:schemeClr val="lt1"/>
+    </dgm:linClrLst>
+    <dgm:effectClrLst/>
+    <dgm:txLinClrLst/>
+    <dgm:txFillClrLst/>
+    <dgm:txEffectClrLst/>
+  </dgm:styleLbl>
+  <dgm:styleLbl name="asst1">
+    <dgm:fillClrLst meth="repeat">
+      <a:schemeClr val="accent1"/>
+    </dgm:fillClrLst>
+    <dgm:linClrLst meth="repeat">
+      <a:schemeClr val="lt1"/>
+    </dgm:linClrLst>
+    <dgm:effectClrLst/>
+    <dgm:txLinClrLst/>
+    <dgm:txFillClrLst/>
+    <dgm:txEffectClrLst/>
+  </dgm:styleLbl>
+  <dgm:styleLbl name="asst2">
+    <dgm:fillClrLst meth="repeat">
+      <a:schemeClr val="accent1"/>
+    </dgm:fillClrLst>
+    <dgm:linClrLst meth="repeat">
+      <a:schemeClr val="lt1"/>
+    </dgm:linClrLst>
+    <dgm:effectClrLst/>
+    <dgm:txLinClrLst/>
+    <dgm:txFillClrLst/>
+    <dgm:txEffectClrLst/>
+  </dgm:styleLbl>
+  <dgm:styleLbl name="asst3">
+    <dgm:fillClrLst meth="repeat">
+      <a:schemeClr val="accent1"/>
+    </dgm:fillClrLst>
+    <dgm:linClrLst meth="repeat">
+      <a:schemeClr val="lt1"/>
+    </dgm:linClrLst>
+    <dgm:effectClrLst/>
+    <dgm:txLinClrLst/>
+    <dgm:txFillClrLst/>
+    <dgm:txEffectClrLst/>
+  </dgm:styleLbl>
+  <dgm:styleLbl name="asst4">
+    <dgm:fillClrLst meth="repeat">
+      <a:schemeClr val="accent1"/>
+    </dgm:fillClrLst>
+    <dgm:linClrLst meth="repeat">
+      <a:schemeClr val="lt1"/>
+    </dgm:linClrLst>
+    <dgm:effectClrLst/>
+    <dgm:txLinClrLst/>
+    <dgm:txFillClrLst/>
+    <dgm:txEffectClrLst/>
+  </dgm:styleLbl>
+  <dgm:styleLbl name="parChTrans2D1">
+    <dgm:fillClrLst meth="repeat">
+      <a:schemeClr val="accent1">
+        <a:tint val="60000"/>
+      </a:schemeClr>
+    </dgm:fillClrLst>
+    <dgm:linClrLst meth="repeat">
+      <a:schemeClr val="accent1">
+        <a:tint val="60000"/>
+      </a:schemeClr>
+    </dgm:linClrLst>
+    <dgm:effectClrLst/>
+    <dgm:txLinClrLst/>
+    <dgm:txFillClrLst meth="repeat">
+      <a:schemeClr val="lt1"/>
+    </dgm:txFillClrLst>
+    <dgm:txEffectClrLst/>
+  </dgm:styleLbl>
+  <dgm:styleLbl name="parChTrans2D2">
+    <dgm:fillClrLst meth="repeat">
+      <a:schemeClr val="accent1"/>
+    </dgm:fillClrLst>
+    <dgm:linClrLst meth="repeat">
+      <a:schemeClr val="accent1"/>
+    </dgm:linClrLst>
+    <dgm:effectClrLst/>
+    <dgm:txLinClrLst/>
+    <dgm:txFillClrLst meth="repeat">
+      <a:schemeClr val="lt1"/>
+    </dgm:txFillClrLst>
+    <dgm:txEffectClrLst/>
+  </dgm:styleLbl>
+  <dgm:styleLbl name="parChTrans2D3">
+    <dgm:fillClrLst meth="repeat">
+      <a:schemeClr val="accent1"/>
+    </dgm:fillClrLst>
+    <dgm:linClrLst meth="repeat">
+      <a:schemeClr val="accent1"/>
+    </dgm:linClrLst>
+    <dgm:effectClrLst/>
+    <dgm:txLinClrLst/>
+    <dgm:txFillClrLst meth="repeat">
+      <a:schemeClr val="lt1"/>
+    </dgm:txFillClrLst>
+    <dgm:txEffectClrLst/>
+  </dgm:styleLbl>
+  <dgm:styleLbl name="parChTrans2D4">
+    <dgm:fillClrLst meth="repeat">
+      <a:schemeClr val="accent1"/>
+    </dgm:fillClrLst>
+    <dgm:linClrLst meth="repeat">
+      <a:schemeClr val="accent1"/>
+    </dgm:linClrLst>
+    <dgm:effectClrLst/>
+    <dgm:txLinClrLst/>
+    <dgm:txFillClrLst meth="repeat">
+      <a:schemeClr val="lt1"/>
+    </dgm:txFillClrLst>
+    <dgm:txEffectClrLst/>
+  </dgm:styleLbl>
+  <dgm:styleLbl name="parChTrans1D1">
+    <dgm:fillClrLst meth="repeat">
+      <a:schemeClr val="accent1"/>
+    </dgm:fillClrLst>
+    <dgm:linClrLst meth="repeat">
+      <a:schemeClr val="accent1">
+        <a:shade val="60000"/>
+      </a:schemeClr>
+    </dgm:linClrLst>
+    <dgm:effectClrLst/>
+    <dgm:txLinClrLst/>
+    <dgm:txFillClrLst meth="repeat">
+      <a:schemeClr val="tx1"/>
+    </dgm:txFillClrLst>
+    <dgm:txEffectClrLst/>
+  </dgm:styleLbl>
+  <dgm:styleLbl name="parChTrans1D2">
+    <dgm:fillClrLst meth="repeat">
+      <a:schemeClr val="accent1"/>
+    </dgm:fillClrLst>
+    <dgm:linClrLst meth="repeat">
+      <a:schemeClr val="accent1">
+        <a:shade val="60000"/>
+      </a:schemeClr>
+    </dgm:linClrLst>
+    <dgm:effectClrLst/>
+    <dgm:txLinClrLst/>
+    <dgm:txFillClrLst meth="repeat">
+      <a:schemeClr val="tx1"/>
+    </dgm:txFillClrLst>
+    <dgm:txEffectClrLst/>
+  </dgm:styleLbl>
+  <dgm:styleLbl name="parChTrans1D3">
+    <dgm:fillClrLst meth="repeat">
+      <a:schemeClr val="accent1"/>
+    </dgm:fillClrLst>
+    <dgm:linClrLst meth="repeat">
+      <a:schemeClr val="accent1">
+        <a:shade val="80000"/>
+      </a:schemeClr>
+    </dgm:linClrLst>
+    <dgm:effectClrLst/>
+    <dgm:txLinClrLst/>
+    <dgm:txFillClrLst meth="repeat">
+      <a:schemeClr val="tx1"/>
+    </dgm:txFillClrLst>
+    <dgm:txEffectClrLst/>
+  </dgm:styleLbl>
+  <dgm:styleLbl name="parChTrans1D4">
+    <dgm:fillClrLst meth="repeat">
+      <a:schemeClr val="accent1"/>
+    </dgm:fillClrLst>
+    <dgm:linClrLst meth="repeat">
+      <a:schemeClr val="accent1">
+        <a:shade val="80000"/>
+      </a:schemeClr>
+    </dgm:linClrLst>
+    <dgm:effectClrLst/>
+    <dgm:txLinClrLst/>
+    <dgm:txFillClrLst meth="repeat">
+      <a:schemeClr val="tx1"/>
+    </dgm:txFillClrLst>
+    <dgm:txEffectClrLst/>
+  </dgm:styleLbl>
+  <dgm:styleLbl name="fgAcc1">
+    <dgm:fillClrLst meth="repeat">
+      <a:schemeClr val="lt1">
+        <a:alpha val="90000"/>
+      </a:schemeClr>
+    </dgm:fillClrLst>
+    <dgm:linClrLst meth="repeat">
+      <a:schemeClr val="accent1"/>
+    </dgm:linClrLst>
+    <dgm:effectClrLst/>
+    <dgm:txLinClrLst/>
+    <dgm:txFillClrLst meth="repeat">
+      <a:schemeClr val="dk1"/>
+    </dgm:txFillClrLst>
+    <dgm:txEffectClrLst/>
+  </dgm:styleLbl>
+  <dgm:styleLbl name="conFgAcc1">
+    <dgm:fillClrLst meth="repeat">
+      <a:schemeClr val="lt1">
+        <a:alpha val="90000"/>
+      </a:schemeClr>
+    </dgm:fillClrLst>
+    <dgm:linClrLst meth="repeat">
+      <a:schemeClr val="accent1"/>
+    </dgm:linClrLst>
+    <dgm:effectClrLst/>
+    <dgm:txLinClrLst/>
+    <dgm:txFillClrLst meth="repeat">
+      <a:schemeClr val="dk1"/>
+    </dgm:txFillClrLst>
+    <dgm:txEffectClrLst/>
+  </dgm:styleLbl>
+  <dgm:styleLbl name="alignAcc1">
+    <dgm:fillClrLst meth="repeat">
+      <a:schemeClr val="lt1">
+        <a:alpha val="90000"/>
+      </a:schemeClr>
+    </dgm:fillClrLst>
+    <dgm:linClrLst meth="repeat">
+      <a:schemeClr val="accent1"/>
+    </dgm:linClrLst>
+    <dgm:effectClrLst/>
+    <dgm:txLinClrLst/>
+    <dgm:txFillClrLst meth="repeat">
+      <a:schemeClr val="dk1"/>
+    </dgm:txFillClrLst>
+    <dgm:txEffectClrLst/>
+  </dgm:styleLbl>
+  <dgm:styleLbl name="trAlignAcc1">
+    <dgm:fillClrLst meth="repeat">
+      <a:schemeClr val="lt1">
+        <a:alpha val="40000"/>
+      </a:schemeClr>
+    </dgm:fillClrLst>
+    <dgm:linClrLst meth="repeat">
+      <a:schemeClr val="accent1"/>
+    </dgm:linClrLst>
+    <dgm:effectClrLst/>
+    <dgm:txLinClrLst/>
+    <dgm:txFillClrLst meth="repeat">
+      <a:schemeClr val="dk1"/>
+    </dgm:txFillClrLst>
+    <dgm:txEffectClrLst/>
+  </dgm:styleLbl>
+  <dgm:styleLbl name="bgAcc1">
+    <dgm:fillClrLst meth="repeat">
+      <a:schemeClr val="lt1">
+        <a:alpha val="90000"/>
+      </a:schemeClr>
+    </dgm:fillClrLst>
+    <dgm:linClrLst meth="repeat">
+      <a:schemeClr val="accent1"/>
+    </dgm:linClrLst>
+    <dgm:effectClrLst/>
+    <dgm:txLinClrLst/>
+    <dgm:txFillClrLst meth="repeat">
+      <a:schemeClr val="dk1"/>
+    </dgm:txFillClrLst>
+    <dgm:txEffectClrLst/>
+  </dgm:styleLbl>
+  <dgm:styleLbl name="solidFgAcc1">
+    <dgm:fillClrLst meth="repeat">
+      <a:schemeClr val="lt1"/>
+    </dgm:fillClrLst>
+    <dgm:linClrLst meth="repeat">
+      <a:schemeClr val="accent1"/>
+    </dgm:linClrLst>
+    <dgm:effectClrLst/>
+    <dgm:txLinClrLst/>
+    <dgm:txFillClrLst meth="repeat">
+      <a:schemeClr val="dk1"/>
+    </dgm:txFillClrLst>
+    <dgm:txEffectClrLst/>
+  </dgm:styleLbl>
+  <dgm:styleLbl name="solidAlignAcc1">
+    <dgm:fillClrLst meth="repeat">
+      <a:schemeClr val="lt1"/>
+    </dgm:fillClrLst>
+    <dgm:linClrLst meth="repeat">
+      <a:schemeClr val="accent1"/>
+    </dgm:linClrLst>
+    <dgm:effectClrLst/>
+    <dgm:txLinClrLst/>
+    <dgm:txFillClrLst meth="repeat">
+      <a:schemeClr val="dk1"/>
+    </dgm:txFillClrLst>
+    <dgm:txEffectClrLst/>
+  </dgm:styleLbl>
+  <dgm:styleLbl name="solidBgAcc1">
+    <dgm:fillClrLst meth="repeat">
+      <a:schemeClr val="lt1"/>
+    </dgm:fillClrLst>
+    <dgm:linClrLst meth="repeat">
+      <a:schemeClr val="accent1"/>
+    </dgm:linClrLst>
+    <dgm:effectClrLst/>
+    <dgm:txLinClrLst/>
+    <dgm:txFillClrLst meth="repeat">
+      <a:schemeClr val="dk1"/>
+    </dgm:txFillClrLst>
+    <dgm:txEffectClrLst/>
+  </dgm:styleLbl>
+  <dgm:styleLbl name="fgAccFollowNode1">
+    <dgm:fillClrLst meth="repeat">
+      <a:schemeClr val="accent1">
+        <a:alpha val="90000"/>
+        <a:tint val="40000"/>
+      </a:schemeClr>
+    </dgm:fillClrLst>
+    <dgm:linClrLst meth="repeat">
+      <a:schemeClr val="accent1">
+        <a:alpha val="90000"/>
+        <a:tint val="40000"/>
+      </a:schemeClr>
+    </dgm:linClrLst>
+    <dgm:effectClrLst/>
+    <dgm:txLinClrLst/>
+    <dgm:txFillClrLst meth="repeat">
+      <a:schemeClr val="dk1"/>
+    </dgm:txFillClrLst>
+    <dgm:txEffectClrLst/>
+  </dgm:styleLbl>
+  <dgm:styleLbl name="alignAccFollowNode1">
+    <dgm:fillClrLst meth="repeat">
+      <a:schemeClr val="accent1">
+        <a:alpha val="90000"/>
+        <a:tint val="40000"/>
+      </a:schemeClr>
+    </dgm:fillClrLst>
+    <dgm:linClrLst meth="repeat">
+      <a:schemeClr val="accent1">
+        <a:alpha val="90000"/>
+        <a:tint val="40000"/>
+      </a:schemeClr>
+    </dgm:linClrLst>
+    <dgm:effectClrLst/>
+    <dgm:txLinClrLst/>
+    <dgm:txFillClrLst meth="repeat">
+      <a:schemeClr val="dk1"/>
+    </dgm:txFillClrLst>
+    <dgm:txEffectClrLst/>
+  </dgm:styleLbl>
+  <dgm:styleLbl name="bgAccFollowNode1">
+    <dgm:fillClrLst meth="repeat">
+      <a:schemeClr val="accent1">
+        <a:alpha val="90000"/>
+        <a:tint val="40000"/>
+      </a:schemeClr>
+    </dgm:fillClrLst>
+    <dgm:linClrLst meth="repeat">
+      <a:schemeClr val="accent1">
+        <a:alpha val="90000"/>
+        <a:tint val="40000"/>
+      </a:schemeClr>
+    </dgm:linClrLst>
+    <dgm:effectClrLst/>
+    <dgm:txLinClrLst/>
+    <dgm:txFillClrLst meth="repeat">
+      <a:schemeClr val="dk1"/>
+    </dgm:txFillClrLst>
+    <dgm:txEffectClrLst/>
+  </dgm:styleLbl>
+  <dgm:styleLbl name="fgAcc0">
+    <dgm:fillClrLst meth="repeat">
+      <a:schemeClr val="lt1">
+        <a:alpha val="90000"/>
+      </a:schemeClr>
+    </dgm:fillClrLst>
+    <dgm:linClrLst meth="repeat">
+      <a:schemeClr val="accent1"/>
+    </dgm:linClrLst>
+    <dgm:effectClrLst/>
+    <dgm:txLinClrLst/>
+    <dgm:txFillClrLst meth="repeat">
+      <a:schemeClr val="dk1"/>
+    </dgm:txFillClrLst>
+    <dgm:txEffectClrLst/>
+  </dgm:styleLbl>
+  <dgm:styleLbl name="fgAcc2">
+    <dgm:fillClrLst meth="repeat">
+      <a:schemeClr val="lt1">
+        <a:alpha val="90000"/>
+      </a:schemeClr>
+    </dgm:fillClrLst>
+    <dgm:linClrLst meth="repeat">
+      <a:schemeClr val="accent1"/>
+    </dgm:linClrLst>
+    <dgm:effectClrLst/>
+    <dgm:txLinClrLst/>
+    <dgm:txFillClrLst meth="repeat">
+      <a:schemeClr val="dk1"/>
+    </dgm:txFillClrLst>
+    <dgm:txEffectClrLst/>
+  </dgm:styleLbl>
+  <dgm:styleLbl name="fgAcc3">
+    <dgm:fillClrLst meth="repeat">
+      <a:schemeClr val="lt1">
+        <a:alpha val="90000"/>
+      </a:schemeClr>
+    </dgm:fillClrLst>
+    <dgm:linClrLst meth="repeat">
+      <a:schemeClr val="accent1"/>
+    </dgm:linClrLst>
+    <dgm:effectClrLst/>
+    <dgm:txLinClrLst/>
+    <dgm:txFillClrLst meth="repeat">
+      <a:schemeClr val="dk1"/>
+    </dgm:txFillClrLst>
+    <dgm:txEffectClrLst/>
+  </dgm:styleLbl>
+  <dgm:styleLbl name="fgAcc4">
+    <dgm:fillClrLst meth="repeat">
+      <a:schemeClr val="lt1">
+        <a:alpha val="90000"/>
+      </a:schemeClr>
+    </dgm:fillClrLst>
+    <dgm:linClrLst meth="repeat">
+      <a:schemeClr val="accent1"/>
+    </dgm:linClrLst>
+    <dgm:effectClrLst/>
+    <dgm:txLinClrLst/>
+    <dgm:txFillClrLst meth="repeat">
+      <a:schemeClr val="dk1"/>
+    </dgm:txFillClrLst>
+    <dgm:txEffectClrLst/>
+  </dgm:styleLbl>
+  <dgm:styleLbl name="bgShp">
+    <dgm:fillClrLst meth="repeat">
+      <a:schemeClr val="accent1">
+        <a:tint val="40000"/>
+      </a:schemeClr>
+    </dgm:fillClrLst>
+    <dgm:linClrLst meth="repeat">
+      <a:schemeClr val="accent1"/>
+    </dgm:linClrLst>
+    <dgm:effectClrLst/>
+    <dgm:txLinClrLst/>
+    <dgm:txFillClrLst meth="repeat">
+      <a:schemeClr val="dk1"/>
+    </dgm:txFillClrLst>
+    <dgm:txEffectClrLst/>
+  </dgm:styleLbl>
+  <dgm:styleLbl name="dkBgShp">
+    <dgm:fillClrLst meth="repeat">
+      <a:schemeClr val="accent1">
+        <a:shade val="80000"/>
+      </a:schemeClr>
+    </dgm:fillClrLst>
+    <dgm:linClrLst meth="repeat">
+      <a:schemeClr val="accent1"/>
+    </dgm:linClrLst>
+    <dgm:effectClrLst/>
+    <dgm:txLinClrLst/>
+    <dgm:txFillClrLst meth="repeat">
+      <a:schemeClr val="lt1"/>
+    </dgm:txFillClrLst>
+    <dgm:txEffectClrLst/>
+  </dgm:styleLbl>
+  <dgm:styleLbl name="trBgShp">
+    <dgm:fillClrLst meth="repeat">
+      <a:schemeClr val="accent1">
+        <a:tint val="50000"/>
+        <a:alpha val="40000"/>
+      </a:schemeClr>
+    </dgm:fillClrLst>
+    <dgm:linClrLst meth="repeat">
+      <a:schemeClr val="accent1"/>
+    </dgm:linClrLst>
+    <dgm:effectClrLst/>
+    <dgm:txLinClrLst/>
+    <dgm:txFillClrLst meth="repeat">
+      <a:schemeClr val="lt1"/>
+    </dgm:txFillClrLst>
+    <dgm:txEffectClrLst/>
+  </dgm:styleLbl>
+  <dgm:styleLbl name="fgShp">
+    <dgm:fillClrLst meth="repeat">
+      <a:schemeClr val="accent1">
+        <a:tint val="60000"/>
+      </a:schemeClr>
+    </dgm:fillClrLst>
+    <dgm:linClrLst meth="repeat">
+      <a:schemeClr val="lt1"/>
+    </dgm:linClrLst>
+    <dgm:effectClrLst/>
+    <dgm:txLinClrLst/>
+    <dgm:txFillClrLst meth="repeat">
+      <a:schemeClr val="dk1"/>
+    </dgm:txFillClrLst>
+    <dgm:txEffectClrLst/>
+  </dgm:styleLbl>
+  <dgm:styleLbl name="revTx">
+    <dgm:fillClrLst meth="repeat">
+      <a:schemeClr val="lt1">
+        <a:alpha val="0"/>
+      </a:schemeClr>
+    </dgm:fillClrLst>
+    <dgm:linClrLst meth="repeat">
+      <a:schemeClr val="dk1">
+        <a:alpha val="0"/>
+      </a:schemeClr>
+    </dgm:linClrLst>
+    <dgm:effectClrLst/>
+    <dgm:txLinClrLst/>
+    <dgm:txFillClrLst meth="repeat">
+      <a:schemeClr val="tx1"/>
+    </dgm:txFillClrLst>
+    <dgm:txEffectClrLst/>
+  </dgm:styleLbl>
+</dgm:colorsDef>
+</file>
+
 <file path=ppt/diagrams/data1.xml><?xml version="1.0" encoding="utf-8"?>
 <dgm:dataModel xmlns:dgm="http://schemas.openxmlformats.org/drawingml/2006/diagram" xmlns:a="http://schemas.openxmlformats.org/drawingml/2006/main">
   <dgm:ptLst>
@@ -7178,6 +7926,1334 @@
         </dgm:presLayoutVars>
       </dgm:prSet>
       <dgm:spPr/>
+    </dgm:pt>
+    <dgm:pt modelId="{6B27DFF3-3021-4E99-BF73-829A6255425D}" type="pres">
+      <dgm:prSet presAssocID="{E8807DF0-38BE-4236-AFC9-03DFA18007AA}" presName="Name13" presStyleLbl="parChTrans1D2" presStyleIdx="11" presStyleCnt="12"/>
+      <dgm:spPr/>
+    </dgm:pt>
+    <dgm:pt modelId="{88C17E61-7A2A-46D7-AC95-5E562286A33E}" type="pres">
+      <dgm:prSet presAssocID="{23FBFCAF-D268-4C4D-8359-092F33A19BD5}" presName="childText" presStyleLbl="bgAcc1" presStyleIdx="11" presStyleCnt="12">
+        <dgm:presLayoutVars>
+          <dgm:bulletEnabled val="1"/>
+        </dgm:presLayoutVars>
+      </dgm:prSet>
+      <dgm:spPr/>
+    </dgm:pt>
+  </dgm:ptLst>
+  <dgm:cxnLst>
+    <dgm:cxn modelId="{8187AE0B-B3A3-40AB-B6B3-9AB6FE520D3B}" type="presOf" srcId="{A91F764C-9950-4FF3-8710-2C57AEF81796}" destId="{9C05BE7E-FC1F-4CC6-8FAB-3504F91E9A3A}" srcOrd="0" destOrd="0" presId="urn:microsoft.com/office/officeart/2005/8/layout/hierarchy3"/>
+    <dgm:cxn modelId="{F8F3D917-317B-4A80-B606-277A7F6170C2}" srcId="{9AAB3432-E203-4861-9A1F-5A18DE81A0E0}" destId="{F221EA58-7488-4550-B7A5-965344CA7EAE}" srcOrd="1" destOrd="0" parTransId="{03056A9D-BCBF-4181-B8D6-7E4ECCBD4D9E}" sibTransId="{50012D0E-39A9-4FB4-832D-C4D74BE598A6}"/>
+    <dgm:cxn modelId="{B7B8BE25-1D3D-41C1-B2BB-252CA3FFFABF}" srcId="{5D17C516-2319-40FE-8748-E184C6D71444}" destId="{C217CF6C-69F6-4F1F-BFEF-F03F51825445}" srcOrd="0" destOrd="0" parTransId="{109F41A6-1D40-4F81-903A-8B0CB1E442DB}" sibTransId="{727D2815-3763-49AC-8FA5-B78975C6E255}"/>
+    <dgm:cxn modelId="{918F4E28-6C57-4EFF-80BA-F57AC436CDC9}" type="presOf" srcId="{08AACE21-5FAD-4460-B120-67387C8F0F32}" destId="{F5AE7053-0C33-481C-8BFB-D2DAFB4C4294}" srcOrd="0" destOrd="0" presId="urn:microsoft.com/office/officeart/2005/8/layout/hierarchy3"/>
+    <dgm:cxn modelId="{3DCA932B-DD59-4E44-8F2F-3D98BB8F8AC4}" srcId="{5D17C516-2319-40FE-8748-E184C6D71444}" destId="{4AE15C73-ECD7-496F-83BE-B4EE8FC55318}" srcOrd="1" destOrd="0" parTransId="{A91F764C-9950-4FF3-8710-2C57AEF81796}" sibTransId="{93DA2331-A667-4B3B-B63B-21162F6F4800}"/>
+    <dgm:cxn modelId="{052CFA2E-CA41-4AC1-AB22-4D2537CA2312}" type="presOf" srcId="{21C8EE31-AEBF-47B2-ADDE-34FDFA6BF6DC}" destId="{375B2884-C079-4ABC-AF46-CC7B31EF2123}" srcOrd="0" destOrd="0" presId="urn:microsoft.com/office/officeart/2005/8/layout/hierarchy3"/>
+    <dgm:cxn modelId="{C679C12F-0D37-4771-853C-9B6A72F3F8AB}" srcId="{5D17C516-2319-40FE-8748-E184C6D71444}" destId="{23FBFCAF-D268-4C4D-8359-092F33A19BD5}" srcOrd="3" destOrd="0" parTransId="{E8807DF0-38BE-4236-AFC9-03DFA18007AA}" sibTransId="{49424D88-7251-4F7F-9D61-B03F29AB2536}"/>
+    <dgm:cxn modelId="{372E1130-8A4A-4006-A020-34030B0410C9}" srcId="{ED0B78BF-E006-4732-B48C-2ADC9E2EF39A}" destId="{A7945ECA-2D01-4C03-9AED-9E3EEAAF0F2C}" srcOrd="1" destOrd="0" parTransId="{D39C6496-6307-4FC4-9D55-DB6DA94D051F}" sibTransId="{4FF7D82F-ECB8-4560-8324-4D22393C300C}"/>
+    <dgm:cxn modelId="{7156E032-39F7-4DCF-A095-E4906170ABD1}" type="presOf" srcId="{C217CF6C-69F6-4F1F-BFEF-F03F51825445}" destId="{EDB6085A-8F2B-4B84-887D-9DD4BEC6E4E1}" srcOrd="0" destOrd="0" presId="urn:microsoft.com/office/officeart/2005/8/layout/hierarchy3"/>
+    <dgm:cxn modelId="{77C2803F-5DCB-40EC-8837-BEA44757C328}" type="presOf" srcId="{B1CEE35E-20B6-4A0B-B1E8-D4F40E3162E1}" destId="{C5878689-67F2-4E3D-8C9B-392F50C32024}" srcOrd="0" destOrd="0" presId="urn:microsoft.com/office/officeart/2005/8/layout/hierarchy3"/>
+    <dgm:cxn modelId="{3C31933F-6B34-49D4-B2D3-FA6BA454BF0B}" type="presOf" srcId="{3C02419B-DA6A-4FDB-972F-4F8DC3AD08E3}" destId="{5A2BB121-DDEE-46A8-AC09-18496F773E62}" srcOrd="0" destOrd="0" presId="urn:microsoft.com/office/officeart/2005/8/layout/hierarchy3"/>
+    <dgm:cxn modelId="{91710C5C-CFE2-4A9F-AAD2-9CA95718FBE0}" type="presOf" srcId="{08DF2FDD-3A60-4E03-8D9E-10C265EC9121}" destId="{35FE4D4C-3CA0-4CCA-8F9D-1668C574961B}" srcOrd="0" destOrd="0" presId="urn:microsoft.com/office/officeart/2005/8/layout/hierarchy3"/>
+    <dgm:cxn modelId="{C906736A-EECE-4919-9DAA-28FE9DCB5675}" type="presOf" srcId="{5D17C516-2319-40FE-8748-E184C6D71444}" destId="{3DB7ADFA-DCAB-4034-9F43-B860EBE864E8}" srcOrd="0" destOrd="0" presId="urn:microsoft.com/office/officeart/2005/8/layout/hierarchy3"/>
+    <dgm:cxn modelId="{658D4F50-D710-4AB9-8265-F6A1451ABDAD}" type="presOf" srcId="{E8807DF0-38BE-4236-AFC9-03DFA18007AA}" destId="{6B27DFF3-3021-4E99-BF73-829A6255425D}" srcOrd="0" destOrd="0" presId="urn:microsoft.com/office/officeart/2005/8/layout/hierarchy3"/>
+    <dgm:cxn modelId="{1A587271-F11A-4E3E-97F5-0C80881E7856}" type="presOf" srcId="{4B64BF35-F3DD-46FA-A74B-C8F1391BB234}" destId="{FF100697-267A-4BC5-8DA9-B1F7321DFE84}" srcOrd="0" destOrd="0" presId="urn:microsoft.com/office/officeart/2005/8/layout/hierarchy3"/>
+    <dgm:cxn modelId="{C6045752-28A9-4F08-8DE2-ADC62AB18265}" type="presOf" srcId="{109F41A6-1D40-4F81-903A-8B0CB1E442DB}" destId="{278D3975-9588-4A95-85BD-D062BB0AE1A4}" srcOrd="0" destOrd="0" presId="urn:microsoft.com/office/officeart/2005/8/layout/hierarchy3"/>
+    <dgm:cxn modelId="{A598A554-6FB3-42AA-BB2F-C4DBF408EC24}" type="presOf" srcId="{A7945ECA-2D01-4C03-9AED-9E3EEAAF0F2C}" destId="{9C3E65C4-9266-43CB-B08F-79811ABF047A}" srcOrd="0" destOrd="0" presId="urn:microsoft.com/office/officeart/2005/8/layout/hierarchy3"/>
+    <dgm:cxn modelId="{47968857-87E3-481A-908A-A468E51372C1}" srcId="{9AAB3432-E203-4861-9A1F-5A18DE81A0E0}" destId="{B1CEE35E-20B6-4A0B-B1E8-D4F40E3162E1}" srcOrd="2" destOrd="0" parTransId="{08AACE21-5FAD-4460-B120-67387C8F0F32}" sibTransId="{4A08DEA0-C75B-4713-B280-420C60C372D9}"/>
+    <dgm:cxn modelId="{D13A0A81-2F90-4729-9692-4738A4C663A1}" type="presOf" srcId="{4AE15C73-ECD7-496F-83BE-B4EE8FC55318}" destId="{DA978C10-45FD-4D26-8760-9D8C9CF54865}" srcOrd="0" destOrd="0" presId="urn:microsoft.com/office/officeart/2005/8/layout/hierarchy3"/>
+    <dgm:cxn modelId="{A3550B88-A4A2-4C55-8EEF-D8696D63FDCA}" type="presOf" srcId="{23FBFCAF-D268-4C4D-8359-092F33A19BD5}" destId="{88C17E61-7A2A-46D7-AC95-5E562286A33E}" srcOrd="0" destOrd="0" presId="urn:microsoft.com/office/officeart/2005/8/layout/hierarchy3"/>
+    <dgm:cxn modelId="{22964D88-0DC4-4B3C-A8CE-48EA0783D709}" type="presOf" srcId="{9AAB3432-E203-4861-9A1F-5A18DE81A0E0}" destId="{D5FEF17D-A657-4E90-83A6-FFBD9375BEE2}" srcOrd="1" destOrd="0" presId="urn:microsoft.com/office/officeart/2005/8/layout/hierarchy3"/>
+    <dgm:cxn modelId="{9662958D-3400-409A-ADC7-BEB605777B1F}" srcId="{ED0B78BF-E006-4732-B48C-2ADC9E2EF39A}" destId="{1CBBDDB5-026A-42BF-8805-ACAC57AA5DC3}" srcOrd="0" destOrd="0" parTransId="{1EC30C20-D36E-4265-85EE-C210CE02F892}" sibTransId="{D37EB34B-12D7-42C6-A433-F33F271349CA}"/>
+    <dgm:cxn modelId="{94F0CB90-DE88-47E8-9D0B-FD6D9A03A22C}" type="presOf" srcId="{1EC30C20-D36E-4265-85EE-C210CE02F892}" destId="{2564A6E5-875B-4BC6-B983-AA12C064A019}" srcOrd="0" destOrd="0" presId="urn:microsoft.com/office/officeart/2005/8/layout/hierarchy3"/>
+    <dgm:cxn modelId="{D1FEA694-B081-4B51-851E-3914507C3230}" type="presOf" srcId="{FD74BA91-6D78-44B3-BF01-4D49723F4718}" destId="{16CFAB30-3E6A-44D7-A45D-E3066E142053}" srcOrd="0" destOrd="0" presId="urn:microsoft.com/office/officeart/2005/8/layout/hierarchy3"/>
+    <dgm:cxn modelId="{FAC6949B-B633-43AF-9BCB-483138B18D3F}" type="presOf" srcId="{FA010E1E-46BF-40DE-B386-14C19C329E38}" destId="{0ECF28DA-9925-4B5B-97B1-BDA459502114}" srcOrd="0" destOrd="0" presId="urn:microsoft.com/office/officeart/2005/8/layout/hierarchy3"/>
+    <dgm:cxn modelId="{8B495D9D-5B75-4B97-8FE7-54F24CED5860}" type="presOf" srcId="{1CBBDDB5-026A-42BF-8805-ACAC57AA5DC3}" destId="{3B0CF9DF-CC55-47FF-BECE-903E70F9D2DE}" srcOrd="0" destOrd="0" presId="urn:microsoft.com/office/officeart/2005/8/layout/hierarchy3"/>
+    <dgm:cxn modelId="{F9A2BA9E-B30D-4948-A3E9-A634F6BE47FD}" srcId="{D4ADF4FB-6626-4BAA-8170-1AB86830E7EB}" destId="{5D17C516-2319-40FE-8748-E184C6D71444}" srcOrd="2" destOrd="0" parTransId="{EA441DC7-A30D-47EC-A5C8-C50834D06E30}" sibTransId="{636B54D7-340F-4600-82E5-F2E670443C91}"/>
+    <dgm:cxn modelId="{B2581BA3-7711-4B4F-895A-5C4A1A23D07A}" srcId="{ED0B78BF-E006-4732-B48C-2ADC9E2EF39A}" destId="{3C02419B-DA6A-4FDB-972F-4F8DC3AD08E3}" srcOrd="4" destOrd="0" parTransId="{FA010E1E-46BF-40DE-B386-14C19C329E38}" sibTransId="{ABE6B4B2-8044-42FC-8EBA-A2B2927B372D}"/>
+    <dgm:cxn modelId="{17D275A3-9BBB-4EF7-8582-F13F0E98BB5D}" type="presOf" srcId="{ED0B78BF-E006-4732-B48C-2ADC9E2EF39A}" destId="{F1C18E15-3E91-476D-8B13-25AD56BC4B13}" srcOrd="0" destOrd="0" presId="urn:microsoft.com/office/officeart/2005/8/layout/hierarchy3"/>
+    <dgm:cxn modelId="{29461AA4-85D3-4C91-9D68-226BD6D7500F}" type="presOf" srcId="{DDB8B436-9528-434E-BD0F-6EB4D2ACB929}" destId="{7E3D7089-292B-46E8-B4F0-ADC3733C52BD}" srcOrd="0" destOrd="0" presId="urn:microsoft.com/office/officeart/2005/8/layout/hierarchy3"/>
+    <dgm:cxn modelId="{6F0A8CA4-3728-4E60-8471-7CAB7A834900}" type="presOf" srcId="{F221EA58-7488-4550-B7A5-965344CA7EAE}" destId="{CF0B1CD2-0FC3-49A4-A520-B01A6C3CCB95}" srcOrd="0" destOrd="0" presId="urn:microsoft.com/office/officeart/2005/8/layout/hierarchy3"/>
+    <dgm:cxn modelId="{57CCC0A4-E34E-4C62-A9CF-DD81EEE3866B}" type="presOf" srcId="{ED0B78BF-E006-4732-B48C-2ADC9E2EF39A}" destId="{8FA2ECE2-9D66-4FD1-89DE-3231691A8283}" srcOrd="1" destOrd="0" presId="urn:microsoft.com/office/officeart/2005/8/layout/hierarchy3"/>
+    <dgm:cxn modelId="{B9BF7AAF-65F6-4C3F-A447-D4308C54C183}" type="presOf" srcId="{03056A9D-BCBF-4181-B8D6-7E4ECCBD4D9E}" destId="{BC1B1EA4-129C-44F6-935B-BA646A7A2AA3}" srcOrd="0" destOrd="0" presId="urn:microsoft.com/office/officeart/2005/8/layout/hierarchy3"/>
+    <dgm:cxn modelId="{9A9D42B1-F32F-4577-8983-B9A3F16912EF}" type="presOf" srcId="{5D17C516-2319-40FE-8748-E184C6D71444}" destId="{A1EB1FFF-29EC-48BF-990F-29DA82114C59}" srcOrd="1" destOrd="0" presId="urn:microsoft.com/office/officeart/2005/8/layout/hierarchy3"/>
+    <dgm:cxn modelId="{89C78CB1-6741-4CF3-94C6-75218CA722F2}" type="presOf" srcId="{9E647244-45B2-496C-B687-01576FEABEC4}" destId="{360B229B-0F55-45E5-A55A-DDDBDBD1C921}" srcOrd="0" destOrd="0" presId="urn:microsoft.com/office/officeart/2005/8/layout/hierarchy3"/>
+    <dgm:cxn modelId="{A1A3BCB4-83BF-4A79-B53F-5F8A606BDE54}" srcId="{D4ADF4FB-6626-4BAA-8170-1AB86830E7EB}" destId="{ED0B78BF-E006-4732-B48C-2ADC9E2EF39A}" srcOrd="1" destOrd="0" parTransId="{28816F29-4038-473E-B49B-94074EA0A51E}" sibTransId="{23CFA8B8-2A05-4928-AEB3-72448E3A79E3}"/>
+    <dgm:cxn modelId="{05A31FBA-4386-4C52-B511-34CACCBA2A2F}" type="presOf" srcId="{D6553791-8532-4952-AC46-957A80E6F455}" destId="{291D5A65-BA4D-4BF4-8D0F-050F9D81FBB6}" srcOrd="0" destOrd="0" presId="urn:microsoft.com/office/officeart/2005/8/layout/hierarchy3"/>
+    <dgm:cxn modelId="{D3B30ABB-789A-496A-BE80-A66E542511F0}" type="presOf" srcId="{B0B0FACC-C24A-4552-82AB-C8FE8246DEF8}" destId="{5F9726AA-E8AD-4C5C-A0CA-2350C4F8CAFA}" srcOrd="0" destOrd="0" presId="urn:microsoft.com/office/officeart/2005/8/layout/hierarchy3"/>
+    <dgm:cxn modelId="{F5F6D4BB-2DFC-4FC1-ABCD-FF03786BFFE0}" srcId="{D4ADF4FB-6626-4BAA-8170-1AB86830E7EB}" destId="{9AAB3432-E203-4861-9A1F-5A18DE81A0E0}" srcOrd="0" destOrd="0" parTransId="{A67FC2F0-CFC7-4D0E-AB12-FC8B412EC38C}" sibTransId="{6A4E30F2-4DB5-4E70-B35C-3B1843570C40}"/>
+    <dgm:cxn modelId="{CF5086CE-64BD-4DFC-A4A2-5A3B8EB678D2}" type="presOf" srcId="{D39C6496-6307-4FC4-9D55-DB6DA94D051F}" destId="{7DFA9A08-1F84-4CF2-9E63-7F6E7C219F76}" srcOrd="0" destOrd="0" presId="urn:microsoft.com/office/officeart/2005/8/layout/hierarchy3"/>
+    <dgm:cxn modelId="{E630B7D1-EF42-4E29-A586-EDEEAFD22353}" srcId="{5D17C516-2319-40FE-8748-E184C6D71444}" destId="{D6553791-8532-4952-AC46-957A80E6F455}" srcOrd="2" destOrd="0" parTransId="{4B64BF35-F3DD-46FA-A74B-C8F1391BB234}" sibTransId="{C19A1F15-CCAA-4226-B7DD-F2CD4049A9B3}"/>
+    <dgm:cxn modelId="{B80BDAD5-1DB9-4ED8-AD7A-F59F92E4D26B}" type="presOf" srcId="{D4ADF4FB-6626-4BAA-8170-1AB86830E7EB}" destId="{5EAC0F1C-8135-499C-A050-8951C4D4D68B}" srcOrd="0" destOrd="0" presId="urn:microsoft.com/office/officeart/2005/8/layout/hierarchy3"/>
+    <dgm:cxn modelId="{05392EDD-3032-43C3-BA79-A1347D6D727C}" srcId="{9AAB3432-E203-4861-9A1F-5A18DE81A0E0}" destId="{DDB8B436-9528-434E-BD0F-6EB4D2ACB929}" srcOrd="0" destOrd="0" parTransId="{9E647244-45B2-496C-B687-01576FEABEC4}" sibTransId="{EE60868F-7BA4-434D-84FC-89FFDDF05FC3}"/>
+    <dgm:cxn modelId="{62C2F0F4-284D-4D02-8F32-BB76663AFA1F}" srcId="{ED0B78BF-E006-4732-B48C-2ADC9E2EF39A}" destId="{21C8EE31-AEBF-47B2-ADDE-34FDFA6BF6DC}" srcOrd="2" destOrd="0" parTransId="{08DF2FDD-3A60-4E03-8D9E-10C265EC9121}" sibTransId="{FFC06923-B3D1-4430-8195-28C90DC2D93A}"/>
+    <dgm:cxn modelId="{13013BF6-3A96-443E-9540-BE81022B503E}" type="presOf" srcId="{9AAB3432-E203-4861-9A1F-5A18DE81A0E0}" destId="{D42C5353-2F91-4910-9E62-259C884C47C8}" srcOrd="0" destOrd="0" presId="urn:microsoft.com/office/officeart/2005/8/layout/hierarchy3"/>
+    <dgm:cxn modelId="{FCD83CF7-A1CD-455F-A466-CFFA01A2A6C9}" srcId="{ED0B78BF-E006-4732-B48C-2ADC9E2EF39A}" destId="{B0B0FACC-C24A-4552-82AB-C8FE8246DEF8}" srcOrd="3" destOrd="0" parTransId="{FD74BA91-6D78-44B3-BF01-4D49723F4718}" sibTransId="{E6264341-6F1C-4A60-9081-A5335333D714}"/>
+    <dgm:cxn modelId="{D1AD12C1-70FD-4640-8165-4E8A414F3C3C}" type="presParOf" srcId="{5EAC0F1C-8135-499C-A050-8951C4D4D68B}" destId="{E9A360F5-905C-4B1F-87BD-8099DBD7826B}" srcOrd="0" destOrd="0" presId="urn:microsoft.com/office/officeart/2005/8/layout/hierarchy3"/>
+    <dgm:cxn modelId="{EA767C94-0C36-4B1E-B0CE-249521D515D9}" type="presParOf" srcId="{E9A360F5-905C-4B1F-87BD-8099DBD7826B}" destId="{770F0FD6-A664-4D0A-A016-FBEA3DBC5EF2}" srcOrd="0" destOrd="0" presId="urn:microsoft.com/office/officeart/2005/8/layout/hierarchy3"/>
+    <dgm:cxn modelId="{99E9EA2F-D216-4B5B-BB7F-3561383CB3E9}" type="presParOf" srcId="{770F0FD6-A664-4D0A-A016-FBEA3DBC5EF2}" destId="{D42C5353-2F91-4910-9E62-259C884C47C8}" srcOrd="0" destOrd="0" presId="urn:microsoft.com/office/officeart/2005/8/layout/hierarchy3"/>
+    <dgm:cxn modelId="{68651435-D41E-41DA-A714-AA24CA135D34}" type="presParOf" srcId="{770F0FD6-A664-4D0A-A016-FBEA3DBC5EF2}" destId="{D5FEF17D-A657-4E90-83A6-FFBD9375BEE2}" srcOrd="1" destOrd="0" presId="urn:microsoft.com/office/officeart/2005/8/layout/hierarchy3"/>
+    <dgm:cxn modelId="{4F96940D-AB8F-483B-8E33-09350038BE5F}" type="presParOf" srcId="{E9A360F5-905C-4B1F-87BD-8099DBD7826B}" destId="{ED254901-973D-4D91-AABF-EBA39BDAC603}" srcOrd="1" destOrd="0" presId="urn:microsoft.com/office/officeart/2005/8/layout/hierarchy3"/>
+    <dgm:cxn modelId="{EFCBF1C7-F098-4081-A971-DBD264293E1B}" type="presParOf" srcId="{ED254901-973D-4D91-AABF-EBA39BDAC603}" destId="{360B229B-0F55-45E5-A55A-DDDBDBD1C921}" srcOrd="0" destOrd="0" presId="urn:microsoft.com/office/officeart/2005/8/layout/hierarchy3"/>
+    <dgm:cxn modelId="{11514D88-7BDE-4B06-BABF-48FD2C185D66}" type="presParOf" srcId="{ED254901-973D-4D91-AABF-EBA39BDAC603}" destId="{7E3D7089-292B-46E8-B4F0-ADC3733C52BD}" srcOrd="1" destOrd="0" presId="urn:microsoft.com/office/officeart/2005/8/layout/hierarchy3"/>
+    <dgm:cxn modelId="{7065C4CB-4AB6-45D8-B5BA-CD814B7462FF}" type="presParOf" srcId="{ED254901-973D-4D91-AABF-EBA39BDAC603}" destId="{BC1B1EA4-129C-44F6-935B-BA646A7A2AA3}" srcOrd="2" destOrd="0" presId="urn:microsoft.com/office/officeart/2005/8/layout/hierarchy3"/>
+    <dgm:cxn modelId="{C3F9E7A4-75B1-4B7E-A1E5-4987D8B78D37}" type="presParOf" srcId="{ED254901-973D-4D91-AABF-EBA39BDAC603}" destId="{CF0B1CD2-0FC3-49A4-A520-B01A6C3CCB95}" srcOrd="3" destOrd="0" presId="urn:microsoft.com/office/officeart/2005/8/layout/hierarchy3"/>
+    <dgm:cxn modelId="{FB9B22F7-2413-495F-B229-6C18B49466FC}" type="presParOf" srcId="{ED254901-973D-4D91-AABF-EBA39BDAC603}" destId="{F5AE7053-0C33-481C-8BFB-D2DAFB4C4294}" srcOrd="4" destOrd="0" presId="urn:microsoft.com/office/officeart/2005/8/layout/hierarchy3"/>
+    <dgm:cxn modelId="{C16A5564-59F3-412A-B4EB-B65B63053508}" type="presParOf" srcId="{ED254901-973D-4D91-AABF-EBA39BDAC603}" destId="{C5878689-67F2-4E3D-8C9B-392F50C32024}" srcOrd="5" destOrd="0" presId="urn:microsoft.com/office/officeart/2005/8/layout/hierarchy3"/>
+    <dgm:cxn modelId="{09181F9B-E167-4B75-B6B6-F9E14D694D89}" type="presParOf" srcId="{5EAC0F1C-8135-499C-A050-8951C4D4D68B}" destId="{78204B86-F48E-424E-B9F0-F61E8700D86E}" srcOrd="1" destOrd="0" presId="urn:microsoft.com/office/officeart/2005/8/layout/hierarchy3"/>
+    <dgm:cxn modelId="{DBC2B5BC-DFDC-474C-A838-26BB04DE679E}" type="presParOf" srcId="{78204B86-F48E-424E-B9F0-F61E8700D86E}" destId="{612CABF1-DDE5-41D1-9036-25B4BE7589BE}" srcOrd="0" destOrd="0" presId="urn:microsoft.com/office/officeart/2005/8/layout/hierarchy3"/>
+    <dgm:cxn modelId="{28B003FA-10B3-4B59-9252-9741DA196AD4}" type="presParOf" srcId="{612CABF1-DDE5-41D1-9036-25B4BE7589BE}" destId="{F1C18E15-3E91-476D-8B13-25AD56BC4B13}" srcOrd="0" destOrd="0" presId="urn:microsoft.com/office/officeart/2005/8/layout/hierarchy3"/>
+    <dgm:cxn modelId="{3CDADAA2-FDA6-4600-957E-40993F510D7B}" type="presParOf" srcId="{612CABF1-DDE5-41D1-9036-25B4BE7589BE}" destId="{8FA2ECE2-9D66-4FD1-89DE-3231691A8283}" srcOrd="1" destOrd="0" presId="urn:microsoft.com/office/officeart/2005/8/layout/hierarchy3"/>
+    <dgm:cxn modelId="{D333763B-8A35-4756-B2BA-39040A45CB48}" type="presParOf" srcId="{78204B86-F48E-424E-B9F0-F61E8700D86E}" destId="{5E7F2D45-2508-495B-A708-02E0FD5F2314}" srcOrd="1" destOrd="0" presId="urn:microsoft.com/office/officeart/2005/8/layout/hierarchy3"/>
+    <dgm:cxn modelId="{259421E8-95D2-4D14-8B2B-86B19D729340}" type="presParOf" srcId="{5E7F2D45-2508-495B-A708-02E0FD5F2314}" destId="{2564A6E5-875B-4BC6-B983-AA12C064A019}" srcOrd="0" destOrd="0" presId="urn:microsoft.com/office/officeart/2005/8/layout/hierarchy3"/>
+    <dgm:cxn modelId="{8BDD8554-2C29-4FFE-BD1A-F208CC31C2A1}" type="presParOf" srcId="{5E7F2D45-2508-495B-A708-02E0FD5F2314}" destId="{3B0CF9DF-CC55-47FF-BECE-903E70F9D2DE}" srcOrd="1" destOrd="0" presId="urn:microsoft.com/office/officeart/2005/8/layout/hierarchy3"/>
+    <dgm:cxn modelId="{875A6F76-A845-47E2-9FD3-19114F777D75}" type="presParOf" srcId="{5E7F2D45-2508-495B-A708-02E0FD5F2314}" destId="{7DFA9A08-1F84-4CF2-9E63-7F6E7C219F76}" srcOrd="2" destOrd="0" presId="urn:microsoft.com/office/officeart/2005/8/layout/hierarchy3"/>
+    <dgm:cxn modelId="{D1011F87-5E28-4D3F-8118-4BA6A4FEA06E}" type="presParOf" srcId="{5E7F2D45-2508-495B-A708-02E0FD5F2314}" destId="{9C3E65C4-9266-43CB-B08F-79811ABF047A}" srcOrd="3" destOrd="0" presId="urn:microsoft.com/office/officeart/2005/8/layout/hierarchy3"/>
+    <dgm:cxn modelId="{1C9EC978-49C4-44B1-B7F0-A80918C3CC4C}" type="presParOf" srcId="{5E7F2D45-2508-495B-A708-02E0FD5F2314}" destId="{35FE4D4C-3CA0-4CCA-8F9D-1668C574961B}" srcOrd="4" destOrd="0" presId="urn:microsoft.com/office/officeart/2005/8/layout/hierarchy3"/>
+    <dgm:cxn modelId="{B79D566C-42D9-42A8-9C46-AA22B87D15A7}" type="presParOf" srcId="{5E7F2D45-2508-495B-A708-02E0FD5F2314}" destId="{375B2884-C079-4ABC-AF46-CC7B31EF2123}" srcOrd="5" destOrd="0" presId="urn:microsoft.com/office/officeart/2005/8/layout/hierarchy3"/>
+    <dgm:cxn modelId="{B64B3C35-7E92-47FF-A43C-7E75EABB7DE0}" type="presParOf" srcId="{5E7F2D45-2508-495B-A708-02E0FD5F2314}" destId="{16CFAB30-3E6A-44D7-A45D-E3066E142053}" srcOrd="6" destOrd="0" presId="urn:microsoft.com/office/officeart/2005/8/layout/hierarchy3"/>
+    <dgm:cxn modelId="{86D49351-D3C9-48A1-88EA-44A93353F587}" type="presParOf" srcId="{5E7F2D45-2508-495B-A708-02E0FD5F2314}" destId="{5F9726AA-E8AD-4C5C-A0CA-2350C4F8CAFA}" srcOrd="7" destOrd="0" presId="urn:microsoft.com/office/officeart/2005/8/layout/hierarchy3"/>
+    <dgm:cxn modelId="{91C1DB7D-DADE-48E1-9C3F-D33F6FC84386}" type="presParOf" srcId="{5E7F2D45-2508-495B-A708-02E0FD5F2314}" destId="{0ECF28DA-9925-4B5B-97B1-BDA459502114}" srcOrd="8" destOrd="0" presId="urn:microsoft.com/office/officeart/2005/8/layout/hierarchy3"/>
+    <dgm:cxn modelId="{7A09BA7C-9EDC-496E-8A6D-4B0744B8C88D}" type="presParOf" srcId="{5E7F2D45-2508-495B-A708-02E0FD5F2314}" destId="{5A2BB121-DDEE-46A8-AC09-18496F773E62}" srcOrd="9" destOrd="0" presId="urn:microsoft.com/office/officeart/2005/8/layout/hierarchy3"/>
+    <dgm:cxn modelId="{F5B8C0DF-97A3-423B-9A5D-53FC91FEE07D}" type="presParOf" srcId="{5EAC0F1C-8135-499C-A050-8951C4D4D68B}" destId="{59FB6EFF-035B-4901-8C84-3BDEA8130465}" srcOrd="2" destOrd="0" presId="urn:microsoft.com/office/officeart/2005/8/layout/hierarchy3"/>
+    <dgm:cxn modelId="{2C3BEA50-80F2-41C7-A82B-5C3E16FC0BD9}" type="presParOf" srcId="{59FB6EFF-035B-4901-8C84-3BDEA8130465}" destId="{DFAAFD62-220C-47EA-B1FF-1D698C1D9D0C}" srcOrd="0" destOrd="0" presId="urn:microsoft.com/office/officeart/2005/8/layout/hierarchy3"/>
+    <dgm:cxn modelId="{5783CD70-7213-4FC1-AF68-237D5BC3062A}" type="presParOf" srcId="{DFAAFD62-220C-47EA-B1FF-1D698C1D9D0C}" destId="{3DB7ADFA-DCAB-4034-9F43-B860EBE864E8}" srcOrd="0" destOrd="0" presId="urn:microsoft.com/office/officeart/2005/8/layout/hierarchy3"/>
+    <dgm:cxn modelId="{B7E1F160-A178-462E-868C-EC6564C42610}" type="presParOf" srcId="{DFAAFD62-220C-47EA-B1FF-1D698C1D9D0C}" destId="{A1EB1FFF-29EC-48BF-990F-29DA82114C59}" srcOrd="1" destOrd="0" presId="urn:microsoft.com/office/officeart/2005/8/layout/hierarchy3"/>
+    <dgm:cxn modelId="{9FF94B33-0113-4A76-8701-4BFCEEDBDE89}" type="presParOf" srcId="{59FB6EFF-035B-4901-8C84-3BDEA8130465}" destId="{C961EBF4-10A8-458E-973D-7ED2EFFC972F}" srcOrd="1" destOrd="0" presId="urn:microsoft.com/office/officeart/2005/8/layout/hierarchy3"/>
+    <dgm:cxn modelId="{E16B69EF-6960-4FF6-974E-0243612C50A9}" type="presParOf" srcId="{C961EBF4-10A8-458E-973D-7ED2EFFC972F}" destId="{278D3975-9588-4A95-85BD-D062BB0AE1A4}" srcOrd="0" destOrd="0" presId="urn:microsoft.com/office/officeart/2005/8/layout/hierarchy3"/>
+    <dgm:cxn modelId="{EDC0758A-BCB5-4E73-BE7E-8D1A992568A9}" type="presParOf" srcId="{C961EBF4-10A8-458E-973D-7ED2EFFC972F}" destId="{EDB6085A-8F2B-4B84-887D-9DD4BEC6E4E1}" srcOrd="1" destOrd="0" presId="urn:microsoft.com/office/officeart/2005/8/layout/hierarchy3"/>
+    <dgm:cxn modelId="{220FD8C8-D47B-4118-8047-93C173D37B70}" type="presParOf" srcId="{C961EBF4-10A8-458E-973D-7ED2EFFC972F}" destId="{9C05BE7E-FC1F-4CC6-8FAB-3504F91E9A3A}" srcOrd="2" destOrd="0" presId="urn:microsoft.com/office/officeart/2005/8/layout/hierarchy3"/>
+    <dgm:cxn modelId="{11CB2D16-7D7D-4653-978D-21E597700E85}" type="presParOf" srcId="{C961EBF4-10A8-458E-973D-7ED2EFFC972F}" destId="{DA978C10-45FD-4D26-8760-9D8C9CF54865}" srcOrd="3" destOrd="0" presId="urn:microsoft.com/office/officeart/2005/8/layout/hierarchy3"/>
+    <dgm:cxn modelId="{B9702EBF-28A6-4C56-BB02-8A38776C1F90}" type="presParOf" srcId="{C961EBF4-10A8-458E-973D-7ED2EFFC972F}" destId="{FF100697-267A-4BC5-8DA9-B1F7321DFE84}" srcOrd="4" destOrd="0" presId="urn:microsoft.com/office/officeart/2005/8/layout/hierarchy3"/>
+    <dgm:cxn modelId="{46AAE45F-BF7E-4CDB-A15F-802EEF0A52A0}" type="presParOf" srcId="{C961EBF4-10A8-458E-973D-7ED2EFFC972F}" destId="{291D5A65-BA4D-4BF4-8D0F-050F9D81FBB6}" srcOrd="5" destOrd="0" presId="urn:microsoft.com/office/officeart/2005/8/layout/hierarchy3"/>
+    <dgm:cxn modelId="{0137D627-1B4F-47DB-ADA7-B3A9FCF6DA00}" type="presParOf" srcId="{C961EBF4-10A8-458E-973D-7ED2EFFC972F}" destId="{6B27DFF3-3021-4E99-BF73-829A6255425D}" srcOrd="6" destOrd="0" presId="urn:microsoft.com/office/officeart/2005/8/layout/hierarchy3"/>
+    <dgm:cxn modelId="{2DDA2A2E-7EBF-42D3-8E45-3269864CBAA4}" type="presParOf" srcId="{C961EBF4-10A8-458E-973D-7ED2EFFC972F}" destId="{88C17E61-7A2A-46D7-AC95-5E562286A33E}" srcOrd="7" destOrd="0" presId="urn:microsoft.com/office/officeart/2005/8/layout/hierarchy3"/>
+  </dgm:cxnLst>
+  <dgm:bg/>
+  <dgm:whole/>
+  <dgm:extLst>
+    <a:ext uri="http://schemas.microsoft.com/office/drawing/2008/diagram">
+      <dsp:dataModelExt xmlns:dsp="http://schemas.microsoft.com/office/drawing/2008/diagram" relId="rId6" minVer="http://schemas.openxmlformats.org/drawingml/2006/diagram"/>
+    </a:ext>
+  </dgm:extLst>
+</dgm:dataModel>
+</file>
+
+<file path=ppt/diagrams/data5.xml><?xml version="1.0" encoding="utf-8"?>
+<dgm:dataModel xmlns:dgm="http://schemas.openxmlformats.org/drawingml/2006/diagram" xmlns:a="http://schemas.openxmlformats.org/drawingml/2006/main">
+  <dgm:ptLst>
+    <dgm:pt modelId="{D4ADF4FB-6626-4BAA-8170-1AB86830E7EB}" type="doc">
+      <dgm:prSet loTypeId="urn:microsoft.com/office/officeart/2005/8/layout/hierarchy3" loCatId="hierarchy" qsTypeId="urn:microsoft.com/office/officeart/2005/8/quickstyle/simple1" qsCatId="simple" csTypeId="urn:microsoft.com/office/officeart/2005/8/colors/accent1_2" csCatId="accent1" phldr="1"/>
+      <dgm:spPr/>
+      <dgm:t>
+        <a:bodyPr/>
+        <a:lstStyle/>
+        <a:p>
+          <a:endParaRPr lang="en-US"/>
+        </a:p>
+      </dgm:t>
+    </dgm:pt>
+    <dgm:pt modelId="{ED0B78BF-E006-4732-B48C-2ADC9E2EF39A}">
+      <dgm:prSet phldrT="[Text]"/>
+      <dgm:spPr/>
+      <dgm:t>
+        <a:bodyPr/>
+        <a:lstStyle/>
+        <a:p>
+          <a:r>
+            <a:rPr lang="en-US" dirty="0"/>
+            <a:t>Tools and Techniques</a:t>
+          </a:r>
+        </a:p>
+      </dgm:t>
+    </dgm:pt>
+    <dgm:pt modelId="{28816F29-4038-473E-B49B-94074EA0A51E}" type="parTrans" cxnId="{A1A3BCB4-83BF-4A79-B53F-5F8A606BDE54}">
+      <dgm:prSet/>
+      <dgm:spPr/>
+      <dgm:t>
+        <a:bodyPr/>
+        <a:lstStyle/>
+        <a:p>
+          <a:endParaRPr lang="en-US"/>
+        </a:p>
+      </dgm:t>
+    </dgm:pt>
+    <dgm:pt modelId="{23CFA8B8-2A05-4928-AEB3-72448E3A79E3}" type="sibTrans" cxnId="{A1A3BCB4-83BF-4A79-B53F-5F8A606BDE54}">
+      <dgm:prSet/>
+      <dgm:spPr/>
+      <dgm:t>
+        <a:bodyPr/>
+        <a:lstStyle/>
+        <a:p>
+          <a:endParaRPr lang="en-US"/>
+        </a:p>
+      </dgm:t>
+    </dgm:pt>
+    <dgm:pt modelId="{5D17C516-2319-40FE-8748-E184C6D71444}">
+      <dgm:prSet phldrT="[Text]"/>
+      <dgm:spPr/>
+      <dgm:t>
+        <a:bodyPr/>
+        <a:lstStyle/>
+        <a:p>
+          <a:r>
+            <a:rPr lang="en-US" dirty="0"/>
+            <a:t>Object-Oriented Programming</a:t>
+          </a:r>
+        </a:p>
+      </dgm:t>
+    </dgm:pt>
+    <dgm:pt modelId="{EA441DC7-A30D-47EC-A5C8-C50834D06E30}" type="parTrans" cxnId="{F9A2BA9E-B30D-4948-A3E9-A634F6BE47FD}">
+      <dgm:prSet/>
+      <dgm:spPr/>
+      <dgm:t>
+        <a:bodyPr/>
+        <a:lstStyle/>
+        <a:p>
+          <a:endParaRPr lang="en-US"/>
+        </a:p>
+      </dgm:t>
+    </dgm:pt>
+    <dgm:pt modelId="{636B54D7-340F-4600-82E5-F2E670443C91}" type="sibTrans" cxnId="{F9A2BA9E-B30D-4948-A3E9-A634F6BE47FD}">
+      <dgm:prSet/>
+      <dgm:spPr/>
+      <dgm:t>
+        <a:bodyPr/>
+        <a:lstStyle/>
+        <a:p>
+          <a:endParaRPr lang="en-US"/>
+        </a:p>
+      </dgm:t>
+    </dgm:pt>
+    <dgm:pt modelId="{DDB8B436-9528-434E-BD0F-6EB4D2ACB929}">
+      <dgm:prSet phldrT="[Text]"/>
+      <dgm:spPr/>
+      <dgm:t>
+        <a:bodyPr/>
+        <a:lstStyle/>
+        <a:p>
+          <a:r>
+            <a:rPr lang="en-US" dirty="0"/>
+            <a:t>Designing Data</a:t>
+          </a:r>
+        </a:p>
+      </dgm:t>
+    </dgm:pt>
+    <dgm:pt modelId="{9E647244-45B2-496C-B687-01576FEABEC4}" type="parTrans" cxnId="{05392EDD-3032-43C3-BA79-A1347D6D727C}">
+      <dgm:prSet/>
+      <dgm:spPr/>
+      <dgm:t>
+        <a:bodyPr/>
+        <a:lstStyle/>
+        <a:p>
+          <a:endParaRPr lang="en-US"/>
+        </a:p>
+      </dgm:t>
+    </dgm:pt>
+    <dgm:pt modelId="{EE60868F-7BA4-434D-84FC-89FFDDF05FC3}" type="sibTrans" cxnId="{05392EDD-3032-43C3-BA79-A1347D6D727C}">
+      <dgm:prSet/>
+      <dgm:spPr/>
+      <dgm:t>
+        <a:bodyPr/>
+        <a:lstStyle/>
+        <a:p>
+          <a:endParaRPr lang="en-US"/>
+        </a:p>
+      </dgm:t>
+    </dgm:pt>
+    <dgm:pt modelId="{F221EA58-7488-4550-B7A5-965344CA7EAE}">
+      <dgm:prSet phldrT="[Text]" custT="1"/>
+      <dgm:spPr>
+        <a:solidFill>
+          <a:prstClr val="white">
+            <a:alpha val="90000"/>
+            <a:hueOff val="0"/>
+            <a:satOff val="0"/>
+            <a:lumOff val="0"/>
+            <a:alphaOff val="0"/>
+          </a:prstClr>
+        </a:solidFill>
+        <a:ln w="25400" cap="flat" cmpd="sng" algn="ctr">
+          <a:solidFill>
+            <a:srgbClr val="4F81BD">
+              <a:hueOff val="0"/>
+              <a:satOff val="0"/>
+              <a:lumOff val="0"/>
+              <a:alphaOff val="0"/>
+            </a:srgbClr>
+          </a:solidFill>
+          <a:prstDash val="solid"/>
+        </a:ln>
+        <a:effectLst/>
+      </dgm:spPr>
+      <dgm:t>
+        <a:bodyPr spcFirstLastPara="0" vert="horz" wrap="square" lIns="19050" tIns="12700" rIns="19050" bIns="12700" numCol="1" spcCol="1270" anchor="ctr" anchorCtr="0"/>
+        <a:lstStyle/>
+        <a:p>
+          <a:pPr marL="0" lvl="0" indent="0" algn="ctr" defTabSz="444500">
+            <a:lnSpc>
+              <a:spcPct val="90000"/>
+            </a:lnSpc>
+            <a:spcBef>
+              <a:spcPct val="0"/>
+            </a:spcBef>
+            <a:spcAft>
+              <a:spcPct val="35000"/>
+            </a:spcAft>
+            <a:buNone/>
+          </a:pPr>
+          <a:r>
+            <a:rPr lang="en-US" sz="1000" kern="1200" dirty="0">
+              <a:solidFill>
+                <a:prstClr val="black">
+                  <a:hueOff val="0"/>
+                  <a:satOff val="0"/>
+                  <a:lumOff val="0"/>
+                  <a:alphaOff val="0"/>
+                </a:prstClr>
+              </a:solidFill>
+              <a:latin typeface="Calibri"/>
+              <a:ea typeface="+mn-ea"/>
+              <a:cs typeface="+mn-cs"/>
+            </a:rPr>
+            <a:t>Designing Functions</a:t>
+          </a:r>
+        </a:p>
+      </dgm:t>
+    </dgm:pt>
+    <dgm:pt modelId="{03056A9D-BCBF-4181-B8D6-7E4ECCBD4D9E}" type="parTrans" cxnId="{F8F3D917-317B-4A80-B606-277A7F6170C2}">
+      <dgm:prSet/>
+      <dgm:spPr/>
+      <dgm:t>
+        <a:bodyPr/>
+        <a:lstStyle/>
+        <a:p>
+          <a:endParaRPr lang="en-US"/>
+        </a:p>
+      </dgm:t>
+    </dgm:pt>
+    <dgm:pt modelId="{50012D0E-39A9-4FB4-832D-C4D74BE598A6}" type="sibTrans" cxnId="{F8F3D917-317B-4A80-B606-277A7F6170C2}">
+      <dgm:prSet/>
+      <dgm:spPr/>
+      <dgm:t>
+        <a:bodyPr/>
+        <a:lstStyle/>
+        <a:p>
+          <a:endParaRPr lang="en-US"/>
+        </a:p>
+      </dgm:t>
+    </dgm:pt>
+    <dgm:pt modelId="{B1CEE35E-20B6-4A0B-B1E8-D4F40E3162E1}">
+      <dgm:prSet phldrT="[Text]" custT="1"/>
+      <dgm:spPr>
+        <a:solidFill>
+          <a:prstClr val="white">
+            <a:alpha val="90000"/>
+            <a:hueOff val="0"/>
+            <a:satOff val="0"/>
+            <a:lumOff val="0"/>
+            <a:alphaOff val="0"/>
+          </a:prstClr>
+        </a:solidFill>
+        <a:ln w="25400" cap="flat" cmpd="sng" algn="ctr">
+          <a:solidFill>
+            <a:srgbClr val="4F81BD">
+              <a:hueOff val="0"/>
+              <a:satOff val="0"/>
+              <a:lumOff val="0"/>
+              <a:alphaOff val="0"/>
+            </a:srgbClr>
+          </a:solidFill>
+          <a:prstDash val="solid"/>
+        </a:ln>
+        <a:effectLst/>
+      </dgm:spPr>
+      <dgm:t>
+        <a:bodyPr spcFirstLastPara="0" vert="horz" wrap="square" lIns="19050" tIns="12700" rIns="19050" bIns="12700" numCol="1" spcCol="1270" anchor="ctr" anchorCtr="0"/>
+        <a:lstStyle/>
+        <a:p>
+          <a:r>
+            <a:rPr lang="en-US" sz="1000" kern="1200" dirty="0">
+              <a:solidFill>
+                <a:prstClr val="black">
+                  <a:hueOff val="0"/>
+                  <a:satOff val="0"/>
+                  <a:lumOff val="0"/>
+                  <a:alphaOff val="0"/>
+                </a:prstClr>
+              </a:solidFill>
+              <a:latin typeface="Calibri"/>
+              <a:ea typeface="+mn-ea"/>
+              <a:cs typeface="+mn-cs"/>
+            </a:rPr>
+            <a:t>Designing</a:t>
+          </a:r>
+          <a:r>
+            <a:rPr lang="en-US" sz="1000" kern="1200" dirty="0"/>
+            <a:t> Systems</a:t>
+          </a:r>
+        </a:p>
+      </dgm:t>
+    </dgm:pt>
+    <dgm:pt modelId="{08AACE21-5FAD-4460-B120-67387C8F0F32}" type="parTrans" cxnId="{47968857-87E3-481A-908A-A468E51372C1}">
+      <dgm:prSet/>
+      <dgm:spPr/>
+      <dgm:t>
+        <a:bodyPr/>
+        <a:lstStyle/>
+        <a:p>
+          <a:endParaRPr lang="en-US"/>
+        </a:p>
+      </dgm:t>
+    </dgm:pt>
+    <dgm:pt modelId="{4A08DEA0-C75B-4713-B280-420C60C372D9}" type="sibTrans" cxnId="{47968857-87E3-481A-908A-A468E51372C1}">
+      <dgm:prSet/>
+      <dgm:spPr/>
+      <dgm:t>
+        <a:bodyPr/>
+        <a:lstStyle/>
+        <a:p>
+          <a:endParaRPr lang="en-US"/>
+        </a:p>
+      </dgm:t>
+    </dgm:pt>
+    <dgm:pt modelId="{1CBBDDB5-026A-42BF-8805-ACAC57AA5DC3}">
+      <dgm:prSet phldrT="[Text]"/>
+      <dgm:spPr/>
+      <dgm:t>
+        <a:bodyPr/>
+        <a:lstStyle/>
+        <a:p>
+          <a:r>
+            <a:rPr lang="en-US" dirty="0"/>
+            <a:t>Computing with Lists</a:t>
+          </a:r>
+        </a:p>
+      </dgm:t>
+    </dgm:pt>
+    <dgm:pt modelId="{1EC30C20-D36E-4265-85EE-C210CE02F892}" type="parTrans" cxnId="{9662958D-3400-409A-ADC7-BEB605777B1F}">
+      <dgm:prSet/>
+      <dgm:spPr/>
+      <dgm:t>
+        <a:bodyPr/>
+        <a:lstStyle/>
+        <a:p>
+          <a:endParaRPr lang="en-US"/>
+        </a:p>
+      </dgm:t>
+    </dgm:pt>
+    <dgm:pt modelId="{D37EB34B-12D7-42C6-A433-F33F271349CA}" type="sibTrans" cxnId="{9662958D-3400-409A-ADC7-BEB605777B1F}">
+      <dgm:prSet/>
+      <dgm:spPr/>
+      <dgm:t>
+        <a:bodyPr/>
+        <a:lstStyle/>
+        <a:p>
+          <a:endParaRPr lang="en-US"/>
+        </a:p>
+      </dgm:t>
+    </dgm:pt>
+    <dgm:pt modelId="{A7945ECA-2D01-4C03-9AED-9E3EEAAF0F2C}">
+      <dgm:prSet phldrT="[Text]" custT="1"/>
+      <dgm:spPr>
+        <a:solidFill>
+          <a:prstClr val="white">
+            <a:alpha val="90000"/>
+            <a:hueOff val="0"/>
+            <a:satOff val="0"/>
+            <a:lumOff val="0"/>
+            <a:alphaOff val="0"/>
+          </a:prstClr>
+        </a:solidFill>
+        <a:ln w="25400" cap="flat" cmpd="sng" algn="ctr">
+          <a:solidFill>
+            <a:srgbClr val="4F81BD">
+              <a:hueOff val="0"/>
+              <a:satOff val="0"/>
+              <a:lumOff val="0"/>
+              <a:alphaOff val="0"/>
+            </a:srgbClr>
+          </a:solidFill>
+          <a:prstDash val="solid"/>
+        </a:ln>
+        <a:effectLst/>
+      </dgm:spPr>
+      <dgm:t>
+        <a:bodyPr spcFirstLastPara="0" vert="horz" wrap="square" lIns="22860" tIns="15240" rIns="22860" bIns="15240" numCol="1" spcCol="1270" anchor="ctr" anchorCtr="0"/>
+        <a:lstStyle/>
+        <a:p>
+          <a:pPr marL="0" lvl="0" indent="0" algn="ctr" defTabSz="533400">
+            <a:lnSpc>
+              <a:spcPct val="90000"/>
+            </a:lnSpc>
+            <a:spcBef>
+              <a:spcPct val="0"/>
+            </a:spcBef>
+            <a:spcAft>
+              <a:spcPct val="35000"/>
+            </a:spcAft>
+            <a:buNone/>
+          </a:pPr>
+          <a:r>
+            <a:rPr lang="en-US" sz="1200" kern="1200" dirty="0">
+              <a:solidFill>
+                <a:prstClr val="black">
+                  <a:hueOff val="0"/>
+                  <a:satOff val="0"/>
+                  <a:lumOff val="0"/>
+                  <a:alphaOff val="0"/>
+                </a:prstClr>
+              </a:solidFill>
+              <a:latin typeface="Calibri"/>
+              <a:ea typeface="+mn-ea"/>
+              <a:cs typeface="+mn-cs"/>
+            </a:rPr>
+            <a:t>Computing with Trees and Graphs</a:t>
+          </a:r>
+        </a:p>
+      </dgm:t>
+    </dgm:pt>
+    <dgm:pt modelId="{D39C6496-6307-4FC4-9D55-DB6DA94D051F}" type="parTrans" cxnId="{372E1130-8A4A-4006-A020-34030B0410C9}">
+      <dgm:prSet/>
+      <dgm:spPr/>
+      <dgm:t>
+        <a:bodyPr/>
+        <a:lstStyle/>
+        <a:p>
+          <a:endParaRPr lang="en-US"/>
+        </a:p>
+      </dgm:t>
+    </dgm:pt>
+    <dgm:pt modelId="{4FF7D82F-ECB8-4560-8324-4D22393C300C}" type="sibTrans" cxnId="{372E1130-8A4A-4006-A020-34030B0410C9}">
+      <dgm:prSet/>
+      <dgm:spPr/>
+      <dgm:t>
+        <a:bodyPr/>
+        <a:lstStyle/>
+        <a:p>
+          <a:endParaRPr lang="en-US"/>
+        </a:p>
+      </dgm:t>
+    </dgm:pt>
+    <dgm:pt modelId="{B0B0FACC-C24A-4552-82AB-C8FE8246DEF8}">
+      <dgm:prSet phldrT="[Text]" custT="1"/>
+      <dgm:spPr>
+        <a:solidFill>
+          <a:prstClr val="white">
+            <a:alpha val="90000"/>
+            <a:hueOff val="0"/>
+            <a:satOff val="0"/>
+            <a:lumOff val="0"/>
+            <a:alphaOff val="0"/>
+          </a:prstClr>
+        </a:solidFill>
+        <a:ln w="25400" cap="flat" cmpd="sng" algn="ctr">
+          <a:solidFill>
+            <a:srgbClr val="4F81BD">
+              <a:hueOff val="0"/>
+              <a:satOff val="0"/>
+              <a:lumOff val="0"/>
+              <a:alphaOff val="0"/>
+            </a:srgbClr>
+          </a:solidFill>
+          <a:prstDash val="solid"/>
+        </a:ln>
+        <a:effectLst/>
+      </dgm:spPr>
+      <dgm:t>
+        <a:bodyPr spcFirstLastPara="0" vert="horz" wrap="square" lIns="22860" tIns="15240" rIns="22860" bIns="15240" numCol="1" spcCol="1270" anchor="ctr" anchorCtr="0"/>
+        <a:lstStyle/>
+        <a:p>
+          <a:r>
+            <a:rPr lang="en-US" sz="1200" kern="1200" dirty="0">
+              <a:solidFill>
+                <a:prstClr val="black">
+                  <a:hueOff val="0"/>
+                  <a:satOff val="0"/>
+                  <a:lumOff val="0"/>
+                  <a:alphaOff val="0"/>
+                </a:prstClr>
+              </a:solidFill>
+              <a:latin typeface="Calibri"/>
+              <a:ea typeface="+mn-ea"/>
+              <a:cs typeface="+mn-cs"/>
+            </a:rPr>
+            <a:t>Designing</a:t>
+          </a:r>
+          <a:r>
+            <a:rPr lang="en-US" sz="1200" kern="1200" dirty="0"/>
+            <a:t> with Invariants</a:t>
+          </a:r>
+        </a:p>
+      </dgm:t>
+    </dgm:pt>
+    <dgm:pt modelId="{FD74BA91-6D78-44B3-BF01-4D49723F4718}" type="parTrans" cxnId="{FCD83CF7-A1CD-455F-A466-CFFA01A2A6C9}">
+      <dgm:prSet/>
+      <dgm:spPr/>
+      <dgm:t>
+        <a:bodyPr/>
+        <a:lstStyle/>
+        <a:p>
+          <a:endParaRPr lang="en-US"/>
+        </a:p>
+      </dgm:t>
+    </dgm:pt>
+    <dgm:pt modelId="{E6264341-6F1C-4A60-9081-A5335333D714}" type="sibTrans" cxnId="{FCD83CF7-A1CD-455F-A466-CFFA01A2A6C9}">
+      <dgm:prSet/>
+      <dgm:spPr/>
+      <dgm:t>
+        <a:bodyPr/>
+        <a:lstStyle/>
+        <a:p>
+          <a:endParaRPr lang="en-US"/>
+        </a:p>
+      </dgm:t>
+    </dgm:pt>
+    <dgm:pt modelId="{3C02419B-DA6A-4FDB-972F-4F8DC3AD08E3}">
+      <dgm:prSet phldrT="[Text]" custT="1"/>
+      <dgm:spPr>
+        <a:solidFill>
+          <a:prstClr val="white">
+            <a:alpha val="90000"/>
+            <a:hueOff val="0"/>
+            <a:satOff val="0"/>
+            <a:lumOff val="0"/>
+            <a:alphaOff val="0"/>
+          </a:prstClr>
+        </a:solidFill>
+        <a:ln w="25400" cap="flat" cmpd="sng" algn="ctr">
+          <a:solidFill>
+            <a:srgbClr val="4F81BD">
+              <a:hueOff val="0"/>
+              <a:satOff val="0"/>
+              <a:lumOff val="0"/>
+              <a:alphaOff val="0"/>
+            </a:srgbClr>
+          </a:solidFill>
+          <a:prstDash val="solid"/>
+        </a:ln>
+        <a:effectLst/>
+      </dgm:spPr>
+      <dgm:t>
+        <a:bodyPr spcFirstLastPara="0" vert="horz" wrap="square" lIns="22860" tIns="15240" rIns="22860" bIns="15240" numCol="1" spcCol="1270" anchor="ctr" anchorCtr="0"/>
+        <a:lstStyle/>
+        <a:p>
+          <a:r>
+            <a:rPr lang="en-US" sz="1200" kern="1200" dirty="0"/>
+            <a:t>Thinking </a:t>
+          </a:r>
+          <a:r>
+            <a:rPr lang="en-US" sz="1200" kern="1200" dirty="0">
+              <a:solidFill>
+                <a:prstClr val="black">
+                  <a:hueOff val="0"/>
+                  <a:satOff val="0"/>
+                  <a:lumOff val="0"/>
+                  <a:alphaOff val="0"/>
+                </a:prstClr>
+              </a:solidFill>
+              <a:latin typeface="Calibri"/>
+              <a:ea typeface="+mn-ea"/>
+              <a:cs typeface="+mn-cs"/>
+            </a:rPr>
+            <a:t>about</a:t>
+          </a:r>
+          <a:r>
+            <a:rPr lang="en-US" sz="1200" kern="1200" dirty="0"/>
+            <a:t> Efficiency</a:t>
+          </a:r>
+        </a:p>
+      </dgm:t>
+    </dgm:pt>
+    <dgm:pt modelId="{FA010E1E-46BF-40DE-B386-14C19C329E38}" type="parTrans" cxnId="{B2581BA3-7711-4B4F-895A-5C4A1A23D07A}">
+      <dgm:prSet/>
+      <dgm:spPr/>
+      <dgm:t>
+        <a:bodyPr/>
+        <a:lstStyle/>
+        <a:p>
+          <a:endParaRPr lang="en-US"/>
+        </a:p>
+      </dgm:t>
+    </dgm:pt>
+    <dgm:pt modelId="{ABE6B4B2-8044-42FC-8EBA-A2B2927B372D}" type="sibTrans" cxnId="{B2581BA3-7711-4B4F-895A-5C4A1A23D07A}">
+      <dgm:prSet/>
+      <dgm:spPr/>
+      <dgm:t>
+        <a:bodyPr/>
+        <a:lstStyle/>
+        <a:p>
+          <a:endParaRPr lang="en-US"/>
+        </a:p>
+      </dgm:t>
+    </dgm:pt>
+    <dgm:pt modelId="{C217CF6C-69F6-4F1F-BFEF-F03F51825445}">
+      <dgm:prSet phldrT="[Text]" custT="1"/>
+      <dgm:spPr>
+        <a:solidFill>
+          <a:prstClr val="white">
+            <a:alpha val="90000"/>
+            <a:hueOff val="0"/>
+            <a:satOff val="0"/>
+            <a:lumOff val="0"/>
+            <a:alphaOff val="0"/>
+          </a:prstClr>
+        </a:solidFill>
+        <a:ln w="25400" cap="flat" cmpd="sng" algn="ctr">
+          <a:solidFill>
+            <a:srgbClr val="4F81BD">
+              <a:hueOff val="0"/>
+              <a:satOff val="0"/>
+              <a:lumOff val="0"/>
+              <a:alphaOff val="0"/>
+            </a:srgbClr>
+          </a:solidFill>
+          <a:prstDash val="solid"/>
+        </a:ln>
+        <a:effectLst/>
+      </dgm:spPr>
+      <dgm:t>
+        <a:bodyPr spcFirstLastPara="0" vert="horz" wrap="square" lIns="22860" tIns="15240" rIns="22860" bIns="15240" numCol="1" spcCol="1270" anchor="ctr" anchorCtr="0"/>
+        <a:lstStyle/>
+        <a:p>
+          <a:r>
+            <a:rPr lang="en-US" sz="1200" kern="1200" dirty="0">
+              <a:solidFill>
+                <a:prstClr val="black">
+                  <a:hueOff val="0"/>
+                  <a:satOff val="0"/>
+                  <a:lumOff val="0"/>
+                  <a:alphaOff val="0"/>
+                </a:prstClr>
+              </a:solidFill>
+              <a:latin typeface="Calibri"/>
+              <a:ea typeface="+mn-ea"/>
+              <a:cs typeface="+mn-cs"/>
+            </a:rPr>
+            <a:t>Interfaces</a:t>
+          </a:r>
+          <a:r>
+            <a:rPr lang="en-US" sz="1200" kern="1200" dirty="0"/>
+            <a:t> and Classes</a:t>
+          </a:r>
+        </a:p>
+      </dgm:t>
+    </dgm:pt>
+    <dgm:pt modelId="{109F41A6-1D40-4F81-903A-8B0CB1E442DB}" type="parTrans" cxnId="{B7B8BE25-1D3D-41C1-B2BB-252CA3FFFABF}">
+      <dgm:prSet/>
+      <dgm:spPr/>
+      <dgm:t>
+        <a:bodyPr/>
+        <a:lstStyle/>
+        <a:p>
+          <a:endParaRPr lang="en-US"/>
+        </a:p>
+      </dgm:t>
+    </dgm:pt>
+    <dgm:pt modelId="{727D2815-3763-49AC-8FA5-B78975C6E255}" type="sibTrans" cxnId="{B7B8BE25-1D3D-41C1-B2BB-252CA3FFFABF}">
+      <dgm:prSet/>
+      <dgm:spPr/>
+      <dgm:t>
+        <a:bodyPr/>
+        <a:lstStyle/>
+        <a:p>
+          <a:endParaRPr lang="en-US"/>
+        </a:p>
+      </dgm:t>
+    </dgm:pt>
+    <dgm:pt modelId="{D6553791-8532-4952-AC46-957A80E6F455}">
+      <dgm:prSet phldrT="[Text]" custT="1"/>
+      <dgm:spPr>
+        <a:solidFill>
+          <a:srgbClr val="C0504D">
+            <a:lumMod val="60000"/>
+            <a:lumOff val="40000"/>
+            <a:alpha val="90000"/>
+          </a:srgbClr>
+        </a:solidFill>
+        <a:ln w="25400" cap="flat" cmpd="sng" algn="ctr">
+          <a:noFill/>
+          <a:prstDash val="solid"/>
+        </a:ln>
+        <a:effectLst/>
+      </dgm:spPr>
+      <dgm:t>
+        <a:bodyPr spcFirstLastPara="0" vert="horz" wrap="square" lIns="19050" tIns="12700" rIns="19050" bIns="12700" numCol="1" spcCol="1270" anchor="ctr" anchorCtr="0"/>
+        <a:lstStyle/>
+        <a:p>
+          <a:r>
+            <a:rPr lang="en-US" sz="1200" kern="1200">
+              <a:solidFill>
+                <a:prstClr val="black">
+                  <a:hueOff val="0"/>
+                  <a:satOff val="0"/>
+                  <a:lumOff val="0"/>
+                  <a:alphaOff val="0"/>
+                </a:prstClr>
+              </a:solidFill>
+              <a:latin typeface="Calibri"/>
+              <a:ea typeface="+mn-ea"/>
+              <a:cs typeface="+mn-cs"/>
+            </a:rPr>
+            <a:t>Inheritance in Java</a:t>
+          </a:r>
+          <a:endParaRPr lang="en-US" sz="1200" kern="1200" dirty="0">
+            <a:solidFill>
+              <a:prstClr val="black">
+                <a:hueOff val="0"/>
+                <a:satOff val="0"/>
+                <a:lumOff val="0"/>
+                <a:alphaOff val="0"/>
+              </a:prstClr>
+            </a:solidFill>
+            <a:latin typeface="Calibri"/>
+            <a:ea typeface="+mn-ea"/>
+            <a:cs typeface="+mn-cs"/>
+          </a:endParaRPr>
+        </a:p>
+      </dgm:t>
+    </dgm:pt>
+    <dgm:pt modelId="{4B64BF35-F3DD-46FA-A74B-C8F1391BB234}" type="parTrans" cxnId="{E630B7D1-EF42-4E29-A586-EDEEAFD22353}">
+      <dgm:prSet/>
+      <dgm:spPr/>
+      <dgm:t>
+        <a:bodyPr/>
+        <a:lstStyle/>
+        <a:p>
+          <a:endParaRPr lang="en-US"/>
+        </a:p>
+      </dgm:t>
+    </dgm:pt>
+    <dgm:pt modelId="{C19A1F15-CCAA-4226-B7DD-F2CD4049A9B3}" type="sibTrans" cxnId="{E630B7D1-EF42-4E29-A586-EDEEAFD22353}">
+      <dgm:prSet/>
+      <dgm:spPr/>
+      <dgm:t>
+        <a:bodyPr/>
+        <a:lstStyle/>
+        <a:p>
+          <a:endParaRPr lang="en-US"/>
+        </a:p>
+      </dgm:t>
+    </dgm:pt>
+    <dgm:pt modelId="{23FBFCAF-D268-4C4D-8359-092F33A19BD5}">
+      <dgm:prSet phldrT="[Text]"/>
+      <dgm:spPr/>
+      <dgm:t>
+        <a:bodyPr/>
+        <a:lstStyle/>
+        <a:p>
+          <a:r>
+            <a:rPr lang="en-US" dirty="0"/>
+            <a:t>Bonus Material</a:t>
+          </a:r>
+        </a:p>
+      </dgm:t>
+    </dgm:pt>
+    <dgm:pt modelId="{E8807DF0-38BE-4236-AFC9-03DFA18007AA}" type="parTrans" cxnId="{C679C12F-0D37-4771-853C-9B6A72F3F8AB}">
+      <dgm:prSet/>
+      <dgm:spPr/>
+      <dgm:t>
+        <a:bodyPr/>
+        <a:lstStyle/>
+        <a:p>
+          <a:endParaRPr lang="en-US"/>
+        </a:p>
+      </dgm:t>
+    </dgm:pt>
+    <dgm:pt modelId="{49424D88-7251-4F7F-9D61-B03F29AB2536}" type="sibTrans" cxnId="{C679C12F-0D37-4771-853C-9B6A72F3F8AB}">
+      <dgm:prSet/>
+      <dgm:spPr/>
+      <dgm:t>
+        <a:bodyPr/>
+        <a:lstStyle/>
+        <a:p>
+          <a:endParaRPr lang="en-US"/>
+        </a:p>
+      </dgm:t>
+    </dgm:pt>
+    <dgm:pt modelId="{9AAB3432-E203-4861-9A1F-5A18DE81A0E0}">
+      <dgm:prSet phldrT="[Text]"/>
+      <dgm:spPr/>
+      <dgm:t>
+        <a:bodyPr/>
+        <a:lstStyle/>
+        <a:p>
+          <a:r>
+            <a:rPr lang="en-US" dirty="0"/>
+            <a:t>Basic Principles</a:t>
+          </a:r>
+        </a:p>
+      </dgm:t>
+    </dgm:pt>
+    <dgm:pt modelId="{6A4E30F2-4DB5-4E70-B35C-3B1843570C40}" type="sibTrans" cxnId="{F5F6D4BB-2DFC-4FC1-ABCD-FF03786BFFE0}">
+      <dgm:prSet/>
+      <dgm:spPr/>
+      <dgm:t>
+        <a:bodyPr/>
+        <a:lstStyle/>
+        <a:p>
+          <a:endParaRPr lang="en-US"/>
+        </a:p>
+      </dgm:t>
+    </dgm:pt>
+    <dgm:pt modelId="{A67FC2F0-CFC7-4D0E-AB12-FC8B412EC38C}" type="parTrans" cxnId="{F5F6D4BB-2DFC-4FC1-ABCD-FF03786BFFE0}">
+      <dgm:prSet/>
+      <dgm:spPr/>
+      <dgm:t>
+        <a:bodyPr/>
+        <a:lstStyle/>
+        <a:p>
+          <a:endParaRPr lang="en-US"/>
+        </a:p>
+      </dgm:t>
+    </dgm:pt>
+    <dgm:pt modelId="{21C8EE31-AEBF-47B2-ADDE-34FDFA6BF6DC}">
+      <dgm:prSet phldrT="[Text]" custT="1"/>
+      <dgm:spPr>
+        <a:solidFill>
+          <a:prstClr val="white">
+            <a:alpha val="90000"/>
+            <a:hueOff val="0"/>
+            <a:satOff val="0"/>
+            <a:lumOff val="0"/>
+            <a:alphaOff val="0"/>
+          </a:prstClr>
+        </a:solidFill>
+        <a:ln w="25400" cap="flat" cmpd="sng" algn="ctr">
+          <a:solidFill>
+            <a:srgbClr val="4F81BD">
+              <a:hueOff val="0"/>
+              <a:satOff val="0"/>
+              <a:lumOff val="0"/>
+              <a:alphaOff val="0"/>
+            </a:srgbClr>
+          </a:solidFill>
+          <a:prstDash val="solid"/>
+        </a:ln>
+        <a:effectLst/>
+      </dgm:spPr>
+      <dgm:t>
+        <a:bodyPr spcFirstLastPara="0" vert="horz" wrap="square" lIns="22860" tIns="15240" rIns="22860" bIns="15240" numCol="1" spcCol="1270" anchor="ctr" anchorCtr="0"/>
+        <a:lstStyle/>
+        <a:p>
+          <a:r>
+            <a:rPr lang="en-US" sz="1200" kern="1200" dirty="0">
+              <a:solidFill>
+                <a:prstClr val="black">
+                  <a:hueOff val="0"/>
+                  <a:satOff val="0"/>
+                  <a:lumOff val="0"/>
+                  <a:alphaOff val="0"/>
+                </a:prstClr>
+              </a:solidFill>
+              <a:latin typeface="Calibri"/>
+              <a:ea typeface="+mn-ea"/>
+              <a:cs typeface="+mn-cs"/>
+            </a:rPr>
+            <a:t>Computing</a:t>
+          </a:r>
+          <a:r>
+            <a:rPr lang="en-US" sz="1000" kern="1200" dirty="0"/>
+            <a:t> with Higher-Order Functions</a:t>
+          </a:r>
+        </a:p>
+      </dgm:t>
+    </dgm:pt>
+    <dgm:pt modelId="{08DF2FDD-3A60-4E03-8D9E-10C265EC9121}" type="parTrans" cxnId="{62C2F0F4-284D-4D02-8F32-BB76663AFA1F}">
+      <dgm:prSet/>
+      <dgm:spPr/>
+      <dgm:t>
+        <a:bodyPr/>
+        <a:lstStyle/>
+        <a:p>
+          <a:endParaRPr lang="en-US"/>
+        </a:p>
+      </dgm:t>
+    </dgm:pt>
+    <dgm:pt modelId="{FFC06923-B3D1-4430-8195-28C90DC2D93A}" type="sibTrans" cxnId="{62C2F0F4-284D-4D02-8F32-BB76663AFA1F}">
+      <dgm:prSet/>
+      <dgm:spPr/>
+      <dgm:t>
+        <a:bodyPr/>
+        <a:lstStyle/>
+        <a:p>
+          <a:endParaRPr lang="en-US"/>
+        </a:p>
+      </dgm:t>
+    </dgm:pt>
+    <dgm:pt modelId="{4AE15C73-ECD7-496F-83BE-B4EE8FC55318}">
+      <dgm:prSet phldrT="[Text]" custT="1"/>
+      <dgm:spPr>
+        <a:solidFill>
+          <a:prstClr val="white">
+            <a:alpha val="90000"/>
+            <a:hueOff val="0"/>
+            <a:satOff val="0"/>
+            <a:lumOff val="0"/>
+            <a:alphaOff val="0"/>
+          </a:prstClr>
+        </a:solidFill>
+        <a:ln w="25400" cap="flat" cmpd="sng" algn="ctr">
+          <a:solidFill>
+            <a:srgbClr val="4F81BD">
+              <a:hueOff val="0"/>
+              <a:satOff val="0"/>
+              <a:lumOff val="0"/>
+              <a:alphaOff val="0"/>
+            </a:srgbClr>
+          </a:solidFill>
+          <a:prstDash val="solid"/>
+        </a:ln>
+        <a:effectLst/>
+      </dgm:spPr>
+      <dgm:t>
+        <a:bodyPr spcFirstLastPara="0" vert="horz" wrap="square" lIns="22860" tIns="15240" rIns="22860" bIns="15240" numCol="1" spcCol="1270" anchor="ctr" anchorCtr="0"/>
+        <a:lstStyle/>
+        <a:p>
+          <a:pPr marL="0" lvl="0" indent="0" algn="ctr" defTabSz="533400">
+            <a:lnSpc>
+              <a:spcPct val="90000"/>
+            </a:lnSpc>
+            <a:spcBef>
+              <a:spcPct val="0"/>
+            </a:spcBef>
+            <a:spcAft>
+              <a:spcPct val="35000"/>
+            </a:spcAft>
+            <a:buNone/>
+          </a:pPr>
+          <a:r>
+            <a:rPr lang="en-US" sz="1200" kern="1200" dirty="0">
+              <a:solidFill>
+                <a:prstClr val="black">
+                  <a:hueOff val="0"/>
+                  <a:satOff val="0"/>
+                  <a:lumOff val="0"/>
+                  <a:alphaOff val="0"/>
+                </a:prstClr>
+              </a:solidFill>
+              <a:latin typeface="Calibri"/>
+              <a:ea typeface="+mn-ea"/>
+              <a:cs typeface="+mn-cs"/>
+            </a:rPr>
+            <a:t>Implementing ADTs in Java</a:t>
+          </a:r>
+        </a:p>
+      </dgm:t>
+    </dgm:pt>
+    <dgm:pt modelId="{A91F764C-9950-4FF3-8710-2C57AEF81796}" type="parTrans" cxnId="{3DCA932B-DD59-4E44-8F2F-3D98BB8F8AC4}">
+      <dgm:prSet/>
+      <dgm:spPr/>
+      <dgm:t>
+        <a:bodyPr/>
+        <a:lstStyle/>
+        <a:p>
+          <a:endParaRPr lang="en-US"/>
+        </a:p>
+      </dgm:t>
+    </dgm:pt>
+    <dgm:pt modelId="{93DA2331-A667-4B3B-B63B-21162F6F4800}" type="sibTrans" cxnId="{3DCA932B-DD59-4E44-8F2F-3D98BB8F8AC4}">
+      <dgm:prSet/>
+      <dgm:spPr/>
+      <dgm:t>
+        <a:bodyPr/>
+        <a:lstStyle/>
+        <a:p>
+          <a:endParaRPr lang="en-US"/>
+        </a:p>
+      </dgm:t>
+    </dgm:pt>
+    <dgm:pt modelId="{5EAC0F1C-8135-499C-A050-8951C4D4D68B}" type="pres">
+      <dgm:prSet presAssocID="{D4ADF4FB-6626-4BAA-8170-1AB86830E7EB}" presName="diagram" presStyleCnt="0">
+        <dgm:presLayoutVars>
+          <dgm:chPref val="1"/>
+          <dgm:dir/>
+          <dgm:animOne val="branch"/>
+          <dgm:animLvl val="lvl"/>
+          <dgm:resizeHandles/>
+        </dgm:presLayoutVars>
+      </dgm:prSet>
+      <dgm:spPr/>
+    </dgm:pt>
+    <dgm:pt modelId="{E9A360F5-905C-4B1F-87BD-8099DBD7826B}" type="pres">
+      <dgm:prSet presAssocID="{9AAB3432-E203-4861-9A1F-5A18DE81A0E0}" presName="root" presStyleCnt="0"/>
+      <dgm:spPr/>
+    </dgm:pt>
+    <dgm:pt modelId="{770F0FD6-A664-4D0A-A016-FBEA3DBC5EF2}" type="pres">
+      <dgm:prSet presAssocID="{9AAB3432-E203-4861-9A1F-5A18DE81A0E0}" presName="rootComposite" presStyleCnt="0"/>
+      <dgm:spPr/>
+    </dgm:pt>
+    <dgm:pt modelId="{D42C5353-2F91-4910-9E62-259C884C47C8}" type="pres">
+      <dgm:prSet presAssocID="{9AAB3432-E203-4861-9A1F-5A18DE81A0E0}" presName="rootText" presStyleLbl="node1" presStyleIdx="0" presStyleCnt="3"/>
+      <dgm:spPr/>
+    </dgm:pt>
+    <dgm:pt modelId="{D5FEF17D-A657-4E90-83A6-FFBD9375BEE2}" type="pres">
+      <dgm:prSet presAssocID="{9AAB3432-E203-4861-9A1F-5A18DE81A0E0}" presName="rootConnector" presStyleLbl="node1" presStyleIdx="0" presStyleCnt="3"/>
+      <dgm:spPr/>
+    </dgm:pt>
+    <dgm:pt modelId="{ED254901-973D-4D91-AABF-EBA39BDAC603}" type="pres">
+      <dgm:prSet presAssocID="{9AAB3432-E203-4861-9A1F-5A18DE81A0E0}" presName="childShape" presStyleCnt="0"/>
+      <dgm:spPr/>
+    </dgm:pt>
+    <dgm:pt modelId="{360B229B-0F55-45E5-A55A-DDDBDBD1C921}" type="pres">
+      <dgm:prSet presAssocID="{9E647244-45B2-496C-B687-01576FEABEC4}" presName="Name13" presStyleLbl="parChTrans1D2" presStyleIdx="0" presStyleCnt="12"/>
+      <dgm:spPr/>
+    </dgm:pt>
+    <dgm:pt modelId="{7E3D7089-292B-46E8-B4F0-ADC3733C52BD}" type="pres">
+      <dgm:prSet presAssocID="{DDB8B436-9528-434E-BD0F-6EB4D2ACB929}" presName="childText" presStyleLbl="bgAcc1" presStyleIdx="0" presStyleCnt="12" custLinFactNeighborX="1979" custLinFactNeighborY="-4221">
+        <dgm:presLayoutVars>
+          <dgm:bulletEnabled val="1"/>
+        </dgm:presLayoutVars>
+      </dgm:prSet>
+      <dgm:spPr/>
+    </dgm:pt>
+    <dgm:pt modelId="{BC1B1EA4-129C-44F6-935B-BA646A7A2AA3}" type="pres">
+      <dgm:prSet presAssocID="{03056A9D-BCBF-4181-B8D6-7E4ECCBD4D9E}" presName="Name13" presStyleLbl="parChTrans1D2" presStyleIdx="1" presStyleCnt="12"/>
+      <dgm:spPr/>
+    </dgm:pt>
+    <dgm:pt modelId="{CF0B1CD2-0FC3-49A4-A520-B01A6C3CCB95}" type="pres">
+      <dgm:prSet presAssocID="{F221EA58-7488-4550-B7A5-965344CA7EAE}" presName="childText" presStyleLbl="bgAcc1" presStyleIdx="1" presStyleCnt="12">
+        <dgm:presLayoutVars>
+          <dgm:bulletEnabled val="1"/>
+        </dgm:presLayoutVars>
+      </dgm:prSet>
+      <dgm:spPr>
+        <a:xfrm>
+          <a:off x="1156394" y="1525860"/>
+          <a:ext cx="976312" cy="610195"/>
+        </a:xfrm>
+        <a:prstGeom prst="roundRect">
+          <a:avLst>
+            <a:gd name="adj" fmla="val 10000"/>
+          </a:avLst>
+        </a:prstGeom>
+      </dgm:spPr>
+    </dgm:pt>
+    <dgm:pt modelId="{F5AE7053-0C33-481C-8BFB-D2DAFB4C4294}" type="pres">
+      <dgm:prSet presAssocID="{08AACE21-5FAD-4460-B120-67387C8F0F32}" presName="Name13" presStyleLbl="parChTrans1D2" presStyleIdx="2" presStyleCnt="12"/>
+      <dgm:spPr/>
+    </dgm:pt>
+    <dgm:pt modelId="{C5878689-67F2-4E3D-8C9B-392F50C32024}" type="pres">
+      <dgm:prSet presAssocID="{B1CEE35E-20B6-4A0B-B1E8-D4F40E3162E1}" presName="childText" presStyleLbl="bgAcc1" presStyleIdx="2" presStyleCnt="12">
+        <dgm:presLayoutVars>
+          <dgm:bulletEnabled val="1"/>
+        </dgm:presLayoutVars>
+      </dgm:prSet>
+      <dgm:spPr>
+        <a:xfrm>
+          <a:off x="1156394" y="2288604"/>
+          <a:ext cx="976312" cy="610195"/>
+        </a:xfrm>
+        <a:prstGeom prst="roundRect">
+          <a:avLst>
+            <a:gd name="adj" fmla="val 10000"/>
+          </a:avLst>
+        </a:prstGeom>
+      </dgm:spPr>
+    </dgm:pt>
+    <dgm:pt modelId="{78204B86-F48E-424E-B9F0-F61E8700D86E}" type="pres">
+      <dgm:prSet presAssocID="{ED0B78BF-E006-4732-B48C-2ADC9E2EF39A}" presName="root" presStyleCnt="0"/>
+      <dgm:spPr/>
+    </dgm:pt>
+    <dgm:pt modelId="{612CABF1-DDE5-41D1-9036-25B4BE7589BE}" type="pres">
+      <dgm:prSet presAssocID="{ED0B78BF-E006-4732-B48C-2ADC9E2EF39A}" presName="rootComposite" presStyleCnt="0"/>
+      <dgm:spPr/>
+    </dgm:pt>
+    <dgm:pt modelId="{F1C18E15-3E91-476D-8B13-25AD56BC4B13}" type="pres">
+      <dgm:prSet presAssocID="{ED0B78BF-E006-4732-B48C-2ADC9E2EF39A}" presName="rootText" presStyleLbl="node1" presStyleIdx="1" presStyleCnt="3"/>
+      <dgm:spPr/>
+    </dgm:pt>
+    <dgm:pt modelId="{8FA2ECE2-9D66-4FD1-89DE-3231691A8283}" type="pres">
+      <dgm:prSet presAssocID="{ED0B78BF-E006-4732-B48C-2ADC9E2EF39A}" presName="rootConnector" presStyleLbl="node1" presStyleIdx="1" presStyleCnt="3"/>
+      <dgm:spPr/>
+    </dgm:pt>
+    <dgm:pt modelId="{5E7F2D45-2508-495B-A708-02E0FD5F2314}" type="pres">
+      <dgm:prSet presAssocID="{ED0B78BF-E006-4732-B48C-2ADC9E2EF39A}" presName="childShape" presStyleCnt="0"/>
+      <dgm:spPr/>
+    </dgm:pt>
+    <dgm:pt modelId="{2564A6E5-875B-4BC6-B983-AA12C064A019}" type="pres">
+      <dgm:prSet presAssocID="{1EC30C20-D36E-4265-85EE-C210CE02F892}" presName="Name13" presStyleLbl="parChTrans1D2" presStyleIdx="3" presStyleCnt="12"/>
+      <dgm:spPr/>
+    </dgm:pt>
+    <dgm:pt modelId="{3B0CF9DF-CC55-47FF-BECE-903E70F9D2DE}" type="pres">
+      <dgm:prSet presAssocID="{1CBBDDB5-026A-42BF-8805-ACAC57AA5DC3}" presName="childText" presStyleLbl="bgAcc1" presStyleIdx="3" presStyleCnt="12">
+        <dgm:presLayoutVars>
+          <dgm:bulletEnabled val="1"/>
+        </dgm:presLayoutVars>
+      </dgm:prSet>
+      <dgm:spPr/>
+    </dgm:pt>
+    <dgm:pt modelId="{7DFA9A08-1F84-4CF2-9E63-7F6E7C219F76}" type="pres">
+      <dgm:prSet presAssocID="{D39C6496-6307-4FC4-9D55-DB6DA94D051F}" presName="Name13" presStyleLbl="parChTrans1D2" presStyleIdx="4" presStyleCnt="12"/>
+      <dgm:spPr/>
+    </dgm:pt>
+    <dgm:pt modelId="{9C3E65C4-9266-43CB-B08F-79811ABF047A}" type="pres">
+      <dgm:prSet presAssocID="{A7945ECA-2D01-4C03-9AED-9E3EEAAF0F2C}" presName="childText" presStyleLbl="bgAcc1" presStyleIdx="4" presStyleCnt="12">
+        <dgm:presLayoutVars>
+          <dgm:bulletEnabled val="1"/>
+        </dgm:presLayoutVars>
+      </dgm:prSet>
+      <dgm:spPr>
+        <a:xfrm>
+          <a:off x="2681882" y="1525860"/>
+          <a:ext cx="976312" cy="610195"/>
+        </a:xfrm>
+        <a:prstGeom prst="roundRect">
+          <a:avLst>
+            <a:gd name="adj" fmla="val 10000"/>
+          </a:avLst>
+        </a:prstGeom>
+      </dgm:spPr>
+    </dgm:pt>
+    <dgm:pt modelId="{35FE4D4C-3CA0-4CCA-8F9D-1668C574961B}" type="pres">
+      <dgm:prSet presAssocID="{08DF2FDD-3A60-4E03-8D9E-10C265EC9121}" presName="Name13" presStyleLbl="parChTrans1D2" presStyleIdx="5" presStyleCnt="12"/>
+      <dgm:spPr/>
+    </dgm:pt>
+    <dgm:pt modelId="{375B2884-C079-4ABC-AF46-CC7B31EF2123}" type="pres">
+      <dgm:prSet presAssocID="{21C8EE31-AEBF-47B2-ADDE-34FDFA6BF6DC}" presName="childText" presStyleLbl="bgAcc1" presStyleIdx="5" presStyleCnt="12">
+        <dgm:presLayoutVars>
+          <dgm:bulletEnabled val="1"/>
+        </dgm:presLayoutVars>
+      </dgm:prSet>
+      <dgm:spPr>
+        <a:xfrm>
+          <a:off x="2681882" y="2288604"/>
+          <a:ext cx="976312" cy="610195"/>
+        </a:xfrm>
+        <a:prstGeom prst="roundRect">
+          <a:avLst>
+            <a:gd name="adj" fmla="val 10000"/>
+          </a:avLst>
+        </a:prstGeom>
+      </dgm:spPr>
+    </dgm:pt>
+    <dgm:pt modelId="{16CFAB30-3E6A-44D7-A45D-E3066E142053}" type="pres">
+      <dgm:prSet presAssocID="{FD74BA91-6D78-44B3-BF01-4D49723F4718}" presName="Name13" presStyleLbl="parChTrans1D2" presStyleIdx="6" presStyleCnt="12"/>
+      <dgm:spPr/>
+    </dgm:pt>
+    <dgm:pt modelId="{5F9726AA-E8AD-4C5C-A0CA-2350C4F8CAFA}" type="pres">
+      <dgm:prSet presAssocID="{B0B0FACC-C24A-4552-82AB-C8FE8246DEF8}" presName="childText" presStyleLbl="bgAcc1" presStyleIdx="6" presStyleCnt="12">
+        <dgm:presLayoutVars>
+          <dgm:bulletEnabled val="1"/>
+        </dgm:presLayoutVars>
+      </dgm:prSet>
+      <dgm:spPr>
+        <a:xfrm>
+          <a:off x="2681882" y="3051348"/>
+          <a:ext cx="976312" cy="610195"/>
+        </a:xfrm>
+        <a:prstGeom prst="roundRect">
+          <a:avLst>
+            <a:gd name="adj" fmla="val 10000"/>
+          </a:avLst>
+        </a:prstGeom>
+      </dgm:spPr>
+    </dgm:pt>
+    <dgm:pt modelId="{0ECF28DA-9925-4B5B-97B1-BDA459502114}" type="pres">
+      <dgm:prSet presAssocID="{FA010E1E-46BF-40DE-B386-14C19C329E38}" presName="Name13" presStyleLbl="parChTrans1D2" presStyleIdx="7" presStyleCnt="12"/>
+      <dgm:spPr/>
+    </dgm:pt>
+    <dgm:pt modelId="{5A2BB121-DDEE-46A8-AC09-18496F773E62}" type="pres">
+      <dgm:prSet presAssocID="{3C02419B-DA6A-4FDB-972F-4F8DC3AD08E3}" presName="childText" presStyleLbl="bgAcc1" presStyleIdx="7" presStyleCnt="12" custScaleY="115691">
+        <dgm:presLayoutVars>
+          <dgm:bulletEnabled val="1"/>
+        </dgm:presLayoutVars>
+      </dgm:prSet>
+      <dgm:spPr>
+        <a:xfrm>
+          <a:off x="2681882" y="3814092"/>
+          <a:ext cx="976312" cy="705941"/>
+        </a:xfrm>
+        <a:prstGeom prst="roundRect">
+          <a:avLst>
+            <a:gd name="adj" fmla="val 10000"/>
+          </a:avLst>
+        </a:prstGeom>
+      </dgm:spPr>
+    </dgm:pt>
+    <dgm:pt modelId="{59FB6EFF-035B-4901-8C84-3BDEA8130465}" type="pres">
+      <dgm:prSet presAssocID="{5D17C516-2319-40FE-8748-E184C6D71444}" presName="root" presStyleCnt="0"/>
+      <dgm:spPr/>
+    </dgm:pt>
+    <dgm:pt modelId="{DFAAFD62-220C-47EA-B1FF-1D698C1D9D0C}" type="pres">
+      <dgm:prSet presAssocID="{5D17C516-2319-40FE-8748-E184C6D71444}" presName="rootComposite" presStyleCnt="0"/>
+      <dgm:spPr/>
+    </dgm:pt>
+    <dgm:pt modelId="{3DB7ADFA-DCAB-4034-9F43-B860EBE864E8}" type="pres">
+      <dgm:prSet presAssocID="{5D17C516-2319-40FE-8748-E184C6D71444}" presName="rootText" presStyleLbl="node1" presStyleIdx="2" presStyleCnt="3"/>
+      <dgm:spPr/>
+    </dgm:pt>
+    <dgm:pt modelId="{A1EB1FFF-29EC-48BF-990F-29DA82114C59}" type="pres">
+      <dgm:prSet presAssocID="{5D17C516-2319-40FE-8748-E184C6D71444}" presName="rootConnector" presStyleLbl="node1" presStyleIdx="2" presStyleCnt="3"/>
+      <dgm:spPr/>
+    </dgm:pt>
+    <dgm:pt modelId="{C961EBF4-10A8-458E-973D-7ED2EFFC972F}" type="pres">
+      <dgm:prSet presAssocID="{5D17C516-2319-40FE-8748-E184C6D71444}" presName="childShape" presStyleCnt="0"/>
+      <dgm:spPr/>
+    </dgm:pt>
+    <dgm:pt modelId="{278D3975-9588-4A95-85BD-D062BB0AE1A4}" type="pres">
+      <dgm:prSet presAssocID="{109F41A6-1D40-4F81-903A-8B0CB1E442DB}" presName="Name13" presStyleLbl="parChTrans1D2" presStyleIdx="8" presStyleCnt="12"/>
+      <dgm:spPr/>
+    </dgm:pt>
+    <dgm:pt modelId="{EDB6085A-8F2B-4B84-887D-9DD4BEC6E4E1}" type="pres">
+      <dgm:prSet presAssocID="{C217CF6C-69F6-4F1F-BFEF-F03F51825445}" presName="childText" presStyleLbl="bgAcc1" presStyleIdx="8" presStyleCnt="12">
+        <dgm:presLayoutVars>
+          <dgm:bulletEnabled val="1"/>
+        </dgm:presLayoutVars>
+      </dgm:prSet>
+      <dgm:spPr>
+        <a:xfrm>
+          <a:off x="4207371" y="763116"/>
+          <a:ext cx="976312" cy="610195"/>
+        </a:xfrm>
+        <a:prstGeom prst="roundRect">
+          <a:avLst>
+            <a:gd name="adj" fmla="val 10000"/>
+          </a:avLst>
+        </a:prstGeom>
+      </dgm:spPr>
+    </dgm:pt>
+    <dgm:pt modelId="{9C05BE7E-FC1F-4CC6-8FAB-3504F91E9A3A}" type="pres">
+      <dgm:prSet presAssocID="{A91F764C-9950-4FF3-8710-2C57AEF81796}" presName="Name13" presStyleLbl="parChTrans1D2" presStyleIdx="9" presStyleCnt="12"/>
+      <dgm:spPr/>
+    </dgm:pt>
+    <dgm:pt modelId="{DA978C10-45FD-4D26-8760-9D8C9CF54865}" type="pres">
+      <dgm:prSet presAssocID="{4AE15C73-ECD7-496F-83BE-B4EE8FC55318}" presName="childText" presStyleLbl="bgAcc1" presStyleIdx="9" presStyleCnt="12">
+        <dgm:presLayoutVars>
+          <dgm:bulletEnabled val="1"/>
+        </dgm:presLayoutVars>
+      </dgm:prSet>
+      <dgm:spPr>
+        <a:xfrm>
+          <a:off x="4207371" y="1525860"/>
+          <a:ext cx="976312" cy="610195"/>
+        </a:xfrm>
+        <a:prstGeom prst="roundRect">
+          <a:avLst>
+            <a:gd name="adj" fmla="val 10000"/>
+          </a:avLst>
+        </a:prstGeom>
+      </dgm:spPr>
+    </dgm:pt>
+    <dgm:pt modelId="{FF100697-267A-4BC5-8DA9-B1F7321DFE84}" type="pres">
+      <dgm:prSet presAssocID="{4B64BF35-F3DD-46FA-A74B-C8F1391BB234}" presName="Name13" presStyleLbl="parChTrans1D2" presStyleIdx="10" presStyleCnt="12"/>
+      <dgm:spPr/>
+    </dgm:pt>
+    <dgm:pt modelId="{291D5A65-BA4D-4BF4-8D0F-050F9D81FBB6}" type="pres">
+      <dgm:prSet presAssocID="{D6553791-8532-4952-AC46-957A80E6F455}" presName="childText" presStyleLbl="bgAcc1" presStyleIdx="10" presStyleCnt="12">
+        <dgm:presLayoutVars>
+          <dgm:bulletEnabled val="1"/>
+        </dgm:presLayoutVars>
+      </dgm:prSet>
+      <dgm:spPr>
+        <a:xfrm>
+          <a:off x="4207371" y="2288604"/>
+          <a:ext cx="976312" cy="610195"/>
+        </a:xfrm>
+        <a:prstGeom prst="roundRect">
+          <a:avLst>
+            <a:gd name="adj" fmla="val 10000"/>
+          </a:avLst>
+        </a:prstGeom>
+      </dgm:spPr>
     </dgm:pt>
     <dgm:pt modelId="{6B27DFF3-3021-4E99-BF73-829A6255425D}" type="pres">
       <dgm:prSet presAssocID="{E8807DF0-38BE-4236-AFC9-03DFA18007AA}" presName="Name13" presStyleLbl="parChTrans1D2" presStyleIdx="11" presStyleCnt="12"/>
@@ -14875,6 +16951,2023 @@
 </dsp:drawing>
 </file>
 
+<file path=ppt/diagrams/drawing5.xml><?xml version="1.0" encoding="utf-8"?>
+<dsp:drawing xmlns:dgm="http://schemas.openxmlformats.org/drawingml/2006/diagram" xmlns:dsp="http://schemas.microsoft.com/office/drawing/2008/diagram" xmlns:a="http://schemas.openxmlformats.org/drawingml/2006/main">
+  <dsp:spTree>
+    <dsp:nvGrpSpPr>
+      <dsp:cNvPr id="0" name=""/>
+      <dsp:cNvGrpSpPr/>
+    </dsp:nvGrpSpPr>
+    <dsp:grpSpPr/>
+    <dsp:sp modelId="{D42C5353-2F91-4910-9E62-259C884C47C8}">
+      <dsp:nvSpPr>
+        <dsp:cNvPr id="0" name=""/>
+        <dsp:cNvSpPr/>
+      </dsp:nvSpPr>
+      <dsp:spPr>
+        <a:xfrm>
+          <a:off x="912316" y="372"/>
+          <a:ext cx="1220390" cy="610195"/>
+        </a:xfrm>
+        <a:prstGeom prst="roundRect">
+          <a:avLst>
+            <a:gd name="adj" fmla="val 10000"/>
+          </a:avLst>
+        </a:prstGeom>
+        <a:solidFill>
+          <a:schemeClr val="accent1">
+            <a:hueOff val="0"/>
+            <a:satOff val="0"/>
+            <a:lumOff val="0"/>
+            <a:alphaOff val="0"/>
+          </a:schemeClr>
+        </a:solidFill>
+        <a:ln w="25400" cap="flat" cmpd="sng" algn="ctr">
+          <a:solidFill>
+            <a:schemeClr val="lt1">
+              <a:hueOff val="0"/>
+              <a:satOff val="0"/>
+              <a:lumOff val="0"/>
+              <a:alphaOff val="0"/>
+            </a:schemeClr>
+          </a:solidFill>
+          <a:prstDash val="solid"/>
+        </a:ln>
+        <a:effectLst/>
+      </dsp:spPr>
+      <dsp:style>
+        <a:lnRef idx="2">
+          <a:scrgbClr r="0" g="0" b="0"/>
+        </a:lnRef>
+        <a:fillRef idx="1">
+          <a:scrgbClr r="0" g="0" b="0"/>
+        </a:fillRef>
+        <a:effectRef idx="0">
+          <a:scrgbClr r="0" g="0" b="0"/>
+        </a:effectRef>
+        <a:fontRef idx="minor">
+          <a:schemeClr val="lt1"/>
+        </a:fontRef>
+      </dsp:style>
+      <dsp:txBody>
+        <a:bodyPr spcFirstLastPara="0" vert="horz" wrap="square" lIns="24765" tIns="16510" rIns="24765" bIns="16510" numCol="1" spcCol="1270" anchor="ctr" anchorCtr="0">
+          <a:noAutofit/>
+        </a:bodyPr>
+        <a:lstStyle/>
+        <a:p>
+          <a:pPr marL="0" lvl="0" indent="0" algn="ctr" defTabSz="577850">
+            <a:lnSpc>
+              <a:spcPct val="90000"/>
+            </a:lnSpc>
+            <a:spcBef>
+              <a:spcPct val="0"/>
+            </a:spcBef>
+            <a:spcAft>
+              <a:spcPct val="35000"/>
+            </a:spcAft>
+            <a:buNone/>
+          </a:pPr>
+          <a:r>
+            <a:rPr lang="en-US" sz="1300" kern="1200" dirty="0"/>
+            <a:t>Basic Principles</a:t>
+          </a:r>
+        </a:p>
+      </dsp:txBody>
+      <dsp:txXfrm>
+        <a:off x="930188" y="18244"/>
+        <a:ext cx="1184646" cy="574451"/>
+      </dsp:txXfrm>
+    </dsp:sp>
+    <dsp:sp modelId="{360B229B-0F55-45E5-A55A-DDDBDBD1C921}">
+      <dsp:nvSpPr>
+        <dsp:cNvPr id="0" name=""/>
+        <dsp:cNvSpPr/>
+      </dsp:nvSpPr>
+      <dsp:spPr>
+        <a:xfrm>
+          <a:off x="1034355" y="610567"/>
+          <a:ext cx="141360" cy="431890"/>
+        </a:xfrm>
+        <a:custGeom>
+          <a:avLst/>
+          <a:gdLst/>
+          <a:ahLst/>
+          <a:cxnLst/>
+          <a:rect l="0" t="0" r="0" b="0"/>
+          <a:pathLst>
+            <a:path>
+              <a:moveTo>
+                <a:pt x="0" y="0"/>
+              </a:moveTo>
+              <a:lnTo>
+                <a:pt x="0" y="431890"/>
+              </a:lnTo>
+              <a:lnTo>
+                <a:pt x="141360" y="431890"/>
+              </a:lnTo>
+            </a:path>
+          </a:pathLst>
+        </a:custGeom>
+        <a:noFill/>
+        <a:ln w="25400" cap="flat" cmpd="sng" algn="ctr">
+          <a:solidFill>
+            <a:schemeClr val="accent1">
+              <a:shade val="60000"/>
+              <a:hueOff val="0"/>
+              <a:satOff val="0"/>
+              <a:lumOff val="0"/>
+              <a:alphaOff val="0"/>
+            </a:schemeClr>
+          </a:solidFill>
+          <a:prstDash val="solid"/>
+        </a:ln>
+        <a:effectLst/>
+      </dsp:spPr>
+      <dsp:style>
+        <a:lnRef idx="2">
+          <a:scrgbClr r="0" g="0" b="0"/>
+        </a:lnRef>
+        <a:fillRef idx="0">
+          <a:scrgbClr r="0" g="0" b="0"/>
+        </a:fillRef>
+        <a:effectRef idx="0">
+          <a:scrgbClr r="0" g="0" b="0"/>
+        </a:effectRef>
+        <a:fontRef idx="minor"/>
+      </dsp:style>
+    </dsp:sp>
+    <dsp:sp modelId="{7E3D7089-292B-46E8-B4F0-ADC3733C52BD}">
+      <dsp:nvSpPr>
+        <dsp:cNvPr id="0" name=""/>
+        <dsp:cNvSpPr/>
+      </dsp:nvSpPr>
+      <dsp:spPr>
+        <a:xfrm>
+          <a:off x="1175715" y="737359"/>
+          <a:ext cx="976312" cy="610195"/>
+        </a:xfrm>
+        <a:prstGeom prst="roundRect">
+          <a:avLst>
+            <a:gd name="adj" fmla="val 10000"/>
+          </a:avLst>
+        </a:prstGeom>
+        <a:solidFill>
+          <a:schemeClr val="lt1">
+            <a:alpha val="90000"/>
+            <a:hueOff val="0"/>
+            <a:satOff val="0"/>
+            <a:lumOff val="0"/>
+            <a:alphaOff val="0"/>
+          </a:schemeClr>
+        </a:solidFill>
+        <a:ln w="25400" cap="flat" cmpd="sng" algn="ctr">
+          <a:solidFill>
+            <a:schemeClr val="accent1">
+              <a:hueOff val="0"/>
+              <a:satOff val="0"/>
+              <a:lumOff val="0"/>
+              <a:alphaOff val="0"/>
+            </a:schemeClr>
+          </a:solidFill>
+          <a:prstDash val="solid"/>
+        </a:ln>
+        <a:effectLst/>
+      </dsp:spPr>
+      <dsp:style>
+        <a:lnRef idx="2">
+          <a:scrgbClr r="0" g="0" b="0"/>
+        </a:lnRef>
+        <a:fillRef idx="1">
+          <a:scrgbClr r="0" g="0" b="0"/>
+        </a:fillRef>
+        <a:effectRef idx="0">
+          <a:scrgbClr r="0" g="0" b="0"/>
+        </a:effectRef>
+        <a:fontRef idx="minor"/>
+      </dsp:style>
+      <dsp:txBody>
+        <a:bodyPr spcFirstLastPara="0" vert="horz" wrap="square" lIns="28575" tIns="19050" rIns="28575" bIns="19050" numCol="1" spcCol="1270" anchor="ctr" anchorCtr="0">
+          <a:noAutofit/>
+        </a:bodyPr>
+        <a:lstStyle/>
+        <a:p>
+          <a:pPr marL="0" lvl="0" indent="0" algn="ctr" defTabSz="666750">
+            <a:lnSpc>
+              <a:spcPct val="90000"/>
+            </a:lnSpc>
+            <a:spcBef>
+              <a:spcPct val="0"/>
+            </a:spcBef>
+            <a:spcAft>
+              <a:spcPct val="35000"/>
+            </a:spcAft>
+            <a:buNone/>
+          </a:pPr>
+          <a:r>
+            <a:rPr lang="en-US" sz="1500" kern="1200" dirty="0"/>
+            <a:t>Designing Data</a:t>
+          </a:r>
+        </a:p>
+      </dsp:txBody>
+      <dsp:txXfrm>
+        <a:off x="1193587" y="755231"/>
+        <a:ext cx="940568" cy="574451"/>
+      </dsp:txXfrm>
+    </dsp:sp>
+    <dsp:sp modelId="{BC1B1EA4-129C-44F6-935B-BA646A7A2AA3}">
+      <dsp:nvSpPr>
+        <dsp:cNvPr id="0" name=""/>
+        <dsp:cNvSpPr/>
+      </dsp:nvSpPr>
+      <dsp:spPr>
+        <a:xfrm>
+          <a:off x="1034355" y="610567"/>
+          <a:ext cx="122039" cy="1220390"/>
+        </a:xfrm>
+        <a:custGeom>
+          <a:avLst/>
+          <a:gdLst/>
+          <a:ahLst/>
+          <a:cxnLst/>
+          <a:rect l="0" t="0" r="0" b="0"/>
+          <a:pathLst>
+            <a:path>
+              <a:moveTo>
+                <a:pt x="0" y="0"/>
+              </a:moveTo>
+              <a:lnTo>
+                <a:pt x="0" y="1220390"/>
+              </a:lnTo>
+              <a:lnTo>
+                <a:pt x="122039" y="1220390"/>
+              </a:lnTo>
+            </a:path>
+          </a:pathLst>
+        </a:custGeom>
+        <a:noFill/>
+        <a:ln w="25400" cap="flat" cmpd="sng" algn="ctr">
+          <a:solidFill>
+            <a:schemeClr val="accent1">
+              <a:shade val="60000"/>
+              <a:hueOff val="0"/>
+              <a:satOff val="0"/>
+              <a:lumOff val="0"/>
+              <a:alphaOff val="0"/>
+            </a:schemeClr>
+          </a:solidFill>
+          <a:prstDash val="solid"/>
+        </a:ln>
+        <a:effectLst/>
+      </dsp:spPr>
+      <dsp:style>
+        <a:lnRef idx="2">
+          <a:scrgbClr r="0" g="0" b="0"/>
+        </a:lnRef>
+        <a:fillRef idx="0">
+          <a:scrgbClr r="0" g="0" b="0"/>
+        </a:fillRef>
+        <a:effectRef idx="0">
+          <a:scrgbClr r="0" g="0" b="0"/>
+        </a:effectRef>
+        <a:fontRef idx="minor"/>
+      </dsp:style>
+    </dsp:sp>
+    <dsp:sp modelId="{CF0B1CD2-0FC3-49A4-A520-B01A6C3CCB95}">
+      <dsp:nvSpPr>
+        <dsp:cNvPr id="0" name=""/>
+        <dsp:cNvSpPr/>
+      </dsp:nvSpPr>
+      <dsp:spPr>
+        <a:xfrm>
+          <a:off x="1156394" y="1525860"/>
+          <a:ext cx="976312" cy="610195"/>
+        </a:xfrm>
+        <a:prstGeom prst="roundRect">
+          <a:avLst>
+            <a:gd name="adj" fmla="val 10000"/>
+          </a:avLst>
+        </a:prstGeom>
+        <a:solidFill>
+          <a:prstClr val="white">
+            <a:alpha val="90000"/>
+            <a:hueOff val="0"/>
+            <a:satOff val="0"/>
+            <a:lumOff val="0"/>
+            <a:alphaOff val="0"/>
+          </a:prstClr>
+        </a:solidFill>
+        <a:ln w="25400" cap="flat" cmpd="sng" algn="ctr">
+          <a:solidFill>
+            <a:srgbClr val="4F81BD">
+              <a:hueOff val="0"/>
+              <a:satOff val="0"/>
+              <a:lumOff val="0"/>
+              <a:alphaOff val="0"/>
+            </a:srgbClr>
+          </a:solidFill>
+          <a:prstDash val="solid"/>
+        </a:ln>
+        <a:effectLst/>
+      </dsp:spPr>
+      <dsp:style>
+        <a:lnRef idx="2">
+          <a:scrgbClr r="0" g="0" b="0"/>
+        </a:lnRef>
+        <a:fillRef idx="1">
+          <a:scrgbClr r="0" g="0" b="0"/>
+        </a:fillRef>
+        <a:effectRef idx="0">
+          <a:scrgbClr r="0" g="0" b="0"/>
+        </a:effectRef>
+        <a:fontRef idx="minor"/>
+      </dsp:style>
+      <dsp:txBody>
+        <a:bodyPr spcFirstLastPara="0" vert="horz" wrap="square" lIns="19050" tIns="12700" rIns="19050" bIns="12700" numCol="1" spcCol="1270" anchor="ctr" anchorCtr="0">
+          <a:noAutofit/>
+        </a:bodyPr>
+        <a:lstStyle/>
+        <a:p>
+          <a:pPr marL="0" lvl="0" indent="0" algn="ctr" defTabSz="444500">
+            <a:lnSpc>
+              <a:spcPct val="90000"/>
+            </a:lnSpc>
+            <a:spcBef>
+              <a:spcPct val="0"/>
+            </a:spcBef>
+            <a:spcAft>
+              <a:spcPct val="35000"/>
+            </a:spcAft>
+            <a:buNone/>
+          </a:pPr>
+          <a:r>
+            <a:rPr lang="en-US" sz="1000" kern="1200" dirty="0">
+              <a:solidFill>
+                <a:prstClr val="black">
+                  <a:hueOff val="0"/>
+                  <a:satOff val="0"/>
+                  <a:lumOff val="0"/>
+                  <a:alphaOff val="0"/>
+                </a:prstClr>
+              </a:solidFill>
+              <a:latin typeface="Calibri"/>
+              <a:ea typeface="+mn-ea"/>
+              <a:cs typeface="+mn-cs"/>
+            </a:rPr>
+            <a:t>Designing Functions</a:t>
+          </a:r>
+        </a:p>
+      </dsp:txBody>
+      <dsp:txXfrm>
+        <a:off x="1174266" y="1543732"/>
+        <a:ext cx="940568" cy="574451"/>
+      </dsp:txXfrm>
+    </dsp:sp>
+    <dsp:sp modelId="{F5AE7053-0C33-481C-8BFB-D2DAFB4C4294}">
+      <dsp:nvSpPr>
+        <dsp:cNvPr id="0" name=""/>
+        <dsp:cNvSpPr/>
+      </dsp:nvSpPr>
+      <dsp:spPr>
+        <a:xfrm>
+          <a:off x="1034355" y="610567"/>
+          <a:ext cx="122039" cy="1983134"/>
+        </a:xfrm>
+        <a:custGeom>
+          <a:avLst/>
+          <a:gdLst/>
+          <a:ahLst/>
+          <a:cxnLst/>
+          <a:rect l="0" t="0" r="0" b="0"/>
+          <a:pathLst>
+            <a:path>
+              <a:moveTo>
+                <a:pt x="0" y="0"/>
+              </a:moveTo>
+              <a:lnTo>
+                <a:pt x="0" y="1983134"/>
+              </a:lnTo>
+              <a:lnTo>
+                <a:pt x="122039" y="1983134"/>
+              </a:lnTo>
+            </a:path>
+          </a:pathLst>
+        </a:custGeom>
+        <a:noFill/>
+        <a:ln w="25400" cap="flat" cmpd="sng" algn="ctr">
+          <a:solidFill>
+            <a:schemeClr val="accent1">
+              <a:shade val="60000"/>
+              <a:hueOff val="0"/>
+              <a:satOff val="0"/>
+              <a:lumOff val="0"/>
+              <a:alphaOff val="0"/>
+            </a:schemeClr>
+          </a:solidFill>
+          <a:prstDash val="solid"/>
+        </a:ln>
+        <a:effectLst/>
+      </dsp:spPr>
+      <dsp:style>
+        <a:lnRef idx="2">
+          <a:scrgbClr r="0" g="0" b="0"/>
+        </a:lnRef>
+        <a:fillRef idx="0">
+          <a:scrgbClr r="0" g="0" b="0"/>
+        </a:fillRef>
+        <a:effectRef idx="0">
+          <a:scrgbClr r="0" g="0" b="0"/>
+        </a:effectRef>
+        <a:fontRef idx="minor"/>
+      </dsp:style>
+    </dsp:sp>
+    <dsp:sp modelId="{C5878689-67F2-4E3D-8C9B-392F50C32024}">
+      <dsp:nvSpPr>
+        <dsp:cNvPr id="0" name=""/>
+        <dsp:cNvSpPr/>
+      </dsp:nvSpPr>
+      <dsp:spPr>
+        <a:xfrm>
+          <a:off x="1156394" y="2288604"/>
+          <a:ext cx="976312" cy="610195"/>
+        </a:xfrm>
+        <a:prstGeom prst="roundRect">
+          <a:avLst>
+            <a:gd name="adj" fmla="val 10000"/>
+          </a:avLst>
+        </a:prstGeom>
+        <a:solidFill>
+          <a:prstClr val="white">
+            <a:alpha val="90000"/>
+            <a:hueOff val="0"/>
+            <a:satOff val="0"/>
+            <a:lumOff val="0"/>
+            <a:alphaOff val="0"/>
+          </a:prstClr>
+        </a:solidFill>
+        <a:ln w="25400" cap="flat" cmpd="sng" algn="ctr">
+          <a:solidFill>
+            <a:srgbClr val="4F81BD">
+              <a:hueOff val="0"/>
+              <a:satOff val="0"/>
+              <a:lumOff val="0"/>
+              <a:alphaOff val="0"/>
+            </a:srgbClr>
+          </a:solidFill>
+          <a:prstDash val="solid"/>
+        </a:ln>
+        <a:effectLst/>
+      </dsp:spPr>
+      <dsp:style>
+        <a:lnRef idx="2">
+          <a:scrgbClr r="0" g="0" b="0"/>
+        </a:lnRef>
+        <a:fillRef idx="1">
+          <a:scrgbClr r="0" g="0" b="0"/>
+        </a:fillRef>
+        <a:effectRef idx="0">
+          <a:scrgbClr r="0" g="0" b="0"/>
+        </a:effectRef>
+        <a:fontRef idx="minor"/>
+      </dsp:style>
+      <dsp:txBody>
+        <a:bodyPr spcFirstLastPara="0" vert="horz" wrap="square" lIns="19050" tIns="12700" rIns="19050" bIns="12700" numCol="1" spcCol="1270" anchor="ctr" anchorCtr="0">
+          <a:noAutofit/>
+        </a:bodyPr>
+        <a:lstStyle/>
+        <a:p>
+          <a:pPr marL="0" lvl="0" indent="0" algn="ctr" defTabSz="444500">
+            <a:lnSpc>
+              <a:spcPct val="90000"/>
+            </a:lnSpc>
+            <a:spcBef>
+              <a:spcPct val="0"/>
+            </a:spcBef>
+            <a:spcAft>
+              <a:spcPct val="35000"/>
+            </a:spcAft>
+            <a:buNone/>
+          </a:pPr>
+          <a:r>
+            <a:rPr lang="en-US" sz="1000" kern="1200" dirty="0">
+              <a:solidFill>
+                <a:prstClr val="black">
+                  <a:hueOff val="0"/>
+                  <a:satOff val="0"/>
+                  <a:lumOff val="0"/>
+                  <a:alphaOff val="0"/>
+                </a:prstClr>
+              </a:solidFill>
+              <a:latin typeface="Calibri"/>
+              <a:ea typeface="+mn-ea"/>
+              <a:cs typeface="+mn-cs"/>
+            </a:rPr>
+            <a:t>Designing</a:t>
+          </a:r>
+          <a:r>
+            <a:rPr lang="en-US" sz="1000" kern="1200" dirty="0"/>
+            <a:t> Systems</a:t>
+          </a:r>
+        </a:p>
+      </dsp:txBody>
+      <dsp:txXfrm>
+        <a:off x="1174266" y="2306476"/>
+        <a:ext cx="940568" cy="574451"/>
+      </dsp:txXfrm>
+    </dsp:sp>
+    <dsp:sp modelId="{F1C18E15-3E91-476D-8B13-25AD56BC4B13}">
+      <dsp:nvSpPr>
+        <dsp:cNvPr id="0" name=""/>
+        <dsp:cNvSpPr/>
+      </dsp:nvSpPr>
+      <dsp:spPr>
+        <a:xfrm>
+          <a:off x="2437804" y="372"/>
+          <a:ext cx="1220390" cy="610195"/>
+        </a:xfrm>
+        <a:prstGeom prst="roundRect">
+          <a:avLst>
+            <a:gd name="adj" fmla="val 10000"/>
+          </a:avLst>
+        </a:prstGeom>
+        <a:solidFill>
+          <a:schemeClr val="accent1">
+            <a:hueOff val="0"/>
+            <a:satOff val="0"/>
+            <a:lumOff val="0"/>
+            <a:alphaOff val="0"/>
+          </a:schemeClr>
+        </a:solidFill>
+        <a:ln w="25400" cap="flat" cmpd="sng" algn="ctr">
+          <a:solidFill>
+            <a:schemeClr val="lt1">
+              <a:hueOff val="0"/>
+              <a:satOff val="0"/>
+              <a:lumOff val="0"/>
+              <a:alphaOff val="0"/>
+            </a:schemeClr>
+          </a:solidFill>
+          <a:prstDash val="solid"/>
+        </a:ln>
+        <a:effectLst/>
+      </dsp:spPr>
+      <dsp:style>
+        <a:lnRef idx="2">
+          <a:scrgbClr r="0" g="0" b="0"/>
+        </a:lnRef>
+        <a:fillRef idx="1">
+          <a:scrgbClr r="0" g="0" b="0"/>
+        </a:fillRef>
+        <a:effectRef idx="0">
+          <a:scrgbClr r="0" g="0" b="0"/>
+        </a:effectRef>
+        <a:fontRef idx="minor">
+          <a:schemeClr val="lt1"/>
+        </a:fontRef>
+      </dsp:style>
+      <dsp:txBody>
+        <a:bodyPr spcFirstLastPara="0" vert="horz" wrap="square" lIns="24765" tIns="16510" rIns="24765" bIns="16510" numCol="1" spcCol="1270" anchor="ctr" anchorCtr="0">
+          <a:noAutofit/>
+        </a:bodyPr>
+        <a:lstStyle/>
+        <a:p>
+          <a:pPr marL="0" lvl="0" indent="0" algn="ctr" defTabSz="577850">
+            <a:lnSpc>
+              <a:spcPct val="90000"/>
+            </a:lnSpc>
+            <a:spcBef>
+              <a:spcPct val="0"/>
+            </a:spcBef>
+            <a:spcAft>
+              <a:spcPct val="35000"/>
+            </a:spcAft>
+            <a:buNone/>
+          </a:pPr>
+          <a:r>
+            <a:rPr lang="en-US" sz="1300" kern="1200" dirty="0"/>
+            <a:t>Tools and Techniques</a:t>
+          </a:r>
+        </a:p>
+      </dsp:txBody>
+      <dsp:txXfrm>
+        <a:off x="2455676" y="18244"/>
+        <a:ext cx="1184646" cy="574451"/>
+      </dsp:txXfrm>
+    </dsp:sp>
+    <dsp:sp modelId="{2564A6E5-875B-4BC6-B983-AA12C064A019}">
+      <dsp:nvSpPr>
+        <dsp:cNvPr id="0" name=""/>
+        <dsp:cNvSpPr/>
+      </dsp:nvSpPr>
+      <dsp:spPr>
+        <a:xfrm>
+          <a:off x="2559843" y="610567"/>
+          <a:ext cx="122039" cy="457646"/>
+        </a:xfrm>
+        <a:custGeom>
+          <a:avLst/>
+          <a:gdLst/>
+          <a:ahLst/>
+          <a:cxnLst/>
+          <a:rect l="0" t="0" r="0" b="0"/>
+          <a:pathLst>
+            <a:path>
+              <a:moveTo>
+                <a:pt x="0" y="0"/>
+              </a:moveTo>
+              <a:lnTo>
+                <a:pt x="0" y="457646"/>
+              </a:lnTo>
+              <a:lnTo>
+                <a:pt x="122039" y="457646"/>
+              </a:lnTo>
+            </a:path>
+          </a:pathLst>
+        </a:custGeom>
+        <a:noFill/>
+        <a:ln w="25400" cap="flat" cmpd="sng" algn="ctr">
+          <a:solidFill>
+            <a:schemeClr val="accent1">
+              <a:shade val="60000"/>
+              <a:hueOff val="0"/>
+              <a:satOff val="0"/>
+              <a:lumOff val="0"/>
+              <a:alphaOff val="0"/>
+            </a:schemeClr>
+          </a:solidFill>
+          <a:prstDash val="solid"/>
+        </a:ln>
+        <a:effectLst/>
+      </dsp:spPr>
+      <dsp:style>
+        <a:lnRef idx="2">
+          <a:scrgbClr r="0" g="0" b="0"/>
+        </a:lnRef>
+        <a:fillRef idx="0">
+          <a:scrgbClr r="0" g="0" b="0"/>
+        </a:fillRef>
+        <a:effectRef idx="0">
+          <a:scrgbClr r="0" g="0" b="0"/>
+        </a:effectRef>
+        <a:fontRef idx="minor"/>
+      </dsp:style>
+    </dsp:sp>
+    <dsp:sp modelId="{3B0CF9DF-CC55-47FF-BECE-903E70F9D2DE}">
+      <dsp:nvSpPr>
+        <dsp:cNvPr id="0" name=""/>
+        <dsp:cNvSpPr/>
+      </dsp:nvSpPr>
+      <dsp:spPr>
+        <a:xfrm>
+          <a:off x="2681882" y="763116"/>
+          <a:ext cx="976312" cy="610195"/>
+        </a:xfrm>
+        <a:prstGeom prst="roundRect">
+          <a:avLst>
+            <a:gd name="adj" fmla="val 10000"/>
+          </a:avLst>
+        </a:prstGeom>
+        <a:solidFill>
+          <a:schemeClr val="lt1">
+            <a:alpha val="90000"/>
+            <a:hueOff val="0"/>
+            <a:satOff val="0"/>
+            <a:lumOff val="0"/>
+            <a:alphaOff val="0"/>
+          </a:schemeClr>
+        </a:solidFill>
+        <a:ln w="25400" cap="flat" cmpd="sng" algn="ctr">
+          <a:solidFill>
+            <a:schemeClr val="accent1">
+              <a:hueOff val="0"/>
+              <a:satOff val="0"/>
+              <a:lumOff val="0"/>
+              <a:alphaOff val="0"/>
+            </a:schemeClr>
+          </a:solidFill>
+          <a:prstDash val="solid"/>
+        </a:ln>
+        <a:effectLst/>
+      </dsp:spPr>
+      <dsp:style>
+        <a:lnRef idx="2">
+          <a:scrgbClr r="0" g="0" b="0"/>
+        </a:lnRef>
+        <a:fillRef idx="1">
+          <a:scrgbClr r="0" g="0" b="0"/>
+        </a:fillRef>
+        <a:effectRef idx="0">
+          <a:scrgbClr r="0" g="0" b="0"/>
+        </a:effectRef>
+        <a:fontRef idx="minor"/>
+      </dsp:style>
+      <dsp:txBody>
+        <a:bodyPr spcFirstLastPara="0" vert="horz" wrap="square" lIns="28575" tIns="19050" rIns="28575" bIns="19050" numCol="1" spcCol="1270" anchor="ctr" anchorCtr="0">
+          <a:noAutofit/>
+        </a:bodyPr>
+        <a:lstStyle/>
+        <a:p>
+          <a:pPr marL="0" lvl="0" indent="0" algn="ctr" defTabSz="666750">
+            <a:lnSpc>
+              <a:spcPct val="90000"/>
+            </a:lnSpc>
+            <a:spcBef>
+              <a:spcPct val="0"/>
+            </a:spcBef>
+            <a:spcAft>
+              <a:spcPct val="35000"/>
+            </a:spcAft>
+            <a:buNone/>
+          </a:pPr>
+          <a:r>
+            <a:rPr lang="en-US" sz="1500" kern="1200" dirty="0"/>
+            <a:t>Computing with Lists</a:t>
+          </a:r>
+        </a:p>
+      </dsp:txBody>
+      <dsp:txXfrm>
+        <a:off x="2699754" y="780988"/>
+        <a:ext cx="940568" cy="574451"/>
+      </dsp:txXfrm>
+    </dsp:sp>
+    <dsp:sp modelId="{7DFA9A08-1F84-4CF2-9E63-7F6E7C219F76}">
+      <dsp:nvSpPr>
+        <dsp:cNvPr id="0" name=""/>
+        <dsp:cNvSpPr/>
+      </dsp:nvSpPr>
+      <dsp:spPr>
+        <a:xfrm>
+          <a:off x="2559843" y="610567"/>
+          <a:ext cx="122039" cy="1220390"/>
+        </a:xfrm>
+        <a:custGeom>
+          <a:avLst/>
+          <a:gdLst/>
+          <a:ahLst/>
+          <a:cxnLst/>
+          <a:rect l="0" t="0" r="0" b="0"/>
+          <a:pathLst>
+            <a:path>
+              <a:moveTo>
+                <a:pt x="0" y="0"/>
+              </a:moveTo>
+              <a:lnTo>
+                <a:pt x="0" y="1220390"/>
+              </a:lnTo>
+              <a:lnTo>
+                <a:pt x="122039" y="1220390"/>
+              </a:lnTo>
+            </a:path>
+          </a:pathLst>
+        </a:custGeom>
+        <a:noFill/>
+        <a:ln w="25400" cap="flat" cmpd="sng" algn="ctr">
+          <a:solidFill>
+            <a:schemeClr val="accent1">
+              <a:shade val="60000"/>
+              <a:hueOff val="0"/>
+              <a:satOff val="0"/>
+              <a:lumOff val="0"/>
+              <a:alphaOff val="0"/>
+            </a:schemeClr>
+          </a:solidFill>
+          <a:prstDash val="solid"/>
+        </a:ln>
+        <a:effectLst/>
+      </dsp:spPr>
+      <dsp:style>
+        <a:lnRef idx="2">
+          <a:scrgbClr r="0" g="0" b="0"/>
+        </a:lnRef>
+        <a:fillRef idx="0">
+          <a:scrgbClr r="0" g="0" b="0"/>
+        </a:fillRef>
+        <a:effectRef idx="0">
+          <a:scrgbClr r="0" g="0" b="0"/>
+        </a:effectRef>
+        <a:fontRef idx="minor"/>
+      </dsp:style>
+    </dsp:sp>
+    <dsp:sp modelId="{9C3E65C4-9266-43CB-B08F-79811ABF047A}">
+      <dsp:nvSpPr>
+        <dsp:cNvPr id="0" name=""/>
+        <dsp:cNvSpPr/>
+      </dsp:nvSpPr>
+      <dsp:spPr>
+        <a:xfrm>
+          <a:off x="2681882" y="1525860"/>
+          <a:ext cx="976312" cy="610195"/>
+        </a:xfrm>
+        <a:prstGeom prst="roundRect">
+          <a:avLst>
+            <a:gd name="adj" fmla="val 10000"/>
+          </a:avLst>
+        </a:prstGeom>
+        <a:solidFill>
+          <a:prstClr val="white">
+            <a:alpha val="90000"/>
+            <a:hueOff val="0"/>
+            <a:satOff val="0"/>
+            <a:lumOff val="0"/>
+            <a:alphaOff val="0"/>
+          </a:prstClr>
+        </a:solidFill>
+        <a:ln w="25400" cap="flat" cmpd="sng" algn="ctr">
+          <a:solidFill>
+            <a:srgbClr val="4F81BD">
+              <a:hueOff val="0"/>
+              <a:satOff val="0"/>
+              <a:lumOff val="0"/>
+              <a:alphaOff val="0"/>
+            </a:srgbClr>
+          </a:solidFill>
+          <a:prstDash val="solid"/>
+        </a:ln>
+        <a:effectLst/>
+      </dsp:spPr>
+      <dsp:style>
+        <a:lnRef idx="2">
+          <a:scrgbClr r="0" g="0" b="0"/>
+        </a:lnRef>
+        <a:fillRef idx="1">
+          <a:scrgbClr r="0" g="0" b="0"/>
+        </a:fillRef>
+        <a:effectRef idx="0">
+          <a:scrgbClr r="0" g="0" b="0"/>
+        </a:effectRef>
+        <a:fontRef idx="minor"/>
+      </dsp:style>
+      <dsp:txBody>
+        <a:bodyPr spcFirstLastPara="0" vert="horz" wrap="square" lIns="22860" tIns="15240" rIns="22860" bIns="15240" numCol="1" spcCol="1270" anchor="ctr" anchorCtr="0">
+          <a:noAutofit/>
+        </a:bodyPr>
+        <a:lstStyle/>
+        <a:p>
+          <a:pPr marL="0" lvl="0" indent="0" algn="ctr" defTabSz="533400">
+            <a:lnSpc>
+              <a:spcPct val="90000"/>
+            </a:lnSpc>
+            <a:spcBef>
+              <a:spcPct val="0"/>
+            </a:spcBef>
+            <a:spcAft>
+              <a:spcPct val="35000"/>
+            </a:spcAft>
+            <a:buNone/>
+          </a:pPr>
+          <a:r>
+            <a:rPr lang="en-US" sz="1200" kern="1200" dirty="0">
+              <a:solidFill>
+                <a:prstClr val="black">
+                  <a:hueOff val="0"/>
+                  <a:satOff val="0"/>
+                  <a:lumOff val="0"/>
+                  <a:alphaOff val="0"/>
+                </a:prstClr>
+              </a:solidFill>
+              <a:latin typeface="Calibri"/>
+              <a:ea typeface="+mn-ea"/>
+              <a:cs typeface="+mn-cs"/>
+            </a:rPr>
+            <a:t>Computing with Trees and Graphs</a:t>
+          </a:r>
+        </a:p>
+      </dsp:txBody>
+      <dsp:txXfrm>
+        <a:off x="2699754" y="1543732"/>
+        <a:ext cx="940568" cy="574451"/>
+      </dsp:txXfrm>
+    </dsp:sp>
+    <dsp:sp modelId="{35FE4D4C-3CA0-4CCA-8F9D-1668C574961B}">
+      <dsp:nvSpPr>
+        <dsp:cNvPr id="0" name=""/>
+        <dsp:cNvSpPr/>
+      </dsp:nvSpPr>
+      <dsp:spPr>
+        <a:xfrm>
+          <a:off x="2559843" y="610567"/>
+          <a:ext cx="122039" cy="1983134"/>
+        </a:xfrm>
+        <a:custGeom>
+          <a:avLst/>
+          <a:gdLst/>
+          <a:ahLst/>
+          <a:cxnLst/>
+          <a:rect l="0" t="0" r="0" b="0"/>
+          <a:pathLst>
+            <a:path>
+              <a:moveTo>
+                <a:pt x="0" y="0"/>
+              </a:moveTo>
+              <a:lnTo>
+                <a:pt x="0" y="1983134"/>
+              </a:lnTo>
+              <a:lnTo>
+                <a:pt x="122039" y="1983134"/>
+              </a:lnTo>
+            </a:path>
+          </a:pathLst>
+        </a:custGeom>
+        <a:noFill/>
+        <a:ln w="25400" cap="flat" cmpd="sng" algn="ctr">
+          <a:solidFill>
+            <a:schemeClr val="accent1">
+              <a:shade val="60000"/>
+              <a:hueOff val="0"/>
+              <a:satOff val="0"/>
+              <a:lumOff val="0"/>
+              <a:alphaOff val="0"/>
+            </a:schemeClr>
+          </a:solidFill>
+          <a:prstDash val="solid"/>
+        </a:ln>
+        <a:effectLst/>
+      </dsp:spPr>
+      <dsp:style>
+        <a:lnRef idx="2">
+          <a:scrgbClr r="0" g="0" b="0"/>
+        </a:lnRef>
+        <a:fillRef idx="0">
+          <a:scrgbClr r="0" g="0" b="0"/>
+        </a:fillRef>
+        <a:effectRef idx="0">
+          <a:scrgbClr r="0" g="0" b="0"/>
+        </a:effectRef>
+        <a:fontRef idx="minor"/>
+      </dsp:style>
+    </dsp:sp>
+    <dsp:sp modelId="{375B2884-C079-4ABC-AF46-CC7B31EF2123}">
+      <dsp:nvSpPr>
+        <dsp:cNvPr id="0" name=""/>
+        <dsp:cNvSpPr/>
+      </dsp:nvSpPr>
+      <dsp:spPr>
+        <a:xfrm>
+          <a:off x="2681882" y="2288604"/>
+          <a:ext cx="976312" cy="610195"/>
+        </a:xfrm>
+        <a:prstGeom prst="roundRect">
+          <a:avLst>
+            <a:gd name="adj" fmla="val 10000"/>
+          </a:avLst>
+        </a:prstGeom>
+        <a:solidFill>
+          <a:prstClr val="white">
+            <a:alpha val="90000"/>
+            <a:hueOff val="0"/>
+            <a:satOff val="0"/>
+            <a:lumOff val="0"/>
+            <a:alphaOff val="0"/>
+          </a:prstClr>
+        </a:solidFill>
+        <a:ln w="25400" cap="flat" cmpd="sng" algn="ctr">
+          <a:solidFill>
+            <a:srgbClr val="4F81BD">
+              <a:hueOff val="0"/>
+              <a:satOff val="0"/>
+              <a:lumOff val="0"/>
+              <a:alphaOff val="0"/>
+            </a:srgbClr>
+          </a:solidFill>
+          <a:prstDash val="solid"/>
+        </a:ln>
+        <a:effectLst/>
+      </dsp:spPr>
+      <dsp:style>
+        <a:lnRef idx="2">
+          <a:scrgbClr r="0" g="0" b="0"/>
+        </a:lnRef>
+        <a:fillRef idx="1">
+          <a:scrgbClr r="0" g="0" b="0"/>
+        </a:fillRef>
+        <a:effectRef idx="0">
+          <a:scrgbClr r="0" g="0" b="0"/>
+        </a:effectRef>
+        <a:fontRef idx="minor"/>
+      </dsp:style>
+      <dsp:txBody>
+        <a:bodyPr spcFirstLastPara="0" vert="horz" wrap="square" lIns="22860" tIns="15240" rIns="22860" bIns="15240" numCol="1" spcCol="1270" anchor="ctr" anchorCtr="0">
+          <a:noAutofit/>
+        </a:bodyPr>
+        <a:lstStyle/>
+        <a:p>
+          <a:pPr marL="0" lvl="0" indent="0" algn="ctr" defTabSz="533400">
+            <a:lnSpc>
+              <a:spcPct val="90000"/>
+            </a:lnSpc>
+            <a:spcBef>
+              <a:spcPct val="0"/>
+            </a:spcBef>
+            <a:spcAft>
+              <a:spcPct val="35000"/>
+            </a:spcAft>
+            <a:buNone/>
+          </a:pPr>
+          <a:r>
+            <a:rPr lang="en-US" sz="1200" kern="1200" dirty="0">
+              <a:solidFill>
+                <a:prstClr val="black">
+                  <a:hueOff val="0"/>
+                  <a:satOff val="0"/>
+                  <a:lumOff val="0"/>
+                  <a:alphaOff val="0"/>
+                </a:prstClr>
+              </a:solidFill>
+              <a:latin typeface="Calibri"/>
+              <a:ea typeface="+mn-ea"/>
+              <a:cs typeface="+mn-cs"/>
+            </a:rPr>
+            <a:t>Computing</a:t>
+          </a:r>
+          <a:r>
+            <a:rPr lang="en-US" sz="1000" kern="1200" dirty="0"/>
+            <a:t> with Higher-Order Functions</a:t>
+          </a:r>
+        </a:p>
+      </dsp:txBody>
+      <dsp:txXfrm>
+        <a:off x="2699754" y="2306476"/>
+        <a:ext cx="940568" cy="574451"/>
+      </dsp:txXfrm>
+    </dsp:sp>
+    <dsp:sp modelId="{16CFAB30-3E6A-44D7-A45D-E3066E142053}">
+      <dsp:nvSpPr>
+        <dsp:cNvPr id="0" name=""/>
+        <dsp:cNvSpPr/>
+      </dsp:nvSpPr>
+      <dsp:spPr>
+        <a:xfrm>
+          <a:off x="2559843" y="610567"/>
+          <a:ext cx="122039" cy="2745878"/>
+        </a:xfrm>
+        <a:custGeom>
+          <a:avLst/>
+          <a:gdLst/>
+          <a:ahLst/>
+          <a:cxnLst/>
+          <a:rect l="0" t="0" r="0" b="0"/>
+          <a:pathLst>
+            <a:path>
+              <a:moveTo>
+                <a:pt x="0" y="0"/>
+              </a:moveTo>
+              <a:lnTo>
+                <a:pt x="0" y="2745878"/>
+              </a:lnTo>
+              <a:lnTo>
+                <a:pt x="122039" y="2745878"/>
+              </a:lnTo>
+            </a:path>
+          </a:pathLst>
+        </a:custGeom>
+        <a:noFill/>
+        <a:ln w="25400" cap="flat" cmpd="sng" algn="ctr">
+          <a:solidFill>
+            <a:schemeClr val="accent1">
+              <a:shade val="60000"/>
+              <a:hueOff val="0"/>
+              <a:satOff val="0"/>
+              <a:lumOff val="0"/>
+              <a:alphaOff val="0"/>
+            </a:schemeClr>
+          </a:solidFill>
+          <a:prstDash val="solid"/>
+        </a:ln>
+        <a:effectLst/>
+      </dsp:spPr>
+      <dsp:style>
+        <a:lnRef idx="2">
+          <a:scrgbClr r="0" g="0" b="0"/>
+        </a:lnRef>
+        <a:fillRef idx="0">
+          <a:scrgbClr r="0" g="0" b="0"/>
+        </a:fillRef>
+        <a:effectRef idx="0">
+          <a:scrgbClr r="0" g="0" b="0"/>
+        </a:effectRef>
+        <a:fontRef idx="minor"/>
+      </dsp:style>
+    </dsp:sp>
+    <dsp:sp modelId="{5F9726AA-E8AD-4C5C-A0CA-2350C4F8CAFA}">
+      <dsp:nvSpPr>
+        <dsp:cNvPr id="0" name=""/>
+        <dsp:cNvSpPr/>
+      </dsp:nvSpPr>
+      <dsp:spPr>
+        <a:xfrm>
+          <a:off x="2681882" y="3051348"/>
+          <a:ext cx="976312" cy="610195"/>
+        </a:xfrm>
+        <a:prstGeom prst="roundRect">
+          <a:avLst>
+            <a:gd name="adj" fmla="val 10000"/>
+          </a:avLst>
+        </a:prstGeom>
+        <a:solidFill>
+          <a:prstClr val="white">
+            <a:alpha val="90000"/>
+            <a:hueOff val="0"/>
+            <a:satOff val="0"/>
+            <a:lumOff val="0"/>
+            <a:alphaOff val="0"/>
+          </a:prstClr>
+        </a:solidFill>
+        <a:ln w="25400" cap="flat" cmpd="sng" algn="ctr">
+          <a:solidFill>
+            <a:srgbClr val="4F81BD">
+              <a:hueOff val="0"/>
+              <a:satOff val="0"/>
+              <a:lumOff val="0"/>
+              <a:alphaOff val="0"/>
+            </a:srgbClr>
+          </a:solidFill>
+          <a:prstDash val="solid"/>
+        </a:ln>
+        <a:effectLst/>
+      </dsp:spPr>
+      <dsp:style>
+        <a:lnRef idx="2">
+          <a:scrgbClr r="0" g="0" b="0"/>
+        </a:lnRef>
+        <a:fillRef idx="1">
+          <a:scrgbClr r="0" g="0" b="0"/>
+        </a:fillRef>
+        <a:effectRef idx="0">
+          <a:scrgbClr r="0" g="0" b="0"/>
+        </a:effectRef>
+        <a:fontRef idx="minor"/>
+      </dsp:style>
+      <dsp:txBody>
+        <a:bodyPr spcFirstLastPara="0" vert="horz" wrap="square" lIns="22860" tIns="15240" rIns="22860" bIns="15240" numCol="1" spcCol="1270" anchor="ctr" anchorCtr="0">
+          <a:noAutofit/>
+        </a:bodyPr>
+        <a:lstStyle/>
+        <a:p>
+          <a:pPr marL="0" lvl="0" indent="0" algn="ctr" defTabSz="533400">
+            <a:lnSpc>
+              <a:spcPct val="90000"/>
+            </a:lnSpc>
+            <a:spcBef>
+              <a:spcPct val="0"/>
+            </a:spcBef>
+            <a:spcAft>
+              <a:spcPct val="35000"/>
+            </a:spcAft>
+            <a:buNone/>
+          </a:pPr>
+          <a:r>
+            <a:rPr lang="en-US" sz="1200" kern="1200" dirty="0">
+              <a:solidFill>
+                <a:prstClr val="black">
+                  <a:hueOff val="0"/>
+                  <a:satOff val="0"/>
+                  <a:lumOff val="0"/>
+                  <a:alphaOff val="0"/>
+                </a:prstClr>
+              </a:solidFill>
+              <a:latin typeface="Calibri"/>
+              <a:ea typeface="+mn-ea"/>
+              <a:cs typeface="+mn-cs"/>
+            </a:rPr>
+            <a:t>Designing</a:t>
+          </a:r>
+          <a:r>
+            <a:rPr lang="en-US" sz="1200" kern="1200" dirty="0"/>
+            <a:t> with Invariants</a:t>
+          </a:r>
+        </a:p>
+      </dsp:txBody>
+      <dsp:txXfrm>
+        <a:off x="2699754" y="3069220"/>
+        <a:ext cx="940568" cy="574451"/>
+      </dsp:txXfrm>
+    </dsp:sp>
+    <dsp:sp modelId="{0ECF28DA-9925-4B5B-97B1-BDA459502114}">
+      <dsp:nvSpPr>
+        <dsp:cNvPr id="0" name=""/>
+        <dsp:cNvSpPr/>
+      </dsp:nvSpPr>
+      <dsp:spPr>
+        <a:xfrm>
+          <a:off x="2559843" y="610567"/>
+          <a:ext cx="122039" cy="3556495"/>
+        </a:xfrm>
+        <a:custGeom>
+          <a:avLst/>
+          <a:gdLst/>
+          <a:ahLst/>
+          <a:cxnLst/>
+          <a:rect l="0" t="0" r="0" b="0"/>
+          <a:pathLst>
+            <a:path>
+              <a:moveTo>
+                <a:pt x="0" y="0"/>
+              </a:moveTo>
+              <a:lnTo>
+                <a:pt x="0" y="3556495"/>
+              </a:lnTo>
+              <a:lnTo>
+                <a:pt x="122039" y="3556495"/>
+              </a:lnTo>
+            </a:path>
+          </a:pathLst>
+        </a:custGeom>
+        <a:noFill/>
+        <a:ln w="25400" cap="flat" cmpd="sng" algn="ctr">
+          <a:solidFill>
+            <a:schemeClr val="accent1">
+              <a:shade val="60000"/>
+              <a:hueOff val="0"/>
+              <a:satOff val="0"/>
+              <a:lumOff val="0"/>
+              <a:alphaOff val="0"/>
+            </a:schemeClr>
+          </a:solidFill>
+          <a:prstDash val="solid"/>
+        </a:ln>
+        <a:effectLst/>
+      </dsp:spPr>
+      <dsp:style>
+        <a:lnRef idx="2">
+          <a:scrgbClr r="0" g="0" b="0"/>
+        </a:lnRef>
+        <a:fillRef idx="0">
+          <a:scrgbClr r="0" g="0" b="0"/>
+        </a:fillRef>
+        <a:effectRef idx="0">
+          <a:scrgbClr r="0" g="0" b="0"/>
+        </a:effectRef>
+        <a:fontRef idx="minor"/>
+      </dsp:style>
+    </dsp:sp>
+    <dsp:sp modelId="{5A2BB121-DDEE-46A8-AC09-18496F773E62}">
+      <dsp:nvSpPr>
+        <dsp:cNvPr id="0" name=""/>
+        <dsp:cNvSpPr/>
+      </dsp:nvSpPr>
+      <dsp:spPr>
+        <a:xfrm>
+          <a:off x="2681882" y="3814092"/>
+          <a:ext cx="976312" cy="705941"/>
+        </a:xfrm>
+        <a:prstGeom prst="roundRect">
+          <a:avLst>
+            <a:gd name="adj" fmla="val 10000"/>
+          </a:avLst>
+        </a:prstGeom>
+        <a:solidFill>
+          <a:prstClr val="white">
+            <a:alpha val="90000"/>
+            <a:hueOff val="0"/>
+            <a:satOff val="0"/>
+            <a:lumOff val="0"/>
+            <a:alphaOff val="0"/>
+          </a:prstClr>
+        </a:solidFill>
+        <a:ln w="25400" cap="flat" cmpd="sng" algn="ctr">
+          <a:solidFill>
+            <a:srgbClr val="4F81BD">
+              <a:hueOff val="0"/>
+              <a:satOff val="0"/>
+              <a:lumOff val="0"/>
+              <a:alphaOff val="0"/>
+            </a:srgbClr>
+          </a:solidFill>
+          <a:prstDash val="solid"/>
+        </a:ln>
+        <a:effectLst/>
+      </dsp:spPr>
+      <dsp:style>
+        <a:lnRef idx="2">
+          <a:scrgbClr r="0" g="0" b="0"/>
+        </a:lnRef>
+        <a:fillRef idx="1">
+          <a:scrgbClr r="0" g="0" b="0"/>
+        </a:fillRef>
+        <a:effectRef idx="0">
+          <a:scrgbClr r="0" g="0" b="0"/>
+        </a:effectRef>
+        <a:fontRef idx="minor"/>
+      </dsp:style>
+      <dsp:txBody>
+        <a:bodyPr spcFirstLastPara="0" vert="horz" wrap="square" lIns="22860" tIns="15240" rIns="22860" bIns="15240" numCol="1" spcCol="1270" anchor="ctr" anchorCtr="0">
+          <a:noAutofit/>
+        </a:bodyPr>
+        <a:lstStyle/>
+        <a:p>
+          <a:pPr marL="0" lvl="0" indent="0" algn="ctr" defTabSz="533400">
+            <a:lnSpc>
+              <a:spcPct val="90000"/>
+            </a:lnSpc>
+            <a:spcBef>
+              <a:spcPct val="0"/>
+            </a:spcBef>
+            <a:spcAft>
+              <a:spcPct val="35000"/>
+            </a:spcAft>
+            <a:buNone/>
+          </a:pPr>
+          <a:r>
+            <a:rPr lang="en-US" sz="1200" kern="1200" dirty="0"/>
+            <a:t>Thinking </a:t>
+          </a:r>
+          <a:r>
+            <a:rPr lang="en-US" sz="1200" kern="1200" dirty="0">
+              <a:solidFill>
+                <a:prstClr val="black">
+                  <a:hueOff val="0"/>
+                  <a:satOff val="0"/>
+                  <a:lumOff val="0"/>
+                  <a:alphaOff val="0"/>
+                </a:prstClr>
+              </a:solidFill>
+              <a:latin typeface="Calibri"/>
+              <a:ea typeface="+mn-ea"/>
+              <a:cs typeface="+mn-cs"/>
+            </a:rPr>
+            <a:t>about</a:t>
+          </a:r>
+          <a:r>
+            <a:rPr lang="en-US" sz="1200" kern="1200" dirty="0"/>
+            <a:t> Efficiency</a:t>
+          </a:r>
+        </a:p>
+      </dsp:txBody>
+      <dsp:txXfrm>
+        <a:off x="2702558" y="3834768"/>
+        <a:ext cx="934960" cy="664589"/>
+      </dsp:txXfrm>
+    </dsp:sp>
+    <dsp:sp modelId="{3DB7ADFA-DCAB-4034-9F43-B860EBE864E8}">
+      <dsp:nvSpPr>
+        <dsp:cNvPr id="0" name=""/>
+        <dsp:cNvSpPr/>
+      </dsp:nvSpPr>
+      <dsp:spPr>
+        <a:xfrm>
+          <a:off x="3963292" y="372"/>
+          <a:ext cx="1220390" cy="610195"/>
+        </a:xfrm>
+        <a:prstGeom prst="roundRect">
+          <a:avLst>
+            <a:gd name="adj" fmla="val 10000"/>
+          </a:avLst>
+        </a:prstGeom>
+        <a:solidFill>
+          <a:schemeClr val="accent1">
+            <a:hueOff val="0"/>
+            <a:satOff val="0"/>
+            <a:lumOff val="0"/>
+            <a:alphaOff val="0"/>
+          </a:schemeClr>
+        </a:solidFill>
+        <a:ln w="25400" cap="flat" cmpd="sng" algn="ctr">
+          <a:solidFill>
+            <a:schemeClr val="lt1">
+              <a:hueOff val="0"/>
+              <a:satOff val="0"/>
+              <a:lumOff val="0"/>
+              <a:alphaOff val="0"/>
+            </a:schemeClr>
+          </a:solidFill>
+          <a:prstDash val="solid"/>
+        </a:ln>
+        <a:effectLst/>
+      </dsp:spPr>
+      <dsp:style>
+        <a:lnRef idx="2">
+          <a:scrgbClr r="0" g="0" b="0"/>
+        </a:lnRef>
+        <a:fillRef idx="1">
+          <a:scrgbClr r="0" g="0" b="0"/>
+        </a:fillRef>
+        <a:effectRef idx="0">
+          <a:scrgbClr r="0" g="0" b="0"/>
+        </a:effectRef>
+        <a:fontRef idx="minor">
+          <a:schemeClr val="lt1"/>
+        </a:fontRef>
+      </dsp:style>
+      <dsp:txBody>
+        <a:bodyPr spcFirstLastPara="0" vert="horz" wrap="square" lIns="24765" tIns="16510" rIns="24765" bIns="16510" numCol="1" spcCol="1270" anchor="ctr" anchorCtr="0">
+          <a:noAutofit/>
+        </a:bodyPr>
+        <a:lstStyle/>
+        <a:p>
+          <a:pPr marL="0" lvl="0" indent="0" algn="ctr" defTabSz="577850">
+            <a:lnSpc>
+              <a:spcPct val="90000"/>
+            </a:lnSpc>
+            <a:spcBef>
+              <a:spcPct val="0"/>
+            </a:spcBef>
+            <a:spcAft>
+              <a:spcPct val="35000"/>
+            </a:spcAft>
+            <a:buNone/>
+          </a:pPr>
+          <a:r>
+            <a:rPr lang="en-US" sz="1300" kern="1200" dirty="0"/>
+            <a:t>Object-Oriented Programming</a:t>
+          </a:r>
+        </a:p>
+      </dsp:txBody>
+      <dsp:txXfrm>
+        <a:off x="3981164" y="18244"/>
+        <a:ext cx="1184646" cy="574451"/>
+      </dsp:txXfrm>
+    </dsp:sp>
+    <dsp:sp modelId="{278D3975-9588-4A95-85BD-D062BB0AE1A4}">
+      <dsp:nvSpPr>
+        <dsp:cNvPr id="0" name=""/>
+        <dsp:cNvSpPr/>
+      </dsp:nvSpPr>
+      <dsp:spPr>
+        <a:xfrm>
+          <a:off x="4085332" y="610567"/>
+          <a:ext cx="122039" cy="457646"/>
+        </a:xfrm>
+        <a:custGeom>
+          <a:avLst/>
+          <a:gdLst/>
+          <a:ahLst/>
+          <a:cxnLst/>
+          <a:rect l="0" t="0" r="0" b="0"/>
+          <a:pathLst>
+            <a:path>
+              <a:moveTo>
+                <a:pt x="0" y="0"/>
+              </a:moveTo>
+              <a:lnTo>
+                <a:pt x="0" y="457646"/>
+              </a:lnTo>
+              <a:lnTo>
+                <a:pt x="122039" y="457646"/>
+              </a:lnTo>
+            </a:path>
+          </a:pathLst>
+        </a:custGeom>
+        <a:noFill/>
+        <a:ln w="25400" cap="flat" cmpd="sng" algn="ctr">
+          <a:solidFill>
+            <a:schemeClr val="accent1">
+              <a:shade val="60000"/>
+              <a:hueOff val="0"/>
+              <a:satOff val="0"/>
+              <a:lumOff val="0"/>
+              <a:alphaOff val="0"/>
+            </a:schemeClr>
+          </a:solidFill>
+          <a:prstDash val="solid"/>
+        </a:ln>
+        <a:effectLst/>
+      </dsp:spPr>
+      <dsp:style>
+        <a:lnRef idx="2">
+          <a:scrgbClr r="0" g="0" b="0"/>
+        </a:lnRef>
+        <a:fillRef idx="0">
+          <a:scrgbClr r="0" g="0" b="0"/>
+        </a:fillRef>
+        <a:effectRef idx="0">
+          <a:scrgbClr r="0" g="0" b="0"/>
+        </a:effectRef>
+        <a:fontRef idx="minor"/>
+      </dsp:style>
+    </dsp:sp>
+    <dsp:sp modelId="{EDB6085A-8F2B-4B84-887D-9DD4BEC6E4E1}">
+      <dsp:nvSpPr>
+        <dsp:cNvPr id="0" name=""/>
+        <dsp:cNvSpPr/>
+      </dsp:nvSpPr>
+      <dsp:spPr>
+        <a:xfrm>
+          <a:off x="4207371" y="763116"/>
+          <a:ext cx="976312" cy="610195"/>
+        </a:xfrm>
+        <a:prstGeom prst="roundRect">
+          <a:avLst>
+            <a:gd name="adj" fmla="val 10000"/>
+          </a:avLst>
+        </a:prstGeom>
+        <a:solidFill>
+          <a:prstClr val="white">
+            <a:alpha val="90000"/>
+            <a:hueOff val="0"/>
+            <a:satOff val="0"/>
+            <a:lumOff val="0"/>
+            <a:alphaOff val="0"/>
+          </a:prstClr>
+        </a:solidFill>
+        <a:ln w="25400" cap="flat" cmpd="sng" algn="ctr">
+          <a:solidFill>
+            <a:srgbClr val="4F81BD">
+              <a:hueOff val="0"/>
+              <a:satOff val="0"/>
+              <a:lumOff val="0"/>
+              <a:alphaOff val="0"/>
+            </a:srgbClr>
+          </a:solidFill>
+          <a:prstDash val="solid"/>
+        </a:ln>
+        <a:effectLst/>
+      </dsp:spPr>
+      <dsp:style>
+        <a:lnRef idx="2">
+          <a:scrgbClr r="0" g="0" b="0"/>
+        </a:lnRef>
+        <a:fillRef idx="1">
+          <a:scrgbClr r="0" g="0" b="0"/>
+        </a:fillRef>
+        <a:effectRef idx="0">
+          <a:scrgbClr r="0" g="0" b="0"/>
+        </a:effectRef>
+        <a:fontRef idx="minor"/>
+      </dsp:style>
+      <dsp:txBody>
+        <a:bodyPr spcFirstLastPara="0" vert="horz" wrap="square" lIns="22860" tIns="15240" rIns="22860" bIns="15240" numCol="1" spcCol="1270" anchor="ctr" anchorCtr="0">
+          <a:noAutofit/>
+        </a:bodyPr>
+        <a:lstStyle/>
+        <a:p>
+          <a:pPr marL="0" lvl="0" indent="0" algn="ctr" defTabSz="533400">
+            <a:lnSpc>
+              <a:spcPct val="90000"/>
+            </a:lnSpc>
+            <a:spcBef>
+              <a:spcPct val="0"/>
+            </a:spcBef>
+            <a:spcAft>
+              <a:spcPct val="35000"/>
+            </a:spcAft>
+            <a:buNone/>
+          </a:pPr>
+          <a:r>
+            <a:rPr lang="en-US" sz="1200" kern="1200" dirty="0">
+              <a:solidFill>
+                <a:prstClr val="black">
+                  <a:hueOff val="0"/>
+                  <a:satOff val="0"/>
+                  <a:lumOff val="0"/>
+                  <a:alphaOff val="0"/>
+                </a:prstClr>
+              </a:solidFill>
+              <a:latin typeface="Calibri"/>
+              <a:ea typeface="+mn-ea"/>
+              <a:cs typeface="+mn-cs"/>
+            </a:rPr>
+            <a:t>Interfaces</a:t>
+          </a:r>
+          <a:r>
+            <a:rPr lang="en-US" sz="1200" kern="1200" dirty="0"/>
+            <a:t> and Classes</a:t>
+          </a:r>
+        </a:p>
+      </dsp:txBody>
+      <dsp:txXfrm>
+        <a:off x="4225243" y="780988"/>
+        <a:ext cx="940568" cy="574451"/>
+      </dsp:txXfrm>
+    </dsp:sp>
+    <dsp:sp modelId="{9C05BE7E-FC1F-4CC6-8FAB-3504F91E9A3A}">
+      <dsp:nvSpPr>
+        <dsp:cNvPr id="0" name=""/>
+        <dsp:cNvSpPr/>
+      </dsp:nvSpPr>
+      <dsp:spPr>
+        <a:xfrm>
+          <a:off x="4085332" y="610567"/>
+          <a:ext cx="122039" cy="1220390"/>
+        </a:xfrm>
+        <a:custGeom>
+          <a:avLst/>
+          <a:gdLst/>
+          <a:ahLst/>
+          <a:cxnLst/>
+          <a:rect l="0" t="0" r="0" b="0"/>
+          <a:pathLst>
+            <a:path>
+              <a:moveTo>
+                <a:pt x="0" y="0"/>
+              </a:moveTo>
+              <a:lnTo>
+                <a:pt x="0" y="1220390"/>
+              </a:lnTo>
+              <a:lnTo>
+                <a:pt x="122039" y="1220390"/>
+              </a:lnTo>
+            </a:path>
+          </a:pathLst>
+        </a:custGeom>
+        <a:noFill/>
+        <a:ln w="25400" cap="flat" cmpd="sng" algn="ctr">
+          <a:solidFill>
+            <a:schemeClr val="accent1">
+              <a:shade val="60000"/>
+              <a:hueOff val="0"/>
+              <a:satOff val="0"/>
+              <a:lumOff val="0"/>
+              <a:alphaOff val="0"/>
+            </a:schemeClr>
+          </a:solidFill>
+          <a:prstDash val="solid"/>
+        </a:ln>
+        <a:effectLst/>
+      </dsp:spPr>
+      <dsp:style>
+        <a:lnRef idx="2">
+          <a:scrgbClr r="0" g="0" b="0"/>
+        </a:lnRef>
+        <a:fillRef idx="0">
+          <a:scrgbClr r="0" g="0" b="0"/>
+        </a:fillRef>
+        <a:effectRef idx="0">
+          <a:scrgbClr r="0" g="0" b="0"/>
+        </a:effectRef>
+        <a:fontRef idx="minor"/>
+      </dsp:style>
+    </dsp:sp>
+    <dsp:sp modelId="{DA978C10-45FD-4D26-8760-9D8C9CF54865}">
+      <dsp:nvSpPr>
+        <dsp:cNvPr id="0" name=""/>
+        <dsp:cNvSpPr/>
+      </dsp:nvSpPr>
+      <dsp:spPr>
+        <a:xfrm>
+          <a:off x="4207371" y="1525860"/>
+          <a:ext cx="976312" cy="610195"/>
+        </a:xfrm>
+        <a:prstGeom prst="roundRect">
+          <a:avLst>
+            <a:gd name="adj" fmla="val 10000"/>
+          </a:avLst>
+        </a:prstGeom>
+        <a:solidFill>
+          <a:prstClr val="white">
+            <a:alpha val="90000"/>
+            <a:hueOff val="0"/>
+            <a:satOff val="0"/>
+            <a:lumOff val="0"/>
+            <a:alphaOff val="0"/>
+          </a:prstClr>
+        </a:solidFill>
+        <a:ln w="25400" cap="flat" cmpd="sng" algn="ctr">
+          <a:solidFill>
+            <a:srgbClr val="4F81BD">
+              <a:hueOff val="0"/>
+              <a:satOff val="0"/>
+              <a:lumOff val="0"/>
+              <a:alphaOff val="0"/>
+            </a:srgbClr>
+          </a:solidFill>
+          <a:prstDash val="solid"/>
+        </a:ln>
+        <a:effectLst/>
+      </dsp:spPr>
+      <dsp:style>
+        <a:lnRef idx="2">
+          <a:scrgbClr r="0" g="0" b="0"/>
+        </a:lnRef>
+        <a:fillRef idx="1">
+          <a:scrgbClr r="0" g="0" b="0"/>
+        </a:fillRef>
+        <a:effectRef idx="0">
+          <a:scrgbClr r="0" g="0" b="0"/>
+        </a:effectRef>
+        <a:fontRef idx="minor"/>
+      </dsp:style>
+      <dsp:txBody>
+        <a:bodyPr spcFirstLastPara="0" vert="horz" wrap="square" lIns="22860" tIns="15240" rIns="22860" bIns="15240" numCol="1" spcCol="1270" anchor="ctr" anchorCtr="0">
+          <a:noAutofit/>
+        </a:bodyPr>
+        <a:lstStyle/>
+        <a:p>
+          <a:pPr marL="0" lvl="0" indent="0" algn="ctr" defTabSz="533400">
+            <a:lnSpc>
+              <a:spcPct val="90000"/>
+            </a:lnSpc>
+            <a:spcBef>
+              <a:spcPct val="0"/>
+            </a:spcBef>
+            <a:spcAft>
+              <a:spcPct val="35000"/>
+            </a:spcAft>
+            <a:buNone/>
+          </a:pPr>
+          <a:r>
+            <a:rPr lang="en-US" sz="1200" kern="1200" dirty="0">
+              <a:solidFill>
+                <a:prstClr val="black">
+                  <a:hueOff val="0"/>
+                  <a:satOff val="0"/>
+                  <a:lumOff val="0"/>
+                  <a:alphaOff val="0"/>
+                </a:prstClr>
+              </a:solidFill>
+              <a:latin typeface="Calibri"/>
+              <a:ea typeface="+mn-ea"/>
+              <a:cs typeface="+mn-cs"/>
+            </a:rPr>
+            <a:t>Implementing ADTs in Java</a:t>
+          </a:r>
+        </a:p>
+      </dsp:txBody>
+      <dsp:txXfrm>
+        <a:off x="4225243" y="1543732"/>
+        <a:ext cx="940568" cy="574451"/>
+      </dsp:txXfrm>
+    </dsp:sp>
+    <dsp:sp modelId="{FF100697-267A-4BC5-8DA9-B1F7321DFE84}">
+      <dsp:nvSpPr>
+        <dsp:cNvPr id="0" name=""/>
+        <dsp:cNvSpPr/>
+      </dsp:nvSpPr>
+      <dsp:spPr>
+        <a:xfrm>
+          <a:off x="4085332" y="610567"/>
+          <a:ext cx="122039" cy="1983134"/>
+        </a:xfrm>
+        <a:custGeom>
+          <a:avLst/>
+          <a:gdLst/>
+          <a:ahLst/>
+          <a:cxnLst/>
+          <a:rect l="0" t="0" r="0" b="0"/>
+          <a:pathLst>
+            <a:path>
+              <a:moveTo>
+                <a:pt x="0" y="0"/>
+              </a:moveTo>
+              <a:lnTo>
+                <a:pt x="0" y="1983134"/>
+              </a:lnTo>
+              <a:lnTo>
+                <a:pt x="122039" y="1983134"/>
+              </a:lnTo>
+            </a:path>
+          </a:pathLst>
+        </a:custGeom>
+        <a:noFill/>
+        <a:ln w="25400" cap="flat" cmpd="sng" algn="ctr">
+          <a:solidFill>
+            <a:schemeClr val="accent1">
+              <a:shade val="60000"/>
+              <a:hueOff val="0"/>
+              <a:satOff val="0"/>
+              <a:lumOff val="0"/>
+              <a:alphaOff val="0"/>
+            </a:schemeClr>
+          </a:solidFill>
+          <a:prstDash val="solid"/>
+        </a:ln>
+        <a:effectLst/>
+      </dsp:spPr>
+      <dsp:style>
+        <a:lnRef idx="2">
+          <a:scrgbClr r="0" g="0" b="0"/>
+        </a:lnRef>
+        <a:fillRef idx="0">
+          <a:scrgbClr r="0" g="0" b="0"/>
+        </a:fillRef>
+        <a:effectRef idx="0">
+          <a:scrgbClr r="0" g="0" b="0"/>
+        </a:effectRef>
+        <a:fontRef idx="minor"/>
+      </dsp:style>
+    </dsp:sp>
+    <dsp:sp modelId="{291D5A65-BA4D-4BF4-8D0F-050F9D81FBB6}">
+      <dsp:nvSpPr>
+        <dsp:cNvPr id="0" name=""/>
+        <dsp:cNvSpPr/>
+      </dsp:nvSpPr>
+      <dsp:spPr>
+        <a:xfrm>
+          <a:off x="4207371" y="2288604"/>
+          <a:ext cx="976312" cy="610195"/>
+        </a:xfrm>
+        <a:prstGeom prst="roundRect">
+          <a:avLst>
+            <a:gd name="adj" fmla="val 10000"/>
+          </a:avLst>
+        </a:prstGeom>
+        <a:solidFill>
+          <a:srgbClr val="C0504D">
+            <a:lumMod val="60000"/>
+            <a:lumOff val="40000"/>
+            <a:alpha val="90000"/>
+          </a:srgbClr>
+        </a:solidFill>
+        <a:ln w="25400" cap="flat" cmpd="sng" algn="ctr">
+          <a:noFill/>
+          <a:prstDash val="solid"/>
+        </a:ln>
+        <a:effectLst/>
+      </dsp:spPr>
+      <dsp:style>
+        <a:lnRef idx="2">
+          <a:scrgbClr r="0" g="0" b="0"/>
+        </a:lnRef>
+        <a:fillRef idx="1">
+          <a:scrgbClr r="0" g="0" b="0"/>
+        </a:fillRef>
+        <a:effectRef idx="0">
+          <a:scrgbClr r="0" g="0" b="0"/>
+        </a:effectRef>
+        <a:fontRef idx="minor"/>
+      </dsp:style>
+      <dsp:txBody>
+        <a:bodyPr spcFirstLastPara="0" vert="horz" wrap="square" lIns="19050" tIns="12700" rIns="19050" bIns="12700" numCol="1" spcCol="1270" anchor="ctr" anchorCtr="0">
+          <a:noAutofit/>
+        </a:bodyPr>
+        <a:lstStyle/>
+        <a:p>
+          <a:pPr marL="0" lvl="0" indent="0" algn="ctr" defTabSz="533400">
+            <a:lnSpc>
+              <a:spcPct val="90000"/>
+            </a:lnSpc>
+            <a:spcBef>
+              <a:spcPct val="0"/>
+            </a:spcBef>
+            <a:spcAft>
+              <a:spcPct val="35000"/>
+            </a:spcAft>
+            <a:buNone/>
+          </a:pPr>
+          <a:r>
+            <a:rPr lang="en-US" sz="1200" kern="1200">
+              <a:solidFill>
+                <a:prstClr val="black">
+                  <a:hueOff val="0"/>
+                  <a:satOff val="0"/>
+                  <a:lumOff val="0"/>
+                  <a:alphaOff val="0"/>
+                </a:prstClr>
+              </a:solidFill>
+              <a:latin typeface="Calibri"/>
+              <a:ea typeface="+mn-ea"/>
+              <a:cs typeface="+mn-cs"/>
+            </a:rPr>
+            <a:t>Inheritance in Java</a:t>
+          </a:r>
+          <a:endParaRPr lang="en-US" sz="1200" kern="1200" dirty="0">
+            <a:solidFill>
+              <a:prstClr val="black">
+                <a:hueOff val="0"/>
+                <a:satOff val="0"/>
+                <a:lumOff val="0"/>
+                <a:alphaOff val="0"/>
+              </a:prstClr>
+            </a:solidFill>
+            <a:latin typeface="Calibri"/>
+            <a:ea typeface="+mn-ea"/>
+            <a:cs typeface="+mn-cs"/>
+          </a:endParaRPr>
+        </a:p>
+      </dsp:txBody>
+      <dsp:txXfrm>
+        <a:off x="4225243" y="2306476"/>
+        <a:ext cx="940568" cy="574451"/>
+      </dsp:txXfrm>
+    </dsp:sp>
+    <dsp:sp modelId="{6B27DFF3-3021-4E99-BF73-829A6255425D}">
+      <dsp:nvSpPr>
+        <dsp:cNvPr id="0" name=""/>
+        <dsp:cNvSpPr/>
+      </dsp:nvSpPr>
+      <dsp:spPr>
+        <a:xfrm>
+          <a:off x="4085332" y="610567"/>
+          <a:ext cx="122039" cy="2745878"/>
+        </a:xfrm>
+        <a:custGeom>
+          <a:avLst/>
+          <a:gdLst/>
+          <a:ahLst/>
+          <a:cxnLst/>
+          <a:rect l="0" t="0" r="0" b="0"/>
+          <a:pathLst>
+            <a:path>
+              <a:moveTo>
+                <a:pt x="0" y="0"/>
+              </a:moveTo>
+              <a:lnTo>
+                <a:pt x="0" y="2745878"/>
+              </a:lnTo>
+              <a:lnTo>
+                <a:pt x="122039" y="2745878"/>
+              </a:lnTo>
+            </a:path>
+          </a:pathLst>
+        </a:custGeom>
+        <a:noFill/>
+        <a:ln w="25400" cap="flat" cmpd="sng" algn="ctr">
+          <a:solidFill>
+            <a:schemeClr val="accent1">
+              <a:shade val="60000"/>
+              <a:hueOff val="0"/>
+              <a:satOff val="0"/>
+              <a:lumOff val="0"/>
+              <a:alphaOff val="0"/>
+            </a:schemeClr>
+          </a:solidFill>
+          <a:prstDash val="solid"/>
+        </a:ln>
+        <a:effectLst/>
+      </dsp:spPr>
+      <dsp:style>
+        <a:lnRef idx="2">
+          <a:scrgbClr r="0" g="0" b="0"/>
+        </a:lnRef>
+        <a:fillRef idx="0">
+          <a:scrgbClr r="0" g="0" b="0"/>
+        </a:fillRef>
+        <a:effectRef idx="0">
+          <a:scrgbClr r="0" g="0" b="0"/>
+        </a:effectRef>
+        <a:fontRef idx="minor"/>
+      </dsp:style>
+    </dsp:sp>
+    <dsp:sp modelId="{88C17E61-7A2A-46D7-AC95-5E562286A33E}">
+      <dsp:nvSpPr>
+        <dsp:cNvPr id="0" name=""/>
+        <dsp:cNvSpPr/>
+      </dsp:nvSpPr>
+      <dsp:spPr>
+        <a:xfrm>
+          <a:off x="4207371" y="3051348"/>
+          <a:ext cx="976312" cy="610195"/>
+        </a:xfrm>
+        <a:prstGeom prst="roundRect">
+          <a:avLst>
+            <a:gd name="adj" fmla="val 10000"/>
+          </a:avLst>
+        </a:prstGeom>
+        <a:solidFill>
+          <a:schemeClr val="lt1">
+            <a:alpha val="90000"/>
+            <a:hueOff val="0"/>
+            <a:satOff val="0"/>
+            <a:lumOff val="0"/>
+            <a:alphaOff val="0"/>
+          </a:schemeClr>
+        </a:solidFill>
+        <a:ln w="25400" cap="flat" cmpd="sng" algn="ctr">
+          <a:solidFill>
+            <a:schemeClr val="accent1">
+              <a:hueOff val="0"/>
+              <a:satOff val="0"/>
+              <a:lumOff val="0"/>
+              <a:alphaOff val="0"/>
+            </a:schemeClr>
+          </a:solidFill>
+          <a:prstDash val="solid"/>
+        </a:ln>
+        <a:effectLst/>
+      </dsp:spPr>
+      <dsp:style>
+        <a:lnRef idx="2">
+          <a:scrgbClr r="0" g="0" b="0"/>
+        </a:lnRef>
+        <a:fillRef idx="1">
+          <a:scrgbClr r="0" g="0" b="0"/>
+        </a:fillRef>
+        <a:effectRef idx="0">
+          <a:scrgbClr r="0" g="0" b="0"/>
+        </a:effectRef>
+        <a:fontRef idx="minor"/>
+      </dsp:style>
+      <dsp:txBody>
+        <a:bodyPr spcFirstLastPara="0" vert="horz" wrap="square" lIns="28575" tIns="19050" rIns="28575" bIns="19050" numCol="1" spcCol="1270" anchor="ctr" anchorCtr="0">
+          <a:noAutofit/>
+        </a:bodyPr>
+        <a:lstStyle/>
+        <a:p>
+          <a:pPr marL="0" lvl="0" indent="0" algn="ctr" defTabSz="666750">
+            <a:lnSpc>
+              <a:spcPct val="90000"/>
+            </a:lnSpc>
+            <a:spcBef>
+              <a:spcPct val="0"/>
+            </a:spcBef>
+            <a:spcAft>
+              <a:spcPct val="35000"/>
+            </a:spcAft>
+            <a:buNone/>
+          </a:pPr>
+          <a:r>
+            <a:rPr lang="en-US" sz="1500" kern="1200" dirty="0"/>
+            <a:t>Bonus Material</a:t>
+          </a:r>
+        </a:p>
+      </dsp:txBody>
+      <dsp:txXfrm>
+        <a:off x="4225243" y="3069220"/>
+        <a:ext cx="940568" cy="574451"/>
+      </dsp:txXfrm>
+    </dsp:sp>
+  </dsp:spTree>
+</dsp:drawing>
+</file>
+
 <file path=ppt/diagrams/layout1.xml><?xml version="1.0" encoding="utf-8"?>
 <dgm:layoutDef xmlns:dgm="http://schemas.openxmlformats.org/drawingml/2006/diagram" xmlns:a="http://schemas.openxmlformats.org/drawingml/2006/main" uniqueId="urn:microsoft.com/office/officeart/2005/8/layout/hierarchy3">
   <dgm:title val=""/>
@@ -16043,6 +20136,298 @@
 </dgm:layoutDef>
 </file>
 
+<file path=ppt/diagrams/layout5.xml><?xml version="1.0" encoding="utf-8"?>
+<dgm:layoutDef xmlns:dgm="http://schemas.openxmlformats.org/drawingml/2006/diagram" xmlns:a="http://schemas.openxmlformats.org/drawingml/2006/main" uniqueId="urn:microsoft.com/office/officeart/2005/8/layout/hierarchy3">
+  <dgm:title val=""/>
+  <dgm:desc val=""/>
+  <dgm:catLst>
+    <dgm:cat type="hierarchy" pri="7000"/>
+    <dgm:cat type="list" pri="23000"/>
+    <dgm:cat type="relationship" pri="15000"/>
+    <dgm:cat type="convert" pri="7000"/>
+  </dgm:catLst>
+  <dgm:sampData>
+    <dgm:dataModel>
+      <dgm:ptLst>
+        <dgm:pt modelId="0" type="doc"/>
+        <dgm:pt modelId="1">
+          <dgm:prSet phldr="1"/>
+        </dgm:pt>
+        <dgm:pt modelId="11">
+          <dgm:prSet phldr="1"/>
+        </dgm:pt>
+        <dgm:pt modelId="12">
+          <dgm:prSet phldr="1"/>
+        </dgm:pt>
+        <dgm:pt modelId="2">
+          <dgm:prSet phldr="1"/>
+        </dgm:pt>
+        <dgm:pt modelId="21">
+          <dgm:prSet phldr="1"/>
+        </dgm:pt>
+        <dgm:pt modelId="22">
+          <dgm:prSet phldr="1"/>
+        </dgm:pt>
+      </dgm:ptLst>
+      <dgm:cxnLst>
+        <dgm:cxn modelId="4" srcId="0" destId="1" srcOrd="0" destOrd="0"/>
+        <dgm:cxn modelId="5" srcId="1" destId="11" srcOrd="0" destOrd="0"/>
+        <dgm:cxn modelId="6" srcId="1" destId="12" srcOrd="1" destOrd="0"/>
+        <dgm:cxn modelId="7" srcId="0" destId="2" srcOrd="1" destOrd="0"/>
+        <dgm:cxn modelId="8" srcId="2" destId="21" srcOrd="0" destOrd="0"/>
+        <dgm:cxn modelId="9" srcId="2" destId="22" srcOrd="1" destOrd="0"/>
+      </dgm:cxnLst>
+      <dgm:bg/>
+      <dgm:whole/>
+    </dgm:dataModel>
+  </dgm:sampData>
+  <dgm:styleData>
+    <dgm:dataModel>
+      <dgm:ptLst>
+        <dgm:pt modelId="0" type="doc"/>
+        <dgm:pt modelId="1"/>
+        <dgm:pt modelId="11"/>
+        <dgm:pt modelId="2"/>
+        <dgm:pt modelId="21"/>
+      </dgm:ptLst>
+      <dgm:cxnLst>
+        <dgm:cxn modelId="4" srcId="0" destId="1" srcOrd="0" destOrd="0"/>
+        <dgm:cxn modelId="5" srcId="0" destId="2" srcOrd="1" destOrd="0"/>
+        <dgm:cxn modelId="13" srcId="1" destId="11" srcOrd="0" destOrd="0"/>
+        <dgm:cxn modelId="23" srcId="2" destId="21" srcOrd="0" destOrd="0"/>
+      </dgm:cxnLst>
+      <dgm:bg/>
+      <dgm:whole/>
+    </dgm:dataModel>
+  </dgm:styleData>
+  <dgm:clrData>
+    <dgm:dataModel>
+      <dgm:ptLst>
+        <dgm:pt modelId="0" type="doc"/>
+        <dgm:pt modelId="1"/>
+        <dgm:pt modelId="11"/>
+        <dgm:pt modelId="2"/>
+        <dgm:pt modelId="21"/>
+        <dgm:pt modelId="3"/>
+        <dgm:pt modelId="31"/>
+        <dgm:pt modelId="4"/>
+        <dgm:pt modelId="41"/>
+      </dgm:ptLst>
+      <dgm:cxnLst>
+        <dgm:cxn modelId="5" srcId="0" destId="1" srcOrd="0" destOrd="0"/>
+        <dgm:cxn modelId="6" srcId="0" destId="2" srcOrd="1" destOrd="0"/>
+        <dgm:cxn modelId="7" srcId="0" destId="3" srcOrd="2" destOrd="0"/>
+        <dgm:cxn modelId="8" srcId="0" destId="4" srcOrd="3" destOrd="0"/>
+        <dgm:cxn modelId="13" srcId="1" destId="11" srcOrd="0" destOrd="0"/>
+        <dgm:cxn modelId="23" srcId="2" destId="21" srcOrd="0" destOrd="0"/>
+        <dgm:cxn modelId="33" srcId="3" destId="31" srcOrd="0" destOrd="0"/>
+        <dgm:cxn modelId="43" srcId="4" destId="41" srcOrd="0" destOrd="0"/>
+      </dgm:cxnLst>
+      <dgm:bg/>
+      <dgm:whole/>
+    </dgm:dataModel>
+  </dgm:clrData>
+  <dgm:layoutNode name="diagram">
+    <dgm:varLst>
+      <dgm:chPref val="1"/>
+      <dgm:dir/>
+      <dgm:animOne val="branch"/>
+      <dgm:animLvl val="lvl"/>
+      <dgm:resizeHandles/>
+    </dgm:varLst>
+    <dgm:choose name="Name0">
+      <dgm:if name="Name1" func="var" arg="dir" op="equ" val="norm">
+        <dgm:alg type="hierChild">
+          <dgm:param type="linDir" val="fromL"/>
+        </dgm:alg>
+      </dgm:if>
+      <dgm:else name="Name2">
+        <dgm:alg type="hierChild">
+          <dgm:param type="linDir" val="fromR"/>
+        </dgm:alg>
+      </dgm:else>
+    </dgm:choose>
+    <dgm:shape xmlns:r="http://schemas.openxmlformats.org/officeDocument/2006/relationships" r:blip="">
+      <dgm:adjLst/>
+    </dgm:shape>
+    <dgm:presOf/>
+    <dgm:constrLst>
+      <dgm:constr type="primFontSz" for="des" forName="rootText" op="equ" val="65"/>
+      <dgm:constr type="primFontSz" for="des" forName="childText" op="equ" val="65"/>
+      <dgm:constr type="w" for="des" forName="rootComposite" refType="w"/>
+      <dgm:constr type="h" for="des" forName="rootComposite" refType="w" fact="0.5"/>
+      <dgm:constr type="w" for="des" forName="childText" refType="w" refFor="des" refForName="rootComposite" fact="0.8"/>
+      <dgm:constr type="h" for="des" forName="childText" refType="h" refFor="des" refForName="rootComposite"/>
+      <dgm:constr type="sibSp" refType="w" refFor="des" refForName="rootComposite" fact="0.25"/>
+      <dgm:constr type="sibSp" for="des" forName="childShape" refType="h" refFor="des" refForName="childText" fact="0.25"/>
+      <dgm:constr type="sp" for="des" forName="root" refType="h" refFor="des" refForName="childText" fact="0.25"/>
+    </dgm:constrLst>
+    <dgm:ruleLst/>
+    <dgm:forEach name="Name3" axis="ch">
+      <dgm:forEach name="Name4" axis="self" ptType="node" cnt="1">
+        <dgm:layoutNode name="root">
+          <dgm:choose name="Name5">
+            <dgm:if name="Name6" func="var" arg="dir" op="equ" val="norm">
+              <dgm:alg type="hierRoot">
+                <dgm:param type="hierAlign" val="tL"/>
+              </dgm:alg>
+            </dgm:if>
+            <dgm:else name="Name7">
+              <dgm:alg type="hierRoot">
+                <dgm:param type="hierAlign" val="tR"/>
+              </dgm:alg>
+            </dgm:else>
+          </dgm:choose>
+          <dgm:shape xmlns:r="http://schemas.openxmlformats.org/officeDocument/2006/relationships" r:blip="">
+            <dgm:adjLst/>
+          </dgm:shape>
+          <dgm:presOf/>
+          <dgm:constrLst>
+            <dgm:constr type="alignOff" val="0.2"/>
+          </dgm:constrLst>
+          <dgm:ruleLst/>
+          <dgm:layoutNode name="rootComposite">
+            <dgm:alg type="composite"/>
+            <dgm:shape xmlns:r="http://schemas.openxmlformats.org/officeDocument/2006/relationships" r:blip="">
+              <dgm:adjLst/>
+            </dgm:shape>
+            <dgm:presOf axis="self" ptType="node" cnt="1"/>
+            <dgm:choose name="Name8">
+              <dgm:if name="Name9" func="var" arg="dir" op="equ" val="norm">
+                <dgm:constrLst>
+                  <dgm:constr type="l" for="ch" forName="rootText"/>
+                  <dgm:constr type="t" for="ch" forName="rootText"/>
+                  <dgm:constr type="w" for="ch" forName="rootText" refType="w"/>
+                  <dgm:constr type="h" for="ch" forName="rootText" refType="h"/>
+                  <dgm:constr type="l" for="ch" forName="rootConnector"/>
+                  <dgm:constr type="t" for="ch" forName="rootConnector"/>
+                  <dgm:constr type="w" for="ch" forName="rootConnector" refType="w" refFor="ch" refForName="rootText" fact="0.2"/>
+                  <dgm:constr type="h" for="ch" forName="rootConnector" refType="h" refFor="ch" refForName="rootText"/>
+                </dgm:constrLst>
+              </dgm:if>
+              <dgm:else name="Name10">
+                <dgm:constrLst>
+                  <dgm:constr type="l" for="ch" forName="rootText"/>
+                  <dgm:constr type="t" for="ch" forName="rootText"/>
+                  <dgm:constr type="w" for="ch" forName="rootText" refType="w"/>
+                  <dgm:constr type="h" for="ch" forName="rootText" refType="h"/>
+                  <dgm:constr type="r" for="ch" forName="rootConnector" refType="w"/>
+                  <dgm:constr type="t" for="ch" forName="rootConnector"/>
+                  <dgm:constr type="w" for="ch" forName="rootConnector" refType="w" refFor="ch" refForName="rootText" fact="0.2"/>
+                  <dgm:constr type="h" for="ch" forName="rootConnector" refType="h" refFor="ch" refForName="rootText"/>
+                </dgm:constrLst>
+              </dgm:else>
+            </dgm:choose>
+            <dgm:ruleLst/>
+            <dgm:layoutNode name="rootText" styleLbl="node1">
+              <dgm:alg type="tx"/>
+              <dgm:shape xmlns:r="http://schemas.openxmlformats.org/officeDocument/2006/relationships" type="roundRect" r:blip="">
+                <dgm:adjLst>
+                  <dgm:adj idx="1" val="0.1"/>
+                </dgm:adjLst>
+              </dgm:shape>
+              <dgm:presOf axis="self" ptType="node" cnt="1"/>
+              <dgm:constrLst>
+                <dgm:constr type="tMarg" refType="primFontSz" fact="0.1"/>
+                <dgm:constr type="bMarg" refType="primFontSz" fact="0.1"/>
+                <dgm:constr type="lMarg" refType="primFontSz" fact="0.15"/>
+                <dgm:constr type="rMarg" refType="primFontSz" fact="0.15"/>
+              </dgm:constrLst>
+              <dgm:ruleLst>
+                <dgm:rule type="primFontSz" val="5" fact="NaN" max="NaN"/>
+              </dgm:ruleLst>
+            </dgm:layoutNode>
+            <dgm:layoutNode name="rootConnector" moveWith="rootText">
+              <dgm:alg type="sp"/>
+              <dgm:shape xmlns:r="http://schemas.openxmlformats.org/officeDocument/2006/relationships" type="roundRect" r:blip="" hideGeom="1">
+                <dgm:adjLst>
+                  <dgm:adj idx="1" val="0.1"/>
+                </dgm:adjLst>
+              </dgm:shape>
+              <dgm:presOf axis="self" ptType="node" cnt="1"/>
+              <dgm:constrLst/>
+              <dgm:ruleLst/>
+            </dgm:layoutNode>
+          </dgm:layoutNode>
+          <dgm:layoutNode name="childShape">
+            <dgm:alg type="hierChild">
+              <dgm:param type="chAlign" val="l"/>
+              <dgm:param type="linDir" val="fromT"/>
+            </dgm:alg>
+            <dgm:shape xmlns:r="http://schemas.openxmlformats.org/officeDocument/2006/relationships" r:blip="">
+              <dgm:adjLst/>
+            </dgm:shape>
+            <dgm:presOf/>
+            <dgm:constrLst/>
+            <dgm:ruleLst/>
+            <dgm:forEach name="Name11" axis="ch">
+              <dgm:forEach name="Name12" axis="self" ptType="parTrans" cnt="1">
+                <dgm:layoutNode name="Name13">
+                  <dgm:choose name="Name14">
+                    <dgm:if name="Name15" func="var" arg="dir" op="equ" val="norm">
+                      <dgm:alg type="conn">
+                        <dgm:param type="dim" val="1D"/>
+                        <dgm:param type="endSty" val="noArr"/>
+                        <dgm:param type="connRout" val="bend"/>
+                        <dgm:param type="srcNode" val="rootConnector"/>
+                        <dgm:param type="begPts" val="bCtr"/>
+                        <dgm:param type="endPts" val="midL"/>
+                      </dgm:alg>
+                    </dgm:if>
+                    <dgm:else name="Name16">
+                      <dgm:alg type="conn">
+                        <dgm:param type="dim" val="1D"/>
+                        <dgm:param type="endSty" val="noArr"/>
+                        <dgm:param type="connRout" val="bend"/>
+                        <dgm:param type="srcNode" val="rootConnector"/>
+                        <dgm:param type="begPts" val="bCtr"/>
+                        <dgm:param type="endPts" val="midR"/>
+                      </dgm:alg>
+                    </dgm:else>
+                  </dgm:choose>
+                  <dgm:shape xmlns:r="http://schemas.openxmlformats.org/officeDocument/2006/relationships" type="conn" r:blip="">
+                    <dgm:adjLst/>
+                  </dgm:shape>
+                  <dgm:presOf axis="self"/>
+                  <dgm:constrLst>
+                    <dgm:constr type="begPad"/>
+                    <dgm:constr type="endPad"/>
+                  </dgm:constrLst>
+                  <dgm:ruleLst/>
+                </dgm:layoutNode>
+              </dgm:forEach>
+              <dgm:forEach name="Name17" axis="self" ptType="node">
+                <dgm:layoutNode name="childText" styleLbl="bgAcc1">
+                  <dgm:varLst>
+                    <dgm:bulletEnabled val="1"/>
+                  </dgm:varLst>
+                  <dgm:alg type="tx"/>
+                  <dgm:shape xmlns:r="http://schemas.openxmlformats.org/officeDocument/2006/relationships" type="roundRect" r:blip="">
+                    <dgm:adjLst>
+                      <dgm:adj idx="1" val="0.1"/>
+                    </dgm:adjLst>
+                  </dgm:shape>
+                  <dgm:presOf axis="self desOrSelf" ptType="node node" st="1 1" cnt="1 0"/>
+                  <dgm:constrLst>
+                    <dgm:constr type="tMarg" refType="primFontSz" fact="0.1"/>
+                    <dgm:constr type="bMarg" refType="primFontSz" fact="0.1"/>
+                    <dgm:constr type="lMarg" refType="primFontSz" fact="0.15"/>
+                    <dgm:constr type="rMarg" refType="primFontSz" fact="0.15"/>
+                  </dgm:constrLst>
+                  <dgm:ruleLst>
+                    <dgm:rule type="primFontSz" val="5" fact="NaN" max="NaN"/>
+                  </dgm:ruleLst>
+                </dgm:layoutNode>
+              </dgm:forEach>
+            </dgm:forEach>
+          </dgm:layoutNode>
+        </dgm:layoutNode>
+      </dgm:forEach>
+    </dgm:forEach>
+  </dgm:layoutNode>
+</dgm:layoutDef>
+</file>
+
 <file path=ppt/diagrams/quickStyle1.xml><?xml version="1.0" encoding="utf-8"?>
 <dgm:styleDef xmlns:dgm="http://schemas.openxmlformats.org/drawingml/2006/diagram" xmlns:a="http://schemas.openxmlformats.org/drawingml/2006/main" uniqueId="urn:microsoft.com/office/officeart/2005/8/quickstyle/simple1">
   <dgm:title val=""/>
@@ -19146,6 +23531,1040 @@
 </file>
 
 <file path=ppt/diagrams/quickStyle4.xml><?xml version="1.0" encoding="utf-8"?>
+<dgm:styleDef xmlns:dgm="http://schemas.openxmlformats.org/drawingml/2006/diagram" xmlns:a="http://schemas.openxmlformats.org/drawingml/2006/main" uniqueId="urn:microsoft.com/office/officeart/2005/8/quickstyle/simple1">
+  <dgm:title val=""/>
+  <dgm:desc val=""/>
+  <dgm:catLst>
+    <dgm:cat type="simple" pri="10100"/>
+  </dgm:catLst>
+  <dgm:scene3d>
+    <a:camera prst="orthographicFront"/>
+    <a:lightRig rig="threePt" dir="t"/>
+  </dgm:scene3d>
+  <dgm:styleLbl name="node0">
+    <dgm:scene3d>
+      <a:camera prst="orthographicFront"/>
+      <a:lightRig rig="threePt" dir="t"/>
+    </dgm:scene3d>
+    <dgm:sp3d/>
+    <dgm:txPr/>
+    <dgm:style>
+      <a:lnRef idx="2">
+        <a:scrgbClr r="0" g="0" b="0"/>
+      </a:lnRef>
+      <a:fillRef idx="1">
+        <a:scrgbClr r="0" g="0" b="0"/>
+      </a:fillRef>
+      <a:effectRef idx="0">
+        <a:scrgbClr r="0" g="0" b="0"/>
+      </a:effectRef>
+      <a:fontRef idx="minor">
+        <a:schemeClr val="lt1"/>
+      </a:fontRef>
+    </dgm:style>
+  </dgm:styleLbl>
+  <dgm:styleLbl name="lnNode1">
+    <dgm:scene3d>
+      <a:camera prst="orthographicFront"/>
+      <a:lightRig rig="threePt" dir="t"/>
+    </dgm:scene3d>
+    <dgm:sp3d/>
+    <dgm:txPr/>
+    <dgm:style>
+      <a:lnRef idx="2">
+        <a:scrgbClr r="0" g="0" b="0"/>
+      </a:lnRef>
+      <a:fillRef idx="1">
+        <a:scrgbClr r="0" g="0" b="0"/>
+      </a:fillRef>
+      <a:effectRef idx="0">
+        <a:scrgbClr r="0" g="0" b="0"/>
+      </a:effectRef>
+      <a:fontRef idx="minor">
+        <a:schemeClr val="lt1"/>
+      </a:fontRef>
+    </dgm:style>
+  </dgm:styleLbl>
+  <dgm:styleLbl name="vennNode1">
+    <dgm:scene3d>
+      <a:camera prst="orthographicFront"/>
+      <a:lightRig rig="threePt" dir="t"/>
+    </dgm:scene3d>
+    <dgm:sp3d/>
+    <dgm:txPr/>
+    <dgm:style>
+      <a:lnRef idx="2">
+        <a:scrgbClr r="0" g="0" b="0"/>
+      </a:lnRef>
+      <a:fillRef idx="1">
+        <a:scrgbClr r="0" g="0" b="0"/>
+      </a:fillRef>
+      <a:effectRef idx="0">
+        <a:scrgbClr r="0" g="0" b="0"/>
+      </a:effectRef>
+      <a:fontRef idx="minor">
+        <a:schemeClr val="tx1"/>
+      </a:fontRef>
+    </dgm:style>
+  </dgm:styleLbl>
+  <dgm:styleLbl name="alignNode1">
+    <dgm:scene3d>
+      <a:camera prst="orthographicFront"/>
+      <a:lightRig rig="threePt" dir="t"/>
+    </dgm:scene3d>
+    <dgm:sp3d/>
+    <dgm:txPr/>
+    <dgm:style>
+      <a:lnRef idx="2">
+        <a:scrgbClr r="0" g="0" b="0"/>
+      </a:lnRef>
+      <a:fillRef idx="1">
+        <a:scrgbClr r="0" g="0" b="0"/>
+      </a:fillRef>
+      <a:effectRef idx="0">
+        <a:scrgbClr r="0" g="0" b="0"/>
+      </a:effectRef>
+      <a:fontRef idx="minor">
+        <a:schemeClr val="lt1"/>
+      </a:fontRef>
+    </dgm:style>
+  </dgm:styleLbl>
+  <dgm:styleLbl name="node1">
+    <dgm:scene3d>
+      <a:camera prst="orthographicFront"/>
+      <a:lightRig rig="threePt" dir="t"/>
+    </dgm:scene3d>
+    <dgm:sp3d/>
+    <dgm:txPr/>
+    <dgm:style>
+      <a:lnRef idx="2">
+        <a:scrgbClr r="0" g="0" b="0"/>
+      </a:lnRef>
+      <a:fillRef idx="1">
+        <a:scrgbClr r="0" g="0" b="0"/>
+      </a:fillRef>
+      <a:effectRef idx="0">
+        <a:scrgbClr r="0" g="0" b="0"/>
+      </a:effectRef>
+      <a:fontRef idx="minor">
+        <a:schemeClr val="lt1"/>
+      </a:fontRef>
+    </dgm:style>
+  </dgm:styleLbl>
+  <dgm:styleLbl name="node2">
+    <dgm:scene3d>
+      <a:camera prst="orthographicFront"/>
+      <a:lightRig rig="threePt" dir="t"/>
+    </dgm:scene3d>
+    <dgm:sp3d/>
+    <dgm:txPr/>
+    <dgm:style>
+      <a:lnRef idx="2">
+        <a:scrgbClr r="0" g="0" b="0"/>
+      </a:lnRef>
+      <a:fillRef idx="1">
+        <a:scrgbClr r="0" g="0" b="0"/>
+      </a:fillRef>
+      <a:effectRef idx="0">
+        <a:scrgbClr r="0" g="0" b="0"/>
+      </a:effectRef>
+      <a:fontRef idx="minor">
+        <a:schemeClr val="lt1"/>
+      </a:fontRef>
+    </dgm:style>
+  </dgm:styleLbl>
+  <dgm:styleLbl name="node3">
+    <dgm:scene3d>
+      <a:camera prst="orthographicFront"/>
+      <a:lightRig rig="threePt" dir="t"/>
+    </dgm:scene3d>
+    <dgm:sp3d/>
+    <dgm:txPr/>
+    <dgm:style>
+      <a:lnRef idx="2">
+        <a:scrgbClr r="0" g="0" b="0"/>
+      </a:lnRef>
+      <a:fillRef idx="1">
+        <a:scrgbClr r="0" g="0" b="0"/>
+      </a:fillRef>
+      <a:effectRef idx="0">
+        <a:scrgbClr r="0" g="0" b="0"/>
+      </a:effectRef>
+      <a:fontRef idx="minor">
+        <a:schemeClr val="lt1"/>
+      </a:fontRef>
+    </dgm:style>
+  </dgm:styleLbl>
+  <dgm:styleLbl name="node4">
+    <dgm:scene3d>
+      <a:camera prst="orthographicFront"/>
+      <a:lightRig rig="threePt" dir="t"/>
+    </dgm:scene3d>
+    <dgm:sp3d/>
+    <dgm:txPr/>
+    <dgm:style>
+      <a:lnRef idx="2">
+        <a:scrgbClr r="0" g="0" b="0"/>
+      </a:lnRef>
+      <a:fillRef idx="1">
+        <a:scrgbClr r="0" g="0" b="0"/>
+      </a:fillRef>
+      <a:effectRef idx="0">
+        <a:scrgbClr r="0" g="0" b="0"/>
+      </a:effectRef>
+      <a:fontRef idx="minor">
+        <a:schemeClr val="lt1"/>
+      </a:fontRef>
+    </dgm:style>
+  </dgm:styleLbl>
+  <dgm:styleLbl name="fgImgPlace1">
+    <dgm:scene3d>
+      <a:camera prst="orthographicFront"/>
+      <a:lightRig rig="threePt" dir="t"/>
+    </dgm:scene3d>
+    <dgm:sp3d/>
+    <dgm:txPr/>
+    <dgm:style>
+      <a:lnRef idx="2">
+        <a:scrgbClr r="0" g="0" b="0"/>
+      </a:lnRef>
+      <a:fillRef idx="1">
+        <a:scrgbClr r="0" g="0" b="0"/>
+      </a:fillRef>
+      <a:effectRef idx="0">
+        <a:scrgbClr r="0" g="0" b="0"/>
+      </a:effectRef>
+      <a:fontRef idx="minor"/>
+    </dgm:style>
+  </dgm:styleLbl>
+  <dgm:styleLbl name="alignImgPlace1">
+    <dgm:scene3d>
+      <a:camera prst="orthographicFront"/>
+      <a:lightRig rig="threePt" dir="t"/>
+    </dgm:scene3d>
+    <dgm:sp3d/>
+    <dgm:txPr/>
+    <dgm:style>
+      <a:lnRef idx="2">
+        <a:scrgbClr r="0" g="0" b="0"/>
+      </a:lnRef>
+      <a:fillRef idx="1">
+        <a:scrgbClr r="0" g="0" b="0"/>
+      </a:fillRef>
+      <a:effectRef idx="0">
+        <a:scrgbClr r="0" g="0" b="0"/>
+      </a:effectRef>
+      <a:fontRef idx="minor"/>
+    </dgm:style>
+  </dgm:styleLbl>
+  <dgm:styleLbl name="bgImgPlace1">
+    <dgm:scene3d>
+      <a:camera prst="orthographicFront"/>
+      <a:lightRig rig="threePt" dir="t"/>
+    </dgm:scene3d>
+    <dgm:sp3d/>
+    <dgm:txPr/>
+    <dgm:style>
+      <a:lnRef idx="2">
+        <a:scrgbClr r="0" g="0" b="0"/>
+      </a:lnRef>
+      <a:fillRef idx="1">
+        <a:scrgbClr r="0" g="0" b="0"/>
+      </a:fillRef>
+      <a:effectRef idx="0">
+        <a:scrgbClr r="0" g="0" b="0"/>
+      </a:effectRef>
+      <a:fontRef idx="minor"/>
+    </dgm:style>
+  </dgm:styleLbl>
+  <dgm:styleLbl name="sibTrans2D1">
+    <dgm:scene3d>
+      <a:camera prst="orthographicFront"/>
+      <a:lightRig rig="threePt" dir="t"/>
+    </dgm:scene3d>
+    <dgm:sp3d/>
+    <dgm:txPr/>
+    <dgm:style>
+      <a:lnRef idx="0">
+        <a:scrgbClr r="0" g="0" b="0"/>
+      </a:lnRef>
+      <a:fillRef idx="1">
+        <a:scrgbClr r="0" g="0" b="0"/>
+      </a:fillRef>
+      <a:effectRef idx="0">
+        <a:scrgbClr r="0" g="0" b="0"/>
+      </a:effectRef>
+      <a:fontRef idx="minor">
+        <a:schemeClr val="lt1"/>
+      </a:fontRef>
+    </dgm:style>
+  </dgm:styleLbl>
+  <dgm:styleLbl name="fgSibTrans2D1">
+    <dgm:scene3d>
+      <a:camera prst="orthographicFront"/>
+      <a:lightRig rig="threePt" dir="t"/>
+    </dgm:scene3d>
+    <dgm:sp3d/>
+    <dgm:txPr/>
+    <dgm:style>
+      <a:lnRef idx="0">
+        <a:scrgbClr r="0" g="0" b="0"/>
+      </a:lnRef>
+      <a:fillRef idx="1">
+        <a:scrgbClr r="0" g="0" b="0"/>
+      </a:fillRef>
+      <a:effectRef idx="0">
+        <a:scrgbClr r="0" g="0" b="0"/>
+      </a:effectRef>
+      <a:fontRef idx="minor">
+        <a:schemeClr val="lt1"/>
+      </a:fontRef>
+    </dgm:style>
+  </dgm:styleLbl>
+  <dgm:styleLbl name="bgSibTrans2D1">
+    <dgm:scene3d>
+      <a:camera prst="orthographicFront"/>
+      <a:lightRig rig="threePt" dir="t"/>
+    </dgm:scene3d>
+    <dgm:sp3d/>
+    <dgm:txPr/>
+    <dgm:style>
+      <a:lnRef idx="0">
+        <a:scrgbClr r="0" g="0" b="0"/>
+      </a:lnRef>
+      <a:fillRef idx="1">
+        <a:scrgbClr r="0" g="0" b="0"/>
+      </a:fillRef>
+      <a:effectRef idx="0">
+        <a:scrgbClr r="0" g="0" b="0"/>
+      </a:effectRef>
+      <a:fontRef idx="minor">
+        <a:schemeClr val="lt1"/>
+      </a:fontRef>
+    </dgm:style>
+  </dgm:styleLbl>
+  <dgm:styleLbl name="sibTrans1D1">
+    <dgm:scene3d>
+      <a:camera prst="orthographicFront"/>
+      <a:lightRig rig="threePt" dir="t"/>
+    </dgm:scene3d>
+    <dgm:sp3d/>
+    <dgm:txPr/>
+    <dgm:style>
+      <a:lnRef idx="1">
+        <a:scrgbClr r="0" g="0" b="0"/>
+      </a:lnRef>
+      <a:fillRef idx="0">
+        <a:scrgbClr r="0" g="0" b="0"/>
+      </a:fillRef>
+      <a:effectRef idx="0">
+        <a:scrgbClr r="0" g="0" b="0"/>
+      </a:effectRef>
+      <a:fontRef idx="minor"/>
+    </dgm:style>
+  </dgm:styleLbl>
+  <dgm:styleLbl name="callout">
+    <dgm:scene3d>
+      <a:camera prst="orthographicFront"/>
+      <a:lightRig rig="threePt" dir="t"/>
+    </dgm:scene3d>
+    <dgm:sp3d/>
+    <dgm:txPr/>
+    <dgm:style>
+      <a:lnRef idx="2">
+        <a:scrgbClr r="0" g="0" b="0"/>
+      </a:lnRef>
+      <a:fillRef idx="1">
+        <a:scrgbClr r="0" g="0" b="0"/>
+      </a:fillRef>
+      <a:effectRef idx="0">
+        <a:scrgbClr r="0" g="0" b="0"/>
+      </a:effectRef>
+      <a:fontRef idx="minor"/>
+    </dgm:style>
+  </dgm:styleLbl>
+  <dgm:styleLbl name="asst0">
+    <dgm:scene3d>
+      <a:camera prst="orthographicFront"/>
+      <a:lightRig rig="threePt" dir="t"/>
+    </dgm:scene3d>
+    <dgm:sp3d/>
+    <dgm:txPr/>
+    <dgm:style>
+      <a:lnRef idx="2">
+        <a:scrgbClr r="0" g="0" b="0"/>
+      </a:lnRef>
+      <a:fillRef idx="1">
+        <a:scrgbClr r="0" g="0" b="0"/>
+      </a:fillRef>
+      <a:effectRef idx="0">
+        <a:scrgbClr r="0" g="0" b="0"/>
+      </a:effectRef>
+      <a:fontRef idx="minor">
+        <a:schemeClr val="lt1"/>
+      </a:fontRef>
+    </dgm:style>
+  </dgm:styleLbl>
+  <dgm:styleLbl name="asst1">
+    <dgm:scene3d>
+      <a:camera prst="orthographicFront"/>
+      <a:lightRig rig="threePt" dir="t"/>
+    </dgm:scene3d>
+    <dgm:sp3d/>
+    <dgm:txPr/>
+    <dgm:style>
+      <a:lnRef idx="2">
+        <a:scrgbClr r="0" g="0" b="0"/>
+      </a:lnRef>
+      <a:fillRef idx="1">
+        <a:scrgbClr r="0" g="0" b="0"/>
+      </a:fillRef>
+      <a:effectRef idx="0">
+        <a:scrgbClr r="0" g="0" b="0"/>
+      </a:effectRef>
+      <a:fontRef idx="minor">
+        <a:schemeClr val="lt1"/>
+      </a:fontRef>
+    </dgm:style>
+  </dgm:styleLbl>
+  <dgm:styleLbl name="asst2">
+    <dgm:scene3d>
+      <a:camera prst="orthographicFront"/>
+      <a:lightRig rig="threePt" dir="t"/>
+    </dgm:scene3d>
+    <dgm:sp3d/>
+    <dgm:txPr/>
+    <dgm:style>
+      <a:lnRef idx="2">
+        <a:scrgbClr r="0" g="0" b="0"/>
+      </a:lnRef>
+      <a:fillRef idx="1">
+        <a:scrgbClr r="0" g="0" b="0"/>
+      </a:fillRef>
+      <a:effectRef idx="0">
+        <a:scrgbClr r="0" g="0" b="0"/>
+      </a:effectRef>
+      <a:fontRef idx="minor">
+        <a:schemeClr val="lt1"/>
+      </a:fontRef>
+    </dgm:style>
+  </dgm:styleLbl>
+  <dgm:styleLbl name="asst3">
+    <dgm:scene3d>
+      <a:camera prst="orthographicFront"/>
+      <a:lightRig rig="threePt" dir="t"/>
+    </dgm:scene3d>
+    <dgm:sp3d/>
+    <dgm:txPr/>
+    <dgm:style>
+      <a:lnRef idx="2">
+        <a:scrgbClr r="0" g="0" b="0"/>
+      </a:lnRef>
+      <a:fillRef idx="1">
+        <a:scrgbClr r="0" g="0" b="0"/>
+      </a:fillRef>
+      <a:effectRef idx="0">
+        <a:scrgbClr r="0" g="0" b="0"/>
+      </a:effectRef>
+      <a:fontRef idx="minor">
+        <a:schemeClr val="lt1"/>
+      </a:fontRef>
+    </dgm:style>
+  </dgm:styleLbl>
+  <dgm:styleLbl name="asst4">
+    <dgm:scene3d>
+      <a:camera prst="orthographicFront"/>
+      <a:lightRig rig="threePt" dir="t"/>
+    </dgm:scene3d>
+    <dgm:sp3d/>
+    <dgm:txPr/>
+    <dgm:style>
+      <a:lnRef idx="2">
+        <a:scrgbClr r="0" g="0" b="0"/>
+      </a:lnRef>
+      <a:fillRef idx="1">
+        <a:scrgbClr r="0" g="0" b="0"/>
+      </a:fillRef>
+      <a:effectRef idx="0">
+        <a:scrgbClr r="0" g="0" b="0"/>
+      </a:effectRef>
+      <a:fontRef idx="minor">
+        <a:schemeClr val="lt1"/>
+      </a:fontRef>
+    </dgm:style>
+  </dgm:styleLbl>
+  <dgm:styleLbl name="parChTrans2D1">
+    <dgm:scene3d>
+      <a:camera prst="orthographicFront"/>
+      <a:lightRig rig="threePt" dir="t"/>
+    </dgm:scene3d>
+    <dgm:sp3d/>
+    <dgm:txPr/>
+    <dgm:style>
+      <a:lnRef idx="2">
+        <a:scrgbClr r="0" g="0" b="0"/>
+      </a:lnRef>
+      <a:fillRef idx="1">
+        <a:scrgbClr r="0" g="0" b="0"/>
+      </a:fillRef>
+      <a:effectRef idx="0">
+        <a:scrgbClr r="0" g="0" b="0"/>
+      </a:effectRef>
+      <a:fontRef idx="minor">
+        <a:schemeClr val="lt1"/>
+      </a:fontRef>
+    </dgm:style>
+  </dgm:styleLbl>
+  <dgm:styleLbl name="parChTrans2D2">
+    <dgm:scene3d>
+      <a:camera prst="orthographicFront"/>
+      <a:lightRig rig="threePt" dir="t"/>
+    </dgm:scene3d>
+    <dgm:sp3d/>
+    <dgm:txPr/>
+    <dgm:style>
+      <a:lnRef idx="2">
+        <a:scrgbClr r="0" g="0" b="0"/>
+      </a:lnRef>
+      <a:fillRef idx="1">
+        <a:scrgbClr r="0" g="0" b="0"/>
+      </a:fillRef>
+      <a:effectRef idx="0">
+        <a:scrgbClr r="0" g="0" b="0"/>
+      </a:effectRef>
+      <a:fontRef idx="minor">
+        <a:schemeClr val="lt1"/>
+      </a:fontRef>
+    </dgm:style>
+  </dgm:styleLbl>
+  <dgm:styleLbl name="parChTrans2D3">
+    <dgm:scene3d>
+      <a:camera prst="orthographicFront"/>
+      <a:lightRig rig="threePt" dir="t"/>
+    </dgm:scene3d>
+    <dgm:sp3d/>
+    <dgm:txPr/>
+    <dgm:style>
+      <a:lnRef idx="2">
+        <a:scrgbClr r="0" g="0" b="0"/>
+      </a:lnRef>
+      <a:fillRef idx="1">
+        <a:scrgbClr r="0" g="0" b="0"/>
+      </a:fillRef>
+      <a:effectRef idx="0">
+        <a:scrgbClr r="0" g="0" b="0"/>
+      </a:effectRef>
+      <a:fontRef idx="minor">
+        <a:schemeClr val="lt1"/>
+      </a:fontRef>
+    </dgm:style>
+  </dgm:styleLbl>
+  <dgm:styleLbl name="parChTrans2D4">
+    <dgm:scene3d>
+      <a:camera prst="orthographicFront"/>
+      <a:lightRig rig="threePt" dir="t"/>
+    </dgm:scene3d>
+    <dgm:sp3d/>
+    <dgm:txPr/>
+    <dgm:style>
+      <a:lnRef idx="2">
+        <a:scrgbClr r="0" g="0" b="0"/>
+      </a:lnRef>
+      <a:fillRef idx="1">
+        <a:scrgbClr r="0" g="0" b="0"/>
+      </a:fillRef>
+      <a:effectRef idx="0">
+        <a:scrgbClr r="0" g="0" b="0"/>
+      </a:effectRef>
+      <a:fontRef idx="minor">
+        <a:schemeClr val="lt1"/>
+      </a:fontRef>
+    </dgm:style>
+  </dgm:styleLbl>
+  <dgm:styleLbl name="parChTrans1D1">
+    <dgm:scene3d>
+      <a:camera prst="orthographicFront"/>
+      <a:lightRig rig="threePt" dir="t"/>
+    </dgm:scene3d>
+    <dgm:sp3d/>
+    <dgm:txPr/>
+    <dgm:style>
+      <a:lnRef idx="2">
+        <a:scrgbClr r="0" g="0" b="0"/>
+      </a:lnRef>
+      <a:fillRef idx="0">
+        <a:scrgbClr r="0" g="0" b="0"/>
+      </a:fillRef>
+      <a:effectRef idx="0">
+        <a:scrgbClr r="0" g="0" b="0"/>
+      </a:effectRef>
+      <a:fontRef idx="minor"/>
+    </dgm:style>
+  </dgm:styleLbl>
+  <dgm:styleLbl name="parChTrans1D2">
+    <dgm:scene3d>
+      <a:camera prst="orthographicFront"/>
+      <a:lightRig rig="threePt" dir="t"/>
+    </dgm:scene3d>
+    <dgm:sp3d/>
+    <dgm:txPr/>
+    <dgm:style>
+      <a:lnRef idx="2">
+        <a:scrgbClr r="0" g="0" b="0"/>
+      </a:lnRef>
+      <a:fillRef idx="0">
+        <a:scrgbClr r="0" g="0" b="0"/>
+      </a:fillRef>
+      <a:effectRef idx="0">
+        <a:scrgbClr r="0" g="0" b="0"/>
+      </a:effectRef>
+      <a:fontRef idx="minor"/>
+    </dgm:style>
+  </dgm:styleLbl>
+  <dgm:styleLbl name="parChTrans1D3">
+    <dgm:scene3d>
+      <a:camera prst="orthographicFront"/>
+      <a:lightRig rig="threePt" dir="t"/>
+    </dgm:scene3d>
+    <dgm:sp3d/>
+    <dgm:txPr/>
+    <dgm:style>
+      <a:lnRef idx="2">
+        <a:scrgbClr r="0" g="0" b="0"/>
+      </a:lnRef>
+      <a:fillRef idx="0">
+        <a:scrgbClr r="0" g="0" b="0"/>
+      </a:fillRef>
+      <a:effectRef idx="0">
+        <a:scrgbClr r="0" g="0" b="0"/>
+      </a:effectRef>
+      <a:fontRef idx="minor"/>
+    </dgm:style>
+  </dgm:styleLbl>
+  <dgm:styleLbl name="parChTrans1D4">
+    <dgm:scene3d>
+      <a:camera prst="orthographicFront"/>
+      <a:lightRig rig="threePt" dir="t"/>
+    </dgm:scene3d>
+    <dgm:sp3d/>
+    <dgm:txPr/>
+    <dgm:style>
+      <a:lnRef idx="2">
+        <a:scrgbClr r="0" g="0" b="0"/>
+      </a:lnRef>
+      <a:fillRef idx="0">
+        <a:scrgbClr r="0" g="0" b="0"/>
+      </a:fillRef>
+      <a:effectRef idx="0">
+        <a:scrgbClr r="0" g="0" b="0"/>
+      </a:effectRef>
+      <a:fontRef idx="minor"/>
+    </dgm:style>
+  </dgm:styleLbl>
+  <dgm:styleLbl name="fgAcc1">
+    <dgm:scene3d>
+      <a:camera prst="orthographicFront"/>
+      <a:lightRig rig="threePt" dir="t"/>
+    </dgm:scene3d>
+    <dgm:sp3d/>
+    <dgm:txPr/>
+    <dgm:style>
+      <a:lnRef idx="2">
+        <a:scrgbClr r="0" g="0" b="0"/>
+      </a:lnRef>
+      <a:fillRef idx="1">
+        <a:scrgbClr r="0" g="0" b="0"/>
+      </a:fillRef>
+      <a:effectRef idx="0">
+        <a:scrgbClr r="0" g="0" b="0"/>
+      </a:effectRef>
+      <a:fontRef idx="minor"/>
+    </dgm:style>
+  </dgm:styleLbl>
+  <dgm:styleLbl name="conFgAcc1">
+    <dgm:scene3d>
+      <a:camera prst="orthographicFront"/>
+      <a:lightRig rig="threePt" dir="t"/>
+    </dgm:scene3d>
+    <dgm:sp3d/>
+    <dgm:txPr/>
+    <dgm:style>
+      <a:lnRef idx="2">
+        <a:scrgbClr r="0" g="0" b="0"/>
+      </a:lnRef>
+      <a:fillRef idx="1">
+        <a:scrgbClr r="0" g="0" b="0"/>
+      </a:fillRef>
+      <a:effectRef idx="0">
+        <a:scrgbClr r="0" g="0" b="0"/>
+      </a:effectRef>
+      <a:fontRef idx="minor"/>
+    </dgm:style>
+  </dgm:styleLbl>
+  <dgm:styleLbl name="alignAcc1">
+    <dgm:scene3d>
+      <a:camera prst="orthographicFront"/>
+      <a:lightRig rig="threePt" dir="t"/>
+    </dgm:scene3d>
+    <dgm:sp3d/>
+    <dgm:txPr/>
+    <dgm:style>
+      <a:lnRef idx="2">
+        <a:scrgbClr r="0" g="0" b="0"/>
+      </a:lnRef>
+      <a:fillRef idx="1">
+        <a:scrgbClr r="0" g="0" b="0"/>
+      </a:fillRef>
+      <a:effectRef idx="0">
+        <a:scrgbClr r="0" g="0" b="0"/>
+      </a:effectRef>
+      <a:fontRef idx="minor"/>
+    </dgm:style>
+  </dgm:styleLbl>
+  <dgm:styleLbl name="trAlignAcc1">
+    <dgm:scene3d>
+      <a:camera prst="orthographicFront"/>
+      <a:lightRig rig="threePt" dir="t"/>
+    </dgm:scene3d>
+    <dgm:sp3d/>
+    <dgm:txPr/>
+    <dgm:style>
+      <a:lnRef idx="1">
+        <a:scrgbClr r="0" g="0" b="0"/>
+      </a:lnRef>
+      <a:fillRef idx="1">
+        <a:scrgbClr r="0" g="0" b="0"/>
+      </a:fillRef>
+      <a:effectRef idx="0">
+        <a:scrgbClr r="0" g="0" b="0"/>
+      </a:effectRef>
+      <a:fontRef idx="minor"/>
+    </dgm:style>
+  </dgm:styleLbl>
+  <dgm:styleLbl name="bgAcc1">
+    <dgm:scene3d>
+      <a:camera prst="orthographicFront"/>
+      <a:lightRig rig="threePt" dir="t"/>
+    </dgm:scene3d>
+    <dgm:sp3d/>
+    <dgm:txPr/>
+    <dgm:style>
+      <a:lnRef idx="2">
+        <a:scrgbClr r="0" g="0" b="0"/>
+      </a:lnRef>
+      <a:fillRef idx="1">
+        <a:scrgbClr r="0" g="0" b="0"/>
+      </a:fillRef>
+      <a:effectRef idx="0">
+        <a:scrgbClr r="0" g="0" b="0"/>
+      </a:effectRef>
+      <a:fontRef idx="minor"/>
+    </dgm:style>
+  </dgm:styleLbl>
+  <dgm:styleLbl name="solidFgAcc1">
+    <dgm:scene3d>
+      <a:camera prst="orthographicFront"/>
+      <a:lightRig rig="threePt" dir="t"/>
+    </dgm:scene3d>
+    <dgm:sp3d/>
+    <dgm:txPr/>
+    <dgm:style>
+      <a:lnRef idx="2">
+        <a:scrgbClr r="0" g="0" b="0"/>
+      </a:lnRef>
+      <a:fillRef idx="1">
+        <a:scrgbClr r="0" g="0" b="0"/>
+      </a:fillRef>
+      <a:effectRef idx="0">
+        <a:scrgbClr r="0" g="0" b="0"/>
+      </a:effectRef>
+      <a:fontRef idx="minor"/>
+    </dgm:style>
+  </dgm:styleLbl>
+  <dgm:styleLbl name="solidAlignAcc1">
+    <dgm:scene3d>
+      <a:camera prst="orthographicFront"/>
+      <a:lightRig rig="threePt" dir="t"/>
+    </dgm:scene3d>
+    <dgm:sp3d/>
+    <dgm:txPr/>
+    <dgm:style>
+      <a:lnRef idx="2">
+        <a:scrgbClr r="0" g="0" b="0"/>
+      </a:lnRef>
+      <a:fillRef idx="1">
+        <a:scrgbClr r="0" g="0" b="0"/>
+      </a:fillRef>
+      <a:effectRef idx="0">
+        <a:scrgbClr r="0" g="0" b="0"/>
+      </a:effectRef>
+      <a:fontRef idx="minor"/>
+    </dgm:style>
+  </dgm:styleLbl>
+  <dgm:styleLbl name="solidBgAcc1">
+    <dgm:scene3d>
+      <a:camera prst="orthographicFront"/>
+      <a:lightRig rig="threePt" dir="t"/>
+    </dgm:scene3d>
+    <dgm:sp3d/>
+    <dgm:txPr/>
+    <dgm:style>
+      <a:lnRef idx="2">
+        <a:scrgbClr r="0" g="0" b="0"/>
+      </a:lnRef>
+      <a:fillRef idx="1">
+        <a:scrgbClr r="0" g="0" b="0"/>
+      </a:fillRef>
+      <a:effectRef idx="0">
+        <a:scrgbClr r="0" g="0" b="0"/>
+      </a:effectRef>
+      <a:fontRef idx="minor"/>
+    </dgm:style>
+  </dgm:styleLbl>
+  <dgm:styleLbl name="fgAccFollowNode1">
+    <dgm:scene3d>
+      <a:camera prst="orthographicFront"/>
+      <a:lightRig rig="threePt" dir="t"/>
+    </dgm:scene3d>
+    <dgm:sp3d/>
+    <dgm:txPr/>
+    <dgm:style>
+      <a:lnRef idx="2">
+        <a:scrgbClr r="0" g="0" b="0"/>
+      </a:lnRef>
+      <a:fillRef idx="1">
+        <a:scrgbClr r="0" g="0" b="0"/>
+      </a:fillRef>
+      <a:effectRef idx="0">
+        <a:scrgbClr r="0" g="0" b="0"/>
+      </a:effectRef>
+      <a:fontRef idx="minor"/>
+    </dgm:style>
+  </dgm:styleLbl>
+  <dgm:styleLbl name="alignAccFollowNode1">
+    <dgm:scene3d>
+      <a:camera prst="orthographicFront"/>
+      <a:lightRig rig="threePt" dir="t"/>
+    </dgm:scene3d>
+    <dgm:sp3d/>
+    <dgm:txPr/>
+    <dgm:style>
+      <a:lnRef idx="2">
+        <a:scrgbClr r="0" g="0" b="0"/>
+      </a:lnRef>
+      <a:fillRef idx="1">
+        <a:scrgbClr r="0" g="0" b="0"/>
+      </a:fillRef>
+      <a:effectRef idx="0">
+        <a:scrgbClr r="0" g="0" b="0"/>
+      </a:effectRef>
+      <a:fontRef idx="minor"/>
+    </dgm:style>
+  </dgm:styleLbl>
+  <dgm:styleLbl name="bgAccFollowNode1">
+    <dgm:scene3d>
+      <a:camera prst="orthographicFront"/>
+      <a:lightRig rig="threePt" dir="t"/>
+    </dgm:scene3d>
+    <dgm:sp3d/>
+    <dgm:txPr/>
+    <dgm:style>
+      <a:lnRef idx="2">
+        <a:scrgbClr r="0" g="0" b="0"/>
+      </a:lnRef>
+      <a:fillRef idx="1">
+        <a:scrgbClr r="0" g="0" b="0"/>
+      </a:fillRef>
+      <a:effectRef idx="0">
+        <a:scrgbClr r="0" g="0" b="0"/>
+      </a:effectRef>
+      <a:fontRef idx="minor"/>
+    </dgm:style>
+  </dgm:styleLbl>
+  <dgm:styleLbl name="fgAcc0">
+    <dgm:scene3d>
+      <a:camera prst="orthographicFront"/>
+      <a:lightRig rig="threePt" dir="t"/>
+    </dgm:scene3d>
+    <dgm:sp3d/>
+    <dgm:txPr/>
+    <dgm:style>
+      <a:lnRef idx="2">
+        <a:scrgbClr r="0" g="0" b="0"/>
+      </a:lnRef>
+      <a:fillRef idx="1">
+        <a:scrgbClr r="0" g="0" b="0"/>
+      </a:fillRef>
+      <a:effectRef idx="0">
+        <a:scrgbClr r="0" g="0" b="0"/>
+      </a:effectRef>
+      <a:fontRef idx="minor"/>
+    </dgm:style>
+  </dgm:styleLbl>
+  <dgm:styleLbl name="fgAcc2">
+    <dgm:scene3d>
+      <a:camera prst="orthographicFront"/>
+      <a:lightRig rig="threePt" dir="t"/>
+    </dgm:scene3d>
+    <dgm:sp3d/>
+    <dgm:txPr/>
+    <dgm:style>
+      <a:lnRef idx="2">
+        <a:scrgbClr r="0" g="0" b="0"/>
+      </a:lnRef>
+      <a:fillRef idx="1">
+        <a:scrgbClr r="0" g="0" b="0"/>
+      </a:fillRef>
+      <a:effectRef idx="0">
+        <a:scrgbClr r="0" g="0" b="0"/>
+      </a:effectRef>
+      <a:fontRef idx="minor"/>
+    </dgm:style>
+  </dgm:styleLbl>
+  <dgm:styleLbl name="fgAcc3">
+    <dgm:scene3d>
+      <a:camera prst="orthographicFront"/>
+      <a:lightRig rig="threePt" dir="t"/>
+    </dgm:scene3d>
+    <dgm:sp3d/>
+    <dgm:txPr/>
+    <dgm:style>
+      <a:lnRef idx="2">
+        <a:scrgbClr r="0" g="0" b="0"/>
+      </a:lnRef>
+      <a:fillRef idx="1">
+        <a:scrgbClr r="0" g="0" b="0"/>
+      </a:fillRef>
+      <a:effectRef idx="0">
+        <a:scrgbClr r="0" g="0" b="0"/>
+      </a:effectRef>
+      <a:fontRef idx="minor"/>
+    </dgm:style>
+  </dgm:styleLbl>
+  <dgm:styleLbl name="fgAcc4">
+    <dgm:scene3d>
+      <a:camera prst="orthographicFront"/>
+      <a:lightRig rig="threePt" dir="t"/>
+    </dgm:scene3d>
+    <dgm:sp3d/>
+    <dgm:txPr/>
+    <dgm:style>
+      <a:lnRef idx="2">
+        <a:scrgbClr r="0" g="0" b="0"/>
+      </a:lnRef>
+      <a:fillRef idx="1">
+        <a:scrgbClr r="0" g="0" b="0"/>
+      </a:fillRef>
+      <a:effectRef idx="0">
+        <a:scrgbClr r="0" g="0" b="0"/>
+      </a:effectRef>
+      <a:fontRef idx="minor"/>
+    </dgm:style>
+  </dgm:styleLbl>
+  <dgm:styleLbl name="bgShp">
+    <dgm:scene3d>
+      <a:camera prst="orthographicFront"/>
+      <a:lightRig rig="threePt" dir="t"/>
+    </dgm:scene3d>
+    <dgm:sp3d/>
+    <dgm:txPr/>
+    <dgm:style>
+      <a:lnRef idx="0">
+        <a:scrgbClr r="0" g="0" b="0"/>
+      </a:lnRef>
+      <a:fillRef idx="1">
+        <a:scrgbClr r="0" g="0" b="0"/>
+      </a:fillRef>
+      <a:effectRef idx="0">
+        <a:scrgbClr r="0" g="0" b="0"/>
+      </a:effectRef>
+      <a:fontRef idx="minor"/>
+    </dgm:style>
+  </dgm:styleLbl>
+  <dgm:styleLbl name="dkBgShp">
+    <dgm:scene3d>
+      <a:camera prst="orthographicFront"/>
+      <a:lightRig rig="threePt" dir="t"/>
+    </dgm:scene3d>
+    <dgm:sp3d/>
+    <dgm:txPr/>
+    <dgm:style>
+      <a:lnRef idx="0">
+        <a:scrgbClr r="0" g="0" b="0"/>
+      </a:lnRef>
+      <a:fillRef idx="1">
+        <a:scrgbClr r="0" g="0" b="0"/>
+      </a:fillRef>
+      <a:effectRef idx="0">
+        <a:scrgbClr r="0" g="0" b="0"/>
+      </a:effectRef>
+      <a:fontRef idx="minor"/>
+    </dgm:style>
+  </dgm:styleLbl>
+  <dgm:styleLbl name="trBgShp">
+    <dgm:scene3d>
+      <a:camera prst="orthographicFront"/>
+      <a:lightRig rig="threePt" dir="t"/>
+    </dgm:scene3d>
+    <dgm:sp3d/>
+    <dgm:txPr/>
+    <dgm:style>
+      <a:lnRef idx="0">
+        <a:scrgbClr r="0" g="0" b="0"/>
+      </a:lnRef>
+      <a:fillRef idx="1">
+        <a:scrgbClr r="0" g="0" b="0"/>
+      </a:fillRef>
+      <a:effectRef idx="0">
+        <a:scrgbClr r="0" g="0" b="0"/>
+      </a:effectRef>
+      <a:fontRef idx="minor"/>
+    </dgm:style>
+  </dgm:styleLbl>
+  <dgm:styleLbl name="fgShp">
+    <dgm:scene3d>
+      <a:camera prst="orthographicFront"/>
+      <a:lightRig rig="threePt" dir="t"/>
+    </dgm:scene3d>
+    <dgm:sp3d/>
+    <dgm:txPr/>
+    <dgm:style>
+      <a:lnRef idx="2">
+        <a:scrgbClr r="0" g="0" b="0"/>
+      </a:lnRef>
+      <a:fillRef idx="1">
+        <a:scrgbClr r="0" g="0" b="0"/>
+      </a:fillRef>
+      <a:effectRef idx="0">
+        <a:scrgbClr r="0" g="0" b="0"/>
+      </a:effectRef>
+      <a:fontRef idx="minor"/>
+    </dgm:style>
+  </dgm:styleLbl>
+  <dgm:styleLbl name="revTx">
+    <dgm:scene3d>
+      <a:camera prst="orthographicFront"/>
+      <a:lightRig rig="threePt" dir="t"/>
+    </dgm:scene3d>
+    <dgm:sp3d/>
+    <dgm:txPr/>
+    <dgm:style>
+      <a:lnRef idx="0">
+        <a:scrgbClr r="0" g="0" b="0"/>
+      </a:lnRef>
+      <a:fillRef idx="0">
+        <a:scrgbClr r="0" g="0" b="0"/>
+      </a:fillRef>
+      <a:effectRef idx="0">
+        <a:scrgbClr r="0" g="0" b="0"/>
+      </a:effectRef>
+      <a:fontRef idx="minor"/>
+    </dgm:style>
+  </dgm:styleLbl>
+</dgm:styleDef>
+</file>
+
+<file path=ppt/diagrams/quickStyle5.xml><?xml version="1.0" encoding="utf-8"?>
 <dgm:styleDef xmlns:dgm="http://schemas.openxmlformats.org/drawingml/2006/diagram" xmlns:a="http://schemas.openxmlformats.org/drawingml/2006/main" uniqueId="urn:microsoft.com/office/officeart/2005/8/quickstyle/simple1">
   <dgm:title val=""/>
   <dgm:desc val=""/>
@@ -20261,7 +25680,7 @@
           <a:p>
             <a:fld id="{03B24962-D7B5-4FEA-ABE9-8C89DFE85AA1}" type="datetimeFigureOut">
               <a:rPr lang="en-US" smtClean="0"/>
-              <a:t>11/8/2017</a:t>
+              <a:t>11/26/2017</a:t>
             </a:fld>
             <a:endParaRPr lang="en-US"/>
           </a:p>
@@ -20681,7 +26100,7 @@
             <a:fld id="{6048B3DE-E9CD-4720-84B6-E24D30E64DE7}" type="slidenum">
               <a:rPr lang="en-US" smtClean="0"/>
               <a:pPr/>
-              <a:t>25</a:t>
+              <a:t>26</a:t>
             </a:fld>
             <a:endParaRPr lang="en-US"/>
           </a:p>
@@ -20769,7 +26188,7 @@
             <a:fld id="{6048B3DE-E9CD-4720-84B6-E24D30E64DE7}" type="slidenum">
               <a:rPr lang="en-US" smtClean="0"/>
               <a:pPr/>
-              <a:t>26</a:t>
+              <a:t>27</a:t>
             </a:fld>
             <a:endParaRPr lang="en-US"/>
           </a:p>
@@ -20857,7 +26276,7 @@
             <a:fld id="{6048B3DE-E9CD-4720-84B6-E24D30E64DE7}" type="slidenum">
               <a:rPr lang="en-US" smtClean="0"/>
               <a:pPr/>
-              <a:t>27</a:t>
+              <a:t>28</a:t>
             </a:fld>
             <a:endParaRPr lang="en-US"/>
           </a:p>
@@ -20942,7 +26361,7 @@
             <a:fld id="{35B728A6-6F57-4E84-A2C2-C78EE294E18B}" type="slidenum">
               <a:rPr lang="en-US" smtClean="0"/>
               <a:pPr/>
-              <a:t>29</a:t>
+              <a:t>30</a:t>
             </a:fld>
             <a:endParaRPr lang="en-US"/>
           </a:p>
@@ -21035,7 +26454,7 @@
             <a:fld id="{35B728A6-6F57-4E84-A2C2-C78EE294E18B}" type="slidenum">
               <a:rPr lang="en-US" smtClean="0"/>
               <a:pPr/>
-              <a:t>32</a:t>
+              <a:t>33</a:t>
             </a:fld>
             <a:endParaRPr lang="en-US"/>
           </a:p>
@@ -21120,7 +26539,7 @@
             <a:fld id="{6048B3DE-E9CD-4720-84B6-E24D30E64DE7}" type="slidenum">
               <a:rPr lang="en-US" smtClean="0"/>
               <a:pPr/>
-              <a:t>16</a:t>
+              <a:t>17</a:t>
             </a:fld>
             <a:endParaRPr lang="en-US"/>
           </a:p>
@@ -21205,7 +26624,7 @@
             <a:fld id="{6048B3DE-E9CD-4720-84B6-E24D30E64DE7}" type="slidenum">
               <a:rPr lang="en-US" smtClean="0"/>
               <a:pPr/>
-              <a:t>17</a:t>
+              <a:t>18</a:t>
             </a:fld>
             <a:endParaRPr lang="en-US"/>
           </a:p>
@@ -21289,7 +26708,7 @@
           <a:p>
             <a:fld id="{7244E18F-170A-479A-8042-7CA03643CD9B}" type="slidenum">
               <a:rPr lang="en-US" smtClean="0"/>
-              <a:t>18</a:t>
+              <a:t>19</a:t>
             </a:fld>
             <a:endParaRPr lang="en-US"/>
           </a:p>
@@ -21377,7 +26796,7 @@
             <a:fld id="{6048B3DE-E9CD-4720-84B6-E24D30E64DE7}" type="slidenum">
               <a:rPr lang="en-US" smtClean="0"/>
               <a:pPr/>
-              <a:t>20</a:t>
+              <a:t>21</a:t>
             </a:fld>
             <a:endParaRPr lang="en-US"/>
           </a:p>
@@ -21465,7 +26884,7 @@
             <a:fld id="{6048B3DE-E9CD-4720-84B6-E24D30E64DE7}" type="slidenum">
               <a:rPr lang="en-US" smtClean="0"/>
               <a:pPr/>
-              <a:t>21</a:t>
+              <a:t>22</a:t>
             </a:fld>
             <a:endParaRPr lang="en-US"/>
           </a:p>
@@ -21553,7 +26972,7 @@
             <a:fld id="{6048B3DE-E9CD-4720-84B6-E24D30E64DE7}" type="slidenum">
               <a:rPr lang="en-US" smtClean="0"/>
               <a:pPr/>
-              <a:t>22</a:t>
+              <a:t>23</a:t>
             </a:fld>
             <a:endParaRPr lang="en-US"/>
           </a:p>
@@ -21641,7 +27060,7 @@
             <a:fld id="{6048B3DE-E9CD-4720-84B6-E24D30E64DE7}" type="slidenum">
               <a:rPr lang="en-US" smtClean="0"/>
               <a:pPr/>
-              <a:t>23</a:t>
+              <a:t>24</a:t>
             </a:fld>
             <a:endParaRPr lang="en-US"/>
           </a:p>
@@ -21729,7 +27148,7 @@
             <a:fld id="{6048B3DE-E9CD-4720-84B6-E24D30E64DE7}" type="slidenum">
               <a:rPr lang="en-US" smtClean="0"/>
               <a:pPr/>
-              <a:t>24</a:t>
+              <a:t>25</a:t>
             </a:fld>
             <a:endParaRPr lang="en-US"/>
           </a:p>
@@ -21927,7 +27346,7 @@
           <a:p>
             <a:fld id="{2F1F79F5-7BEC-496A-AFC7-876E38F64D71}" type="datetime1">
               <a:rPr lang="en-US" smtClean="0"/>
-              <a:t>11/8/2017</a:t>
+              <a:t>11/26/2017</a:t>
             </a:fld>
             <a:endParaRPr lang="en-US"/>
           </a:p>
@@ -22044,7 +27463,7 @@
           <a:p>
             <a:fld id="{2F7B77F5-1464-4F6B-92A8-64FC8A508293}" type="datetime1">
               <a:rPr lang="en-US" smtClean="0"/>
-              <a:t>11/8/2017</a:t>
+              <a:t>11/26/2017</a:t>
             </a:fld>
             <a:endParaRPr lang="en-US"/>
           </a:p>
@@ -22139,7 +27558,7 @@
           <a:p>
             <a:fld id="{0A05703A-7669-4FEA-9056-25299B4D29D4}" type="datetime1">
               <a:rPr lang="en-US" smtClean="0"/>
-              <a:t>11/8/2017</a:t>
+              <a:t>11/26/2017</a:t>
             </a:fld>
             <a:endParaRPr lang="en-US"/>
           </a:p>
@@ -22414,7 +27833,7 @@
           <a:p>
             <a:fld id="{6E5077B5-BB57-49DB-88CA-226A139E5C01}" type="datetime1">
               <a:rPr lang="en-US" smtClean="0"/>
-              <a:t>11/8/2017</a:t>
+              <a:t>11/26/2017</a:t>
             </a:fld>
             <a:endParaRPr lang="en-US"/>
           </a:p>
@@ -22666,7 +28085,7 @@
           <a:p>
             <a:fld id="{C48D9447-CBD6-49A1-89FD-8512A8CF8999}" type="datetime1">
               <a:rPr lang="en-US" smtClean="0"/>
-              <a:t>11/8/2017</a:t>
+              <a:t>11/26/2017</a:t>
             </a:fld>
             <a:endParaRPr lang="en-US"/>
           </a:p>
@@ -22834,7 +28253,7 @@
           <a:p>
             <a:fld id="{A3639A2A-823D-48B7-9ACE-7FAF42870BA9}" type="datetime1">
               <a:rPr lang="en-US" smtClean="0"/>
-              <a:t>11/8/2017</a:t>
+              <a:t>11/26/2017</a:t>
             </a:fld>
             <a:endParaRPr lang="en-US"/>
           </a:p>
@@ -23012,7 +28431,7 @@
           <a:p>
             <a:fld id="{ED1B6996-82E9-463C-972C-7B56056E426C}" type="datetime1">
               <a:rPr lang="en-US" smtClean="0"/>
-              <a:t>11/8/2017</a:t>
+              <a:t>11/26/2017</a:t>
             </a:fld>
             <a:endParaRPr lang="en-US"/>
           </a:p>
@@ -23186,7 +28605,7 @@
           <a:p>
             <a:fld id="{E22ED4DA-448D-4BB1-B935-CC112220207B}" type="datetime1">
               <a:rPr lang="en-US" smtClean="0"/>
-              <a:t>11/8/2017</a:t>
+              <a:t>11/26/2017</a:t>
             </a:fld>
             <a:endParaRPr lang="en-US"/>
           </a:p>
@@ -23359,7 +28778,7 @@
           <a:p>
             <a:fld id="{E22ED4DA-448D-4BB1-B935-CC112220207B}" type="datetime1">
               <a:rPr lang="en-US" smtClean="0"/>
-              <a:t>11/8/2017</a:t>
+              <a:t>11/26/2017</a:t>
             </a:fld>
             <a:endParaRPr lang="en-US"/>
           </a:p>
@@ -23622,7 +29041,7 @@
           <a:p>
             <a:fld id="{FF5D65A6-AB94-4435-B0B7-3743215FA46C}" type="datetime1">
               <a:rPr lang="en-US" smtClean="0"/>
-              <a:t>11/8/2017</a:t>
+              <a:t>11/26/2017</a:t>
             </a:fld>
             <a:endParaRPr lang="en-US"/>
           </a:p>
@@ -23798,7 +29217,7 @@
           <a:p>
             <a:fld id="{FF5D65A6-AB94-4435-B0B7-3743215FA46C}" type="datetime1">
               <a:rPr lang="en-US" smtClean="0"/>
-              <a:t>11/8/2017</a:t>
+              <a:t>11/26/2017</a:t>
             </a:fld>
             <a:endParaRPr lang="en-US"/>
           </a:p>
@@ -24092,7 +29511,7 @@
           <a:p>
             <a:fld id="{7C193DC4-6EF0-48C9-B29C-616106A645E1}" type="datetime1">
               <a:rPr lang="en-US" smtClean="0"/>
-              <a:t>11/8/2017</a:t>
+              <a:t>11/26/2017</a:t>
             </a:fld>
             <a:endParaRPr lang="en-US"/>
           </a:p>
@@ -24377,7 +29796,7 @@
           <a:p>
             <a:fld id="{5D1846AD-9252-4647-9435-4C2AC365653A}" type="datetime1">
               <a:rPr lang="en-US" smtClean="0"/>
-              <a:t>11/8/2017</a:t>
+              <a:t>11/26/2017</a:t>
             </a:fld>
             <a:endParaRPr lang="en-US"/>
           </a:p>
@@ -24676,7 +30095,7 @@
           <a:p>
             <a:fld id="{5D1846AD-9252-4647-9435-4C2AC365653A}" type="datetime1">
               <a:rPr lang="en-US" smtClean="0"/>
-              <a:t>11/8/2017</a:t>
+              <a:t>11/26/2017</a:t>
             </a:fld>
             <a:endParaRPr lang="en-US"/>
           </a:p>
@@ -25095,7 +30514,7 @@
           <a:p>
             <a:fld id="{CE56DC10-3561-4063-A6AF-C1CC7A41040A}" type="datetime1">
               <a:rPr lang="en-US" smtClean="0"/>
-              <a:t>11/8/2017</a:t>
+              <a:t>11/26/2017</a:t>
             </a:fld>
             <a:endParaRPr lang="en-US"/>
           </a:p>
@@ -25318,7 +30737,7 @@
           <a:p>
             <a:fld id="{02B3F677-983B-48DB-ADFD-63FE6CBC7FB2}" type="datetime1">
               <a:rPr lang="en-US" smtClean="0"/>
-              <a:t>11/8/2017</a:t>
+              <a:t>11/26/2017</a:t>
             </a:fld>
             <a:endParaRPr lang="en-US"/>
           </a:p>
@@ -26219,6 +31638,99 @@
             <p:ph type="title"/>
           </p:nvPr>
         </p:nvSpPr>
+        <p:spPr/>
+        <p:txBody>
+          <a:bodyPr/>
+          <a:lstStyle/>
+          <a:p>
+            <a:r>
+              <a:rPr lang="en-US" dirty="0"/>
+              <a:t>Module 11</a:t>
+            </a:r>
+          </a:p>
+        </p:txBody>
+      </p:sp>
+      <p:sp>
+        <p:nvSpPr>
+          <p:cNvPr id="3" name="Slide Number Placeholder 2"/>
+          <p:cNvSpPr>
+            <a:spLocks noGrp="1"/>
+          </p:cNvSpPr>
+          <p:nvPr>
+            <p:ph type="sldNum" sz="quarter" idx="12"/>
+          </p:nvPr>
+        </p:nvSpPr>
+        <p:spPr/>
+        <p:txBody>
+          <a:bodyPr/>
+          <a:lstStyle/>
+          <a:p>
+            <a:endParaRPr lang="en-US" dirty="0"/>
+          </a:p>
+        </p:txBody>
+      </p:sp>
+      <p:graphicFrame>
+        <p:nvGraphicFramePr>
+          <p:cNvPr id="6" name="Diagram 5"/>
+          <p:cNvGraphicFramePr/>
+          <p:nvPr>
+            <p:extLst>
+              <p:ext uri="{D42A27DB-BD31-4B8C-83A1-F6EECF244321}">
+                <p14:modId xmlns:p14="http://schemas.microsoft.com/office/powerpoint/2010/main" val="2882909406"/>
+              </p:ext>
+            </p:extLst>
+          </p:nvPr>
+        </p:nvGraphicFramePr>
+        <p:xfrm>
+          <a:off x="1524000" y="1727994"/>
+          <a:ext cx="6096000" cy="4520406"/>
+        </p:xfrm>
+        <a:graphic>
+          <a:graphicData uri="http://schemas.openxmlformats.org/drawingml/2006/diagram">
+            <dgm:relIds xmlns:dgm="http://schemas.openxmlformats.org/drawingml/2006/diagram" xmlns:r="http://schemas.openxmlformats.org/officeDocument/2006/relationships" r:dm="rId2" r:lo="rId3" r:qs="rId4" r:cs="rId5"/>
+          </a:graphicData>
+        </a:graphic>
+      </p:graphicFrame>
+    </p:spTree>
+    <p:extLst>
+      <p:ext uri="{BB962C8B-B14F-4D97-AF65-F5344CB8AC3E}">
+        <p14:creationId xmlns:p14="http://schemas.microsoft.com/office/powerpoint/2010/main" val="3701854552"/>
+      </p:ext>
+    </p:extLst>
+  </p:cSld>
+  <p:clrMapOvr>
+    <a:masterClrMapping/>
+  </p:clrMapOvr>
+</p:sld>
+</file>
+
+<file path=ppt/slides/slide14.xml><?xml version="1.0" encoding="utf-8"?>
+<p:sld xmlns:a="http://schemas.openxmlformats.org/drawingml/2006/main" xmlns:r="http://schemas.openxmlformats.org/officeDocument/2006/relationships" xmlns:p="http://schemas.openxmlformats.org/presentationml/2006/main">
+  <p:cSld>
+    <p:spTree>
+      <p:nvGrpSpPr>
+        <p:cNvPr id="1" name=""/>
+        <p:cNvGrpSpPr/>
+        <p:nvPr/>
+      </p:nvGrpSpPr>
+      <p:grpSpPr>
+        <a:xfrm>
+          <a:off x="0" y="0"/>
+          <a:ext cx="0" cy="0"/>
+          <a:chOff x="0" y="0"/>
+          <a:chExt cx="0" cy="0"/>
+        </a:xfrm>
+      </p:grpSpPr>
+      <p:sp>
+        <p:nvSpPr>
+          <p:cNvPr id="2" name="Title 1"/>
+          <p:cNvSpPr>
+            <a:spLocks noGrp="1"/>
+          </p:cNvSpPr>
+          <p:nvPr>
+            <p:ph type="title"/>
+          </p:nvPr>
+        </p:nvSpPr>
         <p:spPr>
           <a:xfrm>
             <a:off x="457200" y="225401"/>
@@ -26498,7 +32010,7 @@
           <a:p>
             <a:fld id="{2AF3B5EA-18B6-4040-9F78-6052AF49C681}" type="slidenum">
               <a:rPr lang="en-US" smtClean="0"/>
-              <a:t>13</a:t>
+              <a:t>14</a:t>
             </a:fld>
             <a:endParaRPr lang="en-US"/>
           </a:p>
@@ -26517,7 +32029,7 @@
 </p:sld>
 </file>
 
-<file path=ppt/slides/slide14.xml><?xml version="1.0" encoding="utf-8"?>
+<file path=ppt/slides/slide15.xml><?xml version="1.0" encoding="utf-8"?>
 <p:sld xmlns:a="http://schemas.openxmlformats.org/drawingml/2006/main" xmlns:r="http://schemas.openxmlformats.org/officeDocument/2006/relationships" xmlns:p="http://schemas.openxmlformats.org/presentationml/2006/main">
   <p:cSld>
     <p:spTree>
@@ -26580,7 +32092,7 @@
           <a:p>
             <a:fld id="{2AF3B5EA-18B6-4040-9F78-6052AF49C681}" type="slidenum">
               <a:rPr lang="en-US" smtClean="0"/>
-              <a:t>14</a:t>
+              <a:t>15</a:t>
             </a:fld>
             <a:endParaRPr lang="en-US"/>
           </a:p>
@@ -26599,7 +32111,7 @@
 </p:sld>
 </file>
 
-<file path=ppt/slides/slide15.xml><?xml version="1.0" encoding="utf-8"?>
+<file path=ppt/slides/slide16.xml><?xml version="1.0" encoding="utf-8"?>
 <p:sld xmlns:a="http://schemas.openxmlformats.org/drawingml/2006/main" xmlns:r="http://schemas.openxmlformats.org/officeDocument/2006/relationships" xmlns:p="http://schemas.openxmlformats.org/presentationml/2006/main">
   <p:cSld>
     <p:spTree>
@@ -26745,7 +32257,7 @@
                 </a:solidFill>
               </a:rPr>
               <a:pPr/>
-              <a:t>15</a:t>
+              <a:t>16</a:t>
             </a:fld>
             <a:endParaRPr lang="en-US" dirty="0">
               <a:solidFill>
@@ -26770,7 +32282,7 @@
 </p:sld>
 </file>
 
-<file path=ppt/slides/slide16.xml><?xml version="1.0" encoding="utf-8"?>
+<file path=ppt/slides/slide17.xml><?xml version="1.0" encoding="utf-8"?>
 <p:sld xmlns:a="http://schemas.openxmlformats.org/drawingml/2006/main" xmlns:r="http://schemas.openxmlformats.org/officeDocument/2006/relationships" xmlns:p="http://schemas.openxmlformats.org/presentationml/2006/main">
   <p:cSld>
     <p:spTree>
@@ -26981,7 +32493,7 @@
           <a:p>
             <a:fld id="{2AF3B5EA-18B6-4040-9F78-6052AF49C681}" type="slidenum">
               <a:rPr lang="en-US" smtClean="0"/>
-              <a:t>16</a:t>
+              <a:t>17</a:t>
             </a:fld>
             <a:endParaRPr lang="en-US"/>
           </a:p>
@@ -27000,7 +32512,7 @@
 </p:sld>
 </file>
 
-<file path=ppt/slides/slide17.xml><?xml version="1.0" encoding="utf-8"?>
+<file path=ppt/slides/slide18.xml><?xml version="1.0" encoding="utf-8"?>
 <p:sld xmlns:a="http://schemas.openxmlformats.org/drawingml/2006/main" xmlns:r="http://schemas.openxmlformats.org/officeDocument/2006/relationships" xmlns:p="http://schemas.openxmlformats.org/presentationml/2006/main">
   <p:cSld>
     <p:spTree>
@@ -27244,7 +32756,7 @@
           <a:p>
             <a:fld id="{2AF3B5EA-18B6-4040-9F78-6052AF49C681}" type="slidenum">
               <a:rPr lang="en-US" smtClean="0"/>
-              <a:t>17</a:t>
+              <a:t>18</a:t>
             </a:fld>
             <a:endParaRPr lang="en-US"/>
           </a:p>
@@ -27263,7 +32775,7 @@
 </p:sld>
 </file>
 
-<file path=ppt/slides/slide18.xml><?xml version="1.0" encoding="utf-8"?>
+<file path=ppt/slides/slide19.xml><?xml version="1.0" encoding="utf-8"?>
 <p:sld xmlns:a="http://schemas.openxmlformats.org/drawingml/2006/main" xmlns:r="http://schemas.openxmlformats.org/officeDocument/2006/relationships" xmlns:p="http://schemas.openxmlformats.org/presentationml/2006/main">
   <p:cSld>
     <p:spTree>
@@ -28122,7 +33634,98 @@
 </p:sld>
 </file>
 
-<file path=ppt/slides/slide19.xml><?xml version="1.0" encoding="utf-8"?>
+<file path=ppt/slides/slide2.xml><?xml version="1.0" encoding="utf-8"?>
+<p:sld xmlns:a="http://schemas.openxmlformats.org/drawingml/2006/main" xmlns:r="http://schemas.openxmlformats.org/officeDocument/2006/relationships" xmlns:p="http://schemas.openxmlformats.org/presentationml/2006/main">
+  <p:cSld>
+    <p:spTree>
+      <p:nvGrpSpPr>
+        <p:cNvPr id="1" name=""/>
+        <p:cNvGrpSpPr/>
+        <p:nvPr/>
+      </p:nvGrpSpPr>
+      <p:grpSpPr>
+        <a:xfrm>
+          <a:off x="0" y="0"/>
+          <a:ext cx="0" cy="0"/>
+          <a:chOff x="0" y="0"/>
+          <a:chExt cx="0" cy="0"/>
+        </a:xfrm>
+      </p:grpSpPr>
+      <p:sp>
+        <p:nvSpPr>
+          <p:cNvPr id="9" name="Title 8"/>
+          <p:cNvSpPr>
+            <a:spLocks noGrp="1"/>
+          </p:cNvSpPr>
+          <p:nvPr>
+            <p:ph type="title"/>
+          </p:nvPr>
+        </p:nvSpPr>
+        <p:spPr/>
+        <p:txBody>
+          <a:bodyPr/>
+          <a:lstStyle/>
+          <a:p>
+            <a:endParaRPr lang="en-US"/>
+          </a:p>
+        </p:txBody>
+      </p:sp>
+      <p:sp>
+        <p:nvSpPr>
+          <p:cNvPr id="10" name="Content Placeholder 9"/>
+          <p:cNvSpPr>
+            <a:spLocks noGrp="1"/>
+          </p:cNvSpPr>
+          <p:nvPr>
+            <p:ph idx="1"/>
+          </p:nvPr>
+        </p:nvSpPr>
+        <p:spPr/>
+        <p:txBody>
+          <a:bodyPr/>
+          <a:lstStyle/>
+          <a:p>
+            <a:endParaRPr lang="en-US" dirty="0"/>
+          </a:p>
+        </p:txBody>
+      </p:sp>
+      <p:sp>
+        <p:nvSpPr>
+          <p:cNvPr id="4" name="Slide Number Placeholder 3"/>
+          <p:cNvSpPr>
+            <a:spLocks noGrp="1"/>
+          </p:cNvSpPr>
+          <p:nvPr>
+            <p:ph type="sldNum" sz="quarter" idx="12"/>
+          </p:nvPr>
+        </p:nvSpPr>
+        <p:spPr/>
+        <p:txBody>
+          <a:bodyPr/>
+          <a:lstStyle/>
+          <a:p>
+            <a:fld id="{2AF3B5EA-18B6-4040-9F78-6052AF49C681}" type="slidenum">
+              <a:rPr lang="en-US" smtClean="0"/>
+              <a:t>2</a:t>
+            </a:fld>
+            <a:endParaRPr lang="en-US"/>
+          </a:p>
+        </p:txBody>
+      </p:sp>
+    </p:spTree>
+    <p:extLst>
+      <p:ext uri="{BB962C8B-B14F-4D97-AF65-F5344CB8AC3E}">
+        <p14:creationId xmlns:p14="http://schemas.microsoft.com/office/powerpoint/2010/main" val="3614611356"/>
+      </p:ext>
+    </p:extLst>
+  </p:cSld>
+  <p:clrMapOvr>
+    <a:masterClrMapping/>
+  </p:clrMapOvr>
+</p:sld>
+</file>
+
+<file path=ppt/slides/slide20.xml><?xml version="1.0" encoding="utf-8"?>
 <p:sld xmlns:a="http://schemas.openxmlformats.org/drawingml/2006/main" xmlns:r="http://schemas.openxmlformats.org/officeDocument/2006/relationships" xmlns:p="http://schemas.openxmlformats.org/presentationml/2006/main">
   <p:cSld>
     <p:spTree>
@@ -28386,7 +33989,7 @@
           <a:p>
             <a:fld id="{2AF3B5EA-18B6-4040-9F78-6052AF49C681}" type="slidenum">
               <a:rPr lang="en-US" smtClean="0"/>
-              <a:t>19</a:t>
+              <a:t>20</a:t>
             </a:fld>
             <a:endParaRPr lang="en-US"/>
           </a:p>
@@ -28405,98 +34008,7 @@
 </p:sld>
 </file>
 
-<file path=ppt/slides/slide2.xml><?xml version="1.0" encoding="utf-8"?>
-<p:sld xmlns:a="http://schemas.openxmlformats.org/drawingml/2006/main" xmlns:r="http://schemas.openxmlformats.org/officeDocument/2006/relationships" xmlns:p="http://schemas.openxmlformats.org/presentationml/2006/main">
-  <p:cSld>
-    <p:spTree>
-      <p:nvGrpSpPr>
-        <p:cNvPr id="1" name=""/>
-        <p:cNvGrpSpPr/>
-        <p:nvPr/>
-      </p:nvGrpSpPr>
-      <p:grpSpPr>
-        <a:xfrm>
-          <a:off x="0" y="0"/>
-          <a:ext cx="0" cy="0"/>
-          <a:chOff x="0" y="0"/>
-          <a:chExt cx="0" cy="0"/>
-        </a:xfrm>
-      </p:grpSpPr>
-      <p:sp>
-        <p:nvSpPr>
-          <p:cNvPr id="9" name="Title 8"/>
-          <p:cNvSpPr>
-            <a:spLocks noGrp="1"/>
-          </p:cNvSpPr>
-          <p:nvPr>
-            <p:ph type="title"/>
-          </p:nvPr>
-        </p:nvSpPr>
-        <p:spPr/>
-        <p:txBody>
-          <a:bodyPr/>
-          <a:lstStyle/>
-          <a:p>
-            <a:endParaRPr lang="en-US"/>
-          </a:p>
-        </p:txBody>
-      </p:sp>
-      <p:sp>
-        <p:nvSpPr>
-          <p:cNvPr id="10" name="Content Placeholder 9"/>
-          <p:cNvSpPr>
-            <a:spLocks noGrp="1"/>
-          </p:cNvSpPr>
-          <p:nvPr>
-            <p:ph idx="1"/>
-          </p:nvPr>
-        </p:nvSpPr>
-        <p:spPr/>
-        <p:txBody>
-          <a:bodyPr/>
-          <a:lstStyle/>
-          <a:p>
-            <a:endParaRPr lang="en-US" dirty="0"/>
-          </a:p>
-        </p:txBody>
-      </p:sp>
-      <p:sp>
-        <p:nvSpPr>
-          <p:cNvPr id="4" name="Slide Number Placeholder 3"/>
-          <p:cNvSpPr>
-            <a:spLocks noGrp="1"/>
-          </p:cNvSpPr>
-          <p:nvPr>
-            <p:ph type="sldNum" sz="quarter" idx="12"/>
-          </p:nvPr>
-        </p:nvSpPr>
-        <p:spPr/>
-        <p:txBody>
-          <a:bodyPr/>
-          <a:lstStyle/>
-          <a:p>
-            <a:fld id="{2AF3B5EA-18B6-4040-9F78-6052AF49C681}" type="slidenum">
-              <a:rPr lang="en-US" smtClean="0"/>
-              <a:t>2</a:t>
-            </a:fld>
-            <a:endParaRPr lang="en-US"/>
-          </a:p>
-        </p:txBody>
-      </p:sp>
-    </p:spTree>
-    <p:extLst>
-      <p:ext uri="{BB962C8B-B14F-4D97-AF65-F5344CB8AC3E}">
-        <p14:creationId xmlns:p14="http://schemas.microsoft.com/office/powerpoint/2010/main" val="3614611356"/>
-      </p:ext>
-    </p:extLst>
-  </p:cSld>
-  <p:clrMapOvr>
-    <a:masterClrMapping/>
-  </p:clrMapOvr>
-</p:sld>
-</file>
-
-<file path=ppt/slides/slide20.xml><?xml version="1.0" encoding="utf-8"?>
+<file path=ppt/slides/slide21.xml><?xml version="1.0" encoding="utf-8"?>
 <p:sld xmlns:a="http://schemas.openxmlformats.org/drawingml/2006/main" xmlns:r="http://schemas.openxmlformats.org/officeDocument/2006/relationships" xmlns:p="http://schemas.openxmlformats.org/presentationml/2006/main">
   <p:cSld>
     <p:spTree>
@@ -28798,7 +34310,7 @@
           <a:p>
             <a:fld id="{2AF3B5EA-18B6-4040-9F78-6052AF49C681}" type="slidenum">
               <a:rPr lang="en-US" smtClean="0"/>
-              <a:t>20</a:t>
+              <a:t>21</a:t>
             </a:fld>
             <a:endParaRPr lang="en-US"/>
           </a:p>
@@ -28928,7 +34440,7 @@
 </p:sld>
 </file>
 
-<file path=ppt/slides/slide21.xml><?xml version="1.0" encoding="utf-8"?>
+<file path=ppt/slides/slide22.xml><?xml version="1.0" encoding="utf-8"?>
 <p:sld xmlns:a="http://schemas.openxmlformats.org/drawingml/2006/main" xmlns:r="http://schemas.openxmlformats.org/officeDocument/2006/relationships" xmlns:p="http://schemas.openxmlformats.org/presentationml/2006/main">
   <p:cSld>
     <p:spTree>
@@ -29240,7 +34752,7 @@
           <a:p>
             <a:fld id="{2AF3B5EA-18B6-4040-9F78-6052AF49C681}" type="slidenum">
               <a:rPr lang="en-US" smtClean="0"/>
-              <a:t>21</a:t>
+              <a:t>22</a:t>
             </a:fld>
             <a:endParaRPr lang="en-US"/>
           </a:p>
@@ -29259,7 +34771,7 @@
 </p:sld>
 </file>
 
-<file path=ppt/slides/slide22.xml><?xml version="1.0" encoding="utf-8"?>
+<file path=ppt/slides/slide23.xml><?xml version="1.0" encoding="utf-8"?>
 <p:sld xmlns:a="http://schemas.openxmlformats.org/drawingml/2006/main" xmlns:r="http://schemas.openxmlformats.org/officeDocument/2006/relationships" xmlns:p="http://schemas.openxmlformats.org/presentationml/2006/main">
   <p:cSld>
     <p:spTree>
@@ -29524,7 +35036,7 @@
           <a:p>
             <a:fld id="{2AF3B5EA-18B6-4040-9F78-6052AF49C681}" type="slidenum">
               <a:rPr lang="en-US" smtClean="0"/>
-              <a:t>22</a:t>
+              <a:t>23</a:t>
             </a:fld>
             <a:endParaRPr lang="en-US"/>
           </a:p>
@@ -29543,7 +35055,7 @@
 </p:sld>
 </file>
 
-<file path=ppt/slides/slide23.xml><?xml version="1.0" encoding="utf-8"?>
+<file path=ppt/slides/slide24.xml><?xml version="1.0" encoding="utf-8"?>
 <p:sld xmlns:a="http://schemas.openxmlformats.org/drawingml/2006/main" xmlns:r="http://schemas.openxmlformats.org/officeDocument/2006/relationships" xmlns:p="http://schemas.openxmlformats.org/presentationml/2006/main">
   <p:cSld>
     <p:spTree>
@@ -29982,7 +35494,7 @@
           <a:p>
             <a:fld id="{2AF3B5EA-18B6-4040-9F78-6052AF49C681}" type="slidenum">
               <a:rPr lang="en-US" smtClean="0"/>
-              <a:t>23</a:t>
+              <a:t>24</a:t>
             </a:fld>
             <a:endParaRPr lang="en-US"/>
           </a:p>
@@ -30001,7 +35513,7 @@
 </p:sld>
 </file>
 
-<file path=ppt/slides/slide24.xml><?xml version="1.0" encoding="utf-8"?>
+<file path=ppt/slides/slide25.xml><?xml version="1.0" encoding="utf-8"?>
 <p:sld xmlns:a="http://schemas.openxmlformats.org/drawingml/2006/main" xmlns:r="http://schemas.openxmlformats.org/officeDocument/2006/relationships" xmlns:p="http://schemas.openxmlformats.org/presentationml/2006/main">
   <p:cSld>
     <p:spTree>
@@ -30608,7 +36120,7 @@
           <a:p>
             <a:fld id="{2AF3B5EA-18B6-4040-9F78-6052AF49C681}" type="slidenum">
               <a:rPr lang="en-US" smtClean="0"/>
-              <a:t>24</a:t>
+              <a:t>25</a:t>
             </a:fld>
             <a:endParaRPr lang="en-US"/>
           </a:p>
@@ -30627,7 +36139,7 @@
 </p:sld>
 </file>
 
-<file path=ppt/slides/slide25.xml><?xml version="1.0" encoding="utf-8"?>
+<file path=ppt/slides/slide26.xml><?xml version="1.0" encoding="utf-8"?>
 <p:sld xmlns:a="http://schemas.openxmlformats.org/drawingml/2006/main" xmlns:r="http://schemas.openxmlformats.org/officeDocument/2006/relationships" xmlns:p="http://schemas.openxmlformats.org/presentationml/2006/main">
   <p:cSld>
     <p:spTree>
@@ -30848,7 +36360,7 @@
           <a:p>
             <a:fld id="{2AF3B5EA-18B6-4040-9F78-6052AF49C681}" type="slidenum">
               <a:rPr lang="en-US" smtClean="0"/>
-              <a:t>25</a:t>
+              <a:t>26</a:t>
             </a:fld>
             <a:endParaRPr lang="en-US"/>
           </a:p>
@@ -30867,7 +36379,7 @@
 </p:sld>
 </file>
 
-<file path=ppt/slides/slide26.xml><?xml version="1.0" encoding="utf-8"?>
+<file path=ppt/slides/slide27.xml><?xml version="1.0" encoding="utf-8"?>
 <p:sld xmlns:a="http://schemas.openxmlformats.org/drawingml/2006/main" xmlns:r="http://schemas.openxmlformats.org/officeDocument/2006/relationships" xmlns:p="http://schemas.openxmlformats.org/presentationml/2006/main">
   <p:cSld>
     <p:spTree>
@@ -31201,7 +36713,7 @@
           <a:p>
             <a:fld id="{2AF3B5EA-18B6-4040-9F78-6052AF49C681}" type="slidenum">
               <a:rPr lang="en-US" smtClean="0"/>
-              <a:t>26</a:t>
+              <a:t>27</a:t>
             </a:fld>
             <a:endParaRPr lang="en-US"/>
           </a:p>
@@ -31220,7 +36732,7 @@
 </p:sld>
 </file>
 
-<file path=ppt/slides/slide27.xml><?xml version="1.0" encoding="utf-8"?>
+<file path=ppt/slides/slide28.xml><?xml version="1.0" encoding="utf-8"?>
 <p:sld xmlns:a="http://schemas.openxmlformats.org/drawingml/2006/main" xmlns:r="http://schemas.openxmlformats.org/officeDocument/2006/relationships" xmlns:p="http://schemas.openxmlformats.org/presentationml/2006/main">
   <p:cSld>
     <p:spTree>
@@ -31460,7 +36972,7 @@
           <a:p>
             <a:fld id="{2AF3B5EA-18B6-4040-9F78-6052AF49C681}" type="slidenum">
               <a:rPr lang="en-US" smtClean="0"/>
-              <a:t>27</a:t>
+              <a:t>28</a:t>
             </a:fld>
             <a:endParaRPr lang="en-US"/>
           </a:p>
@@ -31479,7 +36991,7 @@
 </p:sld>
 </file>
 
-<file path=ppt/slides/slide28.xml><?xml version="1.0" encoding="utf-8"?>
+<file path=ppt/slides/slide29.xml><?xml version="1.0" encoding="utf-8"?>
 <p:sld xmlns:a="http://schemas.openxmlformats.org/drawingml/2006/main" xmlns:r="http://schemas.openxmlformats.org/officeDocument/2006/relationships" xmlns:p="http://schemas.openxmlformats.org/presentationml/2006/main">
   <p:cSld>
     <p:spTree>
@@ -31831,7 +37343,7 @@
           <a:p>
             <a:fld id="{2AF3B5EA-18B6-4040-9F78-6052AF49C681}" type="slidenum">
               <a:rPr lang="en-US" smtClean="0"/>
-              <a:t>28</a:t>
+              <a:t>29</a:t>
             </a:fld>
             <a:endParaRPr lang="en-US"/>
           </a:p>
@@ -31850,7 +37362,101 @@
 </p:sld>
 </file>
 
-<file path=ppt/slides/slide29.xml><?xml version="1.0" encoding="utf-8"?>
+<file path=ppt/slides/slide3.xml><?xml version="1.0" encoding="utf-8"?>
+<p:sld xmlns:a="http://schemas.openxmlformats.org/drawingml/2006/main" xmlns:r="http://schemas.openxmlformats.org/officeDocument/2006/relationships" xmlns:p="http://schemas.openxmlformats.org/presentationml/2006/main">
+  <p:cSld>
+    <p:spTree>
+      <p:nvGrpSpPr>
+        <p:cNvPr id="1" name=""/>
+        <p:cNvGrpSpPr/>
+        <p:nvPr/>
+      </p:nvGrpSpPr>
+      <p:grpSpPr>
+        <a:xfrm>
+          <a:off x="0" y="0"/>
+          <a:ext cx="0" cy="0"/>
+          <a:chOff x="0" y="0"/>
+          <a:chExt cx="0" cy="0"/>
+        </a:xfrm>
+      </p:grpSpPr>
+      <p:sp>
+        <p:nvSpPr>
+          <p:cNvPr id="2" name="Title 1"/>
+          <p:cNvSpPr>
+            <a:spLocks noGrp="1"/>
+          </p:cNvSpPr>
+          <p:nvPr>
+            <p:ph type="title"/>
+          </p:nvPr>
+        </p:nvSpPr>
+        <p:spPr/>
+        <p:txBody>
+          <a:bodyPr/>
+          <a:lstStyle/>
+          <a:p>
+            <a:r>
+              <a:rPr lang="en-US" dirty="0"/>
+              <a:t>Introduction</a:t>
+            </a:r>
+          </a:p>
+        </p:txBody>
+      </p:sp>
+      <p:sp>
+        <p:nvSpPr>
+          <p:cNvPr id="3" name="Content Placeholder 2"/>
+          <p:cNvSpPr>
+            <a:spLocks noGrp="1"/>
+          </p:cNvSpPr>
+          <p:nvPr>
+            <p:ph idx="1"/>
+          </p:nvPr>
+        </p:nvSpPr>
+        <p:spPr/>
+        <p:txBody>
+          <a:bodyPr/>
+          <a:lstStyle/>
+          <a:p>
+            <a:endParaRPr lang="en-US"/>
+          </a:p>
+        </p:txBody>
+      </p:sp>
+      <p:sp>
+        <p:nvSpPr>
+          <p:cNvPr id="4" name="Slide Number Placeholder 3"/>
+          <p:cNvSpPr>
+            <a:spLocks noGrp="1"/>
+          </p:cNvSpPr>
+          <p:nvPr>
+            <p:ph type="sldNum" sz="quarter" idx="12"/>
+          </p:nvPr>
+        </p:nvSpPr>
+        <p:spPr/>
+        <p:txBody>
+          <a:bodyPr/>
+          <a:lstStyle/>
+          <a:p>
+            <a:fld id="{2AF3B5EA-18B6-4040-9F78-6052AF49C681}" type="slidenum">
+              <a:rPr lang="en-US" smtClean="0"/>
+              <a:t>3</a:t>
+            </a:fld>
+            <a:endParaRPr lang="en-US"/>
+          </a:p>
+        </p:txBody>
+      </p:sp>
+    </p:spTree>
+    <p:extLst>
+      <p:ext uri="{BB962C8B-B14F-4D97-AF65-F5344CB8AC3E}">
+        <p14:creationId xmlns:p14="http://schemas.microsoft.com/office/powerpoint/2010/main" val="102794437"/>
+      </p:ext>
+    </p:extLst>
+  </p:cSld>
+  <p:clrMapOvr>
+    <a:masterClrMapping/>
+  </p:clrMapOvr>
+</p:sld>
+</file>
+
+<file path=ppt/slides/slide30.xml><?xml version="1.0" encoding="utf-8"?>
 <p:sld xmlns:a="http://schemas.openxmlformats.org/drawingml/2006/main" xmlns:r="http://schemas.openxmlformats.org/officeDocument/2006/relationships" xmlns:p="http://schemas.openxmlformats.org/presentationml/2006/main">
   <p:cSld>
     <p:spTree>
@@ -32179,7 +37785,7 @@
           <a:p>
             <a:fld id="{2AF3B5EA-18B6-4040-9F78-6052AF49C681}" type="slidenum">
               <a:rPr lang="en-US" smtClean="0"/>
-              <a:t>29</a:t>
+              <a:t>30</a:t>
             </a:fld>
             <a:endParaRPr lang="en-US"/>
           </a:p>
@@ -32198,101 +37804,7 @@
 </p:sld>
 </file>
 
-<file path=ppt/slides/slide3.xml><?xml version="1.0" encoding="utf-8"?>
-<p:sld xmlns:a="http://schemas.openxmlformats.org/drawingml/2006/main" xmlns:r="http://schemas.openxmlformats.org/officeDocument/2006/relationships" xmlns:p="http://schemas.openxmlformats.org/presentationml/2006/main">
-  <p:cSld>
-    <p:spTree>
-      <p:nvGrpSpPr>
-        <p:cNvPr id="1" name=""/>
-        <p:cNvGrpSpPr/>
-        <p:nvPr/>
-      </p:nvGrpSpPr>
-      <p:grpSpPr>
-        <a:xfrm>
-          <a:off x="0" y="0"/>
-          <a:ext cx="0" cy="0"/>
-          <a:chOff x="0" y="0"/>
-          <a:chExt cx="0" cy="0"/>
-        </a:xfrm>
-      </p:grpSpPr>
-      <p:sp>
-        <p:nvSpPr>
-          <p:cNvPr id="2" name="Title 1"/>
-          <p:cNvSpPr>
-            <a:spLocks noGrp="1"/>
-          </p:cNvSpPr>
-          <p:nvPr>
-            <p:ph type="title"/>
-          </p:nvPr>
-        </p:nvSpPr>
-        <p:spPr/>
-        <p:txBody>
-          <a:bodyPr/>
-          <a:lstStyle/>
-          <a:p>
-            <a:r>
-              <a:rPr lang="en-US" dirty="0"/>
-              <a:t>Introduction</a:t>
-            </a:r>
-          </a:p>
-        </p:txBody>
-      </p:sp>
-      <p:sp>
-        <p:nvSpPr>
-          <p:cNvPr id="3" name="Content Placeholder 2"/>
-          <p:cNvSpPr>
-            <a:spLocks noGrp="1"/>
-          </p:cNvSpPr>
-          <p:nvPr>
-            <p:ph idx="1"/>
-          </p:nvPr>
-        </p:nvSpPr>
-        <p:spPr/>
-        <p:txBody>
-          <a:bodyPr/>
-          <a:lstStyle/>
-          <a:p>
-            <a:endParaRPr lang="en-US"/>
-          </a:p>
-        </p:txBody>
-      </p:sp>
-      <p:sp>
-        <p:nvSpPr>
-          <p:cNvPr id="4" name="Slide Number Placeholder 3"/>
-          <p:cNvSpPr>
-            <a:spLocks noGrp="1"/>
-          </p:cNvSpPr>
-          <p:nvPr>
-            <p:ph type="sldNum" sz="quarter" idx="12"/>
-          </p:nvPr>
-        </p:nvSpPr>
-        <p:spPr/>
-        <p:txBody>
-          <a:bodyPr/>
-          <a:lstStyle/>
-          <a:p>
-            <a:fld id="{2AF3B5EA-18B6-4040-9F78-6052AF49C681}" type="slidenum">
-              <a:rPr lang="en-US" smtClean="0"/>
-              <a:t>3</a:t>
-            </a:fld>
-            <a:endParaRPr lang="en-US"/>
-          </a:p>
-        </p:txBody>
-      </p:sp>
-    </p:spTree>
-    <p:extLst>
-      <p:ext uri="{BB962C8B-B14F-4D97-AF65-F5344CB8AC3E}">
-        <p14:creationId xmlns:p14="http://schemas.microsoft.com/office/powerpoint/2010/main" val="102794437"/>
-      </p:ext>
-    </p:extLst>
-  </p:cSld>
-  <p:clrMapOvr>
-    <a:masterClrMapping/>
-  </p:clrMapOvr>
-</p:sld>
-</file>
-
-<file path=ppt/slides/slide30.xml><?xml version="1.0" encoding="utf-8"?>
+<file path=ppt/slides/slide31.xml><?xml version="1.0" encoding="utf-8"?>
 <p:sld xmlns:a="http://schemas.openxmlformats.org/drawingml/2006/main" xmlns:r="http://schemas.openxmlformats.org/officeDocument/2006/relationships" xmlns:p="http://schemas.openxmlformats.org/presentationml/2006/main">
   <p:cSld>
     <p:spTree>
@@ -32590,7 +38102,7 @@
           <a:p>
             <a:fld id="{2AF3B5EA-18B6-4040-9F78-6052AF49C681}" type="slidenum">
               <a:rPr lang="en-US" smtClean="0"/>
-              <a:t>30</a:t>
+              <a:t>31</a:t>
             </a:fld>
             <a:endParaRPr lang="en-US"/>
           </a:p>
@@ -32609,7 +38121,7 @@
 </p:sld>
 </file>
 
-<file path=ppt/slides/slide31.xml><?xml version="1.0" encoding="utf-8"?>
+<file path=ppt/slides/slide32.xml><?xml version="1.0" encoding="utf-8"?>
 <p:sld xmlns:a="http://schemas.openxmlformats.org/drawingml/2006/main" xmlns:r="http://schemas.openxmlformats.org/officeDocument/2006/relationships" xmlns:p="http://schemas.openxmlformats.org/presentationml/2006/main">
   <p:cSld>
     <p:spTree>
@@ -32867,7 +38379,7 @@
           <a:p>
             <a:fld id="{2AF3B5EA-18B6-4040-9F78-6052AF49C681}" type="slidenum">
               <a:rPr lang="en-US" smtClean="0"/>
-              <a:t>31</a:t>
+              <a:t>32</a:t>
             </a:fld>
             <a:endParaRPr lang="en-US"/>
           </a:p>
@@ -32886,7 +38398,7 @@
 </p:sld>
 </file>
 
-<file path=ppt/slides/slide32.xml><?xml version="1.0" encoding="utf-8"?>
+<file path=ppt/slides/slide33.xml><?xml version="1.0" encoding="utf-8"?>
 <p:sld xmlns:a="http://schemas.openxmlformats.org/drawingml/2006/main" xmlns:r="http://schemas.openxmlformats.org/officeDocument/2006/relationships" xmlns:p="http://schemas.openxmlformats.org/presentationml/2006/main">
   <p:cSld>
     <p:spTree>
@@ -33119,7 +38631,7 @@
           <a:p>
             <a:fld id="{2AF3B5EA-18B6-4040-9F78-6052AF49C681}" type="slidenum">
               <a:rPr lang="en-US" smtClean="0"/>
-              <a:t>32</a:t>
+              <a:t>33</a:t>
             </a:fld>
             <a:endParaRPr lang="en-US"/>
           </a:p>
@@ -33138,7 +38650,7 @@
 </p:sld>
 </file>
 
-<file path=ppt/slides/slide33.xml><?xml version="1.0" encoding="utf-8"?>
+<file path=ppt/slides/slide34.xml><?xml version="1.0" encoding="utf-8"?>
 <p:sld xmlns:a="http://schemas.openxmlformats.org/drawingml/2006/main" xmlns:r="http://schemas.openxmlformats.org/officeDocument/2006/relationships" xmlns:p="http://schemas.openxmlformats.org/presentationml/2006/main">
   <p:cSld>
     <p:spTree>
@@ -33349,7 +38861,7 @@
           <a:p>
             <a:fld id="{2AF3B5EA-18B6-4040-9F78-6052AF49C681}" type="slidenum">
               <a:rPr lang="en-US" smtClean="0"/>
-              <a:t>33</a:t>
+              <a:t>34</a:t>
             </a:fld>
             <a:endParaRPr lang="en-US"/>
           </a:p>
@@ -33368,7 +38880,7 @@
 </p:sld>
 </file>
 
-<file path=ppt/slides/slide34.xml><?xml version="1.0" encoding="utf-8"?>
+<file path=ppt/slides/slide35.xml><?xml version="1.0" encoding="utf-8"?>
 <p:sld xmlns:a="http://schemas.openxmlformats.org/drawingml/2006/main" xmlns:r="http://schemas.openxmlformats.org/officeDocument/2006/relationships" xmlns:p="http://schemas.openxmlformats.org/presentationml/2006/main">
   <p:cSld>
     <p:spTree>
@@ -33601,7 +39113,7 @@
           <a:p>
             <a:fld id="{2AF3B5EA-18B6-4040-9F78-6052AF49C681}" type="slidenum">
               <a:rPr lang="en-US" smtClean="0"/>
-              <a:t>34</a:t>
+              <a:t>35</a:t>
             </a:fld>
             <a:endParaRPr lang="en-US"/>
           </a:p>

--- a/Slides/Common Slides for CS 5010.pptx
+++ b/Slides/Common Slides for CS 5010.pptx
@@ -5,7 +5,7 @@
     <p:sldMasterId id="2147483648" r:id="rId1"/>
   </p:sldMasterIdLst>
   <p:notesMasterIdLst>
-    <p:notesMasterId r:id="rId36"/>
+    <p:notesMasterId r:id="rId37"/>
   </p:notesMasterIdLst>
   <p:sldIdLst>
     <p:sldId id="285" r:id="rId2"/>
@@ -20,33 +20,34 @@
     <p:sldId id="303" r:id="rId11"/>
     <p:sldId id="304" r:id="rId12"/>
     <p:sldId id="305" r:id="rId13"/>
-    <p:sldId id="261" r:id="rId14"/>
-    <p:sldId id="264" r:id="rId15"/>
-    <p:sldId id="297" r:id="rId16"/>
-    <p:sldId id="265" r:id="rId17"/>
-    <p:sldId id="301" r:id="rId18"/>
-    <p:sldId id="289" r:id="rId19"/>
-    <p:sldId id="266" r:id="rId20"/>
-    <p:sldId id="267" r:id="rId21"/>
-    <p:sldId id="268" r:id="rId22"/>
-    <p:sldId id="269" r:id="rId23"/>
-    <p:sldId id="279" r:id="rId24"/>
-    <p:sldId id="280" r:id="rId25"/>
-    <p:sldId id="281" r:id="rId26"/>
-    <p:sldId id="299" r:id="rId27"/>
-    <p:sldId id="284" r:id="rId28"/>
-    <p:sldId id="277" r:id="rId29"/>
-    <p:sldId id="273" r:id="rId30"/>
-    <p:sldId id="274" r:id="rId31"/>
-    <p:sldId id="276" r:id="rId32"/>
-    <p:sldId id="278" r:id="rId33"/>
-    <p:sldId id="282" r:id="rId34"/>
-    <p:sldId id="283" r:id="rId35"/>
+    <p:sldId id="306" r:id="rId14"/>
+    <p:sldId id="261" r:id="rId15"/>
+    <p:sldId id="264" r:id="rId16"/>
+    <p:sldId id="297" r:id="rId17"/>
+    <p:sldId id="265" r:id="rId18"/>
+    <p:sldId id="301" r:id="rId19"/>
+    <p:sldId id="289" r:id="rId20"/>
+    <p:sldId id="266" r:id="rId21"/>
+    <p:sldId id="267" r:id="rId22"/>
+    <p:sldId id="268" r:id="rId23"/>
+    <p:sldId id="269" r:id="rId24"/>
+    <p:sldId id="279" r:id="rId25"/>
+    <p:sldId id="280" r:id="rId26"/>
+    <p:sldId id="281" r:id="rId27"/>
+    <p:sldId id="299" r:id="rId28"/>
+    <p:sldId id="284" r:id="rId29"/>
+    <p:sldId id="277" r:id="rId30"/>
+    <p:sldId id="273" r:id="rId31"/>
+    <p:sldId id="274" r:id="rId32"/>
+    <p:sldId id="276" r:id="rId33"/>
+    <p:sldId id="278" r:id="rId34"/>
+    <p:sldId id="282" r:id="rId35"/>
+    <p:sldId id="283" r:id="rId36"/>
   </p:sldIdLst>
   <p:sldSz cx="9144000" cy="6858000" type="screen4x3"/>
   <p:notesSz cx="6858000" cy="9144000"/>
   <p:custDataLst>
-    <p:tags r:id="rId37"/>
+    <p:tags r:id="rId38"/>
   </p:custDataLst>
   <p:defaultTextStyle>
     <a:defPPr>
@@ -3154,6 +3155,753 @@
 </dgm:colorsDef>
 </file>
 
+<file path=ppt/diagrams/colors5.xml><?xml version="1.0" encoding="utf-8"?>
+<dgm:colorsDef xmlns:dgm="http://schemas.openxmlformats.org/drawingml/2006/diagram" xmlns:a="http://schemas.openxmlformats.org/drawingml/2006/main" uniqueId="urn:microsoft.com/office/officeart/2005/8/colors/accent1_2">
+  <dgm:title val=""/>
+  <dgm:desc val=""/>
+  <dgm:catLst>
+    <dgm:cat type="accent1" pri="11200"/>
+  </dgm:catLst>
+  <dgm:styleLbl name="node0">
+    <dgm:fillClrLst meth="repeat">
+      <a:schemeClr val="accent1"/>
+    </dgm:fillClrLst>
+    <dgm:linClrLst meth="repeat">
+      <a:schemeClr val="lt1"/>
+    </dgm:linClrLst>
+    <dgm:effectClrLst/>
+    <dgm:txLinClrLst/>
+    <dgm:txFillClrLst/>
+    <dgm:txEffectClrLst/>
+  </dgm:styleLbl>
+  <dgm:styleLbl name="alignNode1">
+    <dgm:fillClrLst meth="repeat">
+      <a:schemeClr val="accent1"/>
+    </dgm:fillClrLst>
+    <dgm:linClrLst meth="repeat">
+      <a:schemeClr val="accent1"/>
+    </dgm:linClrLst>
+    <dgm:effectClrLst/>
+    <dgm:txLinClrLst/>
+    <dgm:txFillClrLst/>
+    <dgm:txEffectClrLst/>
+  </dgm:styleLbl>
+  <dgm:styleLbl name="node1">
+    <dgm:fillClrLst meth="repeat">
+      <a:schemeClr val="accent1"/>
+    </dgm:fillClrLst>
+    <dgm:linClrLst meth="repeat">
+      <a:schemeClr val="lt1"/>
+    </dgm:linClrLst>
+    <dgm:effectClrLst/>
+    <dgm:txLinClrLst/>
+    <dgm:txFillClrLst/>
+    <dgm:txEffectClrLst/>
+  </dgm:styleLbl>
+  <dgm:styleLbl name="lnNode1">
+    <dgm:fillClrLst meth="repeat">
+      <a:schemeClr val="accent1"/>
+    </dgm:fillClrLst>
+    <dgm:linClrLst meth="repeat">
+      <a:schemeClr val="lt1"/>
+    </dgm:linClrLst>
+    <dgm:effectClrLst/>
+    <dgm:txLinClrLst/>
+    <dgm:txFillClrLst/>
+    <dgm:txEffectClrLst/>
+  </dgm:styleLbl>
+  <dgm:styleLbl name="vennNode1">
+    <dgm:fillClrLst meth="repeat">
+      <a:schemeClr val="accent1">
+        <a:alpha val="50000"/>
+      </a:schemeClr>
+    </dgm:fillClrLst>
+    <dgm:linClrLst meth="repeat">
+      <a:schemeClr val="lt1"/>
+    </dgm:linClrLst>
+    <dgm:effectClrLst/>
+    <dgm:txLinClrLst/>
+    <dgm:txFillClrLst/>
+    <dgm:txEffectClrLst/>
+  </dgm:styleLbl>
+  <dgm:styleLbl name="node2">
+    <dgm:fillClrLst meth="repeat">
+      <a:schemeClr val="accent1"/>
+    </dgm:fillClrLst>
+    <dgm:linClrLst meth="repeat">
+      <a:schemeClr val="lt1"/>
+    </dgm:linClrLst>
+    <dgm:effectClrLst/>
+    <dgm:txLinClrLst/>
+    <dgm:txFillClrLst/>
+    <dgm:txEffectClrLst/>
+  </dgm:styleLbl>
+  <dgm:styleLbl name="node3">
+    <dgm:fillClrLst meth="repeat">
+      <a:schemeClr val="accent1"/>
+    </dgm:fillClrLst>
+    <dgm:linClrLst meth="repeat">
+      <a:schemeClr val="lt1"/>
+    </dgm:linClrLst>
+    <dgm:effectClrLst/>
+    <dgm:txLinClrLst/>
+    <dgm:txFillClrLst/>
+    <dgm:txEffectClrLst/>
+  </dgm:styleLbl>
+  <dgm:styleLbl name="node4">
+    <dgm:fillClrLst meth="repeat">
+      <a:schemeClr val="accent1"/>
+    </dgm:fillClrLst>
+    <dgm:linClrLst meth="repeat">
+      <a:schemeClr val="lt1"/>
+    </dgm:linClrLst>
+    <dgm:effectClrLst/>
+    <dgm:txLinClrLst/>
+    <dgm:txFillClrLst/>
+    <dgm:txEffectClrLst/>
+  </dgm:styleLbl>
+  <dgm:styleLbl name="fgImgPlace1">
+    <dgm:fillClrLst meth="repeat">
+      <a:schemeClr val="accent1">
+        <a:tint val="50000"/>
+      </a:schemeClr>
+    </dgm:fillClrLst>
+    <dgm:linClrLst meth="repeat">
+      <a:schemeClr val="lt1"/>
+    </dgm:linClrLst>
+    <dgm:effectClrLst/>
+    <dgm:txLinClrLst/>
+    <dgm:txFillClrLst meth="repeat">
+      <a:schemeClr val="lt1"/>
+    </dgm:txFillClrLst>
+    <dgm:txEffectClrLst/>
+  </dgm:styleLbl>
+  <dgm:styleLbl name="alignImgPlace1">
+    <dgm:fillClrLst meth="repeat">
+      <a:schemeClr val="accent1">
+        <a:tint val="50000"/>
+      </a:schemeClr>
+    </dgm:fillClrLst>
+    <dgm:linClrLst meth="repeat">
+      <a:schemeClr val="lt1"/>
+    </dgm:linClrLst>
+    <dgm:effectClrLst/>
+    <dgm:txLinClrLst/>
+    <dgm:txFillClrLst meth="repeat">
+      <a:schemeClr val="lt1"/>
+    </dgm:txFillClrLst>
+    <dgm:txEffectClrLst/>
+  </dgm:styleLbl>
+  <dgm:styleLbl name="bgImgPlace1">
+    <dgm:fillClrLst meth="repeat">
+      <a:schemeClr val="accent1">
+        <a:tint val="50000"/>
+      </a:schemeClr>
+    </dgm:fillClrLst>
+    <dgm:linClrLst meth="repeat">
+      <a:schemeClr val="lt1"/>
+    </dgm:linClrLst>
+    <dgm:effectClrLst/>
+    <dgm:txLinClrLst/>
+    <dgm:txFillClrLst meth="repeat">
+      <a:schemeClr val="lt1"/>
+    </dgm:txFillClrLst>
+    <dgm:txEffectClrLst/>
+  </dgm:styleLbl>
+  <dgm:styleLbl name="sibTrans2D1">
+    <dgm:fillClrLst meth="repeat">
+      <a:schemeClr val="accent1">
+        <a:tint val="60000"/>
+      </a:schemeClr>
+    </dgm:fillClrLst>
+    <dgm:linClrLst meth="repeat">
+      <a:schemeClr val="accent1">
+        <a:tint val="60000"/>
+      </a:schemeClr>
+    </dgm:linClrLst>
+    <dgm:effectClrLst/>
+    <dgm:txLinClrLst/>
+    <dgm:txFillClrLst/>
+    <dgm:txEffectClrLst/>
+  </dgm:styleLbl>
+  <dgm:styleLbl name="fgSibTrans2D1">
+    <dgm:fillClrLst meth="repeat">
+      <a:schemeClr val="accent1">
+        <a:tint val="60000"/>
+      </a:schemeClr>
+    </dgm:fillClrLst>
+    <dgm:linClrLst meth="repeat">
+      <a:schemeClr val="accent1">
+        <a:tint val="60000"/>
+      </a:schemeClr>
+    </dgm:linClrLst>
+    <dgm:effectClrLst/>
+    <dgm:txLinClrLst/>
+    <dgm:txFillClrLst/>
+    <dgm:txEffectClrLst/>
+  </dgm:styleLbl>
+  <dgm:styleLbl name="bgSibTrans2D1">
+    <dgm:fillClrLst meth="repeat">
+      <a:schemeClr val="accent1">
+        <a:tint val="60000"/>
+      </a:schemeClr>
+    </dgm:fillClrLst>
+    <dgm:linClrLst meth="repeat">
+      <a:schemeClr val="accent1">
+        <a:tint val="60000"/>
+      </a:schemeClr>
+    </dgm:linClrLst>
+    <dgm:effectClrLst/>
+    <dgm:txLinClrLst/>
+    <dgm:txFillClrLst/>
+    <dgm:txEffectClrLst/>
+  </dgm:styleLbl>
+  <dgm:styleLbl name="sibTrans1D1">
+    <dgm:fillClrLst meth="repeat">
+      <a:schemeClr val="accent1"/>
+    </dgm:fillClrLst>
+    <dgm:linClrLst meth="repeat">
+      <a:schemeClr val="accent1"/>
+    </dgm:linClrLst>
+    <dgm:effectClrLst/>
+    <dgm:txLinClrLst/>
+    <dgm:txFillClrLst meth="repeat">
+      <a:schemeClr val="tx1"/>
+    </dgm:txFillClrLst>
+    <dgm:txEffectClrLst/>
+  </dgm:styleLbl>
+  <dgm:styleLbl name="callout">
+    <dgm:fillClrLst meth="repeat">
+      <a:schemeClr val="accent1"/>
+    </dgm:fillClrLst>
+    <dgm:linClrLst meth="repeat">
+      <a:schemeClr val="accent1">
+        <a:tint val="50000"/>
+      </a:schemeClr>
+    </dgm:linClrLst>
+    <dgm:effectClrLst/>
+    <dgm:txLinClrLst/>
+    <dgm:txFillClrLst meth="repeat">
+      <a:schemeClr val="tx1"/>
+    </dgm:txFillClrLst>
+    <dgm:txEffectClrLst/>
+  </dgm:styleLbl>
+  <dgm:styleLbl name="asst0">
+    <dgm:fillClrLst meth="repeat">
+      <a:schemeClr val="accent1"/>
+    </dgm:fillClrLst>
+    <dgm:linClrLst meth="repeat">
+      <a:schemeClr val="lt1"/>
+    </dgm:linClrLst>
+    <dgm:effectClrLst/>
+    <dgm:txLinClrLst/>
+    <dgm:txFillClrLst/>
+    <dgm:txEffectClrLst/>
+  </dgm:styleLbl>
+  <dgm:styleLbl name="asst1">
+    <dgm:fillClrLst meth="repeat">
+      <a:schemeClr val="accent1"/>
+    </dgm:fillClrLst>
+    <dgm:linClrLst meth="repeat">
+      <a:schemeClr val="lt1"/>
+    </dgm:linClrLst>
+    <dgm:effectClrLst/>
+    <dgm:txLinClrLst/>
+    <dgm:txFillClrLst/>
+    <dgm:txEffectClrLst/>
+  </dgm:styleLbl>
+  <dgm:styleLbl name="asst2">
+    <dgm:fillClrLst meth="repeat">
+      <a:schemeClr val="accent1"/>
+    </dgm:fillClrLst>
+    <dgm:linClrLst meth="repeat">
+      <a:schemeClr val="lt1"/>
+    </dgm:linClrLst>
+    <dgm:effectClrLst/>
+    <dgm:txLinClrLst/>
+    <dgm:txFillClrLst/>
+    <dgm:txEffectClrLst/>
+  </dgm:styleLbl>
+  <dgm:styleLbl name="asst3">
+    <dgm:fillClrLst meth="repeat">
+      <a:schemeClr val="accent1"/>
+    </dgm:fillClrLst>
+    <dgm:linClrLst meth="repeat">
+      <a:schemeClr val="lt1"/>
+    </dgm:linClrLst>
+    <dgm:effectClrLst/>
+    <dgm:txLinClrLst/>
+    <dgm:txFillClrLst/>
+    <dgm:txEffectClrLst/>
+  </dgm:styleLbl>
+  <dgm:styleLbl name="asst4">
+    <dgm:fillClrLst meth="repeat">
+      <a:schemeClr val="accent1"/>
+    </dgm:fillClrLst>
+    <dgm:linClrLst meth="repeat">
+      <a:schemeClr val="lt1"/>
+    </dgm:linClrLst>
+    <dgm:effectClrLst/>
+    <dgm:txLinClrLst/>
+    <dgm:txFillClrLst/>
+    <dgm:txEffectClrLst/>
+  </dgm:styleLbl>
+  <dgm:styleLbl name="parChTrans2D1">
+    <dgm:fillClrLst meth="repeat">
+      <a:schemeClr val="accent1">
+        <a:tint val="60000"/>
+      </a:schemeClr>
+    </dgm:fillClrLst>
+    <dgm:linClrLst meth="repeat">
+      <a:schemeClr val="accent1">
+        <a:tint val="60000"/>
+      </a:schemeClr>
+    </dgm:linClrLst>
+    <dgm:effectClrLst/>
+    <dgm:txLinClrLst/>
+    <dgm:txFillClrLst meth="repeat">
+      <a:schemeClr val="lt1"/>
+    </dgm:txFillClrLst>
+    <dgm:txEffectClrLst/>
+  </dgm:styleLbl>
+  <dgm:styleLbl name="parChTrans2D2">
+    <dgm:fillClrLst meth="repeat">
+      <a:schemeClr val="accent1"/>
+    </dgm:fillClrLst>
+    <dgm:linClrLst meth="repeat">
+      <a:schemeClr val="accent1"/>
+    </dgm:linClrLst>
+    <dgm:effectClrLst/>
+    <dgm:txLinClrLst/>
+    <dgm:txFillClrLst meth="repeat">
+      <a:schemeClr val="lt1"/>
+    </dgm:txFillClrLst>
+    <dgm:txEffectClrLst/>
+  </dgm:styleLbl>
+  <dgm:styleLbl name="parChTrans2D3">
+    <dgm:fillClrLst meth="repeat">
+      <a:schemeClr val="accent1"/>
+    </dgm:fillClrLst>
+    <dgm:linClrLst meth="repeat">
+      <a:schemeClr val="accent1"/>
+    </dgm:linClrLst>
+    <dgm:effectClrLst/>
+    <dgm:txLinClrLst/>
+    <dgm:txFillClrLst meth="repeat">
+      <a:schemeClr val="lt1"/>
+    </dgm:txFillClrLst>
+    <dgm:txEffectClrLst/>
+  </dgm:styleLbl>
+  <dgm:styleLbl name="parChTrans2D4">
+    <dgm:fillClrLst meth="repeat">
+      <a:schemeClr val="accent1"/>
+    </dgm:fillClrLst>
+    <dgm:linClrLst meth="repeat">
+      <a:schemeClr val="accent1"/>
+    </dgm:linClrLst>
+    <dgm:effectClrLst/>
+    <dgm:txLinClrLst/>
+    <dgm:txFillClrLst meth="repeat">
+      <a:schemeClr val="lt1"/>
+    </dgm:txFillClrLst>
+    <dgm:txEffectClrLst/>
+  </dgm:styleLbl>
+  <dgm:styleLbl name="parChTrans1D1">
+    <dgm:fillClrLst meth="repeat">
+      <a:schemeClr val="accent1"/>
+    </dgm:fillClrLst>
+    <dgm:linClrLst meth="repeat">
+      <a:schemeClr val="accent1">
+        <a:shade val="60000"/>
+      </a:schemeClr>
+    </dgm:linClrLst>
+    <dgm:effectClrLst/>
+    <dgm:txLinClrLst/>
+    <dgm:txFillClrLst meth="repeat">
+      <a:schemeClr val="tx1"/>
+    </dgm:txFillClrLst>
+    <dgm:txEffectClrLst/>
+  </dgm:styleLbl>
+  <dgm:styleLbl name="parChTrans1D2">
+    <dgm:fillClrLst meth="repeat">
+      <a:schemeClr val="accent1"/>
+    </dgm:fillClrLst>
+    <dgm:linClrLst meth="repeat">
+      <a:schemeClr val="accent1">
+        <a:shade val="60000"/>
+      </a:schemeClr>
+    </dgm:linClrLst>
+    <dgm:effectClrLst/>
+    <dgm:txLinClrLst/>
+    <dgm:txFillClrLst meth="repeat">
+      <a:schemeClr val="tx1"/>
+    </dgm:txFillClrLst>
+    <dgm:txEffectClrLst/>
+  </dgm:styleLbl>
+  <dgm:styleLbl name="parChTrans1D3">
+    <dgm:fillClrLst meth="repeat">
+      <a:schemeClr val="accent1"/>
+    </dgm:fillClrLst>
+    <dgm:linClrLst meth="repeat">
+      <a:schemeClr val="accent1">
+        <a:shade val="80000"/>
+      </a:schemeClr>
+    </dgm:linClrLst>
+    <dgm:effectClrLst/>
+    <dgm:txLinClrLst/>
+    <dgm:txFillClrLst meth="repeat">
+      <a:schemeClr val="tx1"/>
+    </dgm:txFillClrLst>
+    <dgm:txEffectClrLst/>
+  </dgm:styleLbl>
+  <dgm:styleLbl name="parChTrans1D4">
+    <dgm:fillClrLst meth="repeat">
+      <a:schemeClr val="accent1"/>
+    </dgm:fillClrLst>
+    <dgm:linClrLst meth="repeat">
+      <a:schemeClr val="accent1">
+        <a:shade val="80000"/>
+      </a:schemeClr>
+    </dgm:linClrLst>
+    <dgm:effectClrLst/>
+    <dgm:txLinClrLst/>
+    <dgm:txFillClrLst meth="repeat">
+      <a:schemeClr val="tx1"/>
+    </dgm:txFillClrLst>
+    <dgm:txEffectClrLst/>
+  </dgm:styleLbl>
+  <dgm:styleLbl name="fgAcc1">
+    <dgm:fillClrLst meth="repeat">
+      <a:schemeClr val="lt1">
+        <a:alpha val="90000"/>
+      </a:schemeClr>
+    </dgm:fillClrLst>
+    <dgm:linClrLst meth="repeat">
+      <a:schemeClr val="accent1"/>
+    </dgm:linClrLst>
+    <dgm:effectClrLst/>
+    <dgm:txLinClrLst/>
+    <dgm:txFillClrLst meth="repeat">
+      <a:schemeClr val="dk1"/>
+    </dgm:txFillClrLst>
+    <dgm:txEffectClrLst/>
+  </dgm:styleLbl>
+  <dgm:styleLbl name="conFgAcc1">
+    <dgm:fillClrLst meth="repeat">
+      <a:schemeClr val="lt1">
+        <a:alpha val="90000"/>
+      </a:schemeClr>
+    </dgm:fillClrLst>
+    <dgm:linClrLst meth="repeat">
+      <a:schemeClr val="accent1"/>
+    </dgm:linClrLst>
+    <dgm:effectClrLst/>
+    <dgm:txLinClrLst/>
+    <dgm:txFillClrLst meth="repeat">
+      <a:schemeClr val="dk1"/>
+    </dgm:txFillClrLst>
+    <dgm:txEffectClrLst/>
+  </dgm:styleLbl>
+  <dgm:styleLbl name="alignAcc1">
+    <dgm:fillClrLst meth="repeat">
+      <a:schemeClr val="lt1">
+        <a:alpha val="90000"/>
+      </a:schemeClr>
+    </dgm:fillClrLst>
+    <dgm:linClrLst meth="repeat">
+      <a:schemeClr val="accent1"/>
+    </dgm:linClrLst>
+    <dgm:effectClrLst/>
+    <dgm:txLinClrLst/>
+    <dgm:txFillClrLst meth="repeat">
+      <a:schemeClr val="dk1"/>
+    </dgm:txFillClrLst>
+    <dgm:txEffectClrLst/>
+  </dgm:styleLbl>
+  <dgm:styleLbl name="trAlignAcc1">
+    <dgm:fillClrLst meth="repeat">
+      <a:schemeClr val="lt1">
+        <a:alpha val="40000"/>
+      </a:schemeClr>
+    </dgm:fillClrLst>
+    <dgm:linClrLst meth="repeat">
+      <a:schemeClr val="accent1"/>
+    </dgm:linClrLst>
+    <dgm:effectClrLst/>
+    <dgm:txLinClrLst/>
+    <dgm:txFillClrLst meth="repeat">
+      <a:schemeClr val="dk1"/>
+    </dgm:txFillClrLst>
+    <dgm:txEffectClrLst/>
+  </dgm:styleLbl>
+  <dgm:styleLbl name="bgAcc1">
+    <dgm:fillClrLst meth="repeat">
+      <a:schemeClr val="lt1">
+        <a:alpha val="90000"/>
+      </a:schemeClr>
+    </dgm:fillClrLst>
+    <dgm:linClrLst meth="repeat">
+      <a:schemeClr val="accent1"/>
+    </dgm:linClrLst>
+    <dgm:effectClrLst/>
+    <dgm:txLinClrLst/>
+    <dgm:txFillClrLst meth="repeat">
+      <a:schemeClr val="dk1"/>
+    </dgm:txFillClrLst>
+    <dgm:txEffectClrLst/>
+  </dgm:styleLbl>
+  <dgm:styleLbl name="solidFgAcc1">
+    <dgm:fillClrLst meth="repeat">
+      <a:schemeClr val="lt1"/>
+    </dgm:fillClrLst>
+    <dgm:linClrLst meth="repeat">
+      <a:schemeClr val="accent1"/>
+    </dgm:linClrLst>
+    <dgm:effectClrLst/>
+    <dgm:txLinClrLst/>
+    <dgm:txFillClrLst meth="repeat">
+      <a:schemeClr val="dk1"/>
+    </dgm:txFillClrLst>
+    <dgm:txEffectClrLst/>
+  </dgm:styleLbl>
+  <dgm:styleLbl name="solidAlignAcc1">
+    <dgm:fillClrLst meth="repeat">
+      <a:schemeClr val="lt1"/>
+    </dgm:fillClrLst>
+    <dgm:linClrLst meth="repeat">
+      <a:schemeClr val="accent1"/>
+    </dgm:linClrLst>
+    <dgm:effectClrLst/>
+    <dgm:txLinClrLst/>
+    <dgm:txFillClrLst meth="repeat">
+      <a:schemeClr val="dk1"/>
+    </dgm:txFillClrLst>
+    <dgm:txEffectClrLst/>
+  </dgm:styleLbl>
+  <dgm:styleLbl name="solidBgAcc1">
+    <dgm:fillClrLst meth="repeat">
+      <a:schemeClr val="lt1"/>
+    </dgm:fillClrLst>
+    <dgm:linClrLst meth="repeat">
+      <a:schemeClr val="accent1"/>
+    </dgm:linClrLst>
+    <dgm:effectClrLst/>
+    <dgm:txLinClrLst/>
+    <dgm:txFillClrLst meth="repeat">
+      <a:schemeClr val="dk1"/>
+    </dgm:txFillClrLst>
+    <dgm:txEffectClrLst/>
+  </dgm:styleLbl>
+  <dgm:styleLbl name="fgAccFollowNode1">
+    <dgm:fillClrLst meth="repeat">
+      <a:schemeClr val="accent1">
+        <a:alpha val="90000"/>
+        <a:tint val="40000"/>
+      </a:schemeClr>
+    </dgm:fillClrLst>
+    <dgm:linClrLst meth="repeat">
+      <a:schemeClr val="accent1">
+        <a:alpha val="90000"/>
+        <a:tint val="40000"/>
+      </a:schemeClr>
+    </dgm:linClrLst>
+    <dgm:effectClrLst/>
+    <dgm:txLinClrLst/>
+    <dgm:txFillClrLst meth="repeat">
+      <a:schemeClr val="dk1"/>
+    </dgm:txFillClrLst>
+    <dgm:txEffectClrLst/>
+  </dgm:styleLbl>
+  <dgm:styleLbl name="alignAccFollowNode1">
+    <dgm:fillClrLst meth="repeat">
+      <a:schemeClr val="accent1">
+        <a:alpha val="90000"/>
+        <a:tint val="40000"/>
+      </a:schemeClr>
+    </dgm:fillClrLst>
+    <dgm:linClrLst meth="repeat">
+      <a:schemeClr val="accent1">
+        <a:alpha val="90000"/>
+        <a:tint val="40000"/>
+      </a:schemeClr>
+    </dgm:linClrLst>
+    <dgm:effectClrLst/>
+    <dgm:txLinClrLst/>
+    <dgm:txFillClrLst meth="repeat">
+      <a:schemeClr val="dk1"/>
+    </dgm:txFillClrLst>
+    <dgm:txEffectClrLst/>
+  </dgm:styleLbl>
+  <dgm:styleLbl name="bgAccFollowNode1">
+    <dgm:fillClrLst meth="repeat">
+      <a:schemeClr val="accent1">
+        <a:alpha val="90000"/>
+        <a:tint val="40000"/>
+      </a:schemeClr>
+    </dgm:fillClrLst>
+    <dgm:linClrLst meth="repeat">
+      <a:schemeClr val="accent1">
+        <a:alpha val="90000"/>
+        <a:tint val="40000"/>
+      </a:schemeClr>
+    </dgm:linClrLst>
+    <dgm:effectClrLst/>
+    <dgm:txLinClrLst/>
+    <dgm:txFillClrLst meth="repeat">
+      <a:schemeClr val="dk1"/>
+    </dgm:txFillClrLst>
+    <dgm:txEffectClrLst/>
+  </dgm:styleLbl>
+  <dgm:styleLbl name="fgAcc0">
+    <dgm:fillClrLst meth="repeat">
+      <a:schemeClr val="lt1">
+        <a:alpha val="90000"/>
+      </a:schemeClr>
+    </dgm:fillClrLst>
+    <dgm:linClrLst meth="repeat">
+      <a:schemeClr val="accent1"/>
+    </dgm:linClrLst>
+    <dgm:effectClrLst/>
+    <dgm:txLinClrLst/>
+    <dgm:txFillClrLst meth="repeat">
+      <a:schemeClr val="dk1"/>
+    </dgm:txFillClrLst>
+    <dgm:txEffectClrLst/>
+  </dgm:styleLbl>
+  <dgm:styleLbl name="fgAcc2">
+    <dgm:fillClrLst meth="repeat">
+      <a:schemeClr val="lt1">
+        <a:alpha val="90000"/>
+      </a:schemeClr>
+    </dgm:fillClrLst>
+    <dgm:linClrLst meth="repeat">
+      <a:schemeClr val="accent1"/>
+    </dgm:linClrLst>
+    <dgm:effectClrLst/>
+    <dgm:txLinClrLst/>
+    <dgm:txFillClrLst meth="repeat">
+      <a:schemeClr val="dk1"/>
+    </dgm:txFillClrLst>
+    <dgm:txEffectClrLst/>
+  </dgm:styleLbl>
+  <dgm:styleLbl name="fgAcc3">
+    <dgm:fillClrLst meth="repeat">
+      <a:schemeClr val="lt1">
+        <a:alpha val="90000"/>
+      </a:schemeClr>
+    </dgm:fillClrLst>
+    <dgm:linClrLst meth="repeat">
+      <a:schemeClr val="accent1"/>
+    </dgm:linClrLst>
+    <dgm:effectClrLst/>
+    <dgm:txLinClrLst/>
+    <dgm:txFillClrLst meth="repeat">
+      <a:schemeClr val="dk1"/>
+    </dgm:txFillClrLst>
+    <dgm:txEffectClrLst/>
+  </dgm:styleLbl>
+  <dgm:styleLbl name="fgAcc4">
+    <dgm:fillClrLst meth="repeat">
+      <a:schemeClr val="lt1">
+        <a:alpha val="90000"/>
+      </a:schemeClr>
+    </dgm:fillClrLst>
+    <dgm:linClrLst meth="repeat">
+      <a:schemeClr val="accent1"/>
+    </dgm:linClrLst>
+    <dgm:effectClrLst/>
+    <dgm:txLinClrLst/>
+    <dgm:txFillClrLst meth="repeat">
+      <a:schemeClr val="dk1"/>
+    </dgm:txFillClrLst>
+    <dgm:txEffectClrLst/>
+  </dgm:styleLbl>
+  <dgm:styleLbl name="bgShp">
+    <dgm:fillClrLst meth="repeat">
+      <a:schemeClr val="accent1">
+        <a:tint val="40000"/>
+      </a:schemeClr>
+    </dgm:fillClrLst>
+    <dgm:linClrLst meth="repeat">
+      <a:schemeClr val="accent1"/>
+    </dgm:linClrLst>
+    <dgm:effectClrLst/>
+    <dgm:txLinClrLst/>
+    <dgm:txFillClrLst meth="repeat">
+      <a:schemeClr val="dk1"/>
+    </dgm:txFillClrLst>
+    <dgm:txEffectClrLst/>
+  </dgm:styleLbl>
+  <dgm:styleLbl name="dkBgShp">
+    <dgm:fillClrLst meth="repeat">
+      <a:schemeClr val="accent1">
+        <a:shade val="80000"/>
+      </a:schemeClr>
+    </dgm:fillClrLst>
+    <dgm:linClrLst meth="repeat">
+      <a:schemeClr val="accent1"/>
+    </dgm:linClrLst>
+    <dgm:effectClrLst/>
+    <dgm:txLinClrLst/>
+    <dgm:txFillClrLst meth="repeat">
+      <a:schemeClr val="lt1"/>
+    </dgm:txFillClrLst>
+    <dgm:txEffectClrLst/>
+  </dgm:styleLbl>
+  <dgm:styleLbl name="trBgShp">
+    <dgm:fillClrLst meth="repeat">
+      <a:schemeClr val="accent1">
+        <a:tint val="50000"/>
+        <a:alpha val="40000"/>
+      </a:schemeClr>
+    </dgm:fillClrLst>
+    <dgm:linClrLst meth="repeat">
+      <a:schemeClr val="accent1"/>
+    </dgm:linClrLst>
+    <dgm:effectClrLst/>
+    <dgm:txLinClrLst/>
+    <dgm:txFillClrLst meth="repeat">
+      <a:schemeClr val="lt1"/>
+    </dgm:txFillClrLst>
+    <dgm:txEffectClrLst/>
+  </dgm:styleLbl>
+  <dgm:styleLbl name="fgShp">
+    <dgm:fillClrLst meth="repeat">
+      <a:schemeClr val="accent1">
+        <a:tint val="60000"/>
+      </a:schemeClr>
+    </dgm:fillClrLst>
+    <dgm:linClrLst meth="repeat">
+      <a:schemeClr val="lt1"/>
+    </dgm:linClrLst>
+    <dgm:effectClrLst/>
+    <dgm:txLinClrLst/>
+    <dgm:txFillClrLst meth="repeat">
+      <a:schemeClr val="dk1"/>
+    </dgm:txFillClrLst>
+    <dgm:txEffectClrLst/>
+  </dgm:styleLbl>
+  <dgm:styleLbl name="revTx">
+    <dgm:fillClrLst meth="repeat">
+      <a:schemeClr val="lt1">
+        <a:alpha val="0"/>
+      </a:schemeClr>
+    </dgm:fillClrLst>
+    <dgm:linClrLst meth="repeat">
+      <a:schemeClr val="dk1">
+        <a:alpha val="0"/>
+      </a:schemeClr>
+    </dgm:linClrLst>
+    <dgm:effectClrLst/>
+    <dgm:txLinClrLst/>
+    <dgm:txFillClrLst meth="repeat">
+      <a:schemeClr val="tx1"/>
+    </dgm:txFillClrLst>
+    <dgm:txEffectClrLst/>
+  </dgm:styleLbl>
+</dgm:colorsDef>
+</file>
+
 <file path=ppt/diagrams/data1.xml><?xml version="1.0" encoding="utf-8"?>
 <dgm:dataModel xmlns:dgm="http://schemas.openxmlformats.org/drawingml/2006/diagram" xmlns:a="http://schemas.openxmlformats.org/drawingml/2006/main">
   <dgm:ptLst>
@@ -7178,6 +7926,1321 @@
         </dgm:presLayoutVars>
       </dgm:prSet>
       <dgm:spPr/>
+    </dgm:pt>
+    <dgm:pt modelId="{6B27DFF3-3021-4E99-BF73-829A6255425D}" type="pres">
+      <dgm:prSet presAssocID="{E8807DF0-38BE-4236-AFC9-03DFA18007AA}" presName="Name13" presStyleLbl="parChTrans1D2" presStyleIdx="11" presStyleCnt="12"/>
+      <dgm:spPr/>
+    </dgm:pt>
+    <dgm:pt modelId="{88C17E61-7A2A-46D7-AC95-5E562286A33E}" type="pres">
+      <dgm:prSet presAssocID="{23FBFCAF-D268-4C4D-8359-092F33A19BD5}" presName="childText" presStyleLbl="bgAcc1" presStyleIdx="11" presStyleCnt="12">
+        <dgm:presLayoutVars>
+          <dgm:bulletEnabled val="1"/>
+        </dgm:presLayoutVars>
+      </dgm:prSet>
+      <dgm:spPr/>
+    </dgm:pt>
+  </dgm:ptLst>
+  <dgm:cxnLst>
+    <dgm:cxn modelId="{8187AE0B-B3A3-40AB-B6B3-9AB6FE520D3B}" type="presOf" srcId="{A91F764C-9950-4FF3-8710-2C57AEF81796}" destId="{9C05BE7E-FC1F-4CC6-8FAB-3504F91E9A3A}" srcOrd="0" destOrd="0" presId="urn:microsoft.com/office/officeart/2005/8/layout/hierarchy3"/>
+    <dgm:cxn modelId="{F8F3D917-317B-4A80-B606-277A7F6170C2}" srcId="{9AAB3432-E203-4861-9A1F-5A18DE81A0E0}" destId="{F221EA58-7488-4550-B7A5-965344CA7EAE}" srcOrd="1" destOrd="0" parTransId="{03056A9D-BCBF-4181-B8D6-7E4ECCBD4D9E}" sibTransId="{50012D0E-39A9-4FB4-832D-C4D74BE598A6}"/>
+    <dgm:cxn modelId="{B7B8BE25-1D3D-41C1-B2BB-252CA3FFFABF}" srcId="{5D17C516-2319-40FE-8748-E184C6D71444}" destId="{C217CF6C-69F6-4F1F-BFEF-F03F51825445}" srcOrd="0" destOrd="0" parTransId="{109F41A6-1D40-4F81-903A-8B0CB1E442DB}" sibTransId="{727D2815-3763-49AC-8FA5-B78975C6E255}"/>
+    <dgm:cxn modelId="{918F4E28-6C57-4EFF-80BA-F57AC436CDC9}" type="presOf" srcId="{08AACE21-5FAD-4460-B120-67387C8F0F32}" destId="{F5AE7053-0C33-481C-8BFB-D2DAFB4C4294}" srcOrd="0" destOrd="0" presId="urn:microsoft.com/office/officeart/2005/8/layout/hierarchy3"/>
+    <dgm:cxn modelId="{3DCA932B-DD59-4E44-8F2F-3D98BB8F8AC4}" srcId="{5D17C516-2319-40FE-8748-E184C6D71444}" destId="{4AE15C73-ECD7-496F-83BE-B4EE8FC55318}" srcOrd="1" destOrd="0" parTransId="{A91F764C-9950-4FF3-8710-2C57AEF81796}" sibTransId="{93DA2331-A667-4B3B-B63B-21162F6F4800}"/>
+    <dgm:cxn modelId="{052CFA2E-CA41-4AC1-AB22-4D2537CA2312}" type="presOf" srcId="{21C8EE31-AEBF-47B2-ADDE-34FDFA6BF6DC}" destId="{375B2884-C079-4ABC-AF46-CC7B31EF2123}" srcOrd="0" destOrd="0" presId="urn:microsoft.com/office/officeart/2005/8/layout/hierarchy3"/>
+    <dgm:cxn modelId="{C679C12F-0D37-4771-853C-9B6A72F3F8AB}" srcId="{5D17C516-2319-40FE-8748-E184C6D71444}" destId="{23FBFCAF-D268-4C4D-8359-092F33A19BD5}" srcOrd="3" destOrd="0" parTransId="{E8807DF0-38BE-4236-AFC9-03DFA18007AA}" sibTransId="{49424D88-7251-4F7F-9D61-B03F29AB2536}"/>
+    <dgm:cxn modelId="{372E1130-8A4A-4006-A020-34030B0410C9}" srcId="{ED0B78BF-E006-4732-B48C-2ADC9E2EF39A}" destId="{A7945ECA-2D01-4C03-9AED-9E3EEAAF0F2C}" srcOrd="1" destOrd="0" parTransId="{D39C6496-6307-4FC4-9D55-DB6DA94D051F}" sibTransId="{4FF7D82F-ECB8-4560-8324-4D22393C300C}"/>
+    <dgm:cxn modelId="{7156E032-39F7-4DCF-A095-E4906170ABD1}" type="presOf" srcId="{C217CF6C-69F6-4F1F-BFEF-F03F51825445}" destId="{EDB6085A-8F2B-4B84-887D-9DD4BEC6E4E1}" srcOrd="0" destOrd="0" presId="urn:microsoft.com/office/officeart/2005/8/layout/hierarchy3"/>
+    <dgm:cxn modelId="{77C2803F-5DCB-40EC-8837-BEA44757C328}" type="presOf" srcId="{B1CEE35E-20B6-4A0B-B1E8-D4F40E3162E1}" destId="{C5878689-67F2-4E3D-8C9B-392F50C32024}" srcOrd="0" destOrd="0" presId="urn:microsoft.com/office/officeart/2005/8/layout/hierarchy3"/>
+    <dgm:cxn modelId="{3C31933F-6B34-49D4-B2D3-FA6BA454BF0B}" type="presOf" srcId="{3C02419B-DA6A-4FDB-972F-4F8DC3AD08E3}" destId="{5A2BB121-DDEE-46A8-AC09-18496F773E62}" srcOrd="0" destOrd="0" presId="urn:microsoft.com/office/officeart/2005/8/layout/hierarchy3"/>
+    <dgm:cxn modelId="{91710C5C-CFE2-4A9F-AAD2-9CA95718FBE0}" type="presOf" srcId="{08DF2FDD-3A60-4E03-8D9E-10C265EC9121}" destId="{35FE4D4C-3CA0-4CCA-8F9D-1668C574961B}" srcOrd="0" destOrd="0" presId="urn:microsoft.com/office/officeart/2005/8/layout/hierarchy3"/>
+    <dgm:cxn modelId="{C906736A-EECE-4919-9DAA-28FE9DCB5675}" type="presOf" srcId="{5D17C516-2319-40FE-8748-E184C6D71444}" destId="{3DB7ADFA-DCAB-4034-9F43-B860EBE864E8}" srcOrd="0" destOrd="0" presId="urn:microsoft.com/office/officeart/2005/8/layout/hierarchy3"/>
+    <dgm:cxn modelId="{658D4F50-D710-4AB9-8265-F6A1451ABDAD}" type="presOf" srcId="{E8807DF0-38BE-4236-AFC9-03DFA18007AA}" destId="{6B27DFF3-3021-4E99-BF73-829A6255425D}" srcOrd="0" destOrd="0" presId="urn:microsoft.com/office/officeart/2005/8/layout/hierarchy3"/>
+    <dgm:cxn modelId="{1A587271-F11A-4E3E-97F5-0C80881E7856}" type="presOf" srcId="{4B64BF35-F3DD-46FA-A74B-C8F1391BB234}" destId="{FF100697-267A-4BC5-8DA9-B1F7321DFE84}" srcOrd="0" destOrd="0" presId="urn:microsoft.com/office/officeart/2005/8/layout/hierarchy3"/>
+    <dgm:cxn modelId="{C6045752-28A9-4F08-8DE2-ADC62AB18265}" type="presOf" srcId="{109F41A6-1D40-4F81-903A-8B0CB1E442DB}" destId="{278D3975-9588-4A95-85BD-D062BB0AE1A4}" srcOrd="0" destOrd="0" presId="urn:microsoft.com/office/officeart/2005/8/layout/hierarchy3"/>
+    <dgm:cxn modelId="{A598A554-6FB3-42AA-BB2F-C4DBF408EC24}" type="presOf" srcId="{A7945ECA-2D01-4C03-9AED-9E3EEAAF0F2C}" destId="{9C3E65C4-9266-43CB-B08F-79811ABF047A}" srcOrd="0" destOrd="0" presId="urn:microsoft.com/office/officeart/2005/8/layout/hierarchy3"/>
+    <dgm:cxn modelId="{47968857-87E3-481A-908A-A468E51372C1}" srcId="{9AAB3432-E203-4861-9A1F-5A18DE81A0E0}" destId="{B1CEE35E-20B6-4A0B-B1E8-D4F40E3162E1}" srcOrd="2" destOrd="0" parTransId="{08AACE21-5FAD-4460-B120-67387C8F0F32}" sibTransId="{4A08DEA0-C75B-4713-B280-420C60C372D9}"/>
+    <dgm:cxn modelId="{D13A0A81-2F90-4729-9692-4738A4C663A1}" type="presOf" srcId="{4AE15C73-ECD7-496F-83BE-B4EE8FC55318}" destId="{DA978C10-45FD-4D26-8760-9D8C9CF54865}" srcOrd="0" destOrd="0" presId="urn:microsoft.com/office/officeart/2005/8/layout/hierarchy3"/>
+    <dgm:cxn modelId="{A3550B88-A4A2-4C55-8EEF-D8696D63FDCA}" type="presOf" srcId="{23FBFCAF-D268-4C4D-8359-092F33A19BD5}" destId="{88C17E61-7A2A-46D7-AC95-5E562286A33E}" srcOrd="0" destOrd="0" presId="urn:microsoft.com/office/officeart/2005/8/layout/hierarchy3"/>
+    <dgm:cxn modelId="{22964D88-0DC4-4B3C-A8CE-48EA0783D709}" type="presOf" srcId="{9AAB3432-E203-4861-9A1F-5A18DE81A0E0}" destId="{D5FEF17D-A657-4E90-83A6-FFBD9375BEE2}" srcOrd="1" destOrd="0" presId="urn:microsoft.com/office/officeart/2005/8/layout/hierarchy3"/>
+    <dgm:cxn modelId="{9662958D-3400-409A-ADC7-BEB605777B1F}" srcId="{ED0B78BF-E006-4732-B48C-2ADC9E2EF39A}" destId="{1CBBDDB5-026A-42BF-8805-ACAC57AA5DC3}" srcOrd="0" destOrd="0" parTransId="{1EC30C20-D36E-4265-85EE-C210CE02F892}" sibTransId="{D37EB34B-12D7-42C6-A433-F33F271349CA}"/>
+    <dgm:cxn modelId="{94F0CB90-DE88-47E8-9D0B-FD6D9A03A22C}" type="presOf" srcId="{1EC30C20-D36E-4265-85EE-C210CE02F892}" destId="{2564A6E5-875B-4BC6-B983-AA12C064A019}" srcOrd="0" destOrd="0" presId="urn:microsoft.com/office/officeart/2005/8/layout/hierarchy3"/>
+    <dgm:cxn modelId="{D1FEA694-B081-4B51-851E-3914507C3230}" type="presOf" srcId="{FD74BA91-6D78-44B3-BF01-4D49723F4718}" destId="{16CFAB30-3E6A-44D7-A45D-E3066E142053}" srcOrd="0" destOrd="0" presId="urn:microsoft.com/office/officeart/2005/8/layout/hierarchy3"/>
+    <dgm:cxn modelId="{FAC6949B-B633-43AF-9BCB-483138B18D3F}" type="presOf" srcId="{FA010E1E-46BF-40DE-B386-14C19C329E38}" destId="{0ECF28DA-9925-4B5B-97B1-BDA459502114}" srcOrd="0" destOrd="0" presId="urn:microsoft.com/office/officeart/2005/8/layout/hierarchy3"/>
+    <dgm:cxn modelId="{8B495D9D-5B75-4B97-8FE7-54F24CED5860}" type="presOf" srcId="{1CBBDDB5-026A-42BF-8805-ACAC57AA5DC3}" destId="{3B0CF9DF-CC55-47FF-BECE-903E70F9D2DE}" srcOrd="0" destOrd="0" presId="urn:microsoft.com/office/officeart/2005/8/layout/hierarchy3"/>
+    <dgm:cxn modelId="{F9A2BA9E-B30D-4948-A3E9-A634F6BE47FD}" srcId="{D4ADF4FB-6626-4BAA-8170-1AB86830E7EB}" destId="{5D17C516-2319-40FE-8748-E184C6D71444}" srcOrd="2" destOrd="0" parTransId="{EA441DC7-A30D-47EC-A5C8-C50834D06E30}" sibTransId="{636B54D7-340F-4600-82E5-F2E670443C91}"/>
+    <dgm:cxn modelId="{B2581BA3-7711-4B4F-895A-5C4A1A23D07A}" srcId="{ED0B78BF-E006-4732-B48C-2ADC9E2EF39A}" destId="{3C02419B-DA6A-4FDB-972F-4F8DC3AD08E3}" srcOrd="4" destOrd="0" parTransId="{FA010E1E-46BF-40DE-B386-14C19C329E38}" sibTransId="{ABE6B4B2-8044-42FC-8EBA-A2B2927B372D}"/>
+    <dgm:cxn modelId="{17D275A3-9BBB-4EF7-8582-F13F0E98BB5D}" type="presOf" srcId="{ED0B78BF-E006-4732-B48C-2ADC9E2EF39A}" destId="{F1C18E15-3E91-476D-8B13-25AD56BC4B13}" srcOrd="0" destOrd="0" presId="urn:microsoft.com/office/officeart/2005/8/layout/hierarchy3"/>
+    <dgm:cxn modelId="{29461AA4-85D3-4C91-9D68-226BD6D7500F}" type="presOf" srcId="{DDB8B436-9528-434E-BD0F-6EB4D2ACB929}" destId="{7E3D7089-292B-46E8-B4F0-ADC3733C52BD}" srcOrd="0" destOrd="0" presId="urn:microsoft.com/office/officeart/2005/8/layout/hierarchy3"/>
+    <dgm:cxn modelId="{6F0A8CA4-3728-4E60-8471-7CAB7A834900}" type="presOf" srcId="{F221EA58-7488-4550-B7A5-965344CA7EAE}" destId="{CF0B1CD2-0FC3-49A4-A520-B01A6C3CCB95}" srcOrd="0" destOrd="0" presId="urn:microsoft.com/office/officeart/2005/8/layout/hierarchy3"/>
+    <dgm:cxn modelId="{57CCC0A4-E34E-4C62-A9CF-DD81EEE3866B}" type="presOf" srcId="{ED0B78BF-E006-4732-B48C-2ADC9E2EF39A}" destId="{8FA2ECE2-9D66-4FD1-89DE-3231691A8283}" srcOrd="1" destOrd="0" presId="urn:microsoft.com/office/officeart/2005/8/layout/hierarchy3"/>
+    <dgm:cxn modelId="{B9BF7AAF-65F6-4C3F-A447-D4308C54C183}" type="presOf" srcId="{03056A9D-BCBF-4181-B8D6-7E4ECCBD4D9E}" destId="{BC1B1EA4-129C-44F6-935B-BA646A7A2AA3}" srcOrd="0" destOrd="0" presId="urn:microsoft.com/office/officeart/2005/8/layout/hierarchy3"/>
+    <dgm:cxn modelId="{9A9D42B1-F32F-4577-8983-B9A3F16912EF}" type="presOf" srcId="{5D17C516-2319-40FE-8748-E184C6D71444}" destId="{A1EB1FFF-29EC-48BF-990F-29DA82114C59}" srcOrd="1" destOrd="0" presId="urn:microsoft.com/office/officeart/2005/8/layout/hierarchy3"/>
+    <dgm:cxn modelId="{89C78CB1-6741-4CF3-94C6-75218CA722F2}" type="presOf" srcId="{9E647244-45B2-496C-B687-01576FEABEC4}" destId="{360B229B-0F55-45E5-A55A-DDDBDBD1C921}" srcOrd="0" destOrd="0" presId="urn:microsoft.com/office/officeart/2005/8/layout/hierarchy3"/>
+    <dgm:cxn modelId="{A1A3BCB4-83BF-4A79-B53F-5F8A606BDE54}" srcId="{D4ADF4FB-6626-4BAA-8170-1AB86830E7EB}" destId="{ED0B78BF-E006-4732-B48C-2ADC9E2EF39A}" srcOrd="1" destOrd="0" parTransId="{28816F29-4038-473E-B49B-94074EA0A51E}" sibTransId="{23CFA8B8-2A05-4928-AEB3-72448E3A79E3}"/>
+    <dgm:cxn modelId="{05A31FBA-4386-4C52-B511-34CACCBA2A2F}" type="presOf" srcId="{D6553791-8532-4952-AC46-957A80E6F455}" destId="{291D5A65-BA4D-4BF4-8D0F-050F9D81FBB6}" srcOrd="0" destOrd="0" presId="urn:microsoft.com/office/officeart/2005/8/layout/hierarchy3"/>
+    <dgm:cxn modelId="{D3B30ABB-789A-496A-BE80-A66E542511F0}" type="presOf" srcId="{B0B0FACC-C24A-4552-82AB-C8FE8246DEF8}" destId="{5F9726AA-E8AD-4C5C-A0CA-2350C4F8CAFA}" srcOrd="0" destOrd="0" presId="urn:microsoft.com/office/officeart/2005/8/layout/hierarchy3"/>
+    <dgm:cxn modelId="{F5F6D4BB-2DFC-4FC1-ABCD-FF03786BFFE0}" srcId="{D4ADF4FB-6626-4BAA-8170-1AB86830E7EB}" destId="{9AAB3432-E203-4861-9A1F-5A18DE81A0E0}" srcOrd="0" destOrd="0" parTransId="{A67FC2F0-CFC7-4D0E-AB12-FC8B412EC38C}" sibTransId="{6A4E30F2-4DB5-4E70-B35C-3B1843570C40}"/>
+    <dgm:cxn modelId="{CF5086CE-64BD-4DFC-A4A2-5A3B8EB678D2}" type="presOf" srcId="{D39C6496-6307-4FC4-9D55-DB6DA94D051F}" destId="{7DFA9A08-1F84-4CF2-9E63-7F6E7C219F76}" srcOrd="0" destOrd="0" presId="urn:microsoft.com/office/officeart/2005/8/layout/hierarchy3"/>
+    <dgm:cxn modelId="{E630B7D1-EF42-4E29-A586-EDEEAFD22353}" srcId="{5D17C516-2319-40FE-8748-E184C6D71444}" destId="{D6553791-8532-4952-AC46-957A80E6F455}" srcOrd="2" destOrd="0" parTransId="{4B64BF35-F3DD-46FA-A74B-C8F1391BB234}" sibTransId="{C19A1F15-CCAA-4226-B7DD-F2CD4049A9B3}"/>
+    <dgm:cxn modelId="{B80BDAD5-1DB9-4ED8-AD7A-F59F92E4D26B}" type="presOf" srcId="{D4ADF4FB-6626-4BAA-8170-1AB86830E7EB}" destId="{5EAC0F1C-8135-499C-A050-8951C4D4D68B}" srcOrd="0" destOrd="0" presId="urn:microsoft.com/office/officeart/2005/8/layout/hierarchy3"/>
+    <dgm:cxn modelId="{05392EDD-3032-43C3-BA79-A1347D6D727C}" srcId="{9AAB3432-E203-4861-9A1F-5A18DE81A0E0}" destId="{DDB8B436-9528-434E-BD0F-6EB4D2ACB929}" srcOrd="0" destOrd="0" parTransId="{9E647244-45B2-496C-B687-01576FEABEC4}" sibTransId="{EE60868F-7BA4-434D-84FC-89FFDDF05FC3}"/>
+    <dgm:cxn modelId="{62C2F0F4-284D-4D02-8F32-BB76663AFA1F}" srcId="{ED0B78BF-E006-4732-B48C-2ADC9E2EF39A}" destId="{21C8EE31-AEBF-47B2-ADDE-34FDFA6BF6DC}" srcOrd="2" destOrd="0" parTransId="{08DF2FDD-3A60-4E03-8D9E-10C265EC9121}" sibTransId="{FFC06923-B3D1-4430-8195-28C90DC2D93A}"/>
+    <dgm:cxn modelId="{13013BF6-3A96-443E-9540-BE81022B503E}" type="presOf" srcId="{9AAB3432-E203-4861-9A1F-5A18DE81A0E0}" destId="{D42C5353-2F91-4910-9E62-259C884C47C8}" srcOrd="0" destOrd="0" presId="urn:microsoft.com/office/officeart/2005/8/layout/hierarchy3"/>
+    <dgm:cxn modelId="{FCD83CF7-A1CD-455F-A466-CFFA01A2A6C9}" srcId="{ED0B78BF-E006-4732-B48C-2ADC9E2EF39A}" destId="{B0B0FACC-C24A-4552-82AB-C8FE8246DEF8}" srcOrd="3" destOrd="0" parTransId="{FD74BA91-6D78-44B3-BF01-4D49723F4718}" sibTransId="{E6264341-6F1C-4A60-9081-A5335333D714}"/>
+    <dgm:cxn modelId="{D1AD12C1-70FD-4640-8165-4E8A414F3C3C}" type="presParOf" srcId="{5EAC0F1C-8135-499C-A050-8951C4D4D68B}" destId="{E9A360F5-905C-4B1F-87BD-8099DBD7826B}" srcOrd="0" destOrd="0" presId="urn:microsoft.com/office/officeart/2005/8/layout/hierarchy3"/>
+    <dgm:cxn modelId="{EA767C94-0C36-4B1E-B0CE-249521D515D9}" type="presParOf" srcId="{E9A360F5-905C-4B1F-87BD-8099DBD7826B}" destId="{770F0FD6-A664-4D0A-A016-FBEA3DBC5EF2}" srcOrd="0" destOrd="0" presId="urn:microsoft.com/office/officeart/2005/8/layout/hierarchy3"/>
+    <dgm:cxn modelId="{99E9EA2F-D216-4B5B-BB7F-3561383CB3E9}" type="presParOf" srcId="{770F0FD6-A664-4D0A-A016-FBEA3DBC5EF2}" destId="{D42C5353-2F91-4910-9E62-259C884C47C8}" srcOrd="0" destOrd="0" presId="urn:microsoft.com/office/officeart/2005/8/layout/hierarchy3"/>
+    <dgm:cxn modelId="{68651435-D41E-41DA-A714-AA24CA135D34}" type="presParOf" srcId="{770F0FD6-A664-4D0A-A016-FBEA3DBC5EF2}" destId="{D5FEF17D-A657-4E90-83A6-FFBD9375BEE2}" srcOrd="1" destOrd="0" presId="urn:microsoft.com/office/officeart/2005/8/layout/hierarchy3"/>
+    <dgm:cxn modelId="{4F96940D-AB8F-483B-8E33-09350038BE5F}" type="presParOf" srcId="{E9A360F5-905C-4B1F-87BD-8099DBD7826B}" destId="{ED254901-973D-4D91-AABF-EBA39BDAC603}" srcOrd="1" destOrd="0" presId="urn:microsoft.com/office/officeart/2005/8/layout/hierarchy3"/>
+    <dgm:cxn modelId="{EFCBF1C7-F098-4081-A971-DBD264293E1B}" type="presParOf" srcId="{ED254901-973D-4D91-AABF-EBA39BDAC603}" destId="{360B229B-0F55-45E5-A55A-DDDBDBD1C921}" srcOrd="0" destOrd="0" presId="urn:microsoft.com/office/officeart/2005/8/layout/hierarchy3"/>
+    <dgm:cxn modelId="{11514D88-7BDE-4B06-BABF-48FD2C185D66}" type="presParOf" srcId="{ED254901-973D-4D91-AABF-EBA39BDAC603}" destId="{7E3D7089-292B-46E8-B4F0-ADC3733C52BD}" srcOrd="1" destOrd="0" presId="urn:microsoft.com/office/officeart/2005/8/layout/hierarchy3"/>
+    <dgm:cxn modelId="{7065C4CB-4AB6-45D8-B5BA-CD814B7462FF}" type="presParOf" srcId="{ED254901-973D-4D91-AABF-EBA39BDAC603}" destId="{BC1B1EA4-129C-44F6-935B-BA646A7A2AA3}" srcOrd="2" destOrd="0" presId="urn:microsoft.com/office/officeart/2005/8/layout/hierarchy3"/>
+    <dgm:cxn modelId="{C3F9E7A4-75B1-4B7E-A1E5-4987D8B78D37}" type="presParOf" srcId="{ED254901-973D-4D91-AABF-EBA39BDAC603}" destId="{CF0B1CD2-0FC3-49A4-A520-B01A6C3CCB95}" srcOrd="3" destOrd="0" presId="urn:microsoft.com/office/officeart/2005/8/layout/hierarchy3"/>
+    <dgm:cxn modelId="{FB9B22F7-2413-495F-B229-6C18B49466FC}" type="presParOf" srcId="{ED254901-973D-4D91-AABF-EBA39BDAC603}" destId="{F5AE7053-0C33-481C-8BFB-D2DAFB4C4294}" srcOrd="4" destOrd="0" presId="urn:microsoft.com/office/officeart/2005/8/layout/hierarchy3"/>
+    <dgm:cxn modelId="{C16A5564-59F3-412A-B4EB-B65B63053508}" type="presParOf" srcId="{ED254901-973D-4D91-AABF-EBA39BDAC603}" destId="{C5878689-67F2-4E3D-8C9B-392F50C32024}" srcOrd="5" destOrd="0" presId="urn:microsoft.com/office/officeart/2005/8/layout/hierarchy3"/>
+    <dgm:cxn modelId="{09181F9B-E167-4B75-B6B6-F9E14D694D89}" type="presParOf" srcId="{5EAC0F1C-8135-499C-A050-8951C4D4D68B}" destId="{78204B86-F48E-424E-B9F0-F61E8700D86E}" srcOrd="1" destOrd="0" presId="urn:microsoft.com/office/officeart/2005/8/layout/hierarchy3"/>
+    <dgm:cxn modelId="{DBC2B5BC-DFDC-474C-A838-26BB04DE679E}" type="presParOf" srcId="{78204B86-F48E-424E-B9F0-F61E8700D86E}" destId="{612CABF1-DDE5-41D1-9036-25B4BE7589BE}" srcOrd="0" destOrd="0" presId="urn:microsoft.com/office/officeart/2005/8/layout/hierarchy3"/>
+    <dgm:cxn modelId="{28B003FA-10B3-4B59-9252-9741DA196AD4}" type="presParOf" srcId="{612CABF1-DDE5-41D1-9036-25B4BE7589BE}" destId="{F1C18E15-3E91-476D-8B13-25AD56BC4B13}" srcOrd="0" destOrd="0" presId="urn:microsoft.com/office/officeart/2005/8/layout/hierarchy3"/>
+    <dgm:cxn modelId="{3CDADAA2-FDA6-4600-957E-40993F510D7B}" type="presParOf" srcId="{612CABF1-DDE5-41D1-9036-25B4BE7589BE}" destId="{8FA2ECE2-9D66-4FD1-89DE-3231691A8283}" srcOrd="1" destOrd="0" presId="urn:microsoft.com/office/officeart/2005/8/layout/hierarchy3"/>
+    <dgm:cxn modelId="{D333763B-8A35-4756-B2BA-39040A45CB48}" type="presParOf" srcId="{78204B86-F48E-424E-B9F0-F61E8700D86E}" destId="{5E7F2D45-2508-495B-A708-02E0FD5F2314}" srcOrd="1" destOrd="0" presId="urn:microsoft.com/office/officeart/2005/8/layout/hierarchy3"/>
+    <dgm:cxn modelId="{259421E8-95D2-4D14-8B2B-86B19D729340}" type="presParOf" srcId="{5E7F2D45-2508-495B-A708-02E0FD5F2314}" destId="{2564A6E5-875B-4BC6-B983-AA12C064A019}" srcOrd="0" destOrd="0" presId="urn:microsoft.com/office/officeart/2005/8/layout/hierarchy3"/>
+    <dgm:cxn modelId="{8BDD8554-2C29-4FFE-BD1A-F208CC31C2A1}" type="presParOf" srcId="{5E7F2D45-2508-495B-A708-02E0FD5F2314}" destId="{3B0CF9DF-CC55-47FF-BECE-903E70F9D2DE}" srcOrd="1" destOrd="0" presId="urn:microsoft.com/office/officeart/2005/8/layout/hierarchy3"/>
+    <dgm:cxn modelId="{875A6F76-A845-47E2-9FD3-19114F777D75}" type="presParOf" srcId="{5E7F2D45-2508-495B-A708-02E0FD5F2314}" destId="{7DFA9A08-1F84-4CF2-9E63-7F6E7C219F76}" srcOrd="2" destOrd="0" presId="urn:microsoft.com/office/officeart/2005/8/layout/hierarchy3"/>
+    <dgm:cxn modelId="{D1011F87-5E28-4D3F-8118-4BA6A4FEA06E}" type="presParOf" srcId="{5E7F2D45-2508-495B-A708-02E0FD5F2314}" destId="{9C3E65C4-9266-43CB-B08F-79811ABF047A}" srcOrd="3" destOrd="0" presId="urn:microsoft.com/office/officeart/2005/8/layout/hierarchy3"/>
+    <dgm:cxn modelId="{1C9EC978-49C4-44B1-B7F0-A80918C3CC4C}" type="presParOf" srcId="{5E7F2D45-2508-495B-A708-02E0FD5F2314}" destId="{35FE4D4C-3CA0-4CCA-8F9D-1668C574961B}" srcOrd="4" destOrd="0" presId="urn:microsoft.com/office/officeart/2005/8/layout/hierarchy3"/>
+    <dgm:cxn modelId="{B79D566C-42D9-42A8-9C46-AA22B87D15A7}" type="presParOf" srcId="{5E7F2D45-2508-495B-A708-02E0FD5F2314}" destId="{375B2884-C079-4ABC-AF46-CC7B31EF2123}" srcOrd="5" destOrd="0" presId="urn:microsoft.com/office/officeart/2005/8/layout/hierarchy3"/>
+    <dgm:cxn modelId="{B64B3C35-7E92-47FF-A43C-7E75EABB7DE0}" type="presParOf" srcId="{5E7F2D45-2508-495B-A708-02E0FD5F2314}" destId="{16CFAB30-3E6A-44D7-A45D-E3066E142053}" srcOrd="6" destOrd="0" presId="urn:microsoft.com/office/officeart/2005/8/layout/hierarchy3"/>
+    <dgm:cxn modelId="{86D49351-D3C9-48A1-88EA-44A93353F587}" type="presParOf" srcId="{5E7F2D45-2508-495B-A708-02E0FD5F2314}" destId="{5F9726AA-E8AD-4C5C-A0CA-2350C4F8CAFA}" srcOrd="7" destOrd="0" presId="urn:microsoft.com/office/officeart/2005/8/layout/hierarchy3"/>
+    <dgm:cxn modelId="{91C1DB7D-DADE-48E1-9C3F-D33F6FC84386}" type="presParOf" srcId="{5E7F2D45-2508-495B-A708-02E0FD5F2314}" destId="{0ECF28DA-9925-4B5B-97B1-BDA459502114}" srcOrd="8" destOrd="0" presId="urn:microsoft.com/office/officeart/2005/8/layout/hierarchy3"/>
+    <dgm:cxn modelId="{7A09BA7C-9EDC-496E-8A6D-4B0744B8C88D}" type="presParOf" srcId="{5E7F2D45-2508-495B-A708-02E0FD5F2314}" destId="{5A2BB121-DDEE-46A8-AC09-18496F773E62}" srcOrd="9" destOrd="0" presId="urn:microsoft.com/office/officeart/2005/8/layout/hierarchy3"/>
+    <dgm:cxn modelId="{F5B8C0DF-97A3-423B-9A5D-53FC91FEE07D}" type="presParOf" srcId="{5EAC0F1C-8135-499C-A050-8951C4D4D68B}" destId="{59FB6EFF-035B-4901-8C84-3BDEA8130465}" srcOrd="2" destOrd="0" presId="urn:microsoft.com/office/officeart/2005/8/layout/hierarchy3"/>
+    <dgm:cxn modelId="{2C3BEA50-80F2-41C7-A82B-5C3E16FC0BD9}" type="presParOf" srcId="{59FB6EFF-035B-4901-8C84-3BDEA8130465}" destId="{DFAAFD62-220C-47EA-B1FF-1D698C1D9D0C}" srcOrd="0" destOrd="0" presId="urn:microsoft.com/office/officeart/2005/8/layout/hierarchy3"/>
+    <dgm:cxn modelId="{5783CD70-7213-4FC1-AF68-237D5BC3062A}" type="presParOf" srcId="{DFAAFD62-220C-47EA-B1FF-1D698C1D9D0C}" destId="{3DB7ADFA-DCAB-4034-9F43-B860EBE864E8}" srcOrd="0" destOrd="0" presId="urn:microsoft.com/office/officeart/2005/8/layout/hierarchy3"/>
+    <dgm:cxn modelId="{B7E1F160-A178-462E-868C-EC6564C42610}" type="presParOf" srcId="{DFAAFD62-220C-47EA-B1FF-1D698C1D9D0C}" destId="{A1EB1FFF-29EC-48BF-990F-29DA82114C59}" srcOrd="1" destOrd="0" presId="urn:microsoft.com/office/officeart/2005/8/layout/hierarchy3"/>
+    <dgm:cxn modelId="{9FF94B33-0113-4A76-8701-4BFCEEDBDE89}" type="presParOf" srcId="{59FB6EFF-035B-4901-8C84-3BDEA8130465}" destId="{C961EBF4-10A8-458E-973D-7ED2EFFC972F}" srcOrd="1" destOrd="0" presId="urn:microsoft.com/office/officeart/2005/8/layout/hierarchy3"/>
+    <dgm:cxn modelId="{E16B69EF-6960-4FF6-974E-0243612C50A9}" type="presParOf" srcId="{C961EBF4-10A8-458E-973D-7ED2EFFC972F}" destId="{278D3975-9588-4A95-85BD-D062BB0AE1A4}" srcOrd="0" destOrd="0" presId="urn:microsoft.com/office/officeart/2005/8/layout/hierarchy3"/>
+    <dgm:cxn modelId="{EDC0758A-BCB5-4E73-BE7E-8D1A992568A9}" type="presParOf" srcId="{C961EBF4-10A8-458E-973D-7ED2EFFC972F}" destId="{EDB6085A-8F2B-4B84-887D-9DD4BEC6E4E1}" srcOrd="1" destOrd="0" presId="urn:microsoft.com/office/officeart/2005/8/layout/hierarchy3"/>
+    <dgm:cxn modelId="{220FD8C8-D47B-4118-8047-93C173D37B70}" type="presParOf" srcId="{C961EBF4-10A8-458E-973D-7ED2EFFC972F}" destId="{9C05BE7E-FC1F-4CC6-8FAB-3504F91E9A3A}" srcOrd="2" destOrd="0" presId="urn:microsoft.com/office/officeart/2005/8/layout/hierarchy3"/>
+    <dgm:cxn modelId="{11CB2D16-7D7D-4653-978D-21E597700E85}" type="presParOf" srcId="{C961EBF4-10A8-458E-973D-7ED2EFFC972F}" destId="{DA978C10-45FD-4D26-8760-9D8C9CF54865}" srcOrd="3" destOrd="0" presId="urn:microsoft.com/office/officeart/2005/8/layout/hierarchy3"/>
+    <dgm:cxn modelId="{B9702EBF-28A6-4C56-BB02-8A38776C1F90}" type="presParOf" srcId="{C961EBF4-10A8-458E-973D-7ED2EFFC972F}" destId="{FF100697-267A-4BC5-8DA9-B1F7321DFE84}" srcOrd="4" destOrd="0" presId="urn:microsoft.com/office/officeart/2005/8/layout/hierarchy3"/>
+    <dgm:cxn modelId="{46AAE45F-BF7E-4CDB-A15F-802EEF0A52A0}" type="presParOf" srcId="{C961EBF4-10A8-458E-973D-7ED2EFFC972F}" destId="{291D5A65-BA4D-4BF4-8D0F-050F9D81FBB6}" srcOrd="5" destOrd="0" presId="urn:microsoft.com/office/officeart/2005/8/layout/hierarchy3"/>
+    <dgm:cxn modelId="{0137D627-1B4F-47DB-ADA7-B3A9FCF6DA00}" type="presParOf" srcId="{C961EBF4-10A8-458E-973D-7ED2EFFC972F}" destId="{6B27DFF3-3021-4E99-BF73-829A6255425D}" srcOrd="6" destOrd="0" presId="urn:microsoft.com/office/officeart/2005/8/layout/hierarchy3"/>
+    <dgm:cxn modelId="{2DDA2A2E-7EBF-42D3-8E45-3269864CBAA4}" type="presParOf" srcId="{C961EBF4-10A8-458E-973D-7ED2EFFC972F}" destId="{88C17E61-7A2A-46D7-AC95-5E562286A33E}" srcOrd="7" destOrd="0" presId="urn:microsoft.com/office/officeart/2005/8/layout/hierarchy3"/>
+  </dgm:cxnLst>
+  <dgm:bg/>
+  <dgm:whole/>
+  <dgm:extLst>
+    <a:ext uri="http://schemas.microsoft.com/office/drawing/2008/diagram">
+      <dsp:dataModelExt xmlns:dsp="http://schemas.microsoft.com/office/drawing/2008/diagram" relId="rId6" minVer="http://schemas.openxmlformats.org/drawingml/2006/diagram"/>
+    </a:ext>
+  </dgm:extLst>
+</dgm:dataModel>
+</file>
+
+<file path=ppt/diagrams/data5.xml><?xml version="1.0" encoding="utf-8"?>
+<dgm:dataModel xmlns:dgm="http://schemas.openxmlformats.org/drawingml/2006/diagram" xmlns:a="http://schemas.openxmlformats.org/drawingml/2006/main">
+  <dgm:ptLst>
+    <dgm:pt modelId="{D4ADF4FB-6626-4BAA-8170-1AB86830E7EB}" type="doc">
+      <dgm:prSet loTypeId="urn:microsoft.com/office/officeart/2005/8/layout/hierarchy3" loCatId="hierarchy" qsTypeId="urn:microsoft.com/office/officeart/2005/8/quickstyle/simple1" qsCatId="simple" csTypeId="urn:microsoft.com/office/officeart/2005/8/colors/accent1_2" csCatId="accent1" phldr="1"/>
+      <dgm:spPr/>
+      <dgm:t>
+        <a:bodyPr/>
+        <a:lstStyle/>
+        <a:p>
+          <a:endParaRPr lang="en-US"/>
+        </a:p>
+      </dgm:t>
+    </dgm:pt>
+    <dgm:pt modelId="{ED0B78BF-E006-4732-B48C-2ADC9E2EF39A}">
+      <dgm:prSet phldrT="[Text]"/>
+      <dgm:spPr/>
+      <dgm:t>
+        <a:bodyPr/>
+        <a:lstStyle/>
+        <a:p>
+          <a:r>
+            <a:rPr lang="en-US" dirty="0"/>
+            <a:t>Tools and Techniques</a:t>
+          </a:r>
+        </a:p>
+      </dgm:t>
+    </dgm:pt>
+    <dgm:pt modelId="{28816F29-4038-473E-B49B-94074EA0A51E}" type="parTrans" cxnId="{A1A3BCB4-83BF-4A79-B53F-5F8A606BDE54}">
+      <dgm:prSet/>
+      <dgm:spPr/>
+      <dgm:t>
+        <a:bodyPr/>
+        <a:lstStyle/>
+        <a:p>
+          <a:endParaRPr lang="en-US"/>
+        </a:p>
+      </dgm:t>
+    </dgm:pt>
+    <dgm:pt modelId="{23CFA8B8-2A05-4928-AEB3-72448E3A79E3}" type="sibTrans" cxnId="{A1A3BCB4-83BF-4A79-B53F-5F8A606BDE54}">
+      <dgm:prSet/>
+      <dgm:spPr/>
+      <dgm:t>
+        <a:bodyPr/>
+        <a:lstStyle/>
+        <a:p>
+          <a:endParaRPr lang="en-US"/>
+        </a:p>
+      </dgm:t>
+    </dgm:pt>
+    <dgm:pt modelId="{5D17C516-2319-40FE-8748-E184C6D71444}">
+      <dgm:prSet phldrT="[Text]"/>
+      <dgm:spPr/>
+      <dgm:t>
+        <a:bodyPr/>
+        <a:lstStyle/>
+        <a:p>
+          <a:r>
+            <a:rPr lang="en-US" dirty="0"/>
+            <a:t>Object-Oriented Programming</a:t>
+          </a:r>
+        </a:p>
+      </dgm:t>
+    </dgm:pt>
+    <dgm:pt modelId="{EA441DC7-A30D-47EC-A5C8-C50834D06E30}" type="parTrans" cxnId="{F9A2BA9E-B30D-4948-A3E9-A634F6BE47FD}">
+      <dgm:prSet/>
+      <dgm:spPr/>
+      <dgm:t>
+        <a:bodyPr/>
+        <a:lstStyle/>
+        <a:p>
+          <a:endParaRPr lang="en-US"/>
+        </a:p>
+      </dgm:t>
+    </dgm:pt>
+    <dgm:pt modelId="{636B54D7-340F-4600-82E5-F2E670443C91}" type="sibTrans" cxnId="{F9A2BA9E-B30D-4948-A3E9-A634F6BE47FD}">
+      <dgm:prSet/>
+      <dgm:spPr/>
+      <dgm:t>
+        <a:bodyPr/>
+        <a:lstStyle/>
+        <a:p>
+          <a:endParaRPr lang="en-US"/>
+        </a:p>
+      </dgm:t>
+    </dgm:pt>
+    <dgm:pt modelId="{DDB8B436-9528-434E-BD0F-6EB4D2ACB929}">
+      <dgm:prSet phldrT="[Text]"/>
+      <dgm:spPr/>
+      <dgm:t>
+        <a:bodyPr/>
+        <a:lstStyle/>
+        <a:p>
+          <a:r>
+            <a:rPr lang="en-US" dirty="0"/>
+            <a:t>Designing Data</a:t>
+          </a:r>
+        </a:p>
+      </dgm:t>
+    </dgm:pt>
+    <dgm:pt modelId="{9E647244-45B2-496C-B687-01576FEABEC4}" type="parTrans" cxnId="{05392EDD-3032-43C3-BA79-A1347D6D727C}">
+      <dgm:prSet/>
+      <dgm:spPr/>
+      <dgm:t>
+        <a:bodyPr/>
+        <a:lstStyle/>
+        <a:p>
+          <a:endParaRPr lang="en-US"/>
+        </a:p>
+      </dgm:t>
+    </dgm:pt>
+    <dgm:pt modelId="{EE60868F-7BA4-434D-84FC-89FFDDF05FC3}" type="sibTrans" cxnId="{05392EDD-3032-43C3-BA79-A1347D6D727C}">
+      <dgm:prSet/>
+      <dgm:spPr/>
+      <dgm:t>
+        <a:bodyPr/>
+        <a:lstStyle/>
+        <a:p>
+          <a:endParaRPr lang="en-US"/>
+        </a:p>
+      </dgm:t>
+    </dgm:pt>
+    <dgm:pt modelId="{F221EA58-7488-4550-B7A5-965344CA7EAE}">
+      <dgm:prSet phldrT="[Text]" custT="1"/>
+      <dgm:spPr>
+        <a:solidFill>
+          <a:prstClr val="white">
+            <a:alpha val="90000"/>
+            <a:hueOff val="0"/>
+            <a:satOff val="0"/>
+            <a:lumOff val="0"/>
+            <a:alphaOff val="0"/>
+          </a:prstClr>
+        </a:solidFill>
+        <a:ln w="25400" cap="flat" cmpd="sng" algn="ctr">
+          <a:solidFill>
+            <a:srgbClr val="4F81BD">
+              <a:hueOff val="0"/>
+              <a:satOff val="0"/>
+              <a:lumOff val="0"/>
+              <a:alphaOff val="0"/>
+            </a:srgbClr>
+          </a:solidFill>
+          <a:prstDash val="solid"/>
+        </a:ln>
+        <a:effectLst/>
+      </dgm:spPr>
+      <dgm:t>
+        <a:bodyPr spcFirstLastPara="0" vert="horz" wrap="square" lIns="19050" tIns="12700" rIns="19050" bIns="12700" numCol="1" spcCol="1270" anchor="ctr" anchorCtr="0"/>
+        <a:lstStyle/>
+        <a:p>
+          <a:pPr marL="0" lvl="0" indent="0" algn="ctr" defTabSz="444500">
+            <a:lnSpc>
+              <a:spcPct val="90000"/>
+            </a:lnSpc>
+            <a:spcBef>
+              <a:spcPct val="0"/>
+            </a:spcBef>
+            <a:spcAft>
+              <a:spcPct val="35000"/>
+            </a:spcAft>
+            <a:buNone/>
+          </a:pPr>
+          <a:r>
+            <a:rPr lang="en-US" sz="1000" kern="1200" dirty="0">
+              <a:solidFill>
+                <a:prstClr val="black">
+                  <a:hueOff val="0"/>
+                  <a:satOff val="0"/>
+                  <a:lumOff val="0"/>
+                  <a:alphaOff val="0"/>
+                </a:prstClr>
+              </a:solidFill>
+              <a:latin typeface="Calibri"/>
+              <a:ea typeface="+mn-ea"/>
+              <a:cs typeface="+mn-cs"/>
+            </a:rPr>
+            <a:t>Designing Functions</a:t>
+          </a:r>
+        </a:p>
+      </dgm:t>
+    </dgm:pt>
+    <dgm:pt modelId="{03056A9D-BCBF-4181-B8D6-7E4ECCBD4D9E}" type="parTrans" cxnId="{F8F3D917-317B-4A80-B606-277A7F6170C2}">
+      <dgm:prSet/>
+      <dgm:spPr/>
+      <dgm:t>
+        <a:bodyPr/>
+        <a:lstStyle/>
+        <a:p>
+          <a:endParaRPr lang="en-US"/>
+        </a:p>
+      </dgm:t>
+    </dgm:pt>
+    <dgm:pt modelId="{50012D0E-39A9-4FB4-832D-C4D74BE598A6}" type="sibTrans" cxnId="{F8F3D917-317B-4A80-B606-277A7F6170C2}">
+      <dgm:prSet/>
+      <dgm:spPr/>
+      <dgm:t>
+        <a:bodyPr/>
+        <a:lstStyle/>
+        <a:p>
+          <a:endParaRPr lang="en-US"/>
+        </a:p>
+      </dgm:t>
+    </dgm:pt>
+    <dgm:pt modelId="{B1CEE35E-20B6-4A0B-B1E8-D4F40E3162E1}">
+      <dgm:prSet phldrT="[Text]" custT="1"/>
+      <dgm:spPr>
+        <a:solidFill>
+          <a:prstClr val="white">
+            <a:alpha val="90000"/>
+            <a:hueOff val="0"/>
+            <a:satOff val="0"/>
+            <a:lumOff val="0"/>
+            <a:alphaOff val="0"/>
+          </a:prstClr>
+        </a:solidFill>
+        <a:ln w="25400" cap="flat" cmpd="sng" algn="ctr">
+          <a:solidFill>
+            <a:srgbClr val="4F81BD">
+              <a:hueOff val="0"/>
+              <a:satOff val="0"/>
+              <a:lumOff val="0"/>
+              <a:alphaOff val="0"/>
+            </a:srgbClr>
+          </a:solidFill>
+          <a:prstDash val="solid"/>
+        </a:ln>
+        <a:effectLst/>
+      </dgm:spPr>
+      <dgm:t>
+        <a:bodyPr spcFirstLastPara="0" vert="horz" wrap="square" lIns="19050" tIns="12700" rIns="19050" bIns="12700" numCol="1" spcCol="1270" anchor="ctr" anchorCtr="0"/>
+        <a:lstStyle/>
+        <a:p>
+          <a:r>
+            <a:rPr lang="en-US" sz="1000" kern="1200" dirty="0">
+              <a:solidFill>
+                <a:prstClr val="black">
+                  <a:hueOff val="0"/>
+                  <a:satOff val="0"/>
+                  <a:lumOff val="0"/>
+                  <a:alphaOff val="0"/>
+                </a:prstClr>
+              </a:solidFill>
+              <a:latin typeface="Calibri"/>
+              <a:ea typeface="+mn-ea"/>
+              <a:cs typeface="+mn-cs"/>
+            </a:rPr>
+            <a:t>Designing</a:t>
+          </a:r>
+          <a:r>
+            <a:rPr lang="en-US" sz="1000" kern="1200" dirty="0"/>
+            <a:t> Systems</a:t>
+          </a:r>
+        </a:p>
+      </dgm:t>
+    </dgm:pt>
+    <dgm:pt modelId="{08AACE21-5FAD-4460-B120-67387C8F0F32}" type="parTrans" cxnId="{47968857-87E3-481A-908A-A468E51372C1}">
+      <dgm:prSet/>
+      <dgm:spPr/>
+      <dgm:t>
+        <a:bodyPr/>
+        <a:lstStyle/>
+        <a:p>
+          <a:endParaRPr lang="en-US"/>
+        </a:p>
+      </dgm:t>
+    </dgm:pt>
+    <dgm:pt modelId="{4A08DEA0-C75B-4713-B280-420C60C372D9}" type="sibTrans" cxnId="{47968857-87E3-481A-908A-A468E51372C1}">
+      <dgm:prSet/>
+      <dgm:spPr/>
+      <dgm:t>
+        <a:bodyPr/>
+        <a:lstStyle/>
+        <a:p>
+          <a:endParaRPr lang="en-US"/>
+        </a:p>
+      </dgm:t>
+    </dgm:pt>
+    <dgm:pt modelId="{1CBBDDB5-026A-42BF-8805-ACAC57AA5DC3}">
+      <dgm:prSet phldrT="[Text]"/>
+      <dgm:spPr/>
+      <dgm:t>
+        <a:bodyPr/>
+        <a:lstStyle/>
+        <a:p>
+          <a:r>
+            <a:rPr lang="en-US" dirty="0"/>
+            <a:t>Computing with Lists</a:t>
+          </a:r>
+        </a:p>
+      </dgm:t>
+    </dgm:pt>
+    <dgm:pt modelId="{1EC30C20-D36E-4265-85EE-C210CE02F892}" type="parTrans" cxnId="{9662958D-3400-409A-ADC7-BEB605777B1F}">
+      <dgm:prSet/>
+      <dgm:spPr/>
+      <dgm:t>
+        <a:bodyPr/>
+        <a:lstStyle/>
+        <a:p>
+          <a:endParaRPr lang="en-US"/>
+        </a:p>
+      </dgm:t>
+    </dgm:pt>
+    <dgm:pt modelId="{D37EB34B-12D7-42C6-A433-F33F271349CA}" type="sibTrans" cxnId="{9662958D-3400-409A-ADC7-BEB605777B1F}">
+      <dgm:prSet/>
+      <dgm:spPr/>
+      <dgm:t>
+        <a:bodyPr/>
+        <a:lstStyle/>
+        <a:p>
+          <a:endParaRPr lang="en-US"/>
+        </a:p>
+      </dgm:t>
+    </dgm:pt>
+    <dgm:pt modelId="{A7945ECA-2D01-4C03-9AED-9E3EEAAF0F2C}">
+      <dgm:prSet phldrT="[Text]" custT="1"/>
+      <dgm:spPr>
+        <a:solidFill>
+          <a:prstClr val="white">
+            <a:alpha val="90000"/>
+            <a:hueOff val="0"/>
+            <a:satOff val="0"/>
+            <a:lumOff val="0"/>
+            <a:alphaOff val="0"/>
+          </a:prstClr>
+        </a:solidFill>
+        <a:ln w="25400" cap="flat" cmpd="sng" algn="ctr">
+          <a:solidFill>
+            <a:srgbClr val="4F81BD">
+              <a:hueOff val="0"/>
+              <a:satOff val="0"/>
+              <a:lumOff val="0"/>
+              <a:alphaOff val="0"/>
+            </a:srgbClr>
+          </a:solidFill>
+          <a:prstDash val="solid"/>
+        </a:ln>
+        <a:effectLst/>
+      </dgm:spPr>
+      <dgm:t>
+        <a:bodyPr spcFirstLastPara="0" vert="horz" wrap="square" lIns="22860" tIns="15240" rIns="22860" bIns="15240" numCol="1" spcCol="1270" anchor="ctr" anchorCtr="0"/>
+        <a:lstStyle/>
+        <a:p>
+          <a:pPr marL="0" lvl="0" indent="0" algn="ctr" defTabSz="533400">
+            <a:lnSpc>
+              <a:spcPct val="90000"/>
+            </a:lnSpc>
+            <a:spcBef>
+              <a:spcPct val="0"/>
+            </a:spcBef>
+            <a:spcAft>
+              <a:spcPct val="35000"/>
+            </a:spcAft>
+            <a:buNone/>
+          </a:pPr>
+          <a:r>
+            <a:rPr lang="en-US" sz="1200" kern="1200" dirty="0">
+              <a:solidFill>
+                <a:prstClr val="black">
+                  <a:hueOff val="0"/>
+                  <a:satOff val="0"/>
+                  <a:lumOff val="0"/>
+                  <a:alphaOff val="0"/>
+                </a:prstClr>
+              </a:solidFill>
+              <a:latin typeface="Calibri"/>
+              <a:ea typeface="+mn-ea"/>
+              <a:cs typeface="+mn-cs"/>
+            </a:rPr>
+            <a:t>Computing with Trees and Graphs</a:t>
+          </a:r>
+        </a:p>
+      </dgm:t>
+    </dgm:pt>
+    <dgm:pt modelId="{D39C6496-6307-4FC4-9D55-DB6DA94D051F}" type="parTrans" cxnId="{372E1130-8A4A-4006-A020-34030B0410C9}">
+      <dgm:prSet/>
+      <dgm:spPr/>
+      <dgm:t>
+        <a:bodyPr/>
+        <a:lstStyle/>
+        <a:p>
+          <a:endParaRPr lang="en-US"/>
+        </a:p>
+      </dgm:t>
+    </dgm:pt>
+    <dgm:pt modelId="{4FF7D82F-ECB8-4560-8324-4D22393C300C}" type="sibTrans" cxnId="{372E1130-8A4A-4006-A020-34030B0410C9}">
+      <dgm:prSet/>
+      <dgm:spPr/>
+      <dgm:t>
+        <a:bodyPr/>
+        <a:lstStyle/>
+        <a:p>
+          <a:endParaRPr lang="en-US"/>
+        </a:p>
+      </dgm:t>
+    </dgm:pt>
+    <dgm:pt modelId="{B0B0FACC-C24A-4552-82AB-C8FE8246DEF8}">
+      <dgm:prSet phldrT="[Text]" custT="1"/>
+      <dgm:spPr>
+        <a:solidFill>
+          <a:prstClr val="white">
+            <a:alpha val="90000"/>
+            <a:hueOff val="0"/>
+            <a:satOff val="0"/>
+            <a:lumOff val="0"/>
+            <a:alphaOff val="0"/>
+          </a:prstClr>
+        </a:solidFill>
+        <a:ln w="25400" cap="flat" cmpd="sng" algn="ctr">
+          <a:solidFill>
+            <a:srgbClr val="4F81BD">
+              <a:hueOff val="0"/>
+              <a:satOff val="0"/>
+              <a:lumOff val="0"/>
+              <a:alphaOff val="0"/>
+            </a:srgbClr>
+          </a:solidFill>
+          <a:prstDash val="solid"/>
+        </a:ln>
+        <a:effectLst/>
+      </dgm:spPr>
+      <dgm:t>
+        <a:bodyPr spcFirstLastPara="0" vert="horz" wrap="square" lIns="22860" tIns="15240" rIns="22860" bIns="15240" numCol="1" spcCol="1270" anchor="ctr" anchorCtr="0"/>
+        <a:lstStyle/>
+        <a:p>
+          <a:r>
+            <a:rPr lang="en-US" sz="1200" kern="1200" dirty="0">
+              <a:solidFill>
+                <a:prstClr val="black">
+                  <a:hueOff val="0"/>
+                  <a:satOff val="0"/>
+                  <a:lumOff val="0"/>
+                  <a:alphaOff val="0"/>
+                </a:prstClr>
+              </a:solidFill>
+              <a:latin typeface="Calibri"/>
+              <a:ea typeface="+mn-ea"/>
+              <a:cs typeface="+mn-cs"/>
+            </a:rPr>
+            <a:t>Designing</a:t>
+          </a:r>
+          <a:r>
+            <a:rPr lang="en-US" sz="1200" kern="1200" dirty="0"/>
+            <a:t> with Invariants</a:t>
+          </a:r>
+        </a:p>
+      </dgm:t>
+    </dgm:pt>
+    <dgm:pt modelId="{FD74BA91-6D78-44B3-BF01-4D49723F4718}" type="parTrans" cxnId="{FCD83CF7-A1CD-455F-A466-CFFA01A2A6C9}">
+      <dgm:prSet/>
+      <dgm:spPr/>
+      <dgm:t>
+        <a:bodyPr/>
+        <a:lstStyle/>
+        <a:p>
+          <a:endParaRPr lang="en-US"/>
+        </a:p>
+      </dgm:t>
+    </dgm:pt>
+    <dgm:pt modelId="{E6264341-6F1C-4A60-9081-A5335333D714}" type="sibTrans" cxnId="{FCD83CF7-A1CD-455F-A466-CFFA01A2A6C9}">
+      <dgm:prSet/>
+      <dgm:spPr/>
+      <dgm:t>
+        <a:bodyPr/>
+        <a:lstStyle/>
+        <a:p>
+          <a:endParaRPr lang="en-US"/>
+        </a:p>
+      </dgm:t>
+    </dgm:pt>
+    <dgm:pt modelId="{3C02419B-DA6A-4FDB-972F-4F8DC3AD08E3}">
+      <dgm:prSet phldrT="[Text]" custT="1"/>
+      <dgm:spPr>
+        <a:solidFill>
+          <a:prstClr val="white">
+            <a:alpha val="90000"/>
+            <a:hueOff val="0"/>
+            <a:satOff val="0"/>
+            <a:lumOff val="0"/>
+            <a:alphaOff val="0"/>
+          </a:prstClr>
+        </a:solidFill>
+        <a:ln w="25400" cap="flat" cmpd="sng" algn="ctr">
+          <a:solidFill>
+            <a:srgbClr val="4F81BD">
+              <a:hueOff val="0"/>
+              <a:satOff val="0"/>
+              <a:lumOff val="0"/>
+              <a:alphaOff val="0"/>
+            </a:srgbClr>
+          </a:solidFill>
+          <a:prstDash val="solid"/>
+        </a:ln>
+        <a:effectLst/>
+      </dgm:spPr>
+      <dgm:t>
+        <a:bodyPr spcFirstLastPara="0" vert="horz" wrap="square" lIns="22860" tIns="15240" rIns="22860" bIns="15240" numCol="1" spcCol="1270" anchor="ctr" anchorCtr="0"/>
+        <a:lstStyle/>
+        <a:p>
+          <a:r>
+            <a:rPr lang="en-US" sz="1200" kern="1200" dirty="0"/>
+            <a:t>Thinking </a:t>
+          </a:r>
+          <a:r>
+            <a:rPr lang="en-US" sz="1200" kern="1200" dirty="0">
+              <a:solidFill>
+                <a:prstClr val="black">
+                  <a:hueOff val="0"/>
+                  <a:satOff val="0"/>
+                  <a:lumOff val="0"/>
+                  <a:alphaOff val="0"/>
+                </a:prstClr>
+              </a:solidFill>
+              <a:latin typeface="Calibri"/>
+              <a:ea typeface="+mn-ea"/>
+              <a:cs typeface="+mn-cs"/>
+            </a:rPr>
+            <a:t>about</a:t>
+          </a:r>
+          <a:r>
+            <a:rPr lang="en-US" sz="1200" kern="1200" dirty="0"/>
+            <a:t> Efficiency</a:t>
+          </a:r>
+        </a:p>
+      </dgm:t>
+    </dgm:pt>
+    <dgm:pt modelId="{FA010E1E-46BF-40DE-B386-14C19C329E38}" type="parTrans" cxnId="{B2581BA3-7711-4B4F-895A-5C4A1A23D07A}">
+      <dgm:prSet/>
+      <dgm:spPr/>
+      <dgm:t>
+        <a:bodyPr/>
+        <a:lstStyle/>
+        <a:p>
+          <a:endParaRPr lang="en-US"/>
+        </a:p>
+      </dgm:t>
+    </dgm:pt>
+    <dgm:pt modelId="{ABE6B4B2-8044-42FC-8EBA-A2B2927B372D}" type="sibTrans" cxnId="{B2581BA3-7711-4B4F-895A-5C4A1A23D07A}">
+      <dgm:prSet/>
+      <dgm:spPr/>
+      <dgm:t>
+        <a:bodyPr/>
+        <a:lstStyle/>
+        <a:p>
+          <a:endParaRPr lang="en-US"/>
+        </a:p>
+      </dgm:t>
+    </dgm:pt>
+    <dgm:pt modelId="{C217CF6C-69F6-4F1F-BFEF-F03F51825445}">
+      <dgm:prSet phldrT="[Text]" custT="1"/>
+      <dgm:spPr>
+        <a:solidFill>
+          <a:prstClr val="white">
+            <a:alpha val="90000"/>
+            <a:hueOff val="0"/>
+            <a:satOff val="0"/>
+            <a:lumOff val="0"/>
+            <a:alphaOff val="0"/>
+          </a:prstClr>
+        </a:solidFill>
+        <a:ln w="25400" cap="flat" cmpd="sng" algn="ctr">
+          <a:solidFill>
+            <a:srgbClr val="4F81BD">
+              <a:hueOff val="0"/>
+              <a:satOff val="0"/>
+              <a:lumOff val="0"/>
+              <a:alphaOff val="0"/>
+            </a:srgbClr>
+          </a:solidFill>
+          <a:prstDash val="solid"/>
+        </a:ln>
+        <a:effectLst/>
+      </dgm:spPr>
+      <dgm:t>
+        <a:bodyPr spcFirstLastPara="0" vert="horz" wrap="square" lIns="22860" tIns="15240" rIns="22860" bIns="15240" numCol="1" spcCol="1270" anchor="ctr" anchorCtr="0"/>
+        <a:lstStyle/>
+        <a:p>
+          <a:r>
+            <a:rPr lang="en-US" sz="1200" kern="1200" dirty="0">
+              <a:solidFill>
+                <a:prstClr val="black">
+                  <a:hueOff val="0"/>
+                  <a:satOff val="0"/>
+                  <a:lumOff val="0"/>
+                  <a:alphaOff val="0"/>
+                </a:prstClr>
+              </a:solidFill>
+              <a:latin typeface="Calibri"/>
+              <a:ea typeface="+mn-ea"/>
+              <a:cs typeface="+mn-cs"/>
+            </a:rPr>
+            <a:t>Interfaces</a:t>
+          </a:r>
+          <a:r>
+            <a:rPr lang="en-US" sz="1200" kern="1200" dirty="0"/>
+            <a:t> and Classes</a:t>
+          </a:r>
+        </a:p>
+      </dgm:t>
+    </dgm:pt>
+    <dgm:pt modelId="{109F41A6-1D40-4F81-903A-8B0CB1E442DB}" type="parTrans" cxnId="{B7B8BE25-1D3D-41C1-B2BB-252CA3FFFABF}">
+      <dgm:prSet/>
+      <dgm:spPr/>
+      <dgm:t>
+        <a:bodyPr/>
+        <a:lstStyle/>
+        <a:p>
+          <a:endParaRPr lang="en-US"/>
+        </a:p>
+      </dgm:t>
+    </dgm:pt>
+    <dgm:pt modelId="{727D2815-3763-49AC-8FA5-B78975C6E255}" type="sibTrans" cxnId="{B7B8BE25-1D3D-41C1-B2BB-252CA3FFFABF}">
+      <dgm:prSet/>
+      <dgm:spPr/>
+      <dgm:t>
+        <a:bodyPr/>
+        <a:lstStyle/>
+        <a:p>
+          <a:endParaRPr lang="en-US"/>
+        </a:p>
+      </dgm:t>
+    </dgm:pt>
+    <dgm:pt modelId="{D6553791-8532-4952-AC46-957A80E6F455}">
+      <dgm:prSet phldrT="[Text]" custT="1"/>
+      <dgm:spPr>
+        <a:solidFill>
+          <a:srgbClr val="C0504D">
+            <a:lumMod val="60000"/>
+            <a:lumOff val="40000"/>
+            <a:alpha val="90000"/>
+          </a:srgbClr>
+        </a:solidFill>
+        <a:ln w="25400" cap="flat" cmpd="sng" algn="ctr">
+          <a:noFill/>
+          <a:prstDash val="solid"/>
+        </a:ln>
+        <a:effectLst/>
+      </dgm:spPr>
+      <dgm:t>
+        <a:bodyPr spcFirstLastPara="0" vert="horz" wrap="square" lIns="19050" tIns="12700" rIns="19050" bIns="12700" numCol="1" spcCol="1270" anchor="ctr" anchorCtr="0"/>
+        <a:lstStyle/>
+        <a:p>
+          <a:r>
+            <a:rPr lang="en-US" sz="1200" kern="1200" dirty="0">
+              <a:solidFill>
+                <a:prstClr val="black">
+                  <a:hueOff val="0"/>
+                  <a:satOff val="0"/>
+                  <a:lumOff val="0"/>
+                  <a:alphaOff val="0"/>
+                </a:prstClr>
+              </a:solidFill>
+              <a:latin typeface="Calibri"/>
+              <a:ea typeface="+mn-ea"/>
+              <a:cs typeface="+mn-cs"/>
+            </a:rPr>
+            <a:t>Inheritance in Java</a:t>
+          </a:r>
+        </a:p>
+      </dgm:t>
+    </dgm:pt>
+    <dgm:pt modelId="{4B64BF35-F3DD-46FA-A74B-C8F1391BB234}" type="parTrans" cxnId="{E630B7D1-EF42-4E29-A586-EDEEAFD22353}">
+      <dgm:prSet/>
+      <dgm:spPr/>
+      <dgm:t>
+        <a:bodyPr/>
+        <a:lstStyle/>
+        <a:p>
+          <a:endParaRPr lang="en-US"/>
+        </a:p>
+      </dgm:t>
+    </dgm:pt>
+    <dgm:pt modelId="{C19A1F15-CCAA-4226-B7DD-F2CD4049A9B3}" type="sibTrans" cxnId="{E630B7D1-EF42-4E29-A586-EDEEAFD22353}">
+      <dgm:prSet/>
+      <dgm:spPr/>
+      <dgm:t>
+        <a:bodyPr/>
+        <a:lstStyle/>
+        <a:p>
+          <a:endParaRPr lang="en-US"/>
+        </a:p>
+      </dgm:t>
+    </dgm:pt>
+    <dgm:pt modelId="{23FBFCAF-D268-4C4D-8359-092F33A19BD5}">
+      <dgm:prSet phldrT="[Text]"/>
+      <dgm:spPr/>
+      <dgm:t>
+        <a:bodyPr/>
+        <a:lstStyle/>
+        <a:p>
+          <a:r>
+            <a:rPr lang="en-US" dirty="0"/>
+            <a:t>Bonus Material</a:t>
+          </a:r>
+        </a:p>
+      </dgm:t>
+    </dgm:pt>
+    <dgm:pt modelId="{E8807DF0-38BE-4236-AFC9-03DFA18007AA}" type="parTrans" cxnId="{C679C12F-0D37-4771-853C-9B6A72F3F8AB}">
+      <dgm:prSet/>
+      <dgm:spPr/>
+      <dgm:t>
+        <a:bodyPr/>
+        <a:lstStyle/>
+        <a:p>
+          <a:endParaRPr lang="en-US"/>
+        </a:p>
+      </dgm:t>
+    </dgm:pt>
+    <dgm:pt modelId="{49424D88-7251-4F7F-9D61-B03F29AB2536}" type="sibTrans" cxnId="{C679C12F-0D37-4771-853C-9B6A72F3F8AB}">
+      <dgm:prSet/>
+      <dgm:spPr/>
+      <dgm:t>
+        <a:bodyPr/>
+        <a:lstStyle/>
+        <a:p>
+          <a:endParaRPr lang="en-US"/>
+        </a:p>
+      </dgm:t>
+    </dgm:pt>
+    <dgm:pt modelId="{9AAB3432-E203-4861-9A1F-5A18DE81A0E0}">
+      <dgm:prSet phldrT="[Text]"/>
+      <dgm:spPr/>
+      <dgm:t>
+        <a:bodyPr/>
+        <a:lstStyle/>
+        <a:p>
+          <a:r>
+            <a:rPr lang="en-US" dirty="0"/>
+            <a:t>Basic Principles</a:t>
+          </a:r>
+        </a:p>
+      </dgm:t>
+    </dgm:pt>
+    <dgm:pt modelId="{6A4E30F2-4DB5-4E70-B35C-3B1843570C40}" type="sibTrans" cxnId="{F5F6D4BB-2DFC-4FC1-ABCD-FF03786BFFE0}">
+      <dgm:prSet/>
+      <dgm:spPr/>
+      <dgm:t>
+        <a:bodyPr/>
+        <a:lstStyle/>
+        <a:p>
+          <a:endParaRPr lang="en-US"/>
+        </a:p>
+      </dgm:t>
+    </dgm:pt>
+    <dgm:pt modelId="{A67FC2F0-CFC7-4D0E-AB12-FC8B412EC38C}" type="parTrans" cxnId="{F5F6D4BB-2DFC-4FC1-ABCD-FF03786BFFE0}">
+      <dgm:prSet/>
+      <dgm:spPr/>
+      <dgm:t>
+        <a:bodyPr/>
+        <a:lstStyle/>
+        <a:p>
+          <a:endParaRPr lang="en-US"/>
+        </a:p>
+      </dgm:t>
+    </dgm:pt>
+    <dgm:pt modelId="{21C8EE31-AEBF-47B2-ADDE-34FDFA6BF6DC}">
+      <dgm:prSet phldrT="[Text]" custT="1"/>
+      <dgm:spPr>
+        <a:solidFill>
+          <a:prstClr val="white">
+            <a:alpha val="90000"/>
+            <a:hueOff val="0"/>
+            <a:satOff val="0"/>
+            <a:lumOff val="0"/>
+            <a:alphaOff val="0"/>
+          </a:prstClr>
+        </a:solidFill>
+        <a:ln w="25400" cap="flat" cmpd="sng" algn="ctr">
+          <a:solidFill>
+            <a:srgbClr val="4F81BD">
+              <a:hueOff val="0"/>
+              <a:satOff val="0"/>
+              <a:lumOff val="0"/>
+              <a:alphaOff val="0"/>
+            </a:srgbClr>
+          </a:solidFill>
+          <a:prstDash val="solid"/>
+        </a:ln>
+        <a:effectLst/>
+      </dgm:spPr>
+      <dgm:t>
+        <a:bodyPr spcFirstLastPara="0" vert="horz" wrap="square" lIns="22860" tIns="15240" rIns="22860" bIns="15240" numCol="1" spcCol="1270" anchor="ctr" anchorCtr="0"/>
+        <a:lstStyle/>
+        <a:p>
+          <a:r>
+            <a:rPr lang="en-US" sz="1200" kern="1200" dirty="0">
+              <a:solidFill>
+                <a:prstClr val="black">
+                  <a:hueOff val="0"/>
+                  <a:satOff val="0"/>
+                  <a:lumOff val="0"/>
+                  <a:alphaOff val="0"/>
+                </a:prstClr>
+              </a:solidFill>
+              <a:latin typeface="Calibri"/>
+              <a:ea typeface="+mn-ea"/>
+              <a:cs typeface="+mn-cs"/>
+            </a:rPr>
+            <a:t>Computing</a:t>
+          </a:r>
+          <a:r>
+            <a:rPr lang="en-US" sz="1000" kern="1200" dirty="0"/>
+            <a:t> with Higher-Order Functions</a:t>
+          </a:r>
+        </a:p>
+      </dgm:t>
+    </dgm:pt>
+    <dgm:pt modelId="{08DF2FDD-3A60-4E03-8D9E-10C265EC9121}" type="parTrans" cxnId="{62C2F0F4-284D-4D02-8F32-BB76663AFA1F}">
+      <dgm:prSet/>
+      <dgm:spPr/>
+      <dgm:t>
+        <a:bodyPr/>
+        <a:lstStyle/>
+        <a:p>
+          <a:endParaRPr lang="en-US"/>
+        </a:p>
+      </dgm:t>
+    </dgm:pt>
+    <dgm:pt modelId="{FFC06923-B3D1-4430-8195-28C90DC2D93A}" type="sibTrans" cxnId="{62C2F0F4-284D-4D02-8F32-BB76663AFA1F}">
+      <dgm:prSet/>
+      <dgm:spPr/>
+      <dgm:t>
+        <a:bodyPr/>
+        <a:lstStyle/>
+        <a:p>
+          <a:endParaRPr lang="en-US"/>
+        </a:p>
+      </dgm:t>
+    </dgm:pt>
+    <dgm:pt modelId="{4AE15C73-ECD7-496F-83BE-B4EE8FC55318}">
+      <dgm:prSet phldrT="[Text]" custT="1"/>
+      <dgm:spPr>
+        <a:solidFill>
+          <a:prstClr val="white">
+            <a:alpha val="90000"/>
+            <a:hueOff val="0"/>
+            <a:satOff val="0"/>
+            <a:lumOff val="0"/>
+            <a:alphaOff val="0"/>
+          </a:prstClr>
+        </a:solidFill>
+        <a:ln w="25400" cap="flat" cmpd="sng" algn="ctr">
+          <a:solidFill>
+            <a:srgbClr val="4F81BD">
+              <a:hueOff val="0"/>
+              <a:satOff val="0"/>
+              <a:lumOff val="0"/>
+              <a:alphaOff val="0"/>
+            </a:srgbClr>
+          </a:solidFill>
+          <a:prstDash val="solid"/>
+        </a:ln>
+        <a:effectLst/>
+      </dgm:spPr>
+      <dgm:t>
+        <a:bodyPr spcFirstLastPara="0" vert="horz" wrap="square" lIns="22860" tIns="15240" rIns="22860" bIns="15240" numCol="1" spcCol="1270" anchor="ctr" anchorCtr="0"/>
+        <a:lstStyle/>
+        <a:p>
+          <a:pPr marL="0" lvl="0" indent="0" algn="ctr" defTabSz="533400">
+            <a:lnSpc>
+              <a:spcPct val="90000"/>
+            </a:lnSpc>
+            <a:spcBef>
+              <a:spcPct val="0"/>
+            </a:spcBef>
+            <a:spcAft>
+              <a:spcPct val="35000"/>
+            </a:spcAft>
+            <a:buNone/>
+          </a:pPr>
+          <a:r>
+            <a:rPr lang="en-US" sz="1200" kern="1200" dirty="0">
+              <a:solidFill>
+                <a:prstClr val="black">
+                  <a:hueOff val="0"/>
+                  <a:satOff val="0"/>
+                  <a:lumOff val="0"/>
+                  <a:alphaOff val="0"/>
+                </a:prstClr>
+              </a:solidFill>
+              <a:latin typeface="Calibri"/>
+              <a:ea typeface="+mn-ea"/>
+              <a:cs typeface="+mn-cs"/>
+            </a:rPr>
+            <a:t>Implementing ADTs in Java</a:t>
+          </a:r>
+        </a:p>
+      </dgm:t>
+    </dgm:pt>
+    <dgm:pt modelId="{A91F764C-9950-4FF3-8710-2C57AEF81796}" type="parTrans" cxnId="{3DCA932B-DD59-4E44-8F2F-3D98BB8F8AC4}">
+      <dgm:prSet/>
+      <dgm:spPr/>
+      <dgm:t>
+        <a:bodyPr/>
+        <a:lstStyle/>
+        <a:p>
+          <a:endParaRPr lang="en-US"/>
+        </a:p>
+      </dgm:t>
+    </dgm:pt>
+    <dgm:pt modelId="{93DA2331-A667-4B3B-B63B-21162F6F4800}" type="sibTrans" cxnId="{3DCA932B-DD59-4E44-8F2F-3D98BB8F8AC4}">
+      <dgm:prSet/>
+      <dgm:spPr/>
+      <dgm:t>
+        <a:bodyPr/>
+        <a:lstStyle/>
+        <a:p>
+          <a:endParaRPr lang="en-US"/>
+        </a:p>
+      </dgm:t>
+    </dgm:pt>
+    <dgm:pt modelId="{5EAC0F1C-8135-499C-A050-8951C4D4D68B}" type="pres">
+      <dgm:prSet presAssocID="{D4ADF4FB-6626-4BAA-8170-1AB86830E7EB}" presName="diagram" presStyleCnt="0">
+        <dgm:presLayoutVars>
+          <dgm:chPref val="1"/>
+          <dgm:dir/>
+          <dgm:animOne val="branch"/>
+          <dgm:animLvl val="lvl"/>
+          <dgm:resizeHandles/>
+        </dgm:presLayoutVars>
+      </dgm:prSet>
+      <dgm:spPr/>
+    </dgm:pt>
+    <dgm:pt modelId="{E9A360F5-905C-4B1F-87BD-8099DBD7826B}" type="pres">
+      <dgm:prSet presAssocID="{9AAB3432-E203-4861-9A1F-5A18DE81A0E0}" presName="root" presStyleCnt="0"/>
+      <dgm:spPr/>
+    </dgm:pt>
+    <dgm:pt modelId="{770F0FD6-A664-4D0A-A016-FBEA3DBC5EF2}" type="pres">
+      <dgm:prSet presAssocID="{9AAB3432-E203-4861-9A1F-5A18DE81A0E0}" presName="rootComposite" presStyleCnt="0"/>
+      <dgm:spPr/>
+    </dgm:pt>
+    <dgm:pt modelId="{D42C5353-2F91-4910-9E62-259C884C47C8}" type="pres">
+      <dgm:prSet presAssocID="{9AAB3432-E203-4861-9A1F-5A18DE81A0E0}" presName="rootText" presStyleLbl="node1" presStyleIdx="0" presStyleCnt="3"/>
+      <dgm:spPr/>
+    </dgm:pt>
+    <dgm:pt modelId="{D5FEF17D-A657-4E90-83A6-FFBD9375BEE2}" type="pres">
+      <dgm:prSet presAssocID="{9AAB3432-E203-4861-9A1F-5A18DE81A0E0}" presName="rootConnector" presStyleLbl="node1" presStyleIdx="0" presStyleCnt="3"/>
+      <dgm:spPr/>
+    </dgm:pt>
+    <dgm:pt modelId="{ED254901-973D-4D91-AABF-EBA39BDAC603}" type="pres">
+      <dgm:prSet presAssocID="{9AAB3432-E203-4861-9A1F-5A18DE81A0E0}" presName="childShape" presStyleCnt="0"/>
+      <dgm:spPr/>
+    </dgm:pt>
+    <dgm:pt modelId="{360B229B-0F55-45E5-A55A-DDDBDBD1C921}" type="pres">
+      <dgm:prSet presAssocID="{9E647244-45B2-496C-B687-01576FEABEC4}" presName="Name13" presStyleLbl="parChTrans1D2" presStyleIdx="0" presStyleCnt="12"/>
+      <dgm:spPr/>
+    </dgm:pt>
+    <dgm:pt modelId="{7E3D7089-292B-46E8-B4F0-ADC3733C52BD}" type="pres">
+      <dgm:prSet presAssocID="{DDB8B436-9528-434E-BD0F-6EB4D2ACB929}" presName="childText" presStyleLbl="bgAcc1" presStyleIdx="0" presStyleCnt="12" custLinFactNeighborX="1979" custLinFactNeighborY="-4221">
+        <dgm:presLayoutVars>
+          <dgm:bulletEnabled val="1"/>
+        </dgm:presLayoutVars>
+      </dgm:prSet>
+      <dgm:spPr/>
+    </dgm:pt>
+    <dgm:pt modelId="{BC1B1EA4-129C-44F6-935B-BA646A7A2AA3}" type="pres">
+      <dgm:prSet presAssocID="{03056A9D-BCBF-4181-B8D6-7E4ECCBD4D9E}" presName="Name13" presStyleLbl="parChTrans1D2" presStyleIdx="1" presStyleCnt="12"/>
+      <dgm:spPr/>
+    </dgm:pt>
+    <dgm:pt modelId="{CF0B1CD2-0FC3-49A4-A520-B01A6C3CCB95}" type="pres">
+      <dgm:prSet presAssocID="{F221EA58-7488-4550-B7A5-965344CA7EAE}" presName="childText" presStyleLbl="bgAcc1" presStyleIdx="1" presStyleCnt="12">
+        <dgm:presLayoutVars>
+          <dgm:bulletEnabled val="1"/>
+        </dgm:presLayoutVars>
+      </dgm:prSet>
+      <dgm:spPr>
+        <a:xfrm>
+          <a:off x="1156394" y="1525860"/>
+          <a:ext cx="976312" cy="610195"/>
+        </a:xfrm>
+        <a:prstGeom prst="roundRect">
+          <a:avLst>
+            <a:gd name="adj" fmla="val 10000"/>
+          </a:avLst>
+        </a:prstGeom>
+      </dgm:spPr>
+    </dgm:pt>
+    <dgm:pt modelId="{F5AE7053-0C33-481C-8BFB-D2DAFB4C4294}" type="pres">
+      <dgm:prSet presAssocID="{08AACE21-5FAD-4460-B120-67387C8F0F32}" presName="Name13" presStyleLbl="parChTrans1D2" presStyleIdx="2" presStyleCnt="12"/>
+      <dgm:spPr/>
+    </dgm:pt>
+    <dgm:pt modelId="{C5878689-67F2-4E3D-8C9B-392F50C32024}" type="pres">
+      <dgm:prSet presAssocID="{B1CEE35E-20B6-4A0B-B1E8-D4F40E3162E1}" presName="childText" presStyleLbl="bgAcc1" presStyleIdx="2" presStyleCnt="12">
+        <dgm:presLayoutVars>
+          <dgm:bulletEnabled val="1"/>
+        </dgm:presLayoutVars>
+      </dgm:prSet>
+      <dgm:spPr>
+        <a:xfrm>
+          <a:off x="1156394" y="2288604"/>
+          <a:ext cx="976312" cy="610195"/>
+        </a:xfrm>
+        <a:prstGeom prst="roundRect">
+          <a:avLst>
+            <a:gd name="adj" fmla="val 10000"/>
+          </a:avLst>
+        </a:prstGeom>
+      </dgm:spPr>
+    </dgm:pt>
+    <dgm:pt modelId="{78204B86-F48E-424E-B9F0-F61E8700D86E}" type="pres">
+      <dgm:prSet presAssocID="{ED0B78BF-E006-4732-B48C-2ADC9E2EF39A}" presName="root" presStyleCnt="0"/>
+      <dgm:spPr/>
+    </dgm:pt>
+    <dgm:pt modelId="{612CABF1-DDE5-41D1-9036-25B4BE7589BE}" type="pres">
+      <dgm:prSet presAssocID="{ED0B78BF-E006-4732-B48C-2ADC9E2EF39A}" presName="rootComposite" presStyleCnt="0"/>
+      <dgm:spPr/>
+    </dgm:pt>
+    <dgm:pt modelId="{F1C18E15-3E91-476D-8B13-25AD56BC4B13}" type="pres">
+      <dgm:prSet presAssocID="{ED0B78BF-E006-4732-B48C-2ADC9E2EF39A}" presName="rootText" presStyleLbl="node1" presStyleIdx="1" presStyleCnt="3"/>
+      <dgm:spPr/>
+    </dgm:pt>
+    <dgm:pt modelId="{8FA2ECE2-9D66-4FD1-89DE-3231691A8283}" type="pres">
+      <dgm:prSet presAssocID="{ED0B78BF-E006-4732-B48C-2ADC9E2EF39A}" presName="rootConnector" presStyleLbl="node1" presStyleIdx="1" presStyleCnt="3"/>
+      <dgm:spPr/>
+    </dgm:pt>
+    <dgm:pt modelId="{5E7F2D45-2508-495B-A708-02E0FD5F2314}" type="pres">
+      <dgm:prSet presAssocID="{ED0B78BF-E006-4732-B48C-2ADC9E2EF39A}" presName="childShape" presStyleCnt="0"/>
+      <dgm:spPr/>
+    </dgm:pt>
+    <dgm:pt modelId="{2564A6E5-875B-4BC6-B983-AA12C064A019}" type="pres">
+      <dgm:prSet presAssocID="{1EC30C20-D36E-4265-85EE-C210CE02F892}" presName="Name13" presStyleLbl="parChTrans1D2" presStyleIdx="3" presStyleCnt="12"/>
+      <dgm:spPr/>
+    </dgm:pt>
+    <dgm:pt modelId="{3B0CF9DF-CC55-47FF-BECE-903E70F9D2DE}" type="pres">
+      <dgm:prSet presAssocID="{1CBBDDB5-026A-42BF-8805-ACAC57AA5DC3}" presName="childText" presStyleLbl="bgAcc1" presStyleIdx="3" presStyleCnt="12">
+        <dgm:presLayoutVars>
+          <dgm:bulletEnabled val="1"/>
+        </dgm:presLayoutVars>
+      </dgm:prSet>
+      <dgm:spPr/>
+    </dgm:pt>
+    <dgm:pt modelId="{7DFA9A08-1F84-4CF2-9E63-7F6E7C219F76}" type="pres">
+      <dgm:prSet presAssocID="{D39C6496-6307-4FC4-9D55-DB6DA94D051F}" presName="Name13" presStyleLbl="parChTrans1D2" presStyleIdx="4" presStyleCnt="12"/>
+      <dgm:spPr/>
+    </dgm:pt>
+    <dgm:pt modelId="{9C3E65C4-9266-43CB-B08F-79811ABF047A}" type="pres">
+      <dgm:prSet presAssocID="{A7945ECA-2D01-4C03-9AED-9E3EEAAF0F2C}" presName="childText" presStyleLbl="bgAcc1" presStyleIdx="4" presStyleCnt="12">
+        <dgm:presLayoutVars>
+          <dgm:bulletEnabled val="1"/>
+        </dgm:presLayoutVars>
+      </dgm:prSet>
+      <dgm:spPr>
+        <a:xfrm>
+          <a:off x="2681882" y="1525860"/>
+          <a:ext cx="976312" cy="610195"/>
+        </a:xfrm>
+        <a:prstGeom prst="roundRect">
+          <a:avLst>
+            <a:gd name="adj" fmla="val 10000"/>
+          </a:avLst>
+        </a:prstGeom>
+      </dgm:spPr>
+    </dgm:pt>
+    <dgm:pt modelId="{35FE4D4C-3CA0-4CCA-8F9D-1668C574961B}" type="pres">
+      <dgm:prSet presAssocID="{08DF2FDD-3A60-4E03-8D9E-10C265EC9121}" presName="Name13" presStyleLbl="parChTrans1D2" presStyleIdx="5" presStyleCnt="12"/>
+      <dgm:spPr/>
+    </dgm:pt>
+    <dgm:pt modelId="{375B2884-C079-4ABC-AF46-CC7B31EF2123}" type="pres">
+      <dgm:prSet presAssocID="{21C8EE31-AEBF-47B2-ADDE-34FDFA6BF6DC}" presName="childText" presStyleLbl="bgAcc1" presStyleIdx="5" presStyleCnt="12">
+        <dgm:presLayoutVars>
+          <dgm:bulletEnabled val="1"/>
+        </dgm:presLayoutVars>
+      </dgm:prSet>
+      <dgm:spPr>
+        <a:xfrm>
+          <a:off x="2681882" y="2288604"/>
+          <a:ext cx="976312" cy="610195"/>
+        </a:xfrm>
+        <a:prstGeom prst="roundRect">
+          <a:avLst>
+            <a:gd name="adj" fmla="val 10000"/>
+          </a:avLst>
+        </a:prstGeom>
+      </dgm:spPr>
+    </dgm:pt>
+    <dgm:pt modelId="{16CFAB30-3E6A-44D7-A45D-E3066E142053}" type="pres">
+      <dgm:prSet presAssocID="{FD74BA91-6D78-44B3-BF01-4D49723F4718}" presName="Name13" presStyleLbl="parChTrans1D2" presStyleIdx="6" presStyleCnt="12"/>
+      <dgm:spPr/>
+    </dgm:pt>
+    <dgm:pt modelId="{5F9726AA-E8AD-4C5C-A0CA-2350C4F8CAFA}" type="pres">
+      <dgm:prSet presAssocID="{B0B0FACC-C24A-4552-82AB-C8FE8246DEF8}" presName="childText" presStyleLbl="bgAcc1" presStyleIdx="6" presStyleCnt="12">
+        <dgm:presLayoutVars>
+          <dgm:bulletEnabled val="1"/>
+        </dgm:presLayoutVars>
+      </dgm:prSet>
+      <dgm:spPr>
+        <a:xfrm>
+          <a:off x="2681882" y="3051348"/>
+          <a:ext cx="976312" cy="610195"/>
+        </a:xfrm>
+        <a:prstGeom prst="roundRect">
+          <a:avLst>
+            <a:gd name="adj" fmla="val 10000"/>
+          </a:avLst>
+        </a:prstGeom>
+      </dgm:spPr>
+    </dgm:pt>
+    <dgm:pt modelId="{0ECF28DA-9925-4B5B-97B1-BDA459502114}" type="pres">
+      <dgm:prSet presAssocID="{FA010E1E-46BF-40DE-B386-14C19C329E38}" presName="Name13" presStyleLbl="parChTrans1D2" presStyleIdx="7" presStyleCnt="12"/>
+      <dgm:spPr/>
+    </dgm:pt>
+    <dgm:pt modelId="{5A2BB121-DDEE-46A8-AC09-18496F773E62}" type="pres">
+      <dgm:prSet presAssocID="{3C02419B-DA6A-4FDB-972F-4F8DC3AD08E3}" presName="childText" presStyleLbl="bgAcc1" presStyleIdx="7" presStyleCnt="12" custScaleY="115691">
+        <dgm:presLayoutVars>
+          <dgm:bulletEnabled val="1"/>
+        </dgm:presLayoutVars>
+      </dgm:prSet>
+      <dgm:spPr>
+        <a:xfrm>
+          <a:off x="2681882" y="3814092"/>
+          <a:ext cx="976312" cy="705941"/>
+        </a:xfrm>
+        <a:prstGeom prst="roundRect">
+          <a:avLst>
+            <a:gd name="adj" fmla="val 10000"/>
+          </a:avLst>
+        </a:prstGeom>
+      </dgm:spPr>
+    </dgm:pt>
+    <dgm:pt modelId="{59FB6EFF-035B-4901-8C84-3BDEA8130465}" type="pres">
+      <dgm:prSet presAssocID="{5D17C516-2319-40FE-8748-E184C6D71444}" presName="root" presStyleCnt="0"/>
+      <dgm:spPr/>
+    </dgm:pt>
+    <dgm:pt modelId="{DFAAFD62-220C-47EA-B1FF-1D698C1D9D0C}" type="pres">
+      <dgm:prSet presAssocID="{5D17C516-2319-40FE-8748-E184C6D71444}" presName="rootComposite" presStyleCnt="0"/>
+      <dgm:spPr/>
+    </dgm:pt>
+    <dgm:pt modelId="{3DB7ADFA-DCAB-4034-9F43-B860EBE864E8}" type="pres">
+      <dgm:prSet presAssocID="{5D17C516-2319-40FE-8748-E184C6D71444}" presName="rootText" presStyleLbl="node1" presStyleIdx="2" presStyleCnt="3"/>
+      <dgm:spPr/>
+    </dgm:pt>
+    <dgm:pt modelId="{A1EB1FFF-29EC-48BF-990F-29DA82114C59}" type="pres">
+      <dgm:prSet presAssocID="{5D17C516-2319-40FE-8748-E184C6D71444}" presName="rootConnector" presStyleLbl="node1" presStyleIdx="2" presStyleCnt="3"/>
+      <dgm:spPr/>
+    </dgm:pt>
+    <dgm:pt modelId="{C961EBF4-10A8-458E-973D-7ED2EFFC972F}" type="pres">
+      <dgm:prSet presAssocID="{5D17C516-2319-40FE-8748-E184C6D71444}" presName="childShape" presStyleCnt="0"/>
+      <dgm:spPr/>
+    </dgm:pt>
+    <dgm:pt modelId="{278D3975-9588-4A95-85BD-D062BB0AE1A4}" type="pres">
+      <dgm:prSet presAssocID="{109F41A6-1D40-4F81-903A-8B0CB1E442DB}" presName="Name13" presStyleLbl="parChTrans1D2" presStyleIdx="8" presStyleCnt="12"/>
+      <dgm:spPr/>
+    </dgm:pt>
+    <dgm:pt modelId="{EDB6085A-8F2B-4B84-887D-9DD4BEC6E4E1}" type="pres">
+      <dgm:prSet presAssocID="{C217CF6C-69F6-4F1F-BFEF-F03F51825445}" presName="childText" presStyleLbl="bgAcc1" presStyleIdx="8" presStyleCnt="12">
+        <dgm:presLayoutVars>
+          <dgm:bulletEnabled val="1"/>
+        </dgm:presLayoutVars>
+      </dgm:prSet>
+      <dgm:spPr>
+        <a:xfrm>
+          <a:off x="4207371" y="763116"/>
+          <a:ext cx="976312" cy="610195"/>
+        </a:xfrm>
+        <a:prstGeom prst="roundRect">
+          <a:avLst>
+            <a:gd name="adj" fmla="val 10000"/>
+          </a:avLst>
+        </a:prstGeom>
+      </dgm:spPr>
+    </dgm:pt>
+    <dgm:pt modelId="{9C05BE7E-FC1F-4CC6-8FAB-3504F91E9A3A}" type="pres">
+      <dgm:prSet presAssocID="{A91F764C-9950-4FF3-8710-2C57AEF81796}" presName="Name13" presStyleLbl="parChTrans1D2" presStyleIdx="9" presStyleCnt="12"/>
+      <dgm:spPr/>
+    </dgm:pt>
+    <dgm:pt modelId="{DA978C10-45FD-4D26-8760-9D8C9CF54865}" type="pres">
+      <dgm:prSet presAssocID="{4AE15C73-ECD7-496F-83BE-B4EE8FC55318}" presName="childText" presStyleLbl="bgAcc1" presStyleIdx="9" presStyleCnt="12">
+        <dgm:presLayoutVars>
+          <dgm:bulletEnabled val="1"/>
+        </dgm:presLayoutVars>
+      </dgm:prSet>
+      <dgm:spPr>
+        <a:xfrm>
+          <a:off x="4207371" y="1525860"/>
+          <a:ext cx="976312" cy="610195"/>
+        </a:xfrm>
+        <a:prstGeom prst="roundRect">
+          <a:avLst>
+            <a:gd name="adj" fmla="val 10000"/>
+          </a:avLst>
+        </a:prstGeom>
+      </dgm:spPr>
+    </dgm:pt>
+    <dgm:pt modelId="{FF100697-267A-4BC5-8DA9-B1F7321DFE84}" type="pres">
+      <dgm:prSet presAssocID="{4B64BF35-F3DD-46FA-A74B-C8F1391BB234}" presName="Name13" presStyleLbl="parChTrans1D2" presStyleIdx="10" presStyleCnt="12"/>
+      <dgm:spPr/>
+    </dgm:pt>
+    <dgm:pt modelId="{291D5A65-BA4D-4BF4-8D0F-050F9D81FBB6}" type="pres">
+      <dgm:prSet presAssocID="{D6553791-8532-4952-AC46-957A80E6F455}" presName="childText" presStyleLbl="bgAcc1" presStyleIdx="10" presStyleCnt="12">
+        <dgm:presLayoutVars>
+          <dgm:bulletEnabled val="1"/>
+        </dgm:presLayoutVars>
+      </dgm:prSet>
+      <dgm:spPr>
+        <a:xfrm>
+          <a:off x="4207371" y="2288604"/>
+          <a:ext cx="976312" cy="610195"/>
+        </a:xfrm>
+        <a:prstGeom prst="roundRect">
+          <a:avLst>
+            <a:gd name="adj" fmla="val 10000"/>
+          </a:avLst>
+        </a:prstGeom>
+      </dgm:spPr>
     </dgm:pt>
     <dgm:pt modelId="{6B27DFF3-3021-4E99-BF73-829A6255425D}" type="pres">
       <dgm:prSet presAssocID="{E8807DF0-38BE-4236-AFC9-03DFA18007AA}" presName="Name13" presStyleLbl="parChTrans1D2" presStyleIdx="11" presStyleCnt="12"/>
@@ -14875,6 +16938,2010 @@
 </dsp:drawing>
 </file>
 
+<file path=ppt/diagrams/drawing5.xml><?xml version="1.0" encoding="utf-8"?>
+<dsp:drawing xmlns:dgm="http://schemas.openxmlformats.org/drawingml/2006/diagram" xmlns:dsp="http://schemas.microsoft.com/office/drawing/2008/diagram" xmlns:a="http://schemas.openxmlformats.org/drawingml/2006/main">
+  <dsp:spTree>
+    <dsp:nvGrpSpPr>
+      <dsp:cNvPr id="0" name=""/>
+      <dsp:cNvGrpSpPr/>
+    </dsp:nvGrpSpPr>
+    <dsp:grpSpPr/>
+    <dsp:sp modelId="{D42C5353-2F91-4910-9E62-259C884C47C8}">
+      <dsp:nvSpPr>
+        <dsp:cNvPr id="0" name=""/>
+        <dsp:cNvSpPr/>
+      </dsp:nvSpPr>
+      <dsp:spPr>
+        <a:xfrm>
+          <a:off x="912316" y="372"/>
+          <a:ext cx="1220390" cy="610195"/>
+        </a:xfrm>
+        <a:prstGeom prst="roundRect">
+          <a:avLst>
+            <a:gd name="adj" fmla="val 10000"/>
+          </a:avLst>
+        </a:prstGeom>
+        <a:solidFill>
+          <a:schemeClr val="accent1">
+            <a:hueOff val="0"/>
+            <a:satOff val="0"/>
+            <a:lumOff val="0"/>
+            <a:alphaOff val="0"/>
+          </a:schemeClr>
+        </a:solidFill>
+        <a:ln w="25400" cap="flat" cmpd="sng" algn="ctr">
+          <a:solidFill>
+            <a:schemeClr val="lt1">
+              <a:hueOff val="0"/>
+              <a:satOff val="0"/>
+              <a:lumOff val="0"/>
+              <a:alphaOff val="0"/>
+            </a:schemeClr>
+          </a:solidFill>
+          <a:prstDash val="solid"/>
+        </a:ln>
+        <a:effectLst/>
+      </dsp:spPr>
+      <dsp:style>
+        <a:lnRef idx="2">
+          <a:scrgbClr r="0" g="0" b="0"/>
+        </a:lnRef>
+        <a:fillRef idx="1">
+          <a:scrgbClr r="0" g="0" b="0"/>
+        </a:fillRef>
+        <a:effectRef idx="0">
+          <a:scrgbClr r="0" g="0" b="0"/>
+        </a:effectRef>
+        <a:fontRef idx="minor">
+          <a:schemeClr val="lt1"/>
+        </a:fontRef>
+      </dsp:style>
+      <dsp:txBody>
+        <a:bodyPr spcFirstLastPara="0" vert="horz" wrap="square" lIns="24765" tIns="16510" rIns="24765" bIns="16510" numCol="1" spcCol="1270" anchor="ctr" anchorCtr="0">
+          <a:noAutofit/>
+        </a:bodyPr>
+        <a:lstStyle/>
+        <a:p>
+          <a:pPr marL="0" lvl="0" indent="0" algn="ctr" defTabSz="577850">
+            <a:lnSpc>
+              <a:spcPct val="90000"/>
+            </a:lnSpc>
+            <a:spcBef>
+              <a:spcPct val="0"/>
+            </a:spcBef>
+            <a:spcAft>
+              <a:spcPct val="35000"/>
+            </a:spcAft>
+            <a:buNone/>
+          </a:pPr>
+          <a:r>
+            <a:rPr lang="en-US" sz="1300" kern="1200" dirty="0"/>
+            <a:t>Basic Principles</a:t>
+          </a:r>
+        </a:p>
+      </dsp:txBody>
+      <dsp:txXfrm>
+        <a:off x="930188" y="18244"/>
+        <a:ext cx="1184646" cy="574451"/>
+      </dsp:txXfrm>
+    </dsp:sp>
+    <dsp:sp modelId="{360B229B-0F55-45E5-A55A-DDDBDBD1C921}">
+      <dsp:nvSpPr>
+        <dsp:cNvPr id="0" name=""/>
+        <dsp:cNvSpPr/>
+      </dsp:nvSpPr>
+      <dsp:spPr>
+        <a:xfrm>
+          <a:off x="1034355" y="610567"/>
+          <a:ext cx="141360" cy="431890"/>
+        </a:xfrm>
+        <a:custGeom>
+          <a:avLst/>
+          <a:gdLst/>
+          <a:ahLst/>
+          <a:cxnLst/>
+          <a:rect l="0" t="0" r="0" b="0"/>
+          <a:pathLst>
+            <a:path>
+              <a:moveTo>
+                <a:pt x="0" y="0"/>
+              </a:moveTo>
+              <a:lnTo>
+                <a:pt x="0" y="431890"/>
+              </a:lnTo>
+              <a:lnTo>
+                <a:pt x="141360" y="431890"/>
+              </a:lnTo>
+            </a:path>
+          </a:pathLst>
+        </a:custGeom>
+        <a:noFill/>
+        <a:ln w="25400" cap="flat" cmpd="sng" algn="ctr">
+          <a:solidFill>
+            <a:schemeClr val="accent1">
+              <a:shade val="60000"/>
+              <a:hueOff val="0"/>
+              <a:satOff val="0"/>
+              <a:lumOff val="0"/>
+              <a:alphaOff val="0"/>
+            </a:schemeClr>
+          </a:solidFill>
+          <a:prstDash val="solid"/>
+        </a:ln>
+        <a:effectLst/>
+      </dsp:spPr>
+      <dsp:style>
+        <a:lnRef idx="2">
+          <a:scrgbClr r="0" g="0" b="0"/>
+        </a:lnRef>
+        <a:fillRef idx="0">
+          <a:scrgbClr r="0" g="0" b="0"/>
+        </a:fillRef>
+        <a:effectRef idx="0">
+          <a:scrgbClr r="0" g="0" b="0"/>
+        </a:effectRef>
+        <a:fontRef idx="minor"/>
+      </dsp:style>
+    </dsp:sp>
+    <dsp:sp modelId="{7E3D7089-292B-46E8-B4F0-ADC3733C52BD}">
+      <dsp:nvSpPr>
+        <dsp:cNvPr id="0" name=""/>
+        <dsp:cNvSpPr/>
+      </dsp:nvSpPr>
+      <dsp:spPr>
+        <a:xfrm>
+          <a:off x="1175715" y="737359"/>
+          <a:ext cx="976312" cy="610195"/>
+        </a:xfrm>
+        <a:prstGeom prst="roundRect">
+          <a:avLst>
+            <a:gd name="adj" fmla="val 10000"/>
+          </a:avLst>
+        </a:prstGeom>
+        <a:solidFill>
+          <a:schemeClr val="lt1">
+            <a:alpha val="90000"/>
+            <a:hueOff val="0"/>
+            <a:satOff val="0"/>
+            <a:lumOff val="0"/>
+            <a:alphaOff val="0"/>
+          </a:schemeClr>
+        </a:solidFill>
+        <a:ln w="25400" cap="flat" cmpd="sng" algn="ctr">
+          <a:solidFill>
+            <a:schemeClr val="accent1">
+              <a:hueOff val="0"/>
+              <a:satOff val="0"/>
+              <a:lumOff val="0"/>
+              <a:alphaOff val="0"/>
+            </a:schemeClr>
+          </a:solidFill>
+          <a:prstDash val="solid"/>
+        </a:ln>
+        <a:effectLst/>
+      </dsp:spPr>
+      <dsp:style>
+        <a:lnRef idx="2">
+          <a:scrgbClr r="0" g="0" b="0"/>
+        </a:lnRef>
+        <a:fillRef idx="1">
+          <a:scrgbClr r="0" g="0" b="0"/>
+        </a:fillRef>
+        <a:effectRef idx="0">
+          <a:scrgbClr r="0" g="0" b="0"/>
+        </a:effectRef>
+        <a:fontRef idx="minor"/>
+      </dsp:style>
+      <dsp:txBody>
+        <a:bodyPr spcFirstLastPara="0" vert="horz" wrap="square" lIns="28575" tIns="19050" rIns="28575" bIns="19050" numCol="1" spcCol="1270" anchor="ctr" anchorCtr="0">
+          <a:noAutofit/>
+        </a:bodyPr>
+        <a:lstStyle/>
+        <a:p>
+          <a:pPr marL="0" lvl="0" indent="0" algn="ctr" defTabSz="666750">
+            <a:lnSpc>
+              <a:spcPct val="90000"/>
+            </a:lnSpc>
+            <a:spcBef>
+              <a:spcPct val="0"/>
+            </a:spcBef>
+            <a:spcAft>
+              <a:spcPct val="35000"/>
+            </a:spcAft>
+            <a:buNone/>
+          </a:pPr>
+          <a:r>
+            <a:rPr lang="en-US" sz="1500" kern="1200" dirty="0"/>
+            <a:t>Designing Data</a:t>
+          </a:r>
+        </a:p>
+      </dsp:txBody>
+      <dsp:txXfrm>
+        <a:off x="1193587" y="755231"/>
+        <a:ext cx="940568" cy="574451"/>
+      </dsp:txXfrm>
+    </dsp:sp>
+    <dsp:sp modelId="{BC1B1EA4-129C-44F6-935B-BA646A7A2AA3}">
+      <dsp:nvSpPr>
+        <dsp:cNvPr id="0" name=""/>
+        <dsp:cNvSpPr/>
+      </dsp:nvSpPr>
+      <dsp:spPr>
+        <a:xfrm>
+          <a:off x="1034355" y="610567"/>
+          <a:ext cx="122039" cy="1220390"/>
+        </a:xfrm>
+        <a:custGeom>
+          <a:avLst/>
+          <a:gdLst/>
+          <a:ahLst/>
+          <a:cxnLst/>
+          <a:rect l="0" t="0" r="0" b="0"/>
+          <a:pathLst>
+            <a:path>
+              <a:moveTo>
+                <a:pt x="0" y="0"/>
+              </a:moveTo>
+              <a:lnTo>
+                <a:pt x="0" y="1220390"/>
+              </a:lnTo>
+              <a:lnTo>
+                <a:pt x="122039" y="1220390"/>
+              </a:lnTo>
+            </a:path>
+          </a:pathLst>
+        </a:custGeom>
+        <a:noFill/>
+        <a:ln w="25400" cap="flat" cmpd="sng" algn="ctr">
+          <a:solidFill>
+            <a:schemeClr val="accent1">
+              <a:shade val="60000"/>
+              <a:hueOff val="0"/>
+              <a:satOff val="0"/>
+              <a:lumOff val="0"/>
+              <a:alphaOff val="0"/>
+            </a:schemeClr>
+          </a:solidFill>
+          <a:prstDash val="solid"/>
+        </a:ln>
+        <a:effectLst/>
+      </dsp:spPr>
+      <dsp:style>
+        <a:lnRef idx="2">
+          <a:scrgbClr r="0" g="0" b="0"/>
+        </a:lnRef>
+        <a:fillRef idx="0">
+          <a:scrgbClr r="0" g="0" b="0"/>
+        </a:fillRef>
+        <a:effectRef idx="0">
+          <a:scrgbClr r="0" g="0" b="0"/>
+        </a:effectRef>
+        <a:fontRef idx="minor"/>
+      </dsp:style>
+    </dsp:sp>
+    <dsp:sp modelId="{CF0B1CD2-0FC3-49A4-A520-B01A6C3CCB95}">
+      <dsp:nvSpPr>
+        <dsp:cNvPr id="0" name=""/>
+        <dsp:cNvSpPr/>
+      </dsp:nvSpPr>
+      <dsp:spPr>
+        <a:xfrm>
+          <a:off x="1156394" y="1525860"/>
+          <a:ext cx="976312" cy="610195"/>
+        </a:xfrm>
+        <a:prstGeom prst="roundRect">
+          <a:avLst>
+            <a:gd name="adj" fmla="val 10000"/>
+          </a:avLst>
+        </a:prstGeom>
+        <a:solidFill>
+          <a:prstClr val="white">
+            <a:alpha val="90000"/>
+            <a:hueOff val="0"/>
+            <a:satOff val="0"/>
+            <a:lumOff val="0"/>
+            <a:alphaOff val="0"/>
+          </a:prstClr>
+        </a:solidFill>
+        <a:ln w="25400" cap="flat" cmpd="sng" algn="ctr">
+          <a:solidFill>
+            <a:srgbClr val="4F81BD">
+              <a:hueOff val="0"/>
+              <a:satOff val="0"/>
+              <a:lumOff val="0"/>
+              <a:alphaOff val="0"/>
+            </a:srgbClr>
+          </a:solidFill>
+          <a:prstDash val="solid"/>
+        </a:ln>
+        <a:effectLst/>
+      </dsp:spPr>
+      <dsp:style>
+        <a:lnRef idx="2">
+          <a:scrgbClr r="0" g="0" b="0"/>
+        </a:lnRef>
+        <a:fillRef idx="1">
+          <a:scrgbClr r="0" g="0" b="0"/>
+        </a:fillRef>
+        <a:effectRef idx="0">
+          <a:scrgbClr r="0" g="0" b="0"/>
+        </a:effectRef>
+        <a:fontRef idx="minor"/>
+      </dsp:style>
+      <dsp:txBody>
+        <a:bodyPr spcFirstLastPara="0" vert="horz" wrap="square" lIns="19050" tIns="12700" rIns="19050" bIns="12700" numCol="1" spcCol="1270" anchor="ctr" anchorCtr="0">
+          <a:noAutofit/>
+        </a:bodyPr>
+        <a:lstStyle/>
+        <a:p>
+          <a:pPr marL="0" lvl="0" indent="0" algn="ctr" defTabSz="444500">
+            <a:lnSpc>
+              <a:spcPct val="90000"/>
+            </a:lnSpc>
+            <a:spcBef>
+              <a:spcPct val="0"/>
+            </a:spcBef>
+            <a:spcAft>
+              <a:spcPct val="35000"/>
+            </a:spcAft>
+            <a:buNone/>
+          </a:pPr>
+          <a:r>
+            <a:rPr lang="en-US" sz="1000" kern="1200" dirty="0">
+              <a:solidFill>
+                <a:prstClr val="black">
+                  <a:hueOff val="0"/>
+                  <a:satOff val="0"/>
+                  <a:lumOff val="0"/>
+                  <a:alphaOff val="0"/>
+                </a:prstClr>
+              </a:solidFill>
+              <a:latin typeface="Calibri"/>
+              <a:ea typeface="+mn-ea"/>
+              <a:cs typeface="+mn-cs"/>
+            </a:rPr>
+            <a:t>Designing Functions</a:t>
+          </a:r>
+        </a:p>
+      </dsp:txBody>
+      <dsp:txXfrm>
+        <a:off x="1174266" y="1543732"/>
+        <a:ext cx="940568" cy="574451"/>
+      </dsp:txXfrm>
+    </dsp:sp>
+    <dsp:sp modelId="{F5AE7053-0C33-481C-8BFB-D2DAFB4C4294}">
+      <dsp:nvSpPr>
+        <dsp:cNvPr id="0" name=""/>
+        <dsp:cNvSpPr/>
+      </dsp:nvSpPr>
+      <dsp:spPr>
+        <a:xfrm>
+          <a:off x="1034355" y="610567"/>
+          <a:ext cx="122039" cy="1983134"/>
+        </a:xfrm>
+        <a:custGeom>
+          <a:avLst/>
+          <a:gdLst/>
+          <a:ahLst/>
+          <a:cxnLst/>
+          <a:rect l="0" t="0" r="0" b="0"/>
+          <a:pathLst>
+            <a:path>
+              <a:moveTo>
+                <a:pt x="0" y="0"/>
+              </a:moveTo>
+              <a:lnTo>
+                <a:pt x="0" y="1983134"/>
+              </a:lnTo>
+              <a:lnTo>
+                <a:pt x="122039" y="1983134"/>
+              </a:lnTo>
+            </a:path>
+          </a:pathLst>
+        </a:custGeom>
+        <a:noFill/>
+        <a:ln w="25400" cap="flat" cmpd="sng" algn="ctr">
+          <a:solidFill>
+            <a:schemeClr val="accent1">
+              <a:shade val="60000"/>
+              <a:hueOff val="0"/>
+              <a:satOff val="0"/>
+              <a:lumOff val="0"/>
+              <a:alphaOff val="0"/>
+            </a:schemeClr>
+          </a:solidFill>
+          <a:prstDash val="solid"/>
+        </a:ln>
+        <a:effectLst/>
+      </dsp:spPr>
+      <dsp:style>
+        <a:lnRef idx="2">
+          <a:scrgbClr r="0" g="0" b="0"/>
+        </a:lnRef>
+        <a:fillRef idx="0">
+          <a:scrgbClr r="0" g="0" b="0"/>
+        </a:fillRef>
+        <a:effectRef idx="0">
+          <a:scrgbClr r="0" g="0" b="0"/>
+        </a:effectRef>
+        <a:fontRef idx="minor"/>
+      </dsp:style>
+    </dsp:sp>
+    <dsp:sp modelId="{C5878689-67F2-4E3D-8C9B-392F50C32024}">
+      <dsp:nvSpPr>
+        <dsp:cNvPr id="0" name=""/>
+        <dsp:cNvSpPr/>
+      </dsp:nvSpPr>
+      <dsp:spPr>
+        <a:xfrm>
+          <a:off x="1156394" y="2288604"/>
+          <a:ext cx="976312" cy="610195"/>
+        </a:xfrm>
+        <a:prstGeom prst="roundRect">
+          <a:avLst>
+            <a:gd name="adj" fmla="val 10000"/>
+          </a:avLst>
+        </a:prstGeom>
+        <a:solidFill>
+          <a:prstClr val="white">
+            <a:alpha val="90000"/>
+            <a:hueOff val="0"/>
+            <a:satOff val="0"/>
+            <a:lumOff val="0"/>
+            <a:alphaOff val="0"/>
+          </a:prstClr>
+        </a:solidFill>
+        <a:ln w="25400" cap="flat" cmpd="sng" algn="ctr">
+          <a:solidFill>
+            <a:srgbClr val="4F81BD">
+              <a:hueOff val="0"/>
+              <a:satOff val="0"/>
+              <a:lumOff val="0"/>
+              <a:alphaOff val="0"/>
+            </a:srgbClr>
+          </a:solidFill>
+          <a:prstDash val="solid"/>
+        </a:ln>
+        <a:effectLst/>
+      </dsp:spPr>
+      <dsp:style>
+        <a:lnRef idx="2">
+          <a:scrgbClr r="0" g="0" b="0"/>
+        </a:lnRef>
+        <a:fillRef idx="1">
+          <a:scrgbClr r="0" g="0" b="0"/>
+        </a:fillRef>
+        <a:effectRef idx="0">
+          <a:scrgbClr r="0" g="0" b="0"/>
+        </a:effectRef>
+        <a:fontRef idx="minor"/>
+      </dsp:style>
+      <dsp:txBody>
+        <a:bodyPr spcFirstLastPara="0" vert="horz" wrap="square" lIns="19050" tIns="12700" rIns="19050" bIns="12700" numCol="1" spcCol="1270" anchor="ctr" anchorCtr="0">
+          <a:noAutofit/>
+        </a:bodyPr>
+        <a:lstStyle/>
+        <a:p>
+          <a:pPr marL="0" lvl="0" indent="0" algn="ctr" defTabSz="444500">
+            <a:lnSpc>
+              <a:spcPct val="90000"/>
+            </a:lnSpc>
+            <a:spcBef>
+              <a:spcPct val="0"/>
+            </a:spcBef>
+            <a:spcAft>
+              <a:spcPct val="35000"/>
+            </a:spcAft>
+            <a:buNone/>
+          </a:pPr>
+          <a:r>
+            <a:rPr lang="en-US" sz="1000" kern="1200" dirty="0">
+              <a:solidFill>
+                <a:prstClr val="black">
+                  <a:hueOff val="0"/>
+                  <a:satOff val="0"/>
+                  <a:lumOff val="0"/>
+                  <a:alphaOff val="0"/>
+                </a:prstClr>
+              </a:solidFill>
+              <a:latin typeface="Calibri"/>
+              <a:ea typeface="+mn-ea"/>
+              <a:cs typeface="+mn-cs"/>
+            </a:rPr>
+            <a:t>Designing</a:t>
+          </a:r>
+          <a:r>
+            <a:rPr lang="en-US" sz="1000" kern="1200" dirty="0"/>
+            <a:t> Systems</a:t>
+          </a:r>
+        </a:p>
+      </dsp:txBody>
+      <dsp:txXfrm>
+        <a:off x="1174266" y="2306476"/>
+        <a:ext cx="940568" cy="574451"/>
+      </dsp:txXfrm>
+    </dsp:sp>
+    <dsp:sp modelId="{F1C18E15-3E91-476D-8B13-25AD56BC4B13}">
+      <dsp:nvSpPr>
+        <dsp:cNvPr id="0" name=""/>
+        <dsp:cNvSpPr/>
+      </dsp:nvSpPr>
+      <dsp:spPr>
+        <a:xfrm>
+          <a:off x="2437804" y="372"/>
+          <a:ext cx="1220390" cy="610195"/>
+        </a:xfrm>
+        <a:prstGeom prst="roundRect">
+          <a:avLst>
+            <a:gd name="adj" fmla="val 10000"/>
+          </a:avLst>
+        </a:prstGeom>
+        <a:solidFill>
+          <a:schemeClr val="accent1">
+            <a:hueOff val="0"/>
+            <a:satOff val="0"/>
+            <a:lumOff val="0"/>
+            <a:alphaOff val="0"/>
+          </a:schemeClr>
+        </a:solidFill>
+        <a:ln w="25400" cap="flat" cmpd="sng" algn="ctr">
+          <a:solidFill>
+            <a:schemeClr val="lt1">
+              <a:hueOff val="0"/>
+              <a:satOff val="0"/>
+              <a:lumOff val="0"/>
+              <a:alphaOff val="0"/>
+            </a:schemeClr>
+          </a:solidFill>
+          <a:prstDash val="solid"/>
+        </a:ln>
+        <a:effectLst/>
+      </dsp:spPr>
+      <dsp:style>
+        <a:lnRef idx="2">
+          <a:scrgbClr r="0" g="0" b="0"/>
+        </a:lnRef>
+        <a:fillRef idx="1">
+          <a:scrgbClr r="0" g="0" b="0"/>
+        </a:fillRef>
+        <a:effectRef idx="0">
+          <a:scrgbClr r="0" g="0" b="0"/>
+        </a:effectRef>
+        <a:fontRef idx="minor">
+          <a:schemeClr val="lt1"/>
+        </a:fontRef>
+      </dsp:style>
+      <dsp:txBody>
+        <a:bodyPr spcFirstLastPara="0" vert="horz" wrap="square" lIns="24765" tIns="16510" rIns="24765" bIns="16510" numCol="1" spcCol="1270" anchor="ctr" anchorCtr="0">
+          <a:noAutofit/>
+        </a:bodyPr>
+        <a:lstStyle/>
+        <a:p>
+          <a:pPr marL="0" lvl="0" indent="0" algn="ctr" defTabSz="577850">
+            <a:lnSpc>
+              <a:spcPct val="90000"/>
+            </a:lnSpc>
+            <a:spcBef>
+              <a:spcPct val="0"/>
+            </a:spcBef>
+            <a:spcAft>
+              <a:spcPct val="35000"/>
+            </a:spcAft>
+            <a:buNone/>
+          </a:pPr>
+          <a:r>
+            <a:rPr lang="en-US" sz="1300" kern="1200" dirty="0"/>
+            <a:t>Tools and Techniques</a:t>
+          </a:r>
+        </a:p>
+      </dsp:txBody>
+      <dsp:txXfrm>
+        <a:off x="2455676" y="18244"/>
+        <a:ext cx="1184646" cy="574451"/>
+      </dsp:txXfrm>
+    </dsp:sp>
+    <dsp:sp modelId="{2564A6E5-875B-4BC6-B983-AA12C064A019}">
+      <dsp:nvSpPr>
+        <dsp:cNvPr id="0" name=""/>
+        <dsp:cNvSpPr/>
+      </dsp:nvSpPr>
+      <dsp:spPr>
+        <a:xfrm>
+          <a:off x="2559843" y="610567"/>
+          <a:ext cx="122039" cy="457646"/>
+        </a:xfrm>
+        <a:custGeom>
+          <a:avLst/>
+          <a:gdLst/>
+          <a:ahLst/>
+          <a:cxnLst/>
+          <a:rect l="0" t="0" r="0" b="0"/>
+          <a:pathLst>
+            <a:path>
+              <a:moveTo>
+                <a:pt x="0" y="0"/>
+              </a:moveTo>
+              <a:lnTo>
+                <a:pt x="0" y="457646"/>
+              </a:lnTo>
+              <a:lnTo>
+                <a:pt x="122039" y="457646"/>
+              </a:lnTo>
+            </a:path>
+          </a:pathLst>
+        </a:custGeom>
+        <a:noFill/>
+        <a:ln w="25400" cap="flat" cmpd="sng" algn="ctr">
+          <a:solidFill>
+            <a:schemeClr val="accent1">
+              <a:shade val="60000"/>
+              <a:hueOff val="0"/>
+              <a:satOff val="0"/>
+              <a:lumOff val="0"/>
+              <a:alphaOff val="0"/>
+            </a:schemeClr>
+          </a:solidFill>
+          <a:prstDash val="solid"/>
+        </a:ln>
+        <a:effectLst/>
+      </dsp:spPr>
+      <dsp:style>
+        <a:lnRef idx="2">
+          <a:scrgbClr r="0" g="0" b="0"/>
+        </a:lnRef>
+        <a:fillRef idx="0">
+          <a:scrgbClr r="0" g="0" b="0"/>
+        </a:fillRef>
+        <a:effectRef idx="0">
+          <a:scrgbClr r="0" g="0" b="0"/>
+        </a:effectRef>
+        <a:fontRef idx="minor"/>
+      </dsp:style>
+    </dsp:sp>
+    <dsp:sp modelId="{3B0CF9DF-CC55-47FF-BECE-903E70F9D2DE}">
+      <dsp:nvSpPr>
+        <dsp:cNvPr id="0" name=""/>
+        <dsp:cNvSpPr/>
+      </dsp:nvSpPr>
+      <dsp:spPr>
+        <a:xfrm>
+          <a:off x="2681882" y="763116"/>
+          <a:ext cx="976312" cy="610195"/>
+        </a:xfrm>
+        <a:prstGeom prst="roundRect">
+          <a:avLst>
+            <a:gd name="adj" fmla="val 10000"/>
+          </a:avLst>
+        </a:prstGeom>
+        <a:solidFill>
+          <a:schemeClr val="lt1">
+            <a:alpha val="90000"/>
+            <a:hueOff val="0"/>
+            <a:satOff val="0"/>
+            <a:lumOff val="0"/>
+            <a:alphaOff val="0"/>
+          </a:schemeClr>
+        </a:solidFill>
+        <a:ln w="25400" cap="flat" cmpd="sng" algn="ctr">
+          <a:solidFill>
+            <a:schemeClr val="accent1">
+              <a:hueOff val="0"/>
+              <a:satOff val="0"/>
+              <a:lumOff val="0"/>
+              <a:alphaOff val="0"/>
+            </a:schemeClr>
+          </a:solidFill>
+          <a:prstDash val="solid"/>
+        </a:ln>
+        <a:effectLst/>
+      </dsp:spPr>
+      <dsp:style>
+        <a:lnRef idx="2">
+          <a:scrgbClr r="0" g="0" b="0"/>
+        </a:lnRef>
+        <a:fillRef idx="1">
+          <a:scrgbClr r="0" g="0" b="0"/>
+        </a:fillRef>
+        <a:effectRef idx="0">
+          <a:scrgbClr r="0" g="0" b="0"/>
+        </a:effectRef>
+        <a:fontRef idx="minor"/>
+      </dsp:style>
+      <dsp:txBody>
+        <a:bodyPr spcFirstLastPara="0" vert="horz" wrap="square" lIns="28575" tIns="19050" rIns="28575" bIns="19050" numCol="1" spcCol="1270" anchor="ctr" anchorCtr="0">
+          <a:noAutofit/>
+        </a:bodyPr>
+        <a:lstStyle/>
+        <a:p>
+          <a:pPr marL="0" lvl="0" indent="0" algn="ctr" defTabSz="666750">
+            <a:lnSpc>
+              <a:spcPct val="90000"/>
+            </a:lnSpc>
+            <a:spcBef>
+              <a:spcPct val="0"/>
+            </a:spcBef>
+            <a:spcAft>
+              <a:spcPct val="35000"/>
+            </a:spcAft>
+            <a:buNone/>
+          </a:pPr>
+          <a:r>
+            <a:rPr lang="en-US" sz="1500" kern="1200" dirty="0"/>
+            <a:t>Computing with Lists</a:t>
+          </a:r>
+        </a:p>
+      </dsp:txBody>
+      <dsp:txXfrm>
+        <a:off x="2699754" y="780988"/>
+        <a:ext cx="940568" cy="574451"/>
+      </dsp:txXfrm>
+    </dsp:sp>
+    <dsp:sp modelId="{7DFA9A08-1F84-4CF2-9E63-7F6E7C219F76}">
+      <dsp:nvSpPr>
+        <dsp:cNvPr id="0" name=""/>
+        <dsp:cNvSpPr/>
+      </dsp:nvSpPr>
+      <dsp:spPr>
+        <a:xfrm>
+          <a:off x="2559843" y="610567"/>
+          <a:ext cx="122039" cy="1220390"/>
+        </a:xfrm>
+        <a:custGeom>
+          <a:avLst/>
+          <a:gdLst/>
+          <a:ahLst/>
+          <a:cxnLst/>
+          <a:rect l="0" t="0" r="0" b="0"/>
+          <a:pathLst>
+            <a:path>
+              <a:moveTo>
+                <a:pt x="0" y="0"/>
+              </a:moveTo>
+              <a:lnTo>
+                <a:pt x="0" y="1220390"/>
+              </a:lnTo>
+              <a:lnTo>
+                <a:pt x="122039" y="1220390"/>
+              </a:lnTo>
+            </a:path>
+          </a:pathLst>
+        </a:custGeom>
+        <a:noFill/>
+        <a:ln w="25400" cap="flat" cmpd="sng" algn="ctr">
+          <a:solidFill>
+            <a:schemeClr val="accent1">
+              <a:shade val="60000"/>
+              <a:hueOff val="0"/>
+              <a:satOff val="0"/>
+              <a:lumOff val="0"/>
+              <a:alphaOff val="0"/>
+            </a:schemeClr>
+          </a:solidFill>
+          <a:prstDash val="solid"/>
+        </a:ln>
+        <a:effectLst/>
+      </dsp:spPr>
+      <dsp:style>
+        <a:lnRef idx="2">
+          <a:scrgbClr r="0" g="0" b="0"/>
+        </a:lnRef>
+        <a:fillRef idx="0">
+          <a:scrgbClr r="0" g="0" b="0"/>
+        </a:fillRef>
+        <a:effectRef idx="0">
+          <a:scrgbClr r="0" g="0" b="0"/>
+        </a:effectRef>
+        <a:fontRef idx="minor"/>
+      </dsp:style>
+    </dsp:sp>
+    <dsp:sp modelId="{9C3E65C4-9266-43CB-B08F-79811ABF047A}">
+      <dsp:nvSpPr>
+        <dsp:cNvPr id="0" name=""/>
+        <dsp:cNvSpPr/>
+      </dsp:nvSpPr>
+      <dsp:spPr>
+        <a:xfrm>
+          <a:off x="2681882" y="1525860"/>
+          <a:ext cx="976312" cy="610195"/>
+        </a:xfrm>
+        <a:prstGeom prst="roundRect">
+          <a:avLst>
+            <a:gd name="adj" fmla="val 10000"/>
+          </a:avLst>
+        </a:prstGeom>
+        <a:solidFill>
+          <a:prstClr val="white">
+            <a:alpha val="90000"/>
+            <a:hueOff val="0"/>
+            <a:satOff val="0"/>
+            <a:lumOff val="0"/>
+            <a:alphaOff val="0"/>
+          </a:prstClr>
+        </a:solidFill>
+        <a:ln w="25400" cap="flat" cmpd="sng" algn="ctr">
+          <a:solidFill>
+            <a:srgbClr val="4F81BD">
+              <a:hueOff val="0"/>
+              <a:satOff val="0"/>
+              <a:lumOff val="0"/>
+              <a:alphaOff val="0"/>
+            </a:srgbClr>
+          </a:solidFill>
+          <a:prstDash val="solid"/>
+        </a:ln>
+        <a:effectLst/>
+      </dsp:spPr>
+      <dsp:style>
+        <a:lnRef idx="2">
+          <a:scrgbClr r="0" g="0" b="0"/>
+        </a:lnRef>
+        <a:fillRef idx="1">
+          <a:scrgbClr r="0" g="0" b="0"/>
+        </a:fillRef>
+        <a:effectRef idx="0">
+          <a:scrgbClr r="0" g="0" b="0"/>
+        </a:effectRef>
+        <a:fontRef idx="minor"/>
+      </dsp:style>
+      <dsp:txBody>
+        <a:bodyPr spcFirstLastPara="0" vert="horz" wrap="square" lIns="22860" tIns="15240" rIns="22860" bIns="15240" numCol="1" spcCol="1270" anchor="ctr" anchorCtr="0">
+          <a:noAutofit/>
+        </a:bodyPr>
+        <a:lstStyle/>
+        <a:p>
+          <a:pPr marL="0" lvl="0" indent="0" algn="ctr" defTabSz="533400">
+            <a:lnSpc>
+              <a:spcPct val="90000"/>
+            </a:lnSpc>
+            <a:spcBef>
+              <a:spcPct val="0"/>
+            </a:spcBef>
+            <a:spcAft>
+              <a:spcPct val="35000"/>
+            </a:spcAft>
+            <a:buNone/>
+          </a:pPr>
+          <a:r>
+            <a:rPr lang="en-US" sz="1200" kern="1200" dirty="0">
+              <a:solidFill>
+                <a:prstClr val="black">
+                  <a:hueOff val="0"/>
+                  <a:satOff val="0"/>
+                  <a:lumOff val="0"/>
+                  <a:alphaOff val="0"/>
+                </a:prstClr>
+              </a:solidFill>
+              <a:latin typeface="Calibri"/>
+              <a:ea typeface="+mn-ea"/>
+              <a:cs typeface="+mn-cs"/>
+            </a:rPr>
+            <a:t>Computing with Trees and Graphs</a:t>
+          </a:r>
+        </a:p>
+      </dsp:txBody>
+      <dsp:txXfrm>
+        <a:off x="2699754" y="1543732"/>
+        <a:ext cx="940568" cy="574451"/>
+      </dsp:txXfrm>
+    </dsp:sp>
+    <dsp:sp modelId="{35FE4D4C-3CA0-4CCA-8F9D-1668C574961B}">
+      <dsp:nvSpPr>
+        <dsp:cNvPr id="0" name=""/>
+        <dsp:cNvSpPr/>
+      </dsp:nvSpPr>
+      <dsp:spPr>
+        <a:xfrm>
+          <a:off x="2559843" y="610567"/>
+          <a:ext cx="122039" cy="1983134"/>
+        </a:xfrm>
+        <a:custGeom>
+          <a:avLst/>
+          <a:gdLst/>
+          <a:ahLst/>
+          <a:cxnLst/>
+          <a:rect l="0" t="0" r="0" b="0"/>
+          <a:pathLst>
+            <a:path>
+              <a:moveTo>
+                <a:pt x="0" y="0"/>
+              </a:moveTo>
+              <a:lnTo>
+                <a:pt x="0" y="1983134"/>
+              </a:lnTo>
+              <a:lnTo>
+                <a:pt x="122039" y="1983134"/>
+              </a:lnTo>
+            </a:path>
+          </a:pathLst>
+        </a:custGeom>
+        <a:noFill/>
+        <a:ln w="25400" cap="flat" cmpd="sng" algn="ctr">
+          <a:solidFill>
+            <a:schemeClr val="accent1">
+              <a:shade val="60000"/>
+              <a:hueOff val="0"/>
+              <a:satOff val="0"/>
+              <a:lumOff val="0"/>
+              <a:alphaOff val="0"/>
+            </a:schemeClr>
+          </a:solidFill>
+          <a:prstDash val="solid"/>
+        </a:ln>
+        <a:effectLst/>
+      </dsp:spPr>
+      <dsp:style>
+        <a:lnRef idx="2">
+          <a:scrgbClr r="0" g="0" b="0"/>
+        </a:lnRef>
+        <a:fillRef idx="0">
+          <a:scrgbClr r="0" g="0" b="0"/>
+        </a:fillRef>
+        <a:effectRef idx="0">
+          <a:scrgbClr r="0" g="0" b="0"/>
+        </a:effectRef>
+        <a:fontRef idx="minor"/>
+      </dsp:style>
+    </dsp:sp>
+    <dsp:sp modelId="{375B2884-C079-4ABC-AF46-CC7B31EF2123}">
+      <dsp:nvSpPr>
+        <dsp:cNvPr id="0" name=""/>
+        <dsp:cNvSpPr/>
+      </dsp:nvSpPr>
+      <dsp:spPr>
+        <a:xfrm>
+          <a:off x="2681882" y="2288604"/>
+          <a:ext cx="976312" cy="610195"/>
+        </a:xfrm>
+        <a:prstGeom prst="roundRect">
+          <a:avLst>
+            <a:gd name="adj" fmla="val 10000"/>
+          </a:avLst>
+        </a:prstGeom>
+        <a:solidFill>
+          <a:prstClr val="white">
+            <a:alpha val="90000"/>
+            <a:hueOff val="0"/>
+            <a:satOff val="0"/>
+            <a:lumOff val="0"/>
+            <a:alphaOff val="0"/>
+          </a:prstClr>
+        </a:solidFill>
+        <a:ln w="25400" cap="flat" cmpd="sng" algn="ctr">
+          <a:solidFill>
+            <a:srgbClr val="4F81BD">
+              <a:hueOff val="0"/>
+              <a:satOff val="0"/>
+              <a:lumOff val="0"/>
+              <a:alphaOff val="0"/>
+            </a:srgbClr>
+          </a:solidFill>
+          <a:prstDash val="solid"/>
+        </a:ln>
+        <a:effectLst/>
+      </dsp:spPr>
+      <dsp:style>
+        <a:lnRef idx="2">
+          <a:scrgbClr r="0" g="0" b="0"/>
+        </a:lnRef>
+        <a:fillRef idx="1">
+          <a:scrgbClr r="0" g="0" b="0"/>
+        </a:fillRef>
+        <a:effectRef idx="0">
+          <a:scrgbClr r="0" g="0" b="0"/>
+        </a:effectRef>
+        <a:fontRef idx="minor"/>
+      </dsp:style>
+      <dsp:txBody>
+        <a:bodyPr spcFirstLastPara="0" vert="horz" wrap="square" lIns="22860" tIns="15240" rIns="22860" bIns="15240" numCol="1" spcCol="1270" anchor="ctr" anchorCtr="0">
+          <a:noAutofit/>
+        </a:bodyPr>
+        <a:lstStyle/>
+        <a:p>
+          <a:pPr marL="0" lvl="0" indent="0" algn="ctr" defTabSz="533400">
+            <a:lnSpc>
+              <a:spcPct val="90000"/>
+            </a:lnSpc>
+            <a:spcBef>
+              <a:spcPct val="0"/>
+            </a:spcBef>
+            <a:spcAft>
+              <a:spcPct val="35000"/>
+            </a:spcAft>
+            <a:buNone/>
+          </a:pPr>
+          <a:r>
+            <a:rPr lang="en-US" sz="1200" kern="1200" dirty="0">
+              <a:solidFill>
+                <a:prstClr val="black">
+                  <a:hueOff val="0"/>
+                  <a:satOff val="0"/>
+                  <a:lumOff val="0"/>
+                  <a:alphaOff val="0"/>
+                </a:prstClr>
+              </a:solidFill>
+              <a:latin typeface="Calibri"/>
+              <a:ea typeface="+mn-ea"/>
+              <a:cs typeface="+mn-cs"/>
+            </a:rPr>
+            <a:t>Computing</a:t>
+          </a:r>
+          <a:r>
+            <a:rPr lang="en-US" sz="1000" kern="1200" dirty="0"/>
+            <a:t> with Higher-Order Functions</a:t>
+          </a:r>
+        </a:p>
+      </dsp:txBody>
+      <dsp:txXfrm>
+        <a:off x="2699754" y="2306476"/>
+        <a:ext cx="940568" cy="574451"/>
+      </dsp:txXfrm>
+    </dsp:sp>
+    <dsp:sp modelId="{16CFAB30-3E6A-44D7-A45D-E3066E142053}">
+      <dsp:nvSpPr>
+        <dsp:cNvPr id="0" name=""/>
+        <dsp:cNvSpPr/>
+      </dsp:nvSpPr>
+      <dsp:spPr>
+        <a:xfrm>
+          <a:off x="2559843" y="610567"/>
+          <a:ext cx="122039" cy="2745878"/>
+        </a:xfrm>
+        <a:custGeom>
+          <a:avLst/>
+          <a:gdLst/>
+          <a:ahLst/>
+          <a:cxnLst/>
+          <a:rect l="0" t="0" r="0" b="0"/>
+          <a:pathLst>
+            <a:path>
+              <a:moveTo>
+                <a:pt x="0" y="0"/>
+              </a:moveTo>
+              <a:lnTo>
+                <a:pt x="0" y="2745878"/>
+              </a:lnTo>
+              <a:lnTo>
+                <a:pt x="122039" y="2745878"/>
+              </a:lnTo>
+            </a:path>
+          </a:pathLst>
+        </a:custGeom>
+        <a:noFill/>
+        <a:ln w="25400" cap="flat" cmpd="sng" algn="ctr">
+          <a:solidFill>
+            <a:schemeClr val="accent1">
+              <a:shade val="60000"/>
+              <a:hueOff val="0"/>
+              <a:satOff val="0"/>
+              <a:lumOff val="0"/>
+              <a:alphaOff val="0"/>
+            </a:schemeClr>
+          </a:solidFill>
+          <a:prstDash val="solid"/>
+        </a:ln>
+        <a:effectLst/>
+      </dsp:spPr>
+      <dsp:style>
+        <a:lnRef idx="2">
+          <a:scrgbClr r="0" g="0" b="0"/>
+        </a:lnRef>
+        <a:fillRef idx="0">
+          <a:scrgbClr r="0" g="0" b="0"/>
+        </a:fillRef>
+        <a:effectRef idx="0">
+          <a:scrgbClr r="0" g="0" b="0"/>
+        </a:effectRef>
+        <a:fontRef idx="minor"/>
+      </dsp:style>
+    </dsp:sp>
+    <dsp:sp modelId="{5F9726AA-E8AD-4C5C-A0CA-2350C4F8CAFA}">
+      <dsp:nvSpPr>
+        <dsp:cNvPr id="0" name=""/>
+        <dsp:cNvSpPr/>
+      </dsp:nvSpPr>
+      <dsp:spPr>
+        <a:xfrm>
+          <a:off x="2681882" y="3051348"/>
+          <a:ext cx="976312" cy="610195"/>
+        </a:xfrm>
+        <a:prstGeom prst="roundRect">
+          <a:avLst>
+            <a:gd name="adj" fmla="val 10000"/>
+          </a:avLst>
+        </a:prstGeom>
+        <a:solidFill>
+          <a:prstClr val="white">
+            <a:alpha val="90000"/>
+            <a:hueOff val="0"/>
+            <a:satOff val="0"/>
+            <a:lumOff val="0"/>
+            <a:alphaOff val="0"/>
+          </a:prstClr>
+        </a:solidFill>
+        <a:ln w="25400" cap="flat" cmpd="sng" algn="ctr">
+          <a:solidFill>
+            <a:srgbClr val="4F81BD">
+              <a:hueOff val="0"/>
+              <a:satOff val="0"/>
+              <a:lumOff val="0"/>
+              <a:alphaOff val="0"/>
+            </a:srgbClr>
+          </a:solidFill>
+          <a:prstDash val="solid"/>
+        </a:ln>
+        <a:effectLst/>
+      </dsp:spPr>
+      <dsp:style>
+        <a:lnRef idx="2">
+          <a:scrgbClr r="0" g="0" b="0"/>
+        </a:lnRef>
+        <a:fillRef idx="1">
+          <a:scrgbClr r="0" g="0" b="0"/>
+        </a:fillRef>
+        <a:effectRef idx="0">
+          <a:scrgbClr r="0" g="0" b="0"/>
+        </a:effectRef>
+        <a:fontRef idx="minor"/>
+      </dsp:style>
+      <dsp:txBody>
+        <a:bodyPr spcFirstLastPara="0" vert="horz" wrap="square" lIns="22860" tIns="15240" rIns="22860" bIns="15240" numCol="1" spcCol="1270" anchor="ctr" anchorCtr="0">
+          <a:noAutofit/>
+        </a:bodyPr>
+        <a:lstStyle/>
+        <a:p>
+          <a:pPr marL="0" lvl="0" indent="0" algn="ctr" defTabSz="533400">
+            <a:lnSpc>
+              <a:spcPct val="90000"/>
+            </a:lnSpc>
+            <a:spcBef>
+              <a:spcPct val="0"/>
+            </a:spcBef>
+            <a:spcAft>
+              <a:spcPct val="35000"/>
+            </a:spcAft>
+            <a:buNone/>
+          </a:pPr>
+          <a:r>
+            <a:rPr lang="en-US" sz="1200" kern="1200" dirty="0">
+              <a:solidFill>
+                <a:prstClr val="black">
+                  <a:hueOff val="0"/>
+                  <a:satOff val="0"/>
+                  <a:lumOff val="0"/>
+                  <a:alphaOff val="0"/>
+                </a:prstClr>
+              </a:solidFill>
+              <a:latin typeface="Calibri"/>
+              <a:ea typeface="+mn-ea"/>
+              <a:cs typeface="+mn-cs"/>
+            </a:rPr>
+            <a:t>Designing</a:t>
+          </a:r>
+          <a:r>
+            <a:rPr lang="en-US" sz="1200" kern="1200" dirty="0"/>
+            <a:t> with Invariants</a:t>
+          </a:r>
+        </a:p>
+      </dsp:txBody>
+      <dsp:txXfrm>
+        <a:off x="2699754" y="3069220"/>
+        <a:ext cx="940568" cy="574451"/>
+      </dsp:txXfrm>
+    </dsp:sp>
+    <dsp:sp modelId="{0ECF28DA-9925-4B5B-97B1-BDA459502114}">
+      <dsp:nvSpPr>
+        <dsp:cNvPr id="0" name=""/>
+        <dsp:cNvSpPr/>
+      </dsp:nvSpPr>
+      <dsp:spPr>
+        <a:xfrm>
+          <a:off x="2559843" y="610567"/>
+          <a:ext cx="122039" cy="3556495"/>
+        </a:xfrm>
+        <a:custGeom>
+          <a:avLst/>
+          <a:gdLst/>
+          <a:ahLst/>
+          <a:cxnLst/>
+          <a:rect l="0" t="0" r="0" b="0"/>
+          <a:pathLst>
+            <a:path>
+              <a:moveTo>
+                <a:pt x="0" y="0"/>
+              </a:moveTo>
+              <a:lnTo>
+                <a:pt x="0" y="3556495"/>
+              </a:lnTo>
+              <a:lnTo>
+                <a:pt x="122039" y="3556495"/>
+              </a:lnTo>
+            </a:path>
+          </a:pathLst>
+        </a:custGeom>
+        <a:noFill/>
+        <a:ln w="25400" cap="flat" cmpd="sng" algn="ctr">
+          <a:solidFill>
+            <a:schemeClr val="accent1">
+              <a:shade val="60000"/>
+              <a:hueOff val="0"/>
+              <a:satOff val="0"/>
+              <a:lumOff val="0"/>
+              <a:alphaOff val="0"/>
+            </a:schemeClr>
+          </a:solidFill>
+          <a:prstDash val="solid"/>
+        </a:ln>
+        <a:effectLst/>
+      </dsp:spPr>
+      <dsp:style>
+        <a:lnRef idx="2">
+          <a:scrgbClr r="0" g="0" b="0"/>
+        </a:lnRef>
+        <a:fillRef idx="0">
+          <a:scrgbClr r="0" g="0" b="0"/>
+        </a:fillRef>
+        <a:effectRef idx="0">
+          <a:scrgbClr r="0" g="0" b="0"/>
+        </a:effectRef>
+        <a:fontRef idx="minor"/>
+      </dsp:style>
+    </dsp:sp>
+    <dsp:sp modelId="{5A2BB121-DDEE-46A8-AC09-18496F773E62}">
+      <dsp:nvSpPr>
+        <dsp:cNvPr id="0" name=""/>
+        <dsp:cNvSpPr/>
+      </dsp:nvSpPr>
+      <dsp:spPr>
+        <a:xfrm>
+          <a:off x="2681882" y="3814092"/>
+          <a:ext cx="976312" cy="705941"/>
+        </a:xfrm>
+        <a:prstGeom prst="roundRect">
+          <a:avLst>
+            <a:gd name="adj" fmla="val 10000"/>
+          </a:avLst>
+        </a:prstGeom>
+        <a:solidFill>
+          <a:prstClr val="white">
+            <a:alpha val="90000"/>
+            <a:hueOff val="0"/>
+            <a:satOff val="0"/>
+            <a:lumOff val="0"/>
+            <a:alphaOff val="0"/>
+          </a:prstClr>
+        </a:solidFill>
+        <a:ln w="25400" cap="flat" cmpd="sng" algn="ctr">
+          <a:solidFill>
+            <a:srgbClr val="4F81BD">
+              <a:hueOff val="0"/>
+              <a:satOff val="0"/>
+              <a:lumOff val="0"/>
+              <a:alphaOff val="0"/>
+            </a:srgbClr>
+          </a:solidFill>
+          <a:prstDash val="solid"/>
+        </a:ln>
+        <a:effectLst/>
+      </dsp:spPr>
+      <dsp:style>
+        <a:lnRef idx="2">
+          <a:scrgbClr r="0" g="0" b="0"/>
+        </a:lnRef>
+        <a:fillRef idx="1">
+          <a:scrgbClr r="0" g="0" b="0"/>
+        </a:fillRef>
+        <a:effectRef idx="0">
+          <a:scrgbClr r="0" g="0" b="0"/>
+        </a:effectRef>
+        <a:fontRef idx="minor"/>
+      </dsp:style>
+      <dsp:txBody>
+        <a:bodyPr spcFirstLastPara="0" vert="horz" wrap="square" lIns="22860" tIns="15240" rIns="22860" bIns="15240" numCol="1" spcCol="1270" anchor="ctr" anchorCtr="0">
+          <a:noAutofit/>
+        </a:bodyPr>
+        <a:lstStyle/>
+        <a:p>
+          <a:pPr marL="0" lvl="0" indent="0" algn="ctr" defTabSz="533400">
+            <a:lnSpc>
+              <a:spcPct val="90000"/>
+            </a:lnSpc>
+            <a:spcBef>
+              <a:spcPct val="0"/>
+            </a:spcBef>
+            <a:spcAft>
+              <a:spcPct val="35000"/>
+            </a:spcAft>
+            <a:buNone/>
+          </a:pPr>
+          <a:r>
+            <a:rPr lang="en-US" sz="1200" kern="1200" dirty="0"/>
+            <a:t>Thinking </a:t>
+          </a:r>
+          <a:r>
+            <a:rPr lang="en-US" sz="1200" kern="1200" dirty="0">
+              <a:solidFill>
+                <a:prstClr val="black">
+                  <a:hueOff val="0"/>
+                  <a:satOff val="0"/>
+                  <a:lumOff val="0"/>
+                  <a:alphaOff val="0"/>
+                </a:prstClr>
+              </a:solidFill>
+              <a:latin typeface="Calibri"/>
+              <a:ea typeface="+mn-ea"/>
+              <a:cs typeface="+mn-cs"/>
+            </a:rPr>
+            <a:t>about</a:t>
+          </a:r>
+          <a:r>
+            <a:rPr lang="en-US" sz="1200" kern="1200" dirty="0"/>
+            <a:t> Efficiency</a:t>
+          </a:r>
+        </a:p>
+      </dsp:txBody>
+      <dsp:txXfrm>
+        <a:off x="2702558" y="3834768"/>
+        <a:ext cx="934960" cy="664589"/>
+      </dsp:txXfrm>
+    </dsp:sp>
+    <dsp:sp modelId="{3DB7ADFA-DCAB-4034-9F43-B860EBE864E8}">
+      <dsp:nvSpPr>
+        <dsp:cNvPr id="0" name=""/>
+        <dsp:cNvSpPr/>
+      </dsp:nvSpPr>
+      <dsp:spPr>
+        <a:xfrm>
+          <a:off x="3963292" y="372"/>
+          <a:ext cx="1220390" cy="610195"/>
+        </a:xfrm>
+        <a:prstGeom prst="roundRect">
+          <a:avLst>
+            <a:gd name="adj" fmla="val 10000"/>
+          </a:avLst>
+        </a:prstGeom>
+        <a:solidFill>
+          <a:schemeClr val="accent1">
+            <a:hueOff val="0"/>
+            <a:satOff val="0"/>
+            <a:lumOff val="0"/>
+            <a:alphaOff val="0"/>
+          </a:schemeClr>
+        </a:solidFill>
+        <a:ln w="25400" cap="flat" cmpd="sng" algn="ctr">
+          <a:solidFill>
+            <a:schemeClr val="lt1">
+              <a:hueOff val="0"/>
+              <a:satOff val="0"/>
+              <a:lumOff val="0"/>
+              <a:alphaOff val="0"/>
+            </a:schemeClr>
+          </a:solidFill>
+          <a:prstDash val="solid"/>
+        </a:ln>
+        <a:effectLst/>
+      </dsp:spPr>
+      <dsp:style>
+        <a:lnRef idx="2">
+          <a:scrgbClr r="0" g="0" b="0"/>
+        </a:lnRef>
+        <a:fillRef idx="1">
+          <a:scrgbClr r="0" g="0" b="0"/>
+        </a:fillRef>
+        <a:effectRef idx="0">
+          <a:scrgbClr r="0" g="0" b="0"/>
+        </a:effectRef>
+        <a:fontRef idx="minor">
+          <a:schemeClr val="lt1"/>
+        </a:fontRef>
+      </dsp:style>
+      <dsp:txBody>
+        <a:bodyPr spcFirstLastPara="0" vert="horz" wrap="square" lIns="24765" tIns="16510" rIns="24765" bIns="16510" numCol="1" spcCol="1270" anchor="ctr" anchorCtr="0">
+          <a:noAutofit/>
+        </a:bodyPr>
+        <a:lstStyle/>
+        <a:p>
+          <a:pPr marL="0" lvl="0" indent="0" algn="ctr" defTabSz="577850">
+            <a:lnSpc>
+              <a:spcPct val="90000"/>
+            </a:lnSpc>
+            <a:spcBef>
+              <a:spcPct val="0"/>
+            </a:spcBef>
+            <a:spcAft>
+              <a:spcPct val="35000"/>
+            </a:spcAft>
+            <a:buNone/>
+          </a:pPr>
+          <a:r>
+            <a:rPr lang="en-US" sz="1300" kern="1200" dirty="0"/>
+            <a:t>Object-Oriented Programming</a:t>
+          </a:r>
+        </a:p>
+      </dsp:txBody>
+      <dsp:txXfrm>
+        <a:off x="3981164" y="18244"/>
+        <a:ext cx="1184646" cy="574451"/>
+      </dsp:txXfrm>
+    </dsp:sp>
+    <dsp:sp modelId="{278D3975-9588-4A95-85BD-D062BB0AE1A4}">
+      <dsp:nvSpPr>
+        <dsp:cNvPr id="0" name=""/>
+        <dsp:cNvSpPr/>
+      </dsp:nvSpPr>
+      <dsp:spPr>
+        <a:xfrm>
+          <a:off x="4085332" y="610567"/>
+          <a:ext cx="122039" cy="457646"/>
+        </a:xfrm>
+        <a:custGeom>
+          <a:avLst/>
+          <a:gdLst/>
+          <a:ahLst/>
+          <a:cxnLst/>
+          <a:rect l="0" t="0" r="0" b="0"/>
+          <a:pathLst>
+            <a:path>
+              <a:moveTo>
+                <a:pt x="0" y="0"/>
+              </a:moveTo>
+              <a:lnTo>
+                <a:pt x="0" y="457646"/>
+              </a:lnTo>
+              <a:lnTo>
+                <a:pt x="122039" y="457646"/>
+              </a:lnTo>
+            </a:path>
+          </a:pathLst>
+        </a:custGeom>
+        <a:noFill/>
+        <a:ln w="25400" cap="flat" cmpd="sng" algn="ctr">
+          <a:solidFill>
+            <a:schemeClr val="accent1">
+              <a:shade val="60000"/>
+              <a:hueOff val="0"/>
+              <a:satOff val="0"/>
+              <a:lumOff val="0"/>
+              <a:alphaOff val="0"/>
+            </a:schemeClr>
+          </a:solidFill>
+          <a:prstDash val="solid"/>
+        </a:ln>
+        <a:effectLst/>
+      </dsp:spPr>
+      <dsp:style>
+        <a:lnRef idx="2">
+          <a:scrgbClr r="0" g="0" b="0"/>
+        </a:lnRef>
+        <a:fillRef idx="0">
+          <a:scrgbClr r="0" g="0" b="0"/>
+        </a:fillRef>
+        <a:effectRef idx="0">
+          <a:scrgbClr r="0" g="0" b="0"/>
+        </a:effectRef>
+        <a:fontRef idx="minor"/>
+      </dsp:style>
+    </dsp:sp>
+    <dsp:sp modelId="{EDB6085A-8F2B-4B84-887D-9DD4BEC6E4E1}">
+      <dsp:nvSpPr>
+        <dsp:cNvPr id="0" name=""/>
+        <dsp:cNvSpPr/>
+      </dsp:nvSpPr>
+      <dsp:spPr>
+        <a:xfrm>
+          <a:off x="4207371" y="763116"/>
+          <a:ext cx="976312" cy="610195"/>
+        </a:xfrm>
+        <a:prstGeom prst="roundRect">
+          <a:avLst>
+            <a:gd name="adj" fmla="val 10000"/>
+          </a:avLst>
+        </a:prstGeom>
+        <a:solidFill>
+          <a:prstClr val="white">
+            <a:alpha val="90000"/>
+            <a:hueOff val="0"/>
+            <a:satOff val="0"/>
+            <a:lumOff val="0"/>
+            <a:alphaOff val="0"/>
+          </a:prstClr>
+        </a:solidFill>
+        <a:ln w="25400" cap="flat" cmpd="sng" algn="ctr">
+          <a:solidFill>
+            <a:srgbClr val="4F81BD">
+              <a:hueOff val="0"/>
+              <a:satOff val="0"/>
+              <a:lumOff val="0"/>
+              <a:alphaOff val="0"/>
+            </a:srgbClr>
+          </a:solidFill>
+          <a:prstDash val="solid"/>
+        </a:ln>
+        <a:effectLst/>
+      </dsp:spPr>
+      <dsp:style>
+        <a:lnRef idx="2">
+          <a:scrgbClr r="0" g="0" b="0"/>
+        </a:lnRef>
+        <a:fillRef idx="1">
+          <a:scrgbClr r="0" g="0" b="0"/>
+        </a:fillRef>
+        <a:effectRef idx="0">
+          <a:scrgbClr r="0" g="0" b="0"/>
+        </a:effectRef>
+        <a:fontRef idx="minor"/>
+      </dsp:style>
+      <dsp:txBody>
+        <a:bodyPr spcFirstLastPara="0" vert="horz" wrap="square" lIns="22860" tIns="15240" rIns="22860" bIns="15240" numCol="1" spcCol="1270" anchor="ctr" anchorCtr="0">
+          <a:noAutofit/>
+        </a:bodyPr>
+        <a:lstStyle/>
+        <a:p>
+          <a:pPr marL="0" lvl="0" indent="0" algn="ctr" defTabSz="533400">
+            <a:lnSpc>
+              <a:spcPct val="90000"/>
+            </a:lnSpc>
+            <a:spcBef>
+              <a:spcPct val="0"/>
+            </a:spcBef>
+            <a:spcAft>
+              <a:spcPct val="35000"/>
+            </a:spcAft>
+            <a:buNone/>
+          </a:pPr>
+          <a:r>
+            <a:rPr lang="en-US" sz="1200" kern="1200" dirty="0">
+              <a:solidFill>
+                <a:prstClr val="black">
+                  <a:hueOff val="0"/>
+                  <a:satOff val="0"/>
+                  <a:lumOff val="0"/>
+                  <a:alphaOff val="0"/>
+                </a:prstClr>
+              </a:solidFill>
+              <a:latin typeface="Calibri"/>
+              <a:ea typeface="+mn-ea"/>
+              <a:cs typeface="+mn-cs"/>
+            </a:rPr>
+            <a:t>Interfaces</a:t>
+          </a:r>
+          <a:r>
+            <a:rPr lang="en-US" sz="1200" kern="1200" dirty="0"/>
+            <a:t> and Classes</a:t>
+          </a:r>
+        </a:p>
+      </dsp:txBody>
+      <dsp:txXfrm>
+        <a:off x="4225243" y="780988"/>
+        <a:ext cx="940568" cy="574451"/>
+      </dsp:txXfrm>
+    </dsp:sp>
+    <dsp:sp modelId="{9C05BE7E-FC1F-4CC6-8FAB-3504F91E9A3A}">
+      <dsp:nvSpPr>
+        <dsp:cNvPr id="0" name=""/>
+        <dsp:cNvSpPr/>
+      </dsp:nvSpPr>
+      <dsp:spPr>
+        <a:xfrm>
+          <a:off x="4085332" y="610567"/>
+          <a:ext cx="122039" cy="1220390"/>
+        </a:xfrm>
+        <a:custGeom>
+          <a:avLst/>
+          <a:gdLst/>
+          <a:ahLst/>
+          <a:cxnLst/>
+          <a:rect l="0" t="0" r="0" b="0"/>
+          <a:pathLst>
+            <a:path>
+              <a:moveTo>
+                <a:pt x="0" y="0"/>
+              </a:moveTo>
+              <a:lnTo>
+                <a:pt x="0" y="1220390"/>
+              </a:lnTo>
+              <a:lnTo>
+                <a:pt x="122039" y="1220390"/>
+              </a:lnTo>
+            </a:path>
+          </a:pathLst>
+        </a:custGeom>
+        <a:noFill/>
+        <a:ln w="25400" cap="flat" cmpd="sng" algn="ctr">
+          <a:solidFill>
+            <a:schemeClr val="accent1">
+              <a:shade val="60000"/>
+              <a:hueOff val="0"/>
+              <a:satOff val="0"/>
+              <a:lumOff val="0"/>
+              <a:alphaOff val="0"/>
+            </a:schemeClr>
+          </a:solidFill>
+          <a:prstDash val="solid"/>
+        </a:ln>
+        <a:effectLst/>
+      </dsp:spPr>
+      <dsp:style>
+        <a:lnRef idx="2">
+          <a:scrgbClr r="0" g="0" b="0"/>
+        </a:lnRef>
+        <a:fillRef idx="0">
+          <a:scrgbClr r="0" g="0" b="0"/>
+        </a:fillRef>
+        <a:effectRef idx="0">
+          <a:scrgbClr r="0" g="0" b="0"/>
+        </a:effectRef>
+        <a:fontRef idx="minor"/>
+      </dsp:style>
+    </dsp:sp>
+    <dsp:sp modelId="{DA978C10-45FD-4D26-8760-9D8C9CF54865}">
+      <dsp:nvSpPr>
+        <dsp:cNvPr id="0" name=""/>
+        <dsp:cNvSpPr/>
+      </dsp:nvSpPr>
+      <dsp:spPr>
+        <a:xfrm>
+          <a:off x="4207371" y="1525860"/>
+          <a:ext cx="976312" cy="610195"/>
+        </a:xfrm>
+        <a:prstGeom prst="roundRect">
+          <a:avLst>
+            <a:gd name="adj" fmla="val 10000"/>
+          </a:avLst>
+        </a:prstGeom>
+        <a:solidFill>
+          <a:prstClr val="white">
+            <a:alpha val="90000"/>
+            <a:hueOff val="0"/>
+            <a:satOff val="0"/>
+            <a:lumOff val="0"/>
+            <a:alphaOff val="0"/>
+          </a:prstClr>
+        </a:solidFill>
+        <a:ln w="25400" cap="flat" cmpd="sng" algn="ctr">
+          <a:solidFill>
+            <a:srgbClr val="4F81BD">
+              <a:hueOff val="0"/>
+              <a:satOff val="0"/>
+              <a:lumOff val="0"/>
+              <a:alphaOff val="0"/>
+            </a:srgbClr>
+          </a:solidFill>
+          <a:prstDash val="solid"/>
+        </a:ln>
+        <a:effectLst/>
+      </dsp:spPr>
+      <dsp:style>
+        <a:lnRef idx="2">
+          <a:scrgbClr r="0" g="0" b="0"/>
+        </a:lnRef>
+        <a:fillRef idx="1">
+          <a:scrgbClr r="0" g="0" b="0"/>
+        </a:fillRef>
+        <a:effectRef idx="0">
+          <a:scrgbClr r="0" g="0" b="0"/>
+        </a:effectRef>
+        <a:fontRef idx="minor"/>
+      </dsp:style>
+      <dsp:txBody>
+        <a:bodyPr spcFirstLastPara="0" vert="horz" wrap="square" lIns="22860" tIns="15240" rIns="22860" bIns="15240" numCol="1" spcCol="1270" anchor="ctr" anchorCtr="0">
+          <a:noAutofit/>
+        </a:bodyPr>
+        <a:lstStyle/>
+        <a:p>
+          <a:pPr marL="0" lvl="0" indent="0" algn="ctr" defTabSz="533400">
+            <a:lnSpc>
+              <a:spcPct val="90000"/>
+            </a:lnSpc>
+            <a:spcBef>
+              <a:spcPct val="0"/>
+            </a:spcBef>
+            <a:spcAft>
+              <a:spcPct val="35000"/>
+            </a:spcAft>
+            <a:buNone/>
+          </a:pPr>
+          <a:r>
+            <a:rPr lang="en-US" sz="1200" kern="1200" dirty="0">
+              <a:solidFill>
+                <a:prstClr val="black">
+                  <a:hueOff val="0"/>
+                  <a:satOff val="0"/>
+                  <a:lumOff val="0"/>
+                  <a:alphaOff val="0"/>
+                </a:prstClr>
+              </a:solidFill>
+              <a:latin typeface="Calibri"/>
+              <a:ea typeface="+mn-ea"/>
+              <a:cs typeface="+mn-cs"/>
+            </a:rPr>
+            <a:t>Implementing ADTs in Java</a:t>
+          </a:r>
+        </a:p>
+      </dsp:txBody>
+      <dsp:txXfrm>
+        <a:off x="4225243" y="1543732"/>
+        <a:ext cx="940568" cy="574451"/>
+      </dsp:txXfrm>
+    </dsp:sp>
+    <dsp:sp modelId="{FF100697-267A-4BC5-8DA9-B1F7321DFE84}">
+      <dsp:nvSpPr>
+        <dsp:cNvPr id="0" name=""/>
+        <dsp:cNvSpPr/>
+      </dsp:nvSpPr>
+      <dsp:spPr>
+        <a:xfrm>
+          <a:off x="4085332" y="610567"/>
+          <a:ext cx="122039" cy="1983134"/>
+        </a:xfrm>
+        <a:custGeom>
+          <a:avLst/>
+          <a:gdLst/>
+          <a:ahLst/>
+          <a:cxnLst/>
+          <a:rect l="0" t="0" r="0" b="0"/>
+          <a:pathLst>
+            <a:path>
+              <a:moveTo>
+                <a:pt x="0" y="0"/>
+              </a:moveTo>
+              <a:lnTo>
+                <a:pt x="0" y="1983134"/>
+              </a:lnTo>
+              <a:lnTo>
+                <a:pt x="122039" y="1983134"/>
+              </a:lnTo>
+            </a:path>
+          </a:pathLst>
+        </a:custGeom>
+        <a:noFill/>
+        <a:ln w="25400" cap="flat" cmpd="sng" algn="ctr">
+          <a:solidFill>
+            <a:schemeClr val="accent1">
+              <a:shade val="60000"/>
+              <a:hueOff val="0"/>
+              <a:satOff val="0"/>
+              <a:lumOff val="0"/>
+              <a:alphaOff val="0"/>
+            </a:schemeClr>
+          </a:solidFill>
+          <a:prstDash val="solid"/>
+        </a:ln>
+        <a:effectLst/>
+      </dsp:spPr>
+      <dsp:style>
+        <a:lnRef idx="2">
+          <a:scrgbClr r="0" g="0" b="0"/>
+        </a:lnRef>
+        <a:fillRef idx="0">
+          <a:scrgbClr r="0" g="0" b="0"/>
+        </a:fillRef>
+        <a:effectRef idx="0">
+          <a:scrgbClr r="0" g="0" b="0"/>
+        </a:effectRef>
+        <a:fontRef idx="minor"/>
+      </dsp:style>
+    </dsp:sp>
+    <dsp:sp modelId="{291D5A65-BA4D-4BF4-8D0F-050F9D81FBB6}">
+      <dsp:nvSpPr>
+        <dsp:cNvPr id="0" name=""/>
+        <dsp:cNvSpPr/>
+      </dsp:nvSpPr>
+      <dsp:spPr>
+        <a:xfrm>
+          <a:off x="4207371" y="2288604"/>
+          <a:ext cx="976312" cy="610195"/>
+        </a:xfrm>
+        <a:prstGeom prst="roundRect">
+          <a:avLst>
+            <a:gd name="adj" fmla="val 10000"/>
+          </a:avLst>
+        </a:prstGeom>
+        <a:solidFill>
+          <a:srgbClr val="C0504D">
+            <a:lumMod val="60000"/>
+            <a:lumOff val="40000"/>
+            <a:alpha val="90000"/>
+          </a:srgbClr>
+        </a:solidFill>
+        <a:ln w="25400" cap="flat" cmpd="sng" algn="ctr">
+          <a:noFill/>
+          <a:prstDash val="solid"/>
+        </a:ln>
+        <a:effectLst/>
+      </dsp:spPr>
+      <dsp:style>
+        <a:lnRef idx="2">
+          <a:scrgbClr r="0" g="0" b="0"/>
+        </a:lnRef>
+        <a:fillRef idx="1">
+          <a:scrgbClr r="0" g="0" b="0"/>
+        </a:fillRef>
+        <a:effectRef idx="0">
+          <a:scrgbClr r="0" g="0" b="0"/>
+        </a:effectRef>
+        <a:fontRef idx="minor"/>
+      </dsp:style>
+      <dsp:txBody>
+        <a:bodyPr spcFirstLastPara="0" vert="horz" wrap="square" lIns="19050" tIns="12700" rIns="19050" bIns="12700" numCol="1" spcCol="1270" anchor="ctr" anchorCtr="0">
+          <a:noAutofit/>
+        </a:bodyPr>
+        <a:lstStyle/>
+        <a:p>
+          <a:pPr marL="0" lvl="0" indent="0" algn="ctr" defTabSz="533400">
+            <a:lnSpc>
+              <a:spcPct val="90000"/>
+            </a:lnSpc>
+            <a:spcBef>
+              <a:spcPct val="0"/>
+            </a:spcBef>
+            <a:spcAft>
+              <a:spcPct val="35000"/>
+            </a:spcAft>
+            <a:buNone/>
+          </a:pPr>
+          <a:r>
+            <a:rPr lang="en-US" sz="1200" kern="1200" dirty="0">
+              <a:solidFill>
+                <a:prstClr val="black">
+                  <a:hueOff val="0"/>
+                  <a:satOff val="0"/>
+                  <a:lumOff val="0"/>
+                  <a:alphaOff val="0"/>
+                </a:prstClr>
+              </a:solidFill>
+              <a:latin typeface="Calibri"/>
+              <a:ea typeface="+mn-ea"/>
+              <a:cs typeface="+mn-cs"/>
+            </a:rPr>
+            <a:t>Inheritance in Java</a:t>
+          </a:r>
+        </a:p>
+      </dsp:txBody>
+      <dsp:txXfrm>
+        <a:off x="4225243" y="2306476"/>
+        <a:ext cx="940568" cy="574451"/>
+      </dsp:txXfrm>
+    </dsp:sp>
+    <dsp:sp modelId="{6B27DFF3-3021-4E99-BF73-829A6255425D}">
+      <dsp:nvSpPr>
+        <dsp:cNvPr id="0" name=""/>
+        <dsp:cNvSpPr/>
+      </dsp:nvSpPr>
+      <dsp:spPr>
+        <a:xfrm>
+          <a:off x="4085332" y="610567"/>
+          <a:ext cx="122039" cy="2745878"/>
+        </a:xfrm>
+        <a:custGeom>
+          <a:avLst/>
+          <a:gdLst/>
+          <a:ahLst/>
+          <a:cxnLst/>
+          <a:rect l="0" t="0" r="0" b="0"/>
+          <a:pathLst>
+            <a:path>
+              <a:moveTo>
+                <a:pt x="0" y="0"/>
+              </a:moveTo>
+              <a:lnTo>
+                <a:pt x="0" y="2745878"/>
+              </a:lnTo>
+              <a:lnTo>
+                <a:pt x="122039" y="2745878"/>
+              </a:lnTo>
+            </a:path>
+          </a:pathLst>
+        </a:custGeom>
+        <a:noFill/>
+        <a:ln w="25400" cap="flat" cmpd="sng" algn="ctr">
+          <a:solidFill>
+            <a:schemeClr val="accent1">
+              <a:shade val="60000"/>
+              <a:hueOff val="0"/>
+              <a:satOff val="0"/>
+              <a:lumOff val="0"/>
+              <a:alphaOff val="0"/>
+            </a:schemeClr>
+          </a:solidFill>
+          <a:prstDash val="solid"/>
+        </a:ln>
+        <a:effectLst/>
+      </dsp:spPr>
+      <dsp:style>
+        <a:lnRef idx="2">
+          <a:scrgbClr r="0" g="0" b="0"/>
+        </a:lnRef>
+        <a:fillRef idx="0">
+          <a:scrgbClr r="0" g="0" b="0"/>
+        </a:fillRef>
+        <a:effectRef idx="0">
+          <a:scrgbClr r="0" g="0" b="0"/>
+        </a:effectRef>
+        <a:fontRef idx="minor"/>
+      </dsp:style>
+    </dsp:sp>
+    <dsp:sp modelId="{88C17E61-7A2A-46D7-AC95-5E562286A33E}">
+      <dsp:nvSpPr>
+        <dsp:cNvPr id="0" name=""/>
+        <dsp:cNvSpPr/>
+      </dsp:nvSpPr>
+      <dsp:spPr>
+        <a:xfrm>
+          <a:off x="4207371" y="3051348"/>
+          <a:ext cx="976312" cy="610195"/>
+        </a:xfrm>
+        <a:prstGeom prst="roundRect">
+          <a:avLst>
+            <a:gd name="adj" fmla="val 10000"/>
+          </a:avLst>
+        </a:prstGeom>
+        <a:solidFill>
+          <a:schemeClr val="lt1">
+            <a:alpha val="90000"/>
+            <a:hueOff val="0"/>
+            <a:satOff val="0"/>
+            <a:lumOff val="0"/>
+            <a:alphaOff val="0"/>
+          </a:schemeClr>
+        </a:solidFill>
+        <a:ln w="25400" cap="flat" cmpd="sng" algn="ctr">
+          <a:solidFill>
+            <a:schemeClr val="accent1">
+              <a:hueOff val="0"/>
+              <a:satOff val="0"/>
+              <a:lumOff val="0"/>
+              <a:alphaOff val="0"/>
+            </a:schemeClr>
+          </a:solidFill>
+          <a:prstDash val="solid"/>
+        </a:ln>
+        <a:effectLst/>
+      </dsp:spPr>
+      <dsp:style>
+        <a:lnRef idx="2">
+          <a:scrgbClr r="0" g="0" b="0"/>
+        </a:lnRef>
+        <a:fillRef idx="1">
+          <a:scrgbClr r="0" g="0" b="0"/>
+        </a:fillRef>
+        <a:effectRef idx="0">
+          <a:scrgbClr r="0" g="0" b="0"/>
+        </a:effectRef>
+        <a:fontRef idx="minor"/>
+      </dsp:style>
+      <dsp:txBody>
+        <a:bodyPr spcFirstLastPara="0" vert="horz" wrap="square" lIns="28575" tIns="19050" rIns="28575" bIns="19050" numCol="1" spcCol="1270" anchor="ctr" anchorCtr="0">
+          <a:noAutofit/>
+        </a:bodyPr>
+        <a:lstStyle/>
+        <a:p>
+          <a:pPr marL="0" lvl="0" indent="0" algn="ctr" defTabSz="666750">
+            <a:lnSpc>
+              <a:spcPct val="90000"/>
+            </a:lnSpc>
+            <a:spcBef>
+              <a:spcPct val="0"/>
+            </a:spcBef>
+            <a:spcAft>
+              <a:spcPct val="35000"/>
+            </a:spcAft>
+            <a:buNone/>
+          </a:pPr>
+          <a:r>
+            <a:rPr lang="en-US" sz="1500" kern="1200" dirty="0"/>
+            <a:t>Bonus Material</a:t>
+          </a:r>
+        </a:p>
+      </dsp:txBody>
+      <dsp:txXfrm>
+        <a:off x="4225243" y="3069220"/>
+        <a:ext cx="940568" cy="574451"/>
+      </dsp:txXfrm>
+    </dsp:sp>
+  </dsp:spTree>
+</dsp:drawing>
+</file>
+
 <file path=ppt/diagrams/layout1.xml><?xml version="1.0" encoding="utf-8"?>
 <dgm:layoutDef xmlns:dgm="http://schemas.openxmlformats.org/drawingml/2006/diagram" xmlns:a="http://schemas.openxmlformats.org/drawingml/2006/main" uniqueId="urn:microsoft.com/office/officeart/2005/8/layout/hierarchy3">
   <dgm:title val=""/>
@@ -16043,6 +20110,298 @@
 </dgm:layoutDef>
 </file>
 
+<file path=ppt/diagrams/layout5.xml><?xml version="1.0" encoding="utf-8"?>
+<dgm:layoutDef xmlns:dgm="http://schemas.openxmlformats.org/drawingml/2006/diagram" xmlns:a="http://schemas.openxmlformats.org/drawingml/2006/main" uniqueId="urn:microsoft.com/office/officeart/2005/8/layout/hierarchy3">
+  <dgm:title val=""/>
+  <dgm:desc val=""/>
+  <dgm:catLst>
+    <dgm:cat type="hierarchy" pri="7000"/>
+    <dgm:cat type="list" pri="23000"/>
+    <dgm:cat type="relationship" pri="15000"/>
+    <dgm:cat type="convert" pri="7000"/>
+  </dgm:catLst>
+  <dgm:sampData>
+    <dgm:dataModel>
+      <dgm:ptLst>
+        <dgm:pt modelId="0" type="doc"/>
+        <dgm:pt modelId="1">
+          <dgm:prSet phldr="1"/>
+        </dgm:pt>
+        <dgm:pt modelId="11">
+          <dgm:prSet phldr="1"/>
+        </dgm:pt>
+        <dgm:pt modelId="12">
+          <dgm:prSet phldr="1"/>
+        </dgm:pt>
+        <dgm:pt modelId="2">
+          <dgm:prSet phldr="1"/>
+        </dgm:pt>
+        <dgm:pt modelId="21">
+          <dgm:prSet phldr="1"/>
+        </dgm:pt>
+        <dgm:pt modelId="22">
+          <dgm:prSet phldr="1"/>
+        </dgm:pt>
+      </dgm:ptLst>
+      <dgm:cxnLst>
+        <dgm:cxn modelId="4" srcId="0" destId="1" srcOrd="0" destOrd="0"/>
+        <dgm:cxn modelId="5" srcId="1" destId="11" srcOrd="0" destOrd="0"/>
+        <dgm:cxn modelId="6" srcId="1" destId="12" srcOrd="1" destOrd="0"/>
+        <dgm:cxn modelId="7" srcId="0" destId="2" srcOrd="1" destOrd="0"/>
+        <dgm:cxn modelId="8" srcId="2" destId="21" srcOrd="0" destOrd="0"/>
+        <dgm:cxn modelId="9" srcId="2" destId="22" srcOrd="1" destOrd="0"/>
+      </dgm:cxnLst>
+      <dgm:bg/>
+      <dgm:whole/>
+    </dgm:dataModel>
+  </dgm:sampData>
+  <dgm:styleData>
+    <dgm:dataModel>
+      <dgm:ptLst>
+        <dgm:pt modelId="0" type="doc"/>
+        <dgm:pt modelId="1"/>
+        <dgm:pt modelId="11"/>
+        <dgm:pt modelId="2"/>
+        <dgm:pt modelId="21"/>
+      </dgm:ptLst>
+      <dgm:cxnLst>
+        <dgm:cxn modelId="4" srcId="0" destId="1" srcOrd="0" destOrd="0"/>
+        <dgm:cxn modelId="5" srcId="0" destId="2" srcOrd="1" destOrd="0"/>
+        <dgm:cxn modelId="13" srcId="1" destId="11" srcOrd="0" destOrd="0"/>
+        <dgm:cxn modelId="23" srcId="2" destId="21" srcOrd="0" destOrd="0"/>
+      </dgm:cxnLst>
+      <dgm:bg/>
+      <dgm:whole/>
+    </dgm:dataModel>
+  </dgm:styleData>
+  <dgm:clrData>
+    <dgm:dataModel>
+      <dgm:ptLst>
+        <dgm:pt modelId="0" type="doc"/>
+        <dgm:pt modelId="1"/>
+        <dgm:pt modelId="11"/>
+        <dgm:pt modelId="2"/>
+        <dgm:pt modelId="21"/>
+        <dgm:pt modelId="3"/>
+        <dgm:pt modelId="31"/>
+        <dgm:pt modelId="4"/>
+        <dgm:pt modelId="41"/>
+      </dgm:ptLst>
+      <dgm:cxnLst>
+        <dgm:cxn modelId="5" srcId="0" destId="1" srcOrd="0" destOrd="0"/>
+        <dgm:cxn modelId="6" srcId="0" destId="2" srcOrd="1" destOrd="0"/>
+        <dgm:cxn modelId="7" srcId="0" destId="3" srcOrd="2" destOrd="0"/>
+        <dgm:cxn modelId="8" srcId="0" destId="4" srcOrd="3" destOrd="0"/>
+        <dgm:cxn modelId="13" srcId="1" destId="11" srcOrd="0" destOrd="0"/>
+        <dgm:cxn modelId="23" srcId="2" destId="21" srcOrd="0" destOrd="0"/>
+        <dgm:cxn modelId="33" srcId="3" destId="31" srcOrd="0" destOrd="0"/>
+        <dgm:cxn modelId="43" srcId="4" destId="41" srcOrd="0" destOrd="0"/>
+      </dgm:cxnLst>
+      <dgm:bg/>
+      <dgm:whole/>
+    </dgm:dataModel>
+  </dgm:clrData>
+  <dgm:layoutNode name="diagram">
+    <dgm:varLst>
+      <dgm:chPref val="1"/>
+      <dgm:dir/>
+      <dgm:animOne val="branch"/>
+      <dgm:animLvl val="lvl"/>
+      <dgm:resizeHandles/>
+    </dgm:varLst>
+    <dgm:choose name="Name0">
+      <dgm:if name="Name1" func="var" arg="dir" op="equ" val="norm">
+        <dgm:alg type="hierChild">
+          <dgm:param type="linDir" val="fromL"/>
+        </dgm:alg>
+      </dgm:if>
+      <dgm:else name="Name2">
+        <dgm:alg type="hierChild">
+          <dgm:param type="linDir" val="fromR"/>
+        </dgm:alg>
+      </dgm:else>
+    </dgm:choose>
+    <dgm:shape xmlns:r="http://schemas.openxmlformats.org/officeDocument/2006/relationships" r:blip="">
+      <dgm:adjLst/>
+    </dgm:shape>
+    <dgm:presOf/>
+    <dgm:constrLst>
+      <dgm:constr type="primFontSz" for="des" forName="rootText" op="equ" val="65"/>
+      <dgm:constr type="primFontSz" for="des" forName="childText" op="equ" val="65"/>
+      <dgm:constr type="w" for="des" forName="rootComposite" refType="w"/>
+      <dgm:constr type="h" for="des" forName="rootComposite" refType="w" fact="0.5"/>
+      <dgm:constr type="w" for="des" forName="childText" refType="w" refFor="des" refForName="rootComposite" fact="0.8"/>
+      <dgm:constr type="h" for="des" forName="childText" refType="h" refFor="des" refForName="rootComposite"/>
+      <dgm:constr type="sibSp" refType="w" refFor="des" refForName="rootComposite" fact="0.25"/>
+      <dgm:constr type="sibSp" for="des" forName="childShape" refType="h" refFor="des" refForName="childText" fact="0.25"/>
+      <dgm:constr type="sp" for="des" forName="root" refType="h" refFor="des" refForName="childText" fact="0.25"/>
+    </dgm:constrLst>
+    <dgm:ruleLst/>
+    <dgm:forEach name="Name3" axis="ch">
+      <dgm:forEach name="Name4" axis="self" ptType="node" cnt="1">
+        <dgm:layoutNode name="root">
+          <dgm:choose name="Name5">
+            <dgm:if name="Name6" func="var" arg="dir" op="equ" val="norm">
+              <dgm:alg type="hierRoot">
+                <dgm:param type="hierAlign" val="tL"/>
+              </dgm:alg>
+            </dgm:if>
+            <dgm:else name="Name7">
+              <dgm:alg type="hierRoot">
+                <dgm:param type="hierAlign" val="tR"/>
+              </dgm:alg>
+            </dgm:else>
+          </dgm:choose>
+          <dgm:shape xmlns:r="http://schemas.openxmlformats.org/officeDocument/2006/relationships" r:blip="">
+            <dgm:adjLst/>
+          </dgm:shape>
+          <dgm:presOf/>
+          <dgm:constrLst>
+            <dgm:constr type="alignOff" val="0.2"/>
+          </dgm:constrLst>
+          <dgm:ruleLst/>
+          <dgm:layoutNode name="rootComposite">
+            <dgm:alg type="composite"/>
+            <dgm:shape xmlns:r="http://schemas.openxmlformats.org/officeDocument/2006/relationships" r:blip="">
+              <dgm:adjLst/>
+            </dgm:shape>
+            <dgm:presOf axis="self" ptType="node" cnt="1"/>
+            <dgm:choose name="Name8">
+              <dgm:if name="Name9" func="var" arg="dir" op="equ" val="norm">
+                <dgm:constrLst>
+                  <dgm:constr type="l" for="ch" forName="rootText"/>
+                  <dgm:constr type="t" for="ch" forName="rootText"/>
+                  <dgm:constr type="w" for="ch" forName="rootText" refType="w"/>
+                  <dgm:constr type="h" for="ch" forName="rootText" refType="h"/>
+                  <dgm:constr type="l" for="ch" forName="rootConnector"/>
+                  <dgm:constr type="t" for="ch" forName="rootConnector"/>
+                  <dgm:constr type="w" for="ch" forName="rootConnector" refType="w" refFor="ch" refForName="rootText" fact="0.2"/>
+                  <dgm:constr type="h" for="ch" forName="rootConnector" refType="h" refFor="ch" refForName="rootText"/>
+                </dgm:constrLst>
+              </dgm:if>
+              <dgm:else name="Name10">
+                <dgm:constrLst>
+                  <dgm:constr type="l" for="ch" forName="rootText"/>
+                  <dgm:constr type="t" for="ch" forName="rootText"/>
+                  <dgm:constr type="w" for="ch" forName="rootText" refType="w"/>
+                  <dgm:constr type="h" for="ch" forName="rootText" refType="h"/>
+                  <dgm:constr type="r" for="ch" forName="rootConnector" refType="w"/>
+                  <dgm:constr type="t" for="ch" forName="rootConnector"/>
+                  <dgm:constr type="w" for="ch" forName="rootConnector" refType="w" refFor="ch" refForName="rootText" fact="0.2"/>
+                  <dgm:constr type="h" for="ch" forName="rootConnector" refType="h" refFor="ch" refForName="rootText"/>
+                </dgm:constrLst>
+              </dgm:else>
+            </dgm:choose>
+            <dgm:ruleLst/>
+            <dgm:layoutNode name="rootText" styleLbl="node1">
+              <dgm:alg type="tx"/>
+              <dgm:shape xmlns:r="http://schemas.openxmlformats.org/officeDocument/2006/relationships" type="roundRect" r:blip="">
+                <dgm:adjLst>
+                  <dgm:adj idx="1" val="0.1"/>
+                </dgm:adjLst>
+              </dgm:shape>
+              <dgm:presOf axis="self" ptType="node" cnt="1"/>
+              <dgm:constrLst>
+                <dgm:constr type="tMarg" refType="primFontSz" fact="0.1"/>
+                <dgm:constr type="bMarg" refType="primFontSz" fact="0.1"/>
+                <dgm:constr type="lMarg" refType="primFontSz" fact="0.15"/>
+                <dgm:constr type="rMarg" refType="primFontSz" fact="0.15"/>
+              </dgm:constrLst>
+              <dgm:ruleLst>
+                <dgm:rule type="primFontSz" val="5" fact="NaN" max="NaN"/>
+              </dgm:ruleLst>
+            </dgm:layoutNode>
+            <dgm:layoutNode name="rootConnector" moveWith="rootText">
+              <dgm:alg type="sp"/>
+              <dgm:shape xmlns:r="http://schemas.openxmlformats.org/officeDocument/2006/relationships" type="roundRect" r:blip="" hideGeom="1">
+                <dgm:adjLst>
+                  <dgm:adj idx="1" val="0.1"/>
+                </dgm:adjLst>
+              </dgm:shape>
+              <dgm:presOf axis="self" ptType="node" cnt="1"/>
+              <dgm:constrLst/>
+              <dgm:ruleLst/>
+            </dgm:layoutNode>
+          </dgm:layoutNode>
+          <dgm:layoutNode name="childShape">
+            <dgm:alg type="hierChild">
+              <dgm:param type="chAlign" val="l"/>
+              <dgm:param type="linDir" val="fromT"/>
+            </dgm:alg>
+            <dgm:shape xmlns:r="http://schemas.openxmlformats.org/officeDocument/2006/relationships" r:blip="">
+              <dgm:adjLst/>
+            </dgm:shape>
+            <dgm:presOf/>
+            <dgm:constrLst/>
+            <dgm:ruleLst/>
+            <dgm:forEach name="Name11" axis="ch">
+              <dgm:forEach name="Name12" axis="self" ptType="parTrans" cnt="1">
+                <dgm:layoutNode name="Name13">
+                  <dgm:choose name="Name14">
+                    <dgm:if name="Name15" func="var" arg="dir" op="equ" val="norm">
+                      <dgm:alg type="conn">
+                        <dgm:param type="dim" val="1D"/>
+                        <dgm:param type="endSty" val="noArr"/>
+                        <dgm:param type="connRout" val="bend"/>
+                        <dgm:param type="srcNode" val="rootConnector"/>
+                        <dgm:param type="begPts" val="bCtr"/>
+                        <dgm:param type="endPts" val="midL"/>
+                      </dgm:alg>
+                    </dgm:if>
+                    <dgm:else name="Name16">
+                      <dgm:alg type="conn">
+                        <dgm:param type="dim" val="1D"/>
+                        <dgm:param type="endSty" val="noArr"/>
+                        <dgm:param type="connRout" val="bend"/>
+                        <dgm:param type="srcNode" val="rootConnector"/>
+                        <dgm:param type="begPts" val="bCtr"/>
+                        <dgm:param type="endPts" val="midR"/>
+                      </dgm:alg>
+                    </dgm:else>
+                  </dgm:choose>
+                  <dgm:shape xmlns:r="http://schemas.openxmlformats.org/officeDocument/2006/relationships" type="conn" r:blip="">
+                    <dgm:adjLst/>
+                  </dgm:shape>
+                  <dgm:presOf axis="self"/>
+                  <dgm:constrLst>
+                    <dgm:constr type="begPad"/>
+                    <dgm:constr type="endPad"/>
+                  </dgm:constrLst>
+                  <dgm:ruleLst/>
+                </dgm:layoutNode>
+              </dgm:forEach>
+              <dgm:forEach name="Name17" axis="self" ptType="node">
+                <dgm:layoutNode name="childText" styleLbl="bgAcc1">
+                  <dgm:varLst>
+                    <dgm:bulletEnabled val="1"/>
+                  </dgm:varLst>
+                  <dgm:alg type="tx"/>
+                  <dgm:shape xmlns:r="http://schemas.openxmlformats.org/officeDocument/2006/relationships" type="roundRect" r:blip="">
+                    <dgm:adjLst>
+                      <dgm:adj idx="1" val="0.1"/>
+                    </dgm:adjLst>
+                  </dgm:shape>
+                  <dgm:presOf axis="self desOrSelf" ptType="node node" st="1 1" cnt="1 0"/>
+                  <dgm:constrLst>
+                    <dgm:constr type="tMarg" refType="primFontSz" fact="0.1"/>
+                    <dgm:constr type="bMarg" refType="primFontSz" fact="0.1"/>
+                    <dgm:constr type="lMarg" refType="primFontSz" fact="0.15"/>
+                    <dgm:constr type="rMarg" refType="primFontSz" fact="0.15"/>
+                  </dgm:constrLst>
+                  <dgm:ruleLst>
+                    <dgm:rule type="primFontSz" val="5" fact="NaN" max="NaN"/>
+                  </dgm:ruleLst>
+                </dgm:layoutNode>
+              </dgm:forEach>
+            </dgm:forEach>
+          </dgm:layoutNode>
+        </dgm:layoutNode>
+      </dgm:forEach>
+    </dgm:forEach>
+  </dgm:layoutNode>
+</dgm:layoutDef>
+</file>
+
 <file path=ppt/diagrams/quickStyle1.xml><?xml version="1.0" encoding="utf-8"?>
 <dgm:styleDef xmlns:dgm="http://schemas.openxmlformats.org/drawingml/2006/diagram" xmlns:a="http://schemas.openxmlformats.org/drawingml/2006/main" uniqueId="urn:microsoft.com/office/officeart/2005/8/quickstyle/simple1">
   <dgm:title val=""/>
@@ -19146,6 +23505,1040 @@
 </file>
 
 <file path=ppt/diagrams/quickStyle4.xml><?xml version="1.0" encoding="utf-8"?>
+<dgm:styleDef xmlns:dgm="http://schemas.openxmlformats.org/drawingml/2006/diagram" xmlns:a="http://schemas.openxmlformats.org/drawingml/2006/main" uniqueId="urn:microsoft.com/office/officeart/2005/8/quickstyle/simple1">
+  <dgm:title val=""/>
+  <dgm:desc val=""/>
+  <dgm:catLst>
+    <dgm:cat type="simple" pri="10100"/>
+  </dgm:catLst>
+  <dgm:scene3d>
+    <a:camera prst="orthographicFront"/>
+    <a:lightRig rig="threePt" dir="t"/>
+  </dgm:scene3d>
+  <dgm:styleLbl name="node0">
+    <dgm:scene3d>
+      <a:camera prst="orthographicFront"/>
+      <a:lightRig rig="threePt" dir="t"/>
+    </dgm:scene3d>
+    <dgm:sp3d/>
+    <dgm:txPr/>
+    <dgm:style>
+      <a:lnRef idx="2">
+        <a:scrgbClr r="0" g="0" b="0"/>
+      </a:lnRef>
+      <a:fillRef idx="1">
+        <a:scrgbClr r="0" g="0" b="0"/>
+      </a:fillRef>
+      <a:effectRef idx="0">
+        <a:scrgbClr r="0" g="0" b="0"/>
+      </a:effectRef>
+      <a:fontRef idx="minor">
+        <a:schemeClr val="lt1"/>
+      </a:fontRef>
+    </dgm:style>
+  </dgm:styleLbl>
+  <dgm:styleLbl name="lnNode1">
+    <dgm:scene3d>
+      <a:camera prst="orthographicFront"/>
+      <a:lightRig rig="threePt" dir="t"/>
+    </dgm:scene3d>
+    <dgm:sp3d/>
+    <dgm:txPr/>
+    <dgm:style>
+      <a:lnRef idx="2">
+        <a:scrgbClr r="0" g="0" b="0"/>
+      </a:lnRef>
+      <a:fillRef idx="1">
+        <a:scrgbClr r="0" g="0" b="0"/>
+      </a:fillRef>
+      <a:effectRef idx="0">
+        <a:scrgbClr r="0" g="0" b="0"/>
+      </a:effectRef>
+      <a:fontRef idx="minor">
+        <a:schemeClr val="lt1"/>
+      </a:fontRef>
+    </dgm:style>
+  </dgm:styleLbl>
+  <dgm:styleLbl name="vennNode1">
+    <dgm:scene3d>
+      <a:camera prst="orthographicFront"/>
+      <a:lightRig rig="threePt" dir="t"/>
+    </dgm:scene3d>
+    <dgm:sp3d/>
+    <dgm:txPr/>
+    <dgm:style>
+      <a:lnRef idx="2">
+        <a:scrgbClr r="0" g="0" b="0"/>
+      </a:lnRef>
+      <a:fillRef idx="1">
+        <a:scrgbClr r="0" g="0" b="0"/>
+      </a:fillRef>
+      <a:effectRef idx="0">
+        <a:scrgbClr r="0" g="0" b="0"/>
+      </a:effectRef>
+      <a:fontRef idx="minor">
+        <a:schemeClr val="tx1"/>
+      </a:fontRef>
+    </dgm:style>
+  </dgm:styleLbl>
+  <dgm:styleLbl name="alignNode1">
+    <dgm:scene3d>
+      <a:camera prst="orthographicFront"/>
+      <a:lightRig rig="threePt" dir="t"/>
+    </dgm:scene3d>
+    <dgm:sp3d/>
+    <dgm:txPr/>
+    <dgm:style>
+      <a:lnRef idx="2">
+        <a:scrgbClr r="0" g="0" b="0"/>
+      </a:lnRef>
+      <a:fillRef idx="1">
+        <a:scrgbClr r="0" g="0" b="0"/>
+      </a:fillRef>
+      <a:effectRef idx="0">
+        <a:scrgbClr r="0" g="0" b="0"/>
+      </a:effectRef>
+      <a:fontRef idx="minor">
+        <a:schemeClr val="lt1"/>
+      </a:fontRef>
+    </dgm:style>
+  </dgm:styleLbl>
+  <dgm:styleLbl name="node1">
+    <dgm:scene3d>
+      <a:camera prst="orthographicFront"/>
+      <a:lightRig rig="threePt" dir="t"/>
+    </dgm:scene3d>
+    <dgm:sp3d/>
+    <dgm:txPr/>
+    <dgm:style>
+      <a:lnRef idx="2">
+        <a:scrgbClr r="0" g="0" b="0"/>
+      </a:lnRef>
+      <a:fillRef idx="1">
+        <a:scrgbClr r="0" g="0" b="0"/>
+      </a:fillRef>
+      <a:effectRef idx="0">
+        <a:scrgbClr r="0" g="0" b="0"/>
+      </a:effectRef>
+      <a:fontRef idx="minor">
+        <a:schemeClr val="lt1"/>
+      </a:fontRef>
+    </dgm:style>
+  </dgm:styleLbl>
+  <dgm:styleLbl name="node2">
+    <dgm:scene3d>
+      <a:camera prst="orthographicFront"/>
+      <a:lightRig rig="threePt" dir="t"/>
+    </dgm:scene3d>
+    <dgm:sp3d/>
+    <dgm:txPr/>
+    <dgm:style>
+      <a:lnRef idx="2">
+        <a:scrgbClr r="0" g="0" b="0"/>
+      </a:lnRef>
+      <a:fillRef idx="1">
+        <a:scrgbClr r="0" g="0" b="0"/>
+      </a:fillRef>
+      <a:effectRef idx="0">
+        <a:scrgbClr r="0" g="0" b="0"/>
+      </a:effectRef>
+      <a:fontRef idx="minor">
+        <a:schemeClr val="lt1"/>
+      </a:fontRef>
+    </dgm:style>
+  </dgm:styleLbl>
+  <dgm:styleLbl name="node3">
+    <dgm:scene3d>
+      <a:camera prst="orthographicFront"/>
+      <a:lightRig rig="threePt" dir="t"/>
+    </dgm:scene3d>
+    <dgm:sp3d/>
+    <dgm:txPr/>
+    <dgm:style>
+      <a:lnRef idx="2">
+        <a:scrgbClr r="0" g="0" b="0"/>
+      </a:lnRef>
+      <a:fillRef idx="1">
+        <a:scrgbClr r="0" g="0" b="0"/>
+      </a:fillRef>
+      <a:effectRef idx="0">
+        <a:scrgbClr r="0" g="0" b="0"/>
+      </a:effectRef>
+      <a:fontRef idx="minor">
+        <a:schemeClr val="lt1"/>
+      </a:fontRef>
+    </dgm:style>
+  </dgm:styleLbl>
+  <dgm:styleLbl name="node4">
+    <dgm:scene3d>
+      <a:camera prst="orthographicFront"/>
+      <a:lightRig rig="threePt" dir="t"/>
+    </dgm:scene3d>
+    <dgm:sp3d/>
+    <dgm:txPr/>
+    <dgm:style>
+      <a:lnRef idx="2">
+        <a:scrgbClr r="0" g="0" b="0"/>
+      </a:lnRef>
+      <a:fillRef idx="1">
+        <a:scrgbClr r="0" g="0" b="0"/>
+      </a:fillRef>
+      <a:effectRef idx="0">
+        <a:scrgbClr r="0" g="0" b="0"/>
+      </a:effectRef>
+      <a:fontRef idx="minor">
+        <a:schemeClr val="lt1"/>
+      </a:fontRef>
+    </dgm:style>
+  </dgm:styleLbl>
+  <dgm:styleLbl name="fgImgPlace1">
+    <dgm:scene3d>
+      <a:camera prst="orthographicFront"/>
+      <a:lightRig rig="threePt" dir="t"/>
+    </dgm:scene3d>
+    <dgm:sp3d/>
+    <dgm:txPr/>
+    <dgm:style>
+      <a:lnRef idx="2">
+        <a:scrgbClr r="0" g="0" b="0"/>
+      </a:lnRef>
+      <a:fillRef idx="1">
+        <a:scrgbClr r="0" g="0" b="0"/>
+      </a:fillRef>
+      <a:effectRef idx="0">
+        <a:scrgbClr r="0" g="0" b="0"/>
+      </a:effectRef>
+      <a:fontRef idx="minor"/>
+    </dgm:style>
+  </dgm:styleLbl>
+  <dgm:styleLbl name="alignImgPlace1">
+    <dgm:scene3d>
+      <a:camera prst="orthographicFront"/>
+      <a:lightRig rig="threePt" dir="t"/>
+    </dgm:scene3d>
+    <dgm:sp3d/>
+    <dgm:txPr/>
+    <dgm:style>
+      <a:lnRef idx="2">
+        <a:scrgbClr r="0" g="0" b="0"/>
+      </a:lnRef>
+      <a:fillRef idx="1">
+        <a:scrgbClr r="0" g="0" b="0"/>
+      </a:fillRef>
+      <a:effectRef idx="0">
+        <a:scrgbClr r="0" g="0" b="0"/>
+      </a:effectRef>
+      <a:fontRef idx="minor"/>
+    </dgm:style>
+  </dgm:styleLbl>
+  <dgm:styleLbl name="bgImgPlace1">
+    <dgm:scene3d>
+      <a:camera prst="orthographicFront"/>
+      <a:lightRig rig="threePt" dir="t"/>
+    </dgm:scene3d>
+    <dgm:sp3d/>
+    <dgm:txPr/>
+    <dgm:style>
+      <a:lnRef idx="2">
+        <a:scrgbClr r="0" g="0" b="0"/>
+      </a:lnRef>
+      <a:fillRef idx="1">
+        <a:scrgbClr r="0" g="0" b="0"/>
+      </a:fillRef>
+      <a:effectRef idx="0">
+        <a:scrgbClr r="0" g="0" b="0"/>
+      </a:effectRef>
+      <a:fontRef idx="minor"/>
+    </dgm:style>
+  </dgm:styleLbl>
+  <dgm:styleLbl name="sibTrans2D1">
+    <dgm:scene3d>
+      <a:camera prst="orthographicFront"/>
+      <a:lightRig rig="threePt" dir="t"/>
+    </dgm:scene3d>
+    <dgm:sp3d/>
+    <dgm:txPr/>
+    <dgm:style>
+      <a:lnRef idx="0">
+        <a:scrgbClr r="0" g="0" b="0"/>
+      </a:lnRef>
+      <a:fillRef idx="1">
+        <a:scrgbClr r="0" g="0" b="0"/>
+      </a:fillRef>
+      <a:effectRef idx="0">
+        <a:scrgbClr r="0" g="0" b="0"/>
+      </a:effectRef>
+      <a:fontRef idx="minor">
+        <a:schemeClr val="lt1"/>
+      </a:fontRef>
+    </dgm:style>
+  </dgm:styleLbl>
+  <dgm:styleLbl name="fgSibTrans2D1">
+    <dgm:scene3d>
+      <a:camera prst="orthographicFront"/>
+      <a:lightRig rig="threePt" dir="t"/>
+    </dgm:scene3d>
+    <dgm:sp3d/>
+    <dgm:txPr/>
+    <dgm:style>
+      <a:lnRef idx="0">
+        <a:scrgbClr r="0" g="0" b="0"/>
+      </a:lnRef>
+      <a:fillRef idx="1">
+        <a:scrgbClr r="0" g="0" b="0"/>
+      </a:fillRef>
+      <a:effectRef idx="0">
+        <a:scrgbClr r="0" g="0" b="0"/>
+      </a:effectRef>
+      <a:fontRef idx="minor">
+        <a:schemeClr val="lt1"/>
+      </a:fontRef>
+    </dgm:style>
+  </dgm:styleLbl>
+  <dgm:styleLbl name="bgSibTrans2D1">
+    <dgm:scene3d>
+      <a:camera prst="orthographicFront"/>
+      <a:lightRig rig="threePt" dir="t"/>
+    </dgm:scene3d>
+    <dgm:sp3d/>
+    <dgm:txPr/>
+    <dgm:style>
+      <a:lnRef idx="0">
+        <a:scrgbClr r="0" g="0" b="0"/>
+      </a:lnRef>
+      <a:fillRef idx="1">
+        <a:scrgbClr r="0" g="0" b="0"/>
+      </a:fillRef>
+      <a:effectRef idx="0">
+        <a:scrgbClr r="0" g="0" b="0"/>
+      </a:effectRef>
+      <a:fontRef idx="minor">
+        <a:schemeClr val="lt1"/>
+      </a:fontRef>
+    </dgm:style>
+  </dgm:styleLbl>
+  <dgm:styleLbl name="sibTrans1D1">
+    <dgm:scene3d>
+      <a:camera prst="orthographicFront"/>
+      <a:lightRig rig="threePt" dir="t"/>
+    </dgm:scene3d>
+    <dgm:sp3d/>
+    <dgm:txPr/>
+    <dgm:style>
+      <a:lnRef idx="1">
+        <a:scrgbClr r="0" g="0" b="0"/>
+      </a:lnRef>
+      <a:fillRef idx="0">
+        <a:scrgbClr r="0" g="0" b="0"/>
+      </a:fillRef>
+      <a:effectRef idx="0">
+        <a:scrgbClr r="0" g="0" b="0"/>
+      </a:effectRef>
+      <a:fontRef idx="minor"/>
+    </dgm:style>
+  </dgm:styleLbl>
+  <dgm:styleLbl name="callout">
+    <dgm:scene3d>
+      <a:camera prst="orthographicFront"/>
+      <a:lightRig rig="threePt" dir="t"/>
+    </dgm:scene3d>
+    <dgm:sp3d/>
+    <dgm:txPr/>
+    <dgm:style>
+      <a:lnRef idx="2">
+        <a:scrgbClr r="0" g="0" b="0"/>
+      </a:lnRef>
+      <a:fillRef idx="1">
+        <a:scrgbClr r="0" g="0" b="0"/>
+      </a:fillRef>
+      <a:effectRef idx="0">
+        <a:scrgbClr r="0" g="0" b="0"/>
+      </a:effectRef>
+      <a:fontRef idx="minor"/>
+    </dgm:style>
+  </dgm:styleLbl>
+  <dgm:styleLbl name="asst0">
+    <dgm:scene3d>
+      <a:camera prst="orthographicFront"/>
+      <a:lightRig rig="threePt" dir="t"/>
+    </dgm:scene3d>
+    <dgm:sp3d/>
+    <dgm:txPr/>
+    <dgm:style>
+      <a:lnRef idx="2">
+        <a:scrgbClr r="0" g="0" b="0"/>
+      </a:lnRef>
+      <a:fillRef idx="1">
+        <a:scrgbClr r="0" g="0" b="0"/>
+      </a:fillRef>
+      <a:effectRef idx="0">
+        <a:scrgbClr r="0" g="0" b="0"/>
+      </a:effectRef>
+      <a:fontRef idx="minor">
+        <a:schemeClr val="lt1"/>
+      </a:fontRef>
+    </dgm:style>
+  </dgm:styleLbl>
+  <dgm:styleLbl name="asst1">
+    <dgm:scene3d>
+      <a:camera prst="orthographicFront"/>
+      <a:lightRig rig="threePt" dir="t"/>
+    </dgm:scene3d>
+    <dgm:sp3d/>
+    <dgm:txPr/>
+    <dgm:style>
+      <a:lnRef idx="2">
+        <a:scrgbClr r="0" g="0" b="0"/>
+      </a:lnRef>
+      <a:fillRef idx="1">
+        <a:scrgbClr r="0" g="0" b="0"/>
+      </a:fillRef>
+      <a:effectRef idx="0">
+        <a:scrgbClr r="0" g="0" b="0"/>
+      </a:effectRef>
+      <a:fontRef idx="minor">
+        <a:schemeClr val="lt1"/>
+      </a:fontRef>
+    </dgm:style>
+  </dgm:styleLbl>
+  <dgm:styleLbl name="asst2">
+    <dgm:scene3d>
+      <a:camera prst="orthographicFront"/>
+      <a:lightRig rig="threePt" dir="t"/>
+    </dgm:scene3d>
+    <dgm:sp3d/>
+    <dgm:txPr/>
+    <dgm:style>
+      <a:lnRef idx="2">
+        <a:scrgbClr r="0" g="0" b="0"/>
+      </a:lnRef>
+      <a:fillRef idx="1">
+        <a:scrgbClr r="0" g="0" b="0"/>
+      </a:fillRef>
+      <a:effectRef idx="0">
+        <a:scrgbClr r="0" g="0" b="0"/>
+      </a:effectRef>
+      <a:fontRef idx="minor">
+        <a:schemeClr val="lt1"/>
+      </a:fontRef>
+    </dgm:style>
+  </dgm:styleLbl>
+  <dgm:styleLbl name="asst3">
+    <dgm:scene3d>
+      <a:camera prst="orthographicFront"/>
+      <a:lightRig rig="threePt" dir="t"/>
+    </dgm:scene3d>
+    <dgm:sp3d/>
+    <dgm:txPr/>
+    <dgm:style>
+      <a:lnRef idx="2">
+        <a:scrgbClr r="0" g="0" b="0"/>
+      </a:lnRef>
+      <a:fillRef idx="1">
+        <a:scrgbClr r="0" g="0" b="0"/>
+      </a:fillRef>
+      <a:effectRef idx="0">
+        <a:scrgbClr r="0" g="0" b="0"/>
+      </a:effectRef>
+      <a:fontRef idx="minor">
+        <a:schemeClr val="lt1"/>
+      </a:fontRef>
+    </dgm:style>
+  </dgm:styleLbl>
+  <dgm:styleLbl name="asst4">
+    <dgm:scene3d>
+      <a:camera prst="orthographicFront"/>
+      <a:lightRig rig="threePt" dir="t"/>
+    </dgm:scene3d>
+    <dgm:sp3d/>
+    <dgm:txPr/>
+    <dgm:style>
+      <a:lnRef idx="2">
+        <a:scrgbClr r="0" g="0" b="0"/>
+      </a:lnRef>
+      <a:fillRef idx="1">
+        <a:scrgbClr r="0" g="0" b="0"/>
+      </a:fillRef>
+      <a:effectRef idx="0">
+        <a:scrgbClr r="0" g="0" b="0"/>
+      </a:effectRef>
+      <a:fontRef idx="minor">
+        <a:schemeClr val="lt1"/>
+      </a:fontRef>
+    </dgm:style>
+  </dgm:styleLbl>
+  <dgm:styleLbl name="parChTrans2D1">
+    <dgm:scene3d>
+      <a:camera prst="orthographicFront"/>
+      <a:lightRig rig="threePt" dir="t"/>
+    </dgm:scene3d>
+    <dgm:sp3d/>
+    <dgm:txPr/>
+    <dgm:style>
+      <a:lnRef idx="2">
+        <a:scrgbClr r="0" g="0" b="0"/>
+      </a:lnRef>
+      <a:fillRef idx="1">
+        <a:scrgbClr r="0" g="0" b="0"/>
+      </a:fillRef>
+      <a:effectRef idx="0">
+        <a:scrgbClr r="0" g="0" b="0"/>
+      </a:effectRef>
+      <a:fontRef idx="minor">
+        <a:schemeClr val="lt1"/>
+      </a:fontRef>
+    </dgm:style>
+  </dgm:styleLbl>
+  <dgm:styleLbl name="parChTrans2D2">
+    <dgm:scene3d>
+      <a:camera prst="orthographicFront"/>
+      <a:lightRig rig="threePt" dir="t"/>
+    </dgm:scene3d>
+    <dgm:sp3d/>
+    <dgm:txPr/>
+    <dgm:style>
+      <a:lnRef idx="2">
+        <a:scrgbClr r="0" g="0" b="0"/>
+      </a:lnRef>
+      <a:fillRef idx="1">
+        <a:scrgbClr r="0" g="0" b="0"/>
+      </a:fillRef>
+      <a:effectRef idx="0">
+        <a:scrgbClr r="0" g="0" b="0"/>
+      </a:effectRef>
+      <a:fontRef idx="minor">
+        <a:schemeClr val="lt1"/>
+      </a:fontRef>
+    </dgm:style>
+  </dgm:styleLbl>
+  <dgm:styleLbl name="parChTrans2D3">
+    <dgm:scene3d>
+      <a:camera prst="orthographicFront"/>
+      <a:lightRig rig="threePt" dir="t"/>
+    </dgm:scene3d>
+    <dgm:sp3d/>
+    <dgm:txPr/>
+    <dgm:style>
+      <a:lnRef idx="2">
+        <a:scrgbClr r="0" g="0" b="0"/>
+      </a:lnRef>
+      <a:fillRef idx="1">
+        <a:scrgbClr r="0" g="0" b="0"/>
+      </a:fillRef>
+      <a:effectRef idx="0">
+        <a:scrgbClr r="0" g="0" b="0"/>
+      </a:effectRef>
+      <a:fontRef idx="minor">
+        <a:schemeClr val="lt1"/>
+      </a:fontRef>
+    </dgm:style>
+  </dgm:styleLbl>
+  <dgm:styleLbl name="parChTrans2D4">
+    <dgm:scene3d>
+      <a:camera prst="orthographicFront"/>
+      <a:lightRig rig="threePt" dir="t"/>
+    </dgm:scene3d>
+    <dgm:sp3d/>
+    <dgm:txPr/>
+    <dgm:style>
+      <a:lnRef idx="2">
+        <a:scrgbClr r="0" g="0" b="0"/>
+      </a:lnRef>
+      <a:fillRef idx="1">
+        <a:scrgbClr r="0" g="0" b="0"/>
+      </a:fillRef>
+      <a:effectRef idx="0">
+        <a:scrgbClr r="0" g="0" b="0"/>
+      </a:effectRef>
+      <a:fontRef idx="minor">
+        <a:schemeClr val="lt1"/>
+      </a:fontRef>
+    </dgm:style>
+  </dgm:styleLbl>
+  <dgm:styleLbl name="parChTrans1D1">
+    <dgm:scene3d>
+      <a:camera prst="orthographicFront"/>
+      <a:lightRig rig="threePt" dir="t"/>
+    </dgm:scene3d>
+    <dgm:sp3d/>
+    <dgm:txPr/>
+    <dgm:style>
+      <a:lnRef idx="2">
+        <a:scrgbClr r="0" g="0" b="0"/>
+      </a:lnRef>
+      <a:fillRef idx="0">
+        <a:scrgbClr r="0" g="0" b="0"/>
+      </a:fillRef>
+      <a:effectRef idx="0">
+        <a:scrgbClr r="0" g="0" b="0"/>
+      </a:effectRef>
+      <a:fontRef idx="minor"/>
+    </dgm:style>
+  </dgm:styleLbl>
+  <dgm:styleLbl name="parChTrans1D2">
+    <dgm:scene3d>
+      <a:camera prst="orthographicFront"/>
+      <a:lightRig rig="threePt" dir="t"/>
+    </dgm:scene3d>
+    <dgm:sp3d/>
+    <dgm:txPr/>
+    <dgm:style>
+      <a:lnRef idx="2">
+        <a:scrgbClr r="0" g="0" b="0"/>
+      </a:lnRef>
+      <a:fillRef idx="0">
+        <a:scrgbClr r="0" g="0" b="0"/>
+      </a:fillRef>
+      <a:effectRef idx="0">
+        <a:scrgbClr r="0" g="0" b="0"/>
+      </a:effectRef>
+      <a:fontRef idx="minor"/>
+    </dgm:style>
+  </dgm:styleLbl>
+  <dgm:styleLbl name="parChTrans1D3">
+    <dgm:scene3d>
+      <a:camera prst="orthographicFront"/>
+      <a:lightRig rig="threePt" dir="t"/>
+    </dgm:scene3d>
+    <dgm:sp3d/>
+    <dgm:txPr/>
+    <dgm:style>
+      <a:lnRef idx="2">
+        <a:scrgbClr r="0" g="0" b="0"/>
+      </a:lnRef>
+      <a:fillRef idx="0">
+        <a:scrgbClr r="0" g="0" b="0"/>
+      </a:fillRef>
+      <a:effectRef idx="0">
+        <a:scrgbClr r="0" g="0" b="0"/>
+      </a:effectRef>
+      <a:fontRef idx="minor"/>
+    </dgm:style>
+  </dgm:styleLbl>
+  <dgm:styleLbl name="parChTrans1D4">
+    <dgm:scene3d>
+      <a:camera prst="orthographicFront"/>
+      <a:lightRig rig="threePt" dir="t"/>
+    </dgm:scene3d>
+    <dgm:sp3d/>
+    <dgm:txPr/>
+    <dgm:style>
+      <a:lnRef idx="2">
+        <a:scrgbClr r="0" g="0" b="0"/>
+      </a:lnRef>
+      <a:fillRef idx="0">
+        <a:scrgbClr r="0" g="0" b="0"/>
+      </a:fillRef>
+      <a:effectRef idx="0">
+        <a:scrgbClr r="0" g="0" b="0"/>
+      </a:effectRef>
+      <a:fontRef idx="minor"/>
+    </dgm:style>
+  </dgm:styleLbl>
+  <dgm:styleLbl name="fgAcc1">
+    <dgm:scene3d>
+      <a:camera prst="orthographicFront"/>
+      <a:lightRig rig="threePt" dir="t"/>
+    </dgm:scene3d>
+    <dgm:sp3d/>
+    <dgm:txPr/>
+    <dgm:style>
+      <a:lnRef idx="2">
+        <a:scrgbClr r="0" g="0" b="0"/>
+      </a:lnRef>
+      <a:fillRef idx="1">
+        <a:scrgbClr r="0" g="0" b="0"/>
+      </a:fillRef>
+      <a:effectRef idx="0">
+        <a:scrgbClr r="0" g="0" b="0"/>
+      </a:effectRef>
+      <a:fontRef idx="minor"/>
+    </dgm:style>
+  </dgm:styleLbl>
+  <dgm:styleLbl name="conFgAcc1">
+    <dgm:scene3d>
+      <a:camera prst="orthographicFront"/>
+      <a:lightRig rig="threePt" dir="t"/>
+    </dgm:scene3d>
+    <dgm:sp3d/>
+    <dgm:txPr/>
+    <dgm:style>
+      <a:lnRef idx="2">
+        <a:scrgbClr r="0" g="0" b="0"/>
+      </a:lnRef>
+      <a:fillRef idx="1">
+        <a:scrgbClr r="0" g="0" b="0"/>
+      </a:fillRef>
+      <a:effectRef idx="0">
+        <a:scrgbClr r="0" g="0" b="0"/>
+      </a:effectRef>
+      <a:fontRef idx="minor"/>
+    </dgm:style>
+  </dgm:styleLbl>
+  <dgm:styleLbl name="alignAcc1">
+    <dgm:scene3d>
+      <a:camera prst="orthographicFront"/>
+      <a:lightRig rig="threePt" dir="t"/>
+    </dgm:scene3d>
+    <dgm:sp3d/>
+    <dgm:txPr/>
+    <dgm:style>
+      <a:lnRef idx="2">
+        <a:scrgbClr r="0" g="0" b="0"/>
+      </a:lnRef>
+      <a:fillRef idx="1">
+        <a:scrgbClr r="0" g="0" b="0"/>
+      </a:fillRef>
+      <a:effectRef idx="0">
+        <a:scrgbClr r="0" g="0" b="0"/>
+      </a:effectRef>
+      <a:fontRef idx="minor"/>
+    </dgm:style>
+  </dgm:styleLbl>
+  <dgm:styleLbl name="trAlignAcc1">
+    <dgm:scene3d>
+      <a:camera prst="orthographicFront"/>
+      <a:lightRig rig="threePt" dir="t"/>
+    </dgm:scene3d>
+    <dgm:sp3d/>
+    <dgm:txPr/>
+    <dgm:style>
+      <a:lnRef idx="1">
+        <a:scrgbClr r="0" g="0" b="0"/>
+      </a:lnRef>
+      <a:fillRef idx="1">
+        <a:scrgbClr r="0" g="0" b="0"/>
+      </a:fillRef>
+      <a:effectRef idx="0">
+        <a:scrgbClr r="0" g="0" b="0"/>
+      </a:effectRef>
+      <a:fontRef idx="minor"/>
+    </dgm:style>
+  </dgm:styleLbl>
+  <dgm:styleLbl name="bgAcc1">
+    <dgm:scene3d>
+      <a:camera prst="orthographicFront"/>
+      <a:lightRig rig="threePt" dir="t"/>
+    </dgm:scene3d>
+    <dgm:sp3d/>
+    <dgm:txPr/>
+    <dgm:style>
+      <a:lnRef idx="2">
+        <a:scrgbClr r="0" g="0" b="0"/>
+      </a:lnRef>
+      <a:fillRef idx="1">
+        <a:scrgbClr r="0" g="0" b="0"/>
+      </a:fillRef>
+      <a:effectRef idx="0">
+        <a:scrgbClr r="0" g="0" b="0"/>
+      </a:effectRef>
+      <a:fontRef idx="minor"/>
+    </dgm:style>
+  </dgm:styleLbl>
+  <dgm:styleLbl name="solidFgAcc1">
+    <dgm:scene3d>
+      <a:camera prst="orthographicFront"/>
+      <a:lightRig rig="threePt" dir="t"/>
+    </dgm:scene3d>
+    <dgm:sp3d/>
+    <dgm:txPr/>
+    <dgm:style>
+      <a:lnRef idx="2">
+        <a:scrgbClr r="0" g="0" b="0"/>
+      </a:lnRef>
+      <a:fillRef idx="1">
+        <a:scrgbClr r="0" g="0" b="0"/>
+      </a:fillRef>
+      <a:effectRef idx="0">
+        <a:scrgbClr r="0" g="0" b="0"/>
+      </a:effectRef>
+      <a:fontRef idx="minor"/>
+    </dgm:style>
+  </dgm:styleLbl>
+  <dgm:styleLbl name="solidAlignAcc1">
+    <dgm:scene3d>
+      <a:camera prst="orthographicFront"/>
+      <a:lightRig rig="threePt" dir="t"/>
+    </dgm:scene3d>
+    <dgm:sp3d/>
+    <dgm:txPr/>
+    <dgm:style>
+      <a:lnRef idx="2">
+        <a:scrgbClr r="0" g="0" b="0"/>
+      </a:lnRef>
+      <a:fillRef idx="1">
+        <a:scrgbClr r="0" g="0" b="0"/>
+      </a:fillRef>
+      <a:effectRef idx="0">
+        <a:scrgbClr r="0" g="0" b="0"/>
+      </a:effectRef>
+      <a:fontRef idx="minor"/>
+    </dgm:style>
+  </dgm:styleLbl>
+  <dgm:styleLbl name="solidBgAcc1">
+    <dgm:scene3d>
+      <a:camera prst="orthographicFront"/>
+      <a:lightRig rig="threePt" dir="t"/>
+    </dgm:scene3d>
+    <dgm:sp3d/>
+    <dgm:txPr/>
+    <dgm:style>
+      <a:lnRef idx="2">
+        <a:scrgbClr r="0" g="0" b="0"/>
+      </a:lnRef>
+      <a:fillRef idx="1">
+        <a:scrgbClr r="0" g="0" b="0"/>
+      </a:fillRef>
+      <a:effectRef idx="0">
+        <a:scrgbClr r="0" g="0" b="0"/>
+      </a:effectRef>
+      <a:fontRef idx="minor"/>
+    </dgm:style>
+  </dgm:styleLbl>
+  <dgm:styleLbl name="fgAccFollowNode1">
+    <dgm:scene3d>
+      <a:camera prst="orthographicFront"/>
+      <a:lightRig rig="threePt" dir="t"/>
+    </dgm:scene3d>
+    <dgm:sp3d/>
+    <dgm:txPr/>
+    <dgm:style>
+      <a:lnRef idx="2">
+        <a:scrgbClr r="0" g="0" b="0"/>
+      </a:lnRef>
+      <a:fillRef idx="1">
+        <a:scrgbClr r="0" g="0" b="0"/>
+      </a:fillRef>
+      <a:effectRef idx="0">
+        <a:scrgbClr r="0" g="0" b="0"/>
+      </a:effectRef>
+      <a:fontRef idx="minor"/>
+    </dgm:style>
+  </dgm:styleLbl>
+  <dgm:styleLbl name="alignAccFollowNode1">
+    <dgm:scene3d>
+      <a:camera prst="orthographicFront"/>
+      <a:lightRig rig="threePt" dir="t"/>
+    </dgm:scene3d>
+    <dgm:sp3d/>
+    <dgm:txPr/>
+    <dgm:style>
+      <a:lnRef idx="2">
+        <a:scrgbClr r="0" g="0" b="0"/>
+      </a:lnRef>
+      <a:fillRef idx="1">
+        <a:scrgbClr r="0" g="0" b="0"/>
+      </a:fillRef>
+      <a:effectRef idx="0">
+        <a:scrgbClr r="0" g="0" b="0"/>
+      </a:effectRef>
+      <a:fontRef idx="minor"/>
+    </dgm:style>
+  </dgm:styleLbl>
+  <dgm:styleLbl name="bgAccFollowNode1">
+    <dgm:scene3d>
+      <a:camera prst="orthographicFront"/>
+      <a:lightRig rig="threePt" dir="t"/>
+    </dgm:scene3d>
+    <dgm:sp3d/>
+    <dgm:txPr/>
+    <dgm:style>
+      <a:lnRef idx="2">
+        <a:scrgbClr r="0" g="0" b="0"/>
+      </a:lnRef>
+      <a:fillRef idx="1">
+        <a:scrgbClr r="0" g="0" b="0"/>
+      </a:fillRef>
+      <a:effectRef idx="0">
+        <a:scrgbClr r="0" g="0" b="0"/>
+      </a:effectRef>
+      <a:fontRef idx="minor"/>
+    </dgm:style>
+  </dgm:styleLbl>
+  <dgm:styleLbl name="fgAcc0">
+    <dgm:scene3d>
+      <a:camera prst="orthographicFront"/>
+      <a:lightRig rig="threePt" dir="t"/>
+    </dgm:scene3d>
+    <dgm:sp3d/>
+    <dgm:txPr/>
+    <dgm:style>
+      <a:lnRef idx="2">
+        <a:scrgbClr r="0" g="0" b="0"/>
+      </a:lnRef>
+      <a:fillRef idx="1">
+        <a:scrgbClr r="0" g="0" b="0"/>
+      </a:fillRef>
+      <a:effectRef idx="0">
+        <a:scrgbClr r="0" g="0" b="0"/>
+      </a:effectRef>
+      <a:fontRef idx="minor"/>
+    </dgm:style>
+  </dgm:styleLbl>
+  <dgm:styleLbl name="fgAcc2">
+    <dgm:scene3d>
+      <a:camera prst="orthographicFront"/>
+      <a:lightRig rig="threePt" dir="t"/>
+    </dgm:scene3d>
+    <dgm:sp3d/>
+    <dgm:txPr/>
+    <dgm:style>
+      <a:lnRef idx="2">
+        <a:scrgbClr r="0" g="0" b="0"/>
+      </a:lnRef>
+      <a:fillRef idx="1">
+        <a:scrgbClr r="0" g="0" b="0"/>
+      </a:fillRef>
+      <a:effectRef idx="0">
+        <a:scrgbClr r="0" g="0" b="0"/>
+      </a:effectRef>
+      <a:fontRef idx="minor"/>
+    </dgm:style>
+  </dgm:styleLbl>
+  <dgm:styleLbl name="fgAcc3">
+    <dgm:scene3d>
+      <a:camera prst="orthographicFront"/>
+      <a:lightRig rig="threePt" dir="t"/>
+    </dgm:scene3d>
+    <dgm:sp3d/>
+    <dgm:txPr/>
+    <dgm:style>
+      <a:lnRef idx="2">
+        <a:scrgbClr r="0" g="0" b="0"/>
+      </a:lnRef>
+      <a:fillRef idx="1">
+        <a:scrgbClr r="0" g="0" b="0"/>
+      </a:fillRef>
+      <a:effectRef idx="0">
+        <a:scrgbClr r="0" g="0" b="0"/>
+      </a:effectRef>
+      <a:fontRef idx="minor"/>
+    </dgm:style>
+  </dgm:styleLbl>
+  <dgm:styleLbl name="fgAcc4">
+    <dgm:scene3d>
+      <a:camera prst="orthographicFront"/>
+      <a:lightRig rig="threePt" dir="t"/>
+    </dgm:scene3d>
+    <dgm:sp3d/>
+    <dgm:txPr/>
+    <dgm:style>
+      <a:lnRef idx="2">
+        <a:scrgbClr r="0" g="0" b="0"/>
+      </a:lnRef>
+      <a:fillRef idx="1">
+        <a:scrgbClr r="0" g="0" b="0"/>
+      </a:fillRef>
+      <a:effectRef idx="0">
+        <a:scrgbClr r="0" g="0" b="0"/>
+      </a:effectRef>
+      <a:fontRef idx="minor"/>
+    </dgm:style>
+  </dgm:styleLbl>
+  <dgm:styleLbl name="bgShp">
+    <dgm:scene3d>
+      <a:camera prst="orthographicFront"/>
+      <a:lightRig rig="threePt" dir="t"/>
+    </dgm:scene3d>
+    <dgm:sp3d/>
+    <dgm:txPr/>
+    <dgm:style>
+      <a:lnRef idx="0">
+        <a:scrgbClr r="0" g="0" b="0"/>
+      </a:lnRef>
+      <a:fillRef idx="1">
+        <a:scrgbClr r="0" g="0" b="0"/>
+      </a:fillRef>
+      <a:effectRef idx="0">
+        <a:scrgbClr r="0" g="0" b="0"/>
+      </a:effectRef>
+      <a:fontRef idx="minor"/>
+    </dgm:style>
+  </dgm:styleLbl>
+  <dgm:styleLbl name="dkBgShp">
+    <dgm:scene3d>
+      <a:camera prst="orthographicFront"/>
+      <a:lightRig rig="threePt" dir="t"/>
+    </dgm:scene3d>
+    <dgm:sp3d/>
+    <dgm:txPr/>
+    <dgm:style>
+      <a:lnRef idx="0">
+        <a:scrgbClr r="0" g="0" b="0"/>
+      </a:lnRef>
+      <a:fillRef idx="1">
+        <a:scrgbClr r="0" g="0" b="0"/>
+      </a:fillRef>
+      <a:effectRef idx="0">
+        <a:scrgbClr r="0" g="0" b="0"/>
+      </a:effectRef>
+      <a:fontRef idx="minor"/>
+    </dgm:style>
+  </dgm:styleLbl>
+  <dgm:styleLbl name="trBgShp">
+    <dgm:scene3d>
+      <a:camera prst="orthographicFront"/>
+      <a:lightRig rig="threePt" dir="t"/>
+    </dgm:scene3d>
+    <dgm:sp3d/>
+    <dgm:txPr/>
+    <dgm:style>
+      <a:lnRef idx="0">
+        <a:scrgbClr r="0" g="0" b="0"/>
+      </a:lnRef>
+      <a:fillRef idx="1">
+        <a:scrgbClr r="0" g="0" b="0"/>
+      </a:fillRef>
+      <a:effectRef idx="0">
+        <a:scrgbClr r="0" g="0" b="0"/>
+      </a:effectRef>
+      <a:fontRef idx="minor"/>
+    </dgm:style>
+  </dgm:styleLbl>
+  <dgm:styleLbl name="fgShp">
+    <dgm:scene3d>
+      <a:camera prst="orthographicFront"/>
+      <a:lightRig rig="threePt" dir="t"/>
+    </dgm:scene3d>
+    <dgm:sp3d/>
+    <dgm:txPr/>
+    <dgm:style>
+      <a:lnRef idx="2">
+        <a:scrgbClr r="0" g="0" b="0"/>
+      </a:lnRef>
+      <a:fillRef idx="1">
+        <a:scrgbClr r="0" g="0" b="0"/>
+      </a:fillRef>
+      <a:effectRef idx="0">
+        <a:scrgbClr r="0" g="0" b="0"/>
+      </a:effectRef>
+      <a:fontRef idx="minor"/>
+    </dgm:style>
+  </dgm:styleLbl>
+  <dgm:styleLbl name="revTx">
+    <dgm:scene3d>
+      <a:camera prst="orthographicFront"/>
+      <a:lightRig rig="threePt" dir="t"/>
+    </dgm:scene3d>
+    <dgm:sp3d/>
+    <dgm:txPr/>
+    <dgm:style>
+      <a:lnRef idx="0">
+        <a:scrgbClr r="0" g="0" b="0"/>
+      </a:lnRef>
+      <a:fillRef idx="0">
+        <a:scrgbClr r="0" g="0" b="0"/>
+      </a:fillRef>
+      <a:effectRef idx="0">
+        <a:scrgbClr r="0" g="0" b="0"/>
+      </a:effectRef>
+      <a:fontRef idx="minor"/>
+    </dgm:style>
+  </dgm:styleLbl>
+</dgm:styleDef>
+</file>
+
+<file path=ppt/diagrams/quickStyle5.xml><?xml version="1.0" encoding="utf-8"?>
 <dgm:styleDef xmlns:dgm="http://schemas.openxmlformats.org/drawingml/2006/diagram" xmlns:a="http://schemas.openxmlformats.org/drawingml/2006/main" uniqueId="urn:microsoft.com/office/officeart/2005/8/quickstyle/simple1">
   <dgm:title val=""/>
   <dgm:desc val=""/>
@@ -20261,7 +25654,7 @@
           <a:p>
             <a:fld id="{03B24962-D7B5-4FEA-ABE9-8C89DFE85AA1}" type="datetimeFigureOut">
               <a:rPr lang="en-US" smtClean="0"/>
-              <a:t>11/8/2017</a:t>
+              <a:t>11/26/2017</a:t>
             </a:fld>
             <a:endParaRPr lang="en-US"/>
           </a:p>
@@ -20681,7 +26074,7 @@
             <a:fld id="{6048B3DE-E9CD-4720-84B6-E24D30E64DE7}" type="slidenum">
               <a:rPr lang="en-US" smtClean="0"/>
               <a:pPr/>
-              <a:t>25</a:t>
+              <a:t>26</a:t>
             </a:fld>
             <a:endParaRPr lang="en-US"/>
           </a:p>
@@ -20769,7 +26162,7 @@
             <a:fld id="{6048B3DE-E9CD-4720-84B6-E24D30E64DE7}" type="slidenum">
               <a:rPr lang="en-US" smtClean="0"/>
               <a:pPr/>
-              <a:t>26</a:t>
+              <a:t>27</a:t>
             </a:fld>
             <a:endParaRPr lang="en-US"/>
           </a:p>
@@ -20857,7 +26250,7 @@
             <a:fld id="{6048B3DE-E9CD-4720-84B6-E24D30E64DE7}" type="slidenum">
               <a:rPr lang="en-US" smtClean="0"/>
               <a:pPr/>
-              <a:t>27</a:t>
+              <a:t>28</a:t>
             </a:fld>
             <a:endParaRPr lang="en-US"/>
           </a:p>
@@ -20942,7 +26335,7 @@
             <a:fld id="{35B728A6-6F57-4E84-A2C2-C78EE294E18B}" type="slidenum">
               <a:rPr lang="en-US" smtClean="0"/>
               <a:pPr/>
-              <a:t>29</a:t>
+              <a:t>30</a:t>
             </a:fld>
             <a:endParaRPr lang="en-US"/>
           </a:p>
@@ -21035,7 +26428,7 @@
             <a:fld id="{35B728A6-6F57-4E84-A2C2-C78EE294E18B}" type="slidenum">
               <a:rPr lang="en-US" smtClean="0"/>
               <a:pPr/>
-              <a:t>32</a:t>
+              <a:t>33</a:t>
             </a:fld>
             <a:endParaRPr lang="en-US"/>
           </a:p>
@@ -21120,7 +26513,7 @@
             <a:fld id="{6048B3DE-E9CD-4720-84B6-E24D30E64DE7}" type="slidenum">
               <a:rPr lang="en-US" smtClean="0"/>
               <a:pPr/>
-              <a:t>16</a:t>
+              <a:t>17</a:t>
             </a:fld>
             <a:endParaRPr lang="en-US"/>
           </a:p>
@@ -21205,7 +26598,7 @@
             <a:fld id="{6048B3DE-E9CD-4720-84B6-E24D30E64DE7}" type="slidenum">
               <a:rPr lang="en-US" smtClean="0"/>
               <a:pPr/>
-              <a:t>17</a:t>
+              <a:t>18</a:t>
             </a:fld>
             <a:endParaRPr lang="en-US"/>
           </a:p>
@@ -21289,7 +26682,7 @@
           <a:p>
             <a:fld id="{7244E18F-170A-479A-8042-7CA03643CD9B}" type="slidenum">
               <a:rPr lang="en-US" smtClean="0"/>
-              <a:t>18</a:t>
+              <a:t>19</a:t>
             </a:fld>
             <a:endParaRPr lang="en-US"/>
           </a:p>
@@ -21377,7 +26770,7 @@
             <a:fld id="{6048B3DE-E9CD-4720-84B6-E24D30E64DE7}" type="slidenum">
               <a:rPr lang="en-US" smtClean="0"/>
               <a:pPr/>
-              <a:t>20</a:t>
+              <a:t>21</a:t>
             </a:fld>
             <a:endParaRPr lang="en-US"/>
           </a:p>
@@ -21465,7 +26858,7 @@
             <a:fld id="{6048B3DE-E9CD-4720-84B6-E24D30E64DE7}" type="slidenum">
               <a:rPr lang="en-US" smtClean="0"/>
               <a:pPr/>
-              <a:t>21</a:t>
+              <a:t>22</a:t>
             </a:fld>
             <a:endParaRPr lang="en-US"/>
           </a:p>
@@ -21553,7 +26946,7 @@
             <a:fld id="{6048B3DE-E9CD-4720-84B6-E24D30E64DE7}" type="slidenum">
               <a:rPr lang="en-US" smtClean="0"/>
               <a:pPr/>
-              <a:t>22</a:t>
+              <a:t>23</a:t>
             </a:fld>
             <a:endParaRPr lang="en-US"/>
           </a:p>
@@ -21641,7 +27034,7 @@
             <a:fld id="{6048B3DE-E9CD-4720-84B6-E24D30E64DE7}" type="slidenum">
               <a:rPr lang="en-US" smtClean="0"/>
               <a:pPr/>
-              <a:t>23</a:t>
+              <a:t>24</a:t>
             </a:fld>
             <a:endParaRPr lang="en-US"/>
           </a:p>
@@ -21729,7 +27122,7 @@
             <a:fld id="{6048B3DE-E9CD-4720-84B6-E24D30E64DE7}" type="slidenum">
               <a:rPr lang="en-US" smtClean="0"/>
               <a:pPr/>
-              <a:t>24</a:t>
+              <a:t>25</a:t>
             </a:fld>
             <a:endParaRPr lang="en-US"/>
           </a:p>
@@ -21927,7 +27320,7 @@
           <a:p>
             <a:fld id="{2F1F79F5-7BEC-496A-AFC7-876E38F64D71}" type="datetime1">
               <a:rPr lang="en-US" smtClean="0"/>
-              <a:t>11/8/2017</a:t>
+              <a:t>11/26/2017</a:t>
             </a:fld>
             <a:endParaRPr lang="en-US"/>
           </a:p>
@@ -22044,7 +27437,7 @@
           <a:p>
             <a:fld id="{2F7B77F5-1464-4F6B-92A8-64FC8A508293}" type="datetime1">
               <a:rPr lang="en-US" smtClean="0"/>
-              <a:t>11/8/2017</a:t>
+              <a:t>11/26/2017</a:t>
             </a:fld>
             <a:endParaRPr lang="en-US"/>
           </a:p>
@@ -22139,7 +27532,7 @@
           <a:p>
             <a:fld id="{0A05703A-7669-4FEA-9056-25299B4D29D4}" type="datetime1">
               <a:rPr lang="en-US" smtClean="0"/>
-              <a:t>11/8/2017</a:t>
+              <a:t>11/26/2017</a:t>
             </a:fld>
             <a:endParaRPr lang="en-US"/>
           </a:p>
@@ -22414,7 +27807,7 @@
           <a:p>
             <a:fld id="{6E5077B5-BB57-49DB-88CA-226A139E5C01}" type="datetime1">
               <a:rPr lang="en-US" smtClean="0"/>
-              <a:t>11/8/2017</a:t>
+              <a:t>11/26/2017</a:t>
             </a:fld>
             <a:endParaRPr lang="en-US"/>
           </a:p>
@@ -22666,7 +28059,7 @@
           <a:p>
             <a:fld id="{C48D9447-CBD6-49A1-89FD-8512A8CF8999}" type="datetime1">
               <a:rPr lang="en-US" smtClean="0"/>
-              <a:t>11/8/2017</a:t>
+              <a:t>11/26/2017</a:t>
             </a:fld>
             <a:endParaRPr lang="en-US"/>
           </a:p>
@@ -22834,7 +28227,7 @@
           <a:p>
             <a:fld id="{A3639A2A-823D-48B7-9ACE-7FAF42870BA9}" type="datetime1">
               <a:rPr lang="en-US" smtClean="0"/>
-              <a:t>11/8/2017</a:t>
+              <a:t>11/26/2017</a:t>
             </a:fld>
             <a:endParaRPr lang="en-US"/>
           </a:p>
@@ -23012,7 +28405,7 @@
           <a:p>
             <a:fld id="{ED1B6996-82E9-463C-972C-7B56056E426C}" type="datetime1">
               <a:rPr lang="en-US" smtClean="0"/>
-              <a:t>11/8/2017</a:t>
+              <a:t>11/26/2017</a:t>
             </a:fld>
             <a:endParaRPr lang="en-US"/>
           </a:p>
@@ -23186,7 +28579,7 @@
           <a:p>
             <a:fld id="{E22ED4DA-448D-4BB1-B935-CC112220207B}" type="datetime1">
               <a:rPr lang="en-US" smtClean="0"/>
-              <a:t>11/8/2017</a:t>
+              <a:t>11/26/2017</a:t>
             </a:fld>
             <a:endParaRPr lang="en-US"/>
           </a:p>
@@ -23359,7 +28752,7 @@
           <a:p>
             <a:fld id="{E22ED4DA-448D-4BB1-B935-CC112220207B}" type="datetime1">
               <a:rPr lang="en-US" smtClean="0"/>
-              <a:t>11/8/2017</a:t>
+              <a:t>11/26/2017</a:t>
             </a:fld>
             <a:endParaRPr lang="en-US"/>
           </a:p>
@@ -23622,7 +29015,7 @@
           <a:p>
             <a:fld id="{FF5D65A6-AB94-4435-B0B7-3743215FA46C}" type="datetime1">
               <a:rPr lang="en-US" smtClean="0"/>
-              <a:t>11/8/2017</a:t>
+              <a:t>11/26/2017</a:t>
             </a:fld>
             <a:endParaRPr lang="en-US"/>
           </a:p>
@@ -23798,7 +29191,7 @@
           <a:p>
             <a:fld id="{FF5D65A6-AB94-4435-B0B7-3743215FA46C}" type="datetime1">
               <a:rPr lang="en-US" smtClean="0"/>
-              <a:t>11/8/2017</a:t>
+              <a:t>11/26/2017</a:t>
             </a:fld>
             <a:endParaRPr lang="en-US"/>
           </a:p>
@@ -24092,7 +29485,7 @@
           <a:p>
             <a:fld id="{7C193DC4-6EF0-48C9-B29C-616106A645E1}" type="datetime1">
               <a:rPr lang="en-US" smtClean="0"/>
-              <a:t>11/8/2017</a:t>
+              <a:t>11/26/2017</a:t>
             </a:fld>
             <a:endParaRPr lang="en-US"/>
           </a:p>
@@ -24377,7 +29770,7 @@
           <a:p>
             <a:fld id="{5D1846AD-9252-4647-9435-4C2AC365653A}" type="datetime1">
               <a:rPr lang="en-US" smtClean="0"/>
-              <a:t>11/8/2017</a:t>
+              <a:t>11/26/2017</a:t>
             </a:fld>
             <a:endParaRPr lang="en-US"/>
           </a:p>
@@ -24676,7 +30069,7 @@
           <a:p>
             <a:fld id="{5D1846AD-9252-4647-9435-4C2AC365653A}" type="datetime1">
               <a:rPr lang="en-US" smtClean="0"/>
-              <a:t>11/8/2017</a:t>
+              <a:t>11/26/2017</a:t>
             </a:fld>
             <a:endParaRPr lang="en-US"/>
           </a:p>
@@ -25095,7 +30488,7 @@
           <a:p>
             <a:fld id="{CE56DC10-3561-4063-A6AF-C1CC7A41040A}" type="datetime1">
               <a:rPr lang="en-US" smtClean="0"/>
-              <a:t>11/8/2017</a:t>
+              <a:t>11/26/2017</a:t>
             </a:fld>
             <a:endParaRPr lang="en-US"/>
           </a:p>
@@ -25318,7 +30711,7 @@
           <a:p>
             <a:fld id="{02B3F677-983B-48DB-ADFD-63FE6CBC7FB2}" type="datetime1">
               <a:rPr lang="en-US" smtClean="0"/>
-              <a:t>11/8/2017</a:t>
+              <a:t>11/26/2017</a:t>
             </a:fld>
             <a:endParaRPr lang="en-US"/>
           </a:p>
@@ -26219,6 +31612,99 @@
             <p:ph type="title"/>
           </p:nvPr>
         </p:nvSpPr>
+        <p:spPr/>
+        <p:txBody>
+          <a:bodyPr/>
+          <a:lstStyle/>
+          <a:p>
+            <a:r>
+              <a:rPr lang="en-US" dirty="0"/>
+              <a:t>Module 11</a:t>
+            </a:r>
+          </a:p>
+        </p:txBody>
+      </p:sp>
+      <p:sp>
+        <p:nvSpPr>
+          <p:cNvPr id="3" name="Slide Number Placeholder 2"/>
+          <p:cNvSpPr>
+            <a:spLocks noGrp="1"/>
+          </p:cNvSpPr>
+          <p:nvPr>
+            <p:ph type="sldNum" sz="quarter" idx="12"/>
+          </p:nvPr>
+        </p:nvSpPr>
+        <p:spPr/>
+        <p:txBody>
+          <a:bodyPr/>
+          <a:lstStyle/>
+          <a:p>
+            <a:endParaRPr lang="en-US" dirty="0"/>
+          </a:p>
+        </p:txBody>
+      </p:sp>
+      <p:graphicFrame>
+        <p:nvGraphicFramePr>
+          <p:cNvPr id="6" name="Diagram 5"/>
+          <p:cNvGraphicFramePr/>
+          <p:nvPr>
+            <p:extLst>
+              <p:ext uri="{D42A27DB-BD31-4B8C-83A1-F6EECF244321}">
+                <p14:modId xmlns:p14="http://schemas.microsoft.com/office/powerpoint/2010/main" val="2882909406"/>
+              </p:ext>
+            </p:extLst>
+          </p:nvPr>
+        </p:nvGraphicFramePr>
+        <p:xfrm>
+          <a:off x="1524000" y="1727994"/>
+          <a:ext cx="6096000" cy="4520406"/>
+        </p:xfrm>
+        <a:graphic>
+          <a:graphicData uri="http://schemas.openxmlformats.org/drawingml/2006/diagram">
+            <dgm:relIds xmlns:dgm="http://schemas.openxmlformats.org/drawingml/2006/diagram" xmlns:r="http://schemas.openxmlformats.org/officeDocument/2006/relationships" r:dm="rId2" r:lo="rId3" r:qs="rId4" r:cs="rId5"/>
+          </a:graphicData>
+        </a:graphic>
+      </p:graphicFrame>
+    </p:spTree>
+    <p:extLst>
+      <p:ext uri="{BB962C8B-B14F-4D97-AF65-F5344CB8AC3E}">
+        <p14:creationId xmlns:p14="http://schemas.microsoft.com/office/powerpoint/2010/main" val="3701854552"/>
+      </p:ext>
+    </p:extLst>
+  </p:cSld>
+  <p:clrMapOvr>
+    <a:masterClrMapping/>
+  </p:clrMapOvr>
+</p:sld>
+</file>
+
+<file path=ppt/slides/slide14.xml><?xml version="1.0" encoding="utf-8"?>
+<p:sld xmlns:a="http://schemas.openxmlformats.org/drawingml/2006/main" xmlns:r="http://schemas.openxmlformats.org/officeDocument/2006/relationships" xmlns:p="http://schemas.openxmlformats.org/presentationml/2006/main">
+  <p:cSld>
+    <p:spTree>
+      <p:nvGrpSpPr>
+        <p:cNvPr id="1" name=""/>
+        <p:cNvGrpSpPr/>
+        <p:nvPr/>
+      </p:nvGrpSpPr>
+      <p:grpSpPr>
+        <a:xfrm>
+          <a:off x="0" y="0"/>
+          <a:ext cx="0" cy="0"/>
+          <a:chOff x="0" y="0"/>
+          <a:chExt cx="0" cy="0"/>
+        </a:xfrm>
+      </p:grpSpPr>
+      <p:sp>
+        <p:nvSpPr>
+          <p:cNvPr id="2" name="Title 1"/>
+          <p:cNvSpPr>
+            <a:spLocks noGrp="1"/>
+          </p:cNvSpPr>
+          <p:nvPr>
+            <p:ph type="title"/>
+          </p:nvPr>
+        </p:nvSpPr>
         <p:spPr>
           <a:xfrm>
             <a:off x="457200" y="225401"/>
@@ -26498,7 +31984,7 @@
           <a:p>
             <a:fld id="{2AF3B5EA-18B6-4040-9F78-6052AF49C681}" type="slidenum">
               <a:rPr lang="en-US" smtClean="0"/>
-              <a:t>13</a:t>
+              <a:t>14</a:t>
             </a:fld>
             <a:endParaRPr lang="en-US"/>
           </a:p>
@@ -26517,7 +32003,7 @@
 </p:sld>
 </file>
 
-<file path=ppt/slides/slide14.xml><?xml version="1.0" encoding="utf-8"?>
+<file path=ppt/slides/slide15.xml><?xml version="1.0" encoding="utf-8"?>
 <p:sld xmlns:a="http://schemas.openxmlformats.org/drawingml/2006/main" xmlns:r="http://schemas.openxmlformats.org/officeDocument/2006/relationships" xmlns:p="http://schemas.openxmlformats.org/presentationml/2006/main">
   <p:cSld>
     <p:spTree>
@@ -26580,7 +32066,7 @@
           <a:p>
             <a:fld id="{2AF3B5EA-18B6-4040-9F78-6052AF49C681}" type="slidenum">
               <a:rPr lang="en-US" smtClean="0"/>
-              <a:t>14</a:t>
+              <a:t>15</a:t>
             </a:fld>
             <a:endParaRPr lang="en-US"/>
           </a:p>
@@ -26599,7 +32085,7 @@
 </p:sld>
 </file>
 
-<file path=ppt/slides/slide15.xml><?xml version="1.0" encoding="utf-8"?>
+<file path=ppt/slides/slide16.xml><?xml version="1.0" encoding="utf-8"?>
 <p:sld xmlns:a="http://schemas.openxmlformats.org/drawingml/2006/main" xmlns:r="http://schemas.openxmlformats.org/officeDocument/2006/relationships" xmlns:p="http://schemas.openxmlformats.org/presentationml/2006/main">
   <p:cSld>
     <p:spTree>
@@ -26745,7 +32231,7 @@
                 </a:solidFill>
               </a:rPr>
               <a:pPr/>
-              <a:t>15</a:t>
+              <a:t>16</a:t>
             </a:fld>
             <a:endParaRPr lang="en-US" dirty="0">
               <a:solidFill>
@@ -26770,7 +32256,7 @@
 </p:sld>
 </file>
 
-<file path=ppt/slides/slide16.xml><?xml version="1.0" encoding="utf-8"?>
+<file path=ppt/slides/slide17.xml><?xml version="1.0" encoding="utf-8"?>
 <p:sld xmlns:a="http://schemas.openxmlformats.org/drawingml/2006/main" xmlns:r="http://schemas.openxmlformats.org/officeDocument/2006/relationships" xmlns:p="http://schemas.openxmlformats.org/presentationml/2006/main">
   <p:cSld>
     <p:spTree>
@@ -26981,7 +32467,7 @@
           <a:p>
             <a:fld id="{2AF3B5EA-18B6-4040-9F78-6052AF49C681}" type="slidenum">
               <a:rPr lang="en-US" smtClean="0"/>
-              <a:t>16</a:t>
+              <a:t>17</a:t>
             </a:fld>
             <a:endParaRPr lang="en-US"/>
           </a:p>
@@ -27000,7 +32486,7 @@
 </p:sld>
 </file>
 
-<file path=ppt/slides/slide17.xml><?xml version="1.0" encoding="utf-8"?>
+<file path=ppt/slides/slide18.xml><?xml version="1.0" encoding="utf-8"?>
 <p:sld xmlns:a="http://schemas.openxmlformats.org/drawingml/2006/main" xmlns:r="http://schemas.openxmlformats.org/officeDocument/2006/relationships" xmlns:p="http://schemas.openxmlformats.org/presentationml/2006/main">
   <p:cSld>
     <p:spTree>
@@ -27244,7 +32730,7 @@
           <a:p>
             <a:fld id="{2AF3B5EA-18B6-4040-9F78-6052AF49C681}" type="slidenum">
               <a:rPr lang="en-US" smtClean="0"/>
-              <a:t>17</a:t>
+              <a:t>18</a:t>
             </a:fld>
             <a:endParaRPr lang="en-US"/>
           </a:p>
@@ -27263,7 +32749,7 @@
 </p:sld>
 </file>
 
-<file path=ppt/slides/slide18.xml><?xml version="1.0" encoding="utf-8"?>
+<file path=ppt/slides/slide19.xml><?xml version="1.0" encoding="utf-8"?>
 <p:sld xmlns:a="http://schemas.openxmlformats.org/drawingml/2006/main" xmlns:r="http://schemas.openxmlformats.org/officeDocument/2006/relationships" xmlns:p="http://schemas.openxmlformats.org/presentationml/2006/main">
   <p:cSld>
     <p:spTree>
@@ -28122,7 +33608,98 @@
 </p:sld>
 </file>
 
-<file path=ppt/slides/slide19.xml><?xml version="1.0" encoding="utf-8"?>
+<file path=ppt/slides/slide2.xml><?xml version="1.0" encoding="utf-8"?>
+<p:sld xmlns:a="http://schemas.openxmlformats.org/drawingml/2006/main" xmlns:r="http://schemas.openxmlformats.org/officeDocument/2006/relationships" xmlns:p="http://schemas.openxmlformats.org/presentationml/2006/main">
+  <p:cSld>
+    <p:spTree>
+      <p:nvGrpSpPr>
+        <p:cNvPr id="1" name=""/>
+        <p:cNvGrpSpPr/>
+        <p:nvPr/>
+      </p:nvGrpSpPr>
+      <p:grpSpPr>
+        <a:xfrm>
+          <a:off x="0" y="0"/>
+          <a:ext cx="0" cy="0"/>
+          <a:chOff x="0" y="0"/>
+          <a:chExt cx="0" cy="0"/>
+        </a:xfrm>
+      </p:grpSpPr>
+      <p:sp>
+        <p:nvSpPr>
+          <p:cNvPr id="9" name="Title 8"/>
+          <p:cNvSpPr>
+            <a:spLocks noGrp="1"/>
+          </p:cNvSpPr>
+          <p:nvPr>
+            <p:ph type="title"/>
+          </p:nvPr>
+        </p:nvSpPr>
+        <p:spPr/>
+        <p:txBody>
+          <a:bodyPr/>
+          <a:lstStyle/>
+          <a:p>
+            <a:endParaRPr lang="en-US"/>
+          </a:p>
+        </p:txBody>
+      </p:sp>
+      <p:sp>
+        <p:nvSpPr>
+          <p:cNvPr id="10" name="Content Placeholder 9"/>
+          <p:cNvSpPr>
+            <a:spLocks noGrp="1"/>
+          </p:cNvSpPr>
+          <p:nvPr>
+            <p:ph idx="1"/>
+          </p:nvPr>
+        </p:nvSpPr>
+        <p:spPr/>
+        <p:txBody>
+          <a:bodyPr/>
+          <a:lstStyle/>
+          <a:p>
+            <a:endParaRPr lang="en-US" dirty="0"/>
+          </a:p>
+        </p:txBody>
+      </p:sp>
+      <p:sp>
+        <p:nvSpPr>
+          <p:cNvPr id="4" name="Slide Number Placeholder 3"/>
+          <p:cNvSpPr>
+            <a:spLocks noGrp="1"/>
+          </p:cNvSpPr>
+          <p:nvPr>
+            <p:ph type="sldNum" sz="quarter" idx="12"/>
+          </p:nvPr>
+        </p:nvSpPr>
+        <p:spPr/>
+        <p:txBody>
+          <a:bodyPr/>
+          <a:lstStyle/>
+          <a:p>
+            <a:fld id="{2AF3B5EA-18B6-4040-9F78-6052AF49C681}" type="slidenum">
+              <a:rPr lang="en-US" smtClean="0"/>
+              <a:t>2</a:t>
+            </a:fld>
+            <a:endParaRPr lang="en-US"/>
+          </a:p>
+        </p:txBody>
+      </p:sp>
+    </p:spTree>
+    <p:extLst>
+      <p:ext uri="{BB962C8B-B14F-4D97-AF65-F5344CB8AC3E}">
+        <p14:creationId xmlns:p14="http://schemas.microsoft.com/office/powerpoint/2010/main" val="3614611356"/>
+      </p:ext>
+    </p:extLst>
+  </p:cSld>
+  <p:clrMapOvr>
+    <a:masterClrMapping/>
+  </p:clrMapOvr>
+</p:sld>
+</file>
+
+<file path=ppt/slides/slide20.xml><?xml version="1.0" encoding="utf-8"?>
 <p:sld xmlns:a="http://schemas.openxmlformats.org/drawingml/2006/main" xmlns:r="http://schemas.openxmlformats.org/officeDocument/2006/relationships" xmlns:p="http://schemas.openxmlformats.org/presentationml/2006/main">
   <p:cSld>
     <p:spTree>
@@ -28386,7 +33963,7 @@
           <a:p>
             <a:fld id="{2AF3B5EA-18B6-4040-9F78-6052AF49C681}" type="slidenum">
               <a:rPr lang="en-US" smtClean="0"/>
-              <a:t>19</a:t>
+              <a:t>20</a:t>
             </a:fld>
             <a:endParaRPr lang="en-US"/>
           </a:p>
@@ -28405,98 +33982,7 @@
 </p:sld>
 </file>
 
-<file path=ppt/slides/slide2.xml><?xml version="1.0" encoding="utf-8"?>
-<p:sld xmlns:a="http://schemas.openxmlformats.org/drawingml/2006/main" xmlns:r="http://schemas.openxmlformats.org/officeDocument/2006/relationships" xmlns:p="http://schemas.openxmlformats.org/presentationml/2006/main">
-  <p:cSld>
-    <p:spTree>
-      <p:nvGrpSpPr>
-        <p:cNvPr id="1" name=""/>
-        <p:cNvGrpSpPr/>
-        <p:nvPr/>
-      </p:nvGrpSpPr>
-      <p:grpSpPr>
-        <a:xfrm>
-          <a:off x="0" y="0"/>
-          <a:ext cx="0" cy="0"/>
-          <a:chOff x="0" y="0"/>
-          <a:chExt cx="0" cy="0"/>
-        </a:xfrm>
-      </p:grpSpPr>
-      <p:sp>
-        <p:nvSpPr>
-          <p:cNvPr id="9" name="Title 8"/>
-          <p:cNvSpPr>
-            <a:spLocks noGrp="1"/>
-          </p:cNvSpPr>
-          <p:nvPr>
-            <p:ph type="title"/>
-          </p:nvPr>
-        </p:nvSpPr>
-        <p:spPr/>
-        <p:txBody>
-          <a:bodyPr/>
-          <a:lstStyle/>
-          <a:p>
-            <a:endParaRPr lang="en-US"/>
-          </a:p>
-        </p:txBody>
-      </p:sp>
-      <p:sp>
-        <p:nvSpPr>
-          <p:cNvPr id="10" name="Content Placeholder 9"/>
-          <p:cNvSpPr>
-            <a:spLocks noGrp="1"/>
-          </p:cNvSpPr>
-          <p:nvPr>
-            <p:ph idx="1"/>
-          </p:nvPr>
-        </p:nvSpPr>
-        <p:spPr/>
-        <p:txBody>
-          <a:bodyPr/>
-          <a:lstStyle/>
-          <a:p>
-            <a:endParaRPr lang="en-US" dirty="0"/>
-          </a:p>
-        </p:txBody>
-      </p:sp>
-      <p:sp>
-        <p:nvSpPr>
-          <p:cNvPr id="4" name="Slide Number Placeholder 3"/>
-          <p:cNvSpPr>
-            <a:spLocks noGrp="1"/>
-          </p:cNvSpPr>
-          <p:nvPr>
-            <p:ph type="sldNum" sz="quarter" idx="12"/>
-          </p:nvPr>
-        </p:nvSpPr>
-        <p:spPr/>
-        <p:txBody>
-          <a:bodyPr/>
-          <a:lstStyle/>
-          <a:p>
-            <a:fld id="{2AF3B5EA-18B6-4040-9F78-6052AF49C681}" type="slidenum">
-              <a:rPr lang="en-US" smtClean="0"/>
-              <a:t>2</a:t>
-            </a:fld>
-            <a:endParaRPr lang="en-US"/>
-          </a:p>
-        </p:txBody>
-      </p:sp>
-    </p:spTree>
-    <p:extLst>
-      <p:ext uri="{BB962C8B-B14F-4D97-AF65-F5344CB8AC3E}">
-        <p14:creationId xmlns:p14="http://schemas.microsoft.com/office/powerpoint/2010/main" val="3614611356"/>
-      </p:ext>
-    </p:extLst>
-  </p:cSld>
-  <p:clrMapOvr>
-    <a:masterClrMapping/>
-  </p:clrMapOvr>
-</p:sld>
-</file>
-
-<file path=ppt/slides/slide20.xml><?xml version="1.0" encoding="utf-8"?>
+<file path=ppt/slides/slide21.xml><?xml version="1.0" encoding="utf-8"?>
 <p:sld xmlns:a="http://schemas.openxmlformats.org/drawingml/2006/main" xmlns:r="http://schemas.openxmlformats.org/officeDocument/2006/relationships" xmlns:p="http://schemas.openxmlformats.org/presentationml/2006/main">
   <p:cSld>
     <p:spTree>
@@ -28798,7 +34284,7 @@
           <a:p>
             <a:fld id="{2AF3B5EA-18B6-4040-9F78-6052AF49C681}" type="slidenum">
               <a:rPr lang="en-US" smtClean="0"/>
-              <a:t>20</a:t>
+              <a:t>21</a:t>
             </a:fld>
             <a:endParaRPr lang="en-US"/>
           </a:p>
@@ -28928,7 +34414,7 @@
 </p:sld>
 </file>
 
-<file path=ppt/slides/slide21.xml><?xml version="1.0" encoding="utf-8"?>
+<file path=ppt/slides/slide22.xml><?xml version="1.0" encoding="utf-8"?>
 <p:sld xmlns:a="http://schemas.openxmlformats.org/drawingml/2006/main" xmlns:r="http://schemas.openxmlformats.org/officeDocument/2006/relationships" xmlns:p="http://schemas.openxmlformats.org/presentationml/2006/main">
   <p:cSld>
     <p:spTree>
@@ -29240,7 +34726,7 @@
           <a:p>
             <a:fld id="{2AF3B5EA-18B6-4040-9F78-6052AF49C681}" type="slidenum">
               <a:rPr lang="en-US" smtClean="0"/>
-              <a:t>21</a:t>
+              <a:t>22</a:t>
             </a:fld>
             <a:endParaRPr lang="en-US"/>
           </a:p>
@@ -29259,7 +34745,7 @@
 </p:sld>
 </file>
 
-<file path=ppt/slides/slide22.xml><?xml version="1.0" encoding="utf-8"?>
+<file path=ppt/slides/slide23.xml><?xml version="1.0" encoding="utf-8"?>
 <p:sld xmlns:a="http://schemas.openxmlformats.org/drawingml/2006/main" xmlns:r="http://schemas.openxmlformats.org/officeDocument/2006/relationships" xmlns:p="http://schemas.openxmlformats.org/presentationml/2006/main">
   <p:cSld>
     <p:spTree>
@@ -29524,7 +35010,7 @@
           <a:p>
             <a:fld id="{2AF3B5EA-18B6-4040-9F78-6052AF49C681}" type="slidenum">
               <a:rPr lang="en-US" smtClean="0"/>
-              <a:t>22</a:t>
+              <a:t>23</a:t>
             </a:fld>
             <a:endParaRPr lang="en-US"/>
           </a:p>
@@ -29543,7 +35029,7 @@
 </p:sld>
 </file>
 
-<file path=ppt/slides/slide23.xml><?xml version="1.0" encoding="utf-8"?>
+<file path=ppt/slides/slide24.xml><?xml version="1.0" encoding="utf-8"?>
 <p:sld xmlns:a="http://schemas.openxmlformats.org/drawingml/2006/main" xmlns:r="http://schemas.openxmlformats.org/officeDocument/2006/relationships" xmlns:p="http://schemas.openxmlformats.org/presentationml/2006/main">
   <p:cSld>
     <p:spTree>
@@ -29982,7 +35468,7 @@
           <a:p>
             <a:fld id="{2AF3B5EA-18B6-4040-9F78-6052AF49C681}" type="slidenum">
               <a:rPr lang="en-US" smtClean="0"/>
-              <a:t>23</a:t>
+              <a:t>24</a:t>
             </a:fld>
             <a:endParaRPr lang="en-US"/>
           </a:p>
@@ -30001,7 +35487,7 @@
 </p:sld>
 </file>
 
-<file path=ppt/slides/slide24.xml><?xml version="1.0" encoding="utf-8"?>
+<file path=ppt/slides/slide25.xml><?xml version="1.0" encoding="utf-8"?>
 <p:sld xmlns:a="http://schemas.openxmlformats.org/drawingml/2006/main" xmlns:r="http://schemas.openxmlformats.org/officeDocument/2006/relationships" xmlns:p="http://schemas.openxmlformats.org/presentationml/2006/main">
   <p:cSld>
     <p:spTree>
@@ -30608,7 +36094,7 @@
           <a:p>
             <a:fld id="{2AF3B5EA-18B6-4040-9F78-6052AF49C681}" type="slidenum">
               <a:rPr lang="en-US" smtClean="0"/>
-              <a:t>24</a:t>
+              <a:t>25</a:t>
             </a:fld>
             <a:endParaRPr lang="en-US"/>
           </a:p>
@@ -30627,7 +36113,7 @@
 </p:sld>
 </file>
 
-<file path=ppt/slides/slide25.xml><?xml version="1.0" encoding="utf-8"?>
+<file path=ppt/slides/slide26.xml><?xml version="1.0" encoding="utf-8"?>
 <p:sld xmlns:a="http://schemas.openxmlformats.org/drawingml/2006/main" xmlns:r="http://schemas.openxmlformats.org/officeDocument/2006/relationships" xmlns:p="http://schemas.openxmlformats.org/presentationml/2006/main">
   <p:cSld>
     <p:spTree>
@@ -30848,7 +36334,7 @@
           <a:p>
             <a:fld id="{2AF3B5EA-18B6-4040-9F78-6052AF49C681}" type="slidenum">
               <a:rPr lang="en-US" smtClean="0"/>
-              <a:t>25</a:t>
+              <a:t>26</a:t>
             </a:fld>
             <a:endParaRPr lang="en-US"/>
           </a:p>
@@ -30867,7 +36353,7 @@
 </p:sld>
 </file>
 
-<file path=ppt/slides/slide26.xml><?xml version="1.0" encoding="utf-8"?>
+<file path=ppt/slides/slide27.xml><?xml version="1.0" encoding="utf-8"?>
 <p:sld xmlns:a="http://schemas.openxmlformats.org/drawingml/2006/main" xmlns:r="http://schemas.openxmlformats.org/officeDocument/2006/relationships" xmlns:p="http://schemas.openxmlformats.org/presentationml/2006/main">
   <p:cSld>
     <p:spTree>
@@ -31201,7 +36687,7 @@
           <a:p>
             <a:fld id="{2AF3B5EA-18B6-4040-9F78-6052AF49C681}" type="slidenum">
               <a:rPr lang="en-US" smtClean="0"/>
-              <a:t>26</a:t>
+              <a:t>27</a:t>
             </a:fld>
             <a:endParaRPr lang="en-US"/>
           </a:p>
@@ -31220,7 +36706,7 @@
 </p:sld>
 </file>
 
-<file path=ppt/slides/slide27.xml><?xml version="1.0" encoding="utf-8"?>
+<file path=ppt/slides/slide28.xml><?xml version="1.0" encoding="utf-8"?>
 <p:sld xmlns:a="http://schemas.openxmlformats.org/drawingml/2006/main" xmlns:r="http://schemas.openxmlformats.org/officeDocument/2006/relationships" xmlns:p="http://schemas.openxmlformats.org/presentationml/2006/main">
   <p:cSld>
     <p:spTree>
@@ -31460,7 +36946,7 @@
           <a:p>
             <a:fld id="{2AF3B5EA-18B6-4040-9F78-6052AF49C681}" type="slidenum">
               <a:rPr lang="en-US" smtClean="0"/>
-              <a:t>27</a:t>
+              <a:t>28</a:t>
             </a:fld>
             <a:endParaRPr lang="en-US"/>
           </a:p>
@@ -31479,7 +36965,7 @@
 </p:sld>
 </file>
 
-<file path=ppt/slides/slide28.xml><?xml version="1.0" encoding="utf-8"?>
+<file path=ppt/slides/slide29.xml><?xml version="1.0" encoding="utf-8"?>
 <p:sld xmlns:a="http://schemas.openxmlformats.org/drawingml/2006/main" xmlns:r="http://schemas.openxmlformats.org/officeDocument/2006/relationships" xmlns:p="http://schemas.openxmlformats.org/presentationml/2006/main">
   <p:cSld>
     <p:spTree>
@@ -31831,7 +37317,7 @@
           <a:p>
             <a:fld id="{2AF3B5EA-18B6-4040-9F78-6052AF49C681}" type="slidenum">
               <a:rPr lang="en-US" smtClean="0"/>
-              <a:t>28</a:t>
+              <a:t>29</a:t>
             </a:fld>
             <a:endParaRPr lang="en-US"/>
           </a:p>
@@ -31850,7 +37336,101 @@
 </p:sld>
 </file>
 
-<file path=ppt/slides/slide29.xml><?xml version="1.0" encoding="utf-8"?>
+<file path=ppt/slides/slide3.xml><?xml version="1.0" encoding="utf-8"?>
+<p:sld xmlns:a="http://schemas.openxmlformats.org/drawingml/2006/main" xmlns:r="http://schemas.openxmlformats.org/officeDocument/2006/relationships" xmlns:p="http://schemas.openxmlformats.org/presentationml/2006/main">
+  <p:cSld>
+    <p:spTree>
+      <p:nvGrpSpPr>
+        <p:cNvPr id="1" name=""/>
+        <p:cNvGrpSpPr/>
+        <p:nvPr/>
+      </p:nvGrpSpPr>
+      <p:grpSpPr>
+        <a:xfrm>
+          <a:off x="0" y="0"/>
+          <a:ext cx="0" cy="0"/>
+          <a:chOff x="0" y="0"/>
+          <a:chExt cx="0" cy="0"/>
+        </a:xfrm>
+      </p:grpSpPr>
+      <p:sp>
+        <p:nvSpPr>
+          <p:cNvPr id="2" name="Title 1"/>
+          <p:cNvSpPr>
+            <a:spLocks noGrp="1"/>
+          </p:cNvSpPr>
+          <p:nvPr>
+            <p:ph type="title"/>
+          </p:nvPr>
+        </p:nvSpPr>
+        <p:spPr/>
+        <p:txBody>
+          <a:bodyPr/>
+          <a:lstStyle/>
+          <a:p>
+            <a:r>
+              <a:rPr lang="en-US" dirty="0"/>
+              <a:t>Introduction</a:t>
+            </a:r>
+          </a:p>
+        </p:txBody>
+      </p:sp>
+      <p:sp>
+        <p:nvSpPr>
+          <p:cNvPr id="3" name="Content Placeholder 2"/>
+          <p:cNvSpPr>
+            <a:spLocks noGrp="1"/>
+          </p:cNvSpPr>
+          <p:nvPr>
+            <p:ph idx="1"/>
+          </p:nvPr>
+        </p:nvSpPr>
+        <p:spPr/>
+        <p:txBody>
+          <a:bodyPr/>
+          <a:lstStyle/>
+          <a:p>
+            <a:endParaRPr lang="en-US"/>
+          </a:p>
+        </p:txBody>
+      </p:sp>
+      <p:sp>
+        <p:nvSpPr>
+          <p:cNvPr id="4" name="Slide Number Placeholder 3"/>
+          <p:cNvSpPr>
+            <a:spLocks noGrp="1"/>
+          </p:cNvSpPr>
+          <p:nvPr>
+            <p:ph type="sldNum" sz="quarter" idx="12"/>
+          </p:nvPr>
+        </p:nvSpPr>
+        <p:spPr/>
+        <p:txBody>
+          <a:bodyPr/>
+          <a:lstStyle/>
+          <a:p>
+            <a:fld id="{2AF3B5EA-18B6-4040-9F78-6052AF49C681}" type="slidenum">
+              <a:rPr lang="en-US" smtClean="0"/>
+              <a:t>3</a:t>
+            </a:fld>
+            <a:endParaRPr lang="en-US"/>
+          </a:p>
+        </p:txBody>
+      </p:sp>
+    </p:spTree>
+    <p:extLst>
+      <p:ext uri="{BB962C8B-B14F-4D97-AF65-F5344CB8AC3E}">
+        <p14:creationId xmlns:p14="http://schemas.microsoft.com/office/powerpoint/2010/main" val="102794437"/>
+      </p:ext>
+    </p:extLst>
+  </p:cSld>
+  <p:clrMapOvr>
+    <a:masterClrMapping/>
+  </p:clrMapOvr>
+</p:sld>
+</file>
+
+<file path=ppt/slides/slide30.xml><?xml version="1.0" encoding="utf-8"?>
 <p:sld xmlns:a="http://schemas.openxmlformats.org/drawingml/2006/main" xmlns:r="http://schemas.openxmlformats.org/officeDocument/2006/relationships" xmlns:p="http://schemas.openxmlformats.org/presentationml/2006/main">
   <p:cSld>
     <p:spTree>
@@ -32179,7 +37759,7 @@
           <a:p>
             <a:fld id="{2AF3B5EA-18B6-4040-9F78-6052AF49C681}" type="slidenum">
               <a:rPr lang="en-US" smtClean="0"/>
-              <a:t>29</a:t>
+              <a:t>30</a:t>
             </a:fld>
             <a:endParaRPr lang="en-US"/>
           </a:p>
@@ -32198,101 +37778,7 @@
 </p:sld>
 </file>
 
-<file path=ppt/slides/slide3.xml><?xml version="1.0" encoding="utf-8"?>
-<p:sld xmlns:a="http://schemas.openxmlformats.org/drawingml/2006/main" xmlns:r="http://schemas.openxmlformats.org/officeDocument/2006/relationships" xmlns:p="http://schemas.openxmlformats.org/presentationml/2006/main">
-  <p:cSld>
-    <p:spTree>
-      <p:nvGrpSpPr>
-        <p:cNvPr id="1" name=""/>
-        <p:cNvGrpSpPr/>
-        <p:nvPr/>
-      </p:nvGrpSpPr>
-      <p:grpSpPr>
-        <a:xfrm>
-          <a:off x="0" y="0"/>
-          <a:ext cx="0" cy="0"/>
-          <a:chOff x="0" y="0"/>
-          <a:chExt cx="0" cy="0"/>
-        </a:xfrm>
-      </p:grpSpPr>
-      <p:sp>
-        <p:nvSpPr>
-          <p:cNvPr id="2" name="Title 1"/>
-          <p:cNvSpPr>
-            <a:spLocks noGrp="1"/>
-          </p:cNvSpPr>
-          <p:nvPr>
-            <p:ph type="title"/>
-          </p:nvPr>
-        </p:nvSpPr>
-        <p:spPr/>
-        <p:txBody>
-          <a:bodyPr/>
-          <a:lstStyle/>
-          <a:p>
-            <a:r>
-              <a:rPr lang="en-US" dirty="0"/>
-              <a:t>Introduction</a:t>
-            </a:r>
-          </a:p>
-        </p:txBody>
-      </p:sp>
-      <p:sp>
-        <p:nvSpPr>
-          <p:cNvPr id="3" name="Content Placeholder 2"/>
-          <p:cNvSpPr>
-            <a:spLocks noGrp="1"/>
-          </p:cNvSpPr>
-          <p:nvPr>
-            <p:ph idx="1"/>
-          </p:nvPr>
-        </p:nvSpPr>
-        <p:spPr/>
-        <p:txBody>
-          <a:bodyPr/>
-          <a:lstStyle/>
-          <a:p>
-            <a:endParaRPr lang="en-US"/>
-          </a:p>
-        </p:txBody>
-      </p:sp>
-      <p:sp>
-        <p:nvSpPr>
-          <p:cNvPr id="4" name="Slide Number Placeholder 3"/>
-          <p:cNvSpPr>
-            <a:spLocks noGrp="1"/>
-          </p:cNvSpPr>
-          <p:nvPr>
-            <p:ph type="sldNum" sz="quarter" idx="12"/>
-          </p:nvPr>
-        </p:nvSpPr>
-        <p:spPr/>
-        <p:txBody>
-          <a:bodyPr/>
-          <a:lstStyle/>
-          <a:p>
-            <a:fld id="{2AF3B5EA-18B6-4040-9F78-6052AF49C681}" type="slidenum">
-              <a:rPr lang="en-US" smtClean="0"/>
-              <a:t>3</a:t>
-            </a:fld>
-            <a:endParaRPr lang="en-US"/>
-          </a:p>
-        </p:txBody>
-      </p:sp>
-    </p:spTree>
-    <p:extLst>
-      <p:ext uri="{BB962C8B-B14F-4D97-AF65-F5344CB8AC3E}">
-        <p14:creationId xmlns:p14="http://schemas.microsoft.com/office/powerpoint/2010/main" val="102794437"/>
-      </p:ext>
-    </p:extLst>
-  </p:cSld>
-  <p:clrMapOvr>
-    <a:masterClrMapping/>
-  </p:clrMapOvr>
-</p:sld>
-</file>
-
-<file path=ppt/slides/slide30.xml><?xml version="1.0" encoding="utf-8"?>
+<file path=ppt/slides/slide31.xml><?xml version="1.0" encoding="utf-8"?>
 <p:sld xmlns:a="http://schemas.openxmlformats.org/drawingml/2006/main" xmlns:r="http://schemas.openxmlformats.org/officeDocument/2006/relationships" xmlns:p="http://schemas.openxmlformats.org/presentationml/2006/main">
   <p:cSld>
     <p:spTree>
@@ -32590,7 +38076,7 @@
           <a:p>
             <a:fld id="{2AF3B5EA-18B6-4040-9F78-6052AF49C681}" type="slidenum">
               <a:rPr lang="en-US" smtClean="0"/>
-              <a:t>30</a:t>
+              <a:t>31</a:t>
             </a:fld>
             <a:endParaRPr lang="en-US"/>
           </a:p>
@@ -32609,7 +38095,7 @@
 </p:sld>
 </file>
 
-<file path=ppt/slides/slide31.xml><?xml version="1.0" encoding="utf-8"?>
+<file path=ppt/slides/slide32.xml><?xml version="1.0" encoding="utf-8"?>
 <p:sld xmlns:a="http://schemas.openxmlformats.org/drawingml/2006/main" xmlns:r="http://schemas.openxmlformats.org/officeDocument/2006/relationships" xmlns:p="http://schemas.openxmlformats.org/presentationml/2006/main">
   <p:cSld>
     <p:spTree>
@@ -32867,7 +38353,7 @@
           <a:p>
             <a:fld id="{2AF3B5EA-18B6-4040-9F78-6052AF49C681}" type="slidenum">
               <a:rPr lang="en-US" smtClean="0"/>
-              <a:t>31</a:t>
+              <a:t>32</a:t>
             </a:fld>
             <a:endParaRPr lang="en-US"/>
           </a:p>
@@ -32886,7 +38372,7 @@
 </p:sld>
 </file>
 
-<file path=ppt/slides/slide32.xml><?xml version="1.0" encoding="utf-8"?>
+<file path=ppt/slides/slide33.xml><?xml version="1.0" encoding="utf-8"?>
 <p:sld xmlns:a="http://schemas.openxmlformats.org/drawingml/2006/main" xmlns:r="http://schemas.openxmlformats.org/officeDocument/2006/relationships" xmlns:p="http://schemas.openxmlformats.org/presentationml/2006/main">
   <p:cSld>
     <p:spTree>
@@ -33119,7 +38605,7 @@
           <a:p>
             <a:fld id="{2AF3B5EA-18B6-4040-9F78-6052AF49C681}" type="slidenum">
               <a:rPr lang="en-US" smtClean="0"/>
-              <a:t>32</a:t>
+              <a:t>33</a:t>
             </a:fld>
             <a:endParaRPr lang="en-US"/>
           </a:p>
@@ -33138,7 +38624,7 @@
 </p:sld>
 </file>
 
-<file path=ppt/slides/slide33.xml><?xml version="1.0" encoding="utf-8"?>
+<file path=ppt/slides/slide34.xml><?xml version="1.0" encoding="utf-8"?>
 <p:sld xmlns:a="http://schemas.openxmlformats.org/drawingml/2006/main" xmlns:r="http://schemas.openxmlformats.org/officeDocument/2006/relationships" xmlns:p="http://schemas.openxmlformats.org/presentationml/2006/main">
   <p:cSld>
     <p:spTree>
@@ -33349,7 +38835,7 @@
           <a:p>
             <a:fld id="{2AF3B5EA-18B6-4040-9F78-6052AF49C681}" type="slidenum">
               <a:rPr lang="en-US" smtClean="0"/>
-              <a:t>33</a:t>
+              <a:t>34</a:t>
             </a:fld>
             <a:endParaRPr lang="en-US"/>
           </a:p>
@@ -33368,7 +38854,7 @@
 </p:sld>
 </file>
 
-<file path=ppt/slides/slide34.xml><?xml version="1.0" encoding="utf-8"?>
+<file path=ppt/slides/slide35.xml><?xml version="1.0" encoding="utf-8"?>
 <p:sld xmlns:a="http://schemas.openxmlformats.org/drawingml/2006/main" xmlns:r="http://schemas.openxmlformats.org/officeDocument/2006/relationships" xmlns:p="http://schemas.openxmlformats.org/presentationml/2006/main">
   <p:cSld>
     <p:spTree>
@@ -33601,7 +39087,7 @@
           <a:p>
             <a:fld id="{2AF3B5EA-18B6-4040-9F78-6052AF49C681}" type="slidenum">
               <a:rPr lang="en-US" smtClean="0"/>
-              <a:t>34</a:t>
+              <a:t>35</a:t>
             </a:fld>
             <a:endParaRPr lang="en-US"/>
           </a:p>
